--- a/help/data-sheets/assets/BusinessSupportDatasheet.pptx
+++ b/help/data-sheets/assets/BusinessSupportDatasheet.pptx
@@ -368,7 +368,7 @@
           <a:p>
             <a:fld id="{FB81873C-0B24-F04A-98A1-90E0A78F7E8A}" type="datetimeFigureOut">
               <a:rPr lang="en-US" smtClean="0"/>
-              <a:t>9/22/2021</a:t>
+              <a:t>10/1/2021</a:t>
             </a:fld>
             <a:endParaRPr lang="en-US"/>
           </a:p>
@@ -991,7 +991,7 @@
           <a:p>
             <a:fld id="{1D8BD707-D9CF-40AE-B4C6-C98DA3205C09}" type="datetimeFigureOut">
               <a:rPr lang="en-US"/>
-              <a:t>9/22/2021</a:t>
+              <a:t>10/1/2021</a:t>
             </a:fld>
             <a:endParaRPr lang="en-US"/>
           </a:p>
@@ -1048,7 +1048,7 @@
         <p:spPr>
           <a:xfrm>
             <a:off x="5181601" y="9857232"/>
-            <a:ext cx="2443416" cy="123111"/>
+            <a:ext cx="2443416" cy="246221"/>
           </a:xfrm>
           <a:prstGeom prst="rect">
             <a:avLst/>
@@ -1071,31 +1071,26 @@
           </a:lstStyle>
           <a:p>
             <a:pPr marL="12700">
-              <a:lnSpc>
-                <a:spcPct val="100000"/>
-              </a:lnSpc>
               <a:spcBef>
                 <a:spcPts val="75"/>
               </a:spcBef>
             </a:pPr>
             <a:r>
-              <a:rPr spc="-5"/>
-              <a:t>©202</a:t>
+              <a:rPr lang="en-US" spc="-5" dirty="0">
+                <a:latin typeface="Adobe Clean Han Regular" panose="020B0500000000000000" pitchFamily="34" charset="-128"/>
+              </a:rPr>
+              <a:t>©2021 Adobe. All Rights Reserved. Adobe</a:t>
             </a:r>
             <a:r>
-              <a:rPr lang="en-US" spc="-5"/>
-              <a:t>1 </a:t>
-            </a:r>
-            <a:r>
-              <a:rPr spc="-5"/>
-              <a:t>Adobe. All Rights Reserved. Adobe</a:t>
-            </a:r>
-            <a:r>
-              <a:rPr spc="60"/>
+              <a:rPr lang="en-US" spc="60" dirty="0">
+                <a:latin typeface="Adobe Clean Han Regular" panose="020B0500000000000000" pitchFamily="34" charset="-128"/>
+              </a:rPr>
               <a:t> </a:t>
             </a:r>
             <a:r>
-              <a:rPr spc="-5"/>
+              <a:rPr lang="en-US" spc="-5" dirty="0">
+                <a:latin typeface="Adobe Clean Han Regular" panose="020B0500000000000000" pitchFamily="34" charset="-128"/>
+              </a:rPr>
               <a:t>Confidential.</a:t>
             </a:r>
           </a:p>
@@ -1183,7 +1178,7 @@
           <a:p>
             <a:fld id="{1D8BD707-D9CF-40AE-B4C6-C98DA3205C09}" type="datetimeFigureOut">
               <a:rPr lang="en-US"/>
-              <a:t>9/22/2021</a:t>
+              <a:t>10/1/2021</a:t>
             </a:fld>
             <a:endParaRPr lang="en-US"/>
           </a:p>
@@ -1240,7 +1235,7 @@
         <p:spPr>
           <a:xfrm>
             <a:off x="5257801" y="9857232"/>
-            <a:ext cx="2367216" cy="123111"/>
+            <a:ext cx="2367216" cy="246221"/>
           </a:xfrm>
           <a:prstGeom prst="rect">
             <a:avLst/>
@@ -1263,31 +1258,26 @@
           </a:lstStyle>
           <a:p>
             <a:pPr marL="12700">
-              <a:lnSpc>
-                <a:spcPct val="100000"/>
-              </a:lnSpc>
               <a:spcBef>
                 <a:spcPts val="75"/>
               </a:spcBef>
             </a:pPr>
             <a:r>
-              <a:rPr spc="-5"/>
-              <a:t>©202</a:t>
+              <a:rPr lang="en-US" spc="-5" dirty="0">
+                <a:latin typeface="Adobe Clean Han Regular" panose="020B0500000000000000" pitchFamily="34" charset="-128"/>
+              </a:rPr>
+              <a:t>©2021 Adobe. All Rights Reserved. Adobe</a:t>
             </a:r>
             <a:r>
-              <a:rPr lang="en-US" spc="-5"/>
-              <a:t>1</a:t>
-            </a:r>
-            <a:r>
-              <a:rPr spc="-5"/>
-              <a:t> Adobe. All Rights Reserved. Adobe</a:t>
-            </a:r>
-            <a:r>
-              <a:rPr spc="60"/>
+              <a:rPr lang="en-US" spc="60" dirty="0">
+                <a:latin typeface="Adobe Clean Han Regular" panose="020B0500000000000000" pitchFamily="34" charset="-128"/>
+              </a:rPr>
               <a:t> </a:t>
             </a:r>
             <a:r>
-              <a:rPr spc="-5"/>
+              <a:rPr lang="en-US" spc="-5" dirty="0">
+                <a:latin typeface="Adobe Clean Han Regular" panose="020B0500000000000000" pitchFamily="34" charset="-128"/>
+              </a:rPr>
               <a:t>Confidential.</a:t>
             </a:r>
           </a:p>
@@ -1411,7 +1401,7 @@
         <p:spPr>
           <a:xfrm>
             <a:off x="5257801" y="9865060"/>
-            <a:ext cx="2367216" cy="123111"/>
+            <a:ext cx="2367216" cy="246221"/>
           </a:xfrm>
           <a:prstGeom prst="rect">
             <a:avLst/>
@@ -1434,31 +1424,26 @@
           </a:lstStyle>
           <a:p>
             <a:pPr marL="12700">
-              <a:lnSpc>
-                <a:spcPct val="100000"/>
-              </a:lnSpc>
               <a:spcBef>
                 <a:spcPts val="75"/>
               </a:spcBef>
             </a:pPr>
             <a:r>
-              <a:rPr spc="-5"/>
-              <a:t>©202</a:t>
+              <a:rPr lang="en-US" spc="-5" dirty="0">
+                <a:latin typeface="Adobe Clean Han Regular" panose="020B0500000000000000" pitchFamily="34" charset="-128"/>
+              </a:rPr>
+              <a:t>©2021 Adobe. All Rights Reserved. Adobe</a:t>
             </a:r>
             <a:r>
-              <a:rPr lang="en-US" spc="-5"/>
-              <a:t>1</a:t>
-            </a:r>
-            <a:r>
-              <a:rPr spc="-5"/>
-              <a:t> Adobe. All Rights Reserved. Adobe</a:t>
-            </a:r>
-            <a:r>
-              <a:rPr spc="60"/>
+              <a:rPr lang="en-US" spc="60" dirty="0">
+                <a:latin typeface="Adobe Clean Han Regular" panose="020B0500000000000000" pitchFamily="34" charset="-128"/>
+              </a:rPr>
               <a:t> </a:t>
             </a:r>
             <a:r>
-              <a:rPr spc="-5"/>
+              <a:rPr lang="en-US" spc="-5" dirty="0">
+                <a:latin typeface="Adobe Clean Han Regular" panose="020B0500000000000000" pitchFamily="34" charset="-128"/>
+              </a:rPr>
               <a:t>Confidential.</a:t>
             </a:r>
           </a:p>
@@ -1501,7 +1486,7 @@
           <a:p>
             <a:fld id="{1D8BD707-D9CF-40AE-B4C6-C98DA3205C09}" type="datetimeFigureOut">
               <a:rPr lang="en-US"/>
-              <a:t>9/22/2021</a:t>
+              <a:t>10/1/2021</a:t>
             </a:fld>
             <a:endParaRPr lang="en-US"/>
           </a:p>
@@ -1756,7 +1741,7 @@
         <p:spPr>
           <a:xfrm>
             <a:off x="168565" y="7162363"/>
-            <a:ext cx="2800350" cy="238760"/>
+            <a:ext cx="3974810" cy="227626"/>
           </a:xfrm>
           <a:prstGeom prst="rect">
             <a:avLst/>
@@ -1777,7 +1762,7 @@
               </a:spcBef>
             </a:pPr>
             <a:r>
-              <a:rPr sz="1400" b="1" u="heavy" spc="10">
+              <a:rPr lang="ja-JP" sz="1400" b="1" u="heavy" dirty="0">
                 <a:solidFill>
                   <a:srgbClr val="020302"/>
                 </a:solidFill>
@@ -1786,90 +1771,12 @@
                     <a:srgbClr val="020302"/>
                   </a:solidFill>
                 </a:uFill>
-                <a:latin typeface="Adobe Clean"/>
+                <a:latin typeface="Adobe Clean Han Regular" panose="020B0500000000000000" pitchFamily="34" charset="-128"/>
+                <a:ea typeface="Adobe Clean Han Regular" panose="020B0500000000000000" pitchFamily="34" charset="-128"/>
                 <a:cs typeface="Adobe Clean"/>
               </a:rPr>
-              <a:t>Service </a:t>
+              <a:t>サービスレベルターゲット：初期対応</a:t>
             </a:r>
-            <a:r>
-              <a:rPr sz="1400" b="1" u="heavy" spc="-10">
-                <a:solidFill>
-                  <a:srgbClr val="020302"/>
-                </a:solidFill>
-                <a:uFill>
-                  <a:solidFill>
-                    <a:srgbClr val="020302"/>
-                  </a:solidFill>
-                </a:uFill>
-                <a:latin typeface="Adobe Clean"/>
-                <a:cs typeface="Adobe Clean"/>
-              </a:rPr>
-              <a:t>Level </a:t>
-            </a:r>
-            <a:r>
-              <a:rPr sz="1400" b="1" u="heavy" spc="-45">
-                <a:solidFill>
-                  <a:srgbClr val="020302"/>
-                </a:solidFill>
-                <a:uFill>
-                  <a:solidFill>
-                    <a:srgbClr val="020302"/>
-                  </a:solidFill>
-                </a:uFill>
-                <a:latin typeface="Adobe Clean"/>
-                <a:cs typeface="Adobe Clean"/>
-              </a:rPr>
-              <a:t>Targets: </a:t>
-            </a:r>
-            <a:r>
-              <a:rPr sz="1400" b="1" u="heavy" spc="-10">
-                <a:solidFill>
-                  <a:srgbClr val="020302"/>
-                </a:solidFill>
-                <a:uFill>
-                  <a:solidFill>
-                    <a:srgbClr val="020302"/>
-                  </a:solidFill>
-                </a:uFill>
-                <a:latin typeface="Adobe Clean"/>
-                <a:cs typeface="Adobe Clean"/>
-              </a:rPr>
-              <a:t>Initial</a:t>
-            </a:r>
-            <a:r>
-              <a:rPr sz="1400" b="1" u="heavy" spc="-140">
-                <a:solidFill>
-                  <a:srgbClr val="020302"/>
-                </a:solidFill>
-                <a:uFill>
-                  <a:solidFill>
-                    <a:srgbClr val="020302"/>
-                  </a:solidFill>
-                </a:uFill>
-                <a:latin typeface="Adobe Clean"/>
-                <a:cs typeface="Adobe Clean"/>
-              </a:rPr>
-              <a:t> </a:t>
-            </a:r>
-            <a:r>
-              <a:rPr sz="1400" b="1" u="heavy" spc="-15">
-                <a:solidFill>
-                  <a:srgbClr val="020302"/>
-                </a:solidFill>
-                <a:uFill>
-                  <a:solidFill>
-                    <a:srgbClr val="020302"/>
-                  </a:solidFill>
-                </a:uFill>
-                <a:latin typeface="Adobe Clean"/>
-                <a:cs typeface="Adobe Clean"/>
-              </a:rPr>
-              <a:t>Response</a:t>
-            </a:r>
-            <a:endParaRPr sz="1400">
-              <a:latin typeface="Adobe Clean"/>
-              <a:cs typeface="Adobe Clean"/>
-            </a:endParaRPr>
           </a:p>
         </p:txBody>
       </p:sp>
@@ -1936,20 +1843,12 @@
               </a:spcBef>
             </a:pPr>
             <a:r>
-              <a:rPr sz="2300">
-                <a:latin typeface="Adobe Clean" panose="020B0503020404020204" pitchFamily="34" charset="0"/>
+              <a:rPr lang="ja-JP" sz="2300" dirty="0">
+                <a:latin typeface="Adobe Clean Han Regular" panose="020B0500000000000000" pitchFamily="34" charset="-128"/>
+                <a:ea typeface="Adobe Clean Han Regular" panose="020B0500000000000000" pitchFamily="34" charset="-128"/>
               </a:rPr>
-              <a:t>ADOBE </a:t>
+              <a:t>アドビサポートのサービス</a:t>
             </a:r>
-            <a:r>
-              <a:rPr lang="en-US" sz="2300">
-                <a:latin typeface="Adobe Clean" panose="020B0503020404020204" pitchFamily="34" charset="0"/>
-              </a:rPr>
-              <a:t>SUPPORT OFFERINGS</a:t>
-            </a:r>
-            <a:endParaRPr sz="2300">
-              <a:latin typeface="Adobe Clean" panose="020B0503020404020204" pitchFamily="34" charset="0"/>
-            </a:endParaRPr>
           </a:p>
         </p:txBody>
       </p:sp>
@@ -1962,7 +1861,7 @@
         <p:spPr>
           <a:xfrm>
             <a:off x="121147" y="635935"/>
-            <a:ext cx="5865216" cy="1269065"/>
+            <a:ext cx="5865216" cy="1268489"/>
           </a:xfrm>
           <a:prstGeom prst="rect">
             <a:avLst/>
@@ -1983,31 +1882,34 @@
               </a:spcBef>
             </a:pPr>
             <a:r>
-              <a:rPr lang="en-US" sz="900">
+              <a:rPr lang="ja-JP" sz="900" dirty="0">
                 <a:solidFill>
                   <a:schemeClr val="bg1"/>
                 </a:solidFill>
-                <a:latin typeface="Adobe Clean Light" panose="020B0303020404020204" pitchFamily="34" charset="0"/>
+                <a:latin typeface="Adobe Clean Han Regular" panose="020B0500000000000000" pitchFamily="34" charset="-128"/>
+                <a:ea typeface="Adobe Clean Han Regular" panose="020B0500000000000000" pitchFamily="34" charset="-128"/>
               </a:rPr>
-              <a:t>Online | </a:t>
+              <a:t>オンライン | </a:t>
             </a:r>
             <a:r>
-              <a:rPr lang="en-US" sz="900" b="1">
+              <a:rPr lang="ja-JP" sz="900" b="1" dirty="0">
                 <a:solidFill>
                   <a:schemeClr val="bg1"/>
                 </a:solidFill>
-                <a:latin typeface="Adobe Clean" panose="020B0503020404020204" pitchFamily="34" charset="0"/>
+                <a:latin typeface="Adobe Clean Han Regular" panose="020B0500000000000000" pitchFamily="34" charset="-128"/>
+                <a:ea typeface="Adobe Clean Han Regular" panose="020B0500000000000000" pitchFamily="34" charset="-128"/>
               </a:rPr>
-              <a:t>Business</a:t>
+              <a:t>ビジネス</a:t>
             </a:r>
             <a:r>
-              <a:rPr lang="en-US" sz="900">
+              <a:rPr lang="ja-JP" sz="900" dirty="0">
                 <a:solidFill>
                   <a:schemeClr val="bg1"/>
                 </a:solidFill>
-                <a:latin typeface="Adobe Clean Light" panose="020B0303020404020204" pitchFamily="34" charset="0"/>
+                <a:latin typeface="Adobe Clean Han Regular" panose="020B0500000000000000" pitchFamily="34" charset="-128"/>
+                <a:ea typeface="Adobe Clean Han Regular" panose="020B0500000000000000" pitchFamily="34" charset="-128"/>
               </a:rPr>
-              <a:t> | Enterprise | Elite</a:t>
+              <a:t> | エンタープライズ | エリート</a:t>
             </a:r>
           </a:p>
           <a:p>
@@ -2020,21 +1922,15 @@
               </a:spcBef>
             </a:pPr>
             <a:r>
-              <a:rPr lang="en-US" sz="900">
+              <a:rPr lang="ja-JP" sz="800" spc="-30" dirty="0">
                 <a:solidFill>
                   <a:schemeClr val="bg1"/>
                 </a:solidFill>
-                <a:latin typeface="Adobe Clean SemiLight" panose="020B0403020404020204" pitchFamily="34" charset="0"/>
+                <a:latin typeface="Adobe Clean Han Regular" panose="020B0500000000000000" pitchFamily="34" charset="-128"/>
+                <a:ea typeface="Adobe Clean Han Regular" panose="020B0500000000000000" pitchFamily="34" charset="-128"/>
               </a:rPr>
-              <a:t>Adobe provides a comprehensive range of technical resources to help support your business, included as part of your Experience Cloud license subscription and enhanced in the BUSINESS support package. BUSINESS support includes access to personalized learning paths and monitored community forums via the Adobe Experience League. You can also take advantage of our detailed and in-depth technical product documentation and current release notes. BUSINESS customers also benefit from access to our technical support teams for any product query via either the telephone or the support web portal, to help protect your business at the most critical times. BUSINESS customers will receive regular communications and updates from their Account Support Lead in addition to support case escalation management for your most critical of support requests. </a:t>
+              <a:t>アドビでは、お客様のビジネスをサポートするために、包括的なテクニカルリソースを提供しています。これらのリソースは Experience Cloud のライセンスサブスクリプションに含まれており、ビジネスサポートではさらに充実したリソースを利用可能です。ビジネスサポートでは、Adobe Experience League のパーソナライズされたラーニングパスやモニタリングされているコミュニティフォーラムへのアクセスが提供されます。アドビ製品に関する詳細なテクニカルドキュメントや最新のリリースノートは、いつでも参照可能です。また、ビジネスサポートのお客様は、製品に関するあらゆる質問を、必要なときに電話またはサポート web ポータルを使用して、テクニカルサポートチームに問い合わせることができます。さらに、アカウントサポートリードからの定期的な連絡や更新通知のほか、最も重要なサポートリクエストに対するケースエスカレーション管理のサポートも受けることができます。 </a:t>
             </a:r>
-            <a:endParaRPr lang="en-US" sz="900">
-              <a:solidFill>
-                <a:schemeClr val="bg1"/>
-              </a:solidFill>
-              <a:latin typeface="Adobe Clean Light" panose="020B0303020404020204" pitchFamily="34" charset="0"/>
-              <a:cs typeface="AdobeClean-Light"/>
-            </a:endParaRPr>
           </a:p>
         </p:txBody>
       </p:sp>
@@ -2101,24 +1997,10 @@
               </a:spcBef>
             </a:pPr>
             <a:r>
-              <a:rPr spc="-5"/>
-              <a:t>©202</a:t>
-            </a:r>
-            <a:r>
-              <a:rPr lang="en-US" spc="-5"/>
-              <a:t>1</a:t>
-            </a:r>
-            <a:r>
-              <a:rPr spc="-5"/>
-              <a:t> Adobe. All Rights Reserved. Adobe</a:t>
-            </a:r>
-            <a:r>
-              <a:rPr spc="60"/>
-              <a:t> </a:t>
-            </a:r>
-            <a:r>
-              <a:rPr spc="-5"/>
-              <a:t>Confidential.</a:t>
+              <a:rPr lang="ja-JP" dirty="0">
+                <a:latin typeface="Adobe Clean Han Regular" panose="020B0500000000000000" pitchFamily="34" charset="-128"/>
+              </a:rPr>
+              <a:t>©2021 Adobe.All Rights Reserved.Adobe Confidential.</a:t>
             </a:r>
           </a:p>
         </p:txBody>
@@ -2132,14 +2014,14 @@
           <p:nvPr>
             <p:extLst>
               <p:ext uri="{D42A27DB-BD31-4B8C-83A1-F6EECF244321}">
-                <p14:modId xmlns:p14="http://schemas.microsoft.com/office/powerpoint/2010/main" val="2501956132"/>
+                <p14:modId xmlns:p14="http://schemas.microsoft.com/office/powerpoint/2010/main" val="530675872"/>
               </p:ext>
             </p:extLst>
           </p:nvPr>
         </p:nvGraphicFramePr>
         <p:xfrm>
           <a:off x="121146" y="7475985"/>
-          <a:ext cx="7498852" cy="2207759"/>
+          <a:ext cx="7498852" cy="2137909"/>
         </p:xfrm>
         <a:graphic>
           <a:graphicData uri="http://schemas.openxmlformats.org/drawingml/2006/table">
@@ -2185,19 +2067,16 @@
                         </a:spcBef>
                       </a:pPr>
                       <a:r>
-                        <a:rPr sz="900" spc="0">
+                        <a:rPr lang="ja-JP" sz="900" dirty="0">
                           <a:solidFill>
                             <a:srgbClr val="020302"/>
                           </a:solidFill>
-                          <a:latin typeface="Adobe Clean"/>
+                          <a:latin typeface="Adobe Clean Han Regular" panose="020B0500000000000000" pitchFamily="34" charset="-128"/>
+                          <a:ea typeface="Adobe Clean Han Regular" panose="020B0500000000000000" pitchFamily="34" charset="-128"/>
                           <a:cs typeface="Adobe Clean"/>
                         </a:rPr>
-                        <a:t>Priority</a:t>
+                        <a:t>優先度</a:t>
                       </a:r>
-                      <a:endParaRPr sz="900" spc="0">
-                        <a:latin typeface="Adobe Clean"/>
-                        <a:cs typeface="Adobe Clean"/>
-                      </a:endParaRPr>
                     </a:p>
                   </a:txBody>
                   <a:tcPr marL="0" marR="0" marT="7620" marB="0" anchor="ctr">
@@ -2244,19 +2123,16 @@
                         </a:spcBef>
                       </a:pPr>
                       <a:r>
-                        <a:rPr sz="900" spc="0">
+                        <a:rPr lang="ja-JP" sz="900" dirty="0">
                           <a:solidFill>
                             <a:srgbClr val="020302"/>
                           </a:solidFill>
-                          <a:latin typeface="Adobe Clean"/>
+                          <a:latin typeface="Adobe Clean Han Regular" panose="020B0500000000000000" pitchFamily="34" charset="-128"/>
+                          <a:ea typeface="Adobe Clean Han Regular" panose="020B0500000000000000" pitchFamily="34" charset="-128"/>
                           <a:cs typeface="Adobe Clean"/>
                         </a:rPr>
-                        <a:t>Online Support</a:t>
+                        <a:t>オンラインサポート</a:t>
                       </a:r>
-                      <a:endParaRPr sz="900" spc="0">
-                        <a:latin typeface="Adobe Clean"/>
-                        <a:cs typeface="Adobe Clean"/>
-                      </a:endParaRPr>
                     </a:p>
                   </a:txBody>
                   <a:tcPr anchor="ctr">
@@ -2303,39 +2179,16 @@
                         </a:spcBef>
                       </a:pPr>
                       <a:r>
-                        <a:rPr sz="900" spc="0">
+                        <a:rPr lang="ja-JP" sz="900" dirty="0">
                           <a:solidFill>
                             <a:srgbClr val="FFFFFF"/>
                           </a:solidFill>
-                          <a:latin typeface="Adobe Clean"/>
+                          <a:latin typeface="Adobe Clean Han Regular" panose="020B0500000000000000" pitchFamily="34" charset="-128"/>
+                          <a:ea typeface="Adobe Clean Han Regular" panose="020B0500000000000000" pitchFamily="34" charset="-128"/>
                           <a:cs typeface="Adobe Clean"/>
                         </a:rPr>
-                        <a:t>Business</a:t>
+                        <a:t>ビジネスサポート</a:t>
                       </a:r>
-                      <a:r>
-                        <a:rPr lang="en-US" sz="900" spc="0">
-                          <a:solidFill>
-                            <a:srgbClr val="FFFFFF"/>
-                          </a:solidFill>
-                          <a:latin typeface="Adobe Clean"/>
-                          <a:cs typeface="Adobe Clean"/>
-                        </a:rPr>
-                        <a:t> </a:t>
-                      </a:r>
-                      <a:r>
-                        <a:rPr sz="900" spc="0">
-                          <a:solidFill>
-                            <a:srgbClr val="FFFFFF"/>
-                          </a:solidFill>
-                          <a:latin typeface="Adobe Clean"/>
-                          <a:cs typeface="Adobe Clean"/>
-                        </a:rPr>
-                        <a:t>Support</a:t>
-                      </a:r>
-                      <a:endParaRPr sz="900" spc="0">
-                        <a:latin typeface="Adobe Clean"/>
-                        <a:cs typeface="Adobe Clean"/>
-                      </a:endParaRPr>
                     </a:p>
                   </a:txBody>
                   <a:tcPr anchor="ctr">
@@ -2389,19 +2242,16 @@
                         </a:spcBef>
                       </a:pPr>
                       <a:r>
-                        <a:rPr sz="900" b="1" spc="0">
+                        <a:rPr lang="ja-JP" sz="900" b="1" dirty="0">
                           <a:solidFill>
                             <a:srgbClr val="020302"/>
                           </a:solidFill>
-                          <a:latin typeface="Adobe Clean"/>
+                          <a:latin typeface="Adobe Clean Han Regular" panose="020B0500000000000000" pitchFamily="34" charset="-128"/>
+                          <a:ea typeface="Adobe Clean Han Regular" panose="020B0500000000000000" pitchFamily="34" charset="-128"/>
                           <a:cs typeface="Adobe Clean"/>
                         </a:rPr>
-                        <a:t>PRIORITY 1</a:t>
+                        <a:t>優先度 1</a:t>
                       </a:r>
-                      <a:endParaRPr sz="900" spc="0">
-                        <a:latin typeface="Adobe Clean"/>
-                        <a:cs typeface="Adobe Clean"/>
-                      </a:endParaRPr>
                     </a:p>
                     <a:p>
                       <a:pPr marL="50800" marR="387985" lvl="0" indent="0" algn="l" defTabSz="914400" rtl="0" eaLnBrk="1" fontAlgn="auto" latinLnBrk="0" hangingPunct="1">
@@ -2422,19 +2272,15 @@
                         <a:defRPr/>
                       </a:pPr>
                       <a:r>
-                        <a:rPr lang="en-US" sz="900" b="0" i="0" spc="0">
+                        <a:rPr lang="ja-JP" sz="900" b="0" i="0" dirty="0">
                           <a:solidFill>
                             <a:srgbClr val="000000"/>
                           </a:solidFill>
-                          <a:effectLst/>
-                          <a:latin typeface="Adobe Clean Light" panose="020B0303020404020204" pitchFamily="34" charset="0"/>
+                          <a:latin typeface="Adobe Clean Han Regular" panose="020B0500000000000000" pitchFamily="34" charset="-128"/>
+                          <a:ea typeface="Adobe Clean Han Regular" panose="020B0500000000000000" pitchFamily="34" charset="-128"/>
                         </a:rPr>
-                        <a:t>Customer's production business functions are down or have significant data loss or service degradation and immediate attention is required to restore functionality and usability</a:t>
+                        <a:t>お客様の本番業務機能がダウンしている、または著しいデータ損失やサービス低下があり、機能およびユーザビリティを復元するための早急な処置が必要。</a:t>
                       </a:r>
-                      <a:endParaRPr lang="en-US" sz="900" b="0" i="0" spc="0">
-                        <a:latin typeface="Adobe Clean Light" panose="020B0303020404020204" pitchFamily="34" charset="0"/>
-                        <a:cs typeface="AdobeClean-Light"/>
-                      </a:endParaRPr>
                     </a:p>
                   </a:txBody>
                   <a:tcPr marL="0" marR="0" marT="3810" marB="0">
@@ -2478,59 +2324,37 @@
                         </a:spcBef>
                       </a:pPr>
                       <a:r>
-                        <a:rPr sz="900" spc="0">
+                        <a:rPr lang="ja-JP" sz="900" dirty="0">
                           <a:solidFill>
                             <a:srgbClr val="020302"/>
                           </a:solidFill>
-                          <a:latin typeface="AdobeClean-Light"/>
+                          <a:latin typeface="Adobe Clean Han Regular" panose="020B0500000000000000" pitchFamily="34" charset="-128"/>
+                          <a:ea typeface="Adobe Clean Han Regular" panose="020B0500000000000000" pitchFamily="34" charset="-128"/>
                           <a:cs typeface="AdobeClean-Light"/>
                         </a:rPr>
-                        <a:t>24x7</a:t>
+                        <a:t>24 時間年中無休／</a:t>
                       </a:r>
-                      <a:r>
-                        <a:rPr lang="en-US" sz="900" spc="0">
+                      <a:br>
+                        <a:rPr lang="sk-SK" altLang="ja-JP" sz="900" dirty="0">
                           <a:solidFill>
                             <a:srgbClr val="020302"/>
                           </a:solidFill>
-                          <a:latin typeface="AdobeClean-Light"/>
+                          <a:latin typeface="Adobe Clean Han Regular" panose="020B0500000000000000" pitchFamily="34" charset="-128"/>
+                          <a:ea typeface="Adobe Clean Han Regular" panose="020B0500000000000000" pitchFamily="34" charset="-128"/>
                           <a:cs typeface="AdobeClean-Light"/>
                         </a:rPr>
-                        <a:t> </a:t>
-                      </a:r>
+                      </a:br>
                       <a:r>
-                        <a:rPr sz="900" spc="0">
+                        <a:rPr lang="ja-JP" sz="900" dirty="0">
                           <a:solidFill>
                             <a:srgbClr val="020302"/>
                           </a:solidFill>
-                          <a:latin typeface="AdobeClean-Light"/>
+                          <a:latin typeface="Adobe Clean Han Regular" panose="020B0500000000000000" pitchFamily="34" charset="-128"/>
+                          <a:ea typeface="Adobe Clean Han Regular" panose="020B0500000000000000" pitchFamily="34" charset="-128"/>
                           <a:cs typeface="AdobeClean-Light"/>
                         </a:rPr>
-                        <a:t>/  </a:t>
+                        <a:t>1 時間</a:t>
                       </a:r>
-                      <a:r>
-                        <a:rPr lang="en-US" sz="900" spc="0">
-                          <a:solidFill>
-                            <a:srgbClr val="020302"/>
-                          </a:solidFill>
-                          <a:latin typeface="AdobeClean-Light"/>
-                          <a:cs typeface="AdobeClean-Light"/>
-                        </a:rPr>
-                        <a:t>         </a:t>
-                      </a:r>
-                      <a:r>
-                        <a:rPr sz="900" spc="0">
-                          <a:solidFill>
-                            <a:srgbClr val="020302"/>
-                          </a:solidFill>
-                          <a:latin typeface="AdobeClean-Light"/>
-                          <a:cs typeface="AdobeClean-Light"/>
-                        </a:rPr>
-                        <a:t>1 hour</a:t>
-                      </a:r>
-                      <a:endParaRPr sz="900" spc="0">
-                        <a:latin typeface="AdobeClean-Light"/>
-                        <a:cs typeface="AdobeClean-Light"/>
-                      </a:endParaRPr>
                     </a:p>
                   </a:txBody>
                   <a:tcPr anchor="ctr">
@@ -2574,59 +2398,37 @@
                         </a:spcBef>
                       </a:pPr>
                       <a:r>
-                        <a:rPr sz="900" spc="0">
+                        <a:rPr lang="ja-JP" sz="900" dirty="0">
                           <a:solidFill>
                             <a:srgbClr val="020302"/>
                           </a:solidFill>
-                          <a:latin typeface="AdobeClean-Light"/>
+                          <a:latin typeface="Adobe Clean Han Regular" panose="020B0500000000000000" pitchFamily="34" charset="-128"/>
+                          <a:ea typeface="Adobe Clean Han Regular" panose="020B0500000000000000" pitchFamily="34" charset="-128"/>
                           <a:cs typeface="AdobeClean-Light"/>
                         </a:rPr>
-                        <a:t>24x7</a:t>
+                        <a:t>24 時間年中無休／</a:t>
                       </a:r>
-                      <a:r>
-                        <a:rPr lang="en-US" sz="900" spc="0">
+                      <a:br>
+                        <a:rPr lang="sk-SK" altLang="ja-JP" sz="900" dirty="0">
                           <a:solidFill>
                             <a:srgbClr val="020302"/>
                           </a:solidFill>
-                          <a:latin typeface="AdobeClean-Light"/>
+                          <a:latin typeface="Adobe Clean Han Regular" panose="020B0500000000000000" pitchFamily="34" charset="-128"/>
+                          <a:ea typeface="Adobe Clean Han Regular" panose="020B0500000000000000" pitchFamily="34" charset="-128"/>
                           <a:cs typeface="AdobeClean-Light"/>
                         </a:rPr>
-                        <a:t> </a:t>
-                      </a:r>
+                      </a:br>
                       <a:r>
-                        <a:rPr sz="900" spc="0">
+                        <a:rPr lang="ja-JP" sz="900" dirty="0">
                           <a:solidFill>
                             <a:srgbClr val="020302"/>
                           </a:solidFill>
-                          <a:latin typeface="AdobeClean-Light"/>
+                          <a:latin typeface="Adobe Clean Han Regular" panose="020B0500000000000000" pitchFamily="34" charset="-128"/>
+                          <a:ea typeface="Adobe Clean Han Regular" panose="020B0500000000000000" pitchFamily="34" charset="-128"/>
                           <a:cs typeface="AdobeClean-Light"/>
                         </a:rPr>
-                        <a:t>/ </a:t>
+                        <a:t>1 時間</a:t>
                       </a:r>
-                      <a:r>
-                        <a:rPr lang="en-US" sz="900" spc="0">
-                          <a:solidFill>
-                            <a:srgbClr val="020302"/>
-                          </a:solidFill>
-                          <a:latin typeface="AdobeClean-Light"/>
-                          <a:cs typeface="AdobeClean-Light"/>
-                        </a:rPr>
-                        <a:t>        </a:t>
-                      </a:r>
-                      <a:r>
-                        <a:rPr sz="900" spc="0">
-                          <a:solidFill>
-                            <a:srgbClr val="020302"/>
-                          </a:solidFill>
-                          <a:latin typeface="AdobeClean-Light"/>
-                          <a:cs typeface="AdobeClean-Light"/>
-                        </a:rPr>
-                        <a:t> 1 hour</a:t>
-                      </a:r>
-                      <a:endParaRPr sz="900" spc="0">
-                        <a:latin typeface="AdobeClean-Light"/>
-                        <a:cs typeface="AdobeClean-Light"/>
-                      </a:endParaRPr>
                     </a:p>
                   </a:txBody>
                   <a:tcPr anchor="ctr">
@@ -2682,19 +2484,16 @@
                         </a:spcBef>
                       </a:pPr>
                       <a:r>
-                        <a:rPr sz="900" b="1" spc="0">
+                        <a:rPr lang="ja-JP" sz="900" b="1" dirty="0">
                           <a:solidFill>
                             <a:srgbClr val="020302"/>
                           </a:solidFill>
-                          <a:latin typeface="Adobe Clean"/>
+                          <a:latin typeface="Adobe Clean Han Regular" panose="020B0500000000000000" pitchFamily="34" charset="-128"/>
+                          <a:ea typeface="Adobe Clean Han Regular" panose="020B0500000000000000" pitchFamily="34" charset="-128"/>
                           <a:cs typeface="Adobe Clean"/>
                         </a:rPr>
-                        <a:t>PRIORITY 2</a:t>
+                        <a:t>優先度 2</a:t>
                       </a:r>
-                      <a:endParaRPr sz="900" spc="0">
-                        <a:latin typeface="Adobe Clean"/>
-                        <a:cs typeface="Adobe Clean"/>
-                      </a:endParaRPr>
                     </a:p>
                     <a:p>
                       <a:pPr marL="50165" marR="203200">
@@ -2706,19 +2505,34 @@
                         </a:spcBef>
                       </a:pPr>
                       <a:r>
-                        <a:rPr lang="en-US" sz="900" b="0" i="0" spc="0">
+                        <a:rPr lang="ja-JP" sz="900" b="0" i="0" dirty="0">
                           <a:solidFill>
                             <a:srgbClr val="000000"/>
                           </a:solidFill>
-                          <a:effectLst/>
-                          <a:latin typeface="Adobe Clean Light" panose="020B0303020404020204" pitchFamily="34" charset="0"/>
+                          <a:latin typeface="Adobe Clean Han Regular" panose="020B0500000000000000" pitchFamily="34" charset="-128"/>
+                          <a:ea typeface="Adobe Clean Han Regular" panose="020B0500000000000000" pitchFamily="34" charset="-128"/>
                         </a:rPr>
-                        <a:t>Customer's business functions have major service degradation or potential data loss, or a major feature is impacted </a:t>
+                        <a:t>お客様の業務機能に重大なサービス低下や潜在的なデータ損失があるか、</a:t>
                       </a:r>
-                      <a:endParaRPr lang="en-US" sz="900" b="0" i="0" spc="0">
-                        <a:latin typeface="Adobe Clean Light" panose="020B0303020404020204" pitchFamily="34" charset="0"/>
-                        <a:cs typeface="AdobeClean-Light"/>
-                      </a:endParaRPr>
+                      <a:br>
+                        <a:rPr lang="sk-SK" altLang="ja-JP" sz="900" b="0" i="0" dirty="0">
+                          <a:solidFill>
+                            <a:srgbClr val="000000"/>
+                          </a:solidFill>
+                          <a:latin typeface="Adobe Clean Han Regular" panose="020B0500000000000000" pitchFamily="34" charset="-128"/>
+                          <a:ea typeface="Adobe Clean Han Regular" panose="020B0500000000000000" pitchFamily="34" charset="-128"/>
+                        </a:rPr>
+                      </a:br>
+                      <a:r>
+                        <a:rPr lang="ja-JP" sz="900" b="0" i="0" dirty="0">
+                          <a:solidFill>
+                            <a:srgbClr val="000000"/>
+                          </a:solidFill>
+                          <a:latin typeface="Adobe Clean Han Regular" panose="020B0500000000000000" pitchFamily="34" charset="-128"/>
+                          <a:ea typeface="Adobe Clean Han Regular" panose="020B0500000000000000" pitchFamily="34" charset="-128"/>
+                        </a:rPr>
+                        <a:t>主な機能が影響を受けている。 </a:t>
+                      </a:r>
                     </a:p>
                   </a:txBody>
                   <a:tcPr marL="0" marR="0" marT="3810" marB="0">
@@ -2762,79 +2576,16 @@
                         </a:spcBef>
                       </a:pPr>
                       <a:r>
-                        <a:rPr sz="900" spc="0">
+                        <a:rPr lang="ja-JP" sz="900">
                           <a:solidFill>
                             <a:srgbClr val="020302"/>
                           </a:solidFill>
-                          <a:latin typeface="AdobeClean-Light"/>
+                          <a:latin typeface="Adobe Clean Han Regular" panose="020B0500000000000000" pitchFamily="34" charset="-128"/>
+                          <a:ea typeface="Adobe Clean Han Regular" panose="020B0500000000000000" pitchFamily="34" charset="-128"/>
                           <a:cs typeface="AdobeClean-Light"/>
                         </a:rPr>
-                        <a:t>Business</a:t>
+                        <a:t>営業時間／4 時間</a:t>
                       </a:r>
-                      <a:r>
-                        <a:rPr lang="en-US" sz="900" spc="0">
-                          <a:solidFill>
-                            <a:srgbClr val="020302"/>
-                          </a:solidFill>
-                          <a:latin typeface="AdobeClean-Light"/>
-                          <a:cs typeface="AdobeClean-Light"/>
-                        </a:rPr>
-                        <a:t> </a:t>
-                      </a:r>
-                      <a:r>
-                        <a:rPr sz="900" spc="0">
-                          <a:solidFill>
-                            <a:srgbClr val="020302"/>
-                          </a:solidFill>
-                          <a:latin typeface="AdobeClean-Light"/>
-                          <a:cs typeface="AdobeClean-Light"/>
-                        </a:rPr>
-                        <a:t>hours</a:t>
-                      </a:r>
-                      <a:r>
-                        <a:rPr lang="en-US" sz="900" spc="0">
-                          <a:solidFill>
-                            <a:srgbClr val="020302"/>
-                          </a:solidFill>
-                          <a:latin typeface="AdobeClean-Light"/>
-                          <a:cs typeface="AdobeClean-Light"/>
-                        </a:rPr>
-                        <a:t> </a:t>
-                      </a:r>
-                      <a:r>
-                        <a:rPr sz="900" spc="0">
-                          <a:solidFill>
-                            <a:srgbClr val="020302"/>
-                          </a:solidFill>
-                          <a:latin typeface="AdobeClean-Light"/>
-                          <a:cs typeface="AdobeClean-Light"/>
-                        </a:rPr>
-                        <a:t>/  </a:t>
-                      </a:r>
-                      <a:r>
-                        <a:rPr lang="en-US" sz="900" spc="0">
-                          <a:solidFill>
-                            <a:srgbClr val="020302"/>
-                          </a:solidFill>
-                          <a:latin typeface="AdobeClean-Light"/>
-                          <a:cs typeface="AdobeClean-Light"/>
-                        </a:rPr>
-                        <a:t>   </a:t>
-                      </a:r>
-                      <a:r>
-                        <a:rPr sz="900" spc="0">
-                          <a:solidFill>
-                            <a:srgbClr val="020302"/>
-                          </a:solidFill>
-                          <a:latin typeface="AdobeClean-Light"/>
-                          <a:cs typeface="AdobeClean-Light"/>
-                        </a:rPr>
-                        <a:t>4 hours</a:t>
-                      </a:r>
-                      <a:endParaRPr sz="900" spc="0">
-                        <a:latin typeface="AdobeClean-Light"/>
-                        <a:cs typeface="AdobeClean-Light"/>
-                      </a:endParaRPr>
                     </a:p>
                   </a:txBody>
                   <a:tcPr anchor="ctr">
@@ -2878,79 +2629,16 @@
                         </a:spcBef>
                       </a:pPr>
                       <a:r>
-                        <a:rPr sz="900" spc="0">
+                        <a:rPr lang="ja-JP" sz="900">
                           <a:solidFill>
                             <a:srgbClr val="020302"/>
                           </a:solidFill>
-                          <a:latin typeface="AdobeClean-Light"/>
+                          <a:latin typeface="Adobe Clean Han Regular" panose="020B0500000000000000" pitchFamily="34" charset="-128"/>
+                          <a:ea typeface="Adobe Clean Han Regular" panose="020B0500000000000000" pitchFamily="34" charset="-128"/>
                           <a:cs typeface="AdobeClean-Light"/>
                         </a:rPr>
-                        <a:t>Business</a:t>
+                        <a:t>営業時間／2 時間</a:t>
                       </a:r>
-                      <a:r>
-                        <a:rPr lang="en-US" sz="900" spc="0">
-                          <a:solidFill>
-                            <a:srgbClr val="020302"/>
-                          </a:solidFill>
-                          <a:latin typeface="AdobeClean-Light"/>
-                          <a:cs typeface="AdobeClean-Light"/>
-                        </a:rPr>
-                        <a:t> </a:t>
-                      </a:r>
-                      <a:r>
-                        <a:rPr sz="900" spc="0">
-                          <a:solidFill>
-                            <a:srgbClr val="020302"/>
-                          </a:solidFill>
-                          <a:latin typeface="AdobeClean-Light"/>
-                          <a:cs typeface="AdobeClean-Light"/>
-                        </a:rPr>
-                        <a:t>hours</a:t>
-                      </a:r>
-                      <a:r>
-                        <a:rPr lang="en-US" sz="900" spc="0">
-                          <a:solidFill>
-                            <a:srgbClr val="020302"/>
-                          </a:solidFill>
-                          <a:latin typeface="AdobeClean-Light"/>
-                          <a:cs typeface="AdobeClean-Light"/>
-                        </a:rPr>
-                        <a:t> </a:t>
-                      </a:r>
-                      <a:r>
-                        <a:rPr sz="900" spc="0">
-                          <a:solidFill>
-                            <a:srgbClr val="020302"/>
-                          </a:solidFill>
-                          <a:latin typeface="AdobeClean-Light"/>
-                          <a:cs typeface="AdobeClean-Light"/>
-                        </a:rPr>
-                        <a:t>/  </a:t>
-                      </a:r>
-                      <a:r>
-                        <a:rPr lang="en-US" sz="900" spc="0">
-                          <a:solidFill>
-                            <a:srgbClr val="020302"/>
-                          </a:solidFill>
-                          <a:latin typeface="AdobeClean-Light"/>
-                          <a:cs typeface="AdobeClean-Light"/>
-                        </a:rPr>
-                        <a:t>    </a:t>
-                      </a:r>
-                      <a:r>
-                        <a:rPr sz="900" spc="0">
-                          <a:solidFill>
-                            <a:srgbClr val="020302"/>
-                          </a:solidFill>
-                          <a:latin typeface="AdobeClean-Light"/>
-                          <a:cs typeface="AdobeClean-Light"/>
-                        </a:rPr>
-                        <a:t>2 hours</a:t>
-                      </a:r>
-                      <a:endParaRPr sz="900" spc="0">
-                        <a:latin typeface="AdobeClean-Light"/>
-                        <a:cs typeface="AdobeClean-Light"/>
-                      </a:endParaRPr>
                     </a:p>
                   </a:txBody>
                   <a:tcPr anchor="ctr">
@@ -3006,19 +2694,16 @@
                         </a:spcBef>
                       </a:pPr>
                       <a:r>
-                        <a:rPr sz="900" b="1" spc="0">
+                        <a:rPr lang="ja-JP" sz="900" b="1" dirty="0">
                           <a:solidFill>
                             <a:srgbClr val="020302"/>
                           </a:solidFill>
-                          <a:latin typeface="Adobe Clean"/>
+                          <a:latin typeface="Adobe Clean Han Regular" panose="020B0500000000000000" pitchFamily="34" charset="-128"/>
+                          <a:ea typeface="Adobe Clean Han Regular" panose="020B0500000000000000" pitchFamily="34" charset="-128"/>
                           <a:cs typeface="Adobe Clean"/>
                         </a:rPr>
-                        <a:t>PRIORITY 3</a:t>
+                        <a:t>優先度 3</a:t>
                       </a:r>
-                      <a:endParaRPr sz="900" spc="0">
-                        <a:latin typeface="Adobe Clean"/>
-                        <a:cs typeface="Adobe Clean"/>
-                      </a:endParaRPr>
                     </a:p>
                     <a:p>
                       <a:pPr marL="49530" marR="212090" indent="-2540">
@@ -3030,26 +2715,52 @@
                         </a:spcBef>
                       </a:pPr>
                       <a:r>
-                        <a:rPr kumimoji="0" lang="en-US" sz="900" b="0" i="0" u="none" strike="noStrike" kern="1200" cap="none" spc="0" normalizeH="0" baseline="0" noProof="0">
+                        <a:rPr kumimoji="0" lang="ja-JP" sz="900" b="0" i="0" u="none" strike="noStrike" cap="none" normalizeH="0" baseline="0" noProof="0" dirty="0">
                           <a:ln>
                             <a:noFill/>
                           </a:ln>
                           <a:solidFill>
                             <a:srgbClr val="000000"/>
                           </a:solidFill>
-                          <a:effectLst/>
                           <a:uLnTx/>
                           <a:uFillTx/>
-                          <a:latin typeface="Adobe Clean Light" panose="020B0303020404020204" pitchFamily="34" charset="0"/>
-                          <a:ea typeface="+mn-ea"/>
+                          <a:latin typeface="Adobe Clean Han Regular" panose="020B0500000000000000" pitchFamily="34" charset="-128"/>
+                          <a:ea typeface="Adobe Clean Han Regular" panose="020B0500000000000000" pitchFamily="34" charset="-128"/>
                           <a:cs typeface="+mn-cs"/>
                         </a:rPr>
-                        <a:t>Customer's business functions have minor service degradation but there exists a solution/workaround allowing business functions to continue </a:t>
+                        <a:t>お客様の業務機能に軽微なサービス低下があるが、</a:t>
                       </a:r>
-                      <a:endParaRPr lang="en-US" sz="900" b="0" i="0" spc="0">
-                        <a:latin typeface="Adobe Clean Light" panose="020B0303020404020204" pitchFamily="34" charset="0"/>
-                        <a:cs typeface="AdobeClean-Light"/>
-                      </a:endParaRPr>
+                      <a:br>
+                        <a:rPr kumimoji="0" lang="sk-SK" altLang="ja-JP" sz="900" b="0" i="0" u="none" strike="noStrike" cap="none" normalizeH="0" baseline="0" noProof="0" dirty="0">
+                          <a:ln>
+                            <a:noFill/>
+                          </a:ln>
+                          <a:solidFill>
+                            <a:srgbClr val="000000"/>
+                          </a:solidFill>
+                          <a:uLnTx/>
+                          <a:uFillTx/>
+                          <a:latin typeface="Adobe Clean Han Regular" panose="020B0500000000000000" pitchFamily="34" charset="-128"/>
+                          <a:ea typeface="Adobe Clean Han Regular" panose="020B0500000000000000" pitchFamily="34" charset="-128"/>
+                          <a:cs typeface="+mn-cs"/>
+                        </a:rPr>
+                      </a:br>
+                      <a:r>
+                        <a:rPr kumimoji="0" lang="ja-JP" sz="900" b="0" i="0" u="none" strike="noStrike" cap="none" normalizeH="0" baseline="0" noProof="0" dirty="0">
+                          <a:ln>
+                            <a:noFill/>
+                          </a:ln>
+                          <a:solidFill>
+                            <a:srgbClr val="000000"/>
+                          </a:solidFill>
+                          <a:uLnTx/>
+                          <a:uFillTx/>
+                          <a:latin typeface="Adobe Clean Han Regular" panose="020B0500000000000000" pitchFamily="34" charset="-128"/>
+                          <a:ea typeface="Adobe Clean Han Regular" panose="020B0500000000000000" pitchFamily="34" charset="-128"/>
+                          <a:cs typeface="+mn-cs"/>
+                        </a:rPr>
+                        <a:t>業務機能を正常に続行できるソリューション／回避策が存在する。 </a:t>
+                      </a:r>
                     </a:p>
                   </a:txBody>
                   <a:tcPr marL="0" marR="0" marT="3810" marB="0">
@@ -3093,99 +2804,16 @@
                         </a:spcBef>
                       </a:pPr>
                       <a:r>
-                        <a:rPr sz="900" spc="0">
+                        <a:rPr lang="ja-JP" sz="900">
                           <a:solidFill>
                             <a:srgbClr val="020302"/>
                           </a:solidFill>
-                          <a:latin typeface="AdobeClean-Light"/>
+                          <a:latin typeface="Adobe Clean Han Regular" panose="020B0500000000000000" pitchFamily="34" charset="-128"/>
+                          <a:ea typeface="Adobe Clean Han Regular" panose="020B0500000000000000" pitchFamily="34" charset="-128"/>
                           <a:cs typeface="AdobeClean-Light"/>
                         </a:rPr>
-                        <a:t>Business</a:t>
+                        <a:t>営業時間／6 時間</a:t>
                       </a:r>
-                      <a:r>
-                        <a:rPr lang="en-US" sz="900" spc="0">
-                          <a:solidFill>
-                            <a:srgbClr val="020302"/>
-                          </a:solidFill>
-                          <a:latin typeface="AdobeClean-Light"/>
-                          <a:cs typeface="AdobeClean-Light"/>
-                        </a:rPr>
-                        <a:t> </a:t>
-                      </a:r>
-                      <a:r>
-                        <a:rPr sz="900" spc="0">
-                          <a:solidFill>
-                            <a:srgbClr val="020302"/>
-                          </a:solidFill>
-                          <a:latin typeface="AdobeClean-Light"/>
-                          <a:cs typeface="AdobeClean-Light"/>
-                        </a:rPr>
-                        <a:t>hours</a:t>
-                      </a:r>
-                      <a:r>
-                        <a:rPr lang="en-US" sz="900" spc="0">
-                          <a:solidFill>
-                            <a:srgbClr val="020302"/>
-                          </a:solidFill>
-                          <a:latin typeface="AdobeClean-Light"/>
-                          <a:cs typeface="AdobeClean-Light"/>
-                        </a:rPr>
-                        <a:t> </a:t>
-                      </a:r>
-                      <a:r>
-                        <a:rPr sz="900" spc="0">
-                          <a:solidFill>
-                            <a:srgbClr val="020302"/>
-                          </a:solidFill>
-                          <a:latin typeface="AdobeClean-Light"/>
-                          <a:cs typeface="AdobeClean-Light"/>
-                        </a:rPr>
-                        <a:t>/  </a:t>
-                      </a:r>
-                      <a:r>
-                        <a:rPr lang="en-US" sz="900" spc="0">
-                          <a:solidFill>
-                            <a:srgbClr val="020302"/>
-                          </a:solidFill>
-                          <a:latin typeface="AdobeClean-Light"/>
-                          <a:cs typeface="AdobeClean-Light"/>
-                        </a:rPr>
-                        <a:t>   </a:t>
-                      </a:r>
-                      <a:r>
-                        <a:rPr sz="900" spc="0">
-                          <a:solidFill>
-                            <a:srgbClr val="020302"/>
-                          </a:solidFill>
-                          <a:latin typeface="AdobeClean-Light"/>
-                          <a:cs typeface="AdobeClean-Light"/>
-                        </a:rPr>
-                        <a:t>6</a:t>
-                      </a:r>
-                      <a:r>
-                        <a:rPr lang="en-US" sz="900" spc="0">
-                          <a:solidFill>
-                            <a:srgbClr val="020302"/>
-                          </a:solidFill>
-                          <a:latin typeface="AdobeClean-Light"/>
-                          <a:cs typeface="AdobeClean-Light"/>
-                        </a:rPr>
-                        <a:t> </a:t>
-                      </a:r>
-                      <a:r>
-                        <a:rPr sz="900" spc="0">
-                          <a:solidFill>
-                            <a:srgbClr val="020302"/>
-                          </a:solidFill>
-                          <a:latin typeface="AdobeClean-Light"/>
-                          <a:cs typeface="AdobeClean-Light"/>
-                        </a:rPr>
-                        <a:t>hours</a:t>
-                      </a:r>
-                      <a:endParaRPr sz="900" spc="0">
-                        <a:latin typeface="AdobeClean-Light"/>
-                        <a:cs typeface="AdobeClean-Light"/>
-                      </a:endParaRPr>
                     </a:p>
                   </a:txBody>
                   <a:tcPr anchor="ctr">
@@ -3229,99 +2857,16 @@
                         </a:spcBef>
                       </a:pPr>
                       <a:r>
-                        <a:rPr sz="900" spc="0">
+                        <a:rPr lang="ja-JP" sz="900">
                           <a:solidFill>
                             <a:srgbClr val="020302"/>
                           </a:solidFill>
-                          <a:latin typeface="AdobeClean-Light"/>
+                          <a:latin typeface="Adobe Clean Han Regular" panose="020B0500000000000000" pitchFamily="34" charset="-128"/>
+                          <a:ea typeface="Adobe Clean Han Regular" panose="020B0500000000000000" pitchFamily="34" charset="-128"/>
                           <a:cs typeface="AdobeClean-Light"/>
                         </a:rPr>
-                        <a:t>Business</a:t>
+                        <a:t>営業時間／4 時間</a:t>
                       </a:r>
-                      <a:r>
-                        <a:rPr lang="en-US" sz="900" spc="0">
-                          <a:solidFill>
-                            <a:srgbClr val="020302"/>
-                          </a:solidFill>
-                          <a:latin typeface="AdobeClean-Light"/>
-                          <a:cs typeface="AdobeClean-Light"/>
-                        </a:rPr>
-                        <a:t> </a:t>
-                      </a:r>
-                      <a:r>
-                        <a:rPr sz="900" spc="0">
-                          <a:solidFill>
-                            <a:srgbClr val="020302"/>
-                          </a:solidFill>
-                          <a:latin typeface="AdobeClean-Light"/>
-                          <a:cs typeface="AdobeClean-Light"/>
-                        </a:rPr>
-                        <a:t>hours</a:t>
-                      </a:r>
-                      <a:r>
-                        <a:rPr lang="en-US" sz="900" spc="0">
-                          <a:solidFill>
-                            <a:srgbClr val="020302"/>
-                          </a:solidFill>
-                          <a:latin typeface="AdobeClean-Light"/>
-                          <a:cs typeface="AdobeClean-Light"/>
-                        </a:rPr>
-                        <a:t> </a:t>
-                      </a:r>
-                      <a:r>
-                        <a:rPr sz="900" spc="0">
-                          <a:solidFill>
-                            <a:srgbClr val="020302"/>
-                          </a:solidFill>
-                          <a:latin typeface="AdobeClean-Light"/>
-                          <a:cs typeface="AdobeClean-Light"/>
-                        </a:rPr>
-                        <a:t>/  </a:t>
-                      </a:r>
-                      <a:r>
-                        <a:rPr lang="en-US" sz="900" spc="0">
-                          <a:solidFill>
-                            <a:srgbClr val="020302"/>
-                          </a:solidFill>
-                          <a:latin typeface="AdobeClean-Light"/>
-                          <a:cs typeface="AdobeClean-Light"/>
-                        </a:rPr>
-                        <a:t>   </a:t>
-                      </a:r>
-                      <a:r>
-                        <a:rPr sz="900" spc="0">
-                          <a:solidFill>
-                            <a:srgbClr val="020302"/>
-                          </a:solidFill>
-                          <a:latin typeface="AdobeClean-Light"/>
-                          <a:cs typeface="AdobeClean-Light"/>
-                        </a:rPr>
-                        <a:t>4</a:t>
-                      </a:r>
-                      <a:r>
-                        <a:rPr lang="en-US" sz="900" spc="0">
-                          <a:solidFill>
-                            <a:srgbClr val="020302"/>
-                          </a:solidFill>
-                          <a:latin typeface="AdobeClean-Light"/>
-                          <a:cs typeface="AdobeClean-Light"/>
-                        </a:rPr>
-                        <a:t> </a:t>
-                      </a:r>
-                      <a:r>
-                        <a:rPr sz="900" spc="0">
-                          <a:solidFill>
-                            <a:srgbClr val="020302"/>
-                          </a:solidFill>
-                          <a:latin typeface="AdobeClean-Light"/>
-                          <a:cs typeface="AdobeClean-Light"/>
-                        </a:rPr>
-                        <a:t>hours</a:t>
-                      </a:r>
-                      <a:endParaRPr sz="900" spc="0">
-                        <a:latin typeface="AdobeClean-Light"/>
-                        <a:cs typeface="AdobeClean-Light"/>
-                      </a:endParaRPr>
                     </a:p>
                   </a:txBody>
                   <a:tcPr anchor="ctr">
@@ -3377,19 +2922,16 @@
                         </a:spcBef>
                       </a:pPr>
                       <a:r>
-                        <a:rPr sz="900" b="1" spc="0">
+                        <a:rPr lang="ja-JP" sz="900" b="1" dirty="0">
                           <a:solidFill>
                             <a:srgbClr val="020302"/>
                           </a:solidFill>
-                          <a:latin typeface="Adobe Clean"/>
+                          <a:latin typeface="Adobe Clean Han Regular" panose="020B0500000000000000" pitchFamily="34" charset="-128"/>
+                          <a:ea typeface="Adobe Clean Han Regular" panose="020B0500000000000000" pitchFamily="34" charset="-128"/>
                           <a:cs typeface="Adobe Clean"/>
                         </a:rPr>
-                        <a:t>PRIORITY 4</a:t>
+                        <a:t>優先度 4</a:t>
                       </a:r>
-                      <a:endParaRPr sz="900" spc="0">
-                        <a:latin typeface="Adobe Clean"/>
-                        <a:cs typeface="Adobe Clean"/>
-                      </a:endParaRPr>
                     </a:p>
                     <a:p>
                       <a:pPr marL="48895" marR="0" lvl="0" indent="0" defTabSz="914400" eaLnBrk="1" fontAlgn="auto" latinLnBrk="0" hangingPunct="1">
@@ -3410,19 +2952,15 @@
                         <a:defRPr/>
                       </a:pPr>
                       <a:r>
-                        <a:rPr lang="en-US" sz="900" b="0" i="0" spc="0">
+                        <a:rPr lang="ja-JP" sz="900" b="0" i="0" dirty="0">
                           <a:solidFill>
                             <a:srgbClr val="000000"/>
                           </a:solidFill>
-                          <a:effectLst/>
-                          <a:latin typeface="Adobe Clean Light" panose="020B0303020404020204" pitchFamily="34" charset="0"/>
+                          <a:latin typeface="Adobe Clean Han Regular" panose="020B0500000000000000" pitchFamily="34" charset="-128"/>
+                          <a:ea typeface="Adobe Clean Han Regular" panose="020B0500000000000000" pitchFamily="34" charset="-128"/>
                         </a:rPr>
-                        <a:t>General question regarding current product functionality or an enhancement request</a:t>
+                        <a:t>現在の製品機能に関する一般的な質問または機能拡張のリクエスト。</a:t>
                       </a:r>
-                      <a:endParaRPr lang="en-US" sz="900" b="0" i="0" spc="0">
-                        <a:latin typeface="Adobe Clean Light" panose="020B0303020404020204" pitchFamily="34" charset="0"/>
-                        <a:cs typeface="AdobeClean-Light"/>
-                      </a:endParaRPr>
                     </a:p>
                   </a:txBody>
                   <a:tcPr marL="0" marR="0" marT="1905" marB="0">
@@ -3457,7 +2995,7 @@
                     <a:bodyPr/>
                     <a:lstStyle/>
                     <a:p>
-                      <a:pPr marL="340360" marR="203200" indent="-193040" algn="ctr">
+                      <a:pPr marL="171450" marR="203200" indent="-23813" algn="ctr">
                         <a:lnSpc>
                           <a:spcPct val="100000"/>
                         </a:lnSpc>
@@ -3466,79 +3004,37 @@
                         </a:spcBef>
                       </a:pPr>
                       <a:r>
-                        <a:rPr sz="900" spc="0">
+                        <a:rPr lang="ja-JP" sz="900" dirty="0">
                           <a:solidFill>
                             <a:srgbClr val="020302"/>
                           </a:solidFill>
-                          <a:latin typeface="AdobeClean-Light"/>
+                          <a:latin typeface="Adobe Clean Han Regular" panose="020B0500000000000000" pitchFamily="34" charset="-128"/>
+                          <a:ea typeface="Adobe Clean Han Regular" panose="020B0500000000000000" pitchFamily="34" charset="-128"/>
                           <a:cs typeface="AdobeClean-Light"/>
                         </a:rPr>
-                        <a:t>Business</a:t>
+                        <a:t>営業日／</a:t>
                       </a:r>
-                      <a:r>
-                        <a:rPr lang="en-US" sz="900" spc="0">
+                      <a:br>
+                        <a:rPr lang="sk-SK" altLang="ja-JP" sz="900" dirty="0">
                           <a:solidFill>
                             <a:srgbClr val="020302"/>
                           </a:solidFill>
-                          <a:latin typeface="AdobeClean-Light"/>
+                          <a:latin typeface="Adobe Clean Han Regular" panose="020B0500000000000000" pitchFamily="34" charset="-128"/>
+                          <a:ea typeface="Adobe Clean Han Regular" panose="020B0500000000000000" pitchFamily="34" charset="-128"/>
                           <a:cs typeface="AdobeClean-Light"/>
                         </a:rPr>
-                        <a:t> </a:t>
-                      </a:r>
+                      </a:br>
                       <a:r>
-                        <a:rPr sz="900" spc="0">
+                        <a:rPr lang="ja-JP" sz="900" dirty="0">
                           <a:solidFill>
                             <a:srgbClr val="020302"/>
                           </a:solidFill>
-                          <a:latin typeface="AdobeClean-Light"/>
+                          <a:latin typeface="Adobe Clean Han Regular" panose="020B0500000000000000" pitchFamily="34" charset="-128"/>
+                          <a:ea typeface="Adobe Clean Han Regular" panose="020B0500000000000000" pitchFamily="34" charset="-128"/>
                           <a:cs typeface="AdobeClean-Light"/>
                         </a:rPr>
-                        <a:t>days</a:t>
+                        <a:t>3 日</a:t>
                       </a:r>
-                      <a:r>
-                        <a:rPr lang="en-US" sz="900" spc="0">
-                          <a:solidFill>
-                            <a:srgbClr val="020302"/>
-                          </a:solidFill>
-                          <a:latin typeface="AdobeClean-Light"/>
-                          <a:cs typeface="AdobeClean-Light"/>
-                        </a:rPr>
-                        <a:t> </a:t>
-                      </a:r>
-                      <a:r>
-                        <a:rPr sz="900" spc="0">
-                          <a:solidFill>
-                            <a:srgbClr val="020302"/>
-                          </a:solidFill>
-                          <a:latin typeface="AdobeClean-Light"/>
-                          <a:cs typeface="AdobeClean-Light"/>
-                        </a:rPr>
-                        <a:t>/  </a:t>
-                      </a:r>
-                      <a:r>
-                        <a:rPr lang="en-US" sz="900" spc="0">
-                          <a:solidFill>
-                            <a:srgbClr val="020302"/>
-                          </a:solidFill>
-                          <a:latin typeface="AdobeClean-Light"/>
-                          <a:cs typeface="AdobeClean-Light"/>
-                        </a:rPr>
-                        <a:t>    </a:t>
-                      </a:r>
-                      <a:r>
-                        <a:rPr sz="900" spc="0">
-                          <a:solidFill>
-                            <a:srgbClr val="020302"/>
-                          </a:solidFill>
-                          <a:latin typeface="AdobeClean-Light"/>
-                          <a:cs typeface="AdobeClean-Light"/>
-                        </a:rPr>
-                        <a:t>3 days</a:t>
-                      </a:r>
-                      <a:endParaRPr sz="900" spc="0">
-                        <a:latin typeface="AdobeClean-Light"/>
-                        <a:cs typeface="AdobeClean-Light"/>
-                      </a:endParaRPr>
                     </a:p>
                   </a:txBody>
                   <a:tcPr anchor="ctr">
@@ -3573,7 +3069,7 @@
                     <a:bodyPr/>
                     <a:lstStyle/>
                     <a:p>
-                      <a:pPr marL="370840" marR="223520" indent="-202565" algn="ctr">
+                      <a:pPr marL="171450" marR="223520" indent="-3175" algn="ctr">
                         <a:lnSpc>
                           <a:spcPct val="100000"/>
                         </a:lnSpc>
@@ -3582,65 +3078,19 @@
                         </a:spcBef>
                       </a:pPr>
                       <a:r>
-                        <a:rPr sz="900" spc="0">
+                        <a:rPr lang="ja-JP" sz="900" dirty="0">
                           <a:solidFill>
                             <a:srgbClr val="020302"/>
                           </a:solidFill>
-                          <a:latin typeface="AdobeClean-Light"/>
+                          <a:latin typeface="Adobe Clean Han Regular" panose="020B0500000000000000" pitchFamily="34" charset="-128"/>
+                          <a:ea typeface="Adobe Clean Han Regular" panose="020B0500000000000000" pitchFamily="34" charset="-128"/>
                           <a:cs typeface="AdobeClean-Light"/>
                         </a:rPr>
-                        <a:t>Business</a:t>
+                        <a:t>営業日／ </a:t>
                       </a:r>
-                      <a:r>
-                        <a:rPr lang="en-US" sz="900" spc="0">
-                          <a:solidFill>
-                            <a:srgbClr val="020302"/>
-                          </a:solidFill>
-                          <a:latin typeface="AdobeClean-Light"/>
-                          <a:cs typeface="AdobeClean-Light"/>
-                        </a:rPr>
-                        <a:t> </a:t>
-                      </a:r>
-                      <a:r>
-                        <a:rPr sz="900" spc="0">
-                          <a:solidFill>
-                            <a:srgbClr val="020302"/>
-                          </a:solidFill>
-                          <a:latin typeface="AdobeClean-Light"/>
-                          <a:cs typeface="AdobeClean-Light"/>
-                        </a:rPr>
-                        <a:t>day</a:t>
-                      </a:r>
-                      <a:r>
-                        <a:rPr lang="en-US" sz="900" spc="0">
-                          <a:solidFill>
-                            <a:srgbClr val="020302"/>
-                          </a:solidFill>
-                          <a:latin typeface="AdobeClean-Light"/>
-                          <a:cs typeface="AdobeClean-Light"/>
-                        </a:rPr>
-                        <a:t>s </a:t>
-                      </a:r>
-                      <a:r>
-                        <a:rPr sz="900" spc="0">
-                          <a:solidFill>
-                            <a:srgbClr val="020302"/>
-                          </a:solidFill>
-                          <a:latin typeface="AdobeClean-Light"/>
-                          <a:cs typeface="AdobeClean-Light"/>
-                        </a:rPr>
-                        <a:t>/ </a:t>
-                      </a:r>
-                      <a:endParaRPr lang="en-US" sz="900" spc="0">
-                        <a:solidFill>
-                          <a:srgbClr val="020302"/>
-                        </a:solidFill>
-                        <a:latin typeface="AdobeClean-Light"/>
-                        <a:cs typeface="AdobeClean-Light"/>
-                      </a:endParaRPr>
                     </a:p>
                     <a:p>
-                      <a:pPr marL="370840" marR="223520" indent="-202565" algn="ctr">
+                      <a:pPr marL="171450" marR="223520" indent="-3175" algn="ctr">
                         <a:lnSpc>
                           <a:spcPct val="100000"/>
                         </a:lnSpc>
@@ -3649,39 +3099,16 @@
                         </a:spcBef>
                       </a:pPr>
                       <a:r>
-                        <a:rPr sz="900" spc="0">
+                        <a:rPr lang="ja-JP" sz="900" dirty="0">
                           <a:solidFill>
                             <a:srgbClr val="020302"/>
                           </a:solidFill>
-                          <a:latin typeface="AdobeClean-Light"/>
+                          <a:latin typeface="Adobe Clean Han Regular" panose="020B0500000000000000" pitchFamily="34" charset="-128"/>
+                          <a:ea typeface="Adobe Clean Han Regular" panose="020B0500000000000000" pitchFamily="34" charset="-128"/>
                           <a:cs typeface="AdobeClean-Light"/>
                         </a:rPr>
-                        <a:t> </a:t>
+                        <a:t>  1 日</a:t>
                       </a:r>
-                      <a:r>
-                        <a:rPr lang="en-US" sz="900" spc="0">
-                          <a:solidFill>
-                            <a:srgbClr val="020302"/>
-                          </a:solidFill>
-                          <a:latin typeface="AdobeClean-Light"/>
-                          <a:cs typeface="AdobeClean-Light"/>
-                        </a:rPr>
-                        <a:t> </a:t>
-                      </a:r>
-                      <a:r>
-                        <a:rPr sz="900" spc="0">
-                          <a:solidFill>
-                            <a:srgbClr val="020302"/>
-                          </a:solidFill>
-                          <a:latin typeface="AdobeClean-Light"/>
-                          <a:cs typeface="AdobeClean-Light"/>
-                        </a:rPr>
-                        <a:t>1 day</a:t>
-                      </a:r>
-                      <a:endParaRPr sz="900" spc="0">
-                        <a:latin typeface="AdobeClean-Light"/>
-                        <a:cs typeface="AdobeClean-Light"/>
-                      </a:endParaRPr>
                     </a:p>
                   </a:txBody>
                   <a:tcPr anchor="ctr">
@@ -3741,14 +3168,14 @@
           <p:nvPr>
             <p:extLst>
               <p:ext uri="{D42A27DB-BD31-4B8C-83A1-F6EECF244321}">
-                <p14:modId xmlns:p14="http://schemas.microsoft.com/office/powerpoint/2010/main" val="116851390"/>
+                <p14:modId xmlns:p14="http://schemas.microsoft.com/office/powerpoint/2010/main" val="1673839485"/>
               </p:ext>
             </p:extLst>
           </p:nvPr>
         </p:nvGraphicFramePr>
         <p:xfrm>
           <a:off x="121147" y="2120949"/>
-          <a:ext cx="7498851" cy="4714546"/>
+          <a:ext cx="7498851" cy="4915883"/>
         </p:xfrm>
         <a:graphic>
           <a:graphicData uri="http://schemas.openxmlformats.org/drawingml/2006/table">
@@ -3792,7 +3219,10 @@
                     <a:bodyPr/>
                     <a:lstStyle/>
                     <a:p>
-                      <a:endParaRPr lang="en-US"/>
+                      <a:endParaRPr lang="en-US" dirty="0">
+                        <a:latin typeface="Adobe Clean Han Regular" panose="020B0500000000000000" pitchFamily="34" charset="-128"/>
+                        <a:ea typeface="Adobe Clean Han Regular" panose="020B0500000000000000" pitchFamily="34" charset="-128"/>
+                      </a:endParaRPr>
                     </a:p>
                   </a:txBody>
                   <a:tcPr/>
@@ -3830,39 +3260,16 @@
                         <a:defRPr/>
                       </a:pPr>
                       <a:r>
-                        <a:rPr lang="en-US" sz="900" spc="-20">
+                        <a:rPr lang="ja-JP" sz="900" dirty="0">
                           <a:solidFill>
                             <a:srgbClr val="404040"/>
                           </a:solidFill>
-                          <a:latin typeface="Adobe Clean"/>
+                          <a:latin typeface="Adobe Clean Han Regular" panose="020B0500000000000000" pitchFamily="34" charset="-128"/>
+                          <a:ea typeface="Adobe Clean Han Regular" panose="020B0500000000000000" pitchFamily="34" charset="-128"/>
                           <a:cs typeface="Adobe Clean"/>
                         </a:rPr>
-                        <a:t>Online </a:t>
+                        <a:t>オンラインサポート</a:t>
                       </a:r>
-                      <a:r>
-                        <a:rPr lang="en-US" sz="900" spc="-135">
-                          <a:solidFill>
-                            <a:srgbClr val="404040"/>
-                          </a:solidFill>
-                          <a:latin typeface="Adobe Clean"/>
-                          <a:cs typeface="Adobe Clean"/>
-                        </a:rPr>
-                        <a:t> </a:t>
-                      </a:r>
-                      <a:r>
-                        <a:rPr lang="en-US" sz="900" spc="-20">
-                          <a:solidFill>
-                            <a:srgbClr val="404040"/>
-                          </a:solidFill>
-                          <a:latin typeface="Adobe Clean"/>
-                          <a:cs typeface="Adobe Clean"/>
-                        </a:rPr>
-                        <a:t>Support</a:t>
-                      </a:r>
-                      <a:endParaRPr lang="en-US" sz="900">
-                        <a:latin typeface="Adobe Clean"/>
-                        <a:cs typeface="Adobe Clean"/>
-                      </a:endParaRPr>
                     </a:p>
                   </a:txBody>
                   <a:tcPr marL="0" marR="0" marT="7620" marB="0" anchor="ctr">
@@ -3903,39 +3310,16 @@
                         </a:spcBef>
                       </a:pPr>
                       <a:r>
-                        <a:rPr sz="900" spc="-20">
+                        <a:rPr lang="ja-JP" sz="900" dirty="0">
                           <a:solidFill>
                             <a:srgbClr val="FFFFFF"/>
                           </a:solidFill>
-                          <a:latin typeface="Adobe Clean"/>
+                          <a:latin typeface="Adobe Clean Han Regular" panose="020B0500000000000000" pitchFamily="34" charset="-128"/>
+                          <a:ea typeface="Adobe Clean Han Regular" panose="020B0500000000000000" pitchFamily="34" charset="-128"/>
                           <a:cs typeface="Adobe Clean"/>
                         </a:rPr>
-                        <a:t>Business</a:t>
+                        <a:t>ビジネスサポート</a:t>
                       </a:r>
-                      <a:r>
-                        <a:rPr lang="en-US" sz="900" spc="-20">
-                          <a:solidFill>
-                            <a:srgbClr val="FFFFFF"/>
-                          </a:solidFill>
-                          <a:latin typeface="Adobe Clean"/>
-                          <a:cs typeface="Adobe Clean"/>
-                        </a:rPr>
-                        <a:t> </a:t>
-                      </a:r>
-                      <a:r>
-                        <a:rPr sz="900" spc="-20">
-                          <a:solidFill>
-                            <a:srgbClr val="FFFFFF"/>
-                          </a:solidFill>
-                          <a:latin typeface="Adobe Clean"/>
-                          <a:cs typeface="Adobe Clean"/>
-                        </a:rPr>
-                        <a:t>Support</a:t>
-                      </a:r>
-                      <a:endParaRPr sz="900">
-                        <a:latin typeface="Adobe Clean"/>
-                        <a:cs typeface="Adobe Clean"/>
-                      </a:endParaRPr>
                     </a:p>
                   </a:txBody>
                   <a:tcPr marL="0" marR="0" marT="7620" marB="0" anchor="ctr">
@@ -3980,7 +3364,10 @@
                     <a:bodyPr/>
                     <a:lstStyle/>
                     <a:p>
-                      <a:endParaRPr lang="en-US"/>
+                      <a:endParaRPr lang="en-US">
+                        <a:latin typeface="Adobe Clean Han Regular" panose="020B0500000000000000" pitchFamily="34" charset="-128"/>
+                        <a:ea typeface="Adobe Clean Han Regular" panose="020B0500000000000000" pitchFamily="34" charset="-128"/>
+                      </a:endParaRPr>
                     </a:p>
                   </a:txBody>
                   <a:tcPr/>
@@ -4000,7 +3387,7 @@
                     <a:bodyPr/>
                     <a:lstStyle/>
                     <a:p>
-                      <a:pPr marL="0" marR="0" lvl="0" indent="0" algn="ctr" defTabSz="914400" eaLnBrk="1" fontAlgn="auto" latinLnBrk="0" hangingPunct="1">
+                      <a:pPr marL="0" marR="0" lvl="0" indent="0" algn="l" defTabSz="914400" rtl="0" eaLnBrk="1" fontAlgn="auto" latinLnBrk="0" hangingPunct="1">
                         <a:lnSpc>
                           <a:spcPct val="100000"/>
                         </a:lnSpc>
@@ -4017,11 +3404,12 @@
                         <a:tabLst/>
                         <a:defRPr/>
                       </a:pPr>
-                      <a:endParaRPr lang="en-US" sz="800" i="1">
+                      <a:endParaRPr lang="en-US" sz="800" i="1" dirty="0">
                         <a:solidFill>
                           <a:sysClr val="windowText" lastClr="000000"/>
                         </a:solidFill>
-                        <a:latin typeface="Adobe Clean Light" panose="020B0303020404020204" pitchFamily="34" charset="0"/>
+                        <a:latin typeface="Adobe Clean Han Regular" panose="020B0500000000000000" pitchFamily="34" charset="-128"/>
+                        <a:ea typeface="Adobe Clean Han Regular" panose="020B0500000000000000" pitchFamily="34" charset="-128"/>
                       </a:endParaRPr>
                     </a:p>
                   </a:txBody>
@@ -4081,13 +3469,14 @@
                         <a:defRPr/>
                       </a:pPr>
                       <a:r>
-                        <a:rPr lang="en-US" sz="800" i="1">
+                        <a:rPr lang="ja-JP" sz="800" i="1" dirty="0">
                           <a:solidFill>
                             <a:schemeClr val="bg1"/>
                           </a:solidFill>
-                          <a:latin typeface="Adobe Clean Light" panose="020B0303020404020204" pitchFamily="34" charset="0"/>
+                          <a:latin typeface="Adobe Clean Han Regular" panose="020B0500000000000000" pitchFamily="34" charset="-128"/>
+                          <a:ea typeface="Adobe Clean Han Regular" panose="020B0500000000000000" pitchFamily="34" charset="-128"/>
                         </a:rPr>
-                        <a:t>Paid Support ($)</a:t>
+                        <a:t>有償サポート（$）</a:t>
                       </a:r>
                     </a:p>
                   </a:txBody>
@@ -4151,22 +3540,16 @@
                         </a:spcBef>
                       </a:pPr>
                       <a:r>
-                        <a:rPr lang="en-US" sz="1000" b="1" i="0" spc="0">
+                        <a:rPr lang="ja-JP" sz="1000" b="1" i="0" dirty="0">
                           <a:solidFill>
                             <a:schemeClr val="bg1"/>
                           </a:solidFill>
-                          <a:latin typeface="Adobe Clean" panose="020B0503020404020204" pitchFamily="34" charset="0"/>
+                          <a:latin typeface="Adobe Clean Han Regular" panose="020B0500000000000000" pitchFamily="34" charset="-128"/>
+                          <a:ea typeface="Adobe Clean Han Regular" panose="020B0500000000000000" pitchFamily="34" charset="-128"/>
                           <a:cs typeface="AdobeClean-Light"/>
                         </a:rPr>
-                        <a:t>Assigned Experts</a:t>
+                        <a:t>担当エキスパート</a:t>
                       </a:r>
-                      <a:endParaRPr sz="1000" b="1" i="0" spc="0">
-                        <a:solidFill>
-                          <a:schemeClr val="bg1"/>
-                        </a:solidFill>
-                        <a:latin typeface="Adobe Clean" panose="020B0503020404020204" pitchFamily="34" charset="0"/>
-                        <a:cs typeface="AdobeClean-Light"/>
-                      </a:endParaRPr>
                     </a:p>
                   </a:txBody>
                   <a:tcPr marL="0" marR="0" marT="58419" marB="0" anchor="ctr">
@@ -4213,19 +3596,16 @@
                         </a:spcBef>
                       </a:pPr>
                       <a:r>
-                        <a:rPr sz="900" spc="0">
+                        <a:rPr lang="ja-JP" sz="900">
                           <a:solidFill>
                             <a:srgbClr val="020302"/>
                           </a:solidFill>
-                          <a:latin typeface="AdobeClean-Light"/>
+                          <a:latin typeface="Adobe Clean Han Regular" panose="020B0500000000000000" pitchFamily="34" charset="-128"/>
+                          <a:ea typeface="Adobe Clean Han Regular" panose="020B0500000000000000" pitchFamily="34" charset="-128"/>
                           <a:cs typeface="AdobeClean-Light"/>
                         </a:rPr>
-                        <a:t>Account Support Lead</a:t>
+                        <a:t>アカウントサポートリード</a:t>
                       </a:r>
-                      <a:endParaRPr sz="900" spc="0">
-                        <a:latin typeface="AdobeClean-Light"/>
-                        <a:cs typeface="AdobeClean-Light"/>
-                      </a:endParaRPr>
                     </a:p>
                   </a:txBody>
                   <a:tcPr marL="0" marR="0" marT="58419" marB="0">
@@ -4260,7 +3640,7 @@
                     <a:bodyPr/>
                     <a:lstStyle/>
                     <a:p>
-                      <a:pPr algn="ctr">
+                      <a:pPr algn="l" rtl="0">
                         <a:lnSpc>
                           <a:spcPct val="100000"/>
                         </a:lnSpc>
@@ -4269,7 +3649,8 @@
                         </a:spcBef>
                       </a:pPr>
                       <a:endParaRPr sz="900">
-                        <a:latin typeface="Wingdings"/>
+                        <a:latin typeface="Adobe Clean Han Regular" panose="020B0500000000000000" pitchFamily="34" charset="-128"/>
+                        <a:ea typeface="Adobe Clean Han Regular" panose="020B0500000000000000" pitchFamily="34" charset="-128"/>
                         <a:cs typeface="Wingdings"/>
                       </a:endParaRPr>
                     </a:p>
@@ -4310,19 +3691,16 @@
                         </a:spcBef>
                       </a:pPr>
                       <a:r>
-                        <a:rPr sz="900">
+                        <a:rPr lang="ja-JP" sz="900">
                           <a:solidFill>
                             <a:srgbClr val="020302"/>
                           </a:solidFill>
-                          <a:latin typeface="Wingdings"/>
+                          <a:latin typeface="Adobe Clean Han Regular" panose="020B0500000000000000" pitchFamily="34" charset="-128"/>
+                          <a:ea typeface="Adobe Clean Han Regular" panose="020B0500000000000000" pitchFamily="34" charset="-128"/>
                           <a:cs typeface="Wingdings"/>
                         </a:rPr>
                         <a:t></a:t>
                       </a:r>
-                      <a:endParaRPr sz="900">
-                        <a:latin typeface="Wingdings"/>
-                        <a:cs typeface="Wingdings"/>
-                      </a:endParaRPr>
                     </a:p>
                   </a:txBody>
                   <a:tcPr marL="0" marR="0" marT="59690" marB="0" anchor="ctr">
@@ -4354,7 +3732,7 @@
                     <a:bodyPr/>
                     <a:lstStyle/>
                     <a:p>
-                      <a:pPr marL="50800">
+                      <a:pPr marL="50800" algn="l" rtl="0">
                         <a:lnSpc>
                           <a:spcPct val="100000"/>
                         </a:lnSpc>
@@ -4400,19 +3778,16 @@
                         </a:spcBef>
                       </a:pPr>
                       <a:r>
-                        <a:rPr sz="900" spc="0">
+                        <a:rPr lang="ja-JP" sz="900">
                           <a:solidFill>
                             <a:srgbClr val="020302"/>
                           </a:solidFill>
-                          <a:latin typeface="AdobeClean-Light"/>
+                          <a:latin typeface="Adobe Clean Han Regular" panose="020B0500000000000000" pitchFamily="34" charset="-128"/>
+                          <a:ea typeface="Adobe Clean Han Regular" panose="020B0500000000000000" pitchFamily="34" charset="-128"/>
                           <a:cs typeface="AdobeClean-Light"/>
                         </a:rPr>
-                        <a:t>Named Support Engineer</a:t>
+                        <a:t>専任サポートエンジニア</a:t>
                       </a:r>
-                      <a:endParaRPr sz="900" spc="0">
-                        <a:latin typeface="AdobeClean-Light"/>
-                        <a:cs typeface="AdobeClean-Light"/>
-                      </a:endParaRPr>
                     </a:p>
                   </a:txBody>
                   <a:tcPr marL="0" marR="0" marT="58419" marB="0">
@@ -4435,13 +3810,14 @@
                     <a:bodyPr/>
                     <a:lstStyle/>
                     <a:p>
-                      <a:pPr algn="ctr">
+                      <a:pPr algn="l" rtl="0">
                         <a:lnSpc>
                           <a:spcPct val="100000"/>
                         </a:lnSpc>
                       </a:pPr>
                       <a:endParaRPr sz="900">
-                        <a:latin typeface="Times New Roman"/>
+                        <a:latin typeface="Adobe Clean Han Regular" panose="020B0500000000000000" pitchFamily="34" charset="-128"/>
+                        <a:ea typeface="Adobe Clean Han Regular" panose="020B0500000000000000" pitchFamily="34" charset="-128"/>
                         <a:cs typeface="Times New Roman"/>
                       </a:endParaRPr>
                     </a:p>
@@ -4464,13 +3840,14 @@
                     <a:bodyPr/>
                     <a:lstStyle/>
                     <a:p>
-                      <a:pPr algn="ctr">
+                      <a:pPr algn="l" rtl="0">
                         <a:lnSpc>
                           <a:spcPct val="100000"/>
                         </a:lnSpc>
                       </a:pPr>
                       <a:endParaRPr sz="900">
-                        <a:latin typeface="Times New Roman"/>
+                        <a:latin typeface="Adobe Clean Han Regular" panose="020B0500000000000000" pitchFamily="34" charset="-128"/>
+                        <a:ea typeface="Adobe Clean Han Regular" panose="020B0500000000000000" pitchFamily="34" charset="-128"/>
                         <a:cs typeface="Times New Roman"/>
                       </a:endParaRPr>
                     </a:p>
@@ -4495,7 +3872,7 @@
                     <a:bodyPr/>
                     <a:lstStyle/>
                     <a:p>
-                      <a:pPr marL="50800">
+                      <a:pPr marL="50800" algn="l" rtl="0">
                         <a:lnSpc>
                           <a:spcPct val="100000"/>
                         </a:lnSpc>
@@ -4553,19 +3930,16 @@
                         </a:spcBef>
                       </a:pPr>
                       <a:r>
-                        <a:rPr sz="900" spc="0">
+                        <a:rPr lang="ja-JP" sz="900">
                           <a:solidFill>
                             <a:srgbClr val="020302"/>
                           </a:solidFill>
-                          <a:latin typeface="AdobeClean-Light"/>
+                          <a:latin typeface="Adobe Clean Han Regular" panose="020B0500000000000000" pitchFamily="34" charset="-128"/>
+                          <a:ea typeface="Adobe Clean Han Regular" panose="020B0500000000000000" pitchFamily="34" charset="-128"/>
                           <a:cs typeface="AdobeClean-Light"/>
                         </a:rPr>
-                        <a:t>Technical Account Manager</a:t>
+                        <a:t>テクニカルアカウントマネージャー</a:t>
                       </a:r>
-                      <a:endParaRPr sz="900" spc="0">
-                        <a:latin typeface="AdobeClean-Light"/>
-                        <a:cs typeface="AdobeClean-Light"/>
-                      </a:endParaRPr>
                     </a:p>
                   </a:txBody>
                   <a:tcPr marL="0" marR="0" marT="63500" marB="0">
@@ -4594,13 +3968,14 @@
                     <a:bodyPr/>
                     <a:lstStyle/>
                     <a:p>
-                      <a:pPr algn="ctr">
+                      <a:pPr algn="l" rtl="0">
                         <a:lnSpc>
                           <a:spcPct val="100000"/>
                         </a:lnSpc>
                       </a:pPr>
                       <a:endParaRPr sz="900">
-                        <a:latin typeface="Times New Roman"/>
+                        <a:latin typeface="Adobe Clean Han Regular" panose="020B0500000000000000" pitchFamily="34" charset="-128"/>
+                        <a:ea typeface="Adobe Clean Han Regular" panose="020B0500000000000000" pitchFamily="34" charset="-128"/>
                         <a:cs typeface="Times New Roman"/>
                       </a:endParaRPr>
                     </a:p>
@@ -4632,13 +4007,14 @@
                     <a:bodyPr/>
                     <a:lstStyle/>
                     <a:p>
-                      <a:pPr algn="ctr">
+                      <a:pPr algn="l" rtl="0">
                         <a:lnSpc>
                           <a:spcPct val="100000"/>
                         </a:lnSpc>
                       </a:pPr>
                       <a:endParaRPr sz="900">
-                        <a:latin typeface="Times New Roman"/>
+                        <a:latin typeface="Adobe Clean Han Regular" panose="020B0500000000000000" pitchFamily="34" charset="-128"/>
+                        <a:ea typeface="Adobe Clean Han Regular" panose="020B0500000000000000" pitchFamily="34" charset="-128"/>
                         <a:cs typeface="Times New Roman"/>
                       </a:endParaRPr>
                     </a:p>
@@ -4681,22 +4057,16 @@
                         </a:spcBef>
                       </a:pPr>
                       <a:r>
-                        <a:rPr lang="en-US" sz="1000" b="1" i="0" spc="0">
+                        <a:rPr lang="ja-JP" sz="1000" b="1" i="0" dirty="0">
                           <a:solidFill>
                             <a:schemeClr val="bg1"/>
                           </a:solidFill>
-                          <a:latin typeface="Adobe Clean" panose="020B0503020404020204" pitchFamily="34" charset="0"/>
+                          <a:latin typeface="Adobe Clean Han Regular" panose="020B0500000000000000" pitchFamily="34" charset="-128"/>
+                          <a:ea typeface="Adobe Clean Han Regular" panose="020B0500000000000000" pitchFamily="34" charset="-128"/>
                           <a:cs typeface="AdobeClean-Light"/>
                         </a:rPr>
-                        <a:t>Support Services</a:t>
+                        <a:t>サポートサービス</a:t>
                       </a:r>
-                      <a:endParaRPr sz="1000" b="1" i="0" spc="0">
-                        <a:solidFill>
-                          <a:schemeClr val="bg1"/>
-                        </a:solidFill>
-                        <a:latin typeface="Adobe Clean" panose="020B0503020404020204" pitchFamily="34" charset="0"/>
-                        <a:cs typeface="AdobeClean-Light"/>
-                      </a:endParaRPr>
                     </a:p>
                   </a:txBody>
                   <a:tcPr marL="0" marR="0" marT="57150" marB="0" anchor="ctr">
@@ -4752,29 +4122,16 @@
                         </a:spcBef>
                       </a:pPr>
                       <a:r>
-                        <a:rPr lang="en-US" sz="900" spc="0">
+                        <a:rPr lang="ja-JP" sz="900">
                           <a:solidFill>
                             <a:srgbClr val="020302"/>
                           </a:solidFill>
-                          <a:latin typeface="AdobeClean-Light"/>
+                          <a:latin typeface="Adobe Clean Han Regular" panose="020B0500000000000000" pitchFamily="34" charset="-128"/>
+                          <a:ea typeface="Adobe Clean Han Regular" panose="020B0500000000000000" pitchFamily="34" charset="-128"/>
                           <a:cs typeface="AdobeClean-Light"/>
                         </a:rPr>
-                        <a:t>Online</a:t>
+                        <a:t>オンラインサポート</a:t>
                       </a:r>
-                      <a:r>
-                        <a:rPr sz="900" spc="0">
-                          <a:solidFill>
-                            <a:srgbClr val="020302"/>
-                          </a:solidFill>
-                          <a:latin typeface="AdobeClean-Light"/>
-                          <a:cs typeface="AdobeClean-Light"/>
-                        </a:rPr>
-                        <a:t> Support</a:t>
-                      </a:r>
-                      <a:endParaRPr sz="900" spc="0">
-                        <a:latin typeface="AdobeClean-Light"/>
-                        <a:cs typeface="AdobeClean-Light"/>
-                      </a:endParaRPr>
                     </a:p>
                   </a:txBody>
                   <a:tcPr marL="0" marR="0" marT="57150" marB="0">
@@ -4812,39 +4169,16 @@
                         </a:spcBef>
                       </a:pPr>
                       <a:r>
-                        <a:rPr sz="900" spc="-25">
+                        <a:rPr lang="ja-JP" sz="900">
                           <a:solidFill>
                             <a:srgbClr val="020302"/>
                           </a:solidFill>
-                          <a:latin typeface="AdobeClean-Light"/>
+                          <a:latin typeface="Adobe Clean Han Regular" panose="020B0500000000000000" pitchFamily="34" charset="-128"/>
+                          <a:ea typeface="Adobe Clean Han Regular" panose="020B0500000000000000" pitchFamily="34" charset="-128"/>
                           <a:cs typeface="AdobeClean-Light"/>
                         </a:rPr>
-                        <a:t>Business</a:t>
+                        <a:t>営業時間</a:t>
                       </a:r>
-                      <a:r>
-                        <a:rPr sz="900" spc="-15">
-                          <a:solidFill>
-                            <a:srgbClr val="020302"/>
-                          </a:solidFill>
-                          <a:latin typeface="AdobeClean-Light"/>
-                          <a:cs typeface="AdobeClean-Light"/>
-                        </a:rPr>
-                        <a:t> </a:t>
-                      </a:r>
-                      <a:r>
-                        <a:rPr sz="900" spc="-30">
-                          <a:solidFill>
-                            <a:srgbClr val="020302"/>
-                          </a:solidFill>
-                          <a:latin typeface="AdobeClean-Light"/>
-                          <a:cs typeface="AdobeClean-Light"/>
-                        </a:rPr>
-                        <a:t>hours</a:t>
-                      </a:r>
-                      <a:endParaRPr sz="900">
-                        <a:latin typeface="AdobeClean-Light"/>
-                        <a:cs typeface="AdobeClean-Light"/>
-                      </a:endParaRPr>
                     </a:p>
                   </a:txBody>
                   <a:tcPr marL="0" marR="0" marT="67945" marB="0">
@@ -4883,39 +4217,16 @@
                         </a:spcBef>
                       </a:pPr>
                       <a:r>
-                        <a:rPr sz="900" spc="-25">
+                        <a:rPr lang="ja-JP" sz="900">
                           <a:solidFill>
                             <a:srgbClr val="020302"/>
                           </a:solidFill>
-                          <a:latin typeface="AdobeClean-Light"/>
+                          <a:latin typeface="Adobe Clean Han Regular" panose="020B0500000000000000" pitchFamily="34" charset="-128"/>
+                          <a:ea typeface="Adobe Clean Han Regular" panose="020B0500000000000000" pitchFamily="34" charset="-128"/>
                           <a:cs typeface="AdobeClean-Light"/>
                         </a:rPr>
-                        <a:t>Business</a:t>
+                        <a:t>営業時間</a:t>
                       </a:r>
-                      <a:r>
-                        <a:rPr sz="900" spc="-15">
-                          <a:solidFill>
-                            <a:srgbClr val="020302"/>
-                          </a:solidFill>
-                          <a:latin typeface="AdobeClean-Light"/>
-                          <a:cs typeface="AdobeClean-Light"/>
-                        </a:rPr>
-                        <a:t> </a:t>
-                      </a:r>
-                      <a:r>
-                        <a:rPr sz="900" spc="-30">
-                          <a:solidFill>
-                            <a:srgbClr val="020302"/>
-                          </a:solidFill>
-                          <a:latin typeface="AdobeClean-Light"/>
-                          <a:cs typeface="AdobeClean-Light"/>
-                        </a:rPr>
-                        <a:t>hours</a:t>
-                      </a:r>
-                      <a:endParaRPr sz="900">
-                        <a:latin typeface="AdobeClean-Light"/>
-                        <a:cs typeface="AdobeClean-Light"/>
-                      </a:endParaRPr>
                     </a:p>
                   </a:txBody>
                   <a:tcPr marL="0" marR="0" marT="67945" marB="0">
@@ -4947,7 +4258,7 @@
                     <a:bodyPr/>
                     <a:lstStyle/>
                     <a:p>
-                      <a:pPr marL="50800">
+                      <a:pPr marL="50800" algn="l" rtl="0">
                         <a:lnSpc>
                           <a:spcPct val="100000"/>
                         </a:lnSpc>
@@ -4996,39 +4307,16 @@
                         </a:spcBef>
                       </a:pPr>
                       <a:r>
-                        <a:rPr sz="900" spc="0">
+                        <a:rPr lang="ja-JP" sz="900">
                           <a:solidFill>
                             <a:srgbClr val="020302"/>
                           </a:solidFill>
-                          <a:latin typeface="AdobeClean-Light"/>
+                          <a:latin typeface="Adobe Clean Han Regular" panose="020B0500000000000000" pitchFamily="34" charset="-128"/>
+                          <a:ea typeface="Adobe Clean Han Regular" panose="020B0500000000000000" pitchFamily="34" charset="-128"/>
                           <a:cs typeface="AdobeClean-Light"/>
                         </a:rPr>
-                        <a:t>24x7</a:t>
+                        <a:t>24 時間年中無休の P1 の問題のサポート</a:t>
                       </a:r>
-                      <a:r>
-                        <a:rPr lang="en-US" sz="900" spc="0">
-                          <a:solidFill>
-                            <a:srgbClr val="020302"/>
-                          </a:solidFill>
-                          <a:latin typeface="AdobeClean-Light"/>
-                          <a:cs typeface="AdobeClean-Light"/>
-                        </a:rPr>
-                        <a:t>x365</a:t>
-                      </a:r>
-                      <a:r>
-                        <a:rPr sz="900" spc="0">
-                          <a:solidFill>
-                            <a:srgbClr val="020302"/>
-                          </a:solidFill>
-                          <a:latin typeface="AdobeClean-Light"/>
-                          <a:cs typeface="AdobeClean-Light"/>
-                        </a:rPr>
-                        <a:t> P1 Issue Support</a:t>
-                      </a:r>
-                      <a:endParaRPr sz="900" spc="0">
-                        <a:latin typeface="AdobeClean-Light"/>
-                        <a:cs typeface="AdobeClean-Light"/>
-                      </a:endParaRPr>
                     </a:p>
                   </a:txBody>
                   <a:tcPr marL="0" marR="0" marT="57785" marB="0">
@@ -5060,19 +4348,16 @@
                         </a:spcBef>
                       </a:pPr>
                       <a:r>
-                        <a:rPr sz="900">
+                        <a:rPr lang="ja-JP" sz="900" dirty="0">
                           <a:solidFill>
                             <a:srgbClr val="020302"/>
                           </a:solidFill>
-                          <a:latin typeface="Wingdings"/>
+                          <a:latin typeface="Adobe Clean Han Regular" panose="020B0500000000000000" pitchFamily="34" charset="-128"/>
+                          <a:ea typeface="Adobe Clean Han Regular" panose="020B0500000000000000" pitchFamily="34" charset="-128"/>
                           <a:cs typeface="Wingdings"/>
                         </a:rPr>
                         <a:t></a:t>
                       </a:r>
-                      <a:endParaRPr sz="900">
-                        <a:latin typeface="Wingdings"/>
-                        <a:cs typeface="Wingdings"/>
-                      </a:endParaRPr>
                     </a:p>
                   </a:txBody>
                   <a:tcPr marL="0" marR="0" marT="58419" marB="0">
@@ -5102,19 +4387,16 @@
                         </a:spcBef>
                       </a:pPr>
                       <a:r>
-                        <a:rPr sz="900">
+                        <a:rPr lang="ja-JP" sz="900" dirty="0">
                           <a:solidFill>
                             <a:srgbClr val="020302"/>
                           </a:solidFill>
-                          <a:latin typeface="Wingdings"/>
+                          <a:latin typeface="Adobe Clean Han Regular" panose="020B0500000000000000" pitchFamily="34" charset="-128"/>
+                          <a:ea typeface="Adobe Clean Han Regular" panose="020B0500000000000000" pitchFamily="34" charset="-128"/>
                           <a:cs typeface="Wingdings"/>
                         </a:rPr>
                         <a:t></a:t>
                       </a:r>
-                      <a:endParaRPr sz="900">
-                        <a:latin typeface="Wingdings"/>
-                        <a:cs typeface="Wingdings"/>
-                      </a:endParaRPr>
                     </a:p>
                   </a:txBody>
                   <a:tcPr marL="0" marR="0" marT="58419" marB="0">
@@ -5137,7 +4419,7 @@
                     <a:bodyPr/>
                     <a:lstStyle/>
                     <a:p>
-                      <a:pPr marL="50800">
+                      <a:pPr marL="50800" algn="l" rtl="0">
                         <a:lnSpc>
                           <a:spcPct val="100000"/>
                         </a:lnSpc>
@@ -5195,19 +4477,16 @@
                         </a:spcBef>
                       </a:pPr>
                       <a:r>
-                        <a:rPr lang="en-US" sz="900" spc="0">
+                        <a:rPr lang="ja-JP" sz="900">
                           <a:solidFill>
                             <a:srgbClr val="020302"/>
                           </a:solidFill>
-                          <a:latin typeface="AdobeClean-Light"/>
+                          <a:latin typeface="Adobe Clean Han Regular" panose="020B0500000000000000" pitchFamily="34" charset="-128"/>
+                          <a:ea typeface="Adobe Clean Han Regular" panose="020B0500000000000000" pitchFamily="34" charset="-128"/>
                           <a:cs typeface="AdobeClean-Light"/>
                         </a:rPr>
-                        <a:t>Named Support Contacts (per product)</a:t>
+                        <a:t>サポート対象ユーザー（製品単位）</a:t>
                       </a:r>
-                      <a:endParaRPr sz="900" spc="0">
-                        <a:latin typeface="AdobeClean-Light"/>
-                        <a:cs typeface="AdobeClean-Light"/>
-                      </a:endParaRPr>
                     </a:p>
                   </a:txBody>
                   <a:tcPr marL="0" marR="0" marT="57785" marB="0">
@@ -5245,19 +4524,16 @@
                         </a:spcBef>
                       </a:pPr>
                       <a:r>
-                        <a:rPr sz="900">
+                        <a:rPr lang="ja-JP" sz="900">
                           <a:solidFill>
                             <a:srgbClr val="020302"/>
                           </a:solidFill>
-                          <a:latin typeface="AdobeClean-Light"/>
+                          <a:latin typeface="Adobe Clean Han Regular" panose="020B0500000000000000" pitchFamily="34" charset="-128"/>
+                          <a:ea typeface="Adobe Clean Han Regular" panose="020B0500000000000000" pitchFamily="34" charset="-128"/>
                           <a:cs typeface="AdobeClean-Light"/>
                         </a:rPr>
                         <a:t>4</a:t>
                       </a:r>
-                      <a:endParaRPr sz="900">
-                        <a:latin typeface="AdobeClean-Light"/>
-                        <a:cs typeface="AdobeClean-Light"/>
-                      </a:endParaRPr>
                     </a:p>
                   </a:txBody>
                   <a:tcPr marL="0" marR="0" marT="57785" marB="0">
@@ -5287,19 +4563,16 @@
                         </a:spcBef>
                       </a:pPr>
                       <a:r>
-                        <a:rPr sz="900">
+                        <a:rPr lang="ja-JP" sz="900">
                           <a:solidFill>
                             <a:srgbClr val="020302"/>
                           </a:solidFill>
-                          <a:latin typeface="AdobeClean-Light"/>
+                          <a:latin typeface="Adobe Clean Han Regular" panose="020B0500000000000000" pitchFamily="34" charset="-128"/>
+                          <a:ea typeface="Adobe Clean Han Regular" panose="020B0500000000000000" pitchFamily="34" charset="-128"/>
                           <a:cs typeface="AdobeClean-Light"/>
                         </a:rPr>
                         <a:t>6</a:t>
                       </a:r>
-                      <a:endParaRPr sz="900">
-                        <a:latin typeface="AdobeClean-Light"/>
-                        <a:cs typeface="AdobeClean-Light"/>
-                      </a:endParaRPr>
                     </a:p>
                   </a:txBody>
                   <a:tcPr marL="0" marR="0" marT="57785" marB="0">
@@ -5322,7 +4595,7 @@
                     <a:bodyPr/>
                     <a:lstStyle/>
                     <a:p>
-                      <a:pPr marL="50800">
+                      <a:pPr marL="50800" algn="l" rtl="0">
                         <a:lnSpc>
                           <a:spcPct val="100000"/>
                         </a:lnSpc>
@@ -5371,19 +4644,16 @@
                         </a:spcBef>
                       </a:pPr>
                       <a:r>
-                        <a:rPr lang="en-US" sz="900" spc="0">
+                        <a:rPr lang="ja-JP" sz="900">
                           <a:solidFill>
                             <a:srgbClr val="020302"/>
                           </a:solidFill>
-                          <a:latin typeface="AdobeClean-Light"/>
+                          <a:latin typeface="Adobe Clean Han Regular" panose="020B0500000000000000" pitchFamily="34" charset="-128"/>
+                          <a:ea typeface="Adobe Clean Han Regular" panose="020B0500000000000000" pitchFamily="34" charset="-128"/>
                           <a:cs typeface="AdobeClean-Light"/>
                         </a:rPr>
-                        <a:t>Live Telephone Support</a:t>
+                        <a:t>電話サポート（ライブ）</a:t>
                       </a:r>
-                      <a:endParaRPr sz="900" spc="0">
-                        <a:latin typeface="AdobeClean-Light"/>
-                        <a:cs typeface="AdobeClean-Light"/>
-                      </a:endParaRPr>
                     </a:p>
                   </a:txBody>
                   <a:tcPr marL="0" marR="0" marT="57785" marB="0">
@@ -5406,7 +4676,7 @@
                     <a:bodyPr/>
                     <a:lstStyle/>
                     <a:p>
-                      <a:pPr algn="ctr">
+                      <a:pPr algn="l" rtl="0">
                         <a:lnSpc>
                           <a:spcPct val="100000"/>
                         </a:lnSpc>
@@ -5415,7 +4685,8 @@
                         </a:spcBef>
                       </a:pPr>
                       <a:endParaRPr sz="900">
-                        <a:latin typeface="Wingdings"/>
+                        <a:latin typeface="Adobe Clean Han Regular" panose="020B0500000000000000" pitchFamily="34" charset="-128"/>
+                        <a:ea typeface="Adobe Clean Han Regular" panose="020B0500000000000000" pitchFamily="34" charset="-128"/>
                         <a:cs typeface="Wingdings"/>
                       </a:endParaRPr>
                     </a:p>
@@ -5447,19 +4718,16 @@
                         </a:spcBef>
                       </a:pPr>
                       <a:r>
-                        <a:rPr sz="900">
+                        <a:rPr lang="ja-JP" sz="900">
                           <a:solidFill>
                             <a:srgbClr val="020302"/>
                           </a:solidFill>
-                          <a:latin typeface="Wingdings"/>
+                          <a:latin typeface="Adobe Clean Han Regular" panose="020B0500000000000000" pitchFamily="34" charset="-128"/>
+                          <a:ea typeface="Adobe Clean Han Regular" panose="020B0500000000000000" pitchFamily="34" charset="-128"/>
                           <a:cs typeface="Wingdings"/>
                         </a:rPr>
                         <a:t></a:t>
                       </a:r>
-                      <a:endParaRPr sz="900">
-                        <a:latin typeface="Wingdings"/>
-                        <a:cs typeface="Wingdings"/>
-                      </a:endParaRPr>
                     </a:p>
                   </a:txBody>
                   <a:tcPr marL="0" marR="0" marT="59054" marB="0">
@@ -5482,7 +4750,7 @@
                     <a:bodyPr/>
                     <a:lstStyle/>
                     <a:p>
-                      <a:pPr marL="50800">
+                      <a:pPr marL="50800" algn="l" rtl="0">
                         <a:lnSpc>
                           <a:spcPct val="100000"/>
                         </a:lnSpc>
@@ -5531,19 +4799,16 @@
                         </a:spcBef>
                       </a:pPr>
                       <a:r>
-                        <a:rPr sz="900" spc="0">
+                        <a:rPr lang="ja-JP" sz="900" dirty="0">
                           <a:solidFill>
                             <a:srgbClr val="020302"/>
                           </a:solidFill>
-                          <a:latin typeface="AdobeClean-Light"/>
+                          <a:latin typeface="Adobe Clean Han Regular" panose="020B0500000000000000" pitchFamily="34" charset="-128"/>
+                          <a:ea typeface="Adobe Clean Han Regular" panose="020B0500000000000000" pitchFamily="34" charset="-128"/>
                           <a:cs typeface="AdobeClean-Light"/>
                         </a:rPr>
-                        <a:t>Escalation Management</a:t>
+                        <a:t>エスカレーション管理</a:t>
                       </a:r>
-                      <a:endParaRPr sz="900" spc="0">
-                        <a:latin typeface="AdobeClean-Light"/>
-                        <a:cs typeface="AdobeClean-Light"/>
-                      </a:endParaRPr>
                     </a:p>
                   </a:txBody>
                   <a:tcPr marL="0" marR="0" marT="58419" marB="0">
@@ -5566,7 +4831,7 @@
                     <a:bodyPr/>
                     <a:lstStyle/>
                     <a:p>
-                      <a:pPr algn="ctr">
+                      <a:pPr algn="l" rtl="0">
                         <a:lnSpc>
                           <a:spcPct val="100000"/>
                         </a:lnSpc>
@@ -5575,7 +4840,8 @@
                         </a:spcBef>
                       </a:pPr>
                       <a:endParaRPr sz="900">
-                        <a:latin typeface="Wingdings"/>
+                        <a:latin typeface="Adobe Clean Han Regular" panose="020B0500000000000000" pitchFamily="34" charset="-128"/>
+                        <a:ea typeface="Adobe Clean Han Regular" panose="020B0500000000000000" pitchFamily="34" charset="-128"/>
                         <a:cs typeface="Wingdings"/>
                       </a:endParaRPr>
                     </a:p>
@@ -5607,19 +4873,16 @@
                         </a:spcBef>
                       </a:pPr>
                       <a:r>
-                        <a:rPr sz="900">
+                        <a:rPr lang="ja-JP" sz="900">
                           <a:solidFill>
                             <a:srgbClr val="020302"/>
                           </a:solidFill>
-                          <a:latin typeface="Wingdings"/>
+                          <a:latin typeface="Adobe Clean Han Regular" panose="020B0500000000000000" pitchFamily="34" charset="-128"/>
+                          <a:ea typeface="Adobe Clean Han Regular" panose="020B0500000000000000" pitchFamily="34" charset="-128"/>
                           <a:cs typeface="Wingdings"/>
                         </a:rPr>
                         <a:t></a:t>
                       </a:r>
-                      <a:endParaRPr sz="900">
-                        <a:latin typeface="Wingdings"/>
-                        <a:cs typeface="Wingdings"/>
-                      </a:endParaRPr>
                     </a:p>
                   </a:txBody>
                   <a:tcPr marL="0" marR="0" marT="59690" marB="0">
@@ -5642,7 +4905,7 @@
                     <a:bodyPr/>
                     <a:lstStyle/>
                     <a:p>
-                      <a:pPr marL="50800">
+                      <a:pPr marL="50800" algn="l" rtl="0">
                         <a:lnSpc>
                           <a:spcPct val="100000"/>
                         </a:lnSpc>
@@ -5691,29 +4954,16 @@
                         </a:spcBef>
                       </a:pPr>
                       <a:r>
-                        <a:rPr sz="900" spc="0">
+                        <a:rPr lang="ja-JP" sz="900">
                           <a:solidFill>
                             <a:srgbClr val="020302"/>
                           </a:solidFill>
-                          <a:latin typeface="AdobeClean-Light"/>
+                          <a:latin typeface="Adobe Clean Han Regular" panose="020B0500000000000000" pitchFamily="34" charset="-128"/>
+                          <a:ea typeface="Adobe Clean Han Regular" panose="020B0500000000000000" pitchFamily="34" charset="-128"/>
                           <a:cs typeface="AdobeClean-Light"/>
                         </a:rPr>
-                        <a:t>Service Reviews </a:t>
+                        <a:t>年間のサービスレビュー</a:t>
                       </a:r>
-                      <a:r>
-                        <a:rPr lang="en-US" sz="900" spc="0">
-                          <a:solidFill>
-                            <a:srgbClr val="020302"/>
-                          </a:solidFill>
-                          <a:latin typeface="AdobeClean-Light"/>
-                          <a:cs typeface="AdobeClean-Light"/>
-                        </a:rPr>
-                        <a:t>per Year</a:t>
-                      </a:r>
-                      <a:endParaRPr sz="900" spc="0">
-                        <a:latin typeface="AdobeClean-Light"/>
-                        <a:cs typeface="AdobeClean-Light"/>
-                      </a:endParaRPr>
                     </a:p>
                   </a:txBody>
                   <a:tcPr marL="0" marR="0" marT="57150" marB="0">
@@ -5736,13 +4986,14 @@
                     <a:bodyPr/>
                     <a:lstStyle/>
                     <a:p>
-                      <a:pPr>
+                      <a:pPr algn="l" rtl="0">
                         <a:lnSpc>
                           <a:spcPct val="100000"/>
                         </a:lnSpc>
                       </a:pPr>
                       <a:endParaRPr sz="900">
-                        <a:latin typeface="Times New Roman"/>
+                        <a:latin typeface="Adobe Clean Han Regular" panose="020B0500000000000000" pitchFamily="34" charset="-128"/>
+                        <a:ea typeface="Adobe Clean Han Regular" panose="020B0500000000000000" pitchFamily="34" charset="-128"/>
                         <a:cs typeface="Times New Roman"/>
                       </a:endParaRPr>
                     </a:p>
@@ -5765,13 +5016,14 @@
                     <a:bodyPr/>
                     <a:lstStyle/>
                     <a:p>
-                      <a:pPr>
+                      <a:pPr algn="l" rtl="0">
                         <a:lnSpc>
                           <a:spcPct val="100000"/>
                         </a:lnSpc>
                       </a:pPr>
-                      <a:endParaRPr sz="900">
-                        <a:latin typeface="Times New Roman"/>
+                      <a:endParaRPr sz="900" dirty="0">
+                        <a:latin typeface="Adobe Clean Han Regular" panose="020B0500000000000000" pitchFamily="34" charset="-128"/>
+                        <a:ea typeface="Adobe Clean Han Regular" panose="020B0500000000000000" pitchFamily="34" charset="-128"/>
                         <a:cs typeface="Times New Roman"/>
                       </a:endParaRPr>
                     </a:p>
@@ -5815,16 +5067,13 @@
                         </a:spcBef>
                       </a:pPr>
                       <a:r>
-                        <a:rPr lang="en-US" sz="900" spc="0">
-                          <a:latin typeface="AdobeClean-Light"/>
+                        <a:rPr lang="ja-JP" sz="900" dirty="0">
+                          <a:latin typeface="Adobe Clean Han Regular" panose="020B0500000000000000" pitchFamily="34" charset="-128"/>
+                          <a:ea typeface="Adobe Clean Han Regular" panose="020B0500000000000000" pitchFamily="34" charset="-128"/>
                           <a:cs typeface="AdobeClean-Light"/>
                         </a:rPr>
-                        <a:t>Expert Sessions per Year</a:t>
+                        <a:t>年間のエキスパートセッション</a:t>
                       </a:r>
-                      <a:endParaRPr sz="900" spc="0">
-                        <a:latin typeface="AdobeClean-Light"/>
-                        <a:cs typeface="AdobeClean-Light"/>
-                      </a:endParaRPr>
                     </a:p>
                   </a:txBody>
                   <a:tcPr marL="0" marR="0" marT="57150" marB="0">
@@ -5853,13 +5102,14 @@
                     <a:bodyPr/>
                     <a:lstStyle/>
                     <a:p>
-                      <a:pPr>
+                      <a:pPr algn="l" rtl="0">
                         <a:lnSpc>
                           <a:spcPct val="100000"/>
                         </a:lnSpc>
                       </a:pPr>
                       <a:endParaRPr sz="900">
-                        <a:latin typeface="Times New Roman"/>
+                        <a:latin typeface="Adobe Clean Han Regular" panose="020B0500000000000000" pitchFamily="34" charset="-128"/>
+                        <a:ea typeface="Adobe Clean Han Regular" panose="020B0500000000000000" pitchFamily="34" charset="-128"/>
                         <a:cs typeface="Times New Roman"/>
                       </a:endParaRPr>
                     </a:p>
@@ -5882,13 +5132,14 @@
                     <a:bodyPr/>
                     <a:lstStyle/>
                     <a:p>
-                      <a:pPr>
+                      <a:pPr algn="l" rtl="0">
                         <a:lnSpc>
                           <a:spcPct val="100000"/>
                         </a:lnSpc>
                       </a:pPr>
                       <a:endParaRPr sz="900">
-                        <a:latin typeface="Times New Roman"/>
+                        <a:latin typeface="Adobe Clean Han Regular" panose="020B0500000000000000" pitchFamily="34" charset="-128"/>
+                        <a:ea typeface="Adobe Clean Han Regular" panose="020B0500000000000000" pitchFamily="34" charset="-128"/>
                         <a:cs typeface="Times New Roman"/>
                       </a:endParaRPr>
                     </a:p>
@@ -5932,16 +5183,13 @@
                         </a:spcBef>
                       </a:pPr>
                       <a:r>
-                        <a:rPr lang="en-US" sz="900" spc="0">
-                          <a:latin typeface="AdobeClean-Light"/>
+                        <a:rPr lang="ja-JP" sz="900" dirty="0">
+                          <a:latin typeface="Adobe Clean Han Regular" panose="020B0500000000000000" pitchFamily="34" charset="-128"/>
+                          <a:ea typeface="Adobe Clean Han Regular" panose="020B0500000000000000" pitchFamily="34" charset="-128"/>
                           <a:cs typeface="AdobeClean-Light"/>
                         </a:rPr>
-                        <a:t>Case Reviews</a:t>
+                        <a:t>ケースレビュー</a:t>
                       </a:r>
-                      <a:endParaRPr sz="900" spc="0">
-                        <a:latin typeface="AdobeClean-Light"/>
-                        <a:cs typeface="AdobeClean-Light"/>
-                      </a:endParaRPr>
                     </a:p>
                   </a:txBody>
                   <a:tcPr marL="0" marR="0" marT="57150" marB="0">
@@ -5970,13 +5218,14 @@
                     <a:bodyPr/>
                     <a:lstStyle/>
                     <a:p>
-                      <a:pPr>
+                      <a:pPr algn="l" rtl="0">
                         <a:lnSpc>
                           <a:spcPct val="100000"/>
                         </a:lnSpc>
                       </a:pPr>
                       <a:endParaRPr sz="900">
-                        <a:latin typeface="Times New Roman"/>
+                        <a:latin typeface="Adobe Clean Han Regular" panose="020B0500000000000000" pitchFamily="34" charset="-128"/>
+                        <a:ea typeface="Adobe Clean Han Regular" panose="020B0500000000000000" pitchFamily="34" charset="-128"/>
                         <a:cs typeface="Times New Roman"/>
                       </a:endParaRPr>
                     </a:p>
@@ -5999,13 +5248,14 @@
                     <a:bodyPr/>
                     <a:lstStyle/>
                     <a:p>
-                      <a:pPr>
+                      <a:pPr algn="l" rtl="0">
                         <a:lnSpc>
                           <a:spcPct val="100000"/>
                         </a:lnSpc>
                       </a:pPr>
                       <a:endParaRPr sz="900">
-                        <a:latin typeface="Times New Roman"/>
+                        <a:latin typeface="Adobe Clean Han Regular" panose="020B0500000000000000" pitchFamily="34" charset="-128"/>
+                        <a:ea typeface="Adobe Clean Han Regular" panose="020B0500000000000000" pitchFamily="34" charset="-128"/>
                         <a:cs typeface="Times New Roman"/>
                       </a:endParaRPr>
                     </a:p>
@@ -6030,7 +5280,7 @@
                     <a:bodyPr/>
                     <a:lstStyle/>
                     <a:p>
-                      <a:pPr marL="48895">
+                      <a:pPr marL="48895" algn="l" rtl="0">
                         <a:lnSpc>
                           <a:spcPct val="100000"/>
                         </a:lnSpc>
@@ -6088,29 +5338,16 @@
                         </a:spcBef>
                       </a:pPr>
                       <a:r>
-                        <a:rPr sz="900" spc="0">
+                        <a:rPr lang="ja-JP" sz="900" dirty="0">
                           <a:solidFill>
                             <a:srgbClr val="020302"/>
                           </a:solidFill>
-                          <a:latin typeface="AdobeClean-Light"/>
+                          <a:latin typeface="Adobe Clean Han Regular" panose="020B0500000000000000" pitchFamily="34" charset="-128"/>
+                          <a:ea typeface="Adobe Clean Han Regular" panose="020B0500000000000000" pitchFamily="34" charset="-128"/>
                           <a:cs typeface="AdobeClean-Light"/>
                         </a:rPr>
-                        <a:t>Event </a:t>
+                        <a:t>イベント管理</a:t>
                       </a:r>
-                      <a:r>
-                        <a:rPr lang="en-US" sz="900" spc="0">
-                          <a:solidFill>
-                            <a:srgbClr val="020302"/>
-                          </a:solidFill>
-                          <a:latin typeface="AdobeClean-Light"/>
-                          <a:cs typeface="AdobeClean-Light"/>
-                        </a:rPr>
-                        <a:t>Management</a:t>
-                      </a:r>
-                      <a:endParaRPr sz="900" spc="0">
-                        <a:latin typeface="AdobeClean-Light"/>
-                        <a:cs typeface="AdobeClean-Light"/>
-                      </a:endParaRPr>
                     </a:p>
                   </a:txBody>
                   <a:tcPr marL="0" marR="0" marT="58419" marB="0">
@@ -6139,13 +5376,14 @@
                     <a:bodyPr/>
                     <a:lstStyle/>
                     <a:p>
-                      <a:pPr>
+                      <a:pPr algn="l" rtl="0">
                         <a:lnSpc>
                           <a:spcPct val="100000"/>
                         </a:lnSpc>
                       </a:pPr>
                       <a:endParaRPr sz="900">
-                        <a:latin typeface="Times New Roman"/>
+                        <a:latin typeface="Adobe Clean Han Regular" panose="020B0500000000000000" pitchFamily="34" charset="-128"/>
+                        <a:ea typeface="Adobe Clean Han Regular" panose="020B0500000000000000" pitchFamily="34" charset="-128"/>
                         <a:cs typeface="Times New Roman"/>
                       </a:endParaRPr>
                     </a:p>
@@ -6168,13 +5406,14 @@
                     <a:bodyPr/>
                     <a:lstStyle/>
                     <a:p>
-                      <a:pPr>
+                      <a:pPr algn="l" rtl="0">
                         <a:lnSpc>
                           <a:spcPct val="100000"/>
                         </a:lnSpc>
                       </a:pPr>
                       <a:endParaRPr sz="900">
-                        <a:latin typeface="Times New Roman"/>
+                        <a:latin typeface="Adobe Clean Han Regular" panose="020B0500000000000000" pitchFamily="34" charset="-128"/>
+                        <a:ea typeface="Adobe Clean Han Regular" panose="020B0500000000000000" pitchFamily="34" charset="-128"/>
                         <a:cs typeface="Times New Roman"/>
                       </a:endParaRPr>
                     </a:p>
@@ -6199,7 +5438,7 @@
                     <a:bodyPr/>
                     <a:lstStyle/>
                     <a:p>
-                      <a:pPr marL="48895">
+                      <a:pPr marL="48895" algn="l" rtl="0">
                         <a:lnSpc>
                           <a:spcPct val="100000"/>
                         </a:lnSpc>
@@ -6248,39 +5487,16 @@
                         </a:spcBef>
                       </a:pPr>
                       <a:r>
-                        <a:rPr sz="900" spc="0">
+                        <a:rPr lang="ja-JP" sz="900" dirty="0">
                           <a:solidFill>
                             <a:srgbClr val="020302"/>
                           </a:solidFill>
-                          <a:latin typeface="AdobeClean-Light"/>
+                          <a:latin typeface="Adobe Clean Han Regular" panose="020B0500000000000000" pitchFamily="34" charset="-128"/>
+                          <a:ea typeface="Adobe Clean Han Regular" panose="020B0500000000000000" pitchFamily="34" charset="-128"/>
                           <a:cs typeface="AdobeClean-Light"/>
                         </a:rPr>
-                        <a:t>Environment</a:t>
+                        <a:t>環境レビュー、メンテナンスと監視</a:t>
                       </a:r>
-                      <a:r>
-                        <a:rPr lang="en-US" sz="900" spc="0">
-                          <a:solidFill>
-                            <a:srgbClr val="020302"/>
-                          </a:solidFill>
-                          <a:latin typeface="AdobeClean-Light"/>
-                          <a:cs typeface="AdobeClean-Light"/>
-                        </a:rPr>
-                        <a:t> </a:t>
-                      </a:r>
-                      <a:r>
-                        <a:rPr sz="900" spc="0">
-                          <a:solidFill>
-                            <a:srgbClr val="020302"/>
-                          </a:solidFill>
-                          <a:latin typeface="AdobeClean-Light"/>
-                          <a:cs typeface="AdobeClean-Light"/>
-                        </a:rPr>
-                        <a:t>Review, Maintenance &amp; Monitoring</a:t>
-                      </a:r>
-                      <a:endParaRPr sz="900" spc="0">
-                        <a:latin typeface="AdobeClean-Light"/>
-                        <a:cs typeface="AdobeClean-Light"/>
-                      </a:endParaRPr>
                     </a:p>
                   </a:txBody>
                   <a:tcPr marL="0" marR="0" marT="59055" marB="0">
@@ -6303,13 +5519,14 @@
                     <a:bodyPr/>
                     <a:lstStyle/>
                     <a:p>
-                      <a:pPr>
+                      <a:pPr algn="l" rtl="0">
                         <a:lnSpc>
                           <a:spcPct val="100000"/>
                         </a:lnSpc>
                       </a:pPr>
                       <a:endParaRPr sz="900">
-                        <a:latin typeface="Times New Roman"/>
+                        <a:latin typeface="Adobe Clean Han Regular" panose="020B0500000000000000" pitchFamily="34" charset="-128"/>
+                        <a:ea typeface="Adobe Clean Han Regular" panose="020B0500000000000000" pitchFamily="34" charset="-128"/>
                         <a:cs typeface="Times New Roman"/>
                       </a:endParaRPr>
                     </a:p>
@@ -6332,13 +5549,14 @@
                     <a:bodyPr/>
                     <a:lstStyle/>
                     <a:p>
-                      <a:pPr>
+                      <a:pPr algn="l" rtl="0">
                         <a:lnSpc>
                           <a:spcPct val="100000"/>
                         </a:lnSpc>
                       </a:pPr>
                       <a:endParaRPr sz="900">
-                        <a:latin typeface="Times New Roman"/>
+                        <a:latin typeface="Adobe Clean Han Regular" panose="020B0500000000000000" pitchFamily="34" charset="-128"/>
+                        <a:ea typeface="Adobe Clean Han Regular" panose="020B0500000000000000" pitchFamily="34" charset="-128"/>
                         <a:cs typeface="Times New Roman"/>
                       </a:endParaRPr>
                     </a:p>
@@ -6363,7 +5581,7 @@
                     <a:bodyPr/>
                     <a:lstStyle/>
                     <a:p>
-                      <a:pPr marL="49530">
+                      <a:pPr marL="49530" algn="l" rtl="0">
                         <a:lnSpc>
                           <a:spcPct val="100000"/>
                         </a:lnSpc>
@@ -6412,19 +5630,16 @@
                         </a:spcBef>
                       </a:pPr>
                       <a:r>
-                        <a:rPr sz="900" spc="0">
+                        <a:rPr lang="ja-JP" sz="900" dirty="0">
                           <a:solidFill>
                             <a:srgbClr val="020302"/>
                           </a:solidFill>
-                          <a:latin typeface="AdobeClean-Light"/>
+                          <a:latin typeface="Adobe Clean Han Regular" panose="020B0500000000000000" pitchFamily="34" charset="-128"/>
+                          <a:ea typeface="Adobe Clean Han Regular" panose="020B0500000000000000" pitchFamily="34" charset="-128"/>
                           <a:cs typeface="AdobeClean-Light"/>
                         </a:rPr>
-                        <a:t>Release, Migration, Upgrade &amp; Product Roadmap Review</a:t>
+                        <a:t>リリース、移行、アップグレード、製品ロードマップのレビュー</a:t>
                       </a:r>
-                      <a:endParaRPr sz="900" spc="0">
-                        <a:latin typeface="AdobeClean-Light"/>
-                        <a:cs typeface="AdobeClean-Light"/>
-                      </a:endParaRPr>
                     </a:p>
                   </a:txBody>
                   <a:tcPr marL="0" marR="0" marT="63500" marB="0">
@@ -6447,13 +5662,14 @@
                     <a:bodyPr/>
                     <a:lstStyle/>
                     <a:p>
-                      <a:pPr>
+                      <a:pPr algn="l" rtl="0">
                         <a:lnSpc>
                           <a:spcPct val="100000"/>
                         </a:lnSpc>
                       </a:pPr>
                       <a:endParaRPr sz="900">
-                        <a:latin typeface="Times New Roman"/>
+                        <a:latin typeface="Adobe Clean Han Regular" panose="020B0500000000000000" pitchFamily="34" charset="-128"/>
+                        <a:ea typeface="Adobe Clean Han Regular" panose="020B0500000000000000" pitchFamily="34" charset="-128"/>
                         <a:cs typeface="Times New Roman"/>
                       </a:endParaRPr>
                     </a:p>
@@ -6476,13 +5692,14 @@
                     <a:bodyPr/>
                     <a:lstStyle/>
                     <a:p>
-                      <a:pPr>
+                      <a:pPr algn="l" rtl="0">
                         <a:lnSpc>
                           <a:spcPct val="100000"/>
                         </a:lnSpc>
                       </a:pPr>
                       <a:endParaRPr sz="900">
-                        <a:latin typeface="Times New Roman"/>
+                        <a:latin typeface="Adobe Clean Han Regular" panose="020B0500000000000000" pitchFamily="34" charset="-128"/>
+                        <a:ea typeface="Adobe Clean Han Regular" panose="020B0500000000000000" pitchFamily="34" charset="-128"/>
                         <a:cs typeface="Times New Roman"/>
                       </a:endParaRPr>
                     </a:p>
@@ -6507,7 +5724,7 @@
                     <a:bodyPr/>
                     <a:lstStyle/>
                     <a:p>
-                      <a:pPr marL="49530">
+                      <a:pPr marL="49530" algn="l" rtl="0">
                         <a:lnSpc>
                           <a:spcPct val="100000"/>
                         </a:lnSpc>
@@ -6565,11 +5782,27 @@
                         </a:spcBef>
                       </a:pPr>
                       <a:r>
-                        <a:rPr sz="900" spc="0">
-                          <a:latin typeface="AdobeClean-Light"/>
+                        <a:rPr lang="ja-JP" sz="900" dirty="0">
+                          <a:latin typeface="Adobe Clean Han Regular" panose="020B0500000000000000" pitchFamily="34" charset="-128"/>
+                          <a:ea typeface="Adobe Clean Han Regular" panose="020B0500000000000000" pitchFamily="34" charset="-128"/>
                           <a:cs typeface="AdobeClean-Light"/>
                         </a:rPr>
-                        <a:t>Cloud Support Activities – Experience Manager as Cloud</a:t>
+                        <a:t>クラウドサポートアクティビティ – </a:t>
+                      </a:r>
+                      <a:br>
+                        <a:rPr lang="sk-SK" altLang="ja-JP" sz="900" dirty="0">
+                          <a:latin typeface="Adobe Clean Han Regular" panose="020B0500000000000000" pitchFamily="34" charset="-128"/>
+                          <a:ea typeface="Adobe Clean Han Regular" panose="020B0500000000000000" pitchFamily="34" charset="-128"/>
+                          <a:cs typeface="AdobeClean-Light"/>
+                        </a:rPr>
+                      </a:br>
+                      <a:r>
+                        <a:rPr lang="ja-JP" sz="900" dirty="0">
+                          <a:latin typeface="Adobe Clean Han Regular" panose="020B0500000000000000" pitchFamily="34" charset="-128"/>
+                          <a:ea typeface="Adobe Clean Han Regular" panose="020B0500000000000000" pitchFamily="34" charset="-128"/>
+                          <a:cs typeface="AdobeClean-Light"/>
+                        </a:rPr>
+                        <a:t>Experience Manager as Cloud</a:t>
                       </a:r>
                     </a:p>
                   </a:txBody>
@@ -6599,13 +5832,14 @@
                     <a:bodyPr/>
                     <a:lstStyle/>
                     <a:p>
-                      <a:pPr>
+                      <a:pPr algn="l" rtl="0">
                         <a:lnSpc>
                           <a:spcPct val="100000"/>
                         </a:lnSpc>
                       </a:pPr>
                       <a:endParaRPr sz="900">
-                        <a:latin typeface="Times New Roman"/>
+                        <a:latin typeface="Adobe Clean Han Regular" panose="020B0500000000000000" pitchFamily="34" charset="-128"/>
+                        <a:ea typeface="Adobe Clean Han Regular" panose="020B0500000000000000" pitchFamily="34" charset="-128"/>
                         <a:cs typeface="Times New Roman"/>
                       </a:endParaRPr>
                     </a:p>
@@ -6637,13 +5871,14 @@
                     <a:bodyPr/>
                     <a:lstStyle/>
                     <a:p>
-                      <a:pPr>
+                      <a:pPr algn="l" rtl="0">
                         <a:lnSpc>
                           <a:spcPct val="100000"/>
                         </a:lnSpc>
                       </a:pPr>
                       <a:endParaRPr sz="900">
-                        <a:latin typeface="Times New Roman"/>
+                        <a:latin typeface="Adobe Clean Han Regular" panose="020B0500000000000000" pitchFamily="34" charset="-128"/>
+                        <a:ea typeface="Adobe Clean Han Regular" panose="020B0500000000000000" pitchFamily="34" charset="-128"/>
                         <a:cs typeface="Times New Roman"/>
                       </a:endParaRPr>
                     </a:p>
@@ -6686,22 +5921,16 @@
                         </a:spcBef>
                       </a:pPr>
                       <a:r>
-                        <a:rPr lang="en-US" sz="1000" b="1" i="0" spc="0">
+                        <a:rPr lang="ja-JP" sz="1000" b="1" i="0" dirty="0">
                           <a:solidFill>
                             <a:schemeClr val="bg1"/>
                           </a:solidFill>
-                          <a:latin typeface="Adobe Clean" panose="020B0503020404020204" pitchFamily="34" charset="0"/>
+                          <a:latin typeface="Adobe Clean Han Regular" panose="020B0500000000000000" pitchFamily="34" charset="-128"/>
+                          <a:ea typeface="Adobe Clean Han Regular" panose="020B0500000000000000" pitchFamily="34" charset="-128"/>
                           <a:cs typeface="AdobeClean-Light"/>
                         </a:rPr>
-                        <a:t>Field Services</a:t>
+                        <a:t>フィールドサービス</a:t>
                       </a:r>
-                      <a:endParaRPr sz="1000" b="1" i="0" spc="0">
-                        <a:solidFill>
-                          <a:schemeClr val="bg1"/>
-                        </a:solidFill>
-                        <a:latin typeface="Adobe Clean" panose="020B0503020404020204" pitchFamily="34" charset="0"/>
-                        <a:cs typeface="AdobeClean-Light"/>
-                      </a:endParaRPr>
                     </a:p>
                   </a:txBody>
                   <a:tcPr marL="0" marR="0" marT="48260" marB="0" anchor="ctr">
@@ -6754,19 +5983,16 @@
                         </a:spcBef>
                       </a:pPr>
                       <a:r>
-                        <a:rPr sz="900" spc="0">
+                        <a:rPr lang="ja-JP" sz="900">
                           <a:solidFill>
                             <a:srgbClr val="020302"/>
                           </a:solidFill>
-                          <a:latin typeface="AdobeClean-Light"/>
+                          <a:latin typeface="Adobe Clean Han Regular" panose="020B0500000000000000" pitchFamily="34" charset="-128"/>
+                          <a:ea typeface="Adobe Clean Han Regular" panose="020B0500000000000000" pitchFamily="34" charset="-128"/>
                           <a:cs typeface="AdobeClean-Light"/>
                         </a:rPr>
-                        <a:t>Launch Advisory Services – First Year of new solution</a:t>
+                        <a:t>Launch Advisory サービス – 製品導入の初年度</a:t>
                       </a:r>
-                      <a:endParaRPr sz="900" spc="0">
-                        <a:latin typeface="AdobeClean-Light"/>
-                        <a:cs typeface="AdobeClean-Light"/>
-                      </a:endParaRPr>
                     </a:p>
                     <a:p>
                       <a:pPr marL="48260" hangingPunct="0">
@@ -6778,11 +6004,12 @@
                         </a:spcBef>
                       </a:pPr>
                       <a:r>
-                        <a:rPr sz="900" spc="0">
-                          <a:latin typeface="AdobeClean-Light"/>
+                        <a:rPr lang="ja-JP" sz="900">
+                          <a:latin typeface="Adobe Clean Han Regular" panose="020B0500000000000000" pitchFamily="34" charset="-128"/>
+                          <a:ea typeface="Adobe Clean Han Regular" panose="020B0500000000000000" pitchFamily="34" charset="-128"/>
                           <a:cs typeface="AdobeClean-Light"/>
                         </a:rPr>
-                        <a:t>Field Service Activities </a:t>
+                        <a:t>フィールドサービスアクティビティ </a:t>
                       </a:r>
                     </a:p>
                   </a:txBody>
@@ -6818,13 +6045,14 @@
                     <a:bodyPr/>
                     <a:lstStyle/>
                     <a:p>
-                      <a:pPr>
+                      <a:pPr algn="l" rtl="0">
                         <a:lnSpc>
                           <a:spcPct val="100000"/>
                         </a:lnSpc>
                       </a:pPr>
                       <a:endParaRPr sz="900">
-                        <a:latin typeface="Times New Roman"/>
+                        <a:latin typeface="Adobe Clean Han Regular" panose="020B0500000000000000" pitchFamily="34" charset="-128"/>
+                        <a:ea typeface="Adobe Clean Han Regular" panose="020B0500000000000000" pitchFamily="34" charset="-128"/>
                         <a:cs typeface="Times New Roman"/>
                       </a:endParaRPr>
                     </a:p>
@@ -6856,13 +6084,14 @@
                     <a:bodyPr/>
                     <a:lstStyle/>
                     <a:p>
-                      <a:pPr>
+                      <a:pPr algn="l" rtl="0">
                         <a:lnSpc>
                           <a:spcPct val="100000"/>
                         </a:lnSpc>
                       </a:pPr>
                       <a:endParaRPr sz="900">
-                        <a:latin typeface="Times New Roman"/>
+                        <a:latin typeface="Adobe Clean Han Regular" panose="020B0500000000000000" pitchFamily="34" charset="-128"/>
+                        <a:ea typeface="Adobe Clean Han Regular" panose="020B0500000000000000" pitchFamily="34" charset="-128"/>
                         <a:cs typeface="Times New Roman"/>
                       </a:endParaRPr>
                     </a:p>
@@ -6941,13 +6170,14 @@
                     <a:bodyPr/>
                     <a:lstStyle/>
                     <a:p>
-                      <a:pPr>
+                      <a:pPr algn="l" rtl="0">
                         <a:lnSpc>
                           <a:spcPct val="100000"/>
                         </a:lnSpc>
                       </a:pPr>
                       <a:endParaRPr sz="900">
-                        <a:latin typeface="Times New Roman"/>
+                        <a:latin typeface="Adobe Clean Han Regular" panose="020B0500000000000000" pitchFamily="34" charset="-128"/>
+                        <a:ea typeface="Adobe Clean Han Regular" panose="020B0500000000000000" pitchFamily="34" charset="-128"/>
                         <a:cs typeface="Times New Roman"/>
                       </a:endParaRPr>
                     </a:p>
@@ -6967,13 +6197,14 @@
                     <a:bodyPr/>
                     <a:lstStyle/>
                     <a:p>
-                      <a:pPr>
+                      <a:pPr algn="l" rtl="0">
                         <a:lnSpc>
                           <a:spcPct val="100000"/>
                         </a:lnSpc>
                       </a:pPr>
-                      <a:endParaRPr sz="900">
-                        <a:latin typeface="Times New Roman"/>
+                      <a:endParaRPr sz="900" dirty="0">
+                        <a:latin typeface="Adobe Clean Han Regular" panose="020B0500000000000000" pitchFamily="34" charset="-128"/>
+                        <a:ea typeface="Adobe Clean Han Regular" panose="020B0500000000000000" pitchFamily="34" charset="-128"/>
                         <a:cs typeface="Times New Roman"/>
                       </a:endParaRPr>
                     </a:p>
@@ -7031,10 +6262,12 @@
           <a:lstStyle/>
           <a:p>
             <a:r>
-              <a:rPr lang="en-US" sz="700" i="1">
+              <a:rPr lang="ja-JP" sz="700" i="1" dirty="0">
                 <a:solidFill>
                   <a:schemeClr val="bg1"/>
                 </a:solidFill>
+                <a:latin typeface="Adobe Clean Han Regular" panose="020B0500000000000000" pitchFamily="34" charset="-128"/>
+                <a:ea typeface="Adobe Clean Han Regular" panose="020B0500000000000000" pitchFamily="34" charset="-128"/>
               </a:rPr>
               <a:t>Adobe Experience Cloud</a:t>
             </a:r>
@@ -7118,7 +6351,10 @@
             <a:bodyPr wrap="square" lIns="0" tIns="0" rIns="0" bIns="0" rtlCol="0"/>
             <a:lstStyle/>
             <a:p>
-              <a:endParaRPr/>
+              <a:endParaRPr>
+                <a:latin typeface="Adobe Clean Han Regular" panose="020B0500000000000000" pitchFamily="34" charset="-128"/>
+                <a:ea typeface="Adobe Clean Han Regular" panose="020B0500000000000000" pitchFamily="34" charset="-128"/>
+              </a:endParaRPr>
             </a:p>
           </p:txBody>
         </p:sp>
@@ -7170,7 +6406,10 @@
             <a:bodyPr wrap="square" lIns="0" tIns="0" rIns="0" bIns="0" rtlCol="0"/>
             <a:lstStyle/>
             <a:p>
-              <a:endParaRPr/>
+              <a:endParaRPr>
+                <a:latin typeface="Adobe Clean Han Regular" panose="020B0500000000000000" pitchFamily="34" charset="-128"/>
+                <a:ea typeface="Adobe Clean Han Regular" panose="020B0500000000000000" pitchFamily="34" charset="-128"/>
+              </a:endParaRPr>
             </a:p>
           </p:txBody>
         </p:sp>
@@ -7200,7 +6439,10 @@
           <a:bodyPr wrap="square" lIns="0" tIns="0" rIns="0" bIns="0" rtlCol="0"/>
           <a:lstStyle/>
           <a:p>
-            <a:endParaRPr/>
+            <a:endParaRPr>
+              <a:latin typeface="Adobe Clean Han Regular" panose="020B0500000000000000" pitchFamily="34" charset="-128"/>
+              <a:ea typeface="Adobe Clean Han Regular" panose="020B0500000000000000" pitchFamily="34" charset="-128"/>
+            </a:endParaRPr>
           </a:p>
         </p:txBody>
       </p:sp>
@@ -7213,7 +6455,7 @@
         <p:spPr>
           <a:xfrm>
             <a:off x="370040" y="1409311"/>
-            <a:ext cx="2286000" cy="1289969"/>
+            <a:ext cx="2286000" cy="1637051"/>
           </a:xfrm>
           <a:prstGeom prst="rect">
             <a:avLst/>
@@ -7234,18 +6476,15 @@
               </a:spcBef>
             </a:pPr>
             <a:r>
-              <a:rPr lang="en-US" sz="1000">
+              <a:rPr lang="ja-JP" sz="1000" dirty="0">
                 <a:solidFill>
                   <a:srgbClr val="000000"/>
                 </a:solidFill>
-                <a:latin typeface="Adobe Clean Light" panose="020B0303020404020204" pitchFamily="34" charset="0"/>
+                <a:latin typeface="Adobe Clean Han Regular" panose="020B0500000000000000" pitchFamily="34" charset="-128"/>
+                <a:ea typeface="Adobe Clean Han Regular" panose="020B0500000000000000" pitchFamily="34" charset="-128"/>
               </a:rPr>
-              <a:t>A designated Account Support Lead to proactively monitor cases, drive cross-team collaboration, deliver onboarding webinars, run service reports, provide non-technical support assistance, and function as your escalation point and internal advocate within Adobe Support.</a:t>
+              <a:t>専任アカウントサポートリードは、プロアクティブにケースを監視し、チーム間のコラボレーションを促進します。また、オンボーディングウェビナーの提供や、サービスレポートの実行、技術面以外でのサポートを行います。お客様のエスカレーションポイントおよびアドビサポートの社内担当としての役割を果たします。</a:t>
             </a:r>
-            <a:endParaRPr lang="en-US" sz="1000">
-              <a:latin typeface="Adobe Clean Light" panose="020B0303020404020204" pitchFamily="34" charset="0"/>
-              <a:cs typeface="AdobeClean-Light"/>
-            </a:endParaRPr>
           </a:p>
         </p:txBody>
       </p:sp>
@@ -7258,7 +6497,7 @@
         <p:spPr>
           <a:xfrm>
             <a:off x="2836967" y="8618616"/>
-            <a:ext cx="2286000" cy="487313"/>
+            <a:ext cx="2286000" cy="795089"/>
           </a:xfrm>
           <a:prstGeom prst="rect">
             <a:avLst/>
@@ -7282,42 +6521,16 @@
               </a:tabLst>
             </a:pPr>
             <a:r>
-              <a:rPr sz="1000">
+              <a:rPr lang="ja-JP" sz="1000" dirty="0">
                 <a:solidFill>
                   <a:srgbClr val="020302"/>
                 </a:solidFill>
-                <a:latin typeface="AdobeClean-Light"/>
+                <a:latin typeface="Adobe Clean Han Regular" panose="020B0500000000000000" pitchFamily="34" charset="-128"/>
+                <a:ea typeface="Adobe Clean Han Regular" panose="020B0500000000000000" pitchFamily="34" charset="-128"/>
                 <a:cs typeface="AdobeClean-Light"/>
               </a:rPr>
-              <a:t>Start a chat session to get answers</a:t>
+              <a:t>チャットセッションを開始すると、回答やケース申請による支援を受けることができます。</a:t>
             </a:r>
-            <a:r>
-              <a:rPr lang="en-US" sz="1000">
-                <a:solidFill>
-                  <a:srgbClr val="020302"/>
-                </a:solidFill>
-                <a:latin typeface="AdobeClean-Light"/>
-                <a:cs typeface="AdobeClean-Light"/>
-              </a:rPr>
-              <a:t> &amp; </a:t>
-            </a:r>
-            <a:r>
-              <a:rPr sz="1000">
-                <a:solidFill>
-                  <a:srgbClr val="020302"/>
-                </a:solidFill>
-                <a:latin typeface="AdobeClean-Light"/>
-                <a:cs typeface="AdobeClean-Light"/>
-              </a:rPr>
-              <a:t>help with case submission</a:t>
-            </a:r>
-            <a:endParaRPr lang="en-US" sz="1000">
-              <a:solidFill>
-                <a:srgbClr val="020302"/>
-              </a:solidFill>
-              <a:latin typeface="AdobeClean-Light"/>
-              <a:cs typeface="AdobeClean-Light"/>
-            </a:endParaRPr>
           </a:p>
           <a:p>
             <a:pPr marL="33020" marR="159385">
@@ -7332,29 +6545,27 @@
               </a:tabLst>
             </a:pPr>
             <a:r>
-              <a:rPr sz="1000" i="1">
+              <a:rPr lang="ja-JP" sz="1000" i="1" dirty="0">
                 <a:solidFill>
                   <a:srgbClr val="7A7A7A"/>
                 </a:solidFill>
-                <a:latin typeface="AdobeClean-LightIt"/>
+                <a:latin typeface="Adobe Clean Han Regular" panose="020B0500000000000000" pitchFamily="34" charset="-128"/>
+                <a:ea typeface="Adobe Clean Han Regular" panose="020B0500000000000000" pitchFamily="34" charset="-128"/>
                 <a:cs typeface="AdobeClean-LightIt"/>
               </a:rPr>
-              <a:t>*Not all products have live chat support</a:t>
+              <a:t>* すべての製品にライブチャットサポートがあるわけではありません</a:t>
             </a:r>
             <a:r>
-              <a:rPr sz="900" i="1">
+              <a:rPr lang="ja-JP" sz="900" i="1" dirty="0">
                 <a:solidFill>
                   <a:srgbClr val="7A7A7A"/>
                 </a:solidFill>
-                <a:latin typeface="AdobeClean-LightIt"/>
+                <a:latin typeface="Adobe Clean Han Regular" panose="020B0500000000000000" pitchFamily="34" charset="-128"/>
+                <a:ea typeface="Adobe Clean Han Regular" panose="020B0500000000000000" pitchFamily="34" charset="-128"/>
                 <a:cs typeface="AdobeClean-LightIt"/>
               </a:rPr>
-              <a:t>.  </a:t>
+              <a:t>。  </a:t>
             </a:r>
-            <a:endParaRPr sz="900">
-              <a:latin typeface="AdobeClean-Light"/>
-              <a:cs typeface="AdobeClean-Light"/>
-            </a:endParaRPr>
           </a:p>
         </p:txBody>
       </p:sp>
@@ -7383,7 +6594,10 @@
           <a:bodyPr wrap="square" lIns="0" tIns="0" rIns="0" bIns="0" rtlCol="0"/>
           <a:lstStyle/>
           <a:p>
-            <a:endParaRPr/>
+            <a:endParaRPr>
+              <a:latin typeface="Adobe Clean Han Regular" panose="020B0500000000000000" pitchFamily="34" charset="-128"/>
+              <a:ea typeface="Adobe Clean Han Regular" panose="020B0500000000000000" pitchFamily="34" charset="-128"/>
+            </a:endParaRPr>
           </a:p>
         </p:txBody>
       </p:sp>
@@ -7404,7 +6618,7 @@
         <p:spPr>
           <a:xfrm>
             <a:off x="838200" y="6046398"/>
-            <a:ext cx="1568246" cy="184666"/>
+            <a:ext cx="1772602" cy="184666"/>
           </a:xfrm>
           <a:prstGeom prst="rect">
             <a:avLst/>
@@ -7430,12 +6644,14 @@
               <a:defRPr/>
             </a:pPr>
             <a:r>
-              <a:rPr lang="en-US" sz="1200">
+              <a:rPr lang="ja-JP" sz="1200" dirty="0">
                 <a:solidFill>
                   <a:srgbClr val="000000"/>
                 </a:solidFill>
+                <a:latin typeface="Adobe Clean Han Regular" panose="020B0500000000000000" pitchFamily="34" charset="-128"/>
+                <a:ea typeface="Adobe Clean Han Regular" panose="020B0500000000000000" pitchFamily="34" charset="-128"/>
               </a:rPr>
-              <a:t>Community Forums</a:t>
+              <a:t>コミュニティフォーラム</a:t>
             </a:r>
           </a:p>
         </p:txBody>
@@ -7457,7 +6673,7 @@
         <p:spPr>
           <a:xfrm>
             <a:off x="838200" y="6277305"/>
-            <a:ext cx="959314" cy="184666"/>
+            <a:ext cx="1732084" cy="184666"/>
           </a:xfrm>
           <a:prstGeom prst="rect">
             <a:avLst/>
@@ -7478,12 +6694,12 @@
               </a:spcAft>
             </a:pPr>
             <a:r>
-              <a:rPr lang="en-US" sz="1200" b="1">
-                <a:latin typeface="+mj-lt"/>
-                <a:ea typeface="Open Sans" pitchFamily="34" charset="0"/>
+              <a:rPr lang="ja-JP" sz="1200" b="1" dirty="0">
+                <a:latin typeface="Adobe Clean Han Regular" panose="020B0500000000000000" pitchFamily="34" charset="-128"/>
+                <a:ea typeface="Adobe Clean Han Regular" panose="020B0500000000000000" pitchFamily="34" charset="-128"/>
                 <a:cs typeface="Open Sans" pitchFamily="34" charset="0"/>
               </a:rPr>
-              <a:t>Online Forums</a:t>
+              <a:t>オンラインフォーラム</a:t>
             </a:r>
           </a:p>
         </p:txBody>
@@ -7503,7 +6719,7 @@
         <p:spPr>
           <a:xfrm>
             <a:off x="370040" y="6529249"/>
-            <a:ext cx="2286000" cy="805349"/>
+            <a:ext cx="2286000" cy="959237"/>
           </a:xfrm>
           <a:prstGeom prst="rect">
             <a:avLst/>
@@ -7516,13 +6732,14 @@
           <a:lstStyle/>
           <a:p>
             <a:r>
-              <a:rPr lang="en-US" sz="1000">
+              <a:rPr lang="ja-JP" sz="1000" dirty="0">
                 <a:solidFill>
                   <a:srgbClr val="000000"/>
                 </a:solidFill>
-                <a:latin typeface="Adobe Clean Light" panose="020B0303020404020204" pitchFamily="34" charset="0"/>
+                <a:latin typeface="Adobe Clean Han Regular" panose="020B0500000000000000" pitchFamily="34" charset="-128"/>
+                <a:ea typeface="Adobe Clean Han Regular" panose="020B0500000000000000" pitchFamily="34" charset="-128"/>
               </a:rPr>
-              <a:t>Continuous online access to a growing database of technical solutions, product documentation, FAQs and more. Thousands of customers can connect to share best practices and lessons learned.</a:t>
+              <a:t>テクニカルソリューション、製品ドキュメント、FAQ などの増大するデータベースにオンラインで継続的にアクセスできます。何千人ものお客様同士が繋がり、ベストプラクティスや学習した内容を共有できます。</a:t>
             </a:r>
           </a:p>
         </p:txBody>
@@ -7544,7 +6761,7 @@
         <p:spPr>
           <a:xfrm>
             <a:off x="5851290" y="6277305"/>
-            <a:ext cx="1316707" cy="184666"/>
+            <a:ext cx="1745671" cy="184666"/>
           </a:xfrm>
           <a:prstGeom prst="rect">
             <a:avLst/>
@@ -7565,12 +6782,12 @@
               </a:spcAft>
             </a:pPr>
             <a:r>
-              <a:rPr lang="en-US" sz="1200" b="1">
-                <a:latin typeface="+mj-lt"/>
-                <a:ea typeface="Open Sans" pitchFamily="34" charset="0"/>
+              <a:rPr lang="ja-JP" sz="1200" b="1">
+                <a:latin typeface="Adobe Clean Han Regular" panose="020B0500000000000000" pitchFamily="34" charset="-128"/>
+                <a:ea typeface="Adobe Clean Han Regular" panose="020B0500000000000000" pitchFamily="34" charset="-128"/>
                 <a:cs typeface="Open Sans" pitchFamily="34" charset="0"/>
               </a:rPr>
-              <a:t>Self-guided Journeys</a:t>
+              <a:t>セルフガイドジャーニー</a:t>
             </a:r>
           </a:p>
         </p:txBody>
@@ -7590,7 +6807,7 @@
         <p:spPr>
           <a:xfrm>
             <a:off x="5376301" y="6529249"/>
-            <a:ext cx="2286000" cy="959237"/>
+            <a:ext cx="2286000" cy="1267014"/>
           </a:xfrm>
           <a:prstGeom prst="rect">
             <a:avLst/>
@@ -7603,13 +6820,33 @@
           <a:lstStyle/>
           <a:p>
             <a:r>
-              <a:rPr lang="en-US" sz="1000">
+              <a:rPr lang="ja-JP" sz="1000" dirty="0">
                 <a:solidFill>
                   <a:srgbClr val="000000"/>
                 </a:solidFill>
-                <a:latin typeface="Adobe Clean Light" panose="020B0303020404020204" pitchFamily="34" charset="0"/>
+                <a:latin typeface="Adobe Clean Han Regular" panose="020B0500000000000000" pitchFamily="34" charset="-128"/>
+                <a:ea typeface="Adobe Clean Han Regular" panose="020B0500000000000000" pitchFamily="34" charset="-128"/>
               </a:rPr>
-              <a:t>Experience Makers are made with Experience League. Customers can kickstart their Customer Experience Management abilities with personalized learning to develop skills, engage with a global community of peers, and earn career advancing recognition.</a:t>
+              <a:t>エクスペリエンスメーカーは、Experience League から誕生します。Experience League に参加すると、パーソナライズされた学習で、顧客体験管理能力を強化することができます。</a:t>
+            </a:r>
+            <a:br>
+              <a:rPr lang="sk-SK" altLang="ja-JP" sz="1000" dirty="0">
+                <a:solidFill>
+                  <a:srgbClr val="000000"/>
+                </a:solidFill>
+                <a:latin typeface="Adobe Clean Han Regular" panose="020B0500000000000000" pitchFamily="34" charset="-128"/>
+                <a:ea typeface="Adobe Clean Han Regular" panose="020B0500000000000000" pitchFamily="34" charset="-128"/>
+              </a:rPr>
+            </a:br>
+            <a:r>
+              <a:rPr lang="ja-JP" sz="1000" dirty="0">
+                <a:solidFill>
+                  <a:srgbClr val="000000"/>
+                </a:solidFill>
+                <a:latin typeface="Adobe Clean Han Regular" panose="020B0500000000000000" pitchFamily="34" charset="-128"/>
+                <a:ea typeface="Adobe Clean Han Regular" panose="020B0500000000000000" pitchFamily="34" charset="-128"/>
+              </a:rPr>
+              <a:t>スキルの向上や、グローバルコミュニティでの仲間との交流のほか、キャリアアップに役立つ評価の獲得も可能です。</a:t>
             </a:r>
           </a:p>
         </p:txBody>
@@ -7657,12 +6894,14 @@
               <a:defRPr/>
             </a:pPr>
             <a:r>
-              <a:rPr lang="en-US" sz="1200">
+              <a:rPr lang="ja-JP" sz="1200" dirty="0">
                 <a:solidFill>
                   <a:srgbClr val="000000"/>
                 </a:solidFill>
+                <a:latin typeface="Adobe Clean Han Regular" panose="020B0500000000000000" pitchFamily="34" charset="-128"/>
+                <a:ea typeface="Adobe Clean Han Regular" panose="020B0500000000000000" pitchFamily="34" charset="-128"/>
               </a:rPr>
-              <a:t>Live Chat  Support*</a:t>
+              <a:t>ライブチャットサポート*</a:t>
             </a:r>
           </a:p>
         </p:txBody>
@@ -7684,7 +6923,7 @@
         <p:spPr>
           <a:xfrm>
             <a:off x="3198434" y="8373543"/>
-            <a:ext cx="840166" cy="184666"/>
+            <a:ext cx="1269578" cy="184666"/>
           </a:xfrm>
           <a:prstGeom prst="rect">
             <a:avLst/>
@@ -7705,12 +6944,12 @@
               </a:spcAft>
             </a:pPr>
             <a:r>
-              <a:rPr lang="en-US" sz="1200" b="1">
-                <a:latin typeface="+mj-lt"/>
-                <a:ea typeface="Open Sans" pitchFamily="34" charset="0"/>
+              <a:rPr lang="ja-JP" sz="1200" b="1">
+                <a:latin typeface="Adobe Clean Han Regular" panose="020B0500000000000000" pitchFamily="34" charset="-128"/>
+                <a:ea typeface="Adobe Clean Han Regular" panose="020B0500000000000000" pitchFamily="34" charset="-128"/>
                 <a:cs typeface="Open Sans" pitchFamily="34" charset="0"/>
               </a:rPr>
-              <a:t>Chat Support</a:t>
+              <a:t>チャットサポート</a:t>
             </a:r>
           </a:p>
         </p:txBody>
@@ -7758,12 +6997,14 @@
               <a:defRPr/>
             </a:pPr>
             <a:r>
-              <a:rPr lang="en-US" sz="1200">
+              <a:rPr lang="ja-JP" sz="1200" dirty="0">
                 <a:solidFill>
                   <a:srgbClr val="000000"/>
                 </a:solidFill>
+                <a:latin typeface="Adobe Clean Han Regular" panose="020B0500000000000000" pitchFamily="34" charset="-128"/>
+                <a:ea typeface="Adobe Clean Han Regular" panose="020B0500000000000000" pitchFamily="34" charset="-128"/>
               </a:rPr>
-              <a:t>24X7 P1 </a:t>
+              <a:t>24 時間年中無休 P1 </a:t>
             </a:r>
           </a:p>
         </p:txBody>
@@ -7785,7 +7026,7 @@
         <p:spPr>
           <a:xfrm>
             <a:off x="3276600" y="6277305"/>
-            <a:ext cx="992259" cy="184666"/>
+            <a:ext cx="952184" cy="184666"/>
           </a:xfrm>
           <a:prstGeom prst="rect">
             <a:avLst/>
@@ -7806,12 +7047,12 @@
               </a:spcAft>
             </a:pPr>
             <a:r>
-              <a:rPr lang="en-US" sz="1200" b="1">
-                <a:latin typeface="+mj-lt"/>
-                <a:ea typeface="Open Sans" pitchFamily="34" charset="0"/>
+              <a:rPr lang="ja-JP" sz="1200" b="1" dirty="0">
+                <a:latin typeface="Adobe Clean Han Regular" panose="020B0500000000000000" pitchFamily="34" charset="-128"/>
+                <a:ea typeface="Adobe Clean Han Regular" panose="020B0500000000000000" pitchFamily="34" charset="-128"/>
                 <a:cs typeface="Open Sans" pitchFamily="34" charset="0"/>
               </a:rPr>
-              <a:t>Phone Support</a:t>
+              <a:t>電話サポート</a:t>
             </a:r>
           </a:p>
         </p:txBody>
@@ -7831,7 +7072,7 @@
         <p:spPr>
           <a:xfrm>
             <a:off x="2836967" y="6529249"/>
-            <a:ext cx="2286000" cy="805349"/>
+            <a:ext cx="2286000" cy="959237"/>
           </a:xfrm>
           <a:prstGeom prst="rect">
             <a:avLst/>
@@ -7844,26 +7085,22 @@
           <a:lstStyle/>
           <a:p>
             <a:r>
-              <a:rPr lang="en-US" sz="1000">
+              <a:rPr lang="ja-JP" sz="1000" dirty="0">
                 <a:solidFill>
                   <a:srgbClr val="020302"/>
                 </a:solidFill>
-                <a:latin typeface="AdobeClean-Light"/>
+                <a:latin typeface="Adobe Clean Han Regular" panose="020B0500000000000000" pitchFamily="34" charset="-128"/>
+                <a:ea typeface="Adobe Clean Han Regular" panose="020B0500000000000000" pitchFamily="34" charset="-128"/>
               </a:rPr>
-              <a:t>Authorized users or Named Support Contacts </a:t>
+              <a:t>承認済みユーザーまたはサポート対象ユーザーは、</a:t>
             </a:r>
             <a:r>
-              <a:rPr lang="en-US" sz="1000">
-                <a:latin typeface="Adobe Clean Light" panose="020B0303020404020204" pitchFamily="34" charset="0"/>
+              <a:rPr lang="ja-JP" sz="1000" dirty="0">
+                <a:latin typeface="Adobe Clean Han Regular" panose="020B0500000000000000" pitchFamily="34" charset="-128"/>
+                <a:ea typeface="Adobe Clean Han Regular" panose="020B0500000000000000" pitchFamily="34" charset="-128"/>
               </a:rPr>
-              <a:t>can submit issues through all available  channels (including phone for P1) and interact with our technical support team on behalf of your company. </a:t>
+              <a:t>使用可能なすべてのチャネル（P1 の場合は電話を含む）を通じて問題を申請でき、お客様の会社を代表してアドビのテクニカルサポートチームとやり取りできます。 </a:t>
             </a:r>
-            <a:endParaRPr lang="en-US" sz="1000">
-              <a:solidFill>
-                <a:srgbClr val="000000"/>
-              </a:solidFill>
-              <a:latin typeface="Adobe Clean Light" panose="020B0303020404020204" pitchFamily="34" charset="0"/>
-            </a:endParaRPr>
           </a:p>
         </p:txBody>
       </p:sp>
@@ -7885,8 +7122,8 @@
         </p:nvSpPr>
         <p:spPr>
           <a:xfrm>
-            <a:off x="5253416" y="9862966"/>
-            <a:ext cx="2270125" cy="132729"/>
+            <a:off x="4905376" y="9862966"/>
+            <a:ext cx="2618166" cy="132729"/>
           </a:xfrm>
           <a:prstGeom prst="rect">
             <a:avLst/>
@@ -7907,24 +7144,11 @@
               </a:spcBef>
             </a:pPr>
             <a:r>
-              <a:rPr spc="-5"/>
-              <a:t>©202</a:t>
-            </a:r>
-            <a:r>
-              <a:rPr lang="en-US" spc="-5"/>
-              <a:t>1</a:t>
-            </a:r>
-            <a:r>
-              <a:rPr spc="-5"/>
-              <a:t> Adobe. All Rights Reserved. Adobe</a:t>
-            </a:r>
-            <a:r>
-              <a:rPr spc="60"/>
-              <a:t> </a:t>
-            </a:r>
-            <a:r>
-              <a:rPr spc="-5"/>
-              <a:t>Confidential.</a:t>
+              <a:rPr lang="ja-JP" dirty="0">
+                <a:latin typeface="Adobe Clean Han Regular" panose="020B0500000000000000" pitchFamily="34" charset="-128"/>
+                <a:ea typeface="Adobe Clean Han Regular" panose="020B0500000000000000" pitchFamily="34" charset="-128"/>
+              </a:rPr>
+              <a:t>©2021 Adobe.All Rights Reserved.Adobe Confidential.</a:t>
             </a:r>
           </a:p>
         </p:txBody>
@@ -7945,8 +7169,8 @@
         </p:nvSpPr>
         <p:spPr>
           <a:xfrm>
-            <a:off x="821898" y="1099315"/>
-            <a:ext cx="1726164" cy="184666"/>
+            <a:off x="821897" y="1099315"/>
+            <a:ext cx="1748387" cy="369332"/>
           </a:xfrm>
           <a:prstGeom prst="rect">
             <a:avLst/>
@@ -7967,13 +7191,33 @@
               </a:spcAft>
             </a:pPr>
             <a:r>
-              <a:rPr lang="en-US" sz="1200" b="1" spc="-10">
+              <a:rPr lang="ja-JP" sz="1200" b="1" dirty="0">
                 <a:solidFill>
                   <a:srgbClr val="020302"/>
                 </a:solidFill>
-                <a:latin typeface="+mj-lt"/>
+                <a:latin typeface="Adobe Clean Han Regular" panose="020B0500000000000000" pitchFamily="34" charset="-128"/>
+                <a:ea typeface="Adobe Clean Han Regular" panose="020B0500000000000000" pitchFamily="34" charset="-128"/>
               </a:rPr>
-              <a:t>Account Support Lead</a:t>
+              <a:t>アカウントサポー</a:t>
+            </a:r>
+            <a:br>
+              <a:rPr lang="sk-SK" altLang="ja-JP" sz="1200" b="1" dirty="0">
+                <a:solidFill>
+                  <a:srgbClr val="020302"/>
+                </a:solidFill>
+                <a:latin typeface="Adobe Clean Han Regular" panose="020B0500000000000000" pitchFamily="34" charset="-128"/>
+                <a:ea typeface="Adobe Clean Han Regular" panose="020B0500000000000000" pitchFamily="34" charset="-128"/>
+              </a:rPr>
+            </a:br>
+            <a:r>
+              <a:rPr lang="ja-JP" sz="1200" b="1" dirty="0">
+                <a:solidFill>
+                  <a:srgbClr val="020302"/>
+                </a:solidFill>
+                <a:latin typeface="Adobe Clean Han Regular" panose="020B0500000000000000" pitchFamily="34" charset="-128"/>
+                <a:ea typeface="Adobe Clean Han Regular" panose="020B0500000000000000" pitchFamily="34" charset="-128"/>
+              </a:rPr>
+              <a:t>トリード</a:t>
             </a:r>
           </a:p>
         </p:txBody>
@@ -7993,7 +7237,7 @@
         <p:spPr>
           <a:xfrm>
             <a:off x="401995" y="5785009"/>
-            <a:ext cx="1848207" cy="45719"/>
+            <a:ext cx="2168289" cy="68828"/>
           </a:xfrm>
           <a:custGeom>
             <a:avLst/>
@@ -8022,7 +7266,10 @@
           <a:bodyPr wrap="square" lIns="0" tIns="0" rIns="0" bIns="0" rtlCol="0"/>
           <a:lstStyle/>
           <a:p>
-            <a:endParaRPr/>
+            <a:endParaRPr>
+              <a:latin typeface="Adobe Clean Han Regular" panose="020B0500000000000000" pitchFamily="34" charset="-128"/>
+              <a:ea typeface="Adobe Clean Han Regular" panose="020B0500000000000000" pitchFamily="34" charset="-128"/>
+            </a:endParaRPr>
           </a:p>
         </p:txBody>
       </p:sp>
@@ -8041,7 +7288,7 @@
         <p:spPr>
           <a:xfrm>
             <a:off x="318713" y="5432541"/>
-            <a:ext cx="2006640" cy="307777"/>
+            <a:ext cx="2409634" cy="307777"/>
           </a:xfrm>
           <a:prstGeom prst="rect">
             <a:avLst/>
@@ -8062,19 +7309,16 @@
               </a:spcBef>
             </a:pPr>
             <a:r>
-              <a:rPr lang="en-US" sz="1400" b="1" spc="-10">
+              <a:rPr lang="ja-JP" sz="1400" b="1" dirty="0">
                 <a:solidFill>
                   <a:srgbClr val="020302"/>
                 </a:solidFill>
-                <a:latin typeface="Adobe Clean"/>
+                <a:latin typeface="Adobe Clean Han Regular" panose="020B0500000000000000" pitchFamily="34" charset="-128"/>
+                <a:ea typeface="Adobe Clean Han Regular" panose="020B0500000000000000" pitchFamily="34" charset="-128"/>
                 <a:cs typeface="Adobe Clean"/>
               </a:rPr>
-              <a:t>Online Support Features</a:t>
+              <a:t>オンラインサポートの特長</a:t>
             </a:r>
-            <a:endParaRPr lang="en-US" sz="1400">
-              <a:latin typeface="Adobe Clean"/>
-              <a:cs typeface="Adobe Clean"/>
-            </a:endParaRPr>
           </a:p>
         </p:txBody>
       </p:sp>
@@ -8122,7 +7366,10 @@
           <a:bodyPr wrap="square" lIns="0" tIns="0" rIns="0" bIns="0" rtlCol="0"/>
           <a:lstStyle/>
           <a:p>
-            <a:endParaRPr/>
+            <a:endParaRPr>
+              <a:latin typeface="Adobe Clean Han Regular" panose="020B0500000000000000" pitchFamily="34" charset="-128"/>
+              <a:ea typeface="Adobe Clean Han Regular" panose="020B0500000000000000" pitchFamily="34" charset="-128"/>
+            </a:endParaRPr>
           </a:p>
         </p:txBody>
       </p:sp>
@@ -8141,7 +7388,7 @@
         <p:spPr>
           <a:xfrm>
             <a:off x="240424" y="429188"/>
-            <a:ext cx="2163221" cy="307777"/>
+            <a:ext cx="2225289" cy="307777"/>
           </a:xfrm>
           <a:prstGeom prst="rect">
             <a:avLst/>
@@ -8162,19 +7409,16 @@
               </a:spcBef>
             </a:pPr>
             <a:r>
-              <a:rPr lang="en-US" sz="1400" b="1" spc="-10">
+              <a:rPr lang="ja-JP" sz="1400" b="1" dirty="0">
                 <a:solidFill>
                   <a:srgbClr val="020302"/>
                 </a:solidFill>
-                <a:latin typeface="Adobe Clean"/>
+                <a:latin typeface="Adobe Clean Han Regular" panose="020B0500000000000000" pitchFamily="34" charset="-128"/>
+                <a:ea typeface="Adobe Clean Han Regular" panose="020B0500000000000000" pitchFamily="34" charset="-128"/>
                 <a:cs typeface="Adobe Clean"/>
               </a:rPr>
-              <a:t>Business  Support Features</a:t>
+              <a:t>ビジネスサポートの特長</a:t>
             </a:r>
-            <a:endParaRPr lang="en-US" sz="1400">
-              <a:latin typeface="Adobe Clean"/>
-              <a:cs typeface="Adobe Clean"/>
-            </a:endParaRPr>
           </a:p>
         </p:txBody>
       </p:sp>
@@ -8192,8 +7436,8 @@
         </p:nvSpPr>
         <p:spPr>
           <a:xfrm>
-            <a:off x="2836967" y="1370913"/>
-            <a:ext cx="2286000" cy="1456681"/>
+            <a:off x="2836966" y="1370913"/>
+            <a:ext cx="2387373" cy="1639167"/>
           </a:xfrm>
           <a:prstGeom prst="rect">
             <a:avLst/>
@@ -8214,15 +7458,12 @@
               </a:spcBef>
             </a:pPr>
             <a:r>
-              <a:rPr lang="en-US" sz="1000">
-                <a:latin typeface="Adobe Clean Light" panose="020B0303020404020204" pitchFamily="34" charset="0"/>
+              <a:rPr lang="ja-JP" sz="1000" spc="-30" dirty="0">
+                <a:latin typeface="Adobe Clean Han Regular" panose="020B0500000000000000" pitchFamily="34" charset="-128"/>
+                <a:ea typeface="Adobe Clean Han Regular" panose="020B0500000000000000" pitchFamily="34" charset="-128"/>
               </a:rPr>
-              <a:t>Customers can submit support cases via Phone for all P2, P3, P4 issues during regional support hours. There are no upper limits on the number of times you can call into support. Customers can also request a call back from support or request a meeting to demonstrate or work through an issue using a shared remote desktop session.</a:t>
+              <a:t>お客様は、P2、P3、P4 のすべての問題について、地域のサポート時間内に電話でサポートケースを申請できます。サポートへの電話の回数に上限はありません。また、サポートからの折り返し連絡やミーティングをリクエストすることもできます。ミーティングでは、共有リモートデスクトップセッションを使用して、問題の説明や対処を受けることができます。</a:t>
             </a:r>
-            <a:endParaRPr lang="en-US" sz="1000">
-              <a:latin typeface="Adobe Clean Light" panose="020B0303020404020204" pitchFamily="34" charset="0"/>
-              <a:cs typeface="AdobeClean-Light"/>
-            </a:endParaRPr>
           </a:p>
         </p:txBody>
       </p:sp>
@@ -8264,13 +7505,14 @@
               </a:spcAft>
             </a:pPr>
             <a:r>
-              <a:rPr lang="en-US" sz="1200" b="1" spc="-10">
+              <a:rPr lang="ja-JP" sz="1200" b="1">
                 <a:solidFill>
                   <a:srgbClr val="020302"/>
                 </a:solidFill>
-                <a:latin typeface="+mj-lt"/>
+                <a:latin typeface="Adobe Clean Han Regular" panose="020B0500000000000000" pitchFamily="34" charset="-128"/>
+                <a:ea typeface="Adobe Clean Han Regular" panose="020B0500000000000000" pitchFamily="34" charset="-128"/>
               </a:rPr>
-              <a:t>Live Telephone Support</a:t>
+              <a:t>電話サポート（ライブ）</a:t>
             </a:r>
           </a:p>
         </p:txBody>
@@ -8311,18 +7553,15 @@
               </a:spcBef>
             </a:pPr>
             <a:r>
-              <a:rPr lang="en-US" sz="1000">
+              <a:rPr lang="ja-JP" sz="1000" dirty="0">
                 <a:solidFill>
                   <a:srgbClr val="4B4B4B"/>
                 </a:solidFill>
-                <a:latin typeface="Adobe Clean Light" panose="020B0303020404020204" pitchFamily="34" charset="0"/>
+                <a:latin typeface="Adobe Clean Han Regular" panose="020B0500000000000000" pitchFamily="34" charset="-128"/>
+                <a:ea typeface="Adobe Clean Han Regular" panose="020B0500000000000000" pitchFamily="34" charset="-128"/>
               </a:rPr>
-              <a:t>A designated point of contact within Adobe who can provide escalation assistance, regular updates and ensure priority is given to your most critical open support requests.</a:t>
+              <a:t>アドビ内の専任連絡窓口が、エスカレーション支援や定期的なアップデートを提供し、お客様の最も重要なオープン中のサポートリクエストに優先的に対応します。</a:t>
             </a:r>
-            <a:endParaRPr lang="en-US" sz="1000">
-              <a:latin typeface="Adobe Clean Light" panose="020B0303020404020204" pitchFamily="34" charset="0"/>
-              <a:cs typeface="AdobeClean-Light"/>
-            </a:endParaRPr>
           </a:p>
         </p:txBody>
       </p:sp>
@@ -8364,13 +7603,14 @@
               </a:spcAft>
             </a:pPr>
             <a:r>
-              <a:rPr lang="en-US" sz="1200" b="1" spc="-10">
+              <a:rPr lang="ja-JP" sz="1200" b="1">
                 <a:solidFill>
                   <a:srgbClr val="020302"/>
                 </a:solidFill>
-                <a:latin typeface="+mj-lt"/>
+                <a:latin typeface="Adobe Clean Han Regular" panose="020B0500000000000000" pitchFamily="34" charset="-128"/>
+                <a:ea typeface="Adobe Clean Han Regular" panose="020B0500000000000000" pitchFamily="34" charset="-128"/>
               </a:rPr>
-              <a:t>Escalation Management</a:t>
+              <a:t>エスカレーション管理</a:t>
             </a:r>
           </a:p>
         </p:txBody>
@@ -8418,10 +7658,12 @@
               <a:defRPr/>
             </a:pPr>
             <a:r>
-              <a:rPr lang="en-US" sz="1200">
+              <a:rPr lang="ja-JP" sz="1200" dirty="0">
                 <a:solidFill>
                   <a:srgbClr val="000000"/>
                 </a:solidFill>
+                <a:latin typeface="Adobe Clean Han Regular" panose="020B0500000000000000" pitchFamily="34" charset="-128"/>
+                <a:ea typeface="Adobe Clean Han Regular" panose="020B0500000000000000" pitchFamily="34" charset="-128"/>
               </a:rPr>
               <a:t>Office Hours</a:t>
             </a:r>
@@ -8445,7 +7687,7 @@
         <p:spPr>
           <a:xfrm>
             <a:off x="838200" y="8373543"/>
-            <a:ext cx="604974" cy="184666"/>
+            <a:ext cx="793487" cy="184666"/>
           </a:xfrm>
           <a:prstGeom prst="rect">
             <a:avLst/>
@@ -8466,12 +7708,12 @@
               </a:spcAft>
             </a:pPr>
             <a:r>
-              <a:rPr lang="en-US" sz="1200" b="1">
-                <a:latin typeface="+mj-lt"/>
-                <a:ea typeface="Open Sans" pitchFamily="34" charset="0"/>
+              <a:rPr lang="ja-JP" sz="1200" b="1">
+                <a:latin typeface="Adobe Clean Han Regular" panose="020B0500000000000000" pitchFamily="34" charset="-128"/>
+                <a:ea typeface="Adobe Clean Han Regular" panose="020B0500000000000000" pitchFamily="34" charset="-128"/>
                 <a:cs typeface="Open Sans" pitchFamily="34" charset="0"/>
               </a:rPr>
-              <a:t>Webinars</a:t>
+              <a:t>ウェビナー</a:t>
             </a:r>
           </a:p>
         </p:txBody>
@@ -8491,7 +7733,7 @@
         <p:spPr>
           <a:xfrm>
             <a:off x="370040" y="8618616"/>
-            <a:ext cx="2286000" cy="1113125"/>
+            <a:ext cx="2424168" cy="1113125"/>
           </a:xfrm>
           <a:prstGeom prst="rect">
             <a:avLst/>
@@ -8504,13 +7746,14 @@
           <a:lstStyle/>
           <a:p>
             <a:r>
-              <a:rPr lang="en-US" sz="1000">
+              <a:rPr lang="ja-JP" sz="1000" dirty="0">
                 <a:solidFill>
                   <a:srgbClr val="000000"/>
                 </a:solidFill>
-                <a:latin typeface="Adobe Clean Light" panose="020B0303020404020204" pitchFamily="34" charset="0"/>
+                <a:latin typeface="Adobe Clean Han Regular" panose="020B0500000000000000" pitchFamily="34" charset="-128"/>
+                <a:ea typeface="Adobe Clean Han Regular" panose="020B0500000000000000" pitchFamily="34" charset="-128"/>
               </a:rPr>
-              <a:t>Office Hours is an initiative led by the Adobe Customer Support team. These sessions are designed to inform as well as help participants troubleshoot problems and provide tips and tricks to be successful with Adobe Experience Cloud.</a:t>
+              <a:t>Office Hours は、アドビカスタマーサポートチーム主導による取り組みの 1 つです。これらのセッションは、参加者に情報を提供するだけでなく、問題のトラブルシューティングや Adobe Experience Cloud で成功するためのヒントやテクニックを紹介することを目的としています。</a:t>
             </a:r>
           </a:p>
         </p:txBody>
@@ -8532,7 +7775,7 @@
         <p:spPr>
           <a:xfrm>
             <a:off x="5851290" y="8373543"/>
-            <a:ext cx="1267206" cy="184666"/>
+            <a:ext cx="1328056" cy="369332"/>
           </a:xfrm>
           <a:prstGeom prst="rect">
             <a:avLst/>
@@ -8553,12 +7796,27 @@
               </a:spcAft>
             </a:pPr>
             <a:r>
-              <a:rPr lang="en-US" sz="1200" b="1">
-                <a:latin typeface="+mj-lt"/>
-                <a:ea typeface="Open Sans" pitchFamily="34" charset="0"/>
+              <a:rPr lang="ja-JP" sz="1200" b="1" dirty="0">
+                <a:latin typeface="Adobe Clean Han Regular" panose="020B0500000000000000" pitchFamily="34" charset="-128"/>
+                <a:ea typeface="Adobe Clean Han Regular" panose="020B0500000000000000" pitchFamily="34" charset="-128"/>
                 <a:cs typeface="Open Sans" pitchFamily="34" charset="0"/>
               </a:rPr>
-              <a:t>24/7 Support Portal</a:t>
+              <a:t>24 時間年中無休の</a:t>
+            </a:r>
+            <a:br>
+              <a:rPr lang="sk-SK" altLang="ja-JP" sz="1200" b="1" dirty="0">
+                <a:latin typeface="Adobe Clean Han Regular" panose="020B0500000000000000" pitchFamily="34" charset="-128"/>
+                <a:ea typeface="Adobe Clean Han Regular" panose="020B0500000000000000" pitchFamily="34" charset="-128"/>
+                <a:cs typeface="Open Sans" pitchFamily="34" charset="0"/>
+              </a:rPr>
+            </a:br>
+            <a:r>
+              <a:rPr lang="ja-JP" sz="1200" b="1" dirty="0">
+                <a:latin typeface="Adobe Clean Han Regular" panose="020B0500000000000000" pitchFamily="34" charset="-128"/>
+                <a:ea typeface="Adobe Clean Han Regular" panose="020B0500000000000000" pitchFamily="34" charset="-128"/>
+                <a:cs typeface="Open Sans" pitchFamily="34" charset="0"/>
+              </a:rPr>
+              <a:t>サポートポータル</a:t>
             </a:r>
           </a:p>
         </p:txBody>
@@ -8577,8 +7835,8 @@
         </p:nvSpPr>
         <p:spPr>
           <a:xfrm>
-            <a:off x="5376301" y="8618616"/>
-            <a:ext cx="2286000" cy="805349"/>
+            <a:off x="5376301" y="8771016"/>
+            <a:ext cx="2286000" cy="866904"/>
           </a:xfrm>
           <a:prstGeom prst="rect">
             <a:avLst/>
@@ -8591,30 +7849,14 @@
           <a:lstStyle/>
           <a:p>
             <a:r>
-              <a:rPr lang="en-US" sz="1000">
+              <a:rPr lang="ja-JP" sz="900" dirty="0">
                 <a:solidFill>
                   <a:srgbClr val="000000"/>
                 </a:solidFill>
-                <a:latin typeface="Adobe Clean Light" panose="020B0303020404020204" pitchFamily="34" charset="0"/>
+                <a:latin typeface="Adobe Clean Han Regular" panose="020B0500000000000000" pitchFamily="34" charset="-128"/>
+                <a:ea typeface="Adobe Clean Han Regular" panose="020B0500000000000000" pitchFamily="34" charset="-128"/>
               </a:rPr>
-              <a:t>On-demand access to the online </a:t>
-            </a:r>
-            <a:br>
-              <a:rPr lang="en-US" sz="1000">
-                <a:solidFill>
-                  <a:srgbClr val="000000"/>
-                </a:solidFill>
-                <a:latin typeface="Adobe Clean Light" panose="020B0303020404020204" pitchFamily="34" charset="0"/>
-              </a:rPr>
-            </a:br>
-            <a:r>
-              <a:rPr lang="en-US" sz="1000">
-                <a:solidFill>
-                  <a:srgbClr val="000000"/>
-                </a:solidFill>
-                <a:latin typeface="Adobe Clean Light" panose="020B0303020404020204" pitchFamily="34" charset="0"/>
-              </a:rPr>
-              <a:t>Self-help Support Portal to submit support requests, review case status, and browse other resources, like our knowledgebase, news and alerts, featured tips, and more.</a:t>
+              <a:t>オンラインのセルフサービスサポートポータルにオンデマンドでアクセスして、サポートリクエストを申請したり、ケースのステータスを確認したり、その他のリソース（ナレッジベース、ニュースとアラート、注目すべきヒントなど）を参照したりできます。</a:t>
             </a:r>
           </a:p>
         </p:txBody>
@@ -8711,8 +7953,8 @@
         </p:nvSpPr>
         <p:spPr>
           <a:xfrm>
-            <a:off x="789025" y="3499700"/>
-            <a:ext cx="1336142" cy="285247"/>
+            <a:off x="789024" y="3499700"/>
+            <a:ext cx="1461177" cy="276999"/>
           </a:xfrm>
           <a:prstGeom prst="rect">
             <a:avLst/>
@@ -8726,10 +7968,11 @@
           <a:lstStyle/>
           <a:p>
             <a:r>
-              <a:rPr lang="en-US" sz="1200" b="1">
-                <a:latin typeface="+mj-lt"/>
+              <a:rPr lang="ja-JP" sz="1200" b="1" dirty="0">
+                <a:latin typeface="Adobe Clean Han Regular" panose="020B0500000000000000" pitchFamily="34" charset="-128"/>
+                <a:ea typeface="Adobe Clean Han Regular" panose="020B0500000000000000" pitchFamily="34" charset="-128"/>
               </a:rPr>
-              <a:t>Business Services</a:t>
+              <a:t>ビジネスサービス</a:t>
             </a:r>
           </a:p>
         </p:txBody>
@@ -8770,15 +8013,12 @@
               </a:spcBef>
             </a:pPr>
             <a:r>
-              <a:rPr lang="en-US" sz="1000">
-                <a:latin typeface="Adobe Clean Light" panose="020B0303020404020204" pitchFamily="34" charset="0"/>
+              <a:rPr lang="ja-JP" sz="1000" dirty="0">
+                <a:latin typeface="Adobe Clean Han Regular" panose="020B0500000000000000" pitchFamily="34" charset="-128"/>
+                <a:ea typeface="Adobe Clean Han Regular" panose="020B0500000000000000" pitchFamily="34" charset="-128"/>
               </a:rPr>
-              <a:t>An Account Support Lead will host webinars covering an overview of business support services.  </a:t>
+              <a:t>アカウントサポートリード主催のウェビナーで、ビジネスサポートサービスの概要を学習できます。  </a:t>
             </a:r>
-            <a:endParaRPr lang="en-US" sz="1000">
-              <a:latin typeface="Adobe Clean Light" panose="020B0303020404020204" pitchFamily="34" charset="0"/>
-              <a:cs typeface="AdobeClean-Light"/>
-            </a:endParaRPr>
           </a:p>
         </p:txBody>
       </p:sp>
@@ -8833,7 +8073,10 @@
           <a:bodyPr wrap="square" lIns="0" tIns="0" rIns="0" bIns="0" rtlCol="0"/>
           <a:lstStyle/>
           <a:p>
-            <a:endParaRPr/>
+            <a:endParaRPr>
+              <a:latin typeface="Adobe Clean Han Regular" panose="020B0500000000000000" pitchFamily="34" charset="-128"/>
+              <a:ea typeface="Adobe Clean Han Regular" panose="020B0500000000000000" pitchFamily="34" charset="-128"/>
+            </a:endParaRPr>
           </a:p>
         </p:txBody>
       </p:sp>
@@ -9163,7 +8406,7 @@
         </p:nvSpPr>
         <p:spPr>
           <a:xfrm rot="5400000" flipH="1">
-            <a:off x="3863341" y="4967117"/>
+            <a:off x="3863341" y="5148092"/>
             <a:ext cx="45719" cy="5577840"/>
           </a:xfrm>
           <a:custGeom>
@@ -9200,7 +8443,10 @@
           <a:bodyPr wrap="square" lIns="0" tIns="0" rIns="0" bIns="0" rtlCol="0"/>
           <a:lstStyle/>
           <a:p>
-            <a:endParaRPr/>
+            <a:endParaRPr>
+              <a:latin typeface="Adobe Clean Han Regular" panose="020B0500000000000000" pitchFamily="34" charset="-128"/>
+              <a:ea typeface="Adobe Clean Han Regular" panose="020B0500000000000000" pitchFamily="34" charset="-128"/>
+            </a:endParaRPr>
           </a:p>
         </p:txBody>
       </p:sp>
@@ -9247,12 +8493,14 @@
               <a:defRPr/>
             </a:pPr>
             <a:r>
-              <a:rPr lang="en-US" sz="1200">
+              <a:rPr lang="ja-JP" sz="1200" dirty="0">
                 <a:solidFill>
                   <a:srgbClr val="000000"/>
                 </a:solidFill>
+                <a:latin typeface="Adobe Clean Han Regular" panose="020B0500000000000000" pitchFamily="34" charset="-128"/>
+                <a:ea typeface="Adobe Clean Han Regular" panose="020B0500000000000000" pitchFamily="34" charset="-128"/>
               </a:rPr>
-              <a:t>Self– Help Portal</a:t>
+              <a:t>セルフサービスポータル</a:t>
             </a:r>
           </a:p>
         </p:txBody>
@@ -9300,10 +8548,12 @@
               <a:defRPr/>
             </a:pPr>
             <a:r>
-              <a:rPr lang="en-US" sz="1200">
+              <a:rPr lang="ja-JP" sz="1200" dirty="0">
                 <a:solidFill>
                   <a:srgbClr val="000000"/>
                 </a:solidFill>
+                <a:latin typeface="Adobe Clean Han Regular" panose="020B0500000000000000" pitchFamily="34" charset="-128"/>
+                <a:ea typeface="Adobe Clean Han Regular" panose="020B0500000000000000" pitchFamily="34" charset="-128"/>
               </a:rPr>
               <a:t>Experience League</a:t>
             </a:r>
@@ -9362,49 +8612,16 @@
               </a:lnSpc>
             </a:pPr>
             <a:r>
-              <a:rPr sz="500" spc="-5">
+              <a:rPr lang="ja-JP" sz="500" dirty="0">
                 <a:solidFill>
                   <a:srgbClr val="6C6C6C"/>
                 </a:solidFill>
-                <a:latin typeface="Adobe Clean"/>
+                <a:latin typeface="Adobe Clean Han Regular" panose="020B0500000000000000" pitchFamily="34" charset="-128"/>
+                <a:ea typeface="Adobe Clean Han Regular" panose="020B0500000000000000" pitchFamily="34" charset="-128"/>
                 <a:cs typeface="Adobe Clean"/>
               </a:rPr>
-              <a:t>©2020 Adobe. All Rights Reserved. </a:t>
+              <a:t>©2020 Adobe.All Rights Reserved.Adobe Confidential.</a:t>
             </a:r>
-            <a:r>
-              <a:rPr sz="500">
-                <a:solidFill>
-                  <a:srgbClr val="6C6C6C"/>
-                </a:solidFill>
-                <a:latin typeface="Adobe Clean"/>
-                <a:cs typeface="Adobe Clean"/>
-              </a:rPr>
-              <a:t>Adobe</a:t>
-            </a:r>
-            <a:r>
-              <a:rPr sz="500" spc="5">
-                <a:solidFill>
-                  <a:srgbClr val="6C6C6C"/>
-                </a:solidFill>
-                <a:latin typeface="Adobe Clean"/>
-                <a:cs typeface="Adobe Clean"/>
-              </a:rPr>
-              <a:t> </a:t>
-            </a:r>
-            <a:r>
-              <a:rPr sz="500" spc="-5">
-                <a:solidFill>
-                  <a:srgbClr val="6C6C6C"/>
-                </a:solidFill>
-                <a:latin typeface="Adobe Clean"/>
-                <a:cs typeface="Adobe Clean"/>
-              </a:rPr>
-              <a:t>Confidential.</a:t>
-            </a:r>
-            <a:endParaRPr sz="500">
-              <a:latin typeface="Adobe Clean"/>
-              <a:cs typeface="Adobe Clean"/>
-            </a:endParaRPr>
           </a:p>
           <a:p>
             <a:pPr>
@@ -9415,8 +8632,9 @@
                 <a:spcPts val="25"/>
               </a:spcBef>
             </a:pPr>
-            <a:endParaRPr sz="800">
-              <a:latin typeface="Adobe Clean"/>
+            <a:endParaRPr sz="800" dirty="0">
+              <a:latin typeface="Adobe Clean Han Regular" panose="020B0500000000000000" pitchFamily="34" charset="-128"/>
+              <a:ea typeface="Adobe Clean Han Regular" panose="020B0500000000000000" pitchFamily="34" charset="-128"/>
               <a:cs typeface="Adobe Clean"/>
             </a:endParaRPr>
           </a:p>
@@ -9430,39 +8648,16 @@
               </a:spcBef>
             </a:pPr>
             <a:r>
-              <a:rPr sz="800" spc="-5">
+              <a:rPr lang="ja-JP" sz="800" dirty="0">
                 <a:solidFill>
                   <a:srgbClr val="6D6D6D"/>
                 </a:solidFill>
-                <a:latin typeface="Adobe Clean"/>
+                <a:latin typeface="Adobe Clean Han Regular" panose="020B0500000000000000" pitchFamily="34" charset="-128"/>
+                <a:ea typeface="Adobe Clean Han Regular" panose="020B0500000000000000" pitchFamily="34" charset="-128"/>
                 <a:cs typeface="Adobe Clean"/>
               </a:rPr>
-              <a:t>©2020 Adobe. All Rights Reserved. Adobe</a:t>
+              <a:t>©2020 Adobe.All Rights Reserved.Adobe Confidential.</a:t>
             </a:r>
-            <a:r>
-              <a:rPr sz="800" spc="75">
-                <a:solidFill>
-                  <a:srgbClr val="6D6D6D"/>
-                </a:solidFill>
-                <a:latin typeface="Adobe Clean"/>
-                <a:cs typeface="Adobe Clean"/>
-              </a:rPr>
-              <a:t> </a:t>
-            </a:r>
-            <a:r>
-              <a:rPr sz="800" spc="-5">
-                <a:solidFill>
-                  <a:srgbClr val="6D6D6D"/>
-                </a:solidFill>
-                <a:latin typeface="Adobe Clean"/>
-                <a:cs typeface="Adobe Clean"/>
-              </a:rPr>
-              <a:t>Confidential.</a:t>
-            </a:r>
-            <a:endParaRPr sz="800">
-              <a:latin typeface="Adobe Clean"/>
-              <a:cs typeface="Adobe Clean"/>
-            </a:endParaRPr>
           </a:p>
         </p:txBody>
       </p:sp>
@@ -9512,7 +8707,10 @@
           <a:bodyPr wrap="square" lIns="0" tIns="0" rIns="0" bIns="0" rtlCol="0"/>
           <a:lstStyle/>
           <a:p>
-            <a:endParaRPr/>
+            <a:endParaRPr>
+              <a:latin typeface="Adobe Clean Han Regular" panose="020B0500000000000000" pitchFamily="34" charset="-128"/>
+              <a:ea typeface="Adobe Clean Han Regular" panose="020B0500000000000000" pitchFamily="34" charset="-128"/>
+            </a:endParaRPr>
           </a:p>
         </p:txBody>
       </p:sp>
@@ -9546,19 +8744,16 @@
               </a:spcBef>
             </a:pPr>
             <a:r>
-              <a:rPr lang="en-US" sz="1400" b="1" spc="-15">
+              <a:rPr lang="ja-JP" sz="1400" b="1" dirty="0">
                 <a:solidFill>
                   <a:srgbClr val="020302"/>
                 </a:solidFill>
-                <a:latin typeface="Adobe Clean"/>
+                <a:latin typeface="Adobe Clean Han Regular" panose="020B0500000000000000" pitchFamily="34" charset="-128"/>
+                <a:ea typeface="Adobe Clean Han Regular" panose="020B0500000000000000" pitchFamily="34" charset="-128"/>
                 <a:cs typeface="Adobe Clean"/>
               </a:rPr>
-              <a:t>Resources</a:t>
+              <a:t>リソース</a:t>
             </a:r>
-            <a:endParaRPr sz="1400">
-              <a:latin typeface="Adobe Clean"/>
-              <a:cs typeface="Adobe Clean"/>
-            </a:endParaRPr>
           </a:p>
         </p:txBody>
       </p:sp>
@@ -9571,7 +8766,7 @@
         <p:spPr>
           <a:xfrm>
             <a:off x="6754821" y="9283729"/>
-            <a:ext cx="930275" cy="662305"/>
+            <a:ext cx="930275" cy="758541"/>
           </a:xfrm>
           <a:prstGeom prst="rect">
             <a:avLst/>
@@ -9592,19 +8787,16 @@
               </a:spcBef>
             </a:pPr>
             <a:r>
-              <a:rPr sz="800" spc="-15">
+              <a:rPr lang="ja-JP" sz="800" dirty="0">
                 <a:solidFill>
                   <a:srgbClr val="777879"/>
                 </a:solidFill>
-                <a:latin typeface="Adobe Clean"/>
+                <a:latin typeface="Adobe Clean Han Regular" panose="020B0500000000000000" pitchFamily="34" charset="-128"/>
+                <a:ea typeface="Adobe Clean Han Regular" panose="020B0500000000000000" pitchFamily="34" charset="-128"/>
                 <a:cs typeface="Adobe Clean"/>
               </a:rPr>
               <a:t>Adobe</a:t>
             </a:r>
-            <a:endParaRPr sz="800">
-              <a:latin typeface="Adobe Clean"/>
-              <a:cs typeface="Adobe Clean"/>
-            </a:endParaRPr>
           </a:p>
           <a:p>
             <a:pPr marL="12700">
@@ -9613,39 +8805,16 @@
               </a:lnSpc>
             </a:pPr>
             <a:r>
-              <a:rPr sz="800" spc="-15">
+              <a:rPr lang="ja-JP" sz="800" dirty="0">
                 <a:solidFill>
                   <a:srgbClr val="777879"/>
                 </a:solidFill>
-                <a:latin typeface="Adobe Clean"/>
+                <a:latin typeface="Adobe Clean Han Regular" panose="020B0500000000000000" pitchFamily="34" charset="-128"/>
+                <a:ea typeface="Adobe Clean Han Regular" panose="020B0500000000000000" pitchFamily="34" charset="-128"/>
                 <a:cs typeface="Adobe Clean"/>
               </a:rPr>
-              <a:t>345 Park</a:t>
+              <a:t>345 Park Avenue</a:t>
             </a:r>
-            <a:r>
-              <a:rPr sz="800" spc="-100">
-                <a:solidFill>
-                  <a:srgbClr val="777879"/>
-                </a:solidFill>
-                <a:latin typeface="Adobe Clean"/>
-                <a:cs typeface="Adobe Clean"/>
-              </a:rPr>
-              <a:t> </a:t>
-            </a:r>
-            <a:r>
-              <a:rPr sz="800" spc="-15">
-                <a:solidFill>
-                  <a:srgbClr val="777879"/>
-                </a:solidFill>
-                <a:latin typeface="Adobe Clean"/>
-                <a:cs typeface="Adobe Clean"/>
-              </a:rPr>
-              <a:t>Avenue</a:t>
-            </a:r>
-            <a:endParaRPr sz="800">
-              <a:latin typeface="Adobe Clean"/>
-              <a:cs typeface="Adobe Clean"/>
-            </a:endParaRPr>
           </a:p>
           <a:p>
             <a:pPr marL="12700">
@@ -9654,49 +8823,16 @@
               </a:lnSpc>
             </a:pPr>
             <a:r>
-              <a:rPr sz="800" spc="-10">
+              <a:rPr lang="ja-JP" sz="800" dirty="0">
                 <a:solidFill>
                   <a:srgbClr val="777879"/>
                 </a:solidFill>
-                <a:latin typeface="Adobe Clean"/>
+                <a:latin typeface="Adobe Clean Han Regular" panose="020B0500000000000000" pitchFamily="34" charset="-128"/>
+                <a:ea typeface="Adobe Clean Han Regular" panose="020B0500000000000000" pitchFamily="34" charset="-128"/>
                 <a:cs typeface="Adobe Clean"/>
               </a:rPr>
-              <a:t>San </a:t>
+              <a:t>San Jose, CA95110-2704</a:t>
             </a:r>
-            <a:r>
-              <a:rPr sz="800" spc="-15">
-                <a:solidFill>
-                  <a:srgbClr val="777879"/>
-                </a:solidFill>
-                <a:latin typeface="Adobe Clean"/>
-                <a:cs typeface="Adobe Clean"/>
-              </a:rPr>
-              <a:t>Jose,</a:t>
-            </a:r>
-            <a:r>
-              <a:rPr sz="800" spc="-140">
-                <a:solidFill>
-                  <a:srgbClr val="777879"/>
-                </a:solidFill>
-                <a:latin typeface="Adobe Clean"/>
-                <a:cs typeface="Adobe Clean"/>
-              </a:rPr>
-              <a:t> </a:t>
-            </a:r>
-            <a:r>
-              <a:rPr sz="800" spc="-20">
-                <a:solidFill>
-                  <a:srgbClr val="777879"/>
-                </a:solidFill>
-                <a:latin typeface="Adobe Clean"/>
-                <a:cs typeface="Adobe Clean"/>
-              </a:rPr>
-              <a:t>CA95110-2704</a:t>
-            </a:r>
-            <a:endParaRPr sz="800">
-              <a:latin typeface="Adobe Clean"/>
-              <a:cs typeface="Adobe Clean"/>
-            </a:endParaRPr>
           </a:p>
           <a:p>
             <a:pPr marL="12700">
@@ -9708,19 +8844,16 @@
               </a:spcBef>
             </a:pPr>
             <a:r>
-              <a:rPr sz="800" spc="-10">
+              <a:rPr lang="ja-JP" sz="800" dirty="0">
                 <a:solidFill>
                   <a:srgbClr val="777879"/>
                 </a:solidFill>
-                <a:latin typeface="Adobe Clean"/>
+                <a:latin typeface="Adobe Clean Han Regular" panose="020B0500000000000000" pitchFamily="34" charset="-128"/>
+                <a:ea typeface="Adobe Clean Han Regular" panose="020B0500000000000000" pitchFamily="34" charset="-128"/>
                 <a:cs typeface="Adobe Clean"/>
               </a:rPr>
               <a:t>USA</a:t>
             </a:r>
-            <a:endParaRPr sz="800">
-              <a:latin typeface="Adobe Clean"/>
-              <a:cs typeface="Adobe Clean"/>
-            </a:endParaRPr>
           </a:p>
           <a:p>
             <a:pPr marL="12700">
@@ -9732,7 +8865,7 @@
               </a:spcBef>
             </a:pPr>
             <a:r>
-              <a:rPr sz="800" u="sng" spc="-25">
+              <a:rPr lang="ja-JP" sz="800" u="sng" dirty="0">
                 <a:solidFill>
                   <a:srgbClr val="5F5F5F"/>
                 </a:solidFill>
@@ -9741,16 +8874,13 @@
                     <a:srgbClr val="0000FF"/>
                   </a:solidFill>
                 </a:uFill>
-                <a:latin typeface="Adobe Clean"/>
+                <a:latin typeface="Adobe Clean Han Regular" panose="020B0500000000000000" pitchFamily="34" charset="-128"/>
+                <a:ea typeface="Adobe Clean Han Regular" panose="020B0500000000000000" pitchFamily="34" charset="-128"/>
                 <a:cs typeface="Adobe Clean"/>
                 <a:hlinkClick r:id="rId3"/>
               </a:rPr>
               <a:t>www.adobe.com</a:t>
             </a:r>
-            <a:endParaRPr sz="800">
-              <a:latin typeface="Adobe Clean"/>
-              <a:cs typeface="Adobe Clean"/>
-            </a:endParaRPr>
           </a:p>
         </p:txBody>
       </p:sp>
@@ -9779,7 +8909,10 @@
           <a:bodyPr wrap="square" lIns="0" tIns="0" rIns="0" bIns="0" rtlCol="0"/>
           <a:lstStyle/>
           <a:p>
-            <a:endParaRPr/>
+            <a:endParaRPr>
+              <a:latin typeface="Adobe Clean Han Regular" panose="020B0500000000000000" pitchFamily="34" charset="-128"/>
+              <a:ea typeface="Adobe Clean Han Regular" panose="020B0500000000000000" pitchFamily="34" charset="-128"/>
+            </a:endParaRPr>
           </a:p>
         </p:txBody>
       </p:sp>
@@ -9862,7 +8995,10 @@
           <a:bodyPr wrap="square" lIns="0" tIns="0" rIns="0" bIns="0" rtlCol="0"/>
           <a:lstStyle/>
           <a:p>
-            <a:endParaRPr/>
+            <a:endParaRPr>
+              <a:latin typeface="Adobe Clean Han Regular" panose="020B0500000000000000" pitchFamily="34" charset="-128"/>
+              <a:ea typeface="Adobe Clean Han Regular" panose="020B0500000000000000" pitchFamily="34" charset="-128"/>
+            </a:endParaRPr>
           </a:p>
         </p:txBody>
       </p:sp>
@@ -9891,7 +9027,10 @@
           <a:bodyPr wrap="square" lIns="0" tIns="0" rIns="0" bIns="0" rtlCol="0"/>
           <a:lstStyle/>
           <a:p>
-            <a:endParaRPr/>
+            <a:endParaRPr>
+              <a:latin typeface="Adobe Clean Han Regular" panose="020B0500000000000000" pitchFamily="34" charset="-128"/>
+              <a:ea typeface="Adobe Clean Han Regular" panose="020B0500000000000000" pitchFamily="34" charset="-128"/>
+            </a:endParaRPr>
           </a:p>
         </p:txBody>
       </p:sp>
@@ -9904,7 +9043,7 @@
         <p:spPr>
           <a:xfrm>
             <a:off x="75947" y="9437110"/>
-            <a:ext cx="5466715" cy="570865"/>
+            <a:ext cx="5896662" cy="563616"/>
           </a:xfrm>
           <a:prstGeom prst="rect">
             <a:avLst/>
@@ -9925,409 +9064,16 @@
               </a:spcBef>
             </a:pPr>
             <a:r>
-              <a:rPr sz="1100" i="1" spc="-10">
+              <a:rPr lang="ja-JP" sz="1100" i="1" dirty="0">
                 <a:solidFill>
                   <a:srgbClr val="777879"/>
                 </a:solidFill>
-                <a:latin typeface="AdobeClean-LightIt"/>
+                <a:latin typeface="Adobe Clean Han Regular" panose="020B0500000000000000" pitchFamily="34" charset="-128"/>
+                <a:ea typeface="Adobe Clean Han Regular" panose="020B0500000000000000" pitchFamily="34" charset="-128"/>
                 <a:cs typeface="AdobeClean-LightIt"/>
               </a:rPr>
-              <a:t>To</a:t>
+              <a:t>アドビサポートのサービスやお客様に最適なレベルについて詳しくは、専任アカウントマネージャー（NAM）またはカスタマーサクセスマネージャー（CSM）にお問い合わせください。</a:t>
             </a:r>
-            <a:r>
-              <a:rPr sz="1100" i="1" spc="-50">
-                <a:solidFill>
-                  <a:srgbClr val="777879"/>
-                </a:solidFill>
-                <a:latin typeface="AdobeClean-LightIt"/>
-                <a:cs typeface="AdobeClean-LightIt"/>
-              </a:rPr>
-              <a:t> </a:t>
-            </a:r>
-            <a:r>
-              <a:rPr sz="1100" i="1" spc="-15">
-                <a:solidFill>
-                  <a:srgbClr val="777879"/>
-                </a:solidFill>
-                <a:latin typeface="AdobeClean-LightIt"/>
-                <a:cs typeface="AdobeClean-LightIt"/>
-              </a:rPr>
-              <a:t>learn</a:t>
-            </a:r>
-            <a:r>
-              <a:rPr sz="1100" i="1" spc="-40">
-                <a:solidFill>
-                  <a:srgbClr val="777879"/>
-                </a:solidFill>
-                <a:latin typeface="AdobeClean-LightIt"/>
-                <a:cs typeface="AdobeClean-LightIt"/>
-              </a:rPr>
-              <a:t> </a:t>
-            </a:r>
-            <a:r>
-              <a:rPr sz="1100" i="1" spc="-15">
-                <a:solidFill>
-                  <a:srgbClr val="777879"/>
-                </a:solidFill>
-                <a:latin typeface="AdobeClean-LightIt"/>
-                <a:cs typeface="AdobeClean-LightIt"/>
-              </a:rPr>
-              <a:t>more</a:t>
-            </a:r>
-            <a:r>
-              <a:rPr sz="1100" i="1" spc="-45">
-                <a:solidFill>
-                  <a:srgbClr val="777879"/>
-                </a:solidFill>
-                <a:latin typeface="AdobeClean-LightIt"/>
-                <a:cs typeface="AdobeClean-LightIt"/>
-              </a:rPr>
-              <a:t> </a:t>
-            </a:r>
-            <a:r>
-              <a:rPr sz="1100" i="1" spc="-15">
-                <a:solidFill>
-                  <a:srgbClr val="777879"/>
-                </a:solidFill>
-                <a:latin typeface="AdobeClean-LightIt"/>
-                <a:cs typeface="AdobeClean-LightIt"/>
-              </a:rPr>
-              <a:t>about</a:t>
-            </a:r>
-            <a:r>
-              <a:rPr sz="1100" i="1" spc="-45">
-                <a:solidFill>
-                  <a:srgbClr val="777879"/>
-                </a:solidFill>
-                <a:latin typeface="AdobeClean-LightIt"/>
-                <a:cs typeface="AdobeClean-LightIt"/>
-              </a:rPr>
-              <a:t> </a:t>
-            </a:r>
-            <a:r>
-              <a:rPr sz="1100" i="1" spc="-15">
-                <a:solidFill>
-                  <a:srgbClr val="777879"/>
-                </a:solidFill>
-                <a:latin typeface="AdobeClean-LightIt"/>
-                <a:cs typeface="AdobeClean-LightIt"/>
-              </a:rPr>
-              <a:t>Adobe</a:t>
-            </a:r>
-            <a:r>
-              <a:rPr sz="1100" i="1" spc="-50">
-                <a:solidFill>
-                  <a:srgbClr val="777879"/>
-                </a:solidFill>
-                <a:latin typeface="AdobeClean-LightIt"/>
-                <a:cs typeface="AdobeClean-LightIt"/>
-              </a:rPr>
-              <a:t> </a:t>
-            </a:r>
-            <a:r>
-              <a:rPr sz="1100" i="1" spc="-15">
-                <a:solidFill>
-                  <a:srgbClr val="777879"/>
-                </a:solidFill>
-                <a:latin typeface="AdobeClean-LightIt"/>
-                <a:cs typeface="AdobeClean-LightIt"/>
-              </a:rPr>
-              <a:t>Support</a:t>
-            </a:r>
-            <a:r>
-              <a:rPr lang="en-US" sz="1100" i="1" spc="-15">
-                <a:solidFill>
-                  <a:srgbClr val="777879"/>
-                </a:solidFill>
-                <a:latin typeface="AdobeClean-LightIt"/>
-                <a:cs typeface="AdobeClean-LightIt"/>
-              </a:rPr>
-              <a:t> Offerings</a:t>
-            </a:r>
-            <a:r>
-              <a:rPr sz="1100" i="1" spc="-75">
-                <a:solidFill>
-                  <a:srgbClr val="777879"/>
-                </a:solidFill>
-                <a:latin typeface="AdobeClean-LightIt"/>
-                <a:cs typeface="AdobeClean-LightIt"/>
-              </a:rPr>
-              <a:t> </a:t>
-            </a:r>
-            <a:r>
-              <a:rPr sz="1100" i="1" spc="-15">
-                <a:solidFill>
-                  <a:srgbClr val="777879"/>
-                </a:solidFill>
-                <a:latin typeface="AdobeClean-LightIt"/>
-                <a:cs typeface="AdobeClean-LightIt"/>
-              </a:rPr>
-              <a:t>and</a:t>
-            </a:r>
-            <a:r>
-              <a:rPr sz="1100" i="1" spc="-50">
-                <a:solidFill>
-                  <a:srgbClr val="777879"/>
-                </a:solidFill>
-                <a:latin typeface="AdobeClean-LightIt"/>
-                <a:cs typeface="AdobeClean-LightIt"/>
-              </a:rPr>
-              <a:t> </a:t>
-            </a:r>
-            <a:r>
-              <a:rPr sz="1100" i="1" spc="-15">
-                <a:solidFill>
-                  <a:srgbClr val="777879"/>
-                </a:solidFill>
-                <a:latin typeface="AdobeClean-LightIt"/>
-                <a:cs typeface="AdobeClean-LightIt"/>
-              </a:rPr>
-              <a:t>the</a:t>
-            </a:r>
-            <a:r>
-              <a:rPr sz="1100" i="1" spc="-55">
-                <a:solidFill>
-                  <a:srgbClr val="777879"/>
-                </a:solidFill>
-                <a:latin typeface="AdobeClean-LightIt"/>
-                <a:cs typeface="AdobeClean-LightIt"/>
-              </a:rPr>
-              <a:t> </a:t>
-            </a:r>
-            <a:r>
-              <a:rPr sz="1100" i="1" spc="-15">
-                <a:solidFill>
-                  <a:srgbClr val="777879"/>
-                </a:solidFill>
-                <a:latin typeface="AdobeClean-LightIt"/>
-                <a:cs typeface="AdobeClean-LightIt"/>
-              </a:rPr>
-              <a:t>right</a:t>
-            </a:r>
-            <a:r>
-              <a:rPr sz="1100" i="1" spc="-95">
-                <a:solidFill>
-                  <a:srgbClr val="777879"/>
-                </a:solidFill>
-                <a:latin typeface="AdobeClean-LightIt"/>
-                <a:cs typeface="AdobeClean-LightIt"/>
-              </a:rPr>
-              <a:t> </a:t>
-            </a:r>
-            <a:r>
-              <a:rPr sz="1100" i="1" spc="-15">
-                <a:solidFill>
-                  <a:srgbClr val="777879"/>
-                </a:solidFill>
-                <a:latin typeface="AdobeClean-LightIt"/>
-                <a:cs typeface="AdobeClean-LightIt"/>
-              </a:rPr>
-              <a:t>level</a:t>
-            </a:r>
-            <a:r>
-              <a:rPr sz="1100" i="1" spc="-55">
-                <a:solidFill>
-                  <a:srgbClr val="777879"/>
-                </a:solidFill>
-                <a:latin typeface="AdobeClean-LightIt"/>
-                <a:cs typeface="AdobeClean-LightIt"/>
-              </a:rPr>
-              <a:t> </a:t>
-            </a:r>
-            <a:r>
-              <a:rPr sz="1100" i="1" spc="-15">
-                <a:solidFill>
-                  <a:srgbClr val="777879"/>
-                </a:solidFill>
-                <a:latin typeface="AdobeClean-LightIt"/>
-                <a:cs typeface="AdobeClean-LightIt"/>
-              </a:rPr>
-              <a:t>for</a:t>
-            </a:r>
-            <a:r>
-              <a:rPr sz="1100" i="1" spc="-85">
-                <a:solidFill>
-                  <a:srgbClr val="777879"/>
-                </a:solidFill>
-                <a:latin typeface="AdobeClean-LightIt"/>
-                <a:cs typeface="AdobeClean-LightIt"/>
-              </a:rPr>
-              <a:t> </a:t>
-            </a:r>
-            <a:r>
-              <a:rPr sz="1100" i="1" spc="-15">
-                <a:solidFill>
-                  <a:srgbClr val="777879"/>
-                </a:solidFill>
-                <a:latin typeface="AdobeClean-LightIt"/>
-                <a:cs typeface="AdobeClean-LightIt"/>
-              </a:rPr>
-              <a:t>you,</a:t>
-            </a:r>
-            <a:r>
-              <a:rPr sz="1100" i="1" spc="-65">
-                <a:solidFill>
-                  <a:srgbClr val="777879"/>
-                </a:solidFill>
-                <a:latin typeface="AdobeClean-LightIt"/>
-                <a:cs typeface="AdobeClean-LightIt"/>
-              </a:rPr>
-              <a:t> </a:t>
-            </a:r>
-            <a:r>
-              <a:rPr sz="1100" i="1" spc="-15">
-                <a:solidFill>
-                  <a:srgbClr val="777879"/>
-                </a:solidFill>
-                <a:latin typeface="AdobeClean-LightIt"/>
-                <a:cs typeface="AdobeClean-LightIt"/>
-              </a:rPr>
-              <a:t>contact</a:t>
-            </a:r>
-            <a:r>
-              <a:rPr sz="1100" i="1" spc="-85">
-                <a:solidFill>
-                  <a:srgbClr val="777879"/>
-                </a:solidFill>
-                <a:latin typeface="AdobeClean-LightIt"/>
-                <a:cs typeface="AdobeClean-LightIt"/>
-              </a:rPr>
-              <a:t> </a:t>
-            </a:r>
-            <a:r>
-              <a:rPr sz="1100" i="1" spc="-15">
-                <a:solidFill>
-                  <a:srgbClr val="777879"/>
-                </a:solidFill>
-                <a:latin typeface="AdobeClean-LightIt"/>
-                <a:cs typeface="AdobeClean-LightIt"/>
-              </a:rPr>
-              <a:t>your</a:t>
-            </a:r>
-            <a:r>
-              <a:rPr sz="1100" i="1" spc="-70">
-                <a:solidFill>
-                  <a:srgbClr val="777879"/>
-                </a:solidFill>
-                <a:latin typeface="AdobeClean-LightIt"/>
-                <a:cs typeface="AdobeClean-LightIt"/>
-              </a:rPr>
-              <a:t> </a:t>
-            </a:r>
-            <a:r>
-              <a:rPr sz="1100" i="1" spc="-15">
-                <a:solidFill>
-                  <a:srgbClr val="777879"/>
-                </a:solidFill>
-                <a:latin typeface="AdobeClean-LightIt"/>
-                <a:cs typeface="AdobeClean-LightIt"/>
-              </a:rPr>
-              <a:t>Named</a:t>
-            </a:r>
-            <a:r>
-              <a:rPr sz="1100" i="1" spc="-55">
-                <a:solidFill>
-                  <a:srgbClr val="777879"/>
-                </a:solidFill>
-                <a:latin typeface="AdobeClean-LightIt"/>
-                <a:cs typeface="AdobeClean-LightIt"/>
-              </a:rPr>
-              <a:t> </a:t>
-            </a:r>
-            <a:r>
-              <a:rPr sz="1100" i="1" spc="-25">
-                <a:solidFill>
-                  <a:srgbClr val="777879"/>
-                </a:solidFill>
-                <a:latin typeface="AdobeClean-LightIt"/>
-                <a:cs typeface="AdobeClean-LightIt"/>
-              </a:rPr>
-              <a:t>Account</a:t>
-            </a:r>
-            <a:r>
-              <a:rPr sz="1100" i="1" spc="-120">
-                <a:solidFill>
-                  <a:srgbClr val="777879"/>
-                </a:solidFill>
-                <a:latin typeface="AdobeClean-LightIt"/>
-                <a:cs typeface="AdobeClean-LightIt"/>
-              </a:rPr>
-              <a:t> </a:t>
-            </a:r>
-            <a:r>
-              <a:rPr sz="1100" i="1" spc="-20">
-                <a:solidFill>
-                  <a:srgbClr val="777879"/>
-                </a:solidFill>
-                <a:latin typeface="AdobeClean-LightIt"/>
-                <a:cs typeface="AdobeClean-LightIt"/>
-              </a:rPr>
-              <a:t>Manager  </a:t>
-            </a:r>
-            <a:r>
-              <a:rPr sz="1100" i="1" spc="-15">
-                <a:solidFill>
-                  <a:srgbClr val="777879"/>
-                </a:solidFill>
-                <a:latin typeface="AdobeClean-LightIt"/>
-                <a:cs typeface="AdobeClean-LightIt"/>
-              </a:rPr>
-              <a:t>(NAM) </a:t>
-            </a:r>
-            <a:r>
-              <a:rPr sz="1100" i="1" spc="-10">
-                <a:solidFill>
-                  <a:srgbClr val="777879"/>
-                </a:solidFill>
-                <a:latin typeface="AdobeClean-LightIt"/>
-                <a:cs typeface="AdobeClean-LightIt"/>
-              </a:rPr>
-              <a:t>or </a:t>
-            </a:r>
-            <a:r>
-              <a:rPr sz="1100" i="1" spc="-15">
-                <a:solidFill>
-                  <a:srgbClr val="777879"/>
-                </a:solidFill>
-                <a:latin typeface="AdobeClean-LightIt"/>
-                <a:cs typeface="AdobeClean-LightIt"/>
-              </a:rPr>
-              <a:t>Customer </a:t>
-            </a:r>
-            <a:r>
-              <a:rPr sz="1100" i="1" spc="-20">
-                <a:solidFill>
-                  <a:srgbClr val="777879"/>
-                </a:solidFill>
-                <a:latin typeface="AdobeClean-LightIt"/>
-                <a:cs typeface="AdobeClean-LightIt"/>
-              </a:rPr>
-              <a:t>Success</a:t>
-            </a:r>
-            <a:r>
-              <a:rPr sz="1100" i="1" spc="-180">
-                <a:solidFill>
-                  <a:srgbClr val="777879"/>
-                </a:solidFill>
-                <a:latin typeface="AdobeClean-LightIt"/>
-                <a:cs typeface="AdobeClean-LightIt"/>
-              </a:rPr>
-              <a:t> </a:t>
-            </a:r>
-            <a:r>
-              <a:rPr sz="1100" i="1" spc="-15">
-                <a:solidFill>
-                  <a:srgbClr val="777879"/>
-                </a:solidFill>
-                <a:latin typeface="AdobeClean-LightIt"/>
-                <a:cs typeface="AdobeClean-LightIt"/>
-              </a:rPr>
-              <a:t>Manager(CSM)</a:t>
-            </a:r>
-            <a:endParaRPr sz="1100">
-              <a:latin typeface="AdobeClean-LightIt"/>
-              <a:cs typeface="AdobeClean-LightIt"/>
-            </a:endParaRPr>
           </a:p>
           <a:p>
             <a:pPr marL="34290">
@@ -10339,59 +9085,16 @@
               </a:spcBef>
             </a:pPr>
             <a:r>
-              <a:rPr sz="800" spc="-5">
+              <a:rPr lang="ja-JP" sz="800" dirty="0">
                 <a:solidFill>
                   <a:srgbClr val="6D6D6D"/>
                 </a:solidFill>
-                <a:latin typeface="Adobe Clean"/>
+                <a:latin typeface="Adobe Clean Han Regular" panose="020B0500000000000000" pitchFamily="34" charset="-128"/>
+                <a:ea typeface="Adobe Clean Han Regular" panose="020B0500000000000000" pitchFamily="34" charset="-128"/>
                 <a:cs typeface="Adobe Clean"/>
               </a:rPr>
-              <a:t>©202</a:t>
+              <a:t>©2021 Adobe.All Rights Reserved.Adobe Confidential.</a:t>
             </a:r>
-            <a:r>
-              <a:rPr lang="en-US" sz="800" spc="-5">
-                <a:solidFill>
-                  <a:srgbClr val="6D6D6D"/>
-                </a:solidFill>
-                <a:latin typeface="Adobe Clean"/>
-                <a:cs typeface="Adobe Clean"/>
-              </a:rPr>
-              <a:t>1</a:t>
-            </a:r>
-            <a:r>
-              <a:rPr sz="800" spc="-5">
-                <a:solidFill>
-                  <a:srgbClr val="6D6D6D"/>
-                </a:solidFill>
-                <a:latin typeface="Adobe Clean"/>
-                <a:cs typeface="Adobe Clean"/>
-              </a:rPr>
-              <a:t> Adobe. All Rights Reserved. Adobe</a:t>
-            </a:r>
-            <a:r>
-              <a:rPr sz="800" spc="75">
-                <a:solidFill>
-                  <a:srgbClr val="6D6D6D"/>
-                </a:solidFill>
-                <a:latin typeface="Adobe Clean"/>
-                <a:cs typeface="Adobe Clean"/>
-              </a:rPr>
-              <a:t> </a:t>
-            </a:r>
-            <a:r>
-              <a:rPr sz="800" spc="-5">
-                <a:solidFill>
-                  <a:srgbClr val="6D6D6D"/>
-                </a:solidFill>
-                <a:latin typeface="Adobe Clean"/>
-                <a:cs typeface="Adobe Clean"/>
-              </a:rPr>
-              <a:t>Confidential.</a:t>
-            </a:r>
-            <a:endParaRPr sz="800">
-              <a:latin typeface="Adobe Clean"/>
-              <a:cs typeface="Adobe Clean"/>
-            </a:endParaRPr>
           </a:p>
         </p:txBody>
       </p:sp>
@@ -10428,19 +9131,16 @@
               </a:spcBef>
             </a:pPr>
             <a:r>
-              <a:rPr lang="en-US" sz="1400" b="1" spc="-15">
+              <a:rPr lang="ja-JP" sz="1400" b="1" dirty="0">
                 <a:solidFill>
                   <a:srgbClr val="020302"/>
                 </a:solidFill>
-                <a:latin typeface="Adobe Clean"/>
+                <a:latin typeface="Adobe Clean Han Regular" panose="020B0500000000000000" pitchFamily="34" charset="-128"/>
+                <a:ea typeface="Adobe Clean Han Regular" panose="020B0500000000000000" pitchFamily="34" charset="-128"/>
                 <a:cs typeface="Adobe Clean"/>
               </a:rPr>
-              <a:t>Regional scope of Adobe Support, Local Hours Of Operation And Language Support</a:t>
+              <a:t>アドビサポートの対象地域、現地の営業時間、言語サポート</a:t>
             </a:r>
-            <a:endParaRPr lang="en-US" sz="1400" spc="-15">
-              <a:ea typeface="+mn-lt"/>
-              <a:cs typeface="+mn-lt"/>
-            </a:endParaRPr>
           </a:p>
           <a:p>
             <a:pPr>
@@ -10449,15 +9149,34 @@
               </a:spcBef>
             </a:pPr>
             <a:r>
-              <a:rPr lang="en-US" sz="1000" spc="-15">
+              <a:rPr lang="ja-JP" sz="1000" dirty="0">
                 <a:solidFill>
                   <a:srgbClr val="1F1F1F"/>
                 </a:solidFill>
-                <a:latin typeface="AdobeClean-Light"/>
+                <a:latin typeface="Adobe Clean Han Regular" panose="020B0500000000000000" pitchFamily="34" charset="-128"/>
+                <a:ea typeface="Adobe Clean Han Regular" panose="020B0500000000000000" pitchFamily="34" charset="-128"/>
               </a:rPr>
-              <a:t>The Regional scope of Adobe Support is established by aligning the customer's billing address (via the Sales Order or other Adobe Support purchasing document) to one of the following regions:</a:t>
+              <a:t>アドビサポートの対象地域と現地営業時間は、以下のとおりです。対象地域は、</a:t>
             </a:r>
-            <a:endParaRPr lang="en-US"/>
+            <a:br>
+              <a:rPr lang="sk-SK" altLang="ja-JP" sz="1000" dirty="0">
+                <a:solidFill>
+                  <a:srgbClr val="1F1F1F"/>
+                </a:solidFill>
+                <a:latin typeface="Adobe Clean Han Regular" panose="020B0500000000000000" pitchFamily="34" charset="-128"/>
+                <a:ea typeface="Adobe Clean Han Regular" panose="020B0500000000000000" pitchFamily="34" charset="-128"/>
+              </a:rPr>
+            </a:br>
+            <a:r>
+              <a:rPr lang="ja-JP" sz="1000" dirty="0">
+                <a:solidFill>
+                  <a:srgbClr val="1F1F1F"/>
+                </a:solidFill>
+                <a:latin typeface="Adobe Clean Han Regular" panose="020B0500000000000000" pitchFamily="34" charset="-128"/>
+                <a:ea typeface="Adobe Clean Han Regular" panose="020B0500000000000000" pitchFamily="34" charset="-128"/>
+              </a:rPr>
+              <a:t>お客様のセールスオーダーやその他のアドビサポートの購買記録に記載されている請求先の地域に準じます。</a:t>
+            </a:r>
           </a:p>
         </p:txBody>
       </p:sp>
@@ -10476,7 +9195,7 @@
           <p:nvPr>
             <p:extLst>
               <p:ext uri="{D42A27DB-BD31-4B8C-83A1-F6EECF244321}">
-                <p14:modId xmlns:p14="http://schemas.microsoft.com/office/powerpoint/2010/main" val="2969235217"/>
+                <p14:modId xmlns:p14="http://schemas.microsoft.com/office/powerpoint/2010/main" val="453832874"/>
               </p:ext>
             </p:extLst>
           </p:nvPr>
@@ -10529,13 +9248,14 @@
                     <a:p>
                       <a:pPr algn="ctr"/>
                       <a:r>
-                        <a:rPr lang="en-US" sz="1100" dirty="0">
+                        <a:rPr lang="ja-JP" sz="1100" dirty="0">
                           <a:solidFill>
                             <a:schemeClr val="tx1"/>
                           </a:solidFill>
-                          <a:latin typeface="Adobe Clean"/>
+                          <a:latin typeface="Adobe Clean Han Regular" panose="020B0500000000000000" pitchFamily="34" charset="-128"/>
+                          <a:ea typeface="Adobe Clean Han Regular" panose="020B0500000000000000" pitchFamily="34" charset="-128"/>
                         </a:rPr>
-                        <a:t>Americas</a:t>
+                        <a:t>南北アメリカ</a:t>
                       </a:r>
                     </a:p>
                   </a:txBody>
@@ -10594,13 +9314,14 @@
                     <a:p>
                       <a:pPr algn="ctr"/>
                       <a:r>
-                        <a:rPr lang="en-US" sz="1100" dirty="0">
+                        <a:rPr lang="ja-JP" sz="1100" dirty="0">
                           <a:solidFill>
                             <a:schemeClr val="tx1"/>
                           </a:solidFill>
-                          <a:latin typeface="Adobe Clean"/>
+                          <a:latin typeface="Adobe Clean Han Regular" panose="020B0500000000000000" pitchFamily="34" charset="-128"/>
+                          <a:ea typeface="Adobe Clean Han Regular" panose="020B0500000000000000" pitchFamily="34" charset="-128"/>
                         </a:rPr>
-                        <a:t>Europe, Middle East &amp; Africa</a:t>
+                        <a:t>ヨーロッパ、中東、アフリカ</a:t>
                       </a:r>
                     </a:p>
                   </a:txBody>
@@ -10659,13 +9380,14 @@
                     <a:p>
                       <a:pPr algn="ctr"/>
                       <a:r>
-                        <a:rPr lang="en-US" sz="1100" dirty="0">
+                        <a:rPr lang="ja-JP" sz="1100" dirty="0">
                           <a:solidFill>
                             <a:schemeClr val="tx1"/>
                           </a:solidFill>
-                          <a:latin typeface="Adobe Clean"/>
+                          <a:latin typeface="Adobe Clean Han Regular" panose="020B0500000000000000" pitchFamily="34" charset="-128"/>
+                          <a:ea typeface="Adobe Clean Han Regular" panose="020B0500000000000000" pitchFamily="34" charset="-128"/>
                         </a:rPr>
-                        <a:t>Asia Pacific</a:t>
+                        <a:t>アジア太平洋</a:t>
                       </a:r>
                     </a:p>
                   </a:txBody>
@@ -10724,29 +9446,25 @@
                     <a:p>
                       <a:pPr algn="ctr"/>
                       <a:r>
-                        <a:rPr lang="en-US" sz="1100" dirty="0">
+                        <a:rPr lang="ja-JP" sz="1100" dirty="0">
                           <a:solidFill>
                             <a:schemeClr val="tx1"/>
                           </a:solidFill>
-                          <a:latin typeface="Adobe Clean"/>
+                          <a:latin typeface="Adobe Clean Han Regular" panose="020B0500000000000000" pitchFamily="34" charset="-128"/>
+                          <a:ea typeface="Adobe Clean Han Regular" panose="020B0500000000000000" pitchFamily="34" charset="-128"/>
                         </a:rPr>
-                        <a:t>Japan </a:t>
+                        <a:t>日本 </a:t>
                       </a:r>
                       <a:r>
-                        <a:rPr lang="en-US" sz="1100" baseline="30000" dirty="0">
+                        <a:rPr lang="ja-JP" sz="1100" baseline="30000" dirty="0">
                           <a:solidFill>
                             <a:schemeClr val="tx1"/>
                           </a:solidFill>
-                          <a:latin typeface="Adobe Clean"/>
+                          <a:latin typeface="Adobe Clean Han Regular" panose="020B0500000000000000" pitchFamily="34" charset="-128"/>
+                          <a:ea typeface="Adobe Clean Han Regular" panose="020B0500000000000000" pitchFamily="34" charset="-128"/>
                         </a:rPr>
                         <a:t>1 </a:t>
                       </a:r>
-                      <a:endParaRPr lang="en-US" sz="1100">
-                        <a:solidFill>
-                          <a:schemeClr val="tx1"/>
-                        </a:solidFill>
-                        <a:latin typeface="Adobe Clean" panose="020B0503020404020204" pitchFamily="34" charset="0"/>
-                      </a:endParaRPr>
                     </a:p>
                   </a:txBody>
                   <a:tcPr anchor="ctr">
@@ -10811,13 +9529,14 @@
                     <a:p>
                       <a:pPr algn="ctr"/>
                       <a:r>
-                        <a:rPr lang="en-US" sz="1100" dirty="0">
+                        <a:rPr lang="ja-JP" sz="1100" dirty="0">
                           <a:solidFill>
                             <a:schemeClr val="tx1"/>
                           </a:solidFill>
-                          <a:latin typeface="Adobe Clean"/>
+                          <a:latin typeface="Adobe Clean Han Regular" panose="020B0500000000000000" pitchFamily="34" charset="-128"/>
+                          <a:ea typeface="Adobe Clean Han Regular" panose="020B0500000000000000" pitchFamily="34" charset="-128"/>
                         </a:rPr>
-                        <a:t>6 am – 5:30 pm</a:t>
+                        <a:t>午前 6:00 ～午後 5:30</a:t>
                       </a:r>
                     </a:p>
                   </a:txBody>
@@ -10876,13 +9595,14 @@
                     <a:p>
                       <a:pPr algn="ctr"/>
                       <a:r>
-                        <a:rPr lang="en-US" sz="1100" dirty="0">
+                        <a:rPr lang="ja-JP" sz="1100" dirty="0">
                           <a:solidFill>
                             <a:schemeClr val="tx1"/>
                           </a:solidFill>
-                          <a:latin typeface="Adobe Clean"/>
+                          <a:latin typeface="Adobe Clean Han Regular" panose="020B0500000000000000" pitchFamily="34" charset="-128"/>
+                          <a:ea typeface="Adobe Clean Han Regular" panose="020B0500000000000000" pitchFamily="34" charset="-128"/>
                         </a:rPr>
-                        <a:t>9 am – 5 pm</a:t>
+                        <a:t>午前 9:00 ～午後 5:00</a:t>
                       </a:r>
                     </a:p>
                   </a:txBody>
@@ -10941,13 +9661,14 @@
                     <a:p>
                       <a:pPr algn="ctr"/>
                       <a:r>
-                        <a:rPr lang="en-US" sz="1100" dirty="0">
+                        <a:rPr lang="ja-JP" sz="1100" dirty="0">
                           <a:solidFill>
                             <a:schemeClr val="tx1"/>
                           </a:solidFill>
-                          <a:latin typeface="Adobe Clean"/>
+                          <a:latin typeface="Adobe Clean Han Regular" panose="020B0500000000000000" pitchFamily="34" charset="-128"/>
+                          <a:ea typeface="Adobe Clean Han Regular" panose="020B0500000000000000" pitchFamily="34" charset="-128"/>
                         </a:rPr>
-                        <a:t>9 am – 5 pm</a:t>
+                        <a:t>午前 9:00 ～午後 5:00</a:t>
                       </a:r>
                     </a:p>
                   </a:txBody>
@@ -11006,13 +9727,14 @@
                     <a:p>
                       <a:pPr algn="ctr"/>
                       <a:r>
-                        <a:rPr lang="en-US" sz="1100" dirty="0">
+                        <a:rPr lang="ja-JP" sz="1100" dirty="0">
                           <a:solidFill>
                             <a:schemeClr val="tx1"/>
                           </a:solidFill>
-                          <a:latin typeface="Adobe Clean"/>
+                          <a:latin typeface="Adobe Clean Han Regular" panose="020B0500000000000000" pitchFamily="34" charset="-128"/>
+                          <a:ea typeface="Adobe Clean Han Regular" panose="020B0500000000000000" pitchFamily="34" charset="-128"/>
                         </a:rPr>
-                        <a:t>9 am – 5:30 pm</a:t>
+                        <a:t>午前 9:00 ～午後 5:30</a:t>
                       </a:r>
                     </a:p>
                   </a:txBody>
@@ -11092,31 +9814,29 @@
                         <a:buNone/>
                       </a:pPr>
                       <a:r>
-                        <a:rPr lang="en-US" sz="1100" b="1" i="0" u="none" strike="noStrike" kern="0" cap="none" spc="0" normalizeH="0" baseline="30000" noProof="0" dirty="0">
+                        <a:rPr lang="ja-JP" sz="1100" b="1" i="0" u="none" strike="noStrike" cap="none" normalizeH="0" baseline="30000" noProof="0" dirty="0">
                           <a:ln>
                             <a:noFill/>
                           </a:ln>
-                          <a:effectLst/>
                           <a:uLnTx/>
                           <a:uFillTx/>
-                          <a:latin typeface="Adobe Clean"/>
-                          <a:ea typeface="+mn-ea"/>
+                          <a:latin typeface="Adobe Clean Han Regular" panose="020B0500000000000000" pitchFamily="34" charset="-128"/>
+                          <a:ea typeface="Adobe Clean Han Regular" panose="020B0500000000000000" pitchFamily="34" charset="-128"/>
                           <a:cs typeface="+mn-cs"/>
                         </a:rPr>
                         <a:t> </a:t>
                       </a:r>
                       <a:r>
-                        <a:rPr lang="en-US" sz="1100" dirty="0">
+                        <a:rPr lang="ja-JP" sz="1100" dirty="0">
                           <a:solidFill>
                             <a:schemeClr val="tx1"/>
                           </a:solidFill>
-                          <a:latin typeface="Adobe Clean"/>
+                          <a:latin typeface="Adobe Clean Han Regular" panose="020B0500000000000000" pitchFamily="34" charset="-128"/>
+                          <a:ea typeface="Adobe Clean Han Regular" panose="020B0500000000000000" pitchFamily="34" charset="-128"/>
+                          <a:cs typeface="+mn-cs"/>
                         </a:rPr>
-                        <a:t>Language support is only available in English and Japanese.</a:t>
+                        <a:t>サポートで対応している言語は、英語および日本語のみです。</a:t>
                       </a:r>
-                      <a:endParaRPr lang="en-US" dirty="0">
-                        <a:latin typeface="Adobe Clean"/>
-                      </a:endParaRPr>
                     </a:p>
                     <a:p>
                       <a:pPr marL="0" marR="0" lvl="0" indent="0" algn="ctr">
@@ -11135,18 +9855,19 @@
                         <a:buNone/>
                       </a:pPr>
                       <a:r>
-                        <a:rPr lang="en-US" sz="1100" i="1" dirty="0">
+                        <a:rPr lang="ja-JP" sz="1100" i="1" dirty="0">
                           <a:solidFill>
                             <a:schemeClr val="tx1"/>
                           </a:solidFill>
-                          <a:latin typeface="Adobe Clean"/>
+                          <a:latin typeface="Adobe Clean Han Regular" panose="020B0500000000000000" pitchFamily="34" charset="-128"/>
+                          <a:ea typeface="Adobe Clean Han Regular" panose="020B0500000000000000" pitchFamily="34" charset="-128"/>
                         </a:rPr>
-                        <a:t>*Adobe Commerce excludes Japanese languages support.</a:t>
+                        <a:t>*Adobe Commerce のサポートは、日本語に対応していません。</a:t>
                       </a:r>
                     </a:p>
                     <a:p>
-                      <a:pPr algn="ctr"/>
-                      <a:endParaRPr kumimoji="0" lang="en-US" sz="1100" b="1" i="0" u="none" strike="noStrike" kern="0" cap="none" spc="0" normalizeH="0" baseline="30000" noProof="0">
+                      <a:pPr algn="l" rtl="0"/>
+                      <a:endParaRPr kumimoji="0" lang="en-US" sz="1100" b="1" i="0" u="none" strike="noStrike" kern="0" cap="none" spc="0" normalizeH="0" baseline="30000" noProof="0" dirty="0">
                         <a:ln>
                           <a:noFill/>
                         </a:ln>
@@ -11156,46 +9877,43 @@
                         <a:effectLst/>
                         <a:uLnTx/>
                         <a:uFillTx/>
-                        <a:latin typeface="Adobe Clean" panose="020B0503020404020204" pitchFamily="34" charset="0"/>
-                        <a:ea typeface="+mn-ea"/>
+                        <a:latin typeface="Adobe Clean Han Regular" panose="020B0500000000000000" pitchFamily="34" charset="-128"/>
+                        <a:ea typeface="Adobe Clean Han Regular" panose="020B0500000000000000" pitchFamily="34" charset="-128"/>
                         <a:cs typeface="+mn-cs"/>
                       </a:endParaRPr>
                     </a:p>
                     <a:p>
                       <a:pPr algn="ctr"/>
                       <a:r>
-                        <a:rPr lang="en-US" sz="1100" i="0" dirty="0">
+                        <a:rPr lang="ja-JP" sz="1100" i="0" dirty="0">
                           <a:solidFill>
                             <a:schemeClr val="tx1"/>
                           </a:solidFill>
-                          <a:latin typeface="Adobe Clean"/>
+                          <a:latin typeface="Adobe Clean Han Regular" panose="020B0500000000000000" pitchFamily="34" charset="-128"/>
+                          <a:ea typeface="Adobe Clean Han Regular" panose="020B0500000000000000" pitchFamily="34" charset="-128"/>
                         </a:rPr>
                         <a:t> </a:t>
                       </a:r>
                       <a:r>
-                        <a:rPr lang="en-US" sz="1100" i="0" baseline="30000" dirty="0">
+                        <a:rPr lang="ja-JP" sz="1100" i="0" baseline="30000" dirty="0">
                           <a:solidFill>
                             <a:schemeClr val="tx1"/>
                           </a:solidFill>
-                          <a:latin typeface="Adobe Clean"/>
+                          <a:latin typeface="Adobe Clean Han Regular" panose="020B0500000000000000" pitchFamily="34" charset="-128"/>
+                          <a:ea typeface="Adobe Clean Han Regular" panose="020B0500000000000000" pitchFamily="34" charset="-128"/>
                         </a:rPr>
                         <a:t>1 </a:t>
                       </a:r>
                       <a:r>
-                        <a:rPr lang="en-US" sz="1100" i="0" dirty="0">
+                        <a:rPr lang="ja-JP" sz="1100" i="0" dirty="0">
                           <a:solidFill>
                             <a:schemeClr val="tx1"/>
                           </a:solidFill>
-                          <a:latin typeface="Adobe Clean"/>
+                          <a:latin typeface="Adobe Clean Han Regular" panose="020B0500000000000000" pitchFamily="34" charset="-128"/>
+                          <a:ea typeface="Adobe Clean Han Regular" panose="020B0500000000000000" pitchFamily="34" charset="-128"/>
                         </a:rPr>
-                        <a:t>P2, P3, P4 cases are limited to business hours only in Japan.</a:t>
+                        <a:t>P2、P3、P4 の場合は、営業時間内のみの対応です。</a:t>
                       </a:r>
-                      <a:endParaRPr lang="en-US" sz="1100" b="1" i="0">
-                        <a:solidFill>
-                          <a:schemeClr val="tx1"/>
-                        </a:solidFill>
-                        <a:latin typeface="Adobe Clean"/>
-                      </a:endParaRPr>
                     </a:p>
                   </a:txBody>
                   <a:tcPr anchor="ctr">
@@ -11491,7 +10209,10 @@
           <a:bodyPr wrap="square" lIns="0" tIns="0" rIns="0" bIns="0" rtlCol="0"/>
           <a:lstStyle/>
           <a:p>
-            <a:endParaRPr/>
+            <a:endParaRPr>
+              <a:latin typeface="Adobe Clean Han Regular" panose="020B0500000000000000" pitchFamily="34" charset="-128"/>
+              <a:ea typeface="Adobe Clean Han Regular" panose="020B0500000000000000" pitchFamily="34" charset="-128"/>
+            </a:endParaRPr>
           </a:p>
         </p:txBody>
       </p:sp>
@@ -11550,7 +10271,7 @@
           </a:bodyPr>
           <a:lstStyle/>
           <a:p>
-            <a:pPr marL="139065" marR="5080" indent="-139065">
+            <a:pPr marR="5080" algn="ctr">
               <a:lnSpc>
                 <a:spcPts val="1390"/>
               </a:lnSpc>
@@ -11559,129 +10280,37 @@
               </a:spcBef>
             </a:pPr>
             <a:r>
-              <a:rPr sz="1200" b="1" spc="-15">
+              <a:rPr lang="ja-JP" sz="1200" b="1" dirty="0">
                 <a:solidFill>
                   <a:srgbClr val="FFFFFF"/>
                 </a:solidFill>
-                <a:latin typeface="Adobe Clean"/>
+                <a:latin typeface="Adobe Clean Han Regular" panose="020B0500000000000000" pitchFamily="34" charset="-128"/>
+                <a:ea typeface="Adobe Clean Han Regular" panose="020B0500000000000000" pitchFamily="34" charset="-128"/>
                 <a:cs typeface="Adobe Clean"/>
               </a:rPr>
-              <a:t>U</a:t>
+              <a:t>卓越した</a:t>
             </a:r>
-            <a:r>
-              <a:rPr sz="1200" b="1" spc="-20">
+            <a:br>
+              <a:rPr lang="ja-JP" sz="1200" b="1" dirty="0">
                 <a:solidFill>
                   <a:srgbClr val="FFFFFF"/>
                 </a:solidFill>
-                <a:latin typeface="Adobe Clean"/>
+                <a:latin typeface="Adobe Clean Han Regular" panose="020B0500000000000000" pitchFamily="34" charset="-128"/>
+                <a:ea typeface="Adobe Clean Han Regular" panose="020B0500000000000000" pitchFamily="34" charset="-128"/>
                 <a:cs typeface="Adobe Clean"/>
               </a:rPr>
-              <a:t>n</a:t>
-            </a:r>
+            </a:br>
             <a:r>
-              <a:rPr sz="1200" b="1" spc="-25">
+              <a:rPr lang="ja-JP" sz="1200" b="1" dirty="0">
                 <a:solidFill>
                   <a:srgbClr val="FFFFFF"/>
                 </a:solidFill>
-                <a:latin typeface="Adobe Clean"/>
+                <a:latin typeface="Adobe Clean Han Regular" panose="020B0500000000000000" pitchFamily="34" charset="-128"/>
+                <a:ea typeface="Adobe Clean Han Regular" panose="020B0500000000000000" pitchFamily="34" charset="-128"/>
                 <a:cs typeface="Adobe Clean"/>
               </a:rPr>
-              <a:t>p</a:t>
+              <a:t>専門知識</a:t>
             </a:r>
-            <a:r>
-              <a:rPr sz="1200" b="1" spc="-15">
-                <a:solidFill>
-                  <a:srgbClr val="FFFFFF"/>
-                </a:solidFill>
-                <a:latin typeface="Adobe Clean"/>
-                <a:cs typeface="Adobe Clean"/>
-              </a:rPr>
-              <a:t>a</a:t>
-            </a:r>
-            <a:r>
-              <a:rPr sz="1200" b="1" spc="-25">
-                <a:solidFill>
-                  <a:srgbClr val="FFFFFF"/>
-                </a:solidFill>
-                <a:latin typeface="Adobe Clean"/>
-                <a:cs typeface="Adobe Clean"/>
-              </a:rPr>
-              <a:t>r</a:t>
-            </a:r>
-            <a:r>
-              <a:rPr sz="1200" b="1" spc="-15">
-                <a:solidFill>
-                  <a:srgbClr val="FFFFFF"/>
-                </a:solidFill>
-                <a:latin typeface="Adobe Clean"/>
-                <a:cs typeface="Adobe Clean"/>
-              </a:rPr>
-              <a:t>a</a:t>
-            </a:r>
-            <a:r>
-              <a:rPr sz="1200" b="1" spc="-30">
-                <a:solidFill>
-                  <a:srgbClr val="FFFFFF"/>
-                </a:solidFill>
-                <a:latin typeface="Adobe Clean"/>
-                <a:cs typeface="Adobe Clean"/>
-              </a:rPr>
-              <a:t>ll</a:t>
-            </a:r>
-            <a:r>
-              <a:rPr sz="1200" b="1" spc="-25">
-                <a:solidFill>
-                  <a:srgbClr val="FFFFFF"/>
-                </a:solidFill>
-                <a:latin typeface="Adobe Clean"/>
-                <a:cs typeface="Adobe Clean"/>
-              </a:rPr>
-              <a:t>e</a:t>
-            </a:r>
-            <a:r>
-              <a:rPr sz="1200" b="1" spc="-30">
-                <a:solidFill>
-                  <a:srgbClr val="FFFFFF"/>
-                </a:solidFill>
-                <a:latin typeface="Adobe Clean"/>
-                <a:cs typeface="Adobe Clean"/>
-              </a:rPr>
-              <a:t>l</a:t>
-            </a:r>
-            <a:r>
-              <a:rPr sz="1200" b="1" spc="-25">
-                <a:solidFill>
-                  <a:srgbClr val="FFFFFF"/>
-                </a:solidFill>
-                <a:latin typeface="Adobe Clean"/>
-                <a:cs typeface="Adobe Clean"/>
-              </a:rPr>
-              <a:t>e</a:t>
-            </a:r>
-            <a:r>
-              <a:rPr sz="1200" b="1">
-                <a:solidFill>
-                  <a:srgbClr val="FFFFFF"/>
-                </a:solidFill>
-                <a:latin typeface="Adobe Clean"/>
-                <a:cs typeface="Adobe Clean"/>
-              </a:rPr>
-              <a:t>d  </a:t>
-            </a:r>
-            <a:r>
-              <a:rPr sz="1200" b="1" spc="-25">
-                <a:solidFill>
-                  <a:srgbClr val="FFFFFF"/>
-                </a:solidFill>
-                <a:latin typeface="Adobe Clean"/>
-                <a:cs typeface="Adobe Clean"/>
-              </a:rPr>
-              <a:t>Expertise</a:t>
-            </a:r>
-            <a:endParaRPr sz="1200">
-              <a:latin typeface="Adobe Clean"/>
-              <a:cs typeface="Adobe Clean"/>
-            </a:endParaRPr>
           </a:p>
         </p:txBody>
       </p:sp>
@@ -11699,7 +10328,7 @@
         </p:nvSpPr>
         <p:spPr>
           <a:xfrm>
-            <a:off x="4732495" y="8541244"/>
+            <a:off x="4684870" y="8541244"/>
             <a:ext cx="810895" cy="382797"/>
           </a:xfrm>
           <a:prstGeom prst="rect">
@@ -11712,7 +10341,7 @@
           </a:bodyPr>
           <a:lstStyle/>
           <a:p>
-            <a:pPr marL="139065" marR="5080" indent="-139065">
+            <a:pPr marR="5080" algn="ctr">
               <a:lnSpc>
                 <a:spcPts val="1390"/>
               </a:lnSpc>
@@ -11721,19 +10350,37 @@
               </a:spcBef>
             </a:pPr>
             <a:r>
-              <a:rPr lang="en-US" sz="1200" b="1" spc="-15">
+              <a:rPr lang="ja-JP" sz="1200" b="1" dirty="0">
                 <a:solidFill>
                   <a:srgbClr val="FFFFFF"/>
                 </a:solidFill>
-                <a:latin typeface="Adobe Clean"/>
+                <a:latin typeface="Adobe Clean Han Regular" panose="020B0500000000000000" pitchFamily="34" charset="-128"/>
+                <a:ea typeface="Adobe Clean Han Regular" panose="020B0500000000000000" pitchFamily="34" charset="-128"/>
                 <a:cs typeface="Adobe Clean"/>
               </a:rPr>
-              <a:t>Accelerated Support</a:t>
+              <a:t>迅速な</a:t>
             </a:r>
-            <a:endParaRPr sz="1200">
-              <a:latin typeface="Adobe Clean"/>
-              <a:cs typeface="Adobe Clean"/>
-            </a:endParaRPr>
+            <a:br>
+              <a:rPr lang="ja-JP" sz="1200" b="1" dirty="0">
+                <a:solidFill>
+                  <a:srgbClr val="FFFFFF"/>
+                </a:solidFill>
+                <a:latin typeface="Adobe Clean Han Regular" panose="020B0500000000000000" pitchFamily="34" charset="-128"/>
+                <a:ea typeface="Adobe Clean Han Regular" panose="020B0500000000000000" pitchFamily="34" charset="-128"/>
+                <a:cs typeface="Adobe Clean"/>
+              </a:rPr>
+            </a:br>
+            <a:r>
+              <a:rPr lang="ja-JP" sz="1200" b="1" dirty="0">
+                <a:solidFill>
+                  <a:srgbClr val="FFFFFF"/>
+                </a:solidFill>
+                <a:latin typeface="Adobe Clean Han Regular" panose="020B0500000000000000" pitchFamily="34" charset="-128"/>
+                <a:ea typeface="Adobe Clean Han Regular" panose="020B0500000000000000" pitchFamily="34" charset="-128"/>
+                <a:cs typeface="Adobe Clean"/>
+              </a:rPr>
+              <a:t>サポート</a:t>
+            </a:r>
           </a:p>
         </p:txBody>
       </p:sp>
@@ -11751,8 +10398,8 @@
         </p:nvSpPr>
         <p:spPr>
           <a:xfrm>
-            <a:off x="6624119" y="8543943"/>
-            <a:ext cx="510540" cy="385445"/>
+            <a:off x="6462194" y="8543943"/>
+            <a:ext cx="810894" cy="382797"/>
           </a:xfrm>
           <a:prstGeom prst="rect">
             <a:avLst/>
@@ -11764,7 +10411,7 @@
           </a:bodyPr>
           <a:lstStyle/>
           <a:p>
-            <a:pPr marL="50800" marR="5080" indent="-51435">
+            <a:pPr marR="5080" algn="ctr">
               <a:lnSpc>
                 <a:spcPts val="1390"/>
               </a:lnSpc>
@@ -11773,109 +10420,37 @@
               </a:spcBef>
             </a:pPr>
             <a:r>
-              <a:rPr sz="1200" b="1" spc="-50">
+              <a:rPr lang="ja-JP" sz="1200" b="1" dirty="0">
                 <a:solidFill>
                   <a:srgbClr val="FFFFFF"/>
                 </a:solidFill>
-                <a:latin typeface="Adobe Clean"/>
+                <a:latin typeface="Adobe Clean Han Regular" panose="020B0500000000000000" pitchFamily="34" charset="-128"/>
+                <a:ea typeface="Adobe Clean Han Regular" panose="020B0500000000000000" pitchFamily="34" charset="-128"/>
                 <a:cs typeface="Adobe Clean"/>
               </a:rPr>
-              <a:t>S</a:t>
+              <a:t>戦略的</a:t>
             </a:r>
-            <a:r>
-              <a:rPr sz="1200" b="1" spc="-20">
+            <a:br>
+              <a:rPr lang="ja-JP" sz="1200" b="1" dirty="0">
                 <a:solidFill>
                   <a:srgbClr val="FFFFFF"/>
                 </a:solidFill>
-                <a:latin typeface="Adobe Clean"/>
+                <a:latin typeface="Adobe Clean Han Regular" panose="020B0500000000000000" pitchFamily="34" charset="-128"/>
+                <a:ea typeface="Adobe Clean Han Regular" panose="020B0500000000000000" pitchFamily="34" charset="-128"/>
                 <a:cs typeface="Adobe Clean"/>
               </a:rPr>
-              <a:t>t</a:t>
-            </a:r>
+            </a:br>
             <a:r>
-              <a:rPr sz="1200" b="1" spc="-75">
+              <a:rPr lang="ja-JP" sz="1200" b="1" dirty="0">
                 <a:solidFill>
                   <a:srgbClr val="FFFFFF"/>
                 </a:solidFill>
-                <a:latin typeface="Adobe Clean"/>
+                <a:latin typeface="Adobe Clean Han Regular" panose="020B0500000000000000" pitchFamily="34" charset="-128"/>
+                <a:ea typeface="Adobe Clean Han Regular" panose="020B0500000000000000" pitchFamily="34" charset="-128"/>
                 <a:cs typeface="Adobe Clean"/>
               </a:rPr>
-              <a:t>r</a:t>
+              <a:t>アドバイス</a:t>
             </a:r>
-            <a:r>
-              <a:rPr sz="1200" b="1" spc="-90">
-                <a:solidFill>
-                  <a:srgbClr val="FFFFFF"/>
-                </a:solidFill>
-                <a:latin typeface="Adobe Clean"/>
-                <a:cs typeface="Adobe Clean"/>
-              </a:rPr>
-              <a:t>a</a:t>
-            </a:r>
-            <a:r>
-              <a:rPr sz="1200" b="1" spc="-55">
-                <a:solidFill>
-                  <a:srgbClr val="FFFFFF"/>
-                </a:solidFill>
-                <a:latin typeface="Adobe Clean"/>
-                <a:cs typeface="Adobe Clean"/>
-              </a:rPr>
-              <a:t>t</a:t>
-            </a:r>
-            <a:r>
-              <a:rPr sz="1200" b="1" spc="-100">
-                <a:solidFill>
-                  <a:srgbClr val="FFFFFF"/>
-                </a:solidFill>
-                <a:latin typeface="Adobe Clean"/>
-                <a:cs typeface="Adobe Clean"/>
-              </a:rPr>
-              <a:t>e</a:t>
-            </a:r>
-            <a:r>
-              <a:rPr sz="1200" b="1" spc="-80">
-                <a:solidFill>
-                  <a:srgbClr val="FFFFFF"/>
-                </a:solidFill>
-                <a:latin typeface="Adobe Clean"/>
-                <a:cs typeface="Adobe Clean"/>
-              </a:rPr>
-              <a:t>g</a:t>
-            </a:r>
-            <a:r>
-              <a:rPr sz="1200" b="1" spc="-35">
-                <a:solidFill>
-                  <a:srgbClr val="FFFFFF"/>
-                </a:solidFill>
-                <a:latin typeface="Adobe Clean"/>
-                <a:cs typeface="Adobe Clean"/>
-              </a:rPr>
-              <a:t>i</a:t>
-            </a:r>
-            <a:r>
-              <a:rPr sz="1200" b="1">
-                <a:solidFill>
-                  <a:srgbClr val="FFFFFF"/>
-                </a:solidFill>
-                <a:latin typeface="Adobe Clean"/>
-                <a:cs typeface="Adobe Clean"/>
-              </a:rPr>
-              <a:t>c  </a:t>
-            </a:r>
-            <a:r>
-              <a:rPr sz="1200" b="1" spc="-45">
-                <a:solidFill>
-                  <a:srgbClr val="FFFFFF"/>
-                </a:solidFill>
-                <a:latin typeface="Adobe Clean"/>
-                <a:cs typeface="Adobe Clean"/>
-              </a:rPr>
-              <a:t>Advice</a:t>
-            </a:r>
-            <a:endParaRPr sz="1200">
-              <a:latin typeface="Adobe Clean"/>
-              <a:cs typeface="Adobe Clean"/>
-            </a:endParaRPr>
           </a:p>
         </p:txBody>
       </p:sp>
@@ -11891,7 +10466,13 @@
           <p:cNvGraphicFramePr>
             <a:graphicFrameLocks noGrp="1"/>
           </p:cNvGraphicFramePr>
-          <p:nvPr/>
+          <p:nvPr>
+            <p:extLst>
+              <p:ext uri="{D42A27DB-BD31-4B8C-83A1-F6EECF244321}">
+                <p14:modId xmlns:p14="http://schemas.microsoft.com/office/powerpoint/2010/main" val="1575538643"/>
+              </p:ext>
+            </p:extLst>
+          </p:nvPr>
         </p:nvGraphicFramePr>
         <p:xfrm>
           <a:off x="194236" y="1059345"/>
@@ -11926,25 +10507,17 @@
                     <a:lstStyle/>
                     <a:p>
                       <a:r>
-                        <a:rPr lang="en-US" sz="1100" b="0">
+                        <a:rPr lang="ja-JP" sz="1100" b="0" dirty="0">
                           <a:solidFill>
                             <a:schemeClr val="tx1"/>
                           </a:solidFill>
-                          <a:latin typeface="Adobe Clean" panose="020B0503020404020204" pitchFamily="34" charset="0"/>
-                          <a:ea typeface="+mn-ea"/>
+                          <a:latin typeface="Adobe Clean Han Regular" panose="020B0500000000000000" pitchFamily="34" charset="-128"/>
+                          <a:ea typeface="Adobe Clean Han Regular" panose="020B0500000000000000" pitchFamily="34" charset="-128"/>
                           <a:cs typeface="+mn-cs"/>
                           <a:hlinkClick r:id="rId7"/>
                         </a:rPr>
                         <a:t>Experience League</a:t>
                       </a:r>
-                      <a:endParaRPr lang="en-US" sz="1100" b="0">
-                        <a:solidFill>
-                          <a:schemeClr val="tx1"/>
-                        </a:solidFill>
-                        <a:latin typeface="Adobe Clean" panose="020B0503020404020204" pitchFamily="34" charset="0"/>
-                        <a:ea typeface="+mn-ea"/>
-                        <a:cs typeface="+mn-cs"/>
-                      </a:endParaRPr>
                     </a:p>
                   </a:txBody>
                   <a:tcPr marL="47625" marR="47625" marT="0" marB="0" anchor="ctr">
@@ -12018,15 +10591,36 @@
                         <a:defRPr/>
                       </a:pPr>
                       <a:r>
-                        <a:rPr lang="en-US" sz="1000" b="0" kern="1200">
+                        <a:rPr lang="ja-JP" sz="1000" b="0" dirty="0">
                           <a:solidFill>
                             <a:srgbClr val="000000"/>
                           </a:solidFill>
-                          <a:latin typeface="Adobe Clean Light" panose="020B0303020404020204" pitchFamily="34" charset="0"/>
-                          <a:ea typeface="+mn-ea"/>
+                          <a:latin typeface="Adobe Clean Han Regular" panose="020B0500000000000000" pitchFamily="34" charset="-128"/>
+                          <a:ea typeface="Adobe Clean Han Regular" panose="020B0500000000000000" pitchFamily="34" charset="-128"/>
                           <a:cs typeface="+mn-cs"/>
                         </a:rPr>
-                        <a:t>Experience League is how Adobe helps businesses achieve the value they expect from their Adobe investment. It’s the unified place where customers can learn, connect, and grow along a personalized path to success that includes self-help tutorials, product documentation, instructor-led training, community and technical support. </a:t>
+                        <a:t>Experience League では、アドビへの投資に対して企業が</a:t>
+                      </a:r>
+                      <a:br>
+                        <a:rPr lang="sk-SK" altLang="ja-JP" sz="1000" b="0" dirty="0">
+                          <a:solidFill>
+                            <a:srgbClr val="000000"/>
+                          </a:solidFill>
+                          <a:latin typeface="Adobe Clean Han Regular" panose="020B0500000000000000" pitchFamily="34" charset="-128"/>
+                          <a:ea typeface="Adobe Clean Han Regular" panose="020B0500000000000000" pitchFamily="34" charset="-128"/>
+                          <a:cs typeface="+mn-cs"/>
+                        </a:rPr>
+                      </a:br>
+                      <a:r>
+                        <a:rPr lang="ja-JP" sz="1000" b="0" dirty="0">
+                          <a:solidFill>
+                            <a:srgbClr val="000000"/>
+                          </a:solidFill>
+                          <a:latin typeface="Adobe Clean Han Regular" panose="020B0500000000000000" pitchFamily="34" charset="-128"/>
+                          <a:ea typeface="Adobe Clean Han Regular" panose="020B0500000000000000" pitchFamily="34" charset="-128"/>
+                          <a:cs typeface="+mn-cs"/>
+                        </a:rPr>
+                        <a:t>期待している価値を実現するための支援を行います。セルフサービスのチュートリアル、製品ドキュメント、講師によるトレーニング、コミュニティ、テクニカルサポートなど、パーソナライズされた成功への道筋に沿って、お客様が学習し、繋がり、成長できる、統合された場所です。 </a:t>
                       </a:r>
                     </a:p>
                   </a:txBody>
@@ -12108,39 +10702,28 @@
                         <a:defRPr/>
                       </a:pPr>
                       <a:r>
-                        <a:rPr lang="en-US" sz="1100">
+                        <a:rPr lang="ja-JP" sz="1100" dirty="0">
                           <a:solidFill>
                             <a:schemeClr val="dk1"/>
                           </a:solidFill>
-                          <a:effectLst/>
-                          <a:latin typeface="Adobe Clean" panose="020B0503020404020204" pitchFamily="34" charset="0"/>
-                          <a:ea typeface="+mn-ea"/>
+                          <a:latin typeface="Adobe Clean Han Regular" panose="020B0500000000000000" pitchFamily="34" charset="-128"/>
+                          <a:ea typeface="Adobe Clean Han Regular" panose="020B0500000000000000" pitchFamily="34" charset="-128"/>
                           <a:cs typeface="+mn-cs"/>
                           <a:hlinkClick r:id="rId8"/>
                         </a:rPr>
-                        <a:t>Training</a:t>
+                        <a:t>トレーニング</a:t>
                       </a:r>
                       <a:r>
-                        <a:rPr lang="en-US" sz="1100">
+                        <a:rPr lang="ja-JP" sz="1100" dirty="0">
                           <a:solidFill>
                             <a:schemeClr val="dk1"/>
                           </a:solidFill>
-                          <a:effectLst/>
-                          <a:latin typeface="Adobe Clean" panose="020B0503020404020204" pitchFamily="34" charset="0"/>
-                          <a:ea typeface="+mn-ea"/>
+                          <a:latin typeface="Adobe Clean Han Regular" panose="020B0500000000000000" pitchFamily="34" charset="-128"/>
+                          <a:ea typeface="Adobe Clean Han Regular" panose="020B0500000000000000" pitchFamily="34" charset="-128"/>
                           <a:cs typeface="+mn-cs"/>
                         </a:rPr>
                         <a:t> </a:t>
                       </a:r>
-                      <a:endParaRPr lang="en-US" sz="1100">
-                        <a:solidFill>
-                          <a:schemeClr val="tx1"/>
-                        </a:solidFill>
-                        <a:effectLst/>
-                        <a:latin typeface="Adobe Clean" panose="020B0503020404020204" pitchFamily="34" charset="0"/>
-                        <a:ea typeface="+mn-ea"/>
-                        <a:cs typeface="+mn-cs"/>
-                      </a:endParaRPr>
                     </a:p>
                   </a:txBody>
                   <a:tcPr anchor="ctr">
@@ -12214,15 +10797,57 @@
                         <a:defRPr/>
                       </a:pPr>
                       <a:r>
-                        <a:rPr lang="en-US" sz="1000" kern="1200">
+                        <a:rPr lang="ja-JP" sz="1000" dirty="0">
                           <a:solidFill>
                             <a:srgbClr val="000000"/>
                           </a:solidFill>
-                          <a:latin typeface="Adobe Clean Light" panose="020B0303020404020204" pitchFamily="34" charset="0"/>
-                          <a:ea typeface="+mn-ea"/>
+                          <a:latin typeface="Adobe Clean Han Regular" panose="020B0500000000000000" pitchFamily="34" charset="-128"/>
+                          <a:ea typeface="Adobe Clean Han Regular" panose="020B0500000000000000" pitchFamily="34" charset="-128"/>
                           <a:cs typeface="+mn-cs"/>
                         </a:rPr>
-                        <a:t>Adobe Digital Learning Services courses are accessible from Experience League. Learning courses integrate both on-demand and instructor-led lessons.  Here you can accrue skills that have recognized market value and position them to drive success in your organizations.</a:t>
+                        <a:t>Adobe Digital Learning Services のコースには、Experience League からアクセスできます。ラーニングコースは、</a:t>
+                      </a:r>
+                      <a:br>
+                        <a:rPr lang="sk-SK" altLang="ja-JP" sz="1000" dirty="0">
+                          <a:solidFill>
+                            <a:srgbClr val="000000"/>
+                          </a:solidFill>
+                          <a:latin typeface="Adobe Clean Han Regular" panose="020B0500000000000000" pitchFamily="34" charset="-128"/>
+                          <a:ea typeface="Adobe Clean Han Regular" panose="020B0500000000000000" pitchFamily="34" charset="-128"/>
+                          <a:cs typeface="+mn-cs"/>
+                        </a:rPr>
+                      </a:br>
+                      <a:r>
+                        <a:rPr lang="ja-JP" sz="1000" dirty="0">
+                          <a:solidFill>
+                            <a:srgbClr val="000000"/>
+                          </a:solidFill>
+                          <a:latin typeface="Adobe Clean Han Regular" panose="020B0500000000000000" pitchFamily="34" charset="-128"/>
+                          <a:ea typeface="Adobe Clean Han Regular" panose="020B0500000000000000" pitchFamily="34" charset="-128"/>
+                          <a:cs typeface="+mn-cs"/>
+                        </a:rPr>
+                        <a:t>オンデマンドレッスンと講師によるレッスンが統合されて</a:t>
+                      </a:r>
+                      <a:br>
+                        <a:rPr lang="sk-SK" altLang="ja-JP" sz="1000" dirty="0">
+                          <a:solidFill>
+                            <a:srgbClr val="000000"/>
+                          </a:solidFill>
+                          <a:latin typeface="Adobe Clean Han Regular" panose="020B0500000000000000" pitchFamily="34" charset="-128"/>
+                          <a:ea typeface="Adobe Clean Han Regular" panose="020B0500000000000000" pitchFamily="34" charset="-128"/>
+                          <a:cs typeface="+mn-cs"/>
+                        </a:rPr>
+                      </a:br>
+                      <a:r>
+                        <a:rPr lang="ja-JP" sz="1000" dirty="0">
+                          <a:solidFill>
+                            <a:srgbClr val="000000"/>
+                          </a:solidFill>
+                          <a:latin typeface="Adobe Clean Han Regular" panose="020B0500000000000000" pitchFamily="34" charset="-128"/>
+                          <a:ea typeface="Adobe Clean Han Regular" panose="020B0500000000000000" pitchFamily="34" charset="-128"/>
+                          <a:cs typeface="+mn-cs"/>
+                        </a:rPr>
+                        <a:t>います。  市場価値が認められたスキルを習得し、組織での成功を促進するために活用できます。</a:t>
                       </a:r>
                     </a:p>
                   </a:txBody>
@@ -12304,27 +10929,17 @@
                         <a:defRPr/>
                       </a:pPr>
                       <a:r>
-                        <a:rPr lang="en-US" sz="1100">
+                        <a:rPr lang="ja-JP" sz="1100" dirty="0">
                           <a:solidFill>
                             <a:schemeClr val="tx1"/>
                           </a:solidFill>
-                          <a:effectLst/>
-                          <a:latin typeface="Adobe Clean" panose="020B0503020404020204" pitchFamily="34" charset="0"/>
-                          <a:ea typeface="+mn-ea"/>
+                          <a:latin typeface="Adobe Clean Han Regular" panose="020B0500000000000000" pitchFamily="34" charset="-128"/>
+                          <a:ea typeface="Adobe Clean Han Regular" panose="020B0500000000000000" pitchFamily="34" charset="-128"/>
                           <a:cs typeface="+mn-cs"/>
                           <a:hlinkClick r:id="rId9"/>
                         </a:rPr>
-                        <a:t>Production Issues &amp; System Outages</a:t>
+                        <a:t>本番環境の問題とシステム障害</a:t>
                       </a:r>
-                      <a:endParaRPr lang="en-US" sz="1100">
-                        <a:solidFill>
-                          <a:schemeClr val="tx1"/>
-                        </a:solidFill>
-                        <a:effectLst/>
-                        <a:latin typeface="Adobe Clean" panose="020B0503020404020204" pitchFamily="34" charset="0"/>
-                        <a:ea typeface="+mn-ea"/>
-                        <a:cs typeface="+mn-cs"/>
-                      </a:endParaRPr>
                     </a:p>
                   </a:txBody>
                   <a:tcPr anchor="ctr">
@@ -12398,15 +11013,36 @@
                         <a:defRPr/>
                       </a:pPr>
                       <a:r>
-                        <a:rPr lang="en-US" sz="1000" kern="1200">
+                        <a:rPr lang="ja-JP" sz="1000" spc="-20" baseline="0" dirty="0">
                           <a:solidFill>
                             <a:srgbClr val="000000"/>
                           </a:solidFill>
-                          <a:latin typeface="Adobe Clean Light" panose="020B0303020404020204" pitchFamily="34" charset="0"/>
-                          <a:ea typeface="+mn-ea"/>
+                          <a:latin typeface="Adobe Clean Han Regular" panose="020B0500000000000000" pitchFamily="34" charset="-128"/>
+                          <a:ea typeface="Adobe Clean Han Regular" panose="020B0500000000000000" pitchFamily="34" charset="-128"/>
                           <a:cs typeface="+mn-cs"/>
                         </a:rPr>
-                        <a:t>Status.adobe.com conveys the health information of all Adobe products and services that are deployed in multi-tenant environments. Customers can choose their subscription preferences to get email notifications whenever Adobe creates, updates or resolves a product event. This can include scheduled maintenance or service issues of varying levels of severity. </a:t>
+                        <a:t>status.adobe.com では、マルチテナント環境にデプロイされたすべてのアドビ製品およびサービスのシステムステータス情報が表示されます。お客様は、アドビが製品イベントを作成、</a:t>
+                      </a:r>
+                      <a:br>
+                        <a:rPr lang="sk-SK" altLang="ja-JP" sz="1000" spc="-20" baseline="0" dirty="0">
+                          <a:solidFill>
+                            <a:srgbClr val="000000"/>
+                          </a:solidFill>
+                          <a:latin typeface="Adobe Clean Han Regular" panose="020B0500000000000000" pitchFamily="34" charset="-128"/>
+                          <a:ea typeface="Adobe Clean Han Regular" panose="020B0500000000000000" pitchFamily="34" charset="-128"/>
+                          <a:cs typeface="+mn-cs"/>
+                        </a:rPr>
+                      </a:br>
+                      <a:r>
+                        <a:rPr lang="ja-JP" sz="1000" spc="-20" baseline="0" dirty="0">
+                          <a:solidFill>
+                            <a:srgbClr val="000000"/>
+                          </a:solidFill>
+                          <a:latin typeface="Adobe Clean Han Regular" panose="020B0500000000000000" pitchFamily="34" charset="-128"/>
+                          <a:ea typeface="Adobe Clean Han Regular" panose="020B0500000000000000" pitchFamily="34" charset="-128"/>
+                          <a:cs typeface="+mn-cs"/>
+                        </a:rPr>
+                        <a:t>更新、解決した際に電子メール通知を受け取るようサブスクリプション設定を選択できます。イベントには、定期的なメンテナンスや、様々な重大度レベルの問題が含まれています。 </a:t>
                       </a:r>
                     </a:p>
                   </a:txBody>
@@ -12488,27 +11124,17 @@
                         <a:defRPr/>
                       </a:pPr>
                       <a:r>
-                        <a:rPr lang="en-US" sz="1100" b="0" i="0">
+                        <a:rPr lang="ja-JP" sz="1100" b="0" i="0" dirty="0">
                           <a:solidFill>
                             <a:schemeClr val="dk1"/>
                           </a:solidFill>
-                          <a:effectLst/>
-                          <a:latin typeface="Adobe Clean" panose="020B0503020404020204" pitchFamily="34" charset="0"/>
-                          <a:ea typeface="+mn-ea"/>
+                          <a:latin typeface="Adobe Clean Han Regular" panose="020B0500000000000000" pitchFamily="34" charset="-128"/>
+                          <a:ea typeface="Adobe Clean Han Regular" panose="020B0500000000000000" pitchFamily="34" charset="-128"/>
                           <a:cs typeface="+mn-cs"/>
-                          <a:hlinkClick r:id="rId10" tooltip="https://helpx.adobe.com/support/programs/enterprise-support-programs/premier-support-business.html"/>
+                          <a:hlinkClick r:id="rId10" tooltip="https://helpx.adobe.com/jp/support/programs/enterprise-support-programs/premier-support-business.html"/>
                         </a:rPr>
-                        <a:t>Business Support Website</a:t>
+                        <a:t>ビジネスサポート web サイト</a:t>
                       </a:r>
-                      <a:endParaRPr lang="en-US" sz="1100" b="0" i="0">
-                        <a:solidFill>
-                          <a:schemeClr val="dk1"/>
-                        </a:solidFill>
-                        <a:effectLst/>
-                        <a:latin typeface="Adobe Clean" panose="020B0503020404020204" pitchFamily="34" charset="0"/>
-                        <a:ea typeface="+mn-ea"/>
-                        <a:cs typeface="+mn-cs"/>
-                      </a:endParaRPr>
                     </a:p>
                   </a:txBody>
                   <a:tcPr anchor="ctr">
@@ -12565,15 +11191,15 @@
                     <a:lstStyle/>
                     <a:p>
                       <a:r>
-                        <a:rPr lang="en-US" sz="1000" kern="1200">
+                        <a:rPr lang="ja-JP" sz="1000" dirty="0">
                           <a:solidFill>
                             <a:srgbClr val="000000"/>
                           </a:solidFill>
-                          <a:latin typeface="Adobe Clean Light" panose="020B0303020404020204" pitchFamily="34" charset="0"/>
-                          <a:ea typeface="+mn-ea"/>
+                          <a:latin typeface="Adobe Clean Han Regular" panose="020B0500000000000000" pitchFamily="34" charset="-128"/>
+                          <a:ea typeface="Adobe Clean Han Regular" panose="020B0500000000000000" pitchFamily="34" charset="-128"/>
                           <a:cs typeface="+mn-cs"/>
                         </a:rPr>
-                        <a:t>Adobe Business Support website</a:t>
+                        <a:t>アドビのビジネスサポート web サイトです。</a:t>
                       </a:r>
                     </a:p>
                   </a:txBody>
@@ -12655,27 +11281,17 @@
                         <a:defRPr/>
                       </a:pPr>
                       <a:r>
-                        <a:rPr lang="en-US" sz="1100">
+                        <a:rPr lang="ja-JP" sz="1100" dirty="0">
                           <a:solidFill>
                             <a:schemeClr val="tx1"/>
                           </a:solidFill>
-                          <a:effectLst/>
-                          <a:latin typeface="Adobe Clean" panose="020B0503020404020204" pitchFamily="34" charset="0"/>
-                          <a:ea typeface="+mn-ea"/>
+                          <a:latin typeface="Adobe Clean Han Regular" panose="020B0500000000000000" pitchFamily="34" charset="-128"/>
+                          <a:ea typeface="Adobe Clean Han Regular" panose="020B0500000000000000" pitchFamily="34" charset="-128"/>
                           <a:cs typeface="+mn-cs"/>
                           <a:hlinkClick r:id="rId11"/>
                         </a:rPr>
-                        <a:t>Terms and Conditions</a:t>
+                        <a:t>利用規約</a:t>
                       </a:r>
-                      <a:endParaRPr lang="en-US" sz="1100">
-                        <a:solidFill>
-                          <a:schemeClr val="tx1"/>
-                        </a:solidFill>
-                        <a:effectLst/>
-                        <a:latin typeface="Adobe Clean" panose="020B0503020404020204" pitchFamily="34" charset="0"/>
-                        <a:ea typeface="+mn-ea"/>
-                        <a:cs typeface="+mn-cs"/>
-                      </a:endParaRPr>
                     </a:p>
                   </a:txBody>
                   <a:tcPr anchor="ctr">
@@ -12732,15 +11348,15 @@
                     <a:lstStyle/>
                     <a:p>
                       <a:r>
-                        <a:rPr lang="en-US" sz="1000" kern="1200">
+                        <a:rPr lang="ja-JP" sz="1000" dirty="0">
                           <a:solidFill>
                             <a:srgbClr val="000000"/>
                           </a:solidFill>
-                          <a:latin typeface="Adobe Clean Light" panose="020B0303020404020204" pitchFamily="34" charset="0"/>
-                          <a:ea typeface="+mn-ea"/>
+                          <a:latin typeface="Adobe Clean Han Regular" panose="020B0500000000000000" pitchFamily="34" charset="-128"/>
+                          <a:ea typeface="Adobe Clean Han Regular" panose="020B0500000000000000" pitchFamily="34" charset="-128"/>
                           <a:cs typeface="+mn-cs"/>
                         </a:rPr>
-                        <a:t>Terms and conditions detailing Support Services offerings</a:t>
+                        <a:t>提供するサポートサービスについて詳しく説明されています。</a:t>
                       </a:r>
                     </a:p>
                   </a:txBody>
@@ -12976,71 +11592,13 @@
     <a:fontScheme name="Office">
       <a:majorFont>
         <a:latin typeface="Calibri"/>
-        <a:ea typeface=""/>
+        <a:ea typeface="MS Mincho"/>
         <a:cs typeface=""/>
-        <a:font script="Jpan" typeface="ＭＳ Ｐゴシック"/>
-        <a:font script="Hang" typeface="맑은 고딕"/>
-        <a:font script="Hans" typeface="宋体"/>
-        <a:font script="Hant" typeface="新細明體"/>
-        <a:font script="Arab" typeface="Times New Roman"/>
-        <a:font script="Hebr" typeface="Times New Roman"/>
-        <a:font script="Thai" typeface="Angsana New"/>
-        <a:font script="Ethi" typeface="Nyala"/>
-        <a:font script="Beng" typeface="Vrinda"/>
-        <a:font script="Gujr" typeface="Shruti"/>
-        <a:font script="Khmr" typeface="MoolBoran"/>
-        <a:font script="Knda" typeface="Tunga"/>
-        <a:font script="Guru" typeface="Raavi"/>
-        <a:font script="Cans" typeface="Euphemia"/>
-        <a:font script="Cher" typeface="Plantagenet Cherokee"/>
-        <a:font script="Yiii" typeface="Microsoft Yi Baiti"/>
-        <a:font script="Tibt" typeface="Microsoft Himalaya"/>
-        <a:font script="Thaa" typeface="MV Boli"/>
-        <a:font script="Deva" typeface="Mangal"/>
-        <a:font script="Telu" typeface="Gautami"/>
-        <a:font script="Taml" typeface="Latha"/>
-        <a:font script="Syrc" typeface="Estrangelo Edessa"/>
-        <a:font script="Orya" typeface="Kalinga"/>
-        <a:font script="Mlym" typeface="Kartika"/>
-        <a:font script="Laoo" typeface="DokChampa"/>
-        <a:font script="Sinh" typeface="Iskoola Pota"/>
-        <a:font script="Mong" typeface="Mongolian Baiti"/>
-        <a:font script="Viet" typeface="Times New Roman"/>
-        <a:font script="Uigh" typeface="Microsoft Uighur"/>
       </a:majorFont>
       <a:minorFont>
         <a:latin typeface="Calibri"/>
-        <a:ea typeface=""/>
+        <a:ea typeface="MS Mincho"/>
         <a:cs typeface=""/>
-        <a:font script="Jpan" typeface="ＭＳ Ｐゴシック"/>
-        <a:font script="Hang" typeface="맑은 고딕"/>
-        <a:font script="Hans" typeface="宋体"/>
-        <a:font script="Hant" typeface="新細明體"/>
-        <a:font script="Arab" typeface="Arial"/>
-        <a:font script="Hebr" typeface="Arial"/>
-        <a:font script="Thai" typeface="Cordia New"/>
-        <a:font script="Ethi" typeface="Nyala"/>
-        <a:font script="Beng" typeface="Vrinda"/>
-        <a:font script="Gujr" typeface="Shruti"/>
-        <a:font script="Khmr" typeface="DaunPenh"/>
-        <a:font script="Knda" typeface="Tunga"/>
-        <a:font script="Guru" typeface="Raavi"/>
-        <a:font script="Cans" typeface="Euphemia"/>
-        <a:font script="Cher" typeface="Plantagenet Cherokee"/>
-        <a:font script="Yiii" typeface="Microsoft Yi Baiti"/>
-        <a:font script="Tibt" typeface="Microsoft Himalaya"/>
-        <a:font script="Thaa" typeface="MV Boli"/>
-        <a:font script="Deva" typeface="Mangal"/>
-        <a:font script="Telu" typeface="Gautami"/>
-        <a:font script="Taml" typeface="Latha"/>
-        <a:font script="Syrc" typeface="Estrangelo Edessa"/>
-        <a:font script="Orya" typeface="Kalinga"/>
-        <a:font script="Mlym" typeface="Kartika"/>
-        <a:font script="Laoo" typeface="DokChampa"/>
-        <a:font script="Sinh" typeface="Iskoola Pota"/>
-        <a:font script="Mong" typeface="Mongolian Baiti"/>
-        <a:font script="Viet" typeface="Arial"/>
-        <a:font script="Uigh" typeface="Microsoft Uighur"/>
       </a:minorFont>
     </a:fontScheme>
     <a:fmtScheme name="Office">
@@ -13259,107 +11817,13 @@
     <a:fontScheme name="Office">
       <a:majorFont>
         <a:latin typeface="Calibri Light" panose="020F0302020204030204"/>
-        <a:ea typeface=""/>
+        <a:ea typeface="MS Mincho"/>
         <a:cs typeface=""/>
-        <a:font script="Jpan" typeface="游ゴシック Light"/>
-        <a:font script="Hang" typeface="맑은 고딕"/>
-        <a:font script="Hans" typeface="等线 Light"/>
-        <a:font script="Hant" typeface="新細明體"/>
-        <a:font script="Arab" typeface="Times New Roman"/>
-        <a:font script="Hebr" typeface="Times New Roman"/>
-        <a:font script="Thai" typeface="Angsana New"/>
-        <a:font script="Ethi" typeface="Nyala"/>
-        <a:font script="Beng" typeface="Vrinda"/>
-        <a:font script="Gujr" typeface="Shruti"/>
-        <a:font script="Khmr" typeface="MoolBoran"/>
-        <a:font script="Knda" typeface="Tunga"/>
-        <a:font script="Guru" typeface="Raavi"/>
-        <a:font script="Cans" typeface="Euphemia"/>
-        <a:font script="Cher" typeface="Plantagenet Cherokee"/>
-        <a:font script="Yiii" typeface="Microsoft Yi Baiti"/>
-        <a:font script="Tibt" typeface="Microsoft Himalaya"/>
-        <a:font script="Thaa" typeface="MV Boli"/>
-        <a:font script="Deva" typeface="Mangal"/>
-        <a:font script="Telu" typeface="Gautami"/>
-        <a:font script="Taml" typeface="Latha"/>
-        <a:font script="Syrc" typeface="Estrangelo Edessa"/>
-        <a:font script="Orya" typeface="Kalinga"/>
-        <a:font script="Mlym" typeface="Kartika"/>
-        <a:font script="Laoo" typeface="DokChampa"/>
-        <a:font script="Sinh" typeface="Iskoola Pota"/>
-        <a:font script="Mong" typeface="Mongolian Baiti"/>
-        <a:font script="Viet" typeface="Times New Roman"/>
-        <a:font script="Uigh" typeface="Microsoft Uighur"/>
-        <a:font script="Geor" typeface="Sylfaen"/>
-        <a:font script="Armn" typeface="Arial"/>
-        <a:font script="Bugi" typeface="Leelawadee UI"/>
-        <a:font script="Bopo" typeface="Microsoft JhengHei"/>
-        <a:font script="Java" typeface="Javanese Text"/>
-        <a:font script="Lisu" typeface="Segoe UI"/>
-        <a:font script="Mymr" typeface="Myanmar Text"/>
-        <a:font script="Nkoo" typeface="Ebrima"/>
-        <a:font script="Olck" typeface="Nirmala UI"/>
-        <a:font script="Osma" typeface="Ebrima"/>
-        <a:font script="Phag" typeface="Phagspa"/>
-        <a:font script="Syrn" typeface="Estrangelo Edessa"/>
-        <a:font script="Syrj" typeface="Estrangelo Edessa"/>
-        <a:font script="Syre" typeface="Estrangelo Edessa"/>
-        <a:font script="Sora" typeface="Nirmala UI"/>
-        <a:font script="Tale" typeface="Microsoft Tai Le"/>
-        <a:font script="Talu" typeface="Microsoft New Tai Lue"/>
-        <a:font script="Tfng" typeface="Ebrima"/>
       </a:majorFont>
       <a:minorFont>
         <a:latin typeface="Calibri" panose="020F0502020204030204"/>
-        <a:ea typeface=""/>
+        <a:ea typeface="MS Mincho"/>
         <a:cs typeface=""/>
-        <a:font script="Jpan" typeface="游ゴシック"/>
-        <a:font script="Hang" typeface="맑은 고딕"/>
-        <a:font script="Hans" typeface="等线"/>
-        <a:font script="Hant" typeface="新細明體"/>
-        <a:font script="Arab" typeface="Arial"/>
-        <a:font script="Hebr" typeface="Arial"/>
-        <a:font script="Thai" typeface="Cordia New"/>
-        <a:font script="Ethi" typeface="Nyala"/>
-        <a:font script="Beng" typeface="Vrinda"/>
-        <a:font script="Gujr" typeface="Shruti"/>
-        <a:font script="Khmr" typeface="DaunPenh"/>
-        <a:font script="Knda" typeface="Tunga"/>
-        <a:font script="Guru" typeface="Raavi"/>
-        <a:font script="Cans" typeface="Euphemia"/>
-        <a:font script="Cher" typeface="Plantagenet Cherokee"/>
-        <a:font script="Yiii" typeface="Microsoft Yi Baiti"/>
-        <a:font script="Tibt" typeface="Microsoft Himalaya"/>
-        <a:font script="Thaa" typeface="MV Boli"/>
-        <a:font script="Deva" typeface="Mangal"/>
-        <a:font script="Telu" typeface="Gautami"/>
-        <a:font script="Taml" typeface="Latha"/>
-        <a:font script="Syrc" typeface="Estrangelo Edessa"/>
-        <a:font script="Orya" typeface="Kalinga"/>
-        <a:font script="Mlym" typeface="Kartika"/>
-        <a:font script="Laoo" typeface="DokChampa"/>
-        <a:font script="Sinh" typeface="Iskoola Pota"/>
-        <a:font script="Mong" typeface="Mongolian Baiti"/>
-        <a:font script="Viet" typeface="Arial"/>
-        <a:font script="Uigh" typeface="Microsoft Uighur"/>
-        <a:font script="Geor" typeface="Sylfaen"/>
-        <a:font script="Armn" typeface="Arial"/>
-        <a:font script="Bugi" typeface="Leelawadee UI"/>
-        <a:font script="Bopo" typeface="Microsoft JhengHei"/>
-        <a:font script="Java" typeface="Javanese Text"/>
-        <a:font script="Lisu" typeface="Segoe UI"/>
-        <a:font script="Mymr" typeface="Myanmar Text"/>
-        <a:font script="Nkoo" typeface="Ebrima"/>
-        <a:font script="Olck" typeface="Nirmala UI"/>
-        <a:font script="Osma" typeface="Ebrima"/>
-        <a:font script="Phag" typeface="Phagspa"/>
-        <a:font script="Syrn" typeface="Estrangelo Edessa"/>
-        <a:font script="Syrj" typeface="Estrangelo Edessa"/>
-        <a:font script="Syre" typeface="Estrangelo Edessa"/>
-        <a:font script="Sora" typeface="Nirmala UI"/>
-        <a:font script="Tale" typeface="Microsoft Tai Le"/>
-        <a:font script="Talu" typeface="Microsoft New Tai Lue"/>
-        <a:font script="Tfng" typeface="Ebrima"/>
       </a:minorFont>
     </a:fontScheme>
     <a:fmtScheme name="Office">
@@ -13511,6 +11975,12 @@
 </file>
 
 <file path=customXml/item1.xml><?xml version="1.0" encoding="utf-8"?>
+<p:properties xmlns:p="http://schemas.microsoft.com/office/2006/metadata/properties" xmlns:xsi="http://www.w3.org/2001/XMLSchema-instance" xmlns:pc="http://schemas.microsoft.com/office/infopath/2007/PartnerControls">
+  <documentManagement/>
+</p:properties>
+</file>
+
+<file path=customXml/item2.xml><?xml version="1.0" encoding="utf-8"?>
 <ct:contentTypeSchema xmlns:ct="http://schemas.microsoft.com/office/2006/metadata/contentType" xmlns:ma="http://schemas.microsoft.com/office/2006/metadata/properties/metaAttributes" ct:_="" ma:_="" ma:contentTypeName="Document" ma:contentTypeID="0x010100E783BF6876BCC646A459363AF21A7736" ma:contentTypeVersion="10" ma:contentTypeDescription="Create a new document." ma:contentTypeScope="" ma:versionID="c4ffda7f4f415767600769e454c2ea87">
   <xsd:schema xmlns:xsd="http://www.w3.org/2001/XMLSchema" xmlns:xs="http://www.w3.org/2001/XMLSchema" xmlns:p="http://schemas.microsoft.com/office/2006/metadata/properties" xmlns:ns2="8a053bff-88be-49e4-9a87-e748e18b8b62" xmlns:ns3="6c8368ec-3776-49b5-a5bb-90648cf9530f" targetNamespace="http://schemas.microsoft.com/office/2006/metadata/properties" ma:root="true" ma:fieldsID="df3ec33bccc23e23bce7bc897fad43d1" ns2:_="" ns3:_="">
     <xsd:import namespace="8a053bff-88be-49e4-9a87-e748e18b8b62"/>
@@ -13715,12 +12185,6 @@
 </ct:contentTypeSchema>
 </file>
 
-<file path=customXml/item2.xml><?xml version="1.0" encoding="utf-8"?>
-<p:properties xmlns:p="http://schemas.microsoft.com/office/2006/metadata/properties" xmlns:xsi="http://www.w3.org/2001/XMLSchema-instance" xmlns:pc="http://schemas.microsoft.com/office/infopath/2007/PartnerControls">
-  <documentManagement/>
-</p:properties>
-</file>
-
 <file path=customXml/item3.xml><?xml version="1.0" encoding="utf-8"?>
 <?mso-contentType ?>
 <FormTemplates xmlns="http://schemas.microsoft.com/sharepoint/v3/contenttype/forms">
@@ -13731,6 +12195,15 @@
 </file>
 
 <file path=customXml/itemProps1.xml><?xml version="1.0" encoding="utf-8"?>
+<ds:datastoreItem xmlns:ds="http://schemas.openxmlformats.org/officeDocument/2006/customXml" ds:itemID="{10FC3CAF-E6F1-40E3-87D4-6B781C97D6B4}">
+  <ds:schemaRefs>
+    <ds:schemaRef ds:uri="http://schemas.microsoft.com/office/2006/metadata/properties"/>
+    <ds:schemaRef ds:uri="http://schemas.microsoft.com/office/infopath/2007/PartnerControls"/>
+  </ds:schemaRefs>
+</ds:datastoreItem>
+</file>
+
+<file path=customXml/itemProps2.xml><?xml version="1.0" encoding="utf-8"?>
 <ds:datastoreItem xmlns:ds="http://schemas.openxmlformats.org/officeDocument/2006/customXml" ds:itemID="{E0DB8BDF-6DA8-4ABC-A3CA-043AFD674CFC}">
   <ds:schemaRefs>
     <ds:schemaRef ds:uri="6c8368ec-3776-49b5-a5bb-90648cf9530f"/>
@@ -13749,15 +12222,6 @@
 </ds:datastoreItem>
 </file>
 
-<file path=customXml/itemProps2.xml><?xml version="1.0" encoding="utf-8"?>
-<ds:datastoreItem xmlns:ds="http://schemas.openxmlformats.org/officeDocument/2006/customXml" ds:itemID="{10FC3CAF-E6F1-40E3-87D4-6B781C97D6B4}">
-  <ds:schemaRefs>
-    <ds:schemaRef ds:uri="http://schemas.microsoft.com/office/2006/metadata/properties"/>
-    <ds:schemaRef ds:uri="http://schemas.microsoft.com/office/infopath/2007/PartnerControls"/>
-  </ds:schemaRefs>
-</ds:datastoreItem>
-</file>
-
 <file path=customXml/itemProps3.xml><?xml version="1.0" encoding="utf-8"?>
 <ds:datastoreItem xmlns:ds="http://schemas.openxmlformats.org/officeDocument/2006/customXml" ds:itemID="{95AE3B0B-E909-400C-B0B3-909FB50E07DE}">
   <ds:schemaRefs>

--- a/help/data-sheets/assets/BusinessSupportDatasheet.pptx
+++ b/help/data-sheets/assets/BusinessSupportDatasheet.pptx
@@ -143,12 +143,8 @@
 <file path=ppt/revisionInfo.xml><?xml version="1.0" encoding="utf-8"?>
 <p1510:revInfo xmlns:a="http://schemas.openxmlformats.org/drawingml/2006/main" xmlns:r="http://schemas.openxmlformats.org/officeDocument/2006/relationships" xmlns:p1510="http://schemas.microsoft.com/office/powerpoint/2015/10/main">
   <p1510:revLst>
-    <p1510:client id="{06B13378-B080-7F0F-51A5-F9203CEE57ED}" v="370" dt="2021-08-25T22:26:24.850"/>
-    <p1510:client id="{4D8E0410-E0CE-85E2-0F84-C1BF4F647622}" v="27" dt="2021-09-22T22:57:14.395"/>
-    <p1510:client id="{71D6CFBF-0EA2-99B0-93F4-22F19EF0AE4E}" v="2" dt="2021-09-22T19:06:58.732"/>
-    <p1510:client id="{9E385600-BF81-FC49-9ED0-E33BC37F7908}" v="55" dt="2021-08-04T08:16:13.478"/>
-    <p1510:client id="{AFB92C2B-405E-C597-0988-18F97C53104C}" v="37" dt="2021-09-22T18:53:28.028"/>
-    <p1510:client id="{CA5D33DF-AE75-BCA1-B9BC-A7CD44D2F3C7}" v="2" dt="2021-08-25T22:38:18.624"/>
+    <p1510:client id="{61630BD6-9AE9-064C-B39F-AFA945B82B3E}" v="202" dt="2021-10-13T19:21:08.267"/>
+    <p1510:client id="{AC30C20D-1316-8ECC-DADD-39CCEC6A7FCF}" v="9" dt="2021-10-13T19:03:35.035"/>
   </p1510:revLst>
 </p1510:revInfo>
 </file>
@@ -170,6 +166,77 @@
         </pc:sldMkLst>
         <pc:graphicFrameChg chg="mod modGraphic">
           <ac:chgData name="Akilah Johnson" userId="S::akjohnso@adobe.com::2fa3aa60-0c9c-4d06-bae2-795983241227" providerId="AD" clId="Web-{4D8E0410-E0CE-85E2-0F84-C1BF4F647622}" dt="2021-09-22T22:57:04.802" v="5"/>
+          <ac:graphicFrameMkLst>
+            <pc:docMk/>
+            <pc:sldMk cId="1050037809" sldId="261"/>
+            <ac:graphicFrameMk id="25" creationId="{3A91F5B0-3974-A14D-A146-FB590F2AAD18}"/>
+          </ac:graphicFrameMkLst>
+        </pc:graphicFrameChg>
+      </pc:sldChg>
+    </pc:docChg>
+  </pc:docChgLst>
+  <pc:docChgLst>
+    <pc:chgData name="Akilah Johnson" userId="S::akjohnso@adobe.com::2fa3aa60-0c9c-4d06-bae2-795983241227" providerId="AD" clId="Web-{019F6A09-DCDA-BB53-9E3C-5BA3B13E26BB}"/>
+    <pc:docChg chg="modSld">
+      <pc:chgData name="Akilah Johnson" userId="S::akjohnso@adobe.com::2fa3aa60-0c9c-4d06-bae2-795983241227" providerId="AD" clId="Web-{019F6A09-DCDA-BB53-9E3C-5BA3B13E26BB}" dt="2021-10-12T17:10:36.752" v="17" actId="20577"/>
+      <pc:docMkLst>
+        <pc:docMk/>
+      </pc:docMkLst>
+      <pc:sldChg chg="modSp">
+        <pc:chgData name="Akilah Johnson" userId="S::akjohnso@adobe.com::2fa3aa60-0c9c-4d06-bae2-795983241227" providerId="AD" clId="Web-{019F6A09-DCDA-BB53-9E3C-5BA3B13E26BB}" dt="2021-10-12T17:09:32.112" v="2" actId="20577"/>
+        <pc:sldMkLst>
+          <pc:docMk/>
+          <pc:sldMk cId="0" sldId="257"/>
+        </pc:sldMkLst>
+        <pc:spChg chg="mod">
+          <ac:chgData name="Akilah Johnson" userId="S::akjohnso@adobe.com::2fa3aa60-0c9c-4d06-bae2-795983241227" providerId="AD" clId="Web-{019F6A09-DCDA-BB53-9E3C-5BA3B13E26BB}" dt="2021-10-12T17:09:32.112" v="2" actId="20577"/>
+          <ac:spMkLst>
+            <pc:docMk/>
+            <pc:sldMk cId="0" sldId="257"/>
+            <ac:spMk id="46" creationId="{00000000-0000-0000-0000-000000000000}"/>
+          </ac:spMkLst>
+        </pc:spChg>
+      </pc:sldChg>
+      <pc:sldChg chg="modSp">
+        <pc:chgData name="Akilah Johnson" userId="S::akjohnso@adobe.com::2fa3aa60-0c9c-4d06-bae2-795983241227" providerId="AD" clId="Web-{019F6A09-DCDA-BB53-9E3C-5BA3B13E26BB}" dt="2021-10-12T17:10:36.752" v="17" actId="20577"/>
+        <pc:sldMkLst>
+          <pc:docMk/>
+          <pc:sldMk cId="1050037809" sldId="261"/>
+        </pc:sldMkLst>
+        <pc:spChg chg="mod">
+          <ac:chgData name="Akilah Johnson" userId="S::akjohnso@adobe.com::2fa3aa60-0c9c-4d06-bae2-795983241227" providerId="AD" clId="Web-{019F6A09-DCDA-BB53-9E3C-5BA3B13E26BB}" dt="2021-10-12T17:10:36.752" v="17" actId="20577"/>
+          <ac:spMkLst>
+            <pc:docMk/>
+            <pc:sldMk cId="1050037809" sldId="261"/>
+            <ac:spMk id="56" creationId="{00000000-0000-0000-0000-000000000000}"/>
+          </ac:spMkLst>
+        </pc:spChg>
+        <pc:graphicFrameChg chg="mod modGraphic">
+          <ac:chgData name="Akilah Johnson" userId="S::akjohnso@adobe.com::2fa3aa60-0c9c-4d06-bae2-795983241227" providerId="AD" clId="Web-{019F6A09-DCDA-BB53-9E3C-5BA3B13E26BB}" dt="2021-10-12T17:09:41.471" v="6"/>
+          <ac:graphicFrameMkLst>
+            <pc:docMk/>
+            <pc:sldMk cId="1050037809" sldId="261"/>
+            <ac:graphicFrameMk id="111" creationId="{D8653CEC-4213-DE40-9BAF-D1E3318FF89C}"/>
+          </ac:graphicFrameMkLst>
+        </pc:graphicFrameChg>
+      </pc:sldChg>
+    </pc:docChg>
+  </pc:docChgLst>
+  <pc:docChgLst>
+    <pc:chgData name="Andy Witt" userId="S::awitt@adobe.com::e9157bdf-53b2-40e4-9459-936793d75696" providerId="AD" clId="Web-{06B13378-B080-7F0F-51A5-F9203CEE57ED}"/>
+    <pc:docChg chg="modSld">
+      <pc:chgData name="Andy Witt" userId="S::awitt@adobe.com::e9157bdf-53b2-40e4-9459-936793d75696" providerId="AD" clId="Web-{06B13378-B080-7F0F-51A5-F9203CEE57ED}" dt="2021-08-25T22:25:13.647" v="363"/>
+      <pc:docMkLst>
+        <pc:docMk/>
+      </pc:docMkLst>
+      <pc:sldChg chg="modSp">
+        <pc:chgData name="Andy Witt" userId="S::awitt@adobe.com::e9157bdf-53b2-40e4-9459-936793d75696" providerId="AD" clId="Web-{06B13378-B080-7F0F-51A5-F9203CEE57ED}" dt="2021-08-25T22:25:13.647" v="363"/>
+        <pc:sldMkLst>
+          <pc:docMk/>
+          <pc:sldMk cId="1050037809" sldId="261"/>
+        </pc:sldMkLst>
+        <pc:graphicFrameChg chg="mod modGraphic">
+          <ac:chgData name="Andy Witt" userId="S::awitt@adobe.com::e9157bdf-53b2-40e4-9459-936793d75696" providerId="AD" clId="Web-{06B13378-B080-7F0F-51A5-F9203CEE57ED}" dt="2021-08-25T22:25:13.647" v="363"/>
           <ac:graphicFrameMkLst>
             <pc:docMk/>
             <pc:sldMk cId="1050037809" sldId="261"/>
@@ -204,26 +271,58 @@
     </pc:docChg>
   </pc:docChgLst>
   <pc:docChgLst>
-    <pc:chgData name="Andy Witt" userId="S::awitt@adobe.com::e9157bdf-53b2-40e4-9459-936793d75696" providerId="AD" clId="Web-{06B13378-B080-7F0F-51A5-F9203CEE57ED}"/>
+    <pc:chgData name="Akilah Johnson" userId="S::akjohnso@adobe.com::2fa3aa60-0c9c-4d06-bae2-795983241227" providerId="AD" clId="Web-{D428A0AE-54E2-30D2-C574-7A0742876CCF}"/>
     <pc:docChg chg="modSld">
-      <pc:chgData name="Andy Witt" userId="S::awitt@adobe.com::e9157bdf-53b2-40e4-9459-936793d75696" providerId="AD" clId="Web-{06B13378-B080-7F0F-51A5-F9203CEE57ED}" dt="2021-08-25T22:25:13.647" v="363"/>
+      <pc:chgData name="Akilah Johnson" userId="S::akjohnso@adobe.com::2fa3aa60-0c9c-4d06-bae2-795983241227" providerId="AD" clId="Web-{D428A0AE-54E2-30D2-C574-7A0742876CCF}" dt="2021-10-12T19:11:25.330" v="0" actId="20577"/>
       <pc:docMkLst>
         <pc:docMk/>
       </pc:docMkLst>
       <pc:sldChg chg="modSp">
-        <pc:chgData name="Andy Witt" userId="S::awitt@adobe.com::e9157bdf-53b2-40e4-9459-936793d75696" providerId="AD" clId="Web-{06B13378-B080-7F0F-51A5-F9203CEE57ED}" dt="2021-08-25T22:25:13.647" v="363"/>
+        <pc:chgData name="Akilah Johnson" userId="S::akjohnso@adobe.com::2fa3aa60-0c9c-4d06-bae2-795983241227" providerId="AD" clId="Web-{D428A0AE-54E2-30D2-C574-7A0742876CCF}" dt="2021-10-12T19:11:25.330" v="0" actId="20577"/>
         <pc:sldMkLst>
           <pc:docMk/>
-          <pc:sldMk cId="1050037809" sldId="261"/>
+          <pc:sldMk cId="0" sldId="256"/>
         </pc:sldMkLst>
-        <pc:graphicFrameChg chg="mod modGraphic">
-          <ac:chgData name="Andy Witt" userId="S::awitt@adobe.com::e9157bdf-53b2-40e4-9459-936793d75696" providerId="AD" clId="Web-{06B13378-B080-7F0F-51A5-F9203CEE57ED}" dt="2021-08-25T22:25:13.647" v="363"/>
-          <ac:graphicFrameMkLst>
+        <pc:spChg chg="mod">
+          <ac:chgData name="Akilah Johnson" userId="S::akjohnso@adobe.com::2fa3aa60-0c9c-4d06-bae2-795983241227" providerId="AD" clId="Web-{D428A0AE-54E2-30D2-C574-7A0742876CCF}" dt="2021-10-12T19:11:25.330" v="0" actId="20577"/>
+          <ac:spMkLst>
             <pc:docMk/>
-            <pc:sldMk cId="1050037809" sldId="261"/>
-            <ac:graphicFrameMk id="25" creationId="{3A91F5B0-3974-A14D-A146-FB590F2AAD18}"/>
-          </ac:graphicFrameMkLst>
-        </pc:graphicFrameChg>
+            <pc:sldMk cId="0" sldId="256"/>
+            <ac:spMk id="4" creationId="{00000000-0000-0000-0000-000000000000}"/>
+          </ac:spMkLst>
+        </pc:spChg>
+      </pc:sldChg>
+    </pc:docChg>
+  </pc:docChgLst>
+  <pc:docChgLst>
+    <pc:chgData name="Lauren Schutte" userId="S::schutte@adobe.com::6e08b2d3-447a-4d66-86be-444d50df187f" providerId="AD" clId="Web-{AC30C20D-1316-8ECC-DADD-39CCEC6A7FCF}"/>
+    <pc:docChg chg="modSld">
+      <pc:chgData name="Lauren Schutte" userId="S::schutte@adobe.com::6e08b2d3-447a-4d66-86be-444d50df187f" providerId="AD" clId="Web-{AC30C20D-1316-8ECC-DADD-39CCEC6A7FCF}" dt="2021-10-13T19:03:35.035" v="8" actId="1076"/>
+      <pc:docMkLst>
+        <pc:docMk/>
+      </pc:docMkLst>
+      <pc:sldChg chg="modSp">
+        <pc:chgData name="Lauren Schutte" userId="S::schutte@adobe.com::6e08b2d3-447a-4d66-86be-444d50df187f" providerId="AD" clId="Web-{AC30C20D-1316-8ECC-DADD-39CCEC6A7FCF}" dt="2021-10-13T19:03:35.035" v="8" actId="1076"/>
+        <pc:sldMkLst>
+          <pc:docMk/>
+          <pc:sldMk cId="0" sldId="256"/>
+        </pc:sldMkLst>
+        <pc:spChg chg="mod">
+          <ac:chgData name="Lauren Schutte" userId="S::schutte@adobe.com::6e08b2d3-447a-4d66-86be-444d50df187f" providerId="AD" clId="Web-{AC30C20D-1316-8ECC-DADD-39CCEC6A7FCF}" dt="2021-10-13T19:03:27.878" v="7" actId="14100"/>
+          <ac:spMkLst>
+            <pc:docMk/>
+            <pc:sldMk cId="0" sldId="256"/>
+            <ac:spMk id="3" creationId="{00000000-0000-0000-0000-000000000000}"/>
+          </ac:spMkLst>
+        </pc:spChg>
+        <pc:spChg chg="mod">
+          <ac:chgData name="Lauren Schutte" userId="S::schutte@adobe.com::6e08b2d3-447a-4d66-86be-444d50df187f" providerId="AD" clId="Web-{AC30C20D-1316-8ECC-DADD-39CCEC6A7FCF}" dt="2021-10-13T19:03:35.035" v="8" actId="1076"/>
+          <ac:spMkLst>
+            <pc:docMk/>
+            <pc:sldMk cId="0" sldId="256"/>
+            <ac:spMk id="5" creationId="{00000000-0000-0000-0000-000000000000}"/>
+          </ac:spMkLst>
+        </pc:spChg>
       </pc:sldChg>
     </pc:docChg>
   </pc:docChgLst>
@@ -254,6 +353,38 @@
             <pc:docMk/>
             <pc:sldMk cId="1050037809" sldId="261"/>
             <ac:graphicFrameMk id="25" creationId="{3A91F5B0-3974-A14D-A146-FB590F2AAD18}"/>
+          </ac:graphicFrameMkLst>
+        </pc:graphicFrameChg>
+      </pc:sldChg>
+    </pc:docChg>
+  </pc:docChgLst>
+  <pc:docChgLst>
+    <pc:chgData name="Lauren Schutte" userId="6e08b2d3-447a-4d66-86be-444d50df187f" providerId="ADAL" clId="{61630BD6-9AE9-064C-B39F-AFA945B82B3E}"/>
+    <pc:docChg chg="undo custSel modSld">
+      <pc:chgData name="Lauren Schutte" userId="6e08b2d3-447a-4d66-86be-444d50df187f" providerId="ADAL" clId="{61630BD6-9AE9-064C-B39F-AFA945B82B3E}" dt="2021-10-13T19:21:08.267" v="201" actId="20577"/>
+      <pc:docMkLst>
+        <pc:docMk/>
+      </pc:docMkLst>
+      <pc:sldChg chg="modSp mod">
+        <pc:chgData name="Lauren Schutte" userId="6e08b2d3-447a-4d66-86be-444d50df187f" providerId="ADAL" clId="{61630BD6-9AE9-064C-B39F-AFA945B82B3E}" dt="2021-10-13T19:21:08.267" v="201" actId="20577"/>
+        <pc:sldMkLst>
+          <pc:docMk/>
+          <pc:sldMk cId="0" sldId="256"/>
+        </pc:sldMkLst>
+        <pc:spChg chg="mod">
+          <ac:chgData name="Lauren Schutte" userId="6e08b2d3-447a-4d66-86be-444d50df187f" providerId="ADAL" clId="{61630BD6-9AE9-064C-B39F-AFA945B82B3E}" dt="2021-10-13T19:03:44.344" v="3" actId="1076"/>
+          <ac:spMkLst>
+            <pc:docMk/>
+            <pc:sldMk cId="0" sldId="256"/>
+            <ac:spMk id="3" creationId="{00000000-0000-0000-0000-000000000000}"/>
+          </ac:spMkLst>
+        </pc:spChg>
+        <pc:graphicFrameChg chg="mod modGraphic">
+          <ac:chgData name="Lauren Schutte" userId="6e08b2d3-447a-4d66-86be-444d50df187f" providerId="ADAL" clId="{61630BD6-9AE9-064C-B39F-AFA945B82B3E}" dt="2021-10-13T19:21:08.267" v="201" actId="20577"/>
+          <ac:graphicFrameMkLst>
+            <pc:docMk/>
+            <pc:sldMk cId="0" sldId="256"/>
+            <ac:graphicFrameMk id="9" creationId="{00000000-0000-0000-0000-000000000000}"/>
           </ac:graphicFrameMkLst>
         </pc:graphicFrameChg>
       </pc:sldChg>
@@ -368,7 +499,7 @@
           <a:p>
             <a:fld id="{FB81873C-0B24-F04A-98A1-90E0A78F7E8A}" type="datetimeFigureOut">
               <a:rPr lang="en-US" smtClean="0"/>
-              <a:t>10/1/2021</a:t>
+              <a:t>10/13/2021</a:t>
             </a:fld>
             <a:endParaRPr lang="en-US"/>
           </a:p>
@@ -991,7 +1122,7 @@
           <a:p>
             <a:fld id="{1D8BD707-D9CF-40AE-B4C6-C98DA3205C09}" type="datetimeFigureOut">
               <a:rPr lang="en-US"/>
-              <a:t>10/1/2021</a:t>
+              <a:t>10/13/2021</a:t>
             </a:fld>
             <a:endParaRPr lang="en-US"/>
           </a:p>
@@ -1048,7 +1179,7 @@
         <p:spPr>
           <a:xfrm>
             <a:off x="5181601" y="9857232"/>
-            <a:ext cx="2443416" cy="246221"/>
+            <a:ext cx="2443416" cy="123111"/>
           </a:xfrm>
           <a:prstGeom prst="rect">
             <a:avLst/>
@@ -1071,26 +1202,31 @@
           </a:lstStyle>
           <a:p>
             <a:pPr marL="12700">
+              <a:lnSpc>
+                <a:spcPct val="100000"/>
+              </a:lnSpc>
               <a:spcBef>
                 <a:spcPts val="75"/>
               </a:spcBef>
             </a:pPr>
             <a:r>
-              <a:rPr lang="en-US" spc="-5" dirty="0">
-                <a:latin typeface="Adobe Clean Han Regular" panose="020B0500000000000000" pitchFamily="34" charset="-128"/>
-              </a:rPr>
-              <a:t>©2021 Adobe. All Rights Reserved. Adobe</a:t>
-            </a:r>
-            <a:r>
-              <a:rPr lang="en-US" spc="60" dirty="0">
-                <a:latin typeface="Adobe Clean Han Regular" panose="020B0500000000000000" pitchFamily="34" charset="-128"/>
-              </a:rPr>
+              <a:rPr spc="-5"/>
+              <a:t>©202</a:t>
+            </a:r>
+            <a:r>
+              <a:rPr lang="en-US" spc="-5"/>
+              <a:t>1 </a:t>
+            </a:r>
+            <a:r>
+              <a:rPr spc="-5"/>
+              <a:t>Adobe. All Rights Reserved. Adobe</a:t>
+            </a:r>
+            <a:r>
+              <a:rPr spc="60"/>
               <a:t> </a:t>
             </a:r>
             <a:r>
-              <a:rPr lang="en-US" spc="-5" dirty="0">
-                <a:latin typeface="Adobe Clean Han Regular" panose="020B0500000000000000" pitchFamily="34" charset="-128"/>
-              </a:rPr>
+              <a:rPr spc="-5"/>
               <a:t>Confidential.</a:t>
             </a:r>
           </a:p>
@@ -1178,7 +1314,7 @@
           <a:p>
             <a:fld id="{1D8BD707-D9CF-40AE-B4C6-C98DA3205C09}" type="datetimeFigureOut">
               <a:rPr lang="en-US"/>
-              <a:t>10/1/2021</a:t>
+              <a:t>10/13/2021</a:t>
             </a:fld>
             <a:endParaRPr lang="en-US"/>
           </a:p>
@@ -1235,7 +1371,7 @@
         <p:spPr>
           <a:xfrm>
             <a:off x="5257801" y="9857232"/>
-            <a:ext cx="2367216" cy="246221"/>
+            <a:ext cx="2367216" cy="123111"/>
           </a:xfrm>
           <a:prstGeom prst="rect">
             <a:avLst/>
@@ -1258,26 +1394,31 @@
           </a:lstStyle>
           <a:p>
             <a:pPr marL="12700">
+              <a:lnSpc>
+                <a:spcPct val="100000"/>
+              </a:lnSpc>
               <a:spcBef>
                 <a:spcPts val="75"/>
               </a:spcBef>
             </a:pPr>
             <a:r>
-              <a:rPr lang="en-US" spc="-5" dirty="0">
-                <a:latin typeface="Adobe Clean Han Regular" panose="020B0500000000000000" pitchFamily="34" charset="-128"/>
-              </a:rPr>
-              <a:t>©2021 Adobe. All Rights Reserved. Adobe</a:t>
-            </a:r>
-            <a:r>
-              <a:rPr lang="en-US" spc="60" dirty="0">
-                <a:latin typeface="Adobe Clean Han Regular" panose="020B0500000000000000" pitchFamily="34" charset="-128"/>
-              </a:rPr>
+              <a:rPr spc="-5"/>
+              <a:t>©202</a:t>
+            </a:r>
+            <a:r>
+              <a:rPr lang="en-US" spc="-5"/>
+              <a:t>1</a:t>
+            </a:r>
+            <a:r>
+              <a:rPr spc="-5"/>
+              <a:t> Adobe. All Rights Reserved. Adobe</a:t>
+            </a:r>
+            <a:r>
+              <a:rPr spc="60"/>
               <a:t> </a:t>
             </a:r>
             <a:r>
-              <a:rPr lang="en-US" spc="-5" dirty="0">
-                <a:latin typeface="Adobe Clean Han Regular" panose="020B0500000000000000" pitchFamily="34" charset="-128"/>
-              </a:rPr>
+              <a:rPr spc="-5"/>
               <a:t>Confidential.</a:t>
             </a:r>
           </a:p>
@@ -1401,7 +1542,7 @@
         <p:spPr>
           <a:xfrm>
             <a:off x="5257801" y="9865060"/>
-            <a:ext cx="2367216" cy="246221"/>
+            <a:ext cx="2367216" cy="123111"/>
           </a:xfrm>
           <a:prstGeom prst="rect">
             <a:avLst/>
@@ -1424,26 +1565,31 @@
           </a:lstStyle>
           <a:p>
             <a:pPr marL="12700">
+              <a:lnSpc>
+                <a:spcPct val="100000"/>
+              </a:lnSpc>
               <a:spcBef>
                 <a:spcPts val="75"/>
               </a:spcBef>
             </a:pPr>
             <a:r>
-              <a:rPr lang="en-US" spc="-5" dirty="0">
-                <a:latin typeface="Adobe Clean Han Regular" panose="020B0500000000000000" pitchFamily="34" charset="-128"/>
-              </a:rPr>
-              <a:t>©2021 Adobe. All Rights Reserved. Adobe</a:t>
-            </a:r>
-            <a:r>
-              <a:rPr lang="en-US" spc="60" dirty="0">
-                <a:latin typeface="Adobe Clean Han Regular" panose="020B0500000000000000" pitchFamily="34" charset="-128"/>
-              </a:rPr>
+              <a:rPr spc="-5"/>
+              <a:t>©202</a:t>
+            </a:r>
+            <a:r>
+              <a:rPr lang="en-US" spc="-5"/>
+              <a:t>1</a:t>
+            </a:r>
+            <a:r>
+              <a:rPr spc="-5"/>
+              <a:t> Adobe. All Rights Reserved. Adobe</a:t>
+            </a:r>
+            <a:r>
+              <a:rPr spc="60"/>
               <a:t> </a:t>
             </a:r>
             <a:r>
-              <a:rPr lang="en-US" spc="-5" dirty="0">
-                <a:latin typeface="Adobe Clean Han Regular" panose="020B0500000000000000" pitchFamily="34" charset="-128"/>
-              </a:rPr>
+              <a:rPr spc="-5"/>
               <a:t>Confidential.</a:t>
             </a:r>
           </a:p>
@@ -1486,7 +1632,7 @@
           <a:p>
             <a:fld id="{1D8BD707-D9CF-40AE-B4C6-C98DA3205C09}" type="datetimeFigureOut">
               <a:rPr lang="en-US"/>
-              <a:t>10/1/2021</a:t>
+              <a:t>10/13/2021</a:t>
             </a:fld>
             <a:endParaRPr lang="en-US"/>
           </a:p>
@@ -1741,7 +1887,7 @@
         <p:spPr>
           <a:xfrm>
             <a:off x="168565" y="7162363"/>
-            <a:ext cx="3974810" cy="227626"/>
+            <a:ext cx="2800350" cy="238760"/>
           </a:xfrm>
           <a:prstGeom prst="rect">
             <a:avLst/>
@@ -1762,7 +1908,7 @@
               </a:spcBef>
             </a:pPr>
             <a:r>
-              <a:rPr lang="ja-JP" sz="1400" b="1" u="heavy" dirty="0">
+              <a:rPr sz="1400" b="1" u="heavy" spc="10">
                 <a:solidFill>
                   <a:srgbClr val="020302"/>
                 </a:solidFill>
@@ -1771,12 +1917,90 @@
                     <a:srgbClr val="020302"/>
                   </a:solidFill>
                 </a:uFill>
-                <a:latin typeface="Adobe Clean Han Regular" panose="020B0500000000000000" pitchFamily="34" charset="-128"/>
-                <a:ea typeface="Adobe Clean Han Regular" panose="020B0500000000000000" pitchFamily="34" charset="-128"/>
+                <a:latin typeface="Adobe Clean"/>
                 <a:cs typeface="Adobe Clean"/>
               </a:rPr>
-              <a:t>サービスレベルターゲット：初期対応</a:t>
-            </a:r>
+              <a:t>Service </a:t>
+            </a:r>
+            <a:r>
+              <a:rPr sz="1400" b="1" u="heavy" spc="-10">
+                <a:solidFill>
+                  <a:srgbClr val="020302"/>
+                </a:solidFill>
+                <a:uFill>
+                  <a:solidFill>
+                    <a:srgbClr val="020302"/>
+                  </a:solidFill>
+                </a:uFill>
+                <a:latin typeface="Adobe Clean"/>
+                <a:cs typeface="Adobe Clean"/>
+              </a:rPr>
+              <a:t>Level </a:t>
+            </a:r>
+            <a:r>
+              <a:rPr sz="1400" b="1" u="heavy" spc="-45">
+                <a:solidFill>
+                  <a:srgbClr val="020302"/>
+                </a:solidFill>
+                <a:uFill>
+                  <a:solidFill>
+                    <a:srgbClr val="020302"/>
+                  </a:solidFill>
+                </a:uFill>
+                <a:latin typeface="Adobe Clean"/>
+                <a:cs typeface="Adobe Clean"/>
+              </a:rPr>
+              <a:t>Targets: </a:t>
+            </a:r>
+            <a:r>
+              <a:rPr sz="1400" b="1" u="heavy" spc="-10">
+                <a:solidFill>
+                  <a:srgbClr val="020302"/>
+                </a:solidFill>
+                <a:uFill>
+                  <a:solidFill>
+                    <a:srgbClr val="020302"/>
+                  </a:solidFill>
+                </a:uFill>
+                <a:latin typeface="Adobe Clean"/>
+                <a:cs typeface="Adobe Clean"/>
+              </a:rPr>
+              <a:t>Initial</a:t>
+            </a:r>
+            <a:r>
+              <a:rPr sz="1400" b="1" u="heavy" spc="-140">
+                <a:solidFill>
+                  <a:srgbClr val="020302"/>
+                </a:solidFill>
+                <a:uFill>
+                  <a:solidFill>
+                    <a:srgbClr val="020302"/>
+                  </a:solidFill>
+                </a:uFill>
+                <a:latin typeface="Adobe Clean"/>
+                <a:cs typeface="Adobe Clean"/>
+              </a:rPr>
+              <a:t> </a:t>
+            </a:r>
+            <a:r>
+              <a:rPr sz="1400" b="1" u="heavy" spc="-15">
+                <a:solidFill>
+                  <a:srgbClr val="020302"/>
+                </a:solidFill>
+                <a:uFill>
+                  <a:solidFill>
+                    <a:srgbClr val="020302"/>
+                  </a:solidFill>
+                </a:uFill>
+                <a:latin typeface="Adobe Clean"/>
+                <a:cs typeface="Adobe Clean"/>
+              </a:rPr>
+              <a:t>Response</a:t>
+            </a:r>
+            <a:endParaRPr sz="1400">
+              <a:latin typeface="Adobe Clean"/>
+              <a:cs typeface="Adobe Clean"/>
+            </a:endParaRPr>
           </a:p>
         </p:txBody>
       </p:sp>
@@ -1829,7 +2053,7 @@
           </a:prstGeom>
         </p:spPr>
         <p:txBody>
-          <a:bodyPr vert="horz" wrap="square" lIns="0" tIns="12700" rIns="0" bIns="0" rtlCol="0">
+          <a:bodyPr vert="horz" wrap="square" lIns="0" tIns="12700" rIns="0" bIns="0" rtlCol="0" anchor="t">
             <a:spAutoFit/>
           </a:bodyPr>
           <a:lstStyle/>
@@ -1843,12 +2067,20 @@
               </a:spcBef>
             </a:pPr>
             <a:r>
-              <a:rPr lang="ja-JP" sz="2300" dirty="0">
-                <a:latin typeface="Adobe Clean Han Regular" panose="020B0500000000000000" pitchFamily="34" charset="-128"/>
-                <a:ea typeface="Adobe Clean Han Regular" panose="020B0500000000000000" pitchFamily="34" charset="-128"/>
-              </a:rPr>
-              <a:t>アドビサポートのサービス</a:t>
-            </a:r>
+              <a:rPr sz="2300">
+                <a:latin typeface="Adobe Clean"/>
+              </a:rPr>
+              <a:t>ADOBE </a:t>
+            </a:r>
+            <a:r>
+              <a:rPr lang="en-US" sz="2300">
+                <a:latin typeface="Adobe Clean"/>
+              </a:rPr>
+              <a:t>SUPPORT PLANS</a:t>
+            </a:r>
+            <a:endParaRPr sz="2300">
+              <a:latin typeface="Adobe Clean" panose="020B0503020404020204" pitchFamily="34" charset="0"/>
+            </a:endParaRPr>
           </a:p>
         </p:txBody>
       </p:sp>
@@ -1860,8 +2092,8 @@
         </p:nvSpPr>
         <p:spPr>
           <a:xfrm>
-            <a:off x="121147" y="635935"/>
-            <a:ext cx="5865216" cy="1268489"/>
+            <a:off x="121147" y="531160"/>
+            <a:ext cx="5865216" cy="1269065"/>
           </a:xfrm>
           <a:prstGeom prst="rect">
             <a:avLst/>
@@ -1882,34 +2114,31 @@
               </a:spcBef>
             </a:pPr>
             <a:r>
-              <a:rPr lang="ja-JP" sz="900" dirty="0">
+              <a:rPr lang="en-US" sz="900">
                 <a:solidFill>
                   <a:schemeClr val="bg1"/>
                 </a:solidFill>
-                <a:latin typeface="Adobe Clean Han Regular" panose="020B0500000000000000" pitchFamily="34" charset="-128"/>
-                <a:ea typeface="Adobe Clean Han Regular" panose="020B0500000000000000" pitchFamily="34" charset="-128"/>
-              </a:rPr>
-              <a:t>オンライン | </a:t>
-            </a:r>
-            <a:r>
-              <a:rPr lang="ja-JP" sz="900" b="1" dirty="0">
+                <a:latin typeface="Adobe Clean Light" panose="020B0303020404020204" pitchFamily="34" charset="0"/>
+              </a:rPr>
+              <a:t>Online | </a:t>
+            </a:r>
+            <a:r>
+              <a:rPr lang="en-US" sz="900" b="1">
                 <a:solidFill>
                   <a:schemeClr val="bg1"/>
                 </a:solidFill>
-                <a:latin typeface="Adobe Clean Han Regular" panose="020B0500000000000000" pitchFamily="34" charset="-128"/>
-                <a:ea typeface="Adobe Clean Han Regular" panose="020B0500000000000000" pitchFamily="34" charset="-128"/>
-              </a:rPr>
-              <a:t>ビジネス</a:t>
-            </a:r>
-            <a:r>
-              <a:rPr lang="ja-JP" sz="900" dirty="0">
+                <a:latin typeface="Adobe Clean" panose="020B0503020404020204" pitchFamily="34" charset="0"/>
+              </a:rPr>
+              <a:t>Business</a:t>
+            </a:r>
+            <a:r>
+              <a:rPr lang="en-US" sz="900">
                 <a:solidFill>
                   <a:schemeClr val="bg1"/>
                 </a:solidFill>
-                <a:latin typeface="Adobe Clean Han Regular" panose="020B0500000000000000" pitchFamily="34" charset="-128"/>
-                <a:ea typeface="Adobe Clean Han Regular" panose="020B0500000000000000" pitchFamily="34" charset="-128"/>
-              </a:rPr>
-              <a:t> | エンタープライズ | エリート</a:t>
+                <a:latin typeface="Adobe Clean Light" panose="020B0303020404020204" pitchFamily="34" charset="0"/>
+              </a:rPr>
+              <a:t> | Enterprise | Elite</a:t>
             </a:r>
           </a:p>
           <a:p>
@@ -1922,15 +2151,21 @@
               </a:spcBef>
             </a:pPr>
             <a:r>
-              <a:rPr lang="ja-JP" sz="800" spc="-30" dirty="0">
+              <a:rPr lang="en-US" sz="900">
                 <a:solidFill>
                   <a:schemeClr val="bg1"/>
                 </a:solidFill>
-                <a:latin typeface="Adobe Clean Han Regular" panose="020B0500000000000000" pitchFamily="34" charset="-128"/>
-                <a:ea typeface="Adobe Clean Han Regular" panose="020B0500000000000000" pitchFamily="34" charset="-128"/>
-              </a:rPr>
-              <a:t>アドビでは、お客様のビジネスをサポートするために、包括的なテクニカルリソースを提供しています。これらのリソースは Experience Cloud のライセンスサブスクリプションに含まれており、ビジネスサポートではさらに充実したリソースを利用可能です。ビジネスサポートでは、Adobe Experience League のパーソナライズされたラーニングパスやモニタリングされているコミュニティフォーラムへのアクセスが提供されます。アドビ製品に関する詳細なテクニカルドキュメントや最新のリリースノートは、いつでも参照可能です。また、ビジネスサポートのお客様は、製品に関するあらゆる質問を、必要なときに電話またはサポート web ポータルを使用して、テクニカルサポートチームに問い合わせることができます。さらに、アカウントサポートリードからの定期的な連絡や更新通知のほか、最も重要なサポートリクエストに対するケースエスカレーション管理のサポートも受けることができます。 </a:t>
-            </a:r>
+                <a:latin typeface="Adobe Clean SemiLight" panose="020B0403020404020204" pitchFamily="34" charset="0"/>
+              </a:rPr>
+              <a:t>Adobe provides a comprehensive range of technical resources to help support your business, included as part of your Experience Cloud license subscription and enhanced in the BUSINESS support package. BUSINESS support includes access to personalized learning paths and monitored community forums via the Adobe Experience League. You can also take advantage of our detailed and in-depth technical product documentation and current release notes. BUSINESS customers also benefit from access to our technical support teams for any product query via either the telephone or the support web portal, to help protect your business at the most critical times. BUSINESS customers will receive regular communications and updates from their Account Support Lead in addition to support case escalation management for your most critical of support requests. </a:t>
+            </a:r>
+            <a:endParaRPr lang="en-US" sz="900">
+              <a:solidFill>
+                <a:schemeClr val="bg1"/>
+              </a:solidFill>
+              <a:latin typeface="Adobe Clean Light" panose="020B0303020404020204" pitchFamily="34" charset="0"/>
+              <a:cs typeface="AdobeClean-Light"/>
+            </a:endParaRPr>
           </a:p>
         </p:txBody>
       </p:sp>
@@ -1997,10 +2232,24 @@
               </a:spcBef>
             </a:pPr>
             <a:r>
-              <a:rPr lang="ja-JP" dirty="0">
-                <a:latin typeface="Adobe Clean Han Regular" panose="020B0500000000000000" pitchFamily="34" charset="-128"/>
-              </a:rPr>
-              <a:t>©2021 Adobe.All Rights Reserved.Adobe Confidential.</a:t>
+              <a:rPr spc="-5"/>
+              <a:t>©202</a:t>
+            </a:r>
+            <a:r>
+              <a:rPr lang="en-US" spc="-5"/>
+              <a:t>1</a:t>
+            </a:r>
+            <a:r>
+              <a:rPr spc="-5"/>
+              <a:t> Adobe. All Rights Reserved. Adobe</a:t>
+            </a:r>
+            <a:r>
+              <a:rPr spc="60"/>
+              <a:t> </a:t>
+            </a:r>
+            <a:r>
+              <a:rPr spc="-5"/>
+              <a:t>Confidential.</a:t>
             </a:r>
           </a:p>
         </p:txBody>
@@ -2014,14 +2263,14 @@
           <p:nvPr>
             <p:extLst>
               <p:ext uri="{D42A27DB-BD31-4B8C-83A1-F6EECF244321}">
-                <p14:modId xmlns:p14="http://schemas.microsoft.com/office/powerpoint/2010/main" val="530675872"/>
+                <p14:modId xmlns:p14="http://schemas.microsoft.com/office/powerpoint/2010/main" val="852543156"/>
               </p:ext>
             </p:extLst>
           </p:nvPr>
         </p:nvGraphicFramePr>
         <p:xfrm>
-          <a:off x="121146" y="7475985"/>
-          <a:ext cx="7498852" cy="2137909"/>
+          <a:off x="118872" y="7475985"/>
+          <a:ext cx="7498851" cy="2223598"/>
         </p:xfrm>
         <a:graphic>
           <a:graphicData uri="http://schemas.openxmlformats.org/drawingml/2006/table">
@@ -2030,7 +2279,7 @@
                 <a:tableStyleId>{2D5ABB26-0587-4C30-8999-92F81FD0307C}</a:tableStyleId>
               </a:tblPr>
               <a:tblGrid>
-                <a:gridCol w="4698745">
+                <a:gridCol w="4698744">
                   <a:extLst>
                     <a:ext uri="{9D8B030D-6E8A-4147-A177-3AD203B41FA5}">
                       <a16:colId xmlns:a16="http://schemas.microsoft.com/office/drawing/2014/main" val="20000"/>
@@ -2052,7 +2301,7 @@
                   </a:extLst>
                 </a:gridCol>
               </a:tblGrid>
-              <a:tr h="274318">
+              <a:tr h="291248">
                 <a:tc>
                   <a:txBody>
                     <a:bodyPr/>
@@ -2067,19 +2316,22 @@
                         </a:spcBef>
                       </a:pPr>
                       <a:r>
-                        <a:rPr lang="ja-JP" sz="900" dirty="0">
+                        <a:rPr sz="900" spc="0">
                           <a:solidFill>
                             <a:srgbClr val="020302"/>
                           </a:solidFill>
-                          <a:latin typeface="Adobe Clean Han Regular" panose="020B0500000000000000" pitchFamily="34" charset="-128"/>
-                          <a:ea typeface="Adobe Clean Han Regular" panose="020B0500000000000000" pitchFamily="34" charset="-128"/>
+                          <a:latin typeface="Adobe Clean"/>
                           <a:cs typeface="Adobe Clean"/>
                         </a:rPr>
-                        <a:t>優先度</a:t>
+                        <a:t>Priority</a:t>
                       </a:r>
+                      <a:endParaRPr sz="900" spc="0">
+                        <a:latin typeface="Adobe Clean"/>
+                        <a:cs typeface="Adobe Clean"/>
+                      </a:endParaRPr>
                     </a:p>
                   </a:txBody>
-                  <a:tcPr marL="0" marR="0" marT="7620" marB="0" anchor="ctr">
+                  <a:tcPr marL="0" marR="0" marT="7620" marB="0">
                     <a:lnL w="3175">
                       <a:solidFill>
                         <a:srgbClr val="B7B8B8"/>
@@ -2123,19 +2375,22 @@
                         </a:spcBef>
                       </a:pPr>
                       <a:r>
-                        <a:rPr lang="ja-JP" sz="900" dirty="0">
+                        <a:rPr sz="900" spc="0">
                           <a:solidFill>
                             <a:srgbClr val="020302"/>
                           </a:solidFill>
-                          <a:latin typeface="Adobe Clean Han Regular" panose="020B0500000000000000" pitchFamily="34" charset="-128"/>
-                          <a:ea typeface="Adobe Clean Han Regular" panose="020B0500000000000000" pitchFamily="34" charset="-128"/>
+                          <a:latin typeface="Adobe Clean"/>
                           <a:cs typeface="Adobe Clean"/>
                         </a:rPr>
-                        <a:t>オンラインサポート</a:t>
+                        <a:t>Online Support</a:t>
                       </a:r>
+                      <a:endParaRPr sz="900" spc="0">
+                        <a:latin typeface="Adobe Clean"/>
+                        <a:cs typeface="Adobe Clean"/>
+                      </a:endParaRPr>
                     </a:p>
                   </a:txBody>
-                  <a:tcPr anchor="ctr">
+                  <a:tcPr marL="182880" marT="91440" anchor="ctr">
                     <a:lnL w="3175">
                       <a:solidFill>
                         <a:srgbClr val="B7B8B8"/>
@@ -2179,19 +2434,42 @@
                         </a:spcBef>
                       </a:pPr>
                       <a:r>
-                        <a:rPr lang="ja-JP" sz="900" dirty="0">
+                        <a:rPr sz="900" spc="0">
                           <a:solidFill>
                             <a:srgbClr val="FFFFFF"/>
                           </a:solidFill>
-                          <a:latin typeface="Adobe Clean Han Regular" panose="020B0500000000000000" pitchFamily="34" charset="-128"/>
-                          <a:ea typeface="Adobe Clean Han Regular" panose="020B0500000000000000" pitchFamily="34" charset="-128"/>
+                          <a:latin typeface="Adobe Clean"/>
                           <a:cs typeface="Adobe Clean"/>
                         </a:rPr>
-                        <a:t>ビジネスサポート</a:t>
+                        <a:t>Business</a:t>
                       </a:r>
+                      <a:r>
+                        <a:rPr lang="en-US" sz="900" spc="0">
+                          <a:solidFill>
+                            <a:srgbClr val="FFFFFF"/>
+                          </a:solidFill>
+                          <a:latin typeface="Adobe Clean"/>
+                          <a:cs typeface="Adobe Clean"/>
+                        </a:rPr>
+                        <a:t> </a:t>
+                      </a:r>
+                      <a:r>
+                        <a:rPr sz="900" spc="0">
+                          <a:solidFill>
+                            <a:srgbClr val="FFFFFF"/>
+                          </a:solidFill>
+                          <a:latin typeface="Adobe Clean"/>
+                          <a:cs typeface="Adobe Clean"/>
+                        </a:rPr>
+                        <a:t>Support</a:t>
+                      </a:r>
+                      <a:endParaRPr sz="900" spc="0">
+                        <a:latin typeface="Adobe Clean"/>
+                        <a:cs typeface="Adobe Clean"/>
+                      </a:endParaRPr>
                     </a:p>
                   </a:txBody>
-                  <a:tcPr anchor="ctr">
+                  <a:tcPr marL="182880" marT="91440" anchor="ctr">
                     <a:lnL w="3175">
                       <a:solidFill>
                         <a:srgbClr val="B7B8B8"/>
@@ -2227,7 +2505,7 @@
                   </a:ext>
                 </a:extLst>
               </a:tr>
-              <a:tr h="484755">
+              <a:tr h="514672">
                 <a:tc>
                   <a:txBody>
                     <a:bodyPr/>
@@ -2242,16 +2520,19 @@
                         </a:spcBef>
                       </a:pPr>
                       <a:r>
-                        <a:rPr lang="ja-JP" sz="900" b="1" dirty="0">
+                        <a:rPr sz="900" b="1" spc="0">
                           <a:solidFill>
                             <a:srgbClr val="020302"/>
                           </a:solidFill>
-                          <a:latin typeface="Adobe Clean Han Regular" panose="020B0500000000000000" pitchFamily="34" charset="-128"/>
-                          <a:ea typeface="Adobe Clean Han Regular" panose="020B0500000000000000" pitchFamily="34" charset="-128"/>
+                          <a:latin typeface="Adobe Clean"/>
                           <a:cs typeface="Adobe Clean"/>
                         </a:rPr>
-                        <a:t>優先度 1</a:t>
+                        <a:t>PRIORITY 1</a:t>
                       </a:r>
+                      <a:endParaRPr sz="900" spc="0">
+                        <a:latin typeface="Adobe Clean"/>
+                        <a:cs typeface="Adobe Clean"/>
+                      </a:endParaRPr>
                     </a:p>
                     <a:p>
                       <a:pPr marL="50800" marR="387985" lvl="0" indent="0" algn="l" defTabSz="914400" rtl="0" eaLnBrk="1" fontAlgn="auto" latinLnBrk="0" hangingPunct="1">
@@ -2272,15 +2553,19 @@
                         <a:defRPr/>
                       </a:pPr>
                       <a:r>
-                        <a:rPr lang="ja-JP" sz="900" b="0" i="0" dirty="0">
+                        <a:rPr lang="en-US" sz="900" b="0" i="0" spc="0">
                           <a:solidFill>
                             <a:srgbClr val="000000"/>
                           </a:solidFill>
-                          <a:latin typeface="Adobe Clean Han Regular" panose="020B0500000000000000" pitchFamily="34" charset="-128"/>
-                          <a:ea typeface="Adobe Clean Han Regular" panose="020B0500000000000000" pitchFamily="34" charset="-128"/>
+                          <a:effectLst/>
+                          <a:latin typeface="Adobe Clean Light" panose="020B0303020404020204" pitchFamily="34" charset="0"/>
                         </a:rPr>
-                        <a:t>お客様の本番業務機能がダウンしている、または著しいデータ損失やサービス低下があり、機能およびユーザビリティを復元するための早急な処置が必要。</a:t>
+                        <a:t>Customer's production business functions are down or have significant data loss or service degradation and immediate attention is required to restore functionality and usability</a:t>
                       </a:r>
+                      <a:endParaRPr lang="en-US" sz="900" b="0" i="0" spc="0">
+                        <a:latin typeface="Adobe Clean Light" panose="020B0303020404020204" pitchFamily="34" charset="0"/>
+                        <a:cs typeface="AdobeClean-Light"/>
+                      </a:endParaRPr>
                     </a:p>
                   </a:txBody>
                   <a:tcPr marL="0" marR="0" marT="3810" marB="0">
@@ -2324,40 +2609,62 @@
                         </a:spcBef>
                       </a:pPr>
                       <a:r>
-                        <a:rPr lang="ja-JP" sz="900" dirty="0">
+                        <a:rPr sz="900" spc="0">
                           <a:solidFill>
                             <a:srgbClr val="020302"/>
                           </a:solidFill>
-                          <a:latin typeface="Adobe Clean Han Regular" panose="020B0500000000000000" pitchFamily="34" charset="-128"/>
-                          <a:ea typeface="Adobe Clean Han Regular" panose="020B0500000000000000" pitchFamily="34" charset="-128"/>
+                          <a:latin typeface="AdobeClean-Light"/>
                           <a:cs typeface="AdobeClean-Light"/>
                         </a:rPr>
-                        <a:t>24 時間年中無休／</a:t>
+                        <a:t>24x7</a:t>
                       </a:r>
-                      <a:br>
-                        <a:rPr lang="sk-SK" altLang="ja-JP" sz="900" dirty="0">
+                      <a:r>
+                        <a:rPr lang="en-US" sz="900" spc="0">
                           <a:solidFill>
                             <a:srgbClr val="020302"/>
                           </a:solidFill>
-                          <a:latin typeface="Adobe Clean Han Regular" panose="020B0500000000000000" pitchFamily="34" charset="-128"/>
-                          <a:ea typeface="Adobe Clean Han Regular" panose="020B0500000000000000" pitchFamily="34" charset="-128"/>
+                          <a:latin typeface="AdobeClean-Light"/>
                           <a:cs typeface="AdobeClean-Light"/>
                         </a:rPr>
-                      </a:br>
+                        <a:t> </a:t>
+                      </a:r>
                       <a:r>
-                        <a:rPr lang="ja-JP" sz="900" dirty="0">
+                        <a:rPr sz="900" spc="0">
                           <a:solidFill>
                             <a:srgbClr val="020302"/>
                           </a:solidFill>
-                          <a:latin typeface="Adobe Clean Han Regular" panose="020B0500000000000000" pitchFamily="34" charset="-128"/>
-                          <a:ea typeface="Adobe Clean Han Regular" panose="020B0500000000000000" pitchFamily="34" charset="-128"/>
+                          <a:latin typeface="AdobeClean-Light"/>
                           <a:cs typeface="AdobeClean-Light"/>
                         </a:rPr>
-                        <a:t>1 時間</a:t>
+                        <a:t>/</a:t>
                       </a:r>
+                      <a:r>
+                        <a:rPr lang="en-US" sz="900" spc="0">
+                          <a:solidFill>
+                            <a:srgbClr val="020302"/>
+                          </a:solidFill>
+                          <a:latin typeface="AdobeClean-Light"/>
+                          <a:cs typeface="AdobeClean-Light"/>
+                        </a:rPr>
+                        <a:t> </a:t>
+                      </a:r>
+                      <a:r>
+                        <a:rPr sz="900" spc="0">
+                          <a:solidFill>
+                            <a:srgbClr val="020302"/>
+                          </a:solidFill>
+                          <a:latin typeface="AdobeClean-Light"/>
+                          <a:cs typeface="AdobeClean-Light"/>
+                        </a:rPr>
+                        <a:t>1 hour</a:t>
+                      </a:r>
+                      <a:endParaRPr sz="900" spc="0">
+                        <a:latin typeface="AdobeClean-Light"/>
+                        <a:cs typeface="AdobeClean-Light"/>
+                      </a:endParaRPr>
                     </a:p>
                   </a:txBody>
-                  <a:tcPr anchor="ctr">
+                  <a:tcPr marL="0" marR="0" marT="91440" marB="91440" anchor="ctr" anchorCtr="1">
                     <a:lnL w="3175">
                       <a:solidFill>
                         <a:srgbClr val="B7B8B8"/>
@@ -2398,40 +2705,62 @@
                         </a:spcBef>
                       </a:pPr>
                       <a:r>
-                        <a:rPr lang="ja-JP" sz="900" dirty="0">
+                        <a:rPr sz="900" spc="0">
                           <a:solidFill>
                             <a:srgbClr val="020302"/>
                           </a:solidFill>
-                          <a:latin typeface="Adobe Clean Han Regular" panose="020B0500000000000000" pitchFamily="34" charset="-128"/>
-                          <a:ea typeface="Adobe Clean Han Regular" panose="020B0500000000000000" pitchFamily="34" charset="-128"/>
+                          <a:latin typeface="AdobeClean-Light"/>
                           <a:cs typeface="AdobeClean-Light"/>
                         </a:rPr>
-                        <a:t>24 時間年中無休／</a:t>
+                        <a:t>24x7</a:t>
                       </a:r>
-                      <a:br>
-                        <a:rPr lang="sk-SK" altLang="ja-JP" sz="900" dirty="0">
+                      <a:r>
+                        <a:rPr lang="en-US" sz="900" spc="0">
                           <a:solidFill>
                             <a:srgbClr val="020302"/>
                           </a:solidFill>
-                          <a:latin typeface="Adobe Clean Han Regular" panose="020B0500000000000000" pitchFamily="34" charset="-128"/>
-                          <a:ea typeface="Adobe Clean Han Regular" panose="020B0500000000000000" pitchFamily="34" charset="-128"/>
+                          <a:latin typeface="AdobeClean-Light"/>
                           <a:cs typeface="AdobeClean-Light"/>
                         </a:rPr>
-                      </a:br>
+                        <a:t> </a:t>
+                      </a:r>
                       <a:r>
-                        <a:rPr lang="ja-JP" sz="900" dirty="0">
+                        <a:rPr sz="900" spc="0">
                           <a:solidFill>
                             <a:srgbClr val="020302"/>
                           </a:solidFill>
-                          <a:latin typeface="Adobe Clean Han Regular" panose="020B0500000000000000" pitchFamily="34" charset="-128"/>
-                          <a:ea typeface="Adobe Clean Han Regular" panose="020B0500000000000000" pitchFamily="34" charset="-128"/>
+                          <a:latin typeface="AdobeClean-Light"/>
                           <a:cs typeface="AdobeClean-Light"/>
                         </a:rPr>
-                        <a:t>1 時間</a:t>
+                        <a:t>/</a:t>
                       </a:r>
+                      <a:r>
+                        <a:rPr lang="en-US" sz="900" spc="0">
+                          <a:solidFill>
+                            <a:srgbClr val="020302"/>
+                          </a:solidFill>
+                          <a:latin typeface="AdobeClean-Light"/>
+                          <a:cs typeface="AdobeClean-Light"/>
+                        </a:rPr>
+                        <a:t> </a:t>
+                      </a:r>
+                      <a:r>
+                        <a:rPr sz="900" spc="0">
+                          <a:solidFill>
+                            <a:srgbClr val="020302"/>
+                          </a:solidFill>
+                          <a:latin typeface="AdobeClean-Light"/>
+                          <a:cs typeface="AdobeClean-Light"/>
+                        </a:rPr>
+                        <a:t>1 hour</a:t>
+                      </a:r>
+                      <a:endParaRPr sz="900" spc="0">
+                        <a:latin typeface="AdobeClean-Light"/>
+                        <a:cs typeface="AdobeClean-Light"/>
+                      </a:endParaRPr>
                     </a:p>
                   </a:txBody>
-                  <a:tcPr anchor="ctr">
+                  <a:tcPr marL="0" marR="0" marT="91440" marB="91440" anchor="ctr" anchorCtr="1">
                     <a:lnL w="3175">
                       <a:solidFill>
                         <a:srgbClr val="B7B8B8"/>
@@ -2469,7 +2798,7 @@
                   </a:ext>
                 </a:extLst>
               </a:tr>
-              <a:tr h="484755">
+              <a:tr h="514672">
                 <a:tc>
                   <a:txBody>
                     <a:bodyPr/>
@@ -2484,16 +2813,19 @@
                         </a:spcBef>
                       </a:pPr>
                       <a:r>
-                        <a:rPr lang="ja-JP" sz="900" b="1" dirty="0">
+                        <a:rPr sz="900" b="1" spc="0">
                           <a:solidFill>
                             <a:srgbClr val="020302"/>
                           </a:solidFill>
-                          <a:latin typeface="Adobe Clean Han Regular" panose="020B0500000000000000" pitchFamily="34" charset="-128"/>
-                          <a:ea typeface="Adobe Clean Han Regular" panose="020B0500000000000000" pitchFamily="34" charset="-128"/>
+                          <a:latin typeface="Adobe Clean"/>
                           <a:cs typeface="Adobe Clean"/>
                         </a:rPr>
-                        <a:t>優先度 2</a:t>
+                        <a:t>PRIORITY 2</a:t>
                       </a:r>
+                      <a:endParaRPr sz="900" spc="0">
+                        <a:latin typeface="Adobe Clean"/>
+                        <a:cs typeface="Adobe Clean"/>
+                      </a:endParaRPr>
                     </a:p>
                     <a:p>
                       <a:pPr marL="50165" marR="203200">
@@ -2505,34 +2837,19 @@
                         </a:spcBef>
                       </a:pPr>
                       <a:r>
-                        <a:rPr lang="ja-JP" sz="900" b="0" i="0" dirty="0">
+                        <a:rPr lang="en-US" sz="900" b="0" i="0" spc="0">
                           <a:solidFill>
                             <a:srgbClr val="000000"/>
                           </a:solidFill>
-                          <a:latin typeface="Adobe Clean Han Regular" panose="020B0500000000000000" pitchFamily="34" charset="-128"/>
-                          <a:ea typeface="Adobe Clean Han Regular" panose="020B0500000000000000" pitchFamily="34" charset="-128"/>
+                          <a:effectLst/>
+                          <a:latin typeface="Adobe Clean Light" panose="020B0303020404020204" pitchFamily="34" charset="0"/>
                         </a:rPr>
-                        <a:t>お客様の業務機能に重大なサービス低下や潜在的なデータ損失があるか、</a:t>
+                        <a:t>Customer's business functions have major service degradation or potential data loss, or a major feature is impacted </a:t>
                       </a:r>
-                      <a:br>
-                        <a:rPr lang="sk-SK" altLang="ja-JP" sz="900" b="0" i="0" dirty="0">
-                          <a:solidFill>
-                            <a:srgbClr val="000000"/>
-                          </a:solidFill>
-                          <a:latin typeface="Adobe Clean Han Regular" panose="020B0500000000000000" pitchFamily="34" charset="-128"/>
-                          <a:ea typeface="Adobe Clean Han Regular" panose="020B0500000000000000" pitchFamily="34" charset="-128"/>
-                        </a:rPr>
-                      </a:br>
-                      <a:r>
-                        <a:rPr lang="ja-JP" sz="900" b="0" i="0" dirty="0">
-                          <a:solidFill>
-                            <a:srgbClr val="000000"/>
-                          </a:solidFill>
-                          <a:latin typeface="Adobe Clean Han Regular" panose="020B0500000000000000" pitchFamily="34" charset="-128"/>
-                          <a:ea typeface="Adobe Clean Han Regular" panose="020B0500000000000000" pitchFamily="34" charset="-128"/>
-                        </a:rPr>
-                        <a:t>主な機能が影響を受けている。 </a:t>
-                      </a:r>
+                      <a:endParaRPr lang="en-US" sz="900" b="0" i="0" spc="0">
+                        <a:latin typeface="Adobe Clean Light" panose="020B0303020404020204" pitchFamily="34" charset="0"/>
+                        <a:cs typeface="AdobeClean-Light"/>
+                      </a:endParaRPr>
                     </a:p>
                   </a:txBody>
                   <a:tcPr marL="0" marR="0" marT="3810" marB="0">
@@ -2576,19 +2893,82 @@
                         </a:spcBef>
                       </a:pPr>
                       <a:r>
-                        <a:rPr lang="ja-JP" sz="900">
+                        <a:rPr sz="900" spc="0">
                           <a:solidFill>
                             <a:srgbClr val="020302"/>
                           </a:solidFill>
-                          <a:latin typeface="Adobe Clean Han Regular" panose="020B0500000000000000" pitchFamily="34" charset="-128"/>
-                          <a:ea typeface="Adobe Clean Han Regular" panose="020B0500000000000000" pitchFamily="34" charset="-128"/>
+                          <a:latin typeface="AdobeClean-Light"/>
                           <a:cs typeface="AdobeClean-Light"/>
                         </a:rPr>
-                        <a:t>営業時間／4 時間</a:t>
+                        <a:t>Business</a:t>
                       </a:r>
+                      <a:r>
+                        <a:rPr lang="en-US" sz="900" spc="0">
+                          <a:solidFill>
+                            <a:srgbClr val="020302"/>
+                          </a:solidFill>
+                          <a:latin typeface="AdobeClean-Light"/>
+                          <a:cs typeface="AdobeClean-Light"/>
+                        </a:rPr>
+                        <a:t> </a:t>
+                      </a:r>
+                      <a:r>
+                        <a:rPr sz="900" spc="0">
+                          <a:solidFill>
+                            <a:srgbClr val="020302"/>
+                          </a:solidFill>
+                          <a:latin typeface="AdobeClean-Light"/>
+                          <a:cs typeface="AdobeClean-Light"/>
+                        </a:rPr>
+                        <a:t>hours</a:t>
+                      </a:r>
+                      <a:r>
+                        <a:rPr lang="en-US" sz="900" spc="0">
+                          <a:solidFill>
+                            <a:srgbClr val="020302"/>
+                          </a:solidFill>
+                          <a:latin typeface="AdobeClean-Light"/>
+                          <a:cs typeface="AdobeClean-Light"/>
+                        </a:rPr>
+                        <a:t> </a:t>
+                      </a:r>
+                      <a:r>
+                        <a:rPr sz="900" spc="0">
+                          <a:solidFill>
+                            <a:srgbClr val="020302"/>
+                          </a:solidFill>
+                          <a:latin typeface="AdobeClean-Light"/>
+                          <a:cs typeface="AdobeClean-Light"/>
+                        </a:rPr>
+                        <a:t>/</a:t>
+                      </a:r>
+                      <a:r>
+                        <a:rPr lang="en-US" sz="900" spc="0">
+                          <a:solidFill>
+                            <a:srgbClr val="020302"/>
+                          </a:solidFill>
+                          <a:latin typeface="AdobeClean-Light"/>
+                          <a:cs typeface="AdobeClean-Light"/>
+                        </a:rPr>
+                        <a:t> </a:t>
+                      </a:r>
+                      <a:r>
+                        <a:rPr sz="900" spc="0">
+                          <a:solidFill>
+                            <a:srgbClr val="020302"/>
+                          </a:solidFill>
+                          <a:latin typeface="AdobeClean-Light"/>
+                          <a:cs typeface="AdobeClean-Light"/>
+                        </a:rPr>
+                        <a:t>4 hours</a:t>
+                      </a:r>
+                      <a:endParaRPr sz="900" spc="0">
+                        <a:latin typeface="AdobeClean-Light"/>
+                        <a:cs typeface="AdobeClean-Light"/>
+                      </a:endParaRPr>
                     </a:p>
                   </a:txBody>
-                  <a:tcPr anchor="ctr">
+                  <a:tcPr marL="0" marR="0" marT="91440" marB="91440" anchor="ctr" anchorCtr="1">
                     <a:lnL w="3175">
                       <a:solidFill>
                         <a:srgbClr val="B7B8B8"/>
@@ -2629,19 +3009,92 @@
                         </a:spcBef>
                       </a:pPr>
                       <a:r>
-                        <a:rPr lang="ja-JP" sz="900">
+                        <a:rPr lang="en-US" sz="900" spc="0">
                           <a:solidFill>
                             <a:srgbClr val="020302"/>
                           </a:solidFill>
-                          <a:latin typeface="Adobe Clean Han Regular" panose="020B0500000000000000" pitchFamily="34" charset="-128"/>
-                          <a:ea typeface="Adobe Clean Han Regular" panose="020B0500000000000000" pitchFamily="34" charset="-128"/>
+                          <a:latin typeface="AdobeClean-Light"/>
                           <a:cs typeface="AdobeClean-Light"/>
                         </a:rPr>
-                        <a:t>営業時間／2 時間</a:t>
+                        <a:t>    </a:t>
                       </a:r>
+                      <a:r>
+                        <a:rPr sz="900" spc="0">
+                          <a:solidFill>
+                            <a:srgbClr val="020302"/>
+                          </a:solidFill>
+                          <a:latin typeface="AdobeClean-Light"/>
+                          <a:cs typeface="AdobeClean-Light"/>
+                        </a:rPr>
+                        <a:t>Business</a:t>
+                      </a:r>
+                      <a:r>
+                        <a:rPr lang="en-US" sz="900" spc="0">
+                          <a:solidFill>
+                            <a:srgbClr val="020302"/>
+                          </a:solidFill>
+                          <a:latin typeface="AdobeClean-Light"/>
+                          <a:cs typeface="AdobeClean-Light"/>
+                        </a:rPr>
+                        <a:t> </a:t>
+                      </a:r>
+                      <a:r>
+                        <a:rPr sz="900" spc="0">
+                          <a:solidFill>
+                            <a:srgbClr val="020302"/>
+                          </a:solidFill>
+                          <a:latin typeface="AdobeClean-Light"/>
+                          <a:cs typeface="AdobeClean-Light"/>
+                        </a:rPr>
+                        <a:t>hours</a:t>
+                      </a:r>
+                      <a:r>
+                        <a:rPr lang="en-US" sz="900" spc="0">
+                          <a:solidFill>
+                            <a:srgbClr val="020302"/>
+                          </a:solidFill>
+                          <a:latin typeface="AdobeClean-Light"/>
+                          <a:cs typeface="AdobeClean-Light"/>
+                        </a:rPr>
+                        <a:t> / </a:t>
+                      </a:r>
+                      <a:r>
+                        <a:rPr sz="900" spc="0">
+                          <a:solidFill>
+                            <a:srgbClr val="020302"/>
+                          </a:solidFill>
+                          <a:latin typeface="AdobeClean-Light"/>
+                          <a:cs typeface="AdobeClean-Light"/>
+                        </a:rPr>
+                        <a:t>2</a:t>
+                      </a:r>
+                      <a:r>
+                        <a:rPr lang="en-US" sz="900" spc="0">
+                          <a:solidFill>
+                            <a:srgbClr val="020302"/>
+                          </a:solidFill>
+                          <a:latin typeface="AdobeClean-Light"/>
+                          <a:cs typeface="AdobeClean-Light"/>
+                        </a:rPr>
+                        <a:t> </a:t>
+                      </a:r>
+                      <a:r>
+                        <a:rPr sz="900" spc="0">
+                          <a:solidFill>
+                            <a:srgbClr val="020302"/>
+                          </a:solidFill>
+                          <a:latin typeface="AdobeClean-Light"/>
+                          <a:cs typeface="AdobeClean-Light"/>
+                        </a:rPr>
+                        <a:t>hours</a:t>
+                      </a:r>
+                      <a:endParaRPr sz="900" spc="0">
+                        <a:latin typeface="AdobeClean-Light"/>
+                        <a:cs typeface="AdobeClean-Light"/>
+                      </a:endParaRPr>
                     </a:p>
                   </a:txBody>
-                  <a:tcPr anchor="ctr">
+                  <a:tcPr marL="0" marR="0" marT="91440" marB="91440" anchor="ctr" anchorCtr="1">
                     <a:lnL w="3175">
                       <a:solidFill>
                         <a:srgbClr val="B7B8B8"/>
@@ -2679,7 +3132,7 @@
                   </a:ext>
                 </a:extLst>
               </a:tr>
-              <a:tr h="484756">
+              <a:tr h="514673">
                 <a:tc>
                   <a:txBody>
                     <a:bodyPr/>
@@ -2694,16 +3147,19 @@
                         </a:spcBef>
                       </a:pPr>
                       <a:r>
-                        <a:rPr lang="ja-JP" sz="900" b="1" dirty="0">
+                        <a:rPr sz="900" b="1" spc="0">
                           <a:solidFill>
                             <a:srgbClr val="020302"/>
                           </a:solidFill>
-                          <a:latin typeface="Adobe Clean Han Regular" panose="020B0500000000000000" pitchFamily="34" charset="-128"/>
-                          <a:ea typeface="Adobe Clean Han Regular" panose="020B0500000000000000" pitchFamily="34" charset="-128"/>
+                          <a:latin typeface="Adobe Clean"/>
                           <a:cs typeface="Adobe Clean"/>
                         </a:rPr>
-                        <a:t>優先度 3</a:t>
+                        <a:t>PRIORITY 3</a:t>
                       </a:r>
+                      <a:endParaRPr sz="900" spc="0">
+                        <a:latin typeface="Adobe Clean"/>
+                        <a:cs typeface="Adobe Clean"/>
+                      </a:endParaRPr>
                     </a:p>
                     <a:p>
                       <a:pPr marL="49530" marR="212090" indent="-2540">
@@ -2715,52 +3171,26 @@
                         </a:spcBef>
                       </a:pPr>
                       <a:r>
-                        <a:rPr kumimoji="0" lang="ja-JP" sz="900" b="0" i="0" u="none" strike="noStrike" cap="none" normalizeH="0" baseline="0" noProof="0" dirty="0">
+                        <a:rPr kumimoji="0" lang="en-US" sz="900" b="0" i="0" u="none" strike="noStrike" kern="1200" cap="none" spc="0" normalizeH="0" baseline="0" noProof="0">
                           <a:ln>
                             <a:noFill/>
                           </a:ln>
                           <a:solidFill>
                             <a:srgbClr val="000000"/>
                           </a:solidFill>
+                          <a:effectLst/>
                           <a:uLnTx/>
                           <a:uFillTx/>
-                          <a:latin typeface="Adobe Clean Han Regular" panose="020B0500000000000000" pitchFamily="34" charset="-128"/>
-                          <a:ea typeface="Adobe Clean Han Regular" panose="020B0500000000000000" pitchFamily="34" charset="-128"/>
+                          <a:latin typeface="Adobe Clean Light" panose="020B0303020404020204" pitchFamily="34" charset="0"/>
+                          <a:ea typeface="+mn-ea"/>
                           <a:cs typeface="+mn-cs"/>
                         </a:rPr>
-                        <a:t>お客様の業務機能に軽微なサービス低下があるが、</a:t>
+                        <a:t>Customer's business functions have minor service degradation but there exists a solution/workaround allowing business functions to continue </a:t>
                       </a:r>
-                      <a:br>
-                        <a:rPr kumimoji="0" lang="sk-SK" altLang="ja-JP" sz="900" b="0" i="0" u="none" strike="noStrike" cap="none" normalizeH="0" baseline="0" noProof="0" dirty="0">
-                          <a:ln>
-                            <a:noFill/>
-                          </a:ln>
-                          <a:solidFill>
-                            <a:srgbClr val="000000"/>
-                          </a:solidFill>
-                          <a:uLnTx/>
-                          <a:uFillTx/>
-                          <a:latin typeface="Adobe Clean Han Regular" panose="020B0500000000000000" pitchFamily="34" charset="-128"/>
-                          <a:ea typeface="Adobe Clean Han Regular" panose="020B0500000000000000" pitchFamily="34" charset="-128"/>
-                          <a:cs typeface="+mn-cs"/>
-                        </a:rPr>
-                      </a:br>
-                      <a:r>
-                        <a:rPr kumimoji="0" lang="ja-JP" sz="900" b="0" i="0" u="none" strike="noStrike" cap="none" normalizeH="0" baseline="0" noProof="0" dirty="0">
-                          <a:ln>
-                            <a:noFill/>
-                          </a:ln>
-                          <a:solidFill>
-                            <a:srgbClr val="000000"/>
-                          </a:solidFill>
-                          <a:uLnTx/>
-                          <a:uFillTx/>
-                          <a:latin typeface="Adobe Clean Han Regular" panose="020B0500000000000000" pitchFamily="34" charset="-128"/>
-                          <a:ea typeface="Adobe Clean Han Regular" panose="020B0500000000000000" pitchFamily="34" charset="-128"/>
-                          <a:cs typeface="+mn-cs"/>
-                        </a:rPr>
-                        <a:t>業務機能を正常に続行できるソリューション／回避策が存在する。 </a:t>
-                      </a:r>
+                      <a:endParaRPr lang="en-US" sz="900" b="0" i="0" spc="0">
+                        <a:latin typeface="Adobe Clean Light" panose="020B0303020404020204" pitchFamily="34" charset="0"/>
+                        <a:cs typeface="AdobeClean-Light"/>
+                      </a:endParaRPr>
                     </a:p>
                   </a:txBody>
                   <a:tcPr marL="0" marR="0" marT="3810" marB="0">
@@ -2804,19 +3234,92 @@
                         </a:spcBef>
                       </a:pPr>
                       <a:r>
-                        <a:rPr lang="ja-JP" sz="900">
+                        <a:rPr lang="en-US" sz="900" spc="0">
                           <a:solidFill>
                             <a:srgbClr val="020302"/>
                           </a:solidFill>
-                          <a:latin typeface="Adobe Clean Han Regular" panose="020B0500000000000000" pitchFamily="34" charset="-128"/>
-                          <a:ea typeface="Adobe Clean Han Regular" panose="020B0500000000000000" pitchFamily="34" charset="-128"/>
+                          <a:latin typeface="AdobeClean-Light"/>
                           <a:cs typeface="AdobeClean-Light"/>
                         </a:rPr>
-                        <a:t>営業時間／6 時間</a:t>
+                        <a:t>   </a:t>
                       </a:r>
+                      <a:r>
+                        <a:rPr sz="900" spc="0">
+                          <a:solidFill>
+                            <a:srgbClr val="020302"/>
+                          </a:solidFill>
+                          <a:latin typeface="AdobeClean-Light"/>
+                          <a:cs typeface="AdobeClean-Light"/>
+                        </a:rPr>
+                        <a:t>Business</a:t>
+                      </a:r>
+                      <a:r>
+                        <a:rPr lang="en-US" sz="900" spc="0">
+                          <a:solidFill>
+                            <a:srgbClr val="020302"/>
+                          </a:solidFill>
+                          <a:latin typeface="AdobeClean-Light"/>
+                          <a:cs typeface="AdobeClean-Light"/>
+                        </a:rPr>
+                        <a:t> </a:t>
+                      </a:r>
+                      <a:r>
+                        <a:rPr sz="900" spc="0">
+                          <a:solidFill>
+                            <a:srgbClr val="020302"/>
+                          </a:solidFill>
+                          <a:latin typeface="AdobeClean-Light"/>
+                          <a:cs typeface="AdobeClean-Light"/>
+                        </a:rPr>
+                        <a:t>hours</a:t>
+                      </a:r>
+                      <a:r>
+                        <a:rPr lang="en-US" sz="900" spc="0">
+                          <a:solidFill>
+                            <a:srgbClr val="020302"/>
+                          </a:solidFill>
+                          <a:latin typeface="AdobeClean-Light"/>
+                          <a:cs typeface="AdobeClean-Light"/>
+                        </a:rPr>
+                        <a:t> / </a:t>
+                      </a:r>
+                      <a:r>
+                        <a:rPr sz="900" spc="0">
+                          <a:solidFill>
+                            <a:srgbClr val="020302"/>
+                          </a:solidFill>
+                          <a:latin typeface="AdobeClean-Light"/>
+                          <a:cs typeface="AdobeClean-Light"/>
+                        </a:rPr>
+                        <a:t>6</a:t>
+                      </a:r>
+                      <a:r>
+                        <a:rPr lang="en-US" sz="900" spc="0">
+                          <a:solidFill>
+                            <a:srgbClr val="020302"/>
+                          </a:solidFill>
+                          <a:latin typeface="AdobeClean-Light"/>
+                          <a:cs typeface="AdobeClean-Light"/>
+                        </a:rPr>
+                        <a:t> </a:t>
+                      </a:r>
+                      <a:r>
+                        <a:rPr sz="900" spc="0">
+                          <a:solidFill>
+                            <a:srgbClr val="020302"/>
+                          </a:solidFill>
+                          <a:latin typeface="AdobeClean-Light"/>
+                          <a:cs typeface="AdobeClean-Light"/>
+                        </a:rPr>
+                        <a:t>hours</a:t>
+                      </a:r>
+                      <a:endParaRPr sz="900" spc="0">
+                        <a:latin typeface="AdobeClean-Light"/>
+                        <a:cs typeface="AdobeClean-Light"/>
+                      </a:endParaRPr>
                     </a:p>
                   </a:txBody>
-                  <a:tcPr anchor="ctr">
+                  <a:tcPr marL="0" marR="0" marT="91440" marB="91440" anchor="ctr" anchorCtr="1">
                     <a:lnL w="3175">
                       <a:solidFill>
                         <a:srgbClr val="B7B8B8"/>
@@ -2857,19 +3360,82 @@
                         </a:spcBef>
                       </a:pPr>
                       <a:r>
-                        <a:rPr lang="ja-JP" sz="900">
+                        <a:rPr sz="900" spc="0">
                           <a:solidFill>
                             <a:srgbClr val="020302"/>
                           </a:solidFill>
-                          <a:latin typeface="Adobe Clean Han Regular" panose="020B0500000000000000" pitchFamily="34" charset="-128"/>
-                          <a:ea typeface="Adobe Clean Han Regular" panose="020B0500000000000000" pitchFamily="34" charset="-128"/>
+                          <a:latin typeface="AdobeClean-Light"/>
                           <a:cs typeface="AdobeClean-Light"/>
                         </a:rPr>
-                        <a:t>営業時間／4 時間</a:t>
+                        <a:t>Business</a:t>
                       </a:r>
+                      <a:r>
+                        <a:rPr lang="en-US" sz="900" spc="0">
+                          <a:solidFill>
+                            <a:srgbClr val="020302"/>
+                          </a:solidFill>
+                          <a:latin typeface="AdobeClean-Light"/>
+                          <a:cs typeface="AdobeClean-Light"/>
+                        </a:rPr>
+                        <a:t> </a:t>
+                      </a:r>
+                      <a:r>
+                        <a:rPr sz="900" spc="0">
+                          <a:solidFill>
+                            <a:srgbClr val="020302"/>
+                          </a:solidFill>
+                          <a:latin typeface="AdobeClean-Light"/>
+                          <a:cs typeface="AdobeClean-Light"/>
+                        </a:rPr>
+                        <a:t>hours</a:t>
+                      </a:r>
+                      <a:r>
+                        <a:rPr lang="en-US" sz="900" spc="0">
+                          <a:solidFill>
+                            <a:srgbClr val="020302"/>
+                          </a:solidFill>
+                          <a:latin typeface="AdobeClean-Light"/>
+                          <a:cs typeface="AdobeClean-Light"/>
+                        </a:rPr>
+                        <a:t> </a:t>
+                      </a:r>
+                      <a:r>
+                        <a:rPr sz="900" spc="0">
+                          <a:solidFill>
+                            <a:srgbClr val="020302"/>
+                          </a:solidFill>
+                          <a:latin typeface="AdobeClean-Light"/>
+                          <a:cs typeface="AdobeClean-Light"/>
+                        </a:rPr>
+                        <a:t>/ 4</a:t>
+                      </a:r>
+                      <a:r>
+                        <a:rPr lang="en-US" sz="900" spc="0">
+                          <a:solidFill>
+                            <a:srgbClr val="020302"/>
+                          </a:solidFill>
+                          <a:latin typeface="AdobeClean-Light"/>
+                          <a:cs typeface="AdobeClean-Light"/>
+                        </a:rPr>
+                        <a:t> </a:t>
+                      </a:r>
+                      <a:r>
+                        <a:rPr sz="900" spc="0">
+                          <a:solidFill>
+                            <a:srgbClr val="020302"/>
+                          </a:solidFill>
+                          <a:latin typeface="AdobeClean-Light"/>
+                          <a:cs typeface="AdobeClean-Light"/>
+                        </a:rPr>
+                        <a:t>hours</a:t>
+                      </a:r>
+                      <a:endParaRPr sz="900" spc="0">
+                        <a:latin typeface="AdobeClean-Light"/>
+                        <a:cs typeface="AdobeClean-Light"/>
+                      </a:endParaRPr>
                     </a:p>
                   </a:txBody>
-                  <a:tcPr anchor="ctr">
+                  <a:tcPr marL="0" marR="0" marT="91440" marB="91440" anchor="ctr" anchorCtr="1">
                     <a:lnL w="3175">
                       <a:solidFill>
                         <a:srgbClr val="B7B8B8"/>
@@ -2907,7 +3473,7 @@
                   </a:ext>
                 </a:extLst>
               </a:tr>
-              <a:tr h="359998">
+              <a:tr h="388333">
                 <a:tc>
                   <a:txBody>
                     <a:bodyPr/>
@@ -2922,16 +3488,19 @@
                         </a:spcBef>
                       </a:pPr>
                       <a:r>
-                        <a:rPr lang="ja-JP" sz="900" b="1" dirty="0">
+                        <a:rPr sz="900" b="1" spc="0">
                           <a:solidFill>
                             <a:srgbClr val="020302"/>
                           </a:solidFill>
-                          <a:latin typeface="Adobe Clean Han Regular" panose="020B0500000000000000" pitchFamily="34" charset="-128"/>
-                          <a:ea typeface="Adobe Clean Han Regular" panose="020B0500000000000000" pitchFamily="34" charset="-128"/>
+                          <a:latin typeface="Adobe Clean"/>
                           <a:cs typeface="Adobe Clean"/>
                         </a:rPr>
-                        <a:t>優先度 4</a:t>
+                        <a:t>PRIORITY 4</a:t>
                       </a:r>
+                      <a:endParaRPr sz="900" spc="0">
+                        <a:latin typeface="Adobe Clean"/>
+                        <a:cs typeface="Adobe Clean"/>
+                      </a:endParaRPr>
                     </a:p>
                     <a:p>
                       <a:pPr marL="48895" marR="0" lvl="0" indent="0" defTabSz="914400" eaLnBrk="1" fontAlgn="auto" latinLnBrk="0" hangingPunct="1">
@@ -2952,15 +3521,19 @@
                         <a:defRPr/>
                       </a:pPr>
                       <a:r>
-                        <a:rPr lang="ja-JP" sz="900" b="0" i="0" dirty="0">
+                        <a:rPr lang="en-US" sz="900" b="0" i="0" spc="0">
                           <a:solidFill>
                             <a:srgbClr val="000000"/>
                           </a:solidFill>
-                          <a:latin typeface="Adobe Clean Han Regular" panose="020B0500000000000000" pitchFamily="34" charset="-128"/>
-                          <a:ea typeface="Adobe Clean Han Regular" panose="020B0500000000000000" pitchFamily="34" charset="-128"/>
+                          <a:effectLst/>
+                          <a:latin typeface="Adobe Clean Light" panose="020B0303020404020204" pitchFamily="34" charset="0"/>
                         </a:rPr>
-                        <a:t>現在の製品機能に関する一般的な質問または機能拡張のリクエスト。</a:t>
+                        <a:t>General question regarding current product functionality or an enhancement request</a:t>
                       </a:r>
+                      <a:endParaRPr lang="en-US" sz="900" b="0" i="0" spc="0">
+                        <a:latin typeface="Adobe Clean Light" panose="020B0303020404020204" pitchFamily="34" charset="0"/>
+                        <a:cs typeface="AdobeClean-Light"/>
+                      </a:endParaRPr>
                     </a:p>
                   </a:txBody>
                   <a:tcPr marL="0" marR="0" marT="1905" marB="0">
@@ -2995,7 +3568,7 @@
                     <a:bodyPr/>
                     <a:lstStyle/>
                     <a:p>
-                      <a:pPr marL="171450" marR="203200" indent="-23813" algn="ctr">
+                      <a:pPr marL="340360" marR="203200" indent="-193040" algn="ctr">
                         <a:lnSpc>
                           <a:spcPct val="100000"/>
                         </a:lnSpc>
@@ -3004,40 +3577,72 @@
                         </a:spcBef>
                       </a:pPr>
                       <a:r>
-                        <a:rPr lang="ja-JP" sz="900" dirty="0">
+                        <a:rPr lang="en-US" sz="900" spc="0">
                           <a:solidFill>
                             <a:srgbClr val="020302"/>
                           </a:solidFill>
-                          <a:latin typeface="Adobe Clean Han Regular" panose="020B0500000000000000" pitchFamily="34" charset="-128"/>
-                          <a:ea typeface="Adobe Clean Han Regular" panose="020B0500000000000000" pitchFamily="34" charset="-128"/>
+                          <a:latin typeface="AdobeClean-Light"/>
                           <a:cs typeface="AdobeClean-Light"/>
                         </a:rPr>
-                        <a:t>営業日／</a:t>
+                        <a:t>  </a:t>
                       </a:r>
-                      <a:br>
-                        <a:rPr lang="sk-SK" altLang="ja-JP" sz="900" dirty="0">
+                      <a:r>
+                        <a:rPr sz="900" spc="0">
                           <a:solidFill>
                             <a:srgbClr val="020302"/>
                           </a:solidFill>
-                          <a:latin typeface="Adobe Clean Han Regular" panose="020B0500000000000000" pitchFamily="34" charset="-128"/>
-                          <a:ea typeface="Adobe Clean Han Regular" panose="020B0500000000000000" pitchFamily="34" charset="-128"/>
+                          <a:latin typeface="AdobeClean-Light"/>
                           <a:cs typeface="AdobeClean-Light"/>
                         </a:rPr>
-                      </a:br>
+                        <a:t>Business</a:t>
+                      </a:r>
                       <a:r>
-                        <a:rPr lang="ja-JP" sz="900" dirty="0">
+                        <a:rPr lang="en-US" sz="900" spc="0">
                           <a:solidFill>
                             <a:srgbClr val="020302"/>
                           </a:solidFill>
-                          <a:latin typeface="Adobe Clean Han Regular" panose="020B0500000000000000" pitchFamily="34" charset="-128"/>
-                          <a:ea typeface="Adobe Clean Han Regular" panose="020B0500000000000000" pitchFamily="34" charset="-128"/>
+                          <a:latin typeface="AdobeClean-Light"/>
                           <a:cs typeface="AdobeClean-Light"/>
                         </a:rPr>
-                        <a:t>3 日</a:t>
+                        <a:t> </a:t>
                       </a:r>
+                      <a:r>
+                        <a:rPr sz="900" spc="0">
+                          <a:solidFill>
+                            <a:srgbClr val="020302"/>
+                          </a:solidFill>
+                          <a:latin typeface="AdobeClean-Light"/>
+                          <a:cs typeface="AdobeClean-Light"/>
+                        </a:rPr>
+                        <a:t>days</a:t>
+                      </a:r>
+                      <a:r>
+                        <a:rPr lang="en-US" sz="900" spc="0">
+                          <a:solidFill>
+                            <a:srgbClr val="020302"/>
+                          </a:solidFill>
+                          <a:latin typeface="AdobeClean-Light"/>
+                          <a:cs typeface="AdobeClean-Light"/>
+                        </a:rPr>
+                        <a:t> / </a:t>
+                      </a:r>
+                      <a:r>
+                        <a:rPr sz="900" spc="0">
+                          <a:solidFill>
+                            <a:srgbClr val="020302"/>
+                          </a:solidFill>
+                          <a:latin typeface="AdobeClean-Light"/>
+                          <a:cs typeface="AdobeClean-Light"/>
+                        </a:rPr>
+                        <a:t>3 days</a:t>
+                      </a:r>
+                      <a:endParaRPr sz="900" spc="0">
+                        <a:latin typeface="AdobeClean-Light"/>
+                        <a:cs typeface="AdobeClean-Light"/>
+                      </a:endParaRPr>
                     </a:p>
                   </a:txBody>
-                  <a:tcPr anchor="ctr">
+                  <a:tcPr marL="0" marR="0" marT="91440" marB="91440" anchor="ctr" anchorCtr="1">
                     <a:lnL w="3175">
                       <a:solidFill>
                         <a:srgbClr val="B7B8B8"/>
@@ -3069,7 +3674,7 @@
                     <a:bodyPr/>
                     <a:lstStyle/>
                     <a:p>
-                      <a:pPr marL="171450" marR="223520" indent="-3175" algn="ctr">
+                      <a:pPr marL="370840" marR="223520" indent="-202565" algn="ctr">
                         <a:lnSpc>
                           <a:spcPct val="100000"/>
                         </a:lnSpc>
@@ -3078,40 +3683,82 @@
                         </a:spcBef>
                       </a:pPr>
                       <a:r>
-                        <a:rPr lang="ja-JP" sz="900" dirty="0">
+                        <a:rPr sz="900" spc="0">
                           <a:solidFill>
                             <a:srgbClr val="020302"/>
                           </a:solidFill>
-                          <a:latin typeface="Adobe Clean Han Regular" panose="020B0500000000000000" pitchFamily="34" charset="-128"/>
-                          <a:ea typeface="Adobe Clean Han Regular" panose="020B0500000000000000" pitchFamily="34" charset="-128"/>
+                          <a:latin typeface="AdobeClean-Light"/>
                           <a:cs typeface="AdobeClean-Light"/>
                         </a:rPr>
-                        <a:t>営業日／ </a:t>
+                        <a:t>Business</a:t>
                       </a:r>
-                    </a:p>
-                    <a:p>
-                      <a:pPr marL="171450" marR="223520" indent="-3175" algn="ctr">
-                        <a:lnSpc>
-                          <a:spcPct val="100000"/>
-                        </a:lnSpc>
-                        <a:spcBef>
-                          <a:spcPts val="155"/>
-                        </a:spcBef>
-                      </a:pPr>
                       <a:r>
-                        <a:rPr lang="ja-JP" sz="900" dirty="0">
+                        <a:rPr lang="en-US" sz="900" spc="0">
                           <a:solidFill>
                             <a:srgbClr val="020302"/>
                           </a:solidFill>
-                          <a:latin typeface="Adobe Clean Han Regular" panose="020B0500000000000000" pitchFamily="34" charset="-128"/>
-                          <a:ea typeface="Adobe Clean Han Regular" panose="020B0500000000000000" pitchFamily="34" charset="-128"/>
+                          <a:latin typeface="AdobeClean-Light"/>
                           <a:cs typeface="AdobeClean-Light"/>
                         </a:rPr>
-                        <a:t>  1 日</a:t>
+                        <a:t> </a:t>
                       </a:r>
+                      <a:r>
+                        <a:rPr sz="900" spc="0">
+                          <a:solidFill>
+                            <a:srgbClr val="020302"/>
+                          </a:solidFill>
+                          <a:latin typeface="AdobeClean-Light"/>
+                          <a:cs typeface="AdobeClean-Light"/>
+                        </a:rPr>
+                        <a:t>day</a:t>
+                      </a:r>
+                      <a:r>
+                        <a:rPr lang="en-US" sz="900" spc="0">
+                          <a:solidFill>
+                            <a:srgbClr val="020302"/>
+                          </a:solidFill>
+                          <a:latin typeface="AdobeClean-Light"/>
+                          <a:cs typeface="AdobeClean-Light"/>
+                        </a:rPr>
+                        <a:t>s </a:t>
+                      </a:r>
+                      <a:r>
+                        <a:rPr sz="900" spc="0">
+                          <a:solidFill>
+                            <a:srgbClr val="020302"/>
+                          </a:solidFill>
+                          <a:latin typeface="AdobeClean-Light"/>
+                          <a:cs typeface="AdobeClean-Light"/>
+                        </a:rPr>
+                        <a:t>/</a:t>
+                      </a:r>
+                      <a:r>
+                        <a:rPr lang="en-US" sz="900" spc="0">
+                          <a:solidFill>
+                            <a:srgbClr val="020302"/>
+                          </a:solidFill>
+                          <a:latin typeface="AdobeClean-Light"/>
+                          <a:cs typeface="AdobeClean-Light"/>
+                        </a:rPr>
+                        <a:t> </a:t>
+                      </a:r>
+                      <a:r>
+                        <a:rPr sz="900" spc="0">
+                          <a:solidFill>
+                            <a:srgbClr val="020302"/>
+                          </a:solidFill>
+                          <a:latin typeface="AdobeClean-Light"/>
+                          <a:cs typeface="AdobeClean-Light"/>
+                        </a:rPr>
+                        <a:t>1 day</a:t>
+                      </a:r>
+                      <a:endParaRPr sz="900" spc="0">
+                        <a:latin typeface="AdobeClean-Light"/>
+                        <a:cs typeface="AdobeClean-Light"/>
+                      </a:endParaRPr>
                     </a:p>
                   </a:txBody>
-                  <a:tcPr anchor="ctr">
+                  <a:tcPr marL="0" marR="0" marT="91440" marB="91440" anchor="ctr" anchorCtr="1">
                     <a:lnL w="3175">
                       <a:solidFill>
                         <a:srgbClr val="B7B8B8"/>
@@ -3168,14 +3815,14 @@
           <p:nvPr>
             <p:extLst>
               <p:ext uri="{D42A27DB-BD31-4B8C-83A1-F6EECF244321}">
-                <p14:modId xmlns:p14="http://schemas.microsoft.com/office/powerpoint/2010/main" val="1673839485"/>
+                <p14:modId xmlns:p14="http://schemas.microsoft.com/office/powerpoint/2010/main" val="116851390"/>
               </p:ext>
             </p:extLst>
           </p:nvPr>
         </p:nvGraphicFramePr>
         <p:xfrm>
           <a:off x="121147" y="2120949"/>
-          <a:ext cx="7498851" cy="4915883"/>
+          <a:ext cx="7498851" cy="4714546"/>
         </p:xfrm>
         <a:graphic>
           <a:graphicData uri="http://schemas.openxmlformats.org/drawingml/2006/table">
@@ -3219,10 +3866,7 @@
                     <a:bodyPr/>
                     <a:lstStyle/>
                     <a:p>
-                      <a:endParaRPr lang="en-US" dirty="0">
-                        <a:latin typeface="Adobe Clean Han Regular" panose="020B0500000000000000" pitchFamily="34" charset="-128"/>
-                        <a:ea typeface="Adobe Clean Han Regular" panose="020B0500000000000000" pitchFamily="34" charset="-128"/>
-                      </a:endParaRPr>
+                      <a:endParaRPr lang="en-US"/>
                     </a:p>
                   </a:txBody>
                   <a:tcPr/>
@@ -3260,16 +3904,39 @@
                         <a:defRPr/>
                       </a:pPr>
                       <a:r>
-                        <a:rPr lang="ja-JP" sz="900" dirty="0">
+                        <a:rPr lang="en-US" sz="900" spc="-20">
                           <a:solidFill>
                             <a:srgbClr val="404040"/>
                           </a:solidFill>
-                          <a:latin typeface="Adobe Clean Han Regular" panose="020B0500000000000000" pitchFamily="34" charset="-128"/>
-                          <a:ea typeface="Adobe Clean Han Regular" panose="020B0500000000000000" pitchFamily="34" charset="-128"/>
+                          <a:latin typeface="Adobe Clean"/>
                           <a:cs typeface="Adobe Clean"/>
                         </a:rPr>
-                        <a:t>オンラインサポート</a:t>
+                        <a:t>Online </a:t>
                       </a:r>
+                      <a:r>
+                        <a:rPr lang="en-US" sz="900" spc="-135">
+                          <a:solidFill>
+                            <a:srgbClr val="404040"/>
+                          </a:solidFill>
+                          <a:latin typeface="Adobe Clean"/>
+                          <a:cs typeface="Adobe Clean"/>
+                        </a:rPr>
+                        <a:t> </a:t>
+                      </a:r>
+                      <a:r>
+                        <a:rPr lang="en-US" sz="900" spc="-20">
+                          <a:solidFill>
+                            <a:srgbClr val="404040"/>
+                          </a:solidFill>
+                          <a:latin typeface="Adobe Clean"/>
+                          <a:cs typeface="Adobe Clean"/>
+                        </a:rPr>
+                        <a:t>Support</a:t>
+                      </a:r>
+                      <a:endParaRPr lang="en-US" sz="900">
+                        <a:latin typeface="Adobe Clean"/>
+                        <a:cs typeface="Adobe Clean"/>
+                      </a:endParaRPr>
                     </a:p>
                   </a:txBody>
                   <a:tcPr marL="0" marR="0" marT="7620" marB="0" anchor="ctr">
@@ -3310,16 +3977,39 @@
                         </a:spcBef>
                       </a:pPr>
                       <a:r>
-                        <a:rPr lang="ja-JP" sz="900" dirty="0">
+                        <a:rPr sz="900" spc="-20">
                           <a:solidFill>
                             <a:srgbClr val="FFFFFF"/>
                           </a:solidFill>
-                          <a:latin typeface="Adobe Clean Han Regular" panose="020B0500000000000000" pitchFamily="34" charset="-128"/>
-                          <a:ea typeface="Adobe Clean Han Regular" panose="020B0500000000000000" pitchFamily="34" charset="-128"/>
+                          <a:latin typeface="Adobe Clean"/>
                           <a:cs typeface="Adobe Clean"/>
                         </a:rPr>
-                        <a:t>ビジネスサポート</a:t>
+                        <a:t>Business</a:t>
                       </a:r>
+                      <a:r>
+                        <a:rPr lang="en-US" sz="900" spc="-20">
+                          <a:solidFill>
+                            <a:srgbClr val="FFFFFF"/>
+                          </a:solidFill>
+                          <a:latin typeface="Adobe Clean"/>
+                          <a:cs typeface="Adobe Clean"/>
+                        </a:rPr>
+                        <a:t> </a:t>
+                      </a:r>
+                      <a:r>
+                        <a:rPr sz="900" spc="-20">
+                          <a:solidFill>
+                            <a:srgbClr val="FFFFFF"/>
+                          </a:solidFill>
+                          <a:latin typeface="Adobe Clean"/>
+                          <a:cs typeface="Adobe Clean"/>
+                        </a:rPr>
+                        <a:t>Support</a:t>
+                      </a:r>
+                      <a:endParaRPr sz="900">
+                        <a:latin typeface="Adobe Clean"/>
+                        <a:cs typeface="Adobe Clean"/>
+                      </a:endParaRPr>
                     </a:p>
                   </a:txBody>
                   <a:tcPr marL="0" marR="0" marT="7620" marB="0" anchor="ctr">
@@ -3364,10 +4054,7 @@
                     <a:bodyPr/>
                     <a:lstStyle/>
                     <a:p>
-                      <a:endParaRPr lang="en-US">
-                        <a:latin typeface="Adobe Clean Han Regular" panose="020B0500000000000000" pitchFamily="34" charset="-128"/>
-                        <a:ea typeface="Adobe Clean Han Regular" panose="020B0500000000000000" pitchFamily="34" charset="-128"/>
-                      </a:endParaRPr>
+                      <a:endParaRPr lang="en-US"/>
                     </a:p>
                   </a:txBody>
                   <a:tcPr/>
@@ -3387,7 +4074,7 @@
                     <a:bodyPr/>
                     <a:lstStyle/>
                     <a:p>
-                      <a:pPr marL="0" marR="0" lvl="0" indent="0" algn="l" defTabSz="914400" rtl="0" eaLnBrk="1" fontAlgn="auto" latinLnBrk="0" hangingPunct="1">
+                      <a:pPr marL="0" marR="0" lvl="0" indent="0" algn="ctr" defTabSz="914400" eaLnBrk="1" fontAlgn="auto" latinLnBrk="0" hangingPunct="1">
                         <a:lnSpc>
                           <a:spcPct val="100000"/>
                         </a:lnSpc>
@@ -3404,12 +4091,11 @@
                         <a:tabLst/>
                         <a:defRPr/>
                       </a:pPr>
-                      <a:endParaRPr lang="en-US" sz="800" i="1" dirty="0">
+                      <a:endParaRPr lang="en-US" sz="800" i="1">
                         <a:solidFill>
                           <a:sysClr val="windowText" lastClr="000000"/>
                         </a:solidFill>
-                        <a:latin typeface="Adobe Clean Han Regular" panose="020B0500000000000000" pitchFamily="34" charset="-128"/>
-                        <a:ea typeface="Adobe Clean Han Regular" panose="020B0500000000000000" pitchFamily="34" charset="-128"/>
+                        <a:latin typeface="Adobe Clean Light" panose="020B0303020404020204" pitchFamily="34" charset="0"/>
                       </a:endParaRPr>
                     </a:p>
                   </a:txBody>
@@ -3469,14 +4155,13 @@
                         <a:defRPr/>
                       </a:pPr>
                       <a:r>
-                        <a:rPr lang="ja-JP" sz="800" i="1" dirty="0">
+                        <a:rPr lang="en-US" sz="800" i="1">
                           <a:solidFill>
                             <a:schemeClr val="bg1"/>
                           </a:solidFill>
-                          <a:latin typeface="Adobe Clean Han Regular" panose="020B0500000000000000" pitchFamily="34" charset="-128"/>
-                          <a:ea typeface="Adobe Clean Han Regular" panose="020B0500000000000000" pitchFamily="34" charset="-128"/>
+                          <a:latin typeface="Adobe Clean Light" panose="020B0303020404020204" pitchFamily="34" charset="0"/>
                         </a:rPr>
-                        <a:t>有償サポート（$）</a:t>
+                        <a:t>Paid Support ($)</a:t>
                       </a:r>
                     </a:p>
                   </a:txBody>
@@ -3540,16 +4225,22 @@
                         </a:spcBef>
                       </a:pPr>
                       <a:r>
-                        <a:rPr lang="ja-JP" sz="1000" b="1" i="0" dirty="0">
+                        <a:rPr lang="en-US" sz="1000" b="1" i="0" spc="0">
                           <a:solidFill>
                             <a:schemeClr val="bg1"/>
                           </a:solidFill>
-                          <a:latin typeface="Adobe Clean Han Regular" panose="020B0500000000000000" pitchFamily="34" charset="-128"/>
-                          <a:ea typeface="Adobe Clean Han Regular" panose="020B0500000000000000" pitchFamily="34" charset="-128"/>
+                          <a:latin typeface="Adobe Clean" panose="020B0503020404020204" pitchFamily="34" charset="0"/>
                           <a:cs typeface="AdobeClean-Light"/>
                         </a:rPr>
-                        <a:t>担当エキスパート</a:t>
+                        <a:t>Assigned Experts</a:t>
                       </a:r>
+                      <a:endParaRPr sz="1000" b="1" i="0" spc="0">
+                        <a:solidFill>
+                          <a:schemeClr val="bg1"/>
+                        </a:solidFill>
+                        <a:latin typeface="Adobe Clean" panose="020B0503020404020204" pitchFamily="34" charset="0"/>
+                        <a:cs typeface="AdobeClean-Light"/>
+                      </a:endParaRPr>
                     </a:p>
                   </a:txBody>
                   <a:tcPr marL="0" marR="0" marT="58419" marB="0" anchor="ctr">
@@ -3596,16 +4287,19 @@
                         </a:spcBef>
                       </a:pPr>
                       <a:r>
-                        <a:rPr lang="ja-JP" sz="900">
+                        <a:rPr sz="900" spc="0">
                           <a:solidFill>
                             <a:srgbClr val="020302"/>
                           </a:solidFill>
-                          <a:latin typeface="Adobe Clean Han Regular" panose="020B0500000000000000" pitchFamily="34" charset="-128"/>
-                          <a:ea typeface="Adobe Clean Han Regular" panose="020B0500000000000000" pitchFamily="34" charset="-128"/>
+                          <a:latin typeface="AdobeClean-Light"/>
                           <a:cs typeface="AdobeClean-Light"/>
                         </a:rPr>
-                        <a:t>アカウントサポートリード</a:t>
+                        <a:t>Account Support Lead</a:t>
                       </a:r>
+                      <a:endParaRPr sz="900" spc="0">
+                        <a:latin typeface="AdobeClean-Light"/>
+                        <a:cs typeface="AdobeClean-Light"/>
+                      </a:endParaRPr>
                     </a:p>
                   </a:txBody>
                   <a:tcPr marL="0" marR="0" marT="58419" marB="0">
@@ -3640,7 +4334,7 @@
                     <a:bodyPr/>
                     <a:lstStyle/>
                     <a:p>
-                      <a:pPr algn="l" rtl="0">
+                      <a:pPr algn="ctr">
                         <a:lnSpc>
                           <a:spcPct val="100000"/>
                         </a:lnSpc>
@@ -3649,8 +4343,7 @@
                         </a:spcBef>
                       </a:pPr>
                       <a:endParaRPr sz="900">
-                        <a:latin typeface="Adobe Clean Han Regular" panose="020B0500000000000000" pitchFamily="34" charset="-128"/>
-                        <a:ea typeface="Adobe Clean Han Regular" panose="020B0500000000000000" pitchFamily="34" charset="-128"/>
+                        <a:latin typeface="Wingdings"/>
                         <a:cs typeface="Wingdings"/>
                       </a:endParaRPr>
                     </a:p>
@@ -3691,16 +4384,19 @@
                         </a:spcBef>
                       </a:pPr>
                       <a:r>
-                        <a:rPr lang="ja-JP" sz="900">
+                        <a:rPr sz="900">
                           <a:solidFill>
                             <a:srgbClr val="020302"/>
                           </a:solidFill>
-                          <a:latin typeface="Adobe Clean Han Regular" panose="020B0500000000000000" pitchFamily="34" charset="-128"/>
-                          <a:ea typeface="Adobe Clean Han Regular" panose="020B0500000000000000" pitchFamily="34" charset="-128"/>
+                          <a:latin typeface="Wingdings"/>
                           <a:cs typeface="Wingdings"/>
                         </a:rPr>
                         <a:t></a:t>
                       </a:r>
+                      <a:endParaRPr sz="900">
+                        <a:latin typeface="Wingdings"/>
+                        <a:cs typeface="Wingdings"/>
+                      </a:endParaRPr>
                     </a:p>
                   </a:txBody>
                   <a:tcPr marL="0" marR="0" marT="59690" marB="0" anchor="ctr">
@@ -3732,7 +4428,7 @@
                     <a:bodyPr/>
                     <a:lstStyle/>
                     <a:p>
-                      <a:pPr marL="50800" algn="l" rtl="0">
+                      <a:pPr marL="50800">
                         <a:lnSpc>
                           <a:spcPct val="100000"/>
                         </a:lnSpc>
@@ -3778,16 +4474,19 @@
                         </a:spcBef>
                       </a:pPr>
                       <a:r>
-                        <a:rPr lang="ja-JP" sz="900">
+                        <a:rPr sz="900" spc="0">
                           <a:solidFill>
                             <a:srgbClr val="020302"/>
                           </a:solidFill>
-                          <a:latin typeface="Adobe Clean Han Regular" panose="020B0500000000000000" pitchFamily="34" charset="-128"/>
-                          <a:ea typeface="Adobe Clean Han Regular" panose="020B0500000000000000" pitchFamily="34" charset="-128"/>
+                          <a:latin typeface="AdobeClean-Light"/>
                           <a:cs typeface="AdobeClean-Light"/>
                         </a:rPr>
-                        <a:t>専任サポートエンジニア</a:t>
+                        <a:t>Named Support Engineer</a:t>
                       </a:r>
+                      <a:endParaRPr sz="900" spc="0">
+                        <a:latin typeface="AdobeClean-Light"/>
+                        <a:cs typeface="AdobeClean-Light"/>
+                      </a:endParaRPr>
                     </a:p>
                   </a:txBody>
                   <a:tcPr marL="0" marR="0" marT="58419" marB="0">
@@ -3810,14 +4509,13 @@
                     <a:bodyPr/>
                     <a:lstStyle/>
                     <a:p>
-                      <a:pPr algn="l" rtl="0">
+                      <a:pPr algn="ctr">
                         <a:lnSpc>
                           <a:spcPct val="100000"/>
                         </a:lnSpc>
                       </a:pPr>
                       <a:endParaRPr sz="900">
-                        <a:latin typeface="Adobe Clean Han Regular" panose="020B0500000000000000" pitchFamily="34" charset="-128"/>
-                        <a:ea typeface="Adobe Clean Han Regular" panose="020B0500000000000000" pitchFamily="34" charset="-128"/>
+                        <a:latin typeface="Times New Roman"/>
                         <a:cs typeface="Times New Roman"/>
                       </a:endParaRPr>
                     </a:p>
@@ -3840,14 +4538,13 @@
                     <a:bodyPr/>
                     <a:lstStyle/>
                     <a:p>
-                      <a:pPr algn="l" rtl="0">
+                      <a:pPr algn="ctr">
                         <a:lnSpc>
                           <a:spcPct val="100000"/>
                         </a:lnSpc>
                       </a:pPr>
                       <a:endParaRPr sz="900">
-                        <a:latin typeface="Adobe Clean Han Regular" panose="020B0500000000000000" pitchFamily="34" charset="-128"/>
-                        <a:ea typeface="Adobe Clean Han Regular" panose="020B0500000000000000" pitchFamily="34" charset="-128"/>
+                        <a:latin typeface="Times New Roman"/>
                         <a:cs typeface="Times New Roman"/>
                       </a:endParaRPr>
                     </a:p>
@@ -3872,7 +4569,7 @@
                     <a:bodyPr/>
                     <a:lstStyle/>
                     <a:p>
-                      <a:pPr marL="50800" algn="l" rtl="0">
+                      <a:pPr marL="50800">
                         <a:lnSpc>
                           <a:spcPct val="100000"/>
                         </a:lnSpc>
@@ -3930,16 +4627,19 @@
                         </a:spcBef>
                       </a:pPr>
                       <a:r>
-                        <a:rPr lang="ja-JP" sz="900">
+                        <a:rPr sz="900" spc="0">
                           <a:solidFill>
                             <a:srgbClr val="020302"/>
                           </a:solidFill>
-                          <a:latin typeface="Adobe Clean Han Regular" panose="020B0500000000000000" pitchFamily="34" charset="-128"/>
-                          <a:ea typeface="Adobe Clean Han Regular" panose="020B0500000000000000" pitchFamily="34" charset="-128"/>
+                          <a:latin typeface="AdobeClean-Light"/>
                           <a:cs typeface="AdobeClean-Light"/>
                         </a:rPr>
-                        <a:t>テクニカルアカウントマネージャー</a:t>
+                        <a:t>Technical Account Manager</a:t>
                       </a:r>
+                      <a:endParaRPr sz="900" spc="0">
+                        <a:latin typeface="AdobeClean-Light"/>
+                        <a:cs typeface="AdobeClean-Light"/>
+                      </a:endParaRPr>
                     </a:p>
                   </a:txBody>
                   <a:tcPr marL="0" marR="0" marT="63500" marB="0">
@@ -3968,14 +4668,13 @@
                     <a:bodyPr/>
                     <a:lstStyle/>
                     <a:p>
-                      <a:pPr algn="l" rtl="0">
+                      <a:pPr algn="ctr">
                         <a:lnSpc>
                           <a:spcPct val="100000"/>
                         </a:lnSpc>
                       </a:pPr>
                       <a:endParaRPr sz="900">
-                        <a:latin typeface="Adobe Clean Han Regular" panose="020B0500000000000000" pitchFamily="34" charset="-128"/>
-                        <a:ea typeface="Adobe Clean Han Regular" panose="020B0500000000000000" pitchFamily="34" charset="-128"/>
+                        <a:latin typeface="Times New Roman"/>
                         <a:cs typeface="Times New Roman"/>
                       </a:endParaRPr>
                     </a:p>
@@ -4007,14 +4706,13 @@
                     <a:bodyPr/>
                     <a:lstStyle/>
                     <a:p>
-                      <a:pPr algn="l" rtl="0">
+                      <a:pPr algn="ctr">
                         <a:lnSpc>
                           <a:spcPct val="100000"/>
                         </a:lnSpc>
                       </a:pPr>
                       <a:endParaRPr sz="900">
-                        <a:latin typeface="Adobe Clean Han Regular" panose="020B0500000000000000" pitchFamily="34" charset="-128"/>
-                        <a:ea typeface="Adobe Clean Han Regular" panose="020B0500000000000000" pitchFamily="34" charset="-128"/>
+                        <a:latin typeface="Times New Roman"/>
                         <a:cs typeface="Times New Roman"/>
                       </a:endParaRPr>
                     </a:p>
@@ -4057,16 +4755,22 @@
                         </a:spcBef>
                       </a:pPr>
                       <a:r>
-                        <a:rPr lang="ja-JP" sz="1000" b="1" i="0" dirty="0">
+                        <a:rPr lang="en-US" sz="1000" b="1" i="0" spc="0">
                           <a:solidFill>
                             <a:schemeClr val="bg1"/>
                           </a:solidFill>
-                          <a:latin typeface="Adobe Clean Han Regular" panose="020B0500000000000000" pitchFamily="34" charset="-128"/>
-                          <a:ea typeface="Adobe Clean Han Regular" panose="020B0500000000000000" pitchFamily="34" charset="-128"/>
+                          <a:latin typeface="Adobe Clean" panose="020B0503020404020204" pitchFamily="34" charset="0"/>
                           <a:cs typeface="AdobeClean-Light"/>
                         </a:rPr>
-                        <a:t>サポートサービス</a:t>
+                        <a:t>Support Services</a:t>
                       </a:r>
+                      <a:endParaRPr sz="1000" b="1" i="0" spc="0">
+                        <a:solidFill>
+                          <a:schemeClr val="bg1"/>
+                        </a:solidFill>
+                        <a:latin typeface="Adobe Clean" panose="020B0503020404020204" pitchFamily="34" charset="0"/>
+                        <a:cs typeface="AdobeClean-Light"/>
+                      </a:endParaRPr>
                     </a:p>
                   </a:txBody>
                   <a:tcPr marL="0" marR="0" marT="57150" marB="0" anchor="ctr">
@@ -4122,16 +4826,29 @@
                         </a:spcBef>
                       </a:pPr>
                       <a:r>
-                        <a:rPr lang="ja-JP" sz="900">
+                        <a:rPr lang="en-US" sz="900" spc="0">
                           <a:solidFill>
                             <a:srgbClr val="020302"/>
                           </a:solidFill>
-                          <a:latin typeface="Adobe Clean Han Regular" panose="020B0500000000000000" pitchFamily="34" charset="-128"/>
-                          <a:ea typeface="Adobe Clean Han Regular" panose="020B0500000000000000" pitchFamily="34" charset="-128"/>
+                          <a:latin typeface="AdobeClean-Light"/>
                           <a:cs typeface="AdobeClean-Light"/>
                         </a:rPr>
-                        <a:t>オンラインサポート</a:t>
+                        <a:t>Online</a:t>
                       </a:r>
+                      <a:r>
+                        <a:rPr sz="900" spc="0">
+                          <a:solidFill>
+                            <a:srgbClr val="020302"/>
+                          </a:solidFill>
+                          <a:latin typeface="AdobeClean-Light"/>
+                          <a:cs typeface="AdobeClean-Light"/>
+                        </a:rPr>
+                        <a:t> Support</a:t>
+                      </a:r>
+                      <a:endParaRPr sz="900" spc="0">
+                        <a:latin typeface="AdobeClean-Light"/>
+                        <a:cs typeface="AdobeClean-Light"/>
+                      </a:endParaRPr>
                     </a:p>
                   </a:txBody>
                   <a:tcPr marL="0" marR="0" marT="57150" marB="0">
@@ -4169,16 +4886,39 @@
                         </a:spcBef>
                       </a:pPr>
                       <a:r>
-                        <a:rPr lang="ja-JP" sz="900">
+                        <a:rPr sz="900" spc="-25">
                           <a:solidFill>
                             <a:srgbClr val="020302"/>
                           </a:solidFill>
-                          <a:latin typeface="Adobe Clean Han Regular" panose="020B0500000000000000" pitchFamily="34" charset="-128"/>
-                          <a:ea typeface="Adobe Clean Han Regular" panose="020B0500000000000000" pitchFamily="34" charset="-128"/>
+                          <a:latin typeface="AdobeClean-Light"/>
                           <a:cs typeface="AdobeClean-Light"/>
                         </a:rPr>
-                        <a:t>営業時間</a:t>
+                        <a:t>Business</a:t>
                       </a:r>
+                      <a:r>
+                        <a:rPr sz="900" spc="-15">
+                          <a:solidFill>
+                            <a:srgbClr val="020302"/>
+                          </a:solidFill>
+                          <a:latin typeface="AdobeClean-Light"/>
+                          <a:cs typeface="AdobeClean-Light"/>
+                        </a:rPr>
+                        <a:t> </a:t>
+                      </a:r>
+                      <a:r>
+                        <a:rPr sz="900" spc="-30">
+                          <a:solidFill>
+                            <a:srgbClr val="020302"/>
+                          </a:solidFill>
+                          <a:latin typeface="AdobeClean-Light"/>
+                          <a:cs typeface="AdobeClean-Light"/>
+                        </a:rPr>
+                        <a:t>hours</a:t>
+                      </a:r>
+                      <a:endParaRPr sz="900">
+                        <a:latin typeface="AdobeClean-Light"/>
+                        <a:cs typeface="AdobeClean-Light"/>
+                      </a:endParaRPr>
                     </a:p>
                   </a:txBody>
                   <a:tcPr marL="0" marR="0" marT="67945" marB="0">
@@ -4217,16 +4957,39 @@
                         </a:spcBef>
                       </a:pPr>
                       <a:r>
-                        <a:rPr lang="ja-JP" sz="900">
+                        <a:rPr sz="900" spc="-25">
                           <a:solidFill>
                             <a:srgbClr val="020302"/>
                           </a:solidFill>
-                          <a:latin typeface="Adobe Clean Han Regular" panose="020B0500000000000000" pitchFamily="34" charset="-128"/>
-                          <a:ea typeface="Adobe Clean Han Regular" panose="020B0500000000000000" pitchFamily="34" charset="-128"/>
+                          <a:latin typeface="AdobeClean-Light"/>
                           <a:cs typeface="AdobeClean-Light"/>
                         </a:rPr>
-                        <a:t>営業時間</a:t>
+                        <a:t>Business</a:t>
                       </a:r>
+                      <a:r>
+                        <a:rPr sz="900" spc="-15">
+                          <a:solidFill>
+                            <a:srgbClr val="020302"/>
+                          </a:solidFill>
+                          <a:latin typeface="AdobeClean-Light"/>
+                          <a:cs typeface="AdobeClean-Light"/>
+                        </a:rPr>
+                        <a:t> </a:t>
+                      </a:r>
+                      <a:r>
+                        <a:rPr sz="900" spc="-30">
+                          <a:solidFill>
+                            <a:srgbClr val="020302"/>
+                          </a:solidFill>
+                          <a:latin typeface="AdobeClean-Light"/>
+                          <a:cs typeface="AdobeClean-Light"/>
+                        </a:rPr>
+                        <a:t>hours</a:t>
+                      </a:r>
+                      <a:endParaRPr sz="900">
+                        <a:latin typeface="AdobeClean-Light"/>
+                        <a:cs typeface="AdobeClean-Light"/>
+                      </a:endParaRPr>
                     </a:p>
                   </a:txBody>
                   <a:tcPr marL="0" marR="0" marT="67945" marB="0">
@@ -4258,7 +5021,7 @@
                     <a:bodyPr/>
                     <a:lstStyle/>
                     <a:p>
-                      <a:pPr marL="50800" algn="l" rtl="0">
+                      <a:pPr marL="50800">
                         <a:lnSpc>
                           <a:spcPct val="100000"/>
                         </a:lnSpc>
@@ -4307,16 +5070,39 @@
                         </a:spcBef>
                       </a:pPr>
                       <a:r>
-                        <a:rPr lang="ja-JP" sz="900">
+                        <a:rPr sz="900" spc="0">
                           <a:solidFill>
                             <a:srgbClr val="020302"/>
                           </a:solidFill>
-                          <a:latin typeface="Adobe Clean Han Regular" panose="020B0500000000000000" pitchFamily="34" charset="-128"/>
-                          <a:ea typeface="Adobe Clean Han Regular" panose="020B0500000000000000" pitchFamily="34" charset="-128"/>
+                          <a:latin typeface="AdobeClean-Light"/>
                           <a:cs typeface="AdobeClean-Light"/>
                         </a:rPr>
-                        <a:t>24 時間年中無休の P1 の問題のサポート</a:t>
+                        <a:t>24x7</a:t>
                       </a:r>
+                      <a:r>
+                        <a:rPr lang="en-US" sz="900" spc="0">
+                          <a:solidFill>
+                            <a:srgbClr val="020302"/>
+                          </a:solidFill>
+                          <a:latin typeface="AdobeClean-Light"/>
+                          <a:cs typeface="AdobeClean-Light"/>
+                        </a:rPr>
+                        <a:t>x365</a:t>
+                      </a:r>
+                      <a:r>
+                        <a:rPr sz="900" spc="0">
+                          <a:solidFill>
+                            <a:srgbClr val="020302"/>
+                          </a:solidFill>
+                          <a:latin typeface="AdobeClean-Light"/>
+                          <a:cs typeface="AdobeClean-Light"/>
+                        </a:rPr>
+                        <a:t> P1 Issue Support</a:t>
+                      </a:r>
+                      <a:endParaRPr sz="900" spc="0">
+                        <a:latin typeface="AdobeClean-Light"/>
+                        <a:cs typeface="AdobeClean-Light"/>
+                      </a:endParaRPr>
                     </a:p>
                   </a:txBody>
                   <a:tcPr marL="0" marR="0" marT="57785" marB="0">
@@ -4348,16 +5134,19 @@
                         </a:spcBef>
                       </a:pPr>
                       <a:r>
-                        <a:rPr lang="ja-JP" sz="900" dirty="0">
+                        <a:rPr sz="900">
                           <a:solidFill>
                             <a:srgbClr val="020302"/>
                           </a:solidFill>
-                          <a:latin typeface="Adobe Clean Han Regular" panose="020B0500000000000000" pitchFamily="34" charset="-128"/>
-                          <a:ea typeface="Adobe Clean Han Regular" panose="020B0500000000000000" pitchFamily="34" charset="-128"/>
+                          <a:latin typeface="Wingdings"/>
                           <a:cs typeface="Wingdings"/>
                         </a:rPr>
                         <a:t></a:t>
                       </a:r>
+                      <a:endParaRPr sz="900">
+                        <a:latin typeface="Wingdings"/>
+                        <a:cs typeface="Wingdings"/>
+                      </a:endParaRPr>
                     </a:p>
                   </a:txBody>
                   <a:tcPr marL="0" marR="0" marT="58419" marB="0">
@@ -4387,16 +5176,19 @@
                         </a:spcBef>
                       </a:pPr>
                       <a:r>
-                        <a:rPr lang="ja-JP" sz="900" dirty="0">
+                        <a:rPr sz="900">
                           <a:solidFill>
                             <a:srgbClr val="020302"/>
                           </a:solidFill>
-                          <a:latin typeface="Adobe Clean Han Regular" panose="020B0500000000000000" pitchFamily="34" charset="-128"/>
-                          <a:ea typeface="Adobe Clean Han Regular" panose="020B0500000000000000" pitchFamily="34" charset="-128"/>
+                          <a:latin typeface="Wingdings"/>
                           <a:cs typeface="Wingdings"/>
                         </a:rPr>
                         <a:t></a:t>
                       </a:r>
+                      <a:endParaRPr sz="900">
+                        <a:latin typeface="Wingdings"/>
+                        <a:cs typeface="Wingdings"/>
+                      </a:endParaRPr>
                     </a:p>
                   </a:txBody>
                   <a:tcPr marL="0" marR="0" marT="58419" marB="0">
@@ -4419,7 +5211,7 @@
                     <a:bodyPr/>
                     <a:lstStyle/>
                     <a:p>
-                      <a:pPr marL="50800" algn="l" rtl="0">
+                      <a:pPr marL="50800">
                         <a:lnSpc>
                           <a:spcPct val="100000"/>
                         </a:lnSpc>
@@ -4477,16 +5269,19 @@
                         </a:spcBef>
                       </a:pPr>
                       <a:r>
-                        <a:rPr lang="ja-JP" sz="900">
+                        <a:rPr lang="en-US" sz="900" spc="0">
                           <a:solidFill>
                             <a:srgbClr val="020302"/>
                           </a:solidFill>
-                          <a:latin typeface="Adobe Clean Han Regular" panose="020B0500000000000000" pitchFamily="34" charset="-128"/>
-                          <a:ea typeface="Adobe Clean Han Regular" panose="020B0500000000000000" pitchFamily="34" charset="-128"/>
+                          <a:latin typeface="AdobeClean-Light"/>
                           <a:cs typeface="AdobeClean-Light"/>
                         </a:rPr>
-                        <a:t>サポート対象ユーザー（製品単位）</a:t>
+                        <a:t>Named Support Contacts (per product)</a:t>
                       </a:r>
+                      <a:endParaRPr sz="900" spc="0">
+                        <a:latin typeface="AdobeClean-Light"/>
+                        <a:cs typeface="AdobeClean-Light"/>
+                      </a:endParaRPr>
                     </a:p>
                   </a:txBody>
                   <a:tcPr marL="0" marR="0" marT="57785" marB="0">
@@ -4524,16 +5319,19 @@
                         </a:spcBef>
                       </a:pPr>
                       <a:r>
-                        <a:rPr lang="ja-JP" sz="900">
+                        <a:rPr sz="900">
                           <a:solidFill>
                             <a:srgbClr val="020302"/>
                           </a:solidFill>
-                          <a:latin typeface="Adobe Clean Han Regular" panose="020B0500000000000000" pitchFamily="34" charset="-128"/>
-                          <a:ea typeface="Adobe Clean Han Regular" panose="020B0500000000000000" pitchFamily="34" charset="-128"/>
+                          <a:latin typeface="AdobeClean-Light"/>
                           <a:cs typeface="AdobeClean-Light"/>
                         </a:rPr>
                         <a:t>4</a:t>
                       </a:r>
+                      <a:endParaRPr sz="900">
+                        <a:latin typeface="AdobeClean-Light"/>
+                        <a:cs typeface="AdobeClean-Light"/>
+                      </a:endParaRPr>
                     </a:p>
                   </a:txBody>
                   <a:tcPr marL="0" marR="0" marT="57785" marB="0">
@@ -4563,16 +5361,19 @@
                         </a:spcBef>
                       </a:pPr>
                       <a:r>
-                        <a:rPr lang="ja-JP" sz="900">
+                        <a:rPr sz="900">
                           <a:solidFill>
                             <a:srgbClr val="020302"/>
                           </a:solidFill>
-                          <a:latin typeface="Adobe Clean Han Regular" panose="020B0500000000000000" pitchFamily="34" charset="-128"/>
-                          <a:ea typeface="Adobe Clean Han Regular" panose="020B0500000000000000" pitchFamily="34" charset="-128"/>
+                          <a:latin typeface="AdobeClean-Light"/>
                           <a:cs typeface="AdobeClean-Light"/>
                         </a:rPr>
                         <a:t>6</a:t>
                       </a:r>
+                      <a:endParaRPr sz="900">
+                        <a:latin typeface="AdobeClean-Light"/>
+                        <a:cs typeface="AdobeClean-Light"/>
+                      </a:endParaRPr>
                     </a:p>
                   </a:txBody>
                   <a:tcPr marL="0" marR="0" marT="57785" marB="0">
@@ -4595,7 +5396,7 @@
                     <a:bodyPr/>
                     <a:lstStyle/>
                     <a:p>
-                      <a:pPr marL="50800" algn="l" rtl="0">
+                      <a:pPr marL="50800">
                         <a:lnSpc>
                           <a:spcPct val="100000"/>
                         </a:lnSpc>
@@ -4644,16 +5445,19 @@
                         </a:spcBef>
                       </a:pPr>
                       <a:r>
-                        <a:rPr lang="ja-JP" sz="900">
+                        <a:rPr lang="en-US" sz="900" spc="0">
                           <a:solidFill>
                             <a:srgbClr val="020302"/>
                           </a:solidFill>
-                          <a:latin typeface="Adobe Clean Han Regular" panose="020B0500000000000000" pitchFamily="34" charset="-128"/>
-                          <a:ea typeface="Adobe Clean Han Regular" panose="020B0500000000000000" pitchFamily="34" charset="-128"/>
+                          <a:latin typeface="AdobeClean-Light"/>
                           <a:cs typeface="AdobeClean-Light"/>
                         </a:rPr>
-                        <a:t>電話サポート（ライブ）</a:t>
+                        <a:t>Live Telephone Support</a:t>
                       </a:r>
+                      <a:endParaRPr sz="900" spc="0">
+                        <a:latin typeface="AdobeClean-Light"/>
+                        <a:cs typeface="AdobeClean-Light"/>
+                      </a:endParaRPr>
                     </a:p>
                   </a:txBody>
                   <a:tcPr marL="0" marR="0" marT="57785" marB="0">
@@ -4676,7 +5480,7 @@
                     <a:bodyPr/>
                     <a:lstStyle/>
                     <a:p>
-                      <a:pPr algn="l" rtl="0">
+                      <a:pPr algn="ctr">
                         <a:lnSpc>
                           <a:spcPct val="100000"/>
                         </a:lnSpc>
@@ -4685,8 +5489,7 @@
                         </a:spcBef>
                       </a:pPr>
                       <a:endParaRPr sz="900">
-                        <a:latin typeface="Adobe Clean Han Regular" panose="020B0500000000000000" pitchFamily="34" charset="-128"/>
-                        <a:ea typeface="Adobe Clean Han Regular" panose="020B0500000000000000" pitchFamily="34" charset="-128"/>
+                        <a:latin typeface="Wingdings"/>
                         <a:cs typeface="Wingdings"/>
                       </a:endParaRPr>
                     </a:p>
@@ -4718,16 +5521,19 @@
                         </a:spcBef>
                       </a:pPr>
                       <a:r>
-                        <a:rPr lang="ja-JP" sz="900">
+                        <a:rPr sz="900">
                           <a:solidFill>
                             <a:srgbClr val="020302"/>
                           </a:solidFill>
-                          <a:latin typeface="Adobe Clean Han Regular" panose="020B0500000000000000" pitchFamily="34" charset="-128"/>
-                          <a:ea typeface="Adobe Clean Han Regular" panose="020B0500000000000000" pitchFamily="34" charset="-128"/>
+                          <a:latin typeface="Wingdings"/>
                           <a:cs typeface="Wingdings"/>
                         </a:rPr>
                         <a:t></a:t>
                       </a:r>
+                      <a:endParaRPr sz="900">
+                        <a:latin typeface="Wingdings"/>
+                        <a:cs typeface="Wingdings"/>
+                      </a:endParaRPr>
                     </a:p>
                   </a:txBody>
                   <a:tcPr marL="0" marR="0" marT="59054" marB="0">
@@ -4750,7 +5556,7 @@
                     <a:bodyPr/>
                     <a:lstStyle/>
                     <a:p>
-                      <a:pPr marL="50800" algn="l" rtl="0">
+                      <a:pPr marL="50800">
                         <a:lnSpc>
                           <a:spcPct val="100000"/>
                         </a:lnSpc>
@@ -4799,16 +5605,19 @@
                         </a:spcBef>
                       </a:pPr>
                       <a:r>
-                        <a:rPr lang="ja-JP" sz="900" dirty="0">
+                        <a:rPr sz="900" spc="0">
                           <a:solidFill>
                             <a:srgbClr val="020302"/>
                           </a:solidFill>
-                          <a:latin typeface="Adobe Clean Han Regular" panose="020B0500000000000000" pitchFamily="34" charset="-128"/>
-                          <a:ea typeface="Adobe Clean Han Regular" panose="020B0500000000000000" pitchFamily="34" charset="-128"/>
+                          <a:latin typeface="AdobeClean-Light"/>
                           <a:cs typeface="AdobeClean-Light"/>
                         </a:rPr>
-                        <a:t>エスカレーション管理</a:t>
+                        <a:t>Escalation Management</a:t>
                       </a:r>
+                      <a:endParaRPr sz="900" spc="0">
+                        <a:latin typeface="AdobeClean-Light"/>
+                        <a:cs typeface="AdobeClean-Light"/>
+                      </a:endParaRPr>
                     </a:p>
                   </a:txBody>
                   <a:tcPr marL="0" marR="0" marT="58419" marB="0">
@@ -4831,7 +5640,7 @@
                     <a:bodyPr/>
                     <a:lstStyle/>
                     <a:p>
-                      <a:pPr algn="l" rtl="0">
+                      <a:pPr algn="ctr">
                         <a:lnSpc>
                           <a:spcPct val="100000"/>
                         </a:lnSpc>
@@ -4840,8 +5649,7 @@
                         </a:spcBef>
                       </a:pPr>
                       <a:endParaRPr sz="900">
-                        <a:latin typeface="Adobe Clean Han Regular" panose="020B0500000000000000" pitchFamily="34" charset="-128"/>
-                        <a:ea typeface="Adobe Clean Han Regular" panose="020B0500000000000000" pitchFamily="34" charset="-128"/>
+                        <a:latin typeface="Wingdings"/>
                         <a:cs typeface="Wingdings"/>
                       </a:endParaRPr>
                     </a:p>
@@ -4873,16 +5681,19 @@
                         </a:spcBef>
                       </a:pPr>
                       <a:r>
-                        <a:rPr lang="ja-JP" sz="900">
+                        <a:rPr sz="900">
                           <a:solidFill>
                             <a:srgbClr val="020302"/>
                           </a:solidFill>
-                          <a:latin typeface="Adobe Clean Han Regular" panose="020B0500000000000000" pitchFamily="34" charset="-128"/>
-                          <a:ea typeface="Adobe Clean Han Regular" panose="020B0500000000000000" pitchFamily="34" charset="-128"/>
+                          <a:latin typeface="Wingdings"/>
                           <a:cs typeface="Wingdings"/>
                         </a:rPr>
                         <a:t></a:t>
                       </a:r>
+                      <a:endParaRPr sz="900">
+                        <a:latin typeface="Wingdings"/>
+                        <a:cs typeface="Wingdings"/>
+                      </a:endParaRPr>
                     </a:p>
                   </a:txBody>
                   <a:tcPr marL="0" marR="0" marT="59690" marB="0">
@@ -4905,7 +5716,7 @@
                     <a:bodyPr/>
                     <a:lstStyle/>
                     <a:p>
-                      <a:pPr marL="50800" algn="l" rtl="0">
+                      <a:pPr marL="50800">
                         <a:lnSpc>
                           <a:spcPct val="100000"/>
                         </a:lnSpc>
@@ -4954,16 +5765,29 @@
                         </a:spcBef>
                       </a:pPr>
                       <a:r>
-                        <a:rPr lang="ja-JP" sz="900">
+                        <a:rPr sz="900" spc="0">
                           <a:solidFill>
                             <a:srgbClr val="020302"/>
                           </a:solidFill>
-                          <a:latin typeface="Adobe Clean Han Regular" panose="020B0500000000000000" pitchFamily="34" charset="-128"/>
-                          <a:ea typeface="Adobe Clean Han Regular" panose="020B0500000000000000" pitchFamily="34" charset="-128"/>
+                          <a:latin typeface="AdobeClean-Light"/>
                           <a:cs typeface="AdobeClean-Light"/>
                         </a:rPr>
-                        <a:t>年間のサービスレビュー</a:t>
+                        <a:t>Service Reviews </a:t>
                       </a:r>
+                      <a:r>
+                        <a:rPr lang="en-US" sz="900" spc="0">
+                          <a:solidFill>
+                            <a:srgbClr val="020302"/>
+                          </a:solidFill>
+                          <a:latin typeface="AdobeClean-Light"/>
+                          <a:cs typeface="AdobeClean-Light"/>
+                        </a:rPr>
+                        <a:t>per Year</a:t>
+                      </a:r>
+                      <a:endParaRPr sz="900" spc="0">
+                        <a:latin typeface="AdobeClean-Light"/>
+                        <a:cs typeface="AdobeClean-Light"/>
+                      </a:endParaRPr>
                     </a:p>
                   </a:txBody>
                   <a:tcPr marL="0" marR="0" marT="57150" marB="0">
@@ -4986,14 +5810,13 @@
                     <a:bodyPr/>
                     <a:lstStyle/>
                     <a:p>
-                      <a:pPr algn="l" rtl="0">
+                      <a:pPr>
                         <a:lnSpc>
                           <a:spcPct val="100000"/>
                         </a:lnSpc>
                       </a:pPr>
                       <a:endParaRPr sz="900">
-                        <a:latin typeface="Adobe Clean Han Regular" panose="020B0500000000000000" pitchFamily="34" charset="-128"/>
-                        <a:ea typeface="Adobe Clean Han Regular" panose="020B0500000000000000" pitchFamily="34" charset="-128"/>
+                        <a:latin typeface="Times New Roman"/>
                         <a:cs typeface="Times New Roman"/>
                       </a:endParaRPr>
                     </a:p>
@@ -5016,14 +5839,13 @@
                     <a:bodyPr/>
                     <a:lstStyle/>
                     <a:p>
-                      <a:pPr algn="l" rtl="0">
+                      <a:pPr>
                         <a:lnSpc>
                           <a:spcPct val="100000"/>
                         </a:lnSpc>
                       </a:pPr>
-                      <a:endParaRPr sz="900" dirty="0">
-                        <a:latin typeface="Adobe Clean Han Regular" panose="020B0500000000000000" pitchFamily="34" charset="-128"/>
-                        <a:ea typeface="Adobe Clean Han Regular" panose="020B0500000000000000" pitchFamily="34" charset="-128"/>
+                      <a:endParaRPr sz="900">
+                        <a:latin typeface="Times New Roman"/>
                         <a:cs typeface="Times New Roman"/>
                       </a:endParaRPr>
                     </a:p>
@@ -5067,13 +5889,16 @@
                         </a:spcBef>
                       </a:pPr>
                       <a:r>
-                        <a:rPr lang="ja-JP" sz="900" dirty="0">
-                          <a:latin typeface="Adobe Clean Han Regular" panose="020B0500000000000000" pitchFamily="34" charset="-128"/>
-                          <a:ea typeface="Adobe Clean Han Regular" panose="020B0500000000000000" pitchFamily="34" charset="-128"/>
+                        <a:rPr lang="en-US" sz="900" spc="0">
+                          <a:latin typeface="AdobeClean-Light"/>
                           <a:cs typeface="AdobeClean-Light"/>
                         </a:rPr>
-                        <a:t>年間のエキスパートセッション</a:t>
+                        <a:t>Expert Sessions per Year</a:t>
                       </a:r>
+                      <a:endParaRPr sz="900" spc="0">
+                        <a:latin typeface="AdobeClean-Light"/>
+                        <a:cs typeface="AdobeClean-Light"/>
+                      </a:endParaRPr>
                     </a:p>
                   </a:txBody>
                   <a:tcPr marL="0" marR="0" marT="57150" marB="0">
@@ -5102,14 +5927,13 @@
                     <a:bodyPr/>
                     <a:lstStyle/>
                     <a:p>
-                      <a:pPr algn="l" rtl="0">
+                      <a:pPr>
                         <a:lnSpc>
                           <a:spcPct val="100000"/>
                         </a:lnSpc>
                       </a:pPr>
                       <a:endParaRPr sz="900">
-                        <a:latin typeface="Adobe Clean Han Regular" panose="020B0500000000000000" pitchFamily="34" charset="-128"/>
-                        <a:ea typeface="Adobe Clean Han Regular" panose="020B0500000000000000" pitchFamily="34" charset="-128"/>
+                        <a:latin typeface="Times New Roman"/>
                         <a:cs typeface="Times New Roman"/>
                       </a:endParaRPr>
                     </a:p>
@@ -5132,14 +5956,13 @@
                     <a:bodyPr/>
                     <a:lstStyle/>
                     <a:p>
-                      <a:pPr algn="l" rtl="0">
+                      <a:pPr>
                         <a:lnSpc>
                           <a:spcPct val="100000"/>
                         </a:lnSpc>
                       </a:pPr>
                       <a:endParaRPr sz="900">
-                        <a:latin typeface="Adobe Clean Han Regular" panose="020B0500000000000000" pitchFamily="34" charset="-128"/>
-                        <a:ea typeface="Adobe Clean Han Regular" panose="020B0500000000000000" pitchFamily="34" charset="-128"/>
+                        <a:latin typeface="Times New Roman"/>
                         <a:cs typeface="Times New Roman"/>
                       </a:endParaRPr>
                     </a:p>
@@ -5183,13 +6006,16 @@
                         </a:spcBef>
                       </a:pPr>
                       <a:r>
-                        <a:rPr lang="ja-JP" sz="900" dirty="0">
-                          <a:latin typeface="Adobe Clean Han Regular" panose="020B0500000000000000" pitchFamily="34" charset="-128"/>
-                          <a:ea typeface="Adobe Clean Han Regular" panose="020B0500000000000000" pitchFamily="34" charset="-128"/>
+                        <a:rPr lang="en-US" sz="900" spc="0">
+                          <a:latin typeface="AdobeClean-Light"/>
                           <a:cs typeface="AdobeClean-Light"/>
                         </a:rPr>
-                        <a:t>ケースレビュー</a:t>
+                        <a:t>Case Reviews</a:t>
                       </a:r>
+                      <a:endParaRPr sz="900" spc="0">
+                        <a:latin typeface="AdobeClean-Light"/>
+                        <a:cs typeface="AdobeClean-Light"/>
+                      </a:endParaRPr>
                     </a:p>
                   </a:txBody>
                   <a:tcPr marL="0" marR="0" marT="57150" marB="0">
@@ -5218,14 +6044,13 @@
                     <a:bodyPr/>
                     <a:lstStyle/>
                     <a:p>
-                      <a:pPr algn="l" rtl="0">
+                      <a:pPr>
                         <a:lnSpc>
                           <a:spcPct val="100000"/>
                         </a:lnSpc>
                       </a:pPr>
                       <a:endParaRPr sz="900">
-                        <a:latin typeface="Adobe Clean Han Regular" panose="020B0500000000000000" pitchFamily="34" charset="-128"/>
-                        <a:ea typeface="Adobe Clean Han Regular" panose="020B0500000000000000" pitchFamily="34" charset="-128"/>
+                        <a:latin typeface="Times New Roman"/>
                         <a:cs typeface="Times New Roman"/>
                       </a:endParaRPr>
                     </a:p>
@@ -5248,14 +6073,13 @@
                     <a:bodyPr/>
                     <a:lstStyle/>
                     <a:p>
-                      <a:pPr algn="l" rtl="0">
+                      <a:pPr>
                         <a:lnSpc>
                           <a:spcPct val="100000"/>
                         </a:lnSpc>
                       </a:pPr>
                       <a:endParaRPr sz="900">
-                        <a:latin typeface="Adobe Clean Han Regular" panose="020B0500000000000000" pitchFamily="34" charset="-128"/>
-                        <a:ea typeface="Adobe Clean Han Regular" panose="020B0500000000000000" pitchFamily="34" charset="-128"/>
+                        <a:latin typeface="Times New Roman"/>
                         <a:cs typeface="Times New Roman"/>
                       </a:endParaRPr>
                     </a:p>
@@ -5280,7 +6104,7 @@
                     <a:bodyPr/>
                     <a:lstStyle/>
                     <a:p>
-                      <a:pPr marL="48895" algn="l" rtl="0">
+                      <a:pPr marL="48895">
                         <a:lnSpc>
                           <a:spcPct val="100000"/>
                         </a:lnSpc>
@@ -5338,16 +6162,29 @@
                         </a:spcBef>
                       </a:pPr>
                       <a:r>
-                        <a:rPr lang="ja-JP" sz="900" dirty="0">
+                        <a:rPr sz="900" spc="0">
                           <a:solidFill>
                             <a:srgbClr val="020302"/>
                           </a:solidFill>
-                          <a:latin typeface="Adobe Clean Han Regular" panose="020B0500000000000000" pitchFamily="34" charset="-128"/>
-                          <a:ea typeface="Adobe Clean Han Regular" panose="020B0500000000000000" pitchFamily="34" charset="-128"/>
+                          <a:latin typeface="AdobeClean-Light"/>
                           <a:cs typeface="AdobeClean-Light"/>
                         </a:rPr>
-                        <a:t>イベント管理</a:t>
+                        <a:t>Event </a:t>
                       </a:r>
+                      <a:r>
+                        <a:rPr lang="en-US" sz="900" spc="0">
+                          <a:solidFill>
+                            <a:srgbClr val="020302"/>
+                          </a:solidFill>
+                          <a:latin typeface="AdobeClean-Light"/>
+                          <a:cs typeface="AdobeClean-Light"/>
+                        </a:rPr>
+                        <a:t>Management</a:t>
+                      </a:r>
+                      <a:endParaRPr sz="900" spc="0">
+                        <a:latin typeface="AdobeClean-Light"/>
+                        <a:cs typeface="AdobeClean-Light"/>
+                      </a:endParaRPr>
                     </a:p>
                   </a:txBody>
                   <a:tcPr marL="0" marR="0" marT="58419" marB="0">
@@ -5376,14 +6213,13 @@
                     <a:bodyPr/>
                     <a:lstStyle/>
                     <a:p>
-                      <a:pPr algn="l" rtl="0">
+                      <a:pPr>
                         <a:lnSpc>
                           <a:spcPct val="100000"/>
                         </a:lnSpc>
                       </a:pPr>
                       <a:endParaRPr sz="900">
-                        <a:latin typeface="Adobe Clean Han Regular" panose="020B0500000000000000" pitchFamily="34" charset="-128"/>
-                        <a:ea typeface="Adobe Clean Han Regular" panose="020B0500000000000000" pitchFamily="34" charset="-128"/>
+                        <a:latin typeface="Times New Roman"/>
                         <a:cs typeface="Times New Roman"/>
                       </a:endParaRPr>
                     </a:p>
@@ -5406,14 +6242,13 @@
                     <a:bodyPr/>
                     <a:lstStyle/>
                     <a:p>
-                      <a:pPr algn="l" rtl="0">
+                      <a:pPr>
                         <a:lnSpc>
                           <a:spcPct val="100000"/>
                         </a:lnSpc>
                       </a:pPr>
                       <a:endParaRPr sz="900">
-                        <a:latin typeface="Adobe Clean Han Regular" panose="020B0500000000000000" pitchFamily="34" charset="-128"/>
-                        <a:ea typeface="Adobe Clean Han Regular" panose="020B0500000000000000" pitchFamily="34" charset="-128"/>
+                        <a:latin typeface="Times New Roman"/>
                         <a:cs typeface="Times New Roman"/>
                       </a:endParaRPr>
                     </a:p>
@@ -5438,7 +6273,7 @@
                     <a:bodyPr/>
                     <a:lstStyle/>
                     <a:p>
-                      <a:pPr marL="48895" algn="l" rtl="0">
+                      <a:pPr marL="48895">
                         <a:lnSpc>
                           <a:spcPct val="100000"/>
                         </a:lnSpc>
@@ -5487,16 +6322,39 @@
                         </a:spcBef>
                       </a:pPr>
                       <a:r>
-                        <a:rPr lang="ja-JP" sz="900" dirty="0">
+                        <a:rPr sz="900" spc="0">
                           <a:solidFill>
                             <a:srgbClr val="020302"/>
                           </a:solidFill>
-                          <a:latin typeface="Adobe Clean Han Regular" panose="020B0500000000000000" pitchFamily="34" charset="-128"/>
-                          <a:ea typeface="Adobe Clean Han Regular" panose="020B0500000000000000" pitchFamily="34" charset="-128"/>
+                          <a:latin typeface="AdobeClean-Light"/>
                           <a:cs typeface="AdobeClean-Light"/>
                         </a:rPr>
-                        <a:t>環境レビュー、メンテナンスと監視</a:t>
+                        <a:t>Environment</a:t>
                       </a:r>
+                      <a:r>
+                        <a:rPr lang="en-US" sz="900" spc="0">
+                          <a:solidFill>
+                            <a:srgbClr val="020302"/>
+                          </a:solidFill>
+                          <a:latin typeface="AdobeClean-Light"/>
+                          <a:cs typeface="AdobeClean-Light"/>
+                        </a:rPr>
+                        <a:t> </a:t>
+                      </a:r>
+                      <a:r>
+                        <a:rPr sz="900" spc="0">
+                          <a:solidFill>
+                            <a:srgbClr val="020302"/>
+                          </a:solidFill>
+                          <a:latin typeface="AdobeClean-Light"/>
+                          <a:cs typeface="AdobeClean-Light"/>
+                        </a:rPr>
+                        <a:t>Review, Maintenance &amp; Monitoring</a:t>
+                      </a:r>
+                      <a:endParaRPr sz="900" spc="0">
+                        <a:latin typeface="AdobeClean-Light"/>
+                        <a:cs typeface="AdobeClean-Light"/>
+                      </a:endParaRPr>
                     </a:p>
                   </a:txBody>
                   <a:tcPr marL="0" marR="0" marT="59055" marB="0">
@@ -5519,14 +6377,13 @@
                     <a:bodyPr/>
                     <a:lstStyle/>
                     <a:p>
-                      <a:pPr algn="l" rtl="0">
+                      <a:pPr>
                         <a:lnSpc>
                           <a:spcPct val="100000"/>
                         </a:lnSpc>
                       </a:pPr>
                       <a:endParaRPr sz="900">
-                        <a:latin typeface="Adobe Clean Han Regular" panose="020B0500000000000000" pitchFamily="34" charset="-128"/>
-                        <a:ea typeface="Adobe Clean Han Regular" panose="020B0500000000000000" pitchFamily="34" charset="-128"/>
+                        <a:latin typeface="Times New Roman"/>
                         <a:cs typeface="Times New Roman"/>
                       </a:endParaRPr>
                     </a:p>
@@ -5549,14 +6406,13 @@
                     <a:bodyPr/>
                     <a:lstStyle/>
                     <a:p>
-                      <a:pPr algn="l" rtl="0">
+                      <a:pPr>
                         <a:lnSpc>
                           <a:spcPct val="100000"/>
                         </a:lnSpc>
                       </a:pPr>
                       <a:endParaRPr sz="900">
-                        <a:latin typeface="Adobe Clean Han Regular" panose="020B0500000000000000" pitchFamily="34" charset="-128"/>
-                        <a:ea typeface="Adobe Clean Han Regular" panose="020B0500000000000000" pitchFamily="34" charset="-128"/>
+                        <a:latin typeface="Times New Roman"/>
                         <a:cs typeface="Times New Roman"/>
                       </a:endParaRPr>
                     </a:p>
@@ -5581,7 +6437,7 @@
                     <a:bodyPr/>
                     <a:lstStyle/>
                     <a:p>
-                      <a:pPr marL="49530" algn="l" rtl="0">
+                      <a:pPr marL="49530">
                         <a:lnSpc>
                           <a:spcPct val="100000"/>
                         </a:lnSpc>
@@ -5630,16 +6486,19 @@
                         </a:spcBef>
                       </a:pPr>
                       <a:r>
-                        <a:rPr lang="ja-JP" sz="900" dirty="0">
+                        <a:rPr sz="900" spc="0">
                           <a:solidFill>
                             <a:srgbClr val="020302"/>
                           </a:solidFill>
-                          <a:latin typeface="Adobe Clean Han Regular" panose="020B0500000000000000" pitchFamily="34" charset="-128"/>
-                          <a:ea typeface="Adobe Clean Han Regular" panose="020B0500000000000000" pitchFamily="34" charset="-128"/>
+                          <a:latin typeface="AdobeClean-Light"/>
                           <a:cs typeface="AdobeClean-Light"/>
                         </a:rPr>
-                        <a:t>リリース、移行、アップグレード、製品ロードマップのレビュー</a:t>
+                        <a:t>Release, Migration, Upgrade &amp; Product Roadmap Review</a:t>
                       </a:r>
+                      <a:endParaRPr sz="900" spc="0">
+                        <a:latin typeface="AdobeClean-Light"/>
+                        <a:cs typeface="AdobeClean-Light"/>
+                      </a:endParaRPr>
                     </a:p>
                   </a:txBody>
                   <a:tcPr marL="0" marR="0" marT="63500" marB="0">
@@ -5662,14 +6521,13 @@
                     <a:bodyPr/>
                     <a:lstStyle/>
                     <a:p>
-                      <a:pPr algn="l" rtl="0">
+                      <a:pPr>
                         <a:lnSpc>
                           <a:spcPct val="100000"/>
                         </a:lnSpc>
                       </a:pPr>
                       <a:endParaRPr sz="900">
-                        <a:latin typeface="Adobe Clean Han Regular" panose="020B0500000000000000" pitchFamily="34" charset="-128"/>
-                        <a:ea typeface="Adobe Clean Han Regular" panose="020B0500000000000000" pitchFamily="34" charset="-128"/>
+                        <a:latin typeface="Times New Roman"/>
                         <a:cs typeface="Times New Roman"/>
                       </a:endParaRPr>
                     </a:p>
@@ -5692,14 +6550,13 @@
                     <a:bodyPr/>
                     <a:lstStyle/>
                     <a:p>
-                      <a:pPr algn="l" rtl="0">
+                      <a:pPr>
                         <a:lnSpc>
                           <a:spcPct val="100000"/>
                         </a:lnSpc>
                       </a:pPr>
                       <a:endParaRPr sz="900">
-                        <a:latin typeface="Adobe Clean Han Regular" panose="020B0500000000000000" pitchFamily="34" charset="-128"/>
-                        <a:ea typeface="Adobe Clean Han Regular" panose="020B0500000000000000" pitchFamily="34" charset="-128"/>
+                        <a:latin typeface="Times New Roman"/>
                         <a:cs typeface="Times New Roman"/>
                       </a:endParaRPr>
                     </a:p>
@@ -5724,7 +6581,7 @@
                     <a:bodyPr/>
                     <a:lstStyle/>
                     <a:p>
-                      <a:pPr marL="49530" algn="l" rtl="0">
+                      <a:pPr marL="49530">
                         <a:lnSpc>
                           <a:spcPct val="100000"/>
                         </a:lnSpc>
@@ -5782,27 +6639,11 @@
                         </a:spcBef>
                       </a:pPr>
                       <a:r>
-                        <a:rPr lang="ja-JP" sz="900" dirty="0">
-                          <a:latin typeface="Adobe Clean Han Regular" panose="020B0500000000000000" pitchFamily="34" charset="-128"/>
-                          <a:ea typeface="Adobe Clean Han Regular" panose="020B0500000000000000" pitchFamily="34" charset="-128"/>
+                        <a:rPr sz="900" spc="0">
+                          <a:latin typeface="AdobeClean-Light"/>
                           <a:cs typeface="AdobeClean-Light"/>
                         </a:rPr>
-                        <a:t>クラウドサポートアクティビティ – </a:t>
-                      </a:r>
-                      <a:br>
-                        <a:rPr lang="sk-SK" altLang="ja-JP" sz="900" dirty="0">
-                          <a:latin typeface="Adobe Clean Han Regular" panose="020B0500000000000000" pitchFamily="34" charset="-128"/>
-                          <a:ea typeface="Adobe Clean Han Regular" panose="020B0500000000000000" pitchFamily="34" charset="-128"/>
-                          <a:cs typeface="AdobeClean-Light"/>
-                        </a:rPr>
-                      </a:br>
-                      <a:r>
-                        <a:rPr lang="ja-JP" sz="900" dirty="0">
-                          <a:latin typeface="Adobe Clean Han Regular" panose="020B0500000000000000" pitchFamily="34" charset="-128"/>
-                          <a:ea typeface="Adobe Clean Han Regular" panose="020B0500000000000000" pitchFamily="34" charset="-128"/>
-                          <a:cs typeface="AdobeClean-Light"/>
-                        </a:rPr>
-                        <a:t>Experience Manager as Cloud</a:t>
+                        <a:t>Cloud Support Activities – Experience Manager as Cloud</a:t>
                       </a:r>
                     </a:p>
                   </a:txBody>
@@ -5832,14 +6673,13 @@
                     <a:bodyPr/>
                     <a:lstStyle/>
                     <a:p>
-                      <a:pPr algn="l" rtl="0">
+                      <a:pPr>
                         <a:lnSpc>
                           <a:spcPct val="100000"/>
                         </a:lnSpc>
                       </a:pPr>
                       <a:endParaRPr sz="900">
-                        <a:latin typeface="Adobe Clean Han Regular" panose="020B0500000000000000" pitchFamily="34" charset="-128"/>
-                        <a:ea typeface="Adobe Clean Han Regular" panose="020B0500000000000000" pitchFamily="34" charset="-128"/>
+                        <a:latin typeface="Times New Roman"/>
                         <a:cs typeface="Times New Roman"/>
                       </a:endParaRPr>
                     </a:p>
@@ -5871,14 +6711,13 @@
                     <a:bodyPr/>
                     <a:lstStyle/>
                     <a:p>
-                      <a:pPr algn="l" rtl="0">
+                      <a:pPr>
                         <a:lnSpc>
                           <a:spcPct val="100000"/>
                         </a:lnSpc>
                       </a:pPr>
                       <a:endParaRPr sz="900">
-                        <a:latin typeface="Adobe Clean Han Regular" panose="020B0500000000000000" pitchFamily="34" charset="-128"/>
-                        <a:ea typeface="Adobe Clean Han Regular" panose="020B0500000000000000" pitchFamily="34" charset="-128"/>
+                        <a:latin typeface="Times New Roman"/>
                         <a:cs typeface="Times New Roman"/>
                       </a:endParaRPr>
                     </a:p>
@@ -5921,16 +6760,22 @@
                         </a:spcBef>
                       </a:pPr>
                       <a:r>
-                        <a:rPr lang="ja-JP" sz="1000" b="1" i="0" dirty="0">
+                        <a:rPr lang="en-US" sz="1000" b="1" i="0" spc="0">
                           <a:solidFill>
                             <a:schemeClr val="bg1"/>
                           </a:solidFill>
-                          <a:latin typeface="Adobe Clean Han Regular" panose="020B0500000000000000" pitchFamily="34" charset="-128"/>
-                          <a:ea typeface="Adobe Clean Han Regular" panose="020B0500000000000000" pitchFamily="34" charset="-128"/>
+                          <a:latin typeface="Adobe Clean" panose="020B0503020404020204" pitchFamily="34" charset="0"/>
                           <a:cs typeface="AdobeClean-Light"/>
                         </a:rPr>
-                        <a:t>フィールドサービス</a:t>
+                        <a:t>Field Services</a:t>
                       </a:r>
+                      <a:endParaRPr sz="1000" b="1" i="0" spc="0">
+                        <a:solidFill>
+                          <a:schemeClr val="bg1"/>
+                        </a:solidFill>
+                        <a:latin typeface="Adobe Clean" panose="020B0503020404020204" pitchFamily="34" charset="0"/>
+                        <a:cs typeface="AdobeClean-Light"/>
+                      </a:endParaRPr>
                     </a:p>
                   </a:txBody>
                   <a:tcPr marL="0" marR="0" marT="48260" marB="0" anchor="ctr">
@@ -5983,16 +6828,19 @@
                         </a:spcBef>
                       </a:pPr>
                       <a:r>
-                        <a:rPr lang="ja-JP" sz="900">
+                        <a:rPr sz="900" spc="0">
                           <a:solidFill>
                             <a:srgbClr val="020302"/>
                           </a:solidFill>
-                          <a:latin typeface="Adobe Clean Han Regular" panose="020B0500000000000000" pitchFamily="34" charset="-128"/>
-                          <a:ea typeface="Adobe Clean Han Regular" panose="020B0500000000000000" pitchFamily="34" charset="-128"/>
+                          <a:latin typeface="AdobeClean-Light"/>
                           <a:cs typeface="AdobeClean-Light"/>
                         </a:rPr>
-                        <a:t>Launch Advisory サービス – 製品導入の初年度</a:t>
+                        <a:t>Launch Advisory Services – First Year of new solution</a:t>
                       </a:r>
+                      <a:endParaRPr sz="900" spc="0">
+                        <a:latin typeface="AdobeClean-Light"/>
+                        <a:cs typeface="AdobeClean-Light"/>
+                      </a:endParaRPr>
                     </a:p>
                     <a:p>
                       <a:pPr marL="48260" hangingPunct="0">
@@ -6004,12 +6852,11 @@
                         </a:spcBef>
                       </a:pPr>
                       <a:r>
-                        <a:rPr lang="ja-JP" sz="900">
-                          <a:latin typeface="Adobe Clean Han Regular" panose="020B0500000000000000" pitchFamily="34" charset="-128"/>
-                          <a:ea typeface="Adobe Clean Han Regular" panose="020B0500000000000000" pitchFamily="34" charset="-128"/>
+                        <a:rPr sz="900" spc="0">
+                          <a:latin typeface="AdobeClean-Light"/>
                           <a:cs typeface="AdobeClean-Light"/>
                         </a:rPr>
-                        <a:t>フィールドサービスアクティビティ </a:t>
+                        <a:t>Field Service Activities </a:t>
                       </a:r>
                     </a:p>
                   </a:txBody>
@@ -6045,14 +6892,13 @@
                     <a:bodyPr/>
                     <a:lstStyle/>
                     <a:p>
-                      <a:pPr algn="l" rtl="0">
+                      <a:pPr>
                         <a:lnSpc>
                           <a:spcPct val="100000"/>
                         </a:lnSpc>
                       </a:pPr>
                       <a:endParaRPr sz="900">
-                        <a:latin typeface="Adobe Clean Han Regular" panose="020B0500000000000000" pitchFamily="34" charset="-128"/>
-                        <a:ea typeface="Adobe Clean Han Regular" panose="020B0500000000000000" pitchFamily="34" charset="-128"/>
+                        <a:latin typeface="Times New Roman"/>
                         <a:cs typeface="Times New Roman"/>
                       </a:endParaRPr>
                     </a:p>
@@ -6084,14 +6930,13 @@
                     <a:bodyPr/>
                     <a:lstStyle/>
                     <a:p>
-                      <a:pPr algn="l" rtl="0">
+                      <a:pPr>
                         <a:lnSpc>
                           <a:spcPct val="100000"/>
                         </a:lnSpc>
                       </a:pPr>
                       <a:endParaRPr sz="900">
-                        <a:latin typeface="Adobe Clean Han Regular" panose="020B0500000000000000" pitchFamily="34" charset="-128"/>
-                        <a:ea typeface="Adobe Clean Han Regular" panose="020B0500000000000000" pitchFamily="34" charset="-128"/>
+                        <a:latin typeface="Times New Roman"/>
                         <a:cs typeface="Times New Roman"/>
                       </a:endParaRPr>
                     </a:p>
@@ -6170,14 +7015,13 @@
                     <a:bodyPr/>
                     <a:lstStyle/>
                     <a:p>
-                      <a:pPr algn="l" rtl="0">
+                      <a:pPr>
                         <a:lnSpc>
                           <a:spcPct val="100000"/>
                         </a:lnSpc>
                       </a:pPr>
                       <a:endParaRPr sz="900">
-                        <a:latin typeface="Adobe Clean Han Regular" panose="020B0500000000000000" pitchFamily="34" charset="-128"/>
-                        <a:ea typeface="Adobe Clean Han Regular" panose="020B0500000000000000" pitchFamily="34" charset="-128"/>
+                        <a:latin typeface="Times New Roman"/>
                         <a:cs typeface="Times New Roman"/>
                       </a:endParaRPr>
                     </a:p>
@@ -6197,14 +7041,13 @@
                     <a:bodyPr/>
                     <a:lstStyle/>
                     <a:p>
-                      <a:pPr algn="l" rtl="0">
+                      <a:pPr>
                         <a:lnSpc>
                           <a:spcPct val="100000"/>
                         </a:lnSpc>
                       </a:pPr>
-                      <a:endParaRPr sz="900" dirty="0">
-                        <a:latin typeface="Adobe Clean Han Regular" panose="020B0500000000000000" pitchFamily="34" charset="-128"/>
-                        <a:ea typeface="Adobe Clean Han Regular" panose="020B0500000000000000" pitchFamily="34" charset="-128"/>
+                      <a:endParaRPr sz="900">
+                        <a:latin typeface="Times New Roman"/>
                         <a:cs typeface="Times New Roman"/>
                       </a:endParaRPr>
                     </a:p>
@@ -6262,12 +7105,10 @@
           <a:lstStyle/>
           <a:p>
             <a:r>
-              <a:rPr lang="ja-JP" sz="700" i="1" dirty="0">
+              <a:rPr lang="en-US" sz="700" i="1">
                 <a:solidFill>
                   <a:schemeClr val="bg1"/>
                 </a:solidFill>
-                <a:latin typeface="Adobe Clean Han Regular" panose="020B0500000000000000" pitchFamily="34" charset="-128"/>
-                <a:ea typeface="Adobe Clean Han Regular" panose="020B0500000000000000" pitchFamily="34" charset="-128"/>
               </a:rPr>
               <a:t>Adobe Experience Cloud</a:t>
             </a:r>
@@ -6351,10 +7192,7 @@
             <a:bodyPr wrap="square" lIns="0" tIns="0" rIns="0" bIns="0" rtlCol="0"/>
             <a:lstStyle/>
             <a:p>
-              <a:endParaRPr>
-                <a:latin typeface="Adobe Clean Han Regular" panose="020B0500000000000000" pitchFamily="34" charset="-128"/>
-                <a:ea typeface="Adobe Clean Han Regular" panose="020B0500000000000000" pitchFamily="34" charset="-128"/>
-              </a:endParaRPr>
+              <a:endParaRPr/>
             </a:p>
           </p:txBody>
         </p:sp>
@@ -6406,10 +7244,7 @@
             <a:bodyPr wrap="square" lIns="0" tIns="0" rIns="0" bIns="0" rtlCol="0"/>
             <a:lstStyle/>
             <a:p>
-              <a:endParaRPr>
-                <a:latin typeface="Adobe Clean Han Regular" panose="020B0500000000000000" pitchFamily="34" charset="-128"/>
-                <a:ea typeface="Adobe Clean Han Regular" panose="020B0500000000000000" pitchFamily="34" charset="-128"/>
-              </a:endParaRPr>
+              <a:endParaRPr/>
             </a:p>
           </p:txBody>
         </p:sp>
@@ -6439,10 +7274,7 @@
           <a:bodyPr wrap="square" lIns="0" tIns="0" rIns="0" bIns="0" rtlCol="0"/>
           <a:lstStyle/>
           <a:p>
-            <a:endParaRPr>
-              <a:latin typeface="Adobe Clean Han Regular" panose="020B0500000000000000" pitchFamily="34" charset="-128"/>
-              <a:ea typeface="Adobe Clean Han Regular" panose="020B0500000000000000" pitchFamily="34" charset="-128"/>
-            </a:endParaRPr>
+            <a:endParaRPr/>
           </a:p>
         </p:txBody>
       </p:sp>
@@ -6455,7 +7287,7 @@
         <p:spPr>
           <a:xfrm>
             <a:off x="370040" y="1409311"/>
-            <a:ext cx="2286000" cy="1637051"/>
+            <a:ext cx="2286000" cy="1289969"/>
           </a:xfrm>
           <a:prstGeom prst="rect">
             <a:avLst/>
@@ -6476,15 +7308,18 @@
               </a:spcBef>
             </a:pPr>
             <a:r>
-              <a:rPr lang="ja-JP" sz="1000" dirty="0">
+              <a:rPr lang="en-US" sz="1000">
                 <a:solidFill>
                   <a:srgbClr val="000000"/>
                 </a:solidFill>
-                <a:latin typeface="Adobe Clean Han Regular" panose="020B0500000000000000" pitchFamily="34" charset="-128"/>
-                <a:ea typeface="Adobe Clean Han Regular" panose="020B0500000000000000" pitchFamily="34" charset="-128"/>
-              </a:rPr>
-              <a:t>専任アカウントサポートリードは、プロアクティブにケースを監視し、チーム間のコラボレーションを促進します。また、オンボーディングウェビナーの提供や、サービスレポートの実行、技術面以外でのサポートを行います。お客様のエスカレーションポイントおよびアドビサポートの社内担当としての役割を果たします。</a:t>
-            </a:r>
+                <a:latin typeface="Adobe Clean Light" panose="020B0303020404020204" pitchFamily="34" charset="0"/>
+              </a:rPr>
+              <a:t>A designated Account Support Lead to proactively monitor cases, drive cross-team collaboration, deliver onboarding webinars, run service reports, provide non-technical support assistance, and function as your escalation point and internal advocate within Adobe Support.</a:t>
+            </a:r>
+            <a:endParaRPr lang="en-US" sz="1000">
+              <a:latin typeface="Adobe Clean Light" panose="020B0303020404020204" pitchFamily="34" charset="0"/>
+              <a:cs typeface="AdobeClean-Light"/>
+            </a:endParaRPr>
           </a:p>
         </p:txBody>
       </p:sp>
@@ -6497,14 +7332,14 @@
         <p:spPr>
           <a:xfrm>
             <a:off x="2836967" y="8618616"/>
-            <a:ext cx="2286000" cy="795089"/>
+            <a:ext cx="2286000" cy="641201"/>
           </a:xfrm>
           <a:prstGeom prst="rect">
             <a:avLst/>
           </a:prstGeom>
         </p:spPr>
         <p:txBody>
-          <a:bodyPr vert="horz" wrap="square" lIns="0" tIns="12700" rIns="0" bIns="0" rtlCol="0">
+          <a:bodyPr vert="horz" wrap="square" lIns="0" tIns="12700" rIns="0" bIns="0" rtlCol="0" anchor="t">
             <a:spAutoFit/>
           </a:bodyPr>
           <a:lstStyle/>
@@ -6521,22 +7356,48 @@
               </a:tabLst>
             </a:pPr>
             <a:r>
-              <a:rPr lang="ja-JP" sz="1000" dirty="0">
+              <a:rPr sz="1000">
                 <a:solidFill>
                   <a:srgbClr val="020302"/>
                 </a:solidFill>
-                <a:latin typeface="Adobe Clean Han Regular" panose="020B0500000000000000" pitchFamily="34" charset="-128"/>
-                <a:ea typeface="Adobe Clean Han Regular" panose="020B0500000000000000" pitchFamily="34" charset="-128"/>
+                <a:latin typeface="AdobeClean-Light"/>
                 <a:cs typeface="AdobeClean-Light"/>
               </a:rPr>
-              <a:t>チャットセッションを開始すると、回答やケース申請による支援を受けることができます。</a:t>
+              <a:t>Start a chat session to get answers</a:t>
+            </a:r>
+            <a:r>
+              <a:rPr lang="en-US" sz="1000">
+                <a:solidFill>
+                  <a:srgbClr val="020302"/>
+                </a:solidFill>
+                <a:latin typeface="AdobeClean-Light"/>
+                <a:cs typeface="AdobeClean-Light"/>
+              </a:rPr>
+              <a:t> &amp; </a:t>
+            </a:r>
+            <a:r>
+              <a:rPr sz="1000">
+                <a:solidFill>
+                  <a:srgbClr val="020302"/>
+                </a:solidFill>
+                <a:latin typeface="AdobeClean-Light"/>
+                <a:cs typeface="AdobeClean-Light"/>
+              </a:rPr>
+              <a:t>help with case submission</a:t>
+            </a:r>
+            <a:r>
+              <a:rPr lang="en-US" sz="1000">
+                <a:solidFill>
+                  <a:srgbClr val="020302"/>
+                </a:solidFill>
+                <a:latin typeface="AdobeClean-Light"/>
+                <a:cs typeface="AdobeClean-Light"/>
+              </a:rPr>
+              <a:t>.</a:t>
             </a:r>
           </a:p>
           <a:p>
             <a:pPr marL="33020" marR="159385">
-              <a:lnSpc>
-                <a:spcPct val="100000"/>
-              </a:lnSpc>
               <a:spcBef>
                 <a:spcPts val="100"/>
               </a:spcBef>
@@ -6545,27 +7406,39 @@
               </a:tabLst>
             </a:pPr>
             <a:r>
-              <a:rPr lang="ja-JP" sz="1000" i="1" dirty="0">
+              <a:rPr sz="1000" i="1">
                 <a:solidFill>
                   <a:srgbClr val="7A7A7A"/>
                 </a:solidFill>
-                <a:latin typeface="Adobe Clean Han Regular" panose="020B0500000000000000" pitchFamily="34" charset="-128"/>
-                <a:ea typeface="Adobe Clean Han Regular" panose="020B0500000000000000" pitchFamily="34" charset="-128"/>
+                <a:latin typeface="AdobeClean-LightIt"/>
                 <a:cs typeface="AdobeClean-LightIt"/>
               </a:rPr>
-              <a:t>* すべての製品にライブチャットサポートがあるわけではありません</a:t>
-            </a:r>
-            <a:r>
-              <a:rPr lang="ja-JP" sz="900" i="1" dirty="0">
+              <a:t>*Not all products have live chat support</a:t>
+            </a:r>
+            <a:r>
+              <a:rPr sz="900" i="1">
                 <a:solidFill>
                   <a:srgbClr val="7A7A7A"/>
                 </a:solidFill>
-                <a:latin typeface="Adobe Clean Han Regular" panose="020B0500000000000000" pitchFamily="34" charset="-128"/>
-                <a:ea typeface="Adobe Clean Han Regular" panose="020B0500000000000000" pitchFamily="34" charset="-128"/>
+                <a:latin typeface="AdobeClean-LightIt"/>
                 <a:cs typeface="AdobeClean-LightIt"/>
               </a:rPr>
-              <a:t>。  </a:t>
-            </a:r>
+              <a:t>.</a:t>
+            </a:r>
+            <a:r>
+              <a:rPr lang="en-US" sz="900" i="1">
+                <a:solidFill>
+                  <a:srgbClr val="7A7A7A"/>
+                </a:solidFill>
+                <a:latin typeface="AdobeClean-LightIt"/>
+                <a:cs typeface="AdobeClean-LightIt"/>
+              </a:rPr>
+              <a:t>  </a:t>
+            </a:r>
+            <a:endParaRPr sz="900">
+              <a:latin typeface="AdobeClean-Light"/>
+              <a:cs typeface="AdobeClean-Light"/>
+            </a:endParaRPr>
           </a:p>
         </p:txBody>
       </p:sp>
@@ -6594,10 +7467,7 @@
           <a:bodyPr wrap="square" lIns="0" tIns="0" rIns="0" bIns="0" rtlCol="0"/>
           <a:lstStyle/>
           <a:p>
-            <a:endParaRPr>
-              <a:latin typeface="Adobe Clean Han Regular" panose="020B0500000000000000" pitchFamily="34" charset="-128"/>
-              <a:ea typeface="Adobe Clean Han Regular" panose="020B0500000000000000" pitchFamily="34" charset="-128"/>
-            </a:endParaRPr>
+            <a:endParaRPr/>
           </a:p>
         </p:txBody>
       </p:sp>
@@ -6618,7 +7488,7 @@
         <p:spPr>
           <a:xfrm>
             <a:off x="838200" y="6046398"/>
-            <a:ext cx="1772602" cy="184666"/>
+            <a:ext cx="1568246" cy="184666"/>
           </a:xfrm>
           <a:prstGeom prst="rect">
             <a:avLst/>
@@ -6644,14 +7514,12 @@
               <a:defRPr/>
             </a:pPr>
             <a:r>
-              <a:rPr lang="ja-JP" sz="1200" dirty="0">
+              <a:rPr lang="en-US" sz="1200">
                 <a:solidFill>
                   <a:srgbClr val="000000"/>
                 </a:solidFill>
-                <a:latin typeface="Adobe Clean Han Regular" panose="020B0500000000000000" pitchFamily="34" charset="-128"/>
-                <a:ea typeface="Adobe Clean Han Regular" panose="020B0500000000000000" pitchFamily="34" charset="-128"/>
-              </a:rPr>
-              <a:t>コミュニティフォーラム</a:t>
+              </a:rPr>
+              <a:t>Community Forums</a:t>
             </a:r>
           </a:p>
         </p:txBody>
@@ -6673,7 +7541,7 @@
         <p:spPr>
           <a:xfrm>
             <a:off x="838200" y="6277305"/>
-            <a:ext cx="1732084" cy="184666"/>
+            <a:ext cx="959314" cy="184666"/>
           </a:xfrm>
           <a:prstGeom prst="rect">
             <a:avLst/>
@@ -6694,12 +7562,12 @@
               </a:spcAft>
             </a:pPr>
             <a:r>
-              <a:rPr lang="ja-JP" sz="1200" b="1" dirty="0">
-                <a:latin typeface="Adobe Clean Han Regular" panose="020B0500000000000000" pitchFamily="34" charset="-128"/>
-                <a:ea typeface="Adobe Clean Han Regular" panose="020B0500000000000000" pitchFamily="34" charset="-128"/>
+              <a:rPr lang="en-US" sz="1200" b="1">
+                <a:latin typeface="+mj-lt"/>
+                <a:ea typeface="Open Sans" pitchFamily="34" charset="0"/>
                 <a:cs typeface="Open Sans" pitchFamily="34" charset="0"/>
               </a:rPr>
-              <a:t>オンラインフォーラム</a:t>
+              <a:t>Online Forums</a:t>
             </a:r>
           </a:p>
         </p:txBody>
@@ -6719,7 +7587,7 @@
         <p:spPr>
           <a:xfrm>
             <a:off x="370040" y="6529249"/>
-            <a:ext cx="2286000" cy="959237"/>
+            <a:ext cx="2286000" cy="805349"/>
           </a:xfrm>
           <a:prstGeom prst="rect">
             <a:avLst/>
@@ -6732,14 +7600,13 @@
           <a:lstStyle/>
           <a:p>
             <a:r>
-              <a:rPr lang="ja-JP" sz="1000" dirty="0">
+              <a:rPr lang="en-US" sz="1000">
                 <a:solidFill>
                   <a:srgbClr val="000000"/>
                 </a:solidFill>
-                <a:latin typeface="Adobe Clean Han Regular" panose="020B0500000000000000" pitchFamily="34" charset="-128"/>
-                <a:ea typeface="Adobe Clean Han Regular" panose="020B0500000000000000" pitchFamily="34" charset="-128"/>
-              </a:rPr>
-              <a:t>テクニカルソリューション、製品ドキュメント、FAQ などの増大するデータベースにオンラインで継続的にアクセスできます。何千人ものお客様同士が繋がり、ベストプラクティスや学習した内容を共有できます。</a:t>
+                <a:latin typeface="Adobe Clean Light" panose="020B0303020404020204" pitchFamily="34" charset="0"/>
+              </a:rPr>
+              <a:t>Continuous online access to a growing database of technical solutions, product documentation, FAQs and more. Thousands of customers can connect to share best practices and lessons learned.</a:t>
             </a:r>
           </a:p>
         </p:txBody>
@@ -6761,7 +7628,7 @@
         <p:spPr>
           <a:xfrm>
             <a:off x="5851290" y="6277305"/>
-            <a:ext cx="1745671" cy="184666"/>
+            <a:ext cx="1316707" cy="184666"/>
           </a:xfrm>
           <a:prstGeom prst="rect">
             <a:avLst/>
@@ -6782,12 +7649,12 @@
               </a:spcAft>
             </a:pPr>
             <a:r>
-              <a:rPr lang="ja-JP" sz="1200" b="1">
-                <a:latin typeface="Adobe Clean Han Regular" panose="020B0500000000000000" pitchFamily="34" charset="-128"/>
-                <a:ea typeface="Adobe Clean Han Regular" panose="020B0500000000000000" pitchFamily="34" charset="-128"/>
+              <a:rPr lang="en-US" sz="1200" b="1">
+                <a:latin typeface="+mj-lt"/>
+                <a:ea typeface="Open Sans" pitchFamily="34" charset="0"/>
                 <a:cs typeface="Open Sans" pitchFamily="34" charset="0"/>
               </a:rPr>
-              <a:t>セルフガイドジャーニー</a:t>
+              <a:t>Self-guided Journeys</a:t>
             </a:r>
           </a:p>
         </p:txBody>
@@ -6807,7 +7674,7 @@
         <p:spPr>
           <a:xfrm>
             <a:off x="5376301" y="6529249"/>
-            <a:ext cx="2286000" cy="1267014"/>
+            <a:ext cx="2286000" cy="959237"/>
           </a:xfrm>
           <a:prstGeom prst="rect">
             <a:avLst/>
@@ -6820,33 +7687,13 @@
           <a:lstStyle/>
           <a:p>
             <a:r>
-              <a:rPr lang="ja-JP" sz="1000" dirty="0">
+              <a:rPr lang="en-US" sz="1000">
                 <a:solidFill>
                   <a:srgbClr val="000000"/>
                 </a:solidFill>
-                <a:latin typeface="Adobe Clean Han Regular" panose="020B0500000000000000" pitchFamily="34" charset="-128"/>
-                <a:ea typeface="Adobe Clean Han Regular" panose="020B0500000000000000" pitchFamily="34" charset="-128"/>
-              </a:rPr>
-              <a:t>エクスペリエンスメーカーは、Experience League から誕生します。Experience League に参加すると、パーソナライズされた学習で、顧客体験管理能力を強化することができます。</a:t>
-            </a:r>
-            <a:br>
-              <a:rPr lang="sk-SK" altLang="ja-JP" sz="1000" dirty="0">
-                <a:solidFill>
-                  <a:srgbClr val="000000"/>
-                </a:solidFill>
-                <a:latin typeface="Adobe Clean Han Regular" panose="020B0500000000000000" pitchFamily="34" charset="-128"/>
-                <a:ea typeface="Adobe Clean Han Regular" panose="020B0500000000000000" pitchFamily="34" charset="-128"/>
-              </a:rPr>
-            </a:br>
-            <a:r>
-              <a:rPr lang="ja-JP" sz="1000" dirty="0">
-                <a:solidFill>
-                  <a:srgbClr val="000000"/>
-                </a:solidFill>
-                <a:latin typeface="Adobe Clean Han Regular" panose="020B0500000000000000" pitchFamily="34" charset="-128"/>
-                <a:ea typeface="Adobe Clean Han Regular" panose="020B0500000000000000" pitchFamily="34" charset="-128"/>
-              </a:rPr>
-              <a:t>スキルの向上や、グローバルコミュニティでの仲間との交流のほか、キャリアアップに役立つ評価の獲得も可能です。</a:t>
+                <a:latin typeface="Adobe Clean Light" panose="020B0303020404020204" pitchFamily="34" charset="0"/>
+              </a:rPr>
+              <a:t>Experience Makers are made with Experience League. Customers can kickstart their Customer Experience Management abilities with personalized learning to develop skills, engage with a global community of peers, and earn career advancing recognition.</a:t>
             </a:r>
           </a:p>
         </p:txBody>
@@ -6894,14 +7741,12 @@
               <a:defRPr/>
             </a:pPr>
             <a:r>
-              <a:rPr lang="ja-JP" sz="1200" dirty="0">
+              <a:rPr lang="en-US" sz="1200">
                 <a:solidFill>
                   <a:srgbClr val="000000"/>
                 </a:solidFill>
-                <a:latin typeface="Adobe Clean Han Regular" panose="020B0500000000000000" pitchFamily="34" charset="-128"/>
-                <a:ea typeface="Adobe Clean Han Regular" panose="020B0500000000000000" pitchFamily="34" charset="-128"/>
-              </a:rPr>
-              <a:t>ライブチャットサポート*</a:t>
+              </a:rPr>
+              <a:t>Live Chat  Support*</a:t>
             </a:r>
           </a:p>
         </p:txBody>
@@ -6923,7 +7768,7 @@
         <p:spPr>
           <a:xfrm>
             <a:off x="3198434" y="8373543"/>
-            <a:ext cx="1269578" cy="184666"/>
+            <a:ext cx="840166" cy="184666"/>
           </a:xfrm>
           <a:prstGeom prst="rect">
             <a:avLst/>
@@ -6944,12 +7789,12 @@
               </a:spcAft>
             </a:pPr>
             <a:r>
-              <a:rPr lang="ja-JP" sz="1200" b="1">
-                <a:latin typeface="Adobe Clean Han Regular" panose="020B0500000000000000" pitchFamily="34" charset="-128"/>
-                <a:ea typeface="Adobe Clean Han Regular" panose="020B0500000000000000" pitchFamily="34" charset="-128"/>
+              <a:rPr lang="en-US" sz="1200" b="1">
+                <a:latin typeface="+mj-lt"/>
+                <a:ea typeface="Open Sans" pitchFamily="34" charset="0"/>
                 <a:cs typeface="Open Sans" pitchFamily="34" charset="0"/>
               </a:rPr>
-              <a:t>チャットサポート</a:t>
+              <a:t>Chat Support</a:t>
             </a:r>
           </a:p>
         </p:txBody>
@@ -6997,14 +7842,12 @@
               <a:defRPr/>
             </a:pPr>
             <a:r>
-              <a:rPr lang="ja-JP" sz="1200" dirty="0">
+              <a:rPr lang="en-US" sz="1200">
                 <a:solidFill>
                   <a:srgbClr val="000000"/>
                 </a:solidFill>
-                <a:latin typeface="Adobe Clean Han Regular" panose="020B0500000000000000" pitchFamily="34" charset="-128"/>
-                <a:ea typeface="Adobe Clean Han Regular" panose="020B0500000000000000" pitchFamily="34" charset="-128"/>
-              </a:rPr>
-              <a:t>24 時間年中無休 P1 </a:t>
+              </a:rPr>
+              <a:t>24X7 P1 </a:t>
             </a:r>
           </a:p>
         </p:txBody>
@@ -7026,7 +7869,7 @@
         <p:spPr>
           <a:xfrm>
             <a:off x="3276600" y="6277305"/>
-            <a:ext cx="952184" cy="184666"/>
+            <a:ext cx="992259" cy="184666"/>
           </a:xfrm>
           <a:prstGeom prst="rect">
             <a:avLst/>
@@ -7047,12 +7890,12 @@
               </a:spcAft>
             </a:pPr>
             <a:r>
-              <a:rPr lang="ja-JP" sz="1200" b="1" dirty="0">
-                <a:latin typeface="Adobe Clean Han Regular" panose="020B0500000000000000" pitchFamily="34" charset="-128"/>
-                <a:ea typeface="Adobe Clean Han Regular" panose="020B0500000000000000" pitchFamily="34" charset="-128"/>
+              <a:rPr lang="en-US" sz="1200" b="1">
+                <a:latin typeface="+mj-lt"/>
+                <a:ea typeface="Open Sans" pitchFamily="34" charset="0"/>
                 <a:cs typeface="Open Sans" pitchFamily="34" charset="0"/>
               </a:rPr>
-              <a:t>電話サポート</a:t>
+              <a:t>Phone Support</a:t>
             </a:r>
           </a:p>
         </p:txBody>
@@ -7072,7 +7915,7 @@
         <p:spPr>
           <a:xfrm>
             <a:off x="2836967" y="6529249"/>
-            <a:ext cx="2286000" cy="959237"/>
+            <a:ext cx="2286000" cy="805349"/>
           </a:xfrm>
           <a:prstGeom prst="rect">
             <a:avLst/>
@@ -7085,22 +7928,26 @@
           <a:lstStyle/>
           <a:p>
             <a:r>
-              <a:rPr lang="ja-JP" sz="1000" dirty="0">
+              <a:rPr lang="en-US" sz="1000">
                 <a:solidFill>
                   <a:srgbClr val="020302"/>
                 </a:solidFill>
-                <a:latin typeface="Adobe Clean Han Regular" panose="020B0500000000000000" pitchFamily="34" charset="-128"/>
-                <a:ea typeface="Adobe Clean Han Regular" panose="020B0500000000000000" pitchFamily="34" charset="-128"/>
-              </a:rPr>
-              <a:t>承認済みユーザーまたはサポート対象ユーザーは、</a:t>
-            </a:r>
-            <a:r>
-              <a:rPr lang="ja-JP" sz="1000" dirty="0">
-                <a:latin typeface="Adobe Clean Han Regular" panose="020B0500000000000000" pitchFamily="34" charset="-128"/>
-                <a:ea typeface="Adobe Clean Han Regular" panose="020B0500000000000000" pitchFamily="34" charset="-128"/>
-              </a:rPr>
-              <a:t>使用可能なすべてのチャネル（P1 の場合は電話を含む）を通じて問題を申請でき、お客様の会社を代表してアドビのテクニカルサポートチームとやり取りできます。 </a:t>
-            </a:r>
+                <a:latin typeface="AdobeClean-Light"/>
+              </a:rPr>
+              <a:t>Authorized users or Named Support Contacts </a:t>
+            </a:r>
+            <a:r>
+              <a:rPr lang="en-US" sz="1000">
+                <a:latin typeface="Adobe Clean Light" panose="020B0303020404020204" pitchFamily="34" charset="0"/>
+              </a:rPr>
+              <a:t>can submit issues through all available  channels (including phone for P1) and interact with our technical support team on behalf of your company. </a:t>
+            </a:r>
+            <a:endParaRPr lang="en-US" sz="1000">
+              <a:solidFill>
+                <a:srgbClr val="000000"/>
+              </a:solidFill>
+              <a:latin typeface="Adobe Clean Light" panose="020B0303020404020204" pitchFamily="34" charset="0"/>
+            </a:endParaRPr>
           </a:p>
         </p:txBody>
       </p:sp>
@@ -7122,8 +7969,8 @@
         </p:nvSpPr>
         <p:spPr>
           <a:xfrm>
-            <a:off x="4905376" y="9862966"/>
-            <a:ext cx="2618166" cy="132729"/>
+            <a:off x="5253416" y="9862966"/>
+            <a:ext cx="2270125" cy="132729"/>
           </a:xfrm>
           <a:prstGeom prst="rect">
             <a:avLst/>
@@ -7144,11 +7991,24 @@
               </a:spcBef>
             </a:pPr>
             <a:r>
-              <a:rPr lang="ja-JP" dirty="0">
-                <a:latin typeface="Adobe Clean Han Regular" panose="020B0500000000000000" pitchFamily="34" charset="-128"/>
-                <a:ea typeface="Adobe Clean Han Regular" panose="020B0500000000000000" pitchFamily="34" charset="-128"/>
-              </a:rPr>
-              <a:t>©2021 Adobe.All Rights Reserved.Adobe Confidential.</a:t>
+              <a:rPr spc="-5"/>
+              <a:t>©202</a:t>
+            </a:r>
+            <a:r>
+              <a:rPr lang="en-US" spc="-5"/>
+              <a:t>1</a:t>
+            </a:r>
+            <a:r>
+              <a:rPr spc="-5"/>
+              <a:t> Adobe. All Rights Reserved. Adobe</a:t>
+            </a:r>
+            <a:r>
+              <a:rPr spc="60"/>
+              <a:t> </a:t>
+            </a:r>
+            <a:r>
+              <a:rPr spc="-5"/>
+              <a:t>Confidential.</a:t>
             </a:r>
           </a:p>
         </p:txBody>
@@ -7169,8 +8029,8 @@
         </p:nvSpPr>
         <p:spPr>
           <a:xfrm>
-            <a:off x="821897" y="1099315"/>
-            <a:ext cx="1748387" cy="369332"/>
+            <a:off x="821898" y="1099315"/>
+            <a:ext cx="1726164" cy="184666"/>
           </a:xfrm>
           <a:prstGeom prst="rect">
             <a:avLst/>
@@ -7191,33 +8051,13 @@
               </a:spcAft>
             </a:pPr>
             <a:r>
-              <a:rPr lang="ja-JP" sz="1200" b="1" dirty="0">
+              <a:rPr lang="en-US" sz="1200" b="1" spc="-10">
                 <a:solidFill>
                   <a:srgbClr val="020302"/>
                 </a:solidFill>
-                <a:latin typeface="Adobe Clean Han Regular" panose="020B0500000000000000" pitchFamily="34" charset="-128"/>
-                <a:ea typeface="Adobe Clean Han Regular" panose="020B0500000000000000" pitchFamily="34" charset="-128"/>
-              </a:rPr>
-              <a:t>アカウントサポー</a:t>
-            </a:r>
-            <a:br>
-              <a:rPr lang="sk-SK" altLang="ja-JP" sz="1200" b="1" dirty="0">
-                <a:solidFill>
-                  <a:srgbClr val="020302"/>
-                </a:solidFill>
-                <a:latin typeface="Adobe Clean Han Regular" panose="020B0500000000000000" pitchFamily="34" charset="-128"/>
-                <a:ea typeface="Adobe Clean Han Regular" panose="020B0500000000000000" pitchFamily="34" charset="-128"/>
-              </a:rPr>
-            </a:br>
-            <a:r>
-              <a:rPr lang="ja-JP" sz="1200" b="1" dirty="0">
-                <a:solidFill>
-                  <a:srgbClr val="020302"/>
-                </a:solidFill>
-                <a:latin typeface="Adobe Clean Han Regular" panose="020B0500000000000000" pitchFamily="34" charset="-128"/>
-                <a:ea typeface="Adobe Clean Han Regular" panose="020B0500000000000000" pitchFamily="34" charset="-128"/>
-              </a:rPr>
-              <a:t>トリード</a:t>
+                <a:latin typeface="+mj-lt"/>
+              </a:rPr>
+              <a:t>Account Support Lead</a:t>
             </a:r>
           </a:p>
         </p:txBody>
@@ -7237,7 +8077,7 @@
         <p:spPr>
           <a:xfrm>
             <a:off x="401995" y="5785009"/>
-            <a:ext cx="2168289" cy="68828"/>
+            <a:ext cx="1848207" cy="45719"/>
           </a:xfrm>
           <a:custGeom>
             <a:avLst/>
@@ -7266,10 +8106,7 @@
           <a:bodyPr wrap="square" lIns="0" tIns="0" rIns="0" bIns="0" rtlCol="0"/>
           <a:lstStyle/>
           <a:p>
-            <a:endParaRPr>
-              <a:latin typeface="Adobe Clean Han Regular" panose="020B0500000000000000" pitchFamily="34" charset="-128"/>
-              <a:ea typeface="Adobe Clean Han Regular" panose="020B0500000000000000" pitchFamily="34" charset="-128"/>
-            </a:endParaRPr>
+            <a:endParaRPr/>
           </a:p>
         </p:txBody>
       </p:sp>
@@ -7288,7 +8125,7 @@
         <p:spPr>
           <a:xfrm>
             <a:off x="318713" y="5432541"/>
-            <a:ext cx="2409634" cy="307777"/>
+            <a:ext cx="2006640" cy="307777"/>
           </a:xfrm>
           <a:prstGeom prst="rect">
             <a:avLst/>
@@ -7309,16 +8146,19 @@
               </a:spcBef>
             </a:pPr>
             <a:r>
-              <a:rPr lang="ja-JP" sz="1400" b="1" dirty="0">
+              <a:rPr lang="en-US" sz="1400" b="1" spc="-10">
                 <a:solidFill>
                   <a:srgbClr val="020302"/>
                 </a:solidFill>
-                <a:latin typeface="Adobe Clean Han Regular" panose="020B0500000000000000" pitchFamily="34" charset="-128"/>
-                <a:ea typeface="Adobe Clean Han Regular" panose="020B0500000000000000" pitchFamily="34" charset="-128"/>
+                <a:latin typeface="Adobe Clean"/>
                 <a:cs typeface="Adobe Clean"/>
               </a:rPr>
-              <a:t>オンラインサポートの特長</a:t>
-            </a:r>
+              <a:t>Online Support Features</a:t>
+            </a:r>
+            <a:endParaRPr lang="en-US" sz="1400">
+              <a:latin typeface="Adobe Clean"/>
+              <a:cs typeface="Adobe Clean"/>
+            </a:endParaRPr>
           </a:p>
         </p:txBody>
       </p:sp>
@@ -7366,10 +8206,7 @@
           <a:bodyPr wrap="square" lIns="0" tIns="0" rIns="0" bIns="0" rtlCol="0"/>
           <a:lstStyle/>
           <a:p>
-            <a:endParaRPr>
-              <a:latin typeface="Adobe Clean Han Regular" panose="020B0500000000000000" pitchFamily="34" charset="-128"/>
-              <a:ea typeface="Adobe Clean Han Regular" panose="020B0500000000000000" pitchFamily="34" charset="-128"/>
-            </a:endParaRPr>
+            <a:endParaRPr/>
           </a:p>
         </p:txBody>
       </p:sp>
@@ -7388,7 +8225,7 @@
         <p:spPr>
           <a:xfrm>
             <a:off x="240424" y="429188"/>
-            <a:ext cx="2225289" cy="307777"/>
+            <a:ext cx="2163221" cy="307777"/>
           </a:xfrm>
           <a:prstGeom prst="rect">
             <a:avLst/>
@@ -7409,16 +8246,19 @@
               </a:spcBef>
             </a:pPr>
             <a:r>
-              <a:rPr lang="ja-JP" sz="1400" b="1" dirty="0">
+              <a:rPr lang="en-US" sz="1400" b="1" spc="-10">
                 <a:solidFill>
                   <a:srgbClr val="020302"/>
                 </a:solidFill>
-                <a:latin typeface="Adobe Clean Han Regular" panose="020B0500000000000000" pitchFamily="34" charset="-128"/>
-                <a:ea typeface="Adobe Clean Han Regular" panose="020B0500000000000000" pitchFamily="34" charset="-128"/>
+                <a:latin typeface="Adobe Clean"/>
                 <a:cs typeface="Adobe Clean"/>
               </a:rPr>
-              <a:t>ビジネスサポートの特長</a:t>
-            </a:r>
+              <a:t>Business  Support Features</a:t>
+            </a:r>
+            <a:endParaRPr lang="en-US" sz="1400">
+              <a:latin typeface="Adobe Clean"/>
+              <a:cs typeface="Adobe Clean"/>
+            </a:endParaRPr>
           </a:p>
         </p:txBody>
       </p:sp>
@@ -7436,8 +8276,8 @@
         </p:nvSpPr>
         <p:spPr>
           <a:xfrm>
-            <a:off x="2836966" y="1370913"/>
-            <a:ext cx="2387373" cy="1639167"/>
+            <a:off x="2836967" y="1370913"/>
+            <a:ext cx="2286000" cy="1456681"/>
           </a:xfrm>
           <a:prstGeom prst="rect">
             <a:avLst/>
@@ -7458,12 +8298,15 @@
               </a:spcBef>
             </a:pPr>
             <a:r>
-              <a:rPr lang="ja-JP" sz="1000" spc="-30" dirty="0">
-                <a:latin typeface="Adobe Clean Han Regular" panose="020B0500000000000000" pitchFamily="34" charset="-128"/>
-                <a:ea typeface="Adobe Clean Han Regular" panose="020B0500000000000000" pitchFamily="34" charset="-128"/>
-              </a:rPr>
-              <a:t>お客様は、P2、P3、P4 のすべての問題について、地域のサポート時間内に電話でサポートケースを申請できます。サポートへの電話の回数に上限はありません。また、サポートからの折り返し連絡やミーティングをリクエストすることもできます。ミーティングでは、共有リモートデスクトップセッションを使用して、問題の説明や対処を受けることができます。</a:t>
-            </a:r>
+              <a:rPr lang="en-US" sz="1000">
+                <a:latin typeface="Adobe Clean Light" panose="020B0303020404020204" pitchFamily="34" charset="0"/>
+              </a:rPr>
+              <a:t>Customers can submit support cases via Phone for all P2, P3, P4 issues during regional support hours. There are no upper limits on the number of times you can call into support. Customers can also request a call back from support or request a meeting to demonstrate or work through an issue using a shared remote desktop session.</a:t>
+            </a:r>
+            <a:endParaRPr lang="en-US" sz="1000">
+              <a:latin typeface="Adobe Clean Light" panose="020B0303020404020204" pitchFamily="34" charset="0"/>
+              <a:cs typeface="AdobeClean-Light"/>
+            </a:endParaRPr>
           </a:p>
         </p:txBody>
       </p:sp>
@@ -7505,14 +8348,13 @@
               </a:spcAft>
             </a:pPr>
             <a:r>
-              <a:rPr lang="ja-JP" sz="1200" b="1">
+              <a:rPr lang="en-US" sz="1200" b="1" spc="-10">
                 <a:solidFill>
                   <a:srgbClr val="020302"/>
                 </a:solidFill>
-                <a:latin typeface="Adobe Clean Han Regular" panose="020B0500000000000000" pitchFamily="34" charset="-128"/>
-                <a:ea typeface="Adobe Clean Han Regular" panose="020B0500000000000000" pitchFamily="34" charset="-128"/>
-              </a:rPr>
-              <a:t>電話サポート（ライブ）</a:t>
+                <a:latin typeface="+mj-lt"/>
+              </a:rPr>
+              <a:t>Live Telephone Support</a:t>
             </a:r>
           </a:p>
         </p:txBody>
@@ -7553,15 +8395,18 @@
               </a:spcBef>
             </a:pPr>
             <a:r>
-              <a:rPr lang="ja-JP" sz="1000" dirty="0">
+              <a:rPr lang="en-US" sz="1000">
                 <a:solidFill>
                   <a:srgbClr val="4B4B4B"/>
                 </a:solidFill>
-                <a:latin typeface="Adobe Clean Han Regular" panose="020B0500000000000000" pitchFamily="34" charset="-128"/>
-                <a:ea typeface="Adobe Clean Han Regular" panose="020B0500000000000000" pitchFamily="34" charset="-128"/>
-              </a:rPr>
-              <a:t>アドビ内の専任連絡窓口が、エスカレーション支援や定期的なアップデートを提供し、お客様の最も重要なオープン中のサポートリクエストに優先的に対応します。</a:t>
-            </a:r>
+                <a:latin typeface="Adobe Clean Light" panose="020B0303020404020204" pitchFamily="34" charset="0"/>
+              </a:rPr>
+              <a:t>A designated point of contact within Adobe who can provide escalation assistance, regular updates and ensure priority is given to your most critical open support requests.</a:t>
+            </a:r>
+            <a:endParaRPr lang="en-US" sz="1000">
+              <a:latin typeface="Adobe Clean Light" panose="020B0303020404020204" pitchFamily="34" charset="0"/>
+              <a:cs typeface="AdobeClean-Light"/>
+            </a:endParaRPr>
           </a:p>
         </p:txBody>
       </p:sp>
@@ -7603,14 +8448,13 @@
               </a:spcAft>
             </a:pPr>
             <a:r>
-              <a:rPr lang="ja-JP" sz="1200" b="1">
+              <a:rPr lang="en-US" sz="1200" b="1" spc="-10">
                 <a:solidFill>
                   <a:srgbClr val="020302"/>
                 </a:solidFill>
-                <a:latin typeface="Adobe Clean Han Regular" panose="020B0500000000000000" pitchFamily="34" charset="-128"/>
-                <a:ea typeface="Adobe Clean Han Regular" panose="020B0500000000000000" pitchFamily="34" charset="-128"/>
-              </a:rPr>
-              <a:t>エスカレーション管理</a:t>
+                <a:latin typeface="+mj-lt"/>
+              </a:rPr>
+              <a:t>Escalation Management</a:t>
             </a:r>
           </a:p>
         </p:txBody>
@@ -7658,12 +8502,10 @@
               <a:defRPr/>
             </a:pPr>
             <a:r>
-              <a:rPr lang="ja-JP" sz="1200" dirty="0">
+              <a:rPr lang="en-US" sz="1200">
                 <a:solidFill>
                   <a:srgbClr val="000000"/>
                 </a:solidFill>
-                <a:latin typeface="Adobe Clean Han Regular" panose="020B0500000000000000" pitchFamily="34" charset="-128"/>
-                <a:ea typeface="Adobe Clean Han Regular" panose="020B0500000000000000" pitchFamily="34" charset="-128"/>
               </a:rPr>
               <a:t>Office Hours</a:t>
             </a:r>
@@ -7687,7 +8529,7 @@
         <p:spPr>
           <a:xfrm>
             <a:off x="838200" y="8373543"/>
-            <a:ext cx="793487" cy="184666"/>
+            <a:ext cx="604974" cy="184666"/>
           </a:xfrm>
           <a:prstGeom prst="rect">
             <a:avLst/>
@@ -7708,12 +8550,12 @@
               </a:spcAft>
             </a:pPr>
             <a:r>
-              <a:rPr lang="ja-JP" sz="1200" b="1">
-                <a:latin typeface="Adobe Clean Han Regular" panose="020B0500000000000000" pitchFamily="34" charset="-128"/>
-                <a:ea typeface="Adobe Clean Han Regular" panose="020B0500000000000000" pitchFamily="34" charset="-128"/>
+              <a:rPr lang="en-US" sz="1200" b="1">
+                <a:latin typeface="+mj-lt"/>
+                <a:ea typeface="Open Sans" pitchFamily="34" charset="0"/>
                 <a:cs typeface="Open Sans" pitchFamily="34" charset="0"/>
               </a:rPr>
-              <a:t>ウェビナー</a:t>
+              <a:t>Webinars</a:t>
             </a:r>
           </a:p>
         </p:txBody>
@@ -7733,7 +8575,7 @@
         <p:spPr>
           <a:xfrm>
             <a:off x="370040" y="8618616"/>
-            <a:ext cx="2424168" cy="1113125"/>
+            <a:ext cx="2286000" cy="1113125"/>
           </a:xfrm>
           <a:prstGeom prst="rect">
             <a:avLst/>
@@ -7746,14 +8588,13 @@
           <a:lstStyle/>
           <a:p>
             <a:r>
-              <a:rPr lang="ja-JP" sz="1000" dirty="0">
+              <a:rPr lang="en-US" sz="1000">
                 <a:solidFill>
                   <a:srgbClr val="000000"/>
                 </a:solidFill>
-                <a:latin typeface="Adobe Clean Han Regular" panose="020B0500000000000000" pitchFamily="34" charset="-128"/>
-                <a:ea typeface="Adobe Clean Han Regular" panose="020B0500000000000000" pitchFamily="34" charset="-128"/>
-              </a:rPr>
-              <a:t>Office Hours は、アドビカスタマーサポートチーム主導による取り組みの 1 つです。これらのセッションは、参加者に情報を提供するだけでなく、問題のトラブルシューティングや Adobe Experience Cloud で成功するためのヒントやテクニックを紹介することを目的としています。</a:t>
+                <a:latin typeface="Adobe Clean Light" panose="020B0303020404020204" pitchFamily="34" charset="0"/>
+              </a:rPr>
+              <a:t>Office Hours is an initiative led by the Adobe Customer Support team. These sessions are designed to inform as well as help participants troubleshoot problems and provide tips and tricks to be successful with Adobe Experience Cloud.</a:t>
             </a:r>
           </a:p>
         </p:txBody>
@@ -7775,7 +8616,7 @@
         <p:spPr>
           <a:xfrm>
             <a:off x="5851290" y="8373543"/>
-            <a:ext cx="1328056" cy="369332"/>
+            <a:ext cx="1267206" cy="184666"/>
           </a:xfrm>
           <a:prstGeom prst="rect">
             <a:avLst/>
@@ -7796,27 +8637,12 @@
               </a:spcAft>
             </a:pPr>
             <a:r>
-              <a:rPr lang="ja-JP" sz="1200" b="1" dirty="0">
-                <a:latin typeface="Adobe Clean Han Regular" panose="020B0500000000000000" pitchFamily="34" charset="-128"/>
-                <a:ea typeface="Adobe Clean Han Regular" panose="020B0500000000000000" pitchFamily="34" charset="-128"/>
+              <a:rPr lang="en-US" sz="1200" b="1">
+                <a:latin typeface="+mj-lt"/>
+                <a:ea typeface="Open Sans" pitchFamily="34" charset="0"/>
                 <a:cs typeface="Open Sans" pitchFamily="34" charset="0"/>
               </a:rPr>
-              <a:t>24 時間年中無休の</a:t>
-            </a:r>
-            <a:br>
-              <a:rPr lang="sk-SK" altLang="ja-JP" sz="1200" b="1" dirty="0">
-                <a:latin typeface="Adobe Clean Han Regular" panose="020B0500000000000000" pitchFamily="34" charset="-128"/>
-                <a:ea typeface="Adobe Clean Han Regular" panose="020B0500000000000000" pitchFamily="34" charset="-128"/>
-                <a:cs typeface="Open Sans" pitchFamily="34" charset="0"/>
-              </a:rPr>
-            </a:br>
-            <a:r>
-              <a:rPr lang="ja-JP" sz="1200" b="1" dirty="0">
-                <a:latin typeface="Adobe Clean Han Regular" panose="020B0500000000000000" pitchFamily="34" charset="-128"/>
-                <a:ea typeface="Adobe Clean Han Regular" panose="020B0500000000000000" pitchFamily="34" charset="-128"/>
-                <a:cs typeface="Open Sans" pitchFamily="34" charset="0"/>
-              </a:rPr>
-              <a:t>サポートポータル</a:t>
+              <a:t>24/7 Support Portal</a:t>
             </a:r>
           </a:p>
         </p:txBody>
@@ -7835,8 +8661,8 @@
         </p:nvSpPr>
         <p:spPr>
           <a:xfrm>
-            <a:off x="5376301" y="8771016"/>
-            <a:ext cx="2286000" cy="866904"/>
+            <a:off x="5376301" y="8618616"/>
+            <a:ext cx="2286000" cy="805349"/>
           </a:xfrm>
           <a:prstGeom prst="rect">
             <a:avLst/>
@@ -7849,14 +8675,30 @@
           <a:lstStyle/>
           <a:p>
             <a:r>
-              <a:rPr lang="ja-JP" sz="900" dirty="0">
+              <a:rPr lang="en-US" sz="1000">
                 <a:solidFill>
                   <a:srgbClr val="000000"/>
                 </a:solidFill>
-                <a:latin typeface="Adobe Clean Han Regular" panose="020B0500000000000000" pitchFamily="34" charset="-128"/>
-                <a:ea typeface="Adobe Clean Han Regular" panose="020B0500000000000000" pitchFamily="34" charset="-128"/>
-              </a:rPr>
-              <a:t>オンラインのセルフサービスサポートポータルにオンデマンドでアクセスして、サポートリクエストを申請したり、ケースのステータスを確認したり、その他のリソース（ナレッジベース、ニュースとアラート、注目すべきヒントなど）を参照したりできます。</a:t>
+                <a:latin typeface="Adobe Clean Light" panose="020B0303020404020204" pitchFamily="34" charset="0"/>
+              </a:rPr>
+              <a:t>On-demand access to the online </a:t>
+            </a:r>
+            <a:br>
+              <a:rPr lang="en-US" sz="1000">
+                <a:solidFill>
+                  <a:srgbClr val="000000"/>
+                </a:solidFill>
+                <a:latin typeface="Adobe Clean Light" panose="020B0303020404020204" pitchFamily="34" charset="0"/>
+              </a:rPr>
+            </a:br>
+            <a:r>
+              <a:rPr lang="en-US" sz="1000">
+                <a:solidFill>
+                  <a:srgbClr val="000000"/>
+                </a:solidFill>
+                <a:latin typeface="Adobe Clean Light" panose="020B0303020404020204" pitchFamily="34" charset="0"/>
+              </a:rPr>
+              <a:t>Self-help Support Portal to submit support requests, review case status, and browse other resources, like our knowledgebase, news and alerts, featured tips, and more.</a:t>
             </a:r>
           </a:p>
         </p:txBody>
@@ -7953,8 +8795,8 @@
         </p:nvSpPr>
         <p:spPr>
           <a:xfrm>
-            <a:off x="789024" y="3499700"/>
-            <a:ext cx="1461177" cy="276999"/>
+            <a:off x="789025" y="3499700"/>
+            <a:ext cx="1336142" cy="285247"/>
           </a:xfrm>
           <a:prstGeom prst="rect">
             <a:avLst/>
@@ -7968,11 +8810,10 @@
           <a:lstStyle/>
           <a:p>
             <a:r>
-              <a:rPr lang="ja-JP" sz="1200" b="1" dirty="0">
-                <a:latin typeface="Adobe Clean Han Regular" panose="020B0500000000000000" pitchFamily="34" charset="-128"/>
-                <a:ea typeface="Adobe Clean Han Regular" panose="020B0500000000000000" pitchFamily="34" charset="-128"/>
-              </a:rPr>
-              <a:t>ビジネスサービス</a:t>
+              <a:rPr lang="en-US" sz="1200" b="1">
+                <a:latin typeface="+mj-lt"/>
+              </a:rPr>
+              <a:t>Business Services</a:t>
             </a:r>
           </a:p>
         </p:txBody>
@@ -8013,12 +8854,15 @@
               </a:spcBef>
             </a:pPr>
             <a:r>
-              <a:rPr lang="ja-JP" sz="1000" dirty="0">
-                <a:latin typeface="Adobe Clean Han Regular" panose="020B0500000000000000" pitchFamily="34" charset="-128"/>
-                <a:ea typeface="Adobe Clean Han Regular" panose="020B0500000000000000" pitchFamily="34" charset="-128"/>
-              </a:rPr>
-              <a:t>アカウントサポートリード主催のウェビナーで、ビジネスサポートサービスの概要を学習できます。  </a:t>
-            </a:r>
+              <a:rPr lang="en-US" sz="1000">
+                <a:latin typeface="Adobe Clean Light" panose="020B0303020404020204" pitchFamily="34" charset="0"/>
+              </a:rPr>
+              <a:t>An Account Support Lead will host webinars covering an overview of business support services.  </a:t>
+            </a:r>
+            <a:endParaRPr lang="en-US" sz="1000">
+              <a:latin typeface="Adobe Clean Light" panose="020B0303020404020204" pitchFamily="34" charset="0"/>
+              <a:cs typeface="AdobeClean-Light"/>
+            </a:endParaRPr>
           </a:p>
         </p:txBody>
       </p:sp>
@@ -8073,10 +8917,7 @@
           <a:bodyPr wrap="square" lIns="0" tIns="0" rIns="0" bIns="0" rtlCol="0"/>
           <a:lstStyle/>
           <a:p>
-            <a:endParaRPr>
-              <a:latin typeface="Adobe Clean Han Regular" panose="020B0500000000000000" pitchFamily="34" charset="-128"/>
-              <a:ea typeface="Adobe Clean Han Regular" panose="020B0500000000000000" pitchFamily="34" charset="-128"/>
-            </a:endParaRPr>
+            <a:endParaRPr/>
           </a:p>
         </p:txBody>
       </p:sp>
@@ -8406,7 +9247,7 @@
         </p:nvSpPr>
         <p:spPr>
           <a:xfrm rot="5400000" flipH="1">
-            <a:off x="3863341" y="5148092"/>
+            <a:off x="3863341" y="4967117"/>
             <a:ext cx="45719" cy="5577840"/>
           </a:xfrm>
           <a:custGeom>
@@ -8443,10 +9284,7 @@
           <a:bodyPr wrap="square" lIns="0" tIns="0" rIns="0" bIns="0" rtlCol="0"/>
           <a:lstStyle/>
           <a:p>
-            <a:endParaRPr>
-              <a:latin typeface="Adobe Clean Han Regular" panose="020B0500000000000000" pitchFamily="34" charset="-128"/>
-              <a:ea typeface="Adobe Clean Han Regular" panose="020B0500000000000000" pitchFamily="34" charset="-128"/>
-            </a:endParaRPr>
+            <a:endParaRPr/>
           </a:p>
         </p:txBody>
       </p:sp>
@@ -8493,14 +9331,12 @@
               <a:defRPr/>
             </a:pPr>
             <a:r>
-              <a:rPr lang="ja-JP" sz="1200" dirty="0">
+              <a:rPr lang="en-US" sz="1200">
                 <a:solidFill>
                   <a:srgbClr val="000000"/>
                 </a:solidFill>
-                <a:latin typeface="Adobe Clean Han Regular" panose="020B0500000000000000" pitchFamily="34" charset="-128"/>
-                <a:ea typeface="Adobe Clean Han Regular" panose="020B0500000000000000" pitchFamily="34" charset="-128"/>
-              </a:rPr>
-              <a:t>セルフサービスポータル</a:t>
+              </a:rPr>
+              <a:t>Self– Help Portal</a:t>
             </a:r>
           </a:p>
         </p:txBody>
@@ -8548,12 +9384,10 @@
               <a:defRPr/>
             </a:pPr>
             <a:r>
-              <a:rPr lang="ja-JP" sz="1200" dirty="0">
+              <a:rPr lang="en-US" sz="1200">
                 <a:solidFill>
                   <a:srgbClr val="000000"/>
                 </a:solidFill>
-                <a:latin typeface="Adobe Clean Han Regular" panose="020B0500000000000000" pitchFamily="34" charset="-128"/>
-                <a:ea typeface="Adobe Clean Han Regular" panose="020B0500000000000000" pitchFamily="34" charset="-128"/>
               </a:rPr>
               <a:t>Experience League</a:t>
             </a:r>
@@ -8612,16 +9446,49 @@
               </a:lnSpc>
             </a:pPr>
             <a:r>
-              <a:rPr lang="ja-JP" sz="500" dirty="0">
+              <a:rPr sz="500" spc="-5">
                 <a:solidFill>
                   <a:srgbClr val="6C6C6C"/>
                 </a:solidFill>
-                <a:latin typeface="Adobe Clean Han Regular" panose="020B0500000000000000" pitchFamily="34" charset="-128"/>
-                <a:ea typeface="Adobe Clean Han Regular" panose="020B0500000000000000" pitchFamily="34" charset="-128"/>
+                <a:latin typeface="Adobe Clean"/>
                 <a:cs typeface="Adobe Clean"/>
               </a:rPr>
-              <a:t>©2020 Adobe.All Rights Reserved.Adobe Confidential.</a:t>
-            </a:r>
+              <a:t>©2020 Adobe. All Rights Reserved. </a:t>
+            </a:r>
+            <a:r>
+              <a:rPr sz="500">
+                <a:solidFill>
+                  <a:srgbClr val="6C6C6C"/>
+                </a:solidFill>
+                <a:latin typeface="Adobe Clean"/>
+                <a:cs typeface="Adobe Clean"/>
+              </a:rPr>
+              <a:t>Adobe</a:t>
+            </a:r>
+            <a:r>
+              <a:rPr sz="500" spc="5">
+                <a:solidFill>
+                  <a:srgbClr val="6C6C6C"/>
+                </a:solidFill>
+                <a:latin typeface="Adobe Clean"/>
+                <a:cs typeface="Adobe Clean"/>
+              </a:rPr>
+              <a:t> </a:t>
+            </a:r>
+            <a:r>
+              <a:rPr sz="500" spc="-5">
+                <a:solidFill>
+                  <a:srgbClr val="6C6C6C"/>
+                </a:solidFill>
+                <a:latin typeface="Adobe Clean"/>
+                <a:cs typeface="Adobe Clean"/>
+              </a:rPr>
+              <a:t>Confidential.</a:t>
+            </a:r>
+            <a:endParaRPr sz="500">
+              <a:latin typeface="Adobe Clean"/>
+              <a:cs typeface="Adobe Clean"/>
+            </a:endParaRPr>
           </a:p>
           <a:p>
             <a:pPr>
@@ -8632,9 +9499,8 @@
                 <a:spcPts val="25"/>
               </a:spcBef>
             </a:pPr>
-            <a:endParaRPr sz="800" dirty="0">
-              <a:latin typeface="Adobe Clean Han Regular" panose="020B0500000000000000" pitchFamily="34" charset="-128"/>
-              <a:ea typeface="Adobe Clean Han Regular" panose="020B0500000000000000" pitchFamily="34" charset="-128"/>
+            <a:endParaRPr sz="800">
+              <a:latin typeface="Adobe Clean"/>
               <a:cs typeface="Adobe Clean"/>
             </a:endParaRPr>
           </a:p>
@@ -8648,16 +9514,39 @@
               </a:spcBef>
             </a:pPr>
             <a:r>
-              <a:rPr lang="ja-JP" sz="800" dirty="0">
+              <a:rPr sz="800" spc="-5">
                 <a:solidFill>
                   <a:srgbClr val="6D6D6D"/>
                 </a:solidFill>
-                <a:latin typeface="Adobe Clean Han Regular" panose="020B0500000000000000" pitchFamily="34" charset="-128"/>
-                <a:ea typeface="Adobe Clean Han Regular" panose="020B0500000000000000" pitchFamily="34" charset="-128"/>
+                <a:latin typeface="Adobe Clean"/>
                 <a:cs typeface="Adobe Clean"/>
               </a:rPr>
-              <a:t>©2020 Adobe.All Rights Reserved.Adobe Confidential.</a:t>
-            </a:r>
+              <a:t>©2020 Adobe. All Rights Reserved. Adobe</a:t>
+            </a:r>
+            <a:r>
+              <a:rPr sz="800" spc="75">
+                <a:solidFill>
+                  <a:srgbClr val="6D6D6D"/>
+                </a:solidFill>
+                <a:latin typeface="Adobe Clean"/>
+                <a:cs typeface="Adobe Clean"/>
+              </a:rPr>
+              <a:t> </a:t>
+            </a:r>
+            <a:r>
+              <a:rPr sz="800" spc="-5">
+                <a:solidFill>
+                  <a:srgbClr val="6D6D6D"/>
+                </a:solidFill>
+                <a:latin typeface="Adobe Clean"/>
+                <a:cs typeface="Adobe Clean"/>
+              </a:rPr>
+              <a:t>Confidential.</a:t>
+            </a:r>
+            <a:endParaRPr sz="800">
+              <a:latin typeface="Adobe Clean"/>
+              <a:cs typeface="Adobe Clean"/>
+            </a:endParaRPr>
           </a:p>
         </p:txBody>
       </p:sp>
@@ -8707,10 +9596,7 @@
           <a:bodyPr wrap="square" lIns="0" tIns="0" rIns="0" bIns="0" rtlCol="0"/>
           <a:lstStyle/>
           <a:p>
-            <a:endParaRPr>
-              <a:latin typeface="Adobe Clean Han Regular" panose="020B0500000000000000" pitchFamily="34" charset="-128"/>
-              <a:ea typeface="Adobe Clean Han Regular" panose="020B0500000000000000" pitchFamily="34" charset="-128"/>
-            </a:endParaRPr>
+            <a:endParaRPr/>
           </a:p>
         </p:txBody>
       </p:sp>
@@ -8744,16 +9630,19 @@
               </a:spcBef>
             </a:pPr>
             <a:r>
-              <a:rPr lang="ja-JP" sz="1400" b="1" dirty="0">
+              <a:rPr lang="en-US" sz="1400" b="1" spc="-15">
                 <a:solidFill>
                   <a:srgbClr val="020302"/>
                 </a:solidFill>
-                <a:latin typeface="Adobe Clean Han Regular" panose="020B0500000000000000" pitchFamily="34" charset="-128"/>
-                <a:ea typeface="Adobe Clean Han Regular" panose="020B0500000000000000" pitchFamily="34" charset="-128"/>
+                <a:latin typeface="Adobe Clean"/>
                 <a:cs typeface="Adobe Clean"/>
               </a:rPr>
-              <a:t>リソース</a:t>
-            </a:r>
+              <a:t>Resources</a:t>
+            </a:r>
+            <a:endParaRPr sz="1400">
+              <a:latin typeface="Adobe Clean"/>
+              <a:cs typeface="Adobe Clean"/>
+            </a:endParaRPr>
           </a:p>
         </p:txBody>
       </p:sp>
@@ -8766,7 +9655,7 @@
         <p:spPr>
           <a:xfrm>
             <a:off x="6754821" y="9283729"/>
-            <a:ext cx="930275" cy="758541"/>
+            <a:ext cx="930275" cy="662305"/>
           </a:xfrm>
           <a:prstGeom prst="rect">
             <a:avLst/>
@@ -8787,16 +9676,19 @@
               </a:spcBef>
             </a:pPr>
             <a:r>
-              <a:rPr lang="ja-JP" sz="800" dirty="0">
+              <a:rPr sz="800" spc="-15">
                 <a:solidFill>
                   <a:srgbClr val="777879"/>
                 </a:solidFill>
-                <a:latin typeface="Adobe Clean Han Regular" panose="020B0500000000000000" pitchFamily="34" charset="-128"/>
-                <a:ea typeface="Adobe Clean Han Regular" panose="020B0500000000000000" pitchFamily="34" charset="-128"/>
+                <a:latin typeface="Adobe Clean"/>
                 <a:cs typeface="Adobe Clean"/>
               </a:rPr>
               <a:t>Adobe</a:t>
             </a:r>
+            <a:endParaRPr sz="800">
+              <a:latin typeface="Adobe Clean"/>
+              <a:cs typeface="Adobe Clean"/>
+            </a:endParaRPr>
           </a:p>
           <a:p>
             <a:pPr marL="12700">
@@ -8805,16 +9697,39 @@
               </a:lnSpc>
             </a:pPr>
             <a:r>
-              <a:rPr lang="ja-JP" sz="800" dirty="0">
+              <a:rPr sz="800" spc="-15">
                 <a:solidFill>
                   <a:srgbClr val="777879"/>
                 </a:solidFill>
-                <a:latin typeface="Adobe Clean Han Regular" panose="020B0500000000000000" pitchFamily="34" charset="-128"/>
-                <a:ea typeface="Adobe Clean Han Regular" panose="020B0500000000000000" pitchFamily="34" charset="-128"/>
+                <a:latin typeface="Adobe Clean"/>
                 <a:cs typeface="Adobe Clean"/>
               </a:rPr>
-              <a:t>345 Park Avenue</a:t>
-            </a:r>
+              <a:t>345 Park</a:t>
+            </a:r>
+            <a:r>
+              <a:rPr sz="800" spc="-100">
+                <a:solidFill>
+                  <a:srgbClr val="777879"/>
+                </a:solidFill>
+                <a:latin typeface="Adobe Clean"/>
+                <a:cs typeface="Adobe Clean"/>
+              </a:rPr>
+              <a:t> </a:t>
+            </a:r>
+            <a:r>
+              <a:rPr sz="800" spc="-15">
+                <a:solidFill>
+                  <a:srgbClr val="777879"/>
+                </a:solidFill>
+                <a:latin typeface="Adobe Clean"/>
+                <a:cs typeface="Adobe Clean"/>
+              </a:rPr>
+              <a:t>Avenue</a:t>
+            </a:r>
+            <a:endParaRPr sz="800">
+              <a:latin typeface="Adobe Clean"/>
+              <a:cs typeface="Adobe Clean"/>
+            </a:endParaRPr>
           </a:p>
           <a:p>
             <a:pPr marL="12700">
@@ -8823,16 +9738,49 @@
               </a:lnSpc>
             </a:pPr>
             <a:r>
-              <a:rPr lang="ja-JP" sz="800" dirty="0">
+              <a:rPr sz="800" spc="-10">
                 <a:solidFill>
                   <a:srgbClr val="777879"/>
                 </a:solidFill>
-                <a:latin typeface="Adobe Clean Han Regular" panose="020B0500000000000000" pitchFamily="34" charset="-128"/>
-                <a:ea typeface="Adobe Clean Han Regular" panose="020B0500000000000000" pitchFamily="34" charset="-128"/>
+                <a:latin typeface="Adobe Clean"/>
                 <a:cs typeface="Adobe Clean"/>
               </a:rPr>
-              <a:t>San Jose, CA95110-2704</a:t>
-            </a:r>
+              <a:t>San </a:t>
+            </a:r>
+            <a:r>
+              <a:rPr sz="800" spc="-15">
+                <a:solidFill>
+                  <a:srgbClr val="777879"/>
+                </a:solidFill>
+                <a:latin typeface="Adobe Clean"/>
+                <a:cs typeface="Adobe Clean"/>
+              </a:rPr>
+              <a:t>Jose,</a:t>
+            </a:r>
+            <a:r>
+              <a:rPr sz="800" spc="-140">
+                <a:solidFill>
+                  <a:srgbClr val="777879"/>
+                </a:solidFill>
+                <a:latin typeface="Adobe Clean"/>
+                <a:cs typeface="Adobe Clean"/>
+              </a:rPr>
+              <a:t> </a:t>
+            </a:r>
+            <a:r>
+              <a:rPr sz="800" spc="-20">
+                <a:solidFill>
+                  <a:srgbClr val="777879"/>
+                </a:solidFill>
+                <a:latin typeface="Adobe Clean"/>
+                <a:cs typeface="Adobe Clean"/>
+              </a:rPr>
+              <a:t>CA95110-2704</a:t>
+            </a:r>
+            <a:endParaRPr sz="800">
+              <a:latin typeface="Adobe Clean"/>
+              <a:cs typeface="Adobe Clean"/>
+            </a:endParaRPr>
           </a:p>
           <a:p>
             <a:pPr marL="12700">
@@ -8844,16 +9792,19 @@
               </a:spcBef>
             </a:pPr>
             <a:r>
-              <a:rPr lang="ja-JP" sz="800" dirty="0">
+              <a:rPr sz="800" spc="-10">
                 <a:solidFill>
                   <a:srgbClr val="777879"/>
                 </a:solidFill>
-                <a:latin typeface="Adobe Clean Han Regular" panose="020B0500000000000000" pitchFamily="34" charset="-128"/>
-                <a:ea typeface="Adobe Clean Han Regular" panose="020B0500000000000000" pitchFamily="34" charset="-128"/>
+                <a:latin typeface="Adobe Clean"/>
                 <a:cs typeface="Adobe Clean"/>
               </a:rPr>
               <a:t>USA</a:t>
             </a:r>
+            <a:endParaRPr sz="800">
+              <a:latin typeface="Adobe Clean"/>
+              <a:cs typeface="Adobe Clean"/>
+            </a:endParaRPr>
           </a:p>
           <a:p>
             <a:pPr marL="12700">
@@ -8865,7 +9816,7 @@
               </a:spcBef>
             </a:pPr>
             <a:r>
-              <a:rPr lang="ja-JP" sz="800" u="sng" dirty="0">
+              <a:rPr sz="800" u="sng" spc="-25">
                 <a:solidFill>
                   <a:srgbClr val="5F5F5F"/>
                 </a:solidFill>
@@ -8874,13 +9825,16 @@
                     <a:srgbClr val="0000FF"/>
                   </a:solidFill>
                 </a:uFill>
-                <a:latin typeface="Adobe Clean Han Regular" panose="020B0500000000000000" pitchFamily="34" charset="-128"/>
-                <a:ea typeface="Adobe Clean Han Regular" panose="020B0500000000000000" pitchFamily="34" charset="-128"/>
+                <a:latin typeface="Adobe Clean"/>
                 <a:cs typeface="Adobe Clean"/>
                 <a:hlinkClick r:id="rId3"/>
               </a:rPr>
               <a:t>www.adobe.com</a:t>
             </a:r>
+            <a:endParaRPr sz="800">
+              <a:latin typeface="Adobe Clean"/>
+              <a:cs typeface="Adobe Clean"/>
+            </a:endParaRPr>
           </a:p>
         </p:txBody>
       </p:sp>
@@ -8909,10 +9863,7 @@
           <a:bodyPr wrap="square" lIns="0" tIns="0" rIns="0" bIns="0" rtlCol="0"/>
           <a:lstStyle/>
           <a:p>
-            <a:endParaRPr>
-              <a:latin typeface="Adobe Clean Han Regular" panose="020B0500000000000000" pitchFamily="34" charset="-128"/>
-              <a:ea typeface="Adobe Clean Han Regular" panose="020B0500000000000000" pitchFamily="34" charset="-128"/>
-            </a:endParaRPr>
+            <a:endParaRPr/>
           </a:p>
         </p:txBody>
       </p:sp>
@@ -8995,10 +9946,7 @@
           <a:bodyPr wrap="square" lIns="0" tIns="0" rIns="0" bIns="0" rtlCol="0"/>
           <a:lstStyle/>
           <a:p>
-            <a:endParaRPr>
-              <a:latin typeface="Adobe Clean Han Regular" panose="020B0500000000000000" pitchFamily="34" charset="-128"/>
-              <a:ea typeface="Adobe Clean Han Regular" panose="020B0500000000000000" pitchFamily="34" charset="-128"/>
-            </a:endParaRPr>
+            <a:endParaRPr/>
           </a:p>
         </p:txBody>
       </p:sp>
@@ -9027,10 +9975,7 @@
           <a:bodyPr wrap="square" lIns="0" tIns="0" rIns="0" bIns="0" rtlCol="0"/>
           <a:lstStyle/>
           <a:p>
-            <a:endParaRPr>
-              <a:latin typeface="Adobe Clean Han Regular" panose="020B0500000000000000" pitchFamily="34" charset="-128"/>
-              <a:ea typeface="Adobe Clean Han Regular" panose="020B0500000000000000" pitchFamily="34" charset="-128"/>
-            </a:endParaRPr>
+            <a:endParaRPr/>
           </a:p>
         </p:txBody>
       </p:sp>
@@ -9043,14 +9988,14 @@
         <p:spPr>
           <a:xfrm>
             <a:off x="75947" y="9437110"/>
-            <a:ext cx="5896662" cy="563616"/>
+            <a:ext cx="5466715" cy="570865"/>
           </a:xfrm>
           <a:prstGeom prst="rect">
             <a:avLst/>
           </a:prstGeom>
         </p:spPr>
         <p:txBody>
-          <a:bodyPr vert="horz" wrap="square" lIns="0" tIns="29845" rIns="0" bIns="0" rtlCol="0">
+          <a:bodyPr vert="horz" wrap="square" lIns="0" tIns="29845" rIns="0" bIns="0" rtlCol="0" anchor="t">
             <a:spAutoFit/>
           </a:bodyPr>
           <a:lstStyle/>
@@ -9064,16 +10009,439 @@
               </a:spcBef>
             </a:pPr>
             <a:r>
-              <a:rPr lang="ja-JP" sz="1100" i="1" dirty="0">
+              <a:rPr sz="1100" i="1" spc="-10">
                 <a:solidFill>
                   <a:srgbClr val="777879"/>
                 </a:solidFill>
-                <a:latin typeface="Adobe Clean Han Regular" panose="020B0500000000000000" pitchFamily="34" charset="-128"/>
-                <a:ea typeface="Adobe Clean Han Regular" panose="020B0500000000000000" pitchFamily="34" charset="-128"/>
+                <a:latin typeface="AdobeClean-LightIt"/>
                 <a:cs typeface="AdobeClean-LightIt"/>
               </a:rPr>
-              <a:t>アドビサポートのサービスやお客様に最適なレベルについて詳しくは、専任アカウントマネージャー（NAM）またはカスタマーサクセスマネージャー（CSM）にお問い合わせください。</a:t>
-            </a:r>
+              <a:t>To</a:t>
+            </a:r>
+            <a:r>
+              <a:rPr sz="1100" i="1" spc="-50">
+                <a:solidFill>
+                  <a:srgbClr val="777879"/>
+                </a:solidFill>
+                <a:latin typeface="AdobeClean-LightIt"/>
+                <a:cs typeface="AdobeClean-LightIt"/>
+              </a:rPr>
+              <a:t> </a:t>
+            </a:r>
+            <a:r>
+              <a:rPr sz="1100" i="1" spc="-15">
+                <a:solidFill>
+                  <a:srgbClr val="777879"/>
+                </a:solidFill>
+                <a:latin typeface="AdobeClean-LightIt"/>
+                <a:cs typeface="AdobeClean-LightIt"/>
+              </a:rPr>
+              <a:t>learn</a:t>
+            </a:r>
+            <a:r>
+              <a:rPr sz="1100" i="1" spc="-40">
+                <a:solidFill>
+                  <a:srgbClr val="777879"/>
+                </a:solidFill>
+                <a:latin typeface="AdobeClean-LightIt"/>
+                <a:cs typeface="AdobeClean-LightIt"/>
+              </a:rPr>
+              <a:t> </a:t>
+            </a:r>
+            <a:r>
+              <a:rPr sz="1100" i="1" spc="-15">
+                <a:solidFill>
+                  <a:srgbClr val="777879"/>
+                </a:solidFill>
+                <a:latin typeface="AdobeClean-LightIt"/>
+                <a:cs typeface="AdobeClean-LightIt"/>
+              </a:rPr>
+              <a:t>more</a:t>
+            </a:r>
+            <a:r>
+              <a:rPr sz="1100" i="1" spc="-45">
+                <a:solidFill>
+                  <a:srgbClr val="777879"/>
+                </a:solidFill>
+                <a:latin typeface="AdobeClean-LightIt"/>
+                <a:cs typeface="AdobeClean-LightIt"/>
+              </a:rPr>
+              <a:t> </a:t>
+            </a:r>
+            <a:r>
+              <a:rPr sz="1100" i="1" spc="-15">
+                <a:solidFill>
+                  <a:srgbClr val="777879"/>
+                </a:solidFill>
+                <a:latin typeface="AdobeClean-LightIt"/>
+                <a:cs typeface="AdobeClean-LightIt"/>
+              </a:rPr>
+              <a:t>about</a:t>
+            </a:r>
+            <a:r>
+              <a:rPr sz="1100" i="1" spc="-45">
+                <a:solidFill>
+                  <a:srgbClr val="777879"/>
+                </a:solidFill>
+                <a:latin typeface="AdobeClean-LightIt"/>
+                <a:cs typeface="AdobeClean-LightIt"/>
+              </a:rPr>
+              <a:t> </a:t>
+            </a:r>
+            <a:r>
+              <a:rPr sz="1100" i="1" spc="-15">
+                <a:solidFill>
+                  <a:srgbClr val="777879"/>
+                </a:solidFill>
+                <a:latin typeface="AdobeClean-LightIt"/>
+                <a:cs typeface="AdobeClean-LightIt"/>
+              </a:rPr>
+              <a:t>Adobe</a:t>
+            </a:r>
+            <a:r>
+              <a:rPr sz="1100" i="1" spc="-50">
+                <a:solidFill>
+                  <a:srgbClr val="777879"/>
+                </a:solidFill>
+                <a:latin typeface="AdobeClean-LightIt"/>
+                <a:cs typeface="AdobeClean-LightIt"/>
+              </a:rPr>
+              <a:t> </a:t>
+            </a:r>
+            <a:r>
+              <a:rPr sz="1100" i="1" spc="-15">
+                <a:solidFill>
+                  <a:srgbClr val="777879"/>
+                </a:solidFill>
+                <a:latin typeface="AdobeClean-LightIt"/>
+                <a:cs typeface="AdobeClean-LightIt"/>
+              </a:rPr>
+              <a:t>Support</a:t>
+            </a:r>
+            <a:r>
+              <a:rPr lang="en-US" sz="1100" i="1" spc="-15">
+                <a:solidFill>
+                  <a:srgbClr val="777879"/>
+                </a:solidFill>
+                <a:latin typeface="AdobeClean-LightIt"/>
+                <a:cs typeface="AdobeClean-LightIt"/>
+              </a:rPr>
+              <a:t> Offerings</a:t>
+            </a:r>
+            <a:r>
+              <a:rPr sz="1100" i="1" spc="-75">
+                <a:solidFill>
+                  <a:srgbClr val="777879"/>
+                </a:solidFill>
+                <a:latin typeface="AdobeClean-LightIt"/>
+                <a:cs typeface="AdobeClean-LightIt"/>
+              </a:rPr>
+              <a:t> </a:t>
+            </a:r>
+            <a:r>
+              <a:rPr sz="1100" i="1" spc="-15">
+                <a:solidFill>
+                  <a:srgbClr val="777879"/>
+                </a:solidFill>
+                <a:latin typeface="AdobeClean-LightIt"/>
+                <a:cs typeface="AdobeClean-LightIt"/>
+              </a:rPr>
+              <a:t>and</a:t>
+            </a:r>
+            <a:r>
+              <a:rPr sz="1100" i="1" spc="-50">
+                <a:solidFill>
+                  <a:srgbClr val="777879"/>
+                </a:solidFill>
+                <a:latin typeface="AdobeClean-LightIt"/>
+                <a:cs typeface="AdobeClean-LightIt"/>
+              </a:rPr>
+              <a:t> </a:t>
+            </a:r>
+            <a:r>
+              <a:rPr sz="1100" i="1" spc="-15">
+                <a:solidFill>
+                  <a:srgbClr val="777879"/>
+                </a:solidFill>
+                <a:latin typeface="AdobeClean-LightIt"/>
+                <a:cs typeface="AdobeClean-LightIt"/>
+              </a:rPr>
+              <a:t>the</a:t>
+            </a:r>
+            <a:r>
+              <a:rPr sz="1100" i="1" spc="-55">
+                <a:solidFill>
+                  <a:srgbClr val="777879"/>
+                </a:solidFill>
+                <a:latin typeface="AdobeClean-LightIt"/>
+                <a:cs typeface="AdobeClean-LightIt"/>
+              </a:rPr>
+              <a:t> </a:t>
+            </a:r>
+            <a:r>
+              <a:rPr sz="1100" i="1" spc="-15">
+                <a:solidFill>
+                  <a:srgbClr val="777879"/>
+                </a:solidFill>
+                <a:latin typeface="AdobeClean-LightIt"/>
+                <a:cs typeface="AdobeClean-LightIt"/>
+              </a:rPr>
+              <a:t>right</a:t>
+            </a:r>
+            <a:r>
+              <a:rPr sz="1100" i="1" spc="-95">
+                <a:solidFill>
+                  <a:srgbClr val="777879"/>
+                </a:solidFill>
+                <a:latin typeface="AdobeClean-LightIt"/>
+                <a:cs typeface="AdobeClean-LightIt"/>
+              </a:rPr>
+              <a:t> </a:t>
+            </a:r>
+            <a:r>
+              <a:rPr sz="1100" i="1" spc="-15">
+                <a:solidFill>
+                  <a:srgbClr val="777879"/>
+                </a:solidFill>
+                <a:latin typeface="AdobeClean-LightIt"/>
+                <a:cs typeface="AdobeClean-LightIt"/>
+              </a:rPr>
+              <a:t>level</a:t>
+            </a:r>
+            <a:r>
+              <a:rPr sz="1100" i="1" spc="-55">
+                <a:solidFill>
+                  <a:srgbClr val="777879"/>
+                </a:solidFill>
+                <a:latin typeface="AdobeClean-LightIt"/>
+                <a:cs typeface="AdobeClean-LightIt"/>
+              </a:rPr>
+              <a:t> </a:t>
+            </a:r>
+            <a:r>
+              <a:rPr sz="1100" i="1" spc="-15">
+                <a:solidFill>
+                  <a:srgbClr val="777879"/>
+                </a:solidFill>
+                <a:latin typeface="AdobeClean-LightIt"/>
+                <a:cs typeface="AdobeClean-LightIt"/>
+              </a:rPr>
+              <a:t>for</a:t>
+            </a:r>
+            <a:r>
+              <a:rPr sz="1100" i="1" spc="-85">
+                <a:solidFill>
+                  <a:srgbClr val="777879"/>
+                </a:solidFill>
+                <a:latin typeface="AdobeClean-LightIt"/>
+                <a:cs typeface="AdobeClean-LightIt"/>
+              </a:rPr>
+              <a:t> </a:t>
+            </a:r>
+            <a:r>
+              <a:rPr sz="1100" i="1" spc="-15">
+                <a:solidFill>
+                  <a:srgbClr val="777879"/>
+                </a:solidFill>
+                <a:latin typeface="AdobeClean-LightIt"/>
+                <a:cs typeface="AdobeClean-LightIt"/>
+              </a:rPr>
+              <a:t>you,</a:t>
+            </a:r>
+            <a:r>
+              <a:rPr sz="1100" i="1" spc="-65">
+                <a:solidFill>
+                  <a:srgbClr val="777879"/>
+                </a:solidFill>
+                <a:latin typeface="AdobeClean-LightIt"/>
+                <a:cs typeface="AdobeClean-LightIt"/>
+              </a:rPr>
+              <a:t> </a:t>
+            </a:r>
+            <a:r>
+              <a:rPr sz="1100" i="1" spc="-15">
+                <a:solidFill>
+                  <a:srgbClr val="777879"/>
+                </a:solidFill>
+                <a:latin typeface="AdobeClean-LightIt"/>
+                <a:cs typeface="AdobeClean-LightIt"/>
+              </a:rPr>
+              <a:t>contact</a:t>
+            </a:r>
+            <a:r>
+              <a:rPr sz="1100" i="1" spc="-85">
+                <a:solidFill>
+                  <a:srgbClr val="777879"/>
+                </a:solidFill>
+                <a:latin typeface="AdobeClean-LightIt"/>
+                <a:cs typeface="AdobeClean-LightIt"/>
+              </a:rPr>
+              <a:t> </a:t>
+            </a:r>
+            <a:r>
+              <a:rPr sz="1100" i="1" spc="-15">
+                <a:solidFill>
+                  <a:srgbClr val="777879"/>
+                </a:solidFill>
+                <a:latin typeface="AdobeClean-LightIt"/>
+                <a:cs typeface="AdobeClean-LightIt"/>
+              </a:rPr>
+              <a:t>your</a:t>
+            </a:r>
+            <a:r>
+              <a:rPr sz="1100" i="1" spc="-70">
+                <a:solidFill>
+                  <a:srgbClr val="777879"/>
+                </a:solidFill>
+                <a:latin typeface="AdobeClean-LightIt"/>
+                <a:cs typeface="AdobeClean-LightIt"/>
+              </a:rPr>
+              <a:t> </a:t>
+            </a:r>
+            <a:r>
+              <a:rPr sz="1100" i="1" spc="-15">
+                <a:solidFill>
+                  <a:srgbClr val="777879"/>
+                </a:solidFill>
+                <a:latin typeface="AdobeClean-LightIt"/>
+                <a:cs typeface="AdobeClean-LightIt"/>
+              </a:rPr>
+              <a:t>Named</a:t>
+            </a:r>
+            <a:r>
+              <a:rPr sz="1100" i="1" spc="-55">
+                <a:solidFill>
+                  <a:srgbClr val="777879"/>
+                </a:solidFill>
+                <a:latin typeface="AdobeClean-LightIt"/>
+                <a:cs typeface="AdobeClean-LightIt"/>
+              </a:rPr>
+              <a:t> </a:t>
+            </a:r>
+            <a:r>
+              <a:rPr sz="1100" i="1" spc="-25">
+                <a:solidFill>
+                  <a:srgbClr val="777879"/>
+                </a:solidFill>
+                <a:latin typeface="AdobeClean-LightIt"/>
+                <a:cs typeface="AdobeClean-LightIt"/>
+              </a:rPr>
+              <a:t>Account</a:t>
+            </a:r>
+            <a:r>
+              <a:rPr sz="1100" i="1" spc="-120">
+                <a:solidFill>
+                  <a:srgbClr val="777879"/>
+                </a:solidFill>
+                <a:latin typeface="AdobeClean-LightIt"/>
+                <a:cs typeface="AdobeClean-LightIt"/>
+              </a:rPr>
+              <a:t> </a:t>
+            </a:r>
+            <a:r>
+              <a:rPr sz="1100" i="1" spc="-20">
+                <a:solidFill>
+                  <a:srgbClr val="777879"/>
+                </a:solidFill>
+                <a:latin typeface="AdobeClean-LightIt"/>
+                <a:cs typeface="AdobeClean-LightIt"/>
+              </a:rPr>
+              <a:t>Manager</a:t>
+            </a:r>
+            <a:r>
+              <a:rPr lang="en-US" sz="1100" i="1" spc="-20">
+                <a:solidFill>
+                  <a:srgbClr val="777879"/>
+                </a:solidFill>
+                <a:latin typeface="AdobeClean-LightIt"/>
+                <a:cs typeface="AdobeClean-LightIt"/>
+              </a:rPr>
+              <a:t> </a:t>
+            </a:r>
+            <a:r>
+              <a:rPr sz="1100" i="1" spc="-20">
+                <a:solidFill>
+                  <a:srgbClr val="777879"/>
+                </a:solidFill>
+                <a:latin typeface="AdobeClean-LightIt"/>
+                <a:cs typeface="AdobeClean-LightIt"/>
+              </a:rPr>
+              <a:t> </a:t>
+            </a:r>
+            <a:r>
+              <a:rPr sz="1100" i="1" spc="-15">
+                <a:solidFill>
+                  <a:srgbClr val="777879"/>
+                </a:solidFill>
+                <a:latin typeface="AdobeClean-LightIt"/>
+                <a:cs typeface="AdobeClean-LightIt"/>
+              </a:rPr>
+              <a:t>(NAM) </a:t>
+            </a:r>
+            <a:r>
+              <a:rPr sz="1100" i="1" spc="-10">
+                <a:solidFill>
+                  <a:srgbClr val="777879"/>
+                </a:solidFill>
+                <a:latin typeface="AdobeClean-LightIt"/>
+                <a:cs typeface="AdobeClean-LightIt"/>
+              </a:rPr>
+              <a:t>or </a:t>
+            </a:r>
+            <a:r>
+              <a:rPr sz="1100" i="1" spc="-15">
+                <a:solidFill>
+                  <a:srgbClr val="777879"/>
+                </a:solidFill>
+                <a:latin typeface="AdobeClean-LightIt"/>
+                <a:cs typeface="AdobeClean-LightIt"/>
+              </a:rPr>
+              <a:t>Customer</a:t>
+            </a:r>
+            <a:r>
+              <a:rPr lang="en-US" sz="1100" i="1" spc="-15">
+                <a:solidFill>
+                  <a:srgbClr val="777879"/>
+                </a:solidFill>
+                <a:latin typeface="AdobeClean-LightIt"/>
+                <a:cs typeface="AdobeClean-LightIt"/>
+              </a:rPr>
+              <a:t> </a:t>
+            </a:r>
+            <a:r>
+              <a:rPr lang="en-US" sz="1100" i="1" spc="-20">
+                <a:solidFill>
+                  <a:srgbClr val="777879"/>
+                </a:solidFill>
+                <a:latin typeface="AdobeClean-LightIt"/>
+                <a:cs typeface="AdobeClean-LightIt"/>
+              </a:rPr>
+              <a:t>Success </a:t>
+            </a:r>
+            <a:r>
+              <a:rPr lang="en-US" sz="1100" i="1" spc="-15">
+                <a:solidFill>
+                  <a:srgbClr val="777879"/>
+                </a:solidFill>
+                <a:latin typeface="AdobeClean-LightIt"/>
+                <a:cs typeface="AdobeClean-LightIt"/>
+              </a:rPr>
+              <a:t>Manager </a:t>
+            </a:r>
+            <a:r>
+              <a:rPr sz="1100" i="1" spc="-15">
+                <a:solidFill>
+                  <a:srgbClr val="777879"/>
+                </a:solidFill>
+                <a:latin typeface="AdobeClean-LightIt"/>
+                <a:cs typeface="AdobeClean-LightIt"/>
+              </a:rPr>
+              <a:t>(CSM)</a:t>
+            </a:r>
+            <a:endParaRPr sz="1100">
+              <a:latin typeface="AdobeClean-LightIt"/>
+              <a:cs typeface="AdobeClean-LightIt"/>
+            </a:endParaRPr>
           </a:p>
           <a:p>
             <a:pPr marL="34290">
@@ -9085,16 +10453,59 @@
               </a:spcBef>
             </a:pPr>
             <a:r>
-              <a:rPr lang="ja-JP" sz="800" dirty="0">
+              <a:rPr sz="800" spc="-5">
                 <a:solidFill>
                   <a:srgbClr val="6D6D6D"/>
                 </a:solidFill>
-                <a:latin typeface="Adobe Clean Han Regular" panose="020B0500000000000000" pitchFamily="34" charset="-128"/>
-                <a:ea typeface="Adobe Clean Han Regular" panose="020B0500000000000000" pitchFamily="34" charset="-128"/>
+                <a:latin typeface="Adobe Clean"/>
                 <a:cs typeface="Adobe Clean"/>
               </a:rPr>
-              <a:t>©2021 Adobe.All Rights Reserved.Adobe Confidential.</a:t>
-            </a:r>
+              <a:t>©202</a:t>
+            </a:r>
+            <a:r>
+              <a:rPr lang="en-US" sz="800" spc="-5">
+                <a:solidFill>
+                  <a:srgbClr val="6D6D6D"/>
+                </a:solidFill>
+                <a:latin typeface="Adobe Clean"/>
+                <a:cs typeface="Adobe Clean"/>
+              </a:rPr>
+              <a:t>1</a:t>
+            </a:r>
+            <a:r>
+              <a:rPr sz="800" spc="-5">
+                <a:solidFill>
+                  <a:srgbClr val="6D6D6D"/>
+                </a:solidFill>
+                <a:latin typeface="Adobe Clean"/>
+                <a:cs typeface="Adobe Clean"/>
+              </a:rPr>
+              <a:t> Adobe. All Rights Reserved. Adobe</a:t>
+            </a:r>
+            <a:r>
+              <a:rPr sz="800" spc="75">
+                <a:solidFill>
+                  <a:srgbClr val="6D6D6D"/>
+                </a:solidFill>
+                <a:latin typeface="Adobe Clean"/>
+                <a:cs typeface="Adobe Clean"/>
+              </a:rPr>
+              <a:t> </a:t>
+            </a:r>
+            <a:r>
+              <a:rPr sz="800" spc="-5">
+                <a:solidFill>
+                  <a:srgbClr val="6D6D6D"/>
+                </a:solidFill>
+                <a:latin typeface="Adobe Clean"/>
+                <a:cs typeface="Adobe Clean"/>
+              </a:rPr>
+              <a:t>Confidential.</a:t>
+            </a:r>
+            <a:endParaRPr sz="800">
+              <a:latin typeface="Adobe Clean"/>
+              <a:cs typeface="Adobe Clean"/>
+            </a:endParaRPr>
           </a:p>
         </p:txBody>
       </p:sp>
@@ -9131,16 +10542,19 @@
               </a:spcBef>
             </a:pPr>
             <a:r>
-              <a:rPr lang="ja-JP" sz="1400" b="1" dirty="0">
+              <a:rPr lang="en-US" sz="1400" b="1" spc="-15">
                 <a:solidFill>
                   <a:srgbClr val="020302"/>
                 </a:solidFill>
-                <a:latin typeface="Adobe Clean Han Regular" panose="020B0500000000000000" pitchFamily="34" charset="-128"/>
-                <a:ea typeface="Adobe Clean Han Regular" panose="020B0500000000000000" pitchFamily="34" charset="-128"/>
+                <a:latin typeface="Adobe Clean"/>
                 <a:cs typeface="Adobe Clean"/>
               </a:rPr>
-              <a:t>アドビサポートの対象地域、現地の営業時間、言語サポート</a:t>
-            </a:r>
+              <a:t>Regional scope of Adobe Support, Local Hours Of Operation And Language Support</a:t>
+            </a:r>
+            <a:endParaRPr lang="en-US" sz="1400" spc="-15">
+              <a:ea typeface="+mn-lt"/>
+              <a:cs typeface="+mn-lt"/>
+            </a:endParaRPr>
           </a:p>
           <a:p>
             <a:pPr>
@@ -9149,34 +10563,15 @@
               </a:spcBef>
             </a:pPr>
             <a:r>
-              <a:rPr lang="ja-JP" sz="1000" dirty="0">
+              <a:rPr lang="en-US" sz="1000" spc="-15">
                 <a:solidFill>
                   <a:srgbClr val="1F1F1F"/>
                 </a:solidFill>
-                <a:latin typeface="Adobe Clean Han Regular" panose="020B0500000000000000" pitchFamily="34" charset="-128"/>
-                <a:ea typeface="Adobe Clean Han Regular" panose="020B0500000000000000" pitchFamily="34" charset="-128"/>
-              </a:rPr>
-              <a:t>アドビサポートの対象地域と現地営業時間は、以下のとおりです。対象地域は、</a:t>
-            </a:r>
-            <a:br>
-              <a:rPr lang="sk-SK" altLang="ja-JP" sz="1000" dirty="0">
-                <a:solidFill>
-                  <a:srgbClr val="1F1F1F"/>
-                </a:solidFill>
-                <a:latin typeface="Adobe Clean Han Regular" panose="020B0500000000000000" pitchFamily="34" charset="-128"/>
-                <a:ea typeface="Adobe Clean Han Regular" panose="020B0500000000000000" pitchFamily="34" charset="-128"/>
-              </a:rPr>
-            </a:br>
-            <a:r>
-              <a:rPr lang="ja-JP" sz="1000" dirty="0">
-                <a:solidFill>
-                  <a:srgbClr val="1F1F1F"/>
-                </a:solidFill>
-                <a:latin typeface="Adobe Clean Han Regular" panose="020B0500000000000000" pitchFamily="34" charset="-128"/>
-                <a:ea typeface="Adobe Clean Han Regular" panose="020B0500000000000000" pitchFamily="34" charset="-128"/>
-              </a:rPr>
-              <a:t>お客様のセールスオーダーやその他のアドビサポートの購買記録に記載されている請求先の地域に準じます。</a:t>
-            </a:r>
+                <a:latin typeface="AdobeClean-Light"/>
+              </a:rPr>
+              <a:t>The Regional scope of Adobe Support is established by aligning the customer's billing address (via the Sales Order or other Adobe Support purchasing document) to one of the following regions:</a:t>
+            </a:r>
+            <a:endParaRPr lang="en-US"/>
           </a:p>
         </p:txBody>
       </p:sp>
@@ -9195,7 +10590,7 @@
           <p:nvPr>
             <p:extLst>
               <p:ext uri="{D42A27DB-BD31-4B8C-83A1-F6EECF244321}">
-                <p14:modId xmlns:p14="http://schemas.microsoft.com/office/powerpoint/2010/main" val="453832874"/>
+                <p14:modId xmlns:p14="http://schemas.microsoft.com/office/powerpoint/2010/main" val="2969235217"/>
               </p:ext>
             </p:extLst>
           </p:nvPr>
@@ -9248,14 +10643,13 @@
                     <a:p>
                       <a:pPr algn="ctr"/>
                       <a:r>
-                        <a:rPr lang="ja-JP" sz="1100" dirty="0">
+                        <a:rPr lang="en-US" sz="1100">
                           <a:solidFill>
                             <a:schemeClr val="tx1"/>
                           </a:solidFill>
-                          <a:latin typeface="Adobe Clean Han Regular" panose="020B0500000000000000" pitchFamily="34" charset="-128"/>
-                          <a:ea typeface="Adobe Clean Han Regular" panose="020B0500000000000000" pitchFamily="34" charset="-128"/>
+                          <a:latin typeface="Adobe Clean"/>
                         </a:rPr>
-                        <a:t>南北アメリカ</a:t>
+                        <a:t>Americas</a:t>
                       </a:r>
                     </a:p>
                   </a:txBody>
@@ -9314,14 +10708,13 @@
                     <a:p>
                       <a:pPr algn="ctr"/>
                       <a:r>
-                        <a:rPr lang="ja-JP" sz="1100" dirty="0">
+                        <a:rPr lang="en-US" sz="1100">
                           <a:solidFill>
                             <a:schemeClr val="tx1"/>
                           </a:solidFill>
-                          <a:latin typeface="Adobe Clean Han Regular" panose="020B0500000000000000" pitchFamily="34" charset="-128"/>
-                          <a:ea typeface="Adobe Clean Han Regular" panose="020B0500000000000000" pitchFamily="34" charset="-128"/>
+                          <a:latin typeface="Adobe Clean"/>
                         </a:rPr>
-                        <a:t>ヨーロッパ、中東、アフリカ</a:t>
+                        <a:t>Europe, Middle East &amp; Africa</a:t>
                       </a:r>
                     </a:p>
                   </a:txBody>
@@ -9380,14 +10773,13 @@
                     <a:p>
                       <a:pPr algn="ctr"/>
                       <a:r>
-                        <a:rPr lang="ja-JP" sz="1100" dirty="0">
+                        <a:rPr lang="en-US" sz="1100">
                           <a:solidFill>
                             <a:schemeClr val="tx1"/>
                           </a:solidFill>
-                          <a:latin typeface="Adobe Clean Han Regular" panose="020B0500000000000000" pitchFamily="34" charset="-128"/>
-                          <a:ea typeface="Adobe Clean Han Regular" panose="020B0500000000000000" pitchFamily="34" charset="-128"/>
+                          <a:latin typeface="Adobe Clean"/>
                         </a:rPr>
-                        <a:t>アジア太平洋</a:t>
+                        <a:t>Asia Pacific</a:t>
                       </a:r>
                     </a:p>
                   </a:txBody>
@@ -9446,25 +10838,29 @@
                     <a:p>
                       <a:pPr algn="ctr"/>
                       <a:r>
-                        <a:rPr lang="ja-JP" sz="1100" dirty="0">
+                        <a:rPr lang="en-US" sz="1100">
                           <a:solidFill>
                             <a:schemeClr val="tx1"/>
                           </a:solidFill>
-                          <a:latin typeface="Adobe Clean Han Regular" panose="020B0500000000000000" pitchFamily="34" charset="-128"/>
-                          <a:ea typeface="Adobe Clean Han Regular" panose="020B0500000000000000" pitchFamily="34" charset="-128"/>
+                          <a:latin typeface="Adobe Clean"/>
                         </a:rPr>
-                        <a:t>日本 </a:t>
+                        <a:t>Japan </a:t>
                       </a:r>
                       <a:r>
-                        <a:rPr lang="ja-JP" sz="1100" baseline="30000" dirty="0">
+                        <a:rPr lang="en-US" sz="1100" baseline="30000">
                           <a:solidFill>
                             <a:schemeClr val="tx1"/>
                           </a:solidFill>
-                          <a:latin typeface="Adobe Clean Han Regular" panose="020B0500000000000000" pitchFamily="34" charset="-128"/>
-                          <a:ea typeface="Adobe Clean Han Regular" panose="020B0500000000000000" pitchFamily="34" charset="-128"/>
+                          <a:latin typeface="Adobe Clean"/>
                         </a:rPr>
                         <a:t>1 </a:t>
                       </a:r>
+                      <a:endParaRPr lang="en-US" sz="1100">
+                        <a:solidFill>
+                          <a:schemeClr val="tx1"/>
+                        </a:solidFill>
+                        <a:latin typeface="Adobe Clean" panose="020B0503020404020204" pitchFamily="34" charset="0"/>
+                      </a:endParaRPr>
                     </a:p>
                   </a:txBody>
                   <a:tcPr anchor="ctr">
@@ -9529,14 +10925,13 @@
                     <a:p>
                       <a:pPr algn="ctr"/>
                       <a:r>
-                        <a:rPr lang="ja-JP" sz="1100" dirty="0">
+                        <a:rPr lang="en-US" sz="1100">
                           <a:solidFill>
                             <a:schemeClr val="tx1"/>
                           </a:solidFill>
-                          <a:latin typeface="Adobe Clean Han Regular" panose="020B0500000000000000" pitchFamily="34" charset="-128"/>
-                          <a:ea typeface="Adobe Clean Han Regular" panose="020B0500000000000000" pitchFamily="34" charset="-128"/>
+                          <a:latin typeface="Adobe Clean"/>
                         </a:rPr>
-                        <a:t>午前 6:00 ～午後 5:30</a:t>
+                        <a:t>6 am – 5:30 pm</a:t>
                       </a:r>
                     </a:p>
                   </a:txBody>
@@ -9595,14 +10990,13 @@
                     <a:p>
                       <a:pPr algn="ctr"/>
                       <a:r>
-                        <a:rPr lang="ja-JP" sz="1100" dirty="0">
+                        <a:rPr lang="en-US" sz="1100">
                           <a:solidFill>
                             <a:schemeClr val="tx1"/>
                           </a:solidFill>
-                          <a:latin typeface="Adobe Clean Han Regular" panose="020B0500000000000000" pitchFamily="34" charset="-128"/>
-                          <a:ea typeface="Adobe Clean Han Regular" panose="020B0500000000000000" pitchFamily="34" charset="-128"/>
+                          <a:latin typeface="Adobe Clean"/>
                         </a:rPr>
-                        <a:t>午前 9:00 ～午後 5:00</a:t>
+                        <a:t>9 am – 5 pm</a:t>
                       </a:r>
                     </a:p>
                   </a:txBody>
@@ -9661,14 +11055,13 @@
                     <a:p>
                       <a:pPr algn="ctr"/>
                       <a:r>
-                        <a:rPr lang="ja-JP" sz="1100" dirty="0">
+                        <a:rPr lang="en-US" sz="1100">
                           <a:solidFill>
                             <a:schemeClr val="tx1"/>
                           </a:solidFill>
-                          <a:latin typeface="Adobe Clean Han Regular" panose="020B0500000000000000" pitchFamily="34" charset="-128"/>
-                          <a:ea typeface="Adobe Clean Han Regular" panose="020B0500000000000000" pitchFamily="34" charset="-128"/>
+                          <a:latin typeface="Adobe Clean"/>
                         </a:rPr>
-                        <a:t>午前 9:00 ～午後 5:00</a:t>
+                        <a:t>9 am – 5 pm</a:t>
                       </a:r>
                     </a:p>
                   </a:txBody>
@@ -9727,14 +11120,13 @@
                     <a:p>
                       <a:pPr algn="ctr"/>
                       <a:r>
-                        <a:rPr lang="ja-JP" sz="1100" dirty="0">
+                        <a:rPr lang="en-US" sz="1100">
                           <a:solidFill>
                             <a:schemeClr val="tx1"/>
                           </a:solidFill>
-                          <a:latin typeface="Adobe Clean Han Regular" panose="020B0500000000000000" pitchFamily="34" charset="-128"/>
-                          <a:ea typeface="Adobe Clean Han Regular" panose="020B0500000000000000" pitchFamily="34" charset="-128"/>
+                          <a:latin typeface="Adobe Clean"/>
                         </a:rPr>
-                        <a:t>午前 9:00 ～午後 5:30</a:t>
+                        <a:t>9 am – 5:30 pm</a:t>
                       </a:r>
                     </a:p>
                   </a:txBody>
@@ -9814,29 +11206,31 @@
                         <a:buNone/>
                       </a:pPr>
                       <a:r>
-                        <a:rPr lang="ja-JP" sz="1100" b="1" i="0" u="none" strike="noStrike" cap="none" normalizeH="0" baseline="30000" noProof="0" dirty="0">
+                        <a:rPr lang="en-US" sz="1100" b="1" i="0" u="none" strike="noStrike" kern="0" cap="none" spc="0" normalizeH="0" baseline="30000" noProof="0">
                           <a:ln>
                             <a:noFill/>
                           </a:ln>
+                          <a:effectLst/>
                           <a:uLnTx/>
                           <a:uFillTx/>
-                          <a:latin typeface="Adobe Clean Han Regular" panose="020B0500000000000000" pitchFamily="34" charset="-128"/>
-                          <a:ea typeface="Adobe Clean Han Regular" panose="020B0500000000000000" pitchFamily="34" charset="-128"/>
+                          <a:latin typeface="Adobe Clean"/>
+                          <a:ea typeface="+mn-ea"/>
                           <a:cs typeface="+mn-cs"/>
                         </a:rPr>
                         <a:t> </a:t>
                       </a:r>
                       <a:r>
-                        <a:rPr lang="ja-JP" sz="1100" dirty="0">
+                        <a:rPr lang="en-US" sz="1100">
                           <a:solidFill>
                             <a:schemeClr val="tx1"/>
                           </a:solidFill>
-                          <a:latin typeface="Adobe Clean Han Regular" panose="020B0500000000000000" pitchFamily="34" charset="-128"/>
-                          <a:ea typeface="Adobe Clean Han Regular" panose="020B0500000000000000" pitchFamily="34" charset="-128"/>
-                          <a:cs typeface="+mn-cs"/>
+                          <a:latin typeface="Adobe Clean"/>
                         </a:rPr>
-                        <a:t>サポートで対応している言語は、英語および日本語のみです。</a:t>
+                        <a:t>Language support is only available in English and Japanese.</a:t>
                       </a:r>
+                      <a:endParaRPr lang="en-US">
+                        <a:latin typeface="Adobe Clean"/>
+                      </a:endParaRPr>
                     </a:p>
                     <a:p>
                       <a:pPr marL="0" marR="0" lvl="0" indent="0" algn="ctr">
@@ -9855,19 +11249,18 @@
                         <a:buNone/>
                       </a:pPr>
                       <a:r>
-                        <a:rPr lang="ja-JP" sz="1100" i="1" dirty="0">
+                        <a:rPr lang="en-US" sz="1100" i="1">
                           <a:solidFill>
                             <a:schemeClr val="tx1"/>
                           </a:solidFill>
-                          <a:latin typeface="Adobe Clean Han Regular" panose="020B0500000000000000" pitchFamily="34" charset="-128"/>
-                          <a:ea typeface="Adobe Clean Han Regular" panose="020B0500000000000000" pitchFamily="34" charset="-128"/>
+                          <a:latin typeface="Adobe Clean"/>
                         </a:rPr>
-                        <a:t>*Adobe Commerce のサポートは、日本語に対応していません。</a:t>
+                        <a:t>*Adobe Commerce excludes Japanese languages support.</a:t>
                       </a:r>
                     </a:p>
                     <a:p>
-                      <a:pPr algn="l" rtl="0"/>
-                      <a:endParaRPr kumimoji="0" lang="en-US" sz="1100" b="1" i="0" u="none" strike="noStrike" kern="0" cap="none" spc="0" normalizeH="0" baseline="30000" noProof="0" dirty="0">
+                      <a:pPr algn="ctr"/>
+                      <a:endParaRPr kumimoji="0" lang="en-US" sz="1100" b="1" i="0" u="none" strike="noStrike" kern="0" cap="none" spc="0" normalizeH="0" baseline="30000" noProof="0">
                         <a:ln>
                           <a:noFill/>
                         </a:ln>
@@ -9877,43 +11270,46 @@
                         <a:effectLst/>
                         <a:uLnTx/>
                         <a:uFillTx/>
-                        <a:latin typeface="Adobe Clean Han Regular" panose="020B0500000000000000" pitchFamily="34" charset="-128"/>
-                        <a:ea typeface="Adobe Clean Han Regular" panose="020B0500000000000000" pitchFamily="34" charset="-128"/>
+                        <a:latin typeface="Adobe Clean" panose="020B0503020404020204" pitchFamily="34" charset="0"/>
+                        <a:ea typeface="+mn-ea"/>
                         <a:cs typeface="+mn-cs"/>
                       </a:endParaRPr>
                     </a:p>
                     <a:p>
                       <a:pPr algn="ctr"/>
                       <a:r>
-                        <a:rPr lang="ja-JP" sz="1100" i="0" dirty="0">
+                        <a:rPr lang="en-US" sz="1100" i="0">
                           <a:solidFill>
                             <a:schemeClr val="tx1"/>
                           </a:solidFill>
-                          <a:latin typeface="Adobe Clean Han Regular" panose="020B0500000000000000" pitchFamily="34" charset="-128"/>
-                          <a:ea typeface="Adobe Clean Han Regular" panose="020B0500000000000000" pitchFamily="34" charset="-128"/>
+                          <a:latin typeface="Adobe Clean"/>
                         </a:rPr>
                         <a:t> </a:t>
                       </a:r>
                       <a:r>
-                        <a:rPr lang="ja-JP" sz="1100" i="0" baseline="30000" dirty="0">
+                        <a:rPr lang="en-US" sz="1100" i="0" baseline="30000">
                           <a:solidFill>
                             <a:schemeClr val="tx1"/>
                           </a:solidFill>
-                          <a:latin typeface="Adobe Clean Han Regular" panose="020B0500000000000000" pitchFamily="34" charset="-128"/>
-                          <a:ea typeface="Adobe Clean Han Regular" panose="020B0500000000000000" pitchFamily="34" charset="-128"/>
+                          <a:latin typeface="Adobe Clean"/>
                         </a:rPr>
                         <a:t>1 </a:t>
                       </a:r>
                       <a:r>
-                        <a:rPr lang="ja-JP" sz="1100" i="0" dirty="0">
+                        <a:rPr lang="en-US" sz="1100" i="0">
                           <a:solidFill>
                             <a:schemeClr val="tx1"/>
                           </a:solidFill>
-                          <a:latin typeface="Adobe Clean Han Regular" panose="020B0500000000000000" pitchFamily="34" charset="-128"/>
-                          <a:ea typeface="Adobe Clean Han Regular" panose="020B0500000000000000" pitchFamily="34" charset="-128"/>
+                          <a:latin typeface="Adobe Clean"/>
                         </a:rPr>
-                        <a:t>P2、P3、P4 の場合は、営業時間内のみの対応です。</a:t>
+                        <a:t>P2, P3, P4 cases are limited to business hours only in Japan.</a:t>
                       </a:r>
+                      <a:endParaRPr lang="en-US" sz="1100" b="1" i="0">
+                        <a:solidFill>
+                          <a:schemeClr val="tx1"/>
+                        </a:solidFill>
+                        <a:latin typeface="Adobe Clean"/>
+                      </a:endParaRPr>
                     </a:p>
                   </a:txBody>
                   <a:tcPr anchor="ctr">
@@ -10209,10 +11605,7 @@
           <a:bodyPr wrap="square" lIns="0" tIns="0" rIns="0" bIns="0" rtlCol="0"/>
           <a:lstStyle/>
           <a:p>
-            <a:endParaRPr>
-              <a:latin typeface="Adobe Clean Han Regular" panose="020B0500000000000000" pitchFamily="34" charset="-128"/>
-              <a:ea typeface="Adobe Clean Han Regular" panose="020B0500000000000000" pitchFamily="34" charset="-128"/>
-            </a:endParaRPr>
+            <a:endParaRPr/>
           </a:p>
         </p:txBody>
       </p:sp>
@@ -10271,7 +11664,7 @@
           </a:bodyPr>
           <a:lstStyle/>
           <a:p>
-            <a:pPr marR="5080" algn="ctr">
+            <a:pPr marL="139065" marR="5080" indent="-139065">
               <a:lnSpc>
                 <a:spcPts val="1390"/>
               </a:lnSpc>
@@ -10280,37 +11673,129 @@
               </a:spcBef>
             </a:pPr>
             <a:r>
-              <a:rPr lang="ja-JP" sz="1200" b="1" dirty="0">
+              <a:rPr sz="1200" b="1" spc="-15">
                 <a:solidFill>
                   <a:srgbClr val="FFFFFF"/>
                 </a:solidFill>
-                <a:latin typeface="Adobe Clean Han Regular" panose="020B0500000000000000" pitchFamily="34" charset="-128"/>
-                <a:ea typeface="Adobe Clean Han Regular" panose="020B0500000000000000" pitchFamily="34" charset="-128"/>
+                <a:latin typeface="Adobe Clean"/>
                 <a:cs typeface="Adobe Clean"/>
               </a:rPr>
-              <a:t>卓越した</a:t>
-            </a:r>
-            <a:br>
-              <a:rPr lang="ja-JP" sz="1200" b="1" dirty="0">
+              <a:t>U</a:t>
+            </a:r>
+            <a:r>
+              <a:rPr sz="1200" b="1" spc="-20">
                 <a:solidFill>
                   <a:srgbClr val="FFFFFF"/>
                 </a:solidFill>
-                <a:latin typeface="Adobe Clean Han Regular" panose="020B0500000000000000" pitchFamily="34" charset="-128"/>
-                <a:ea typeface="Adobe Clean Han Regular" panose="020B0500000000000000" pitchFamily="34" charset="-128"/>
+                <a:latin typeface="Adobe Clean"/>
                 <a:cs typeface="Adobe Clean"/>
               </a:rPr>
-            </a:br>
-            <a:r>
-              <a:rPr lang="ja-JP" sz="1200" b="1" dirty="0">
+              <a:t>n</a:t>
+            </a:r>
+            <a:r>
+              <a:rPr sz="1200" b="1" spc="-25">
                 <a:solidFill>
                   <a:srgbClr val="FFFFFF"/>
                 </a:solidFill>
-                <a:latin typeface="Adobe Clean Han Regular" panose="020B0500000000000000" pitchFamily="34" charset="-128"/>
-                <a:ea typeface="Adobe Clean Han Regular" panose="020B0500000000000000" pitchFamily="34" charset="-128"/>
+                <a:latin typeface="Adobe Clean"/>
                 <a:cs typeface="Adobe Clean"/>
               </a:rPr>
-              <a:t>専門知識</a:t>
-            </a:r>
+              <a:t>p</a:t>
+            </a:r>
+            <a:r>
+              <a:rPr sz="1200" b="1" spc="-15">
+                <a:solidFill>
+                  <a:srgbClr val="FFFFFF"/>
+                </a:solidFill>
+                <a:latin typeface="Adobe Clean"/>
+                <a:cs typeface="Adobe Clean"/>
+              </a:rPr>
+              <a:t>a</a:t>
+            </a:r>
+            <a:r>
+              <a:rPr sz="1200" b="1" spc="-25">
+                <a:solidFill>
+                  <a:srgbClr val="FFFFFF"/>
+                </a:solidFill>
+                <a:latin typeface="Adobe Clean"/>
+                <a:cs typeface="Adobe Clean"/>
+              </a:rPr>
+              <a:t>r</a:t>
+            </a:r>
+            <a:r>
+              <a:rPr sz="1200" b="1" spc="-15">
+                <a:solidFill>
+                  <a:srgbClr val="FFFFFF"/>
+                </a:solidFill>
+                <a:latin typeface="Adobe Clean"/>
+                <a:cs typeface="Adobe Clean"/>
+              </a:rPr>
+              <a:t>a</a:t>
+            </a:r>
+            <a:r>
+              <a:rPr sz="1200" b="1" spc="-30">
+                <a:solidFill>
+                  <a:srgbClr val="FFFFFF"/>
+                </a:solidFill>
+                <a:latin typeface="Adobe Clean"/>
+                <a:cs typeface="Adobe Clean"/>
+              </a:rPr>
+              <a:t>ll</a:t>
+            </a:r>
+            <a:r>
+              <a:rPr sz="1200" b="1" spc="-25">
+                <a:solidFill>
+                  <a:srgbClr val="FFFFFF"/>
+                </a:solidFill>
+                <a:latin typeface="Adobe Clean"/>
+                <a:cs typeface="Adobe Clean"/>
+              </a:rPr>
+              <a:t>e</a:t>
+            </a:r>
+            <a:r>
+              <a:rPr sz="1200" b="1" spc="-30">
+                <a:solidFill>
+                  <a:srgbClr val="FFFFFF"/>
+                </a:solidFill>
+                <a:latin typeface="Adobe Clean"/>
+                <a:cs typeface="Adobe Clean"/>
+              </a:rPr>
+              <a:t>l</a:t>
+            </a:r>
+            <a:r>
+              <a:rPr sz="1200" b="1" spc="-25">
+                <a:solidFill>
+                  <a:srgbClr val="FFFFFF"/>
+                </a:solidFill>
+                <a:latin typeface="Adobe Clean"/>
+                <a:cs typeface="Adobe Clean"/>
+              </a:rPr>
+              <a:t>e</a:t>
+            </a:r>
+            <a:r>
+              <a:rPr sz="1200" b="1">
+                <a:solidFill>
+                  <a:srgbClr val="FFFFFF"/>
+                </a:solidFill>
+                <a:latin typeface="Adobe Clean"/>
+                <a:cs typeface="Adobe Clean"/>
+              </a:rPr>
+              <a:t>d  </a:t>
+            </a:r>
+            <a:r>
+              <a:rPr sz="1200" b="1" spc="-25">
+                <a:solidFill>
+                  <a:srgbClr val="FFFFFF"/>
+                </a:solidFill>
+                <a:latin typeface="Adobe Clean"/>
+                <a:cs typeface="Adobe Clean"/>
+              </a:rPr>
+              <a:t>Expertise</a:t>
+            </a:r>
+            <a:endParaRPr sz="1200">
+              <a:latin typeface="Adobe Clean"/>
+              <a:cs typeface="Adobe Clean"/>
+            </a:endParaRPr>
           </a:p>
         </p:txBody>
       </p:sp>
@@ -10328,7 +11813,7 @@
         </p:nvSpPr>
         <p:spPr>
           <a:xfrm>
-            <a:off x="4684870" y="8541244"/>
+            <a:off x="4732495" y="8541244"/>
             <a:ext cx="810895" cy="382797"/>
           </a:xfrm>
           <a:prstGeom prst="rect">
@@ -10341,7 +11826,7 @@
           </a:bodyPr>
           <a:lstStyle/>
           <a:p>
-            <a:pPr marR="5080" algn="ctr">
+            <a:pPr marL="139065" marR="5080" indent="-139065">
               <a:lnSpc>
                 <a:spcPts val="1390"/>
               </a:lnSpc>
@@ -10350,37 +11835,19 @@
               </a:spcBef>
             </a:pPr>
             <a:r>
-              <a:rPr lang="ja-JP" sz="1200" b="1" dirty="0">
+              <a:rPr lang="en-US" sz="1200" b="1" spc="-15">
                 <a:solidFill>
                   <a:srgbClr val="FFFFFF"/>
                 </a:solidFill>
-                <a:latin typeface="Adobe Clean Han Regular" panose="020B0500000000000000" pitchFamily="34" charset="-128"/>
-                <a:ea typeface="Adobe Clean Han Regular" panose="020B0500000000000000" pitchFamily="34" charset="-128"/>
+                <a:latin typeface="Adobe Clean"/>
                 <a:cs typeface="Adobe Clean"/>
               </a:rPr>
-              <a:t>迅速な</a:t>
-            </a:r>
-            <a:br>
-              <a:rPr lang="ja-JP" sz="1200" b="1" dirty="0">
-                <a:solidFill>
-                  <a:srgbClr val="FFFFFF"/>
-                </a:solidFill>
-                <a:latin typeface="Adobe Clean Han Regular" panose="020B0500000000000000" pitchFamily="34" charset="-128"/>
-                <a:ea typeface="Adobe Clean Han Regular" panose="020B0500000000000000" pitchFamily="34" charset="-128"/>
-                <a:cs typeface="Adobe Clean"/>
-              </a:rPr>
-            </a:br>
-            <a:r>
-              <a:rPr lang="ja-JP" sz="1200" b="1" dirty="0">
-                <a:solidFill>
-                  <a:srgbClr val="FFFFFF"/>
-                </a:solidFill>
-                <a:latin typeface="Adobe Clean Han Regular" panose="020B0500000000000000" pitchFamily="34" charset="-128"/>
-                <a:ea typeface="Adobe Clean Han Regular" panose="020B0500000000000000" pitchFamily="34" charset="-128"/>
-                <a:cs typeface="Adobe Clean"/>
-              </a:rPr>
-              <a:t>サポート</a:t>
-            </a:r>
+              <a:t>Accelerated Support</a:t>
+            </a:r>
+            <a:endParaRPr sz="1200">
+              <a:latin typeface="Adobe Clean"/>
+              <a:cs typeface="Adobe Clean"/>
+            </a:endParaRPr>
           </a:p>
         </p:txBody>
       </p:sp>
@@ -10398,8 +11865,8 @@
         </p:nvSpPr>
         <p:spPr>
           <a:xfrm>
-            <a:off x="6462194" y="8543943"/>
-            <a:ext cx="810894" cy="382797"/>
+            <a:off x="6624119" y="8543943"/>
+            <a:ext cx="510540" cy="385445"/>
           </a:xfrm>
           <a:prstGeom prst="rect">
             <a:avLst/>
@@ -10411,7 +11878,7 @@
           </a:bodyPr>
           <a:lstStyle/>
           <a:p>
-            <a:pPr marR="5080" algn="ctr">
+            <a:pPr marL="50800" marR="5080" indent="-51435">
               <a:lnSpc>
                 <a:spcPts val="1390"/>
               </a:lnSpc>
@@ -10420,37 +11887,109 @@
               </a:spcBef>
             </a:pPr>
             <a:r>
-              <a:rPr lang="ja-JP" sz="1200" b="1" dirty="0">
+              <a:rPr sz="1200" b="1" spc="-50">
                 <a:solidFill>
                   <a:srgbClr val="FFFFFF"/>
                 </a:solidFill>
-                <a:latin typeface="Adobe Clean Han Regular" panose="020B0500000000000000" pitchFamily="34" charset="-128"/>
-                <a:ea typeface="Adobe Clean Han Regular" panose="020B0500000000000000" pitchFamily="34" charset="-128"/>
+                <a:latin typeface="Adobe Clean"/>
                 <a:cs typeface="Adobe Clean"/>
               </a:rPr>
-              <a:t>戦略的</a:t>
-            </a:r>
-            <a:br>
-              <a:rPr lang="ja-JP" sz="1200" b="1" dirty="0">
+              <a:t>S</a:t>
+            </a:r>
+            <a:r>
+              <a:rPr sz="1200" b="1" spc="-20">
                 <a:solidFill>
                   <a:srgbClr val="FFFFFF"/>
                 </a:solidFill>
-                <a:latin typeface="Adobe Clean Han Regular" panose="020B0500000000000000" pitchFamily="34" charset="-128"/>
-                <a:ea typeface="Adobe Clean Han Regular" panose="020B0500000000000000" pitchFamily="34" charset="-128"/>
+                <a:latin typeface="Adobe Clean"/>
                 <a:cs typeface="Adobe Clean"/>
               </a:rPr>
-            </a:br>
-            <a:r>
-              <a:rPr lang="ja-JP" sz="1200" b="1" dirty="0">
+              <a:t>t</a:t>
+            </a:r>
+            <a:r>
+              <a:rPr sz="1200" b="1" spc="-75">
                 <a:solidFill>
                   <a:srgbClr val="FFFFFF"/>
                 </a:solidFill>
-                <a:latin typeface="Adobe Clean Han Regular" panose="020B0500000000000000" pitchFamily="34" charset="-128"/>
-                <a:ea typeface="Adobe Clean Han Regular" panose="020B0500000000000000" pitchFamily="34" charset="-128"/>
+                <a:latin typeface="Adobe Clean"/>
                 <a:cs typeface="Adobe Clean"/>
               </a:rPr>
-              <a:t>アドバイス</a:t>
-            </a:r>
+              <a:t>r</a:t>
+            </a:r>
+            <a:r>
+              <a:rPr sz="1200" b="1" spc="-90">
+                <a:solidFill>
+                  <a:srgbClr val="FFFFFF"/>
+                </a:solidFill>
+                <a:latin typeface="Adobe Clean"/>
+                <a:cs typeface="Adobe Clean"/>
+              </a:rPr>
+              <a:t>a</a:t>
+            </a:r>
+            <a:r>
+              <a:rPr sz="1200" b="1" spc="-55">
+                <a:solidFill>
+                  <a:srgbClr val="FFFFFF"/>
+                </a:solidFill>
+                <a:latin typeface="Adobe Clean"/>
+                <a:cs typeface="Adobe Clean"/>
+              </a:rPr>
+              <a:t>t</a:t>
+            </a:r>
+            <a:r>
+              <a:rPr sz="1200" b="1" spc="-100">
+                <a:solidFill>
+                  <a:srgbClr val="FFFFFF"/>
+                </a:solidFill>
+                <a:latin typeface="Adobe Clean"/>
+                <a:cs typeface="Adobe Clean"/>
+              </a:rPr>
+              <a:t>e</a:t>
+            </a:r>
+            <a:r>
+              <a:rPr sz="1200" b="1" spc="-80">
+                <a:solidFill>
+                  <a:srgbClr val="FFFFFF"/>
+                </a:solidFill>
+                <a:latin typeface="Adobe Clean"/>
+                <a:cs typeface="Adobe Clean"/>
+              </a:rPr>
+              <a:t>g</a:t>
+            </a:r>
+            <a:r>
+              <a:rPr sz="1200" b="1" spc="-35">
+                <a:solidFill>
+                  <a:srgbClr val="FFFFFF"/>
+                </a:solidFill>
+                <a:latin typeface="Adobe Clean"/>
+                <a:cs typeface="Adobe Clean"/>
+              </a:rPr>
+              <a:t>i</a:t>
+            </a:r>
+            <a:r>
+              <a:rPr sz="1200" b="1">
+                <a:solidFill>
+                  <a:srgbClr val="FFFFFF"/>
+                </a:solidFill>
+                <a:latin typeface="Adobe Clean"/>
+                <a:cs typeface="Adobe Clean"/>
+              </a:rPr>
+              <a:t>c  </a:t>
+            </a:r>
+            <a:r>
+              <a:rPr sz="1200" b="1" spc="-45">
+                <a:solidFill>
+                  <a:srgbClr val="FFFFFF"/>
+                </a:solidFill>
+                <a:latin typeface="Adobe Clean"/>
+                <a:cs typeface="Adobe Clean"/>
+              </a:rPr>
+              <a:t>Advice</a:t>
+            </a:r>
+            <a:endParaRPr sz="1200">
+              <a:latin typeface="Adobe Clean"/>
+              <a:cs typeface="Adobe Clean"/>
+            </a:endParaRPr>
           </a:p>
         </p:txBody>
       </p:sp>
@@ -10469,14 +12008,14 @@
           <p:nvPr>
             <p:extLst>
               <p:ext uri="{D42A27DB-BD31-4B8C-83A1-F6EECF244321}">
-                <p14:modId xmlns:p14="http://schemas.microsoft.com/office/powerpoint/2010/main" val="1575538643"/>
+                <p14:modId xmlns:p14="http://schemas.microsoft.com/office/powerpoint/2010/main" val="3773282750"/>
               </p:ext>
             </p:extLst>
           </p:nvPr>
         </p:nvGraphicFramePr>
         <p:xfrm>
           <a:off x="194236" y="1059345"/>
-          <a:ext cx="7368291" cy="3606800"/>
+          <a:ext cx="7368291" cy="3302000"/>
         </p:xfrm>
         <a:graphic>
           <a:graphicData uri="http://schemas.openxmlformats.org/drawingml/2006/table">
@@ -10507,17 +12046,25 @@
                     <a:lstStyle/>
                     <a:p>
                       <a:r>
-                        <a:rPr lang="ja-JP" sz="1100" b="0" dirty="0">
+                        <a:rPr lang="en-US" sz="1100" b="0">
                           <a:solidFill>
                             <a:schemeClr val="tx1"/>
                           </a:solidFill>
-                          <a:latin typeface="Adobe Clean Han Regular" panose="020B0500000000000000" pitchFamily="34" charset="-128"/>
-                          <a:ea typeface="Adobe Clean Han Regular" panose="020B0500000000000000" pitchFamily="34" charset="-128"/>
+                          <a:latin typeface="Adobe Clean"/>
+                          <a:ea typeface="+mn-ea"/>
                           <a:cs typeface="+mn-cs"/>
                           <a:hlinkClick r:id="rId7"/>
                         </a:rPr>
                         <a:t>Experience League</a:t>
                       </a:r>
+                      <a:endParaRPr lang="en-US" sz="1100" b="0">
+                        <a:solidFill>
+                          <a:schemeClr val="tx1"/>
+                        </a:solidFill>
+                        <a:latin typeface="Adobe Clean"/>
+                        <a:ea typeface="+mn-ea"/>
+                        <a:cs typeface="+mn-cs"/>
+                      </a:endParaRPr>
                     </a:p>
                   </a:txBody>
                   <a:tcPr marL="47625" marR="47625" marT="0" marB="0" anchor="ctr">
@@ -10573,7 +12120,7 @@
                     <a:bodyPr/>
                     <a:lstStyle/>
                     <a:p>
-                      <a:pPr marL="0" marR="0" lvl="0" indent="0" defTabSz="914400" eaLnBrk="1" fontAlgn="auto" latinLnBrk="0" hangingPunct="1">
+                      <a:pPr marL="0" marR="0" lvl="0" indent="0" eaLnBrk="1" fontAlgn="auto" latinLnBrk="0" hangingPunct="1">
                         <a:lnSpc>
                           <a:spcPct val="100000"/>
                         </a:lnSpc>
@@ -10587,41 +12134,26 @@
                         <a:buSzTx/>
                         <a:buFontTx/>
                         <a:buNone/>
-                        <a:tabLst/>
-                        <a:defRPr/>
                       </a:pPr>
                       <a:r>
-                        <a:rPr lang="ja-JP" sz="1000" b="0" dirty="0">
+                        <a:rPr lang="en-US" sz="1000" b="0" kern="1200">
                           <a:solidFill>
                             <a:srgbClr val="000000"/>
                           </a:solidFill>
-                          <a:latin typeface="Adobe Clean Han Regular" panose="020B0500000000000000" pitchFamily="34" charset="-128"/>
-                          <a:ea typeface="Adobe Clean Han Regular" panose="020B0500000000000000" pitchFamily="34" charset="-128"/>
+                          <a:latin typeface="Adobe Clean Light"/>
+                          <a:ea typeface="+mn-ea"/>
                           <a:cs typeface="+mn-cs"/>
                         </a:rPr>
-                        <a:t>Experience League では、アドビへの投資に対して企業が</a:t>
+                        <a:t>Experience League is how Adobe helps businesses achieve the value they expect from their Adobe investment. It’s the unified place where customers can learn, connect, and grow along a personalized path to success that includes self-help tutorials, product documentation, instructor-led training, community and technical support. </a:t>
                       </a:r>
-                      <a:br>
-                        <a:rPr lang="sk-SK" altLang="ja-JP" sz="1000" b="0" dirty="0">
-                          <a:solidFill>
-                            <a:srgbClr val="000000"/>
-                          </a:solidFill>
-                          <a:latin typeface="Adobe Clean Han Regular" panose="020B0500000000000000" pitchFamily="34" charset="-128"/>
-                          <a:ea typeface="Adobe Clean Han Regular" panose="020B0500000000000000" pitchFamily="34" charset="-128"/>
-                          <a:cs typeface="+mn-cs"/>
-                        </a:rPr>
-                      </a:br>
-                      <a:r>
-                        <a:rPr lang="ja-JP" sz="1000" b="0" dirty="0">
-                          <a:solidFill>
-                            <a:srgbClr val="000000"/>
-                          </a:solidFill>
-                          <a:latin typeface="Adobe Clean Han Regular" panose="020B0500000000000000" pitchFamily="34" charset="-128"/>
-                          <a:ea typeface="Adobe Clean Han Regular" panose="020B0500000000000000" pitchFamily="34" charset="-128"/>
-                          <a:cs typeface="+mn-cs"/>
-                        </a:rPr>
-                        <a:t>期待している価値を実現するための支援を行います。セルフサービスのチュートリアル、製品ドキュメント、講師によるトレーニング、コミュニティ、テクニカルサポートなど、パーソナライズされた成功への道筋に沿って、お客様が学習し、繋がり、成長できる、統合された場所です。 </a:t>
-                      </a:r>
+                      <a:endParaRPr lang="en-US" sz="1000" b="0" kern="1200">
+                        <a:solidFill>
+                          <a:srgbClr val="000000"/>
+                        </a:solidFill>
+                        <a:latin typeface="Adobe Clean Light" panose="020B0303020404020204" pitchFamily="34" charset="0"/>
+                        <a:ea typeface="+mn-ea"/>
+                        <a:cs typeface="+mn-cs"/>
+                      </a:endParaRPr>
                     </a:p>
                   </a:txBody>
                   <a:tcPr anchor="ctr">
@@ -10702,28 +12234,39 @@
                         <a:defRPr/>
                       </a:pPr>
                       <a:r>
-                        <a:rPr lang="ja-JP" sz="1100" dirty="0">
+                        <a:rPr lang="en-US" sz="1100">
                           <a:solidFill>
                             <a:schemeClr val="dk1"/>
                           </a:solidFill>
-                          <a:latin typeface="Adobe Clean Han Regular" panose="020B0500000000000000" pitchFamily="34" charset="-128"/>
-                          <a:ea typeface="Adobe Clean Han Regular" panose="020B0500000000000000" pitchFamily="34" charset="-128"/>
+                          <a:effectLst/>
+                          <a:latin typeface="Adobe Clean"/>
+                          <a:ea typeface="+mn-ea"/>
                           <a:cs typeface="+mn-cs"/>
                           <a:hlinkClick r:id="rId8"/>
                         </a:rPr>
-                        <a:t>トレーニング</a:t>
+                        <a:t>Training</a:t>
                       </a:r>
                       <a:r>
-                        <a:rPr lang="ja-JP" sz="1100" dirty="0">
+                        <a:rPr lang="en-US" sz="1100">
                           <a:solidFill>
                             <a:schemeClr val="dk1"/>
                           </a:solidFill>
-                          <a:latin typeface="Adobe Clean Han Regular" panose="020B0500000000000000" pitchFamily="34" charset="-128"/>
-                          <a:ea typeface="Adobe Clean Han Regular" panose="020B0500000000000000" pitchFamily="34" charset="-128"/>
+                          <a:effectLst/>
+                          <a:latin typeface="Adobe Clean"/>
+                          <a:ea typeface="+mn-ea"/>
                           <a:cs typeface="+mn-cs"/>
                         </a:rPr>
                         <a:t> </a:t>
                       </a:r>
+                      <a:endParaRPr lang="en-US" sz="1100">
+                        <a:solidFill>
+                          <a:schemeClr val="tx1"/>
+                        </a:solidFill>
+                        <a:effectLst/>
+                        <a:latin typeface="Adobe Clean"/>
+                        <a:ea typeface="+mn-ea"/>
+                        <a:cs typeface="+mn-cs"/>
+                      </a:endParaRPr>
                     </a:p>
                   </a:txBody>
                   <a:tcPr anchor="ctr">
@@ -10797,57 +12340,15 @@
                         <a:defRPr/>
                       </a:pPr>
                       <a:r>
-                        <a:rPr lang="ja-JP" sz="1000" dirty="0">
+                        <a:rPr lang="en-US" sz="1000" kern="1200">
                           <a:solidFill>
                             <a:srgbClr val="000000"/>
                           </a:solidFill>
-                          <a:latin typeface="Adobe Clean Han Regular" panose="020B0500000000000000" pitchFamily="34" charset="-128"/>
-                          <a:ea typeface="Adobe Clean Han Regular" panose="020B0500000000000000" pitchFamily="34" charset="-128"/>
+                          <a:latin typeface="Adobe Clean Light"/>
+                          <a:ea typeface="+mn-ea"/>
                           <a:cs typeface="+mn-cs"/>
                         </a:rPr>
-                        <a:t>Adobe Digital Learning Services のコースには、Experience League からアクセスできます。ラーニングコースは、</a:t>
-                      </a:r>
-                      <a:br>
-                        <a:rPr lang="sk-SK" altLang="ja-JP" sz="1000" dirty="0">
-                          <a:solidFill>
-                            <a:srgbClr val="000000"/>
-                          </a:solidFill>
-                          <a:latin typeface="Adobe Clean Han Regular" panose="020B0500000000000000" pitchFamily="34" charset="-128"/>
-                          <a:ea typeface="Adobe Clean Han Regular" panose="020B0500000000000000" pitchFamily="34" charset="-128"/>
-                          <a:cs typeface="+mn-cs"/>
-                        </a:rPr>
-                      </a:br>
-                      <a:r>
-                        <a:rPr lang="ja-JP" sz="1000" dirty="0">
-                          <a:solidFill>
-                            <a:srgbClr val="000000"/>
-                          </a:solidFill>
-                          <a:latin typeface="Adobe Clean Han Regular" panose="020B0500000000000000" pitchFamily="34" charset="-128"/>
-                          <a:ea typeface="Adobe Clean Han Regular" panose="020B0500000000000000" pitchFamily="34" charset="-128"/>
-                          <a:cs typeface="+mn-cs"/>
-                        </a:rPr>
-                        <a:t>オンデマンドレッスンと講師によるレッスンが統合されて</a:t>
-                      </a:r>
-                      <a:br>
-                        <a:rPr lang="sk-SK" altLang="ja-JP" sz="1000" dirty="0">
-                          <a:solidFill>
-                            <a:srgbClr val="000000"/>
-                          </a:solidFill>
-                          <a:latin typeface="Adobe Clean Han Regular" panose="020B0500000000000000" pitchFamily="34" charset="-128"/>
-                          <a:ea typeface="Adobe Clean Han Regular" panose="020B0500000000000000" pitchFamily="34" charset="-128"/>
-                          <a:cs typeface="+mn-cs"/>
-                        </a:rPr>
-                      </a:br>
-                      <a:r>
-                        <a:rPr lang="ja-JP" sz="1000" dirty="0">
-                          <a:solidFill>
-                            <a:srgbClr val="000000"/>
-                          </a:solidFill>
-                          <a:latin typeface="Adobe Clean Han Regular" panose="020B0500000000000000" pitchFamily="34" charset="-128"/>
-                          <a:ea typeface="Adobe Clean Han Regular" panose="020B0500000000000000" pitchFamily="34" charset="-128"/>
-                          <a:cs typeface="+mn-cs"/>
-                        </a:rPr>
-                        <a:t>います。  市場価値が認められたスキルを習得し、組織での成功を促進するために活用できます。</a:t>
+                        <a:t>Adobe Digital Learning Services courses are accessible from Experience League. Learning courses integrate both on-demand and instructor-led lessons.  Here you can accrue skills that have recognized market value and position them to drive success in your organizations.</a:t>
                       </a:r>
                     </a:p>
                   </a:txBody>
@@ -10929,17 +12430,27 @@
                         <a:defRPr/>
                       </a:pPr>
                       <a:r>
-                        <a:rPr lang="ja-JP" sz="1100" dirty="0">
+                        <a:rPr lang="en-US" sz="1100">
                           <a:solidFill>
                             <a:schemeClr val="tx1"/>
                           </a:solidFill>
-                          <a:latin typeface="Adobe Clean Han Regular" panose="020B0500000000000000" pitchFamily="34" charset="-128"/>
-                          <a:ea typeface="Adobe Clean Han Regular" panose="020B0500000000000000" pitchFamily="34" charset="-128"/>
+                          <a:effectLst/>
+                          <a:latin typeface="Adobe Clean"/>
+                          <a:ea typeface="+mn-ea"/>
                           <a:cs typeface="+mn-cs"/>
                           <a:hlinkClick r:id="rId9"/>
                         </a:rPr>
-                        <a:t>本番環境の問題とシステム障害</a:t>
+                        <a:t>Production Issues &amp; System Outages</a:t>
                       </a:r>
+                      <a:endParaRPr lang="en-US" sz="1100">
+                        <a:solidFill>
+                          <a:schemeClr val="tx1"/>
+                        </a:solidFill>
+                        <a:effectLst/>
+                        <a:latin typeface="Adobe Clean"/>
+                        <a:ea typeface="+mn-ea"/>
+                        <a:cs typeface="+mn-cs"/>
+                      </a:endParaRPr>
                     </a:p>
                   </a:txBody>
                   <a:tcPr anchor="ctr">
@@ -10995,7 +12506,7 @@
                     <a:bodyPr/>
                     <a:lstStyle/>
                     <a:p>
-                      <a:pPr marL="0" marR="0" lvl="0" indent="0" defTabSz="914400" eaLnBrk="1" fontAlgn="auto" latinLnBrk="0" hangingPunct="1">
+                      <a:pPr marL="0" marR="0" lvl="0" indent="0" eaLnBrk="1" fontAlgn="auto" latinLnBrk="0" hangingPunct="1">
                         <a:lnSpc>
                           <a:spcPct val="100000"/>
                         </a:lnSpc>
@@ -11009,41 +12520,26 @@
                         <a:buSzTx/>
                         <a:buFontTx/>
                         <a:buNone/>
-                        <a:tabLst/>
-                        <a:defRPr/>
                       </a:pPr>
                       <a:r>
-                        <a:rPr lang="ja-JP" sz="1000" spc="-20" baseline="0" dirty="0">
+                        <a:rPr lang="en-US" sz="1000" kern="1200">
                           <a:solidFill>
                             <a:srgbClr val="000000"/>
                           </a:solidFill>
-                          <a:latin typeface="Adobe Clean Han Regular" panose="020B0500000000000000" pitchFamily="34" charset="-128"/>
-                          <a:ea typeface="Adobe Clean Han Regular" panose="020B0500000000000000" pitchFamily="34" charset="-128"/>
+                          <a:latin typeface="Adobe Clean Light"/>
+                          <a:ea typeface="+mn-ea"/>
                           <a:cs typeface="+mn-cs"/>
                         </a:rPr>
-                        <a:t>status.adobe.com では、マルチテナント環境にデプロイされたすべてのアドビ製品およびサービスのシステムステータス情報が表示されます。お客様は、アドビが製品イベントを作成、</a:t>
+                        <a:t>Status.adobe.com conveys the health information of all Adobe products and services that are deployed in multi-tenant environments. Customers can choose their subscription preferences to get email notifications whenever Adobe creates, updates or resolves a product event. This can include scheduled maintenance or service issues of varying levels of severity. </a:t>
                       </a:r>
-                      <a:br>
-                        <a:rPr lang="sk-SK" altLang="ja-JP" sz="1000" spc="-20" baseline="0" dirty="0">
-                          <a:solidFill>
-                            <a:srgbClr val="000000"/>
-                          </a:solidFill>
-                          <a:latin typeface="Adobe Clean Han Regular" panose="020B0500000000000000" pitchFamily="34" charset="-128"/>
-                          <a:ea typeface="Adobe Clean Han Regular" panose="020B0500000000000000" pitchFamily="34" charset="-128"/>
-                          <a:cs typeface="+mn-cs"/>
-                        </a:rPr>
-                      </a:br>
-                      <a:r>
-                        <a:rPr lang="ja-JP" sz="1000" spc="-20" baseline="0" dirty="0">
-                          <a:solidFill>
-                            <a:srgbClr val="000000"/>
-                          </a:solidFill>
-                          <a:latin typeface="Adobe Clean Han Regular" panose="020B0500000000000000" pitchFamily="34" charset="-128"/>
-                          <a:ea typeface="Adobe Clean Han Regular" panose="020B0500000000000000" pitchFamily="34" charset="-128"/>
-                          <a:cs typeface="+mn-cs"/>
-                        </a:rPr>
-                        <a:t>更新、解決した際に電子メール通知を受け取るようサブスクリプション設定を選択できます。イベントには、定期的なメンテナンスや、様々な重大度レベルの問題が含まれています。 </a:t>
-                      </a:r>
+                      <a:endParaRPr lang="en-US" sz="1000" kern="1200">
+                        <a:solidFill>
+                          <a:srgbClr val="000000"/>
+                        </a:solidFill>
+                        <a:latin typeface="Adobe Clean Light" panose="020B0303020404020204" pitchFamily="34" charset="0"/>
+                        <a:ea typeface="+mn-ea"/>
+                        <a:cs typeface="+mn-cs"/>
+                      </a:endParaRPr>
                     </a:p>
                   </a:txBody>
                   <a:tcPr anchor="ctr">
@@ -11124,17 +12620,27 @@
                         <a:defRPr/>
                       </a:pPr>
                       <a:r>
-                        <a:rPr lang="ja-JP" sz="1100" b="0" i="0" dirty="0">
+                        <a:rPr lang="en-US" sz="1100" b="0" i="0">
                           <a:solidFill>
                             <a:schemeClr val="dk1"/>
                           </a:solidFill>
-                          <a:latin typeface="Adobe Clean Han Regular" panose="020B0500000000000000" pitchFamily="34" charset="-128"/>
-                          <a:ea typeface="Adobe Clean Han Regular" panose="020B0500000000000000" pitchFamily="34" charset="-128"/>
+                          <a:effectLst/>
+                          <a:latin typeface="Adobe Clean"/>
+                          <a:ea typeface="+mn-ea"/>
                           <a:cs typeface="+mn-cs"/>
-                          <a:hlinkClick r:id="rId10" tooltip="https://helpx.adobe.com/jp/support/programs/enterprise-support-programs/premier-support-business.html"/>
+                          <a:hlinkClick r:id="rId10" tooltip="https://helpx.adobe.com/support/programs/enterprise-support-programs/premier-support-business.html"/>
                         </a:rPr>
-                        <a:t>ビジネスサポート web サイト</a:t>
+                        <a:t>Business Support Website</a:t>
                       </a:r>
+                      <a:endParaRPr lang="en-US" sz="1100" b="0" i="0">
+                        <a:solidFill>
+                          <a:schemeClr val="dk1"/>
+                        </a:solidFill>
+                        <a:effectLst/>
+                        <a:latin typeface="Adobe Clean"/>
+                        <a:ea typeface="+mn-ea"/>
+                        <a:cs typeface="+mn-cs"/>
+                      </a:endParaRPr>
                     </a:p>
                   </a:txBody>
                   <a:tcPr anchor="ctr">
@@ -11191,16 +12697,24 @@
                     <a:lstStyle/>
                     <a:p>
                       <a:r>
-                        <a:rPr lang="ja-JP" sz="1000" dirty="0">
+                        <a:rPr lang="en-US" sz="1000" kern="1200">
                           <a:solidFill>
                             <a:srgbClr val="000000"/>
                           </a:solidFill>
-                          <a:latin typeface="Adobe Clean Han Regular" panose="020B0500000000000000" pitchFamily="34" charset="-128"/>
-                          <a:ea typeface="Adobe Clean Han Regular" panose="020B0500000000000000" pitchFamily="34" charset="-128"/>
+                          <a:latin typeface="Adobe Clean Light"/>
+                          <a:ea typeface="+mn-ea"/>
                           <a:cs typeface="+mn-cs"/>
                         </a:rPr>
-                        <a:t>アドビのビジネスサポート web サイトです。</a:t>
+                        <a:t>Adobe Business Support website.</a:t>
                       </a:r>
+                      <a:endParaRPr lang="en-US" sz="1000" kern="1200">
+                        <a:solidFill>
+                          <a:srgbClr val="000000"/>
+                        </a:solidFill>
+                        <a:latin typeface="Adobe Clean Light" panose="020B0303020404020204" pitchFamily="34" charset="0"/>
+                        <a:ea typeface="+mn-ea"/>
+                        <a:cs typeface="+mn-cs"/>
+                      </a:endParaRPr>
                     </a:p>
                   </a:txBody>
                   <a:tcPr anchor="ctr">
@@ -11281,17 +12795,27 @@
                         <a:defRPr/>
                       </a:pPr>
                       <a:r>
-                        <a:rPr lang="ja-JP" sz="1100" dirty="0">
+                        <a:rPr lang="en-US" sz="1100">
                           <a:solidFill>
                             <a:schemeClr val="tx1"/>
                           </a:solidFill>
-                          <a:latin typeface="Adobe Clean Han Regular" panose="020B0500000000000000" pitchFamily="34" charset="-128"/>
-                          <a:ea typeface="Adobe Clean Han Regular" panose="020B0500000000000000" pitchFamily="34" charset="-128"/>
+                          <a:effectLst/>
+                          <a:latin typeface="Adobe Clean"/>
+                          <a:ea typeface="+mn-ea"/>
                           <a:cs typeface="+mn-cs"/>
                           <a:hlinkClick r:id="rId11"/>
                         </a:rPr>
-                        <a:t>利用規約</a:t>
+                        <a:t>Terms and Conditions</a:t>
                       </a:r>
+                      <a:endParaRPr lang="en-US" sz="1100">
+                        <a:solidFill>
+                          <a:schemeClr val="tx1"/>
+                        </a:solidFill>
+                        <a:effectLst/>
+                        <a:latin typeface="Adobe Clean"/>
+                        <a:ea typeface="+mn-ea"/>
+                        <a:cs typeface="+mn-cs"/>
+                      </a:endParaRPr>
                     </a:p>
                   </a:txBody>
                   <a:tcPr anchor="ctr">
@@ -11348,16 +12872,24 @@
                     <a:lstStyle/>
                     <a:p>
                       <a:r>
-                        <a:rPr lang="ja-JP" sz="1000" dirty="0">
+                        <a:rPr lang="en-US" sz="1000" kern="1200">
                           <a:solidFill>
                             <a:srgbClr val="000000"/>
                           </a:solidFill>
-                          <a:latin typeface="Adobe Clean Han Regular" panose="020B0500000000000000" pitchFamily="34" charset="-128"/>
-                          <a:ea typeface="Adobe Clean Han Regular" panose="020B0500000000000000" pitchFamily="34" charset="-128"/>
+                          <a:latin typeface="Adobe Clean Light"/>
+                          <a:ea typeface="+mn-ea"/>
                           <a:cs typeface="+mn-cs"/>
                         </a:rPr>
-                        <a:t>提供するサポートサービスについて詳しく説明されています。</a:t>
+                        <a:t>Terms and conditions detailing Support Services offerings.</a:t>
                       </a:r>
+                      <a:endParaRPr lang="en-US" sz="1000" kern="1200">
+                        <a:solidFill>
+                          <a:srgbClr val="000000"/>
+                        </a:solidFill>
+                        <a:latin typeface="Adobe Clean Light" panose="020B0303020404020204" pitchFamily="34" charset="0"/>
+                        <a:ea typeface="+mn-ea"/>
+                        <a:cs typeface="+mn-cs"/>
+                      </a:endParaRPr>
                     </a:p>
                   </a:txBody>
                   <a:tcPr anchor="ctr">
@@ -11592,13 +13124,71 @@
     <a:fontScheme name="Office">
       <a:majorFont>
         <a:latin typeface="Calibri"/>
-        <a:ea typeface="MS Mincho"/>
+        <a:ea typeface=""/>
         <a:cs typeface=""/>
+        <a:font script="Jpan" typeface="ＭＳ Ｐゴシック"/>
+        <a:font script="Hang" typeface="맑은 고딕"/>
+        <a:font script="Hans" typeface="宋体"/>
+        <a:font script="Hant" typeface="新細明體"/>
+        <a:font script="Arab" typeface="Times New Roman"/>
+        <a:font script="Hebr" typeface="Times New Roman"/>
+        <a:font script="Thai" typeface="Angsana New"/>
+        <a:font script="Ethi" typeface="Nyala"/>
+        <a:font script="Beng" typeface="Vrinda"/>
+        <a:font script="Gujr" typeface="Shruti"/>
+        <a:font script="Khmr" typeface="MoolBoran"/>
+        <a:font script="Knda" typeface="Tunga"/>
+        <a:font script="Guru" typeface="Raavi"/>
+        <a:font script="Cans" typeface="Euphemia"/>
+        <a:font script="Cher" typeface="Plantagenet Cherokee"/>
+        <a:font script="Yiii" typeface="Microsoft Yi Baiti"/>
+        <a:font script="Tibt" typeface="Microsoft Himalaya"/>
+        <a:font script="Thaa" typeface="MV Boli"/>
+        <a:font script="Deva" typeface="Mangal"/>
+        <a:font script="Telu" typeface="Gautami"/>
+        <a:font script="Taml" typeface="Latha"/>
+        <a:font script="Syrc" typeface="Estrangelo Edessa"/>
+        <a:font script="Orya" typeface="Kalinga"/>
+        <a:font script="Mlym" typeface="Kartika"/>
+        <a:font script="Laoo" typeface="DokChampa"/>
+        <a:font script="Sinh" typeface="Iskoola Pota"/>
+        <a:font script="Mong" typeface="Mongolian Baiti"/>
+        <a:font script="Viet" typeface="Times New Roman"/>
+        <a:font script="Uigh" typeface="Microsoft Uighur"/>
       </a:majorFont>
       <a:minorFont>
         <a:latin typeface="Calibri"/>
-        <a:ea typeface="MS Mincho"/>
+        <a:ea typeface=""/>
         <a:cs typeface=""/>
+        <a:font script="Jpan" typeface="ＭＳ Ｐゴシック"/>
+        <a:font script="Hang" typeface="맑은 고딕"/>
+        <a:font script="Hans" typeface="宋体"/>
+        <a:font script="Hant" typeface="新細明體"/>
+        <a:font script="Arab" typeface="Arial"/>
+        <a:font script="Hebr" typeface="Arial"/>
+        <a:font script="Thai" typeface="Cordia New"/>
+        <a:font script="Ethi" typeface="Nyala"/>
+        <a:font script="Beng" typeface="Vrinda"/>
+        <a:font script="Gujr" typeface="Shruti"/>
+        <a:font script="Khmr" typeface="DaunPenh"/>
+        <a:font script="Knda" typeface="Tunga"/>
+        <a:font script="Guru" typeface="Raavi"/>
+        <a:font script="Cans" typeface="Euphemia"/>
+        <a:font script="Cher" typeface="Plantagenet Cherokee"/>
+        <a:font script="Yiii" typeface="Microsoft Yi Baiti"/>
+        <a:font script="Tibt" typeface="Microsoft Himalaya"/>
+        <a:font script="Thaa" typeface="MV Boli"/>
+        <a:font script="Deva" typeface="Mangal"/>
+        <a:font script="Telu" typeface="Gautami"/>
+        <a:font script="Taml" typeface="Latha"/>
+        <a:font script="Syrc" typeface="Estrangelo Edessa"/>
+        <a:font script="Orya" typeface="Kalinga"/>
+        <a:font script="Mlym" typeface="Kartika"/>
+        <a:font script="Laoo" typeface="DokChampa"/>
+        <a:font script="Sinh" typeface="Iskoola Pota"/>
+        <a:font script="Mong" typeface="Mongolian Baiti"/>
+        <a:font script="Viet" typeface="Arial"/>
+        <a:font script="Uigh" typeface="Microsoft Uighur"/>
       </a:minorFont>
     </a:fontScheme>
     <a:fmtScheme name="Office">
@@ -11817,13 +13407,107 @@
     <a:fontScheme name="Office">
       <a:majorFont>
         <a:latin typeface="Calibri Light" panose="020F0302020204030204"/>
-        <a:ea typeface="MS Mincho"/>
+        <a:ea typeface=""/>
         <a:cs typeface=""/>
+        <a:font script="Jpan" typeface="游ゴシック Light"/>
+        <a:font script="Hang" typeface="맑은 고딕"/>
+        <a:font script="Hans" typeface="等线 Light"/>
+        <a:font script="Hant" typeface="新細明體"/>
+        <a:font script="Arab" typeface="Times New Roman"/>
+        <a:font script="Hebr" typeface="Times New Roman"/>
+        <a:font script="Thai" typeface="Angsana New"/>
+        <a:font script="Ethi" typeface="Nyala"/>
+        <a:font script="Beng" typeface="Vrinda"/>
+        <a:font script="Gujr" typeface="Shruti"/>
+        <a:font script="Khmr" typeface="MoolBoran"/>
+        <a:font script="Knda" typeface="Tunga"/>
+        <a:font script="Guru" typeface="Raavi"/>
+        <a:font script="Cans" typeface="Euphemia"/>
+        <a:font script="Cher" typeface="Plantagenet Cherokee"/>
+        <a:font script="Yiii" typeface="Microsoft Yi Baiti"/>
+        <a:font script="Tibt" typeface="Microsoft Himalaya"/>
+        <a:font script="Thaa" typeface="MV Boli"/>
+        <a:font script="Deva" typeface="Mangal"/>
+        <a:font script="Telu" typeface="Gautami"/>
+        <a:font script="Taml" typeface="Latha"/>
+        <a:font script="Syrc" typeface="Estrangelo Edessa"/>
+        <a:font script="Orya" typeface="Kalinga"/>
+        <a:font script="Mlym" typeface="Kartika"/>
+        <a:font script="Laoo" typeface="DokChampa"/>
+        <a:font script="Sinh" typeface="Iskoola Pota"/>
+        <a:font script="Mong" typeface="Mongolian Baiti"/>
+        <a:font script="Viet" typeface="Times New Roman"/>
+        <a:font script="Uigh" typeface="Microsoft Uighur"/>
+        <a:font script="Geor" typeface="Sylfaen"/>
+        <a:font script="Armn" typeface="Arial"/>
+        <a:font script="Bugi" typeface="Leelawadee UI"/>
+        <a:font script="Bopo" typeface="Microsoft JhengHei"/>
+        <a:font script="Java" typeface="Javanese Text"/>
+        <a:font script="Lisu" typeface="Segoe UI"/>
+        <a:font script="Mymr" typeface="Myanmar Text"/>
+        <a:font script="Nkoo" typeface="Ebrima"/>
+        <a:font script="Olck" typeface="Nirmala UI"/>
+        <a:font script="Osma" typeface="Ebrima"/>
+        <a:font script="Phag" typeface="Phagspa"/>
+        <a:font script="Syrn" typeface="Estrangelo Edessa"/>
+        <a:font script="Syrj" typeface="Estrangelo Edessa"/>
+        <a:font script="Syre" typeface="Estrangelo Edessa"/>
+        <a:font script="Sora" typeface="Nirmala UI"/>
+        <a:font script="Tale" typeface="Microsoft Tai Le"/>
+        <a:font script="Talu" typeface="Microsoft New Tai Lue"/>
+        <a:font script="Tfng" typeface="Ebrima"/>
       </a:majorFont>
       <a:minorFont>
         <a:latin typeface="Calibri" panose="020F0502020204030204"/>
-        <a:ea typeface="MS Mincho"/>
+        <a:ea typeface=""/>
         <a:cs typeface=""/>
+        <a:font script="Jpan" typeface="游ゴシック"/>
+        <a:font script="Hang" typeface="맑은 고딕"/>
+        <a:font script="Hans" typeface="等线"/>
+        <a:font script="Hant" typeface="新細明體"/>
+        <a:font script="Arab" typeface="Arial"/>
+        <a:font script="Hebr" typeface="Arial"/>
+        <a:font script="Thai" typeface="Cordia New"/>
+        <a:font script="Ethi" typeface="Nyala"/>
+        <a:font script="Beng" typeface="Vrinda"/>
+        <a:font script="Gujr" typeface="Shruti"/>
+        <a:font script="Khmr" typeface="DaunPenh"/>
+        <a:font script="Knda" typeface="Tunga"/>
+        <a:font script="Guru" typeface="Raavi"/>
+        <a:font script="Cans" typeface="Euphemia"/>
+        <a:font script="Cher" typeface="Plantagenet Cherokee"/>
+        <a:font script="Yiii" typeface="Microsoft Yi Baiti"/>
+        <a:font script="Tibt" typeface="Microsoft Himalaya"/>
+        <a:font script="Thaa" typeface="MV Boli"/>
+        <a:font script="Deva" typeface="Mangal"/>
+        <a:font script="Telu" typeface="Gautami"/>
+        <a:font script="Taml" typeface="Latha"/>
+        <a:font script="Syrc" typeface="Estrangelo Edessa"/>
+        <a:font script="Orya" typeface="Kalinga"/>
+        <a:font script="Mlym" typeface="Kartika"/>
+        <a:font script="Laoo" typeface="DokChampa"/>
+        <a:font script="Sinh" typeface="Iskoola Pota"/>
+        <a:font script="Mong" typeface="Mongolian Baiti"/>
+        <a:font script="Viet" typeface="Arial"/>
+        <a:font script="Uigh" typeface="Microsoft Uighur"/>
+        <a:font script="Geor" typeface="Sylfaen"/>
+        <a:font script="Armn" typeface="Arial"/>
+        <a:font script="Bugi" typeface="Leelawadee UI"/>
+        <a:font script="Bopo" typeface="Microsoft JhengHei"/>
+        <a:font script="Java" typeface="Javanese Text"/>
+        <a:font script="Lisu" typeface="Segoe UI"/>
+        <a:font script="Mymr" typeface="Myanmar Text"/>
+        <a:font script="Nkoo" typeface="Ebrima"/>
+        <a:font script="Olck" typeface="Nirmala UI"/>
+        <a:font script="Osma" typeface="Ebrima"/>
+        <a:font script="Phag" typeface="Phagspa"/>
+        <a:font script="Syrn" typeface="Estrangelo Edessa"/>
+        <a:font script="Syrj" typeface="Estrangelo Edessa"/>
+        <a:font script="Syre" typeface="Estrangelo Edessa"/>
+        <a:font script="Sora" typeface="Nirmala UI"/>
+        <a:font script="Tale" typeface="Microsoft Tai Le"/>
+        <a:font script="Talu" typeface="Microsoft New Tai Lue"/>
+        <a:font script="Tfng" typeface="Ebrima"/>
       </a:minorFont>
     </a:fontScheme>
     <a:fmtScheme name="Office">
@@ -11975,12 +13659,6 @@
 </file>
 
 <file path=customXml/item1.xml><?xml version="1.0" encoding="utf-8"?>
-<p:properties xmlns:p="http://schemas.microsoft.com/office/2006/metadata/properties" xmlns:xsi="http://www.w3.org/2001/XMLSchema-instance" xmlns:pc="http://schemas.microsoft.com/office/infopath/2007/PartnerControls">
-  <documentManagement/>
-</p:properties>
-</file>
-
-<file path=customXml/item2.xml><?xml version="1.0" encoding="utf-8"?>
 <ct:contentTypeSchema xmlns:ct="http://schemas.microsoft.com/office/2006/metadata/contentType" xmlns:ma="http://schemas.microsoft.com/office/2006/metadata/properties/metaAttributes" ct:_="" ma:_="" ma:contentTypeName="Document" ma:contentTypeID="0x010100E783BF6876BCC646A459363AF21A7736" ma:contentTypeVersion="10" ma:contentTypeDescription="Create a new document." ma:contentTypeScope="" ma:versionID="c4ffda7f4f415767600769e454c2ea87">
   <xsd:schema xmlns:xsd="http://www.w3.org/2001/XMLSchema" xmlns:xs="http://www.w3.org/2001/XMLSchema" xmlns:p="http://schemas.microsoft.com/office/2006/metadata/properties" xmlns:ns2="8a053bff-88be-49e4-9a87-e748e18b8b62" xmlns:ns3="6c8368ec-3776-49b5-a5bb-90648cf9530f" targetNamespace="http://schemas.microsoft.com/office/2006/metadata/properties" ma:root="true" ma:fieldsID="df3ec33bccc23e23bce7bc897fad43d1" ns2:_="" ns3:_="">
     <xsd:import namespace="8a053bff-88be-49e4-9a87-e748e18b8b62"/>
@@ -12185,7 +13863,7 @@
 </ct:contentTypeSchema>
 </file>
 
-<file path=customXml/item3.xml><?xml version="1.0" encoding="utf-8"?>
+<file path=customXml/item2.xml><?xml version="1.0" encoding="utf-8"?>
 <?mso-contentType ?>
 <FormTemplates xmlns="http://schemas.microsoft.com/sharepoint/v3/contenttype/forms">
   <Display>DocumentLibraryForm</Display>
@@ -12194,16 +13872,13 @@
 </FormTemplates>
 </file>
 
-<file path=customXml/itemProps1.xml><?xml version="1.0" encoding="utf-8"?>
-<ds:datastoreItem xmlns:ds="http://schemas.openxmlformats.org/officeDocument/2006/customXml" ds:itemID="{10FC3CAF-E6F1-40E3-87D4-6B781C97D6B4}">
-  <ds:schemaRefs>
-    <ds:schemaRef ds:uri="http://schemas.microsoft.com/office/2006/metadata/properties"/>
-    <ds:schemaRef ds:uri="http://schemas.microsoft.com/office/infopath/2007/PartnerControls"/>
-  </ds:schemaRefs>
-</ds:datastoreItem>
+<file path=customXml/item3.xml><?xml version="1.0" encoding="utf-8"?>
+<p:properties xmlns:p="http://schemas.microsoft.com/office/2006/metadata/properties" xmlns:xsi="http://www.w3.org/2001/XMLSchema-instance" xmlns:pc="http://schemas.microsoft.com/office/infopath/2007/PartnerControls">
+  <documentManagement/>
+</p:properties>
 </file>
 
-<file path=customXml/itemProps2.xml><?xml version="1.0" encoding="utf-8"?>
+<file path=customXml/itemProps1.xml><?xml version="1.0" encoding="utf-8"?>
 <ds:datastoreItem xmlns:ds="http://schemas.openxmlformats.org/officeDocument/2006/customXml" ds:itemID="{E0DB8BDF-6DA8-4ABC-A3CA-043AFD674CFC}">
   <ds:schemaRefs>
     <ds:schemaRef ds:uri="6c8368ec-3776-49b5-a5bb-90648cf9530f"/>
@@ -12222,10 +13897,27 @@
 </ds:datastoreItem>
 </file>
 
-<file path=customXml/itemProps3.xml><?xml version="1.0" encoding="utf-8"?>
+<file path=customXml/itemProps2.xml><?xml version="1.0" encoding="utf-8"?>
 <ds:datastoreItem xmlns:ds="http://schemas.openxmlformats.org/officeDocument/2006/customXml" ds:itemID="{95AE3B0B-E909-400C-B0B3-909FB50E07DE}">
   <ds:schemaRefs>
     <ds:schemaRef ds:uri="http://schemas.microsoft.com/sharepoint/v3/contenttype/forms"/>
   </ds:schemaRefs>
 </ds:datastoreItem>
+</file>
+
+<file path=customXml/itemProps3.xml><?xml version="1.0" encoding="utf-8"?>
+<ds:datastoreItem xmlns:ds="http://schemas.openxmlformats.org/officeDocument/2006/customXml" ds:itemID="{10FC3CAF-E6F1-40E3-87D4-6B781C97D6B4}">
+  <ds:schemaRefs>
+    <ds:schemaRef ds:uri="6c8368ec-3776-49b5-a5bb-90648cf9530f"/>
+    <ds:schemaRef ds:uri="8a053bff-88be-49e4-9a87-e748e18b8b62"/>
+    <ds:schemaRef ds:uri="http://purl.org/dc/dcmitype/"/>
+    <ds:schemaRef ds:uri="http://purl.org/dc/elements/1.1/"/>
+    <ds:schemaRef ds:uri="http://purl.org/dc/terms/"/>
+    <ds:schemaRef ds:uri="http://schemas.microsoft.com/office/2006/documentManagement/types"/>
+    <ds:schemaRef ds:uri="http://schemas.microsoft.com/office/2006/metadata/properties"/>
+    <ds:schemaRef ds:uri="http://schemas.microsoft.com/office/infopath/2007/PartnerControls"/>
+    <ds:schemaRef ds:uri="http://schemas.openxmlformats.org/package/2006/metadata/core-properties"/>
+    <ds:schemaRef ds:uri="http://www.w3.org/XML/1998/namespace"/>
+  </ds:schemaRefs>
+</ds:datastoreItem>
 </file>
--- a/help/data-sheets/assets/BusinessSupportDatasheet.pptx
+++ b/help/data-sheets/assets/BusinessSupportDatasheet.pptx
@@ -143,8 +143,12 @@
 <file path=ppt/revisionInfo.xml><?xml version="1.0" encoding="utf-8"?>
 <p1510:revInfo xmlns:a="http://schemas.openxmlformats.org/drawingml/2006/main" xmlns:r="http://schemas.openxmlformats.org/officeDocument/2006/relationships" xmlns:p1510="http://schemas.microsoft.com/office/powerpoint/2015/10/main">
   <p1510:revLst>
-    <p1510:client id="{61630BD6-9AE9-064C-B39F-AFA945B82B3E}" v="202" dt="2021-10-13T19:21:08.267"/>
-    <p1510:client id="{AC30C20D-1316-8ECC-DADD-39CCEC6A7FCF}" v="9" dt="2021-10-13T19:03:35.035"/>
+    <p1510:client id="{06B13378-B080-7F0F-51A5-F9203CEE57ED}" v="370" dt="2021-08-25T22:26:24.850"/>
+    <p1510:client id="{4D8E0410-E0CE-85E2-0F84-C1BF4F647622}" v="27" dt="2021-09-22T22:57:14.395"/>
+    <p1510:client id="{71D6CFBF-0EA2-99B0-93F4-22F19EF0AE4E}" v="2" dt="2021-09-22T19:06:58.732"/>
+    <p1510:client id="{9E385600-BF81-FC49-9ED0-E33BC37F7908}" v="55" dt="2021-08-04T08:16:13.478"/>
+    <p1510:client id="{AFB92C2B-405E-C597-0988-18F97C53104C}" v="37" dt="2021-09-22T18:53:28.028"/>
+    <p1510:client id="{CA5D33DF-AE75-BCA1-B9BC-A7CD44D2F3C7}" v="2" dt="2021-08-25T22:38:18.624"/>
   </p1510:revLst>
 </p1510:revInfo>
 </file>
@@ -166,77 +170,6 @@
         </pc:sldMkLst>
         <pc:graphicFrameChg chg="mod modGraphic">
           <ac:chgData name="Akilah Johnson" userId="S::akjohnso@adobe.com::2fa3aa60-0c9c-4d06-bae2-795983241227" providerId="AD" clId="Web-{4D8E0410-E0CE-85E2-0F84-C1BF4F647622}" dt="2021-09-22T22:57:04.802" v="5"/>
-          <ac:graphicFrameMkLst>
-            <pc:docMk/>
-            <pc:sldMk cId="1050037809" sldId="261"/>
-            <ac:graphicFrameMk id="25" creationId="{3A91F5B0-3974-A14D-A146-FB590F2AAD18}"/>
-          </ac:graphicFrameMkLst>
-        </pc:graphicFrameChg>
-      </pc:sldChg>
-    </pc:docChg>
-  </pc:docChgLst>
-  <pc:docChgLst>
-    <pc:chgData name="Akilah Johnson" userId="S::akjohnso@adobe.com::2fa3aa60-0c9c-4d06-bae2-795983241227" providerId="AD" clId="Web-{019F6A09-DCDA-BB53-9E3C-5BA3B13E26BB}"/>
-    <pc:docChg chg="modSld">
-      <pc:chgData name="Akilah Johnson" userId="S::akjohnso@adobe.com::2fa3aa60-0c9c-4d06-bae2-795983241227" providerId="AD" clId="Web-{019F6A09-DCDA-BB53-9E3C-5BA3B13E26BB}" dt="2021-10-12T17:10:36.752" v="17" actId="20577"/>
-      <pc:docMkLst>
-        <pc:docMk/>
-      </pc:docMkLst>
-      <pc:sldChg chg="modSp">
-        <pc:chgData name="Akilah Johnson" userId="S::akjohnso@adobe.com::2fa3aa60-0c9c-4d06-bae2-795983241227" providerId="AD" clId="Web-{019F6A09-DCDA-BB53-9E3C-5BA3B13E26BB}" dt="2021-10-12T17:09:32.112" v="2" actId="20577"/>
-        <pc:sldMkLst>
-          <pc:docMk/>
-          <pc:sldMk cId="0" sldId="257"/>
-        </pc:sldMkLst>
-        <pc:spChg chg="mod">
-          <ac:chgData name="Akilah Johnson" userId="S::akjohnso@adobe.com::2fa3aa60-0c9c-4d06-bae2-795983241227" providerId="AD" clId="Web-{019F6A09-DCDA-BB53-9E3C-5BA3B13E26BB}" dt="2021-10-12T17:09:32.112" v="2" actId="20577"/>
-          <ac:spMkLst>
-            <pc:docMk/>
-            <pc:sldMk cId="0" sldId="257"/>
-            <ac:spMk id="46" creationId="{00000000-0000-0000-0000-000000000000}"/>
-          </ac:spMkLst>
-        </pc:spChg>
-      </pc:sldChg>
-      <pc:sldChg chg="modSp">
-        <pc:chgData name="Akilah Johnson" userId="S::akjohnso@adobe.com::2fa3aa60-0c9c-4d06-bae2-795983241227" providerId="AD" clId="Web-{019F6A09-DCDA-BB53-9E3C-5BA3B13E26BB}" dt="2021-10-12T17:10:36.752" v="17" actId="20577"/>
-        <pc:sldMkLst>
-          <pc:docMk/>
-          <pc:sldMk cId="1050037809" sldId="261"/>
-        </pc:sldMkLst>
-        <pc:spChg chg="mod">
-          <ac:chgData name="Akilah Johnson" userId="S::akjohnso@adobe.com::2fa3aa60-0c9c-4d06-bae2-795983241227" providerId="AD" clId="Web-{019F6A09-DCDA-BB53-9E3C-5BA3B13E26BB}" dt="2021-10-12T17:10:36.752" v="17" actId="20577"/>
-          <ac:spMkLst>
-            <pc:docMk/>
-            <pc:sldMk cId="1050037809" sldId="261"/>
-            <ac:spMk id="56" creationId="{00000000-0000-0000-0000-000000000000}"/>
-          </ac:spMkLst>
-        </pc:spChg>
-        <pc:graphicFrameChg chg="mod modGraphic">
-          <ac:chgData name="Akilah Johnson" userId="S::akjohnso@adobe.com::2fa3aa60-0c9c-4d06-bae2-795983241227" providerId="AD" clId="Web-{019F6A09-DCDA-BB53-9E3C-5BA3B13E26BB}" dt="2021-10-12T17:09:41.471" v="6"/>
-          <ac:graphicFrameMkLst>
-            <pc:docMk/>
-            <pc:sldMk cId="1050037809" sldId="261"/>
-            <ac:graphicFrameMk id="111" creationId="{D8653CEC-4213-DE40-9BAF-D1E3318FF89C}"/>
-          </ac:graphicFrameMkLst>
-        </pc:graphicFrameChg>
-      </pc:sldChg>
-    </pc:docChg>
-  </pc:docChgLst>
-  <pc:docChgLst>
-    <pc:chgData name="Andy Witt" userId="S::awitt@adobe.com::e9157bdf-53b2-40e4-9459-936793d75696" providerId="AD" clId="Web-{06B13378-B080-7F0F-51A5-F9203CEE57ED}"/>
-    <pc:docChg chg="modSld">
-      <pc:chgData name="Andy Witt" userId="S::awitt@adobe.com::e9157bdf-53b2-40e4-9459-936793d75696" providerId="AD" clId="Web-{06B13378-B080-7F0F-51A5-F9203CEE57ED}" dt="2021-08-25T22:25:13.647" v="363"/>
-      <pc:docMkLst>
-        <pc:docMk/>
-      </pc:docMkLst>
-      <pc:sldChg chg="modSp">
-        <pc:chgData name="Andy Witt" userId="S::awitt@adobe.com::e9157bdf-53b2-40e4-9459-936793d75696" providerId="AD" clId="Web-{06B13378-B080-7F0F-51A5-F9203CEE57ED}" dt="2021-08-25T22:25:13.647" v="363"/>
-        <pc:sldMkLst>
-          <pc:docMk/>
-          <pc:sldMk cId="1050037809" sldId="261"/>
-        </pc:sldMkLst>
-        <pc:graphicFrameChg chg="mod modGraphic">
-          <ac:chgData name="Andy Witt" userId="S::awitt@adobe.com::e9157bdf-53b2-40e4-9459-936793d75696" providerId="AD" clId="Web-{06B13378-B080-7F0F-51A5-F9203CEE57ED}" dt="2021-08-25T22:25:13.647" v="363"/>
           <ac:graphicFrameMkLst>
             <pc:docMk/>
             <pc:sldMk cId="1050037809" sldId="261"/>
@@ -271,58 +204,26 @@
     </pc:docChg>
   </pc:docChgLst>
   <pc:docChgLst>
-    <pc:chgData name="Akilah Johnson" userId="S::akjohnso@adobe.com::2fa3aa60-0c9c-4d06-bae2-795983241227" providerId="AD" clId="Web-{D428A0AE-54E2-30D2-C574-7A0742876CCF}"/>
+    <pc:chgData name="Andy Witt" userId="S::awitt@adobe.com::e9157bdf-53b2-40e4-9459-936793d75696" providerId="AD" clId="Web-{06B13378-B080-7F0F-51A5-F9203CEE57ED}"/>
     <pc:docChg chg="modSld">
-      <pc:chgData name="Akilah Johnson" userId="S::akjohnso@adobe.com::2fa3aa60-0c9c-4d06-bae2-795983241227" providerId="AD" clId="Web-{D428A0AE-54E2-30D2-C574-7A0742876CCF}" dt="2021-10-12T19:11:25.330" v="0" actId="20577"/>
+      <pc:chgData name="Andy Witt" userId="S::awitt@adobe.com::e9157bdf-53b2-40e4-9459-936793d75696" providerId="AD" clId="Web-{06B13378-B080-7F0F-51A5-F9203CEE57ED}" dt="2021-08-25T22:25:13.647" v="363"/>
       <pc:docMkLst>
         <pc:docMk/>
       </pc:docMkLst>
       <pc:sldChg chg="modSp">
-        <pc:chgData name="Akilah Johnson" userId="S::akjohnso@adobe.com::2fa3aa60-0c9c-4d06-bae2-795983241227" providerId="AD" clId="Web-{D428A0AE-54E2-30D2-C574-7A0742876CCF}" dt="2021-10-12T19:11:25.330" v="0" actId="20577"/>
+        <pc:chgData name="Andy Witt" userId="S::awitt@adobe.com::e9157bdf-53b2-40e4-9459-936793d75696" providerId="AD" clId="Web-{06B13378-B080-7F0F-51A5-F9203CEE57ED}" dt="2021-08-25T22:25:13.647" v="363"/>
         <pc:sldMkLst>
           <pc:docMk/>
-          <pc:sldMk cId="0" sldId="256"/>
+          <pc:sldMk cId="1050037809" sldId="261"/>
         </pc:sldMkLst>
-        <pc:spChg chg="mod">
-          <ac:chgData name="Akilah Johnson" userId="S::akjohnso@adobe.com::2fa3aa60-0c9c-4d06-bae2-795983241227" providerId="AD" clId="Web-{D428A0AE-54E2-30D2-C574-7A0742876CCF}" dt="2021-10-12T19:11:25.330" v="0" actId="20577"/>
-          <ac:spMkLst>
+        <pc:graphicFrameChg chg="mod modGraphic">
+          <ac:chgData name="Andy Witt" userId="S::awitt@adobe.com::e9157bdf-53b2-40e4-9459-936793d75696" providerId="AD" clId="Web-{06B13378-B080-7F0F-51A5-F9203CEE57ED}" dt="2021-08-25T22:25:13.647" v="363"/>
+          <ac:graphicFrameMkLst>
             <pc:docMk/>
-            <pc:sldMk cId="0" sldId="256"/>
-            <ac:spMk id="4" creationId="{00000000-0000-0000-0000-000000000000}"/>
-          </ac:spMkLst>
-        </pc:spChg>
-      </pc:sldChg>
-    </pc:docChg>
-  </pc:docChgLst>
-  <pc:docChgLst>
-    <pc:chgData name="Lauren Schutte" userId="S::schutte@adobe.com::6e08b2d3-447a-4d66-86be-444d50df187f" providerId="AD" clId="Web-{AC30C20D-1316-8ECC-DADD-39CCEC6A7FCF}"/>
-    <pc:docChg chg="modSld">
-      <pc:chgData name="Lauren Schutte" userId="S::schutte@adobe.com::6e08b2d3-447a-4d66-86be-444d50df187f" providerId="AD" clId="Web-{AC30C20D-1316-8ECC-DADD-39CCEC6A7FCF}" dt="2021-10-13T19:03:35.035" v="8" actId="1076"/>
-      <pc:docMkLst>
-        <pc:docMk/>
-      </pc:docMkLst>
-      <pc:sldChg chg="modSp">
-        <pc:chgData name="Lauren Schutte" userId="S::schutte@adobe.com::6e08b2d3-447a-4d66-86be-444d50df187f" providerId="AD" clId="Web-{AC30C20D-1316-8ECC-DADD-39CCEC6A7FCF}" dt="2021-10-13T19:03:35.035" v="8" actId="1076"/>
-        <pc:sldMkLst>
-          <pc:docMk/>
-          <pc:sldMk cId="0" sldId="256"/>
-        </pc:sldMkLst>
-        <pc:spChg chg="mod">
-          <ac:chgData name="Lauren Schutte" userId="S::schutte@adobe.com::6e08b2d3-447a-4d66-86be-444d50df187f" providerId="AD" clId="Web-{AC30C20D-1316-8ECC-DADD-39CCEC6A7FCF}" dt="2021-10-13T19:03:27.878" v="7" actId="14100"/>
-          <ac:spMkLst>
-            <pc:docMk/>
-            <pc:sldMk cId="0" sldId="256"/>
-            <ac:spMk id="3" creationId="{00000000-0000-0000-0000-000000000000}"/>
-          </ac:spMkLst>
-        </pc:spChg>
-        <pc:spChg chg="mod">
-          <ac:chgData name="Lauren Schutte" userId="S::schutte@adobe.com::6e08b2d3-447a-4d66-86be-444d50df187f" providerId="AD" clId="Web-{AC30C20D-1316-8ECC-DADD-39CCEC6A7FCF}" dt="2021-10-13T19:03:35.035" v="8" actId="1076"/>
-          <ac:spMkLst>
-            <pc:docMk/>
-            <pc:sldMk cId="0" sldId="256"/>
-            <ac:spMk id="5" creationId="{00000000-0000-0000-0000-000000000000}"/>
-          </ac:spMkLst>
-        </pc:spChg>
+            <pc:sldMk cId="1050037809" sldId="261"/>
+            <ac:graphicFrameMk id="25" creationId="{3A91F5B0-3974-A14D-A146-FB590F2AAD18}"/>
+          </ac:graphicFrameMkLst>
+        </pc:graphicFrameChg>
       </pc:sldChg>
     </pc:docChg>
   </pc:docChgLst>
@@ -353,38 +254,6 @@
             <pc:docMk/>
             <pc:sldMk cId="1050037809" sldId="261"/>
             <ac:graphicFrameMk id="25" creationId="{3A91F5B0-3974-A14D-A146-FB590F2AAD18}"/>
-          </ac:graphicFrameMkLst>
-        </pc:graphicFrameChg>
-      </pc:sldChg>
-    </pc:docChg>
-  </pc:docChgLst>
-  <pc:docChgLst>
-    <pc:chgData name="Lauren Schutte" userId="6e08b2d3-447a-4d66-86be-444d50df187f" providerId="ADAL" clId="{61630BD6-9AE9-064C-B39F-AFA945B82B3E}"/>
-    <pc:docChg chg="undo custSel modSld">
-      <pc:chgData name="Lauren Schutte" userId="6e08b2d3-447a-4d66-86be-444d50df187f" providerId="ADAL" clId="{61630BD6-9AE9-064C-B39F-AFA945B82B3E}" dt="2021-10-13T19:21:08.267" v="201" actId="20577"/>
-      <pc:docMkLst>
-        <pc:docMk/>
-      </pc:docMkLst>
-      <pc:sldChg chg="modSp mod">
-        <pc:chgData name="Lauren Schutte" userId="6e08b2d3-447a-4d66-86be-444d50df187f" providerId="ADAL" clId="{61630BD6-9AE9-064C-B39F-AFA945B82B3E}" dt="2021-10-13T19:21:08.267" v="201" actId="20577"/>
-        <pc:sldMkLst>
-          <pc:docMk/>
-          <pc:sldMk cId="0" sldId="256"/>
-        </pc:sldMkLst>
-        <pc:spChg chg="mod">
-          <ac:chgData name="Lauren Schutte" userId="6e08b2d3-447a-4d66-86be-444d50df187f" providerId="ADAL" clId="{61630BD6-9AE9-064C-B39F-AFA945B82B3E}" dt="2021-10-13T19:03:44.344" v="3" actId="1076"/>
-          <ac:spMkLst>
-            <pc:docMk/>
-            <pc:sldMk cId="0" sldId="256"/>
-            <ac:spMk id="3" creationId="{00000000-0000-0000-0000-000000000000}"/>
-          </ac:spMkLst>
-        </pc:spChg>
-        <pc:graphicFrameChg chg="mod modGraphic">
-          <ac:chgData name="Lauren Schutte" userId="6e08b2d3-447a-4d66-86be-444d50df187f" providerId="ADAL" clId="{61630BD6-9AE9-064C-B39F-AFA945B82B3E}" dt="2021-10-13T19:21:08.267" v="201" actId="20577"/>
-          <ac:graphicFrameMkLst>
-            <pc:docMk/>
-            <pc:sldMk cId="0" sldId="256"/>
-            <ac:graphicFrameMk id="9" creationId="{00000000-0000-0000-0000-000000000000}"/>
           </ac:graphicFrameMkLst>
         </pc:graphicFrameChg>
       </pc:sldChg>
@@ -499,7 +368,7 @@
           <a:p>
             <a:fld id="{FB81873C-0B24-F04A-98A1-90E0A78F7E8A}" type="datetimeFigureOut">
               <a:rPr lang="en-US" smtClean="0"/>
-              <a:t>10/13/2021</a:t>
+              <a:t>10/1/2021</a:t>
             </a:fld>
             <a:endParaRPr lang="en-US"/>
           </a:p>
@@ -1122,7 +991,7 @@
           <a:p>
             <a:fld id="{1D8BD707-D9CF-40AE-B4C6-C98DA3205C09}" type="datetimeFigureOut">
               <a:rPr lang="en-US"/>
-              <a:t>10/13/2021</a:t>
+              <a:t>10/1/2021</a:t>
             </a:fld>
             <a:endParaRPr lang="en-US"/>
           </a:p>
@@ -1179,7 +1048,7 @@
         <p:spPr>
           <a:xfrm>
             <a:off x="5181601" y="9857232"/>
-            <a:ext cx="2443416" cy="123111"/>
+            <a:ext cx="2443416" cy="246221"/>
           </a:xfrm>
           <a:prstGeom prst="rect">
             <a:avLst/>
@@ -1202,31 +1071,26 @@
           </a:lstStyle>
           <a:p>
             <a:pPr marL="12700">
-              <a:lnSpc>
-                <a:spcPct val="100000"/>
-              </a:lnSpc>
               <a:spcBef>
                 <a:spcPts val="75"/>
               </a:spcBef>
             </a:pPr>
             <a:r>
-              <a:rPr spc="-5"/>
-              <a:t>©202</a:t>
+              <a:rPr lang="en-US" spc="-5" dirty="0">
+                <a:latin typeface="Adobe Clean Han Regular" panose="020B0500000000000000" pitchFamily="34" charset="-128"/>
+              </a:rPr>
+              <a:t>©2021 Adobe. All Rights Reserved. Adobe</a:t>
             </a:r>
             <a:r>
-              <a:rPr lang="en-US" spc="-5"/>
-              <a:t>1 </a:t>
-            </a:r>
-            <a:r>
-              <a:rPr spc="-5"/>
-              <a:t>Adobe. All Rights Reserved. Adobe</a:t>
-            </a:r>
-            <a:r>
-              <a:rPr spc="60"/>
+              <a:rPr lang="en-US" spc="60" dirty="0">
+                <a:latin typeface="Adobe Clean Han Regular" panose="020B0500000000000000" pitchFamily="34" charset="-128"/>
+              </a:rPr>
               <a:t> </a:t>
             </a:r>
             <a:r>
-              <a:rPr spc="-5"/>
+              <a:rPr lang="en-US" spc="-5" dirty="0">
+                <a:latin typeface="Adobe Clean Han Regular" panose="020B0500000000000000" pitchFamily="34" charset="-128"/>
+              </a:rPr>
               <a:t>Confidential.</a:t>
             </a:r>
           </a:p>
@@ -1314,7 +1178,7 @@
           <a:p>
             <a:fld id="{1D8BD707-D9CF-40AE-B4C6-C98DA3205C09}" type="datetimeFigureOut">
               <a:rPr lang="en-US"/>
-              <a:t>10/13/2021</a:t>
+              <a:t>10/1/2021</a:t>
             </a:fld>
             <a:endParaRPr lang="en-US"/>
           </a:p>
@@ -1371,7 +1235,7 @@
         <p:spPr>
           <a:xfrm>
             <a:off x="5257801" y="9857232"/>
-            <a:ext cx="2367216" cy="123111"/>
+            <a:ext cx="2367216" cy="246221"/>
           </a:xfrm>
           <a:prstGeom prst="rect">
             <a:avLst/>
@@ -1394,31 +1258,26 @@
           </a:lstStyle>
           <a:p>
             <a:pPr marL="12700">
-              <a:lnSpc>
-                <a:spcPct val="100000"/>
-              </a:lnSpc>
               <a:spcBef>
                 <a:spcPts val="75"/>
               </a:spcBef>
             </a:pPr>
             <a:r>
-              <a:rPr spc="-5"/>
-              <a:t>©202</a:t>
+              <a:rPr lang="en-US" spc="-5" dirty="0">
+                <a:latin typeface="Adobe Clean Han Regular" panose="020B0500000000000000" pitchFamily="34" charset="-128"/>
+              </a:rPr>
+              <a:t>©2021 Adobe. All Rights Reserved. Adobe</a:t>
             </a:r>
             <a:r>
-              <a:rPr lang="en-US" spc="-5"/>
-              <a:t>1</a:t>
-            </a:r>
-            <a:r>
-              <a:rPr spc="-5"/>
-              <a:t> Adobe. All Rights Reserved. Adobe</a:t>
-            </a:r>
-            <a:r>
-              <a:rPr spc="60"/>
+              <a:rPr lang="en-US" spc="60" dirty="0">
+                <a:latin typeface="Adobe Clean Han Regular" panose="020B0500000000000000" pitchFamily="34" charset="-128"/>
+              </a:rPr>
               <a:t> </a:t>
             </a:r>
             <a:r>
-              <a:rPr spc="-5"/>
+              <a:rPr lang="en-US" spc="-5" dirty="0">
+                <a:latin typeface="Adobe Clean Han Regular" panose="020B0500000000000000" pitchFamily="34" charset="-128"/>
+              </a:rPr>
               <a:t>Confidential.</a:t>
             </a:r>
           </a:p>
@@ -1542,7 +1401,7 @@
         <p:spPr>
           <a:xfrm>
             <a:off x="5257801" y="9865060"/>
-            <a:ext cx="2367216" cy="123111"/>
+            <a:ext cx="2367216" cy="246221"/>
           </a:xfrm>
           <a:prstGeom prst="rect">
             <a:avLst/>
@@ -1565,31 +1424,26 @@
           </a:lstStyle>
           <a:p>
             <a:pPr marL="12700">
-              <a:lnSpc>
-                <a:spcPct val="100000"/>
-              </a:lnSpc>
               <a:spcBef>
                 <a:spcPts val="75"/>
               </a:spcBef>
             </a:pPr>
             <a:r>
-              <a:rPr spc="-5"/>
-              <a:t>©202</a:t>
+              <a:rPr lang="en-US" spc="-5" dirty="0">
+                <a:latin typeface="Adobe Clean Han Regular" panose="020B0500000000000000" pitchFamily="34" charset="-128"/>
+              </a:rPr>
+              <a:t>©2021 Adobe. All Rights Reserved. Adobe</a:t>
             </a:r>
             <a:r>
-              <a:rPr lang="en-US" spc="-5"/>
-              <a:t>1</a:t>
-            </a:r>
-            <a:r>
-              <a:rPr spc="-5"/>
-              <a:t> Adobe. All Rights Reserved. Adobe</a:t>
-            </a:r>
-            <a:r>
-              <a:rPr spc="60"/>
+              <a:rPr lang="en-US" spc="60" dirty="0">
+                <a:latin typeface="Adobe Clean Han Regular" panose="020B0500000000000000" pitchFamily="34" charset="-128"/>
+              </a:rPr>
               <a:t> </a:t>
             </a:r>
             <a:r>
-              <a:rPr spc="-5"/>
+              <a:rPr lang="en-US" spc="-5" dirty="0">
+                <a:latin typeface="Adobe Clean Han Regular" panose="020B0500000000000000" pitchFamily="34" charset="-128"/>
+              </a:rPr>
               <a:t>Confidential.</a:t>
             </a:r>
           </a:p>
@@ -1632,7 +1486,7 @@
           <a:p>
             <a:fld id="{1D8BD707-D9CF-40AE-B4C6-C98DA3205C09}" type="datetimeFigureOut">
               <a:rPr lang="en-US"/>
-              <a:t>10/13/2021</a:t>
+              <a:t>10/1/2021</a:t>
             </a:fld>
             <a:endParaRPr lang="en-US"/>
           </a:p>
@@ -1887,7 +1741,7 @@
         <p:spPr>
           <a:xfrm>
             <a:off x="168565" y="7162363"/>
-            <a:ext cx="2800350" cy="238760"/>
+            <a:ext cx="3974810" cy="227626"/>
           </a:xfrm>
           <a:prstGeom prst="rect">
             <a:avLst/>
@@ -1908,7 +1762,7 @@
               </a:spcBef>
             </a:pPr>
             <a:r>
-              <a:rPr sz="1400" b="1" u="heavy" spc="10">
+              <a:rPr lang="ja-JP" sz="1400" b="1" u="heavy" dirty="0">
                 <a:solidFill>
                   <a:srgbClr val="020302"/>
                 </a:solidFill>
@@ -1917,90 +1771,12 @@
                     <a:srgbClr val="020302"/>
                   </a:solidFill>
                 </a:uFill>
-                <a:latin typeface="Adobe Clean"/>
+                <a:latin typeface="Adobe Clean Han Regular" panose="020B0500000000000000" pitchFamily="34" charset="-128"/>
+                <a:ea typeface="Adobe Clean Han Regular" panose="020B0500000000000000" pitchFamily="34" charset="-128"/>
                 <a:cs typeface="Adobe Clean"/>
               </a:rPr>
-              <a:t>Service </a:t>
+              <a:t>サービスレベルターゲット：初期対応</a:t>
             </a:r>
-            <a:r>
-              <a:rPr sz="1400" b="1" u="heavy" spc="-10">
-                <a:solidFill>
-                  <a:srgbClr val="020302"/>
-                </a:solidFill>
-                <a:uFill>
-                  <a:solidFill>
-                    <a:srgbClr val="020302"/>
-                  </a:solidFill>
-                </a:uFill>
-                <a:latin typeface="Adobe Clean"/>
-                <a:cs typeface="Adobe Clean"/>
-              </a:rPr>
-              <a:t>Level </a:t>
-            </a:r>
-            <a:r>
-              <a:rPr sz="1400" b="1" u="heavy" spc="-45">
-                <a:solidFill>
-                  <a:srgbClr val="020302"/>
-                </a:solidFill>
-                <a:uFill>
-                  <a:solidFill>
-                    <a:srgbClr val="020302"/>
-                  </a:solidFill>
-                </a:uFill>
-                <a:latin typeface="Adobe Clean"/>
-                <a:cs typeface="Adobe Clean"/>
-              </a:rPr>
-              <a:t>Targets: </a:t>
-            </a:r>
-            <a:r>
-              <a:rPr sz="1400" b="1" u="heavy" spc="-10">
-                <a:solidFill>
-                  <a:srgbClr val="020302"/>
-                </a:solidFill>
-                <a:uFill>
-                  <a:solidFill>
-                    <a:srgbClr val="020302"/>
-                  </a:solidFill>
-                </a:uFill>
-                <a:latin typeface="Adobe Clean"/>
-                <a:cs typeface="Adobe Clean"/>
-              </a:rPr>
-              <a:t>Initial</a:t>
-            </a:r>
-            <a:r>
-              <a:rPr sz="1400" b="1" u="heavy" spc="-140">
-                <a:solidFill>
-                  <a:srgbClr val="020302"/>
-                </a:solidFill>
-                <a:uFill>
-                  <a:solidFill>
-                    <a:srgbClr val="020302"/>
-                  </a:solidFill>
-                </a:uFill>
-                <a:latin typeface="Adobe Clean"/>
-                <a:cs typeface="Adobe Clean"/>
-              </a:rPr>
-              <a:t> </a:t>
-            </a:r>
-            <a:r>
-              <a:rPr sz="1400" b="1" u="heavy" spc="-15">
-                <a:solidFill>
-                  <a:srgbClr val="020302"/>
-                </a:solidFill>
-                <a:uFill>
-                  <a:solidFill>
-                    <a:srgbClr val="020302"/>
-                  </a:solidFill>
-                </a:uFill>
-                <a:latin typeface="Adobe Clean"/>
-                <a:cs typeface="Adobe Clean"/>
-              </a:rPr>
-              <a:t>Response</a:t>
-            </a:r>
-            <a:endParaRPr sz="1400">
-              <a:latin typeface="Adobe Clean"/>
-              <a:cs typeface="Adobe Clean"/>
-            </a:endParaRPr>
           </a:p>
         </p:txBody>
       </p:sp>
@@ -2053,7 +1829,7 @@
           </a:prstGeom>
         </p:spPr>
         <p:txBody>
-          <a:bodyPr vert="horz" wrap="square" lIns="0" tIns="12700" rIns="0" bIns="0" rtlCol="0" anchor="t">
+          <a:bodyPr vert="horz" wrap="square" lIns="0" tIns="12700" rIns="0" bIns="0" rtlCol="0">
             <a:spAutoFit/>
           </a:bodyPr>
           <a:lstStyle/>
@@ -2067,20 +1843,12 @@
               </a:spcBef>
             </a:pPr>
             <a:r>
-              <a:rPr sz="2300">
-                <a:latin typeface="Adobe Clean"/>
+              <a:rPr lang="ja-JP" sz="2300" dirty="0">
+                <a:latin typeface="Adobe Clean Han Regular" panose="020B0500000000000000" pitchFamily="34" charset="-128"/>
+                <a:ea typeface="Adobe Clean Han Regular" panose="020B0500000000000000" pitchFamily="34" charset="-128"/>
               </a:rPr>
-              <a:t>ADOBE </a:t>
+              <a:t>アドビサポートのサービス</a:t>
             </a:r>
-            <a:r>
-              <a:rPr lang="en-US" sz="2300">
-                <a:latin typeface="Adobe Clean"/>
-              </a:rPr>
-              <a:t>SUPPORT PLANS</a:t>
-            </a:r>
-            <a:endParaRPr sz="2300">
-              <a:latin typeface="Adobe Clean" panose="020B0503020404020204" pitchFamily="34" charset="0"/>
-            </a:endParaRPr>
           </a:p>
         </p:txBody>
       </p:sp>
@@ -2092,8 +1860,8 @@
         </p:nvSpPr>
         <p:spPr>
           <a:xfrm>
-            <a:off x="121147" y="531160"/>
-            <a:ext cx="5865216" cy="1269065"/>
+            <a:off x="121147" y="635935"/>
+            <a:ext cx="5865216" cy="1268489"/>
           </a:xfrm>
           <a:prstGeom prst="rect">
             <a:avLst/>
@@ -2114,31 +1882,34 @@
               </a:spcBef>
             </a:pPr>
             <a:r>
-              <a:rPr lang="en-US" sz="900">
+              <a:rPr lang="ja-JP" sz="900" dirty="0">
                 <a:solidFill>
                   <a:schemeClr val="bg1"/>
                 </a:solidFill>
-                <a:latin typeface="Adobe Clean Light" panose="020B0303020404020204" pitchFamily="34" charset="0"/>
+                <a:latin typeface="Adobe Clean Han Regular" panose="020B0500000000000000" pitchFamily="34" charset="-128"/>
+                <a:ea typeface="Adobe Clean Han Regular" panose="020B0500000000000000" pitchFamily="34" charset="-128"/>
               </a:rPr>
-              <a:t>Online | </a:t>
+              <a:t>オンライン | </a:t>
             </a:r>
             <a:r>
-              <a:rPr lang="en-US" sz="900" b="1">
+              <a:rPr lang="ja-JP" sz="900" b="1" dirty="0">
                 <a:solidFill>
                   <a:schemeClr val="bg1"/>
                 </a:solidFill>
-                <a:latin typeface="Adobe Clean" panose="020B0503020404020204" pitchFamily="34" charset="0"/>
+                <a:latin typeface="Adobe Clean Han Regular" panose="020B0500000000000000" pitchFamily="34" charset="-128"/>
+                <a:ea typeface="Adobe Clean Han Regular" panose="020B0500000000000000" pitchFamily="34" charset="-128"/>
               </a:rPr>
-              <a:t>Business</a:t>
+              <a:t>ビジネス</a:t>
             </a:r>
             <a:r>
-              <a:rPr lang="en-US" sz="900">
+              <a:rPr lang="ja-JP" sz="900" dirty="0">
                 <a:solidFill>
                   <a:schemeClr val="bg1"/>
                 </a:solidFill>
-                <a:latin typeface="Adobe Clean Light" panose="020B0303020404020204" pitchFamily="34" charset="0"/>
+                <a:latin typeface="Adobe Clean Han Regular" panose="020B0500000000000000" pitchFamily="34" charset="-128"/>
+                <a:ea typeface="Adobe Clean Han Regular" panose="020B0500000000000000" pitchFamily="34" charset="-128"/>
               </a:rPr>
-              <a:t> | Enterprise | Elite</a:t>
+              <a:t> | エンタープライズ | エリート</a:t>
             </a:r>
           </a:p>
           <a:p>
@@ -2151,21 +1922,15 @@
               </a:spcBef>
             </a:pPr>
             <a:r>
-              <a:rPr lang="en-US" sz="900">
+              <a:rPr lang="ja-JP" sz="800" spc="-30" dirty="0">
                 <a:solidFill>
                   <a:schemeClr val="bg1"/>
                 </a:solidFill>
-                <a:latin typeface="Adobe Clean SemiLight" panose="020B0403020404020204" pitchFamily="34" charset="0"/>
+                <a:latin typeface="Adobe Clean Han Regular" panose="020B0500000000000000" pitchFamily="34" charset="-128"/>
+                <a:ea typeface="Adobe Clean Han Regular" panose="020B0500000000000000" pitchFamily="34" charset="-128"/>
               </a:rPr>
-              <a:t>Adobe provides a comprehensive range of technical resources to help support your business, included as part of your Experience Cloud license subscription and enhanced in the BUSINESS support package. BUSINESS support includes access to personalized learning paths and monitored community forums via the Adobe Experience League. You can also take advantage of our detailed and in-depth technical product documentation and current release notes. BUSINESS customers also benefit from access to our technical support teams for any product query via either the telephone or the support web portal, to help protect your business at the most critical times. BUSINESS customers will receive regular communications and updates from their Account Support Lead in addition to support case escalation management for your most critical of support requests. </a:t>
+              <a:t>アドビでは、お客様のビジネスをサポートするために、包括的なテクニカルリソースを提供しています。これらのリソースは Experience Cloud のライセンスサブスクリプションに含まれており、ビジネスサポートではさらに充実したリソースを利用可能です。ビジネスサポートでは、Adobe Experience League のパーソナライズされたラーニングパスやモニタリングされているコミュニティフォーラムへのアクセスが提供されます。アドビ製品に関する詳細なテクニカルドキュメントや最新のリリースノートは、いつでも参照可能です。また、ビジネスサポートのお客様は、製品に関するあらゆる質問を、必要なときに電話またはサポート web ポータルを使用して、テクニカルサポートチームに問い合わせることができます。さらに、アカウントサポートリードからの定期的な連絡や更新通知のほか、最も重要なサポートリクエストに対するケースエスカレーション管理のサポートも受けることができます。 </a:t>
             </a:r>
-            <a:endParaRPr lang="en-US" sz="900">
-              <a:solidFill>
-                <a:schemeClr val="bg1"/>
-              </a:solidFill>
-              <a:latin typeface="Adobe Clean Light" panose="020B0303020404020204" pitchFamily="34" charset="0"/>
-              <a:cs typeface="AdobeClean-Light"/>
-            </a:endParaRPr>
           </a:p>
         </p:txBody>
       </p:sp>
@@ -2232,24 +1997,10 @@
               </a:spcBef>
             </a:pPr>
             <a:r>
-              <a:rPr spc="-5"/>
-              <a:t>©202</a:t>
-            </a:r>
-            <a:r>
-              <a:rPr lang="en-US" spc="-5"/>
-              <a:t>1</a:t>
-            </a:r>
-            <a:r>
-              <a:rPr spc="-5"/>
-              <a:t> Adobe. All Rights Reserved. Adobe</a:t>
-            </a:r>
-            <a:r>
-              <a:rPr spc="60"/>
-              <a:t> </a:t>
-            </a:r>
-            <a:r>
-              <a:rPr spc="-5"/>
-              <a:t>Confidential.</a:t>
+              <a:rPr lang="ja-JP" dirty="0">
+                <a:latin typeface="Adobe Clean Han Regular" panose="020B0500000000000000" pitchFamily="34" charset="-128"/>
+              </a:rPr>
+              <a:t>©2021 Adobe.All Rights Reserved.Adobe Confidential.</a:t>
             </a:r>
           </a:p>
         </p:txBody>
@@ -2263,14 +2014,14 @@
           <p:nvPr>
             <p:extLst>
               <p:ext uri="{D42A27DB-BD31-4B8C-83A1-F6EECF244321}">
-                <p14:modId xmlns:p14="http://schemas.microsoft.com/office/powerpoint/2010/main" val="852543156"/>
+                <p14:modId xmlns:p14="http://schemas.microsoft.com/office/powerpoint/2010/main" val="530675872"/>
               </p:ext>
             </p:extLst>
           </p:nvPr>
         </p:nvGraphicFramePr>
         <p:xfrm>
-          <a:off x="118872" y="7475985"/>
-          <a:ext cx="7498851" cy="2223598"/>
+          <a:off x="121146" y="7475985"/>
+          <a:ext cx="7498852" cy="2137909"/>
         </p:xfrm>
         <a:graphic>
           <a:graphicData uri="http://schemas.openxmlformats.org/drawingml/2006/table">
@@ -2279,7 +2030,7 @@
                 <a:tableStyleId>{2D5ABB26-0587-4C30-8999-92F81FD0307C}</a:tableStyleId>
               </a:tblPr>
               <a:tblGrid>
-                <a:gridCol w="4698744">
+                <a:gridCol w="4698745">
                   <a:extLst>
                     <a:ext uri="{9D8B030D-6E8A-4147-A177-3AD203B41FA5}">
                       <a16:colId xmlns:a16="http://schemas.microsoft.com/office/drawing/2014/main" val="20000"/>
@@ -2301,7 +2052,7 @@
                   </a:extLst>
                 </a:gridCol>
               </a:tblGrid>
-              <a:tr h="291248">
+              <a:tr h="274318">
                 <a:tc>
                   <a:txBody>
                     <a:bodyPr/>
@@ -2316,22 +2067,19 @@
                         </a:spcBef>
                       </a:pPr>
                       <a:r>
-                        <a:rPr sz="900" spc="0">
+                        <a:rPr lang="ja-JP" sz="900" dirty="0">
                           <a:solidFill>
                             <a:srgbClr val="020302"/>
                           </a:solidFill>
-                          <a:latin typeface="Adobe Clean"/>
+                          <a:latin typeface="Adobe Clean Han Regular" panose="020B0500000000000000" pitchFamily="34" charset="-128"/>
+                          <a:ea typeface="Adobe Clean Han Regular" panose="020B0500000000000000" pitchFamily="34" charset="-128"/>
                           <a:cs typeface="Adobe Clean"/>
                         </a:rPr>
-                        <a:t>Priority</a:t>
+                        <a:t>優先度</a:t>
                       </a:r>
-                      <a:endParaRPr sz="900" spc="0">
-                        <a:latin typeface="Adobe Clean"/>
-                        <a:cs typeface="Adobe Clean"/>
-                      </a:endParaRPr>
                     </a:p>
                   </a:txBody>
-                  <a:tcPr marL="0" marR="0" marT="7620" marB="0">
+                  <a:tcPr marL="0" marR="0" marT="7620" marB="0" anchor="ctr">
                     <a:lnL w="3175">
                       <a:solidFill>
                         <a:srgbClr val="B7B8B8"/>
@@ -2375,22 +2123,19 @@
                         </a:spcBef>
                       </a:pPr>
                       <a:r>
-                        <a:rPr sz="900" spc="0">
+                        <a:rPr lang="ja-JP" sz="900" dirty="0">
                           <a:solidFill>
                             <a:srgbClr val="020302"/>
                           </a:solidFill>
-                          <a:latin typeface="Adobe Clean"/>
+                          <a:latin typeface="Adobe Clean Han Regular" panose="020B0500000000000000" pitchFamily="34" charset="-128"/>
+                          <a:ea typeface="Adobe Clean Han Regular" panose="020B0500000000000000" pitchFamily="34" charset="-128"/>
                           <a:cs typeface="Adobe Clean"/>
                         </a:rPr>
-                        <a:t>Online Support</a:t>
+                        <a:t>オンラインサポート</a:t>
                       </a:r>
-                      <a:endParaRPr sz="900" spc="0">
-                        <a:latin typeface="Adobe Clean"/>
-                        <a:cs typeface="Adobe Clean"/>
-                      </a:endParaRPr>
                     </a:p>
                   </a:txBody>
-                  <a:tcPr marL="182880" marT="91440" anchor="ctr">
+                  <a:tcPr anchor="ctr">
                     <a:lnL w="3175">
                       <a:solidFill>
                         <a:srgbClr val="B7B8B8"/>
@@ -2434,42 +2179,19 @@
                         </a:spcBef>
                       </a:pPr>
                       <a:r>
-                        <a:rPr sz="900" spc="0">
+                        <a:rPr lang="ja-JP" sz="900" dirty="0">
                           <a:solidFill>
                             <a:srgbClr val="FFFFFF"/>
                           </a:solidFill>
-                          <a:latin typeface="Adobe Clean"/>
+                          <a:latin typeface="Adobe Clean Han Regular" panose="020B0500000000000000" pitchFamily="34" charset="-128"/>
+                          <a:ea typeface="Adobe Clean Han Regular" panose="020B0500000000000000" pitchFamily="34" charset="-128"/>
                           <a:cs typeface="Adobe Clean"/>
                         </a:rPr>
-                        <a:t>Business</a:t>
+                        <a:t>ビジネスサポート</a:t>
                       </a:r>
-                      <a:r>
-                        <a:rPr lang="en-US" sz="900" spc="0">
-                          <a:solidFill>
-                            <a:srgbClr val="FFFFFF"/>
-                          </a:solidFill>
-                          <a:latin typeface="Adobe Clean"/>
-                          <a:cs typeface="Adobe Clean"/>
-                        </a:rPr>
-                        <a:t> </a:t>
-                      </a:r>
-                      <a:r>
-                        <a:rPr sz="900" spc="0">
-                          <a:solidFill>
-                            <a:srgbClr val="FFFFFF"/>
-                          </a:solidFill>
-                          <a:latin typeface="Adobe Clean"/>
-                          <a:cs typeface="Adobe Clean"/>
-                        </a:rPr>
-                        <a:t>Support</a:t>
-                      </a:r>
-                      <a:endParaRPr sz="900" spc="0">
-                        <a:latin typeface="Adobe Clean"/>
-                        <a:cs typeface="Adobe Clean"/>
-                      </a:endParaRPr>
                     </a:p>
                   </a:txBody>
-                  <a:tcPr marL="182880" marT="91440" anchor="ctr">
+                  <a:tcPr anchor="ctr">
                     <a:lnL w="3175">
                       <a:solidFill>
                         <a:srgbClr val="B7B8B8"/>
@@ -2505,7 +2227,7 @@
                   </a:ext>
                 </a:extLst>
               </a:tr>
-              <a:tr h="514672">
+              <a:tr h="484755">
                 <a:tc>
                   <a:txBody>
                     <a:bodyPr/>
@@ -2520,19 +2242,16 @@
                         </a:spcBef>
                       </a:pPr>
                       <a:r>
-                        <a:rPr sz="900" b="1" spc="0">
+                        <a:rPr lang="ja-JP" sz="900" b="1" dirty="0">
                           <a:solidFill>
                             <a:srgbClr val="020302"/>
                           </a:solidFill>
-                          <a:latin typeface="Adobe Clean"/>
+                          <a:latin typeface="Adobe Clean Han Regular" panose="020B0500000000000000" pitchFamily="34" charset="-128"/>
+                          <a:ea typeface="Adobe Clean Han Regular" panose="020B0500000000000000" pitchFamily="34" charset="-128"/>
                           <a:cs typeface="Adobe Clean"/>
                         </a:rPr>
-                        <a:t>PRIORITY 1</a:t>
+                        <a:t>優先度 1</a:t>
                       </a:r>
-                      <a:endParaRPr sz="900" spc="0">
-                        <a:latin typeface="Adobe Clean"/>
-                        <a:cs typeface="Adobe Clean"/>
-                      </a:endParaRPr>
                     </a:p>
                     <a:p>
                       <a:pPr marL="50800" marR="387985" lvl="0" indent="0" algn="l" defTabSz="914400" rtl="0" eaLnBrk="1" fontAlgn="auto" latinLnBrk="0" hangingPunct="1">
@@ -2553,19 +2272,15 @@
                         <a:defRPr/>
                       </a:pPr>
                       <a:r>
-                        <a:rPr lang="en-US" sz="900" b="0" i="0" spc="0">
+                        <a:rPr lang="ja-JP" sz="900" b="0" i="0" dirty="0">
                           <a:solidFill>
                             <a:srgbClr val="000000"/>
                           </a:solidFill>
-                          <a:effectLst/>
-                          <a:latin typeface="Adobe Clean Light" panose="020B0303020404020204" pitchFamily="34" charset="0"/>
+                          <a:latin typeface="Adobe Clean Han Regular" panose="020B0500000000000000" pitchFamily="34" charset="-128"/>
+                          <a:ea typeface="Adobe Clean Han Regular" panose="020B0500000000000000" pitchFamily="34" charset="-128"/>
                         </a:rPr>
-                        <a:t>Customer's production business functions are down or have significant data loss or service degradation and immediate attention is required to restore functionality and usability</a:t>
+                        <a:t>お客様の本番業務機能がダウンしている、または著しいデータ損失やサービス低下があり、機能およびユーザビリティを復元するための早急な処置が必要。</a:t>
                       </a:r>
-                      <a:endParaRPr lang="en-US" sz="900" b="0" i="0" spc="0">
-                        <a:latin typeface="Adobe Clean Light" panose="020B0303020404020204" pitchFamily="34" charset="0"/>
-                        <a:cs typeface="AdobeClean-Light"/>
-                      </a:endParaRPr>
                     </a:p>
                   </a:txBody>
                   <a:tcPr marL="0" marR="0" marT="3810" marB="0">
@@ -2609,62 +2324,40 @@
                         </a:spcBef>
                       </a:pPr>
                       <a:r>
-                        <a:rPr sz="900" spc="0">
+                        <a:rPr lang="ja-JP" sz="900" dirty="0">
                           <a:solidFill>
                             <a:srgbClr val="020302"/>
                           </a:solidFill>
-                          <a:latin typeface="AdobeClean-Light"/>
+                          <a:latin typeface="Adobe Clean Han Regular" panose="020B0500000000000000" pitchFamily="34" charset="-128"/>
+                          <a:ea typeface="Adobe Clean Han Regular" panose="020B0500000000000000" pitchFamily="34" charset="-128"/>
                           <a:cs typeface="AdobeClean-Light"/>
                         </a:rPr>
-                        <a:t>24x7</a:t>
+                        <a:t>24 時間年中無休／</a:t>
                       </a:r>
-                      <a:r>
-                        <a:rPr lang="en-US" sz="900" spc="0">
+                      <a:br>
+                        <a:rPr lang="sk-SK" altLang="ja-JP" sz="900" dirty="0">
                           <a:solidFill>
                             <a:srgbClr val="020302"/>
                           </a:solidFill>
-                          <a:latin typeface="AdobeClean-Light"/>
+                          <a:latin typeface="Adobe Clean Han Regular" panose="020B0500000000000000" pitchFamily="34" charset="-128"/>
+                          <a:ea typeface="Adobe Clean Han Regular" panose="020B0500000000000000" pitchFamily="34" charset="-128"/>
                           <a:cs typeface="AdobeClean-Light"/>
                         </a:rPr>
-                        <a:t> </a:t>
-                      </a:r>
+                      </a:br>
                       <a:r>
-                        <a:rPr sz="900" spc="0">
+                        <a:rPr lang="ja-JP" sz="900" dirty="0">
                           <a:solidFill>
                             <a:srgbClr val="020302"/>
                           </a:solidFill>
-                          <a:latin typeface="AdobeClean-Light"/>
+                          <a:latin typeface="Adobe Clean Han Regular" panose="020B0500000000000000" pitchFamily="34" charset="-128"/>
+                          <a:ea typeface="Adobe Clean Han Regular" panose="020B0500000000000000" pitchFamily="34" charset="-128"/>
                           <a:cs typeface="AdobeClean-Light"/>
                         </a:rPr>
-                        <a:t>/</a:t>
+                        <a:t>1 時間</a:t>
                       </a:r>
-                      <a:r>
-                        <a:rPr lang="en-US" sz="900" spc="0">
-                          <a:solidFill>
-                            <a:srgbClr val="020302"/>
-                          </a:solidFill>
-                          <a:latin typeface="AdobeClean-Light"/>
-                          <a:cs typeface="AdobeClean-Light"/>
-                        </a:rPr>
-                        <a:t> </a:t>
-                      </a:r>
-                      <a:r>
-                        <a:rPr sz="900" spc="0">
-                          <a:solidFill>
-                            <a:srgbClr val="020302"/>
-                          </a:solidFill>
-                          <a:latin typeface="AdobeClean-Light"/>
-                          <a:cs typeface="AdobeClean-Light"/>
-                        </a:rPr>
-                        <a:t>1 hour</a:t>
-                      </a:r>
-                      <a:endParaRPr sz="900" spc="0">
-                        <a:latin typeface="AdobeClean-Light"/>
-                        <a:cs typeface="AdobeClean-Light"/>
-                      </a:endParaRPr>
                     </a:p>
                   </a:txBody>
-                  <a:tcPr marL="0" marR="0" marT="91440" marB="91440" anchor="ctr" anchorCtr="1">
+                  <a:tcPr anchor="ctr">
                     <a:lnL w="3175">
                       <a:solidFill>
                         <a:srgbClr val="B7B8B8"/>
@@ -2705,62 +2398,40 @@
                         </a:spcBef>
                       </a:pPr>
                       <a:r>
-                        <a:rPr sz="900" spc="0">
+                        <a:rPr lang="ja-JP" sz="900" dirty="0">
                           <a:solidFill>
                             <a:srgbClr val="020302"/>
                           </a:solidFill>
-                          <a:latin typeface="AdobeClean-Light"/>
+                          <a:latin typeface="Adobe Clean Han Regular" panose="020B0500000000000000" pitchFamily="34" charset="-128"/>
+                          <a:ea typeface="Adobe Clean Han Regular" panose="020B0500000000000000" pitchFamily="34" charset="-128"/>
                           <a:cs typeface="AdobeClean-Light"/>
                         </a:rPr>
-                        <a:t>24x7</a:t>
+                        <a:t>24 時間年中無休／</a:t>
                       </a:r>
-                      <a:r>
-                        <a:rPr lang="en-US" sz="900" spc="0">
+                      <a:br>
+                        <a:rPr lang="sk-SK" altLang="ja-JP" sz="900" dirty="0">
                           <a:solidFill>
                             <a:srgbClr val="020302"/>
                           </a:solidFill>
-                          <a:latin typeface="AdobeClean-Light"/>
+                          <a:latin typeface="Adobe Clean Han Regular" panose="020B0500000000000000" pitchFamily="34" charset="-128"/>
+                          <a:ea typeface="Adobe Clean Han Regular" panose="020B0500000000000000" pitchFamily="34" charset="-128"/>
                           <a:cs typeface="AdobeClean-Light"/>
                         </a:rPr>
-                        <a:t> </a:t>
-                      </a:r>
+                      </a:br>
                       <a:r>
-                        <a:rPr sz="900" spc="0">
+                        <a:rPr lang="ja-JP" sz="900" dirty="0">
                           <a:solidFill>
                             <a:srgbClr val="020302"/>
                           </a:solidFill>
-                          <a:latin typeface="AdobeClean-Light"/>
+                          <a:latin typeface="Adobe Clean Han Regular" panose="020B0500000000000000" pitchFamily="34" charset="-128"/>
+                          <a:ea typeface="Adobe Clean Han Regular" panose="020B0500000000000000" pitchFamily="34" charset="-128"/>
                           <a:cs typeface="AdobeClean-Light"/>
                         </a:rPr>
-                        <a:t>/</a:t>
+                        <a:t>1 時間</a:t>
                       </a:r>
-                      <a:r>
-                        <a:rPr lang="en-US" sz="900" spc="0">
-                          <a:solidFill>
-                            <a:srgbClr val="020302"/>
-                          </a:solidFill>
-                          <a:latin typeface="AdobeClean-Light"/>
-                          <a:cs typeface="AdobeClean-Light"/>
-                        </a:rPr>
-                        <a:t> </a:t>
-                      </a:r>
-                      <a:r>
-                        <a:rPr sz="900" spc="0">
-                          <a:solidFill>
-                            <a:srgbClr val="020302"/>
-                          </a:solidFill>
-                          <a:latin typeface="AdobeClean-Light"/>
-                          <a:cs typeface="AdobeClean-Light"/>
-                        </a:rPr>
-                        <a:t>1 hour</a:t>
-                      </a:r>
-                      <a:endParaRPr sz="900" spc="0">
-                        <a:latin typeface="AdobeClean-Light"/>
-                        <a:cs typeface="AdobeClean-Light"/>
-                      </a:endParaRPr>
                     </a:p>
                   </a:txBody>
-                  <a:tcPr marL="0" marR="0" marT="91440" marB="91440" anchor="ctr" anchorCtr="1">
+                  <a:tcPr anchor="ctr">
                     <a:lnL w="3175">
                       <a:solidFill>
                         <a:srgbClr val="B7B8B8"/>
@@ -2798,7 +2469,7 @@
                   </a:ext>
                 </a:extLst>
               </a:tr>
-              <a:tr h="514672">
+              <a:tr h="484755">
                 <a:tc>
                   <a:txBody>
                     <a:bodyPr/>
@@ -2813,19 +2484,16 @@
                         </a:spcBef>
                       </a:pPr>
                       <a:r>
-                        <a:rPr sz="900" b="1" spc="0">
+                        <a:rPr lang="ja-JP" sz="900" b="1" dirty="0">
                           <a:solidFill>
                             <a:srgbClr val="020302"/>
                           </a:solidFill>
-                          <a:latin typeface="Adobe Clean"/>
+                          <a:latin typeface="Adobe Clean Han Regular" panose="020B0500000000000000" pitchFamily="34" charset="-128"/>
+                          <a:ea typeface="Adobe Clean Han Regular" panose="020B0500000000000000" pitchFamily="34" charset="-128"/>
                           <a:cs typeface="Adobe Clean"/>
                         </a:rPr>
-                        <a:t>PRIORITY 2</a:t>
+                        <a:t>優先度 2</a:t>
                       </a:r>
-                      <a:endParaRPr sz="900" spc="0">
-                        <a:latin typeface="Adobe Clean"/>
-                        <a:cs typeface="Adobe Clean"/>
-                      </a:endParaRPr>
                     </a:p>
                     <a:p>
                       <a:pPr marL="50165" marR="203200">
@@ -2837,19 +2505,34 @@
                         </a:spcBef>
                       </a:pPr>
                       <a:r>
-                        <a:rPr lang="en-US" sz="900" b="0" i="0" spc="0">
+                        <a:rPr lang="ja-JP" sz="900" b="0" i="0" dirty="0">
                           <a:solidFill>
                             <a:srgbClr val="000000"/>
                           </a:solidFill>
-                          <a:effectLst/>
-                          <a:latin typeface="Adobe Clean Light" panose="020B0303020404020204" pitchFamily="34" charset="0"/>
+                          <a:latin typeface="Adobe Clean Han Regular" panose="020B0500000000000000" pitchFamily="34" charset="-128"/>
+                          <a:ea typeface="Adobe Clean Han Regular" panose="020B0500000000000000" pitchFamily="34" charset="-128"/>
                         </a:rPr>
-                        <a:t>Customer's business functions have major service degradation or potential data loss, or a major feature is impacted </a:t>
+                        <a:t>お客様の業務機能に重大なサービス低下や潜在的なデータ損失があるか、</a:t>
                       </a:r>
-                      <a:endParaRPr lang="en-US" sz="900" b="0" i="0" spc="0">
-                        <a:latin typeface="Adobe Clean Light" panose="020B0303020404020204" pitchFamily="34" charset="0"/>
-                        <a:cs typeface="AdobeClean-Light"/>
-                      </a:endParaRPr>
+                      <a:br>
+                        <a:rPr lang="sk-SK" altLang="ja-JP" sz="900" b="0" i="0" dirty="0">
+                          <a:solidFill>
+                            <a:srgbClr val="000000"/>
+                          </a:solidFill>
+                          <a:latin typeface="Adobe Clean Han Regular" panose="020B0500000000000000" pitchFamily="34" charset="-128"/>
+                          <a:ea typeface="Adobe Clean Han Regular" panose="020B0500000000000000" pitchFamily="34" charset="-128"/>
+                        </a:rPr>
+                      </a:br>
+                      <a:r>
+                        <a:rPr lang="ja-JP" sz="900" b="0" i="0" dirty="0">
+                          <a:solidFill>
+                            <a:srgbClr val="000000"/>
+                          </a:solidFill>
+                          <a:latin typeface="Adobe Clean Han Regular" panose="020B0500000000000000" pitchFamily="34" charset="-128"/>
+                          <a:ea typeface="Adobe Clean Han Regular" panose="020B0500000000000000" pitchFamily="34" charset="-128"/>
+                        </a:rPr>
+                        <a:t>主な機能が影響を受けている。 </a:t>
+                      </a:r>
                     </a:p>
                   </a:txBody>
                   <a:tcPr marL="0" marR="0" marT="3810" marB="0">
@@ -2893,82 +2576,19 @@
                         </a:spcBef>
                       </a:pPr>
                       <a:r>
-                        <a:rPr sz="900" spc="0">
+                        <a:rPr lang="ja-JP" sz="900">
                           <a:solidFill>
                             <a:srgbClr val="020302"/>
                           </a:solidFill>
-                          <a:latin typeface="AdobeClean-Light"/>
+                          <a:latin typeface="Adobe Clean Han Regular" panose="020B0500000000000000" pitchFamily="34" charset="-128"/>
+                          <a:ea typeface="Adobe Clean Han Regular" panose="020B0500000000000000" pitchFamily="34" charset="-128"/>
                           <a:cs typeface="AdobeClean-Light"/>
                         </a:rPr>
-                        <a:t>Business</a:t>
+                        <a:t>営業時間／4 時間</a:t>
                       </a:r>
-                      <a:r>
-                        <a:rPr lang="en-US" sz="900" spc="0">
-                          <a:solidFill>
-                            <a:srgbClr val="020302"/>
-                          </a:solidFill>
-                          <a:latin typeface="AdobeClean-Light"/>
-                          <a:cs typeface="AdobeClean-Light"/>
-                        </a:rPr>
-                        <a:t> </a:t>
-                      </a:r>
-                      <a:r>
-                        <a:rPr sz="900" spc="0">
-                          <a:solidFill>
-                            <a:srgbClr val="020302"/>
-                          </a:solidFill>
-                          <a:latin typeface="AdobeClean-Light"/>
-                          <a:cs typeface="AdobeClean-Light"/>
-                        </a:rPr>
-                        <a:t>hours</a:t>
-                      </a:r>
-                      <a:r>
-                        <a:rPr lang="en-US" sz="900" spc="0">
-                          <a:solidFill>
-                            <a:srgbClr val="020302"/>
-                          </a:solidFill>
-                          <a:latin typeface="AdobeClean-Light"/>
-                          <a:cs typeface="AdobeClean-Light"/>
-                        </a:rPr>
-                        <a:t> </a:t>
-                      </a:r>
-                      <a:r>
-                        <a:rPr sz="900" spc="0">
-                          <a:solidFill>
-                            <a:srgbClr val="020302"/>
-                          </a:solidFill>
-                          <a:latin typeface="AdobeClean-Light"/>
-                          <a:cs typeface="AdobeClean-Light"/>
-                        </a:rPr>
-                        <a:t>/</a:t>
-                      </a:r>
-                      <a:r>
-                        <a:rPr lang="en-US" sz="900" spc="0">
-                          <a:solidFill>
-                            <a:srgbClr val="020302"/>
-                          </a:solidFill>
-                          <a:latin typeface="AdobeClean-Light"/>
-                          <a:cs typeface="AdobeClean-Light"/>
-                        </a:rPr>
-                        <a:t> </a:t>
-                      </a:r>
-                      <a:r>
-                        <a:rPr sz="900" spc="0">
-                          <a:solidFill>
-                            <a:srgbClr val="020302"/>
-                          </a:solidFill>
-                          <a:latin typeface="AdobeClean-Light"/>
-                          <a:cs typeface="AdobeClean-Light"/>
-                        </a:rPr>
-                        <a:t>4 hours</a:t>
-                      </a:r>
-                      <a:endParaRPr sz="900" spc="0">
-                        <a:latin typeface="AdobeClean-Light"/>
-                        <a:cs typeface="AdobeClean-Light"/>
-                      </a:endParaRPr>
                     </a:p>
                   </a:txBody>
-                  <a:tcPr marL="0" marR="0" marT="91440" marB="91440" anchor="ctr" anchorCtr="1">
+                  <a:tcPr anchor="ctr">
                     <a:lnL w="3175">
                       <a:solidFill>
                         <a:srgbClr val="B7B8B8"/>
@@ -3009,92 +2629,19 @@
                         </a:spcBef>
                       </a:pPr>
                       <a:r>
-                        <a:rPr lang="en-US" sz="900" spc="0">
+                        <a:rPr lang="ja-JP" sz="900">
                           <a:solidFill>
                             <a:srgbClr val="020302"/>
                           </a:solidFill>
-                          <a:latin typeface="AdobeClean-Light"/>
+                          <a:latin typeface="Adobe Clean Han Regular" panose="020B0500000000000000" pitchFamily="34" charset="-128"/>
+                          <a:ea typeface="Adobe Clean Han Regular" panose="020B0500000000000000" pitchFamily="34" charset="-128"/>
                           <a:cs typeface="AdobeClean-Light"/>
                         </a:rPr>
-                        <a:t>    </a:t>
+                        <a:t>営業時間／2 時間</a:t>
                       </a:r>
-                      <a:r>
-                        <a:rPr sz="900" spc="0">
-                          <a:solidFill>
-                            <a:srgbClr val="020302"/>
-                          </a:solidFill>
-                          <a:latin typeface="AdobeClean-Light"/>
-                          <a:cs typeface="AdobeClean-Light"/>
-                        </a:rPr>
-                        <a:t>Business</a:t>
-                      </a:r>
-                      <a:r>
-                        <a:rPr lang="en-US" sz="900" spc="0">
-                          <a:solidFill>
-                            <a:srgbClr val="020302"/>
-                          </a:solidFill>
-                          <a:latin typeface="AdobeClean-Light"/>
-                          <a:cs typeface="AdobeClean-Light"/>
-                        </a:rPr>
-                        <a:t> </a:t>
-                      </a:r>
-                      <a:r>
-                        <a:rPr sz="900" spc="0">
-                          <a:solidFill>
-                            <a:srgbClr val="020302"/>
-                          </a:solidFill>
-                          <a:latin typeface="AdobeClean-Light"/>
-                          <a:cs typeface="AdobeClean-Light"/>
-                        </a:rPr>
-                        <a:t>hours</a:t>
-                      </a:r>
-                      <a:r>
-                        <a:rPr lang="en-US" sz="900" spc="0">
-                          <a:solidFill>
-                            <a:srgbClr val="020302"/>
-                          </a:solidFill>
-                          <a:latin typeface="AdobeClean-Light"/>
-                          <a:cs typeface="AdobeClean-Light"/>
-                        </a:rPr>
-                        <a:t> / </a:t>
-                      </a:r>
-                      <a:r>
-                        <a:rPr sz="900" spc="0">
-                          <a:solidFill>
-                            <a:srgbClr val="020302"/>
-                          </a:solidFill>
-                          <a:latin typeface="AdobeClean-Light"/>
-                          <a:cs typeface="AdobeClean-Light"/>
-                        </a:rPr>
-                        <a:t>2</a:t>
-                      </a:r>
-                      <a:r>
-                        <a:rPr lang="en-US" sz="900" spc="0">
-                          <a:solidFill>
-                            <a:srgbClr val="020302"/>
-                          </a:solidFill>
-                          <a:latin typeface="AdobeClean-Light"/>
-                          <a:cs typeface="AdobeClean-Light"/>
-                        </a:rPr>
-                        <a:t> </a:t>
-                      </a:r>
-                      <a:r>
-                        <a:rPr sz="900" spc="0">
-                          <a:solidFill>
-                            <a:srgbClr val="020302"/>
-                          </a:solidFill>
-                          <a:latin typeface="AdobeClean-Light"/>
-                          <a:cs typeface="AdobeClean-Light"/>
-                        </a:rPr>
-                        <a:t>hours</a:t>
-                      </a:r>
-                      <a:endParaRPr sz="900" spc="0">
-                        <a:latin typeface="AdobeClean-Light"/>
-                        <a:cs typeface="AdobeClean-Light"/>
-                      </a:endParaRPr>
                     </a:p>
                   </a:txBody>
-                  <a:tcPr marL="0" marR="0" marT="91440" marB="91440" anchor="ctr" anchorCtr="1">
+                  <a:tcPr anchor="ctr">
                     <a:lnL w="3175">
                       <a:solidFill>
                         <a:srgbClr val="B7B8B8"/>
@@ -3132,7 +2679,7 @@
                   </a:ext>
                 </a:extLst>
               </a:tr>
-              <a:tr h="514673">
+              <a:tr h="484756">
                 <a:tc>
                   <a:txBody>
                     <a:bodyPr/>
@@ -3147,19 +2694,16 @@
                         </a:spcBef>
                       </a:pPr>
                       <a:r>
-                        <a:rPr sz="900" b="1" spc="0">
+                        <a:rPr lang="ja-JP" sz="900" b="1" dirty="0">
                           <a:solidFill>
                             <a:srgbClr val="020302"/>
                           </a:solidFill>
-                          <a:latin typeface="Adobe Clean"/>
+                          <a:latin typeface="Adobe Clean Han Regular" panose="020B0500000000000000" pitchFamily="34" charset="-128"/>
+                          <a:ea typeface="Adobe Clean Han Regular" panose="020B0500000000000000" pitchFamily="34" charset="-128"/>
                           <a:cs typeface="Adobe Clean"/>
                         </a:rPr>
-                        <a:t>PRIORITY 3</a:t>
+                        <a:t>優先度 3</a:t>
                       </a:r>
-                      <a:endParaRPr sz="900" spc="0">
-                        <a:latin typeface="Adobe Clean"/>
-                        <a:cs typeface="Adobe Clean"/>
-                      </a:endParaRPr>
                     </a:p>
                     <a:p>
                       <a:pPr marL="49530" marR="212090" indent="-2540">
@@ -3171,26 +2715,52 @@
                         </a:spcBef>
                       </a:pPr>
                       <a:r>
-                        <a:rPr kumimoji="0" lang="en-US" sz="900" b="0" i="0" u="none" strike="noStrike" kern="1200" cap="none" spc="0" normalizeH="0" baseline="0" noProof="0">
+                        <a:rPr kumimoji="0" lang="ja-JP" sz="900" b="0" i="0" u="none" strike="noStrike" cap="none" normalizeH="0" baseline="0" noProof="0" dirty="0">
                           <a:ln>
                             <a:noFill/>
                           </a:ln>
                           <a:solidFill>
                             <a:srgbClr val="000000"/>
                           </a:solidFill>
-                          <a:effectLst/>
                           <a:uLnTx/>
                           <a:uFillTx/>
-                          <a:latin typeface="Adobe Clean Light" panose="020B0303020404020204" pitchFamily="34" charset="0"/>
-                          <a:ea typeface="+mn-ea"/>
+                          <a:latin typeface="Adobe Clean Han Regular" panose="020B0500000000000000" pitchFamily="34" charset="-128"/>
+                          <a:ea typeface="Adobe Clean Han Regular" panose="020B0500000000000000" pitchFamily="34" charset="-128"/>
                           <a:cs typeface="+mn-cs"/>
                         </a:rPr>
-                        <a:t>Customer's business functions have minor service degradation but there exists a solution/workaround allowing business functions to continue </a:t>
+                        <a:t>お客様の業務機能に軽微なサービス低下があるが、</a:t>
                       </a:r>
-                      <a:endParaRPr lang="en-US" sz="900" b="0" i="0" spc="0">
-                        <a:latin typeface="Adobe Clean Light" panose="020B0303020404020204" pitchFamily="34" charset="0"/>
-                        <a:cs typeface="AdobeClean-Light"/>
-                      </a:endParaRPr>
+                      <a:br>
+                        <a:rPr kumimoji="0" lang="sk-SK" altLang="ja-JP" sz="900" b="0" i="0" u="none" strike="noStrike" cap="none" normalizeH="0" baseline="0" noProof="0" dirty="0">
+                          <a:ln>
+                            <a:noFill/>
+                          </a:ln>
+                          <a:solidFill>
+                            <a:srgbClr val="000000"/>
+                          </a:solidFill>
+                          <a:uLnTx/>
+                          <a:uFillTx/>
+                          <a:latin typeface="Adobe Clean Han Regular" panose="020B0500000000000000" pitchFamily="34" charset="-128"/>
+                          <a:ea typeface="Adobe Clean Han Regular" panose="020B0500000000000000" pitchFamily="34" charset="-128"/>
+                          <a:cs typeface="+mn-cs"/>
+                        </a:rPr>
+                      </a:br>
+                      <a:r>
+                        <a:rPr kumimoji="0" lang="ja-JP" sz="900" b="0" i="0" u="none" strike="noStrike" cap="none" normalizeH="0" baseline="0" noProof="0" dirty="0">
+                          <a:ln>
+                            <a:noFill/>
+                          </a:ln>
+                          <a:solidFill>
+                            <a:srgbClr val="000000"/>
+                          </a:solidFill>
+                          <a:uLnTx/>
+                          <a:uFillTx/>
+                          <a:latin typeface="Adobe Clean Han Regular" panose="020B0500000000000000" pitchFamily="34" charset="-128"/>
+                          <a:ea typeface="Adobe Clean Han Regular" panose="020B0500000000000000" pitchFamily="34" charset="-128"/>
+                          <a:cs typeface="+mn-cs"/>
+                        </a:rPr>
+                        <a:t>業務機能を正常に続行できるソリューション／回避策が存在する。 </a:t>
+                      </a:r>
                     </a:p>
                   </a:txBody>
                   <a:tcPr marL="0" marR="0" marT="3810" marB="0">
@@ -3234,92 +2804,19 @@
                         </a:spcBef>
                       </a:pPr>
                       <a:r>
-                        <a:rPr lang="en-US" sz="900" spc="0">
+                        <a:rPr lang="ja-JP" sz="900">
                           <a:solidFill>
                             <a:srgbClr val="020302"/>
                           </a:solidFill>
-                          <a:latin typeface="AdobeClean-Light"/>
+                          <a:latin typeface="Adobe Clean Han Regular" panose="020B0500000000000000" pitchFamily="34" charset="-128"/>
+                          <a:ea typeface="Adobe Clean Han Regular" panose="020B0500000000000000" pitchFamily="34" charset="-128"/>
                           <a:cs typeface="AdobeClean-Light"/>
                         </a:rPr>
-                        <a:t>   </a:t>
+                        <a:t>営業時間／6 時間</a:t>
                       </a:r>
-                      <a:r>
-                        <a:rPr sz="900" spc="0">
-                          <a:solidFill>
-                            <a:srgbClr val="020302"/>
-                          </a:solidFill>
-                          <a:latin typeface="AdobeClean-Light"/>
-                          <a:cs typeface="AdobeClean-Light"/>
-                        </a:rPr>
-                        <a:t>Business</a:t>
-                      </a:r>
-                      <a:r>
-                        <a:rPr lang="en-US" sz="900" spc="0">
-                          <a:solidFill>
-                            <a:srgbClr val="020302"/>
-                          </a:solidFill>
-                          <a:latin typeface="AdobeClean-Light"/>
-                          <a:cs typeface="AdobeClean-Light"/>
-                        </a:rPr>
-                        <a:t> </a:t>
-                      </a:r>
-                      <a:r>
-                        <a:rPr sz="900" spc="0">
-                          <a:solidFill>
-                            <a:srgbClr val="020302"/>
-                          </a:solidFill>
-                          <a:latin typeface="AdobeClean-Light"/>
-                          <a:cs typeface="AdobeClean-Light"/>
-                        </a:rPr>
-                        <a:t>hours</a:t>
-                      </a:r>
-                      <a:r>
-                        <a:rPr lang="en-US" sz="900" spc="0">
-                          <a:solidFill>
-                            <a:srgbClr val="020302"/>
-                          </a:solidFill>
-                          <a:latin typeface="AdobeClean-Light"/>
-                          <a:cs typeface="AdobeClean-Light"/>
-                        </a:rPr>
-                        <a:t> / </a:t>
-                      </a:r>
-                      <a:r>
-                        <a:rPr sz="900" spc="0">
-                          <a:solidFill>
-                            <a:srgbClr val="020302"/>
-                          </a:solidFill>
-                          <a:latin typeface="AdobeClean-Light"/>
-                          <a:cs typeface="AdobeClean-Light"/>
-                        </a:rPr>
-                        <a:t>6</a:t>
-                      </a:r>
-                      <a:r>
-                        <a:rPr lang="en-US" sz="900" spc="0">
-                          <a:solidFill>
-                            <a:srgbClr val="020302"/>
-                          </a:solidFill>
-                          <a:latin typeface="AdobeClean-Light"/>
-                          <a:cs typeface="AdobeClean-Light"/>
-                        </a:rPr>
-                        <a:t> </a:t>
-                      </a:r>
-                      <a:r>
-                        <a:rPr sz="900" spc="0">
-                          <a:solidFill>
-                            <a:srgbClr val="020302"/>
-                          </a:solidFill>
-                          <a:latin typeface="AdobeClean-Light"/>
-                          <a:cs typeface="AdobeClean-Light"/>
-                        </a:rPr>
-                        <a:t>hours</a:t>
-                      </a:r>
-                      <a:endParaRPr sz="900" spc="0">
-                        <a:latin typeface="AdobeClean-Light"/>
-                        <a:cs typeface="AdobeClean-Light"/>
-                      </a:endParaRPr>
                     </a:p>
                   </a:txBody>
-                  <a:tcPr marL="0" marR="0" marT="91440" marB="91440" anchor="ctr" anchorCtr="1">
+                  <a:tcPr anchor="ctr">
                     <a:lnL w="3175">
                       <a:solidFill>
                         <a:srgbClr val="B7B8B8"/>
@@ -3360,82 +2857,19 @@
                         </a:spcBef>
                       </a:pPr>
                       <a:r>
-                        <a:rPr sz="900" spc="0">
+                        <a:rPr lang="ja-JP" sz="900">
                           <a:solidFill>
                             <a:srgbClr val="020302"/>
                           </a:solidFill>
-                          <a:latin typeface="AdobeClean-Light"/>
+                          <a:latin typeface="Adobe Clean Han Regular" panose="020B0500000000000000" pitchFamily="34" charset="-128"/>
+                          <a:ea typeface="Adobe Clean Han Regular" panose="020B0500000000000000" pitchFamily="34" charset="-128"/>
                           <a:cs typeface="AdobeClean-Light"/>
                         </a:rPr>
-                        <a:t>Business</a:t>
+                        <a:t>営業時間／4 時間</a:t>
                       </a:r>
-                      <a:r>
-                        <a:rPr lang="en-US" sz="900" spc="0">
-                          <a:solidFill>
-                            <a:srgbClr val="020302"/>
-                          </a:solidFill>
-                          <a:latin typeface="AdobeClean-Light"/>
-                          <a:cs typeface="AdobeClean-Light"/>
-                        </a:rPr>
-                        <a:t> </a:t>
-                      </a:r>
-                      <a:r>
-                        <a:rPr sz="900" spc="0">
-                          <a:solidFill>
-                            <a:srgbClr val="020302"/>
-                          </a:solidFill>
-                          <a:latin typeface="AdobeClean-Light"/>
-                          <a:cs typeface="AdobeClean-Light"/>
-                        </a:rPr>
-                        <a:t>hours</a:t>
-                      </a:r>
-                      <a:r>
-                        <a:rPr lang="en-US" sz="900" spc="0">
-                          <a:solidFill>
-                            <a:srgbClr val="020302"/>
-                          </a:solidFill>
-                          <a:latin typeface="AdobeClean-Light"/>
-                          <a:cs typeface="AdobeClean-Light"/>
-                        </a:rPr>
-                        <a:t> </a:t>
-                      </a:r>
-                      <a:r>
-                        <a:rPr sz="900" spc="0">
-                          <a:solidFill>
-                            <a:srgbClr val="020302"/>
-                          </a:solidFill>
-                          <a:latin typeface="AdobeClean-Light"/>
-                          <a:cs typeface="AdobeClean-Light"/>
-                        </a:rPr>
-                        <a:t>/ 4</a:t>
-                      </a:r>
-                      <a:r>
-                        <a:rPr lang="en-US" sz="900" spc="0">
-                          <a:solidFill>
-                            <a:srgbClr val="020302"/>
-                          </a:solidFill>
-                          <a:latin typeface="AdobeClean-Light"/>
-                          <a:cs typeface="AdobeClean-Light"/>
-                        </a:rPr>
-                        <a:t> </a:t>
-                      </a:r>
-                      <a:r>
-                        <a:rPr sz="900" spc="0">
-                          <a:solidFill>
-                            <a:srgbClr val="020302"/>
-                          </a:solidFill>
-                          <a:latin typeface="AdobeClean-Light"/>
-                          <a:cs typeface="AdobeClean-Light"/>
-                        </a:rPr>
-                        <a:t>hours</a:t>
-                      </a:r>
-                      <a:endParaRPr sz="900" spc="0">
-                        <a:latin typeface="AdobeClean-Light"/>
-                        <a:cs typeface="AdobeClean-Light"/>
-                      </a:endParaRPr>
                     </a:p>
                   </a:txBody>
-                  <a:tcPr marL="0" marR="0" marT="91440" marB="91440" anchor="ctr" anchorCtr="1">
+                  <a:tcPr anchor="ctr">
                     <a:lnL w="3175">
                       <a:solidFill>
                         <a:srgbClr val="B7B8B8"/>
@@ -3473,7 +2907,7 @@
                   </a:ext>
                 </a:extLst>
               </a:tr>
-              <a:tr h="388333">
+              <a:tr h="359998">
                 <a:tc>
                   <a:txBody>
                     <a:bodyPr/>
@@ -3488,19 +2922,16 @@
                         </a:spcBef>
                       </a:pPr>
                       <a:r>
-                        <a:rPr sz="900" b="1" spc="0">
+                        <a:rPr lang="ja-JP" sz="900" b="1" dirty="0">
                           <a:solidFill>
                             <a:srgbClr val="020302"/>
                           </a:solidFill>
-                          <a:latin typeface="Adobe Clean"/>
+                          <a:latin typeface="Adobe Clean Han Regular" panose="020B0500000000000000" pitchFamily="34" charset="-128"/>
+                          <a:ea typeface="Adobe Clean Han Regular" panose="020B0500000000000000" pitchFamily="34" charset="-128"/>
                           <a:cs typeface="Adobe Clean"/>
                         </a:rPr>
-                        <a:t>PRIORITY 4</a:t>
+                        <a:t>優先度 4</a:t>
                       </a:r>
-                      <a:endParaRPr sz="900" spc="0">
-                        <a:latin typeface="Adobe Clean"/>
-                        <a:cs typeface="Adobe Clean"/>
-                      </a:endParaRPr>
                     </a:p>
                     <a:p>
                       <a:pPr marL="48895" marR="0" lvl="0" indent="0" defTabSz="914400" eaLnBrk="1" fontAlgn="auto" latinLnBrk="0" hangingPunct="1">
@@ -3521,19 +2952,15 @@
                         <a:defRPr/>
                       </a:pPr>
                       <a:r>
-                        <a:rPr lang="en-US" sz="900" b="0" i="0" spc="0">
+                        <a:rPr lang="ja-JP" sz="900" b="0" i="0" dirty="0">
                           <a:solidFill>
                             <a:srgbClr val="000000"/>
                           </a:solidFill>
-                          <a:effectLst/>
-                          <a:latin typeface="Adobe Clean Light" panose="020B0303020404020204" pitchFamily="34" charset="0"/>
+                          <a:latin typeface="Adobe Clean Han Regular" panose="020B0500000000000000" pitchFamily="34" charset="-128"/>
+                          <a:ea typeface="Adobe Clean Han Regular" panose="020B0500000000000000" pitchFamily="34" charset="-128"/>
                         </a:rPr>
-                        <a:t>General question regarding current product functionality or an enhancement request</a:t>
+                        <a:t>現在の製品機能に関する一般的な質問または機能拡張のリクエスト。</a:t>
                       </a:r>
-                      <a:endParaRPr lang="en-US" sz="900" b="0" i="0" spc="0">
-                        <a:latin typeface="Adobe Clean Light" panose="020B0303020404020204" pitchFamily="34" charset="0"/>
-                        <a:cs typeface="AdobeClean-Light"/>
-                      </a:endParaRPr>
                     </a:p>
                   </a:txBody>
                   <a:tcPr marL="0" marR="0" marT="1905" marB="0">
@@ -3568,7 +2995,7 @@
                     <a:bodyPr/>
                     <a:lstStyle/>
                     <a:p>
-                      <a:pPr marL="340360" marR="203200" indent="-193040" algn="ctr">
+                      <a:pPr marL="171450" marR="203200" indent="-23813" algn="ctr">
                         <a:lnSpc>
                           <a:spcPct val="100000"/>
                         </a:lnSpc>
@@ -3577,72 +3004,40 @@
                         </a:spcBef>
                       </a:pPr>
                       <a:r>
-                        <a:rPr lang="en-US" sz="900" spc="0">
+                        <a:rPr lang="ja-JP" sz="900" dirty="0">
                           <a:solidFill>
                             <a:srgbClr val="020302"/>
                           </a:solidFill>
-                          <a:latin typeface="AdobeClean-Light"/>
+                          <a:latin typeface="Adobe Clean Han Regular" panose="020B0500000000000000" pitchFamily="34" charset="-128"/>
+                          <a:ea typeface="Adobe Clean Han Regular" panose="020B0500000000000000" pitchFamily="34" charset="-128"/>
                           <a:cs typeface="AdobeClean-Light"/>
                         </a:rPr>
-                        <a:t>  </a:t>
+                        <a:t>営業日／</a:t>
                       </a:r>
-                      <a:r>
-                        <a:rPr sz="900" spc="0">
+                      <a:br>
+                        <a:rPr lang="sk-SK" altLang="ja-JP" sz="900" dirty="0">
                           <a:solidFill>
                             <a:srgbClr val="020302"/>
                           </a:solidFill>
-                          <a:latin typeface="AdobeClean-Light"/>
+                          <a:latin typeface="Adobe Clean Han Regular" panose="020B0500000000000000" pitchFamily="34" charset="-128"/>
+                          <a:ea typeface="Adobe Clean Han Regular" panose="020B0500000000000000" pitchFamily="34" charset="-128"/>
                           <a:cs typeface="AdobeClean-Light"/>
                         </a:rPr>
-                        <a:t>Business</a:t>
-                      </a:r>
+                      </a:br>
                       <a:r>
-                        <a:rPr lang="en-US" sz="900" spc="0">
+                        <a:rPr lang="ja-JP" sz="900" dirty="0">
                           <a:solidFill>
                             <a:srgbClr val="020302"/>
                           </a:solidFill>
-                          <a:latin typeface="AdobeClean-Light"/>
+                          <a:latin typeface="Adobe Clean Han Regular" panose="020B0500000000000000" pitchFamily="34" charset="-128"/>
+                          <a:ea typeface="Adobe Clean Han Regular" panose="020B0500000000000000" pitchFamily="34" charset="-128"/>
                           <a:cs typeface="AdobeClean-Light"/>
                         </a:rPr>
-                        <a:t> </a:t>
+                        <a:t>3 日</a:t>
                       </a:r>
-                      <a:r>
-                        <a:rPr sz="900" spc="0">
-                          <a:solidFill>
-                            <a:srgbClr val="020302"/>
-                          </a:solidFill>
-                          <a:latin typeface="AdobeClean-Light"/>
-                          <a:cs typeface="AdobeClean-Light"/>
-                        </a:rPr>
-                        <a:t>days</a:t>
-                      </a:r>
-                      <a:r>
-                        <a:rPr lang="en-US" sz="900" spc="0">
-                          <a:solidFill>
-                            <a:srgbClr val="020302"/>
-                          </a:solidFill>
-                          <a:latin typeface="AdobeClean-Light"/>
-                          <a:cs typeface="AdobeClean-Light"/>
-                        </a:rPr>
-                        <a:t> / </a:t>
-                      </a:r>
-                      <a:r>
-                        <a:rPr sz="900" spc="0">
-                          <a:solidFill>
-                            <a:srgbClr val="020302"/>
-                          </a:solidFill>
-                          <a:latin typeface="AdobeClean-Light"/>
-                          <a:cs typeface="AdobeClean-Light"/>
-                        </a:rPr>
-                        <a:t>3 days</a:t>
-                      </a:r>
-                      <a:endParaRPr sz="900" spc="0">
-                        <a:latin typeface="AdobeClean-Light"/>
-                        <a:cs typeface="AdobeClean-Light"/>
-                      </a:endParaRPr>
                     </a:p>
                   </a:txBody>
-                  <a:tcPr marL="0" marR="0" marT="91440" marB="91440" anchor="ctr" anchorCtr="1">
+                  <a:tcPr anchor="ctr">
                     <a:lnL w="3175">
                       <a:solidFill>
                         <a:srgbClr val="B7B8B8"/>
@@ -3674,7 +3069,7 @@
                     <a:bodyPr/>
                     <a:lstStyle/>
                     <a:p>
-                      <a:pPr marL="370840" marR="223520" indent="-202565" algn="ctr">
+                      <a:pPr marL="171450" marR="223520" indent="-3175" algn="ctr">
                         <a:lnSpc>
                           <a:spcPct val="100000"/>
                         </a:lnSpc>
@@ -3683,82 +3078,40 @@
                         </a:spcBef>
                       </a:pPr>
                       <a:r>
-                        <a:rPr sz="900" spc="0">
+                        <a:rPr lang="ja-JP" sz="900" dirty="0">
                           <a:solidFill>
                             <a:srgbClr val="020302"/>
                           </a:solidFill>
-                          <a:latin typeface="AdobeClean-Light"/>
+                          <a:latin typeface="Adobe Clean Han Regular" panose="020B0500000000000000" pitchFamily="34" charset="-128"/>
+                          <a:ea typeface="Adobe Clean Han Regular" panose="020B0500000000000000" pitchFamily="34" charset="-128"/>
                           <a:cs typeface="AdobeClean-Light"/>
                         </a:rPr>
-                        <a:t>Business</a:t>
+                        <a:t>営業日／ </a:t>
                       </a:r>
+                    </a:p>
+                    <a:p>
+                      <a:pPr marL="171450" marR="223520" indent="-3175" algn="ctr">
+                        <a:lnSpc>
+                          <a:spcPct val="100000"/>
+                        </a:lnSpc>
+                        <a:spcBef>
+                          <a:spcPts val="155"/>
+                        </a:spcBef>
+                      </a:pPr>
                       <a:r>
-                        <a:rPr lang="en-US" sz="900" spc="0">
+                        <a:rPr lang="ja-JP" sz="900" dirty="0">
                           <a:solidFill>
                             <a:srgbClr val="020302"/>
                           </a:solidFill>
-                          <a:latin typeface="AdobeClean-Light"/>
+                          <a:latin typeface="Adobe Clean Han Regular" panose="020B0500000000000000" pitchFamily="34" charset="-128"/>
+                          <a:ea typeface="Adobe Clean Han Regular" panose="020B0500000000000000" pitchFamily="34" charset="-128"/>
                           <a:cs typeface="AdobeClean-Light"/>
                         </a:rPr>
-                        <a:t> </a:t>
+                        <a:t>  1 日</a:t>
                       </a:r>
-                      <a:r>
-                        <a:rPr sz="900" spc="0">
-                          <a:solidFill>
-                            <a:srgbClr val="020302"/>
-                          </a:solidFill>
-                          <a:latin typeface="AdobeClean-Light"/>
-                          <a:cs typeface="AdobeClean-Light"/>
-                        </a:rPr>
-                        <a:t>day</a:t>
-                      </a:r>
-                      <a:r>
-                        <a:rPr lang="en-US" sz="900" spc="0">
-                          <a:solidFill>
-                            <a:srgbClr val="020302"/>
-                          </a:solidFill>
-                          <a:latin typeface="AdobeClean-Light"/>
-                          <a:cs typeface="AdobeClean-Light"/>
-                        </a:rPr>
-                        <a:t>s </a:t>
-                      </a:r>
-                      <a:r>
-                        <a:rPr sz="900" spc="0">
-                          <a:solidFill>
-                            <a:srgbClr val="020302"/>
-                          </a:solidFill>
-                          <a:latin typeface="AdobeClean-Light"/>
-                          <a:cs typeface="AdobeClean-Light"/>
-                        </a:rPr>
-                        <a:t>/</a:t>
-                      </a:r>
-                      <a:r>
-                        <a:rPr lang="en-US" sz="900" spc="0">
-                          <a:solidFill>
-                            <a:srgbClr val="020302"/>
-                          </a:solidFill>
-                          <a:latin typeface="AdobeClean-Light"/>
-                          <a:cs typeface="AdobeClean-Light"/>
-                        </a:rPr>
-                        <a:t> </a:t>
-                      </a:r>
-                      <a:r>
-                        <a:rPr sz="900" spc="0">
-                          <a:solidFill>
-                            <a:srgbClr val="020302"/>
-                          </a:solidFill>
-                          <a:latin typeface="AdobeClean-Light"/>
-                          <a:cs typeface="AdobeClean-Light"/>
-                        </a:rPr>
-                        <a:t>1 day</a:t>
-                      </a:r>
-                      <a:endParaRPr sz="900" spc="0">
-                        <a:latin typeface="AdobeClean-Light"/>
-                        <a:cs typeface="AdobeClean-Light"/>
-                      </a:endParaRPr>
                     </a:p>
                   </a:txBody>
-                  <a:tcPr marL="0" marR="0" marT="91440" marB="91440" anchor="ctr" anchorCtr="1">
+                  <a:tcPr anchor="ctr">
                     <a:lnL w="3175">
                       <a:solidFill>
                         <a:srgbClr val="B7B8B8"/>
@@ -3815,14 +3168,14 @@
           <p:nvPr>
             <p:extLst>
               <p:ext uri="{D42A27DB-BD31-4B8C-83A1-F6EECF244321}">
-                <p14:modId xmlns:p14="http://schemas.microsoft.com/office/powerpoint/2010/main" val="116851390"/>
+                <p14:modId xmlns:p14="http://schemas.microsoft.com/office/powerpoint/2010/main" val="1673839485"/>
               </p:ext>
             </p:extLst>
           </p:nvPr>
         </p:nvGraphicFramePr>
         <p:xfrm>
           <a:off x="121147" y="2120949"/>
-          <a:ext cx="7498851" cy="4714546"/>
+          <a:ext cx="7498851" cy="4915883"/>
         </p:xfrm>
         <a:graphic>
           <a:graphicData uri="http://schemas.openxmlformats.org/drawingml/2006/table">
@@ -3866,7 +3219,10 @@
                     <a:bodyPr/>
                     <a:lstStyle/>
                     <a:p>
-                      <a:endParaRPr lang="en-US"/>
+                      <a:endParaRPr lang="en-US" dirty="0">
+                        <a:latin typeface="Adobe Clean Han Regular" panose="020B0500000000000000" pitchFamily="34" charset="-128"/>
+                        <a:ea typeface="Adobe Clean Han Regular" panose="020B0500000000000000" pitchFamily="34" charset="-128"/>
+                      </a:endParaRPr>
                     </a:p>
                   </a:txBody>
                   <a:tcPr/>
@@ -3904,39 +3260,16 @@
                         <a:defRPr/>
                       </a:pPr>
                       <a:r>
-                        <a:rPr lang="en-US" sz="900" spc="-20">
+                        <a:rPr lang="ja-JP" sz="900" dirty="0">
                           <a:solidFill>
                             <a:srgbClr val="404040"/>
                           </a:solidFill>
-                          <a:latin typeface="Adobe Clean"/>
+                          <a:latin typeface="Adobe Clean Han Regular" panose="020B0500000000000000" pitchFamily="34" charset="-128"/>
+                          <a:ea typeface="Adobe Clean Han Regular" panose="020B0500000000000000" pitchFamily="34" charset="-128"/>
                           <a:cs typeface="Adobe Clean"/>
                         </a:rPr>
-                        <a:t>Online </a:t>
+                        <a:t>オンラインサポート</a:t>
                       </a:r>
-                      <a:r>
-                        <a:rPr lang="en-US" sz="900" spc="-135">
-                          <a:solidFill>
-                            <a:srgbClr val="404040"/>
-                          </a:solidFill>
-                          <a:latin typeface="Adobe Clean"/>
-                          <a:cs typeface="Adobe Clean"/>
-                        </a:rPr>
-                        <a:t> </a:t>
-                      </a:r>
-                      <a:r>
-                        <a:rPr lang="en-US" sz="900" spc="-20">
-                          <a:solidFill>
-                            <a:srgbClr val="404040"/>
-                          </a:solidFill>
-                          <a:latin typeface="Adobe Clean"/>
-                          <a:cs typeface="Adobe Clean"/>
-                        </a:rPr>
-                        <a:t>Support</a:t>
-                      </a:r>
-                      <a:endParaRPr lang="en-US" sz="900">
-                        <a:latin typeface="Adobe Clean"/>
-                        <a:cs typeface="Adobe Clean"/>
-                      </a:endParaRPr>
                     </a:p>
                   </a:txBody>
                   <a:tcPr marL="0" marR="0" marT="7620" marB="0" anchor="ctr">
@@ -3977,39 +3310,16 @@
                         </a:spcBef>
                       </a:pPr>
                       <a:r>
-                        <a:rPr sz="900" spc="-20">
+                        <a:rPr lang="ja-JP" sz="900" dirty="0">
                           <a:solidFill>
                             <a:srgbClr val="FFFFFF"/>
                           </a:solidFill>
-                          <a:latin typeface="Adobe Clean"/>
+                          <a:latin typeface="Adobe Clean Han Regular" panose="020B0500000000000000" pitchFamily="34" charset="-128"/>
+                          <a:ea typeface="Adobe Clean Han Regular" panose="020B0500000000000000" pitchFamily="34" charset="-128"/>
                           <a:cs typeface="Adobe Clean"/>
                         </a:rPr>
-                        <a:t>Business</a:t>
+                        <a:t>ビジネスサポート</a:t>
                       </a:r>
-                      <a:r>
-                        <a:rPr lang="en-US" sz="900" spc="-20">
-                          <a:solidFill>
-                            <a:srgbClr val="FFFFFF"/>
-                          </a:solidFill>
-                          <a:latin typeface="Adobe Clean"/>
-                          <a:cs typeface="Adobe Clean"/>
-                        </a:rPr>
-                        <a:t> </a:t>
-                      </a:r>
-                      <a:r>
-                        <a:rPr sz="900" spc="-20">
-                          <a:solidFill>
-                            <a:srgbClr val="FFFFFF"/>
-                          </a:solidFill>
-                          <a:latin typeface="Adobe Clean"/>
-                          <a:cs typeface="Adobe Clean"/>
-                        </a:rPr>
-                        <a:t>Support</a:t>
-                      </a:r>
-                      <a:endParaRPr sz="900">
-                        <a:latin typeface="Adobe Clean"/>
-                        <a:cs typeface="Adobe Clean"/>
-                      </a:endParaRPr>
                     </a:p>
                   </a:txBody>
                   <a:tcPr marL="0" marR="0" marT="7620" marB="0" anchor="ctr">
@@ -4054,7 +3364,10 @@
                     <a:bodyPr/>
                     <a:lstStyle/>
                     <a:p>
-                      <a:endParaRPr lang="en-US"/>
+                      <a:endParaRPr lang="en-US">
+                        <a:latin typeface="Adobe Clean Han Regular" panose="020B0500000000000000" pitchFamily="34" charset="-128"/>
+                        <a:ea typeface="Adobe Clean Han Regular" panose="020B0500000000000000" pitchFamily="34" charset="-128"/>
+                      </a:endParaRPr>
                     </a:p>
                   </a:txBody>
                   <a:tcPr/>
@@ -4074,7 +3387,7 @@
                     <a:bodyPr/>
                     <a:lstStyle/>
                     <a:p>
-                      <a:pPr marL="0" marR="0" lvl="0" indent="0" algn="ctr" defTabSz="914400" eaLnBrk="1" fontAlgn="auto" latinLnBrk="0" hangingPunct="1">
+                      <a:pPr marL="0" marR="0" lvl="0" indent="0" algn="l" defTabSz="914400" rtl="0" eaLnBrk="1" fontAlgn="auto" latinLnBrk="0" hangingPunct="1">
                         <a:lnSpc>
                           <a:spcPct val="100000"/>
                         </a:lnSpc>
@@ -4091,11 +3404,12 @@
                         <a:tabLst/>
                         <a:defRPr/>
                       </a:pPr>
-                      <a:endParaRPr lang="en-US" sz="800" i="1">
+                      <a:endParaRPr lang="en-US" sz="800" i="1" dirty="0">
                         <a:solidFill>
                           <a:sysClr val="windowText" lastClr="000000"/>
                         </a:solidFill>
-                        <a:latin typeface="Adobe Clean Light" panose="020B0303020404020204" pitchFamily="34" charset="0"/>
+                        <a:latin typeface="Adobe Clean Han Regular" panose="020B0500000000000000" pitchFamily="34" charset="-128"/>
+                        <a:ea typeface="Adobe Clean Han Regular" panose="020B0500000000000000" pitchFamily="34" charset="-128"/>
                       </a:endParaRPr>
                     </a:p>
                   </a:txBody>
@@ -4155,13 +3469,14 @@
                         <a:defRPr/>
                       </a:pPr>
                       <a:r>
-                        <a:rPr lang="en-US" sz="800" i="1">
+                        <a:rPr lang="ja-JP" sz="800" i="1" dirty="0">
                           <a:solidFill>
                             <a:schemeClr val="bg1"/>
                           </a:solidFill>
-                          <a:latin typeface="Adobe Clean Light" panose="020B0303020404020204" pitchFamily="34" charset="0"/>
+                          <a:latin typeface="Adobe Clean Han Regular" panose="020B0500000000000000" pitchFamily="34" charset="-128"/>
+                          <a:ea typeface="Adobe Clean Han Regular" panose="020B0500000000000000" pitchFamily="34" charset="-128"/>
                         </a:rPr>
-                        <a:t>Paid Support ($)</a:t>
+                        <a:t>有償サポート（$）</a:t>
                       </a:r>
                     </a:p>
                   </a:txBody>
@@ -4225,22 +3540,16 @@
                         </a:spcBef>
                       </a:pPr>
                       <a:r>
-                        <a:rPr lang="en-US" sz="1000" b="1" i="0" spc="0">
+                        <a:rPr lang="ja-JP" sz="1000" b="1" i="0" dirty="0">
                           <a:solidFill>
                             <a:schemeClr val="bg1"/>
                           </a:solidFill>
-                          <a:latin typeface="Adobe Clean" panose="020B0503020404020204" pitchFamily="34" charset="0"/>
+                          <a:latin typeface="Adobe Clean Han Regular" panose="020B0500000000000000" pitchFamily="34" charset="-128"/>
+                          <a:ea typeface="Adobe Clean Han Regular" panose="020B0500000000000000" pitchFamily="34" charset="-128"/>
                           <a:cs typeface="AdobeClean-Light"/>
                         </a:rPr>
-                        <a:t>Assigned Experts</a:t>
+                        <a:t>担当エキスパート</a:t>
                       </a:r>
-                      <a:endParaRPr sz="1000" b="1" i="0" spc="0">
-                        <a:solidFill>
-                          <a:schemeClr val="bg1"/>
-                        </a:solidFill>
-                        <a:latin typeface="Adobe Clean" panose="020B0503020404020204" pitchFamily="34" charset="0"/>
-                        <a:cs typeface="AdobeClean-Light"/>
-                      </a:endParaRPr>
                     </a:p>
                   </a:txBody>
                   <a:tcPr marL="0" marR="0" marT="58419" marB="0" anchor="ctr">
@@ -4287,19 +3596,16 @@
                         </a:spcBef>
                       </a:pPr>
                       <a:r>
-                        <a:rPr sz="900" spc="0">
+                        <a:rPr lang="ja-JP" sz="900">
                           <a:solidFill>
                             <a:srgbClr val="020302"/>
                           </a:solidFill>
-                          <a:latin typeface="AdobeClean-Light"/>
+                          <a:latin typeface="Adobe Clean Han Regular" panose="020B0500000000000000" pitchFamily="34" charset="-128"/>
+                          <a:ea typeface="Adobe Clean Han Regular" panose="020B0500000000000000" pitchFamily="34" charset="-128"/>
                           <a:cs typeface="AdobeClean-Light"/>
                         </a:rPr>
-                        <a:t>Account Support Lead</a:t>
+                        <a:t>アカウントサポートリード</a:t>
                       </a:r>
-                      <a:endParaRPr sz="900" spc="0">
-                        <a:latin typeface="AdobeClean-Light"/>
-                        <a:cs typeface="AdobeClean-Light"/>
-                      </a:endParaRPr>
                     </a:p>
                   </a:txBody>
                   <a:tcPr marL="0" marR="0" marT="58419" marB="0">
@@ -4334,7 +3640,7 @@
                     <a:bodyPr/>
                     <a:lstStyle/>
                     <a:p>
-                      <a:pPr algn="ctr">
+                      <a:pPr algn="l" rtl="0">
                         <a:lnSpc>
                           <a:spcPct val="100000"/>
                         </a:lnSpc>
@@ -4343,7 +3649,8 @@
                         </a:spcBef>
                       </a:pPr>
                       <a:endParaRPr sz="900">
-                        <a:latin typeface="Wingdings"/>
+                        <a:latin typeface="Adobe Clean Han Regular" panose="020B0500000000000000" pitchFamily="34" charset="-128"/>
+                        <a:ea typeface="Adobe Clean Han Regular" panose="020B0500000000000000" pitchFamily="34" charset="-128"/>
                         <a:cs typeface="Wingdings"/>
                       </a:endParaRPr>
                     </a:p>
@@ -4384,19 +3691,16 @@
                         </a:spcBef>
                       </a:pPr>
                       <a:r>
-                        <a:rPr sz="900">
+                        <a:rPr lang="ja-JP" sz="900">
                           <a:solidFill>
                             <a:srgbClr val="020302"/>
                           </a:solidFill>
-                          <a:latin typeface="Wingdings"/>
+                          <a:latin typeface="Adobe Clean Han Regular" panose="020B0500000000000000" pitchFamily="34" charset="-128"/>
+                          <a:ea typeface="Adobe Clean Han Regular" panose="020B0500000000000000" pitchFamily="34" charset="-128"/>
                           <a:cs typeface="Wingdings"/>
                         </a:rPr>
                         <a:t></a:t>
                       </a:r>
-                      <a:endParaRPr sz="900">
-                        <a:latin typeface="Wingdings"/>
-                        <a:cs typeface="Wingdings"/>
-                      </a:endParaRPr>
                     </a:p>
                   </a:txBody>
                   <a:tcPr marL="0" marR="0" marT="59690" marB="0" anchor="ctr">
@@ -4428,7 +3732,7 @@
                     <a:bodyPr/>
                     <a:lstStyle/>
                     <a:p>
-                      <a:pPr marL="50800">
+                      <a:pPr marL="50800" algn="l" rtl="0">
                         <a:lnSpc>
                           <a:spcPct val="100000"/>
                         </a:lnSpc>
@@ -4474,19 +3778,16 @@
                         </a:spcBef>
                       </a:pPr>
                       <a:r>
-                        <a:rPr sz="900" spc="0">
+                        <a:rPr lang="ja-JP" sz="900">
                           <a:solidFill>
                             <a:srgbClr val="020302"/>
                           </a:solidFill>
-                          <a:latin typeface="AdobeClean-Light"/>
+                          <a:latin typeface="Adobe Clean Han Regular" panose="020B0500000000000000" pitchFamily="34" charset="-128"/>
+                          <a:ea typeface="Adobe Clean Han Regular" panose="020B0500000000000000" pitchFamily="34" charset="-128"/>
                           <a:cs typeface="AdobeClean-Light"/>
                         </a:rPr>
-                        <a:t>Named Support Engineer</a:t>
+                        <a:t>専任サポートエンジニア</a:t>
                       </a:r>
-                      <a:endParaRPr sz="900" spc="0">
-                        <a:latin typeface="AdobeClean-Light"/>
-                        <a:cs typeface="AdobeClean-Light"/>
-                      </a:endParaRPr>
                     </a:p>
                   </a:txBody>
                   <a:tcPr marL="0" marR="0" marT="58419" marB="0">
@@ -4509,13 +3810,14 @@
                     <a:bodyPr/>
                     <a:lstStyle/>
                     <a:p>
-                      <a:pPr algn="ctr">
+                      <a:pPr algn="l" rtl="0">
                         <a:lnSpc>
                           <a:spcPct val="100000"/>
                         </a:lnSpc>
                       </a:pPr>
                       <a:endParaRPr sz="900">
-                        <a:latin typeface="Times New Roman"/>
+                        <a:latin typeface="Adobe Clean Han Regular" panose="020B0500000000000000" pitchFamily="34" charset="-128"/>
+                        <a:ea typeface="Adobe Clean Han Regular" panose="020B0500000000000000" pitchFamily="34" charset="-128"/>
                         <a:cs typeface="Times New Roman"/>
                       </a:endParaRPr>
                     </a:p>
@@ -4538,13 +3840,14 @@
                     <a:bodyPr/>
                     <a:lstStyle/>
                     <a:p>
-                      <a:pPr algn="ctr">
+                      <a:pPr algn="l" rtl="0">
                         <a:lnSpc>
                           <a:spcPct val="100000"/>
                         </a:lnSpc>
                       </a:pPr>
                       <a:endParaRPr sz="900">
-                        <a:latin typeface="Times New Roman"/>
+                        <a:latin typeface="Adobe Clean Han Regular" panose="020B0500000000000000" pitchFamily="34" charset="-128"/>
+                        <a:ea typeface="Adobe Clean Han Regular" panose="020B0500000000000000" pitchFamily="34" charset="-128"/>
                         <a:cs typeface="Times New Roman"/>
                       </a:endParaRPr>
                     </a:p>
@@ -4569,7 +3872,7 @@
                     <a:bodyPr/>
                     <a:lstStyle/>
                     <a:p>
-                      <a:pPr marL="50800">
+                      <a:pPr marL="50800" algn="l" rtl="0">
                         <a:lnSpc>
                           <a:spcPct val="100000"/>
                         </a:lnSpc>
@@ -4627,19 +3930,16 @@
                         </a:spcBef>
                       </a:pPr>
                       <a:r>
-                        <a:rPr sz="900" spc="0">
+                        <a:rPr lang="ja-JP" sz="900">
                           <a:solidFill>
                             <a:srgbClr val="020302"/>
                           </a:solidFill>
-                          <a:latin typeface="AdobeClean-Light"/>
+                          <a:latin typeface="Adobe Clean Han Regular" panose="020B0500000000000000" pitchFamily="34" charset="-128"/>
+                          <a:ea typeface="Adobe Clean Han Regular" panose="020B0500000000000000" pitchFamily="34" charset="-128"/>
                           <a:cs typeface="AdobeClean-Light"/>
                         </a:rPr>
-                        <a:t>Technical Account Manager</a:t>
+                        <a:t>テクニカルアカウントマネージャー</a:t>
                       </a:r>
-                      <a:endParaRPr sz="900" spc="0">
-                        <a:latin typeface="AdobeClean-Light"/>
-                        <a:cs typeface="AdobeClean-Light"/>
-                      </a:endParaRPr>
                     </a:p>
                   </a:txBody>
                   <a:tcPr marL="0" marR="0" marT="63500" marB="0">
@@ -4668,13 +3968,14 @@
                     <a:bodyPr/>
                     <a:lstStyle/>
                     <a:p>
-                      <a:pPr algn="ctr">
+                      <a:pPr algn="l" rtl="0">
                         <a:lnSpc>
                           <a:spcPct val="100000"/>
                         </a:lnSpc>
                       </a:pPr>
                       <a:endParaRPr sz="900">
-                        <a:latin typeface="Times New Roman"/>
+                        <a:latin typeface="Adobe Clean Han Regular" panose="020B0500000000000000" pitchFamily="34" charset="-128"/>
+                        <a:ea typeface="Adobe Clean Han Regular" panose="020B0500000000000000" pitchFamily="34" charset="-128"/>
                         <a:cs typeface="Times New Roman"/>
                       </a:endParaRPr>
                     </a:p>
@@ -4706,13 +4007,14 @@
                     <a:bodyPr/>
                     <a:lstStyle/>
                     <a:p>
-                      <a:pPr algn="ctr">
+                      <a:pPr algn="l" rtl="0">
                         <a:lnSpc>
                           <a:spcPct val="100000"/>
                         </a:lnSpc>
                       </a:pPr>
                       <a:endParaRPr sz="900">
-                        <a:latin typeface="Times New Roman"/>
+                        <a:latin typeface="Adobe Clean Han Regular" panose="020B0500000000000000" pitchFamily="34" charset="-128"/>
+                        <a:ea typeface="Adobe Clean Han Regular" panose="020B0500000000000000" pitchFamily="34" charset="-128"/>
                         <a:cs typeface="Times New Roman"/>
                       </a:endParaRPr>
                     </a:p>
@@ -4755,22 +4057,16 @@
                         </a:spcBef>
                       </a:pPr>
                       <a:r>
-                        <a:rPr lang="en-US" sz="1000" b="1" i="0" spc="0">
+                        <a:rPr lang="ja-JP" sz="1000" b="1" i="0" dirty="0">
                           <a:solidFill>
                             <a:schemeClr val="bg1"/>
                           </a:solidFill>
-                          <a:latin typeface="Adobe Clean" panose="020B0503020404020204" pitchFamily="34" charset="0"/>
+                          <a:latin typeface="Adobe Clean Han Regular" panose="020B0500000000000000" pitchFamily="34" charset="-128"/>
+                          <a:ea typeface="Adobe Clean Han Regular" panose="020B0500000000000000" pitchFamily="34" charset="-128"/>
                           <a:cs typeface="AdobeClean-Light"/>
                         </a:rPr>
-                        <a:t>Support Services</a:t>
+                        <a:t>サポートサービス</a:t>
                       </a:r>
-                      <a:endParaRPr sz="1000" b="1" i="0" spc="0">
-                        <a:solidFill>
-                          <a:schemeClr val="bg1"/>
-                        </a:solidFill>
-                        <a:latin typeface="Adobe Clean" panose="020B0503020404020204" pitchFamily="34" charset="0"/>
-                        <a:cs typeface="AdobeClean-Light"/>
-                      </a:endParaRPr>
                     </a:p>
                   </a:txBody>
                   <a:tcPr marL="0" marR="0" marT="57150" marB="0" anchor="ctr">
@@ -4826,29 +4122,16 @@
                         </a:spcBef>
                       </a:pPr>
                       <a:r>
-                        <a:rPr lang="en-US" sz="900" spc="0">
+                        <a:rPr lang="ja-JP" sz="900">
                           <a:solidFill>
                             <a:srgbClr val="020302"/>
                           </a:solidFill>
-                          <a:latin typeface="AdobeClean-Light"/>
+                          <a:latin typeface="Adobe Clean Han Regular" panose="020B0500000000000000" pitchFamily="34" charset="-128"/>
+                          <a:ea typeface="Adobe Clean Han Regular" panose="020B0500000000000000" pitchFamily="34" charset="-128"/>
                           <a:cs typeface="AdobeClean-Light"/>
                         </a:rPr>
-                        <a:t>Online</a:t>
+                        <a:t>オンラインサポート</a:t>
                       </a:r>
-                      <a:r>
-                        <a:rPr sz="900" spc="0">
-                          <a:solidFill>
-                            <a:srgbClr val="020302"/>
-                          </a:solidFill>
-                          <a:latin typeface="AdobeClean-Light"/>
-                          <a:cs typeface="AdobeClean-Light"/>
-                        </a:rPr>
-                        <a:t> Support</a:t>
-                      </a:r>
-                      <a:endParaRPr sz="900" spc="0">
-                        <a:latin typeface="AdobeClean-Light"/>
-                        <a:cs typeface="AdobeClean-Light"/>
-                      </a:endParaRPr>
                     </a:p>
                   </a:txBody>
                   <a:tcPr marL="0" marR="0" marT="57150" marB="0">
@@ -4886,39 +4169,16 @@
                         </a:spcBef>
                       </a:pPr>
                       <a:r>
-                        <a:rPr sz="900" spc="-25">
+                        <a:rPr lang="ja-JP" sz="900">
                           <a:solidFill>
                             <a:srgbClr val="020302"/>
                           </a:solidFill>
-                          <a:latin typeface="AdobeClean-Light"/>
+                          <a:latin typeface="Adobe Clean Han Regular" panose="020B0500000000000000" pitchFamily="34" charset="-128"/>
+                          <a:ea typeface="Adobe Clean Han Regular" panose="020B0500000000000000" pitchFamily="34" charset="-128"/>
                           <a:cs typeface="AdobeClean-Light"/>
                         </a:rPr>
-                        <a:t>Business</a:t>
+                        <a:t>営業時間</a:t>
                       </a:r>
-                      <a:r>
-                        <a:rPr sz="900" spc="-15">
-                          <a:solidFill>
-                            <a:srgbClr val="020302"/>
-                          </a:solidFill>
-                          <a:latin typeface="AdobeClean-Light"/>
-                          <a:cs typeface="AdobeClean-Light"/>
-                        </a:rPr>
-                        <a:t> </a:t>
-                      </a:r>
-                      <a:r>
-                        <a:rPr sz="900" spc="-30">
-                          <a:solidFill>
-                            <a:srgbClr val="020302"/>
-                          </a:solidFill>
-                          <a:latin typeface="AdobeClean-Light"/>
-                          <a:cs typeface="AdobeClean-Light"/>
-                        </a:rPr>
-                        <a:t>hours</a:t>
-                      </a:r>
-                      <a:endParaRPr sz="900">
-                        <a:latin typeface="AdobeClean-Light"/>
-                        <a:cs typeface="AdobeClean-Light"/>
-                      </a:endParaRPr>
                     </a:p>
                   </a:txBody>
                   <a:tcPr marL="0" marR="0" marT="67945" marB="0">
@@ -4957,39 +4217,16 @@
                         </a:spcBef>
                       </a:pPr>
                       <a:r>
-                        <a:rPr sz="900" spc="-25">
+                        <a:rPr lang="ja-JP" sz="900">
                           <a:solidFill>
                             <a:srgbClr val="020302"/>
                           </a:solidFill>
-                          <a:latin typeface="AdobeClean-Light"/>
+                          <a:latin typeface="Adobe Clean Han Regular" panose="020B0500000000000000" pitchFamily="34" charset="-128"/>
+                          <a:ea typeface="Adobe Clean Han Regular" panose="020B0500000000000000" pitchFamily="34" charset="-128"/>
                           <a:cs typeface="AdobeClean-Light"/>
                         </a:rPr>
-                        <a:t>Business</a:t>
+                        <a:t>営業時間</a:t>
                       </a:r>
-                      <a:r>
-                        <a:rPr sz="900" spc="-15">
-                          <a:solidFill>
-                            <a:srgbClr val="020302"/>
-                          </a:solidFill>
-                          <a:latin typeface="AdobeClean-Light"/>
-                          <a:cs typeface="AdobeClean-Light"/>
-                        </a:rPr>
-                        <a:t> </a:t>
-                      </a:r>
-                      <a:r>
-                        <a:rPr sz="900" spc="-30">
-                          <a:solidFill>
-                            <a:srgbClr val="020302"/>
-                          </a:solidFill>
-                          <a:latin typeface="AdobeClean-Light"/>
-                          <a:cs typeface="AdobeClean-Light"/>
-                        </a:rPr>
-                        <a:t>hours</a:t>
-                      </a:r>
-                      <a:endParaRPr sz="900">
-                        <a:latin typeface="AdobeClean-Light"/>
-                        <a:cs typeface="AdobeClean-Light"/>
-                      </a:endParaRPr>
                     </a:p>
                   </a:txBody>
                   <a:tcPr marL="0" marR="0" marT="67945" marB="0">
@@ -5021,7 +4258,7 @@
                     <a:bodyPr/>
                     <a:lstStyle/>
                     <a:p>
-                      <a:pPr marL="50800">
+                      <a:pPr marL="50800" algn="l" rtl="0">
                         <a:lnSpc>
                           <a:spcPct val="100000"/>
                         </a:lnSpc>
@@ -5070,39 +4307,16 @@
                         </a:spcBef>
                       </a:pPr>
                       <a:r>
-                        <a:rPr sz="900" spc="0">
+                        <a:rPr lang="ja-JP" sz="900">
                           <a:solidFill>
                             <a:srgbClr val="020302"/>
                           </a:solidFill>
-                          <a:latin typeface="AdobeClean-Light"/>
+                          <a:latin typeface="Adobe Clean Han Regular" panose="020B0500000000000000" pitchFamily="34" charset="-128"/>
+                          <a:ea typeface="Adobe Clean Han Regular" panose="020B0500000000000000" pitchFamily="34" charset="-128"/>
                           <a:cs typeface="AdobeClean-Light"/>
                         </a:rPr>
-                        <a:t>24x7</a:t>
+                        <a:t>24 時間年中無休の P1 の問題のサポート</a:t>
                       </a:r>
-                      <a:r>
-                        <a:rPr lang="en-US" sz="900" spc="0">
-                          <a:solidFill>
-                            <a:srgbClr val="020302"/>
-                          </a:solidFill>
-                          <a:latin typeface="AdobeClean-Light"/>
-                          <a:cs typeface="AdobeClean-Light"/>
-                        </a:rPr>
-                        <a:t>x365</a:t>
-                      </a:r>
-                      <a:r>
-                        <a:rPr sz="900" spc="0">
-                          <a:solidFill>
-                            <a:srgbClr val="020302"/>
-                          </a:solidFill>
-                          <a:latin typeface="AdobeClean-Light"/>
-                          <a:cs typeface="AdobeClean-Light"/>
-                        </a:rPr>
-                        <a:t> P1 Issue Support</a:t>
-                      </a:r>
-                      <a:endParaRPr sz="900" spc="0">
-                        <a:latin typeface="AdobeClean-Light"/>
-                        <a:cs typeface="AdobeClean-Light"/>
-                      </a:endParaRPr>
                     </a:p>
                   </a:txBody>
                   <a:tcPr marL="0" marR="0" marT="57785" marB="0">
@@ -5134,19 +4348,16 @@
                         </a:spcBef>
                       </a:pPr>
                       <a:r>
-                        <a:rPr sz="900">
+                        <a:rPr lang="ja-JP" sz="900" dirty="0">
                           <a:solidFill>
                             <a:srgbClr val="020302"/>
                           </a:solidFill>
-                          <a:latin typeface="Wingdings"/>
+                          <a:latin typeface="Adobe Clean Han Regular" panose="020B0500000000000000" pitchFamily="34" charset="-128"/>
+                          <a:ea typeface="Adobe Clean Han Regular" panose="020B0500000000000000" pitchFamily="34" charset="-128"/>
                           <a:cs typeface="Wingdings"/>
                         </a:rPr>
                         <a:t></a:t>
                       </a:r>
-                      <a:endParaRPr sz="900">
-                        <a:latin typeface="Wingdings"/>
-                        <a:cs typeface="Wingdings"/>
-                      </a:endParaRPr>
                     </a:p>
                   </a:txBody>
                   <a:tcPr marL="0" marR="0" marT="58419" marB="0">
@@ -5176,19 +4387,16 @@
                         </a:spcBef>
                       </a:pPr>
                       <a:r>
-                        <a:rPr sz="900">
+                        <a:rPr lang="ja-JP" sz="900" dirty="0">
                           <a:solidFill>
                             <a:srgbClr val="020302"/>
                           </a:solidFill>
-                          <a:latin typeface="Wingdings"/>
+                          <a:latin typeface="Adobe Clean Han Regular" panose="020B0500000000000000" pitchFamily="34" charset="-128"/>
+                          <a:ea typeface="Adobe Clean Han Regular" panose="020B0500000000000000" pitchFamily="34" charset="-128"/>
                           <a:cs typeface="Wingdings"/>
                         </a:rPr>
                         <a:t></a:t>
                       </a:r>
-                      <a:endParaRPr sz="900">
-                        <a:latin typeface="Wingdings"/>
-                        <a:cs typeface="Wingdings"/>
-                      </a:endParaRPr>
                     </a:p>
                   </a:txBody>
                   <a:tcPr marL="0" marR="0" marT="58419" marB="0">
@@ -5211,7 +4419,7 @@
                     <a:bodyPr/>
                     <a:lstStyle/>
                     <a:p>
-                      <a:pPr marL="50800">
+                      <a:pPr marL="50800" algn="l" rtl="0">
                         <a:lnSpc>
                           <a:spcPct val="100000"/>
                         </a:lnSpc>
@@ -5269,19 +4477,16 @@
                         </a:spcBef>
                       </a:pPr>
                       <a:r>
-                        <a:rPr lang="en-US" sz="900" spc="0">
+                        <a:rPr lang="ja-JP" sz="900">
                           <a:solidFill>
                             <a:srgbClr val="020302"/>
                           </a:solidFill>
-                          <a:latin typeface="AdobeClean-Light"/>
+                          <a:latin typeface="Adobe Clean Han Regular" panose="020B0500000000000000" pitchFamily="34" charset="-128"/>
+                          <a:ea typeface="Adobe Clean Han Regular" panose="020B0500000000000000" pitchFamily="34" charset="-128"/>
                           <a:cs typeface="AdobeClean-Light"/>
                         </a:rPr>
-                        <a:t>Named Support Contacts (per product)</a:t>
+                        <a:t>サポート対象ユーザー（製品単位）</a:t>
                       </a:r>
-                      <a:endParaRPr sz="900" spc="0">
-                        <a:latin typeface="AdobeClean-Light"/>
-                        <a:cs typeface="AdobeClean-Light"/>
-                      </a:endParaRPr>
                     </a:p>
                   </a:txBody>
                   <a:tcPr marL="0" marR="0" marT="57785" marB="0">
@@ -5319,19 +4524,16 @@
                         </a:spcBef>
                       </a:pPr>
                       <a:r>
-                        <a:rPr sz="900">
+                        <a:rPr lang="ja-JP" sz="900">
                           <a:solidFill>
                             <a:srgbClr val="020302"/>
                           </a:solidFill>
-                          <a:latin typeface="AdobeClean-Light"/>
+                          <a:latin typeface="Adobe Clean Han Regular" panose="020B0500000000000000" pitchFamily="34" charset="-128"/>
+                          <a:ea typeface="Adobe Clean Han Regular" panose="020B0500000000000000" pitchFamily="34" charset="-128"/>
                           <a:cs typeface="AdobeClean-Light"/>
                         </a:rPr>
                         <a:t>4</a:t>
                       </a:r>
-                      <a:endParaRPr sz="900">
-                        <a:latin typeface="AdobeClean-Light"/>
-                        <a:cs typeface="AdobeClean-Light"/>
-                      </a:endParaRPr>
                     </a:p>
                   </a:txBody>
                   <a:tcPr marL="0" marR="0" marT="57785" marB="0">
@@ -5361,19 +4563,16 @@
                         </a:spcBef>
                       </a:pPr>
                       <a:r>
-                        <a:rPr sz="900">
+                        <a:rPr lang="ja-JP" sz="900">
                           <a:solidFill>
                             <a:srgbClr val="020302"/>
                           </a:solidFill>
-                          <a:latin typeface="AdobeClean-Light"/>
+                          <a:latin typeface="Adobe Clean Han Regular" panose="020B0500000000000000" pitchFamily="34" charset="-128"/>
+                          <a:ea typeface="Adobe Clean Han Regular" panose="020B0500000000000000" pitchFamily="34" charset="-128"/>
                           <a:cs typeface="AdobeClean-Light"/>
                         </a:rPr>
                         <a:t>6</a:t>
                       </a:r>
-                      <a:endParaRPr sz="900">
-                        <a:latin typeface="AdobeClean-Light"/>
-                        <a:cs typeface="AdobeClean-Light"/>
-                      </a:endParaRPr>
                     </a:p>
                   </a:txBody>
                   <a:tcPr marL="0" marR="0" marT="57785" marB="0">
@@ -5396,7 +4595,7 @@
                     <a:bodyPr/>
                     <a:lstStyle/>
                     <a:p>
-                      <a:pPr marL="50800">
+                      <a:pPr marL="50800" algn="l" rtl="0">
                         <a:lnSpc>
                           <a:spcPct val="100000"/>
                         </a:lnSpc>
@@ -5445,19 +4644,16 @@
                         </a:spcBef>
                       </a:pPr>
                       <a:r>
-                        <a:rPr lang="en-US" sz="900" spc="0">
+                        <a:rPr lang="ja-JP" sz="900">
                           <a:solidFill>
                             <a:srgbClr val="020302"/>
                           </a:solidFill>
-                          <a:latin typeface="AdobeClean-Light"/>
+                          <a:latin typeface="Adobe Clean Han Regular" panose="020B0500000000000000" pitchFamily="34" charset="-128"/>
+                          <a:ea typeface="Adobe Clean Han Regular" panose="020B0500000000000000" pitchFamily="34" charset="-128"/>
                           <a:cs typeface="AdobeClean-Light"/>
                         </a:rPr>
-                        <a:t>Live Telephone Support</a:t>
+                        <a:t>電話サポート（ライブ）</a:t>
                       </a:r>
-                      <a:endParaRPr sz="900" spc="0">
-                        <a:latin typeface="AdobeClean-Light"/>
-                        <a:cs typeface="AdobeClean-Light"/>
-                      </a:endParaRPr>
                     </a:p>
                   </a:txBody>
                   <a:tcPr marL="0" marR="0" marT="57785" marB="0">
@@ -5480,7 +4676,7 @@
                     <a:bodyPr/>
                     <a:lstStyle/>
                     <a:p>
-                      <a:pPr algn="ctr">
+                      <a:pPr algn="l" rtl="0">
                         <a:lnSpc>
                           <a:spcPct val="100000"/>
                         </a:lnSpc>
@@ -5489,7 +4685,8 @@
                         </a:spcBef>
                       </a:pPr>
                       <a:endParaRPr sz="900">
-                        <a:latin typeface="Wingdings"/>
+                        <a:latin typeface="Adobe Clean Han Regular" panose="020B0500000000000000" pitchFamily="34" charset="-128"/>
+                        <a:ea typeface="Adobe Clean Han Regular" panose="020B0500000000000000" pitchFamily="34" charset="-128"/>
                         <a:cs typeface="Wingdings"/>
                       </a:endParaRPr>
                     </a:p>
@@ -5521,19 +4718,16 @@
                         </a:spcBef>
                       </a:pPr>
                       <a:r>
-                        <a:rPr sz="900">
+                        <a:rPr lang="ja-JP" sz="900">
                           <a:solidFill>
                             <a:srgbClr val="020302"/>
                           </a:solidFill>
-                          <a:latin typeface="Wingdings"/>
+                          <a:latin typeface="Adobe Clean Han Regular" panose="020B0500000000000000" pitchFamily="34" charset="-128"/>
+                          <a:ea typeface="Adobe Clean Han Regular" panose="020B0500000000000000" pitchFamily="34" charset="-128"/>
                           <a:cs typeface="Wingdings"/>
                         </a:rPr>
                         <a:t></a:t>
                       </a:r>
-                      <a:endParaRPr sz="900">
-                        <a:latin typeface="Wingdings"/>
-                        <a:cs typeface="Wingdings"/>
-                      </a:endParaRPr>
                     </a:p>
                   </a:txBody>
                   <a:tcPr marL="0" marR="0" marT="59054" marB="0">
@@ -5556,7 +4750,7 @@
                     <a:bodyPr/>
                     <a:lstStyle/>
                     <a:p>
-                      <a:pPr marL="50800">
+                      <a:pPr marL="50800" algn="l" rtl="0">
                         <a:lnSpc>
                           <a:spcPct val="100000"/>
                         </a:lnSpc>
@@ -5605,19 +4799,16 @@
                         </a:spcBef>
                       </a:pPr>
                       <a:r>
-                        <a:rPr sz="900" spc="0">
+                        <a:rPr lang="ja-JP" sz="900" dirty="0">
                           <a:solidFill>
                             <a:srgbClr val="020302"/>
                           </a:solidFill>
-                          <a:latin typeface="AdobeClean-Light"/>
+                          <a:latin typeface="Adobe Clean Han Regular" panose="020B0500000000000000" pitchFamily="34" charset="-128"/>
+                          <a:ea typeface="Adobe Clean Han Regular" panose="020B0500000000000000" pitchFamily="34" charset="-128"/>
                           <a:cs typeface="AdobeClean-Light"/>
                         </a:rPr>
-                        <a:t>Escalation Management</a:t>
+                        <a:t>エスカレーション管理</a:t>
                       </a:r>
-                      <a:endParaRPr sz="900" spc="0">
-                        <a:latin typeface="AdobeClean-Light"/>
-                        <a:cs typeface="AdobeClean-Light"/>
-                      </a:endParaRPr>
                     </a:p>
                   </a:txBody>
                   <a:tcPr marL="0" marR="0" marT="58419" marB="0">
@@ -5640,7 +4831,7 @@
                     <a:bodyPr/>
                     <a:lstStyle/>
                     <a:p>
-                      <a:pPr algn="ctr">
+                      <a:pPr algn="l" rtl="0">
                         <a:lnSpc>
                           <a:spcPct val="100000"/>
                         </a:lnSpc>
@@ -5649,7 +4840,8 @@
                         </a:spcBef>
                       </a:pPr>
                       <a:endParaRPr sz="900">
-                        <a:latin typeface="Wingdings"/>
+                        <a:latin typeface="Adobe Clean Han Regular" panose="020B0500000000000000" pitchFamily="34" charset="-128"/>
+                        <a:ea typeface="Adobe Clean Han Regular" panose="020B0500000000000000" pitchFamily="34" charset="-128"/>
                         <a:cs typeface="Wingdings"/>
                       </a:endParaRPr>
                     </a:p>
@@ -5681,19 +4873,16 @@
                         </a:spcBef>
                       </a:pPr>
                       <a:r>
-                        <a:rPr sz="900">
+                        <a:rPr lang="ja-JP" sz="900">
                           <a:solidFill>
                             <a:srgbClr val="020302"/>
                           </a:solidFill>
-                          <a:latin typeface="Wingdings"/>
+                          <a:latin typeface="Adobe Clean Han Regular" panose="020B0500000000000000" pitchFamily="34" charset="-128"/>
+                          <a:ea typeface="Adobe Clean Han Regular" panose="020B0500000000000000" pitchFamily="34" charset="-128"/>
                           <a:cs typeface="Wingdings"/>
                         </a:rPr>
                         <a:t></a:t>
                       </a:r>
-                      <a:endParaRPr sz="900">
-                        <a:latin typeface="Wingdings"/>
-                        <a:cs typeface="Wingdings"/>
-                      </a:endParaRPr>
                     </a:p>
                   </a:txBody>
                   <a:tcPr marL="0" marR="0" marT="59690" marB="0">
@@ -5716,7 +4905,7 @@
                     <a:bodyPr/>
                     <a:lstStyle/>
                     <a:p>
-                      <a:pPr marL="50800">
+                      <a:pPr marL="50800" algn="l" rtl="0">
                         <a:lnSpc>
                           <a:spcPct val="100000"/>
                         </a:lnSpc>
@@ -5765,29 +4954,16 @@
                         </a:spcBef>
                       </a:pPr>
                       <a:r>
-                        <a:rPr sz="900" spc="0">
+                        <a:rPr lang="ja-JP" sz="900">
                           <a:solidFill>
                             <a:srgbClr val="020302"/>
                           </a:solidFill>
-                          <a:latin typeface="AdobeClean-Light"/>
+                          <a:latin typeface="Adobe Clean Han Regular" panose="020B0500000000000000" pitchFamily="34" charset="-128"/>
+                          <a:ea typeface="Adobe Clean Han Regular" panose="020B0500000000000000" pitchFamily="34" charset="-128"/>
                           <a:cs typeface="AdobeClean-Light"/>
                         </a:rPr>
-                        <a:t>Service Reviews </a:t>
+                        <a:t>年間のサービスレビュー</a:t>
                       </a:r>
-                      <a:r>
-                        <a:rPr lang="en-US" sz="900" spc="0">
-                          <a:solidFill>
-                            <a:srgbClr val="020302"/>
-                          </a:solidFill>
-                          <a:latin typeface="AdobeClean-Light"/>
-                          <a:cs typeface="AdobeClean-Light"/>
-                        </a:rPr>
-                        <a:t>per Year</a:t>
-                      </a:r>
-                      <a:endParaRPr sz="900" spc="0">
-                        <a:latin typeface="AdobeClean-Light"/>
-                        <a:cs typeface="AdobeClean-Light"/>
-                      </a:endParaRPr>
                     </a:p>
                   </a:txBody>
                   <a:tcPr marL="0" marR="0" marT="57150" marB="0">
@@ -5810,13 +4986,14 @@
                     <a:bodyPr/>
                     <a:lstStyle/>
                     <a:p>
-                      <a:pPr>
+                      <a:pPr algn="l" rtl="0">
                         <a:lnSpc>
                           <a:spcPct val="100000"/>
                         </a:lnSpc>
                       </a:pPr>
                       <a:endParaRPr sz="900">
-                        <a:latin typeface="Times New Roman"/>
+                        <a:latin typeface="Adobe Clean Han Regular" panose="020B0500000000000000" pitchFamily="34" charset="-128"/>
+                        <a:ea typeface="Adobe Clean Han Regular" panose="020B0500000000000000" pitchFamily="34" charset="-128"/>
                         <a:cs typeface="Times New Roman"/>
                       </a:endParaRPr>
                     </a:p>
@@ -5839,13 +5016,14 @@
                     <a:bodyPr/>
                     <a:lstStyle/>
                     <a:p>
-                      <a:pPr>
+                      <a:pPr algn="l" rtl="0">
                         <a:lnSpc>
                           <a:spcPct val="100000"/>
                         </a:lnSpc>
                       </a:pPr>
-                      <a:endParaRPr sz="900">
-                        <a:latin typeface="Times New Roman"/>
+                      <a:endParaRPr sz="900" dirty="0">
+                        <a:latin typeface="Adobe Clean Han Regular" panose="020B0500000000000000" pitchFamily="34" charset="-128"/>
+                        <a:ea typeface="Adobe Clean Han Regular" panose="020B0500000000000000" pitchFamily="34" charset="-128"/>
                         <a:cs typeface="Times New Roman"/>
                       </a:endParaRPr>
                     </a:p>
@@ -5889,16 +5067,13 @@
                         </a:spcBef>
                       </a:pPr>
                       <a:r>
-                        <a:rPr lang="en-US" sz="900" spc="0">
-                          <a:latin typeface="AdobeClean-Light"/>
+                        <a:rPr lang="ja-JP" sz="900" dirty="0">
+                          <a:latin typeface="Adobe Clean Han Regular" panose="020B0500000000000000" pitchFamily="34" charset="-128"/>
+                          <a:ea typeface="Adobe Clean Han Regular" panose="020B0500000000000000" pitchFamily="34" charset="-128"/>
                           <a:cs typeface="AdobeClean-Light"/>
                         </a:rPr>
-                        <a:t>Expert Sessions per Year</a:t>
+                        <a:t>年間のエキスパートセッション</a:t>
                       </a:r>
-                      <a:endParaRPr sz="900" spc="0">
-                        <a:latin typeface="AdobeClean-Light"/>
-                        <a:cs typeface="AdobeClean-Light"/>
-                      </a:endParaRPr>
                     </a:p>
                   </a:txBody>
                   <a:tcPr marL="0" marR="0" marT="57150" marB="0">
@@ -5927,13 +5102,14 @@
                     <a:bodyPr/>
                     <a:lstStyle/>
                     <a:p>
-                      <a:pPr>
+                      <a:pPr algn="l" rtl="0">
                         <a:lnSpc>
                           <a:spcPct val="100000"/>
                         </a:lnSpc>
                       </a:pPr>
                       <a:endParaRPr sz="900">
-                        <a:latin typeface="Times New Roman"/>
+                        <a:latin typeface="Adobe Clean Han Regular" panose="020B0500000000000000" pitchFamily="34" charset="-128"/>
+                        <a:ea typeface="Adobe Clean Han Regular" panose="020B0500000000000000" pitchFamily="34" charset="-128"/>
                         <a:cs typeface="Times New Roman"/>
                       </a:endParaRPr>
                     </a:p>
@@ -5956,13 +5132,14 @@
                     <a:bodyPr/>
                     <a:lstStyle/>
                     <a:p>
-                      <a:pPr>
+                      <a:pPr algn="l" rtl="0">
                         <a:lnSpc>
                           <a:spcPct val="100000"/>
                         </a:lnSpc>
                       </a:pPr>
                       <a:endParaRPr sz="900">
-                        <a:latin typeface="Times New Roman"/>
+                        <a:latin typeface="Adobe Clean Han Regular" panose="020B0500000000000000" pitchFamily="34" charset="-128"/>
+                        <a:ea typeface="Adobe Clean Han Regular" panose="020B0500000000000000" pitchFamily="34" charset="-128"/>
                         <a:cs typeface="Times New Roman"/>
                       </a:endParaRPr>
                     </a:p>
@@ -6006,16 +5183,13 @@
                         </a:spcBef>
                       </a:pPr>
                       <a:r>
-                        <a:rPr lang="en-US" sz="900" spc="0">
-                          <a:latin typeface="AdobeClean-Light"/>
+                        <a:rPr lang="ja-JP" sz="900" dirty="0">
+                          <a:latin typeface="Adobe Clean Han Regular" panose="020B0500000000000000" pitchFamily="34" charset="-128"/>
+                          <a:ea typeface="Adobe Clean Han Regular" panose="020B0500000000000000" pitchFamily="34" charset="-128"/>
                           <a:cs typeface="AdobeClean-Light"/>
                         </a:rPr>
-                        <a:t>Case Reviews</a:t>
+                        <a:t>ケースレビュー</a:t>
                       </a:r>
-                      <a:endParaRPr sz="900" spc="0">
-                        <a:latin typeface="AdobeClean-Light"/>
-                        <a:cs typeface="AdobeClean-Light"/>
-                      </a:endParaRPr>
                     </a:p>
                   </a:txBody>
                   <a:tcPr marL="0" marR="0" marT="57150" marB="0">
@@ -6044,13 +5218,14 @@
                     <a:bodyPr/>
                     <a:lstStyle/>
                     <a:p>
-                      <a:pPr>
+                      <a:pPr algn="l" rtl="0">
                         <a:lnSpc>
                           <a:spcPct val="100000"/>
                         </a:lnSpc>
                       </a:pPr>
                       <a:endParaRPr sz="900">
-                        <a:latin typeface="Times New Roman"/>
+                        <a:latin typeface="Adobe Clean Han Regular" panose="020B0500000000000000" pitchFamily="34" charset="-128"/>
+                        <a:ea typeface="Adobe Clean Han Regular" panose="020B0500000000000000" pitchFamily="34" charset="-128"/>
                         <a:cs typeface="Times New Roman"/>
                       </a:endParaRPr>
                     </a:p>
@@ -6073,13 +5248,14 @@
                     <a:bodyPr/>
                     <a:lstStyle/>
                     <a:p>
-                      <a:pPr>
+                      <a:pPr algn="l" rtl="0">
                         <a:lnSpc>
                           <a:spcPct val="100000"/>
                         </a:lnSpc>
                       </a:pPr>
                       <a:endParaRPr sz="900">
-                        <a:latin typeface="Times New Roman"/>
+                        <a:latin typeface="Adobe Clean Han Regular" panose="020B0500000000000000" pitchFamily="34" charset="-128"/>
+                        <a:ea typeface="Adobe Clean Han Regular" panose="020B0500000000000000" pitchFamily="34" charset="-128"/>
                         <a:cs typeface="Times New Roman"/>
                       </a:endParaRPr>
                     </a:p>
@@ -6104,7 +5280,7 @@
                     <a:bodyPr/>
                     <a:lstStyle/>
                     <a:p>
-                      <a:pPr marL="48895">
+                      <a:pPr marL="48895" algn="l" rtl="0">
                         <a:lnSpc>
                           <a:spcPct val="100000"/>
                         </a:lnSpc>
@@ -6162,29 +5338,16 @@
                         </a:spcBef>
                       </a:pPr>
                       <a:r>
-                        <a:rPr sz="900" spc="0">
+                        <a:rPr lang="ja-JP" sz="900" dirty="0">
                           <a:solidFill>
                             <a:srgbClr val="020302"/>
                           </a:solidFill>
-                          <a:latin typeface="AdobeClean-Light"/>
+                          <a:latin typeface="Adobe Clean Han Regular" panose="020B0500000000000000" pitchFamily="34" charset="-128"/>
+                          <a:ea typeface="Adobe Clean Han Regular" panose="020B0500000000000000" pitchFamily="34" charset="-128"/>
                           <a:cs typeface="AdobeClean-Light"/>
                         </a:rPr>
-                        <a:t>Event </a:t>
+                        <a:t>イベント管理</a:t>
                       </a:r>
-                      <a:r>
-                        <a:rPr lang="en-US" sz="900" spc="0">
-                          <a:solidFill>
-                            <a:srgbClr val="020302"/>
-                          </a:solidFill>
-                          <a:latin typeface="AdobeClean-Light"/>
-                          <a:cs typeface="AdobeClean-Light"/>
-                        </a:rPr>
-                        <a:t>Management</a:t>
-                      </a:r>
-                      <a:endParaRPr sz="900" spc="0">
-                        <a:latin typeface="AdobeClean-Light"/>
-                        <a:cs typeface="AdobeClean-Light"/>
-                      </a:endParaRPr>
                     </a:p>
                   </a:txBody>
                   <a:tcPr marL="0" marR="0" marT="58419" marB="0">
@@ -6213,13 +5376,14 @@
                     <a:bodyPr/>
                     <a:lstStyle/>
                     <a:p>
-                      <a:pPr>
+                      <a:pPr algn="l" rtl="0">
                         <a:lnSpc>
                           <a:spcPct val="100000"/>
                         </a:lnSpc>
                       </a:pPr>
                       <a:endParaRPr sz="900">
-                        <a:latin typeface="Times New Roman"/>
+                        <a:latin typeface="Adobe Clean Han Regular" panose="020B0500000000000000" pitchFamily="34" charset="-128"/>
+                        <a:ea typeface="Adobe Clean Han Regular" panose="020B0500000000000000" pitchFamily="34" charset="-128"/>
                         <a:cs typeface="Times New Roman"/>
                       </a:endParaRPr>
                     </a:p>
@@ -6242,13 +5406,14 @@
                     <a:bodyPr/>
                     <a:lstStyle/>
                     <a:p>
-                      <a:pPr>
+                      <a:pPr algn="l" rtl="0">
                         <a:lnSpc>
                           <a:spcPct val="100000"/>
                         </a:lnSpc>
                       </a:pPr>
                       <a:endParaRPr sz="900">
-                        <a:latin typeface="Times New Roman"/>
+                        <a:latin typeface="Adobe Clean Han Regular" panose="020B0500000000000000" pitchFamily="34" charset="-128"/>
+                        <a:ea typeface="Adobe Clean Han Regular" panose="020B0500000000000000" pitchFamily="34" charset="-128"/>
                         <a:cs typeface="Times New Roman"/>
                       </a:endParaRPr>
                     </a:p>
@@ -6273,7 +5438,7 @@
                     <a:bodyPr/>
                     <a:lstStyle/>
                     <a:p>
-                      <a:pPr marL="48895">
+                      <a:pPr marL="48895" algn="l" rtl="0">
                         <a:lnSpc>
                           <a:spcPct val="100000"/>
                         </a:lnSpc>
@@ -6322,39 +5487,16 @@
                         </a:spcBef>
                       </a:pPr>
                       <a:r>
-                        <a:rPr sz="900" spc="0">
+                        <a:rPr lang="ja-JP" sz="900" dirty="0">
                           <a:solidFill>
                             <a:srgbClr val="020302"/>
                           </a:solidFill>
-                          <a:latin typeface="AdobeClean-Light"/>
+                          <a:latin typeface="Adobe Clean Han Regular" panose="020B0500000000000000" pitchFamily="34" charset="-128"/>
+                          <a:ea typeface="Adobe Clean Han Regular" panose="020B0500000000000000" pitchFamily="34" charset="-128"/>
                           <a:cs typeface="AdobeClean-Light"/>
                         </a:rPr>
-                        <a:t>Environment</a:t>
+                        <a:t>環境レビュー、メンテナンスと監視</a:t>
                       </a:r>
-                      <a:r>
-                        <a:rPr lang="en-US" sz="900" spc="0">
-                          <a:solidFill>
-                            <a:srgbClr val="020302"/>
-                          </a:solidFill>
-                          <a:latin typeface="AdobeClean-Light"/>
-                          <a:cs typeface="AdobeClean-Light"/>
-                        </a:rPr>
-                        <a:t> </a:t>
-                      </a:r>
-                      <a:r>
-                        <a:rPr sz="900" spc="0">
-                          <a:solidFill>
-                            <a:srgbClr val="020302"/>
-                          </a:solidFill>
-                          <a:latin typeface="AdobeClean-Light"/>
-                          <a:cs typeface="AdobeClean-Light"/>
-                        </a:rPr>
-                        <a:t>Review, Maintenance &amp; Monitoring</a:t>
-                      </a:r>
-                      <a:endParaRPr sz="900" spc="0">
-                        <a:latin typeface="AdobeClean-Light"/>
-                        <a:cs typeface="AdobeClean-Light"/>
-                      </a:endParaRPr>
                     </a:p>
                   </a:txBody>
                   <a:tcPr marL="0" marR="0" marT="59055" marB="0">
@@ -6377,13 +5519,14 @@
                     <a:bodyPr/>
                     <a:lstStyle/>
                     <a:p>
-                      <a:pPr>
+                      <a:pPr algn="l" rtl="0">
                         <a:lnSpc>
                           <a:spcPct val="100000"/>
                         </a:lnSpc>
                       </a:pPr>
                       <a:endParaRPr sz="900">
-                        <a:latin typeface="Times New Roman"/>
+                        <a:latin typeface="Adobe Clean Han Regular" panose="020B0500000000000000" pitchFamily="34" charset="-128"/>
+                        <a:ea typeface="Adobe Clean Han Regular" panose="020B0500000000000000" pitchFamily="34" charset="-128"/>
                         <a:cs typeface="Times New Roman"/>
                       </a:endParaRPr>
                     </a:p>
@@ -6406,13 +5549,14 @@
                     <a:bodyPr/>
                     <a:lstStyle/>
                     <a:p>
-                      <a:pPr>
+                      <a:pPr algn="l" rtl="0">
                         <a:lnSpc>
                           <a:spcPct val="100000"/>
                         </a:lnSpc>
                       </a:pPr>
                       <a:endParaRPr sz="900">
-                        <a:latin typeface="Times New Roman"/>
+                        <a:latin typeface="Adobe Clean Han Regular" panose="020B0500000000000000" pitchFamily="34" charset="-128"/>
+                        <a:ea typeface="Adobe Clean Han Regular" panose="020B0500000000000000" pitchFamily="34" charset="-128"/>
                         <a:cs typeface="Times New Roman"/>
                       </a:endParaRPr>
                     </a:p>
@@ -6437,7 +5581,7 @@
                     <a:bodyPr/>
                     <a:lstStyle/>
                     <a:p>
-                      <a:pPr marL="49530">
+                      <a:pPr marL="49530" algn="l" rtl="0">
                         <a:lnSpc>
                           <a:spcPct val="100000"/>
                         </a:lnSpc>
@@ -6486,19 +5630,16 @@
                         </a:spcBef>
                       </a:pPr>
                       <a:r>
-                        <a:rPr sz="900" spc="0">
+                        <a:rPr lang="ja-JP" sz="900" dirty="0">
                           <a:solidFill>
                             <a:srgbClr val="020302"/>
                           </a:solidFill>
-                          <a:latin typeface="AdobeClean-Light"/>
+                          <a:latin typeface="Adobe Clean Han Regular" panose="020B0500000000000000" pitchFamily="34" charset="-128"/>
+                          <a:ea typeface="Adobe Clean Han Regular" panose="020B0500000000000000" pitchFamily="34" charset="-128"/>
                           <a:cs typeface="AdobeClean-Light"/>
                         </a:rPr>
-                        <a:t>Release, Migration, Upgrade &amp; Product Roadmap Review</a:t>
+                        <a:t>リリース、移行、アップグレード、製品ロードマップのレビュー</a:t>
                       </a:r>
-                      <a:endParaRPr sz="900" spc="0">
-                        <a:latin typeface="AdobeClean-Light"/>
-                        <a:cs typeface="AdobeClean-Light"/>
-                      </a:endParaRPr>
                     </a:p>
                   </a:txBody>
                   <a:tcPr marL="0" marR="0" marT="63500" marB="0">
@@ -6521,13 +5662,14 @@
                     <a:bodyPr/>
                     <a:lstStyle/>
                     <a:p>
-                      <a:pPr>
+                      <a:pPr algn="l" rtl="0">
                         <a:lnSpc>
                           <a:spcPct val="100000"/>
                         </a:lnSpc>
                       </a:pPr>
                       <a:endParaRPr sz="900">
-                        <a:latin typeface="Times New Roman"/>
+                        <a:latin typeface="Adobe Clean Han Regular" panose="020B0500000000000000" pitchFamily="34" charset="-128"/>
+                        <a:ea typeface="Adobe Clean Han Regular" panose="020B0500000000000000" pitchFamily="34" charset="-128"/>
                         <a:cs typeface="Times New Roman"/>
                       </a:endParaRPr>
                     </a:p>
@@ -6550,13 +5692,14 @@
                     <a:bodyPr/>
                     <a:lstStyle/>
                     <a:p>
-                      <a:pPr>
+                      <a:pPr algn="l" rtl="0">
                         <a:lnSpc>
                           <a:spcPct val="100000"/>
                         </a:lnSpc>
                       </a:pPr>
                       <a:endParaRPr sz="900">
-                        <a:latin typeface="Times New Roman"/>
+                        <a:latin typeface="Adobe Clean Han Regular" panose="020B0500000000000000" pitchFamily="34" charset="-128"/>
+                        <a:ea typeface="Adobe Clean Han Regular" panose="020B0500000000000000" pitchFamily="34" charset="-128"/>
                         <a:cs typeface="Times New Roman"/>
                       </a:endParaRPr>
                     </a:p>
@@ -6581,7 +5724,7 @@
                     <a:bodyPr/>
                     <a:lstStyle/>
                     <a:p>
-                      <a:pPr marL="49530">
+                      <a:pPr marL="49530" algn="l" rtl="0">
                         <a:lnSpc>
                           <a:spcPct val="100000"/>
                         </a:lnSpc>
@@ -6639,11 +5782,27 @@
                         </a:spcBef>
                       </a:pPr>
                       <a:r>
-                        <a:rPr sz="900" spc="0">
-                          <a:latin typeface="AdobeClean-Light"/>
+                        <a:rPr lang="ja-JP" sz="900" dirty="0">
+                          <a:latin typeface="Adobe Clean Han Regular" panose="020B0500000000000000" pitchFamily="34" charset="-128"/>
+                          <a:ea typeface="Adobe Clean Han Regular" panose="020B0500000000000000" pitchFamily="34" charset="-128"/>
                           <a:cs typeface="AdobeClean-Light"/>
                         </a:rPr>
-                        <a:t>Cloud Support Activities – Experience Manager as Cloud</a:t>
+                        <a:t>クラウドサポートアクティビティ – </a:t>
+                      </a:r>
+                      <a:br>
+                        <a:rPr lang="sk-SK" altLang="ja-JP" sz="900" dirty="0">
+                          <a:latin typeface="Adobe Clean Han Regular" panose="020B0500000000000000" pitchFamily="34" charset="-128"/>
+                          <a:ea typeface="Adobe Clean Han Regular" panose="020B0500000000000000" pitchFamily="34" charset="-128"/>
+                          <a:cs typeface="AdobeClean-Light"/>
+                        </a:rPr>
+                      </a:br>
+                      <a:r>
+                        <a:rPr lang="ja-JP" sz="900" dirty="0">
+                          <a:latin typeface="Adobe Clean Han Regular" panose="020B0500000000000000" pitchFamily="34" charset="-128"/>
+                          <a:ea typeface="Adobe Clean Han Regular" panose="020B0500000000000000" pitchFamily="34" charset="-128"/>
+                          <a:cs typeface="AdobeClean-Light"/>
+                        </a:rPr>
+                        <a:t>Experience Manager as Cloud</a:t>
                       </a:r>
                     </a:p>
                   </a:txBody>
@@ -6673,13 +5832,14 @@
                     <a:bodyPr/>
                     <a:lstStyle/>
                     <a:p>
-                      <a:pPr>
+                      <a:pPr algn="l" rtl="0">
                         <a:lnSpc>
                           <a:spcPct val="100000"/>
                         </a:lnSpc>
                       </a:pPr>
                       <a:endParaRPr sz="900">
-                        <a:latin typeface="Times New Roman"/>
+                        <a:latin typeface="Adobe Clean Han Regular" panose="020B0500000000000000" pitchFamily="34" charset="-128"/>
+                        <a:ea typeface="Adobe Clean Han Regular" panose="020B0500000000000000" pitchFamily="34" charset="-128"/>
                         <a:cs typeface="Times New Roman"/>
                       </a:endParaRPr>
                     </a:p>
@@ -6711,13 +5871,14 @@
                     <a:bodyPr/>
                     <a:lstStyle/>
                     <a:p>
-                      <a:pPr>
+                      <a:pPr algn="l" rtl="0">
                         <a:lnSpc>
                           <a:spcPct val="100000"/>
                         </a:lnSpc>
                       </a:pPr>
                       <a:endParaRPr sz="900">
-                        <a:latin typeface="Times New Roman"/>
+                        <a:latin typeface="Adobe Clean Han Regular" panose="020B0500000000000000" pitchFamily="34" charset="-128"/>
+                        <a:ea typeface="Adobe Clean Han Regular" panose="020B0500000000000000" pitchFamily="34" charset="-128"/>
                         <a:cs typeface="Times New Roman"/>
                       </a:endParaRPr>
                     </a:p>
@@ -6760,22 +5921,16 @@
                         </a:spcBef>
                       </a:pPr>
                       <a:r>
-                        <a:rPr lang="en-US" sz="1000" b="1" i="0" spc="0">
+                        <a:rPr lang="ja-JP" sz="1000" b="1" i="0" dirty="0">
                           <a:solidFill>
                             <a:schemeClr val="bg1"/>
                           </a:solidFill>
-                          <a:latin typeface="Adobe Clean" panose="020B0503020404020204" pitchFamily="34" charset="0"/>
+                          <a:latin typeface="Adobe Clean Han Regular" panose="020B0500000000000000" pitchFamily="34" charset="-128"/>
+                          <a:ea typeface="Adobe Clean Han Regular" panose="020B0500000000000000" pitchFamily="34" charset="-128"/>
                           <a:cs typeface="AdobeClean-Light"/>
                         </a:rPr>
-                        <a:t>Field Services</a:t>
+                        <a:t>フィールドサービス</a:t>
                       </a:r>
-                      <a:endParaRPr sz="1000" b="1" i="0" spc="0">
-                        <a:solidFill>
-                          <a:schemeClr val="bg1"/>
-                        </a:solidFill>
-                        <a:latin typeface="Adobe Clean" panose="020B0503020404020204" pitchFamily="34" charset="0"/>
-                        <a:cs typeface="AdobeClean-Light"/>
-                      </a:endParaRPr>
                     </a:p>
                   </a:txBody>
                   <a:tcPr marL="0" marR="0" marT="48260" marB="0" anchor="ctr">
@@ -6828,19 +5983,16 @@
                         </a:spcBef>
                       </a:pPr>
                       <a:r>
-                        <a:rPr sz="900" spc="0">
+                        <a:rPr lang="ja-JP" sz="900">
                           <a:solidFill>
                             <a:srgbClr val="020302"/>
                           </a:solidFill>
-                          <a:latin typeface="AdobeClean-Light"/>
+                          <a:latin typeface="Adobe Clean Han Regular" panose="020B0500000000000000" pitchFamily="34" charset="-128"/>
+                          <a:ea typeface="Adobe Clean Han Regular" panose="020B0500000000000000" pitchFamily="34" charset="-128"/>
                           <a:cs typeface="AdobeClean-Light"/>
                         </a:rPr>
-                        <a:t>Launch Advisory Services – First Year of new solution</a:t>
+                        <a:t>Launch Advisory サービス – 製品導入の初年度</a:t>
                       </a:r>
-                      <a:endParaRPr sz="900" spc="0">
-                        <a:latin typeface="AdobeClean-Light"/>
-                        <a:cs typeface="AdobeClean-Light"/>
-                      </a:endParaRPr>
                     </a:p>
                     <a:p>
                       <a:pPr marL="48260" hangingPunct="0">
@@ -6852,11 +6004,12 @@
                         </a:spcBef>
                       </a:pPr>
                       <a:r>
-                        <a:rPr sz="900" spc="0">
-                          <a:latin typeface="AdobeClean-Light"/>
+                        <a:rPr lang="ja-JP" sz="900">
+                          <a:latin typeface="Adobe Clean Han Regular" panose="020B0500000000000000" pitchFamily="34" charset="-128"/>
+                          <a:ea typeface="Adobe Clean Han Regular" panose="020B0500000000000000" pitchFamily="34" charset="-128"/>
                           <a:cs typeface="AdobeClean-Light"/>
                         </a:rPr>
-                        <a:t>Field Service Activities </a:t>
+                        <a:t>フィールドサービスアクティビティ </a:t>
                       </a:r>
                     </a:p>
                   </a:txBody>
@@ -6892,13 +6045,14 @@
                     <a:bodyPr/>
                     <a:lstStyle/>
                     <a:p>
-                      <a:pPr>
+                      <a:pPr algn="l" rtl="0">
                         <a:lnSpc>
                           <a:spcPct val="100000"/>
                         </a:lnSpc>
                       </a:pPr>
                       <a:endParaRPr sz="900">
-                        <a:latin typeface="Times New Roman"/>
+                        <a:latin typeface="Adobe Clean Han Regular" panose="020B0500000000000000" pitchFamily="34" charset="-128"/>
+                        <a:ea typeface="Adobe Clean Han Regular" panose="020B0500000000000000" pitchFamily="34" charset="-128"/>
                         <a:cs typeface="Times New Roman"/>
                       </a:endParaRPr>
                     </a:p>
@@ -6930,13 +6084,14 @@
                     <a:bodyPr/>
                     <a:lstStyle/>
                     <a:p>
-                      <a:pPr>
+                      <a:pPr algn="l" rtl="0">
                         <a:lnSpc>
                           <a:spcPct val="100000"/>
                         </a:lnSpc>
                       </a:pPr>
                       <a:endParaRPr sz="900">
-                        <a:latin typeface="Times New Roman"/>
+                        <a:latin typeface="Adobe Clean Han Regular" panose="020B0500000000000000" pitchFamily="34" charset="-128"/>
+                        <a:ea typeface="Adobe Clean Han Regular" panose="020B0500000000000000" pitchFamily="34" charset="-128"/>
                         <a:cs typeface="Times New Roman"/>
                       </a:endParaRPr>
                     </a:p>
@@ -7015,13 +6170,14 @@
                     <a:bodyPr/>
                     <a:lstStyle/>
                     <a:p>
-                      <a:pPr>
+                      <a:pPr algn="l" rtl="0">
                         <a:lnSpc>
                           <a:spcPct val="100000"/>
                         </a:lnSpc>
                       </a:pPr>
                       <a:endParaRPr sz="900">
-                        <a:latin typeface="Times New Roman"/>
+                        <a:latin typeface="Adobe Clean Han Regular" panose="020B0500000000000000" pitchFamily="34" charset="-128"/>
+                        <a:ea typeface="Adobe Clean Han Regular" panose="020B0500000000000000" pitchFamily="34" charset="-128"/>
                         <a:cs typeface="Times New Roman"/>
                       </a:endParaRPr>
                     </a:p>
@@ -7041,13 +6197,14 @@
                     <a:bodyPr/>
                     <a:lstStyle/>
                     <a:p>
-                      <a:pPr>
+                      <a:pPr algn="l" rtl="0">
                         <a:lnSpc>
                           <a:spcPct val="100000"/>
                         </a:lnSpc>
                       </a:pPr>
-                      <a:endParaRPr sz="900">
-                        <a:latin typeface="Times New Roman"/>
+                      <a:endParaRPr sz="900" dirty="0">
+                        <a:latin typeface="Adobe Clean Han Regular" panose="020B0500000000000000" pitchFamily="34" charset="-128"/>
+                        <a:ea typeface="Adobe Clean Han Regular" panose="020B0500000000000000" pitchFamily="34" charset="-128"/>
                         <a:cs typeface="Times New Roman"/>
                       </a:endParaRPr>
                     </a:p>
@@ -7105,10 +6262,12 @@
           <a:lstStyle/>
           <a:p>
             <a:r>
-              <a:rPr lang="en-US" sz="700" i="1">
+              <a:rPr lang="ja-JP" sz="700" i="1" dirty="0">
                 <a:solidFill>
                   <a:schemeClr val="bg1"/>
                 </a:solidFill>
+                <a:latin typeface="Adobe Clean Han Regular" panose="020B0500000000000000" pitchFamily="34" charset="-128"/>
+                <a:ea typeface="Adobe Clean Han Regular" panose="020B0500000000000000" pitchFamily="34" charset="-128"/>
               </a:rPr>
               <a:t>Adobe Experience Cloud</a:t>
             </a:r>
@@ -7192,7 +6351,10 @@
             <a:bodyPr wrap="square" lIns="0" tIns="0" rIns="0" bIns="0" rtlCol="0"/>
             <a:lstStyle/>
             <a:p>
-              <a:endParaRPr/>
+              <a:endParaRPr>
+                <a:latin typeface="Adobe Clean Han Regular" panose="020B0500000000000000" pitchFamily="34" charset="-128"/>
+                <a:ea typeface="Adobe Clean Han Regular" panose="020B0500000000000000" pitchFamily="34" charset="-128"/>
+              </a:endParaRPr>
             </a:p>
           </p:txBody>
         </p:sp>
@@ -7244,7 +6406,10 @@
             <a:bodyPr wrap="square" lIns="0" tIns="0" rIns="0" bIns="0" rtlCol="0"/>
             <a:lstStyle/>
             <a:p>
-              <a:endParaRPr/>
+              <a:endParaRPr>
+                <a:latin typeface="Adobe Clean Han Regular" panose="020B0500000000000000" pitchFamily="34" charset="-128"/>
+                <a:ea typeface="Adobe Clean Han Regular" panose="020B0500000000000000" pitchFamily="34" charset="-128"/>
+              </a:endParaRPr>
             </a:p>
           </p:txBody>
         </p:sp>
@@ -7274,7 +6439,10 @@
           <a:bodyPr wrap="square" lIns="0" tIns="0" rIns="0" bIns="0" rtlCol="0"/>
           <a:lstStyle/>
           <a:p>
-            <a:endParaRPr/>
+            <a:endParaRPr>
+              <a:latin typeface="Adobe Clean Han Regular" panose="020B0500000000000000" pitchFamily="34" charset="-128"/>
+              <a:ea typeface="Adobe Clean Han Regular" panose="020B0500000000000000" pitchFamily="34" charset="-128"/>
+            </a:endParaRPr>
           </a:p>
         </p:txBody>
       </p:sp>
@@ -7287,7 +6455,7 @@
         <p:spPr>
           <a:xfrm>
             <a:off x="370040" y="1409311"/>
-            <a:ext cx="2286000" cy="1289969"/>
+            <a:ext cx="2286000" cy="1637051"/>
           </a:xfrm>
           <a:prstGeom prst="rect">
             <a:avLst/>
@@ -7308,18 +6476,15 @@
               </a:spcBef>
             </a:pPr>
             <a:r>
-              <a:rPr lang="en-US" sz="1000">
+              <a:rPr lang="ja-JP" sz="1000" dirty="0">
                 <a:solidFill>
                   <a:srgbClr val="000000"/>
                 </a:solidFill>
-                <a:latin typeface="Adobe Clean Light" panose="020B0303020404020204" pitchFamily="34" charset="0"/>
+                <a:latin typeface="Adobe Clean Han Regular" panose="020B0500000000000000" pitchFamily="34" charset="-128"/>
+                <a:ea typeface="Adobe Clean Han Regular" panose="020B0500000000000000" pitchFamily="34" charset="-128"/>
               </a:rPr>
-              <a:t>A designated Account Support Lead to proactively monitor cases, drive cross-team collaboration, deliver onboarding webinars, run service reports, provide non-technical support assistance, and function as your escalation point and internal advocate within Adobe Support.</a:t>
+              <a:t>専任アカウントサポートリードは、プロアクティブにケースを監視し、チーム間のコラボレーションを促進します。また、オンボーディングウェビナーの提供や、サービスレポートの実行、技術面以外でのサポートを行います。お客様のエスカレーションポイントおよびアドビサポートの社内担当としての役割を果たします。</a:t>
             </a:r>
-            <a:endParaRPr lang="en-US" sz="1000">
-              <a:latin typeface="Adobe Clean Light" panose="020B0303020404020204" pitchFamily="34" charset="0"/>
-              <a:cs typeface="AdobeClean-Light"/>
-            </a:endParaRPr>
           </a:p>
         </p:txBody>
       </p:sp>
@@ -7332,14 +6497,14 @@
         <p:spPr>
           <a:xfrm>
             <a:off x="2836967" y="8618616"/>
-            <a:ext cx="2286000" cy="641201"/>
+            <a:ext cx="2286000" cy="795089"/>
           </a:xfrm>
           <a:prstGeom prst="rect">
             <a:avLst/>
           </a:prstGeom>
         </p:spPr>
         <p:txBody>
-          <a:bodyPr vert="horz" wrap="square" lIns="0" tIns="12700" rIns="0" bIns="0" rtlCol="0" anchor="t">
+          <a:bodyPr vert="horz" wrap="square" lIns="0" tIns="12700" rIns="0" bIns="0" rtlCol="0">
             <a:spAutoFit/>
           </a:bodyPr>
           <a:lstStyle/>
@@ -7356,48 +6521,22 @@
               </a:tabLst>
             </a:pPr>
             <a:r>
-              <a:rPr sz="1000">
+              <a:rPr lang="ja-JP" sz="1000" dirty="0">
                 <a:solidFill>
                   <a:srgbClr val="020302"/>
                 </a:solidFill>
-                <a:latin typeface="AdobeClean-Light"/>
+                <a:latin typeface="Adobe Clean Han Regular" panose="020B0500000000000000" pitchFamily="34" charset="-128"/>
+                <a:ea typeface="Adobe Clean Han Regular" panose="020B0500000000000000" pitchFamily="34" charset="-128"/>
                 <a:cs typeface="AdobeClean-Light"/>
               </a:rPr>
-              <a:t>Start a chat session to get answers</a:t>
-            </a:r>
-            <a:r>
-              <a:rPr lang="en-US" sz="1000">
-                <a:solidFill>
-                  <a:srgbClr val="020302"/>
-                </a:solidFill>
-                <a:latin typeface="AdobeClean-Light"/>
-                <a:cs typeface="AdobeClean-Light"/>
-              </a:rPr>
-              <a:t> &amp; </a:t>
-            </a:r>
-            <a:r>
-              <a:rPr sz="1000">
-                <a:solidFill>
-                  <a:srgbClr val="020302"/>
-                </a:solidFill>
-                <a:latin typeface="AdobeClean-Light"/>
-                <a:cs typeface="AdobeClean-Light"/>
-              </a:rPr>
-              <a:t>help with case submission</a:t>
-            </a:r>
-            <a:r>
-              <a:rPr lang="en-US" sz="1000">
-                <a:solidFill>
-                  <a:srgbClr val="020302"/>
-                </a:solidFill>
-                <a:latin typeface="AdobeClean-Light"/>
-                <a:cs typeface="AdobeClean-Light"/>
-              </a:rPr>
-              <a:t>.</a:t>
+              <a:t>チャットセッションを開始すると、回答やケース申請による支援を受けることができます。</a:t>
             </a:r>
           </a:p>
           <a:p>
             <a:pPr marL="33020" marR="159385">
+              <a:lnSpc>
+                <a:spcPct val="100000"/>
+              </a:lnSpc>
               <a:spcBef>
                 <a:spcPts val="100"/>
               </a:spcBef>
@@ -7406,39 +6545,27 @@
               </a:tabLst>
             </a:pPr>
             <a:r>
-              <a:rPr sz="1000" i="1">
+              <a:rPr lang="ja-JP" sz="1000" i="1" dirty="0">
                 <a:solidFill>
                   <a:srgbClr val="7A7A7A"/>
                 </a:solidFill>
-                <a:latin typeface="AdobeClean-LightIt"/>
+                <a:latin typeface="Adobe Clean Han Regular" panose="020B0500000000000000" pitchFamily="34" charset="-128"/>
+                <a:ea typeface="Adobe Clean Han Regular" panose="020B0500000000000000" pitchFamily="34" charset="-128"/>
                 <a:cs typeface="AdobeClean-LightIt"/>
               </a:rPr>
-              <a:t>*Not all products have live chat support</a:t>
+              <a:t>* すべての製品にライブチャットサポートがあるわけではありません</a:t>
             </a:r>
             <a:r>
-              <a:rPr sz="900" i="1">
+              <a:rPr lang="ja-JP" sz="900" i="1" dirty="0">
                 <a:solidFill>
                   <a:srgbClr val="7A7A7A"/>
                 </a:solidFill>
-                <a:latin typeface="AdobeClean-LightIt"/>
+                <a:latin typeface="Adobe Clean Han Regular" panose="020B0500000000000000" pitchFamily="34" charset="-128"/>
+                <a:ea typeface="Adobe Clean Han Regular" panose="020B0500000000000000" pitchFamily="34" charset="-128"/>
                 <a:cs typeface="AdobeClean-LightIt"/>
               </a:rPr>
-              <a:t>.</a:t>
+              <a:t>。  </a:t>
             </a:r>
-            <a:r>
-              <a:rPr lang="en-US" sz="900" i="1">
-                <a:solidFill>
-                  <a:srgbClr val="7A7A7A"/>
-                </a:solidFill>
-                <a:latin typeface="AdobeClean-LightIt"/>
-                <a:cs typeface="AdobeClean-LightIt"/>
-              </a:rPr>
-              <a:t>  </a:t>
-            </a:r>
-            <a:endParaRPr sz="900">
-              <a:latin typeface="AdobeClean-Light"/>
-              <a:cs typeface="AdobeClean-Light"/>
-            </a:endParaRPr>
           </a:p>
         </p:txBody>
       </p:sp>
@@ -7467,7 +6594,10 @@
           <a:bodyPr wrap="square" lIns="0" tIns="0" rIns="0" bIns="0" rtlCol="0"/>
           <a:lstStyle/>
           <a:p>
-            <a:endParaRPr/>
+            <a:endParaRPr>
+              <a:latin typeface="Adobe Clean Han Regular" panose="020B0500000000000000" pitchFamily="34" charset="-128"/>
+              <a:ea typeface="Adobe Clean Han Regular" panose="020B0500000000000000" pitchFamily="34" charset="-128"/>
+            </a:endParaRPr>
           </a:p>
         </p:txBody>
       </p:sp>
@@ -7488,7 +6618,7 @@
         <p:spPr>
           <a:xfrm>
             <a:off x="838200" y="6046398"/>
-            <a:ext cx="1568246" cy="184666"/>
+            <a:ext cx="1772602" cy="184666"/>
           </a:xfrm>
           <a:prstGeom prst="rect">
             <a:avLst/>
@@ -7514,12 +6644,14 @@
               <a:defRPr/>
             </a:pPr>
             <a:r>
-              <a:rPr lang="en-US" sz="1200">
+              <a:rPr lang="ja-JP" sz="1200" dirty="0">
                 <a:solidFill>
                   <a:srgbClr val="000000"/>
                 </a:solidFill>
+                <a:latin typeface="Adobe Clean Han Regular" panose="020B0500000000000000" pitchFamily="34" charset="-128"/>
+                <a:ea typeface="Adobe Clean Han Regular" panose="020B0500000000000000" pitchFamily="34" charset="-128"/>
               </a:rPr>
-              <a:t>Community Forums</a:t>
+              <a:t>コミュニティフォーラム</a:t>
             </a:r>
           </a:p>
         </p:txBody>
@@ -7541,7 +6673,7 @@
         <p:spPr>
           <a:xfrm>
             <a:off x="838200" y="6277305"/>
-            <a:ext cx="959314" cy="184666"/>
+            <a:ext cx="1732084" cy="184666"/>
           </a:xfrm>
           <a:prstGeom prst="rect">
             <a:avLst/>
@@ -7562,12 +6694,12 @@
               </a:spcAft>
             </a:pPr>
             <a:r>
-              <a:rPr lang="en-US" sz="1200" b="1">
-                <a:latin typeface="+mj-lt"/>
-                <a:ea typeface="Open Sans" pitchFamily="34" charset="0"/>
+              <a:rPr lang="ja-JP" sz="1200" b="1" dirty="0">
+                <a:latin typeface="Adobe Clean Han Regular" panose="020B0500000000000000" pitchFamily="34" charset="-128"/>
+                <a:ea typeface="Adobe Clean Han Regular" panose="020B0500000000000000" pitchFamily="34" charset="-128"/>
                 <a:cs typeface="Open Sans" pitchFamily="34" charset="0"/>
               </a:rPr>
-              <a:t>Online Forums</a:t>
+              <a:t>オンラインフォーラム</a:t>
             </a:r>
           </a:p>
         </p:txBody>
@@ -7587,7 +6719,7 @@
         <p:spPr>
           <a:xfrm>
             <a:off x="370040" y="6529249"/>
-            <a:ext cx="2286000" cy="805349"/>
+            <a:ext cx="2286000" cy="959237"/>
           </a:xfrm>
           <a:prstGeom prst="rect">
             <a:avLst/>
@@ -7600,13 +6732,14 @@
           <a:lstStyle/>
           <a:p>
             <a:r>
-              <a:rPr lang="en-US" sz="1000">
+              <a:rPr lang="ja-JP" sz="1000" dirty="0">
                 <a:solidFill>
                   <a:srgbClr val="000000"/>
                 </a:solidFill>
-                <a:latin typeface="Adobe Clean Light" panose="020B0303020404020204" pitchFamily="34" charset="0"/>
+                <a:latin typeface="Adobe Clean Han Regular" panose="020B0500000000000000" pitchFamily="34" charset="-128"/>
+                <a:ea typeface="Adobe Clean Han Regular" panose="020B0500000000000000" pitchFamily="34" charset="-128"/>
               </a:rPr>
-              <a:t>Continuous online access to a growing database of technical solutions, product documentation, FAQs and more. Thousands of customers can connect to share best practices and lessons learned.</a:t>
+              <a:t>テクニカルソリューション、製品ドキュメント、FAQ などの増大するデータベースにオンラインで継続的にアクセスできます。何千人ものお客様同士が繋がり、ベストプラクティスや学習した内容を共有できます。</a:t>
             </a:r>
           </a:p>
         </p:txBody>
@@ -7628,7 +6761,7 @@
         <p:spPr>
           <a:xfrm>
             <a:off x="5851290" y="6277305"/>
-            <a:ext cx="1316707" cy="184666"/>
+            <a:ext cx="1745671" cy="184666"/>
           </a:xfrm>
           <a:prstGeom prst="rect">
             <a:avLst/>
@@ -7649,12 +6782,12 @@
               </a:spcAft>
             </a:pPr>
             <a:r>
-              <a:rPr lang="en-US" sz="1200" b="1">
-                <a:latin typeface="+mj-lt"/>
-                <a:ea typeface="Open Sans" pitchFamily="34" charset="0"/>
+              <a:rPr lang="ja-JP" sz="1200" b="1">
+                <a:latin typeface="Adobe Clean Han Regular" panose="020B0500000000000000" pitchFamily="34" charset="-128"/>
+                <a:ea typeface="Adobe Clean Han Regular" panose="020B0500000000000000" pitchFamily="34" charset="-128"/>
                 <a:cs typeface="Open Sans" pitchFamily="34" charset="0"/>
               </a:rPr>
-              <a:t>Self-guided Journeys</a:t>
+              <a:t>セルフガイドジャーニー</a:t>
             </a:r>
           </a:p>
         </p:txBody>
@@ -7674,7 +6807,7 @@
         <p:spPr>
           <a:xfrm>
             <a:off x="5376301" y="6529249"/>
-            <a:ext cx="2286000" cy="959237"/>
+            <a:ext cx="2286000" cy="1267014"/>
           </a:xfrm>
           <a:prstGeom prst="rect">
             <a:avLst/>
@@ -7687,13 +6820,33 @@
           <a:lstStyle/>
           <a:p>
             <a:r>
-              <a:rPr lang="en-US" sz="1000">
+              <a:rPr lang="ja-JP" sz="1000" dirty="0">
                 <a:solidFill>
                   <a:srgbClr val="000000"/>
                 </a:solidFill>
-                <a:latin typeface="Adobe Clean Light" panose="020B0303020404020204" pitchFamily="34" charset="0"/>
+                <a:latin typeface="Adobe Clean Han Regular" panose="020B0500000000000000" pitchFamily="34" charset="-128"/>
+                <a:ea typeface="Adobe Clean Han Regular" panose="020B0500000000000000" pitchFamily="34" charset="-128"/>
               </a:rPr>
-              <a:t>Experience Makers are made with Experience League. Customers can kickstart their Customer Experience Management abilities with personalized learning to develop skills, engage with a global community of peers, and earn career advancing recognition.</a:t>
+              <a:t>エクスペリエンスメーカーは、Experience League から誕生します。Experience League に参加すると、パーソナライズされた学習で、顧客体験管理能力を強化することができます。</a:t>
+            </a:r>
+            <a:br>
+              <a:rPr lang="sk-SK" altLang="ja-JP" sz="1000" dirty="0">
+                <a:solidFill>
+                  <a:srgbClr val="000000"/>
+                </a:solidFill>
+                <a:latin typeface="Adobe Clean Han Regular" panose="020B0500000000000000" pitchFamily="34" charset="-128"/>
+                <a:ea typeface="Adobe Clean Han Regular" panose="020B0500000000000000" pitchFamily="34" charset="-128"/>
+              </a:rPr>
+            </a:br>
+            <a:r>
+              <a:rPr lang="ja-JP" sz="1000" dirty="0">
+                <a:solidFill>
+                  <a:srgbClr val="000000"/>
+                </a:solidFill>
+                <a:latin typeface="Adobe Clean Han Regular" panose="020B0500000000000000" pitchFamily="34" charset="-128"/>
+                <a:ea typeface="Adobe Clean Han Regular" panose="020B0500000000000000" pitchFamily="34" charset="-128"/>
+              </a:rPr>
+              <a:t>スキルの向上や、グローバルコミュニティでの仲間との交流のほか、キャリアアップに役立つ評価の獲得も可能です。</a:t>
             </a:r>
           </a:p>
         </p:txBody>
@@ -7741,12 +6894,14 @@
               <a:defRPr/>
             </a:pPr>
             <a:r>
-              <a:rPr lang="en-US" sz="1200">
+              <a:rPr lang="ja-JP" sz="1200" dirty="0">
                 <a:solidFill>
                   <a:srgbClr val="000000"/>
                 </a:solidFill>
+                <a:latin typeface="Adobe Clean Han Regular" panose="020B0500000000000000" pitchFamily="34" charset="-128"/>
+                <a:ea typeface="Adobe Clean Han Regular" panose="020B0500000000000000" pitchFamily="34" charset="-128"/>
               </a:rPr>
-              <a:t>Live Chat  Support*</a:t>
+              <a:t>ライブチャットサポート*</a:t>
             </a:r>
           </a:p>
         </p:txBody>
@@ -7768,7 +6923,7 @@
         <p:spPr>
           <a:xfrm>
             <a:off x="3198434" y="8373543"/>
-            <a:ext cx="840166" cy="184666"/>
+            <a:ext cx="1269578" cy="184666"/>
           </a:xfrm>
           <a:prstGeom prst="rect">
             <a:avLst/>
@@ -7789,12 +6944,12 @@
               </a:spcAft>
             </a:pPr>
             <a:r>
-              <a:rPr lang="en-US" sz="1200" b="1">
-                <a:latin typeface="+mj-lt"/>
-                <a:ea typeface="Open Sans" pitchFamily="34" charset="0"/>
+              <a:rPr lang="ja-JP" sz="1200" b="1">
+                <a:latin typeface="Adobe Clean Han Regular" panose="020B0500000000000000" pitchFamily="34" charset="-128"/>
+                <a:ea typeface="Adobe Clean Han Regular" panose="020B0500000000000000" pitchFamily="34" charset="-128"/>
                 <a:cs typeface="Open Sans" pitchFamily="34" charset="0"/>
               </a:rPr>
-              <a:t>Chat Support</a:t>
+              <a:t>チャットサポート</a:t>
             </a:r>
           </a:p>
         </p:txBody>
@@ -7842,12 +6997,14 @@
               <a:defRPr/>
             </a:pPr>
             <a:r>
-              <a:rPr lang="en-US" sz="1200">
+              <a:rPr lang="ja-JP" sz="1200" dirty="0">
                 <a:solidFill>
                   <a:srgbClr val="000000"/>
                 </a:solidFill>
+                <a:latin typeface="Adobe Clean Han Regular" panose="020B0500000000000000" pitchFamily="34" charset="-128"/>
+                <a:ea typeface="Adobe Clean Han Regular" panose="020B0500000000000000" pitchFamily="34" charset="-128"/>
               </a:rPr>
-              <a:t>24X7 P1 </a:t>
+              <a:t>24 時間年中無休 P1 </a:t>
             </a:r>
           </a:p>
         </p:txBody>
@@ -7869,7 +7026,7 @@
         <p:spPr>
           <a:xfrm>
             <a:off x="3276600" y="6277305"/>
-            <a:ext cx="992259" cy="184666"/>
+            <a:ext cx="952184" cy="184666"/>
           </a:xfrm>
           <a:prstGeom prst="rect">
             <a:avLst/>
@@ -7890,12 +7047,12 @@
               </a:spcAft>
             </a:pPr>
             <a:r>
-              <a:rPr lang="en-US" sz="1200" b="1">
-                <a:latin typeface="+mj-lt"/>
-                <a:ea typeface="Open Sans" pitchFamily="34" charset="0"/>
+              <a:rPr lang="ja-JP" sz="1200" b="1" dirty="0">
+                <a:latin typeface="Adobe Clean Han Regular" panose="020B0500000000000000" pitchFamily="34" charset="-128"/>
+                <a:ea typeface="Adobe Clean Han Regular" panose="020B0500000000000000" pitchFamily="34" charset="-128"/>
                 <a:cs typeface="Open Sans" pitchFamily="34" charset="0"/>
               </a:rPr>
-              <a:t>Phone Support</a:t>
+              <a:t>電話サポート</a:t>
             </a:r>
           </a:p>
         </p:txBody>
@@ -7915,7 +7072,7 @@
         <p:spPr>
           <a:xfrm>
             <a:off x="2836967" y="6529249"/>
-            <a:ext cx="2286000" cy="805349"/>
+            <a:ext cx="2286000" cy="959237"/>
           </a:xfrm>
           <a:prstGeom prst="rect">
             <a:avLst/>
@@ -7928,26 +7085,22 @@
           <a:lstStyle/>
           <a:p>
             <a:r>
-              <a:rPr lang="en-US" sz="1000">
+              <a:rPr lang="ja-JP" sz="1000" dirty="0">
                 <a:solidFill>
                   <a:srgbClr val="020302"/>
                 </a:solidFill>
-                <a:latin typeface="AdobeClean-Light"/>
+                <a:latin typeface="Adobe Clean Han Regular" panose="020B0500000000000000" pitchFamily="34" charset="-128"/>
+                <a:ea typeface="Adobe Clean Han Regular" panose="020B0500000000000000" pitchFamily="34" charset="-128"/>
               </a:rPr>
-              <a:t>Authorized users or Named Support Contacts </a:t>
+              <a:t>承認済みユーザーまたはサポート対象ユーザーは、</a:t>
             </a:r>
             <a:r>
-              <a:rPr lang="en-US" sz="1000">
-                <a:latin typeface="Adobe Clean Light" panose="020B0303020404020204" pitchFamily="34" charset="0"/>
+              <a:rPr lang="ja-JP" sz="1000" dirty="0">
+                <a:latin typeface="Adobe Clean Han Regular" panose="020B0500000000000000" pitchFamily="34" charset="-128"/>
+                <a:ea typeface="Adobe Clean Han Regular" panose="020B0500000000000000" pitchFamily="34" charset="-128"/>
               </a:rPr>
-              <a:t>can submit issues through all available  channels (including phone for P1) and interact with our technical support team on behalf of your company. </a:t>
+              <a:t>使用可能なすべてのチャネル（P1 の場合は電話を含む）を通じて問題を申請でき、お客様の会社を代表してアドビのテクニカルサポートチームとやり取りできます。 </a:t>
             </a:r>
-            <a:endParaRPr lang="en-US" sz="1000">
-              <a:solidFill>
-                <a:srgbClr val="000000"/>
-              </a:solidFill>
-              <a:latin typeface="Adobe Clean Light" panose="020B0303020404020204" pitchFamily="34" charset="0"/>
-            </a:endParaRPr>
           </a:p>
         </p:txBody>
       </p:sp>
@@ -7969,8 +7122,8 @@
         </p:nvSpPr>
         <p:spPr>
           <a:xfrm>
-            <a:off x="5253416" y="9862966"/>
-            <a:ext cx="2270125" cy="132729"/>
+            <a:off x="4905376" y="9862966"/>
+            <a:ext cx="2618166" cy="132729"/>
           </a:xfrm>
           <a:prstGeom prst="rect">
             <a:avLst/>
@@ -7991,24 +7144,11 @@
               </a:spcBef>
             </a:pPr>
             <a:r>
-              <a:rPr spc="-5"/>
-              <a:t>©202</a:t>
-            </a:r>
-            <a:r>
-              <a:rPr lang="en-US" spc="-5"/>
-              <a:t>1</a:t>
-            </a:r>
-            <a:r>
-              <a:rPr spc="-5"/>
-              <a:t> Adobe. All Rights Reserved. Adobe</a:t>
-            </a:r>
-            <a:r>
-              <a:rPr spc="60"/>
-              <a:t> </a:t>
-            </a:r>
-            <a:r>
-              <a:rPr spc="-5"/>
-              <a:t>Confidential.</a:t>
+              <a:rPr lang="ja-JP" dirty="0">
+                <a:latin typeface="Adobe Clean Han Regular" panose="020B0500000000000000" pitchFamily="34" charset="-128"/>
+                <a:ea typeface="Adobe Clean Han Regular" panose="020B0500000000000000" pitchFamily="34" charset="-128"/>
+              </a:rPr>
+              <a:t>©2021 Adobe.All Rights Reserved.Adobe Confidential.</a:t>
             </a:r>
           </a:p>
         </p:txBody>
@@ -8029,8 +7169,8 @@
         </p:nvSpPr>
         <p:spPr>
           <a:xfrm>
-            <a:off x="821898" y="1099315"/>
-            <a:ext cx="1726164" cy="184666"/>
+            <a:off x="821897" y="1099315"/>
+            <a:ext cx="1748387" cy="369332"/>
           </a:xfrm>
           <a:prstGeom prst="rect">
             <a:avLst/>
@@ -8051,13 +7191,33 @@
               </a:spcAft>
             </a:pPr>
             <a:r>
-              <a:rPr lang="en-US" sz="1200" b="1" spc="-10">
+              <a:rPr lang="ja-JP" sz="1200" b="1" dirty="0">
                 <a:solidFill>
                   <a:srgbClr val="020302"/>
                 </a:solidFill>
-                <a:latin typeface="+mj-lt"/>
+                <a:latin typeface="Adobe Clean Han Regular" panose="020B0500000000000000" pitchFamily="34" charset="-128"/>
+                <a:ea typeface="Adobe Clean Han Regular" panose="020B0500000000000000" pitchFamily="34" charset="-128"/>
               </a:rPr>
-              <a:t>Account Support Lead</a:t>
+              <a:t>アカウントサポー</a:t>
+            </a:r>
+            <a:br>
+              <a:rPr lang="sk-SK" altLang="ja-JP" sz="1200" b="1" dirty="0">
+                <a:solidFill>
+                  <a:srgbClr val="020302"/>
+                </a:solidFill>
+                <a:latin typeface="Adobe Clean Han Regular" panose="020B0500000000000000" pitchFamily="34" charset="-128"/>
+                <a:ea typeface="Adobe Clean Han Regular" panose="020B0500000000000000" pitchFamily="34" charset="-128"/>
+              </a:rPr>
+            </a:br>
+            <a:r>
+              <a:rPr lang="ja-JP" sz="1200" b="1" dirty="0">
+                <a:solidFill>
+                  <a:srgbClr val="020302"/>
+                </a:solidFill>
+                <a:latin typeface="Adobe Clean Han Regular" panose="020B0500000000000000" pitchFamily="34" charset="-128"/>
+                <a:ea typeface="Adobe Clean Han Regular" panose="020B0500000000000000" pitchFamily="34" charset="-128"/>
+              </a:rPr>
+              <a:t>トリード</a:t>
             </a:r>
           </a:p>
         </p:txBody>
@@ -8077,7 +7237,7 @@
         <p:spPr>
           <a:xfrm>
             <a:off x="401995" y="5785009"/>
-            <a:ext cx="1848207" cy="45719"/>
+            <a:ext cx="2168289" cy="68828"/>
           </a:xfrm>
           <a:custGeom>
             <a:avLst/>
@@ -8106,7 +7266,10 @@
           <a:bodyPr wrap="square" lIns="0" tIns="0" rIns="0" bIns="0" rtlCol="0"/>
           <a:lstStyle/>
           <a:p>
-            <a:endParaRPr/>
+            <a:endParaRPr>
+              <a:latin typeface="Adobe Clean Han Regular" panose="020B0500000000000000" pitchFamily="34" charset="-128"/>
+              <a:ea typeface="Adobe Clean Han Regular" panose="020B0500000000000000" pitchFamily="34" charset="-128"/>
+            </a:endParaRPr>
           </a:p>
         </p:txBody>
       </p:sp>
@@ -8125,7 +7288,7 @@
         <p:spPr>
           <a:xfrm>
             <a:off x="318713" y="5432541"/>
-            <a:ext cx="2006640" cy="307777"/>
+            <a:ext cx="2409634" cy="307777"/>
           </a:xfrm>
           <a:prstGeom prst="rect">
             <a:avLst/>
@@ -8146,19 +7309,16 @@
               </a:spcBef>
             </a:pPr>
             <a:r>
-              <a:rPr lang="en-US" sz="1400" b="1" spc="-10">
+              <a:rPr lang="ja-JP" sz="1400" b="1" dirty="0">
                 <a:solidFill>
                   <a:srgbClr val="020302"/>
                 </a:solidFill>
-                <a:latin typeface="Adobe Clean"/>
+                <a:latin typeface="Adobe Clean Han Regular" panose="020B0500000000000000" pitchFamily="34" charset="-128"/>
+                <a:ea typeface="Adobe Clean Han Regular" panose="020B0500000000000000" pitchFamily="34" charset="-128"/>
                 <a:cs typeface="Adobe Clean"/>
               </a:rPr>
-              <a:t>Online Support Features</a:t>
+              <a:t>オンラインサポートの特長</a:t>
             </a:r>
-            <a:endParaRPr lang="en-US" sz="1400">
-              <a:latin typeface="Adobe Clean"/>
-              <a:cs typeface="Adobe Clean"/>
-            </a:endParaRPr>
           </a:p>
         </p:txBody>
       </p:sp>
@@ -8206,7 +7366,10 @@
           <a:bodyPr wrap="square" lIns="0" tIns="0" rIns="0" bIns="0" rtlCol="0"/>
           <a:lstStyle/>
           <a:p>
-            <a:endParaRPr/>
+            <a:endParaRPr>
+              <a:latin typeface="Adobe Clean Han Regular" panose="020B0500000000000000" pitchFamily="34" charset="-128"/>
+              <a:ea typeface="Adobe Clean Han Regular" panose="020B0500000000000000" pitchFamily="34" charset="-128"/>
+            </a:endParaRPr>
           </a:p>
         </p:txBody>
       </p:sp>
@@ -8225,7 +7388,7 @@
         <p:spPr>
           <a:xfrm>
             <a:off x="240424" y="429188"/>
-            <a:ext cx="2163221" cy="307777"/>
+            <a:ext cx="2225289" cy="307777"/>
           </a:xfrm>
           <a:prstGeom prst="rect">
             <a:avLst/>
@@ -8246,19 +7409,16 @@
               </a:spcBef>
             </a:pPr>
             <a:r>
-              <a:rPr lang="en-US" sz="1400" b="1" spc="-10">
+              <a:rPr lang="ja-JP" sz="1400" b="1" dirty="0">
                 <a:solidFill>
                   <a:srgbClr val="020302"/>
                 </a:solidFill>
-                <a:latin typeface="Adobe Clean"/>
+                <a:latin typeface="Adobe Clean Han Regular" panose="020B0500000000000000" pitchFamily="34" charset="-128"/>
+                <a:ea typeface="Adobe Clean Han Regular" panose="020B0500000000000000" pitchFamily="34" charset="-128"/>
                 <a:cs typeface="Adobe Clean"/>
               </a:rPr>
-              <a:t>Business  Support Features</a:t>
+              <a:t>ビジネスサポートの特長</a:t>
             </a:r>
-            <a:endParaRPr lang="en-US" sz="1400">
-              <a:latin typeface="Adobe Clean"/>
-              <a:cs typeface="Adobe Clean"/>
-            </a:endParaRPr>
           </a:p>
         </p:txBody>
       </p:sp>
@@ -8276,8 +7436,8 @@
         </p:nvSpPr>
         <p:spPr>
           <a:xfrm>
-            <a:off x="2836967" y="1370913"/>
-            <a:ext cx="2286000" cy="1456681"/>
+            <a:off x="2836966" y="1370913"/>
+            <a:ext cx="2387373" cy="1639167"/>
           </a:xfrm>
           <a:prstGeom prst="rect">
             <a:avLst/>
@@ -8298,15 +7458,12 @@
               </a:spcBef>
             </a:pPr>
             <a:r>
-              <a:rPr lang="en-US" sz="1000">
-                <a:latin typeface="Adobe Clean Light" panose="020B0303020404020204" pitchFamily="34" charset="0"/>
+              <a:rPr lang="ja-JP" sz="1000" spc="-30" dirty="0">
+                <a:latin typeface="Adobe Clean Han Regular" panose="020B0500000000000000" pitchFamily="34" charset="-128"/>
+                <a:ea typeface="Adobe Clean Han Regular" panose="020B0500000000000000" pitchFamily="34" charset="-128"/>
               </a:rPr>
-              <a:t>Customers can submit support cases via Phone for all P2, P3, P4 issues during regional support hours. There are no upper limits on the number of times you can call into support. Customers can also request a call back from support or request a meeting to demonstrate or work through an issue using a shared remote desktop session.</a:t>
+              <a:t>お客様は、P2、P3、P4 のすべての問題について、地域のサポート時間内に電話でサポートケースを申請できます。サポートへの電話の回数に上限はありません。また、サポートからの折り返し連絡やミーティングをリクエストすることもできます。ミーティングでは、共有リモートデスクトップセッションを使用して、問題の説明や対処を受けることができます。</a:t>
             </a:r>
-            <a:endParaRPr lang="en-US" sz="1000">
-              <a:latin typeface="Adobe Clean Light" panose="020B0303020404020204" pitchFamily="34" charset="0"/>
-              <a:cs typeface="AdobeClean-Light"/>
-            </a:endParaRPr>
           </a:p>
         </p:txBody>
       </p:sp>
@@ -8348,13 +7505,14 @@
               </a:spcAft>
             </a:pPr>
             <a:r>
-              <a:rPr lang="en-US" sz="1200" b="1" spc="-10">
+              <a:rPr lang="ja-JP" sz="1200" b="1">
                 <a:solidFill>
                   <a:srgbClr val="020302"/>
                 </a:solidFill>
-                <a:latin typeface="+mj-lt"/>
+                <a:latin typeface="Adobe Clean Han Regular" panose="020B0500000000000000" pitchFamily="34" charset="-128"/>
+                <a:ea typeface="Adobe Clean Han Regular" panose="020B0500000000000000" pitchFamily="34" charset="-128"/>
               </a:rPr>
-              <a:t>Live Telephone Support</a:t>
+              <a:t>電話サポート（ライブ）</a:t>
             </a:r>
           </a:p>
         </p:txBody>
@@ -8395,18 +7553,15 @@
               </a:spcBef>
             </a:pPr>
             <a:r>
-              <a:rPr lang="en-US" sz="1000">
+              <a:rPr lang="ja-JP" sz="1000" dirty="0">
                 <a:solidFill>
                   <a:srgbClr val="4B4B4B"/>
                 </a:solidFill>
-                <a:latin typeface="Adobe Clean Light" panose="020B0303020404020204" pitchFamily="34" charset="0"/>
+                <a:latin typeface="Adobe Clean Han Regular" panose="020B0500000000000000" pitchFamily="34" charset="-128"/>
+                <a:ea typeface="Adobe Clean Han Regular" panose="020B0500000000000000" pitchFamily="34" charset="-128"/>
               </a:rPr>
-              <a:t>A designated point of contact within Adobe who can provide escalation assistance, regular updates and ensure priority is given to your most critical open support requests.</a:t>
+              <a:t>アドビ内の専任連絡窓口が、エスカレーション支援や定期的なアップデートを提供し、お客様の最も重要なオープン中のサポートリクエストに優先的に対応します。</a:t>
             </a:r>
-            <a:endParaRPr lang="en-US" sz="1000">
-              <a:latin typeface="Adobe Clean Light" panose="020B0303020404020204" pitchFamily="34" charset="0"/>
-              <a:cs typeface="AdobeClean-Light"/>
-            </a:endParaRPr>
           </a:p>
         </p:txBody>
       </p:sp>
@@ -8448,13 +7603,14 @@
               </a:spcAft>
             </a:pPr>
             <a:r>
-              <a:rPr lang="en-US" sz="1200" b="1" spc="-10">
+              <a:rPr lang="ja-JP" sz="1200" b="1">
                 <a:solidFill>
                   <a:srgbClr val="020302"/>
                 </a:solidFill>
-                <a:latin typeface="+mj-lt"/>
+                <a:latin typeface="Adobe Clean Han Regular" panose="020B0500000000000000" pitchFamily="34" charset="-128"/>
+                <a:ea typeface="Adobe Clean Han Regular" panose="020B0500000000000000" pitchFamily="34" charset="-128"/>
               </a:rPr>
-              <a:t>Escalation Management</a:t>
+              <a:t>エスカレーション管理</a:t>
             </a:r>
           </a:p>
         </p:txBody>
@@ -8502,10 +7658,12 @@
               <a:defRPr/>
             </a:pPr>
             <a:r>
-              <a:rPr lang="en-US" sz="1200">
+              <a:rPr lang="ja-JP" sz="1200" dirty="0">
                 <a:solidFill>
                   <a:srgbClr val="000000"/>
                 </a:solidFill>
+                <a:latin typeface="Adobe Clean Han Regular" panose="020B0500000000000000" pitchFamily="34" charset="-128"/>
+                <a:ea typeface="Adobe Clean Han Regular" panose="020B0500000000000000" pitchFamily="34" charset="-128"/>
               </a:rPr>
               <a:t>Office Hours</a:t>
             </a:r>
@@ -8529,7 +7687,7 @@
         <p:spPr>
           <a:xfrm>
             <a:off x="838200" y="8373543"/>
-            <a:ext cx="604974" cy="184666"/>
+            <a:ext cx="793487" cy="184666"/>
           </a:xfrm>
           <a:prstGeom prst="rect">
             <a:avLst/>
@@ -8550,12 +7708,12 @@
               </a:spcAft>
             </a:pPr>
             <a:r>
-              <a:rPr lang="en-US" sz="1200" b="1">
-                <a:latin typeface="+mj-lt"/>
-                <a:ea typeface="Open Sans" pitchFamily="34" charset="0"/>
+              <a:rPr lang="ja-JP" sz="1200" b="1">
+                <a:latin typeface="Adobe Clean Han Regular" panose="020B0500000000000000" pitchFamily="34" charset="-128"/>
+                <a:ea typeface="Adobe Clean Han Regular" panose="020B0500000000000000" pitchFamily="34" charset="-128"/>
                 <a:cs typeface="Open Sans" pitchFamily="34" charset="0"/>
               </a:rPr>
-              <a:t>Webinars</a:t>
+              <a:t>ウェビナー</a:t>
             </a:r>
           </a:p>
         </p:txBody>
@@ -8575,7 +7733,7 @@
         <p:spPr>
           <a:xfrm>
             <a:off x="370040" y="8618616"/>
-            <a:ext cx="2286000" cy="1113125"/>
+            <a:ext cx="2424168" cy="1113125"/>
           </a:xfrm>
           <a:prstGeom prst="rect">
             <a:avLst/>
@@ -8588,13 +7746,14 @@
           <a:lstStyle/>
           <a:p>
             <a:r>
-              <a:rPr lang="en-US" sz="1000">
+              <a:rPr lang="ja-JP" sz="1000" dirty="0">
                 <a:solidFill>
                   <a:srgbClr val="000000"/>
                 </a:solidFill>
-                <a:latin typeface="Adobe Clean Light" panose="020B0303020404020204" pitchFamily="34" charset="0"/>
+                <a:latin typeface="Adobe Clean Han Regular" panose="020B0500000000000000" pitchFamily="34" charset="-128"/>
+                <a:ea typeface="Adobe Clean Han Regular" panose="020B0500000000000000" pitchFamily="34" charset="-128"/>
               </a:rPr>
-              <a:t>Office Hours is an initiative led by the Adobe Customer Support team. These sessions are designed to inform as well as help participants troubleshoot problems and provide tips and tricks to be successful with Adobe Experience Cloud.</a:t>
+              <a:t>Office Hours は、アドビカスタマーサポートチーム主導による取り組みの 1 つです。これらのセッションは、参加者に情報を提供するだけでなく、問題のトラブルシューティングや Adobe Experience Cloud で成功するためのヒントやテクニックを紹介することを目的としています。</a:t>
             </a:r>
           </a:p>
         </p:txBody>
@@ -8616,7 +7775,7 @@
         <p:spPr>
           <a:xfrm>
             <a:off x="5851290" y="8373543"/>
-            <a:ext cx="1267206" cy="184666"/>
+            <a:ext cx="1328056" cy="369332"/>
           </a:xfrm>
           <a:prstGeom prst="rect">
             <a:avLst/>
@@ -8637,12 +7796,27 @@
               </a:spcAft>
             </a:pPr>
             <a:r>
-              <a:rPr lang="en-US" sz="1200" b="1">
-                <a:latin typeface="+mj-lt"/>
-                <a:ea typeface="Open Sans" pitchFamily="34" charset="0"/>
+              <a:rPr lang="ja-JP" sz="1200" b="1" dirty="0">
+                <a:latin typeface="Adobe Clean Han Regular" panose="020B0500000000000000" pitchFamily="34" charset="-128"/>
+                <a:ea typeface="Adobe Clean Han Regular" panose="020B0500000000000000" pitchFamily="34" charset="-128"/>
                 <a:cs typeface="Open Sans" pitchFamily="34" charset="0"/>
               </a:rPr>
-              <a:t>24/7 Support Portal</a:t>
+              <a:t>24 時間年中無休の</a:t>
+            </a:r>
+            <a:br>
+              <a:rPr lang="sk-SK" altLang="ja-JP" sz="1200" b="1" dirty="0">
+                <a:latin typeface="Adobe Clean Han Regular" panose="020B0500000000000000" pitchFamily="34" charset="-128"/>
+                <a:ea typeface="Adobe Clean Han Regular" panose="020B0500000000000000" pitchFamily="34" charset="-128"/>
+                <a:cs typeface="Open Sans" pitchFamily="34" charset="0"/>
+              </a:rPr>
+            </a:br>
+            <a:r>
+              <a:rPr lang="ja-JP" sz="1200" b="1" dirty="0">
+                <a:latin typeface="Adobe Clean Han Regular" panose="020B0500000000000000" pitchFamily="34" charset="-128"/>
+                <a:ea typeface="Adobe Clean Han Regular" panose="020B0500000000000000" pitchFamily="34" charset="-128"/>
+                <a:cs typeface="Open Sans" pitchFamily="34" charset="0"/>
+              </a:rPr>
+              <a:t>サポートポータル</a:t>
             </a:r>
           </a:p>
         </p:txBody>
@@ -8661,8 +7835,8 @@
         </p:nvSpPr>
         <p:spPr>
           <a:xfrm>
-            <a:off x="5376301" y="8618616"/>
-            <a:ext cx="2286000" cy="805349"/>
+            <a:off x="5376301" y="8771016"/>
+            <a:ext cx="2286000" cy="866904"/>
           </a:xfrm>
           <a:prstGeom prst="rect">
             <a:avLst/>
@@ -8675,30 +7849,14 @@
           <a:lstStyle/>
           <a:p>
             <a:r>
-              <a:rPr lang="en-US" sz="1000">
+              <a:rPr lang="ja-JP" sz="900" dirty="0">
                 <a:solidFill>
                   <a:srgbClr val="000000"/>
                 </a:solidFill>
-                <a:latin typeface="Adobe Clean Light" panose="020B0303020404020204" pitchFamily="34" charset="0"/>
+                <a:latin typeface="Adobe Clean Han Regular" panose="020B0500000000000000" pitchFamily="34" charset="-128"/>
+                <a:ea typeface="Adobe Clean Han Regular" panose="020B0500000000000000" pitchFamily="34" charset="-128"/>
               </a:rPr>
-              <a:t>On-demand access to the online </a:t>
-            </a:r>
-            <a:br>
-              <a:rPr lang="en-US" sz="1000">
-                <a:solidFill>
-                  <a:srgbClr val="000000"/>
-                </a:solidFill>
-                <a:latin typeface="Adobe Clean Light" panose="020B0303020404020204" pitchFamily="34" charset="0"/>
-              </a:rPr>
-            </a:br>
-            <a:r>
-              <a:rPr lang="en-US" sz="1000">
-                <a:solidFill>
-                  <a:srgbClr val="000000"/>
-                </a:solidFill>
-                <a:latin typeface="Adobe Clean Light" panose="020B0303020404020204" pitchFamily="34" charset="0"/>
-              </a:rPr>
-              <a:t>Self-help Support Portal to submit support requests, review case status, and browse other resources, like our knowledgebase, news and alerts, featured tips, and more.</a:t>
+              <a:t>オンラインのセルフサービスサポートポータルにオンデマンドでアクセスして、サポートリクエストを申請したり、ケースのステータスを確認したり、その他のリソース（ナレッジベース、ニュースとアラート、注目すべきヒントなど）を参照したりできます。</a:t>
             </a:r>
           </a:p>
         </p:txBody>
@@ -8795,8 +7953,8 @@
         </p:nvSpPr>
         <p:spPr>
           <a:xfrm>
-            <a:off x="789025" y="3499700"/>
-            <a:ext cx="1336142" cy="285247"/>
+            <a:off x="789024" y="3499700"/>
+            <a:ext cx="1461177" cy="276999"/>
           </a:xfrm>
           <a:prstGeom prst="rect">
             <a:avLst/>
@@ -8810,10 +7968,11 @@
           <a:lstStyle/>
           <a:p>
             <a:r>
-              <a:rPr lang="en-US" sz="1200" b="1">
-                <a:latin typeface="+mj-lt"/>
+              <a:rPr lang="ja-JP" sz="1200" b="1" dirty="0">
+                <a:latin typeface="Adobe Clean Han Regular" panose="020B0500000000000000" pitchFamily="34" charset="-128"/>
+                <a:ea typeface="Adobe Clean Han Regular" panose="020B0500000000000000" pitchFamily="34" charset="-128"/>
               </a:rPr>
-              <a:t>Business Services</a:t>
+              <a:t>ビジネスサービス</a:t>
             </a:r>
           </a:p>
         </p:txBody>
@@ -8854,15 +8013,12 @@
               </a:spcBef>
             </a:pPr>
             <a:r>
-              <a:rPr lang="en-US" sz="1000">
-                <a:latin typeface="Adobe Clean Light" panose="020B0303020404020204" pitchFamily="34" charset="0"/>
+              <a:rPr lang="ja-JP" sz="1000" dirty="0">
+                <a:latin typeface="Adobe Clean Han Regular" panose="020B0500000000000000" pitchFamily="34" charset="-128"/>
+                <a:ea typeface="Adobe Clean Han Regular" panose="020B0500000000000000" pitchFamily="34" charset="-128"/>
               </a:rPr>
-              <a:t>An Account Support Lead will host webinars covering an overview of business support services.  </a:t>
+              <a:t>アカウントサポートリード主催のウェビナーで、ビジネスサポートサービスの概要を学習できます。  </a:t>
             </a:r>
-            <a:endParaRPr lang="en-US" sz="1000">
-              <a:latin typeface="Adobe Clean Light" panose="020B0303020404020204" pitchFamily="34" charset="0"/>
-              <a:cs typeface="AdobeClean-Light"/>
-            </a:endParaRPr>
           </a:p>
         </p:txBody>
       </p:sp>
@@ -8917,7 +8073,10 @@
           <a:bodyPr wrap="square" lIns="0" tIns="0" rIns="0" bIns="0" rtlCol="0"/>
           <a:lstStyle/>
           <a:p>
-            <a:endParaRPr/>
+            <a:endParaRPr>
+              <a:latin typeface="Adobe Clean Han Regular" panose="020B0500000000000000" pitchFamily="34" charset="-128"/>
+              <a:ea typeface="Adobe Clean Han Regular" panose="020B0500000000000000" pitchFamily="34" charset="-128"/>
+            </a:endParaRPr>
           </a:p>
         </p:txBody>
       </p:sp>
@@ -9247,7 +8406,7 @@
         </p:nvSpPr>
         <p:spPr>
           <a:xfrm rot="5400000" flipH="1">
-            <a:off x="3863341" y="4967117"/>
+            <a:off x="3863341" y="5148092"/>
             <a:ext cx="45719" cy="5577840"/>
           </a:xfrm>
           <a:custGeom>
@@ -9284,7 +8443,10 @@
           <a:bodyPr wrap="square" lIns="0" tIns="0" rIns="0" bIns="0" rtlCol="0"/>
           <a:lstStyle/>
           <a:p>
-            <a:endParaRPr/>
+            <a:endParaRPr>
+              <a:latin typeface="Adobe Clean Han Regular" panose="020B0500000000000000" pitchFamily="34" charset="-128"/>
+              <a:ea typeface="Adobe Clean Han Regular" panose="020B0500000000000000" pitchFamily="34" charset="-128"/>
+            </a:endParaRPr>
           </a:p>
         </p:txBody>
       </p:sp>
@@ -9331,12 +8493,14 @@
               <a:defRPr/>
             </a:pPr>
             <a:r>
-              <a:rPr lang="en-US" sz="1200">
+              <a:rPr lang="ja-JP" sz="1200" dirty="0">
                 <a:solidFill>
                   <a:srgbClr val="000000"/>
                 </a:solidFill>
+                <a:latin typeface="Adobe Clean Han Regular" panose="020B0500000000000000" pitchFamily="34" charset="-128"/>
+                <a:ea typeface="Adobe Clean Han Regular" panose="020B0500000000000000" pitchFamily="34" charset="-128"/>
               </a:rPr>
-              <a:t>Self– Help Portal</a:t>
+              <a:t>セルフサービスポータル</a:t>
             </a:r>
           </a:p>
         </p:txBody>
@@ -9384,10 +8548,12 @@
               <a:defRPr/>
             </a:pPr>
             <a:r>
-              <a:rPr lang="en-US" sz="1200">
+              <a:rPr lang="ja-JP" sz="1200" dirty="0">
                 <a:solidFill>
                   <a:srgbClr val="000000"/>
                 </a:solidFill>
+                <a:latin typeface="Adobe Clean Han Regular" panose="020B0500000000000000" pitchFamily="34" charset="-128"/>
+                <a:ea typeface="Adobe Clean Han Regular" panose="020B0500000000000000" pitchFamily="34" charset="-128"/>
               </a:rPr>
               <a:t>Experience League</a:t>
             </a:r>
@@ -9446,49 +8612,16 @@
               </a:lnSpc>
             </a:pPr>
             <a:r>
-              <a:rPr sz="500" spc="-5">
+              <a:rPr lang="ja-JP" sz="500" dirty="0">
                 <a:solidFill>
                   <a:srgbClr val="6C6C6C"/>
                 </a:solidFill>
-                <a:latin typeface="Adobe Clean"/>
+                <a:latin typeface="Adobe Clean Han Regular" panose="020B0500000000000000" pitchFamily="34" charset="-128"/>
+                <a:ea typeface="Adobe Clean Han Regular" panose="020B0500000000000000" pitchFamily="34" charset="-128"/>
                 <a:cs typeface="Adobe Clean"/>
               </a:rPr>
-              <a:t>©2020 Adobe. All Rights Reserved. </a:t>
+              <a:t>©2020 Adobe.All Rights Reserved.Adobe Confidential.</a:t>
             </a:r>
-            <a:r>
-              <a:rPr sz="500">
-                <a:solidFill>
-                  <a:srgbClr val="6C6C6C"/>
-                </a:solidFill>
-                <a:latin typeface="Adobe Clean"/>
-                <a:cs typeface="Adobe Clean"/>
-              </a:rPr>
-              <a:t>Adobe</a:t>
-            </a:r>
-            <a:r>
-              <a:rPr sz="500" spc="5">
-                <a:solidFill>
-                  <a:srgbClr val="6C6C6C"/>
-                </a:solidFill>
-                <a:latin typeface="Adobe Clean"/>
-                <a:cs typeface="Adobe Clean"/>
-              </a:rPr>
-              <a:t> </a:t>
-            </a:r>
-            <a:r>
-              <a:rPr sz="500" spc="-5">
-                <a:solidFill>
-                  <a:srgbClr val="6C6C6C"/>
-                </a:solidFill>
-                <a:latin typeface="Adobe Clean"/>
-                <a:cs typeface="Adobe Clean"/>
-              </a:rPr>
-              <a:t>Confidential.</a:t>
-            </a:r>
-            <a:endParaRPr sz="500">
-              <a:latin typeface="Adobe Clean"/>
-              <a:cs typeface="Adobe Clean"/>
-            </a:endParaRPr>
           </a:p>
           <a:p>
             <a:pPr>
@@ -9499,8 +8632,9 @@
                 <a:spcPts val="25"/>
               </a:spcBef>
             </a:pPr>
-            <a:endParaRPr sz="800">
-              <a:latin typeface="Adobe Clean"/>
+            <a:endParaRPr sz="800" dirty="0">
+              <a:latin typeface="Adobe Clean Han Regular" panose="020B0500000000000000" pitchFamily="34" charset="-128"/>
+              <a:ea typeface="Adobe Clean Han Regular" panose="020B0500000000000000" pitchFamily="34" charset="-128"/>
               <a:cs typeface="Adobe Clean"/>
             </a:endParaRPr>
           </a:p>
@@ -9514,39 +8648,16 @@
               </a:spcBef>
             </a:pPr>
             <a:r>
-              <a:rPr sz="800" spc="-5">
+              <a:rPr lang="ja-JP" sz="800" dirty="0">
                 <a:solidFill>
                   <a:srgbClr val="6D6D6D"/>
                 </a:solidFill>
-                <a:latin typeface="Adobe Clean"/>
+                <a:latin typeface="Adobe Clean Han Regular" panose="020B0500000000000000" pitchFamily="34" charset="-128"/>
+                <a:ea typeface="Adobe Clean Han Regular" panose="020B0500000000000000" pitchFamily="34" charset="-128"/>
                 <a:cs typeface="Adobe Clean"/>
               </a:rPr>
-              <a:t>©2020 Adobe. All Rights Reserved. Adobe</a:t>
+              <a:t>©2020 Adobe.All Rights Reserved.Adobe Confidential.</a:t>
             </a:r>
-            <a:r>
-              <a:rPr sz="800" spc="75">
-                <a:solidFill>
-                  <a:srgbClr val="6D6D6D"/>
-                </a:solidFill>
-                <a:latin typeface="Adobe Clean"/>
-                <a:cs typeface="Adobe Clean"/>
-              </a:rPr>
-              <a:t> </a:t>
-            </a:r>
-            <a:r>
-              <a:rPr sz="800" spc="-5">
-                <a:solidFill>
-                  <a:srgbClr val="6D6D6D"/>
-                </a:solidFill>
-                <a:latin typeface="Adobe Clean"/>
-                <a:cs typeface="Adobe Clean"/>
-              </a:rPr>
-              <a:t>Confidential.</a:t>
-            </a:r>
-            <a:endParaRPr sz="800">
-              <a:latin typeface="Adobe Clean"/>
-              <a:cs typeface="Adobe Clean"/>
-            </a:endParaRPr>
           </a:p>
         </p:txBody>
       </p:sp>
@@ -9596,7 +8707,10 @@
           <a:bodyPr wrap="square" lIns="0" tIns="0" rIns="0" bIns="0" rtlCol="0"/>
           <a:lstStyle/>
           <a:p>
-            <a:endParaRPr/>
+            <a:endParaRPr>
+              <a:latin typeface="Adobe Clean Han Regular" panose="020B0500000000000000" pitchFamily="34" charset="-128"/>
+              <a:ea typeface="Adobe Clean Han Regular" panose="020B0500000000000000" pitchFamily="34" charset="-128"/>
+            </a:endParaRPr>
           </a:p>
         </p:txBody>
       </p:sp>
@@ -9630,19 +8744,16 @@
               </a:spcBef>
             </a:pPr>
             <a:r>
-              <a:rPr lang="en-US" sz="1400" b="1" spc="-15">
+              <a:rPr lang="ja-JP" sz="1400" b="1" dirty="0">
                 <a:solidFill>
                   <a:srgbClr val="020302"/>
                 </a:solidFill>
-                <a:latin typeface="Adobe Clean"/>
+                <a:latin typeface="Adobe Clean Han Regular" panose="020B0500000000000000" pitchFamily="34" charset="-128"/>
+                <a:ea typeface="Adobe Clean Han Regular" panose="020B0500000000000000" pitchFamily="34" charset="-128"/>
                 <a:cs typeface="Adobe Clean"/>
               </a:rPr>
-              <a:t>Resources</a:t>
+              <a:t>リソース</a:t>
             </a:r>
-            <a:endParaRPr sz="1400">
-              <a:latin typeface="Adobe Clean"/>
-              <a:cs typeface="Adobe Clean"/>
-            </a:endParaRPr>
           </a:p>
         </p:txBody>
       </p:sp>
@@ -9655,7 +8766,7 @@
         <p:spPr>
           <a:xfrm>
             <a:off x="6754821" y="9283729"/>
-            <a:ext cx="930275" cy="662305"/>
+            <a:ext cx="930275" cy="758541"/>
           </a:xfrm>
           <a:prstGeom prst="rect">
             <a:avLst/>
@@ -9676,19 +8787,16 @@
               </a:spcBef>
             </a:pPr>
             <a:r>
-              <a:rPr sz="800" spc="-15">
+              <a:rPr lang="ja-JP" sz="800" dirty="0">
                 <a:solidFill>
                   <a:srgbClr val="777879"/>
                 </a:solidFill>
-                <a:latin typeface="Adobe Clean"/>
+                <a:latin typeface="Adobe Clean Han Regular" panose="020B0500000000000000" pitchFamily="34" charset="-128"/>
+                <a:ea typeface="Adobe Clean Han Regular" panose="020B0500000000000000" pitchFamily="34" charset="-128"/>
                 <a:cs typeface="Adobe Clean"/>
               </a:rPr>
               <a:t>Adobe</a:t>
             </a:r>
-            <a:endParaRPr sz="800">
-              <a:latin typeface="Adobe Clean"/>
-              <a:cs typeface="Adobe Clean"/>
-            </a:endParaRPr>
           </a:p>
           <a:p>
             <a:pPr marL="12700">
@@ -9697,39 +8805,16 @@
               </a:lnSpc>
             </a:pPr>
             <a:r>
-              <a:rPr sz="800" spc="-15">
+              <a:rPr lang="ja-JP" sz="800" dirty="0">
                 <a:solidFill>
                   <a:srgbClr val="777879"/>
                 </a:solidFill>
-                <a:latin typeface="Adobe Clean"/>
+                <a:latin typeface="Adobe Clean Han Regular" panose="020B0500000000000000" pitchFamily="34" charset="-128"/>
+                <a:ea typeface="Adobe Clean Han Regular" panose="020B0500000000000000" pitchFamily="34" charset="-128"/>
                 <a:cs typeface="Adobe Clean"/>
               </a:rPr>
-              <a:t>345 Park</a:t>
+              <a:t>345 Park Avenue</a:t>
             </a:r>
-            <a:r>
-              <a:rPr sz="800" spc="-100">
-                <a:solidFill>
-                  <a:srgbClr val="777879"/>
-                </a:solidFill>
-                <a:latin typeface="Adobe Clean"/>
-                <a:cs typeface="Adobe Clean"/>
-              </a:rPr>
-              <a:t> </a:t>
-            </a:r>
-            <a:r>
-              <a:rPr sz="800" spc="-15">
-                <a:solidFill>
-                  <a:srgbClr val="777879"/>
-                </a:solidFill>
-                <a:latin typeface="Adobe Clean"/>
-                <a:cs typeface="Adobe Clean"/>
-              </a:rPr>
-              <a:t>Avenue</a:t>
-            </a:r>
-            <a:endParaRPr sz="800">
-              <a:latin typeface="Adobe Clean"/>
-              <a:cs typeface="Adobe Clean"/>
-            </a:endParaRPr>
           </a:p>
           <a:p>
             <a:pPr marL="12700">
@@ -9738,49 +8823,16 @@
               </a:lnSpc>
             </a:pPr>
             <a:r>
-              <a:rPr sz="800" spc="-10">
+              <a:rPr lang="ja-JP" sz="800" dirty="0">
                 <a:solidFill>
                   <a:srgbClr val="777879"/>
                 </a:solidFill>
-                <a:latin typeface="Adobe Clean"/>
+                <a:latin typeface="Adobe Clean Han Regular" panose="020B0500000000000000" pitchFamily="34" charset="-128"/>
+                <a:ea typeface="Adobe Clean Han Regular" panose="020B0500000000000000" pitchFamily="34" charset="-128"/>
                 <a:cs typeface="Adobe Clean"/>
               </a:rPr>
-              <a:t>San </a:t>
+              <a:t>San Jose, CA95110-2704</a:t>
             </a:r>
-            <a:r>
-              <a:rPr sz="800" spc="-15">
-                <a:solidFill>
-                  <a:srgbClr val="777879"/>
-                </a:solidFill>
-                <a:latin typeface="Adobe Clean"/>
-                <a:cs typeface="Adobe Clean"/>
-              </a:rPr>
-              <a:t>Jose,</a:t>
-            </a:r>
-            <a:r>
-              <a:rPr sz="800" spc="-140">
-                <a:solidFill>
-                  <a:srgbClr val="777879"/>
-                </a:solidFill>
-                <a:latin typeface="Adobe Clean"/>
-                <a:cs typeface="Adobe Clean"/>
-              </a:rPr>
-              <a:t> </a:t>
-            </a:r>
-            <a:r>
-              <a:rPr sz="800" spc="-20">
-                <a:solidFill>
-                  <a:srgbClr val="777879"/>
-                </a:solidFill>
-                <a:latin typeface="Adobe Clean"/>
-                <a:cs typeface="Adobe Clean"/>
-              </a:rPr>
-              <a:t>CA95110-2704</a:t>
-            </a:r>
-            <a:endParaRPr sz="800">
-              <a:latin typeface="Adobe Clean"/>
-              <a:cs typeface="Adobe Clean"/>
-            </a:endParaRPr>
           </a:p>
           <a:p>
             <a:pPr marL="12700">
@@ -9792,19 +8844,16 @@
               </a:spcBef>
             </a:pPr>
             <a:r>
-              <a:rPr sz="800" spc="-10">
+              <a:rPr lang="ja-JP" sz="800" dirty="0">
                 <a:solidFill>
                   <a:srgbClr val="777879"/>
                 </a:solidFill>
-                <a:latin typeface="Adobe Clean"/>
+                <a:latin typeface="Adobe Clean Han Regular" panose="020B0500000000000000" pitchFamily="34" charset="-128"/>
+                <a:ea typeface="Adobe Clean Han Regular" panose="020B0500000000000000" pitchFamily="34" charset="-128"/>
                 <a:cs typeface="Adobe Clean"/>
               </a:rPr>
               <a:t>USA</a:t>
             </a:r>
-            <a:endParaRPr sz="800">
-              <a:latin typeface="Adobe Clean"/>
-              <a:cs typeface="Adobe Clean"/>
-            </a:endParaRPr>
           </a:p>
           <a:p>
             <a:pPr marL="12700">
@@ -9816,7 +8865,7 @@
               </a:spcBef>
             </a:pPr>
             <a:r>
-              <a:rPr sz="800" u="sng" spc="-25">
+              <a:rPr lang="ja-JP" sz="800" u="sng" dirty="0">
                 <a:solidFill>
                   <a:srgbClr val="5F5F5F"/>
                 </a:solidFill>
@@ -9825,16 +8874,13 @@
                     <a:srgbClr val="0000FF"/>
                   </a:solidFill>
                 </a:uFill>
-                <a:latin typeface="Adobe Clean"/>
+                <a:latin typeface="Adobe Clean Han Regular" panose="020B0500000000000000" pitchFamily="34" charset="-128"/>
+                <a:ea typeface="Adobe Clean Han Regular" panose="020B0500000000000000" pitchFamily="34" charset="-128"/>
                 <a:cs typeface="Adobe Clean"/>
                 <a:hlinkClick r:id="rId3"/>
               </a:rPr>
               <a:t>www.adobe.com</a:t>
             </a:r>
-            <a:endParaRPr sz="800">
-              <a:latin typeface="Adobe Clean"/>
-              <a:cs typeface="Adobe Clean"/>
-            </a:endParaRPr>
           </a:p>
         </p:txBody>
       </p:sp>
@@ -9863,7 +8909,10 @@
           <a:bodyPr wrap="square" lIns="0" tIns="0" rIns="0" bIns="0" rtlCol="0"/>
           <a:lstStyle/>
           <a:p>
-            <a:endParaRPr/>
+            <a:endParaRPr>
+              <a:latin typeface="Adobe Clean Han Regular" panose="020B0500000000000000" pitchFamily="34" charset="-128"/>
+              <a:ea typeface="Adobe Clean Han Regular" panose="020B0500000000000000" pitchFamily="34" charset="-128"/>
+            </a:endParaRPr>
           </a:p>
         </p:txBody>
       </p:sp>
@@ -9946,7 +8995,10 @@
           <a:bodyPr wrap="square" lIns="0" tIns="0" rIns="0" bIns="0" rtlCol="0"/>
           <a:lstStyle/>
           <a:p>
-            <a:endParaRPr/>
+            <a:endParaRPr>
+              <a:latin typeface="Adobe Clean Han Regular" panose="020B0500000000000000" pitchFamily="34" charset="-128"/>
+              <a:ea typeface="Adobe Clean Han Regular" panose="020B0500000000000000" pitchFamily="34" charset="-128"/>
+            </a:endParaRPr>
           </a:p>
         </p:txBody>
       </p:sp>
@@ -9975,7 +9027,10 @@
           <a:bodyPr wrap="square" lIns="0" tIns="0" rIns="0" bIns="0" rtlCol="0"/>
           <a:lstStyle/>
           <a:p>
-            <a:endParaRPr/>
+            <a:endParaRPr>
+              <a:latin typeface="Adobe Clean Han Regular" panose="020B0500000000000000" pitchFamily="34" charset="-128"/>
+              <a:ea typeface="Adobe Clean Han Regular" panose="020B0500000000000000" pitchFamily="34" charset="-128"/>
+            </a:endParaRPr>
           </a:p>
         </p:txBody>
       </p:sp>
@@ -9988,14 +9043,14 @@
         <p:spPr>
           <a:xfrm>
             <a:off x="75947" y="9437110"/>
-            <a:ext cx="5466715" cy="570865"/>
+            <a:ext cx="5896662" cy="563616"/>
           </a:xfrm>
           <a:prstGeom prst="rect">
             <a:avLst/>
           </a:prstGeom>
         </p:spPr>
         <p:txBody>
-          <a:bodyPr vert="horz" wrap="square" lIns="0" tIns="29845" rIns="0" bIns="0" rtlCol="0" anchor="t">
+          <a:bodyPr vert="horz" wrap="square" lIns="0" tIns="29845" rIns="0" bIns="0" rtlCol="0">
             <a:spAutoFit/>
           </a:bodyPr>
           <a:lstStyle/>
@@ -10009,439 +9064,16 @@
               </a:spcBef>
             </a:pPr>
             <a:r>
-              <a:rPr sz="1100" i="1" spc="-10">
+              <a:rPr lang="ja-JP" sz="1100" i="1" dirty="0">
                 <a:solidFill>
                   <a:srgbClr val="777879"/>
                 </a:solidFill>
-                <a:latin typeface="AdobeClean-LightIt"/>
+                <a:latin typeface="Adobe Clean Han Regular" panose="020B0500000000000000" pitchFamily="34" charset="-128"/>
+                <a:ea typeface="Adobe Clean Han Regular" panose="020B0500000000000000" pitchFamily="34" charset="-128"/>
                 <a:cs typeface="AdobeClean-LightIt"/>
               </a:rPr>
-              <a:t>To</a:t>
+              <a:t>アドビサポートのサービスやお客様に最適なレベルについて詳しくは、専任アカウントマネージャー（NAM）またはカスタマーサクセスマネージャー（CSM）にお問い合わせください。</a:t>
             </a:r>
-            <a:r>
-              <a:rPr sz="1100" i="1" spc="-50">
-                <a:solidFill>
-                  <a:srgbClr val="777879"/>
-                </a:solidFill>
-                <a:latin typeface="AdobeClean-LightIt"/>
-                <a:cs typeface="AdobeClean-LightIt"/>
-              </a:rPr>
-              <a:t> </a:t>
-            </a:r>
-            <a:r>
-              <a:rPr sz="1100" i="1" spc="-15">
-                <a:solidFill>
-                  <a:srgbClr val="777879"/>
-                </a:solidFill>
-                <a:latin typeface="AdobeClean-LightIt"/>
-                <a:cs typeface="AdobeClean-LightIt"/>
-              </a:rPr>
-              <a:t>learn</a:t>
-            </a:r>
-            <a:r>
-              <a:rPr sz="1100" i="1" spc="-40">
-                <a:solidFill>
-                  <a:srgbClr val="777879"/>
-                </a:solidFill>
-                <a:latin typeface="AdobeClean-LightIt"/>
-                <a:cs typeface="AdobeClean-LightIt"/>
-              </a:rPr>
-              <a:t> </a:t>
-            </a:r>
-            <a:r>
-              <a:rPr sz="1100" i="1" spc="-15">
-                <a:solidFill>
-                  <a:srgbClr val="777879"/>
-                </a:solidFill>
-                <a:latin typeface="AdobeClean-LightIt"/>
-                <a:cs typeface="AdobeClean-LightIt"/>
-              </a:rPr>
-              <a:t>more</a:t>
-            </a:r>
-            <a:r>
-              <a:rPr sz="1100" i="1" spc="-45">
-                <a:solidFill>
-                  <a:srgbClr val="777879"/>
-                </a:solidFill>
-                <a:latin typeface="AdobeClean-LightIt"/>
-                <a:cs typeface="AdobeClean-LightIt"/>
-              </a:rPr>
-              <a:t> </a:t>
-            </a:r>
-            <a:r>
-              <a:rPr sz="1100" i="1" spc="-15">
-                <a:solidFill>
-                  <a:srgbClr val="777879"/>
-                </a:solidFill>
-                <a:latin typeface="AdobeClean-LightIt"/>
-                <a:cs typeface="AdobeClean-LightIt"/>
-              </a:rPr>
-              <a:t>about</a:t>
-            </a:r>
-            <a:r>
-              <a:rPr sz="1100" i="1" spc="-45">
-                <a:solidFill>
-                  <a:srgbClr val="777879"/>
-                </a:solidFill>
-                <a:latin typeface="AdobeClean-LightIt"/>
-                <a:cs typeface="AdobeClean-LightIt"/>
-              </a:rPr>
-              <a:t> </a:t>
-            </a:r>
-            <a:r>
-              <a:rPr sz="1100" i="1" spc="-15">
-                <a:solidFill>
-                  <a:srgbClr val="777879"/>
-                </a:solidFill>
-                <a:latin typeface="AdobeClean-LightIt"/>
-                <a:cs typeface="AdobeClean-LightIt"/>
-              </a:rPr>
-              <a:t>Adobe</a:t>
-            </a:r>
-            <a:r>
-              <a:rPr sz="1100" i="1" spc="-50">
-                <a:solidFill>
-                  <a:srgbClr val="777879"/>
-                </a:solidFill>
-                <a:latin typeface="AdobeClean-LightIt"/>
-                <a:cs typeface="AdobeClean-LightIt"/>
-              </a:rPr>
-              <a:t> </a:t>
-            </a:r>
-            <a:r>
-              <a:rPr sz="1100" i="1" spc="-15">
-                <a:solidFill>
-                  <a:srgbClr val="777879"/>
-                </a:solidFill>
-                <a:latin typeface="AdobeClean-LightIt"/>
-                <a:cs typeface="AdobeClean-LightIt"/>
-              </a:rPr>
-              <a:t>Support</a:t>
-            </a:r>
-            <a:r>
-              <a:rPr lang="en-US" sz="1100" i="1" spc="-15">
-                <a:solidFill>
-                  <a:srgbClr val="777879"/>
-                </a:solidFill>
-                <a:latin typeface="AdobeClean-LightIt"/>
-                <a:cs typeface="AdobeClean-LightIt"/>
-              </a:rPr>
-              <a:t> Offerings</a:t>
-            </a:r>
-            <a:r>
-              <a:rPr sz="1100" i="1" spc="-75">
-                <a:solidFill>
-                  <a:srgbClr val="777879"/>
-                </a:solidFill>
-                <a:latin typeface="AdobeClean-LightIt"/>
-                <a:cs typeface="AdobeClean-LightIt"/>
-              </a:rPr>
-              <a:t> </a:t>
-            </a:r>
-            <a:r>
-              <a:rPr sz="1100" i="1" spc="-15">
-                <a:solidFill>
-                  <a:srgbClr val="777879"/>
-                </a:solidFill>
-                <a:latin typeface="AdobeClean-LightIt"/>
-                <a:cs typeface="AdobeClean-LightIt"/>
-              </a:rPr>
-              <a:t>and</a:t>
-            </a:r>
-            <a:r>
-              <a:rPr sz="1100" i="1" spc="-50">
-                <a:solidFill>
-                  <a:srgbClr val="777879"/>
-                </a:solidFill>
-                <a:latin typeface="AdobeClean-LightIt"/>
-                <a:cs typeface="AdobeClean-LightIt"/>
-              </a:rPr>
-              <a:t> </a:t>
-            </a:r>
-            <a:r>
-              <a:rPr sz="1100" i="1" spc="-15">
-                <a:solidFill>
-                  <a:srgbClr val="777879"/>
-                </a:solidFill>
-                <a:latin typeface="AdobeClean-LightIt"/>
-                <a:cs typeface="AdobeClean-LightIt"/>
-              </a:rPr>
-              <a:t>the</a:t>
-            </a:r>
-            <a:r>
-              <a:rPr sz="1100" i="1" spc="-55">
-                <a:solidFill>
-                  <a:srgbClr val="777879"/>
-                </a:solidFill>
-                <a:latin typeface="AdobeClean-LightIt"/>
-                <a:cs typeface="AdobeClean-LightIt"/>
-              </a:rPr>
-              <a:t> </a:t>
-            </a:r>
-            <a:r>
-              <a:rPr sz="1100" i="1" spc="-15">
-                <a:solidFill>
-                  <a:srgbClr val="777879"/>
-                </a:solidFill>
-                <a:latin typeface="AdobeClean-LightIt"/>
-                <a:cs typeface="AdobeClean-LightIt"/>
-              </a:rPr>
-              <a:t>right</a:t>
-            </a:r>
-            <a:r>
-              <a:rPr sz="1100" i="1" spc="-95">
-                <a:solidFill>
-                  <a:srgbClr val="777879"/>
-                </a:solidFill>
-                <a:latin typeface="AdobeClean-LightIt"/>
-                <a:cs typeface="AdobeClean-LightIt"/>
-              </a:rPr>
-              <a:t> </a:t>
-            </a:r>
-            <a:r>
-              <a:rPr sz="1100" i="1" spc="-15">
-                <a:solidFill>
-                  <a:srgbClr val="777879"/>
-                </a:solidFill>
-                <a:latin typeface="AdobeClean-LightIt"/>
-                <a:cs typeface="AdobeClean-LightIt"/>
-              </a:rPr>
-              <a:t>level</a:t>
-            </a:r>
-            <a:r>
-              <a:rPr sz="1100" i="1" spc="-55">
-                <a:solidFill>
-                  <a:srgbClr val="777879"/>
-                </a:solidFill>
-                <a:latin typeface="AdobeClean-LightIt"/>
-                <a:cs typeface="AdobeClean-LightIt"/>
-              </a:rPr>
-              <a:t> </a:t>
-            </a:r>
-            <a:r>
-              <a:rPr sz="1100" i="1" spc="-15">
-                <a:solidFill>
-                  <a:srgbClr val="777879"/>
-                </a:solidFill>
-                <a:latin typeface="AdobeClean-LightIt"/>
-                <a:cs typeface="AdobeClean-LightIt"/>
-              </a:rPr>
-              <a:t>for</a:t>
-            </a:r>
-            <a:r>
-              <a:rPr sz="1100" i="1" spc="-85">
-                <a:solidFill>
-                  <a:srgbClr val="777879"/>
-                </a:solidFill>
-                <a:latin typeface="AdobeClean-LightIt"/>
-                <a:cs typeface="AdobeClean-LightIt"/>
-              </a:rPr>
-              <a:t> </a:t>
-            </a:r>
-            <a:r>
-              <a:rPr sz="1100" i="1" spc="-15">
-                <a:solidFill>
-                  <a:srgbClr val="777879"/>
-                </a:solidFill>
-                <a:latin typeface="AdobeClean-LightIt"/>
-                <a:cs typeface="AdobeClean-LightIt"/>
-              </a:rPr>
-              <a:t>you,</a:t>
-            </a:r>
-            <a:r>
-              <a:rPr sz="1100" i="1" spc="-65">
-                <a:solidFill>
-                  <a:srgbClr val="777879"/>
-                </a:solidFill>
-                <a:latin typeface="AdobeClean-LightIt"/>
-                <a:cs typeface="AdobeClean-LightIt"/>
-              </a:rPr>
-              <a:t> </a:t>
-            </a:r>
-            <a:r>
-              <a:rPr sz="1100" i="1" spc="-15">
-                <a:solidFill>
-                  <a:srgbClr val="777879"/>
-                </a:solidFill>
-                <a:latin typeface="AdobeClean-LightIt"/>
-                <a:cs typeface="AdobeClean-LightIt"/>
-              </a:rPr>
-              <a:t>contact</a:t>
-            </a:r>
-            <a:r>
-              <a:rPr sz="1100" i="1" spc="-85">
-                <a:solidFill>
-                  <a:srgbClr val="777879"/>
-                </a:solidFill>
-                <a:latin typeface="AdobeClean-LightIt"/>
-                <a:cs typeface="AdobeClean-LightIt"/>
-              </a:rPr>
-              <a:t> </a:t>
-            </a:r>
-            <a:r>
-              <a:rPr sz="1100" i="1" spc="-15">
-                <a:solidFill>
-                  <a:srgbClr val="777879"/>
-                </a:solidFill>
-                <a:latin typeface="AdobeClean-LightIt"/>
-                <a:cs typeface="AdobeClean-LightIt"/>
-              </a:rPr>
-              <a:t>your</a:t>
-            </a:r>
-            <a:r>
-              <a:rPr sz="1100" i="1" spc="-70">
-                <a:solidFill>
-                  <a:srgbClr val="777879"/>
-                </a:solidFill>
-                <a:latin typeface="AdobeClean-LightIt"/>
-                <a:cs typeface="AdobeClean-LightIt"/>
-              </a:rPr>
-              <a:t> </a:t>
-            </a:r>
-            <a:r>
-              <a:rPr sz="1100" i="1" spc="-15">
-                <a:solidFill>
-                  <a:srgbClr val="777879"/>
-                </a:solidFill>
-                <a:latin typeface="AdobeClean-LightIt"/>
-                <a:cs typeface="AdobeClean-LightIt"/>
-              </a:rPr>
-              <a:t>Named</a:t>
-            </a:r>
-            <a:r>
-              <a:rPr sz="1100" i="1" spc="-55">
-                <a:solidFill>
-                  <a:srgbClr val="777879"/>
-                </a:solidFill>
-                <a:latin typeface="AdobeClean-LightIt"/>
-                <a:cs typeface="AdobeClean-LightIt"/>
-              </a:rPr>
-              <a:t> </a:t>
-            </a:r>
-            <a:r>
-              <a:rPr sz="1100" i="1" spc="-25">
-                <a:solidFill>
-                  <a:srgbClr val="777879"/>
-                </a:solidFill>
-                <a:latin typeface="AdobeClean-LightIt"/>
-                <a:cs typeface="AdobeClean-LightIt"/>
-              </a:rPr>
-              <a:t>Account</a:t>
-            </a:r>
-            <a:r>
-              <a:rPr sz="1100" i="1" spc="-120">
-                <a:solidFill>
-                  <a:srgbClr val="777879"/>
-                </a:solidFill>
-                <a:latin typeface="AdobeClean-LightIt"/>
-                <a:cs typeface="AdobeClean-LightIt"/>
-              </a:rPr>
-              <a:t> </a:t>
-            </a:r>
-            <a:r>
-              <a:rPr sz="1100" i="1" spc="-20">
-                <a:solidFill>
-                  <a:srgbClr val="777879"/>
-                </a:solidFill>
-                <a:latin typeface="AdobeClean-LightIt"/>
-                <a:cs typeface="AdobeClean-LightIt"/>
-              </a:rPr>
-              <a:t>Manager</a:t>
-            </a:r>
-            <a:r>
-              <a:rPr lang="en-US" sz="1100" i="1" spc="-20">
-                <a:solidFill>
-                  <a:srgbClr val="777879"/>
-                </a:solidFill>
-                <a:latin typeface="AdobeClean-LightIt"/>
-                <a:cs typeface="AdobeClean-LightIt"/>
-              </a:rPr>
-              <a:t> </a:t>
-            </a:r>
-            <a:r>
-              <a:rPr sz="1100" i="1" spc="-20">
-                <a:solidFill>
-                  <a:srgbClr val="777879"/>
-                </a:solidFill>
-                <a:latin typeface="AdobeClean-LightIt"/>
-                <a:cs typeface="AdobeClean-LightIt"/>
-              </a:rPr>
-              <a:t> </a:t>
-            </a:r>
-            <a:r>
-              <a:rPr sz="1100" i="1" spc="-15">
-                <a:solidFill>
-                  <a:srgbClr val="777879"/>
-                </a:solidFill>
-                <a:latin typeface="AdobeClean-LightIt"/>
-                <a:cs typeface="AdobeClean-LightIt"/>
-              </a:rPr>
-              <a:t>(NAM) </a:t>
-            </a:r>
-            <a:r>
-              <a:rPr sz="1100" i="1" spc="-10">
-                <a:solidFill>
-                  <a:srgbClr val="777879"/>
-                </a:solidFill>
-                <a:latin typeface="AdobeClean-LightIt"/>
-                <a:cs typeface="AdobeClean-LightIt"/>
-              </a:rPr>
-              <a:t>or </a:t>
-            </a:r>
-            <a:r>
-              <a:rPr sz="1100" i="1" spc="-15">
-                <a:solidFill>
-                  <a:srgbClr val="777879"/>
-                </a:solidFill>
-                <a:latin typeface="AdobeClean-LightIt"/>
-                <a:cs typeface="AdobeClean-LightIt"/>
-              </a:rPr>
-              <a:t>Customer</a:t>
-            </a:r>
-            <a:r>
-              <a:rPr lang="en-US" sz="1100" i="1" spc="-15">
-                <a:solidFill>
-                  <a:srgbClr val="777879"/>
-                </a:solidFill>
-                <a:latin typeface="AdobeClean-LightIt"/>
-                <a:cs typeface="AdobeClean-LightIt"/>
-              </a:rPr>
-              <a:t> </a:t>
-            </a:r>
-            <a:r>
-              <a:rPr lang="en-US" sz="1100" i="1" spc="-20">
-                <a:solidFill>
-                  <a:srgbClr val="777879"/>
-                </a:solidFill>
-                <a:latin typeface="AdobeClean-LightIt"/>
-                <a:cs typeface="AdobeClean-LightIt"/>
-              </a:rPr>
-              <a:t>Success </a:t>
-            </a:r>
-            <a:r>
-              <a:rPr lang="en-US" sz="1100" i="1" spc="-15">
-                <a:solidFill>
-                  <a:srgbClr val="777879"/>
-                </a:solidFill>
-                <a:latin typeface="AdobeClean-LightIt"/>
-                <a:cs typeface="AdobeClean-LightIt"/>
-              </a:rPr>
-              <a:t>Manager </a:t>
-            </a:r>
-            <a:r>
-              <a:rPr sz="1100" i="1" spc="-15">
-                <a:solidFill>
-                  <a:srgbClr val="777879"/>
-                </a:solidFill>
-                <a:latin typeface="AdobeClean-LightIt"/>
-                <a:cs typeface="AdobeClean-LightIt"/>
-              </a:rPr>
-              <a:t>(CSM)</a:t>
-            </a:r>
-            <a:endParaRPr sz="1100">
-              <a:latin typeface="AdobeClean-LightIt"/>
-              <a:cs typeface="AdobeClean-LightIt"/>
-            </a:endParaRPr>
           </a:p>
           <a:p>
             <a:pPr marL="34290">
@@ -10453,59 +9085,16 @@
               </a:spcBef>
             </a:pPr>
             <a:r>
-              <a:rPr sz="800" spc="-5">
+              <a:rPr lang="ja-JP" sz="800" dirty="0">
                 <a:solidFill>
                   <a:srgbClr val="6D6D6D"/>
                 </a:solidFill>
-                <a:latin typeface="Adobe Clean"/>
+                <a:latin typeface="Adobe Clean Han Regular" panose="020B0500000000000000" pitchFamily="34" charset="-128"/>
+                <a:ea typeface="Adobe Clean Han Regular" panose="020B0500000000000000" pitchFamily="34" charset="-128"/>
                 <a:cs typeface="Adobe Clean"/>
               </a:rPr>
-              <a:t>©202</a:t>
+              <a:t>©2021 Adobe.All Rights Reserved.Adobe Confidential.</a:t>
             </a:r>
-            <a:r>
-              <a:rPr lang="en-US" sz="800" spc="-5">
-                <a:solidFill>
-                  <a:srgbClr val="6D6D6D"/>
-                </a:solidFill>
-                <a:latin typeface="Adobe Clean"/>
-                <a:cs typeface="Adobe Clean"/>
-              </a:rPr>
-              <a:t>1</a:t>
-            </a:r>
-            <a:r>
-              <a:rPr sz="800" spc="-5">
-                <a:solidFill>
-                  <a:srgbClr val="6D6D6D"/>
-                </a:solidFill>
-                <a:latin typeface="Adobe Clean"/>
-                <a:cs typeface="Adobe Clean"/>
-              </a:rPr>
-              <a:t> Adobe. All Rights Reserved. Adobe</a:t>
-            </a:r>
-            <a:r>
-              <a:rPr sz="800" spc="75">
-                <a:solidFill>
-                  <a:srgbClr val="6D6D6D"/>
-                </a:solidFill>
-                <a:latin typeface="Adobe Clean"/>
-                <a:cs typeface="Adobe Clean"/>
-              </a:rPr>
-              <a:t> </a:t>
-            </a:r>
-            <a:r>
-              <a:rPr sz="800" spc="-5">
-                <a:solidFill>
-                  <a:srgbClr val="6D6D6D"/>
-                </a:solidFill>
-                <a:latin typeface="Adobe Clean"/>
-                <a:cs typeface="Adobe Clean"/>
-              </a:rPr>
-              <a:t>Confidential.</a:t>
-            </a:r>
-            <a:endParaRPr sz="800">
-              <a:latin typeface="Adobe Clean"/>
-              <a:cs typeface="Adobe Clean"/>
-            </a:endParaRPr>
           </a:p>
         </p:txBody>
       </p:sp>
@@ -10542,19 +9131,16 @@
               </a:spcBef>
             </a:pPr>
             <a:r>
-              <a:rPr lang="en-US" sz="1400" b="1" spc="-15">
+              <a:rPr lang="ja-JP" sz="1400" b="1" dirty="0">
                 <a:solidFill>
                   <a:srgbClr val="020302"/>
                 </a:solidFill>
-                <a:latin typeface="Adobe Clean"/>
+                <a:latin typeface="Adobe Clean Han Regular" panose="020B0500000000000000" pitchFamily="34" charset="-128"/>
+                <a:ea typeface="Adobe Clean Han Regular" panose="020B0500000000000000" pitchFamily="34" charset="-128"/>
                 <a:cs typeface="Adobe Clean"/>
               </a:rPr>
-              <a:t>Regional scope of Adobe Support, Local Hours Of Operation And Language Support</a:t>
+              <a:t>アドビサポートの対象地域、現地の営業時間、言語サポート</a:t>
             </a:r>
-            <a:endParaRPr lang="en-US" sz="1400" spc="-15">
-              <a:ea typeface="+mn-lt"/>
-              <a:cs typeface="+mn-lt"/>
-            </a:endParaRPr>
           </a:p>
           <a:p>
             <a:pPr>
@@ -10563,15 +9149,34 @@
               </a:spcBef>
             </a:pPr>
             <a:r>
-              <a:rPr lang="en-US" sz="1000" spc="-15">
+              <a:rPr lang="ja-JP" sz="1000" dirty="0">
                 <a:solidFill>
                   <a:srgbClr val="1F1F1F"/>
                 </a:solidFill>
-                <a:latin typeface="AdobeClean-Light"/>
+                <a:latin typeface="Adobe Clean Han Regular" panose="020B0500000000000000" pitchFamily="34" charset="-128"/>
+                <a:ea typeface="Adobe Clean Han Regular" panose="020B0500000000000000" pitchFamily="34" charset="-128"/>
               </a:rPr>
-              <a:t>The Regional scope of Adobe Support is established by aligning the customer's billing address (via the Sales Order or other Adobe Support purchasing document) to one of the following regions:</a:t>
+              <a:t>アドビサポートの対象地域と現地営業時間は、以下のとおりです。対象地域は、</a:t>
             </a:r>
-            <a:endParaRPr lang="en-US"/>
+            <a:br>
+              <a:rPr lang="sk-SK" altLang="ja-JP" sz="1000" dirty="0">
+                <a:solidFill>
+                  <a:srgbClr val="1F1F1F"/>
+                </a:solidFill>
+                <a:latin typeface="Adobe Clean Han Regular" panose="020B0500000000000000" pitchFamily="34" charset="-128"/>
+                <a:ea typeface="Adobe Clean Han Regular" panose="020B0500000000000000" pitchFamily="34" charset="-128"/>
+              </a:rPr>
+            </a:br>
+            <a:r>
+              <a:rPr lang="ja-JP" sz="1000" dirty="0">
+                <a:solidFill>
+                  <a:srgbClr val="1F1F1F"/>
+                </a:solidFill>
+                <a:latin typeface="Adobe Clean Han Regular" panose="020B0500000000000000" pitchFamily="34" charset="-128"/>
+                <a:ea typeface="Adobe Clean Han Regular" panose="020B0500000000000000" pitchFamily="34" charset="-128"/>
+              </a:rPr>
+              <a:t>お客様のセールスオーダーやその他のアドビサポートの購買記録に記載されている請求先の地域に準じます。</a:t>
+            </a:r>
           </a:p>
         </p:txBody>
       </p:sp>
@@ -10590,7 +9195,7 @@
           <p:nvPr>
             <p:extLst>
               <p:ext uri="{D42A27DB-BD31-4B8C-83A1-F6EECF244321}">
-                <p14:modId xmlns:p14="http://schemas.microsoft.com/office/powerpoint/2010/main" val="2969235217"/>
+                <p14:modId xmlns:p14="http://schemas.microsoft.com/office/powerpoint/2010/main" val="453832874"/>
               </p:ext>
             </p:extLst>
           </p:nvPr>
@@ -10643,13 +9248,14 @@
                     <a:p>
                       <a:pPr algn="ctr"/>
                       <a:r>
-                        <a:rPr lang="en-US" sz="1100">
+                        <a:rPr lang="ja-JP" sz="1100" dirty="0">
                           <a:solidFill>
                             <a:schemeClr val="tx1"/>
                           </a:solidFill>
-                          <a:latin typeface="Adobe Clean"/>
+                          <a:latin typeface="Adobe Clean Han Regular" panose="020B0500000000000000" pitchFamily="34" charset="-128"/>
+                          <a:ea typeface="Adobe Clean Han Regular" panose="020B0500000000000000" pitchFamily="34" charset="-128"/>
                         </a:rPr>
-                        <a:t>Americas</a:t>
+                        <a:t>南北アメリカ</a:t>
                       </a:r>
                     </a:p>
                   </a:txBody>
@@ -10708,13 +9314,14 @@
                     <a:p>
                       <a:pPr algn="ctr"/>
                       <a:r>
-                        <a:rPr lang="en-US" sz="1100">
+                        <a:rPr lang="ja-JP" sz="1100" dirty="0">
                           <a:solidFill>
                             <a:schemeClr val="tx1"/>
                           </a:solidFill>
-                          <a:latin typeface="Adobe Clean"/>
+                          <a:latin typeface="Adobe Clean Han Regular" panose="020B0500000000000000" pitchFamily="34" charset="-128"/>
+                          <a:ea typeface="Adobe Clean Han Regular" panose="020B0500000000000000" pitchFamily="34" charset="-128"/>
                         </a:rPr>
-                        <a:t>Europe, Middle East &amp; Africa</a:t>
+                        <a:t>ヨーロッパ、中東、アフリカ</a:t>
                       </a:r>
                     </a:p>
                   </a:txBody>
@@ -10773,13 +9380,14 @@
                     <a:p>
                       <a:pPr algn="ctr"/>
                       <a:r>
-                        <a:rPr lang="en-US" sz="1100">
+                        <a:rPr lang="ja-JP" sz="1100" dirty="0">
                           <a:solidFill>
                             <a:schemeClr val="tx1"/>
                           </a:solidFill>
-                          <a:latin typeface="Adobe Clean"/>
+                          <a:latin typeface="Adobe Clean Han Regular" panose="020B0500000000000000" pitchFamily="34" charset="-128"/>
+                          <a:ea typeface="Adobe Clean Han Regular" panose="020B0500000000000000" pitchFamily="34" charset="-128"/>
                         </a:rPr>
-                        <a:t>Asia Pacific</a:t>
+                        <a:t>アジア太平洋</a:t>
                       </a:r>
                     </a:p>
                   </a:txBody>
@@ -10838,29 +9446,25 @@
                     <a:p>
                       <a:pPr algn="ctr"/>
                       <a:r>
-                        <a:rPr lang="en-US" sz="1100">
+                        <a:rPr lang="ja-JP" sz="1100" dirty="0">
                           <a:solidFill>
                             <a:schemeClr val="tx1"/>
                           </a:solidFill>
-                          <a:latin typeface="Adobe Clean"/>
+                          <a:latin typeface="Adobe Clean Han Regular" panose="020B0500000000000000" pitchFamily="34" charset="-128"/>
+                          <a:ea typeface="Adobe Clean Han Regular" panose="020B0500000000000000" pitchFamily="34" charset="-128"/>
                         </a:rPr>
-                        <a:t>Japan </a:t>
+                        <a:t>日本 </a:t>
                       </a:r>
                       <a:r>
-                        <a:rPr lang="en-US" sz="1100" baseline="30000">
+                        <a:rPr lang="ja-JP" sz="1100" baseline="30000" dirty="0">
                           <a:solidFill>
                             <a:schemeClr val="tx1"/>
                           </a:solidFill>
-                          <a:latin typeface="Adobe Clean"/>
+                          <a:latin typeface="Adobe Clean Han Regular" panose="020B0500000000000000" pitchFamily="34" charset="-128"/>
+                          <a:ea typeface="Adobe Clean Han Regular" panose="020B0500000000000000" pitchFamily="34" charset="-128"/>
                         </a:rPr>
                         <a:t>1 </a:t>
                       </a:r>
-                      <a:endParaRPr lang="en-US" sz="1100">
-                        <a:solidFill>
-                          <a:schemeClr val="tx1"/>
-                        </a:solidFill>
-                        <a:latin typeface="Adobe Clean" panose="020B0503020404020204" pitchFamily="34" charset="0"/>
-                      </a:endParaRPr>
                     </a:p>
                   </a:txBody>
                   <a:tcPr anchor="ctr">
@@ -10925,13 +9529,14 @@
                     <a:p>
                       <a:pPr algn="ctr"/>
                       <a:r>
-                        <a:rPr lang="en-US" sz="1100">
+                        <a:rPr lang="ja-JP" sz="1100" dirty="0">
                           <a:solidFill>
                             <a:schemeClr val="tx1"/>
                           </a:solidFill>
-                          <a:latin typeface="Adobe Clean"/>
+                          <a:latin typeface="Adobe Clean Han Regular" panose="020B0500000000000000" pitchFamily="34" charset="-128"/>
+                          <a:ea typeface="Adobe Clean Han Regular" panose="020B0500000000000000" pitchFamily="34" charset="-128"/>
                         </a:rPr>
-                        <a:t>6 am – 5:30 pm</a:t>
+                        <a:t>午前 6:00 ～午後 5:30</a:t>
                       </a:r>
                     </a:p>
                   </a:txBody>
@@ -10990,13 +9595,14 @@
                     <a:p>
                       <a:pPr algn="ctr"/>
                       <a:r>
-                        <a:rPr lang="en-US" sz="1100">
+                        <a:rPr lang="ja-JP" sz="1100" dirty="0">
                           <a:solidFill>
                             <a:schemeClr val="tx1"/>
                           </a:solidFill>
-                          <a:latin typeface="Adobe Clean"/>
+                          <a:latin typeface="Adobe Clean Han Regular" panose="020B0500000000000000" pitchFamily="34" charset="-128"/>
+                          <a:ea typeface="Adobe Clean Han Regular" panose="020B0500000000000000" pitchFamily="34" charset="-128"/>
                         </a:rPr>
-                        <a:t>9 am – 5 pm</a:t>
+                        <a:t>午前 9:00 ～午後 5:00</a:t>
                       </a:r>
                     </a:p>
                   </a:txBody>
@@ -11055,13 +9661,14 @@
                     <a:p>
                       <a:pPr algn="ctr"/>
                       <a:r>
-                        <a:rPr lang="en-US" sz="1100">
+                        <a:rPr lang="ja-JP" sz="1100" dirty="0">
                           <a:solidFill>
                             <a:schemeClr val="tx1"/>
                           </a:solidFill>
-                          <a:latin typeface="Adobe Clean"/>
+                          <a:latin typeface="Adobe Clean Han Regular" panose="020B0500000000000000" pitchFamily="34" charset="-128"/>
+                          <a:ea typeface="Adobe Clean Han Regular" panose="020B0500000000000000" pitchFamily="34" charset="-128"/>
                         </a:rPr>
-                        <a:t>9 am – 5 pm</a:t>
+                        <a:t>午前 9:00 ～午後 5:00</a:t>
                       </a:r>
                     </a:p>
                   </a:txBody>
@@ -11120,13 +9727,14 @@
                     <a:p>
                       <a:pPr algn="ctr"/>
                       <a:r>
-                        <a:rPr lang="en-US" sz="1100">
+                        <a:rPr lang="ja-JP" sz="1100" dirty="0">
                           <a:solidFill>
                             <a:schemeClr val="tx1"/>
                           </a:solidFill>
-                          <a:latin typeface="Adobe Clean"/>
+                          <a:latin typeface="Adobe Clean Han Regular" panose="020B0500000000000000" pitchFamily="34" charset="-128"/>
+                          <a:ea typeface="Adobe Clean Han Regular" panose="020B0500000000000000" pitchFamily="34" charset="-128"/>
                         </a:rPr>
-                        <a:t>9 am – 5:30 pm</a:t>
+                        <a:t>午前 9:00 ～午後 5:30</a:t>
                       </a:r>
                     </a:p>
                   </a:txBody>
@@ -11206,31 +9814,29 @@
                         <a:buNone/>
                       </a:pPr>
                       <a:r>
-                        <a:rPr lang="en-US" sz="1100" b="1" i="0" u="none" strike="noStrike" kern="0" cap="none" spc="0" normalizeH="0" baseline="30000" noProof="0">
+                        <a:rPr lang="ja-JP" sz="1100" b="1" i="0" u="none" strike="noStrike" cap="none" normalizeH="0" baseline="30000" noProof="0" dirty="0">
                           <a:ln>
                             <a:noFill/>
                           </a:ln>
-                          <a:effectLst/>
                           <a:uLnTx/>
                           <a:uFillTx/>
-                          <a:latin typeface="Adobe Clean"/>
-                          <a:ea typeface="+mn-ea"/>
+                          <a:latin typeface="Adobe Clean Han Regular" panose="020B0500000000000000" pitchFamily="34" charset="-128"/>
+                          <a:ea typeface="Adobe Clean Han Regular" panose="020B0500000000000000" pitchFamily="34" charset="-128"/>
                           <a:cs typeface="+mn-cs"/>
                         </a:rPr>
                         <a:t> </a:t>
                       </a:r>
                       <a:r>
-                        <a:rPr lang="en-US" sz="1100">
+                        <a:rPr lang="ja-JP" sz="1100" dirty="0">
                           <a:solidFill>
                             <a:schemeClr val="tx1"/>
                           </a:solidFill>
-                          <a:latin typeface="Adobe Clean"/>
+                          <a:latin typeface="Adobe Clean Han Regular" panose="020B0500000000000000" pitchFamily="34" charset="-128"/>
+                          <a:ea typeface="Adobe Clean Han Regular" panose="020B0500000000000000" pitchFamily="34" charset="-128"/>
+                          <a:cs typeface="+mn-cs"/>
                         </a:rPr>
-                        <a:t>Language support is only available in English and Japanese.</a:t>
+                        <a:t>サポートで対応している言語は、英語および日本語のみです。</a:t>
                       </a:r>
-                      <a:endParaRPr lang="en-US">
-                        <a:latin typeface="Adobe Clean"/>
-                      </a:endParaRPr>
                     </a:p>
                     <a:p>
                       <a:pPr marL="0" marR="0" lvl="0" indent="0" algn="ctr">
@@ -11249,18 +9855,19 @@
                         <a:buNone/>
                       </a:pPr>
                       <a:r>
-                        <a:rPr lang="en-US" sz="1100" i="1">
+                        <a:rPr lang="ja-JP" sz="1100" i="1" dirty="0">
                           <a:solidFill>
                             <a:schemeClr val="tx1"/>
                           </a:solidFill>
-                          <a:latin typeface="Adobe Clean"/>
+                          <a:latin typeface="Adobe Clean Han Regular" panose="020B0500000000000000" pitchFamily="34" charset="-128"/>
+                          <a:ea typeface="Adobe Clean Han Regular" panose="020B0500000000000000" pitchFamily="34" charset="-128"/>
                         </a:rPr>
-                        <a:t>*Adobe Commerce excludes Japanese languages support.</a:t>
+                        <a:t>*Adobe Commerce のサポートは、日本語に対応していません。</a:t>
                       </a:r>
                     </a:p>
                     <a:p>
-                      <a:pPr algn="ctr"/>
-                      <a:endParaRPr kumimoji="0" lang="en-US" sz="1100" b="1" i="0" u="none" strike="noStrike" kern="0" cap="none" spc="0" normalizeH="0" baseline="30000" noProof="0">
+                      <a:pPr algn="l" rtl="0"/>
+                      <a:endParaRPr kumimoji="0" lang="en-US" sz="1100" b="1" i="0" u="none" strike="noStrike" kern="0" cap="none" spc="0" normalizeH="0" baseline="30000" noProof="0" dirty="0">
                         <a:ln>
                           <a:noFill/>
                         </a:ln>
@@ -11270,46 +9877,43 @@
                         <a:effectLst/>
                         <a:uLnTx/>
                         <a:uFillTx/>
-                        <a:latin typeface="Adobe Clean" panose="020B0503020404020204" pitchFamily="34" charset="0"/>
-                        <a:ea typeface="+mn-ea"/>
+                        <a:latin typeface="Adobe Clean Han Regular" panose="020B0500000000000000" pitchFamily="34" charset="-128"/>
+                        <a:ea typeface="Adobe Clean Han Regular" panose="020B0500000000000000" pitchFamily="34" charset="-128"/>
                         <a:cs typeface="+mn-cs"/>
                       </a:endParaRPr>
                     </a:p>
                     <a:p>
                       <a:pPr algn="ctr"/>
                       <a:r>
-                        <a:rPr lang="en-US" sz="1100" i="0">
+                        <a:rPr lang="ja-JP" sz="1100" i="0" dirty="0">
                           <a:solidFill>
                             <a:schemeClr val="tx1"/>
                           </a:solidFill>
-                          <a:latin typeface="Adobe Clean"/>
+                          <a:latin typeface="Adobe Clean Han Regular" panose="020B0500000000000000" pitchFamily="34" charset="-128"/>
+                          <a:ea typeface="Adobe Clean Han Regular" panose="020B0500000000000000" pitchFamily="34" charset="-128"/>
                         </a:rPr>
                         <a:t> </a:t>
                       </a:r>
                       <a:r>
-                        <a:rPr lang="en-US" sz="1100" i="0" baseline="30000">
+                        <a:rPr lang="ja-JP" sz="1100" i="0" baseline="30000" dirty="0">
                           <a:solidFill>
                             <a:schemeClr val="tx1"/>
                           </a:solidFill>
-                          <a:latin typeface="Adobe Clean"/>
+                          <a:latin typeface="Adobe Clean Han Regular" panose="020B0500000000000000" pitchFamily="34" charset="-128"/>
+                          <a:ea typeface="Adobe Clean Han Regular" panose="020B0500000000000000" pitchFamily="34" charset="-128"/>
                         </a:rPr>
                         <a:t>1 </a:t>
                       </a:r>
                       <a:r>
-                        <a:rPr lang="en-US" sz="1100" i="0">
+                        <a:rPr lang="ja-JP" sz="1100" i="0" dirty="0">
                           <a:solidFill>
                             <a:schemeClr val="tx1"/>
                           </a:solidFill>
-                          <a:latin typeface="Adobe Clean"/>
+                          <a:latin typeface="Adobe Clean Han Regular" panose="020B0500000000000000" pitchFamily="34" charset="-128"/>
+                          <a:ea typeface="Adobe Clean Han Regular" panose="020B0500000000000000" pitchFamily="34" charset="-128"/>
                         </a:rPr>
-                        <a:t>P2, P3, P4 cases are limited to business hours only in Japan.</a:t>
+                        <a:t>P2、P3、P4 の場合は、営業時間内のみの対応です。</a:t>
                       </a:r>
-                      <a:endParaRPr lang="en-US" sz="1100" b="1" i="0">
-                        <a:solidFill>
-                          <a:schemeClr val="tx1"/>
-                        </a:solidFill>
-                        <a:latin typeface="Adobe Clean"/>
-                      </a:endParaRPr>
                     </a:p>
                   </a:txBody>
                   <a:tcPr anchor="ctr">
@@ -11605,7 +10209,10 @@
           <a:bodyPr wrap="square" lIns="0" tIns="0" rIns="0" bIns="0" rtlCol="0"/>
           <a:lstStyle/>
           <a:p>
-            <a:endParaRPr/>
+            <a:endParaRPr>
+              <a:latin typeface="Adobe Clean Han Regular" panose="020B0500000000000000" pitchFamily="34" charset="-128"/>
+              <a:ea typeface="Adobe Clean Han Regular" panose="020B0500000000000000" pitchFamily="34" charset="-128"/>
+            </a:endParaRPr>
           </a:p>
         </p:txBody>
       </p:sp>
@@ -11664,7 +10271,7 @@
           </a:bodyPr>
           <a:lstStyle/>
           <a:p>
-            <a:pPr marL="139065" marR="5080" indent="-139065">
+            <a:pPr marR="5080" algn="ctr">
               <a:lnSpc>
                 <a:spcPts val="1390"/>
               </a:lnSpc>
@@ -11673,129 +10280,37 @@
               </a:spcBef>
             </a:pPr>
             <a:r>
-              <a:rPr sz="1200" b="1" spc="-15">
+              <a:rPr lang="ja-JP" sz="1200" b="1" dirty="0">
                 <a:solidFill>
                   <a:srgbClr val="FFFFFF"/>
                 </a:solidFill>
-                <a:latin typeface="Adobe Clean"/>
+                <a:latin typeface="Adobe Clean Han Regular" panose="020B0500000000000000" pitchFamily="34" charset="-128"/>
+                <a:ea typeface="Adobe Clean Han Regular" panose="020B0500000000000000" pitchFamily="34" charset="-128"/>
                 <a:cs typeface="Adobe Clean"/>
               </a:rPr>
-              <a:t>U</a:t>
+              <a:t>卓越した</a:t>
             </a:r>
-            <a:r>
-              <a:rPr sz="1200" b="1" spc="-20">
+            <a:br>
+              <a:rPr lang="ja-JP" sz="1200" b="1" dirty="0">
                 <a:solidFill>
                   <a:srgbClr val="FFFFFF"/>
                 </a:solidFill>
-                <a:latin typeface="Adobe Clean"/>
+                <a:latin typeface="Adobe Clean Han Regular" panose="020B0500000000000000" pitchFamily="34" charset="-128"/>
+                <a:ea typeface="Adobe Clean Han Regular" panose="020B0500000000000000" pitchFamily="34" charset="-128"/>
                 <a:cs typeface="Adobe Clean"/>
               </a:rPr>
-              <a:t>n</a:t>
-            </a:r>
+            </a:br>
             <a:r>
-              <a:rPr sz="1200" b="1" spc="-25">
+              <a:rPr lang="ja-JP" sz="1200" b="1" dirty="0">
                 <a:solidFill>
                   <a:srgbClr val="FFFFFF"/>
                 </a:solidFill>
-                <a:latin typeface="Adobe Clean"/>
+                <a:latin typeface="Adobe Clean Han Regular" panose="020B0500000000000000" pitchFamily="34" charset="-128"/>
+                <a:ea typeface="Adobe Clean Han Regular" panose="020B0500000000000000" pitchFamily="34" charset="-128"/>
                 <a:cs typeface="Adobe Clean"/>
               </a:rPr>
-              <a:t>p</a:t>
+              <a:t>専門知識</a:t>
             </a:r>
-            <a:r>
-              <a:rPr sz="1200" b="1" spc="-15">
-                <a:solidFill>
-                  <a:srgbClr val="FFFFFF"/>
-                </a:solidFill>
-                <a:latin typeface="Adobe Clean"/>
-                <a:cs typeface="Adobe Clean"/>
-              </a:rPr>
-              <a:t>a</a:t>
-            </a:r>
-            <a:r>
-              <a:rPr sz="1200" b="1" spc="-25">
-                <a:solidFill>
-                  <a:srgbClr val="FFFFFF"/>
-                </a:solidFill>
-                <a:latin typeface="Adobe Clean"/>
-                <a:cs typeface="Adobe Clean"/>
-              </a:rPr>
-              <a:t>r</a:t>
-            </a:r>
-            <a:r>
-              <a:rPr sz="1200" b="1" spc="-15">
-                <a:solidFill>
-                  <a:srgbClr val="FFFFFF"/>
-                </a:solidFill>
-                <a:latin typeface="Adobe Clean"/>
-                <a:cs typeface="Adobe Clean"/>
-              </a:rPr>
-              <a:t>a</a:t>
-            </a:r>
-            <a:r>
-              <a:rPr sz="1200" b="1" spc="-30">
-                <a:solidFill>
-                  <a:srgbClr val="FFFFFF"/>
-                </a:solidFill>
-                <a:latin typeface="Adobe Clean"/>
-                <a:cs typeface="Adobe Clean"/>
-              </a:rPr>
-              <a:t>ll</a:t>
-            </a:r>
-            <a:r>
-              <a:rPr sz="1200" b="1" spc="-25">
-                <a:solidFill>
-                  <a:srgbClr val="FFFFFF"/>
-                </a:solidFill>
-                <a:latin typeface="Adobe Clean"/>
-                <a:cs typeface="Adobe Clean"/>
-              </a:rPr>
-              <a:t>e</a:t>
-            </a:r>
-            <a:r>
-              <a:rPr sz="1200" b="1" spc="-30">
-                <a:solidFill>
-                  <a:srgbClr val="FFFFFF"/>
-                </a:solidFill>
-                <a:latin typeface="Adobe Clean"/>
-                <a:cs typeface="Adobe Clean"/>
-              </a:rPr>
-              <a:t>l</a:t>
-            </a:r>
-            <a:r>
-              <a:rPr sz="1200" b="1" spc="-25">
-                <a:solidFill>
-                  <a:srgbClr val="FFFFFF"/>
-                </a:solidFill>
-                <a:latin typeface="Adobe Clean"/>
-                <a:cs typeface="Adobe Clean"/>
-              </a:rPr>
-              <a:t>e</a:t>
-            </a:r>
-            <a:r>
-              <a:rPr sz="1200" b="1">
-                <a:solidFill>
-                  <a:srgbClr val="FFFFFF"/>
-                </a:solidFill>
-                <a:latin typeface="Adobe Clean"/>
-                <a:cs typeface="Adobe Clean"/>
-              </a:rPr>
-              <a:t>d  </a:t>
-            </a:r>
-            <a:r>
-              <a:rPr sz="1200" b="1" spc="-25">
-                <a:solidFill>
-                  <a:srgbClr val="FFFFFF"/>
-                </a:solidFill>
-                <a:latin typeface="Adobe Clean"/>
-                <a:cs typeface="Adobe Clean"/>
-              </a:rPr>
-              <a:t>Expertise</a:t>
-            </a:r>
-            <a:endParaRPr sz="1200">
-              <a:latin typeface="Adobe Clean"/>
-              <a:cs typeface="Adobe Clean"/>
-            </a:endParaRPr>
           </a:p>
         </p:txBody>
       </p:sp>
@@ -11813,7 +10328,7 @@
         </p:nvSpPr>
         <p:spPr>
           <a:xfrm>
-            <a:off x="4732495" y="8541244"/>
+            <a:off x="4684870" y="8541244"/>
             <a:ext cx="810895" cy="382797"/>
           </a:xfrm>
           <a:prstGeom prst="rect">
@@ -11826,7 +10341,7 @@
           </a:bodyPr>
           <a:lstStyle/>
           <a:p>
-            <a:pPr marL="139065" marR="5080" indent="-139065">
+            <a:pPr marR="5080" algn="ctr">
               <a:lnSpc>
                 <a:spcPts val="1390"/>
               </a:lnSpc>
@@ -11835,19 +10350,37 @@
               </a:spcBef>
             </a:pPr>
             <a:r>
-              <a:rPr lang="en-US" sz="1200" b="1" spc="-15">
+              <a:rPr lang="ja-JP" sz="1200" b="1" dirty="0">
                 <a:solidFill>
                   <a:srgbClr val="FFFFFF"/>
                 </a:solidFill>
-                <a:latin typeface="Adobe Clean"/>
+                <a:latin typeface="Adobe Clean Han Regular" panose="020B0500000000000000" pitchFamily="34" charset="-128"/>
+                <a:ea typeface="Adobe Clean Han Regular" panose="020B0500000000000000" pitchFamily="34" charset="-128"/>
                 <a:cs typeface="Adobe Clean"/>
               </a:rPr>
-              <a:t>Accelerated Support</a:t>
+              <a:t>迅速な</a:t>
             </a:r>
-            <a:endParaRPr sz="1200">
-              <a:latin typeface="Adobe Clean"/>
-              <a:cs typeface="Adobe Clean"/>
-            </a:endParaRPr>
+            <a:br>
+              <a:rPr lang="ja-JP" sz="1200" b="1" dirty="0">
+                <a:solidFill>
+                  <a:srgbClr val="FFFFFF"/>
+                </a:solidFill>
+                <a:latin typeface="Adobe Clean Han Regular" panose="020B0500000000000000" pitchFamily="34" charset="-128"/>
+                <a:ea typeface="Adobe Clean Han Regular" panose="020B0500000000000000" pitchFamily="34" charset="-128"/>
+                <a:cs typeface="Adobe Clean"/>
+              </a:rPr>
+            </a:br>
+            <a:r>
+              <a:rPr lang="ja-JP" sz="1200" b="1" dirty="0">
+                <a:solidFill>
+                  <a:srgbClr val="FFFFFF"/>
+                </a:solidFill>
+                <a:latin typeface="Adobe Clean Han Regular" panose="020B0500000000000000" pitchFamily="34" charset="-128"/>
+                <a:ea typeface="Adobe Clean Han Regular" panose="020B0500000000000000" pitchFamily="34" charset="-128"/>
+                <a:cs typeface="Adobe Clean"/>
+              </a:rPr>
+              <a:t>サポート</a:t>
+            </a:r>
           </a:p>
         </p:txBody>
       </p:sp>
@@ -11865,8 +10398,8 @@
         </p:nvSpPr>
         <p:spPr>
           <a:xfrm>
-            <a:off x="6624119" y="8543943"/>
-            <a:ext cx="510540" cy="385445"/>
+            <a:off x="6462194" y="8543943"/>
+            <a:ext cx="810894" cy="382797"/>
           </a:xfrm>
           <a:prstGeom prst="rect">
             <a:avLst/>
@@ -11878,7 +10411,7 @@
           </a:bodyPr>
           <a:lstStyle/>
           <a:p>
-            <a:pPr marL="50800" marR="5080" indent="-51435">
+            <a:pPr marR="5080" algn="ctr">
               <a:lnSpc>
                 <a:spcPts val="1390"/>
               </a:lnSpc>
@@ -11887,109 +10420,37 @@
               </a:spcBef>
             </a:pPr>
             <a:r>
-              <a:rPr sz="1200" b="1" spc="-50">
+              <a:rPr lang="ja-JP" sz="1200" b="1" dirty="0">
                 <a:solidFill>
                   <a:srgbClr val="FFFFFF"/>
                 </a:solidFill>
-                <a:latin typeface="Adobe Clean"/>
+                <a:latin typeface="Adobe Clean Han Regular" panose="020B0500000000000000" pitchFamily="34" charset="-128"/>
+                <a:ea typeface="Adobe Clean Han Regular" panose="020B0500000000000000" pitchFamily="34" charset="-128"/>
                 <a:cs typeface="Adobe Clean"/>
               </a:rPr>
-              <a:t>S</a:t>
+              <a:t>戦略的</a:t>
             </a:r>
-            <a:r>
-              <a:rPr sz="1200" b="1" spc="-20">
+            <a:br>
+              <a:rPr lang="ja-JP" sz="1200" b="1" dirty="0">
                 <a:solidFill>
                   <a:srgbClr val="FFFFFF"/>
                 </a:solidFill>
-                <a:latin typeface="Adobe Clean"/>
+                <a:latin typeface="Adobe Clean Han Regular" panose="020B0500000000000000" pitchFamily="34" charset="-128"/>
+                <a:ea typeface="Adobe Clean Han Regular" panose="020B0500000000000000" pitchFamily="34" charset="-128"/>
                 <a:cs typeface="Adobe Clean"/>
               </a:rPr>
-              <a:t>t</a:t>
-            </a:r>
+            </a:br>
             <a:r>
-              <a:rPr sz="1200" b="1" spc="-75">
+              <a:rPr lang="ja-JP" sz="1200" b="1" dirty="0">
                 <a:solidFill>
                   <a:srgbClr val="FFFFFF"/>
                 </a:solidFill>
-                <a:latin typeface="Adobe Clean"/>
+                <a:latin typeface="Adobe Clean Han Regular" panose="020B0500000000000000" pitchFamily="34" charset="-128"/>
+                <a:ea typeface="Adobe Clean Han Regular" panose="020B0500000000000000" pitchFamily="34" charset="-128"/>
                 <a:cs typeface="Adobe Clean"/>
               </a:rPr>
-              <a:t>r</a:t>
+              <a:t>アドバイス</a:t>
             </a:r>
-            <a:r>
-              <a:rPr sz="1200" b="1" spc="-90">
-                <a:solidFill>
-                  <a:srgbClr val="FFFFFF"/>
-                </a:solidFill>
-                <a:latin typeface="Adobe Clean"/>
-                <a:cs typeface="Adobe Clean"/>
-              </a:rPr>
-              <a:t>a</a:t>
-            </a:r>
-            <a:r>
-              <a:rPr sz="1200" b="1" spc="-55">
-                <a:solidFill>
-                  <a:srgbClr val="FFFFFF"/>
-                </a:solidFill>
-                <a:latin typeface="Adobe Clean"/>
-                <a:cs typeface="Adobe Clean"/>
-              </a:rPr>
-              <a:t>t</a:t>
-            </a:r>
-            <a:r>
-              <a:rPr sz="1200" b="1" spc="-100">
-                <a:solidFill>
-                  <a:srgbClr val="FFFFFF"/>
-                </a:solidFill>
-                <a:latin typeface="Adobe Clean"/>
-                <a:cs typeface="Adobe Clean"/>
-              </a:rPr>
-              <a:t>e</a:t>
-            </a:r>
-            <a:r>
-              <a:rPr sz="1200" b="1" spc="-80">
-                <a:solidFill>
-                  <a:srgbClr val="FFFFFF"/>
-                </a:solidFill>
-                <a:latin typeface="Adobe Clean"/>
-                <a:cs typeface="Adobe Clean"/>
-              </a:rPr>
-              <a:t>g</a:t>
-            </a:r>
-            <a:r>
-              <a:rPr sz="1200" b="1" spc="-35">
-                <a:solidFill>
-                  <a:srgbClr val="FFFFFF"/>
-                </a:solidFill>
-                <a:latin typeface="Adobe Clean"/>
-                <a:cs typeface="Adobe Clean"/>
-              </a:rPr>
-              <a:t>i</a:t>
-            </a:r>
-            <a:r>
-              <a:rPr sz="1200" b="1">
-                <a:solidFill>
-                  <a:srgbClr val="FFFFFF"/>
-                </a:solidFill>
-                <a:latin typeface="Adobe Clean"/>
-                <a:cs typeface="Adobe Clean"/>
-              </a:rPr>
-              <a:t>c  </a:t>
-            </a:r>
-            <a:r>
-              <a:rPr sz="1200" b="1" spc="-45">
-                <a:solidFill>
-                  <a:srgbClr val="FFFFFF"/>
-                </a:solidFill>
-                <a:latin typeface="Adobe Clean"/>
-                <a:cs typeface="Adobe Clean"/>
-              </a:rPr>
-              <a:t>Advice</a:t>
-            </a:r>
-            <a:endParaRPr sz="1200">
-              <a:latin typeface="Adobe Clean"/>
-              <a:cs typeface="Adobe Clean"/>
-            </a:endParaRPr>
           </a:p>
         </p:txBody>
       </p:sp>
@@ -12008,14 +10469,14 @@
           <p:nvPr>
             <p:extLst>
               <p:ext uri="{D42A27DB-BD31-4B8C-83A1-F6EECF244321}">
-                <p14:modId xmlns:p14="http://schemas.microsoft.com/office/powerpoint/2010/main" val="3773282750"/>
+                <p14:modId xmlns:p14="http://schemas.microsoft.com/office/powerpoint/2010/main" val="1575538643"/>
               </p:ext>
             </p:extLst>
           </p:nvPr>
         </p:nvGraphicFramePr>
         <p:xfrm>
           <a:off x="194236" y="1059345"/>
-          <a:ext cx="7368291" cy="3302000"/>
+          <a:ext cx="7368291" cy="3606800"/>
         </p:xfrm>
         <a:graphic>
           <a:graphicData uri="http://schemas.openxmlformats.org/drawingml/2006/table">
@@ -12046,25 +10507,17 @@
                     <a:lstStyle/>
                     <a:p>
                       <a:r>
-                        <a:rPr lang="en-US" sz="1100" b="0">
+                        <a:rPr lang="ja-JP" sz="1100" b="0" dirty="0">
                           <a:solidFill>
                             <a:schemeClr val="tx1"/>
                           </a:solidFill>
-                          <a:latin typeface="Adobe Clean"/>
-                          <a:ea typeface="+mn-ea"/>
+                          <a:latin typeface="Adobe Clean Han Regular" panose="020B0500000000000000" pitchFamily="34" charset="-128"/>
+                          <a:ea typeface="Adobe Clean Han Regular" panose="020B0500000000000000" pitchFamily="34" charset="-128"/>
                           <a:cs typeface="+mn-cs"/>
                           <a:hlinkClick r:id="rId7"/>
                         </a:rPr>
                         <a:t>Experience League</a:t>
                       </a:r>
-                      <a:endParaRPr lang="en-US" sz="1100" b="0">
-                        <a:solidFill>
-                          <a:schemeClr val="tx1"/>
-                        </a:solidFill>
-                        <a:latin typeface="Adobe Clean"/>
-                        <a:ea typeface="+mn-ea"/>
-                        <a:cs typeface="+mn-cs"/>
-                      </a:endParaRPr>
                     </a:p>
                   </a:txBody>
                   <a:tcPr marL="47625" marR="47625" marT="0" marB="0" anchor="ctr">
@@ -12120,7 +10573,7 @@
                     <a:bodyPr/>
                     <a:lstStyle/>
                     <a:p>
-                      <a:pPr marL="0" marR="0" lvl="0" indent="0" eaLnBrk="1" fontAlgn="auto" latinLnBrk="0" hangingPunct="1">
+                      <a:pPr marL="0" marR="0" lvl="0" indent="0" defTabSz="914400" eaLnBrk="1" fontAlgn="auto" latinLnBrk="0" hangingPunct="1">
                         <a:lnSpc>
                           <a:spcPct val="100000"/>
                         </a:lnSpc>
@@ -12134,26 +10587,41 @@
                         <a:buSzTx/>
                         <a:buFontTx/>
                         <a:buNone/>
+                        <a:tabLst/>
+                        <a:defRPr/>
                       </a:pPr>
                       <a:r>
-                        <a:rPr lang="en-US" sz="1000" b="0" kern="1200">
+                        <a:rPr lang="ja-JP" sz="1000" b="0" dirty="0">
                           <a:solidFill>
                             <a:srgbClr val="000000"/>
                           </a:solidFill>
-                          <a:latin typeface="Adobe Clean Light"/>
-                          <a:ea typeface="+mn-ea"/>
+                          <a:latin typeface="Adobe Clean Han Regular" panose="020B0500000000000000" pitchFamily="34" charset="-128"/>
+                          <a:ea typeface="Adobe Clean Han Regular" panose="020B0500000000000000" pitchFamily="34" charset="-128"/>
                           <a:cs typeface="+mn-cs"/>
                         </a:rPr>
-                        <a:t>Experience League is how Adobe helps businesses achieve the value they expect from their Adobe investment. It’s the unified place where customers can learn, connect, and grow along a personalized path to success that includes self-help tutorials, product documentation, instructor-led training, community and technical support. </a:t>
+                        <a:t>Experience League では、アドビへの投資に対して企業が</a:t>
                       </a:r>
-                      <a:endParaRPr lang="en-US" sz="1000" b="0" kern="1200">
-                        <a:solidFill>
-                          <a:srgbClr val="000000"/>
-                        </a:solidFill>
-                        <a:latin typeface="Adobe Clean Light" panose="020B0303020404020204" pitchFamily="34" charset="0"/>
-                        <a:ea typeface="+mn-ea"/>
-                        <a:cs typeface="+mn-cs"/>
-                      </a:endParaRPr>
+                      <a:br>
+                        <a:rPr lang="sk-SK" altLang="ja-JP" sz="1000" b="0" dirty="0">
+                          <a:solidFill>
+                            <a:srgbClr val="000000"/>
+                          </a:solidFill>
+                          <a:latin typeface="Adobe Clean Han Regular" panose="020B0500000000000000" pitchFamily="34" charset="-128"/>
+                          <a:ea typeface="Adobe Clean Han Regular" panose="020B0500000000000000" pitchFamily="34" charset="-128"/>
+                          <a:cs typeface="+mn-cs"/>
+                        </a:rPr>
+                      </a:br>
+                      <a:r>
+                        <a:rPr lang="ja-JP" sz="1000" b="0" dirty="0">
+                          <a:solidFill>
+                            <a:srgbClr val="000000"/>
+                          </a:solidFill>
+                          <a:latin typeface="Adobe Clean Han Regular" panose="020B0500000000000000" pitchFamily="34" charset="-128"/>
+                          <a:ea typeface="Adobe Clean Han Regular" panose="020B0500000000000000" pitchFamily="34" charset="-128"/>
+                          <a:cs typeface="+mn-cs"/>
+                        </a:rPr>
+                        <a:t>期待している価値を実現するための支援を行います。セルフサービスのチュートリアル、製品ドキュメント、講師によるトレーニング、コミュニティ、テクニカルサポートなど、パーソナライズされた成功への道筋に沿って、お客様が学習し、繋がり、成長できる、統合された場所です。 </a:t>
+                      </a:r>
                     </a:p>
                   </a:txBody>
                   <a:tcPr anchor="ctr">
@@ -12234,39 +10702,28 @@
                         <a:defRPr/>
                       </a:pPr>
                       <a:r>
-                        <a:rPr lang="en-US" sz="1100">
+                        <a:rPr lang="ja-JP" sz="1100" dirty="0">
                           <a:solidFill>
                             <a:schemeClr val="dk1"/>
                           </a:solidFill>
-                          <a:effectLst/>
-                          <a:latin typeface="Adobe Clean"/>
-                          <a:ea typeface="+mn-ea"/>
+                          <a:latin typeface="Adobe Clean Han Regular" panose="020B0500000000000000" pitchFamily="34" charset="-128"/>
+                          <a:ea typeface="Adobe Clean Han Regular" panose="020B0500000000000000" pitchFamily="34" charset="-128"/>
                           <a:cs typeface="+mn-cs"/>
                           <a:hlinkClick r:id="rId8"/>
                         </a:rPr>
-                        <a:t>Training</a:t>
+                        <a:t>トレーニング</a:t>
                       </a:r>
                       <a:r>
-                        <a:rPr lang="en-US" sz="1100">
+                        <a:rPr lang="ja-JP" sz="1100" dirty="0">
                           <a:solidFill>
                             <a:schemeClr val="dk1"/>
                           </a:solidFill>
-                          <a:effectLst/>
-                          <a:latin typeface="Adobe Clean"/>
-                          <a:ea typeface="+mn-ea"/>
+                          <a:latin typeface="Adobe Clean Han Regular" panose="020B0500000000000000" pitchFamily="34" charset="-128"/>
+                          <a:ea typeface="Adobe Clean Han Regular" panose="020B0500000000000000" pitchFamily="34" charset="-128"/>
                           <a:cs typeface="+mn-cs"/>
                         </a:rPr>
                         <a:t> </a:t>
                       </a:r>
-                      <a:endParaRPr lang="en-US" sz="1100">
-                        <a:solidFill>
-                          <a:schemeClr val="tx1"/>
-                        </a:solidFill>
-                        <a:effectLst/>
-                        <a:latin typeface="Adobe Clean"/>
-                        <a:ea typeface="+mn-ea"/>
-                        <a:cs typeface="+mn-cs"/>
-                      </a:endParaRPr>
                     </a:p>
                   </a:txBody>
                   <a:tcPr anchor="ctr">
@@ -12340,15 +10797,57 @@
                         <a:defRPr/>
                       </a:pPr>
                       <a:r>
-                        <a:rPr lang="en-US" sz="1000" kern="1200">
+                        <a:rPr lang="ja-JP" sz="1000" dirty="0">
                           <a:solidFill>
                             <a:srgbClr val="000000"/>
                           </a:solidFill>
-                          <a:latin typeface="Adobe Clean Light"/>
-                          <a:ea typeface="+mn-ea"/>
+                          <a:latin typeface="Adobe Clean Han Regular" panose="020B0500000000000000" pitchFamily="34" charset="-128"/>
+                          <a:ea typeface="Adobe Clean Han Regular" panose="020B0500000000000000" pitchFamily="34" charset="-128"/>
                           <a:cs typeface="+mn-cs"/>
                         </a:rPr>
-                        <a:t>Adobe Digital Learning Services courses are accessible from Experience League. Learning courses integrate both on-demand and instructor-led lessons.  Here you can accrue skills that have recognized market value and position them to drive success in your organizations.</a:t>
+                        <a:t>Adobe Digital Learning Services のコースには、Experience League からアクセスできます。ラーニングコースは、</a:t>
+                      </a:r>
+                      <a:br>
+                        <a:rPr lang="sk-SK" altLang="ja-JP" sz="1000" dirty="0">
+                          <a:solidFill>
+                            <a:srgbClr val="000000"/>
+                          </a:solidFill>
+                          <a:latin typeface="Adobe Clean Han Regular" panose="020B0500000000000000" pitchFamily="34" charset="-128"/>
+                          <a:ea typeface="Adobe Clean Han Regular" panose="020B0500000000000000" pitchFamily="34" charset="-128"/>
+                          <a:cs typeface="+mn-cs"/>
+                        </a:rPr>
+                      </a:br>
+                      <a:r>
+                        <a:rPr lang="ja-JP" sz="1000" dirty="0">
+                          <a:solidFill>
+                            <a:srgbClr val="000000"/>
+                          </a:solidFill>
+                          <a:latin typeface="Adobe Clean Han Regular" panose="020B0500000000000000" pitchFamily="34" charset="-128"/>
+                          <a:ea typeface="Adobe Clean Han Regular" panose="020B0500000000000000" pitchFamily="34" charset="-128"/>
+                          <a:cs typeface="+mn-cs"/>
+                        </a:rPr>
+                        <a:t>オンデマンドレッスンと講師によるレッスンが統合されて</a:t>
+                      </a:r>
+                      <a:br>
+                        <a:rPr lang="sk-SK" altLang="ja-JP" sz="1000" dirty="0">
+                          <a:solidFill>
+                            <a:srgbClr val="000000"/>
+                          </a:solidFill>
+                          <a:latin typeface="Adobe Clean Han Regular" panose="020B0500000000000000" pitchFamily="34" charset="-128"/>
+                          <a:ea typeface="Adobe Clean Han Regular" panose="020B0500000000000000" pitchFamily="34" charset="-128"/>
+                          <a:cs typeface="+mn-cs"/>
+                        </a:rPr>
+                      </a:br>
+                      <a:r>
+                        <a:rPr lang="ja-JP" sz="1000" dirty="0">
+                          <a:solidFill>
+                            <a:srgbClr val="000000"/>
+                          </a:solidFill>
+                          <a:latin typeface="Adobe Clean Han Regular" panose="020B0500000000000000" pitchFamily="34" charset="-128"/>
+                          <a:ea typeface="Adobe Clean Han Regular" panose="020B0500000000000000" pitchFamily="34" charset="-128"/>
+                          <a:cs typeface="+mn-cs"/>
+                        </a:rPr>
+                        <a:t>います。  市場価値が認められたスキルを習得し、組織での成功を促進するために活用できます。</a:t>
                       </a:r>
                     </a:p>
                   </a:txBody>
@@ -12430,27 +10929,17 @@
                         <a:defRPr/>
                       </a:pPr>
                       <a:r>
-                        <a:rPr lang="en-US" sz="1100">
+                        <a:rPr lang="ja-JP" sz="1100" dirty="0">
                           <a:solidFill>
                             <a:schemeClr val="tx1"/>
                           </a:solidFill>
-                          <a:effectLst/>
-                          <a:latin typeface="Adobe Clean"/>
-                          <a:ea typeface="+mn-ea"/>
+                          <a:latin typeface="Adobe Clean Han Regular" panose="020B0500000000000000" pitchFamily="34" charset="-128"/>
+                          <a:ea typeface="Adobe Clean Han Regular" panose="020B0500000000000000" pitchFamily="34" charset="-128"/>
                           <a:cs typeface="+mn-cs"/>
                           <a:hlinkClick r:id="rId9"/>
                         </a:rPr>
-                        <a:t>Production Issues &amp; System Outages</a:t>
+                        <a:t>本番環境の問題とシステム障害</a:t>
                       </a:r>
-                      <a:endParaRPr lang="en-US" sz="1100">
-                        <a:solidFill>
-                          <a:schemeClr val="tx1"/>
-                        </a:solidFill>
-                        <a:effectLst/>
-                        <a:latin typeface="Adobe Clean"/>
-                        <a:ea typeface="+mn-ea"/>
-                        <a:cs typeface="+mn-cs"/>
-                      </a:endParaRPr>
                     </a:p>
                   </a:txBody>
                   <a:tcPr anchor="ctr">
@@ -12506,7 +10995,7 @@
                     <a:bodyPr/>
                     <a:lstStyle/>
                     <a:p>
-                      <a:pPr marL="0" marR="0" lvl="0" indent="0" eaLnBrk="1" fontAlgn="auto" latinLnBrk="0" hangingPunct="1">
+                      <a:pPr marL="0" marR="0" lvl="0" indent="0" defTabSz="914400" eaLnBrk="1" fontAlgn="auto" latinLnBrk="0" hangingPunct="1">
                         <a:lnSpc>
                           <a:spcPct val="100000"/>
                         </a:lnSpc>
@@ -12520,26 +11009,41 @@
                         <a:buSzTx/>
                         <a:buFontTx/>
                         <a:buNone/>
+                        <a:tabLst/>
+                        <a:defRPr/>
                       </a:pPr>
                       <a:r>
-                        <a:rPr lang="en-US" sz="1000" kern="1200">
+                        <a:rPr lang="ja-JP" sz="1000" spc="-20" baseline="0" dirty="0">
                           <a:solidFill>
                             <a:srgbClr val="000000"/>
                           </a:solidFill>
-                          <a:latin typeface="Adobe Clean Light"/>
-                          <a:ea typeface="+mn-ea"/>
+                          <a:latin typeface="Adobe Clean Han Regular" panose="020B0500000000000000" pitchFamily="34" charset="-128"/>
+                          <a:ea typeface="Adobe Clean Han Regular" panose="020B0500000000000000" pitchFamily="34" charset="-128"/>
                           <a:cs typeface="+mn-cs"/>
                         </a:rPr>
-                        <a:t>Status.adobe.com conveys the health information of all Adobe products and services that are deployed in multi-tenant environments. Customers can choose their subscription preferences to get email notifications whenever Adobe creates, updates or resolves a product event. This can include scheduled maintenance or service issues of varying levels of severity. </a:t>
+                        <a:t>status.adobe.com では、マルチテナント環境にデプロイされたすべてのアドビ製品およびサービスのシステムステータス情報が表示されます。お客様は、アドビが製品イベントを作成、</a:t>
                       </a:r>
-                      <a:endParaRPr lang="en-US" sz="1000" kern="1200">
-                        <a:solidFill>
-                          <a:srgbClr val="000000"/>
-                        </a:solidFill>
-                        <a:latin typeface="Adobe Clean Light" panose="020B0303020404020204" pitchFamily="34" charset="0"/>
-                        <a:ea typeface="+mn-ea"/>
-                        <a:cs typeface="+mn-cs"/>
-                      </a:endParaRPr>
+                      <a:br>
+                        <a:rPr lang="sk-SK" altLang="ja-JP" sz="1000" spc="-20" baseline="0" dirty="0">
+                          <a:solidFill>
+                            <a:srgbClr val="000000"/>
+                          </a:solidFill>
+                          <a:latin typeface="Adobe Clean Han Regular" panose="020B0500000000000000" pitchFamily="34" charset="-128"/>
+                          <a:ea typeface="Adobe Clean Han Regular" panose="020B0500000000000000" pitchFamily="34" charset="-128"/>
+                          <a:cs typeface="+mn-cs"/>
+                        </a:rPr>
+                      </a:br>
+                      <a:r>
+                        <a:rPr lang="ja-JP" sz="1000" spc="-20" baseline="0" dirty="0">
+                          <a:solidFill>
+                            <a:srgbClr val="000000"/>
+                          </a:solidFill>
+                          <a:latin typeface="Adobe Clean Han Regular" panose="020B0500000000000000" pitchFamily="34" charset="-128"/>
+                          <a:ea typeface="Adobe Clean Han Regular" panose="020B0500000000000000" pitchFamily="34" charset="-128"/>
+                          <a:cs typeface="+mn-cs"/>
+                        </a:rPr>
+                        <a:t>更新、解決した際に電子メール通知を受け取るようサブスクリプション設定を選択できます。イベントには、定期的なメンテナンスや、様々な重大度レベルの問題が含まれています。 </a:t>
+                      </a:r>
                     </a:p>
                   </a:txBody>
                   <a:tcPr anchor="ctr">
@@ -12620,27 +11124,17 @@
                         <a:defRPr/>
                       </a:pPr>
                       <a:r>
-                        <a:rPr lang="en-US" sz="1100" b="0" i="0">
+                        <a:rPr lang="ja-JP" sz="1100" b="0" i="0" dirty="0">
                           <a:solidFill>
                             <a:schemeClr val="dk1"/>
                           </a:solidFill>
-                          <a:effectLst/>
-                          <a:latin typeface="Adobe Clean"/>
-                          <a:ea typeface="+mn-ea"/>
+                          <a:latin typeface="Adobe Clean Han Regular" panose="020B0500000000000000" pitchFamily="34" charset="-128"/>
+                          <a:ea typeface="Adobe Clean Han Regular" panose="020B0500000000000000" pitchFamily="34" charset="-128"/>
                           <a:cs typeface="+mn-cs"/>
-                          <a:hlinkClick r:id="rId10" tooltip="https://helpx.adobe.com/support/programs/enterprise-support-programs/premier-support-business.html"/>
+                          <a:hlinkClick r:id="rId10" tooltip="https://helpx.adobe.com/jp/support/programs/enterprise-support-programs/premier-support-business.html"/>
                         </a:rPr>
-                        <a:t>Business Support Website</a:t>
+                        <a:t>ビジネスサポート web サイト</a:t>
                       </a:r>
-                      <a:endParaRPr lang="en-US" sz="1100" b="0" i="0">
-                        <a:solidFill>
-                          <a:schemeClr val="dk1"/>
-                        </a:solidFill>
-                        <a:effectLst/>
-                        <a:latin typeface="Adobe Clean"/>
-                        <a:ea typeface="+mn-ea"/>
-                        <a:cs typeface="+mn-cs"/>
-                      </a:endParaRPr>
                     </a:p>
                   </a:txBody>
                   <a:tcPr anchor="ctr">
@@ -12697,24 +11191,16 @@
                     <a:lstStyle/>
                     <a:p>
                       <a:r>
-                        <a:rPr lang="en-US" sz="1000" kern="1200">
+                        <a:rPr lang="ja-JP" sz="1000" dirty="0">
                           <a:solidFill>
                             <a:srgbClr val="000000"/>
                           </a:solidFill>
-                          <a:latin typeface="Adobe Clean Light"/>
-                          <a:ea typeface="+mn-ea"/>
+                          <a:latin typeface="Adobe Clean Han Regular" panose="020B0500000000000000" pitchFamily="34" charset="-128"/>
+                          <a:ea typeface="Adobe Clean Han Regular" panose="020B0500000000000000" pitchFamily="34" charset="-128"/>
                           <a:cs typeface="+mn-cs"/>
                         </a:rPr>
-                        <a:t>Adobe Business Support website.</a:t>
+                        <a:t>アドビのビジネスサポート web サイトです。</a:t>
                       </a:r>
-                      <a:endParaRPr lang="en-US" sz="1000" kern="1200">
-                        <a:solidFill>
-                          <a:srgbClr val="000000"/>
-                        </a:solidFill>
-                        <a:latin typeface="Adobe Clean Light" panose="020B0303020404020204" pitchFamily="34" charset="0"/>
-                        <a:ea typeface="+mn-ea"/>
-                        <a:cs typeface="+mn-cs"/>
-                      </a:endParaRPr>
                     </a:p>
                   </a:txBody>
                   <a:tcPr anchor="ctr">
@@ -12795,27 +11281,17 @@
                         <a:defRPr/>
                       </a:pPr>
                       <a:r>
-                        <a:rPr lang="en-US" sz="1100">
+                        <a:rPr lang="ja-JP" sz="1100" dirty="0">
                           <a:solidFill>
                             <a:schemeClr val="tx1"/>
                           </a:solidFill>
-                          <a:effectLst/>
-                          <a:latin typeface="Adobe Clean"/>
-                          <a:ea typeface="+mn-ea"/>
+                          <a:latin typeface="Adobe Clean Han Regular" panose="020B0500000000000000" pitchFamily="34" charset="-128"/>
+                          <a:ea typeface="Adobe Clean Han Regular" panose="020B0500000000000000" pitchFamily="34" charset="-128"/>
                           <a:cs typeface="+mn-cs"/>
                           <a:hlinkClick r:id="rId11"/>
                         </a:rPr>
-                        <a:t>Terms and Conditions</a:t>
+                        <a:t>利用規約</a:t>
                       </a:r>
-                      <a:endParaRPr lang="en-US" sz="1100">
-                        <a:solidFill>
-                          <a:schemeClr val="tx1"/>
-                        </a:solidFill>
-                        <a:effectLst/>
-                        <a:latin typeface="Adobe Clean"/>
-                        <a:ea typeface="+mn-ea"/>
-                        <a:cs typeface="+mn-cs"/>
-                      </a:endParaRPr>
                     </a:p>
                   </a:txBody>
                   <a:tcPr anchor="ctr">
@@ -12872,24 +11348,16 @@
                     <a:lstStyle/>
                     <a:p>
                       <a:r>
-                        <a:rPr lang="en-US" sz="1000" kern="1200">
+                        <a:rPr lang="ja-JP" sz="1000" dirty="0">
                           <a:solidFill>
                             <a:srgbClr val="000000"/>
                           </a:solidFill>
-                          <a:latin typeface="Adobe Clean Light"/>
-                          <a:ea typeface="+mn-ea"/>
+                          <a:latin typeface="Adobe Clean Han Regular" panose="020B0500000000000000" pitchFamily="34" charset="-128"/>
+                          <a:ea typeface="Adobe Clean Han Regular" panose="020B0500000000000000" pitchFamily="34" charset="-128"/>
                           <a:cs typeface="+mn-cs"/>
                         </a:rPr>
-                        <a:t>Terms and conditions detailing Support Services offerings.</a:t>
+                        <a:t>提供するサポートサービスについて詳しく説明されています。</a:t>
                       </a:r>
-                      <a:endParaRPr lang="en-US" sz="1000" kern="1200">
-                        <a:solidFill>
-                          <a:srgbClr val="000000"/>
-                        </a:solidFill>
-                        <a:latin typeface="Adobe Clean Light" panose="020B0303020404020204" pitchFamily="34" charset="0"/>
-                        <a:ea typeface="+mn-ea"/>
-                        <a:cs typeface="+mn-cs"/>
-                      </a:endParaRPr>
                     </a:p>
                   </a:txBody>
                   <a:tcPr anchor="ctr">
@@ -13124,71 +11592,13 @@
     <a:fontScheme name="Office">
       <a:majorFont>
         <a:latin typeface="Calibri"/>
-        <a:ea typeface=""/>
+        <a:ea typeface="MS Mincho"/>
         <a:cs typeface=""/>
-        <a:font script="Jpan" typeface="ＭＳ Ｐゴシック"/>
-        <a:font script="Hang" typeface="맑은 고딕"/>
-        <a:font script="Hans" typeface="宋体"/>
-        <a:font script="Hant" typeface="新細明體"/>
-        <a:font script="Arab" typeface="Times New Roman"/>
-        <a:font script="Hebr" typeface="Times New Roman"/>
-        <a:font script="Thai" typeface="Angsana New"/>
-        <a:font script="Ethi" typeface="Nyala"/>
-        <a:font script="Beng" typeface="Vrinda"/>
-        <a:font script="Gujr" typeface="Shruti"/>
-        <a:font script="Khmr" typeface="MoolBoran"/>
-        <a:font script="Knda" typeface="Tunga"/>
-        <a:font script="Guru" typeface="Raavi"/>
-        <a:font script="Cans" typeface="Euphemia"/>
-        <a:font script="Cher" typeface="Plantagenet Cherokee"/>
-        <a:font script="Yiii" typeface="Microsoft Yi Baiti"/>
-        <a:font script="Tibt" typeface="Microsoft Himalaya"/>
-        <a:font script="Thaa" typeface="MV Boli"/>
-        <a:font script="Deva" typeface="Mangal"/>
-        <a:font script="Telu" typeface="Gautami"/>
-        <a:font script="Taml" typeface="Latha"/>
-        <a:font script="Syrc" typeface="Estrangelo Edessa"/>
-        <a:font script="Orya" typeface="Kalinga"/>
-        <a:font script="Mlym" typeface="Kartika"/>
-        <a:font script="Laoo" typeface="DokChampa"/>
-        <a:font script="Sinh" typeface="Iskoola Pota"/>
-        <a:font script="Mong" typeface="Mongolian Baiti"/>
-        <a:font script="Viet" typeface="Times New Roman"/>
-        <a:font script="Uigh" typeface="Microsoft Uighur"/>
       </a:majorFont>
       <a:minorFont>
         <a:latin typeface="Calibri"/>
-        <a:ea typeface=""/>
+        <a:ea typeface="MS Mincho"/>
         <a:cs typeface=""/>
-        <a:font script="Jpan" typeface="ＭＳ Ｐゴシック"/>
-        <a:font script="Hang" typeface="맑은 고딕"/>
-        <a:font script="Hans" typeface="宋体"/>
-        <a:font script="Hant" typeface="新細明體"/>
-        <a:font script="Arab" typeface="Arial"/>
-        <a:font script="Hebr" typeface="Arial"/>
-        <a:font script="Thai" typeface="Cordia New"/>
-        <a:font script="Ethi" typeface="Nyala"/>
-        <a:font script="Beng" typeface="Vrinda"/>
-        <a:font script="Gujr" typeface="Shruti"/>
-        <a:font script="Khmr" typeface="DaunPenh"/>
-        <a:font script="Knda" typeface="Tunga"/>
-        <a:font script="Guru" typeface="Raavi"/>
-        <a:font script="Cans" typeface="Euphemia"/>
-        <a:font script="Cher" typeface="Plantagenet Cherokee"/>
-        <a:font script="Yiii" typeface="Microsoft Yi Baiti"/>
-        <a:font script="Tibt" typeface="Microsoft Himalaya"/>
-        <a:font script="Thaa" typeface="MV Boli"/>
-        <a:font script="Deva" typeface="Mangal"/>
-        <a:font script="Telu" typeface="Gautami"/>
-        <a:font script="Taml" typeface="Latha"/>
-        <a:font script="Syrc" typeface="Estrangelo Edessa"/>
-        <a:font script="Orya" typeface="Kalinga"/>
-        <a:font script="Mlym" typeface="Kartika"/>
-        <a:font script="Laoo" typeface="DokChampa"/>
-        <a:font script="Sinh" typeface="Iskoola Pota"/>
-        <a:font script="Mong" typeface="Mongolian Baiti"/>
-        <a:font script="Viet" typeface="Arial"/>
-        <a:font script="Uigh" typeface="Microsoft Uighur"/>
       </a:minorFont>
     </a:fontScheme>
     <a:fmtScheme name="Office">
@@ -13407,107 +11817,13 @@
     <a:fontScheme name="Office">
       <a:majorFont>
         <a:latin typeface="Calibri Light" panose="020F0302020204030204"/>
-        <a:ea typeface=""/>
+        <a:ea typeface="MS Mincho"/>
         <a:cs typeface=""/>
-        <a:font script="Jpan" typeface="游ゴシック Light"/>
-        <a:font script="Hang" typeface="맑은 고딕"/>
-        <a:font script="Hans" typeface="等线 Light"/>
-        <a:font script="Hant" typeface="新細明體"/>
-        <a:font script="Arab" typeface="Times New Roman"/>
-        <a:font script="Hebr" typeface="Times New Roman"/>
-        <a:font script="Thai" typeface="Angsana New"/>
-        <a:font script="Ethi" typeface="Nyala"/>
-        <a:font script="Beng" typeface="Vrinda"/>
-        <a:font script="Gujr" typeface="Shruti"/>
-        <a:font script="Khmr" typeface="MoolBoran"/>
-        <a:font script="Knda" typeface="Tunga"/>
-        <a:font script="Guru" typeface="Raavi"/>
-        <a:font script="Cans" typeface="Euphemia"/>
-        <a:font script="Cher" typeface="Plantagenet Cherokee"/>
-        <a:font script="Yiii" typeface="Microsoft Yi Baiti"/>
-        <a:font script="Tibt" typeface="Microsoft Himalaya"/>
-        <a:font script="Thaa" typeface="MV Boli"/>
-        <a:font script="Deva" typeface="Mangal"/>
-        <a:font script="Telu" typeface="Gautami"/>
-        <a:font script="Taml" typeface="Latha"/>
-        <a:font script="Syrc" typeface="Estrangelo Edessa"/>
-        <a:font script="Orya" typeface="Kalinga"/>
-        <a:font script="Mlym" typeface="Kartika"/>
-        <a:font script="Laoo" typeface="DokChampa"/>
-        <a:font script="Sinh" typeface="Iskoola Pota"/>
-        <a:font script="Mong" typeface="Mongolian Baiti"/>
-        <a:font script="Viet" typeface="Times New Roman"/>
-        <a:font script="Uigh" typeface="Microsoft Uighur"/>
-        <a:font script="Geor" typeface="Sylfaen"/>
-        <a:font script="Armn" typeface="Arial"/>
-        <a:font script="Bugi" typeface="Leelawadee UI"/>
-        <a:font script="Bopo" typeface="Microsoft JhengHei"/>
-        <a:font script="Java" typeface="Javanese Text"/>
-        <a:font script="Lisu" typeface="Segoe UI"/>
-        <a:font script="Mymr" typeface="Myanmar Text"/>
-        <a:font script="Nkoo" typeface="Ebrima"/>
-        <a:font script="Olck" typeface="Nirmala UI"/>
-        <a:font script="Osma" typeface="Ebrima"/>
-        <a:font script="Phag" typeface="Phagspa"/>
-        <a:font script="Syrn" typeface="Estrangelo Edessa"/>
-        <a:font script="Syrj" typeface="Estrangelo Edessa"/>
-        <a:font script="Syre" typeface="Estrangelo Edessa"/>
-        <a:font script="Sora" typeface="Nirmala UI"/>
-        <a:font script="Tale" typeface="Microsoft Tai Le"/>
-        <a:font script="Talu" typeface="Microsoft New Tai Lue"/>
-        <a:font script="Tfng" typeface="Ebrima"/>
       </a:majorFont>
       <a:minorFont>
         <a:latin typeface="Calibri" panose="020F0502020204030204"/>
-        <a:ea typeface=""/>
+        <a:ea typeface="MS Mincho"/>
         <a:cs typeface=""/>
-        <a:font script="Jpan" typeface="游ゴシック"/>
-        <a:font script="Hang" typeface="맑은 고딕"/>
-        <a:font script="Hans" typeface="等线"/>
-        <a:font script="Hant" typeface="新細明體"/>
-        <a:font script="Arab" typeface="Arial"/>
-        <a:font script="Hebr" typeface="Arial"/>
-        <a:font script="Thai" typeface="Cordia New"/>
-        <a:font script="Ethi" typeface="Nyala"/>
-        <a:font script="Beng" typeface="Vrinda"/>
-        <a:font script="Gujr" typeface="Shruti"/>
-        <a:font script="Khmr" typeface="DaunPenh"/>
-        <a:font script="Knda" typeface="Tunga"/>
-        <a:font script="Guru" typeface="Raavi"/>
-        <a:font script="Cans" typeface="Euphemia"/>
-        <a:font script="Cher" typeface="Plantagenet Cherokee"/>
-        <a:font script="Yiii" typeface="Microsoft Yi Baiti"/>
-        <a:font script="Tibt" typeface="Microsoft Himalaya"/>
-        <a:font script="Thaa" typeface="MV Boli"/>
-        <a:font script="Deva" typeface="Mangal"/>
-        <a:font script="Telu" typeface="Gautami"/>
-        <a:font script="Taml" typeface="Latha"/>
-        <a:font script="Syrc" typeface="Estrangelo Edessa"/>
-        <a:font script="Orya" typeface="Kalinga"/>
-        <a:font script="Mlym" typeface="Kartika"/>
-        <a:font script="Laoo" typeface="DokChampa"/>
-        <a:font script="Sinh" typeface="Iskoola Pota"/>
-        <a:font script="Mong" typeface="Mongolian Baiti"/>
-        <a:font script="Viet" typeface="Arial"/>
-        <a:font script="Uigh" typeface="Microsoft Uighur"/>
-        <a:font script="Geor" typeface="Sylfaen"/>
-        <a:font script="Armn" typeface="Arial"/>
-        <a:font script="Bugi" typeface="Leelawadee UI"/>
-        <a:font script="Bopo" typeface="Microsoft JhengHei"/>
-        <a:font script="Java" typeface="Javanese Text"/>
-        <a:font script="Lisu" typeface="Segoe UI"/>
-        <a:font script="Mymr" typeface="Myanmar Text"/>
-        <a:font script="Nkoo" typeface="Ebrima"/>
-        <a:font script="Olck" typeface="Nirmala UI"/>
-        <a:font script="Osma" typeface="Ebrima"/>
-        <a:font script="Phag" typeface="Phagspa"/>
-        <a:font script="Syrn" typeface="Estrangelo Edessa"/>
-        <a:font script="Syrj" typeface="Estrangelo Edessa"/>
-        <a:font script="Syre" typeface="Estrangelo Edessa"/>
-        <a:font script="Sora" typeface="Nirmala UI"/>
-        <a:font script="Tale" typeface="Microsoft Tai Le"/>
-        <a:font script="Talu" typeface="Microsoft New Tai Lue"/>
-        <a:font script="Tfng" typeface="Ebrima"/>
       </a:minorFont>
     </a:fontScheme>
     <a:fmtScheme name="Office">
@@ -13659,6 +11975,12 @@
 </file>
 
 <file path=customXml/item1.xml><?xml version="1.0" encoding="utf-8"?>
+<p:properties xmlns:p="http://schemas.microsoft.com/office/2006/metadata/properties" xmlns:xsi="http://www.w3.org/2001/XMLSchema-instance" xmlns:pc="http://schemas.microsoft.com/office/infopath/2007/PartnerControls">
+  <documentManagement/>
+</p:properties>
+</file>
+
+<file path=customXml/item2.xml><?xml version="1.0" encoding="utf-8"?>
 <ct:contentTypeSchema xmlns:ct="http://schemas.microsoft.com/office/2006/metadata/contentType" xmlns:ma="http://schemas.microsoft.com/office/2006/metadata/properties/metaAttributes" ct:_="" ma:_="" ma:contentTypeName="Document" ma:contentTypeID="0x010100E783BF6876BCC646A459363AF21A7736" ma:contentTypeVersion="10" ma:contentTypeDescription="Create a new document." ma:contentTypeScope="" ma:versionID="c4ffda7f4f415767600769e454c2ea87">
   <xsd:schema xmlns:xsd="http://www.w3.org/2001/XMLSchema" xmlns:xs="http://www.w3.org/2001/XMLSchema" xmlns:p="http://schemas.microsoft.com/office/2006/metadata/properties" xmlns:ns2="8a053bff-88be-49e4-9a87-e748e18b8b62" xmlns:ns3="6c8368ec-3776-49b5-a5bb-90648cf9530f" targetNamespace="http://schemas.microsoft.com/office/2006/metadata/properties" ma:root="true" ma:fieldsID="df3ec33bccc23e23bce7bc897fad43d1" ns2:_="" ns3:_="">
     <xsd:import namespace="8a053bff-88be-49e4-9a87-e748e18b8b62"/>
@@ -13863,7 +12185,7 @@
 </ct:contentTypeSchema>
 </file>
 
-<file path=customXml/item2.xml><?xml version="1.0" encoding="utf-8"?>
+<file path=customXml/item3.xml><?xml version="1.0" encoding="utf-8"?>
 <?mso-contentType ?>
 <FormTemplates xmlns="http://schemas.microsoft.com/sharepoint/v3/contenttype/forms">
   <Display>DocumentLibraryForm</Display>
@@ -13872,13 +12194,16 @@
 </FormTemplates>
 </file>
 
-<file path=customXml/item3.xml><?xml version="1.0" encoding="utf-8"?>
-<p:properties xmlns:p="http://schemas.microsoft.com/office/2006/metadata/properties" xmlns:xsi="http://www.w3.org/2001/XMLSchema-instance" xmlns:pc="http://schemas.microsoft.com/office/infopath/2007/PartnerControls">
-  <documentManagement/>
-</p:properties>
+<file path=customXml/itemProps1.xml><?xml version="1.0" encoding="utf-8"?>
+<ds:datastoreItem xmlns:ds="http://schemas.openxmlformats.org/officeDocument/2006/customXml" ds:itemID="{10FC3CAF-E6F1-40E3-87D4-6B781C97D6B4}">
+  <ds:schemaRefs>
+    <ds:schemaRef ds:uri="http://schemas.microsoft.com/office/2006/metadata/properties"/>
+    <ds:schemaRef ds:uri="http://schemas.microsoft.com/office/infopath/2007/PartnerControls"/>
+  </ds:schemaRefs>
+</ds:datastoreItem>
 </file>
 
-<file path=customXml/itemProps1.xml><?xml version="1.0" encoding="utf-8"?>
+<file path=customXml/itemProps2.xml><?xml version="1.0" encoding="utf-8"?>
 <ds:datastoreItem xmlns:ds="http://schemas.openxmlformats.org/officeDocument/2006/customXml" ds:itemID="{E0DB8BDF-6DA8-4ABC-A3CA-043AFD674CFC}">
   <ds:schemaRefs>
     <ds:schemaRef ds:uri="6c8368ec-3776-49b5-a5bb-90648cf9530f"/>
@@ -13897,27 +12222,10 @@
 </ds:datastoreItem>
 </file>
 
-<file path=customXml/itemProps2.xml><?xml version="1.0" encoding="utf-8"?>
+<file path=customXml/itemProps3.xml><?xml version="1.0" encoding="utf-8"?>
 <ds:datastoreItem xmlns:ds="http://schemas.openxmlformats.org/officeDocument/2006/customXml" ds:itemID="{95AE3B0B-E909-400C-B0B3-909FB50E07DE}">
   <ds:schemaRefs>
     <ds:schemaRef ds:uri="http://schemas.microsoft.com/sharepoint/v3/contenttype/forms"/>
   </ds:schemaRefs>
 </ds:datastoreItem>
-</file>
-
-<file path=customXml/itemProps3.xml><?xml version="1.0" encoding="utf-8"?>
-<ds:datastoreItem xmlns:ds="http://schemas.openxmlformats.org/officeDocument/2006/customXml" ds:itemID="{10FC3CAF-E6F1-40E3-87D4-6B781C97D6B4}">
-  <ds:schemaRefs>
-    <ds:schemaRef ds:uri="6c8368ec-3776-49b5-a5bb-90648cf9530f"/>
-    <ds:schemaRef ds:uri="8a053bff-88be-49e4-9a87-e748e18b8b62"/>
-    <ds:schemaRef ds:uri="http://purl.org/dc/dcmitype/"/>
-    <ds:schemaRef ds:uri="http://purl.org/dc/elements/1.1/"/>
-    <ds:schemaRef ds:uri="http://purl.org/dc/terms/"/>
-    <ds:schemaRef ds:uri="http://schemas.microsoft.com/office/2006/documentManagement/types"/>
-    <ds:schemaRef ds:uri="http://schemas.microsoft.com/office/2006/metadata/properties"/>
-    <ds:schemaRef ds:uri="http://schemas.microsoft.com/office/infopath/2007/PartnerControls"/>
-    <ds:schemaRef ds:uri="http://schemas.openxmlformats.org/package/2006/metadata/core-properties"/>
-    <ds:schemaRef ds:uri="http://www.w3.org/XML/1998/namespace"/>
-  </ds:schemaRefs>
-</ds:datastoreItem>
 </file>
--- a/help/data-sheets/assets/BusinessSupportDatasheet.pptx
+++ b/help/data-sheets/assets/BusinessSupportDatasheet.pptx
@@ -143,12 +143,8 @@
 <file path=ppt/revisionInfo.xml><?xml version="1.0" encoding="utf-8"?>
 <p1510:revInfo xmlns:a="http://schemas.openxmlformats.org/drawingml/2006/main" xmlns:r="http://schemas.openxmlformats.org/officeDocument/2006/relationships" xmlns:p1510="http://schemas.microsoft.com/office/powerpoint/2015/10/main">
   <p1510:revLst>
-    <p1510:client id="{06B13378-B080-7F0F-51A5-F9203CEE57ED}" v="370" dt="2021-08-25T22:26:24.850"/>
-    <p1510:client id="{4D8E0410-E0CE-85E2-0F84-C1BF4F647622}" v="27" dt="2021-09-22T22:57:14.395"/>
-    <p1510:client id="{71D6CFBF-0EA2-99B0-93F4-22F19EF0AE4E}" v="2" dt="2021-09-22T19:06:58.732"/>
-    <p1510:client id="{9E385600-BF81-FC49-9ED0-E33BC37F7908}" v="55" dt="2021-08-04T08:16:13.478"/>
-    <p1510:client id="{AFB92C2B-405E-C597-0988-18F97C53104C}" v="37" dt="2021-09-22T18:53:28.028"/>
-    <p1510:client id="{CA5D33DF-AE75-BCA1-B9BC-A7CD44D2F3C7}" v="2" dt="2021-08-25T22:38:18.624"/>
+    <p1510:client id="{61630BD6-9AE9-064C-B39F-AFA945B82B3E}" v="202" dt="2021-10-13T19:21:08.267"/>
+    <p1510:client id="{AC30C20D-1316-8ECC-DADD-39CCEC6A7FCF}" v="9" dt="2021-10-13T19:03:35.035"/>
   </p1510:revLst>
 </p1510:revInfo>
 </file>
@@ -180,6 +176,101 @@
     </pc:docChg>
   </pc:docChgLst>
   <pc:docChgLst>
+    <pc:chgData name="Akilah Johnson" userId="S::akjohnso@adobe.com::2fa3aa60-0c9c-4d06-bae2-795983241227" providerId="AD" clId="Web-{019F6A09-DCDA-BB53-9E3C-5BA3B13E26BB}"/>
+    <pc:docChg chg="modSld">
+      <pc:chgData name="Akilah Johnson" userId="S::akjohnso@adobe.com::2fa3aa60-0c9c-4d06-bae2-795983241227" providerId="AD" clId="Web-{019F6A09-DCDA-BB53-9E3C-5BA3B13E26BB}" dt="2021-10-12T17:10:36.752" v="17" actId="20577"/>
+      <pc:docMkLst>
+        <pc:docMk/>
+      </pc:docMkLst>
+      <pc:sldChg chg="modSp">
+        <pc:chgData name="Akilah Johnson" userId="S::akjohnso@adobe.com::2fa3aa60-0c9c-4d06-bae2-795983241227" providerId="AD" clId="Web-{019F6A09-DCDA-BB53-9E3C-5BA3B13E26BB}" dt="2021-10-12T17:09:32.112" v="2" actId="20577"/>
+        <pc:sldMkLst>
+          <pc:docMk/>
+          <pc:sldMk cId="0" sldId="257"/>
+        </pc:sldMkLst>
+        <pc:spChg chg="mod">
+          <ac:chgData name="Akilah Johnson" userId="S::akjohnso@adobe.com::2fa3aa60-0c9c-4d06-bae2-795983241227" providerId="AD" clId="Web-{019F6A09-DCDA-BB53-9E3C-5BA3B13E26BB}" dt="2021-10-12T17:09:32.112" v="2" actId="20577"/>
+          <ac:spMkLst>
+            <pc:docMk/>
+            <pc:sldMk cId="0" sldId="257"/>
+            <ac:spMk id="46" creationId="{00000000-0000-0000-0000-000000000000}"/>
+          </ac:spMkLst>
+        </pc:spChg>
+      </pc:sldChg>
+      <pc:sldChg chg="modSp">
+        <pc:chgData name="Akilah Johnson" userId="S::akjohnso@adobe.com::2fa3aa60-0c9c-4d06-bae2-795983241227" providerId="AD" clId="Web-{019F6A09-DCDA-BB53-9E3C-5BA3B13E26BB}" dt="2021-10-12T17:10:36.752" v="17" actId="20577"/>
+        <pc:sldMkLst>
+          <pc:docMk/>
+          <pc:sldMk cId="1050037809" sldId="261"/>
+        </pc:sldMkLst>
+        <pc:spChg chg="mod">
+          <ac:chgData name="Akilah Johnson" userId="S::akjohnso@adobe.com::2fa3aa60-0c9c-4d06-bae2-795983241227" providerId="AD" clId="Web-{019F6A09-DCDA-BB53-9E3C-5BA3B13E26BB}" dt="2021-10-12T17:10:36.752" v="17" actId="20577"/>
+          <ac:spMkLst>
+            <pc:docMk/>
+            <pc:sldMk cId="1050037809" sldId="261"/>
+            <ac:spMk id="56" creationId="{00000000-0000-0000-0000-000000000000}"/>
+          </ac:spMkLst>
+        </pc:spChg>
+        <pc:graphicFrameChg chg="mod modGraphic">
+          <ac:chgData name="Akilah Johnson" userId="S::akjohnso@adobe.com::2fa3aa60-0c9c-4d06-bae2-795983241227" providerId="AD" clId="Web-{019F6A09-DCDA-BB53-9E3C-5BA3B13E26BB}" dt="2021-10-12T17:09:41.471" v="6"/>
+          <ac:graphicFrameMkLst>
+            <pc:docMk/>
+            <pc:sldMk cId="1050037809" sldId="261"/>
+            <ac:graphicFrameMk id="111" creationId="{D8653CEC-4213-DE40-9BAF-D1E3318FF89C}"/>
+          </ac:graphicFrameMkLst>
+        </pc:graphicFrameChg>
+      </pc:sldChg>
+    </pc:docChg>
+  </pc:docChgLst>
+  <pc:docChgLst>
+    <pc:chgData name="Andy Witt" userId="S::awitt@adobe.com::e9157bdf-53b2-40e4-9459-936793d75696" providerId="AD" clId="Web-{06B13378-B080-7F0F-51A5-F9203CEE57ED}"/>
+    <pc:docChg chg="modSld">
+      <pc:chgData name="Andy Witt" userId="S::awitt@adobe.com::e9157bdf-53b2-40e4-9459-936793d75696" providerId="AD" clId="Web-{06B13378-B080-7F0F-51A5-F9203CEE57ED}" dt="2021-08-25T22:25:13.647" v="363"/>
+      <pc:docMkLst>
+        <pc:docMk/>
+      </pc:docMkLst>
+      <pc:sldChg chg="modSp">
+        <pc:chgData name="Andy Witt" userId="S::awitt@adobe.com::e9157bdf-53b2-40e4-9459-936793d75696" providerId="AD" clId="Web-{06B13378-B080-7F0F-51A5-F9203CEE57ED}" dt="2021-08-25T22:25:13.647" v="363"/>
+        <pc:sldMkLst>
+          <pc:docMk/>
+          <pc:sldMk cId="1050037809" sldId="261"/>
+        </pc:sldMkLst>
+        <pc:graphicFrameChg chg="mod modGraphic">
+          <ac:chgData name="Andy Witt" userId="S::awitt@adobe.com::e9157bdf-53b2-40e4-9459-936793d75696" providerId="AD" clId="Web-{06B13378-B080-7F0F-51A5-F9203CEE57ED}" dt="2021-08-25T22:25:13.647" v="363"/>
+          <ac:graphicFrameMkLst>
+            <pc:docMk/>
+            <pc:sldMk cId="1050037809" sldId="261"/>
+            <ac:graphicFrameMk id="25" creationId="{3A91F5B0-3974-A14D-A146-FB590F2AAD18}"/>
+          </ac:graphicFrameMkLst>
+        </pc:graphicFrameChg>
+      </pc:sldChg>
+    </pc:docChg>
+  </pc:docChgLst>
+  <pc:docChgLst>
+    <pc:chgData name="Akilah Johnson" userId="S::akjohnso@adobe.com::2fa3aa60-0c9c-4d06-bae2-795983241227" providerId="AD" clId="Web-{D428A0AE-54E2-30D2-C574-7A0742876CCF}"/>
+    <pc:docChg chg="modSld">
+      <pc:chgData name="Akilah Johnson" userId="S::akjohnso@adobe.com::2fa3aa60-0c9c-4d06-bae2-795983241227" providerId="AD" clId="Web-{D428A0AE-54E2-30D2-C574-7A0742876CCF}" dt="2021-10-12T19:11:25.330" v="0" actId="20577"/>
+      <pc:docMkLst>
+        <pc:docMk/>
+      </pc:docMkLst>
+      <pc:sldChg chg="modSp">
+        <pc:chgData name="Akilah Johnson" userId="S::akjohnso@adobe.com::2fa3aa60-0c9c-4d06-bae2-795983241227" providerId="AD" clId="Web-{D428A0AE-54E2-30D2-C574-7A0742876CCF}" dt="2021-10-12T19:11:25.330" v="0" actId="20577"/>
+        <pc:sldMkLst>
+          <pc:docMk/>
+          <pc:sldMk cId="0" sldId="256"/>
+        </pc:sldMkLst>
+        <pc:spChg chg="mod">
+          <ac:chgData name="Akilah Johnson" userId="S::akjohnso@adobe.com::2fa3aa60-0c9c-4d06-bae2-795983241227" providerId="AD" clId="Web-{D428A0AE-54E2-30D2-C574-7A0742876CCF}" dt="2021-10-12T19:11:25.330" v="0" actId="20577"/>
+          <ac:spMkLst>
+            <pc:docMk/>
+            <pc:sldMk cId="0" sldId="256"/>
+            <ac:spMk id="4" creationId="{00000000-0000-0000-0000-000000000000}"/>
+          </ac:spMkLst>
+        </pc:spChg>
+      </pc:sldChg>
+    </pc:docChg>
+  </pc:docChgLst>
+  <pc:docChgLst>
     <pc:chgData name="Akilah Johnson" userId="S::akjohnso@adobe.com::2fa3aa60-0c9c-4d06-bae2-795983241227" providerId="AD" clId="Web-{71D6CFBF-0EA2-99B0-93F4-22F19EF0AE4E}"/>
     <pc:docChg chg="modSld">
       <pc:chgData name="Akilah Johnson" userId="S::akjohnso@adobe.com::2fa3aa60-0c9c-4d06-bae2-795983241227" providerId="AD" clId="Web-{71D6CFBF-0EA2-99B0-93F4-22F19EF0AE4E}" dt="2021-09-22T19:06:58.732" v="1" actId="1076"/>
@@ -204,26 +295,34 @@
     </pc:docChg>
   </pc:docChgLst>
   <pc:docChgLst>
-    <pc:chgData name="Andy Witt" userId="S::awitt@adobe.com::e9157bdf-53b2-40e4-9459-936793d75696" providerId="AD" clId="Web-{06B13378-B080-7F0F-51A5-F9203CEE57ED}"/>
+    <pc:chgData name="Lauren Schutte" userId="S::schutte@adobe.com::6e08b2d3-447a-4d66-86be-444d50df187f" providerId="AD" clId="Web-{AC30C20D-1316-8ECC-DADD-39CCEC6A7FCF}"/>
     <pc:docChg chg="modSld">
-      <pc:chgData name="Andy Witt" userId="S::awitt@adobe.com::e9157bdf-53b2-40e4-9459-936793d75696" providerId="AD" clId="Web-{06B13378-B080-7F0F-51A5-F9203CEE57ED}" dt="2021-08-25T22:25:13.647" v="363"/>
+      <pc:chgData name="Lauren Schutte" userId="S::schutte@adobe.com::6e08b2d3-447a-4d66-86be-444d50df187f" providerId="AD" clId="Web-{AC30C20D-1316-8ECC-DADD-39CCEC6A7FCF}" dt="2021-10-13T19:03:35.035" v="8" actId="1076"/>
       <pc:docMkLst>
         <pc:docMk/>
       </pc:docMkLst>
       <pc:sldChg chg="modSp">
-        <pc:chgData name="Andy Witt" userId="S::awitt@adobe.com::e9157bdf-53b2-40e4-9459-936793d75696" providerId="AD" clId="Web-{06B13378-B080-7F0F-51A5-F9203CEE57ED}" dt="2021-08-25T22:25:13.647" v="363"/>
+        <pc:chgData name="Lauren Schutte" userId="S::schutte@adobe.com::6e08b2d3-447a-4d66-86be-444d50df187f" providerId="AD" clId="Web-{AC30C20D-1316-8ECC-DADD-39CCEC6A7FCF}" dt="2021-10-13T19:03:35.035" v="8" actId="1076"/>
         <pc:sldMkLst>
           <pc:docMk/>
-          <pc:sldMk cId="1050037809" sldId="261"/>
+          <pc:sldMk cId="0" sldId="256"/>
         </pc:sldMkLst>
-        <pc:graphicFrameChg chg="mod modGraphic">
-          <ac:chgData name="Andy Witt" userId="S::awitt@adobe.com::e9157bdf-53b2-40e4-9459-936793d75696" providerId="AD" clId="Web-{06B13378-B080-7F0F-51A5-F9203CEE57ED}" dt="2021-08-25T22:25:13.647" v="363"/>
-          <ac:graphicFrameMkLst>
+        <pc:spChg chg="mod">
+          <ac:chgData name="Lauren Schutte" userId="S::schutte@adobe.com::6e08b2d3-447a-4d66-86be-444d50df187f" providerId="AD" clId="Web-{AC30C20D-1316-8ECC-DADD-39CCEC6A7FCF}" dt="2021-10-13T19:03:27.878" v="7" actId="14100"/>
+          <ac:spMkLst>
             <pc:docMk/>
-            <pc:sldMk cId="1050037809" sldId="261"/>
-            <ac:graphicFrameMk id="25" creationId="{3A91F5B0-3974-A14D-A146-FB590F2AAD18}"/>
-          </ac:graphicFrameMkLst>
-        </pc:graphicFrameChg>
+            <pc:sldMk cId="0" sldId="256"/>
+            <ac:spMk id="3" creationId="{00000000-0000-0000-0000-000000000000}"/>
+          </ac:spMkLst>
+        </pc:spChg>
+        <pc:spChg chg="mod">
+          <ac:chgData name="Lauren Schutte" userId="S::schutte@adobe.com::6e08b2d3-447a-4d66-86be-444d50df187f" providerId="AD" clId="Web-{AC30C20D-1316-8ECC-DADD-39CCEC6A7FCF}" dt="2021-10-13T19:03:35.035" v="8" actId="1076"/>
+          <ac:spMkLst>
+            <pc:docMk/>
+            <pc:sldMk cId="0" sldId="256"/>
+            <ac:spMk id="5" creationId="{00000000-0000-0000-0000-000000000000}"/>
+          </ac:spMkLst>
+        </pc:spChg>
       </pc:sldChg>
     </pc:docChg>
   </pc:docChgLst>
@@ -254,6 +353,38 @@
             <pc:docMk/>
             <pc:sldMk cId="1050037809" sldId="261"/>
             <ac:graphicFrameMk id="25" creationId="{3A91F5B0-3974-A14D-A146-FB590F2AAD18}"/>
+          </ac:graphicFrameMkLst>
+        </pc:graphicFrameChg>
+      </pc:sldChg>
+    </pc:docChg>
+  </pc:docChgLst>
+  <pc:docChgLst>
+    <pc:chgData name="Lauren Schutte" userId="6e08b2d3-447a-4d66-86be-444d50df187f" providerId="ADAL" clId="{61630BD6-9AE9-064C-B39F-AFA945B82B3E}"/>
+    <pc:docChg chg="undo custSel modSld">
+      <pc:chgData name="Lauren Schutte" userId="6e08b2d3-447a-4d66-86be-444d50df187f" providerId="ADAL" clId="{61630BD6-9AE9-064C-B39F-AFA945B82B3E}" dt="2021-10-13T19:21:08.267" v="201" actId="20577"/>
+      <pc:docMkLst>
+        <pc:docMk/>
+      </pc:docMkLst>
+      <pc:sldChg chg="modSp mod">
+        <pc:chgData name="Lauren Schutte" userId="6e08b2d3-447a-4d66-86be-444d50df187f" providerId="ADAL" clId="{61630BD6-9AE9-064C-B39F-AFA945B82B3E}" dt="2021-10-13T19:21:08.267" v="201" actId="20577"/>
+        <pc:sldMkLst>
+          <pc:docMk/>
+          <pc:sldMk cId="0" sldId="256"/>
+        </pc:sldMkLst>
+        <pc:spChg chg="mod">
+          <ac:chgData name="Lauren Schutte" userId="6e08b2d3-447a-4d66-86be-444d50df187f" providerId="ADAL" clId="{61630BD6-9AE9-064C-B39F-AFA945B82B3E}" dt="2021-10-13T19:03:44.344" v="3" actId="1076"/>
+          <ac:spMkLst>
+            <pc:docMk/>
+            <pc:sldMk cId="0" sldId="256"/>
+            <ac:spMk id="3" creationId="{00000000-0000-0000-0000-000000000000}"/>
+          </ac:spMkLst>
+        </pc:spChg>
+        <pc:graphicFrameChg chg="mod modGraphic">
+          <ac:chgData name="Lauren Schutte" userId="6e08b2d3-447a-4d66-86be-444d50df187f" providerId="ADAL" clId="{61630BD6-9AE9-064C-B39F-AFA945B82B3E}" dt="2021-10-13T19:21:08.267" v="201" actId="20577"/>
+          <ac:graphicFrameMkLst>
+            <pc:docMk/>
+            <pc:sldMk cId="0" sldId="256"/>
+            <ac:graphicFrameMk id="9" creationId="{00000000-0000-0000-0000-000000000000}"/>
           </ac:graphicFrameMkLst>
         </pc:graphicFrameChg>
       </pc:sldChg>
@@ -368,7 +499,7 @@
           <a:p>
             <a:fld id="{FB81873C-0B24-F04A-98A1-90E0A78F7E8A}" type="datetimeFigureOut">
               <a:rPr lang="en-US" smtClean="0"/>
-              <a:t>10/1/2021</a:t>
+              <a:t>11/19/2021</a:t>
             </a:fld>
             <a:endParaRPr lang="en-US"/>
           </a:p>
@@ -991,7 +1122,7 @@
           <a:p>
             <a:fld id="{1D8BD707-D9CF-40AE-B4C6-C98DA3205C09}" type="datetimeFigureOut">
               <a:rPr lang="en-US"/>
-              <a:t>10/1/2021</a:t>
+              <a:t>11/19/2021</a:t>
             </a:fld>
             <a:endParaRPr lang="en-US"/>
           </a:p>
@@ -1048,7 +1179,7 @@
         <p:spPr>
           <a:xfrm>
             <a:off x="5181601" y="9857232"/>
-            <a:ext cx="2443416" cy="246221"/>
+            <a:ext cx="2443416" cy="123111"/>
           </a:xfrm>
           <a:prstGeom prst="rect">
             <a:avLst/>
@@ -1071,26 +1202,31 @@
           </a:lstStyle>
           <a:p>
             <a:pPr marL="12700">
+              <a:lnSpc>
+                <a:spcPct val="100000"/>
+              </a:lnSpc>
               <a:spcBef>
                 <a:spcPts val="75"/>
               </a:spcBef>
             </a:pPr>
             <a:r>
-              <a:rPr lang="en-US" spc="-5" dirty="0">
-                <a:latin typeface="Adobe Clean Han Regular" panose="020B0500000000000000" pitchFamily="34" charset="-128"/>
-              </a:rPr>
-              <a:t>©2021 Adobe. All Rights Reserved. Adobe</a:t>
+              <a:rPr spc="-5"/>
+              <a:t>©202</a:t>
             </a:r>
             <a:r>
-              <a:rPr lang="en-US" spc="60" dirty="0">
-                <a:latin typeface="Adobe Clean Han Regular" panose="020B0500000000000000" pitchFamily="34" charset="-128"/>
-              </a:rPr>
+              <a:rPr lang="en-US" spc="-5"/>
+              <a:t>1 </a:t>
+            </a:r>
+            <a:r>
+              <a:rPr spc="-5"/>
+              <a:t>Adobe. All Rights Reserved. Adobe</a:t>
+            </a:r>
+            <a:r>
+              <a:rPr spc="60"/>
               <a:t> </a:t>
             </a:r>
             <a:r>
-              <a:rPr lang="en-US" spc="-5" dirty="0">
-                <a:latin typeface="Adobe Clean Han Regular" panose="020B0500000000000000" pitchFamily="34" charset="-128"/>
-              </a:rPr>
+              <a:rPr spc="-5"/>
               <a:t>Confidential.</a:t>
             </a:r>
           </a:p>
@@ -1178,7 +1314,7 @@
           <a:p>
             <a:fld id="{1D8BD707-D9CF-40AE-B4C6-C98DA3205C09}" type="datetimeFigureOut">
               <a:rPr lang="en-US"/>
-              <a:t>10/1/2021</a:t>
+              <a:t>11/19/2021</a:t>
             </a:fld>
             <a:endParaRPr lang="en-US"/>
           </a:p>
@@ -1235,7 +1371,7 @@
         <p:spPr>
           <a:xfrm>
             <a:off x="5257801" y="9857232"/>
-            <a:ext cx="2367216" cy="246221"/>
+            <a:ext cx="2367216" cy="123111"/>
           </a:xfrm>
           <a:prstGeom prst="rect">
             <a:avLst/>
@@ -1258,26 +1394,31 @@
           </a:lstStyle>
           <a:p>
             <a:pPr marL="12700">
+              <a:lnSpc>
+                <a:spcPct val="100000"/>
+              </a:lnSpc>
               <a:spcBef>
                 <a:spcPts val="75"/>
               </a:spcBef>
             </a:pPr>
             <a:r>
-              <a:rPr lang="en-US" spc="-5" dirty="0">
-                <a:latin typeface="Adobe Clean Han Regular" panose="020B0500000000000000" pitchFamily="34" charset="-128"/>
-              </a:rPr>
-              <a:t>©2021 Adobe. All Rights Reserved. Adobe</a:t>
+              <a:rPr spc="-5"/>
+              <a:t>©202</a:t>
             </a:r>
             <a:r>
-              <a:rPr lang="en-US" spc="60" dirty="0">
-                <a:latin typeface="Adobe Clean Han Regular" panose="020B0500000000000000" pitchFamily="34" charset="-128"/>
-              </a:rPr>
+              <a:rPr lang="en-US" spc="-5"/>
+              <a:t>1</a:t>
+            </a:r>
+            <a:r>
+              <a:rPr spc="-5"/>
+              <a:t> Adobe. All Rights Reserved. Adobe</a:t>
+            </a:r>
+            <a:r>
+              <a:rPr spc="60"/>
               <a:t> </a:t>
             </a:r>
             <a:r>
-              <a:rPr lang="en-US" spc="-5" dirty="0">
-                <a:latin typeface="Adobe Clean Han Regular" panose="020B0500000000000000" pitchFamily="34" charset="-128"/>
-              </a:rPr>
+              <a:rPr spc="-5"/>
               <a:t>Confidential.</a:t>
             </a:r>
           </a:p>
@@ -1401,7 +1542,7 @@
         <p:spPr>
           <a:xfrm>
             <a:off x="5257801" y="9865060"/>
-            <a:ext cx="2367216" cy="246221"/>
+            <a:ext cx="2367216" cy="123111"/>
           </a:xfrm>
           <a:prstGeom prst="rect">
             <a:avLst/>
@@ -1424,26 +1565,31 @@
           </a:lstStyle>
           <a:p>
             <a:pPr marL="12700">
+              <a:lnSpc>
+                <a:spcPct val="100000"/>
+              </a:lnSpc>
               <a:spcBef>
                 <a:spcPts val="75"/>
               </a:spcBef>
             </a:pPr>
             <a:r>
-              <a:rPr lang="en-US" spc="-5" dirty="0">
-                <a:latin typeface="Adobe Clean Han Regular" panose="020B0500000000000000" pitchFamily="34" charset="-128"/>
-              </a:rPr>
-              <a:t>©2021 Adobe. All Rights Reserved. Adobe</a:t>
+              <a:rPr spc="-5"/>
+              <a:t>©202</a:t>
             </a:r>
             <a:r>
-              <a:rPr lang="en-US" spc="60" dirty="0">
-                <a:latin typeface="Adobe Clean Han Regular" panose="020B0500000000000000" pitchFamily="34" charset="-128"/>
-              </a:rPr>
+              <a:rPr lang="en-US" spc="-5"/>
+              <a:t>1</a:t>
+            </a:r>
+            <a:r>
+              <a:rPr spc="-5"/>
+              <a:t> Adobe. All Rights Reserved. Adobe</a:t>
+            </a:r>
+            <a:r>
+              <a:rPr spc="60"/>
               <a:t> </a:t>
             </a:r>
             <a:r>
-              <a:rPr lang="en-US" spc="-5" dirty="0">
-                <a:latin typeface="Adobe Clean Han Regular" panose="020B0500000000000000" pitchFamily="34" charset="-128"/>
-              </a:rPr>
+              <a:rPr spc="-5"/>
               <a:t>Confidential.</a:t>
             </a:r>
           </a:p>
@@ -1486,7 +1632,7 @@
           <a:p>
             <a:fld id="{1D8BD707-D9CF-40AE-B4C6-C98DA3205C09}" type="datetimeFigureOut">
               <a:rPr lang="en-US"/>
-              <a:t>10/1/2021</a:t>
+              <a:t>11/19/2021</a:t>
             </a:fld>
             <a:endParaRPr lang="en-US"/>
           </a:p>
@@ -1740,8 +1886,8 @@
         </p:nvSpPr>
         <p:spPr>
           <a:xfrm>
-            <a:off x="168565" y="7162363"/>
-            <a:ext cx="3974810" cy="227626"/>
+            <a:off x="168564" y="7162363"/>
+            <a:ext cx="4498685" cy="227626"/>
           </a:xfrm>
           <a:prstGeom prst="rect">
             <a:avLst/>
@@ -1829,7 +1975,7 @@
           </a:prstGeom>
         </p:spPr>
         <p:txBody>
-          <a:bodyPr vert="horz" wrap="square" lIns="0" tIns="12700" rIns="0" bIns="0" rtlCol="0">
+          <a:bodyPr vert="horz" wrap="square" lIns="0" tIns="12700" rIns="0" bIns="0" rtlCol="0" anchor="t">
             <a:spAutoFit/>
           </a:bodyPr>
           <a:lstStyle/>
@@ -1844,10 +1990,10 @@
             </a:pPr>
             <a:r>
               <a:rPr lang="ja-JP" sz="2300" dirty="0">
-                <a:latin typeface="Adobe Clean Han Regular" panose="020B0500000000000000" pitchFamily="34" charset="-128"/>
-                <a:ea typeface="Adobe Clean Han Regular" panose="020B0500000000000000" pitchFamily="34" charset="-128"/>
+                <a:latin typeface="Adobe Clean Han Bold" panose="020B0600000000000000" pitchFamily="34" charset="-128"/>
+                <a:ea typeface="Adobe Clean Han Bold" panose="020B0600000000000000" pitchFamily="34" charset="-128"/>
               </a:rPr>
-              <a:t>アドビサポートのサービス</a:t>
+              <a:t>アドビサポートのプラン</a:t>
             </a:r>
           </a:p>
         </p:txBody>
@@ -1860,8 +2006,8 @@
         </p:nvSpPr>
         <p:spPr>
           <a:xfrm>
-            <a:off x="121147" y="635935"/>
-            <a:ext cx="5865216" cy="1268489"/>
+            <a:off x="121147" y="531160"/>
+            <a:ext cx="5933578" cy="1425647"/>
           </a:xfrm>
           <a:prstGeom prst="rect">
             <a:avLst/>
@@ -1886,8 +2032,8 @@
                 <a:solidFill>
                   <a:schemeClr val="bg1"/>
                 </a:solidFill>
-                <a:latin typeface="Adobe Clean Han Regular" panose="020B0500000000000000" pitchFamily="34" charset="-128"/>
-                <a:ea typeface="Adobe Clean Han Regular" panose="020B0500000000000000" pitchFamily="34" charset="-128"/>
+                <a:latin typeface="Adobe Clean Han Light" panose="020B0300000000000000" pitchFamily="34" charset="-128"/>
+                <a:ea typeface="Adobe Clean Han Light" panose="020B0300000000000000" pitchFamily="34" charset="-128"/>
               </a:rPr>
               <a:t>オンライン | </a:t>
             </a:r>
@@ -1906,8 +2052,8 @@
                 <a:solidFill>
                   <a:schemeClr val="bg1"/>
                 </a:solidFill>
-                <a:latin typeface="Adobe Clean Han Regular" panose="020B0500000000000000" pitchFamily="34" charset="-128"/>
-                <a:ea typeface="Adobe Clean Han Regular" panose="020B0500000000000000" pitchFamily="34" charset="-128"/>
+                <a:latin typeface="Adobe Clean Han Light" panose="020B0300000000000000" pitchFamily="34" charset="-128"/>
+                <a:ea typeface="Adobe Clean Han Light" panose="020B0300000000000000" pitchFamily="34" charset="-128"/>
               </a:rPr>
               <a:t> | エンタープライズ | エリート</a:t>
             </a:r>
@@ -1922,12 +2068,12 @@
               </a:spcBef>
             </a:pPr>
             <a:r>
-              <a:rPr lang="ja-JP" sz="800" spc="-30" dirty="0">
+              <a:rPr lang="ja-JP" sz="900" dirty="0">
                 <a:solidFill>
                   <a:schemeClr val="bg1"/>
                 </a:solidFill>
-                <a:latin typeface="Adobe Clean Han Regular" panose="020B0500000000000000" pitchFamily="34" charset="-128"/>
-                <a:ea typeface="Adobe Clean Han Regular" panose="020B0500000000000000" pitchFamily="34" charset="-128"/>
+                <a:latin typeface="Adobe Clean Han Light" panose="020B0300000000000000" pitchFamily="34" charset="-128"/>
+                <a:ea typeface="Adobe Clean Han Light" panose="020B0300000000000000" pitchFamily="34" charset="-128"/>
               </a:rPr>
               <a:t>アドビでは、お客様のビジネスをサポートするために、包括的なテクニカルリソースを提供しています。これらのリソースは Experience Cloud のライセンスサブスクリプションに含まれており、ビジネスサポートではさらに充実したリソースを利用可能です。ビジネスサポートでは、Adobe Experience League のパーソナライズされたラーニングパスやモニタリングされているコミュニティフォーラムへのアクセスが提供されます。アドビ製品に関する詳細なテクニカルドキュメントや最新のリリースノートは、いつでも参照可能です。また、ビジネスサポートのお客様は、製品に関するあらゆる質問を、必要なときに電話またはサポート web ポータルを使用して、テクニカルサポートチームに問い合わせることができます。さらに、アカウントサポートリードからの定期的な連絡や更新通知のほか、最も重要なサポートリクエストに対するケースエスカレーション管理のサポートも受けることができます。 </a:t>
             </a:r>
@@ -1997,9 +2143,7 @@
               </a:spcBef>
             </a:pPr>
             <a:r>
-              <a:rPr lang="ja-JP" dirty="0">
-                <a:latin typeface="Adobe Clean Han Regular" panose="020B0500000000000000" pitchFamily="34" charset="-128"/>
-              </a:rPr>
+              <a:rPr lang="ja-JP"/>
               <a:t>©2021 Adobe.All Rights Reserved.Adobe Confidential.</a:t>
             </a:r>
           </a:p>
@@ -2014,14 +2158,14 @@
           <p:nvPr>
             <p:extLst>
               <p:ext uri="{D42A27DB-BD31-4B8C-83A1-F6EECF244321}">
-                <p14:modId xmlns:p14="http://schemas.microsoft.com/office/powerpoint/2010/main" val="530675872"/>
+                <p14:modId xmlns:p14="http://schemas.microsoft.com/office/powerpoint/2010/main" val="2664177047"/>
               </p:ext>
             </p:extLst>
           </p:nvPr>
         </p:nvGraphicFramePr>
         <p:xfrm>
-          <a:off x="121146" y="7475985"/>
-          <a:ext cx="7498852" cy="2137909"/>
+          <a:off x="118872" y="7475985"/>
+          <a:ext cx="7498851" cy="2223598"/>
         </p:xfrm>
         <a:graphic>
           <a:graphicData uri="http://schemas.openxmlformats.org/drawingml/2006/table">
@@ -2030,21 +2174,21 @@
                 <a:tableStyleId>{2D5ABB26-0587-4C30-8999-92F81FD0307C}</a:tableStyleId>
               </a:tblPr>
               <a:tblGrid>
-                <a:gridCol w="4698745">
+                <a:gridCol w="5024628">
                   <a:extLst>
                     <a:ext uri="{9D8B030D-6E8A-4147-A177-3AD203B41FA5}">
                       <a16:colId xmlns:a16="http://schemas.microsoft.com/office/drawing/2014/main" val="20000"/>
                     </a:ext>
                   </a:extLst>
                 </a:gridCol>
-                <a:gridCol w="1400053">
+                <a:gridCol w="1228725">
                   <a:extLst>
                     <a:ext uri="{9D8B030D-6E8A-4147-A177-3AD203B41FA5}">
                       <a16:colId xmlns:a16="http://schemas.microsoft.com/office/drawing/2014/main" val="20001"/>
                     </a:ext>
                   </a:extLst>
                 </a:gridCol>
-                <a:gridCol w="1400054">
+                <a:gridCol w="1245498">
                   <a:extLst>
                     <a:ext uri="{9D8B030D-6E8A-4147-A177-3AD203B41FA5}">
                       <a16:colId xmlns:a16="http://schemas.microsoft.com/office/drawing/2014/main" val="20002"/>
@@ -2052,7 +2196,7 @@
                   </a:extLst>
                 </a:gridCol>
               </a:tblGrid>
-              <a:tr h="274318">
+              <a:tr h="291248">
                 <a:tc>
                   <a:txBody>
                     <a:bodyPr/>
@@ -2079,7 +2223,7 @@
                       </a:r>
                     </a:p>
                   </a:txBody>
-                  <a:tcPr marL="0" marR="0" marT="7620" marB="0" anchor="ctr">
+                  <a:tcPr marL="0" marR="0" marT="7620" marB="0">
                     <a:lnL w="3175">
                       <a:solidFill>
                         <a:srgbClr val="B7B8B8"/>
@@ -2114,18 +2258,27 @@
                     <a:bodyPr/>
                     <a:lstStyle/>
                     <a:p>
-                      <a:pPr marL="135255" algn="ctr">
+                      <a:pPr marL="2540" marR="0" lvl="0" indent="0" algn="ctr" defTabSz="914400" eaLnBrk="1" fontAlgn="auto" latinLnBrk="0" hangingPunct="1">
                         <a:lnSpc>
                           <a:spcPct val="100000"/>
                         </a:lnSpc>
                         <a:spcBef>
                           <a:spcPts val="60"/>
                         </a:spcBef>
+                        <a:spcAft>
+                          <a:spcPts val="0"/>
+                        </a:spcAft>
+                        <a:buClrTx/>
+                        <a:buSzTx/>
+                        <a:buFontTx/>
+                        <a:buNone/>
+                        <a:tabLst/>
+                        <a:defRPr/>
                       </a:pPr>
                       <a:r>
-                        <a:rPr lang="ja-JP" sz="900" dirty="0">
+                        <a:rPr lang="ja-JP" altLang="en-US" sz="900" dirty="0">
                           <a:solidFill>
-                            <a:srgbClr val="020302"/>
+                            <a:srgbClr val="404040"/>
                           </a:solidFill>
                           <a:latin typeface="Adobe Clean Han Regular" panose="020B0500000000000000" pitchFamily="34" charset="-128"/>
                           <a:ea typeface="Adobe Clean Han Regular" panose="020B0500000000000000" pitchFamily="34" charset="-128"/>
@@ -2135,7 +2288,7 @@
                       </a:r>
                     </a:p>
                   </a:txBody>
-                  <a:tcPr anchor="ctr">
+                  <a:tcPr marL="0" marR="0" marT="0" marB="0" anchor="ctr">
                     <a:lnL w="3175">
                       <a:solidFill>
                         <a:srgbClr val="B7B8B8"/>
@@ -2170,7 +2323,7 @@
                     <a:bodyPr/>
                     <a:lstStyle/>
                     <a:p>
-                      <a:pPr marL="92710">
+                      <a:pPr marL="92710" algn="ctr">
                         <a:lnSpc>
                           <a:spcPct val="100000"/>
                         </a:lnSpc>
@@ -2191,7 +2344,7 @@
                       </a:r>
                     </a:p>
                   </a:txBody>
-                  <a:tcPr anchor="ctr">
+                  <a:tcPr marL="0" marR="0" marT="0" marB="0" anchor="ctr">
                     <a:lnL w="3175">
                       <a:solidFill>
                         <a:srgbClr val="B7B8B8"/>
@@ -2227,7 +2380,7 @@
                   </a:ext>
                 </a:extLst>
               </a:tr>
-              <a:tr h="484755">
+              <a:tr h="514672">
                 <a:tc>
                   <a:txBody>
                     <a:bodyPr/>
@@ -2276,14 +2429,14 @@
                           <a:solidFill>
                             <a:srgbClr val="000000"/>
                           </a:solidFill>
-                          <a:latin typeface="Adobe Clean Han Regular" panose="020B0500000000000000" pitchFamily="34" charset="-128"/>
-                          <a:ea typeface="Adobe Clean Han Regular" panose="020B0500000000000000" pitchFamily="34" charset="-128"/>
+                          <a:latin typeface="Adobe Clean Han Light" panose="020B0300000000000000" pitchFamily="34" charset="-128"/>
+                          <a:ea typeface="Adobe Clean Han Light" panose="020B0300000000000000" pitchFamily="34" charset="-128"/>
                         </a:rPr>
                         <a:t>お客様の本番業務機能がダウンしている、または著しいデータ損失やサービス低下があり、機能およびユーザビリティを復元するための早急な処置が必要。</a:t>
                       </a:r>
                     </a:p>
                   </a:txBody>
-                  <a:tcPr marL="0" marR="0" marT="3810" marB="0">
+                  <a:tcPr marL="0" marR="0" marT="0" marB="0">
                     <a:lnL w="3175">
                       <a:solidFill>
                         <a:srgbClr val="B7B8B8"/>
@@ -2315,49 +2468,59 @@
                     <a:bodyPr/>
                     <a:lstStyle/>
                     <a:p>
-                      <a:pPr marL="374015" marR="325120" indent="-3810" algn="ctr">
-                        <a:lnSpc>
-                          <a:spcPct val="100000"/>
-                        </a:lnSpc>
-                        <a:spcBef>
-                          <a:spcPts val="670"/>
-                        </a:spcBef>
-                      </a:pPr>
+                      <a:pPr algn="ctr" fontAlgn="t"/>
                       <a:r>
-                        <a:rPr lang="ja-JP" sz="900" dirty="0">
+                        <a:rPr lang="en-US" altLang="ja-JP" sz="800" b="0" i="0" u="none" strike="noStrike" dirty="0">
                           <a:solidFill>
                             <a:srgbClr val="020302"/>
                           </a:solidFill>
-                          <a:latin typeface="Adobe Clean Han Regular" panose="020B0500000000000000" pitchFamily="34" charset="-128"/>
-                          <a:ea typeface="Adobe Clean Han Regular" panose="020B0500000000000000" pitchFamily="34" charset="-128"/>
-                          <a:cs typeface="AdobeClean-Light"/>
+                          <a:latin typeface="Adobe Clean Han Light" panose="020B0300000000000000" pitchFamily="34" charset="-128"/>
+                          <a:ea typeface="Adobe Clean Han Light" panose="020B0300000000000000" pitchFamily="34" charset="-128"/>
                         </a:rPr>
-                        <a:t>24 時間年中無休／</a:t>
+                        <a:t>24 </a:t>
                       </a:r>
-                      <a:br>
-                        <a:rPr lang="sk-SK" altLang="ja-JP" sz="900" dirty="0">
+                      <a:r>
+                        <a:rPr lang="ja-JP" altLang="en-US" sz="800" b="0" i="0" u="none" strike="noStrike" dirty="0">
                           <a:solidFill>
                             <a:srgbClr val="020302"/>
                           </a:solidFill>
-                          <a:latin typeface="Adobe Clean Han Regular" panose="020B0500000000000000" pitchFamily="34" charset="-128"/>
-                          <a:ea typeface="Adobe Clean Han Regular" panose="020B0500000000000000" pitchFamily="34" charset="-128"/>
-                          <a:cs typeface="AdobeClean-Light"/>
+                          <a:latin typeface="Adobe Clean Han Light" panose="020B0300000000000000" pitchFamily="34" charset="-128"/>
+                          <a:ea typeface="Adobe Clean Han Light" panose="020B0300000000000000" pitchFamily="34" charset="-128"/>
+                        </a:rPr>
+                        <a:t>時間年中無休／</a:t>
+                      </a:r>
+                      <a:br>
+                        <a:rPr lang="en-US" altLang="ja-JP" sz="800" b="0" i="0" u="none" strike="noStrike" dirty="0">
+                          <a:solidFill>
+                            <a:srgbClr val="020302"/>
+                          </a:solidFill>
+                          <a:latin typeface="Adobe Clean Han Light" panose="020B0300000000000000" pitchFamily="34" charset="-128"/>
+                          <a:ea typeface="Adobe Clean Han Light" panose="020B0300000000000000" pitchFamily="34" charset="-128"/>
                         </a:rPr>
                       </a:br>
                       <a:r>
-                        <a:rPr lang="ja-JP" sz="900" dirty="0">
+                        <a:rPr lang="en-US" altLang="ja-JP" sz="800" b="0" i="0" u="none" strike="noStrike" dirty="0">
                           <a:solidFill>
                             <a:srgbClr val="020302"/>
                           </a:solidFill>
-                          <a:latin typeface="Adobe Clean Han Regular" panose="020B0500000000000000" pitchFamily="34" charset="-128"/>
-                          <a:ea typeface="Adobe Clean Han Regular" panose="020B0500000000000000" pitchFamily="34" charset="-128"/>
-                          <a:cs typeface="AdobeClean-Light"/>
+                          <a:latin typeface="Adobe Clean Han Light" panose="020B0300000000000000" pitchFamily="34" charset="-128"/>
+                          <a:ea typeface="Adobe Clean Han Light" panose="020B0300000000000000" pitchFamily="34" charset="-128"/>
                         </a:rPr>
-                        <a:t>1 時間</a:t>
+                        <a:t>1 </a:t>
+                      </a:r>
+                      <a:r>
+                        <a:rPr lang="ja-JP" altLang="en-US" sz="800" b="0" i="0" u="none" strike="noStrike" dirty="0">
+                          <a:solidFill>
+                            <a:srgbClr val="020302"/>
+                          </a:solidFill>
+                          <a:latin typeface="Adobe Clean Han Light" panose="020B0300000000000000" pitchFamily="34" charset="-128"/>
+                          <a:ea typeface="Adobe Clean Han Light" panose="020B0300000000000000" pitchFamily="34" charset="-128"/>
+                        </a:rPr>
+                        <a:t>時間</a:t>
                       </a:r>
                     </a:p>
                   </a:txBody>
-                  <a:tcPr anchor="ctr">
+                  <a:tcPr marL="0" marR="0" marT="0" marB="0" anchor="ctr" anchorCtr="1">
                     <a:lnL w="3175">
                       <a:solidFill>
                         <a:srgbClr val="B7B8B8"/>
@@ -2389,49 +2552,59 @@
                     <a:bodyPr/>
                     <a:lstStyle/>
                     <a:p>
-                      <a:pPr marL="373380" marR="325755" indent="-3810" algn="ctr">
-                        <a:lnSpc>
-                          <a:spcPct val="100000"/>
-                        </a:lnSpc>
-                        <a:spcBef>
-                          <a:spcPts val="670"/>
-                        </a:spcBef>
-                      </a:pPr>
+                      <a:pPr algn="ctr" fontAlgn="t"/>
                       <a:r>
-                        <a:rPr lang="ja-JP" sz="900" dirty="0">
+                        <a:rPr lang="en-US" altLang="ja-JP" sz="900" b="0" i="0" u="none" strike="noStrike" dirty="0">
                           <a:solidFill>
                             <a:srgbClr val="020302"/>
                           </a:solidFill>
-                          <a:latin typeface="Adobe Clean Han Regular" panose="020B0500000000000000" pitchFamily="34" charset="-128"/>
-                          <a:ea typeface="Adobe Clean Han Regular" panose="020B0500000000000000" pitchFamily="34" charset="-128"/>
-                          <a:cs typeface="AdobeClean-Light"/>
+                          <a:latin typeface="Adobe Clean Han Light" panose="020B0300000000000000" pitchFamily="34" charset="-128"/>
+                          <a:ea typeface="Adobe Clean Han Light" panose="020B0300000000000000" pitchFamily="34" charset="-128"/>
                         </a:rPr>
-                        <a:t>24 時間年中無休／</a:t>
+                        <a:t>24 </a:t>
                       </a:r>
-                      <a:br>
-                        <a:rPr lang="sk-SK" altLang="ja-JP" sz="900" dirty="0">
+                      <a:r>
+                        <a:rPr lang="ja-JP" altLang="en-US" sz="900" b="0" i="0" u="none" strike="noStrike" dirty="0">
                           <a:solidFill>
                             <a:srgbClr val="020302"/>
                           </a:solidFill>
-                          <a:latin typeface="Adobe Clean Han Regular" panose="020B0500000000000000" pitchFamily="34" charset="-128"/>
-                          <a:ea typeface="Adobe Clean Han Regular" panose="020B0500000000000000" pitchFamily="34" charset="-128"/>
-                          <a:cs typeface="AdobeClean-Light"/>
+                          <a:latin typeface="Adobe Clean Han Light" panose="020B0300000000000000" pitchFamily="34" charset="-128"/>
+                          <a:ea typeface="Adobe Clean Han Light" panose="020B0300000000000000" pitchFamily="34" charset="-128"/>
+                        </a:rPr>
+                        <a:t>時間年中無休／</a:t>
+                      </a:r>
+                      <a:br>
+                        <a:rPr lang="en-US" altLang="ja-JP" sz="900" b="0" i="0" u="none" strike="noStrike" dirty="0">
+                          <a:solidFill>
+                            <a:srgbClr val="020302"/>
+                          </a:solidFill>
+                          <a:latin typeface="Adobe Clean Han Light" panose="020B0300000000000000" pitchFamily="34" charset="-128"/>
+                          <a:ea typeface="Adobe Clean Han Light" panose="020B0300000000000000" pitchFamily="34" charset="-128"/>
                         </a:rPr>
                       </a:br>
                       <a:r>
-                        <a:rPr lang="ja-JP" sz="900" dirty="0">
+                        <a:rPr lang="en-US" altLang="ja-JP" sz="900" b="0" i="0" u="none" strike="noStrike" dirty="0">
                           <a:solidFill>
                             <a:srgbClr val="020302"/>
                           </a:solidFill>
-                          <a:latin typeface="Adobe Clean Han Regular" panose="020B0500000000000000" pitchFamily="34" charset="-128"/>
-                          <a:ea typeface="Adobe Clean Han Regular" panose="020B0500000000000000" pitchFamily="34" charset="-128"/>
-                          <a:cs typeface="AdobeClean-Light"/>
+                          <a:latin typeface="Adobe Clean Han Light" panose="020B0300000000000000" pitchFamily="34" charset="-128"/>
+                          <a:ea typeface="Adobe Clean Han Light" panose="020B0300000000000000" pitchFamily="34" charset="-128"/>
                         </a:rPr>
-                        <a:t>1 時間</a:t>
+                        <a:t>1 </a:t>
+                      </a:r>
+                      <a:r>
+                        <a:rPr lang="ja-JP" altLang="en-US" sz="900" b="0" i="0" u="none" strike="noStrike" dirty="0">
+                          <a:solidFill>
+                            <a:srgbClr val="020302"/>
+                          </a:solidFill>
+                          <a:latin typeface="Adobe Clean Han Light" panose="020B0300000000000000" pitchFamily="34" charset="-128"/>
+                          <a:ea typeface="Adobe Clean Han Light" panose="020B0300000000000000" pitchFamily="34" charset="-128"/>
+                        </a:rPr>
+                        <a:t>時間</a:t>
                       </a:r>
                     </a:p>
                   </a:txBody>
-                  <a:tcPr anchor="ctr">
+                  <a:tcPr marL="0" marR="0" marT="91440" marB="91440" anchor="ctr" anchorCtr="1">
                     <a:lnL w="3175">
                       <a:solidFill>
                         <a:srgbClr val="B7B8B8"/>
@@ -2469,7 +2642,7 @@
                   </a:ext>
                 </a:extLst>
               </a:tr>
-              <a:tr h="484755">
+              <a:tr h="514672">
                 <a:tc>
                   <a:txBody>
                     <a:bodyPr/>
@@ -2509,29 +2682,10 @@
                           <a:solidFill>
                             <a:srgbClr val="000000"/>
                           </a:solidFill>
-                          <a:latin typeface="Adobe Clean Han Regular" panose="020B0500000000000000" pitchFamily="34" charset="-128"/>
-                          <a:ea typeface="Adobe Clean Han Regular" panose="020B0500000000000000" pitchFamily="34" charset="-128"/>
+                          <a:latin typeface="Adobe Clean Han Light" panose="020B0300000000000000" pitchFamily="34" charset="-128"/>
+                          <a:ea typeface="Adobe Clean Han Light" panose="020B0300000000000000" pitchFamily="34" charset="-128"/>
                         </a:rPr>
-                        <a:t>お客様の業務機能に重大なサービス低下や潜在的なデータ損失があるか、</a:t>
-                      </a:r>
-                      <a:br>
-                        <a:rPr lang="sk-SK" altLang="ja-JP" sz="900" b="0" i="0" dirty="0">
-                          <a:solidFill>
-                            <a:srgbClr val="000000"/>
-                          </a:solidFill>
-                          <a:latin typeface="Adobe Clean Han Regular" panose="020B0500000000000000" pitchFamily="34" charset="-128"/>
-                          <a:ea typeface="Adobe Clean Han Regular" panose="020B0500000000000000" pitchFamily="34" charset="-128"/>
-                        </a:rPr>
-                      </a:br>
-                      <a:r>
-                        <a:rPr lang="ja-JP" sz="900" b="0" i="0" dirty="0">
-                          <a:solidFill>
-                            <a:srgbClr val="000000"/>
-                          </a:solidFill>
-                          <a:latin typeface="Adobe Clean Han Regular" panose="020B0500000000000000" pitchFamily="34" charset="-128"/>
-                          <a:ea typeface="Adobe Clean Han Regular" panose="020B0500000000000000" pitchFamily="34" charset="-128"/>
-                        </a:rPr>
-                        <a:t>主な機能が影響を受けている。 </a:t>
+                        <a:t>お客様の業務機能に重大なサービス低下や潜在的なデータ損失があるか、主な機能が影響を受けている。 </a:t>
                       </a:r>
                     </a:p>
                   </a:txBody>
@@ -2567,7 +2721,7 @@
                     <a:bodyPr/>
                     <a:lstStyle/>
                     <a:p>
-                      <a:pPr marL="316865" marR="184785" indent="-193675" algn="ctr">
+                      <a:pPr marL="122238" marR="184785" indent="0" algn="ctr">
                         <a:lnSpc>
                           <a:spcPct val="100000"/>
                         </a:lnSpc>
@@ -2576,19 +2730,51 @@
                         </a:spcBef>
                       </a:pPr>
                       <a:r>
-                        <a:rPr lang="ja-JP" sz="900">
+                        <a:rPr lang="ja-JP" altLang="en-US" sz="900" dirty="0">
                           <a:solidFill>
                             <a:srgbClr val="020302"/>
                           </a:solidFill>
-                          <a:latin typeface="Adobe Clean Han Regular" panose="020B0500000000000000" pitchFamily="34" charset="-128"/>
-                          <a:ea typeface="Adobe Clean Han Regular" panose="020B0500000000000000" pitchFamily="34" charset="-128"/>
+                          <a:latin typeface="Adobe Clean Han Light" panose="020B0300000000000000" pitchFamily="34" charset="-128"/>
+                          <a:ea typeface="Adobe Clean Han Light" panose="020B0300000000000000" pitchFamily="34" charset="-128"/>
                           <a:cs typeface="AdobeClean-Light"/>
                         </a:rPr>
-                        <a:t>営業時間／4 時間</a:t>
+                        <a:t>営業時間</a:t>
+                      </a:r>
+                      <a:r>
+                        <a:rPr lang="ja-JP" sz="900" dirty="0">
+                          <a:solidFill>
+                            <a:srgbClr val="020302"/>
+                          </a:solidFill>
+                          <a:latin typeface="Adobe Clean Han Light" panose="020B0300000000000000" pitchFamily="34" charset="-128"/>
+                          <a:ea typeface="Adobe Clean Han Light" panose="020B0300000000000000" pitchFamily="34" charset="-128"/>
+                          <a:cs typeface="AdobeClean-Light"/>
+                        </a:rPr>
+                        <a:t>／</a:t>
+                      </a:r>
+                      <a:br>
+                        <a:rPr lang="en-US" altLang="ja-JP" sz="900" dirty="0">
+                          <a:solidFill>
+                            <a:srgbClr val="020302"/>
+                          </a:solidFill>
+                          <a:latin typeface="Adobe Clean Han Light" panose="020B0300000000000000" pitchFamily="34" charset="-128"/>
+                          <a:ea typeface="Adobe Clean Han Light" panose="020B0300000000000000" pitchFamily="34" charset="-128"/>
+                          <a:cs typeface="AdobeClean-Light"/>
+                        </a:rPr>
+                      </a:br>
+                      <a:r>
+                        <a:rPr lang="ja-JP" sz="900" dirty="0">
+                          <a:solidFill>
+                            <a:srgbClr val="020302"/>
+                          </a:solidFill>
+                          <a:latin typeface="Adobe Clean Han Light" panose="020B0300000000000000" pitchFamily="34" charset="-128"/>
+                          <a:ea typeface="Adobe Clean Han Light" panose="020B0300000000000000" pitchFamily="34" charset="-128"/>
+                          <a:cs typeface="AdobeClean-Light"/>
+                        </a:rPr>
+                        <a:t>4 時間</a:t>
                       </a:r>
                     </a:p>
                   </a:txBody>
-                  <a:tcPr anchor="ctr">
+                  <a:tcPr marL="0" marR="0" marT="91440" marB="91440" anchor="ctr" anchorCtr="1">
                     <a:lnL w="3175">
                       <a:solidFill>
                         <a:srgbClr val="B7B8B8"/>
@@ -2620,7 +2806,7 @@
                     <a:bodyPr/>
                     <a:lstStyle/>
                     <a:p>
-                      <a:pPr marL="317500" marR="184785" indent="-194310" algn="ctr">
+                      <a:pPr marL="123825" marR="184785" indent="-123825" algn="ctr">
                         <a:lnSpc>
                           <a:spcPct val="100000"/>
                         </a:lnSpc>
@@ -2629,19 +2815,73 @@
                         </a:spcBef>
                       </a:pPr>
                       <a:r>
-                        <a:rPr lang="ja-JP" sz="900">
+                        <a:rPr lang="ja-JP" sz="900" dirty="0">
                           <a:solidFill>
                             <a:srgbClr val="020302"/>
                           </a:solidFill>
-                          <a:latin typeface="Adobe Clean Han Regular" panose="020B0500000000000000" pitchFamily="34" charset="-128"/>
-                          <a:ea typeface="Adobe Clean Han Regular" panose="020B0500000000000000" pitchFamily="34" charset="-128"/>
+                          <a:latin typeface="Adobe Clean Han Light" panose="020B0300000000000000" pitchFamily="34" charset="-128"/>
+                          <a:ea typeface="Adobe Clean Han Light" panose="020B0300000000000000" pitchFamily="34" charset="-128"/>
                           <a:cs typeface="AdobeClean-Light"/>
                         </a:rPr>
-                        <a:t>営業時間／2 時間</a:t>
+                        <a:t>    </a:t>
+                      </a:r>
+                      <a:r>
+                        <a:rPr lang="ja-JP" altLang="en-US" sz="900" dirty="0">
+                          <a:solidFill>
+                            <a:srgbClr val="020302"/>
+                          </a:solidFill>
+                          <a:latin typeface="Adobe Clean Han Light" panose="020B0300000000000000" pitchFamily="34" charset="-128"/>
+                          <a:ea typeface="Adobe Clean Han Light" panose="020B0300000000000000" pitchFamily="34" charset="-128"/>
+                          <a:cs typeface="AdobeClean-Light"/>
+                        </a:rPr>
+                        <a:t>営業時間</a:t>
+                      </a:r>
+                      <a:r>
+                        <a:rPr lang="ja-JP" sz="900" dirty="0">
+                          <a:solidFill>
+                            <a:srgbClr val="020302"/>
+                          </a:solidFill>
+                          <a:latin typeface="Adobe Clean Han Light" panose="020B0300000000000000" pitchFamily="34" charset="-128"/>
+                          <a:ea typeface="Adobe Clean Han Light" panose="020B0300000000000000" pitchFamily="34" charset="-128"/>
+                          <a:cs typeface="AdobeClean-Light"/>
+                        </a:rPr>
+                        <a:t>／</a:t>
+                      </a:r>
+                      <a:br>
+                        <a:rPr lang="sk-SK" altLang="ja-JP" sz="900" dirty="0">
+                          <a:solidFill>
+                            <a:srgbClr val="020302"/>
+                          </a:solidFill>
+                          <a:latin typeface="Adobe Clean Han Light" panose="020B0300000000000000" pitchFamily="34" charset="-128"/>
+                          <a:ea typeface="Adobe Clean Han Light" panose="020B0300000000000000" pitchFamily="34" charset="-128"/>
+                          <a:cs typeface="AdobeClean-Light"/>
+                        </a:rPr>
+                      </a:br>
+                      <a:r>
+                        <a:rPr lang="en-US" sz="900" dirty="0">
+                          <a:solidFill>
+                            <a:srgbClr val="020302"/>
+                          </a:solidFill>
+                          <a:latin typeface="Adobe Clean Han Light" panose="020B0300000000000000" pitchFamily="34" charset="-128"/>
+                          <a:ea typeface="Adobe Clean Han Light" panose="020B0300000000000000" pitchFamily="34" charset="-128"/>
+                          <a:cs typeface="AdobeClean-Light"/>
+                        </a:rPr>
+                        <a:t>2 </a:t>
+                      </a:r>
+                      <a:r>
+                        <a:rPr lang="ja-JP" sz="900" dirty="0">
+                          <a:solidFill>
+                            <a:srgbClr val="020302"/>
+                          </a:solidFill>
+                          <a:latin typeface="Adobe Clean Han Light" panose="020B0300000000000000" pitchFamily="34" charset="-128"/>
+                          <a:ea typeface="Adobe Clean Han Light" panose="020B0300000000000000" pitchFamily="34" charset="-128"/>
+                          <a:cs typeface="AdobeClean-Light"/>
+                        </a:rPr>
+                        <a:t>時間</a:t>
                       </a:r>
                     </a:p>
                   </a:txBody>
-                  <a:tcPr anchor="ctr">
+                  <a:tcPr marL="0" marR="0" marT="91440" marB="91440" anchor="ctr" anchorCtr="1">
                     <a:lnL w="3175">
                       <a:solidFill>
                         <a:srgbClr val="B7B8B8"/>
@@ -2679,7 +2919,7 @@
                   </a:ext>
                 </a:extLst>
               </a:tr>
-              <a:tr h="484756">
+              <a:tr h="514673">
                 <a:tc>
                   <a:txBody>
                     <a:bodyPr/>
@@ -2724,11 +2964,11 @@
                           </a:solidFill>
                           <a:uLnTx/>
                           <a:uFillTx/>
-                          <a:latin typeface="Adobe Clean Han Regular" panose="020B0500000000000000" pitchFamily="34" charset="-128"/>
-                          <a:ea typeface="Adobe Clean Han Regular" panose="020B0500000000000000" pitchFamily="34" charset="-128"/>
+                          <a:latin typeface="Adobe Clean Han Light" panose="020B0300000000000000" pitchFamily="34" charset="-128"/>
+                          <a:ea typeface="Adobe Clean Han Light" panose="020B0300000000000000" pitchFamily="34" charset="-128"/>
                           <a:cs typeface="+mn-cs"/>
                         </a:rPr>
-                        <a:t>お客様の業務機能に軽微なサービス低下があるが、</a:t>
+                        <a:t>お客様の業務機能に軽微なサービス低下があるが、業務機能を正常に続行できる解決策／</a:t>
                       </a:r>
                       <a:br>
                         <a:rPr kumimoji="0" lang="sk-SK" altLang="ja-JP" sz="900" b="0" i="0" u="none" strike="noStrike" cap="none" normalizeH="0" baseline="0" noProof="0" dirty="0">
@@ -2740,8 +2980,8 @@
                           </a:solidFill>
                           <a:uLnTx/>
                           <a:uFillTx/>
-                          <a:latin typeface="Adobe Clean Han Regular" panose="020B0500000000000000" pitchFamily="34" charset="-128"/>
-                          <a:ea typeface="Adobe Clean Han Regular" panose="020B0500000000000000" pitchFamily="34" charset="-128"/>
+                          <a:latin typeface="Adobe Clean Han Light" panose="020B0300000000000000" pitchFamily="34" charset="-128"/>
+                          <a:ea typeface="Adobe Clean Han Light" panose="020B0300000000000000" pitchFamily="34" charset="-128"/>
                           <a:cs typeface="+mn-cs"/>
                         </a:rPr>
                       </a:br>
@@ -2755,11 +2995,11 @@
                           </a:solidFill>
                           <a:uLnTx/>
                           <a:uFillTx/>
-                          <a:latin typeface="Adobe Clean Han Regular" panose="020B0500000000000000" pitchFamily="34" charset="-128"/>
-                          <a:ea typeface="Adobe Clean Han Regular" panose="020B0500000000000000" pitchFamily="34" charset="-128"/>
+                          <a:latin typeface="Adobe Clean Han Light" panose="020B0300000000000000" pitchFamily="34" charset="-128"/>
+                          <a:ea typeface="Adobe Clean Han Light" panose="020B0300000000000000" pitchFamily="34" charset="-128"/>
                           <a:cs typeface="+mn-cs"/>
                         </a:rPr>
-                        <a:t>業務機能を正常に続行できるソリューション／回避策が存在する。 </a:t>
+                        <a:t>回避策が存在する。 </a:t>
                       </a:r>
                     </a:p>
                   </a:txBody>
@@ -2795,7 +3035,7 @@
                     <a:bodyPr/>
                     <a:lstStyle/>
                     <a:p>
-                      <a:pPr marL="313690" marR="184150" indent="-189865" algn="ctr">
+                      <a:pPr marL="123825" marR="184150" indent="0" algn="ctr">
                         <a:lnSpc>
                           <a:spcPct val="100000"/>
                         </a:lnSpc>
@@ -2804,19 +3044,51 @@
                         </a:spcBef>
                       </a:pPr>
                       <a:r>
-                        <a:rPr lang="ja-JP" sz="900">
+                        <a:rPr lang="ja-JP" altLang="en-US" sz="900" dirty="0">
                           <a:solidFill>
                             <a:srgbClr val="020302"/>
                           </a:solidFill>
-                          <a:latin typeface="Adobe Clean Han Regular" panose="020B0500000000000000" pitchFamily="34" charset="-128"/>
-                          <a:ea typeface="Adobe Clean Han Regular" panose="020B0500000000000000" pitchFamily="34" charset="-128"/>
+                          <a:latin typeface="Adobe Clean Han Light" panose="020B0300000000000000" pitchFamily="34" charset="-128"/>
+                          <a:ea typeface="Adobe Clean Han Light" panose="020B0300000000000000" pitchFamily="34" charset="-128"/>
                           <a:cs typeface="AdobeClean-Light"/>
                         </a:rPr>
-                        <a:t>営業時間／6 時間</a:t>
+                        <a:t>営業時間</a:t>
+                      </a:r>
+                      <a:r>
+                        <a:rPr lang="ja-JP" sz="900" dirty="0">
+                          <a:solidFill>
+                            <a:srgbClr val="020302"/>
+                          </a:solidFill>
+                          <a:latin typeface="Adobe Clean Han Light" panose="020B0300000000000000" pitchFamily="34" charset="-128"/>
+                          <a:ea typeface="Adobe Clean Han Light" panose="020B0300000000000000" pitchFamily="34" charset="-128"/>
+                          <a:cs typeface="AdobeClean-Light"/>
+                        </a:rPr>
+                        <a:t>／</a:t>
+                      </a:r>
+                      <a:br>
+                        <a:rPr lang="sk-SK" altLang="ja-JP" sz="900" dirty="0">
+                          <a:solidFill>
+                            <a:srgbClr val="020302"/>
+                          </a:solidFill>
+                          <a:latin typeface="Adobe Clean Han Light" panose="020B0300000000000000" pitchFamily="34" charset="-128"/>
+                          <a:ea typeface="Adobe Clean Han Light" panose="020B0300000000000000" pitchFamily="34" charset="-128"/>
+                          <a:cs typeface="AdobeClean-Light"/>
+                        </a:rPr>
+                      </a:br>
+                      <a:r>
+                        <a:rPr lang="ja-JP" sz="900" dirty="0">
+                          <a:solidFill>
+                            <a:srgbClr val="020302"/>
+                          </a:solidFill>
+                          <a:latin typeface="Adobe Clean Han Light" panose="020B0300000000000000" pitchFamily="34" charset="-128"/>
+                          <a:ea typeface="Adobe Clean Han Light" panose="020B0300000000000000" pitchFamily="34" charset="-128"/>
+                          <a:cs typeface="AdobeClean-Light"/>
+                        </a:rPr>
+                        <a:t>6 時間</a:t>
                       </a:r>
                     </a:p>
                   </a:txBody>
-                  <a:tcPr anchor="ctr">
+                  <a:tcPr marL="0" marR="0" marT="91440" marB="91440" anchor="ctr" anchorCtr="1">
                     <a:lnL w="3175">
                       <a:solidFill>
                         <a:srgbClr val="B7B8B8"/>
@@ -2848,7 +3120,7 @@
                     <a:bodyPr/>
                     <a:lstStyle/>
                     <a:p>
-                      <a:pPr marL="316230" marR="185420" indent="-193675" algn="ctr">
+                      <a:pPr marL="123825" marR="184150" indent="0" algn="ctr">
                         <a:lnSpc>
                           <a:spcPct val="100000"/>
                         </a:lnSpc>
@@ -2857,19 +3129,51 @@
                         </a:spcBef>
                       </a:pPr>
                       <a:r>
-                        <a:rPr lang="ja-JP" sz="900">
+                        <a:rPr lang="ja-JP" altLang="en-US" sz="900" dirty="0">
                           <a:solidFill>
                             <a:srgbClr val="020302"/>
                           </a:solidFill>
-                          <a:latin typeface="Adobe Clean Han Regular" panose="020B0500000000000000" pitchFamily="34" charset="-128"/>
-                          <a:ea typeface="Adobe Clean Han Regular" panose="020B0500000000000000" pitchFamily="34" charset="-128"/>
+                          <a:latin typeface="Adobe Clean Han Light" panose="020B0300000000000000" pitchFamily="34" charset="-128"/>
+                          <a:ea typeface="Adobe Clean Han Light" panose="020B0300000000000000" pitchFamily="34" charset="-128"/>
                           <a:cs typeface="AdobeClean-Light"/>
                         </a:rPr>
-                        <a:t>営業時間／4 時間</a:t>
+                        <a:t>営業時間／</a:t>
+                      </a:r>
+                      <a:br>
+                        <a:rPr lang="sk-SK" altLang="ja-JP" sz="900" dirty="0">
+                          <a:solidFill>
+                            <a:srgbClr val="020302"/>
+                          </a:solidFill>
+                          <a:latin typeface="Adobe Clean Han Light" panose="020B0300000000000000" pitchFamily="34" charset="-128"/>
+                          <a:ea typeface="Adobe Clean Han Light" panose="020B0300000000000000" pitchFamily="34" charset="-128"/>
+                          <a:cs typeface="AdobeClean-Light"/>
+                        </a:rPr>
+                      </a:br>
+                      <a:r>
+                        <a:rPr lang="en-US" altLang="ja-JP" sz="900" dirty="0">
+                          <a:solidFill>
+                            <a:srgbClr val="020302"/>
+                          </a:solidFill>
+                          <a:latin typeface="Adobe Clean Han Light" panose="020B0300000000000000" pitchFamily="34" charset="-128"/>
+                          <a:ea typeface="Adobe Clean Han Light" panose="020B0300000000000000" pitchFamily="34" charset="-128"/>
+                          <a:cs typeface="AdobeClean-Light"/>
+                        </a:rPr>
+                        <a:t>4 </a:t>
+                      </a:r>
+                      <a:r>
+                        <a:rPr lang="ja-JP" altLang="en-US" sz="900" dirty="0">
+                          <a:solidFill>
+                            <a:srgbClr val="020302"/>
+                          </a:solidFill>
+                          <a:latin typeface="Adobe Clean Han Light" panose="020B0300000000000000" pitchFamily="34" charset="-128"/>
+                          <a:ea typeface="Adobe Clean Han Light" panose="020B0300000000000000" pitchFamily="34" charset="-128"/>
+                          <a:cs typeface="AdobeClean-Light"/>
+                        </a:rPr>
+                        <a:t>時間</a:t>
                       </a:r>
                     </a:p>
                   </a:txBody>
-                  <a:tcPr anchor="ctr">
+                  <a:tcPr marL="0" marR="0" marT="91440" marB="91440" anchor="ctr" anchorCtr="1">
                     <a:lnL w="3175">
                       <a:solidFill>
                         <a:srgbClr val="B7B8B8"/>
@@ -2907,7 +3211,7 @@
                   </a:ext>
                 </a:extLst>
               </a:tr>
-              <a:tr h="359998">
+              <a:tr h="388333">
                 <a:tc>
                   <a:txBody>
                     <a:bodyPr/>
@@ -2956,8 +3260,8 @@
                           <a:solidFill>
                             <a:srgbClr val="000000"/>
                           </a:solidFill>
-                          <a:latin typeface="Adobe Clean Han Regular" panose="020B0500000000000000" pitchFamily="34" charset="-128"/>
-                          <a:ea typeface="Adobe Clean Han Regular" panose="020B0500000000000000" pitchFamily="34" charset="-128"/>
+                          <a:latin typeface="Adobe Clean Han Light" panose="020B0300000000000000" pitchFamily="34" charset="-128"/>
+                          <a:ea typeface="Adobe Clean Han Light" panose="020B0300000000000000" pitchFamily="34" charset="-128"/>
                         </a:rPr>
                         <a:t>現在の製品機能に関する一般的な質問または機能拡張のリクエスト。</a:t>
                       </a:r>
@@ -2995,7 +3299,7 @@
                     <a:bodyPr/>
                     <a:lstStyle/>
                     <a:p>
-                      <a:pPr marL="171450" marR="203200" indent="-23813" algn="ctr">
+                      <a:pPr marL="340360" marR="203200" indent="-193040" algn="ctr">
                         <a:lnSpc>
                           <a:spcPct val="100000"/>
                         </a:lnSpc>
@@ -3008,36 +3312,15 @@
                           <a:solidFill>
                             <a:srgbClr val="020302"/>
                           </a:solidFill>
-                          <a:latin typeface="Adobe Clean Han Regular" panose="020B0500000000000000" pitchFamily="34" charset="-128"/>
-                          <a:ea typeface="Adobe Clean Han Regular" panose="020B0500000000000000" pitchFamily="34" charset="-128"/>
+                          <a:latin typeface="Adobe Clean Han Light" panose="020B0300000000000000" pitchFamily="34" charset="-128"/>
+                          <a:ea typeface="Adobe Clean Han Light" panose="020B0300000000000000" pitchFamily="34" charset="-128"/>
                           <a:cs typeface="AdobeClean-Light"/>
                         </a:rPr>
-                        <a:t>営業日／</a:t>
-                      </a:r>
-                      <a:br>
-                        <a:rPr lang="sk-SK" altLang="ja-JP" sz="900" dirty="0">
-                          <a:solidFill>
-                            <a:srgbClr val="020302"/>
-                          </a:solidFill>
-                          <a:latin typeface="Adobe Clean Han Regular" panose="020B0500000000000000" pitchFamily="34" charset="-128"/>
-                          <a:ea typeface="Adobe Clean Han Regular" panose="020B0500000000000000" pitchFamily="34" charset="-128"/>
-                          <a:cs typeface="AdobeClean-Light"/>
-                        </a:rPr>
-                      </a:br>
-                      <a:r>
-                        <a:rPr lang="ja-JP" sz="900" dirty="0">
-                          <a:solidFill>
-                            <a:srgbClr val="020302"/>
-                          </a:solidFill>
-                          <a:latin typeface="Adobe Clean Han Regular" panose="020B0500000000000000" pitchFamily="34" charset="-128"/>
-                          <a:ea typeface="Adobe Clean Han Regular" panose="020B0500000000000000" pitchFamily="34" charset="-128"/>
-                          <a:cs typeface="AdobeClean-Light"/>
-                        </a:rPr>
-                        <a:t>3 日</a:t>
+                        <a:t>  営業日／3 日</a:t>
                       </a:r>
                     </a:p>
                   </a:txBody>
-                  <a:tcPr anchor="ctr">
+                  <a:tcPr marL="0" marR="0" marT="91440" marB="91440" anchor="ctr" anchorCtr="1">
                     <a:lnL w="3175">
                       <a:solidFill>
                         <a:srgbClr val="B7B8B8"/>
@@ -3069,7 +3352,7 @@
                     <a:bodyPr/>
                     <a:lstStyle/>
                     <a:p>
-                      <a:pPr marL="171450" marR="223520" indent="-3175" algn="ctr">
+                      <a:pPr marL="370840" marR="223520" indent="-202565" algn="ctr">
                         <a:lnSpc>
                           <a:spcPct val="100000"/>
                         </a:lnSpc>
@@ -3082,36 +3365,15 @@
                           <a:solidFill>
                             <a:srgbClr val="020302"/>
                           </a:solidFill>
-                          <a:latin typeface="Adobe Clean Han Regular" panose="020B0500000000000000" pitchFamily="34" charset="-128"/>
-                          <a:ea typeface="Adobe Clean Han Regular" panose="020B0500000000000000" pitchFamily="34" charset="-128"/>
+                          <a:latin typeface="Adobe Clean Han Light" panose="020B0300000000000000" pitchFamily="34" charset="-128"/>
+                          <a:ea typeface="Adobe Clean Han Light" panose="020B0300000000000000" pitchFamily="34" charset="-128"/>
                           <a:cs typeface="AdobeClean-Light"/>
                         </a:rPr>
-                        <a:t>営業日／ </a:t>
-                      </a:r>
-                    </a:p>
-                    <a:p>
-                      <a:pPr marL="171450" marR="223520" indent="-3175" algn="ctr">
-                        <a:lnSpc>
-                          <a:spcPct val="100000"/>
-                        </a:lnSpc>
-                        <a:spcBef>
-                          <a:spcPts val="155"/>
-                        </a:spcBef>
-                      </a:pPr>
-                      <a:r>
-                        <a:rPr lang="ja-JP" sz="900" dirty="0">
-                          <a:solidFill>
-                            <a:srgbClr val="020302"/>
-                          </a:solidFill>
-                          <a:latin typeface="Adobe Clean Han Regular" panose="020B0500000000000000" pitchFamily="34" charset="-128"/>
-                          <a:ea typeface="Adobe Clean Han Regular" panose="020B0500000000000000" pitchFamily="34" charset="-128"/>
-                          <a:cs typeface="AdobeClean-Light"/>
-                        </a:rPr>
-                        <a:t>  1 日</a:t>
+                        <a:t>営業日／1 日</a:t>
                       </a:r>
                     </a:p>
                   </a:txBody>
-                  <a:tcPr anchor="ctr">
+                  <a:tcPr marL="0" marR="0" marT="91440" marB="91440" anchor="ctr" anchorCtr="1">
                     <a:lnL w="3175">
                       <a:solidFill>
                         <a:srgbClr val="B7B8B8"/>
@@ -3168,14 +3430,14 @@
           <p:nvPr>
             <p:extLst>
               <p:ext uri="{D42A27DB-BD31-4B8C-83A1-F6EECF244321}">
-                <p14:modId xmlns:p14="http://schemas.microsoft.com/office/powerpoint/2010/main" val="1673839485"/>
+                <p14:modId xmlns:p14="http://schemas.microsoft.com/office/powerpoint/2010/main" val="3560736942"/>
               </p:ext>
             </p:extLst>
           </p:nvPr>
         </p:nvGraphicFramePr>
         <p:xfrm>
           <a:off x="121147" y="2120949"/>
-          <a:ext cx="7498851" cy="4915883"/>
+          <a:ext cx="7498851" cy="4714546"/>
         </p:xfrm>
         <a:graphic>
           <a:graphicData uri="http://schemas.openxmlformats.org/drawingml/2006/table">
@@ -3191,21 +3453,21 @@
                     </a:ext>
                   </a:extLst>
                 </a:gridCol>
-                <a:gridCol w="3133474">
+                <a:gridCol w="3442079">
                   <a:extLst>
                     <a:ext uri="{9D8B030D-6E8A-4147-A177-3AD203B41FA5}">
                       <a16:colId xmlns:a16="http://schemas.microsoft.com/office/drawing/2014/main" val="20001"/>
                     </a:ext>
                   </a:extLst>
                 </a:gridCol>
-                <a:gridCol w="1425889">
+                <a:gridCol w="1290638">
                   <a:extLst>
                     <a:ext uri="{9D8B030D-6E8A-4147-A177-3AD203B41FA5}">
                       <a16:colId xmlns:a16="http://schemas.microsoft.com/office/drawing/2014/main" val="2563521174"/>
                     </a:ext>
                   </a:extLst>
                 </a:gridCol>
-                <a:gridCol w="1425889">
+                <a:gridCol w="1252535">
                   <a:extLst>
                     <a:ext uri="{9D8B030D-6E8A-4147-A177-3AD203B41FA5}">
                       <a16:colId xmlns:a16="http://schemas.microsoft.com/office/drawing/2014/main" val="20003"/>
@@ -3219,10 +3481,7 @@
                     <a:bodyPr/>
                     <a:lstStyle/>
                     <a:p>
-                      <a:endParaRPr lang="en-US" dirty="0">
-                        <a:latin typeface="Adobe Clean Han Regular" panose="020B0500000000000000" pitchFamily="34" charset="-128"/>
-                        <a:ea typeface="Adobe Clean Han Regular" panose="020B0500000000000000" pitchFamily="34" charset="-128"/>
-                      </a:endParaRPr>
+                      <a:endParaRPr lang="en-US" dirty="0"/>
                     </a:p>
                   </a:txBody>
                   <a:tcPr/>
@@ -3364,10 +3623,7 @@
                     <a:bodyPr/>
                     <a:lstStyle/>
                     <a:p>
-                      <a:endParaRPr lang="en-US">
-                        <a:latin typeface="Adobe Clean Han Regular" panose="020B0500000000000000" pitchFamily="34" charset="-128"/>
-                        <a:ea typeface="Adobe Clean Han Regular" panose="020B0500000000000000" pitchFamily="34" charset="-128"/>
-                      </a:endParaRPr>
+                      <a:endParaRPr lang="en-US"/>
                     </a:p>
                   </a:txBody>
                   <a:tcPr/>
@@ -3404,12 +3660,11 @@
                         <a:tabLst/>
                         <a:defRPr/>
                       </a:pPr>
-                      <a:endParaRPr lang="en-US" sz="800" i="1" dirty="0">
+                      <a:endParaRPr lang="en-US" sz="800" i="1">
                         <a:solidFill>
                           <a:sysClr val="windowText" lastClr="000000"/>
                         </a:solidFill>
-                        <a:latin typeface="Adobe Clean Han Regular" panose="020B0500000000000000" pitchFamily="34" charset="-128"/>
-                        <a:ea typeface="Adobe Clean Han Regular" panose="020B0500000000000000" pitchFamily="34" charset="-128"/>
+                        <a:latin typeface="Adobe Clean Light" panose="020B0303020404020204" pitchFamily="34" charset="0"/>
                       </a:endParaRPr>
                     </a:p>
                   </a:txBody>
@@ -3473,8 +3728,8 @@
                           <a:solidFill>
                             <a:schemeClr val="bg1"/>
                           </a:solidFill>
-                          <a:latin typeface="Adobe Clean Han Regular" panose="020B0500000000000000" pitchFamily="34" charset="-128"/>
-                          <a:ea typeface="Adobe Clean Han Regular" panose="020B0500000000000000" pitchFamily="34" charset="-128"/>
+                          <a:latin typeface="Adobe Clean Han Light" panose="020B0300000000000000" pitchFamily="34" charset="-128"/>
+                          <a:ea typeface="Adobe Clean Han Light" panose="020B0300000000000000" pitchFamily="34" charset="-128"/>
                         </a:rPr>
                         <a:t>有償サポート（$）</a:t>
                       </a:r>
@@ -3596,12 +3851,12 @@
                         </a:spcBef>
                       </a:pPr>
                       <a:r>
-                        <a:rPr lang="ja-JP" sz="900">
+                        <a:rPr lang="ja-JP" sz="900" dirty="0">
                           <a:solidFill>
                             <a:srgbClr val="020302"/>
                           </a:solidFill>
-                          <a:latin typeface="Adobe Clean Han Regular" panose="020B0500000000000000" pitchFamily="34" charset="-128"/>
-                          <a:ea typeface="Adobe Clean Han Regular" panose="020B0500000000000000" pitchFamily="34" charset="-128"/>
+                          <a:latin typeface="Adobe Clean Han Light" panose="020B0300000000000000" pitchFamily="34" charset="-128"/>
+                          <a:ea typeface="Adobe Clean Han Light" panose="020B0300000000000000" pitchFamily="34" charset="-128"/>
                           <a:cs typeface="AdobeClean-Light"/>
                         </a:rPr>
                         <a:t>アカウントサポートリード</a:t>
@@ -3649,8 +3904,7 @@
                         </a:spcBef>
                       </a:pPr>
                       <a:endParaRPr sz="900">
-                        <a:latin typeface="Adobe Clean Han Regular" panose="020B0500000000000000" pitchFamily="34" charset="-128"/>
-                        <a:ea typeface="Adobe Clean Han Regular" panose="020B0500000000000000" pitchFamily="34" charset="-128"/>
+                        <a:latin typeface="Wingdings"/>
                         <a:cs typeface="Wingdings"/>
                       </a:endParaRPr>
                     </a:p>
@@ -3691,12 +3945,12 @@
                         </a:spcBef>
                       </a:pPr>
                       <a:r>
-                        <a:rPr lang="ja-JP" sz="900">
+                        <a:rPr lang="ja-JP" sz="900" dirty="0">
                           <a:solidFill>
                             <a:srgbClr val="020302"/>
                           </a:solidFill>
-                          <a:latin typeface="Adobe Clean Han Regular" panose="020B0500000000000000" pitchFamily="34" charset="-128"/>
-                          <a:ea typeface="Adobe Clean Han Regular" panose="020B0500000000000000" pitchFamily="34" charset="-128"/>
+                          <a:latin typeface="Wingdings"/>
+                          <a:ea typeface="MS Mincho"/>
                           <a:cs typeface="Wingdings"/>
                         </a:rPr>
                         <a:t></a:t>
@@ -3778,12 +4032,12 @@
                         </a:spcBef>
                       </a:pPr>
                       <a:r>
-                        <a:rPr lang="ja-JP" sz="900">
+                        <a:rPr lang="ja-JP" sz="900" dirty="0">
                           <a:solidFill>
                             <a:srgbClr val="020302"/>
                           </a:solidFill>
-                          <a:latin typeface="Adobe Clean Han Regular" panose="020B0500000000000000" pitchFamily="34" charset="-128"/>
-                          <a:ea typeface="Adobe Clean Han Regular" panose="020B0500000000000000" pitchFamily="34" charset="-128"/>
+                          <a:latin typeface="Adobe Clean Han Light" panose="020B0300000000000000" pitchFamily="34" charset="-128"/>
+                          <a:ea typeface="Adobe Clean Han Light" panose="020B0300000000000000" pitchFamily="34" charset="-128"/>
                           <a:cs typeface="AdobeClean-Light"/>
                         </a:rPr>
                         <a:t>専任サポートエンジニア</a:t>
@@ -3815,9 +4069,8 @@
                           <a:spcPct val="100000"/>
                         </a:lnSpc>
                       </a:pPr>
-                      <a:endParaRPr sz="900">
-                        <a:latin typeface="Adobe Clean Han Regular" panose="020B0500000000000000" pitchFamily="34" charset="-128"/>
-                        <a:ea typeface="Adobe Clean Han Regular" panose="020B0500000000000000" pitchFamily="34" charset="-128"/>
+                      <a:endParaRPr sz="900" dirty="0">
+                        <a:latin typeface="Times New Roman"/>
                         <a:cs typeface="Times New Roman"/>
                       </a:endParaRPr>
                     </a:p>
@@ -3846,8 +4099,7 @@
                         </a:lnSpc>
                       </a:pPr>
                       <a:endParaRPr sz="900">
-                        <a:latin typeface="Adobe Clean Han Regular" panose="020B0500000000000000" pitchFamily="34" charset="-128"/>
-                        <a:ea typeface="Adobe Clean Han Regular" panose="020B0500000000000000" pitchFamily="34" charset="-128"/>
+                        <a:latin typeface="Times New Roman"/>
                         <a:cs typeface="Times New Roman"/>
                       </a:endParaRPr>
                     </a:p>
@@ -3934,8 +4186,8 @@
                           <a:solidFill>
                             <a:srgbClr val="020302"/>
                           </a:solidFill>
-                          <a:latin typeface="Adobe Clean Han Regular" panose="020B0500000000000000" pitchFamily="34" charset="-128"/>
-                          <a:ea typeface="Adobe Clean Han Regular" panose="020B0500000000000000" pitchFamily="34" charset="-128"/>
+                          <a:latin typeface="Adobe Clean Han Light" panose="020B0300000000000000" pitchFamily="34" charset="-128"/>
+                          <a:ea typeface="Adobe Clean Han Light" panose="020B0300000000000000" pitchFamily="34" charset="-128"/>
                           <a:cs typeface="AdobeClean-Light"/>
                         </a:rPr>
                         <a:t>テクニカルアカウントマネージャー</a:t>
@@ -3974,8 +4226,7 @@
                         </a:lnSpc>
                       </a:pPr>
                       <a:endParaRPr sz="900">
-                        <a:latin typeface="Adobe Clean Han Regular" panose="020B0500000000000000" pitchFamily="34" charset="-128"/>
-                        <a:ea typeface="Adobe Clean Han Regular" panose="020B0500000000000000" pitchFamily="34" charset="-128"/>
+                        <a:latin typeface="Times New Roman"/>
                         <a:cs typeface="Times New Roman"/>
                       </a:endParaRPr>
                     </a:p>
@@ -4013,8 +4264,7 @@
                         </a:lnSpc>
                       </a:pPr>
                       <a:endParaRPr sz="900">
-                        <a:latin typeface="Adobe Clean Han Regular" panose="020B0500000000000000" pitchFamily="34" charset="-128"/>
-                        <a:ea typeface="Adobe Clean Han Regular" panose="020B0500000000000000" pitchFamily="34" charset="-128"/>
+                        <a:latin typeface="Times New Roman"/>
                         <a:cs typeface="Times New Roman"/>
                       </a:endParaRPr>
                     </a:p>
@@ -4122,12 +4372,12 @@
                         </a:spcBef>
                       </a:pPr>
                       <a:r>
-                        <a:rPr lang="ja-JP" sz="900">
+                        <a:rPr lang="ja-JP" sz="900" dirty="0">
                           <a:solidFill>
                             <a:srgbClr val="020302"/>
                           </a:solidFill>
-                          <a:latin typeface="Adobe Clean Han Regular" panose="020B0500000000000000" pitchFamily="34" charset="-128"/>
-                          <a:ea typeface="Adobe Clean Han Regular" panose="020B0500000000000000" pitchFamily="34" charset="-128"/>
+                          <a:latin typeface="Adobe Clean Han Light" panose="020B0300000000000000" pitchFamily="34" charset="-128"/>
+                          <a:ea typeface="Adobe Clean Han Light" panose="020B0300000000000000" pitchFamily="34" charset="-128"/>
                           <a:cs typeface="AdobeClean-Light"/>
                         </a:rPr>
                         <a:t>オンラインサポート</a:t>
@@ -4169,16 +4419,24 @@
                         </a:spcBef>
                       </a:pPr>
                       <a:r>
-                        <a:rPr lang="ja-JP" sz="900">
+                        <a:rPr lang="ja-JP" altLang="en-US" sz="900" dirty="0">
                           <a:solidFill>
                             <a:srgbClr val="020302"/>
                           </a:solidFill>
-                          <a:latin typeface="Adobe Clean Han Regular" panose="020B0500000000000000" pitchFamily="34" charset="-128"/>
-                          <a:ea typeface="Adobe Clean Han Regular" panose="020B0500000000000000" pitchFamily="34" charset="-128"/>
+                          <a:latin typeface="Adobe Clean Han Light" panose="020B0300000000000000" pitchFamily="34" charset="-128"/>
+                          <a:ea typeface="Adobe Clean Han Light" panose="020B0300000000000000" pitchFamily="34" charset="-128"/>
                           <a:cs typeface="AdobeClean-Light"/>
                         </a:rPr>
-                        <a:t>営業時間</a:t>
+                        <a:t>営業時間内</a:t>
                       </a:r>
+                      <a:endParaRPr lang="ja-JP" sz="900" dirty="0">
+                        <a:solidFill>
+                          <a:srgbClr val="020302"/>
+                        </a:solidFill>
+                        <a:latin typeface="Adobe Clean Han Light" panose="020B0300000000000000" pitchFamily="34" charset="-128"/>
+                        <a:ea typeface="Adobe Clean Han Light" panose="020B0300000000000000" pitchFamily="34" charset="-128"/>
+                        <a:cs typeface="AdobeClean-Light"/>
+                      </a:endParaRPr>
                     </a:p>
                   </a:txBody>
                   <a:tcPr marL="0" marR="0" marT="67945" marB="0">
@@ -4217,16 +4475,24 @@
                         </a:spcBef>
                       </a:pPr>
                       <a:r>
-                        <a:rPr lang="ja-JP" sz="900">
+                        <a:rPr lang="ja-JP" altLang="en-US" sz="900" dirty="0">
                           <a:solidFill>
                             <a:srgbClr val="020302"/>
                           </a:solidFill>
-                          <a:latin typeface="Adobe Clean Han Regular" panose="020B0500000000000000" pitchFamily="34" charset="-128"/>
-                          <a:ea typeface="Adobe Clean Han Regular" panose="020B0500000000000000" pitchFamily="34" charset="-128"/>
+                          <a:latin typeface="Adobe Clean Han Light" panose="020B0300000000000000" pitchFamily="34" charset="-128"/>
+                          <a:ea typeface="Adobe Clean Han Light" panose="020B0300000000000000" pitchFamily="34" charset="-128"/>
                           <a:cs typeface="AdobeClean-Light"/>
                         </a:rPr>
-                        <a:t>営業時間</a:t>
+                        <a:t>営業時間内</a:t>
                       </a:r>
+                      <a:endParaRPr lang="ja-JP" sz="900" dirty="0">
+                        <a:solidFill>
+                          <a:srgbClr val="020302"/>
+                        </a:solidFill>
+                        <a:latin typeface="Adobe Clean Han Light" panose="020B0300000000000000" pitchFamily="34" charset="-128"/>
+                        <a:ea typeface="Adobe Clean Han Light" panose="020B0300000000000000" pitchFamily="34" charset="-128"/>
+                        <a:cs typeface="AdobeClean-Light"/>
+                      </a:endParaRPr>
                     </a:p>
                   </a:txBody>
                   <a:tcPr marL="0" marR="0" marT="67945" marB="0">
@@ -4307,12 +4573,12 @@
                         </a:spcBef>
                       </a:pPr>
                       <a:r>
-                        <a:rPr lang="ja-JP" sz="900">
+                        <a:rPr lang="ja-JP" sz="900" dirty="0">
                           <a:solidFill>
                             <a:srgbClr val="020302"/>
                           </a:solidFill>
-                          <a:latin typeface="Adobe Clean Han Regular" panose="020B0500000000000000" pitchFamily="34" charset="-128"/>
-                          <a:ea typeface="Adobe Clean Han Regular" panose="020B0500000000000000" pitchFamily="34" charset="-128"/>
+                          <a:latin typeface="Adobe Clean Han Light" panose="020B0300000000000000" pitchFamily="34" charset="-128"/>
+                          <a:ea typeface="Adobe Clean Han Light" panose="020B0300000000000000" pitchFamily="34" charset="-128"/>
                           <a:cs typeface="AdobeClean-Light"/>
                         </a:rPr>
                         <a:t>24 時間年中無休の P1 の問題のサポート</a:t>
@@ -4348,12 +4614,12 @@
                         </a:spcBef>
                       </a:pPr>
                       <a:r>
-                        <a:rPr lang="ja-JP" sz="900" dirty="0">
+                        <a:rPr lang="ja-JP" sz="900">
                           <a:solidFill>
                             <a:srgbClr val="020302"/>
                           </a:solidFill>
-                          <a:latin typeface="Adobe Clean Han Regular" panose="020B0500000000000000" pitchFamily="34" charset="-128"/>
-                          <a:ea typeface="Adobe Clean Han Regular" panose="020B0500000000000000" pitchFamily="34" charset="-128"/>
+                          <a:latin typeface="Wingdings"/>
+                          <a:ea typeface="MS Mincho"/>
                           <a:cs typeface="Wingdings"/>
                         </a:rPr>
                         <a:t></a:t>
@@ -4387,12 +4653,12 @@
                         </a:spcBef>
                       </a:pPr>
                       <a:r>
-                        <a:rPr lang="ja-JP" sz="900" dirty="0">
+                        <a:rPr lang="ja-JP" sz="900">
                           <a:solidFill>
                             <a:srgbClr val="020302"/>
                           </a:solidFill>
-                          <a:latin typeface="Adobe Clean Han Regular" panose="020B0500000000000000" pitchFamily="34" charset="-128"/>
-                          <a:ea typeface="Adobe Clean Han Regular" panose="020B0500000000000000" pitchFamily="34" charset="-128"/>
+                          <a:latin typeface="Wingdings"/>
+                          <a:ea typeface="MS Mincho"/>
                           <a:cs typeface="Wingdings"/>
                         </a:rPr>
                         <a:t></a:t>
@@ -4481,8 +4747,8 @@
                           <a:solidFill>
                             <a:srgbClr val="020302"/>
                           </a:solidFill>
-                          <a:latin typeface="Adobe Clean Han Regular" panose="020B0500000000000000" pitchFamily="34" charset="-128"/>
-                          <a:ea typeface="Adobe Clean Han Regular" panose="020B0500000000000000" pitchFamily="34" charset="-128"/>
+                          <a:latin typeface="Adobe Clean Han Light" panose="020B0300000000000000" pitchFamily="34" charset="-128"/>
+                          <a:ea typeface="Adobe Clean Han Light" panose="020B0300000000000000" pitchFamily="34" charset="-128"/>
                           <a:cs typeface="AdobeClean-Light"/>
                         </a:rPr>
                         <a:t>サポート対象ユーザー（製品単位）</a:t>
@@ -4524,12 +4790,12 @@
                         </a:spcBef>
                       </a:pPr>
                       <a:r>
-                        <a:rPr lang="ja-JP" sz="900">
+                        <a:rPr lang="ja-JP" sz="900" dirty="0">
                           <a:solidFill>
                             <a:srgbClr val="020302"/>
                           </a:solidFill>
-                          <a:latin typeface="Adobe Clean Han Regular" panose="020B0500000000000000" pitchFamily="34" charset="-128"/>
-                          <a:ea typeface="Adobe Clean Han Regular" panose="020B0500000000000000" pitchFamily="34" charset="-128"/>
+                          <a:latin typeface="Adobe Clean Han Light" panose="020B0300000000000000" pitchFamily="34" charset="-128"/>
+                          <a:ea typeface="Adobe Clean Han Light" panose="020B0300000000000000" pitchFamily="34" charset="-128"/>
                           <a:cs typeface="AdobeClean-Light"/>
                         </a:rPr>
                         <a:t>4</a:t>
@@ -4563,12 +4829,12 @@
                         </a:spcBef>
                       </a:pPr>
                       <a:r>
-                        <a:rPr lang="ja-JP" sz="900">
+                        <a:rPr lang="ja-JP" sz="900" dirty="0">
                           <a:solidFill>
                             <a:srgbClr val="020302"/>
                           </a:solidFill>
-                          <a:latin typeface="Adobe Clean Han Regular" panose="020B0500000000000000" pitchFamily="34" charset="-128"/>
-                          <a:ea typeface="Adobe Clean Han Regular" panose="020B0500000000000000" pitchFamily="34" charset="-128"/>
+                          <a:latin typeface="Adobe Clean Han Light" panose="020B0300000000000000" pitchFamily="34" charset="-128"/>
+                          <a:ea typeface="Adobe Clean Han Light" panose="020B0300000000000000" pitchFamily="34" charset="-128"/>
                           <a:cs typeface="AdobeClean-Light"/>
                         </a:rPr>
                         <a:t>6</a:t>
@@ -4644,12 +4910,12 @@
                         </a:spcBef>
                       </a:pPr>
                       <a:r>
-                        <a:rPr lang="ja-JP" sz="900">
+                        <a:rPr lang="ja-JP" sz="900" dirty="0">
                           <a:solidFill>
                             <a:srgbClr val="020302"/>
                           </a:solidFill>
-                          <a:latin typeface="Adobe Clean Han Regular" panose="020B0500000000000000" pitchFamily="34" charset="-128"/>
-                          <a:ea typeface="Adobe Clean Han Regular" panose="020B0500000000000000" pitchFamily="34" charset="-128"/>
+                          <a:latin typeface="Adobe Clean Han Light" panose="020B0300000000000000" pitchFamily="34" charset="-128"/>
+                          <a:ea typeface="Adobe Clean Han Light" panose="020B0300000000000000" pitchFamily="34" charset="-128"/>
                           <a:cs typeface="AdobeClean-Light"/>
                         </a:rPr>
                         <a:t>電話サポート（ライブ）</a:t>
@@ -4685,8 +4951,7 @@
                         </a:spcBef>
                       </a:pPr>
                       <a:endParaRPr sz="900">
-                        <a:latin typeface="Adobe Clean Han Regular" panose="020B0500000000000000" pitchFamily="34" charset="-128"/>
-                        <a:ea typeface="Adobe Clean Han Regular" panose="020B0500000000000000" pitchFamily="34" charset="-128"/>
+                        <a:latin typeface="Wingdings"/>
                         <a:cs typeface="Wingdings"/>
                       </a:endParaRPr>
                     </a:p>
@@ -4722,8 +4987,8 @@
                           <a:solidFill>
                             <a:srgbClr val="020302"/>
                           </a:solidFill>
-                          <a:latin typeface="Adobe Clean Han Regular" panose="020B0500000000000000" pitchFamily="34" charset="-128"/>
-                          <a:ea typeface="Adobe Clean Han Regular" panose="020B0500000000000000" pitchFamily="34" charset="-128"/>
+                          <a:latin typeface="Wingdings"/>
+                          <a:ea typeface="MS Mincho"/>
                           <a:cs typeface="Wingdings"/>
                         </a:rPr>
                         <a:t></a:t>
@@ -4799,12 +5064,12 @@
                         </a:spcBef>
                       </a:pPr>
                       <a:r>
-                        <a:rPr lang="ja-JP" sz="900" dirty="0">
+                        <a:rPr lang="ja-JP" sz="900">
                           <a:solidFill>
                             <a:srgbClr val="020302"/>
                           </a:solidFill>
-                          <a:latin typeface="Adobe Clean Han Regular" panose="020B0500000000000000" pitchFamily="34" charset="-128"/>
-                          <a:ea typeface="Adobe Clean Han Regular" panose="020B0500000000000000" pitchFamily="34" charset="-128"/>
+                          <a:latin typeface="Adobe Clean Han Light" panose="020B0300000000000000" pitchFamily="34" charset="-128"/>
+                          <a:ea typeface="Adobe Clean Han Light" panose="020B0300000000000000" pitchFamily="34" charset="-128"/>
                           <a:cs typeface="AdobeClean-Light"/>
                         </a:rPr>
                         <a:t>エスカレーション管理</a:t>
@@ -4840,8 +5105,7 @@
                         </a:spcBef>
                       </a:pPr>
                       <a:endParaRPr sz="900">
-                        <a:latin typeface="Adobe Clean Han Regular" panose="020B0500000000000000" pitchFamily="34" charset="-128"/>
-                        <a:ea typeface="Adobe Clean Han Regular" panose="020B0500000000000000" pitchFamily="34" charset="-128"/>
+                        <a:latin typeface="Wingdings"/>
                         <a:cs typeface="Wingdings"/>
                       </a:endParaRPr>
                     </a:p>
@@ -4877,8 +5141,8 @@
                           <a:solidFill>
                             <a:srgbClr val="020302"/>
                           </a:solidFill>
-                          <a:latin typeface="Adobe Clean Han Regular" panose="020B0500000000000000" pitchFamily="34" charset="-128"/>
-                          <a:ea typeface="Adobe Clean Han Regular" panose="020B0500000000000000" pitchFamily="34" charset="-128"/>
+                          <a:latin typeface="Wingdings"/>
+                          <a:ea typeface="MS Mincho"/>
                           <a:cs typeface="Wingdings"/>
                         </a:rPr>
                         <a:t></a:t>
@@ -4954,12 +5218,12 @@
                         </a:spcBef>
                       </a:pPr>
                       <a:r>
-                        <a:rPr lang="ja-JP" sz="900">
+                        <a:rPr lang="ja-JP" sz="900" dirty="0">
                           <a:solidFill>
                             <a:srgbClr val="020302"/>
                           </a:solidFill>
-                          <a:latin typeface="Adobe Clean Han Regular" panose="020B0500000000000000" pitchFamily="34" charset="-128"/>
-                          <a:ea typeface="Adobe Clean Han Regular" panose="020B0500000000000000" pitchFamily="34" charset="-128"/>
+                          <a:latin typeface="Adobe Clean Han Light" panose="020B0300000000000000" pitchFamily="34" charset="-128"/>
+                          <a:ea typeface="Adobe Clean Han Light" panose="020B0300000000000000" pitchFamily="34" charset="-128"/>
                           <a:cs typeface="AdobeClean-Light"/>
                         </a:rPr>
                         <a:t>年間のサービスレビュー</a:t>
@@ -4991,9 +5255,8 @@
                           <a:spcPct val="100000"/>
                         </a:lnSpc>
                       </a:pPr>
-                      <a:endParaRPr sz="900">
-                        <a:latin typeface="Adobe Clean Han Regular" panose="020B0500000000000000" pitchFamily="34" charset="-128"/>
-                        <a:ea typeface="Adobe Clean Han Regular" panose="020B0500000000000000" pitchFamily="34" charset="-128"/>
+                      <a:endParaRPr sz="900" dirty="0">
+                        <a:latin typeface="Times New Roman"/>
                         <a:cs typeface="Times New Roman"/>
                       </a:endParaRPr>
                     </a:p>
@@ -5021,9 +5284,8 @@
                           <a:spcPct val="100000"/>
                         </a:lnSpc>
                       </a:pPr>
-                      <a:endParaRPr sz="900" dirty="0">
-                        <a:latin typeface="Adobe Clean Han Regular" panose="020B0500000000000000" pitchFamily="34" charset="-128"/>
-                        <a:ea typeface="Adobe Clean Han Regular" panose="020B0500000000000000" pitchFamily="34" charset="-128"/>
+                      <a:endParaRPr sz="900">
+                        <a:latin typeface="Times New Roman"/>
                         <a:cs typeface="Times New Roman"/>
                       </a:endParaRPr>
                     </a:p>
@@ -5068,8 +5330,8 @@
                       </a:pPr>
                       <a:r>
                         <a:rPr lang="ja-JP" sz="900" dirty="0">
-                          <a:latin typeface="Adobe Clean Han Regular" panose="020B0500000000000000" pitchFamily="34" charset="-128"/>
-                          <a:ea typeface="Adobe Clean Han Regular" panose="020B0500000000000000" pitchFamily="34" charset="-128"/>
+                          <a:latin typeface="Adobe Clean Han Light" panose="020B0300000000000000" pitchFamily="34" charset="-128"/>
+                          <a:ea typeface="Adobe Clean Han Light" panose="020B0300000000000000" pitchFamily="34" charset="-128"/>
                           <a:cs typeface="AdobeClean-Light"/>
                         </a:rPr>
                         <a:t>年間のエキスパートセッション</a:t>
@@ -5108,8 +5370,7 @@
                         </a:lnSpc>
                       </a:pPr>
                       <a:endParaRPr sz="900">
-                        <a:latin typeface="Adobe Clean Han Regular" panose="020B0500000000000000" pitchFamily="34" charset="-128"/>
-                        <a:ea typeface="Adobe Clean Han Regular" panose="020B0500000000000000" pitchFamily="34" charset="-128"/>
+                        <a:latin typeface="Times New Roman"/>
                         <a:cs typeface="Times New Roman"/>
                       </a:endParaRPr>
                     </a:p>
@@ -5138,8 +5399,7 @@
                         </a:lnSpc>
                       </a:pPr>
                       <a:endParaRPr sz="900">
-                        <a:latin typeface="Adobe Clean Han Regular" panose="020B0500000000000000" pitchFamily="34" charset="-128"/>
-                        <a:ea typeface="Adobe Clean Han Regular" panose="020B0500000000000000" pitchFamily="34" charset="-128"/>
+                        <a:latin typeface="Times New Roman"/>
                         <a:cs typeface="Times New Roman"/>
                       </a:endParaRPr>
                     </a:p>
@@ -5184,8 +5444,8 @@
                       </a:pPr>
                       <a:r>
                         <a:rPr lang="ja-JP" sz="900" dirty="0">
-                          <a:latin typeface="Adobe Clean Han Regular" panose="020B0500000000000000" pitchFamily="34" charset="-128"/>
-                          <a:ea typeface="Adobe Clean Han Regular" panose="020B0500000000000000" pitchFamily="34" charset="-128"/>
+                          <a:latin typeface="Adobe Clean Han Light" panose="020B0300000000000000" pitchFamily="34" charset="-128"/>
+                          <a:ea typeface="Adobe Clean Han Light" panose="020B0300000000000000" pitchFamily="34" charset="-128"/>
                           <a:cs typeface="AdobeClean-Light"/>
                         </a:rPr>
                         <a:t>ケースレビュー</a:t>
@@ -5224,8 +5484,7 @@
                         </a:lnSpc>
                       </a:pPr>
                       <a:endParaRPr sz="900">
-                        <a:latin typeface="Adobe Clean Han Regular" panose="020B0500000000000000" pitchFamily="34" charset="-128"/>
-                        <a:ea typeface="Adobe Clean Han Regular" panose="020B0500000000000000" pitchFamily="34" charset="-128"/>
+                        <a:latin typeface="Times New Roman"/>
                         <a:cs typeface="Times New Roman"/>
                       </a:endParaRPr>
                     </a:p>
@@ -5254,8 +5513,7 @@
                         </a:lnSpc>
                       </a:pPr>
                       <a:endParaRPr sz="900">
-                        <a:latin typeface="Adobe Clean Han Regular" panose="020B0500000000000000" pitchFamily="34" charset="-128"/>
-                        <a:ea typeface="Adobe Clean Han Regular" panose="020B0500000000000000" pitchFamily="34" charset="-128"/>
+                        <a:latin typeface="Times New Roman"/>
                         <a:cs typeface="Times New Roman"/>
                       </a:endParaRPr>
                     </a:p>
@@ -5342,8 +5600,8 @@
                           <a:solidFill>
                             <a:srgbClr val="020302"/>
                           </a:solidFill>
-                          <a:latin typeface="Adobe Clean Han Regular" panose="020B0500000000000000" pitchFamily="34" charset="-128"/>
-                          <a:ea typeface="Adobe Clean Han Regular" panose="020B0500000000000000" pitchFamily="34" charset="-128"/>
+                          <a:latin typeface="Adobe Clean Han Light" panose="020B0300000000000000" pitchFamily="34" charset="-128"/>
+                          <a:ea typeface="Adobe Clean Han Light" panose="020B0300000000000000" pitchFamily="34" charset="-128"/>
                           <a:cs typeface="AdobeClean-Light"/>
                         </a:rPr>
                         <a:t>イベント管理</a:t>
@@ -5382,8 +5640,7 @@
                         </a:lnSpc>
                       </a:pPr>
                       <a:endParaRPr sz="900">
-                        <a:latin typeface="Adobe Clean Han Regular" panose="020B0500000000000000" pitchFamily="34" charset="-128"/>
-                        <a:ea typeface="Adobe Clean Han Regular" panose="020B0500000000000000" pitchFamily="34" charset="-128"/>
+                        <a:latin typeface="Times New Roman"/>
                         <a:cs typeface="Times New Roman"/>
                       </a:endParaRPr>
                     </a:p>
@@ -5412,8 +5669,7 @@
                         </a:lnSpc>
                       </a:pPr>
                       <a:endParaRPr sz="900">
-                        <a:latin typeface="Adobe Clean Han Regular" panose="020B0500000000000000" pitchFamily="34" charset="-128"/>
-                        <a:ea typeface="Adobe Clean Han Regular" panose="020B0500000000000000" pitchFamily="34" charset="-128"/>
+                        <a:latin typeface="Times New Roman"/>
                         <a:cs typeface="Times New Roman"/>
                       </a:endParaRPr>
                     </a:p>
@@ -5491,8 +5747,8 @@
                           <a:solidFill>
                             <a:srgbClr val="020302"/>
                           </a:solidFill>
-                          <a:latin typeface="Adobe Clean Han Regular" panose="020B0500000000000000" pitchFamily="34" charset="-128"/>
-                          <a:ea typeface="Adobe Clean Han Regular" panose="020B0500000000000000" pitchFamily="34" charset="-128"/>
+                          <a:latin typeface="Adobe Clean Han Light" panose="020B0300000000000000" pitchFamily="34" charset="-128"/>
+                          <a:ea typeface="Adobe Clean Han Light" panose="020B0300000000000000" pitchFamily="34" charset="-128"/>
                           <a:cs typeface="AdobeClean-Light"/>
                         </a:rPr>
                         <a:t>環境レビュー、メンテナンスと監視</a:t>
@@ -5525,8 +5781,7 @@
                         </a:lnSpc>
                       </a:pPr>
                       <a:endParaRPr sz="900">
-                        <a:latin typeface="Adobe Clean Han Regular" panose="020B0500000000000000" pitchFamily="34" charset="-128"/>
-                        <a:ea typeface="Adobe Clean Han Regular" panose="020B0500000000000000" pitchFamily="34" charset="-128"/>
+                        <a:latin typeface="Times New Roman"/>
                         <a:cs typeface="Times New Roman"/>
                       </a:endParaRPr>
                     </a:p>
@@ -5555,8 +5810,7 @@
                         </a:lnSpc>
                       </a:pPr>
                       <a:endParaRPr sz="900">
-                        <a:latin typeface="Adobe Clean Han Regular" panose="020B0500000000000000" pitchFamily="34" charset="-128"/>
-                        <a:ea typeface="Adobe Clean Han Regular" panose="020B0500000000000000" pitchFamily="34" charset="-128"/>
+                        <a:latin typeface="Times New Roman"/>
                         <a:cs typeface="Times New Roman"/>
                       </a:endParaRPr>
                     </a:p>
@@ -5634,8 +5888,8 @@
                           <a:solidFill>
                             <a:srgbClr val="020302"/>
                           </a:solidFill>
-                          <a:latin typeface="Adobe Clean Han Regular" panose="020B0500000000000000" pitchFamily="34" charset="-128"/>
-                          <a:ea typeface="Adobe Clean Han Regular" panose="020B0500000000000000" pitchFamily="34" charset="-128"/>
+                          <a:latin typeface="Adobe Clean Han Light" panose="020B0300000000000000" pitchFamily="34" charset="-128"/>
+                          <a:ea typeface="Adobe Clean Han Light" panose="020B0300000000000000" pitchFamily="34" charset="-128"/>
                           <a:cs typeface="AdobeClean-Light"/>
                         </a:rPr>
                         <a:t>リリース、移行、アップグレード、製品ロードマップのレビュー</a:t>
@@ -5668,8 +5922,7 @@
                         </a:lnSpc>
                       </a:pPr>
                       <a:endParaRPr sz="900">
-                        <a:latin typeface="Adobe Clean Han Regular" panose="020B0500000000000000" pitchFamily="34" charset="-128"/>
-                        <a:ea typeface="Adobe Clean Han Regular" panose="020B0500000000000000" pitchFamily="34" charset="-128"/>
+                        <a:latin typeface="Times New Roman"/>
                         <a:cs typeface="Times New Roman"/>
                       </a:endParaRPr>
                     </a:p>
@@ -5698,8 +5951,7 @@
                         </a:lnSpc>
                       </a:pPr>
                       <a:endParaRPr sz="900">
-                        <a:latin typeface="Adobe Clean Han Regular" panose="020B0500000000000000" pitchFamily="34" charset="-128"/>
-                        <a:ea typeface="Adobe Clean Han Regular" panose="020B0500000000000000" pitchFamily="34" charset="-128"/>
+                        <a:latin typeface="Times New Roman"/>
                         <a:cs typeface="Times New Roman"/>
                       </a:endParaRPr>
                     </a:p>
@@ -5783,26 +6035,11 @@
                       </a:pPr>
                       <a:r>
                         <a:rPr lang="ja-JP" sz="900" dirty="0">
-                          <a:latin typeface="Adobe Clean Han Regular" panose="020B0500000000000000" pitchFamily="34" charset="-128"/>
-                          <a:ea typeface="Adobe Clean Han Regular" panose="020B0500000000000000" pitchFamily="34" charset="-128"/>
+                          <a:latin typeface="Adobe Clean Han Light" panose="020B0300000000000000" pitchFamily="34" charset="-128"/>
+                          <a:ea typeface="Adobe Clean Han Light" panose="020B0300000000000000" pitchFamily="34" charset="-128"/>
                           <a:cs typeface="AdobeClean-Light"/>
                         </a:rPr>
-                        <a:t>クラウドサポートアクティビティ – </a:t>
-                      </a:r>
-                      <a:br>
-                        <a:rPr lang="sk-SK" altLang="ja-JP" sz="900" dirty="0">
-                          <a:latin typeface="Adobe Clean Han Regular" panose="020B0500000000000000" pitchFamily="34" charset="-128"/>
-                          <a:ea typeface="Adobe Clean Han Regular" panose="020B0500000000000000" pitchFamily="34" charset="-128"/>
-                          <a:cs typeface="AdobeClean-Light"/>
-                        </a:rPr>
-                      </a:br>
-                      <a:r>
-                        <a:rPr lang="ja-JP" sz="900" dirty="0">
-                          <a:latin typeface="Adobe Clean Han Regular" panose="020B0500000000000000" pitchFamily="34" charset="-128"/>
-                          <a:ea typeface="Adobe Clean Han Regular" panose="020B0500000000000000" pitchFamily="34" charset="-128"/>
-                          <a:cs typeface="AdobeClean-Light"/>
-                        </a:rPr>
-                        <a:t>Experience Manager as Cloud</a:t>
+                        <a:t>クラウドサポートアクティビティ – Experience Manager as Cloud</a:t>
                       </a:r>
                     </a:p>
                   </a:txBody>
@@ -5838,8 +6075,7 @@
                         </a:lnSpc>
                       </a:pPr>
                       <a:endParaRPr sz="900">
-                        <a:latin typeface="Adobe Clean Han Regular" panose="020B0500000000000000" pitchFamily="34" charset="-128"/>
-                        <a:ea typeface="Adobe Clean Han Regular" panose="020B0500000000000000" pitchFamily="34" charset="-128"/>
+                        <a:latin typeface="Times New Roman"/>
                         <a:cs typeface="Times New Roman"/>
                       </a:endParaRPr>
                     </a:p>
@@ -5877,8 +6113,7 @@
                         </a:lnSpc>
                       </a:pPr>
                       <a:endParaRPr sz="900">
-                        <a:latin typeface="Adobe Clean Han Regular" panose="020B0500000000000000" pitchFamily="34" charset="-128"/>
-                        <a:ea typeface="Adobe Clean Han Regular" panose="020B0500000000000000" pitchFamily="34" charset="-128"/>
+                        <a:latin typeface="Times New Roman"/>
                         <a:cs typeface="Times New Roman"/>
                       </a:endParaRPr>
                     </a:p>
@@ -5983,12 +6218,12 @@
                         </a:spcBef>
                       </a:pPr>
                       <a:r>
-                        <a:rPr lang="ja-JP" sz="900">
+                        <a:rPr lang="ja-JP" sz="900" dirty="0">
                           <a:solidFill>
                             <a:srgbClr val="020302"/>
                           </a:solidFill>
-                          <a:latin typeface="Adobe Clean Han Regular" panose="020B0500000000000000" pitchFamily="34" charset="-128"/>
-                          <a:ea typeface="Adobe Clean Han Regular" panose="020B0500000000000000" pitchFamily="34" charset="-128"/>
+                          <a:latin typeface="Adobe Clean Han Light" panose="020B0300000000000000" pitchFamily="34" charset="-128"/>
+                          <a:ea typeface="Adobe Clean Han Light" panose="020B0300000000000000" pitchFamily="34" charset="-128"/>
                           <a:cs typeface="AdobeClean-Light"/>
                         </a:rPr>
                         <a:t>Launch Advisory サービス – 製品導入の初年度</a:t>
@@ -6004,9 +6239,9 @@
                         </a:spcBef>
                       </a:pPr>
                       <a:r>
-                        <a:rPr lang="ja-JP" sz="900">
-                          <a:latin typeface="Adobe Clean Han Regular" panose="020B0500000000000000" pitchFamily="34" charset="-128"/>
-                          <a:ea typeface="Adobe Clean Han Regular" panose="020B0500000000000000" pitchFamily="34" charset="-128"/>
+                        <a:rPr lang="ja-JP" sz="900" dirty="0">
+                          <a:latin typeface="Adobe Clean Han Light" panose="020B0300000000000000" pitchFamily="34" charset="-128"/>
+                          <a:ea typeface="Adobe Clean Han Light" panose="020B0300000000000000" pitchFamily="34" charset="-128"/>
                           <a:cs typeface="AdobeClean-Light"/>
                         </a:rPr>
                         <a:t>フィールドサービスアクティビティ </a:t>
@@ -6051,8 +6286,7 @@
                         </a:lnSpc>
                       </a:pPr>
                       <a:endParaRPr sz="900">
-                        <a:latin typeface="Adobe Clean Han Regular" panose="020B0500000000000000" pitchFamily="34" charset="-128"/>
-                        <a:ea typeface="Adobe Clean Han Regular" panose="020B0500000000000000" pitchFamily="34" charset="-128"/>
+                        <a:latin typeface="Times New Roman"/>
                         <a:cs typeface="Times New Roman"/>
                       </a:endParaRPr>
                     </a:p>
@@ -6090,8 +6324,7 @@
                         </a:lnSpc>
                       </a:pPr>
                       <a:endParaRPr sz="900">
-                        <a:latin typeface="Adobe Clean Han Regular" panose="020B0500000000000000" pitchFamily="34" charset="-128"/>
-                        <a:ea typeface="Adobe Clean Han Regular" panose="020B0500000000000000" pitchFamily="34" charset="-128"/>
+                        <a:latin typeface="Times New Roman"/>
                         <a:cs typeface="Times New Roman"/>
                       </a:endParaRPr>
                     </a:p>
@@ -6176,8 +6409,7 @@
                         </a:lnSpc>
                       </a:pPr>
                       <a:endParaRPr sz="900">
-                        <a:latin typeface="Adobe Clean Han Regular" panose="020B0500000000000000" pitchFamily="34" charset="-128"/>
-                        <a:ea typeface="Adobe Clean Han Regular" panose="020B0500000000000000" pitchFamily="34" charset="-128"/>
+                        <a:latin typeface="Times New Roman"/>
                         <a:cs typeface="Times New Roman"/>
                       </a:endParaRPr>
                     </a:p>
@@ -6203,8 +6435,7 @@
                         </a:lnSpc>
                       </a:pPr>
                       <a:endParaRPr sz="900" dirty="0">
-                        <a:latin typeface="Adobe Clean Han Regular" panose="020B0500000000000000" pitchFamily="34" charset="-128"/>
-                        <a:ea typeface="Adobe Clean Han Regular" panose="020B0500000000000000" pitchFamily="34" charset="-128"/>
+                        <a:latin typeface="Times New Roman"/>
                         <a:cs typeface="Times New Roman"/>
                       </a:endParaRPr>
                     </a:p>
@@ -6262,12 +6493,10 @@
           <a:lstStyle/>
           <a:p>
             <a:r>
-              <a:rPr lang="ja-JP" sz="700" i="1" dirty="0">
+              <a:rPr lang="ja-JP" sz="700" i="1">
                 <a:solidFill>
                   <a:schemeClr val="bg1"/>
                 </a:solidFill>
-                <a:latin typeface="Adobe Clean Han Regular" panose="020B0500000000000000" pitchFamily="34" charset="-128"/>
-                <a:ea typeface="Adobe Clean Han Regular" panose="020B0500000000000000" pitchFamily="34" charset="-128"/>
               </a:rPr>
               <a:t>Adobe Experience Cloud</a:t>
             </a:r>
@@ -6307,10 +6536,10 @@
         </p:nvGrpSpPr>
         <p:grpSpPr>
           <a:xfrm rot="5400000">
-            <a:off x="1339850" y="-1393467"/>
-            <a:ext cx="5198897" cy="7971002"/>
-            <a:chOff x="180403" y="415099"/>
-            <a:chExt cx="3479165" cy="7679055"/>
+            <a:off x="1380879" y="-1392301"/>
+            <a:ext cx="5142152" cy="7931849"/>
+            <a:chOff x="187070" y="421767"/>
+            <a:chExt cx="3441191" cy="7641336"/>
           </a:xfrm>
         </p:grpSpPr>
         <p:sp>
@@ -6321,7 +6550,7 @@
           </p:nvSpPr>
           <p:spPr>
             <a:xfrm>
-              <a:off x="3628262" y="576453"/>
+              <a:off x="3628261" y="576453"/>
               <a:ext cx="0" cy="7486650"/>
             </a:xfrm>
             <a:custGeom>
@@ -6351,10 +6580,7 @@
             <a:bodyPr wrap="square" lIns="0" tIns="0" rIns="0" bIns="0" rtlCol="0"/>
             <a:lstStyle/>
             <a:p>
-              <a:endParaRPr>
-                <a:latin typeface="Adobe Clean Han Regular" panose="020B0500000000000000" pitchFamily="34" charset="-128"/>
-                <a:ea typeface="Adobe Clean Han Regular" panose="020B0500000000000000" pitchFamily="34" charset="-128"/>
-              </a:endParaRPr>
+              <a:endParaRPr/>
             </a:p>
           </p:txBody>
         </p:sp>
@@ -6406,10 +6632,7 @@
             <a:bodyPr wrap="square" lIns="0" tIns="0" rIns="0" bIns="0" rtlCol="0"/>
             <a:lstStyle/>
             <a:p>
-              <a:endParaRPr>
-                <a:latin typeface="Adobe Clean Han Regular" panose="020B0500000000000000" pitchFamily="34" charset="-128"/>
-                <a:ea typeface="Adobe Clean Han Regular" panose="020B0500000000000000" pitchFamily="34" charset="-128"/>
-              </a:endParaRPr>
+              <a:endParaRPr/>
             </a:p>
           </p:txBody>
         </p:sp>
@@ -6439,10 +6662,7 @@
           <a:bodyPr wrap="square" lIns="0" tIns="0" rIns="0" bIns="0" rtlCol="0"/>
           <a:lstStyle/>
           <a:p>
-            <a:endParaRPr>
-              <a:latin typeface="Adobe Clean Han Regular" panose="020B0500000000000000" pitchFamily="34" charset="-128"/>
-              <a:ea typeface="Adobe Clean Han Regular" panose="020B0500000000000000" pitchFamily="34" charset="-128"/>
-            </a:endParaRPr>
+            <a:endParaRPr/>
           </a:p>
         </p:txBody>
       </p:sp>
@@ -6455,7 +6675,7 @@
         <p:spPr>
           <a:xfrm>
             <a:off x="370040" y="1409311"/>
-            <a:ext cx="2286000" cy="1637051"/>
+            <a:ext cx="2286000" cy="1639167"/>
           </a:xfrm>
           <a:prstGeom prst="rect">
             <a:avLst/>
@@ -6480,8 +6700,8 @@
                 <a:solidFill>
                   <a:srgbClr val="000000"/>
                 </a:solidFill>
-                <a:latin typeface="Adobe Clean Han Regular" panose="020B0500000000000000" pitchFamily="34" charset="-128"/>
-                <a:ea typeface="Adobe Clean Han Regular" panose="020B0500000000000000" pitchFamily="34" charset="-128"/>
+                <a:latin typeface="Adobe Clean Han Light" panose="020B0300000000000000" pitchFamily="34" charset="-128"/>
+                <a:ea typeface="Adobe Clean Han Light" panose="020B0300000000000000" pitchFamily="34" charset="-128"/>
               </a:rPr>
               <a:t>専任アカウントサポートリードは、プロアクティブにケースを監視し、チーム間のコラボレーションを促進します。また、オンボーディングウェビナーの提供や、サービスレポートの実行、技術面以外でのサポートを行います。お客様のエスカレーションポイントおよびアドビサポートの社内担当としての役割を果たします。</a:t>
             </a:r>
@@ -6496,15 +6716,15 @@
         </p:nvSpPr>
         <p:spPr>
           <a:xfrm>
-            <a:off x="2836967" y="8618616"/>
-            <a:ext cx="2286000" cy="795089"/>
+            <a:off x="2836966" y="8504316"/>
+            <a:ext cx="2314153" cy="1084912"/>
           </a:xfrm>
           <a:prstGeom prst="rect">
             <a:avLst/>
           </a:prstGeom>
         </p:spPr>
         <p:txBody>
-          <a:bodyPr vert="horz" wrap="square" lIns="0" tIns="12700" rIns="0" bIns="0" rtlCol="0">
+          <a:bodyPr vert="horz" wrap="square" lIns="0" tIns="12700" rIns="0" bIns="0" rtlCol="0" anchor="t">
             <a:spAutoFit/>
           </a:bodyPr>
           <a:lstStyle/>
@@ -6525,8 +6745,8 @@
                 <a:solidFill>
                   <a:srgbClr val="020302"/>
                 </a:solidFill>
-                <a:latin typeface="Adobe Clean Han Regular" panose="020B0500000000000000" pitchFamily="34" charset="-128"/>
-                <a:ea typeface="Adobe Clean Han Regular" panose="020B0500000000000000" pitchFamily="34" charset="-128"/>
+                <a:latin typeface="Adobe Clean Han Light" panose="020B0300000000000000" pitchFamily="34" charset="-128"/>
+                <a:ea typeface="Adobe Clean Han Light" panose="020B0300000000000000" pitchFamily="34" charset="-128"/>
                 <a:cs typeface="AdobeClean-Light"/>
               </a:rPr>
               <a:t>チャットセッションを開始すると、回答やケース申請による支援を受けることができます。</a:t>
@@ -6534,9 +6754,6 @@
           </a:p>
           <a:p>
             <a:pPr marL="33020" marR="159385">
-              <a:lnSpc>
-                <a:spcPct val="100000"/>
-              </a:lnSpc>
               <a:spcBef>
                 <a:spcPts val="100"/>
               </a:spcBef>
@@ -6549,8 +6766,8 @@
                 <a:solidFill>
                   <a:srgbClr val="7A7A7A"/>
                 </a:solidFill>
-                <a:latin typeface="Adobe Clean Han Regular" panose="020B0500000000000000" pitchFamily="34" charset="-128"/>
-                <a:ea typeface="Adobe Clean Han Regular" panose="020B0500000000000000" pitchFamily="34" charset="-128"/>
+                <a:latin typeface="Adobe Clean Han Light" panose="020B0300000000000000" pitchFamily="34" charset="-128"/>
+                <a:ea typeface="Adobe Clean Han Light" panose="020B0300000000000000" pitchFamily="34" charset="-128"/>
                 <a:cs typeface="AdobeClean-LightIt"/>
               </a:rPr>
               <a:t>* すべての製品にライブチャットサポートがあるわけではありません</a:t>
@@ -6560,11 +6777,51 @@
                 <a:solidFill>
                   <a:srgbClr val="7A7A7A"/>
                 </a:solidFill>
-                <a:latin typeface="Adobe Clean Han Regular" panose="020B0500000000000000" pitchFamily="34" charset="-128"/>
-                <a:ea typeface="Adobe Clean Han Regular" panose="020B0500000000000000" pitchFamily="34" charset="-128"/>
+                <a:latin typeface="Adobe Clean Han Light" panose="020B0300000000000000" pitchFamily="34" charset="-128"/>
+                <a:ea typeface="Adobe Clean Han Light" panose="020B0300000000000000" pitchFamily="34" charset="-128"/>
                 <a:cs typeface="AdobeClean-LightIt"/>
               </a:rPr>
-              <a:t>。  </a:t>
+              <a:t>。</a:t>
+            </a:r>
+            <a:endParaRPr lang="en-US" altLang="ja-JP" sz="900" i="1" dirty="0">
+              <a:solidFill>
+                <a:srgbClr val="7A7A7A"/>
+              </a:solidFill>
+              <a:latin typeface="Adobe Clean Han Light" panose="020B0300000000000000" pitchFamily="34" charset="-128"/>
+              <a:ea typeface="Adobe Clean Han Light" panose="020B0300000000000000" pitchFamily="34" charset="-128"/>
+              <a:cs typeface="AdobeClean-LightIt"/>
+            </a:endParaRPr>
+          </a:p>
+          <a:p>
+            <a:pPr marL="33020" marR="159385">
+              <a:spcBef>
+                <a:spcPts val="100"/>
+              </a:spcBef>
+              <a:tabLst>
+                <a:tab pos="1786889" algn="l"/>
+              </a:tabLst>
+            </a:pPr>
+            <a:r>
+              <a:rPr lang="ja-JP" altLang="en-US" sz="900" i="1" dirty="0">
+                <a:solidFill>
+                  <a:srgbClr val="7A7A7A"/>
+                </a:solidFill>
+                <a:latin typeface="Adobe Clean Han Light" panose="020B0300000000000000" pitchFamily="34" charset="-128"/>
+                <a:ea typeface="Adobe Clean Han Light" panose="020B0300000000000000" pitchFamily="34" charset="-128"/>
+                <a:cs typeface="AdobeClean-LightIt"/>
+              </a:rPr>
+              <a:t>* チャットサポートは日本語に対応していません。</a:t>
+            </a:r>
+            <a:r>
+              <a:rPr lang="ja-JP" sz="900" i="1" dirty="0">
+                <a:solidFill>
+                  <a:srgbClr val="7A7A7A"/>
+                </a:solidFill>
+                <a:latin typeface="Adobe Clean Han Light" panose="020B0300000000000000" pitchFamily="34" charset="-128"/>
+                <a:ea typeface="Adobe Clean Han Light" panose="020B0300000000000000" pitchFamily="34" charset="-128"/>
+                <a:cs typeface="AdobeClean-LightIt"/>
+              </a:rPr>
+              <a:t>  </a:t>
             </a:r>
           </a:p>
         </p:txBody>
@@ -6594,10 +6851,7 @@
           <a:bodyPr wrap="square" lIns="0" tIns="0" rIns="0" bIns="0" rtlCol="0"/>
           <a:lstStyle/>
           <a:p>
-            <a:endParaRPr>
-              <a:latin typeface="Adobe Clean Han Regular" panose="020B0500000000000000" pitchFamily="34" charset="-128"/>
-              <a:ea typeface="Adobe Clean Han Regular" panose="020B0500000000000000" pitchFamily="34" charset="-128"/>
-            </a:endParaRPr>
+            <a:endParaRPr/>
           </a:p>
         </p:txBody>
       </p:sp>
@@ -6617,8 +6871,8 @@
         </p:nvSpPr>
         <p:spPr>
           <a:xfrm>
-            <a:off x="838200" y="6046398"/>
-            <a:ext cx="1772602" cy="184666"/>
+            <a:off x="838200" y="5813028"/>
+            <a:ext cx="1842852" cy="184666"/>
           </a:xfrm>
           <a:prstGeom prst="rect">
             <a:avLst/>
@@ -6648,8 +6902,8 @@
                 <a:solidFill>
                   <a:srgbClr val="000000"/>
                 </a:solidFill>
-                <a:latin typeface="Adobe Clean Han Regular" panose="020B0500000000000000" pitchFamily="34" charset="-128"/>
-                <a:ea typeface="Adobe Clean Han Regular" panose="020B0500000000000000" pitchFamily="34" charset="-128"/>
+                <a:latin typeface="Adobe Clean Han Light" panose="020B0300000000000000" pitchFamily="34" charset="-128"/>
+                <a:ea typeface="Adobe Clean Han Light" panose="020B0300000000000000" pitchFamily="34" charset="-128"/>
               </a:rPr>
               <a:t>コミュニティフォーラム</a:t>
             </a:r>
@@ -6672,8 +6926,8 @@
         </p:nvSpPr>
         <p:spPr>
           <a:xfrm>
-            <a:off x="838200" y="6277305"/>
-            <a:ext cx="1732084" cy="184666"/>
+            <a:off x="838199" y="6043935"/>
+            <a:ext cx="1732085" cy="184666"/>
           </a:xfrm>
           <a:prstGeom prst="rect">
             <a:avLst/>
@@ -6718,7 +6972,7 @@
         </p:nvSpPr>
         <p:spPr>
           <a:xfrm>
-            <a:off x="370040" y="6529249"/>
+            <a:off x="370040" y="6295879"/>
             <a:ext cx="2286000" cy="959237"/>
           </a:xfrm>
           <a:prstGeom prst="rect">
@@ -6736,8 +6990,8 @@
                 <a:solidFill>
                   <a:srgbClr val="000000"/>
                 </a:solidFill>
-                <a:latin typeface="Adobe Clean Han Regular" panose="020B0500000000000000" pitchFamily="34" charset="-128"/>
-                <a:ea typeface="Adobe Clean Han Regular" panose="020B0500000000000000" pitchFamily="34" charset="-128"/>
+                <a:latin typeface="Adobe Clean Han Light" panose="020B0300000000000000" pitchFamily="34" charset="-128"/>
+                <a:ea typeface="Adobe Clean Han Light" panose="020B0300000000000000" pitchFamily="34" charset="-128"/>
               </a:rPr>
               <a:t>テクニカルソリューション、製品ドキュメント、FAQ などの増大するデータベースにオンラインで継続的にアクセスできます。何千人ものお客様同士が繋がり、ベストプラクティスや学習した内容を共有できます。</a:t>
             </a:r>
@@ -6760,7 +7014,7 @@
         </p:nvSpPr>
         <p:spPr>
           <a:xfrm>
-            <a:off x="5851290" y="6277305"/>
+            <a:off x="5851290" y="6043935"/>
             <a:ext cx="1745671" cy="184666"/>
           </a:xfrm>
           <a:prstGeom prst="rect">
@@ -6782,7 +7036,7 @@
               </a:spcAft>
             </a:pPr>
             <a:r>
-              <a:rPr lang="ja-JP" sz="1200" b="1">
+              <a:rPr lang="ja-JP" sz="1200" b="1" spc="-20" dirty="0">
                 <a:latin typeface="Adobe Clean Han Regular" panose="020B0500000000000000" pitchFamily="34" charset="-128"/>
                 <a:ea typeface="Adobe Clean Han Regular" panose="020B0500000000000000" pitchFamily="34" charset="-128"/>
                 <a:cs typeface="Open Sans" pitchFamily="34" charset="0"/>
@@ -6806,8 +7060,8 @@
         </p:nvSpPr>
         <p:spPr>
           <a:xfrm>
-            <a:off x="5376301" y="6529249"/>
-            <a:ext cx="2286000" cy="1267014"/>
+            <a:off x="5376301" y="6295879"/>
+            <a:ext cx="2247509" cy="1267014"/>
           </a:xfrm>
           <a:prstGeom prst="rect">
             <a:avLst/>
@@ -6820,33 +7074,14 @@
           <a:lstStyle/>
           <a:p>
             <a:r>
-              <a:rPr lang="ja-JP" sz="1000" dirty="0">
+              <a:rPr lang="ja-JP" sz="1000" spc="-20" dirty="0">
                 <a:solidFill>
                   <a:srgbClr val="000000"/>
                 </a:solidFill>
-                <a:latin typeface="Adobe Clean Han Regular" panose="020B0500000000000000" pitchFamily="34" charset="-128"/>
-                <a:ea typeface="Adobe Clean Han Regular" panose="020B0500000000000000" pitchFamily="34" charset="-128"/>
+                <a:latin typeface="Adobe Clean Han Light" panose="020B0300000000000000" pitchFamily="34" charset="-128"/>
+                <a:ea typeface="Adobe Clean Han Light" panose="020B0300000000000000" pitchFamily="34" charset="-128"/>
               </a:rPr>
-              <a:t>エクスペリエンスメーカーは、Experience League から誕生します。Experience League に参加すると、パーソナライズされた学習で、顧客体験管理能力を強化することができます。</a:t>
-            </a:r>
-            <a:br>
-              <a:rPr lang="sk-SK" altLang="ja-JP" sz="1000" dirty="0">
-                <a:solidFill>
-                  <a:srgbClr val="000000"/>
-                </a:solidFill>
-                <a:latin typeface="Adobe Clean Han Regular" panose="020B0500000000000000" pitchFamily="34" charset="-128"/>
-                <a:ea typeface="Adobe Clean Han Regular" panose="020B0500000000000000" pitchFamily="34" charset="-128"/>
-              </a:rPr>
-            </a:br>
-            <a:r>
-              <a:rPr lang="ja-JP" sz="1000" dirty="0">
-                <a:solidFill>
-                  <a:srgbClr val="000000"/>
-                </a:solidFill>
-                <a:latin typeface="Adobe Clean Han Regular" panose="020B0500000000000000" pitchFamily="34" charset="-128"/>
-                <a:ea typeface="Adobe Clean Han Regular" panose="020B0500000000000000" pitchFamily="34" charset="-128"/>
-              </a:rPr>
-              <a:t>スキルの向上や、グローバルコミュニティでの仲間との交流のほか、キャリアアップに役立つ評価の獲得も可能です。</a:t>
+              <a:t>エクスペリエンスメーカーは、Experience League から誕生します。Experience League に参加すると、パーソナライズされた学習で、顧客体験管理能力を強化することができます。スキルの向上や、グローバルコミュニティでの仲間との交流のほか、キャリアアップに役立つ評価の獲得も可能です。</a:t>
             </a:r>
           </a:p>
         </p:txBody>
@@ -6867,7 +7102,7 @@
         </p:nvSpPr>
         <p:spPr>
           <a:xfrm>
-            <a:off x="3215895" y="8150141"/>
+            <a:off x="3215895" y="8035841"/>
             <a:ext cx="2520000" cy="184666"/>
           </a:xfrm>
           <a:prstGeom prst="rect">
@@ -6898,8 +7133,8 @@
                 <a:solidFill>
                   <a:srgbClr val="000000"/>
                 </a:solidFill>
-                <a:latin typeface="Adobe Clean Han Regular" panose="020B0500000000000000" pitchFamily="34" charset="-128"/>
-                <a:ea typeface="Adobe Clean Han Regular" panose="020B0500000000000000" pitchFamily="34" charset="-128"/>
+                <a:latin typeface="Adobe Clean Han Light" panose="020B0300000000000000" pitchFamily="34" charset="-128"/>
+                <a:ea typeface="Adobe Clean Han Light" panose="020B0300000000000000" pitchFamily="34" charset="-128"/>
               </a:rPr>
               <a:t>ライブチャットサポート*</a:t>
             </a:r>
@@ -6922,7 +7157,7 @@
         </p:nvSpPr>
         <p:spPr>
           <a:xfrm>
-            <a:off x="3198434" y="8373543"/>
+            <a:off x="3198434" y="8259243"/>
             <a:ext cx="1269578" cy="184666"/>
           </a:xfrm>
           <a:prstGeom prst="rect">
@@ -6970,7 +7205,7 @@
         </p:nvSpPr>
         <p:spPr>
           <a:xfrm>
-            <a:off x="3290772" y="6046398"/>
+            <a:off x="3290772" y="5813028"/>
             <a:ext cx="2520000" cy="184666"/>
           </a:xfrm>
           <a:prstGeom prst="rect">
@@ -7001,8 +7236,8 @@
                 <a:solidFill>
                   <a:srgbClr val="000000"/>
                 </a:solidFill>
-                <a:latin typeface="Adobe Clean Han Regular" panose="020B0500000000000000" pitchFamily="34" charset="-128"/>
-                <a:ea typeface="Adobe Clean Han Regular" panose="020B0500000000000000" pitchFamily="34" charset="-128"/>
+                <a:latin typeface="Adobe Clean Han Light" panose="020B0300000000000000" pitchFamily="34" charset="-128"/>
+                <a:ea typeface="Adobe Clean Han Light" panose="020B0300000000000000" pitchFamily="34" charset="-128"/>
               </a:rPr>
               <a:t>24 時間年中無休 P1 </a:t>
             </a:r>
@@ -7025,7 +7260,7 @@
         </p:nvSpPr>
         <p:spPr>
           <a:xfrm>
-            <a:off x="3276600" y="6277305"/>
+            <a:off x="3276600" y="6043935"/>
             <a:ext cx="952184" cy="184666"/>
           </a:xfrm>
           <a:prstGeom prst="rect">
@@ -7071,7 +7306,7 @@
         </p:nvSpPr>
         <p:spPr>
           <a:xfrm>
-            <a:off x="2836967" y="6529249"/>
+            <a:off x="2836967" y="6295879"/>
             <a:ext cx="2286000" cy="959237"/>
           </a:xfrm>
           <a:prstGeom prst="rect">
@@ -7089,15 +7324,15 @@
                 <a:solidFill>
                   <a:srgbClr val="020302"/>
                 </a:solidFill>
-                <a:latin typeface="Adobe Clean Han Regular" panose="020B0500000000000000" pitchFamily="34" charset="-128"/>
-                <a:ea typeface="Adobe Clean Han Regular" panose="020B0500000000000000" pitchFamily="34" charset="-128"/>
+                <a:latin typeface="Adobe Clean Han Light" panose="020B0300000000000000" pitchFamily="34" charset="-128"/>
+                <a:ea typeface="Adobe Clean Han Light" panose="020B0300000000000000" pitchFamily="34" charset="-128"/>
               </a:rPr>
               <a:t>承認済みユーザーまたはサポート対象ユーザーは、</a:t>
             </a:r>
             <a:r>
               <a:rPr lang="ja-JP" sz="1000" dirty="0">
-                <a:latin typeface="Adobe Clean Han Regular" panose="020B0500000000000000" pitchFamily="34" charset="-128"/>
-                <a:ea typeface="Adobe Clean Han Regular" panose="020B0500000000000000" pitchFamily="34" charset="-128"/>
+                <a:latin typeface="Adobe Clean Han Light" panose="020B0300000000000000" pitchFamily="34" charset="-128"/>
+                <a:ea typeface="Adobe Clean Han Light" panose="020B0300000000000000" pitchFamily="34" charset="-128"/>
               </a:rPr>
               <a:t>使用可能なすべてのチャネル（P1 の場合は電話を含む）を通じて問題を申請でき、お客様の会社を代表してアドビのテクニカルサポートチームとやり取りできます。 </a:t>
             </a:r>
@@ -7122,8 +7357,8 @@
         </p:nvSpPr>
         <p:spPr>
           <a:xfrm>
-            <a:off x="4905376" y="9862966"/>
-            <a:ext cx="2618166" cy="132729"/>
+            <a:off x="5253416" y="9862966"/>
+            <a:ext cx="2270125" cy="132729"/>
           </a:xfrm>
           <a:prstGeom prst="rect">
             <a:avLst/>
@@ -7144,10 +7379,7 @@
               </a:spcBef>
             </a:pPr>
             <a:r>
-              <a:rPr lang="ja-JP" dirty="0">
-                <a:latin typeface="Adobe Clean Han Regular" panose="020B0500000000000000" pitchFamily="34" charset="-128"/>
-                <a:ea typeface="Adobe Clean Han Regular" panose="020B0500000000000000" pitchFamily="34" charset="-128"/>
-              </a:rPr>
+              <a:rPr lang="ja-JP"/>
               <a:t>©2021 Adobe.All Rights Reserved.Adobe Confidential.</a:t>
             </a:r>
           </a:p>
@@ -7169,8 +7401,8 @@
         </p:nvSpPr>
         <p:spPr>
           <a:xfrm>
-            <a:off x="821897" y="1099315"/>
-            <a:ext cx="1748387" cy="369332"/>
+            <a:off x="821898" y="1099315"/>
+            <a:ext cx="1902252" cy="184666"/>
           </a:xfrm>
           <a:prstGeom prst="rect">
             <a:avLst/>
@@ -7191,33 +7423,14 @@
               </a:spcAft>
             </a:pPr>
             <a:r>
-              <a:rPr lang="ja-JP" sz="1200" b="1" dirty="0">
+              <a:rPr lang="ja-JP" sz="1200" b="1" spc="-60" dirty="0">
                 <a:solidFill>
                   <a:srgbClr val="020302"/>
                 </a:solidFill>
                 <a:latin typeface="Adobe Clean Han Regular" panose="020B0500000000000000" pitchFamily="34" charset="-128"/>
                 <a:ea typeface="Adobe Clean Han Regular" panose="020B0500000000000000" pitchFamily="34" charset="-128"/>
               </a:rPr>
-              <a:t>アカウントサポー</a:t>
-            </a:r>
-            <a:br>
-              <a:rPr lang="sk-SK" altLang="ja-JP" sz="1200" b="1" dirty="0">
-                <a:solidFill>
-                  <a:srgbClr val="020302"/>
-                </a:solidFill>
-                <a:latin typeface="Adobe Clean Han Regular" panose="020B0500000000000000" pitchFamily="34" charset="-128"/>
-                <a:ea typeface="Adobe Clean Han Regular" panose="020B0500000000000000" pitchFamily="34" charset="-128"/>
-              </a:rPr>
-            </a:br>
-            <a:r>
-              <a:rPr lang="ja-JP" sz="1200" b="1" dirty="0">
-                <a:solidFill>
-                  <a:srgbClr val="020302"/>
-                </a:solidFill>
-                <a:latin typeface="Adobe Clean Han Regular" panose="020B0500000000000000" pitchFamily="34" charset="-128"/>
-                <a:ea typeface="Adobe Clean Han Regular" panose="020B0500000000000000" pitchFamily="34" charset="-128"/>
-              </a:rPr>
-              <a:t>トリード</a:t>
+              <a:t>アカウントサポートリード</a:t>
             </a:r>
           </a:p>
         </p:txBody>
@@ -7236,8 +7449,8 @@
         </p:nvSpPr>
         <p:spPr>
           <a:xfrm>
-            <a:off x="401995" y="5785009"/>
-            <a:ext cx="2168289" cy="68828"/>
+            <a:off x="401995" y="5670709"/>
+            <a:ext cx="2206664" cy="46672"/>
           </a:xfrm>
           <a:custGeom>
             <a:avLst/>
@@ -7266,10 +7479,7 @@
           <a:bodyPr wrap="square" lIns="0" tIns="0" rIns="0" bIns="0" rtlCol="0"/>
           <a:lstStyle/>
           <a:p>
-            <a:endParaRPr>
-              <a:latin typeface="Adobe Clean Han Regular" panose="020B0500000000000000" pitchFamily="34" charset="-128"/>
-              <a:ea typeface="Adobe Clean Han Regular" panose="020B0500000000000000" pitchFamily="34" charset="-128"/>
-            </a:endParaRPr>
+            <a:endParaRPr/>
           </a:p>
         </p:txBody>
       </p:sp>
@@ -7287,7 +7497,7 @@
         </p:nvSpPr>
         <p:spPr>
           <a:xfrm>
-            <a:off x="318713" y="5432541"/>
+            <a:off x="318713" y="5318241"/>
             <a:ext cx="2409634" cy="307777"/>
           </a:xfrm>
           <a:prstGeom prst="rect">
@@ -7366,10 +7576,7 @@
           <a:bodyPr wrap="square" lIns="0" tIns="0" rIns="0" bIns="0" rtlCol="0"/>
           <a:lstStyle/>
           <a:p>
-            <a:endParaRPr>
-              <a:latin typeface="Adobe Clean Han Regular" panose="020B0500000000000000" pitchFamily="34" charset="-128"/>
-              <a:ea typeface="Adobe Clean Han Regular" panose="020B0500000000000000" pitchFamily="34" charset="-128"/>
-            </a:endParaRPr>
+            <a:endParaRPr/>
           </a:p>
         </p:txBody>
       </p:sp>
@@ -7387,7 +7594,7 @@
         </p:nvSpPr>
         <p:spPr>
           <a:xfrm>
-            <a:off x="240424" y="429188"/>
+            <a:off x="273765" y="429188"/>
             <a:ext cx="2225289" cy="307777"/>
           </a:xfrm>
           <a:prstGeom prst="rect">
@@ -7437,7 +7644,7 @@
         <p:spPr>
           <a:xfrm>
             <a:off x="2836966" y="1370913"/>
-            <a:ext cx="2387373" cy="1639167"/>
+            <a:ext cx="2454171" cy="1639167"/>
           </a:xfrm>
           <a:prstGeom prst="rect">
             <a:avLst/>
@@ -7458,9 +7665,9 @@
               </a:spcBef>
             </a:pPr>
             <a:r>
-              <a:rPr lang="ja-JP" sz="1000" spc="-30" dirty="0">
-                <a:latin typeface="Adobe Clean Han Regular" panose="020B0500000000000000" pitchFamily="34" charset="-128"/>
-                <a:ea typeface="Adobe Clean Han Regular" panose="020B0500000000000000" pitchFamily="34" charset="-128"/>
+              <a:rPr lang="ja-JP" sz="1000" dirty="0">
+                <a:latin typeface="Adobe Clean Han Light" panose="020B0300000000000000" pitchFamily="34" charset="-128"/>
+                <a:ea typeface="Adobe Clean Han Light" panose="020B0300000000000000" pitchFamily="34" charset="-128"/>
               </a:rPr>
               <a:t>お客様は、P2、P3、P4 のすべての問題について、地域のサポート時間内に電話でサポートケースを申請できます。サポートへの電話の回数に上限はありません。また、サポートからの折り返し連絡やミーティングをリクエストすることもできます。ミーティングでは、共有リモートデスクトップセッションを使用して、問題の説明や対処を受けることができます。</a:t>
             </a:r>
@@ -7483,8 +7690,8 @@
         </p:nvSpPr>
         <p:spPr>
           <a:xfrm>
-            <a:off x="3257682" y="1083435"/>
-            <a:ext cx="1976242" cy="184666"/>
+            <a:off x="3257682" y="1083434"/>
+            <a:ext cx="1865286" cy="184666"/>
           </a:xfrm>
           <a:prstGeom prst="rect">
             <a:avLst/>
@@ -7505,7 +7712,7 @@
               </a:spcAft>
             </a:pPr>
             <a:r>
-              <a:rPr lang="ja-JP" sz="1200" b="1">
+              <a:rPr lang="ja-JP" sz="1200" b="1" dirty="0">
                 <a:solidFill>
                   <a:srgbClr val="020302"/>
                 </a:solidFill>
@@ -7557,8 +7764,8 @@
                 <a:solidFill>
                   <a:srgbClr val="4B4B4B"/>
                 </a:solidFill>
-                <a:latin typeface="Adobe Clean Han Regular" panose="020B0500000000000000" pitchFamily="34" charset="-128"/>
-                <a:ea typeface="Adobe Clean Han Regular" panose="020B0500000000000000" pitchFamily="34" charset="-128"/>
+                <a:latin typeface="Adobe Clean Han Light" panose="020B0300000000000000" pitchFamily="34" charset="-128"/>
+                <a:ea typeface="Adobe Clean Han Light" panose="020B0300000000000000" pitchFamily="34" charset="-128"/>
               </a:rPr>
               <a:t>アドビ内の専任連絡窓口が、エスカレーション支援や定期的なアップデートを提供し、お客様の最も重要なオープン中のサポートリクエストに優先的に対応します。</a:t>
             </a:r>
@@ -7582,7 +7789,7 @@
         <p:spPr>
           <a:xfrm>
             <a:off x="5885313" y="1085652"/>
-            <a:ext cx="1608472" cy="184666"/>
+            <a:ext cx="1772554" cy="184666"/>
           </a:xfrm>
           <a:prstGeom prst="rect">
             <a:avLst/>
@@ -7603,7 +7810,7 @@
               </a:spcAft>
             </a:pPr>
             <a:r>
-              <a:rPr lang="ja-JP" sz="1200" b="1">
+              <a:rPr lang="ja-JP" sz="1200" b="1" dirty="0">
                 <a:solidFill>
                   <a:srgbClr val="020302"/>
                 </a:solidFill>
@@ -7631,7 +7838,7 @@
         </p:nvSpPr>
         <p:spPr>
           <a:xfrm>
-            <a:off x="838200" y="8148121"/>
+            <a:off x="838200" y="8033821"/>
             <a:ext cx="2520000" cy="184666"/>
           </a:xfrm>
           <a:prstGeom prst="rect">
@@ -7658,12 +7865,12 @@
               <a:defRPr/>
             </a:pPr>
             <a:r>
-              <a:rPr lang="ja-JP" sz="1200" dirty="0">
+              <a:rPr lang="ja-JP" sz="1200">
                 <a:solidFill>
                   <a:srgbClr val="000000"/>
                 </a:solidFill>
-                <a:latin typeface="Adobe Clean Han Regular" panose="020B0500000000000000" pitchFamily="34" charset="-128"/>
-                <a:ea typeface="Adobe Clean Han Regular" panose="020B0500000000000000" pitchFamily="34" charset="-128"/>
+                <a:latin typeface="Adobe Clean Han Light" panose="020B0300000000000000" pitchFamily="34" charset="-128"/>
+                <a:ea typeface="Adobe Clean Han Light" panose="020B0300000000000000" pitchFamily="34" charset="-128"/>
               </a:rPr>
               <a:t>Office Hours</a:t>
             </a:r>
@@ -7686,7 +7893,7 @@
         </p:nvSpPr>
         <p:spPr>
           <a:xfrm>
-            <a:off x="838200" y="8373543"/>
+            <a:off x="838200" y="8259243"/>
             <a:ext cx="793487" cy="184666"/>
           </a:xfrm>
           <a:prstGeom prst="rect">
@@ -7732,8 +7939,8 @@
         </p:nvSpPr>
         <p:spPr>
           <a:xfrm>
-            <a:off x="370040" y="8618616"/>
-            <a:ext cx="2424168" cy="1113125"/>
+            <a:off x="370040" y="8504316"/>
+            <a:ext cx="2354110" cy="1113125"/>
           </a:xfrm>
           <a:prstGeom prst="rect">
             <a:avLst/>
@@ -7746,12 +7953,12 @@
           <a:lstStyle/>
           <a:p>
             <a:r>
-              <a:rPr lang="ja-JP" sz="1000" dirty="0">
+              <a:rPr lang="ja-JP" sz="1000" spc="-20" dirty="0">
                 <a:solidFill>
                   <a:srgbClr val="000000"/>
                 </a:solidFill>
-                <a:latin typeface="Adobe Clean Han Regular" panose="020B0500000000000000" pitchFamily="34" charset="-128"/>
-                <a:ea typeface="Adobe Clean Han Regular" panose="020B0500000000000000" pitchFamily="34" charset="-128"/>
+                <a:latin typeface="Adobe Clean Han Light" panose="020B0300000000000000" pitchFamily="34" charset="-128"/>
+                <a:ea typeface="Adobe Clean Han Light" panose="020B0300000000000000" pitchFamily="34" charset="-128"/>
               </a:rPr>
               <a:t>Office Hours は、アドビカスタマーサポートチーム主導による取り組みの 1 つです。これらのセッションは、参加者に情報を提供するだけでなく、問題のトラブルシューティングや Adobe Experience Cloud で成功するためのヒントやテクニックを紹介することを目的としています。</a:t>
             </a:r>
@@ -7774,27 +7981,19 @@
         </p:nvSpPr>
         <p:spPr>
           <a:xfrm>
-            <a:off x="5851290" y="8373543"/>
-            <a:ext cx="1328056" cy="369332"/>
+            <a:off x="5851289" y="8118273"/>
+            <a:ext cx="1511535" cy="369332"/>
           </a:xfrm>
           <a:prstGeom prst="rect">
             <a:avLst/>
           </a:prstGeom>
         </p:spPr>
         <p:txBody>
-          <a:bodyPr wrap="none" lIns="0" tIns="0" rIns="0" bIns="0">
+          <a:bodyPr wrap="square" lIns="0" tIns="0" rIns="0" bIns="0">
             <a:spAutoFit/>
           </a:bodyPr>
           <a:lstStyle/>
           <a:p>
-            <a:pPr>
-              <a:spcBef>
-                <a:spcPts val="600"/>
-              </a:spcBef>
-              <a:spcAft>
-                <a:spcPts val="600"/>
-              </a:spcAft>
-            </a:pPr>
             <a:r>
               <a:rPr lang="ja-JP" sz="1200" b="1" dirty="0">
                 <a:latin typeface="Adobe Clean Han Regular" panose="020B0500000000000000" pitchFamily="34" charset="-128"/>
@@ -7803,13 +8002,13 @@
               </a:rPr>
               <a:t>24 時間年中無休の</a:t>
             </a:r>
-            <a:br>
-              <a:rPr lang="sk-SK" altLang="ja-JP" sz="1200" b="1" dirty="0">
-                <a:latin typeface="Adobe Clean Han Regular" panose="020B0500000000000000" pitchFamily="34" charset="-128"/>
-                <a:ea typeface="Adobe Clean Han Regular" panose="020B0500000000000000" pitchFamily="34" charset="-128"/>
-                <a:cs typeface="Open Sans" pitchFamily="34" charset="0"/>
-              </a:rPr>
-            </a:br>
+            <a:endParaRPr lang="sk-SK" altLang="ja-JP" sz="1200" b="1" dirty="0">
+              <a:latin typeface="Adobe Clean Han Regular" panose="020B0500000000000000" pitchFamily="34" charset="-128"/>
+              <a:ea typeface="Adobe Clean Han Regular" panose="020B0500000000000000" pitchFamily="34" charset="-128"/>
+              <a:cs typeface="Open Sans" pitchFamily="34" charset="0"/>
+            </a:endParaRPr>
+          </a:p>
+          <a:p>
             <a:r>
               <a:rPr lang="ja-JP" sz="1200" b="1" dirty="0">
                 <a:latin typeface="Adobe Clean Han Regular" panose="020B0500000000000000" pitchFamily="34" charset="-128"/>
@@ -7835,8 +8034,8 @@
         </p:nvSpPr>
         <p:spPr>
           <a:xfrm>
-            <a:off x="5376301" y="8771016"/>
-            <a:ext cx="2286000" cy="866904"/>
+            <a:off x="5376301" y="8504316"/>
+            <a:ext cx="2286000" cy="1113125"/>
           </a:xfrm>
           <a:prstGeom prst="rect">
             <a:avLst/>
@@ -7849,12 +8048,12 @@
           <a:lstStyle/>
           <a:p>
             <a:r>
-              <a:rPr lang="ja-JP" sz="900" dirty="0">
+              <a:rPr lang="ja-JP" sz="1000" spc="-10" dirty="0">
                 <a:solidFill>
                   <a:srgbClr val="000000"/>
                 </a:solidFill>
-                <a:latin typeface="Adobe Clean Han Regular" panose="020B0500000000000000" pitchFamily="34" charset="-128"/>
-                <a:ea typeface="Adobe Clean Han Regular" panose="020B0500000000000000" pitchFamily="34" charset="-128"/>
+                <a:latin typeface="Adobe Clean Han Light" panose="020B0300000000000000" pitchFamily="34" charset="-128"/>
+                <a:ea typeface="Adobe Clean Han Light" panose="020B0300000000000000" pitchFamily="34" charset="-128"/>
               </a:rPr>
               <a:t>オンラインのセルフサービスサポートポータルにオンデマンドでアクセスして、サポートリクエストを申請したり、ケースのステータスを確認したり、その他のリソース（ナレッジベース、ニュースとアラート、注目すべきヒントなど）を参照したりできます。</a:t>
             </a:r>
@@ -7954,7 +8153,7 @@
         <p:spPr>
           <a:xfrm>
             <a:off x="789024" y="3499700"/>
-            <a:ext cx="1461177" cy="276999"/>
+            <a:ext cx="1472443" cy="276999"/>
           </a:xfrm>
           <a:prstGeom prst="rect">
             <a:avLst/>
@@ -7968,7 +8167,7 @@
           <a:lstStyle/>
           <a:p>
             <a:r>
-              <a:rPr lang="ja-JP" sz="1200" b="1" dirty="0">
+              <a:rPr lang="ja-JP" sz="1200" b="1">
                 <a:latin typeface="Adobe Clean Han Regular" panose="020B0500000000000000" pitchFamily="34" charset="-128"/>
                 <a:ea typeface="Adobe Clean Han Regular" panose="020B0500000000000000" pitchFamily="34" charset="-128"/>
               </a:rPr>
@@ -8014,8 +8213,8 @@
             </a:pPr>
             <a:r>
               <a:rPr lang="ja-JP" sz="1000" dirty="0">
-                <a:latin typeface="Adobe Clean Han Regular" panose="020B0500000000000000" pitchFamily="34" charset="-128"/>
-                <a:ea typeface="Adobe Clean Han Regular" panose="020B0500000000000000" pitchFamily="34" charset="-128"/>
+                <a:latin typeface="Adobe Clean Han Light" panose="020B0300000000000000" pitchFamily="34" charset="-128"/>
+                <a:ea typeface="Adobe Clean Han Light" panose="020B0300000000000000" pitchFamily="34" charset="-128"/>
               </a:rPr>
               <a:t>アカウントサポートリード主催のウェビナーで、ビジネスサポートサービスの概要を学習できます。  </a:t>
             </a:r>
@@ -8073,10 +8272,7 @@
           <a:bodyPr wrap="square" lIns="0" tIns="0" rIns="0" bIns="0" rtlCol="0"/>
           <a:lstStyle/>
           <a:p>
-            <a:endParaRPr>
-              <a:latin typeface="Adobe Clean Han Regular" panose="020B0500000000000000" pitchFamily="34" charset="-128"/>
-              <a:ea typeface="Adobe Clean Han Regular" panose="020B0500000000000000" pitchFamily="34" charset="-128"/>
-            </a:endParaRPr>
+            <a:endParaRPr/>
           </a:p>
         </p:txBody>
       </p:sp>
@@ -8150,7 +8346,7 @@
         </p:blipFill>
         <p:spPr>
           <a:xfrm>
-            <a:off x="2794208" y="8146218"/>
+            <a:off x="2794208" y="8031918"/>
             <a:ext cx="411480" cy="411480"/>
           </a:xfrm>
           <a:prstGeom prst="rect">
@@ -8228,7 +8424,7 @@
         </p:blipFill>
         <p:spPr>
           <a:xfrm>
-            <a:off x="2836967" y="6062796"/>
+            <a:off x="2836967" y="5829426"/>
             <a:ext cx="411480" cy="411480"/>
           </a:xfrm>
           <a:prstGeom prst="rect">
@@ -8267,7 +8463,7 @@
         </p:blipFill>
         <p:spPr>
           <a:xfrm>
-            <a:off x="359731" y="6062796"/>
+            <a:off x="359731" y="5829426"/>
             <a:ext cx="411480" cy="411480"/>
           </a:xfrm>
           <a:prstGeom prst="rect">
@@ -8306,7 +8502,7 @@
         </p:blipFill>
         <p:spPr>
           <a:xfrm>
-            <a:off x="5329042" y="6062796"/>
+            <a:off x="5329042" y="5829426"/>
             <a:ext cx="411480" cy="411480"/>
           </a:xfrm>
           <a:prstGeom prst="rect">
@@ -8345,7 +8541,7 @@
         </p:blipFill>
         <p:spPr>
           <a:xfrm>
-            <a:off x="5372908" y="8146218"/>
+            <a:off x="5372908" y="8031918"/>
             <a:ext cx="411480" cy="411480"/>
           </a:xfrm>
           <a:prstGeom prst="rect">
@@ -8384,7 +8580,7 @@
         </p:blipFill>
         <p:spPr>
           <a:xfrm>
-            <a:off x="384421" y="8146218"/>
+            <a:off x="384421" y="8031918"/>
             <a:ext cx="411480" cy="411480"/>
           </a:xfrm>
           <a:prstGeom prst="rect">
@@ -8406,7 +8602,7 @@
         </p:nvSpPr>
         <p:spPr>
           <a:xfrm rot="5400000" flipH="1">
-            <a:off x="3863341" y="5148092"/>
+            <a:off x="3863341" y="4871870"/>
             <a:ext cx="45719" cy="5577840"/>
           </a:xfrm>
           <a:custGeom>
@@ -8443,10 +8639,7 @@
           <a:bodyPr wrap="square" lIns="0" tIns="0" rIns="0" bIns="0" rtlCol="0"/>
           <a:lstStyle/>
           <a:p>
-            <a:endParaRPr>
-              <a:latin typeface="Adobe Clean Han Regular" panose="020B0500000000000000" pitchFamily="34" charset="-128"/>
-              <a:ea typeface="Adobe Clean Han Regular" panose="020B0500000000000000" pitchFamily="34" charset="-128"/>
-            </a:endParaRPr>
+            <a:endParaRPr/>
           </a:p>
         </p:txBody>
       </p:sp>
@@ -8466,7 +8659,7 @@
         </p:nvSpPr>
         <p:spPr>
           <a:xfrm>
-            <a:off x="5851290" y="8150141"/>
+            <a:off x="5851290" y="7917731"/>
             <a:ext cx="2520000" cy="184666"/>
           </a:xfrm>
           <a:prstGeom prst="rect">
@@ -8497,8 +8690,8 @@
                 <a:solidFill>
                   <a:srgbClr val="000000"/>
                 </a:solidFill>
-                <a:latin typeface="Adobe Clean Han Regular" panose="020B0500000000000000" pitchFamily="34" charset="-128"/>
-                <a:ea typeface="Adobe Clean Han Regular" panose="020B0500000000000000" pitchFamily="34" charset="-128"/>
+                <a:latin typeface="Adobe Clean Han Light" panose="020B0300000000000000" pitchFamily="34" charset="-128"/>
+                <a:ea typeface="Adobe Clean Han Light" panose="020B0300000000000000" pitchFamily="34" charset="-128"/>
               </a:rPr>
               <a:t>セルフサービスポータル</a:t>
             </a:r>
@@ -8521,7 +8714,7 @@
         </p:nvSpPr>
         <p:spPr>
           <a:xfrm>
-            <a:off x="5851290" y="6046398"/>
+            <a:off x="5851290" y="5813028"/>
             <a:ext cx="2520000" cy="184666"/>
           </a:xfrm>
           <a:prstGeom prst="rect">
@@ -8552,8 +8745,8 @@
                 <a:solidFill>
                   <a:srgbClr val="000000"/>
                 </a:solidFill>
-                <a:latin typeface="Adobe Clean Han Regular" panose="020B0500000000000000" pitchFamily="34" charset="-128"/>
-                <a:ea typeface="Adobe Clean Han Regular" panose="020B0500000000000000" pitchFamily="34" charset="-128"/>
+                <a:latin typeface="Adobe Clean Han Light" panose="020B0300000000000000" pitchFamily="34" charset="-128"/>
+                <a:ea typeface="Adobe Clean Han Light" panose="020B0300000000000000" pitchFamily="34" charset="-128"/>
               </a:rPr>
               <a:t>Experience League</a:t>
             </a:r>
@@ -8612,12 +8805,12 @@
               </a:lnSpc>
             </a:pPr>
             <a:r>
-              <a:rPr lang="ja-JP" sz="500" dirty="0">
+              <a:rPr lang="ja-JP" sz="500">
                 <a:solidFill>
                   <a:srgbClr val="6C6C6C"/>
                 </a:solidFill>
-                <a:latin typeface="Adobe Clean Han Regular" panose="020B0500000000000000" pitchFamily="34" charset="-128"/>
-                <a:ea typeface="Adobe Clean Han Regular" panose="020B0500000000000000" pitchFamily="34" charset="-128"/>
+                <a:latin typeface="Adobe Clean"/>
+                <a:ea typeface="MS Mincho"/>
                 <a:cs typeface="Adobe Clean"/>
               </a:rPr>
               <a:t>©2020 Adobe.All Rights Reserved.Adobe Confidential.</a:t>
@@ -8632,9 +8825,8 @@
                 <a:spcPts val="25"/>
               </a:spcBef>
             </a:pPr>
-            <a:endParaRPr sz="800" dirty="0">
-              <a:latin typeface="Adobe Clean Han Regular" panose="020B0500000000000000" pitchFamily="34" charset="-128"/>
-              <a:ea typeface="Adobe Clean Han Regular" panose="020B0500000000000000" pitchFamily="34" charset="-128"/>
+            <a:endParaRPr sz="800">
+              <a:latin typeface="Adobe Clean"/>
               <a:cs typeface="Adobe Clean"/>
             </a:endParaRPr>
           </a:p>
@@ -8648,12 +8840,12 @@
               </a:spcBef>
             </a:pPr>
             <a:r>
-              <a:rPr lang="ja-JP" sz="800" dirty="0">
+              <a:rPr lang="ja-JP" sz="800">
                 <a:solidFill>
                   <a:srgbClr val="6D6D6D"/>
                 </a:solidFill>
-                <a:latin typeface="Adobe Clean Han Regular" panose="020B0500000000000000" pitchFamily="34" charset="-128"/>
-                <a:ea typeface="Adobe Clean Han Regular" panose="020B0500000000000000" pitchFamily="34" charset="-128"/>
+                <a:latin typeface="Adobe Clean"/>
+                <a:ea typeface="MS Mincho"/>
                 <a:cs typeface="Adobe Clean"/>
               </a:rPr>
               <a:t>©2020 Adobe.All Rights Reserved.Adobe Confidential.</a:t>
@@ -8707,10 +8899,7 @@
           <a:bodyPr wrap="square" lIns="0" tIns="0" rIns="0" bIns="0" rtlCol="0"/>
           <a:lstStyle/>
           <a:p>
-            <a:endParaRPr>
-              <a:latin typeface="Adobe Clean Han Regular" panose="020B0500000000000000" pitchFamily="34" charset="-128"/>
-              <a:ea typeface="Adobe Clean Han Regular" panose="020B0500000000000000" pitchFamily="34" charset="-128"/>
-            </a:endParaRPr>
+            <a:endParaRPr/>
           </a:p>
         </p:txBody>
       </p:sp>
@@ -8766,7 +8955,7 @@
         <p:spPr>
           <a:xfrm>
             <a:off x="6754821" y="9283729"/>
-            <a:ext cx="930275" cy="758541"/>
+            <a:ext cx="979479" cy="662305"/>
           </a:xfrm>
           <a:prstGeom prst="rect">
             <a:avLst/>
@@ -8791,8 +8980,8 @@
                 <a:solidFill>
                   <a:srgbClr val="777879"/>
                 </a:solidFill>
-                <a:latin typeface="Adobe Clean Han Regular" panose="020B0500000000000000" pitchFamily="34" charset="-128"/>
-                <a:ea typeface="Adobe Clean Han Regular" panose="020B0500000000000000" pitchFamily="34" charset="-128"/>
+                <a:latin typeface="Adobe Clean"/>
+                <a:ea typeface="MS Mincho"/>
                 <a:cs typeface="Adobe Clean"/>
               </a:rPr>
               <a:t>Adobe</a:t>
@@ -8809,8 +8998,8 @@
                 <a:solidFill>
                   <a:srgbClr val="777879"/>
                 </a:solidFill>
-                <a:latin typeface="Adobe Clean Han Regular" panose="020B0500000000000000" pitchFamily="34" charset="-128"/>
-                <a:ea typeface="Adobe Clean Han Regular" panose="020B0500000000000000" pitchFamily="34" charset="-128"/>
+                <a:latin typeface="Adobe Clean"/>
+                <a:ea typeface="MS Mincho"/>
                 <a:cs typeface="Adobe Clean"/>
               </a:rPr>
               <a:t>345 Park Avenue</a:t>
@@ -8823,12 +9012,12 @@
               </a:lnSpc>
             </a:pPr>
             <a:r>
-              <a:rPr lang="ja-JP" sz="800" dirty="0">
+              <a:rPr lang="ja-JP" sz="800" spc="-10" dirty="0">
                 <a:solidFill>
                   <a:srgbClr val="777879"/>
                 </a:solidFill>
-                <a:latin typeface="Adobe Clean Han Regular" panose="020B0500000000000000" pitchFamily="34" charset="-128"/>
-                <a:ea typeface="Adobe Clean Han Regular" panose="020B0500000000000000" pitchFamily="34" charset="-128"/>
+                <a:latin typeface="Adobe Clean"/>
+                <a:ea typeface="MS Mincho"/>
                 <a:cs typeface="Adobe Clean"/>
               </a:rPr>
               <a:t>San Jose, CA95110-2704</a:t>
@@ -8848,8 +9037,8 @@
                 <a:solidFill>
                   <a:srgbClr val="777879"/>
                 </a:solidFill>
-                <a:latin typeface="Adobe Clean Han Regular" panose="020B0500000000000000" pitchFamily="34" charset="-128"/>
-                <a:ea typeface="Adobe Clean Han Regular" panose="020B0500000000000000" pitchFamily="34" charset="-128"/>
+                <a:latin typeface="Adobe Clean"/>
+                <a:ea typeface="MS Mincho"/>
                 <a:cs typeface="Adobe Clean"/>
               </a:rPr>
               <a:t>USA</a:t>
@@ -8874,8 +9063,8 @@
                     <a:srgbClr val="0000FF"/>
                   </a:solidFill>
                 </a:uFill>
-                <a:latin typeface="Adobe Clean Han Regular" panose="020B0500000000000000" pitchFamily="34" charset="-128"/>
-                <a:ea typeface="Adobe Clean Han Regular" panose="020B0500000000000000" pitchFamily="34" charset="-128"/>
+                <a:latin typeface="Adobe Clean"/>
+                <a:ea typeface="MS Mincho"/>
                 <a:cs typeface="Adobe Clean"/>
                 <a:hlinkClick r:id="rId3"/>
               </a:rPr>
@@ -8909,10 +9098,7 @@
           <a:bodyPr wrap="square" lIns="0" tIns="0" rIns="0" bIns="0" rtlCol="0"/>
           <a:lstStyle/>
           <a:p>
-            <a:endParaRPr>
-              <a:latin typeface="Adobe Clean Han Regular" panose="020B0500000000000000" pitchFamily="34" charset="-128"/>
-              <a:ea typeface="Adobe Clean Han Regular" panose="020B0500000000000000" pitchFamily="34" charset="-128"/>
-            </a:endParaRPr>
+            <a:endParaRPr/>
           </a:p>
         </p:txBody>
       </p:sp>
@@ -8995,10 +9181,7 @@
           <a:bodyPr wrap="square" lIns="0" tIns="0" rIns="0" bIns="0" rtlCol="0"/>
           <a:lstStyle/>
           <a:p>
-            <a:endParaRPr>
-              <a:latin typeface="Adobe Clean Han Regular" panose="020B0500000000000000" pitchFamily="34" charset="-128"/>
-              <a:ea typeface="Adobe Clean Han Regular" panose="020B0500000000000000" pitchFamily="34" charset="-128"/>
-            </a:endParaRPr>
+            <a:endParaRPr/>
           </a:p>
         </p:txBody>
       </p:sp>
@@ -9027,10 +9210,7 @@
           <a:bodyPr wrap="square" lIns="0" tIns="0" rIns="0" bIns="0" rtlCol="0"/>
           <a:lstStyle/>
           <a:p>
-            <a:endParaRPr>
-              <a:latin typeface="Adobe Clean Han Regular" panose="020B0500000000000000" pitchFamily="34" charset="-128"/>
-              <a:ea typeface="Adobe Clean Han Regular" panose="020B0500000000000000" pitchFamily="34" charset="-128"/>
-            </a:endParaRPr>
+            <a:endParaRPr/>
           </a:p>
         </p:txBody>
       </p:sp>
@@ -9043,14 +9223,14 @@
         <p:spPr>
           <a:xfrm>
             <a:off x="75947" y="9437110"/>
-            <a:ext cx="5896662" cy="563616"/>
+            <a:ext cx="5896662" cy="570865"/>
           </a:xfrm>
           <a:prstGeom prst="rect">
             <a:avLst/>
           </a:prstGeom>
         </p:spPr>
         <p:txBody>
-          <a:bodyPr vert="horz" wrap="square" lIns="0" tIns="29845" rIns="0" bIns="0" rtlCol="0">
+          <a:bodyPr vert="horz" wrap="square" lIns="0" tIns="29845" rIns="0" bIns="0" rtlCol="0" anchor="t">
             <a:spAutoFit/>
           </a:bodyPr>
           <a:lstStyle/>
@@ -9064,12 +9244,12 @@
               </a:spcBef>
             </a:pPr>
             <a:r>
-              <a:rPr lang="ja-JP" sz="1100" i="1" dirty="0">
+              <a:rPr lang="ja-JP" sz="1100" i="1" spc="-20" dirty="0">
                 <a:solidFill>
                   <a:srgbClr val="777879"/>
                 </a:solidFill>
-                <a:latin typeface="Adobe Clean Han Regular" panose="020B0500000000000000" pitchFamily="34" charset="-128"/>
-                <a:ea typeface="Adobe Clean Han Regular" panose="020B0500000000000000" pitchFamily="34" charset="-128"/>
+                <a:latin typeface="Adobe Clean Han Light" panose="020B0300000000000000" pitchFamily="34" charset="-128"/>
+                <a:ea typeface="Adobe Clean Han Light" panose="020B0300000000000000" pitchFamily="34" charset="-128"/>
                 <a:cs typeface="AdobeClean-LightIt"/>
               </a:rPr>
               <a:t>アドビサポートのサービスやお客様に最適なレベルについて詳しくは、専任アカウントマネージャー（NAM）またはカスタマーサクセスマネージャー（CSM）にお問い合わせください。</a:t>
@@ -9089,8 +9269,8 @@
                 <a:solidFill>
                   <a:srgbClr val="6D6D6D"/>
                 </a:solidFill>
-                <a:latin typeface="Adobe Clean Han Regular" panose="020B0500000000000000" pitchFamily="34" charset="-128"/>
-                <a:ea typeface="Adobe Clean Han Regular" panose="020B0500000000000000" pitchFamily="34" charset="-128"/>
+                <a:latin typeface="Adobe Clean"/>
+                <a:ea typeface="MS Mincho"/>
                 <a:cs typeface="Adobe Clean"/>
               </a:rPr>
               <a:t>©2021 Adobe.All Rights Reserved.Adobe Confidential.</a:t>
@@ -9153,29 +9333,10 @@
                 <a:solidFill>
                   <a:srgbClr val="1F1F1F"/>
                 </a:solidFill>
-                <a:latin typeface="Adobe Clean Han Regular" panose="020B0500000000000000" pitchFamily="34" charset="-128"/>
-                <a:ea typeface="Adobe Clean Han Regular" panose="020B0500000000000000" pitchFamily="34" charset="-128"/>
+                <a:latin typeface="Adobe Clean Han Light" panose="020B0300000000000000" pitchFamily="34" charset="-128"/>
+                <a:ea typeface="Adobe Clean Han Light" panose="020B0300000000000000" pitchFamily="34" charset="-128"/>
               </a:rPr>
-              <a:t>アドビサポートの対象地域と現地営業時間は、以下のとおりです。対象地域は、</a:t>
-            </a:r>
-            <a:br>
-              <a:rPr lang="sk-SK" altLang="ja-JP" sz="1000" dirty="0">
-                <a:solidFill>
-                  <a:srgbClr val="1F1F1F"/>
-                </a:solidFill>
-                <a:latin typeface="Adobe Clean Han Regular" panose="020B0500000000000000" pitchFamily="34" charset="-128"/>
-                <a:ea typeface="Adobe Clean Han Regular" panose="020B0500000000000000" pitchFamily="34" charset="-128"/>
-              </a:rPr>
-            </a:br>
-            <a:r>
-              <a:rPr lang="ja-JP" sz="1000" dirty="0">
-                <a:solidFill>
-                  <a:srgbClr val="1F1F1F"/>
-                </a:solidFill>
-                <a:latin typeface="Adobe Clean Han Regular" panose="020B0500000000000000" pitchFamily="34" charset="-128"/>
-                <a:ea typeface="Adobe Clean Han Regular" panose="020B0500000000000000" pitchFamily="34" charset="-128"/>
-              </a:rPr>
-              <a:t>お客様のセールスオーダーやその他のアドビサポートの購買記録に記載されている請求先の地域に準じます。</a:t>
+              <a:t>アドビサポートの対象地域と現地営業時間は、以下のとおりです。対象地域は、お客様のセールスオーダーやその他のアドビサポートのご契約資料に記載されている請求先の地域に準じます。</a:t>
             </a:r>
           </a:p>
         </p:txBody>
@@ -9195,7 +9356,7 @@
           <p:nvPr>
             <p:extLst>
               <p:ext uri="{D42A27DB-BD31-4B8C-83A1-F6EECF244321}">
-                <p14:modId xmlns:p14="http://schemas.microsoft.com/office/powerpoint/2010/main" val="453832874"/>
+                <p14:modId xmlns:p14="http://schemas.microsoft.com/office/powerpoint/2010/main" val="4242219289"/>
               </p:ext>
             </p:extLst>
           </p:nvPr>
@@ -9321,7 +9482,26 @@
                           <a:latin typeface="Adobe Clean Han Regular" panose="020B0500000000000000" pitchFamily="34" charset="-128"/>
                           <a:ea typeface="Adobe Clean Han Regular" panose="020B0500000000000000" pitchFamily="34" charset="-128"/>
                         </a:rPr>
-                        <a:t>ヨーロッパ、中東、アフリカ</a:t>
+                        <a:t>ヨーロッパ、中東、</a:t>
+                      </a:r>
+                      <a:br>
+                        <a:rPr lang="sk-SK" altLang="ja-JP" sz="1100" dirty="0">
+                          <a:solidFill>
+                            <a:schemeClr val="tx1"/>
+                          </a:solidFill>
+                          <a:latin typeface="Adobe Clean Han Regular" panose="020B0500000000000000" pitchFamily="34" charset="-128"/>
+                          <a:ea typeface="Adobe Clean Han Regular" panose="020B0500000000000000" pitchFamily="34" charset="-128"/>
+                        </a:rPr>
+                      </a:br>
+                      <a:r>
+                        <a:rPr lang="ja-JP" sz="1100" dirty="0">
+                          <a:solidFill>
+                            <a:schemeClr val="tx1"/>
+                          </a:solidFill>
+                          <a:latin typeface="Adobe Clean Han Regular" panose="020B0500000000000000" pitchFamily="34" charset="-128"/>
+                          <a:ea typeface="Adobe Clean Han Regular" panose="020B0500000000000000" pitchFamily="34" charset="-128"/>
+                        </a:rPr>
+                        <a:t>アフリカ</a:t>
                       </a:r>
                     </a:p>
                   </a:txBody>
@@ -9380,7 +9560,7 @@
                     <a:p>
                       <a:pPr algn="ctr"/>
                       <a:r>
-                        <a:rPr lang="ja-JP" sz="1100" dirty="0">
+                        <a:rPr lang="ja-JP" sz="1100">
                           <a:solidFill>
                             <a:schemeClr val="tx1"/>
                           </a:solidFill>
@@ -9446,7 +9626,7 @@
                     <a:p>
                       <a:pPr algn="ctr"/>
                       <a:r>
-                        <a:rPr lang="ja-JP" sz="1100" dirty="0">
+                        <a:rPr lang="ja-JP" sz="1100">
                           <a:solidFill>
                             <a:schemeClr val="tx1"/>
                           </a:solidFill>
@@ -9456,7 +9636,7 @@
                         <a:t>日本 </a:t>
                       </a:r>
                       <a:r>
-                        <a:rPr lang="ja-JP" sz="1100" baseline="30000" dirty="0">
+                        <a:rPr lang="ja-JP" sz="1100" baseline="30000">
                           <a:solidFill>
                             <a:schemeClr val="tx1"/>
                           </a:solidFill>
@@ -9529,7 +9709,7 @@
                     <a:p>
                       <a:pPr algn="ctr"/>
                       <a:r>
-                        <a:rPr lang="ja-JP" sz="1100" dirty="0">
+                        <a:rPr lang="ja-JP" sz="1100">
                           <a:solidFill>
                             <a:schemeClr val="tx1"/>
                           </a:solidFill>
@@ -9595,7 +9775,7 @@
                     <a:p>
                       <a:pPr algn="ctr"/>
                       <a:r>
-                        <a:rPr lang="ja-JP" sz="1100" dirty="0">
+                        <a:rPr lang="ja-JP" sz="1100">
                           <a:solidFill>
                             <a:schemeClr val="tx1"/>
                           </a:solidFill>
@@ -10209,10 +10389,7 @@
           <a:bodyPr wrap="square" lIns="0" tIns="0" rIns="0" bIns="0" rtlCol="0"/>
           <a:lstStyle/>
           <a:p>
-            <a:endParaRPr>
-              <a:latin typeface="Adobe Clean Han Regular" panose="020B0500000000000000" pitchFamily="34" charset="-128"/>
-              <a:ea typeface="Adobe Clean Han Regular" panose="020B0500000000000000" pitchFamily="34" charset="-128"/>
-            </a:endParaRPr>
+            <a:endParaRPr/>
           </a:p>
         </p:txBody>
       </p:sp>
@@ -10328,7 +10505,7 @@
         </p:nvSpPr>
         <p:spPr>
           <a:xfrm>
-            <a:off x="4684870" y="8541244"/>
+            <a:off x="4705825" y="8541244"/>
             <a:ext cx="810895" cy="382797"/>
           </a:xfrm>
           <a:prstGeom prst="rect">
@@ -10398,8 +10575,8 @@
         </p:nvSpPr>
         <p:spPr>
           <a:xfrm>
-            <a:off x="6462194" y="8543943"/>
-            <a:ext cx="810894" cy="382797"/>
+            <a:off x="6316980" y="8543943"/>
+            <a:ext cx="1124818" cy="382797"/>
           </a:xfrm>
           <a:prstGeom prst="rect">
             <a:avLst/>
@@ -10469,7 +10646,7 @@
           <p:nvPr>
             <p:extLst>
               <p:ext uri="{D42A27DB-BD31-4B8C-83A1-F6EECF244321}">
-                <p14:modId xmlns:p14="http://schemas.microsoft.com/office/powerpoint/2010/main" val="1575538643"/>
+                <p14:modId xmlns:p14="http://schemas.microsoft.com/office/powerpoint/2010/main" val="1701350056"/>
               </p:ext>
             </p:extLst>
           </p:nvPr>
@@ -10485,14 +10662,14 @@
                 <a:tableStyleId>{5C22544A-7EE6-4342-B048-85BDC9FD1C3A}</a:tableStyleId>
               </a:tblPr>
               <a:tblGrid>
-                <a:gridCol w="3691964">
+                <a:gridCol w="3619574">
                   <a:extLst>
                     <a:ext uri="{9D8B030D-6E8A-4147-A177-3AD203B41FA5}">
                       <a16:colId xmlns:a16="http://schemas.microsoft.com/office/drawing/2014/main" val="2364693614"/>
                     </a:ext>
                   </a:extLst>
                 </a:gridCol>
-                <a:gridCol w="3676327">
+                <a:gridCol w="3748717">
                   <a:extLst>
                     <a:ext uri="{9D8B030D-6E8A-4147-A177-3AD203B41FA5}">
                       <a16:colId xmlns:a16="http://schemas.microsoft.com/office/drawing/2014/main" val="1545335406"/>
@@ -10573,7 +10750,7 @@
                     <a:bodyPr/>
                     <a:lstStyle/>
                     <a:p>
-                      <a:pPr marL="0" marR="0" lvl="0" indent="0" defTabSz="914400" eaLnBrk="1" fontAlgn="auto" latinLnBrk="0" hangingPunct="1">
+                      <a:pPr marL="0" marR="0" lvl="0" indent="0" eaLnBrk="1" fontAlgn="auto" latinLnBrk="0" hangingPunct="1">
                         <a:lnSpc>
                           <a:spcPct val="100000"/>
                         </a:lnSpc>
@@ -10587,27 +10764,25 @@
                         <a:buSzTx/>
                         <a:buFontTx/>
                         <a:buNone/>
-                        <a:tabLst/>
-                        <a:defRPr/>
                       </a:pPr>
                       <a:r>
                         <a:rPr lang="ja-JP" sz="1000" b="0" dirty="0">
                           <a:solidFill>
                             <a:srgbClr val="000000"/>
                           </a:solidFill>
-                          <a:latin typeface="Adobe Clean Han Regular" panose="020B0500000000000000" pitchFamily="34" charset="-128"/>
-                          <a:ea typeface="Adobe Clean Han Regular" panose="020B0500000000000000" pitchFamily="34" charset="-128"/>
+                          <a:latin typeface="Adobe Clean Han Light" panose="020B0300000000000000" pitchFamily="34" charset="-128"/>
+                          <a:ea typeface="Adobe Clean Han Light" panose="020B0300000000000000" pitchFamily="34" charset="-128"/>
                           <a:cs typeface="+mn-cs"/>
                         </a:rPr>
-                        <a:t>Experience League では、アドビへの投資に対して企業が</a:t>
+                        <a:t>Experience League では、アドビへの投資に対して企業が期待している価値を実現するための支援を行います。セルフサービスのチュートリアル、製品ドキュメント、講師によるトレーニング、コミュニティ、テクニカルサポートなど、パーソナライズされた成功への道筋に沿って、お客様が学習し、繋がり、</a:t>
                       </a:r>
                       <a:br>
                         <a:rPr lang="sk-SK" altLang="ja-JP" sz="1000" b="0" dirty="0">
                           <a:solidFill>
                             <a:srgbClr val="000000"/>
                           </a:solidFill>
-                          <a:latin typeface="Adobe Clean Han Regular" panose="020B0500000000000000" pitchFamily="34" charset="-128"/>
-                          <a:ea typeface="Adobe Clean Han Regular" panose="020B0500000000000000" pitchFamily="34" charset="-128"/>
+                          <a:latin typeface="Adobe Clean Han Light" panose="020B0300000000000000" pitchFamily="34" charset="-128"/>
+                          <a:ea typeface="Adobe Clean Han Light" panose="020B0300000000000000" pitchFamily="34" charset="-128"/>
                           <a:cs typeface="+mn-cs"/>
                         </a:rPr>
                       </a:br>
@@ -10616,11 +10791,11 @@
                           <a:solidFill>
                             <a:srgbClr val="000000"/>
                           </a:solidFill>
-                          <a:latin typeface="Adobe Clean Han Regular" panose="020B0500000000000000" pitchFamily="34" charset="-128"/>
-                          <a:ea typeface="Adobe Clean Han Regular" panose="020B0500000000000000" pitchFamily="34" charset="-128"/>
+                          <a:latin typeface="Adobe Clean Han Light" panose="020B0300000000000000" pitchFamily="34" charset="-128"/>
+                          <a:ea typeface="Adobe Clean Han Light" panose="020B0300000000000000" pitchFamily="34" charset="-128"/>
                           <a:cs typeface="+mn-cs"/>
                         </a:rPr>
-                        <a:t>期待している価値を実現するための支援を行います。セルフサービスのチュートリアル、製品ドキュメント、講師によるトレーニング、コミュニティ、テクニカルサポートなど、パーソナライズされた成功への道筋に沿って、お客様が学習し、繋がり、成長できる、統合された場所です。 </a:t>
+                        <a:t>成長できる、統合された場所です。 </a:t>
                       </a:r>
                     </a:p>
                   </a:txBody>
@@ -10801,19 +10976,30 @@
                           <a:solidFill>
                             <a:srgbClr val="000000"/>
                           </a:solidFill>
-                          <a:latin typeface="Adobe Clean Han Regular" panose="020B0500000000000000" pitchFamily="34" charset="-128"/>
-                          <a:ea typeface="Adobe Clean Han Regular" panose="020B0500000000000000" pitchFamily="34" charset="-128"/>
+                          <a:latin typeface="Adobe Clean Han Light" panose="020B0300000000000000" pitchFamily="34" charset="-128"/>
+                          <a:ea typeface="Adobe Clean Han Light" panose="020B0300000000000000" pitchFamily="34" charset="-128"/>
                           <a:cs typeface="+mn-cs"/>
                         </a:rPr>
-                        <a:t>Adobe Digital Learning Services のコースには、Experience League からアクセスできます。ラーニングコースは、</a:t>
+                        <a:t>Adobe Digital Learning Services のコースには、Experience League からアクセスできます。ラーニングコースは、オンデ</a:t>
                       </a:r>
-                      <a:br>
-                        <a:rPr lang="sk-SK" altLang="ja-JP" sz="1000" dirty="0">
+                      <a:r>
+                        <a:rPr lang="ja-JP" sz="1000" spc="-20" baseline="0" dirty="0">
                           <a:solidFill>
                             <a:srgbClr val="000000"/>
                           </a:solidFill>
-                          <a:latin typeface="Adobe Clean Han Regular" panose="020B0500000000000000" pitchFamily="34" charset="-128"/>
-                          <a:ea typeface="Adobe Clean Han Regular" panose="020B0500000000000000" pitchFamily="34" charset="-128"/>
+                          <a:latin typeface="Adobe Clean Han Light" panose="020B0300000000000000" pitchFamily="34" charset="-128"/>
+                          <a:ea typeface="Adobe Clean Han Light" panose="020B0300000000000000" pitchFamily="34" charset="-128"/>
+                          <a:cs typeface="+mn-cs"/>
+                        </a:rPr>
+                        <a:t>マンドレッスンと講師によるレッスンが統合されています。  </a:t>
+                      </a:r>
+                      <a:br>
+                        <a:rPr lang="sk-SK" altLang="ja-JP" sz="1000" spc="-20" baseline="0" dirty="0">
+                          <a:solidFill>
+                            <a:srgbClr val="000000"/>
+                          </a:solidFill>
+                          <a:latin typeface="Adobe Clean Han Light" panose="020B0300000000000000" pitchFamily="34" charset="-128"/>
+                          <a:ea typeface="Adobe Clean Han Light" panose="020B0300000000000000" pitchFamily="34" charset="-128"/>
                           <a:cs typeface="+mn-cs"/>
                         </a:rPr>
                       </a:br>
@@ -10822,32 +11008,11 @@
                           <a:solidFill>
                             <a:srgbClr val="000000"/>
                           </a:solidFill>
-                          <a:latin typeface="Adobe Clean Han Regular" panose="020B0500000000000000" pitchFamily="34" charset="-128"/>
-                          <a:ea typeface="Adobe Clean Han Regular" panose="020B0500000000000000" pitchFamily="34" charset="-128"/>
+                          <a:latin typeface="Adobe Clean Han Light" panose="020B0300000000000000" pitchFamily="34" charset="-128"/>
+                          <a:ea typeface="Adobe Clean Han Light" panose="020B0300000000000000" pitchFamily="34" charset="-128"/>
                           <a:cs typeface="+mn-cs"/>
                         </a:rPr>
-                        <a:t>オンデマンドレッスンと講師によるレッスンが統合されて</a:t>
-                      </a:r>
-                      <a:br>
-                        <a:rPr lang="sk-SK" altLang="ja-JP" sz="1000" dirty="0">
-                          <a:solidFill>
-                            <a:srgbClr val="000000"/>
-                          </a:solidFill>
-                          <a:latin typeface="Adobe Clean Han Regular" panose="020B0500000000000000" pitchFamily="34" charset="-128"/>
-                          <a:ea typeface="Adobe Clean Han Regular" panose="020B0500000000000000" pitchFamily="34" charset="-128"/>
-                          <a:cs typeface="+mn-cs"/>
-                        </a:rPr>
-                      </a:br>
-                      <a:r>
-                        <a:rPr lang="ja-JP" sz="1000" dirty="0">
-                          <a:solidFill>
-                            <a:srgbClr val="000000"/>
-                          </a:solidFill>
-                          <a:latin typeface="Adobe Clean Han Regular" panose="020B0500000000000000" pitchFamily="34" charset="-128"/>
-                          <a:ea typeface="Adobe Clean Han Regular" panose="020B0500000000000000" pitchFamily="34" charset="-128"/>
-                          <a:cs typeface="+mn-cs"/>
-                        </a:rPr>
-                        <a:t>います。  市場価値が認められたスキルを習得し、組織での成功を促進するために活用できます。</a:t>
+                        <a:t>市場価値が認められたスキルを習得し、組織での成功を促進するために活用できます。</a:t>
                       </a:r>
                     </a:p>
                   </a:txBody>
@@ -10995,7 +11160,7 @@
                     <a:bodyPr/>
                     <a:lstStyle/>
                     <a:p>
-                      <a:pPr marL="0" marR="0" lvl="0" indent="0" defTabSz="914400" eaLnBrk="1" fontAlgn="auto" latinLnBrk="0" hangingPunct="1">
+                      <a:pPr marL="0" marR="0" lvl="0" indent="0" eaLnBrk="1" fontAlgn="auto" latinLnBrk="0" hangingPunct="1">
                         <a:lnSpc>
                           <a:spcPct val="100000"/>
                         </a:lnSpc>
@@ -11009,40 +11174,17 @@
                         <a:buSzTx/>
                         <a:buFontTx/>
                         <a:buNone/>
-                        <a:tabLst/>
-                        <a:defRPr/>
                       </a:pPr>
                       <a:r>
-                        <a:rPr lang="ja-JP" sz="1000" spc="-20" baseline="0" dirty="0">
+                        <a:rPr lang="ja-JP" sz="1000" dirty="0">
                           <a:solidFill>
                             <a:srgbClr val="000000"/>
                           </a:solidFill>
-                          <a:latin typeface="Adobe Clean Han Regular" panose="020B0500000000000000" pitchFamily="34" charset="-128"/>
-                          <a:ea typeface="Adobe Clean Han Regular" panose="020B0500000000000000" pitchFamily="34" charset="-128"/>
+                          <a:latin typeface="Adobe Clean Han Light" panose="020B0300000000000000" pitchFamily="34" charset="-128"/>
+                          <a:ea typeface="Adobe Clean Han Light" panose="020B0300000000000000" pitchFamily="34" charset="-128"/>
                           <a:cs typeface="+mn-cs"/>
                         </a:rPr>
-                        <a:t>status.adobe.com では、マルチテナント環境にデプロイされたすべてのアドビ製品およびサービスのシステムステータス情報が表示されます。お客様は、アドビが製品イベントを作成、</a:t>
-                      </a:r>
-                      <a:br>
-                        <a:rPr lang="sk-SK" altLang="ja-JP" sz="1000" spc="-20" baseline="0" dirty="0">
-                          <a:solidFill>
-                            <a:srgbClr val="000000"/>
-                          </a:solidFill>
-                          <a:latin typeface="Adobe Clean Han Regular" panose="020B0500000000000000" pitchFamily="34" charset="-128"/>
-                          <a:ea typeface="Adobe Clean Han Regular" panose="020B0500000000000000" pitchFamily="34" charset="-128"/>
-                          <a:cs typeface="+mn-cs"/>
-                        </a:rPr>
-                      </a:br>
-                      <a:r>
-                        <a:rPr lang="ja-JP" sz="1000" spc="-20" baseline="0" dirty="0">
-                          <a:solidFill>
-                            <a:srgbClr val="000000"/>
-                          </a:solidFill>
-                          <a:latin typeface="Adobe Clean Han Regular" panose="020B0500000000000000" pitchFamily="34" charset="-128"/>
-                          <a:ea typeface="Adobe Clean Han Regular" panose="020B0500000000000000" pitchFamily="34" charset="-128"/>
-                          <a:cs typeface="+mn-cs"/>
-                        </a:rPr>
-                        <a:t>更新、解決した際に電子メール通知を受け取るようサブスクリプション設定を選択できます。イベントには、定期的なメンテナンスや、様々な重大度レベルの問題が含まれています。 </a:t>
+                        <a:t>status.adobe.com では、マルチテナント環境にデプロイされたすべてのアドビ製品およびサービスのシステムステータス情報が表示されます。お客様は、アドビが製品イベントを作成、更新、解決した際に電子メール通知を受け取るようサブスクリプション設定を選択できます。イベントには、定期的なメンテナンスや、様々な重大度レベルの問題が含まれています。 </a:t>
                       </a:r>
                     </a:p>
                   </a:txBody>
@@ -11191,15 +11333,15 @@
                     <a:lstStyle/>
                     <a:p>
                       <a:r>
-                        <a:rPr lang="ja-JP" sz="1000" dirty="0">
+                        <a:rPr lang="ja-JP" sz="1000">
                           <a:solidFill>
                             <a:srgbClr val="000000"/>
                           </a:solidFill>
-                          <a:latin typeface="Adobe Clean Han Regular" panose="020B0500000000000000" pitchFamily="34" charset="-128"/>
-                          <a:ea typeface="Adobe Clean Han Regular" panose="020B0500000000000000" pitchFamily="34" charset="-128"/>
+                          <a:latin typeface="Adobe Clean Han Light" panose="020B0300000000000000" pitchFamily="34" charset="-128"/>
+                          <a:ea typeface="Adobe Clean Han Light" panose="020B0300000000000000" pitchFamily="34" charset="-128"/>
                           <a:cs typeface="+mn-cs"/>
                         </a:rPr>
-                        <a:t>アドビのビジネスサポート web サイトです。</a:t>
+                        <a:t>アドビビジネスサポート web サイト。</a:t>
                       </a:r>
                     </a:p>
                   </a:txBody>
@@ -11290,7 +11432,7 @@
                           <a:cs typeface="+mn-cs"/>
                           <a:hlinkClick r:id="rId11"/>
                         </a:rPr>
-                        <a:t>利用規約</a:t>
+                        <a:t>利用条件</a:t>
                       </a:r>
                     </a:p>
                   </a:txBody>
@@ -11352,8 +11494,8 @@
                           <a:solidFill>
                             <a:srgbClr val="000000"/>
                           </a:solidFill>
-                          <a:latin typeface="Adobe Clean Han Regular" panose="020B0500000000000000" pitchFamily="34" charset="-128"/>
-                          <a:ea typeface="Adobe Clean Han Regular" panose="020B0500000000000000" pitchFamily="34" charset="-128"/>
+                          <a:latin typeface="Adobe Clean Han Light" panose="020B0300000000000000" pitchFamily="34" charset="-128"/>
+                          <a:ea typeface="Adobe Clean Han Light" panose="020B0300000000000000" pitchFamily="34" charset="-128"/>
                           <a:cs typeface="+mn-cs"/>
                         </a:rPr>
                         <a:t>提供するサポートサービスについて詳しく説明されています。</a:t>
@@ -11981,6 +12123,15 @@
 </file>
 
 <file path=customXml/item2.xml><?xml version="1.0" encoding="utf-8"?>
+<?mso-contentType ?>
+<FormTemplates xmlns="http://schemas.microsoft.com/sharepoint/v3/contenttype/forms">
+  <Display>DocumentLibraryForm</Display>
+  <Edit>DocumentLibraryForm</Edit>
+  <New>DocumentLibraryForm</New>
+</FormTemplates>
+</file>
+
+<file path=customXml/item3.xml><?xml version="1.0" encoding="utf-8"?>
 <ct:contentTypeSchema xmlns:ct="http://schemas.microsoft.com/office/2006/metadata/contentType" xmlns:ma="http://schemas.microsoft.com/office/2006/metadata/properties/metaAttributes" ct:_="" ma:_="" ma:contentTypeName="Document" ma:contentTypeID="0x010100E783BF6876BCC646A459363AF21A7736" ma:contentTypeVersion="10" ma:contentTypeDescription="Create a new document." ma:contentTypeScope="" ma:versionID="c4ffda7f4f415767600769e454c2ea87">
   <xsd:schema xmlns:xsd="http://www.w3.org/2001/XMLSchema" xmlns:xs="http://www.w3.org/2001/XMLSchema" xmlns:p="http://schemas.microsoft.com/office/2006/metadata/properties" xmlns:ns2="8a053bff-88be-49e4-9a87-e748e18b8b62" xmlns:ns3="6c8368ec-3776-49b5-a5bb-90648cf9530f" targetNamespace="http://schemas.microsoft.com/office/2006/metadata/properties" ma:root="true" ma:fieldsID="df3ec33bccc23e23bce7bc897fad43d1" ns2:_="" ns3:_="">
     <xsd:import namespace="8a053bff-88be-49e4-9a87-e748e18b8b62"/>
@@ -12185,25 +12336,32 @@
 </ct:contentTypeSchema>
 </file>
 
-<file path=customXml/item3.xml><?xml version="1.0" encoding="utf-8"?>
-<?mso-contentType ?>
-<FormTemplates xmlns="http://schemas.microsoft.com/sharepoint/v3/contenttype/forms">
-  <Display>DocumentLibraryForm</Display>
-  <Edit>DocumentLibraryForm</Edit>
-  <New>DocumentLibraryForm</New>
-</FormTemplates>
-</file>
-
 <file path=customXml/itemProps1.xml><?xml version="1.0" encoding="utf-8"?>
 <ds:datastoreItem xmlns:ds="http://schemas.openxmlformats.org/officeDocument/2006/customXml" ds:itemID="{10FC3CAF-E6F1-40E3-87D4-6B781C97D6B4}">
   <ds:schemaRefs>
+    <ds:schemaRef ds:uri="6c8368ec-3776-49b5-a5bb-90648cf9530f"/>
+    <ds:schemaRef ds:uri="8a053bff-88be-49e4-9a87-e748e18b8b62"/>
+    <ds:schemaRef ds:uri="http://purl.org/dc/dcmitype/"/>
+    <ds:schemaRef ds:uri="http://purl.org/dc/elements/1.1/"/>
+    <ds:schemaRef ds:uri="http://purl.org/dc/terms/"/>
+    <ds:schemaRef ds:uri="http://schemas.microsoft.com/office/2006/documentManagement/types"/>
     <ds:schemaRef ds:uri="http://schemas.microsoft.com/office/2006/metadata/properties"/>
     <ds:schemaRef ds:uri="http://schemas.microsoft.com/office/infopath/2007/PartnerControls"/>
+    <ds:schemaRef ds:uri="http://schemas.openxmlformats.org/package/2006/metadata/core-properties"/>
+    <ds:schemaRef ds:uri="http://www.w3.org/XML/1998/namespace"/>
   </ds:schemaRefs>
 </ds:datastoreItem>
 </file>
 
 <file path=customXml/itemProps2.xml><?xml version="1.0" encoding="utf-8"?>
+<ds:datastoreItem xmlns:ds="http://schemas.openxmlformats.org/officeDocument/2006/customXml" ds:itemID="{95AE3B0B-E909-400C-B0B3-909FB50E07DE}">
+  <ds:schemaRefs>
+    <ds:schemaRef ds:uri="http://schemas.microsoft.com/sharepoint/v3/contenttype/forms"/>
+  </ds:schemaRefs>
+</ds:datastoreItem>
+</file>
+
+<file path=customXml/itemProps3.xml><?xml version="1.0" encoding="utf-8"?>
 <ds:datastoreItem xmlns:ds="http://schemas.openxmlformats.org/officeDocument/2006/customXml" ds:itemID="{E0DB8BDF-6DA8-4ABC-A3CA-043AFD674CFC}">
   <ds:schemaRefs>
     <ds:schemaRef ds:uri="6c8368ec-3776-49b5-a5bb-90648cf9530f"/>
@@ -12220,12 +12378,4 @@
     <ds:schemaRef ds:uri="http://www.w3.org/2001/XMLSchema"/>
   </ds:schemaRefs>
 </ds:datastoreItem>
-</file>
-
-<file path=customXml/itemProps3.xml><?xml version="1.0" encoding="utf-8"?>
-<ds:datastoreItem xmlns:ds="http://schemas.openxmlformats.org/officeDocument/2006/customXml" ds:itemID="{95AE3B0B-E909-400C-B0B3-909FB50E07DE}">
-  <ds:schemaRefs>
-    <ds:schemaRef ds:uri="http://schemas.microsoft.com/sharepoint/v3/contenttype/forms"/>
-  </ds:schemaRefs>
-</ds:datastoreItem>
 </file>
--- a/help/data-sheets/assets/BusinessSupportDatasheet.pptx
+++ b/help/data-sheets/assets/BusinessSupportDatasheet.pptx
@@ -499,7 +499,7 @@
           <a:p>
             <a:fld id="{FB81873C-0B24-F04A-98A1-90E0A78F7E8A}" type="datetimeFigureOut">
               <a:rPr lang="en-US" smtClean="0"/>
-              <a:t>11/19/2021</a:t>
+              <a:t>12/7/21</a:t>
             </a:fld>
             <a:endParaRPr lang="en-US"/>
           </a:p>
@@ -1122,7 +1122,7 @@
           <a:p>
             <a:fld id="{1D8BD707-D9CF-40AE-B4C6-C98DA3205C09}" type="datetimeFigureOut">
               <a:rPr lang="en-US"/>
-              <a:t>11/19/2021</a:t>
+              <a:t>12/7/21</a:t>
             </a:fld>
             <a:endParaRPr lang="en-US"/>
           </a:p>
@@ -1314,7 +1314,7 @@
           <a:p>
             <a:fld id="{1D8BD707-D9CF-40AE-B4C6-C98DA3205C09}" type="datetimeFigureOut">
               <a:rPr lang="en-US"/>
-              <a:t>11/19/2021</a:t>
+              <a:t>12/7/21</a:t>
             </a:fld>
             <a:endParaRPr lang="en-US"/>
           </a:p>
@@ -1632,7 +1632,7 @@
           <a:p>
             <a:fld id="{1D8BD707-D9CF-40AE-B4C6-C98DA3205C09}" type="datetimeFigureOut">
               <a:rPr lang="en-US"/>
-              <a:t>11/19/2021</a:t>
+              <a:t>12/7/21</a:t>
             </a:fld>
             <a:endParaRPr lang="en-US"/>
           </a:p>
@@ -1886,8 +1886,8 @@
         </p:nvSpPr>
         <p:spPr>
           <a:xfrm>
-            <a:off x="168564" y="7162363"/>
-            <a:ext cx="4498685" cy="227626"/>
+            <a:off x="168565" y="7162363"/>
+            <a:ext cx="2800350" cy="238760"/>
           </a:xfrm>
           <a:prstGeom prst="rect">
             <a:avLst/>
@@ -1908,7 +1908,7 @@
               </a:spcBef>
             </a:pPr>
             <a:r>
-              <a:rPr lang="ja-JP" sz="1400" b="1" u="heavy" dirty="0">
+              <a:rPr sz="1400" b="1" u="heavy" spc="10">
                 <a:solidFill>
                   <a:srgbClr val="020302"/>
                 </a:solidFill>
@@ -1917,12 +1917,90 @@
                     <a:srgbClr val="020302"/>
                   </a:solidFill>
                 </a:uFill>
-                <a:latin typeface="Adobe Clean Han Regular" panose="020B0500000000000000" pitchFamily="34" charset="-128"/>
-                <a:ea typeface="Adobe Clean Han Regular" panose="020B0500000000000000" pitchFamily="34" charset="-128"/>
+                <a:latin typeface="Adobe Clean"/>
                 <a:cs typeface="Adobe Clean"/>
               </a:rPr>
-              <a:t>サービスレベルターゲット：初期対応</a:t>
-            </a:r>
+              <a:t>Service </a:t>
+            </a:r>
+            <a:r>
+              <a:rPr sz="1400" b="1" u="heavy" spc="-10">
+                <a:solidFill>
+                  <a:srgbClr val="020302"/>
+                </a:solidFill>
+                <a:uFill>
+                  <a:solidFill>
+                    <a:srgbClr val="020302"/>
+                  </a:solidFill>
+                </a:uFill>
+                <a:latin typeface="Adobe Clean"/>
+                <a:cs typeface="Adobe Clean"/>
+              </a:rPr>
+              <a:t>Level </a:t>
+            </a:r>
+            <a:r>
+              <a:rPr sz="1400" b="1" u="heavy" spc="-45">
+                <a:solidFill>
+                  <a:srgbClr val="020302"/>
+                </a:solidFill>
+                <a:uFill>
+                  <a:solidFill>
+                    <a:srgbClr val="020302"/>
+                  </a:solidFill>
+                </a:uFill>
+                <a:latin typeface="Adobe Clean"/>
+                <a:cs typeface="Adobe Clean"/>
+              </a:rPr>
+              <a:t>Targets: </a:t>
+            </a:r>
+            <a:r>
+              <a:rPr sz="1400" b="1" u="heavy" spc="-10">
+                <a:solidFill>
+                  <a:srgbClr val="020302"/>
+                </a:solidFill>
+                <a:uFill>
+                  <a:solidFill>
+                    <a:srgbClr val="020302"/>
+                  </a:solidFill>
+                </a:uFill>
+                <a:latin typeface="Adobe Clean"/>
+                <a:cs typeface="Adobe Clean"/>
+              </a:rPr>
+              <a:t>Initial</a:t>
+            </a:r>
+            <a:r>
+              <a:rPr sz="1400" b="1" u="heavy" spc="-140">
+                <a:solidFill>
+                  <a:srgbClr val="020302"/>
+                </a:solidFill>
+                <a:uFill>
+                  <a:solidFill>
+                    <a:srgbClr val="020302"/>
+                  </a:solidFill>
+                </a:uFill>
+                <a:latin typeface="Adobe Clean"/>
+                <a:cs typeface="Adobe Clean"/>
+              </a:rPr>
+              <a:t> </a:t>
+            </a:r>
+            <a:r>
+              <a:rPr sz="1400" b="1" u="heavy" spc="-15">
+                <a:solidFill>
+                  <a:srgbClr val="020302"/>
+                </a:solidFill>
+                <a:uFill>
+                  <a:solidFill>
+                    <a:srgbClr val="020302"/>
+                  </a:solidFill>
+                </a:uFill>
+                <a:latin typeface="Adobe Clean"/>
+                <a:cs typeface="Adobe Clean"/>
+              </a:rPr>
+              <a:t>Response</a:t>
+            </a:r>
+            <a:endParaRPr sz="1400">
+              <a:latin typeface="Adobe Clean"/>
+              <a:cs typeface="Adobe Clean"/>
+            </a:endParaRPr>
           </a:p>
         </p:txBody>
       </p:sp>
@@ -1989,12 +2067,20 @@
               </a:spcBef>
             </a:pPr>
             <a:r>
-              <a:rPr lang="ja-JP" sz="2300" dirty="0">
-                <a:latin typeface="Adobe Clean Han Bold" panose="020B0600000000000000" pitchFamily="34" charset="-128"/>
-                <a:ea typeface="Adobe Clean Han Bold" panose="020B0600000000000000" pitchFamily="34" charset="-128"/>
-              </a:rPr>
-              <a:t>アドビサポートのプラン</a:t>
-            </a:r>
+              <a:rPr sz="2300">
+                <a:latin typeface="Adobe Clean"/>
+              </a:rPr>
+              <a:t>ADOBE </a:t>
+            </a:r>
+            <a:r>
+              <a:rPr lang="en-US" sz="2300">
+                <a:latin typeface="Adobe Clean"/>
+              </a:rPr>
+              <a:t>SUPPORT PLANS</a:t>
+            </a:r>
+            <a:endParaRPr sz="2300">
+              <a:latin typeface="Adobe Clean" panose="020B0503020404020204" pitchFamily="34" charset="0"/>
+            </a:endParaRPr>
           </a:p>
         </p:txBody>
       </p:sp>
@@ -2007,7 +2093,7 @@
         <p:spPr>
           <a:xfrm>
             <a:off x="121147" y="531160"/>
-            <a:ext cx="5933578" cy="1425647"/>
+            <a:ext cx="5865216" cy="1269065"/>
           </a:xfrm>
           <a:prstGeom prst="rect">
             <a:avLst/>
@@ -2028,34 +2114,31 @@
               </a:spcBef>
             </a:pPr>
             <a:r>
-              <a:rPr lang="ja-JP" sz="900" dirty="0">
+              <a:rPr lang="en-US" sz="900">
                 <a:solidFill>
                   <a:schemeClr val="bg1"/>
                 </a:solidFill>
-                <a:latin typeface="Adobe Clean Han Light" panose="020B0300000000000000" pitchFamily="34" charset="-128"/>
-                <a:ea typeface="Adobe Clean Han Light" panose="020B0300000000000000" pitchFamily="34" charset="-128"/>
-              </a:rPr>
-              <a:t>オンライン | </a:t>
-            </a:r>
-            <a:r>
-              <a:rPr lang="ja-JP" sz="900" b="1" dirty="0">
+                <a:latin typeface="Adobe Clean Light" panose="020B0303020404020204" pitchFamily="34" charset="0"/>
+              </a:rPr>
+              <a:t>Online | </a:t>
+            </a:r>
+            <a:r>
+              <a:rPr lang="en-US" sz="900" b="1">
                 <a:solidFill>
                   <a:schemeClr val="bg1"/>
                 </a:solidFill>
-                <a:latin typeface="Adobe Clean Han Regular" panose="020B0500000000000000" pitchFamily="34" charset="-128"/>
-                <a:ea typeface="Adobe Clean Han Regular" panose="020B0500000000000000" pitchFamily="34" charset="-128"/>
-              </a:rPr>
-              <a:t>ビジネス</a:t>
-            </a:r>
-            <a:r>
-              <a:rPr lang="ja-JP" sz="900" dirty="0">
+                <a:latin typeface="Adobe Clean" panose="020B0503020404020204" pitchFamily="34" charset="0"/>
+              </a:rPr>
+              <a:t>Business</a:t>
+            </a:r>
+            <a:r>
+              <a:rPr lang="en-US" sz="900">
                 <a:solidFill>
                   <a:schemeClr val="bg1"/>
                 </a:solidFill>
-                <a:latin typeface="Adobe Clean Han Light" panose="020B0300000000000000" pitchFamily="34" charset="-128"/>
-                <a:ea typeface="Adobe Clean Han Light" panose="020B0300000000000000" pitchFamily="34" charset="-128"/>
-              </a:rPr>
-              <a:t> | エンタープライズ | エリート</a:t>
+                <a:latin typeface="Adobe Clean Light" panose="020B0303020404020204" pitchFamily="34" charset="0"/>
+              </a:rPr>
+              <a:t> | Enterprise | Elite</a:t>
             </a:r>
           </a:p>
           <a:p>
@@ -2068,15 +2151,21 @@
               </a:spcBef>
             </a:pPr>
             <a:r>
-              <a:rPr lang="ja-JP" sz="900" dirty="0">
+              <a:rPr lang="en-US" sz="900">
                 <a:solidFill>
                   <a:schemeClr val="bg1"/>
                 </a:solidFill>
-                <a:latin typeface="Adobe Clean Han Light" panose="020B0300000000000000" pitchFamily="34" charset="-128"/>
-                <a:ea typeface="Adobe Clean Han Light" panose="020B0300000000000000" pitchFamily="34" charset="-128"/>
-              </a:rPr>
-              <a:t>アドビでは、お客様のビジネスをサポートするために、包括的なテクニカルリソースを提供しています。これらのリソースは Experience Cloud のライセンスサブスクリプションに含まれており、ビジネスサポートではさらに充実したリソースを利用可能です。ビジネスサポートでは、Adobe Experience League のパーソナライズされたラーニングパスやモニタリングされているコミュニティフォーラムへのアクセスが提供されます。アドビ製品に関する詳細なテクニカルドキュメントや最新のリリースノートは、いつでも参照可能です。また、ビジネスサポートのお客様は、製品に関するあらゆる質問を、必要なときに電話またはサポート web ポータルを使用して、テクニカルサポートチームに問い合わせることができます。さらに、アカウントサポートリードからの定期的な連絡や更新通知のほか、最も重要なサポートリクエストに対するケースエスカレーション管理のサポートも受けることができます。 </a:t>
-            </a:r>
+                <a:latin typeface="Adobe Clean SemiLight" panose="020B0403020404020204" pitchFamily="34" charset="0"/>
+              </a:rPr>
+              <a:t>Adobe provides a comprehensive range of technical resources to help support your business, included as part of your Experience Cloud license subscription and enhanced in the BUSINESS support package. BUSINESS support includes access to personalized learning paths and monitored community forums via the Adobe Experience League. You can also take advantage of our detailed and in-depth technical product documentation and current release notes. BUSINESS customers also benefit from access to our technical support teams for any product query via either the telephone or the support web portal, to help protect your business at the most critical times. BUSINESS customers will receive regular communications and updates from their Account Support Lead in addition to support case escalation management for your most critical of support requests. </a:t>
+            </a:r>
+            <a:endParaRPr lang="en-US" sz="900">
+              <a:solidFill>
+                <a:schemeClr val="bg1"/>
+              </a:solidFill>
+              <a:latin typeface="Adobe Clean Light" panose="020B0303020404020204" pitchFamily="34" charset="0"/>
+              <a:cs typeface="AdobeClean-Light"/>
+            </a:endParaRPr>
           </a:p>
         </p:txBody>
       </p:sp>
@@ -2143,8 +2232,24 @@
               </a:spcBef>
             </a:pPr>
             <a:r>
-              <a:rPr lang="ja-JP"/>
-              <a:t>©2021 Adobe.All Rights Reserved.Adobe Confidential.</a:t>
+              <a:rPr spc="-5"/>
+              <a:t>©202</a:t>
+            </a:r>
+            <a:r>
+              <a:rPr lang="en-US" spc="-5"/>
+              <a:t>1</a:t>
+            </a:r>
+            <a:r>
+              <a:rPr spc="-5"/>
+              <a:t> Adobe. All Rights Reserved. Adobe</a:t>
+            </a:r>
+            <a:r>
+              <a:rPr spc="60"/>
+              <a:t> </a:t>
+            </a:r>
+            <a:r>
+              <a:rPr spc="-5"/>
+              <a:t>Confidential.</a:t>
             </a:r>
           </a:p>
         </p:txBody>
@@ -2158,7 +2263,7 @@
           <p:nvPr>
             <p:extLst>
               <p:ext uri="{D42A27DB-BD31-4B8C-83A1-F6EECF244321}">
-                <p14:modId xmlns:p14="http://schemas.microsoft.com/office/powerpoint/2010/main" val="2664177047"/>
+                <p14:modId xmlns:p14="http://schemas.microsoft.com/office/powerpoint/2010/main" val="852543156"/>
               </p:ext>
             </p:extLst>
           </p:nvPr>
@@ -2174,21 +2279,21 @@
                 <a:tableStyleId>{2D5ABB26-0587-4C30-8999-92F81FD0307C}</a:tableStyleId>
               </a:tblPr>
               <a:tblGrid>
-                <a:gridCol w="5024628">
+                <a:gridCol w="4698744">
                   <a:extLst>
                     <a:ext uri="{9D8B030D-6E8A-4147-A177-3AD203B41FA5}">
                       <a16:colId xmlns:a16="http://schemas.microsoft.com/office/drawing/2014/main" val="20000"/>
                     </a:ext>
                   </a:extLst>
                 </a:gridCol>
-                <a:gridCol w="1228725">
+                <a:gridCol w="1400053">
                   <a:extLst>
                     <a:ext uri="{9D8B030D-6E8A-4147-A177-3AD203B41FA5}">
                       <a16:colId xmlns:a16="http://schemas.microsoft.com/office/drawing/2014/main" val="20001"/>
                     </a:ext>
                   </a:extLst>
                 </a:gridCol>
-                <a:gridCol w="1245498">
+                <a:gridCol w="1400054">
                   <a:extLst>
                     <a:ext uri="{9D8B030D-6E8A-4147-A177-3AD203B41FA5}">
                       <a16:colId xmlns:a16="http://schemas.microsoft.com/office/drawing/2014/main" val="20002"/>
@@ -2211,16 +2316,19 @@
                         </a:spcBef>
                       </a:pPr>
                       <a:r>
-                        <a:rPr lang="ja-JP" sz="900" dirty="0">
+                        <a:rPr sz="900" spc="0">
                           <a:solidFill>
                             <a:srgbClr val="020302"/>
                           </a:solidFill>
-                          <a:latin typeface="Adobe Clean Han Regular" panose="020B0500000000000000" pitchFamily="34" charset="-128"/>
-                          <a:ea typeface="Adobe Clean Han Regular" panose="020B0500000000000000" pitchFamily="34" charset="-128"/>
+                          <a:latin typeface="Adobe Clean"/>
                           <a:cs typeface="Adobe Clean"/>
                         </a:rPr>
-                        <a:t>優先度</a:t>
+                        <a:t>Priority</a:t>
                       </a:r>
+                      <a:endParaRPr sz="900" spc="0">
+                        <a:latin typeface="Adobe Clean"/>
+                        <a:cs typeface="Adobe Clean"/>
+                      </a:endParaRPr>
                     </a:p>
                   </a:txBody>
                   <a:tcPr marL="0" marR="0" marT="7620" marB="0">
@@ -2258,37 +2366,31 @@
                     <a:bodyPr/>
                     <a:lstStyle/>
                     <a:p>
-                      <a:pPr marL="2540" marR="0" lvl="0" indent="0" algn="ctr" defTabSz="914400" eaLnBrk="1" fontAlgn="auto" latinLnBrk="0" hangingPunct="1">
+                      <a:pPr marL="135255" algn="ctr">
                         <a:lnSpc>
                           <a:spcPct val="100000"/>
                         </a:lnSpc>
                         <a:spcBef>
                           <a:spcPts val="60"/>
                         </a:spcBef>
-                        <a:spcAft>
-                          <a:spcPts val="0"/>
-                        </a:spcAft>
-                        <a:buClrTx/>
-                        <a:buSzTx/>
-                        <a:buFontTx/>
-                        <a:buNone/>
-                        <a:tabLst/>
-                        <a:defRPr/>
                       </a:pPr>
                       <a:r>
-                        <a:rPr lang="ja-JP" altLang="en-US" sz="900" dirty="0">
+                        <a:rPr sz="900" spc="0">
                           <a:solidFill>
-                            <a:srgbClr val="404040"/>
+                            <a:srgbClr val="020302"/>
                           </a:solidFill>
-                          <a:latin typeface="Adobe Clean Han Regular" panose="020B0500000000000000" pitchFamily="34" charset="-128"/>
-                          <a:ea typeface="Adobe Clean Han Regular" panose="020B0500000000000000" pitchFamily="34" charset="-128"/>
+                          <a:latin typeface="Adobe Clean"/>
                           <a:cs typeface="Adobe Clean"/>
                         </a:rPr>
-                        <a:t>オンラインサポート</a:t>
+                        <a:t>Online Support</a:t>
                       </a:r>
+                      <a:endParaRPr sz="900" spc="0">
+                        <a:latin typeface="Adobe Clean"/>
+                        <a:cs typeface="Adobe Clean"/>
+                      </a:endParaRPr>
                     </a:p>
                   </a:txBody>
-                  <a:tcPr marL="0" marR="0" marT="0" marB="0" anchor="ctr">
+                  <a:tcPr marL="182880" marT="91440" anchor="ctr">
                     <a:lnL w="3175">
                       <a:solidFill>
                         <a:srgbClr val="B7B8B8"/>
@@ -2323,7 +2425,7 @@
                     <a:bodyPr/>
                     <a:lstStyle/>
                     <a:p>
-                      <a:pPr marL="92710" algn="ctr">
+                      <a:pPr marL="92710">
                         <a:lnSpc>
                           <a:spcPct val="100000"/>
                         </a:lnSpc>
@@ -2332,19 +2434,42 @@
                         </a:spcBef>
                       </a:pPr>
                       <a:r>
-                        <a:rPr lang="ja-JP" sz="900" dirty="0">
+                        <a:rPr sz="900" spc="0">
                           <a:solidFill>
                             <a:srgbClr val="FFFFFF"/>
                           </a:solidFill>
-                          <a:latin typeface="Adobe Clean Han Regular" panose="020B0500000000000000" pitchFamily="34" charset="-128"/>
-                          <a:ea typeface="Adobe Clean Han Regular" panose="020B0500000000000000" pitchFamily="34" charset="-128"/>
+                          <a:latin typeface="Adobe Clean"/>
                           <a:cs typeface="Adobe Clean"/>
                         </a:rPr>
-                        <a:t>ビジネスサポート</a:t>
+                        <a:t>Business</a:t>
                       </a:r>
+                      <a:r>
+                        <a:rPr lang="en-US" sz="900" spc="0">
+                          <a:solidFill>
+                            <a:srgbClr val="FFFFFF"/>
+                          </a:solidFill>
+                          <a:latin typeface="Adobe Clean"/>
+                          <a:cs typeface="Adobe Clean"/>
+                        </a:rPr>
+                        <a:t> </a:t>
+                      </a:r>
+                      <a:r>
+                        <a:rPr sz="900" spc="0">
+                          <a:solidFill>
+                            <a:srgbClr val="FFFFFF"/>
+                          </a:solidFill>
+                          <a:latin typeface="Adobe Clean"/>
+                          <a:cs typeface="Adobe Clean"/>
+                        </a:rPr>
+                        <a:t>Support</a:t>
+                      </a:r>
+                      <a:endParaRPr sz="900" spc="0">
+                        <a:latin typeface="Adobe Clean"/>
+                        <a:cs typeface="Adobe Clean"/>
+                      </a:endParaRPr>
                     </a:p>
                   </a:txBody>
-                  <a:tcPr marL="0" marR="0" marT="0" marB="0" anchor="ctr">
+                  <a:tcPr marL="182880" marT="91440" anchor="ctr">
                     <a:lnL w="3175">
                       <a:solidFill>
                         <a:srgbClr val="B7B8B8"/>
@@ -2395,16 +2520,19 @@
                         </a:spcBef>
                       </a:pPr>
                       <a:r>
-                        <a:rPr lang="ja-JP" sz="900" b="1" dirty="0">
+                        <a:rPr sz="900" b="1" spc="0">
                           <a:solidFill>
                             <a:srgbClr val="020302"/>
                           </a:solidFill>
-                          <a:latin typeface="Adobe Clean Han Regular" panose="020B0500000000000000" pitchFamily="34" charset="-128"/>
-                          <a:ea typeface="Adobe Clean Han Regular" panose="020B0500000000000000" pitchFamily="34" charset="-128"/>
+                          <a:latin typeface="Adobe Clean"/>
                           <a:cs typeface="Adobe Clean"/>
                         </a:rPr>
-                        <a:t>優先度 1</a:t>
+                        <a:t>PRIORITY 1</a:t>
                       </a:r>
+                      <a:endParaRPr sz="900" spc="0">
+                        <a:latin typeface="Adobe Clean"/>
+                        <a:cs typeface="Adobe Clean"/>
+                      </a:endParaRPr>
                     </a:p>
                     <a:p>
                       <a:pPr marL="50800" marR="387985" lvl="0" indent="0" algn="l" defTabSz="914400" rtl="0" eaLnBrk="1" fontAlgn="auto" latinLnBrk="0" hangingPunct="1">
@@ -2425,18 +2553,22 @@
                         <a:defRPr/>
                       </a:pPr>
                       <a:r>
-                        <a:rPr lang="ja-JP" sz="900" b="0" i="0" dirty="0">
+                        <a:rPr lang="en-US" sz="900" b="0" i="0" spc="0">
                           <a:solidFill>
                             <a:srgbClr val="000000"/>
                           </a:solidFill>
-                          <a:latin typeface="Adobe Clean Han Light" panose="020B0300000000000000" pitchFamily="34" charset="-128"/>
-                          <a:ea typeface="Adobe Clean Han Light" panose="020B0300000000000000" pitchFamily="34" charset="-128"/>
+                          <a:effectLst/>
+                          <a:latin typeface="Adobe Clean Light" panose="020B0303020404020204" pitchFamily="34" charset="0"/>
                         </a:rPr>
-                        <a:t>お客様の本番業務機能がダウンしている、または著しいデータ損失やサービス低下があり、機能およびユーザビリティを復元するための早急な処置が必要。</a:t>
+                        <a:t>Customer's production business functions are down or have significant data loss or service degradation and immediate attention is required to restore functionality and usability</a:t>
                       </a:r>
+                      <a:endParaRPr lang="en-US" sz="900" b="0" i="0" spc="0">
+                        <a:latin typeface="Adobe Clean Light" panose="020B0303020404020204" pitchFamily="34" charset="0"/>
+                        <a:cs typeface="AdobeClean-Light"/>
+                      </a:endParaRPr>
                     </a:p>
                   </a:txBody>
-                  <a:tcPr marL="0" marR="0" marT="0" marB="0">
+                  <a:tcPr marL="0" marR="0" marT="3810" marB="0">
                     <a:lnL w="3175">
                       <a:solidFill>
                         <a:srgbClr val="B7B8B8"/>
@@ -2468,59 +2600,71 @@
                     <a:bodyPr/>
                     <a:lstStyle/>
                     <a:p>
-                      <a:pPr algn="ctr" fontAlgn="t"/>
+                      <a:pPr marL="374015" marR="325120" indent="-3810" algn="ctr">
+                        <a:lnSpc>
+                          <a:spcPct val="100000"/>
+                        </a:lnSpc>
+                        <a:spcBef>
+                          <a:spcPts val="670"/>
+                        </a:spcBef>
+                      </a:pPr>
                       <a:r>
-                        <a:rPr lang="en-US" altLang="ja-JP" sz="800" b="0" i="0" u="none" strike="noStrike" dirty="0">
+                        <a:rPr sz="900" spc="0">
                           <a:solidFill>
                             <a:srgbClr val="020302"/>
                           </a:solidFill>
-                          <a:latin typeface="Adobe Clean Han Light" panose="020B0300000000000000" pitchFamily="34" charset="-128"/>
-                          <a:ea typeface="Adobe Clean Han Light" panose="020B0300000000000000" pitchFamily="34" charset="-128"/>
+                          <a:latin typeface="AdobeClean-Light"/>
+                          <a:cs typeface="AdobeClean-Light"/>
                         </a:rPr>
-                        <a:t>24 </a:t>
+                        <a:t>24x7</a:t>
                       </a:r>
                       <a:r>
-                        <a:rPr lang="ja-JP" altLang="en-US" sz="800" b="0" i="0" u="none" strike="noStrike" dirty="0">
+                        <a:rPr lang="en-US" sz="900" spc="0">
                           <a:solidFill>
                             <a:srgbClr val="020302"/>
                           </a:solidFill>
-                          <a:latin typeface="Adobe Clean Han Light" panose="020B0300000000000000" pitchFamily="34" charset="-128"/>
-                          <a:ea typeface="Adobe Clean Han Light" panose="020B0300000000000000" pitchFamily="34" charset="-128"/>
+                          <a:latin typeface="AdobeClean-Light"/>
+                          <a:cs typeface="AdobeClean-Light"/>
                         </a:rPr>
-                        <a:t>時間年中無休／</a:t>
+                        <a:t> </a:t>
                       </a:r>
-                      <a:br>
-                        <a:rPr lang="en-US" altLang="ja-JP" sz="800" b="0" i="0" u="none" strike="noStrike" dirty="0">
+                      <a:r>
+                        <a:rPr sz="900" spc="0">
                           <a:solidFill>
                             <a:srgbClr val="020302"/>
                           </a:solidFill>
-                          <a:latin typeface="Adobe Clean Han Light" panose="020B0300000000000000" pitchFamily="34" charset="-128"/>
-                          <a:ea typeface="Adobe Clean Han Light" panose="020B0300000000000000" pitchFamily="34" charset="-128"/>
+                          <a:latin typeface="AdobeClean-Light"/>
+                          <a:cs typeface="AdobeClean-Light"/>
                         </a:rPr>
-                      </a:br>
+                        <a:t>/</a:t>
+                      </a:r>
                       <a:r>
-                        <a:rPr lang="en-US" altLang="ja-JP" sz="800" b="0" i="0" u="none" strike="noStrike" dirty="0">
+                        <a:rPr lang="en-US" sz="900" spc="0">
                           <a:solidFill>
                             <a:srgbClr val="020302"/>
                           </a:solidFill>
-                          <a:latin typeface="Adobe Clean Han Light" panose="020B0300000000000000" pitchFamily="34" charset="-128"/>
-                          <a:ea typeface="Adobe Clean Han Light" panose="020B0300000000000000" pitchFamily="34" charset="-128"/>
+                          <a:latin typeface="AdobeClean-Light"/>
+                          <a:cs typeface="AdobeClean-Light"/>
                         </a:rPr>
-                        <a:t>1 </a:t>
+                        <a:t> </a:t>
                       </a:r>
                       <a:r>
-                        <a:rPr lang="ja-JP" altLang="en-US" sz="800" b="0" i="0" u="none" strike="noStrike" dirty="0">
+                        <a:rPr sz="900" spc="0">
                           <a:solidFill>
                             <a:srgbClr val="020302"/>
                           </a:solidFill>
-                          <a:latin typeface="Adobe Clean Han Light" panose="020B0300000000000000" pitchFamily="34" charset="-128"/>
-                          <a:ea typeface="Adobe Clean Han Light" panose="020B0300000000000000" pitchFamily="34" charset="-128"/>
+                          <a:latin typeface="AdobeClean-Light"/>
+                          <a:cs typeface="AdobeClean-Light"/>
                         </a:rPr>
-                        <a:t>時間</a:t>
+                        <a:t>1 hour</a:t>
                       </a:r>
+                      <a:endParaRPr sz="900" spc="0">
+                        <a:latin typeface="AdobeClean-Light"/>
+                        <a:cs typeface="AdobeClean-Light"/>
+                      </a:endParaRPr>
                     </a:p>
                   </a:txBody>
-                  <a:tcPr marL="0" marR="0" marT="0" marB="0" anchor="ctr" anchorCtr="1">
+                  <a:tcPr marL="0" marR="0" marT="91440" marB="91440" anchor="ctr" anchorCtr="1">
                     <a:lnL w="3175">
                       <a:solidFill>
                         <a:srgbClr val="B7B8B8"/>
@@ -2552,56 +2696,68 @@
                     <a:bodyPr/>
                     <a:lstStyle/>
                     <a:p>
-                      <a:pPr algn="ctr" fontAlgn="t"/>
+                      <a:pPr marL="373380" marR="325755" indent="-3810" algn="ctr">
+                        <a:lnSpc>
+                          <a:spcPct val="100000"/>
+                        </a:lnSpc>
+                        <a:spcBef>
+                          <a:spcPts val="670"/>
+                        </a:spcBef>
+                      </a:pPr>
                       <a:r>
-                        <a:rPr lang="en-US" altLang="ja-JP" sz="900" b="0" i="0" u="none" strike="noStrike" dirty="0">
+                        <a:rPr sz="900" spc="0">
                           <a:solidFill>
                             <a:srgbClr val="020302"/>
                           </a:solidFill>
-                          <a:latin typeface="Adobe Clean Han Light" panose="020B0300000000000000" pitchFamily="34" charset="-128"/>
-                          <a:ea typeface="Adobe Clean Han Light" panose="020B0300000000000000" pitchFamily="34" charset="-128"/>
+                          <a:latin typeface="AdobeClean-Light"/>
+                          <a:cs typeface="AdobeClean-Light"/>
                         </a:rPr>
-                        <a:t>24 </a:t>
+                        <a:t>24x7</a:t>
                       </a:r>
                       <a:r>
-                        <a:rPr lang="ja-JP" altLang="en-US" sz="900" b="0" i="0" u="none" strike="noStrike" dirty="0">
+                        <a:rPr lang="en-US" sz="900" spc="0">
                           <a:solidFill>
                             <a:srgbClr val="020302"/>
                           </a:solidFill>
-                          <a:latin typeface="Adobe Clean Han Light" panose="020B0300000000000000" pitchFamily="34" charset="-128"/>
-                          <a:ea typeface="Adobe Clean Han Light" panose="020B0300000000000000" pitchFamily="34" charset="-128"/>
+                          <a:latin typeface="AdobeClean-Light"/>
+                          <a:cs typeface="AdobeClean-Light"/>
                         </a:rPr>
-                        <a:t>時間年中無休／</a:t>
+                        <a:t> </a:t>
                       </a:r>
-                      <a:br>
-                        <a:rPr lang="en-US" altLang="ja-JP" sz="900" b="0" i="0" u="none" strike="noStrike" dirty="0">
+                      <a:r>
+                        <a:rPr sz="900" spc="0">
                           <a:solidFill>
                             <a:srgbClr val="020302"/>
                           </a:solidFill>
-                          <a:latin typeface="Adobe Clean Han Light" panose="020B0300000000000000" pitchFamily="34" charset="-128"/>
-                          <a:ea typeface="Adobe Clean Han Light" panose="020B0300000000000000" pitchFamily="34" charset="-128"/>
+                          <a:latin typeface="AdobeClean-Light"/>
+                          <a:cs typeface="AdobeClean-Light"/>
                         </a:rPr>
-                      </a:br>
+                        <a:t>/</a:t>
+                      </a:r>
                       <a:r>
-                        <a:rPr lang="en-US" altLang="ja-JP" sz="900" b="0" i="0" u="none" strike="noStrike" dirty="0">
+                        <a:rPr lang="en-US" sz="900" spc="0">
                           <a:solidFill>
                             <a:srgbClr val="020302"/>
                           </a:solidFill>
-                          <a:latin typeface="Adobe Clean Han Light" panose="020B0300000000000000" pitchFamily="34" charset="-128"/>
-                          <a:ea typeface="Adobe Clean Han Light" panose="020B0300000000000000" pitchFamily="34" charset="-128"/>
+                          <a:latin typeface="AdobeClean-Light"/>
+                          <a:cs typeface="AdobeClean-Light"/>
                         </a:rPr>
-                        <a:t>1 </a:t>
+                        <a:t> </a:t>
                       </a:r>
                       <a:r>
-                        <a:rPr lang="ja-JP" altLang="en-US" sz="900" b="0" i="0" u="none" strike="noStrike" dirty="0">
+                        <a:rPr sz="900" spc="0">
                           <a:solidFill>
                             <a:srgbClr val="020302"/>
                           </a:solidFill>
-                          <a:latin typeface="Adobe Clean Han Light" panose="020B0300000000000000" pitchFamily="34" charset="-128"/>
-                          <a:ea typeface="Adobe Clean Han Light" panose="020B0300000000000000" pitchFamily="34" charset="-128"/>
+                          <a:latin typeface="AdobeClean-Light"/>
+                          <a:cs typeface="AdobeClean-Light"/>
                         </a:rPr>
-                        <a:t>時間</a:t>
+                        <a:t>1 hour</a:t>
                       </a:r>
+                      <a:endParaRPr sz="900" spc="0">
+                        <a:latin typeface="AdobeClean-Light"/>
+                        <a:cs typeface="AdobeClean-Light"/>
+                      </a:endParaRPr>
                     </a:p>
                   </a:txBody>
                   <a:tcPr marL="0" marR="0" marT="91440" marB="91440" anchor="ctr" anchorCtr="1">
@@ -2657,16 +2813,19 @@
                         </a:spcBef>
                       </a:pPr>
                       <a:r>
-                        <a:rPr lang="ja-JP" sz="900" b="1" dirty="0">
+                        <a:rPr sz="900" b="1" spc="0">
                           <a:solidFill>
                             <a:srgbClr val="020302"/>
                           </a:solidFill>
-                          <a:latin typeface="Adobe Clean Han Regular" panose="020B0500000000000000" pitchFamily="34" charset="-128"/>
-                          <a:ea typeface="Adobe Clean Han Regular" panose="020B0500000000000000" pitchFamily="34" charset="-128"/>
+                          <a:latin typeface="Adobe Clean"/>
                           <a:cs typeface="Adobe Clean"/>
                         </a:rPr>
-                        <a:t>優先度 2</a:t>
+                        <a:t>PRIORITY 2</a:t>
                       </a:r>
+                      <a:endParaRPr sz="900" spc="0">
+                        <a:latin typeface="Adobe Clean"/>
+                        <a:cs typeface="Adobe Clean"/>
+                      </a:endParaRPr>
                     </a:p>
                     <a:p>
                       <a:pPr marL="50165" marR="203200">
@@ -2678,15 +2837,19 @@
                         </a:spcBef>
                       </a:pPr>
                       <a:r>
-                        <a:rPr lang="ja-JP" sz="900" b="0" i="0" dirty="0">
+                        <a:rPr lang="en-US" sz="900" b="0" i="0" spc="0">
                           <a:solidFill>
                             <a:srgbClr val="000000"/>
                           </a:solidFill>
-                          <a:latin typeface="Adobe Clean Han Light" panose="020B0300000000000000" pitchFamily="34" charset="-128"/>
-                          <a:ea typeface="Adobe Clean Han Light" panose="020B0300000000000000" pitchFamily="34" charset="-128"/>
+                          <a:effectLst/>
+                          <a:latin typeface="Adobe Clean Light" panose="020B0303020404020204" pitchFamily="34" charset="0"/>
                         </a:rPr>
-                        <a:t>お客様の業務機能に重大なサービス低下や潜在的なデータ損失があるか、主な機能が影響を受けている。 </a:t>
+                        <a:t>Customer's business functions have major service degradation or potential data loss, or a major feature is impacted </a:t>
                       </a:r>
+                      <a:endParaRPr lang="en-US" sz="900" b="0" i="0" spc="0">
+                        <a:latin typeface="Adobe Clean Light" panose="020B0303020404020204" pitchFamily="34" charset="0"/>
+                        <a:cs typeface="AdobeClean-Light"/>
+                      </a:endParaRPr>
                     </a:p>
                   </a:txBody>
                   <a:tcPr marL="0" marR="0" marT="3810" marB="0">
@@ -2721,7 +2884,7 @@
                     <a:bodyPr/>
                     <a:lstStyle/>
                     <a:p>
-                      <a:pPr marL="122238" marR="184785" indent="0" algn="ctr">
+                      <a:pPr marL="316865" marR="184785" indent="-193675" algn="ctr">
                         <a:lnSpc>
                           <a:spcPct val="100000"/>
                         </a:lnSpc>
@@ -2730,48 +2893,79 @@
                         </a:spcBef>
                       </a:pPr>
                       <a:r>
-                        <a:rPr lang="ja-JP" altLang="en-US" sz="900" dirty="0">
+                        <a:rPr sz="900" spc="0">
                           <a:solidFill>
                             <a:srgbClr val="020302"/>
                           </a:solidFill>
-                          <a:latin typeface="Adobe Clean Han Light" panose="020B0300000000000000" pitchFamily="34" charset="-128"/>
-                          <a:ea typeface="Adobe Clean Han Light" panose="020B0300000000000000" pitchFamily="34" charset="-128"/>
+                          <a:latin typeface="AdobeClean-Light"/>
                           <a:cs typeface="AdobeClean-Light"/>
                         </a:rPr>
-                        <a:t>営業時間</a:t>
+                        <a:t>Business</a:t>
                       </a:r>
                       <a:r>
-                        <a:rPr lang="ja-JP" sz="900" dirty="0">
+                        <a:rPr lang="en-US" sz="900" spc="0">
                           <a:solidFill>
                             <a:srgbClr val="020302"/>
                           </a:solidFill>
-                          <a:latin typeface="Adobe Clean Han Light" panose="020B0300000000000000" pitchFamily="34" charset="-128"/>
-                          <a:ea typeface="Adobe Clean Han Light" panose="020B0300000000000000" pitchFamily="34" charset="-128"/>
+                          <a:latin typeface="AdobeClean-Light"/>
                           <a:cs typeface="AdobeClean-Light"/>
                         </a:rPr>
-                        <a:t>／</a:t>
+                        <a:t> </a:t>
                       </a:r>
-                      <a:br>
-                        <a:rPr lang="en-US" altLang="ja-JP" sz="900" dirty="0">
+                      <a:r>
+                        <a:rPr sz="900" spc="0">
                           <a:solidFill>
                             <a:srgbClr val="020302"/>
                           </a:solidFill>
-                          <a:latin typeface="Adobe Clean Han Light" panose="020B0300000000000000" pitchFamily="34" charset="-128"/>
-                          <a:ea typeface="Adobe Clean Han Light" panose="020B0300000000000000" pitchFamily="34" charset="-128"/>
+                          <a:latin typeface="AdobeClean-Light"/>
                           <a:cs typeface="AdobeClean-Light"/>
                         </a:rPr>
-                      </a:br>
+                        <a:t>hours</a:t>
+                      </a:r>
                       <a:r>
-                        <a:rPr lang="ja-JP" sz="900" dirty="0">
+                        <a:rPr lang="en-US" sz="900" spc="0">
                           <a:solidFill>
                             <a:srgbClr val="020302"/>
                           </a:solidFill>
-                          <a:latin typeface="Adobe Clean Han Light" panose="020B0300000000000000" pitchFamily="34" charset="-128"/>
-                          <a:ea typeface="Adobe Clean Han Light" panose="020B0300000000000000" pitchFamily="34" charset="-128"/>
+                          <a:latin typeface="AdobeClean-Light"/>
                           <a:cs typeface="AdobeClean-Light"/>
                         </a:rPr>
-                        <a:t>4 時間</a:t>
+                        <a:t> </a:t>
                       </a:r>
+                      <a:r>
+                        <a:rPr sz="900" spc="0">
+                          <a:solidFill>
+                            <a:srgbClr val="020302"/>
+                          </a:solidFill>
+                          <a:latin typeface="AdobeClean-Light"/>
+                          <a:cs typeface="AdobeClean-Light"/>
+                        </a:rPr>
+                        <a:t>/</a:t>
+                      </a:r>
+                      <a:r>
+                        <a:rPr lang="en-US" sz="900" spc="0">
+                          <a:solidFill>
+                            <a:srgbClr val="020302"/>
+                          </a:solidFill>
+                          <a:latin typeface="AdobeClean-Light"/>
+                          <a:cs typeface="AdobeClean-Light"/>
+                        </a:rPr>
+                        <a:t> </a:t>
+                      </a:r>
+                      <a:r>
+                        <a:rPr sz="900" spc="0">
+                          <a:solidFill>
+                            <a:srgbClr val="020302"/>
+                          </a:solidFill>
+                          <a:latin typeface="AdobeClean-Light"/>
+                          <a:cs typeface="AdobeClean-Light"/>
+                        </a:rPr>
+                        <a:t>4 hours</a:t>
+                      </a:r>
+                      <a:endParaRPr sz="900" spc="0">
+                        <a:latin typeface="AdobeClean-Light"/>
+                        <a:cs typeface="AdobeClean-Light"/>
+                      </a:endParaRPr>
                     </a:p>
                   </a:txBody>
                   <a:tcPr marL="0" marR="0" marT="91440" marB="91440" anchor="ctr" anchorCtr="1">
@@ -2806,7 +3000,7 @@
                     <a:bodyPr/>
                     <a:lstStyle/>
                     <a:p>
-                      <a:pPr marL="123825" marR="184785" indent="-123825" algn="ctr">
+                      <a:pPr marL="317500" marR="184785" indent="-194310" algn="ctr">
                         <a:lnSpc>
                           <a:spcPct val="100000"/>
                         </a:lnSpc>
@@ -2815,70 +3009,89 @@
                         </a:spcBef>
                       </a:pPr>
                       <a:r>
-                        <a:rPr lang="ja-JP" sz="900" dirty="0">
+                        <a:rPr lang="en-US" sz="900" spc="0">
                           <a:solidFill>
                             <a:srgbClr val="020302"/>
                           </a:solidFill>
-                          <a:latin typeface="Adobe Clean Han Light" panose="020B0300000000000000" pitchFamily="34" charset="-128"/>
-                          <a:ea typeface="Adobe Clean Han Light" panose="020B0300000000000000" pitchFamily="34" charset="-128"/>
+                          <a:latin typeface="AdobeClean-Light"/>
                           <a:cs typeface="AdobeClean-Light"/>
                         </a:rPr>
                         <a:t>    </a:t>
                       </a:r>
                       <a:r>
-                        <a:rPr lang="ja-JP" altLang="en-US" sz="900" dirty="0">
+                        <a:rPr sz="900" spc="0">
                           <a:solidFill>
                             <a:srgbClr val="020302"/>
                           </a:solidFill>
-                          <a:latin typeface="Adobe Clean Han Light" panose="020B0300000000000000" pitchFamily="34" charset="-128"/>
-                          <a:ea typeface="Adobe Clean Han Light" panose="020B0300000000000000" pitchFamily="34" charset="-128"/>
+                          <a:latin typeface="AdobeClean-Light"/>
                           <a:cs typeface="AdobeClean-Light"/>
                         </a:rPr>
-                        <a:t>営業時間</a:t>
+                        <a:t>Business</a:t>
                       </a:r>
                       <a:r>
-                        <a:rPr lang="ja-JP" sz="900" dirty="0">
+                        <a:rPr lang="en-US" sz="900" spc="0">
                           <a:solidFill>
                             <a:srgbClr val="020302"/>
                           </a:solidFill>
-                          <a:latin typeface="Adobe Clean Han Light" panose="020B0300000000000000" pitchFamily="34" charset="-128"/>
-                          <a:ea typeface="Adobe Clean Han Light" panose="020B0300000000000000" pitchFamily="34" charset="-128"/>
+                          <a:latin typeface="AdobeClean-Light"/>
                           <a:cs typeface="AdobeClean-Light"/>
                         </a:rPr>
-                        <a:t>／</a:t>
+                        <a:t> </a:t>
                       </a:r>
-                      <a:br>
-                        <a:rPr lang="sk-SK" altLang="ja-JP" sz="900" dirty="0">
+                      <a:r>
+                        <a:rPr sz="900" spc="0">
                           <a:solidFill>
                             <a:srgbClr val="020302"/>
                           </a:solidFill>
-                          <a:latin typeface="Adobe Clean Han Light" panose="020B0300000000000000" pitchFamily="34" charset="-128"/>
-                          <a:ea typeface="Adobe Clean Han Light" panose="020B0300000000000000" pitchFamily="34" charset="-128"/>
+                          <a:latin typeface="AdobeClean-Light"/>
                           <a:cs typeface="AdobeClean-Light"/>
                         </a:rPr>
-                      </a:br>
+                        <a:t>hours</a:t>
+                      </a:r>
                       <a:r>
-                        <a:rPr lang="en-US" sz="900" dirty="0">
+                        <a:rPr lang="en-US" sz="900" spc="0">
                           <a:solidFill>
                             <a:srgbClr val="020302"/>
                           </a:solidFill>
-                          <a:latin typeface="Adobe Clean Han Light" panose="020B0300000000000000" pitchFamily="34" charset="-128"/>
-                          <a:ea typeface="Adobe Clean Han Light" panose="020B0300000000000000" pitchFamily="34" charset="-128"/>
+                          <a:latin typeface="AdobeClean-Light"/>
                           <a:cs typeface="AdobeClean-Light"/>
                         </a:rPr>
-                        <a:t>2 </a:t>
+                        <a:t> / </a:t>
                       </a:r>
                       <a:r>
-                        <a:rPr lang="ja-JP" sz="900" dirty="0">
+                        <a:rPr sz="900" spc="0">
                           <a:solidFill>
                             <a:srgbClr val="020302"/>
                           </a:solidFill>
-                          <a:latin typeface="Adobe Clean Han Light" panose="020B0300000000000000" pitchFamily="34" charset="-128"/>
-                          <a:ea typeface="Adobe Clean Han Light" panose="020B0300000000000000" pitchFamily="34" charset="-128"/>
+                          <a:latin typeface="AdobeClean-Light"/>
                           <a:cs typeface="AdobeClean-Light"/>
                         </a:rPr>
-                        <a:t>時間</a:t>
+                        <a:t>2</a:t>
                       </a:r>
+                      <a:r>
+                        <a:rPr lang="en-US" sz="900" spc="0">
+                          <a:solidFill>
+                            <a:srgbClr val="020302"/>
+                          </a:solidFill>
+                          <a:latin typeface="AdobeClean-Light"/>
+                          <a:cs typeface="AdobeClean-Light"/>
+                        </a:rPr>
+                        <a:t> </a:t>
+                      </a:r>
+                      <a:r>
+                        <a:rPr sz="900" spc="0">
+                          <a:solidFill>
+                            <a:srgbClr val="020302"/>
+                          </a:solidFill>
+                          <a:latin typeface="AdobeClean-Light"/>
+                          <a:cs typeface="AdobeClean-Light"/>
+                        </a:rPr>
+                        <a:t>hours</a:t>
+                      </a:r>
+                      <a:endParaRPr sz="900" spc="0">
+                        <a:latin typeface="AdobeClean-Light"/>
+                        <a:cs typeface="AdobeClean-Light"/>
+                      </a:endParaRPr>
                     </a:p>
                   </a:txBody>
                   <a:tcPr marL="0" marR="0" marT="91440" marB="91440" anchor="ctr" anchorCtr="1">
@@ -2934,16 +3147,19 @@
                         </a:spcBef>
                       </a:pPr>
                       <a:r>
-                        <a:rPr lang="ja-JP" sz="900" b="1" dirty="0">
+                        <a:rPr sz="900" b="1" spc="0">
                           <a:solidFill>
                             <a:srgbClr val="020302"/>
                           </a:solidFill>
-                          <a:latin typeface="Adobe Clean Han Regular" panose="020B0500000000000000" pitchFamily="34" charset="-128"/>
-                          <a:ea typeface="Adobe Clean Han Regular" panose="020B0500000000000000" pitchFamily="34" charset="-128"/>
+                          <a:latin typeface="Adobe Clean"/>
                           <a:cs typeface="Adobe Clean"/>
                         </a:rPr>
-                        <a:t>優先度 3</a:t>
+                        <a:t>PRIORITY 3</a:t>
                       </a:r>
+                      <a:endParaRPr sz="900" spc="0">
+                        <a:latin typeface="Adobe Clean"/>
+                        <a:cs typeface="Adobe Clean"/>
+                      </a:endParaRPr>
                     </a:p>
                     <a:p>
                       <a:pPr marL="49530" marR="212090" indent="-2540">
@@ -2955,52 +3171,26 @@
                         </a:spcBef>
                       </a:pPr>
                       <a:r>
-                        <a:rPr kumimoji="0" lang="ja-JP" sz="900" b="0" i="0" u="none" strike="noStrike" cap="none" normalizeH="0" baseline="0" noProof="0" dirty="0">
+                        <a:rPr kumimoji="0" lang="en-US" sz="900" b="0" i="0" u="none" strike="noStrike" kern="1200" cap="none" spc="0" normalizeH="0" baseline="0" noProof="0">
                           <a:ln>
                             <a:noFill/>
                           </a:ln>
                           <a:solidFill>
                             <a:srgbClr val="000000"/>
                           </a:solidFill>
+                          <a:effectLst/>
                           <a:uLnTx/>
                           <a:uFillTx/>
-                          <a:latin typeface="Adobe Clean Han Light" panose="020B0300000000000000" pitchFamily="34" charset="-128"/>
-                          <a:ea typeface="Adobe Clean Han Light" panose="020B0300000000000000" pitchFamily="34" charset="-128"/>
+                          <a:latin typeface="Adobe Clean Light" panose="020B0303020404020204" pitchFamily="34" charset="0"/>
+                          <a:ea typeface="+mn-ea"/>
                           <a:cs typeface="+mn-cs"/>
                         </a:rPr>
-                        <a:t>お客様の業務機能に軽微なサービス低下があるが、業務機能を正常に続行できる解決策／</a:t>
+                        <a:t>Customer's business functions have minor service degradation but there exists a solution/workaround allowing business functions to continue </a:t>
                       </a:r>
-                      <a:br>
-                        <a:rPr kumimoji="0" lang="sk-SK" altLang="ja-JP" sz="900" b="0" i="0" u="none" strike="noStrike" cap="none" normalizeH="0" baseline="0" noProof="0" dirty="0">
-                          <a:ln>
-                            <a:noFill/>
-                          </a:ln>
-                          <a:solidFill>
-                            <a:srgbClr val="000000"/>
-                          </a:solidFill>
-                          <a:uLnTx/>
-                          <a:uFillTx/>
-                          <a:latin typeface="Adobe Clean Han Light" panose="020B0300000000000000" pitchFamily="34" charset="-128"/>
-                          <a:ea typeface="Adobe Clean Han Light" panose="020B0300000000000000" pitchFamily="34" charset="-128"/>
-                          <a:cs typeface="+mn-cs"/>
-                        </a:rPr>
-                      </a:br>
-                      <a:r>
-                        <a:rPr kumimoji="0" lang="ja-JP" sz="900" b="0" i="0" u="none" strike="noStrike" cap="none" normalizeH="0" baseline="0" noProof="0" dirty="0">
-                          <a:ln>
-                            <a:noFill/>
-                          </a:ln>
-                          <a:solidFill>
-                            <a:srgbClr val="000000"/>
-                          </a:solidFill>
-                          <a:uLnTx/>
-                          <a:uFillTx/>
-                          <a:latin typeface="Adobe Clean Han Light" panose="020B0300000000000000" pitchFamily="34" charset="-128"/>
-                          <a:ea typeface="Adobe Clean Han Light" panose="020B0300000000000000" pitchFamily="34" charset="-128"/>
-                          <a:cs typeface="+mn-cs"/>
-                        </a:rPr>
-                        <a:t>回避策が存在する。 </a:t>
-                      </a:r>
+                      <a:endParaRPr lang="en-US" sz="900" b="0" i="0" spc="0">
+                        <a:latin typeface="Adobe Clean Light" panose="020B0303020404020204" pitchFamily="34" charset="0"/>
+                        <a:cs typeface="AdobeClean-Light"/>
+                      </a:endParaRPr>
                     </a:p>
                   </a:txBody>
                   <a:tcPr marL="0" marR="0" marT="3810" marB="0">
@@ -3035,7 +3225,7 @@
                     <a:bodyPr/>
                     <a:lstStyle/>
                     <a:p>
-                      <a:pPr marL="123825" marR="184150" indent="0" algn="ctr">
+                      <a:pPr marL="313690" marR="184150" indent="-189865" algn="ctr">
                         <a:lnSpc>
                           <a:spcPct val="100000"/>
                         </a:lnSpc>
@@ -3044,48 +3234,89 @@
                         </a:spcBef>
                       </a:pPr>
                       <a:r>
-                        <a:rPr lang="ja-JP" altLang="en-US" sz="900" dirty="0">
+                        <a:rPr lang="en-US" sz="900" spc="0">
                           <a:solidFill>
                             <a:srgbClr val="020302"/>
                           </a:solidFill>
-                          <a:latin typeface="Adobe Clean Han Light" panose="020B0300000000000000" pitchFamily="34" charset="-128"/>
-                          <a:ea typeface="Adobe Clean Han Light" panose="020B0300000000000000" pitchFamily="34" charset="-128"/>
+                          <a:latin typeface="AdobeClean-Light"/>
                           <a:cs typeface="AdobeClean-Light"/>
                         </a:rPr>
-                        <a:t>営業時間</a:t>
+                        <a:t>   </a:t>
                       </a:r>
                       <a:r>
-                        <a:rPr lang="ja-JP" sz="900" dirty="0">
+                        <a:rPr sz="900" spc="0">
                           <a:solidFill>
                             <a:srgbClr val="020302"/>
                           </a:solidFill>
-                          <a:latin typeface="Adobe Clean Han Light" panose="020B0300000000000000" pitchFamily="34" charset="-128"/>
-                          <a:ea typeface="Adobe Clean Han Light" panose="020B0300000000000000" pitchFamily="34" charset="-128"/>
+                          <a:latin typeface="AdobeClean-Light"/>
                           <a:cs typeface="AdobeClean-Light"/>
                         </a:rPr>
-                        <a:t>／</a:t>
+                        <a:t>Business</a:t>
                       </a:r>
-                      <a:br>
-                        <a:rPr lang="sk-SK" altLang="ja-JP" sz="900" dirty="0">
+                      <a:r>
+                        <a:rPr lang="en-US" sz="900" spc="0">
                           <a:solidFill>
                             <a:srgbClr val="020302"/>
                           </a:solidFill>
-                          <a:latin typeface="Adobe Clean Han Light" panose="020B0300000000000000" pitchFamily="34" charset="-128"/>
-                          <a:ea typeface="Adobe Clean Han Light" panose="020B0300000000000000" pitchFamily="34" charset="-128"/>
+                          <a:latin typeface="AdobeClean-Light"/>
                           <a:cs typeface="AdobeClean-Light"/>
                         </a:rPr>
-                      </a:br>
+                        <a:t> </a:t>
+                      </a:r>
                       <a:r>
-                        <a:rPr lang="ja-JP" sz="900" dirty="0">
+                        <a:rPr sz="900" spc="0">
                           <a:solidFill>
                             <a:srgbClr val="020302"/>
                           </a:solidFill>
-                          <a:latin typeface="Adobe Clean Han Light" panose="020B0300000000000000" pitchFamily="34" charset="-128"/>
-                          <a:ea typeface="Adobe Clean Han Light" panose="020B0300000000000000" pitchFamily="34" charset="-128"/>
+                          <a:latin typeface="AdobeClean-Light"/>
                           <a:cs typeface="AdobeClean-Light"/>
                         </a:rPr>
-                        <a:t>6 時間</a:t>
+                        <a:t>hours</a:t>
                       </a:r>
+                      <a:r>
+                        <a:rPr lang="en-US" sz="900" spc="0">
+                          <a:solidFill>
+                            <a:srgbClr val="020302"/>
+                          </a:solidFill>
+                          <a:latin typeface="AdobeClean-Light"/>
+                          <a:cs typeface="AdobeClean-Light"/>
+                        </a:rPr>
+                        <a:t> / </a:t>
+                      </a:r>
+                      <a:r>
+                        <a:rPr sz="900" spc="0">
+                          <a:solidFill>
+                            <a:srgbClr val="020302"/>
+                          </a:solidFill>
+                          <a:latin typeface="AdobeClean-Light"/>
+                          <a:cs typeface="AdobeClean-Light"/>
+                        </a:rPr>
+                        <a:t>6</a:t>
+                      </a:r>
+                      <a:r>
+                        <a:rPr lang="en-US" sz="900" spc="0">
+                          <a:solidFill>
+                            <a:srgbClr val="020302"/>
+                          </a:solidFill>
+                          <a:latin typeface="AdobeClean-Light"/>
+                          <a:cs typeface="AdobeClean-Light"/>
+                        </a:rPr>
+                        <a:t> </a:t>
+                      </a:r>
+                      <a:r>
+                        <a:rPr sz="900" spc="0">
+                          <a:solidFill>
+                            <a:srgbClr val="020302"/>
+                          </a:solidFill>
+                          <a:latin typeface="AdobeClean-Light"/>
+                          <a:cs typeface="AdobeClean-Light"/>
+                        </a:rPr>
+                        <a:t>hours</a:t>
+                      </a:r>
+                      <a:endParaRPr sz="900" spc="0">
+                        <a:latin typeface="AdobeClean-Light"/>
+                        <a:cs typeface="AdobeClean-Light"/>
+                      </a:endParaRPr>
                     </a:p>
                   </a:txBody>
                   <a:tcPr marL="0" marR="0" marT="91440" marB="91440" anchor="ctr" anchorCtr="1">
@@ -3120,7 +3351,7 @@
                     <a:bodyPr/>
                     <a:lstStyle/>
                     <a:p>
-                      <a:pPr marL="123825" marR="184150" indent="0" algn="ctr">
+                      <a:pPr marL="316230" marR="185420" indent="-193675" algn="ctr">
                         <a:lnSpc>
                           <a:spcPct val="100000"/>
                         </a:lnSpc>
@@ -3129,48 +3360,79 @@
                         </a:spcBef>
                       </a:pPr>
                       <a:r>
-                        <a:rPr lang="ja-JP" altLang="en-US" sz="900" dirty="0">
+                        <a:rPr sz="900" spc="0">
                           <a:solidFill>
                             <a:srgbClr val="020302"/>
                           </a:solidFill>
-                          <a:latin typeface="Adobe Clean Han Light" panose="020B0300000000000000" pitchFamily="34" charset="-128"/>
-                          <a:ea typeface="Adobe Clean Han Light" panose="020B0300000000000000" pitchFamily="34" charset="-128"/>
+                          <a:latin typeface="AdobeClean-Light"/>
                           <a:cs typeface="AdobeClean-Light"/>
                         </a:rPr>
-                        <a:t>営業時間／</a:t>
+                        <a:t>Business</a:t>
                       </a:r>
-                      <a:br>
-                        <a:rPr lang="sk-SK" altLang="ja-JP" sz="900" dirty="0">
+                      <a:r>
+                        <a:rPr lang="en-US" sz="900" spc="0">
                           <a:solidFill>
                             <a:srgbClr val="020302"/>
                           </a:solidFill>
-                          <a:latin typeface="Adobe Clean Han Light" panose="020B0300000000000000" pitchFamily="34" charset="-128"/>
-                          <a:ea typeface="Adobe Clean Han Light" panose="020B0300000000000000" pitchFamily="34" charset="-128"/>
+                          <a:latin typeface="AdobeClean-Light"/>
                           <a:cs typeface="AdobeClean-Light"/>
                         </a:rPr>
-                      </a:br>
+                        <a:t> </a:t>
+                      </a:r>
                       <a:r>
-                        <a:rPr lang="en-US" altLang="ja-JP" sz="900" dirty="0">
+                        <a:rPr sz="900" spc="0">
                           <a:solidFill>
                             <a:srgbClr val="020302"/>
                           </a:solidFill>
-                          <a:latin typeface="Adobe Clean Han Light" panose="020B0300000000000000" pitchFamily="34" charset="-128"/>
-                          <a:ea typeface="Adobe Clean Han Light" panose="020B0300000000000000" pitchFamily="34" charset="-128"/>
+                          <a:latin typeface="AdobeClean-Light"/>
                           <a:cs typeface="AdobeClean-Light"/>
                         </a:rPr>
-                        <a:t>4 </a:t>
+                        <a:t>hours</a:t>
                       </a:r>
                       <a:r>
-                        <a:rPr lang="ja-JP" altLang="en-US" sz="900" dirty="0">
+                        <a:rPr lang="en-US" sz="900" spc="0">
                           <a:solidFill>
                             <a:srgbClr val="020302"/>
                           </a:solidFill>
-                          <a:latin typeface="Adobe Clean Han Light" panose="020B0300000000000000" pitchFamily="34" charset="-128"/>
-                          <a:ea typeface="Adobe Clean Han Light" panose="020B0300000000000000" pitchFamily="34" charset="-128"/>
+                          <a:latin typeface="AdobeClean-Light"/>
                           <a:cs typeface="AdobeClean-Light"/>
                         </a:rPr>
-                        <a:t>時間</a:t>
+                        <a:t> </a:t>
                       </a:r>
+                      <a:r>
+                        <a:rPr sz="900" spc="0">
+                          <a:solidFill>
+                            <a:srgbClr val="020302"/>
+                          </a:solidFill>
+                          <a:latin typeface="AdobeClean-Light"/>
+                          <a:cs typeface="AdobeClean-Light"/>
+                        </a:rPr>
+                        <a:t>/ 4</a:t>
+                      </a:r>
+                      <a:r>
+                        <a:rPr lang="en-US" sz="900" spc="0">
+                          <a:solidFill>
+                            <a:srgbClr val="020302"/>
+                          </a:solidFill>
+                          <a:latin typeface="AdobeClean-Light"/>
+                          <a:cs typeface="AdobeClean-Light"/>
+                        </a:rPr>
+                        <a:t> </a:t>
+                      </a:r>
+                      <a:r>
+                        <a:rPr sz="900" spc="0">
+                          <a:solidFill>
+                            <a:srgbClr val="020302"/>
+                          </a:solidFill>
+                          <a:latin typeface="AdobeClean-Light"/>
+                          <a:cs typeface="AdobeClean-Light"/>
+                        </a:rPr>
+                        <a:t>hours</a:t>
+                      </a:r>
+                      <a:endParaRPr sz="900" spc="0">
+                        <a:latin typeface="AdobeClean-Light"/>
+                        <a:cs typeface="AdobeClean-Light"/>
+                      </a:endParaRPr>
                     </a:p>
                   </a:txBody>
                   <a:tcPr marL="0" marR="0" marT="91440" marB="91440" anchor="ctr" anchorCtr="1">
@@ -3226,16 +3488,19 @@
                         </a:spcBef>
                       </a:pPr>
                       <a:r>
-                        <a:rPr lang="ja-JP" sz="900" b="1" dirty="0">
+                        <a:rPr sz="900" b="1" spc="0">
                           <a:solidFill>
                             <a:srgbClr val="020302"/>
                           </a:solidFill>
-                          <a:latin typeface="Adobe Clean Han Regular" panose="020B0500000000000000" pitchFamily="34" charset="-128"/>
-                          <a:ea typeface="Adobe Clean Han Regular" panose="020B0500000000000000" pitchFamily="34" charset="-128"/>
+                          <a:latin typeface="Adobe Clean"/>
                           <a:cs typeface="Adobe Clean"/>
                         </a:rPr>
-                        <a:t>優先度 4</a:t>
+                        <a:t>PRIORITY 4</a:t>
                       </a:r>
+                      <a:endParaRPr sz="900" spc="0">
+                        <a:latin typeface="Adobe Clean"/>
+                        <a:cs typeface="Adobe Clean"/>
+                      </a:endParaRPr>
                     </a:p>
                     <a:p>
                       <a:pPr marL="48895" marR="0" lvl="0" indent="0" defTabSz="914400" eaLnBrk="1" fontAlgn="auto" latinLnBrk="0" hangingPunct="1">
@@ -3256,15 +3521,19 @@
                         <a:defRPr/>
                       </a:pPr>
                       <a:r>
-                        <a:rPr lang="ja-JP" sz="900" b="0" i="0" dirty="0">
+                        <a:rPr lang="en-US" sz="900" b="0" i="0" spc="0">
                           <a:solidFill>
                             <a:srgbClr val="000000"/>
                           </a:solidFill>
-                          <a:latin typeface="Adobe Clean Han Light" panose="020B0300000000000000" pitchFamily="34" charset="-128"/>
-                          <a:ea typeface="Adobe Clean Han Light" panose="020B0300000000000000" pitchFamily="34" charset="-128"/>
+                          <a:effectLst/>
+                          <a:latin typeface="Adobe Clean Light" panose="020B0303020404020204" pitchFamily="34" charset="0"/>
                         </a:rPr>
-                        <a:t>現在の製品機能に関する一般的な質問または機能拡張のリクエスト。</a:t>
+                        <a:t>General question regarding current product functionality or an enhancement request</a:t>
                       </a:r>
+                      <a:endParaRPr lang="en-US" sz="900" b="0" i="0" spc="0">
+                        <a:latin typeface="Adobe Clean Light" panose="020B0303020404020204" pitchFamily="34" charset="0"/>
+                        <a:cs typeface="AdobeClean-Light"/>
+                      </a:endParaRPr>
                     </a:p>
                   </a:txBody>
                   <a:tcPr marL="0" marR="0" marT="1905" marB="0">
@@ -3308,16 +3577,69 @@
                         </a:spcBef>
                       </a:pPr>
                       <a:r>
-                        <a:rPr lang="ja-JP" sz="900" dirty="0">
+                        <a:rPr lang="en-US" sz="900" spc="0">
                           <a:solidFill>
                             <a:srgbClr val="020302"/>
                           </a:solidFill>
-                          <a:latin typeface="Adobe Clean Han Light" panose="020B0300000000000000" pitchFamily="34" charset="-128"/>
-                          <a:ea typeface="Adobe Clean Han Light" panose="020B0300000000000000" pitchFamily="34" charset="-128"/>
+                          <a:latin typeface="AdobeClean-Light"/>
                           <a:cs typeface="AdobeClean-Light"/>
                         </a:rPr>
-                        <a:t>  営業日／3 日</a:t>
+                        <a:t>  </a:t>
                       </a:r>
+                      <a:r>
+                        <a:rPr sz="900" spc="0">
+                          <a:solidFill>
+                            <a:srgbClr val="020302"/>
+                          </a:solidFill>
+                          <a:latin typeface="AdobeClean-Light"/>
+                          <a:cs typeface="AdobeClean-Light"/>
+                        </a:rPr>
+                        <a:t>Business</a:t>
+                      </a:r>
+                      <a:r>
+                        <a:rPr lang="en-US" sz="900" spc="0">
+                          <a:solidFill>
+                            <a:srgbClr val="020302"/>
+                          </a:solidFill>
+                          <a:latin typeface="AdobeClean-Light"/>
+                          <a:cs typeface="AdobeClean-Light"/>
+                        </a:rPr>
+                        <a:t> </a:t>
+                      </a:r>
+                      <a:r>
+                        <a:rPr sz="900" spc="0">
+                          <a:solidFill>
+                            <a:srgbClr val="020302"/>
+                          </a:solidFill>
+                          <a:latin typeface="AdobeClean-Light"/>
+                          <a:cs typeface="AdobeClean-Light"/>
+                        </a:rPr>
+                        <a:t>days</a:t>
+                      </a:r>
+                      <a:r>
+                        <a:rPr lang="en-US" sz="900" spc="0">
+                          <a:solidFill>
+                            <a:srgbClr val="020302"/>
+                          </a:solidFill>
+                          <a:latin typeface="AdobeClean-Light"/>
+                          <a:cs typeface="AdobeClean-Light"/>
+                        </a:rPr>
+                        <a:t> / </a:t>
+                      </a:r>
+                      <a:r>
+                        <a:rPr sz="900" spc="0">
+                          <a:solidFill>
+                            <a:srgbClr val="020302"/>
+                          </a:solidFill>
+                          <a:latin typeface="AdobeClean-Light"/>
+                          <a:cs typeface="AdobeClean-Light"/>
+                        </a:rPr>
+                        <a:t>3 days</a:t>
+                      </a:r>
+                      <a:endParaRPr sz="900" spc="0">
+                        <a:latin typeface="AdobeClean-Light"/>
+                        <a:cs typeface="AdobeClean-Light"/>
+                      </a:endParaRPr>
                     </a:p>
                   </a:txBody>
                   <a:tcPr marL="0" marR="0" marT="91440" marB="91440" anchor="ctr" anchorCtr="1">
@@ -3361,16 +3683,79 @@
                         </a:spcBef>
                       </a:pPr>
                       <a:r>
-                        <a:rPr lang="ja-JP" sz="900" dirty="0">
+                        <a:rPr sz="900" spc="0">
                           <a:solidFill>
                             <a:srgbClr val="020302"/>
                           </a:solidFill>
-                          <a:latin typeface="Adobe Clean Han Light" panose="020B0300000000000000" pitchFamily="34" charset="-128"/>
-                          <a:ea typeface="Adobe Clean Han Light" panose="020B0300000000000000" pitchFamily="34" charset="-128"/>
+                          <a:latin typeface="AdobeClean-Light"/>
                           <a:cs typeface="AdobeClean-Light"/>
                         </a:rPr>
-                        <a:t>営業日／1 日</a:t>
+                        <a:t>Business</a:t>
                       </a:r>
+                      <a:r>
+                        <a:rPr lang="en-US" sz="900" spc="0">
+                          <a:solidFill>
+                            <a:srgbClr val="020302"/>
+                          </a:solidFill>
+                          <a:latin typeface="AdobeClean-Light"/>
+                          <a:cs typeface="AdobeClean-Light"/>
+                        </a:rPr>
+                        <a:t> </a:t>
+                      </a:r>
+                      <a:r>
+                        <a:rPr sz="900" spc="0">
+                          <a:solidFill>
+                            <a:srgbClr val="020302"/>
+                          </a:solidFill>
+                          <a:latin typeface="AdobeClean-Light"/>
+                          <a:cs typeface="AdobeClean-Light"/>
+                        </a:rPr>
+                        <a:t>day</a:t>
+                      </a:r>
+                      <a:r>
+                        <a:rPr lang="en-US" sz="900" spc="0">
+                          <a:solidFill>
+                            <a:srgbClr val="020302"/>
+                          </a:solidFill>
+                          <a:latin typeface="AdobeClean-Light"/>
+                          <a:cs typeface="AdobeClean-Light"/>
+                        </a:rPr>
+                        <a:t>s </a:t>
+                      </a:r>
+                      <a:r>
+                        <a:rPr sz="900" spc="0">
+                          <a:solidFill>
+                            <a:srgbClr val="020302"/>
+                          </a:solidFill>
+                          <a:latin typeface="AdobeClean-Light"/>
+                          <a:cs typeface="AdobeClean-Light"/>
+                        </a:rPr>
+                        <a:t>/</a:t>
+                      </a:r>
+                      <a:r>
+                        <a:rPr lang="en-US" sz="900" spc="0">
+                          <a:solidFill>
+                            <a:srgbClr val="020302"/>
+                          </a:solidFill>
+                          <a:latin typeface="AdobeClean-Light"/>
+                          <a:cs typeface="AdobeClean-Light"/>
+                        </a:rPr>
+                        <a:t> </a:t>
+                      </a:r>
+                      <a:r>
+                        <a:rPr sz="900" spc="0">
+                          <a:solidFill>
+                            <a:srgbClr val="020302"/>
+                          </a:solidFill>
+                          <a:latin typeface="AdobeClean-Light"/>
+                          <a:cs typeface="AdobeClean-Light"/>
+                        </a:rPr>
+                        <a:t>1 day</a:t>
+                      </a:r>
+                      <a:endParaRPr sz="900" spc="0">
+                        <a:latin typeface="AdobeClean-Light"/>
+                        <a:cs typeface="AdobeClean-Light"/>
+                      </a:endParaRPr>
                     </a:p>
                   </a:txBody>
                   <a:tcPr marL="0" marR="0" marT="91440" marB="91440" anchor="ctr" anchorCtr="1">
@@ -3430,7 +3815,7 @@
           <p:nvPr>
             <p:extLst>
               <p:ext uri="{D42A27DB-BD31-4B8C-83A1-F6EECF244321}">
-                <p14:modId xmlns:p14="http://schemas.microsoft.com/office/powerpoint/2010/main" val="3560736942"/>
+                <p14:modId xmlns:p14="http://schemas.microsoft.com/office/powerpoint/2010/main" val="116851390"/>
               </p:ext>
             </p:extLst>
           </p:nvPr>
@@ -3453,21 +3838,21 @@
                     </a:ext>
                   </a:extLst>
                 </a:gridCol>
-                <a:gridCol w="3442079">
+                <a:gridCol w="3133474">
                   <a:extLst>
                     <a:ext uri="{9D8B030D-6E8A-4147-A177-3AD203B41FA5}">
                       <a16:colId xmlns:a16="http://schemas.microsoft.com/office/drawing/2014/main" val="20001"/>
                     </a:ext>
                   </a:extLst>
                 </a:gridCol>
-                <a:gridCol w="1290638">
+                <a:gridCol w="1425889">
                   <a:extLst>
                     <a:ext uri="{9D8B030D-6E8A-4147-A177-3AD203B41FA5}">
                       <a16:colId xmlns:a16="http://schemas.microsoft.com/office/drawing/2014/main" val="2563521174"/>
                     </a:ext>
                   </a:extLst>
                 </a:gridCol>
-                <a:gridCol w="1252535">
+                <a:gridCol w="1425889">
                   <a:extLst>
                     <a:ext uri="{9D8B030D-6E8A-4147-A177-3AD203B41FA5}">
                       <a16:colId xmlns:a16="http://schemas.microsoft.com/office/drawing/2014/main" val="20003"/>
@@ -3481,7 +3866,7 @@
                     <a:bodyPr/>
                     <a:lstStyle/>
                     <a:p>
-                      <a:endParaRPr lang="en-US" dirty="0"/>
+                      <a:endParaRPr lang="en-US"/>
                     </a:p>
                   </a:txBody>
                   <a:tcPr/>
@@ -3519,16 +3904,39 @@
                         <a:defRPr/>
                       </a:pPr>
                       <a:r>
-                        <a:rPr lang="ja-JP" sz="900" dirty="0">
+                        <a:rPr lang="en-US" sz="900" spc="-20">
                           <a:solidFill>
                             <a:srgbClr val="404040"/>
                           </a:solidFill>
-                          <a:latin typeface="Adobe Clean Han Regular" panose="020B0500000000000000" pitchFamily="34" charset="-128"/>
-                          <a:ea typeface="Adobe Clean Han Regular" panose="020B0500000000000000" pitchFamily="34" charset="-128"/>
+                          <a:latin typeface="Adobe Clean"/>
                           <a:cs typeface="Adobe Clean"/>
                         </a:rPr>
-                        <a:t>オンラインサポート</a:t>
+                        <a:t>Online </a:t>
                       </a:r>
+                      <a:r>
+                        <a:rPr lang="en-US" sz="900" spc="-135">
+                          <a:solidFill>
+                            <a:srgbClr val="404040"/>
+                          </a:solidFill>
+                          <a:latin typeface="Adobe Clean"/>
+                          <a:cs typeface="Adobe Clean"/>
+                        </a:rPr>
+                        <a:t> </a:t>
+                      </a:r>
+                      <a:r>
+                        <a:rPr lang="en-US" sz="900" spc="-20">
+                          <a:solidFill>
+                            <a:srgbClr val="404040"/>
+                          </a:solidFill>
+                          <a:latin typeface="Adobe Clean"/>
+                          <a:cs typeface="Adobe Clean"/>
+                        </a:rPr>
+                        <a:t>Support</a:t>
+                      </a:r>
+                      <a:endParaRPr lang="en-US" sz="900">
+                        <a:latin typeface="Adobe Clean"/>
+                        <a:cs typeface="Adobe Clean"/>
+                      </a:endParaRPr>
                     </a:p>
                   </a:txBody>
                   <a:tcPr marL="0" marR="0" marT="7620" marB="0" anchor="ctr">
@@ -3569,16 +3977,39 @@
                         </a:spcBef>
                       </a:pPr>
                       <a:r>
-                        <a:rPr lang="ja-JP" sz="900" dirty="0">
+                        <a:rPr sz="900" spc="-20">
                           <a:solidFill>
                             <a:srgbClr val="FFFFFF"/>
                           </a:solidFill>
-                          <a:latin typeface="Adobe Clean Han Regular" panose="020B0500000000000000" pitchFamily="34" charset="-128"/>
-                          <a:ea typeface="Adobe Clean Han Regular" panose="020B0500000000000000" pitchFamily="34" charset="-128"/>
+                          <a:latin typeface="Adobe Clean"/>
                           <a:cs typeface="Adobe Clean"/>
                         </a:rPr>
-                        <a:t>ビジネスサポート</a:t>
+                        <a:t>Business</a:t>
                       </a:r>
+                      <a:r>
+                        <a:rPr lang="en-US" sz="900" spc="-20">
+                          <a:solidFill>
+                            <a:srgbClr val="FFFFFF"/>
+                          </a:solidFill>
+                          <a:latin typeface="Adobe Clean"/>
+                          <a:cs typeface="Adobe Clean"/>
+                        </a:rPr>
+                        <a:t> </a:t>
+                      </a:r>
+                      <a:r>
+                        <a:rPr sz="900" spc="-20">
+                          <a:solidFill>
+                            <a:srgbClr val="FFFFFF"/>
+                          </a:solidFill>
+                          <a:latin typeface="Adobe Clean"/>
+                          <a:cs typeface="Adobe Clean"/>
+                        </a:rPr>
+                        <a:t>Support</a:t>
+                      </a:r>
+                      <a:endParaRPr sz="900">
+                        <a:latin typeface="Adobe Clean"/>
+                        <a:cs typeface="Adobe Clean"/>
+                      </a:endParaRPr>
                     </a:p>
                   </a:txBody>
                   <a:tcPr marL="0" marR="0" marT="7620" marB="0" anchor="ctr">
@@ -3643,7 +4074,7 @@
                     <a:bodyPr/>
                     <a:lstStyle/>
                     <a:p>
-                      <a:pPr marL="0" marR="0" lvl="0" indent="0" algn="l" defTabSz="914400" rtl="0" eaLnBrk="1" fontAlgn="auto" latinLnBrk="0" hangingPunct="1">
+                      <a:pPr marL="0" marR="0" lvl="0" indent="0" algn="ctr" defTabSz="914400" eaLnBrk="1" fontAlgn="auto" latinLnBrk="0" hangingPunct="1">
                         <a:lnSpc>
                           <a:spcPct val="100000"/>
                         </a:lnSpc>
@@ -3724,14 +4155,13 @@
                         <a:defRPr/>
                       </a:pPr>
                       <a:r>
-                        <a:rPr lang="ja-JP" sz="800" i="1" dirty="0">
+                        <a:rPr lang="en-US" sz="800" i="1">
                           <a:solidFill>
                             <a:schemeClr val="bg1"/>
                           </a:solidFill>
-                          <a:latin typeface="Adobe Clean Han Light" panose="020B0300000000000000" pitchFamily="34" charset="-128"/>
-                          <a:ea typeface="Adobe Clean Han Light" panose="020B0300000000000000" pitchFamily="34" charset="-128"/>
+                          <a:latin typeface="Adobe Clean Light" panose="020B0303020404020204" pitchFamily="34" charset="0"/>
                         </a:rPr>
-                        <a:t>有償サポート（$）</a:t>
+                        <a:t>Paid Support ($)</a:t>
                       </a:r>
                     </a:p>
                   </a:txBody>
@@ -3795,16 +4225,22 @@
                         </a:spcBef>
                       </a:pPr>
                       <a:r>
-                        <a:rPr lang="ja-JP" sz="1000" b="1" i="0" dirty="0">
+                        <a:rPr lang="en-US" sz="1000" b="1" i="0" spc="0">
                           <a:solidFill>
                             <a:schemeClr val="bg1"/>
                           </a:solidFill>
-                          <a:latin typeface="Adobe Clean Han Regular" panose="020B0500000000000000" pitchFamily="34" charset="-128"/>
-                          <a:ea typeface="Adobe Clean Han Regular" panose="020B0500000000000000" pitchFamily="34" charset="-128"/>
+                          <a:latin typeface="Adobe Clean" panose="020B0503020404020204" pitchFamily="34" charset="0"/>
                           <a:cs typeface="AdobeClean-Light"/>
                         </a:rPr>
-                        <a:t>担当エキスパート</a:t>
+                        <a:t>Assigned Experts</a:t>
                       </a:r>
+                      <a:endParaRPr sz="1000" b="1" i="0" spc="0">
+                        <a:solidFill>
+                          <a:schemeClr val="bg1"/>
+                        </a:solidFill>
+                        <a:latin typeface="Adobe Clean" panose="020B0503020404020204" pitchFamily="34" charset="0"/>
+                        <a:cs typeface="AdobeClean-Light"/>
+                      </a:endParaRPr>
                     </a:p>
                   </a:txBody>
                   <a:tcPr marL="0" marR="0" marT="58419" marB="0" anchor="ctr">
@@ -3851,16 +4287,19 @@
                         </a:spcBef>
                       </a:pPr>
                       <a:r>
-                        <a:rPr lang="ja-JP" sz="900" dirty="0">
+                        <a:rPr sz="900" spc="0">
                           <a:solidFill>
                             <a:srgbClr val="020302"/>
                           </a:solidFill>
-                          <a:latin typeface="Adobe Clean Han Light" panose="020B0300000000000000" pitchFamily="34" charset="-128"/>
-                          <a:ea typeface="Adobe Clean Han Light" panose="020B0300000000000000" pitchFamily="34" charset="-128"/>
+                          <a:latin typeface="AdobeClean-Light"/>
                           <a:cs typeface="AdobeClean-Light"/>
                         </a:rPr>
-                        <a:t>アカウントサポートリード</a:t>
+                        <a:t>Account Support Lead</a:t>
                       </a:r>
+                      <a:endParaRPr sz="900" spc="0">
+                        <a:latin typeface="AdobeClean-Light"/>
+                        <a:cs typeface="AdobeClean-Light"/>
+                      </a:endParaRPr>
                     </a:p>
                   </a:txBody>
                   <a:tcPr marL="0" marR="0" marT="58419" marB="0">
@@ -3895,7 +4334,7 @@
                     <a:bodyPr/>
                     <a:lstStyle/>
                     <a:p>
-                      <a:pPr algn="l" rtl="0">
+                      <a:pPr algn="ctr">
                         <a:lnSpc>
                           <a:spcPct val="100000"/>
                         </a:lnSpc>
@@ -3945,16 +4384,19 @@
                         </a:spcBef>
                       </a:pPr>
                       <a:r>
-                        <a:rPr lang="ja-JP" sz="900" dirty="0">
+                        <a:rPr sz="900">
                           <a:solidFill>
                             <a:srgbClr val="020302"/>
                           </a:solidFill>
                           <a:latin typeface="Wingdings"/>
-                          <a:ea typeface="MS Mincho"/>
                           <a:cs typeface="Wingdings"/>
                         </a:rPr>
                         <a:t></a:t>
                       </a:r>
+                      <a:endParaRPr sz="900">
+                        <a:latin typeface="Wingdings"/>
+                        <a:cs typeface="Wingdings"/>
+                      </a:endParaRPr>
                     </a:p>
                   </a:txBody>
                   <a:tcPr marL="0" marR="0" marT="59690" marB="0" anchor="ctr">
@@ -3986,7 +4428,7 @@
                     <a:bodyPr/>
                     <a:lstStyle/>
                     <a:p>
-                      <a:pPr marL="50800" algn="l" rtl="0">
+                      <a:pPr marL="50800">
                         <a:lnSpc>
                           <a:spcPct val="100000"/>
                         </a:lnSpc>
@@ -4032,16 +4474,19 @@
                         </a:spcBef>
                       </a:pPr>
                       <a:r>
-                        <a:rPr lang="ja-JP" sz="900" dirty="0">
+                        <a:rPr sz="900" spc="0">
                           <a:solidFill>
                             <a:srgbClr val="020302"/>
                           </a:solidFill>
-                          <a:latin typeface="Adobe Clean Han Light" panose="020B0300000000000000" pitchFamily="34" charset="-128"/>
-                          <a:ea typeface="Adobe Clean Han Light" panose="020B0300000000000000" pitchFamily="34" charset="-128"/>
+                          <a:latin typeface="AdobeClean-Light"/>
                           <a:cs typeface="AdobeClean-Light"/>
                         </a:rPr>
-                        <a:t>専任サポートエンジニア</a:t>
+                        <a:t>Named Support Engineer</a:t>
                       </a:r>
+                      <a:endParaRPr sz="900" spc="0">
+                        <a:latin typeface="AdobeClean-Light"/>
+                        <a:cs typeface="AdobeClean-Light"/>
+                      </a:endParaRPr>
                     </a:p>
                   </a:txBody>
                   <a:tcPr marL="0" marR="0" marT="58419" marB="0">
@@ -4064,12 +4509,12 @@
                     <a:bodyPr/>
                     <a:lstStyle/>
                     <a:p>
-                      <a:pPr algn="l" rtl="0">
+                      <a:pPr algn="ctr">
                         <a:lnSpc>
                           <a:spcPct val="100000"/>
                         </a:lnSpc>
                       </a:pPr>
-                      <a:endParaRPr sz="900" dirty="0">
+                      <a:endParaRPr sz="900">
                         <a:latin typeface="Times New Roman"/>
                         <a:cs typeface="Times New Roman"/>
                       </a:endParaRPr>
@@ -4093,7 +4538,7 @@
                     <a:bodyPr/>
                     <a:lstStyle/>
                     <a:p>
-                      <a:pPr algn="l" rtl="0">
+                      <a:pPr algn="ctr">
                         <a:lnSpc>
                           <a:spcPct val="100000"/>
                         </a:lnSpc>
@@ -4124,7 +4569,7 @@
                     <a:bodyPr/>
                     <a:lstStyle/>
                     <a:p>
-                      <a:pPr marL="50800" algn="l" rtl="0">
+                      <a:pPr marL="50800">
                         <a:lnSpc>
                           <a:spcPct val="100000"/>
                         </a:lnSpc>
@@ -4182,16 +4627,19 @@
                         </a:spcBef>
                       </a:pPr>
                       <a:r>
-                        <a:rPr lang="ja-JP" sz="900">
+                        <a:rPr sz="900" spc="0">
                           <a:solidFill>
                             <a:srgbClr val="020302"/>
                           </a:solidFill>
-                          <a:latin typeface="Adobe Clean Han Light" panose="020B0300000000000000" pitchFamily="34" charset="-128"/>
-                          <a:ea typeface="Adobe Clean Han Light" panose="020B0300000000000000" pitchFamily="34" charset="-128"/>
+                          <a:latin typeface="AdobeClean-Light"/>
                           <a:cs typeface="AdobeClean-Light"/>
                         </a:rPr>
-                        <a:t>テクニカルアカウントマネージャー</a:t>
+                        <a:t>Technical Account Manager</a:t>
                       </a:r>
+                      <a:endParaRPr sz="900" spc="0">
+                        <a:latin typeface="AdobeClean-Light"/>
+                        <a:cs typeface="AdobeClean-Light"/>
+                      </a:endParaRPr>
                     </a:p>
                   </a:txBody>
                   <a:tcPr marL="0" marR="0" marT="63500" marB="0">
@@ -4220,7 +4668,7 @@
                     <a:bodyPr/>
                     <a:lstStyle/>
                     <a:p>
-                      <a:pPr algn="l" rtl="0">
+                      <a:pPr algn="ctr">
                         <a:lnSpc>
                           <a:spcPct val="100000"/>
                         </a:lnSpc>
@@ -4258,7 +4706,7 @@
                     <a:bodyPr/>
                     <a:lstStyle/>
                     <a:p>
-                      <a:pPr algn="l" rtl="0">
+                      <a:pPr algn="ctr">
                         <a:lnSpc>
                           <a:spcPct val="100000"/>
                         </a:lnSpc>
@@ -4307,16 +4755,22 @@
                         </a:spcBef>
                       </a:pPr>
                       <a:r>
-                        <a:rPr lang="ja-JP" sz="1000" b="1" i="0" dirty="0">
+                        <a:rPr lang="en-US" sz="1000" b="1" i="0" spc="0">
                           <a:solidFill>
                             <a:schemeClr val="bg1"/>
                           </a:solidFill>
-                          <a:latin typeface="Adobe Clean Han Regular" panose="020B0500000000000000" pitchFamily="34" charset="-128"/>
-                          <a:ea typeface="Adobe Clean Han Regular" panose="020B0500000000000000" pitchFamily="34" charset="-128"/>
+                          <a:latin typeface="Adobe Clean" panose="020B0503020404020204" pitchFamily="34" charset="0"/>
                           <a:cs typeface="AdobeClean-Light"/>
                         </a:rPr>
-                        <a:t>サポートサービス</a:t>
+                        <a:t>Support Services</a:t>
                       </a:r>
+                      <a:endParaRPr sz="1000" b="1" i="0" spc="0">
+                        <a:solidFill>
+                          <a:schemeClr val="bg1"/>
+                        </a:solidFill>
+                        <a:latin typeface="Adobe Clean" panose="020B0503020404020204" pitchFamily="34" charset="0"/>
+                        <a:cs typeface="AdobeClean-Light"/>
+                      </a:endParaRPr>
                     </a:p>
                   </a:txBody>
                   <a:tcPr marL="0" marR="0" marT="57150" marB="0" anchor="ctr">
@@ -4372,16 +4826,29 @@
                         </a:spcBef>
                       </a:pPr>
                       <a:r>
-                        <a:rPr lang="ja-JP" sz="900" dirty="0">
+                        <a:rPr lang="en-US" sz="900" spc="0">
                           <a:solidFill>
                             <a:srgbClr val="020302"/>
                           </a:solidFill>
-                          <a:latin typeface="Adobe Clean Han Light" panose="020B0300000000000000" pitchFamily="34" charset="-128"/>
-                          <a:ea typeface="Adobe Clean Han Light" panose="020B0300000000000000" pitchFamily="34" charset="-128"/>
+                          <a:latin typeface="AdobeClean-Light"/>
                           <a:cs typeface="AdobeClean-Light"/>
                         </a:rPr>
-                        <a:t>オンラインサポート</a:t>
+                        <a:t>Online</a:t>
                       </a:r>
+                      <a:r>
+                        <a:rPr sz="900" spc="0">
+                          <a:solidFill>
+                            <a:srgbClr val="020302"/>
+                          </a:solidFill>
+                          <a:latin typeface="AdobeClean-Light"/>
+                          <a:cs typeface="AdobeClean-Light"/>
+                        </a:rPr>
+                        <a:t> Support</a:t>
+                      </a:r>
+                      <a:endParaRPr sz="900" spc="0">
+                        <a:latin typeface="AdobeClean-Light"/>
+                        <a:cs typeface="AdobeClean-Light"/>
+                      </a:endParaRPr>
                     </a:p>
                   </a:txBody>
                   <a:tcPr marL="0" marR="0" marT="57150" marB="0">
@@ -4419,22 +4886,37 @@
                         </a:spcBef>
                       </a:pPr>
                       <a:r>
-                        <a:rPr lang="ja-JP" altLang="en-US" sz="900" dirty="0">
+                        <a:rPr sz="900" spc="-25">
                           <a:solidFill>
                             <a:srgbClr val="020302"/>
                           </a:solidFill>
-                          <a:latin typeface="Adobe Clean Han Light" panose="020B0300000000000000" pitchFamily="34" charset="-128"/>
-                          <a:ea typeface="Adobe Clean Han Light" panose="020B0300000000000000" pitchFamily="34" charset="-128"/>
+                          <a:latin typeface="AdobeClean-Light"/>
                           <a:cs typeface="AdobeClean-Light"/>
                         </a:rPr>
-                        <a:t>営業時間内</a:t>
+                        <a:t>Business</a:t>
                       </a:r>
-                      <a:endParaRPr lang="ja-JP" sz="900" dirty="0">
-                        <a:solidFill>
-                          <a:srgbClr val="020302"/>
-                        </a:solidFill>
-                        <a:latin typeface="Adobe Clean Han Light" panose="020B0300000000000000" pitchFamily="34" charset="-128"/>
-                        <a:ea typeface="Adobe Clean Han Light" panose="020B0300000000000000" pitchFamily="34" charset="-128"/>
+                      <a:r>
+                        <a:rPr sz="900" spc="-15">
+                          <a:solidFill>
+                            <a:srgbClr val="020302"/>
+                          </a:solidFill>
+                          <a:latin typeface="AdobeClean-Light"/>
+                          <a:cs typeface="AdobeClean-Light"/>
+                        </a:rPr>
+                        <a:t> </a:t>
+                      </a:r>
+                      <a:r>
+                        <a:rPr sz="900" spc="-30">
+                          <a:solidFill>
+                            <a:srgbClr val="020302"/>
+                          </a:solidFill>
+                          <a:latin typeface="AdobeClean-Light"/>
+                          <a:cs typeface="AdobeClean-Light"/>
+                        </a:rPr>
+                        <a:t>hours</a:t>
+                      </a:r>
+                      <a:endParaRPr sz="900">
+                        <a:latin typeface="AdobeClean-Light"/>
                         <a:cs typeface="AdobeClean-Light"/>
                       </a:endParaRPr>
                     </a:p>
@@ -4475,22 +4957,37 @@
                         </a:spcBef>
                       </a:pPr>
                       <a:r>
-                        <a:rPr lang="ja-JP" altLang="en-US" sz="900" dirty="0">
+                        <a:rPr sz="900" spc="-25">
                           <a:solidFill>
                             <a:srgbClr val="020302"/>
                           </a:solidFill>
-                          <a:latin typeface="Adobe Clean Han Light" panose="020B0300000000000000" pitchFamily="34" charset="-128"/>
-                          <a:ea typeface="Adobe Clean Han Light" panose="020B0300000000000000" pitchFamily="34" charset="-128"/>
+                          <a:latin typeface="AdobeClean-Light"/>
                           <a:cs typeface="AdobeClean-Light"/>
                         </a:rPr>
-                        <a:t>営業時間内</a:t>
+                        <a:t>Business</a:t>
                       </a:r>
-                      <a:endParaRPr lang="ja-JP" sz="900" dirty="0">
-                        <a:solidFill>
-                          <a:srgbClr val="020302"/>
-                        </a:solidFill>
-                        <a:latin typeface="Adobe Clean Han Light" panose="020B0300000000000000" pitchFamily="34" charset="-128"/>
-                        <a:ea typeface="Adobe Clean Han Light" panose="020B0300000000000000" pitchFamily="34" charset="-128"/>
+                      <a:r>
+                        <a:rPr sz="900" spc="-15">
+                          <a:solidFill>
+                            <a:srgbClr val="020302"/>
+                          </a:solidFill>
+                          <a:latin typeface="AdobeClean-Light"/>
+                          <a:cs typeface="AdobeClean-Light"/>
+                        </a:rPr>
+                        <a:t> </a:t>
+                      </a:r>
+                      <a:r>
+                        <a:rPr sz="900" spc="-30">
+                          <a:solidFill>
+                            <a:srgbClr val="020302"/>
+                          </a:solidFill>
+                          <a:latin typeface="AdobeClean-Light"/>
+                          <a:cs typeface="AdobeClean-Light"/>
+                        </a:rPr>
+                        <a:t>hours</a:t>
+                      </a:r>
+                      <a:endParaRPr sz="900">
+                        <a:latin typeface="AdobeClean-Light"/>
                         <a:cs typeface="AdobeClean-Light"/>
                       </a:endParaRPr>
                     </a:p>
@@ -4524,7 +5021,7 @@
                     <a:bodyPr/>
                     <a:lstStyle/>
                     <a:p>
-                      <a:pPr marL="50800" algn="l" rtl="0">
+                      <a:pPr marL="50800">
                         <a:lnSpc>
                           <a:spcPct val="100000"/>
                         </a:lnSpc>
@@ -4573,16 +5070,39 @@
                         </a:spcBef>
                       </a:pPr>
                       <a:r>
-                        <a:rPr lang="ja-JP" sz="900" dirty="0">
+                        <a:rPr sz="900" spc="0">
                           <a:solidFill>
                             <a:srgbClr val="020302"/>
                           </a:solidFill>
-                          <a:latin typeface="Adobe Clean Han Light" panose="020B0300000000000000" pitchFamily="34" charset="-128"/>
-                          <a:ea typeface="Adobe Clean Han Light" panose="020B0300000000000000" pitchFamily="34" charset="-128"/>
+                          <a:latin typeface="AdobeClean-Light"/>
                           <a:cs typeface="AdobeClean-Light"/>
                         </a:rPr>
-                        <a:t>24 時間年中無休の P1 の問題のサポート</a:t>
+                        <a:t>24x7</a:t>
                       </a:r>
+                      <a:r>
+                        <a:rPr lang="en-US" sz="900" spc="0">
+                          <a:solidFill>
+                            <a:srgbClr val="020302"/>
+                          </a:solidFill>
+                          <a:latin typeface="AdobeClean-Light"/>
+                          <a:cs typeface="AdobeClean-Light"/>
+                        </a:rPr>
+                        <a:t>x365</a:t>
+                      </a:r>
+                      <a:r>
+                        <a:rPr sz="900" spc="0">
+                          <a:solidFill>
+                            <a:srgbClr val="020302"/>
+                          </a:solidFill>
+                          <a:latin typeface="AdobeClean-Light"/>
+                          <a:cs typeface="AdobeClean-Light"/>
+                        </a:rPr>
+                        <a:t> P1 Issue Support</a:t>
+                      </a:r>
+                      <a:endParaRPr sz="900" spc="0">
+                        <a:latin typeface="AdobeClean-Light"/>
+                        <a:cs typeface="AdobeClean-Light"/>
+                      </a:endParaRPr>
                     </a:p>
                   </a:txBody>
                   <a:tcPr marL="0" marR="0" marT="57785" marB="0">
@@ -4614,16 +5134,19 @@
                         </a:spcBef>
                       </a:pPr>
                       <a:r>
-                        <a:rPr lang="ja-JP" sz="900">
+                        <a:rPr sz="900">
                           <a:solidFill>
                             <a:srgbClr val="020302"/>
                           </a:solidFill>
                           <a:latin typeface="Wingdings"/>
-                          <a:ea typeface="MS Mincho"/>
                           <a:cs typeface="Wingdings"/>
                         </a:rPr>
                         <a:t></a:t>
                       </a:r>
+                      <a:endParaRPr sz="900">
+                        <a:latin typeface="Wingdings"/>
+                        <a:cs typeface="Wingdings"/>
+                      </a:endParaRPr>
                     </a:p>
                   </a:txBody>
                   <a:tcPr marL="0" marR="0" marT="58419" marB="0">
@@ -4653,16 +5176,19 @@
                         </a:spcBef>
                       </a:pPr>
                       <a:r>
-                        <a:rPr lang="ja-JP" sz="900">
+                        <a:rPr sz="900">
                           <a:solidFill>
                             <a:srgbClr val="020302"/>
                           </a:solidFill>
                           <a:latin typeface="Wingdings"/>
-                          <a:ea typeface="MS Mincho"/>
                           <a:cs typeface="Wingdings"/>
                         </a:rPr>
                         <a:t></a:t>
                       </a:r>
+                      <a:endParaRPr sz="900">
+                        <a:latin typeface="Wingdings"/>
+                        <a:cs typeface="Wingdings"/>
+                      </a:endParaRPr>
                     </a:p>
                   </a:txBody>
                   <a:tcPr marL="0" marR="0" marT="58419" marB="0">
@@ -4685,7 +5211,7 @@
                     <a:bodyPr/>
                     <a:lstStyle/>
                     <a:p>
-                      <a:pPr marL="50800" algn="l" rtl="0">
+                      <a:pPr marL="50800">
                         <a:lnSpc>
                           <a:spcPct val="100000"/>
                         </a:lnSpc>
@@ -4743,16 +5269,19 @@
                         </a:spcBef>
                       </a:pPr>
                       <a:r>
-                        <a:rPr lang="ja-JP" sz="900">
+                        <a:rPr lang="en-US" sz="900" spc="0">
                           <a:solidFill>
                             <a:srgbClr val="020302"/>
                           </a:solidFill>
-                          <a:latin typeface="Adobe Clean Han Light" panose="020B0300000000000000" pitchFamily="34" charset="-128"/>
-                          <a:ea typeface="Adobe Clean Han Light" panose="020B0300000000000000" pitchFamily="34" charset="-128"/>
+                          <a:latin typeface="AdobeClean-Light"/>
                           <a:cs typeface="AdobeClean-Light"/>
                         </a:rPr>
-                        <a:t>サポート対象ユーザー（製品単位）</a:t>
+                        <a:t>Named Support Contacts (per product)</a:t>
                       </a:r>
+                      <a:endParaRPr sz="900" spc="0">
+                        <a:latin typeface="AdobeClean-Light"/>
+                        <a:cs typeface="AdobeClean-Light"/>
+                      </a:endParaRPr>
                     </a:p>
                   </a:txBody>
                   <a:tcPr marL="0" marR="0" marT="57785" marB="0">
@@ -4790,16 +5319,19 @@
                         </a:spcBef>
                       </a:pPr>
                       <a:r>
-                        <a:rPr lang="ja-JP" sz="900" dirty="0">
+                        <a:rPr sz="900">
                           <a:solidFill>
                             <a:srgbClr val="020302"/>
                           </a:solidFill>
-                          <a:latin typeface="Adobe Clean Han Light" panose="020B0300000000000000" pitchFamily="34" charset="-128"/>
-                          <a:ea typeface="Adobe Clean Han Light" panose="020B0300000000000000" pitchFamily="34" charset="-128"/>
+                          <a:latin typeface="AdobeClean-Light"/>
                           <a:cs typeface="AdobeClean-Light"/>
                         </a:rPr>
                         <a:t>4</a:t>
                       </a:r>
+                      <a:endParaRPr sz="900">
+                        <a:latin typeface="AdobeClean-Light"/>
+                        <a:cs typeface="AdobeClean-Light"/>
+                      </a:endParaRPr>
                     </a:p>
                   </a:txBody>
                   <a:tcPr marL="0" marR="0" marT="57785" marB="0">
@@ -4829,16 +5361,19 @@
                         </a:spcBef>
                       </a:pPr>
                       <a:r>
-                        <a:rPr lang="ja-JP" sz="900" dirty="0">
+                        <a:rPr sz="900">
                           <a:solidFill>
                             <a:srgbClr val="020302"/>
                           </a:solidFill>
-                          <a:latin typeface="Adobe Clean Han Light" panose="020B0300000000000000" pitchFamily="34" charset="-128"/>
-                          <a:ea typeface="Adobe Clean Han Light" panose="020B0300000000000000" pitchFamily="34" charset="-128"/>
+                          <a:latin typeface="AdobeClean-Light"/>
                           <a:cs typeface="AdobeClean-Light"/>
                         </a:rPr>
                         <a:t>6</a:t>
                       </a:r>
+                      <a:endParaRPr sz="900">
+                        <a:latin typeface="AdobeClean-Light"/>
+                        <a:cs typeface="AdobeClean-Light"/>
+                      </a:endParaRPr>
                     </a:p>
                   </a:txBody>
                   <a:tcPr marL="0" marR="0" marT="57785" marB="0">
@@ -4861,7 +5396,7 @@
                     <a:bodyPr/>
                     <a:lstStyle/>
                     <a:p>
-                      <a:pPr marL="50800" algn="l" rtl="0">
+                      <a:pPr marL="50800">
                         <a:lnSpc>
                           <a:spcPct val="100000"/>
                         </a:lnSpc>
@@ -4910,16 +5445,19 @@
                         </a:spcBef>
                       </a:pPr>
                       <a:r>
-                        <a:rPr lang="ja-JP" sz="900" dirty="0">
+                        <a:rPr lang="en-US" sz="900" spc="0">
                           <a:solidFill>
                             <a:srgbClr val="020302"/>
                           </a:solidFill>
-                          <a:latin typeface="Adobe Clean Han Light" panose="020B0300000000000000" pitchFamily="34" charset="-128"/>
-                          <a:ea typeface="Adobe Clean Han Light" panose="020B0300000000000000" pitchFamily="34" charset="-128"/>
+                          <a:latin typeface="AdobeClean-Light"/>
                           <a:cs typeface="AdobeClean-Light"/>
                         </a:rPr>
-                        <a:t>電話サポート（ライブ）</a:t>
+                        <a:t>Live Telephone Support</a:t>
                       </a:r>
+                      <a:endParaRPr sz="900" spc="0">
+                        <a:latin typeface="AdobeClean-Light"/>
+                        <a:cs typeface="AdobeClean-Light"/>
+                      </a:endParaRPr>
                     </a:p>
                   </a:txBody>
                   <a:tcPr marL="0" marR="0" marT="57785" marB="0">
@@ -4942,7 +5480,7 @@
                     <a:bodyPr/>
                     <a:lstStyle/>
                     <a:p>
-                      <a:pPr algn="l" rtl="0">
+                      <a:pPr algn="ctr">
                         <a:lnSpc>
                           <a:spcPct val="100000"/>
                         </a:lnSpc>
@@ -4983,16 +5521,19 @@
                         </a:spcBef>
                       </a:pPr>
                       <a:r>
-                        <a:rPr lang="ja-JP" sz="900">
+                        <a:rPr sz="900">
                           <a:solidFill>
                             <a:srgbClr val="020302"/>
                           </a:solidFill>
                           <a:latin typeface="Wingdings"/>
-                          <a:ea typeface="MS Mincho"/>
                           <a:cs typeface="Wingdings"/>
                         </a:rPr>
                         <a:t></a:t>
                       </a:r>
+                      <a:endParaRPr sz="900">
+                        <a:latin typeface="Wingdings"/>
+                        <a:cs typeface="Wingdings"/>
+                      </a:endParaRPr>
                     </a:p>
                   </a:txBody>
                   <a:tcPr marL="0" marR="0" marT="59054" marB="0">
@@ -5015,7 +5556,7 @@
                     <a:bodyPr/>
                     <a:lstStyle/>
                     <a:p>
-                      <a:pPr marL="50800" algn="l" rtl="0">
+                      <a:pPr marL="50800">
                         <a:lnSpc>
                           <a:spcPct val="100000"/>
                         </a:lnSpc>
@@ -5064,16 +5605,19 @@
                         </a:spcBef>
                       </a:pPr>
                       <a:r>
-                        <a:rPr lang="ja-JP" sz="900">
+                        <a:rPr sz="900" spc="0">
                           <a:solidFill>
                             <a:srgbClr val="020302"/>
                           </a:solidFill>
-                          <a:latin typeface="Adobe Clean Han Light" panose="020B0300000000000000" pitchFamily="34" charset="-128"/>
-                          <a:ea typeface="Adobe Clean Han Light" panose="020B0300000000000000" pitchFamily="34" charset="-128"/>
+                          <a:latin typeface="AdobeClean-Light"/>
                           <a:cs typeface="AdobeClean-Light"/>
                         </a:rPr>
-                        <a:t>エスカレーション管理</a:t>
+                        <a:t>Escalation Management</a:t>
                       </a:r>
+                      <a:endParaRPr sz="900" spc="0">
+                        <a:latin typeface="AdobeClean-Light"/>
+                        <a:cs typeface="AdobeClean-Light"/>
+                      </a:endParaRPr>
                     </a:p>
                   </a:txBody>
                   <a:tcPr marL="0" marR="0" marT="58419" marB="0">
@@ -5096,7 +5640,7 @@
                     <a:bodyPr/>
                     <a:lstStyle/>
                     <a:p>
-                      <a:pPr algn="l" rtl="0">
+                      <a:pPr algn="ctr">
                         <a:lnSpc>
                           <a:spcPct val="100000"/>
                         </a:lnSpc>
@@ -5137,16 +5681,19 @@
                         </a:spcBef>
                       </a:pPr>
                       <a:r>
-                        <a:rPr lang="ja-JP" sz="900">
+                        <a:rPr sz="900">
                           <a:solidFill>
                             <a:srgbClr val="020302"/>
                           </a:solidFill>
                           <a:latin typeface="Wingdings"/>
-                          <a:ea typeface="MS Mincho"/>
                           <a:cs typeface="Wingdings"/>
                         </a:rPr>
                         <a:t></a:t>
                       </a:r>
+                      <a:endParaRPr sz="900">
+                        <a:latin typeface="Wingdings"/>
+                        <a:cs typeface="Wingdings"/>
+                      </a:endParaRPr>
                     </a:p>
                   </a:txBody>
                   <a:tcPr marL="0" marR="0" marT="59690" marB="0">
@@ -5169,7 +5716,7 @@
                     <a:bodyPr/>
                     <a:lstStyle/>
                     <a:p>
-                      <a:pPr marL="50800" algn="l" rtl="0">
+                      <a:pPr marL="50800">
                         <a:lnSpc>
                           <a:spcPct val="100000"/>
                         </a:lnSpc>
@@ -5218,16 +5765,29 @@
                         </a:spcBef>
                       </a:pPr>
                       <a:r>
-                        <a:rPr lang="ja-JP" sz="900" dirty="0">
+                        <a:rPr sz="900" spc="0">
                           <a:solidFill>
                             <a:srgbClr val="020302"/>
                           </a:solidFill>
-                          <a:latin typeface="Adobe Clean Han Light" panose="020B0300000000000000" pitchFamily="34" charset="-128"/>
-                          <a:ea typeface="Adobe Clean Han Light" panose="020B0300000000000000" pitchFamily="34" charset="-128"/>
+                          <a:latin typeface="AdobeClean-Light"/>
                           <a:cs typeface="AdobeClean-Light"/>
                         </a:rPr>
-                        <a:t>年間のサービスレビュー</a:t>
+                        <a:t>Service Reviews </a:t>
                       </a:r>
+                      <a:r>
+                        <a:rPr lang="en-US" sz="900" spc="0">
+                          <a:solidFill>
+                            <a:srgbClr val="020302"/>
+                          </a:solidFill>
+                          <a:latin typeface="AdobeClean-Light"/>
+                          <a:cs typeface="AdobeClean-Light"/>
+                        </a:rPr>
+                        <a:t>per Year</a:t>
+                      </a:r>
+                      <a:endParaRPr sz="900" spc="0">
+                        <a:latin typeface="AdobeClean-Light"/>
+                        <a:cs typeface="AdobeClean-Light"/>
+                      </a:endParaRPr>
                     </a:p>
                   </a:txBody>
                   <a:tcPr marL="0" marR="0" marT="57150" marB="0">
@@ -5250,12 +5810,12 @@
                     <a:bodyPr/>
                     <a:lstStyle/>
                     <a:p>
-                      <a:pPr algn="l" rtl="0">
+                      <a:pPr>
                         <a:lnSpc>
                           <a:spcPct val="100000"/>
                         </a:lnSpc>
                       </a:pPr>
-                      <a:endParaRPr sz="900" dirty="0">
+                      <a:endParaRPr sz="900">
                         <a:latin typeface="Times New Roman"/>
                         <a:cs typeface="Times New Roman"/>
                       </a:endParaRPr>
@@ -5279,7 +5839,7 @@
                     <a:bodyPr/>
                     <a:lstStyle/>
                     <a:p>
-                      <a:pPr algn="l" rtl="0">
+                      <a:pPr>
                         <a:lnSpc>
                           <a:spcPct val="100000"/>
                         </a:lnSpc>
@@ -5329,13 +5889,16 @@
                         </a:spcBef>
                       </a:pPr>
                       <a:r>
-                        <a:rPr lang="ja-JP" sz="900" dirty="0">
-                          <a:latin typeface="Adobe Clean Han Light" panose="020B0300000000000000" pitchFamily="34" charset="-128"/>
-                          <a:ea typeface="Adobe Clean Han Light" panose="020B0300000000000000" pitchFamily="34" charset="-128"/>
+                        <a:rPr lang="en-US" sz="900" spc="0">
+                          <a:latin typeface="AdobeClean-Light"/>
                           <a:cs typeface="AdobeClean-Light"/>
                         </a:rPr>
-                        <a:t>年間のエキスパートセッション</a:t>
+                        <a:t>Expert Sessions per Year</a:t>
                       </a:r>
+                      <a:endParaRPr sz="900" spc="0">
+                        <a:latin typeface="AdobeClean-Light"/>
+                        <a:cs typeface="AdobeClean-Light"/>
+                      </a:endParaRPr>
                     </a:p>
                   </a:txBody>
                   <a:tcPr marL="0" marR="0" marT="57150" marB="0">
@@ -5364,7 +5927,7 @@
                     <a:bodyPr/>
                     <a:lstStyle/>
                     <a:p>
-                      <a:pPr algn="l" rtl="0">
+                      <a:pPr>
                         <a:lnSpc>
                           <a:spcPct val="100000"/>
                         </a:lnSpc>
@@ -5393,7 +5956,7 @@
                     <a:bodyPr/>
                     <a:lstStyle/>
                     <a:p>
-                      <a:pPr algn="l" rtl="0">
+                      <a:pPr>
                         <a:lnSpc>
                           <a:spcPct val="100000"/>
                         </a:lnSpc>
@@ -5443,13 +6006,16 @@
                         </a:spcBef>
                       </a:pPr>
                       <a:r>
-                        <a:rPr lang="ja-JP" sz="900" dirty="0">
-                          <a:latin typeface="Adobe Clean Han Light" panose="020B0300000000000000" pitchFamily="34" charset="-128"/>
-                          <a:ea typeface="Adobe Clean Han Light" panose="020B0300000000000000" pitchFamily="34" charset="-128"/>
+                        <a:rPr lang="en-US" sz="900" spc="0">
+                          <a:latin typeface="AdobeClean-Light"/>
                           <a:cs typeface="AdobeClean-Light"/>
                         </a:rPr>
-                        <a:t>ケースレビュー</a:t>
+                        <a:t>Case Reviews</a:t>
                       </a:r>
+                      <a:endParaRPr sz="900" spc="0">
+                        <a:latin typeface="AdobeClean-Light"/>
+                        <a:cs typeface="AdobeClean-Light"/>
+                      </a:endParaRPr>
                     </a:p>
                   </a:txBody>
                   <a:tcPr marL="0" marR="0" marT="57150" marB="0">
@@ -5478,7 +6044,7 @@
                     <a:bodyPr/>
                     <a:lstStyle/>
                     <a:p>
-                      <a:pPr algn="l" rtl="0">
+                      <a:pPr>
                         <a:lnSpc>
                           <a:spcPct val="100000"/>
                         </a:lnSpc>
@@ -5507,7 +6073,7 @@
                     <a:bodyPr/>
                     <a:lstStyle/>
                     <a:p>
-                      <a:pPr algn="l" rtl="0">
+                      <a:pPr>
                         <a:lnSpc>
                           <a:spcPct val="100000"/>
                         </a:lnSpc>
@@ -5538,7 +6104,7 @@
                     <a:bodyPr/>
                     <a:lstStyle/>
                     <a:p>
-                      <a:pPr marL="48895" algn="l" rtl="0">
+                      <a:pPr marL="48895">
                         <a:lnSpc>
                           <a:spcPct val="100000"/>
                         </a:lnSpc>
@@ -5596,16 +6162,29 @@
                         </a:spcBef>
                       </a:pPr>
                       <a:r>
-                        <a:rPr lang="ja-JP" sz="900" dirty="0">
+                        <a:rPr sz="900" spc="0">
                           <a:solidFill>
                             <a:srgbClr val="020302"/>
                           </a:solidFill>
-                          <a:latin typeface="Adobe Clean Han Light" panose="020B0300000000000000" pitchFamily="34" charset="-128"/>
-                          <a:ea typeface="Adobe Clean Han Light" panose="020B0300000000000000" pitchFamily="34" charset="-128"/>
+                          <a:latin typeface="AdobeClean-Light"/>
                           <a:cs typeface="AdobeClean-Light"/>
                         </a:rPr>
-                        <a:t>イベント管理</a:t>
+                        <a:t>Event </a:t>
                       </a:r>
+                      <a:r>
+                        <a:rPr lang="en-US" sz="900" spc="0">
+                          <a:solidFill>
+                            <a:srgbClr val="020302"/>
+                          </a:solidFill>
+                          <a:latin typeface="AdobeClean-Light"/>
+                          <a:cs typeface="AdobeClean-Light"/>
+                        </a:rPr>
+                        <a:t>Management</a:t>
+                      </a:r>
+                      <a:endParaRPr sz="900" spc="0">
+                        <a:latin typeface="AdobeClean-Light"/>
+                        <a:cs typeface="AdobeClean-Light"/>
+                      </a:endParaRPr>
                     </a:p>
                   </a:txBody>
                   <a:tcPr marL="0" marR="0" marT="58419" marB="0">
@@ -5634,7 +6213,7 @@
                     <a:bodyPr/>
                     <a:lstStyle/>
                     <a:p>
-                      <a:pPr algn="l" rtl="0">
+                      <a:pPr>
                         <a:lnSpc>
                           <a:spcPct val="100000"/>
                         </a:lnSpc>
@@ -5663,7 +6242,7 @@
                     <a:bodyPr/>
                     <a:lstStyle/>
                     <a:p>
-                      <a:pPr algn="l" rtl="0">
+                      <a:pPr>
                         <a:lnSpc>
                           <a:spcPct val="100000"/>
                         </a:lnSpc>
@@ -5694,7 +6273,7 @@
                     <a:bodyPr/>
                     <a:lstStyle/>
                     <a:p>
-                      <a:pPr marL="48895" algn="l" rtl="0">
+                      <a:pPr marL="48895">
                         <a:lnSpc>
                           <a:spcPct val="100000"/>
                         </a:lnSpc>
@@ -5743,16 +6322,39 @@
                         </a:spcBef>
                       </a:pPr>
                       <a:r>
-                        <a:rPr lang="ja-JP" sz="900" dirty="0">
+                        <a:rPr sz="900" spc="0">
                           <a:solidFill>
                             <a:srgbClr val="020302"/>
                           </a:solidFill>
-                          <a:latin typeface="Adobe Clean Han Light" panose="020B0300000000000000" pitchFamily="34" charset="-128"/>
-                          <a:ea typeface="Adobe Clean Han Light" panose="020B0300000000000000" pitchFamily="34" charset="-128"/>
+                          <a:latin typeface="AdobeClean-Light"/>
                           <a:cs typeface="AdobeClean-Light"/>
                         </a:rPr>
-                        <a:t>環境レビュー、メンテナンスと監視</a:t>
+                        <a:t>Environment</a:t>
                       </a:r>
+                      <a:r>
+                        <a:rPr lang="en-US" sz="900" spc="0">
+                          <a:solidFill>
+                            <a:srgbClr val="020302"/>
+                          </a:solidFill>
+                          <a:latin typeface="AdobeClean-Light"/>
+                          <a:cs typeface="AdobeClean-Light"/>
+                        </a:rPr>
+                        <a:t> </a:t>
+                      </a:r>
+                      <a:r>
+                        <a:rPr sz="900" spc="0">
+                          <a:solidFill>
+                            <a:srgbClr val="020302"/>
+                          </a:solidFill>
+                          <a:latin typeface="AdobeClean-Light"/>
+                          <a:cs typeface="AdobeClean-Light"/>
+                        </a:rPr>
+                        <a:t>Review, Maintenance &amp; Monitoring</a:t>
+                      </a:r>
+                      <a:endParaRPr sz="900" spc="0">
+                        <a:latin typeface="AdobeClean-Light"/>
+                        <a:cs typeface="AdobeClean-Light"/>
+                      </a:endParaRPr>
                     </a:p>
                   </a:txBody>
                   <a:tcPr marL="0" marR="0" marT="59055" marB="0">
@@ -5775,7 +6377,7 @@
                     <a:bodyPr/>
                     <a:lstStyle/>
                     <a:p>
-                      <a:pPr algn="l" rtl="0">
+                      <a:pPr>
                         <a:lnSpc>
                           <a:spcPct val="100000"/>
                         </a:lnSpc>
@@ -5804,7 +6406,7 @@
                     <a:bodyPr/>
                     <a:lstStyle/>
                     <a:p>
-                      <a:pPr algn="l" rtl="0">
+                      <a:pPr>
                         <a:lnSpc>
                           <a:spcPct val="100000"/>
                         </a:lnSpc>
@@ -5835,7 +6437,7 @@
                     <a:bodyPr/>
                     <a:lstStyle/>
                     <a:p>
-                      <a:pPr marL="49530" algn="l" rtl="0">
+                      <a:pPr marL="49530">
                         <a:lnSpc>
                           <a:spcPct val="100000"/>
                         </a:lnSpc>
@@ -5884,16 +6486,19 @@
                         </a:spcBef>
                       </a:pPr>
                       <a:r>
-                        <a:rPr lang="ja-JP" sz="900" dirty="0">
+                        <a:rPr sz="900" spc="0">
                           <a:solidFill>
                             <a:srgbClr val="020302"/>
                           </a:solidFill>
-                          <a:latin typeface="Adobe Clean Han Light" panose="020B0300000000000000" pitchFamily="34" charset="-128"/>
-                          <a:ea typeface="Adobe Clean Han Light" panose="020B0300000000000000" pitchFamily="34" charset="-128"/>
+                          <a:latin typeface="AdobeClean-Light"/>
                           <a:cs typeface="AdobeClean-Light"/>
                         </a:rPr>
-                        <a:t>リリース、移行、アップグレード、製品ロードマップのレビュー</a:t>
+                        <a:t>Release, Migration, Upgrade &amp; Product Roadmap Review</a:t>
                       </a:r>
+                      <a:endParaRPr sz="900" spc="0">
+                        <a:latin typeface="AdobeClean-Light"/>
+                        <a:cs typeface="AdobeClean-Light"/>
+                      </a:endParaRPr>
                     </a:p>
                   </a:txBody>
                   <a:tcPr marL="0" marR="0" marT="63500" marB="0">
@@ -5916,7 +6521,7 @@
                     <a:bodyPr/>
                     <a:lstStyle/>
                     <a:p>
-                      <a:pPr algn="l" rtl="0">
+                      <a:pPr>
                         <a:lnSpc>
                           <a:spcPct val="100000"/>
                         </a:lnSpc>
@@ -5945,7 +6550,7 @@
                     <a:bodyPr/>
                     <a:lstStyle/>
                     <a:p>
-                      <a:pPr algn="l" rtl="0">
+                      <a:pPr>
                         <a:lnSpc>
                           <a:spcPct val="100000"/>
                         </a:lnSpc>
@@ -5976,7 +6581,7 @@
                     <a:bodyPr/>
                     <a:lstStyle/>
                     <a:p>
-                      <a:pPr marL="49530" algn="l" rtl="0">
+                      <a:pPr marL="49530">
                         <a:lnSpc>
                           <a:spcPct val="100000"/>
                         </a:lnSpc>
@@ -6034,12 +6639,11 @@
                         </a:spcBef>
                       </a:pPr>
                       <a:r>
-                        <a:rPr lang="ja-JP" sz="900" dirty="0">
-                          <a:latin typeface="Adobe Clean Han Light" panose="020B0300000000000000" pitchFamily="34" charset="-128"/>
-                          <a:ea typeface="Adobe Clean Han Light" panose="020B0300000000000000" pitchFamily="34" charset="-128"/>
+                        <a:rPr sz="900" spc="0">
+                          <a:latin typeface="AdobeClean-Light"/>
                           <a:cs typeface="AdobeClean-Light"/>
                         </a:rPr>
-                        <a:t>クラウドサポートアクティビティ – Experience Manager as Cloud</a:t>
+                        <a:t>Cloud Support Activities – Experience Manager as Cloud</a:t>
                       </a:r>
                     </a:p>
                   </a:txBody>
@@ -6069,7 +6673,7 @@
                     <a:bodyPr/>
                     <a:lstStyle/>
                     <a:p>
-                      <a:pPr algn="l" rtl="0">
+                      <a:pPr>
                         <a:lnSpc>
                           <a:spcPct val="100000"/>
                         </a:lnSpc>
@@ -6107,7 +6711,7 @@
                     <a:bodyPr/>
                     <a:lstStyle/>
                     <a:p>
-                      <a:pPr algn="l" rtl="0">
+                      <a:pPr>
                         <a:lnSpc>
                           <a:spcPct val="100000"/>
                         </a:lnSpc>
@@ -6156,16 +6760,22 @@
                         </a:spcBef>
                       </a:pPr>
                       <a:r>
-                        <a:rPr lang="ja-JP" sz="1000" b="1" i="0" dirty="0">
+                        <a:rPr lang="en-US" sz="1000" b="1" i="0" spc="0">
                           <a:solidFill>
                             <a:schemeClr val="bg1"/>
                           </a:solidFill>
-                          <a:latin typeface="Adobe Clean Han Regular" panose="020B0500000000000000" pitchFamily="34" charset="-128"/>
-                          <a:ea typeface="Adobe Clean Han Regular" panose="020B0500000000000000" pitchFamily="34" charset="-128"/>
+                          <a:latin typeface="Adobe Clean" panose="020B0503020404020204" pitchFamily="34" charset="0"/>
                           <a:cs typeface="AdobeClean-Light"/>
                         </a:rPr>
-                        <a:t>フィールドサービス</a:t>
+                        <a:t>Field Services</a:t>
                       </a:r>
+                      <a:endParaRPr sz="1000" b="1" i="0" spc="0">
+                        <a:solidFill>
+                          <a:schemeClr val="bg1"/>
+                        </a:solidFill>
+                        <a:latin typeface="Adobe Clean" panose="020B0503020404020204" pitchFamily="34" charset="0"/>
+                        <a:cs typeface="AdobeClean-Light"/>
+                      </a:endParaRPr>
                     </a:p>
                   </a:txBody>
                   <a:tcPr marL="0" marR="0" marT="48260" marB="0" anchor="ctr">
@@ -6218,16 +6828,19 @@
                         </a:spcBef>
                       </a:pPr>
                       <a:r>
-                        <a:rPr lang="ja-JP" sz="900" dirty="0">
+                        <a:rPr sz="900" spc="0">
                           <a:solidFill>
                             <a:srgbClr val="020302"/>
                           </a:solidFill>
-                          <a:latin typeface="Adobe Clean Han Light" panose="020B0300000000000000" pitchFamily="34" charset="-128"/>
-                          <a:ea typeface="Adobe Clean Han Light" panose="020B0300000000000000" pitchFamily="34" charset="-128"/>
+                          <a:latin typeface="AdobeClean-Light"/>
                           <a:cs typeface="AdobeClean-Light"/>
                         </a:rPr>
-                        <a:t>Launch Advisory サービス – 製品導入の初年度</a:t>
+                        <a:t>Launch Advisory Services – First Year of new solution</a:t>
                       </a:r>
+                      <a:endParaRPr sz="900" spc="0">
+                        <a:latin typeface="AdobeClean-Light"/>
+                        <a:cs typeface="AdobeClean-Light"/>
+                      </a:endParaRPr>
                     </a:p>
                     <a:p>
                       <a:pPr marL="48260" hangingPunct="0">
@@ -6239,12 +6852,11 @@
                         </a:spcBef>
                       </a:pPr>
                       <a:r>
-                        <a:rPr lang="ja-JP" sz="900" dirty="0">
-                          <a:latin typeface="Adobe Clean Han Light" panose="020B0300000000000000" pitchFamily="34" charset="-128"/>
-                          <a:ea typeface="Adobe Clean Han Light" panose="020B0300000000000000" pitchFamily="34" charset="-128"/>
+                        <a:rPr sz="900" spc="0">
+                          <a:latin typeface="AdobeClean-Light"/>
                           <a:cs typeface="AdobeClean-Light"/>
                         </a:rPr>
-                        <a:t>フィールドサービスアクティビティ </a:t>
+                        <a:t>Field Service Activities </a:t>
                       </a:r>
                     </a:p>
                   </a:txBody>
@@ -6280,7 +6892,7 @@
                     <a:bodyPr/>
                     <a:lstStyle/>
                     <a:p>
-                      <a:pPr algn="l" rtl="0">
+                      <a:pPr>
                         <a:lnSpc>
                           <a:spcPct val="100000"/>
                         </a:lnSpc>
@@ -6318,7 +6930,7 @@
                     <a:bodyPr/>
                     <a:lstStyle/>
                     <a:p>
-                      <a:pPr algn="l" rtl="0">
+                      <a:pPr>
                         <a:lnSpc>
                           <a:spcPct val="100000"/>
                         </a:lnSpc>
@@ -6403,7 +7015,7 @@
                     <a:bodyPr/>
                     <a:lstStyle/>
                     <a:p>
-                      <a:pPr algn="l" rtl="0">
+                      <a:pPr>
                         <a:lnSpc>
                           <a:spcPct val="100000"/>
                         </a:lnSpc>
@@ -6429,12 +7041,12 @@
                     <a:bodyPr/>
                     <a:lstStyle/>
                     <a:p>
-                      <a:pPr algn="l" rtl="0">
+                      <a:pPr>
                         <a:lnSpc>
                           <a:spcPct val="100000"/>
                         </a:lnSpc>
                       </a:pPr>
-                      <a:endParaRPr sz="900" dirty="0">
+                      <a:endParaRPr sz="900">
                         <a:latin typeface="Times New Roman"/>
                         <a:cs typeface="Times New Roman"/>
                       </a:endParaRPr>
@@ -6493,7 +7105,7 @@
           <a:lstStyle/>
           <a:p>
             <a:r>
-              <a:rPr lang="ja-JP" sz="700" i="1">
+              <a:rPr lang="en-US" sz="700" i="1">
                 <a:solidFill>
                   <a:schemeClr val="bg1"/>
                 </a:solidFill>
@@ -6536,10 +7148,10 @@
         </p:nvGrpSpPr>
         <p:grpSpPr>
           <a:xfrm rot="5400000">
-            <a:off x="1380879" y="-1392301"/>
-            <a:ext cx="5142152" cy="7931849"/>
-            <a:chOff x="187070" y="421767"/>
-            <a:chExt cx="3441191" cy="7641336"/>
+            <a:off x="1339850" y="-1393467"/>
+            <a:ext cx="5198897" cy="7971002"/>
+            <a:chOff x="180403" y="415099"/>
+            <a:chExt cx="3479165" cy="7679055"/>
           </a:xfrm>
         </p:grpSpPr>
         <p:sp>
@@ -6550,7 +7162,7 @@
           </p:nvSpPr>
           <p:spPr>
             <a:xfrm>
-              <a:off x="3628261" y="576453"/>
+              <a:off x="3628262" y="576453"/>
               <a:ext cx="0" cy="7486650"/>
             </a:xfrm>
             <a:custGeom>
@@ -6675,7 +7287,7 @@
         <p:spPr>
           <a:xfrm>
             <a:off x="370040" y="1409311"/>
-            <a:ext cx="2286000" cy="1639167"/>
+            <a:ext cx="2286000" cy="1289969"/>
           </a:xfrm>
           <a:prstGeom prst="rect">
             <a:avLst/>
@@ -6696,15 +7308,18 @@
               </a:spcBef>
             </a:pPr>
             <a:r>
-              <a:rPr lang="ja-JP" sz="1000" dirty="0">
+              <a:rPr lang="en-US" sz="1000">
                 <a:solidFill>
                   <a:srgbClr val="000000"/>
                 </a:solidFill>
-                <a:latin typeface="Adobe Clean Han Light" panose="020B0300000000000000" pitchFamily="34" charset="-128"/>
-                <a:ea typeface="Adobe Clean Han Light" panose="020B0300000000000000" pitchFamily="34" charset="-128"/>
-              </a:rPr>
-              <a:t>専任アカウントサポートリードは、プロアクティブにケースを監視し、チーム間のコラボレーションを促進します。また、オンボーディングウェビナーの提供や、サービスレポートの実行、技術面以外でのサポートを行います。お客様のエスカレーションポイントおよびアドビサポートの社内担当としての役割を果たします。</a:t>
-            </a:r>
+                <a:latin typeface="Adobe Clean Light" panose="020B0303020404020204" pitchFamily="34" charset="0"/>
+              </a:rPr>
+              <a:t>A designated Account Support Lead to proactively monitor cases, drive cross-team collaboration, deliver onboarding webinars, run service reports, provide non-technical support assistance, and function as your escalation point and internal advocate within Adobe Support.</a:t>
+            </a:r>
+            <a:endParaRPr lang="en-US" sz="1000">
+              <a:latin typeface="Adobe Clean Light" panose="020B0303020404020204" pitchFamily="34" charset="0"/>
+              <a:cs typeface="AdobeClean-Light"/>
+            </a:endParaRPr>
           </a:p>
         </p:txBody>
       </p:sp>
@@ -6716,8 +7331,8 @@
         </p:nvSpPr>
         <p:spPr>
           <a:xfrm>
-            <a:off x="2836966" y="8504316"/>
-            <a:ext cx="2314153" cy="1084912"/>
+            <a:off x="2836967" y="8618616"/>
+            <a:ext cx="2286000" cy="641201"/>
           </a:xfrm>
           <a:prstGeom prst="rect">
             <a:avLst/>
@@ -6741,15 +7356,44 @@
               </a:tabLst>
             </a:pPr>
             <a:r>
-              <a:rPr lang="ja-JP" sz="1000" dirty="0">
+              <a:rPr sz="1000">
                 <a:solidFill>
                   <a:srgbClr val="020302"/>
                 </a:solidFill>
-                <a:latin typeface="Adobe Clean Han Light" panose="020B0300000000000000" pitchFamily="34" charset="-128"/>
-                <a:ea typeface="Adobe Clean Han Light" panose="020B0300000000000000" pitchFamily="34" charset="-128"/>
+                <a:latin typeface="AdobeClean-Light"/>
                 <a:cs typeface="AdobeClean-Light"/>
               </a:rPr>
-              <a:t>チャットセッションを開始すると、回答やケース申請による支援を受けることができます。</a:t>
+              <a:t>Start a chat session to get answers</a:t>
+            </a:r>
+            <a:r>
+              <a:rPr lang="en-US" sz="1000">
+                <a:solidFill>
+                  <a:srgbClr val="020302"/>
+                </a:solidFill>
+                <a:latin typeface="AdobeClean-Light"/>
+                <a:cs typeface="AdobeClean-Light"/>
+              </a:rPr>
+              <a:t> &amp; </a:t>
+            </a:r>
+            <a:r>
+              <a:rPr sz="1000">
+                <a:solidFill>
+                  <a:srgbClr val="020302"/>
+                </a:solidFill>
+                <a:latin typeface="AdobeClean-Light"/>
+                <a:cs typeface="AdobeClean-Light"/>
+              </a:rPr>
+              <a:t>help with case submission</a:t>
+            </a:r>
+            <a:r>
+              <a:rPr lang="en-US" sz="1000">
+                <a:solidFill>
+                  <a:srgbClr val="020302"/>
+                </a:solidFill>
+                <a:latin typeface="AdobeClean-Light"/>
+                <a:cs typeface="AdobeClean-Light"/>
+              </a:rPr>
+              <a:t>.</a:t>
             </a:r>
           </a:p>
           <a:p>
@@ -6762,67 +7406,39 @@
               </a:tabLst>
             </a:pPr>
             <a:r>
-              <a:rPr lang="ja-JP" sz="1000" i="1" dirty="0">
+              <a:rPr sz="1000" i="1">
                 <a:solidFill>
                   <a:srgbClr val="7A7A7A"/>
                 </a:solidFill>
-                <a:latin typeface="Adobe Clean Han Light" panose="020B0300000000000000" pitchFamily="34" charset="-128"/>
-                <a:ea typeface="Adobe Clean Han Light" panose="020B0300000000000000" pitchFamily="34" charset="-128"/>
+                <a:latin typeface="AdobeClean-LightIt"/>
                 <a:cs typeface="AdobeClean-LightIt"/>
               </a:rPr>
-              <a:t>* すべての製品にライブチャットサポートがあるわけではありません</a:t>
-            </a:r>
-            <a:r>
-              <a:rPr lang="ja-JP" sz="900" i="1" dirty="0">
+              <a:t>*Not all products have live chat support</a:t>
+            </a:r>
+            <a:r>
+              <a:rPr sz="900" i="1">
                 <a:solidFill>
                   <a:srgbClr val="7A7A7A"/>
                 </a:solidFill>
-                <a:latin typeface="Adobe Clean Han Light" panose="020B0300000000000000" pitchFamily="34" charset="-128"/>
-                <a:ea typeface="Adobe Clean Han Light" panose="020B0300000000000000" pitchFamily="34" charset="-128"/>
+                <a:latin typeface="AdobeClean-LightIt"/>
                 <a:cs typeface="AdobeClean-LightIt"/>
               </a:rPr>
-              <a:t>。</a:t>
-            </a:r>
-            <a:endParaRPr lang="en-US" altLang="ja-JP" sz="900" i="1" dirty="0">
-              <a:solidFill>
-                <a:srgbClr val="7A7A7A"/>
-              </a:solidFill>
-              <a:latin typeface="Adobe Clean Han Light" panose="020B0300000000000000" pitchFamily="34" charset="-128"/>
-              <a:ea typeface="Adobe Clean Han Light" panose="020B0300000000000000" pitchFamily="34" charset="-128"/>
-              <a:cs typeface="AdobeClean-LightIt"/>
-            </a:endParaRPr>
-          </a:p>
-          <a:p>
-            <a:pPr marL="33020" marR="159385">
-              <a:spcBef>
-                <a:spcPts val="100"/>
-              </a:spcBef>
-              <a:tabLst>
-                <a:tab pos="1786889" algn="l"/>
-              </a:tabLst>
-            </a:pPr>
-            <a:r>
-              <a:rPr lang="ja-JP" altLang="en-US" sz="900" i="1" dirty="0">
+              <a:t>.</a:t>
+            </a:r>
+            <a:r>
+              <a:rPr lang="en-US" sz="900" i="1">
                 <a:solidFill>
                   <a:srgbClr val="7A7A7A"/>
                 </a:solidFill>
-                <a:latin typeface="Adobe Clean Han Light" panose="020B0300000000000000" pitchFamily="34" charset="-128"/>
-                <a:ea typeface="Adobe Clean Han Light" panose="020B0300000000000000" pitchFamily="34" charset="-128"/>
+                <a:latin typeface="AdobeClean-LightIt"/>
                 <a:cs typeface="AdobeClean-LightIt"/>
               </a:rPr>
-              <a:t>* チャットサポートは日本語に対応していません。</a:t>
-            </a:r>
-            <a:r>
-              <a:rPr lang="ja-JP" sz="900" i="1" dirty="0">
-                <a:solidFill>
-                  <a:srgbClr val="7A7A7A"/>
-                </a:solidFill>
-                <a:latin typeface="Adobe Clean Han Light" panose="020B0300000000000000" pitchFamily="34" charset="-128"/>
-                <a:ea typeface="Adobe Clean Han Light" panose="020B0300000000000000" pitchFamily="34" charset="-128"/>
-                <a:cs typeface="AdobeClean-LightIt"/>
-              </a:rPr>
               <a:t>  </a:t>
             </a:r>
+            <a:endParaRPr sz="900">
+              <a:latin typeface="AdobeClean-Light"/>
+              <a:cs typeface="AdobeClean-Light"/>
+            </a:endParaRPr>
           </a:p>
         </p:txBody>
       </p:sp>
@@ -6871,8 +7487,8 @@
         </p:nvSpPr>
         <p:spPr>
           <a:xfrm>
-            <a:off x="838200" y="5813028"/>
-            <a:ext cx="1842852" cy="184666"/>
+            <a:off x="838200" y="6046398"/>
+            <a:ext cx="1568246" cy="184666"/>
           </a:xfrm>
           <a:prstGeom prst="rect">
             <a:avLst/>
@@ -6898,14 +7514,12 @@
               <a:defRPr/>
             </a:pPr>
             <a:r>
-              <a:rPr lang="ja-JP" sz="1200" dirty="0">
+              <a:rPr lang="en-US" sz="1200">
                 <a:solidFill>
                   <a:srgbClr val="000000"/>
                 </a:solidFill>
-                <a:latin typeface="Adobe Clean Han Light" panose="020B0300000000000000" pitchFamily="34" charset="-128"/>
-                <a:ea typeface="Adobe Clean Han Light" panose="020B0300000000000000" pitchFamily="34" charset="-128"/>
-              </a:rPr>
-              <a:t>コミュニティフォーラム</a:t>
+              </a:rPr>
+              <a:t>Community Forums</a:t>
             </a:r>
           </a:p>
         </p:txBody>
@@ -6926,8 +7540,8 @@
         </p:nvSpPr>
         <p:spPr>
           <a:xfrm>
-            <a:off x="838199" y="6043935"/>
-            <a:ext cx="1732085" cy="184666"/>
+            <a:off x="838200" y="6277305"/>
+            <a:ext cx="959314" cy="184666"/>
           </a:xfrm>
           <a:prstGeom prst="rect">
             <a:avLst/>
@@ -6948,12 +7562,12 @@
               </a:spcAft>
             </a:pPr>
             <a:r>
-              <a:rPr lang="ja-JP" sz="1200" b="1" dirty="0">
-                <a:latin typeface="Adobe Clean Han Regular" panose="020B0500000000000000" pitchFamily="34" charset="-128"/>
-                <a:ea typeface="Adobe Clean Han Regular" panose="020B0500000000000000" pitchFamily="34" charset="-128"/>
+              <a:rPr lang="en-US" sz="1200" b="1">
+                <a:latin typeface="+mj-lt"/>
+                <a:ea typeface="Open Sans" pitchFamily="34" charset="0"/>
                 <a:cs typeface="Open Sans" pitchFamily="34" charset="0"/>
               </a:rPr>
-              <a:t>オンラインフォーラム</a:t>
+              <a:t>Online Forums</a:t>
             </a:r>
           </a:p>
         </p:txBody>
@@ -6972,8 +7586,8 @@
         </p:nvSpPr>
         <p:spPr>
           <a:xfrm>
-            <a:off x="370040" y="6295879"/>
-            <a:ext cx="2286000" cy="959237"/>
+            <a:off x="370040" y="6529249"/>
+            <a:ext cx="2286000" cy="805349"/>
           </a:xfrm>
           <a:prstGeom prst="rect">
             <a:avLst/>
@@ -6986,14 +7600,13 @@
           <a:lstStyle/>
           <a:p>
             <a:r>
-              <a:rPr lang="ja-JP" sz="1000" dirty="0">
+              <a:rPr lang="en-US" sz="1000">
                 <a:solidFill>
                   <a:srgbClr val="000000"/>
                 </a:solidFill>
-                <a:latin typeface="Adobe Clean Han Light" panose="020B0300000000000000" pitchFamily="34" charset="-128"/>
-                <a:ea typeface="Adobe Clean Han Light" panose="020B0300000000000000" pitchFamily="34" charset="-128"/>
-              </a:rPr>
-              <a:t>テクニカルソリューション、製品ドキュメント、FAQ などの増大するデータベースにオンラインで継続的にアクセスできます。何千人ものお客様同士が繋がり、ベストプラクティスや学習した内容を共有できます。</a:t>
+                <a:latin typeface="Adobe Clean Light" panose="020B0303020404020204" pitchFamily="34" charset="0"/>
+              </a:rPr>
+              <a:t>Continuous online access to a growing database of technical solutions, product documentation, FAQs and more. Thousands of customers can connect to share best practices and lessons learned.</a:t>
             </a:r>
           </a:p>
         </p:txBody>
@@ -7014,8 +7627,8 @@
         </p:nvSpPr>
         <p:spPr>
           <a:xfrm>
-            <a:off x="5851290" y="6043935"/>
-            <a:ext cx="1745671" cy="184666"/>
+            <a:off x="5851290" y="6277305"/>
+            <a:ext cx="1316707" cy="184666"/>
           </a:xfrm>
           <a:prstGeom prst="rect">
             <a:avLst/>
@@ -7036,12 +7649,12 @@
               </a:spcAft>
             </a:pPr>
             <a:r>
-              <a:rPr lang="ja-JP" sz="1200" b="1" spc="-20" dirty="0">
-                <a:latin typeface="Adobe Clean Han Regular" panose="020B0500000000000000" pitchFamily="34" charset="-128"/>
-                <a:ea typeface="Adobe Clean Han Regular" panose="020B0500000000000000" pitchFamily="34" charset="-128"/>
+              <a:rPr lang="en-US" sz="1200" b="1">
+                <a:latin typeface="+mj-lt"/>
+                <a:ea typeface="Open Sans" pitchFamily="34" charset="0"/>
                 <a:cs typeface="Open Sans" pitchFamily="34" charset="0"/>
               </a:rPr>
-              <a:t>セルフガイドジャーニー</a:t>
+              <a:t>Self-guided Journeys</a:t>
             </a:r>
           </a:p>
         </p:txBody>
@@ -7060,8 +7673,8 @@
         </p:nvSpPr>
         <p:spPr>
           <a:xfrm>
-            <a:off x="5376301" y="6295879"/>
-            <a:ext cx="2247509" cy="1267014"/>
+            <a:off x="5376301" y="6529249"/>
+            <a:ext cx="2286000" cy="959237"/>
           </a:xfrm>
           <a:prstGeom prst="rect">
             <a:avLst/>
@@ -7074,14 +7687,13 @@
           <a:lstStyle/>
           <a:p>
             <a:r>
-              <a:rPr lang="ja-JP" sz="1000" spc="-20" dirty="0">
+              <a:rPr lang="en-US" sz="1000">
                 <a:solidFill>
                   <a:srgbClr val="000000"/>
                 </a:solidFill>
-                <a:latin typeface="Adobe Clean Han Light" panose="020B0300000000000000" pitchFamily="34" charset="-128"/>
-                <a:ea typeface="Adobe Clean Han Light" panose="020B0300000000000000" pitchFamily="34" charset="-128"/>
-              </a:rPr>
-              <a:t>エクスペリエンスメーカーは、Experience League から誕生します。Experience League に参加すると、パーソナライズされた学習で、顧客体験管理能力を強化することができます。スキルの向上や、グローバルコミュニティでの仲間との交流のほか、キャリアアップに役立つ評価の獲得も可能です。</a:t>
+                <a:latin typeface="Adobe Clean Light" panose="020B0303020404020204" pitchFamily="34" charset="0"/>
+              </a:rPr>
+              <a:t>Experience Makers are made with Experience League. Customers can kickstart their Customer Experience Management abilities with personalized learning to develop skills, engage with a global community of peers, and earn career advancing recognition.</a:t>
             </a:r>
           </a:p>
         </p:txBody>
@@ -7102,7 +7714,7 @@
         </p:nvSpPr>
         <p:spPr>
           <a:xfrm>
-            <a:off x="3215895" y="8035841"/>
+            <a:off x="3215895" y="8150141"/>
             <a:ext cx="2520000" cy="184666"/>
           </a:xfrm>
           <a:prstGeom prst="rect">
@@ -7129,14 +7741,12 @@
               <a:defRPr/>
             </a:pPr>
             <a:r>
-              <a:rPr lang="ja-JP" sz="1200" dirty="0">
+              <a:rPr lang="en-US" sz="1200">
                 <a:solidFill>
                   <a:srgbClr val="000000"/>
                 </a:solidFill>
-                <a:latin typeface="Adobe Clean Han Light" panose="020B0300000000000000" pitchFamily="34" charset="-128"/>
-                <a:ea typeface="Adobe Clean Han Light" panose="020B0300000000000000" pitchFamily="34" charset="-128"/>
-              </a:rPr>
-              <a:t>ライブチャットサポート*</a:t>
+              </a:rPr>
+              <a:t>Live Chat  Support*</a:t>
             </a:r>
           </a:p>
         </p:txBody>
@@ -7157,8 +7767,8 @@
         </p:nvSpPr>
         <p:spPr>
           <a:xfrm>
-            <a:off x="3198434" y="8259243"/>
-            <a:ext cx="1269578" cy="184666"/>
+            <a:off x="3198434" y="8373543"/>
+            <a:ext cx="840166" cy="184666"/>
           </a:xfrm>
           <a:prstGeom prst="rect">
             <a:avLst/>
@@ -7179,12 +7789,12 @@
               </a:spcAft>
             </a:pPr>
             <a:r>
-              <a:rPr lang="ja-JP" sz="1200" b="1">
-                <a:latin typeface="Adobe Clean Han Regular" panose="020B0500000000000000" pitchFamily="34" charset="-128"/>
-                <a:ea typeface="Adobe Clean Han Regular" panose="020B0500000000000000" pitchFamily="34" charset="-128"/>
+              <a:rPr lang="en-US" sz="1200" b="1">
+                <a:latin typeface="+mj-lt"/>
+                <a:ea typeface="Open Sans" pitchFamily="34" charset="0"/>
                 <a:cs typeface="Open Sans" pitchFamily="34" charset="0"/>
               </a:rPr>
-              <a:t>チャットサポート</a:t>
+              <a:t>Chat Support</a:t>
             </a:r>
           </a:p>
         </p:txBody>
@@ -7205,7 +7815,7 @@
         </p:nvSpPr>
         <p:spPr>
           <a:xfrm>
-            <a:off x="3290772" y="5813028"/>
+            <a:off x="3290772" y="6046398"/>
             <a:ext cx="2520000" cy="184666"/>
           </a:xfrm>
           <a:prstGeom prst="rect">
@@ -7232,14 +7842,12 @@
               <a:defRPr/>
             </a:pPr>
             <a:r>
-              <a:rPr lang="ja-JP" sz="1200" dirty="0">
+              <a:rPr lang="en-US" sz="1200">
                 <a:solidFill>
                   <a:srgbClr val="000000"/>
                 </a:solidFill>
-                <a:latin typeface="Adobe Clean Han Light" panose="020B0300000000000000" pitchFamily="34" charset="-128"/>
-                <a:ea typeface="Adobe Clean Han Light" panose="020B0300000000000000" pitchFamily="34" charset="-128"/>
-              </a:rPr>
-              <a:t>24 時間年中無休 P1 </a:t>
+              </a:rPr>
+              <a:t>24X7 P1 </a:t>
             </a:r>
           </a:p>
         </p:txBody>
@@ -7260,8 +7868,8 @@
         </p:nvSpPr>
         <p:spPr>
           <a:xfrm>
-            <a:off x="3276600" y="6043935"/>
-            <a:ext cx="952184" cy="184666"/>
+            <a:off x="3276600" y="6277305"/>
+            <a:ext cx="992259" cy="184666"/>
           </a:xfrm>
           <a:prstGeom prst="rect">
             <a:avLst/>
@@ -7282,12 +7890,12 @@
               </a:spcAft>
             </a:pPr>
             <a:r>
-              <a:rPr lang="ja-JP" sz="1200" b="1" dirty="0">
-                <a:latin typeface="Adobe Clean Han Regular" panose="020B0500000000000000" pitchFamily="34" charset="-128"/>
-                <a:ea typeface="Adobe Clean Han Regular" panose="020B0500000000000000" pitchFamily="34" charset="-128"/>
+              <a:rPr lang="en-US" sz="1200" b="1">
+                <a:latin typeface="+mj-lt"/>
+                <a:ea typeface="Open Sans" pitchFamily="34" charset="0"/>
                 <a:cs typeface="Open Sans" pitchFamily="34" charset="0"/>
               </a:rPr>
-              <a:t>電話サポート</a:t>
+              <a:t>Phone Support</a:t>
             </a:r>
           </a:p>
         </p:txBody>
@@ -7306,8 +7914,8 @@
         </p:nvSpPr>
         <p:spPr>
           <a:xfrm>
-            <a:off x="2836967" y="6295879"/>
-            <a:ext cx="2286000" cy="959237"/>
+            <a:off x="2836967" y="6529249"/>
+            <a:ext cx="2286000" cy="805349"/>
           </a:xfrm>
           <a:prstGeom prst="rect">
             <a:avLst/>
@@ -7320,22 +7928,26 @@
           <a:lstStyle/>
           <a:p>
             <a:r>
-              <a:rPr lang="ja-JP" sz="1000" dirty="0">
+              <a:rPr lang="en-US" sz="1000">
                 <a:solidFill>
                   <a:srgbClr val="020302"/>
                 </a:solidFill>
-                <a:latin typeface="Adobe Clean Han Light" panose="020B0300000000000000" pitchFamily="34" charset="-128"/>
-                <a:ea typeface="Adobe Clean Han Light" panose="020B0300000000000000" pitchFamily="34" charset="-128"/>
-              </a:rPr>
-              <a:t>承認済みユーザーまたはサポート対象ユーザーは、</a:t>
-            </a:r>
-            <a:r>
-              <a:rPr lang="ja-JP" sz="1000" dirty="0">
-                <a:latin typeface="Adobe Clean Han Light" panose="020B0300000000000000" pitchFamily="34" charset="-128"/>
-                <a:ea typeface="Adobe Clean Han Light" panose="020B0300000000000000" pitchFamily="34" charset="-128"/>
-              </a:rPr>
-              <a:t>使用可能なすべてのチャネル（P1 の場合は電話を含む）を通じて問題を申請でき、お客様の会社を代表してアドビのテクニカルサポートチームとやり取りできます。 </a:t>
-            </a:r>
+                <a:latin typeface="AdobeClean-Light"/>
+              </a:rPr>
+              <a:t>Authorized users or Named Support Contacts </a:t>
+            </a:r>
+            <a:r>
+              <a:rPr lang="en-US" sz="1000">
+                <a:latin typeface="Adobe Clean Light" panose="020B0303020404020204" pitchFamily="34" charset="0"/>
+              </a:rPr>
+              <a:t>can submit issues through all available  channels (including phone for P1) and interact with our technical support team on behalf of your company. </a:t>
+            </a:r>
+            <a:endParaRPr lang="en-US" sz="1000">
+              <a:solidFill>
+                <a:srgbClr val="000000"/>
+              </a:solidFill>
+              <a:latin typeface="Adobe Clean Light" panose="020B0303020404020204" pitchFamily="34" charset="0"/>
+            </a:endParaRPr>
           </a:p>
         </p:txBody>
       </p:sp>
@@ -7379,8 +7991,24 @@
               </a:spcBef>
             </a:pPr>
             <a:r>
-              <a:rPr lang="ja-JP"/>
-              <a:t>©2021 Adobe.All Rights Reserved.Adobe Confidential.</a:t>
+              <a:rPr spc="-5"/>
+              <a:t>©202</a:t>
+            </a:r>
+            <a:r>
+              <a:rPr lang="en-US" spc="-5"/>
+              <a:t>1</a:t>
+            </a:r>
+            <a:r>
+              <a:rPr spc="-5"/>
+              <a:t> Adobe. All Rights Reserved. Adobe</a:t>
+            </a:r>
+            <a:r>
+              <a:rPr spc="60"/>
+              <a:t> </a:t>
+            </a:r>
+            <a:r>
+              <a:rPr spc="-5"/>
+              <a:t>Confidential.</a:t>
             </a:r>
           </a:p>
         </p:txBody>
@@ -7402,7 +8030,7 @@
         <p:spPr>
           <a:xfrm>
             <a:off x="821898" y="1099315"/>
-            <a:ext cx="1902252" cy="184666"/>
+            <a:ext cx="1726164" cy="184666"/>
           </a:xfrm>
           <a:prstGeom prst="rect">
             <a:avLst/>
@@ -7423,14 +8051,13 @@
               </a:spcAft>
             </a:pPr>
             <a:r>
-              <a:rPr lang="ja-JP" sz="1200" b="1" spc="-60" dirty="0">
+              <a:rPr lang="en-US" sz="1200" b="1" spc="-10">
                 <a:solidFill>
                   <a:srgbClr val="020302"/>
                 </a:solidFill>
-                <a:latin typeface="Adobe Clean Han Regular" panose="020B0500000000000000" pitchFamily="34" charset="-128"/>
-                <a:ea typeface="Adobe Clean Han Regular" panose="020B0500000000000000" pitchFamily="34" charset="-128"/>
-              </a:rPr>
-              <a:t>アカウントサポートリード</a:t>
+                <a:latin typeface="+mj-lt"/>
+              </a:rPr>
+              <a:t>Account Support Lead</a:t>
             </a:r>
           </a:p>
         </p:txBody>
@@ -7449,8 +8076,8 @@
         </p:nvSpPr>
         <p:spPr>
           <a:xfrm>
-            <a:off x="401995" y="5670709"/>
-            <a:ext cx="2206664" cy="46672"/>
+            <a:off x="401995" y="5785009"/>
+            <a:ext cx="1848207" cy="45719"/>
           </a:xfrm>
           <a:custGeom>
             <a:avLst/>
@@ -7497,8 +8124,8 @@
         </p:nvSpPr>
         <p:spPr>
           <a:xfrm>
-            <a:off x="318713" y="5318241"/>
-            <a:ext cx="2409634" cy="307777"/>
+            <a:off x="318713" y="5432541"/>
+            <a:ext cx="2006640" cy="307777"/>
           </a:xfrm>
           <a:prstGeom prst="rect">
             <a:avLst/>
@@ -7519,16 +8146,19 @@
               </a:spcBef>
             </a:pPr>
             <a:r>
-              <a:rPr lang="ja-JP" sz="1400" b="1" dirty="0">
+              <a:rPr lang="en-US" sz="1400" b="1" spc="-10">
                 <a:solidFill>
                   <a:srgbClr val="020302"/>
                 </a:solidFill>
-                <a:latin typeface="Adobe Clean Han Regular" panose="020B0500000000000000" pitchFamily="34" charset="-128"/>
-                <a:ea typeface="Adobe Clean Han Regular" panose="020B0500000000000000" pitchFamily="34" charset="-128"/>
+                <a:latin typeface="Adobe Clean"/>
                 <a:cs typeface="Adobe Clean"/>
               </a:rPr>
-              <a:t>オンラインサポートの特長</a:t>
-            </a:r>
+              <a:t>Online Support Features</a:t>
+            </a:r>
+            <a:endParaRPr lang="en-US" sz="1400">
+              <a:latin typeface="Adobe Clean"/>
+              <a:cs typeface="Adobe Clean"/>
+            </a:endParaRPr>
           </a:p>
         </p:txBody>
       </p:sp>
@@ -7594,8 +8224,8 @@
         </p:nvSpPr>
         <p:spPr>
           <a:xfrm>
-            <a:off x="273765" y="429188"/>
-            <a:ext cx="2225289" cy="307777"/>
+            <a:off x="240424" y="429188"/>
+            <a:ext cx="2163221" cy="307777"/>
           </a:xfrm>
           <a:prstGeom prst="rect">
             <a:avLst/>
@@ -7616,16 +8246,19 @@
               </a:spcBef>
             </a:pPr>
             <a:r>
-              <a:rPr lang="ja-JP" sz="1400" b="1" dirty="0">
+              <a:rPr lang="en-US" sz="1400" b="1" spc="-10">
                 <a:solidFill>
                   <a:srgbClr val="020302"/>
                 </a:solidFill>
-                <a:latin typeface="Adobe Clean Han Regular" panose="020B0500000000000000" pitchFamily="34" charset="-128"/>
-                <a:ea typeface="Adobe Clean Han Regular" panose="020B0500000000000000" pitchFamily="34" charset="-128"/>
+                <a:latin typeface="Adobe Clean"/>
                 <a:cs typeface="Adobe Clean"/>
               </a:rPr>
-              <a:t>ビジネスサポートの特長</a:t>
-            </a:r>
+              <a:t>Business  Support Features</a:t>
+            </a:r>
+            <a:endParaRPr lang="en-US" sz="1400">
+              <a:latin typeface="Adobe Clean"/>
+              <a:cs typeface="Adobe Clean"/>
+            </a:endParaRPr>
           </a:p>
         </p:txBody>
       </p:sp>
@@ -7643,8 +8276,8 @@
         </p:nvSpPr>
         <p:spPr>
           <a:xfrm>
-            <a:off x="2836966" y="1370913"/>
-            <a:ext cx="2454171" cy="1639167"/>
+            <a:off x="2836967" y="1370913"/>
+            <a:ext cx="2286000" cy="1456681"/>
           </a:xfrm>
           <a:prstGeom prst="rect">
             <a:avLst/>
@@ -7665,12 +8298,15 @@
               </a:spcBef>
             </a:pPr>
             <a:r>
-              <a:rPr lang="ja-JP" sz="1000" dirty="0">
-                <a:latin typeface="Adobe Clean Han Light" panose="020B0300000000000000" pitchFamily="34" charset="-128"/>
-                <a:ea typeface="Adobe Clean Han Light" panose="020B0300000000000000" pitchFamily="34" charset="-128"/>
-              </a:rPr>
-              <a:t>お客様は、P2、P3、P4 のすべての問題について、地域のサポート時間内に電話でサポートケースを申請できます。サポートへの電話の回数に上限はありません。また、サポートからの折り返し連絡やミーティングをリクエストすることもできます。ミーティングでは、共有リモートデスクトップセッションを使用して、問題の説明や対処を受けることができます。</a:t>
-            </a:r>
+              <a:rPr lang="en-US" sz="1000">
+                <a:latin typeface="Adobe Clean Light" panose="020B0303020404020204" pitchFamily="34" charset="0"/>
+              </a:rPr>
+              <a:t>Customers can submit support cases via Phone for all P2, P3, P4 issues during regional support hours. There are no upper limits on the number of times you can call into support. Customers can also request a call back from support or request a meeting to demonstrate or work through an issue using a shared remote desktop session.</a:t>
+            </a:r>
+            <a:endParaRPr lang="en-US" sz="1000">
+              <a:latin typeface="Adobe Clean Light" panose="020B0303020404020204" pitchFamily="34" charset="0"/>
+              <a:cs typeface="AdobeClean-Light"/>
+            </a:endParaRPr>
           </a:p>
         </p:txBody>
       </p:sp>
@@ -7690,8 +8326,8 @@
         </p:nvSpPr>
         <p:spPr>
           <a:xfrm>
-            <a:off x="3257682" y="1083434"/>
-            <a:ext cx="1865286" cy="184666"/>
+            <a:off x="3257682" y="1083435"/>
+            <a:ext cx="1976242" cy="184666"/>
           </a:xfrm>
           <a:prstGeom prst="rect">
             <a:avLst/>
@@ -7712,14 +8348,13 @@
               </a:spcAft>
             </a:pPr>
             <a:r>
-              <a:rPr lang="ja-JP" sz="1200" b="1" dirty="0">
+              <a:rPr lang="en-US" sz="1200" b="1" spc="-10">
                 <a:solidFill>
                   <a:srgbClr val="020302"/>
                 </a:solidFill>
-                <a:latin typeface="Adobe Clean Han Regular" panose="020B0500000000000000" pitchFamily="34" charset="-128"/>
-                <a:ea typeface="Adobe Clean Han Regular" panose="020B0500000000000000" pitchFamily="34" charset="-128"/>
-              </a:rPr>
-              <a:t>電話サポート（ライブ）</a:t>
+                <a:latin typeface="+mj-lt"/>
+              </a:rPr>
+              <a:t>Live Telephone Support</a:t>
             </a:r>
           </a:p>
         </p:txBody>
@@ -7760,15 +8395,18 @@
               </a:spcBef>
             </a:pPr>
             <a:r>
-              <a:rPr lang="ja-JP" sz="1000" dirty="0">
+              <a:rPr lang="en-US" sz="1000">
                 <a:solidFill>
                   <a:srgbClr val="4B4B4B"/>
                 </a:solidFill>
-                <a:latin typeface="Adobe Clean Han Light" panose="020B0300000000000000" pitchFamily="34" charset="-128"/>
-                <a:ea typeface="Adobe Clean Han Light" panose="020B0300000000000000" pitchFamily="34" charset="-128"/>
-              </a:rPr>
-              <a:t>アドビ内の専任連絡窓口が、エスカレーション支援や定期的なアップデートを提供し、お客様の最も重要なオープン中のサポートリクエストに優先的に対応します。</a:t>
-            </a:r>
+                <a:latin typeface="Adobe Clean Light" panose="020B0303020404020204" pitchFamily="34" charset="0"/>
+              </a:rPr>
+              <a:t>A designated point of contact within Adobe who can provide escalation assistance, regular updates and ensure priority is given to your most critical open support requests.</a:t>
+            </a:r>
+            <a:endParaRPr lang="en-US" sz="1000">
+              <a:latin typeface="Adobe Clean Light" panose="020B0303020404020204" pitchFamily="34" charset="0"/>
+              <a:cs typeface="AdobeClean-Light"/>
+            </a:endParaRPr>
           </a:p>
         </p:txBody>
       </p:sp>
@@ -7789,7 +8427,7 @@
         <p:spPr>
           <a:xfrm>
             <a:off x="5885313" y="1085652"/>
-            <a:ext cx="1772554" cy="184666"/>
+            <a:ext cx="1608472" cy="184666"/>
           </a:xfrm>
           <a:prstGeom prst="rect">
             <a:avLst/>
@@ -7810,14 +8448,13 @@
               </a:spcAft>
             </a:pPr>
             <a:r>
-              <a:rPr lang="ja-JP" sz="1200" b="1" dirty="0">
+              <a:rPr lang="en-US" sz="1200" b="1" spc="-10">
                 <a:solidFill>
                   <a:srgbClr val="020302"/>
                 </a:solidFill>
-                <a:latin typeface="Adobe Clean Han Regular" panose="020B0500000000000000" pitchFamily="34" charset="-128"/>
-                <a:ea typeface="Adobe Clean Han Regular" panose="020B0500000000000000" pitchFamily="34" charset="-128"/>
-              </a:rPr>
-              <a:t>エスカレーション管理</a:t>
+                <a:latin typeface="+mj-lt"/>
+              </a:rPr>
+              <a:t>Escalation Management</a:t>
             </a:r>
           </a:p>
         </p:txBody>
@@ -7838,7 +8475,7 @@
         </p:nvSpPr>
         <p:spPr>
           <a:xfrm>
-            <a:off x="838200" y="8033821"/>
+            <a:off x="838200" y="8148121"/>
             <a:ext cx="2520000" cy="184666"/>
           </a:xfrm>
           <a:prstGeom prst="rect">
@@ -7865,12 +8502,10 @@
               <a:defRPr/>
             </a:pPr>
             <a:r>
-              <a:rPr lang="ja-JP" sz="1200">
+              <a:rPr lang="en-US" sz="1200">
                 <a:solidFill>
                   <a:srgbClr val="000000"/>
                 </a:solidFill>
-                <a:latin typeface="Adobe Clean Han Light" panose="020B0300000000000000" pitchFamily="34" charset="-128"/>
-                <a:ea typeface="Adobe Clean Han Light" panose="020B0300000000000000" pitchFamily="34" charset="-128"/>
               </a:rPr>
               <a:t>Office Hours</a:t>
             </a:r>
@@ -7893,8 +8528,8 @@
         </p:nvSpPr>
         <p:spPr>
           <a:xfrm>
-            <a:off x="838200" y="8259243"/>
-            <a:ext cx="793487" cy="184666"/>
+            <a:off x="838200" y="8373543"/>
+            <a:ext cx="604974" cy="184666"/>
           </a:xfrm>
           <a:prstGeom prst="rect">
             <a:avLst/>
@@ -7915,12 +8550,12 @@
               </a:spcAft>
             </a:pPr>
             <a:r>
-              <a:rPr lang="ja-JP" sz="1200" b="1">
-                <a:latin typeface="Adobe Clean Han Regular" panose="020B0500000000000000" pitchFamily="34" charset="-128"/>
-                <a:ea typeface="Adobe Clean Han Regular" panose="020B0500000000000000" pitchFamily="34" charset="-128"/>
+              <a:rPr lang="en-US" sz="1200" b="1">
+                <a:latin typeface="+mj-lt"/>
+                <a:ea typeface="Open Sans" pitchFamily="34" charset="0"/>
                 <a:cs typeface="Open Sans" pitchFamily="34" charset="0"/>
               </a:rPr>
-              <a:t>ウェビナー</a:t>
+              <a:t>Webinars</a:t>
             </a:r>
           </a:p>
         </p:txBody>
@@ -7939,8 +8574,8 @@
         </p:nvSpPr>
         <p:spPr>
           <a:xfrm>
-            <a:off x="370040" y="8504316"/>
-            <a:ext cx="2354110" cy="1113125"/>
+            <a:off x="370040" y="8618616"/>
+            <a:ext cx="2286000" cy="1113125"/>
           </a:xfrm>
           <a:prstGeom prst="rect">
             <a:avLst/>
@@ -7953,14 +8588,13 @@
           <a:lstStyle/>
           <a:p>
             <a:r>
-              <a:rPr lang="ja-JP" sz="1000" spc="-20" dirty="0">
+              <a:rPr lang="en-US" sz="1000">
                 <a:solidFill>
                   <a:srgbClr val="000000"/>
                 </a:solidFill>
-                <a:latin typeface="Adobe Clean Han Light" panose="020B0300000000000000" pitchFamily="34" charset="-128"/>
-                <a:ea typeface="Adobe Clean Han Light" panose="020B0300000000000000" pitchFamily="34" charset="-128"/>
-              </a:rPr>
-              <a:t>Office Hours は、アドビカスタマーサポートチーム主導による取り組みの 1 つです。これらのセッションは、参加者に情報を提供するだけでなく、問題のトラブルシューティングや Adobe Experience Cloud で成功するためのヒントやテクニックを紹介することを目的としています。</a:t>
+                <a:latin typeface="Adobe Clean Light" panose="020B0303020404020204" pitchFamily="34" charset="0"/>
+              </a:rPr>
+              <a:t>Office Hours is an initiative led by the Adobe Customer Support team. These sessions are designed to inform as well as help participants troubleshoot problems and provide tips and tricks to be successful with Adobe Experience Cloud.</a:t>
             </a:r>
           </a:p>
         </p:txBody>
@@ -7981,41 +8615,34 @@
         </p:nvSpPr>
         <p:spPr>
           <a:xfrm>
-            <a:off x="5851289" y="8118273"/>
-            <a:ext cx="1511535" cy="369332"/>
+            <a:off x="5851290" y="8373543"/>
+            <a:ext cx="1267206" cy="184666"/>
           </a:xfrm>
           <a:prstGeom prst="rect">
             <a:avLst/>
           </a:prstGeom>
         </p:spPr>
         <p:txBody>
-          <a:bodyPr wrap="square" lIns="0" tIns="0" rIns="0" bIns="0">
+          <a:bodyPr wrap="none" lIns="0" tIns="0" rIns="0" bIns="0">
             <a:spAutoFit/>
           </a:bodyPr>
           <a:lstStyle/>
           <a:p>
-            <a:r>
-              <a:rPr lang="ja-JP" sz="1200" b="1" dirty="0">
-                <a:latin typeface="Adobe Clean Han Regular" panose="020B0500000000000000" pitchFamily="34" charset="-128"/>
-                <a:ea typeface="Adobe Clean Han Regular" panose="020B0500000000000000" pitchFamily="34" charset="-128"/>
+            <a:pPr>
+              <a:spcBef>
+                <a:spcPts val="600"/>
+              </a:spcBef>
+              <a:spcAft>
+                <a:spcPts val="600"/>
+              </a:spcAft>
+            </a:pPr>
+            <a:r>
+              <a:rPr lang="en-US" sz="1200" b="1">
+                <a:latin typeface="+mj-lt"/>
+                <a:ea typeface="Open Sans" pitchFamily="34" charset="0"/>
                 <a:cs typeface="Open Sans" pitchFamily="34" charset="0"/>
               </a:rPr>
-              <a:t>24 時間年中無休の</a:t>
-            </a:r>
-            <a:endParaRPr lang="sk-SK" altLang="ja-JP" sz="1200" b="1" dirty="0">
-              <a:latin typeface="Adobe Clean Han Regular" panose="020B0500000000000000" pitchFamily="34" charset="-128"/>
-              <a:ea typeface="Adobe Clean Han Regular" panose="020B0500000000000000" pitchFamily="34" charset="-128"/>
-              <a:cs typeface="Open Sans" pitchFamily="34" charset="0"/>
-            </a:endParaRPr>
-          </a:p>
-          <a:p>
-            <a:r>
-              <a:rPr lang="ja-JP" sz="1200" b="1" dirty="0">
-                <a:latin typeface="Adobe Clean Han Regular" panose="020B0500000000000000" pitchFamily="34" charset="-128"/>
-                <a:ea typeface="Adobe Clean Han Regular" panose="020B0500000000000000" pitchFamily="34" charset="-128"/>
-                <a:cs typeface="Open Sans" pitchFamily="34" charset="0"/>
-              </a:rPr>
-              <a:t>サポートポータル</a:t>
+              <a:t>24/7 Support Portal</a:t>
             </a:r>
           </a:p>
         </p:txBody>
@@ -8034,8 +8661,8 @@
         </p:nvSpPr>
         <p:spPr>
           <a:xfrm>
-            <a:off x="5376301" y="8504316"/>
-            <a:ext cx="2286000" cy="1113125"/>
+            <a:off x="5376301" y="8618616"/>
+            <a:ext cx="2286000" cy="805349"/>
           </a:xfrm>
           <a:prstGeom prst="rect">
             <a:avLst/>
@@ -8048,14 +8675,30 @@
           <a:lstStyle/>
           <a:p>
             <a:r>
-              <a:rPr lang="ja-JP" sz="1000" spc="-10" dirty="0">
+              <a:rPr lang="en-US" sz="1000">
                 <a:solidFill>
                   <a:srgbClr val="000000"/>
                 </a:solidFill>
-                <a:latin typeface="Adobe Clean Han Light" panose="020B0300000000000000" pitchFamily="34" charset="-128"/>
-                <a:ea typeface="Adobe Clean Han Light" panose="020B0300000000000000" pitchFamily="34" charset="-128"/>
-              </a:rPr>
-              <a:t>オンラインのセルフサービスサポートポータルにオンデマンドでアクセスして、サポートリクエストを申請したり、ケースのステータスを確認したり、その他のリソース（ナレッジベース、ニュースとアラート、注目すべきヒントなど）を参照したりできます。</a:t>
+                <a:latin typeface="Adobe Clean Light" panose="020B0303020404020204" pitchFamily="34" charset="0"/>
+              </a:rPr>
+              <a:t>On-demand access to the online </a:t>
+            </a:r>
+            <a:br>
+              <a:rPr lang="en-US" sz="1000">
+                <a:solidFill>
+                  <a:srgbClr val="000000"/>
+                </a:solidFill>
+                <a:latin typeface="Adobe Clean Light" panose="020B0303020404020204" pitchFamily="34" charset="0"/>
+              </a:rPr>
+            </a:br>
+            <a:r>
+              <a:rPr lang="en-US" sz="1000">
+                <a:solidFill>
+                  <a:srgbClr val="000000"/>
+                </a:solidFill>
+                <a:latin typeface="Adobe Clean Light" panose="020B0303020404020204" pitchFamily="34" charset="0"/>
+              </a:rPr>
+              <a:t>Self-help Support Portal to submit support requests, review case status, and browse other resources, like our knowledgebase, news and alerts, featured tips, and more.</a:t>
             </a:r>
           </a:p>
         </p:txBody>
@@ -8152,8 +8795,8 @@
         </p:nvSpPr>
         <p:spPr>
           <a:xfrm>
-            <a:off x="789024" y="3499700"/>
-            <a:ext cx="1472443" cy="276999"/>
+            <a:off x="789025" y="3499700"/>
+            <a:ext cx="1336142" cy="285247"/>
           </a:xfrm>
           <a:prstGeom prst="rect">
             <a:avLst/>
@@ -8167,11 +8810,10 @@
           <a:lstStyle/>
           <a:p>
             <a:r>
-              <a:rPr lang="ja-JP" sz="1200" b="1">
-                <a:latin typeface="Adobe Clean Han Regular" panose="020B0500000000000000" pitchFamily="34" charset="-128"/>
-                <a:ea typeface="Adobe Clean Han Regular" panose="020B0500000000000000" pitchFamily="34" charset="-128"/>
-              </a:rPr>
-              <a:t>ビジネスサービス</a:t>
+              <a:rPr lang="en-US" sz="1200" b="1">
+                <a:latin typeface="+mj-lt"/>
+              </a:rPr>
+              <a:t>Business Services</a:t>
             </a:r>
           </a:p>
         </p:txBody>
@@ -8212,12 +8854,15 @@
               </a:spcBef>
             </a:pPr>
             <a:r>
-              <a:rPr lang="ja-JP" sz="1000" dirty="0">
-                <a:latin typeface="Adobe Clean Han Light" panose="020B0300000000000000" pitchFamily="34" charset="-128"/>
-                <a:ea typeface="Adobe Clean Han Light" panose="020B0300000000000000" pitchFamily="34" charset="-128"/>
-              </a:rPr>
-              <a:t>アカウントサポートリード主催のウェビナーで、ビジネスサポートサービスの概要を学習できます。  </a:t>
-            </a:r>
+              <a:rPr lang="en-US" sz="1000">
+                <a:latin typeface="Adobe Clean Light" panose="020B0303020404020204" pitchFamily="34" charset="0"/>
+              </a:rPr>
+              <a:t>An Account Support Lead will host webinars covering an overview of business support services.  </a:t>
+            </a:r>
+            <a:endParaRPr lang="en-US" sz="1000">
+              <a:latin typeface="Adobe Clean Light" panose="020B0303020404020204" pitchFamily="34" charset="0"/>
+              <a:cs typeface="AdobeClean-Light"/>
+            </a:endParaRPr>
           </a:p>
         </p:txBody>
       </p:sp>
@@ -8346,7 +8991,7 @@
         </p:blipFill>
         <p:spPr>
           <a:xfrm>
-            <a:off x="2794208" y="8031918"/>
+            <a:off x="2794208" y="8146218"/>
             <a:ext cx="411480" cy="411480"/>
           </a:xfrm>
           <a:prstGeom prst="rect">
@@ -8424,7 +9069,7 @@
         </p:blipFill>
         <p:spPr>
           <a:xfrm>
-            <a:off x="2836967" y="5829426"/>
+            <a:off x="2836967" y="6062796"/>
             <a:ext cx="411480" cy="411480"/>
           </a:xfrm>
           <a:prstGeom prst="rect">
@@ -8463,7 +9108,7 @@
         </p:blipFill>
         <p:spPr>
           <a:xfrm>
-            <a:off x="359731" y="5829426"/>
+            <a:off x="359731" y="6062796"/>
             <a:ext cx="411480" cy="411480"/>
           </a:xfrm>
           <a:prstGeom prst="rect">
@@ -8502,7 +9147,7 @@
         </p:blipFill>
         <p:spPr>
           <a:xfrm>
-            <a:off x="5329042" y="5829426"/>
+            <a:off x="5329042" y="6062796"/>
             <a:ext cx="411480" cy="411480"/>
           </a:xfrm>
           <a:prstGeom prst="rect">
@@ -8541,7 +9186,7 @@
         </p:blipFill>
         <p:spPr>
           <a:xfrm>
-            <a:off x="5372908" y="8031918"/>
+            <a:off x="5372908" y="8146218"/>
             <a:ext cx="411480" cy="411480"/>
           </a:xfrm>
           <a:prstGeom prst="rect">
@@ -8580,7 +9225,7 @@
         </p:blipFill>
         <p:spPr>
           <a:xfrm>
-            <a:off x="384421" y="8031918"/>
+            <a:off x="384421" y="8146218"/>
             <a:ext cx="411480" cy="411480"/>
           </a:xfrm>
           <a:prstGeom prst="rect">
@@ -8602,7 +9247,7 @@
         </p:nvSpPr>
         <p:spPr>
           <a:xfrm rot="5400000" flipH="1">
-            <a:off x="3863341" y="4871870"/>
+            <a:off x="3863341" y="4967117"/>
             <a:ext cx="45719" cy="5577840"/>
           </a:xfrm>
           <a:custGeom>
@@ -8659,7 +9304,7 @@
         </p:nvSpPr>
         <p:spPr>
           <a:xfrm>
-            <a:off x="5851290" y="7917731"/>
+            <a:off x="5851290" y="8150141"/>
             <a:ext cx="2520000" cy="184666"/>
           </a:xfrm>
           <a:prstGeom prst="rect">
@@ -8686,14 +9331,12 @@
               <a:defRPr/>
             </a:pPr>
             <a:r>
-              <a:rPr lang="ja-JP" sz="1200" dirty="0">
+              <a:rPr lang="en-US" sz="1200">
                 <a:solidFill>
                   <a:srgbClr val="000000"/>
                 </a:solidFill>
-                <a:latin typeface="Adobe Clean Han Light" panose="020B0300000000000000" pitchFamily="34" charset="-128"/>
-                <a:ea typeface="Adobe Clean Han Light" panose="020B0300000000000000" pitchFamily="34" charset="-128"/>
-              </a:rPr>
-              <a:t>セルフサービスポータル</a:t>
+              </a:rPr>
+              <a:t>Self– Help Portal</a:t>
             </a:r>
           </a:p>
         </p:txBody>
@@ -8714,7 +9357,7 @@
         </p:nvSpPr>
         <p:spPr>
           <a:xfrm>
-            <a:off x="5851290" y="5813028"/>
+            <a:off x="5851290" y="6046398"/>
             <a:ext cx="2520000" cy="184666"/>
           </a:xfrm>
           <a:prstGeom prst="rect">
@@ -8741,12 +9384,10 @@
               <a:defRPr/>
             </a:pPr>
             <a:r>
-              <a:rPr lang="ja-JP" sz="1200" dirty="0">
+              <a:rPr lang="en-US" sz="1200">
                 <a:solidFill>
                   <a:srgbClr val="000000"/>
                 </a:solidFill>
-                <a:latin typeface="Adobe Clean Han Light" panose="020B0300000000000000" pitchFamily="34" charset="-128"/>
-                <a:ea typeface="Adobe Clean Han Light" panose="020B0300000000000000" pitchFamily="34" charset="-128"/>
               </a:rPr>
               <a:t>Experience League</a:t>
             </a:r>
@@ -8805,16 +9446,49 @@
               </a:lnSpc>
             </a:pPr>
             <a:r>
-              <a:rPr lang="ja-JP" sz="500">
+              <a:rPr sz="500" spc="-5">
                 <a:solidFill>
                   <a:srgbClr val="6C6C6C"/>
                 </a:solidFill>
                 <a:latin typeface="Adobe Clean"/>
-                <a:ea typeface="MS Mincho"/>
                 <a:cs typeface="Adobe Clean"/>
               </a:rPr>
-              <a:t>©2020 Adobe.All Rights Reserved.Adobe Confidential.</a:t>
-            </a:r>
+              <a:t>©2020 Adobe. All Rights Reserved. </a:t>
+            </a:r>
+            <a:r>
+              <a:rPr sz="500">
+                <a:solidFill>
+                  <a:srgbClr val="6C6C6C"/>
+                </a:solidFill>
+                <a:latin typeface="Adobe Clean"/>
+                <a:cs typeface="Adobe Clean"/>
+              </a:rPr>
+              <a:t>Adobe</a:t>
+            </a:r>
+            <a:r>
+              <a:rPr sz="500" spc="5">
+                <a:solidFill>
+                  <a:srgbClr val="6C6C6C"/>
+                </a:solidFill>
+                <a:latin typeface="Adobe Clean"/>
+                <a:cs typeface="Adobe Clean"/>
+              </a:rPr>
+              <a:t> </a:t>
+            </a:r>
+            <a:r>
+              <a:rPr sz="500" spc="-5">
+                <a:solidFill>
+                  <a:srgbClr val="6C6C6C"/>
+                </a:solidFill>
+                <a:latin typeface="Adobe Clean"/>
+                <a:cs typeface="Adobe Clean"/>
+              </a:rPr>
+              <a:t>Confidential.</a:t>
+            </a:r>
+            <a:endParaRPr sz="500">
+              <a:latin typeface="Adobe Clean"/>
+              <a:cs typeface="Adobe Clean"/>
+            </a:endParaRPr>
           </a:p>
           <a:p>
             <a:pPr>
@@ -8840,16 +9514,39 @@
               </a:spcBef>
             </a:pPr>
             <a:r>
-              <a:rPr lang="ja-JP" sz="800">
+              <a:rPr sz="800" spc="-5">
                 <a:solidFill>
                   <a:srgbClr val="6D6D6D"/>
                 </a:solidFill>
                 <a:latin typeface="Adobe Clean"/>
-                <a:ea typeface="MS Mincho"/>
                 <a:cs typeface="Adobe Clean"/>
               </a:rPr>
-              <a:t>©2020 Adobe.All Rights Reserved.Adobe Confidential.</a:t>
-            </a:r>
+              <a:t>©2020 Adobe. All Rights Reserved. Adobe</a:t>
+            </a:r>
+            <a:r>
+              <a:rPr sz="800" spc="75">
+                <a:solidFill>
+                  <a:srgbClr val="6D6D6D"/>
+                </a:solidFill>
+                <a:latin typeface="Adobe Clean"/>
+                <a:cs typeface="Adobe Clean"/>
+              </a:rPr>
+              <a:t> </a:t>
+            </a:r>
+            <a:r>
+              <a:rPr sz="800" spc="-5">
+                <a:solidFill>
+                  <a:srgbClr val="6D6D6D"/>
+                </a:solidFill>
+                <a:latin typeface="Adobe Clean"/>
+                <a:cs typeface="Adobe Clean"/>
+              </a:rPr>
+              <a:t>Confidential.</a:t>
+            </a:r>
+            <a:endParaRPr sz="800">
+              <a:latin typeface="Adobe Clean"/>
+              <a:cs typeface="Adobe Clean"/>
+            </a:endParaRPr>
           </a:p>
         </p:txBody>
       </p:sp>
@@ -8933,16 +9630,19 @@
               </a:spcBef>
             </a:pPr>
             <a:r>
-              <a:rPr lang="ja-JP" sz="1400" b="1" dirty="0">
+              <a:rPr lang="en-US" sz="1400" b="1" spc="-15">
                 <a:solidFill>
                   <a:srgbClr val="020302"/>
                 </a:solidFill>
-                <a:latin typeface="Adobe Clean Han Regular" panose="020B0500000000000000" pitchFamily="34" charset="-128"/>
-                <a:ea typeface="Adobe Clean Han Regular" panose="020B0500000000000000" pitchFamily="34" charset="-128"/>
+                <a:latin typeface="Adobe Clean"/>
                 <a:cs typeface="Adobe Clean"/>
               </a:rPr>
-              <a:t>リソース</a:t>
-            </a:r>
+              <a:t>Resources</a:t>
+            </a:r>
+            <a:endParaRPr sz="1400">
+              <a:latin typeface="Adobe Clean"/>
+              <a:cs typeface="Adobe Clean"/>
+            </a:endParaRPr>
           </a:p>
         </p:txBody>
       </p:sp>
@@ -8955,7 +9655,7 @@
         <p:spPr>
           <a:xfrm>
             <a:off x="6754821" y="9283729"/>
-            <a:ext cx="979479" cy="662305"/>
+            <a:ext cx="930275" cy="662305"/>
           </a:xfrm>
           <a:prstGeom prst="rect">
             <a:avLst/>
@@ -8976,16 +9676,19 @@
               </a:spcBef>
             </a:pPr>
             <a:r>
-              <a:rPr lang="ja-JP" sz="800" dirty="0">
+              <a:rPr sz="800" spc="-15">
                 <a:solidFill>
                   <a:srgbClr val="777879"/>
                 </a:solidFill>
                 <a:latin typeface="Adobe Clean"/>
-                <a:ea typeface="MS Mincho"/>
                 <a:cs typeface="Adobe Clean"/>
               </a:rPr>
               <a:t>Adobe</a:t>
             </a:r>
+            <a:endParaRPr sz="800">
+              <a:latin typeface="Adobe Clean"/>
+              <a:cs typeface="Adobe Clean"/>
+            </a:endParaRPr>
           </a:p>
           <a:p>
             <a:pPr marL="12700">
@@ -8994,16 +9697,39 @@
               </a:lnSpc>
             </a:pPr>
             <a:r>
-              <a:rPr lang="ja-JP" sz="800" dirty="0">
+              <a:rPr sz="800" spc="-15">
                 <a:solidFill>
                   <a:srgbClr val="777879"/>
                 </a:solidFill>
                 <a:latin typeface="Adobe Clean"/>
-                <a:ea typeface="MS Mincho"/>
                 <a:cs typeface="Adobe Clean"/>
               </a:rPr>
-              <a:t>345 Park Avenue</a:t>
-            </a:r>
+              <a:t>345 Park</a:t>
+            </a:r>
+            <a:r>
+              <a:rPr sz="800" spc="-100">
+                <a:solidFill>
+                  <a:srgbClr val="777879"/>
+                </a:solidFill>
+                <a:latin typeface="Adobe Clean"/>
+                <a:cs typeface="Adobe Clean"/>
+              </a:rPr>
+              <a:t> </a:t>
+            </a:r>
+            <a:r>
+              <a:rPr sz="800" spc="-15">
+                <a:solidFill>
+                  <a:srgbClr val="777879"/>
+                </a:solidFill>
+                <a:latin typeface="Adobe Clean"/>
+                <a:cs typeface="Adobe Clean"/>
+              </a:rPr>
+              <a:t>Avenue</a:t>
+            </a:r>
+            <a:endParaRPr sz="800">
+              <a:latin typeface="Adobe Clean"/>
+              <a:cs typeface="Adobe Clean"/>
+            </a:endParaRPr>
           </a:p>
           <a:p>
             <a:pPr marL="12700">
@@ -9012,16 +9738,49 @@
               </a:lnSpc>
             </a:pPr>
             <a:r>
-              <a:rPr lang="ja-JP" sz="800" spc="-10" dirty="0">
+              <a:rPr sz="800" spc="-10">
                 <a:solidFill>
                   <a:srgbClr val="777879"/>
                 </a:solidFill>
                 <a:latin typeface="Adobe Clean"/>
-                <a:ea typeface="MS Mincho"/>
                 <a:cs typeface="Adobe Clean"/>
               </a:rPr>
-              <a:t>San Jose, CA95110-2704</a:t>
-            </a:r>
+              <a:t>San </a:t>
+            </a:r>
+            <a:r>
+              <a:rPr sz="800" spc="-15">
+                <a:solidFill>
+                  <a:srgbClr val="777879"/>
+                </a:solidFill>
+                <a:latin typeface="Adobe Clean"/>
+                <a:cs typeface="Adobe Clean"/>
+              </a:rPr>
+              <a:t>Jose,</a:t>
+            </a:r>
+            <a:r>
+              <a:rPr sz="800" spc="-140">
+                <a:solidFill>
+                  <a:srgbClr val="777879"/>
+                </a:solidFill>
+                <a:latin typeface="Adobe Clean"/>
+                <a:cs typeface="Adobe Clean"/>
+              </a:rPr>
+              <a:t> </a:t>
+            </a:r>
+            <a:r>
+              <a:rPr sz="800" spc="-20">
+                <a:solidFill>
+                  <a:srgbClr val="777879"/>
+                </a:solidFill>
+                <a:latin typeface="Adobe Clean"/>
+                <a:cs typeface="Adobe Clean"/>
+              </a:rPr>
+              <a:t>CA95110-2704</a:t>
+            </a:r>
+            <a:endParaRPr sz="800">
+              <a:latin typeface="Adobe Clean"/>
+              <a:cs typeface="Adobe Clean"/>
+            </a:endParaRPr>
           </a:p>
           <a:p>
             <a:pPr marL="12700">
@@ -9033,16 +9792,19 @@
               </a:spcBef>
             </a:pPr>
             <a:r>
-              <a:rPr lang="ja-JP" sz="800" dirty="0">
+              <a:rPr sz="800" spc="-10">
                 <a:solidFill>
                   <a:srgbClr val="777879"/>
                 </a:solidFill>
                 <a:latin typeface="Adobe Clean"/>
-                <a:ea typeface="MS Mincho"/>
                 <a:cs typeface="Adobe Clean"/>
               </a:rPr>
               <a:t>USA</a:t>
             </a:r>
+            <a:endParaRPr sz="800">
+              <a:latin typeface="Adobe Clean"/>
+              <a:cs typeface="Adobe Clean"/>
+            </a:endParaRPr>
           </a:p>
           <a:p>
             <a:pPr marL="12700">
@@ -9054,7 +9816,7 @@
               </a:spcBef>
             </a:pPr>
             <a:r>
-              <a:rPr lang="ja-JP" sz="800" u="sng" dirty="0">
+              <a:rPr sz="800" u="sng" spc="-25">
                 <a:solidFill>
                   <a:srgbClr val="5F5F5F"/>
                 </a:solidFill>
@@ -9064,12 +9826,15 @@
                   </a:solidFill>
                 </a:uFill>
                 <a:latin typeface="Adobe Clean"/>
-                <a:ea typeface="MS Mincho"/>
                 <a:cs typeface="Adobe Clean"/>
                 <a:hlinkClick r:id="rId3"/>
               </a:rPr>
               <a:t>www.adobe.com</a:t>
             </a:r>
+            <a:endParaRPr sz="800">
+              <a:latin typeface="Adobe Clean"/>
+              <a:cs typeface="Adobe Clean"/>
+            </a:endParaRPr>
           </a:p>
         </p:txBody>
       </p:sp>
@@ -9223,7 +9988,7 @@
         <p:spPr>
           <a:xfrm>
             <a:off x="75947" y="9437110"/>
-            <a:ext cx="5896662" cy="570865"/>
+            <a:ext cx="5466715" cy="570865"/>
           </a:xfrm>
           <a:prstGeom prst="rect">
             <a:avLst/>
@@ -9244,16 +10009,439 @@
               </a:spcBef>
             </a:pPr>
             <a:r>
-              <a:rPr lang="ja-JP" sz="1100" i="1" spc="-20" dirty="0">
+              <a:rPr sz="1100" i="1" spc="-10">
                 <a:solidFill>
                   <a:srgbClr val="777879"/>
                 </a:solidFill>
-                <a:latin typeface="Adobe Clean Han Light" panose="020B0300000000000000" pitchFamily="34" charset="-128"/>
-                <a:ea typeface="Adobe Clean Han Light" panose="020B0300000000000000" pitchFamily="34" charset="-128"/>
+                <a:latin typeface="AdobeClean-LightIt"/>
                 <a:cs typeface="AdobeClean-LightIt"/>
               </a:rPr>
-              <a:t>アドビサポートのサービスやお客様に最適なレベルについて詳しくは、専任アカウントマネージャー（NAM）またはカスタマーサクセスマネージャー（CSM）にお問い合わせください。</a:t>
-            </a:r>
+              <a:t>To</a:t>
+            </a:r>
+            <a:r>
+              <a:rPr sz="1100" i="1" spc="-50">
+                <a:solidFill>
+                  <a:srgbClr val="777879"/>
+                </a:solidFill>
+                <a:latin typeface="AdobeClean-LightIt"/>
+                <a:cs typeface="AdobeClean-LightIt"/>
+              </a:rPr>
+              <a:t> </a:t>
+            </a:r>
+            <a:r>
+              <a:rPr sz="1100" i="1" spc="-15">
+                <a:solidFill>
+                  <a:srgbClr val="777879"/>
+                </a:solidFill>
+                <a:latin typeface="AdobeClean-LightIt"/>
+                <a:cs typeface="AdobeClean-LightIt"/>
+              </a:rPr>
+              <a:t>learn</a:t>
+            </a:r>
+            <a:r>
+              <a:rPr sz="1100" i="1" spc="-40">
+                <a:solidFill>
+                  <a:srgbClr val="777879"/>
+                </a:solidFill>
+                <a:latin typeface="AdobeClean-LightIt"/>
+                <a:cs typeface="AdobeClean-LightIt"/>
+              </a:rPr>
+              <a:t> </a:t>
+            </a:r>
+            <a:r>
+              <a:rPr sz="1100" i="1" spc="-15">
+                <a:solidFill>
+                  <a:srgbClr val="777879"/>
+                </a:solidFill>
+                <a:latin typeface="AdobeClean-LightIt"/>
+                <a:cs typeface="AdobeClean-LightIt"/>
+              </a:rPr>
+              <a:t>more</a:t>
+            </a:r>
+            <a:r>
+              <a:rPr sz="1100" i="1" spc="-45">
+                <a:solidFill>
+                  <a:srgbClr val="777879"/>
+                </a:solidFill>
+                <a:latin typeface="AdobeClean-LightIt"/>
+                <a:cs typeface="AdobeClean-LightIt"/>
+              </a:rPr>
+              <a:t> </a:t>
+            </a:r>
+            <a:r>
+              <a:rPr sz="1100" i="1" spc="-15">
+                <a:solidFill>
+                  <a:srgbClr val="777879"/>
+                </a:solidFill>
+                <a:latin typeface="AdobeClean-LightIt"/>
+                <a:cs typeface="AdobeClean-LightIt"/>
+              </a:rPr>
+              <a:t>about</a:t>
+            </a:r>
+            <a:r>
+              <a:rPr sz="1100" i="1" spc="-45">
+                <a:solidFill>
+                  <a:srgbClr val="777879"/>
+                </a:solidFill>
+                <a:latin typeface="AdobeClean-LightIt"/>
+                <a:cs typeface="AdobeClean-LightIt"/>
+              </a:rPr>
+              <a:t> </a:t>
+            </a:r>
+            <a:r>
+              <a:rPr sz="1100" i="1" spc="-15">
+                <a:solidFill>
+                  <a:srgbClr val="777879"/>
+                </a:solidFill>
+                <a:latin typeface="AdobeClean-LightIt"/>
+                <a:cs typeface="AdobeClean-LightIt"/>
+              </a:rPr>
+              <a:t>Adobe</a:t>
+            </a:r>
+            <a:r>
+              <a:rPr sz="1100" i="1" spc="-50">
+                <a:solidFill>
+                  <a:srgbClr val="777879"/>
+                </a:solidFill>
+                <a:latin typeface="AdobeClean-LightIt"/>
+                <a:cs typeface="AdobeClean-LightIt"/>
+              </a:rPr>
+              <a:t> </a:t>
+            </a:r>
+            <a:r>
+              <a:rPr sz="1100" i="1" spc="-15">
+                <a:solidFill>
+                  <a:srgbClr val="777879"/>
+                </a:solidFill>
+                <a:latin typeface="AdobeClean-LightIt"/>
+                <a:cs typeface="AdobeClean-LightIt"/>
+              </a:rPr>
+              <a:t>Support</a:t>
+            </a:r>
+            <a:r>
+              <a:rPr lang="en-US" sz="1100" i="1" spc="-15">
+                <a:solidFill>
+                  <a:srgbClr val="777879"/>
+                </a:solidFill>
+                <a:latin typeface="AdobeClean-LightIt"/>
+                <a:cs typeface="AdobeClean-LightIt"/>
+              </a:rPr>
+              <a:t> Offerings</a:t>
+            </a:r>
+            <a:r>
+              <a:rPr sz="1100" i="1" spc="-75">
+                <a:solidFill>
+                  <a:srgbClr val="777879"/>
+                </a:solidFill>
+                <a:latin typeface="AdobeClean-LightIt"/>
+                <a:cs typeface="AdobeClean-LightIt"/>
+              </a:rPr>
+              <a:t> </a:t>
+            </a:r>
+            <a:r>
+              <a:rPr sz="1100" i="1" spc="-15">
+                <a:solidFill>
+                  <a:srgbClr val="777879"/>
+                </a:solidFill>
+                <a:latin typeface="AdobeClean-LightIt"/>
+                <a:cs typeface="AdobeClean-LightIt"/>
+              </a:rPr>
+              <a:t>and</a:t>
+            </a:r>
+            <a:r>
+              <a:rPr sz="1100" i="1" spc="-50">
+                <a:solidFill>
+                  <a:srgbClr val="777879"/>
+                </a:solidFill>
+                <a:latin typeface="AdobeClean-LightIt"/>
+                <a:cs typeface="AdobeClean-LightIt"/>
+              </a:rPr>
+              <a:t> </a:t>
+            </a:r>
+            <a:r>
+              <a:rPr sz="1100" i="1" spc="-15">
+                <a:solidFill>
+                  <a:srgbClr val="777879"/>
+                </a:solidFill>
+                <a:latin typeface="AdobeClean-LightIt"/>
+                <a:cs typeface="AdobeClean-LightIt"/>
+              </a:rPr>
+              <a:t>the</a:t>
+            </a:r>
+            <a:r>
+              <a:rPr sz="1100" i="1" spc="-55">
+                <a:solidFill>
+                  <a:srgbClr val="777879"/>
+                </a:solidFill>
+                <a:latin typeface="AdobeClean-LightIt"/>
+                <a:cs typeface="AdobeClean-LightIt"/>
+              </a:rPr>
+              <a:t> </a:t>
+            </a:r>
+            <a:r>
+              <a:rPr sz="1100" i="1" spc="-15">
+                <a:solidFill>
+                  <a:srgbClr val="777879"/>
+                </a:solidFill>
+                <a:latin typeface="AdobeClean-LightIt"/>
+                <a:cs typeface="AdobeClean-LightIt"/>
+              </a:rPr>
+              <a:t>right</a:t>
+            </a:r>
+            <a:r>
+              <a:rPr sz="1100" i="1" spc="-95">
+                <a:solidFill>
+                  <a:srgbClr val="777879"/>
+                </a:solidFill>
+                <a:latin typeface="AdobeClean-LightIt"/>
+                <a:cs typeface="AdobeClean-LightIt"/>
+              </a:rPr>
+              <a:t> </a:t>
+            </a:r>
+            <a:r>
+              <a:rPr sz="1100" i="1" spc="-15">
+                <a:solidFill>
+                  <a:srgbClr val="777879"/>
+                </a:solidFill>
+                <a:latin typeface="AdobeClean-LightIt"/>
+                <a:cs typeface="AdobeClean-LightIt"/>
+              </a:rPr>
+              <a:t>level</a:t>
+            </a:r>
+            <a:r>
+              <a:rPr sz="1100" i="1" spc="-55">
+                <a:solidFill>
+                  <a:srgbClr val="777879"/>
+                </a:solidFill>
+                <a:latin typeface="AdobeClean-LightIt"/>
+                <a:cs typeface="AdobeClean-LightIt"/>
+              </a:rPr>
+              <a:t> </a:t>
+            </a:r>
+            <a:r>
+              <a:rPr sz="1100" i="1" spc="-15">
+                <a:solidFill>
+                  <a:srgbClr val="777879"/>
+                </a:solidFill>
+                <a:latin typeface="AdobeClean-LightIt"/>
+                <a:cs typeface="AdobeClean-LightIt"/>
+              </a:rPr>
+              <a:t>for</a:t>
+            </a:r>
+            <a:r>
+              <a:rPr sz="1100" i="1" spc="-85">
+                <a:solidFill>
+                  <a:srgbClr val="777879"/>
+                </a:solidFill>
+                <a:latin typeface="AdobeClean-LightIt"/>
+                <a:cs typeface="AdobeClean-LightIt"/>
+              </a:rPr>
+              <a:t> </a:t>
+            </a:r>
+            <a:r>
+              <a:rPr sz="1100" i="1" spc="-15">
+                <a:solidFill>
+                  <a:srgbClr val="777879"/>
+                </a:solidFill>
+                <a:latin typeface="AdobeClean-LightIt"/>
+                <a:cs typeface="AdobeClean-LightIt"/>
+              </a:rPr>
+              <a:t>you,</a:t>
+            </a:r>
+            <a:r>
+              <a:rPr sz="1100" i="1" spc="-65">
+                <a:solidFill>
+                  <a:srgbClr val="777879"/>
+                </a:solidFill>
+                <a:latin typeface="AdobeClean-LightIt"/>
+                <a:cs typeface="AdobeClean-LightIt"/>
+              </a:rPr>
+              <a:t> </a:t>
+            </a:r>
+            <a:r>
+              <a:rPr sz="1100" i="1" spc="-15">
+                <a:solidFill>
+                  <a:srgbClr val="777879"/>
+                </a:solidFill>
+                <a:latin typeface="AdobeClean-LightIt"/>
+                <a:cs typeface="AdobeClean-LightIt"/>
+              </a:rPr>
+              <a:t>contact</a:t>
+            </a:r>
+            <a:r>
+              <a:rPr sz="1100" i="1" spc="-85">
+                <a:solidFill>
+                  <a:srgbClr val="777879"/>
+                </a:solidFill>
+                <a:latin typeface="AdobeClean-LightIt"/>
+                <a:cs typeface="AdobeClean-LightIt"/>
+              </a:rPr>
+              <a:t> </a:t>
+            </a:r>
+            <a:r>
+              <a:rPr sz="1100" i="1" spc="-15">
+                <a:solidFill>
+                  <a:srgbClr val="777879"/>
+                </a:solidFill>
+                <a:latin typeface="AdobeClean-LightIt"/>
+                <a:cs typeface="AdobeClean-LightIt"/>
+              </a:rPr>
+              <a:t>your</a:t>
+            </a:r>
+            <a:r>
+              <a:rPr sz="1100" i="1" spc="-70">
+                <a:solidFill>
+                  <a:srgbClr val="777879"/>
+                </a:solidFill>
+                <a:latin typeface="AdobeClean-LightIt"/>
+                <a:cs typeface="AdobeClean-LightIt"/>
+              </a:rPr>
+              <a:t> </a:t>
+            </a:r>
+            <a:r>
+              <a:rPr sz="1100" i="1" spc="-15">
+                <a:solidFill>
+                  <a:srgbClr val="777879"/>
+                </a:solidFill>
+                <a:latin typeface="AdobeClean-LightIt"/>
+                <a:cs typeface="AdobeClean-LightIt"/>
+              </a:rPr>
+              <a:t>Named</a:t>
+            </a:r>
+            <a:r>
+              <a:rPr sz="1100" i="1" spc="-55">
+                <a:solidFill>
+                  <a:srgbClr val="777879"/>
+                </a:solidFill>
+                <a:latin typeface="AdobeClean-LightIt"/>
+                <a:cs typeface="AdobeClean-LightIt"/>
+              </a:rPr>
+              <a:t> </a:t>
+            </a:r>
+            <a:r>
+              <a:rPr sz="1100" i="1" spc="-25">
+                <a:solidFill>
+                  <a:srgbClr val="777879"/>
+                </a:solidFill>
+                <a:latin typeface="AdobeClean-LightIt"/>
+                <a:cs typeface="AdobeClean-LightIt"/>
+              </a:rPr>
+              <a:t>Account</a:t>
+            </a:r>
+            <a:r>
+              <a:rPr sz="1100" i="1" spc="-120">
+                <a:solidFill>
+                  <a:srgbClr val="777879"/>
+                </a:solidFill>
+                <a:latin typeface="AdobeClean-LightIt"/>
+                <a:cs typeface="AdobeClean-LightIt"/>
+              </a:rPr>
+              <a:t> </a:t>
+            </a:r>
+            <a:r>
+              <a:rPr sz="1100" i="1" spc="-20">
+                <a:solidFill>
+                  <a:srgbClr val="777879"/>
+                </a:solidFill>
+                <a:latin typeface="AdobeClean-LightIt"/>
+                <a:cs typeface="AdobeClean-LightIt"/>
+              </a:rPr>
+              <a:t>Manager</a:t>
+            </a:r>
+            <a:r>
+              <a:rPr lang="en-US" sz="1100" i="1" spc="-20">
+                <a:solidFill>
+                  <a:srgbClr val="777879"/>
+                </a:solidFill>
+                <a:latin typeface="AdobeClean-LightIt"/>
+                <a:cs typeface="AdobeClean-LightIt"/>
+              </a:rPr>
+              <a:t> </a:t>
+            </a:r>
+            <a:r>
+              <a:rPr sz="1100" i="1" spc="-20">
+                <a:solidFill>
+                  <a:srgbClr val="777879"/>
+                </a:solidFill>
+                <a:latin typeface="AdobeClean-LightIt"/>
+                <a:cs typeface="AdobeClean-LightIt"/>
+              </a:rPr>
+              <a:t> </a:t>
+            </a:r>
+            <a:r>
+              <a:rPr sz="1100" i="1" spc="-15">
+                <a:solidFill>
+                  <a:srgbClr val="777879"/>
+                </a:solidFill>
+                <a:latin typeface="AdobeClean-LightIt"/>
+                <a:cs typeface="AdobeClean-LightIt"/>
+              </a:rPr>
+              <a:t>(NAM) </a:t>
+            </a:r>
+            <a:r>
+              <a:rPr sz="1100" i="1" spc="-10">
+                <a:solidFill>
+                  <a:srgbClr val="777879"/>
+                </a:solidFill>
+                <a:latin typeface="AdobeClean-LightIt"/>
+                <a:cs typeface="AdobeClean-LightIt"/>
+              </a:rPr>
+              <a:t>or </a:t>
+            </a:r>
+            <a:r>
+              <a:rPr sz="1100" i="1" spc="-15">
+                <a:solidFill>
+                  <a:srgbClr val="777879"/>
+                </a:solidFill>
+                <a:latin typeface="AdobeClean-LightIt"/>
+                <a:cs typeface="AdobeClean-LightIt"/>
+              </a:rPr>
+              <a:t>Customer</a:t>
+            </a:r>
+            <a:r>
+              <a:rPr lang="en-US" sz="1100" i="1" spc="-15">
+                <a:solidFill>
+                  <a:srgbClr val="777879"/>
+                </a:solidFill>
+                <a:latin typeface="AdobeClean-LightIt"/>
+                <a:cs typeface="AdobeClean-LightIt"/>
+              </a:rPr>
+              <a:t> </a:t>
+            </a:r>
+            <a:r>
+              <a:rPr lang="en-US" sz="1100" i="1" spc="-20">
+                <a:solidFill>
+                  <a:srgbClr val="777879"/>
+                </a:solidFill>
+                <a:latin typeface="AdobeClean-LightIt"/>
+                <a:cs typeface="AdobeClean-LightIt"/>
+              </a:rPr>
+              <a:t>Success </a:t>
+            </a:r>
+            <a:r>
+              <a:rPr lang="en-US" sz="1100" i="1" spc="-15">
+                <a:solidFill>
+                  <a:srgbClr val="777879"/>
+                </a:solidFill>
+                <a:latin typeface="AdobeClean-LightIt"/>
+                <a:cs typeface="AdobeClean-LightIt"/>
+              </a:rPr>
+              <a:t>Manager </a:t>
+            </a:r>
+            <a:r>
+              <a:rPr sz="1100" i="1" spc="-15">
+                <a:solidFill>
+                  <a:srgbClr val="777879"/>
+                </a:solidFill>
+                <a:latin typeface="AdobeClean-LightIt"/>
+                <a:cs typeface="AdobeClean-LightIt"/>
+              </a:rPr>
+              <a:t>(CSM)</a:t>
+            </a:r>
+            <a:endParaRPr sz="1100">
+              <a:latin typeface="AdobeClean-LightIt"/>
+              <a:cs typeface="AdobeClean-LightIt"/>
+            </a:endParaRPr>
           </a:p>
           <a:p>
             <a:pPr marL="34290">
@@ -9265,16 +10453,59 @@
               </a:spcBef>
             </a:pPr>
             <a:r>
-              <a:rPr lang="ja-JP" sz="800" dirty="0">
+              <a:rPr sz="800" spc="-5">
                 <a:solidFill>
                   <a:srgbClr val="6D6D6D"/>
                 </a:solidFill>
                 <a:latin typeface="Adobe Clean"/>
-                <a:ea typeface="MS Mincho"/>
                 <a:cs typeface="Adobe Clean"/>
               </a:rPr>
-              <a:t>©2021 Adobe.All Rights Reserved.Adobe Confidential.</a:t>
-            </a:r>
+              <a:t>©202</a:t>
+            </a:r>
+            <a:r>
+              <a:rPr lang="en-US" sz="800" spc="-5">
+                <a:solidFill>
+                  <a:srgbClr val="6D6D6D"/>
+                </a:solidFill>
+                <a:latin typeface="Adobe Clean"/>
+                <a:cs typeface="Adobe Clean"/>
+              </a:rPr>
+              <a:t>1</a:t>
+            </a:r>
+            <a:r>
+              <a:rPr sz="800" spc="-5">
+                <a:solidFill>
+                  <a:srgbClr val="6D6D6D"/>
+                </a:solidFill>
+                <a:latin typeface="Adobe Clean"/>
+                <a:cs typeface="Adobe Clean"/>
+              </a:rPr>
+              <a:t> Adobe. All Rights Reserved. Adobe</a:t>
+            </a:r>
+            <a:r>
+              <a:rPr sz="800" spc="75">
+                <a:solidFill>
+                  <a:srgbClr val="6D6D6D"/>
+                </a:solidFill>
+                <a:latin typeface="Adobe Clean"/>
+                <a:cs typeface="Adobe Clean"/>
+              </a:rPr>
+              <a:t> </a:t>
+            </a:r>
+            <a:r>
+              <a:rPr sz="800" spc="-5">
+                <a:solidFill>
+                  <a:srgbClr val="6D6D6D"/>
+                </a:solidFill>
+                <a:latin typeface="Adobe Clean"/>
+                <a:cs typeface="Adobe Clean"/>
+              </a:rPr>
+              <a:t>Confidential.</a:t>
+            </a:r>
+            <a:endParaRPr sz="800">
+              <a:latin typeface="Adobe Clean"/>
+              <a:cs typeface="Adobe Clean"/>
+            </a:endParaRPr>
           </a:p>
         </p:txBody>
       </p:sp>
@@ -9311,16 +10542,19 @@
               </a:spcBef>
             </a:pPr>
             <a:r>
-              <a:rPr lang="ja-JP" sz="1400" b="1" dirty="0">
+              <a:rPr lang="en-US" sz="1400" b="1" spc="-15">
                 <a:solidFill>
                   <a:srgbClr val="020302"/>
                 </a:solidFill>
-                <a:latin typeface="Adobe Clean Han Regular" panose="020B0500000000000000" pitchFamily="34" charset="-128"/>
-                <a:ea typeface="Adobe Clean Han Regular" panose="020B0500000000000000" pitchFamily="34" charset="-128"/>
+                <a:latin typeface="Adobe Clean"/>
                 <a:cs typeface="Adobe Clean"/>
               </a:rPr>
-              <a:t>アドビサポートの対象地域、現地の営業時間、言語サポート</a:t>
-            </a:r>
+              <a:t>Regional scope of Adobe Support, Local Hours Of Operation And Language Support</a:t>
+            </a:r>
+            <a:endParaRPr lang="en-US" sz="1400" spc="-15">
+              <a:ea typeface="+mn-lt"/>
+              <a:cs typeface="+mn-lt"/>
+            </a:endParaRPr>
           </a:p>
           <a:p>
             <a:pPr>
@@ -9329,15 +10563,15 @@
               </a:spcBef>
             </a:pPr>
             <a:r>
-              <a:rPr lang="ja-JP" sz="1000" dirty="0">
+              <a:rPr lang="en-US" sz="1000" spc="-15">
                 <a:solidFill>
                   <a:srgbClr val="1F1F1F"/>
                 </a:solidFill>
-                <a:latin typeface="Adobe Clean Han Light" panose="020B0300000000000000" pitchFamily="34" charset="-128"/>
-                <a:ea typeface="Adobe Clean Han Light" panose="020B0300000000000000" pitchFamily="34" charset="-128"/>
-              </a:rPr>
-              <a:t>アドビサポートの対象地域と現地営業時間は、以下のとおりです。対象地域は、お客様のセールスオーダーやその他のアドビサポートのご契約資料に記載されている請求先の地域に準じます。</a:t>
-            </a:r>
+                <a:latin typeface="AdobeClean-Light"/>
+              </a:rPr>
+              <a:t>The Regional scope of Adobe Support is established by aligning the customer's billing address (via the Sales Order or other Adobe Support purchasing document) to one of the following regions:</a:t>
+            </a:r>
+            <a:endParaRPr lang="en-US"/>
           </a:p>
         </p:txBody>
       </p:sp>
@@ -9356,7 +10590,7 @@
           <p:nvPr>
             <p:extLst>
               <p:ext uri="{D42A27DB-BD31-4B8C-83A1-F6EECF244321}">
-                <p14:modId xmlns:p14="http://schemas.microsoft.com/office/powerpoint/2010/main" val="4242219289"/>
+                <p14:modId xmlns:p14="http://schemas.microsoft.com/office/powerpoint/2010/main" val="914484175"/>
               </p:ext>
             </p:extLst>
           </p:nvPr>
@@ -9409,14 +10643,13 @@
                     <a:p>
                       <a:pPr algn="ctr"/>
                       <a:r>
-                        <a:rPr lang="ja-JP" sz="1100" dirty="0">
+                        <a:rPr lang="en-US" sz="1100">
                           <a:solidFill>
                             <a:schemeClr val="tx1"/>
                           </a:solidFill>
-                          <a:latin typeface="Adobe Clean Han Regular" panose="020B0500000000000000" pitchFamily="34" charset="-128"/>
-                          <a:ea typeface="Adobe Clean Han Regular" panose="020B0500000000000000" pitchFamily="34" charset="-128"/>
+                          <a:latin typeface="Adobe Clean"/>
                         </a:rPr>
-                        <a:t>南北アメリカ</a:t>
+                        <a:t>Americas</a:t>
                       </a:r>
                     </a:p>
                   </a:txBody>
@@ -9475,33 +10708,13 @@
                     <a:p>
                       <a:pPr algn="ctr"/>
                       <a:r>
-                        <a:rPr lang="ja-JP" sz="1100" dirty="0">
+                        <a:rPr lang="en-US" sz="1100">
                           <a:solidFill>
                             <a:schemeClr val="tx1"/>
                           </a:solidFill>
-                          <a:latin typeface="Adobe Clean Han Regular" panose="020B0500000000000000" pitchFamily="34" charset="-128"/>
-                          <a:ea typeface="Adobe Clean Han Regular" panose="020B0500000000000000" pitchFamily="34" charset="-128"/>
+                          <a:latin typeface="Adobe Clean"/>
                         </a:rPr>
-                        <a:t>ヨーロッパ、中東、</a:t>
-                      </a:r>
-                      <a:br>
-                        <a:rPr lang="sk-SK" altLang="ja-JP" sz="1100" dirty="0">
-                          <a:solidFill>
-                            <a:schemeClr val="tx1"/>
-                          </a:solidFill>
-                          <a:latin typeface="Adobe Clean Han Regular" panose="020B0500000000000000" pitchFamily="34" charset="-128"/>
-                          <a:ea typeface="Adobe Clean Han Regular" panose="020B0500000000000000" pitchFamily="34" charset="-128"/>
-                        </a:rPr>
-                      </a:br>
-                      <a:r>
-                        <a:rPr lang="ja-JP" sz="1100" dirty="0">
-                          <a:solidFill>
-                            <a:schemeClr val="tx1"/>
-                          </a:solidFill>
-                          <a:latin typeface="Adobe Clean Han Regular" panose="020B0500000000000000" pitchFamily="34" charset="-128"/>
-                          <a:ea typeface="Adobe Clean Han Regular" panose="020B0500000000000000" pitchFamily="34" charset="-128"/>
-                        </a:rPr>
-                        <a:t>アフリカ</a:t>
+                        <a:t>Europe, Middle East &amp; Africa</a:t>
                       </a:r>
                     </a:p>
                   </a:txBody>
@@ -9560,14 +10773,13 @@
                     <a:p>
                       <a:pPr algn="ctr"/>
                       <a:r>
-                        <a:rPr lang="ja-JP" sz="1100">
+                        <a:rPr lang="en-US" sz="1100">
                           <a:solidFill>
                             <a:schemeClr val="tx1"/>
                           </a:solidFill>
-                          <a:latin typeface="Adobe Clean Han Regular" panose="020B0500000000000000" pitchFamily="34" charset="-128"/>
-                          <a:ea typeface="Adobe Clean Han Regular" panose="020B0500000000000000" pitchFamily="34" charset="-128"/>
+                          <a:latin typeface="Adobe Clean"/>
                         </a:rPr>
-                        <a:t>アジア太平洋</a:t>
+                        <a:t>Asia Pacific</a:t>
                       </a:r>
                     </a:p>
                   </a:txBody>
@@ -9626,25 +10838,29 @@
                     <a:p>
                       <a:pPr algn="ctr"/>
                       <a:r>
-                        <a:rPr lang="ja-JP" sz="1100">
+                        <a:rPr lang="en-US" sz="1100">
                           <a:solidFill>
                             <a:schemeClr val="tx1"/>
                           </a:solidFill>
-                          <a:latin typeface="Adobe Clean Han Regular" panose="020B0500000000000000" pitchFamily="34" charset="-128"/>
-                          <a:ea typeface="Adobe Clean Han Regular" panose="020B0500000000000000" pitchFamily="34" charset="-128"/>
+                          <a:latin typeface="Adobe Clean"/>
                         </a:rPr>
-                        <a:t>日本 </a:t>
+                        <a:t>Japan </a:t>
                       </a:r>
                       <a:r>
-                        <a:rPr lang="ja-JP" sz="1100" baseline="30000">
+                        <a:rPr lang="en-US" sz="1100" baseline="30000">
                           <a:solidFill>
                             <a:schemeClr val="tx1"/>
                           </a:solidFill>
-                          <a:latin typeface="Adobe Clean Han Regular" panose="020B0500000000000000" pitchFamily="34" charset="-128"/>
-                          <a:ea typeface="Adobe Clean Han Regular" panose="020B0500000000000000" pitchFamily="34" charset="-128"/>
+                          <a:latin typeface="Adobe Clean"/>
                         </a:rPr>
                         <a:t>1 </a:t>
                       </a:r>
+                      <a:endParaRPr lang="en-US" sz="1100">
+                        <a:solidFill>
+                          <a:schemeClr val="tx1"/>
+                        </a:solidFill>
+                        <a:latin typeface="Adobe Clean" panose="020B0503020404020204" pitchFamily="34" charset="0"/>
+                      </a:endParaRPr>
                     </a:p>
                   </a:txBody>
                   <a:tcPr anchor="ctr">
@@ -9709,14 +10925,13 @@
                     <a:p>
                       <a:pPr algn="ctr"/>
                       <a:r>
-                        <a:rPr lang="ja-JP" sz="1100">
+                        <a:rPr lang="en-US" sz="1100">
                           <a:solidFill>
                             <a:schemeClr val="tx1"/>
                           </a:solidFill>
-                          <a:latin typeface="Adobe Clean Han Regular" panose="020B0500000000000000" pitchFamily="34" charset="-128"/>
-                          <a:ea typeface="Adobe Clean Han Regular" panose="020B0500000000000000" pitchFamily="34" charset="-128"/>
+                          <a:latin typeface="Adobe Clean"/>
                         </a:rPr>
-                        <a:t>午前 6:00 ～午後 5:30</a:t>
+                        <a:t>6 am – 5:30 pm</a:t>
                       </a:r>
                     </a:p>
                   </a:txBody>
@@ -9775,14 +10990,13 @@
                     <a:p>
                       <a:pPr algn="ctr"/>
                       <a:r>
-                        <a:rPr lang="ja-JP" sz="1100">
+                        <a:rPr lang="en-US" sz="1100">
                           <a:solidFill>
                             <a:schemeClr val="tx1"/>
                           </a:solidFill>
-                          <a:latin typeface="Adobe Clean Han Regular" panose="020B0500000000000000" pitchFamily="34" charset="-128"/>
-                          <a:ea typeface="Adobe Clean Han Regular" panose="020B0500000000000000" pitchFamily="34" charset="-128"/>
+                          <a:latin typeface="Adobe Clean"/>
                         </a:rPr>
-                        <a:t>午前 9:00 ～午後 5:00</a:t>
+                        <a:t>9 am – 5 pm</a:t>
                       </a:r>
                     </a:p>
                   </a:txBody>
@@ -9841,14 +11055,13 @@
                     <a:p>
                       <a:pPr algn="ctr"/>
                       <a:r>
-                        <a:rPr lang="ja-JP" sz="1100" dirty="0">
+                        <a:rPr lang="en-US" sz="1100">
                           <a:solidFill>
                             <a:schemeClr val="tx1"/>
                           </a:solidFill>
-                          <a:latin typeface="Adobe Clean Han Regular" panose="020B0500000000000000" pitchFamily="34" charset="-128"/>
-                          <a:ea typeface="Adobe Clean Han Regular" panose="020B0500000000000000" pitchFamily="34" charset="-128"/>
+                          <a:latin typeface="Adobe Clean"/>
                         </a:rPr>
-                        <a:t>午前 9:00 ～午後 5:00</a:t>
+                        <a:t>9 am – 5 pm</a:t>
                       </a:r>
                     </a:p>
                   </a:txBody>
@@ -9907,14 +11120,13 @@
                     <a:p>
                       <a:pPr algn="ctr"/>
                       <a:r>
-                        <a:rPr lang="ja-JP" sz="1100" dirty="0">
+                        <a:rPr lang="en-US" sz="1100">
                           <a:solidFill>
                             <a:schemeClr val="tx1"/>
                           </a:solidFill>
-                          <a:latin typeface="Adobe Clean Han Regular" panose="020B0500000000000000" pitchFamily="34" charset="-128"/>
-                          <a:ea typeface="Adobe Clean Han Regular" panose="020B0500000000000000" pitchFamily="34" charset="-128"/>
+                          <a:latin typeface="Adobe Clean"/>
                         </a:rPr>
-                        <a:t>午前 9:00 ～午後 5:30</a:t>
+                        <a:t>9 am – 5:30 pm</a:t>
                       </a:r>
                     </a:p>
                   </a:txBody>
@@ -9994,29 +11206,31 @@
                         <a:buNone/>
                       </a:pPr>
                       <a:r>
-                        <a:rPr lang="ja-JP" sz="1100" b="1" i="0" u="none" strike="noStrike" cap="none" normalizeH="0" baseline="30000" noProof="0" dirty="0">
+                        <a:rPr lang="en-US" sz="1100" b="1" i="0" u="none" strike="noStrike" kern="0" cap="none" spc="0" normalizeH="0" baseline="30000" noProof="0" dirty="0">
                           <a:ln>
                             <a:noFill/>
                           </a:ln>
+                          <a:effectLst/>
                           <a:uLnTx/>
                           <a:uFillTx/>
-                          <a:latin typeface="Adobe Clean Han Regular" panose="020B0500000000000000" pitchFamily="34" charset="-128"/>
-                          <a:ea typeface="Adobe Clean Han Regular" panose="020B0500000000000000" pitchFamily="34" charset="-128"/>
+                          <a:latin typeface="Adobe Clean"/>
+                          <a:ea typeface="+mn-ea"/>
                           <a:cs typeface="+mn-cs"/>
                         </a:rPr>
                         <a:t> </a:t>
                       </a:r>
                       <a:r>
-                        <a:rPr lang="ja-JP" sz="1100" dirty="0">
+                        <a:rPr lang="en-US" sz="1100" dirty="0">
                           <a:solidFill>
                             <a:schemeClr val="tx1"/>
                           </a:solidFill>
-                          <a:latin typeface="Adobe Clean Han Regular" panose="020B0500000000000000" pitchFamily="34" charset="-128"/>
-                          <a:ea typeface="Adobe Clean Han Regular" panose="020B0500000000000000" pitchFamily="34" charset="-128"/>
-                          <a:cs typeface="+mn-cs"/>
+                          <a:latin typeface="Adobe Clean"/>
                         </a:rPr>
-                        <a:t>サポートで対応している言語は、英語および日本語のみです。</a:t>
+                        <a:t>Language support is only available in English and Japanese.</a:t>
                       </a:r>
+                      <a:endParaRPr lang="en-US" dirty="0">
+                        <a:latin typeface="Adobe Clean"/>
+                      </a:endParaRPr>
                     </a:p>
                     <a:p>
                       <a:pPr marL="0" marR="0" lvl="0" indent="0" algn="ctr">
@@ -10035,18 +11249,17 @@
                         <a:buNone/>
                       </a:pPr>
                       <a:r>
-                        <a:rPr lang="ja-JP" sz="1100" i="1" dirty="0">
+                        <a:rPr lang="en-US" sz="1100" i="1" dirty="0">
                           <a:solidFill>
                             <a:schemeClr val="tx1"/>
                           </a:solidFill>
-                          <a:latin typeface="Adobe Clean Han Regular" panose="020B0500000000000000" pitchFamily="34" charset="-128"/>
-                          <a:ea typeface="Adobe Clean Han Regular" panose="020B0500000000000000" pitchFamily="34" charset="-128"/>
+                          <a:latin typeface="Adobe Clean"/>
                         </a:rPr>
-                        <a:t>*Adobe Commerce のサポートは、日本語に対応していません。</a:t>
+                        <a:t>*Adobe Commerce excludes Japanese languages support. </a:t>
                       </a:r>
                     </a:p>
                     <a:p>
-                      <a:pPr algn="l" rtl="0"/>
+                      <a:pPr algn="ctr"/>
                       <a:endParaRPr kumimoji="0" lang="en-US" sz="1100" b="1" i="0" u="none" strike="noStrike" kern="0" cap="none" spc="0" normalizeH="0" baseline="30000" noProof="0" dirty="0">
                         <a:ln>
                           <a:noFill/>
@@ -10057,43 +11270,46 @@
                         <a:effectLst/>
                         <a:uLnTx/>
                         <a:uFillTx/>
-                        <a:latin typeface="Adobe Clean Han Regular" panose="020B0500000000000000" pitchFamily="34" charset="-128"/>
-                        <a:ea typeface="Adobe Clean Han Regular" panose="020B0500000000000000" pitchFamily="34" charset="-128"/>
+                        <a:latin typeface="Adobe Clean" panose="020B0503020404020204" pitchFamily="34" charset="0"/>
+                        <a:ea typeface="+mn-ea"/>
                         <a:cs typeface="+mn-cs"/>
                       </a:endParaRPr>
                     </a:p>
                     <a:p>
                       <a:pPr algn="ctr"/>
                       <a:r>
-                        <a:rPr lang="ja-JP" sz="1100" i="0" dirty="0">
+                        <a:rPr lang="en-US" sz="1100" i="0" dirty="0">
                           <a:solidFill>
                             <a:schemeClr val="tx1"/>
                           </a:solidFill>
-                          <a:latin typeface="Adobe Clean Han Regular" panose="020B0500000000000000" pitchFamily="34" charset="-128"/>
-                          <a:ea typeface="Adobe Clean Han Regular" panose="020B0500000000000000" pitchFamily="34" charset="-128"/>
+                          <a:latin typeface="Adobe Clean"/>
                         </a:rPr>
                         <a:t> </a:t>
                       </a:r>
                       <a:r>
-                        <a:rPr lang="ja-JP" sz="1100" i="0" baseline="30000" dirty="0">
+                        <a:rPr lang="en-US" sz="1100" i="0" baseline="30000" dirty="0">
                           <a:solidFill>
                             <a:schemeClr val="tx1"/>
                           </a:solidFill>
-                          <a:latin typeface="Adobe Clean Han Regular" panose="020B0500000000000000" pitchFamily="34" charset="-128"/>
-                          <a:ea typeface="Adobe Clean Han Regular" panose="020B0500000000000000" pitchFamily="34" charset="-128"/>
+                          <a:latin typeface="Adobe Clean"/>
                         </a:rPr>
                         <a:t>1 </a:t>
                       </a:r>
                       <a:r>
-                        <a:rPr lang="ja-JP" sz="1100" i="0" dirty="0">
+                        <a:rPr lang="en-US" sz="1100" i="0" dirty="0">
                           <a:solidFill>
                             <a:schemeClr val="tx1"/>
                           </a:solidFill>
-                          <a:latin typeface="Adobe Clean Han Regular" panose="020B0500000000000000" pitchFamily="34" charset="-128"/>
-                          <a:ea typeface="Adobe Clean Han Regular" panose="020B0500000000000000" pitchFamily="34" charset="-128"/>
+                          <a:latin typeface="Adobe Clean"/>
                         </a:rPr>
-                        <a:t>P2、P3、P4 の場合は、営業時間内のみの対応です。</a:t>
+                        <a:t>P2, P3, P4 cases are limited to business hours only in Japan.</a:t>
                       </a:r>
+                      <a:endParaRPr lang="en-US" sz="1100" b="1" i="0" dirty="0">
+                        <a:solidFill>
+                          <a:schemeClr val="tx1"/>
+                        </a:solidFill>
+                        <a:latin typeface="Adobe Clean"/>
+                      </a:endParaRPr>
                     </a:p>
                   </a:txBody>
                   <a:tcPr anchor="ctr">
@@ -10448,7 +11664,7 @@
           </a:bodyPr>
           <a:lstStyle/>
           <a:p>
-            <a:pPr marR="5080" algn="ctr">
+            <a:pPr marL="139065" marR="5080" indent="-139065">
               <a:lnSpc>
                 <a:spcPts val="1390"/>
               </a:lnSpc>
@@ -10457,37 +11673,129 @@
               </a:spcBef>
             </a:pPr>
             <a:r>
-              <a:rPr lang="ja-JP" sz="1200" b="1" dirty="0">
+              <a:rPr sz="1200" b="1" spc="-15">
                 <a:solidFill>
                   <a:srgbClr val="FFFFFF"/>
                 </a:solidFill>
-                <a:latin typeface="Adobe Clean Han Regular" panose="020B0500000000000000" pitchFamily="34" charset="-128"/>
-                <a:ea typeface="Adobe Clean Han Regular" panose="020B0500000000000000" pitchFamily="34" charset="-128"/>
+                <a:latin typeface="Adobe Clean"/>
                 <a:cs typeface="Adobe Clean"/>
               </a:rPr>
-              <a:t>卓越した</a:t>
-            </a:r>
-            <a:br>
-              <a:rPr lang="ja-JP" sz="1200" b="1" dirty="0">
+              <a:t>U</a:t>
+            </a:r>
+            <a:r>
+              <a:rPr sz="1200" b="1" spc="-20">
                 <a:solidFill>
                   <a:srgbClr val="FFFFFF"/>
                 </a:solidFill>
-                <a:latin typeface="Adobe Clean Han Regular" panose="020B0500000000000000" pitchFamily="34" charset="-128"/>
-                <a:ea typeface="Adobe Clean Han Regular" panose="020B0500000000000000" pitchFamily="34" charset="-128"/>
+                <a:latin typeface="Adobe Clean"/>
                 <a:cs typeface="Adobe Clean"/>
               </a:rPr>
-            </a:br>
-            <a:r>
-              <a:rPr lang="ja-JP" sz="1200" b="1" dirty="0">
+              <a:t>n</a:t>
+            </a:r>
+            <a:r>
+              <a:rPr sz="1200" b="1" spc="-25">
                 <a:solidFill>
                   <a:srgbClr val="FFFFFF"/>
                 </a:solidFill>
-                <a:latin typeface="Adobe Clean Han Regular" panose="020B0500000000000000" pitchFamily="34" charset="-128"/>
-                <a:ea typeface="Adobe Clean Han Regular" panose="020B0500000000000000" pitchFamily="34" charset="-128"/>
+                <a:latin typeface="Adobe Clean"/>
                 <a:cs typeface="Adobe Clean"/>
               </a:rPr>
-              <a:t>専門知識</a:t>
-            </a:r>
+              <a:t>p</a:t>
+            </a:r>
+            <a:r>
+              <a:rPr sz="1200" b="1" spc="-15">
+                <a:solidFill>
+                  <a:srgbClr val="FFFFFF"/>
+                </a:solidFill>
+                <a:latin typeface="Adobe Clean"/>
+                <a:cs typeface="Adobe Clean"/>
+              </a:rPr>
+              <a:t>a</a:t>
+            </a:r>
+            <a:r>
+              <a:rPr sz="1200" b="1" spc="-25">
+                <a:solidFill>
+                  <a:srgbClr val="FFFFFF"/>
+                </a:solidFill>
+                <a:latin typeface="Adobe Clean"/>
+                <a:cs typeface="Adobe Clean"/>
+              </a:rPr>
+              <a:t>r</a:t>
+            </a:r>
+            <a:r>
+              <a:rPr sz="1200" b="1" spc="-15">
+                <a:solidFill>
+                  <a:srgbClr val="FFFFFF"/>
+                </a:solidFill>
+                <a:latin typeface="Adobe Clean"/>
+                <a:cs typeface="Adobe Clean"/>
+              </a:rPr>
+              <a:t>a</a:t>
+            </a:r>
+            <a:r>
+              <a:rPr sz="1200" b="1" spc="-30">
+                <a:solidFill>
+                  <a:srgbClr val="FFFFFF"/>
+                </a:solidFill>
+                <a:latin typeface="Adobe Clean"/>
+                <a:cs typeface="Adobe Clean"/>
+              </a:rPr>
+              <a:t>ll</a:t>
+            </a:r>
+            <a:r>
+              <a:rPr sz="1200" b="1" spc="-25">
+                <a:solidFill>
+                  <a:srgbClr val="FFFFFF"/>
+                </a:solidFill>
+                <a:latin typeface="Adobe Clean"/>
+                <a:cs typeface="Adobe Clean"/>
+              </a:rPr>
+              <a:t>e</a:t>
+            </a:r>
+            <a:r>
+              <a:rPr sz="1200" b="1" spc="-30">
+                <a:solidFill>
+                  <a:srgbClr val="FFFFFF"/>
+                </a:solidFill>
+                <a:latin typeface="Adobe Clean"/>
+                <a:cs typeface="Adobe Clean"/>
+              </a:rPr>
+              <a:t>l</a:t>
+            </a:r>
+            <a:r>
+              <a:rPr sz="1200" b="1" spc="-25">
+                <a:solidFill>
+                  <a:srgbClr val="FFFFFF"/>
+                </a:solidFill>
+                <a:latin typeface="Adobe Clean"/>
+                <a:cs typeface="Adobe Clean"/>
+              </a:rPr>
+              <a:t>e</a:t>
+            </a:r>
+            <a:r>
+              <a:rPr sz="1200" b="1">
+                <a:solidFill>
+                  <a:srgbClr val="FFFFFF"/>
+                </a:solidFill>
+                <a:latin typeface="Adobe Clean"/>
+                <a:cs typeface="Adobe Clean"/>
+              </a:rPr>
+              <a:t>d  </a:t>
+            </a:r>
+            <a:r>
+              <a:rPr sz="1200" b="1" spc="-25">
+                <a:solidFill>
+                  <a:srgbClr val="FFFFFF"/>
+                </a:solidFill>
+                <a:latin typeface="Adobe Clean"/>
+                <a:cs typeface="Adobe Clean"/>
+              </a:rPr>
+              <a:t>Expertise</a:t>
+            </a:r>
+            <a:endParaRPr sz="1200">
+              <a:latin typeface="Adobe Clean"/>
+              <a:cs typeface="Adobe Clean"/>
+            </a:endParaRPr>
           </a:p>
         </p:txBody>
       </p:sp>
@@ -10505,7 +11813,7 @@
         </p:nvSpPr>
         <p:spPr>
           <a:xfrm>
-            <a:off x="4705825" y="8541244"/>
+            <a:off x="4732495" y="8541244"/>
             <a:ext cx="810895" cy="382797"/>
           </a:xfrm>
           <a:prstGeom prst="rect">
@@ -10518,7 +11826,7 @@
           </a:bodyPr>
           <a:lstStyle/>
           <a:p>
-            <a:pPr marR="5080" algn="ctr">
+            <a:pPr marL="139065" marR="5080" indent="-139065">
               <a:lnSpc>
                 <a:spcPts val="1390"/>
               </a:lnSpc>
@@ -10527,37 +11835,19 @@
               </a:spcBef>
             </a:pPr>
             <a:r>
-              <a:rPr lang="ja-JP" sz="1200" b="1" dirty="0">
+              <a:rPr lang="en-US" sz="1200" b="1" spc="-15">
                 <a:solidFill>
                   <a:srgbClr val="FFFFFF"/>
                 </a:solidFill>
-                <a:latin typeface="Adobe Clean Han Regular" panose="020B0500000000000000" pitchFamily="34" charset="-128"/>
-                <a:ea typeface="Adobe Clean Han Regular" panose="020B0500000000000000" pitchFamily="34" charset="-128"/>
+                <a:latin typeface="Adobe Clean"/>
                 <a:cs typeface="Adobe Clean"/>
               </a:rPr>
-              <a:t>迅速な</a:t>
-            </a:r>
-            <a:br>
-              <a:rPr lang="ja-JP" sz="1200" b="1" dirty="0">
-                <a:solidFill>
-                  <a:srgbClr val="FFFFFF"/>
-                </a:solidFill>
-                <a:latin typeface="Adobe Clean Han Regular" panose="020B0500000000000000" pitchFamily="34" charset="-128"/>
-                <a:ea typeface="Adobe Clean Han Regular" panose="020B0500000000000000" pitchFamily="34" charset="-128"/>
-                <a:cs typeface="Adobe Clean"/>
-              </a:rPr>
-            </a:br>
-            <a:r>
-              <a:rPr lang="ja-JP" sz="1200" b="1" dirty="0">
-                <a:solidFill>
-                  <a:srgbClr val="FFFFFF"/>
-                </a:solidFill>
-                <a:latin typeface="Adobe Clean Han Regular" panose="020B0500000000000000" pitchFamily="34" charset="-128"/>
-                <a:ea typeface="Adobe Clean Han Regular" panose="020B0500000000000000" pitchFamily="34" charset="-128"/>
-                <a:cs typeface="Adobe Clean"/>
-              </a:rPr>
-              <a:t>サポート</a:t>
-            </a:r>
+              <a:t>Accelerated Support</a:t>
+            </a:r>
+            <a:endParaRPr sz="1200">
+              <a:latin typeface="Adobe Clean"/>
+              <a:cs typeface="Adobe Clean"/>
+            </a:endParaRPr>
           </a:p>
         </p:txBody>
       </p:sp>
@@ -10575,8 +11865,8 @@
         </p:nvSpPr>
         <p:spPr>
           <a:xfrm>
-            <a:off x="6316980" y="8543943"/>
-            <a:ext cx="1124818" cy="382797"/>
+            <a:off x="6624119" y="8543943"/>
+            <a:ext cx="510540" cy="385445"/>
           </a:xfrm>
           <a:prstGeom prst="rect">
             <a:avLst/>
@@ -10588,7 +11878,7 @@
           </a:bodyPr>
           <a:lstStyle/>
           <a:p>
-            <a:pPr marR="5080" algn="ctr">
+            <a:pPr marL="50800" marR="5080" indent="-51435">
               <a:lnSpc>
                 <a:spcPts val="1390"/>
               </a:lnSpc>
@@ -10597,37 +11887,109 @@
               </a:spcBef>
             </a:pPr>
             <a:r>
-              <a:rPr lang="ja-JP" sz="1200" b="1" dirty="0">
+              <a:rPr sz="1200" b="1" spc="-50">
                 <a:solidFill>
                   <a:srgbClr val="FFFFFF"/>
                 </a:solidFill>
-                <a:latin typeface="Adobe Clean Han Regular" panose="020B0500000000000000" pitchFamily="34" charset="-128"/>
-                <a:ea typeface="Adobe Clean Han Regular" panose="020B0500000000000000" pitchFamily="34" charset="-128"/>
+                <a:latin typeface="Adobe Clean"/>
                 <a:cs typeface="Adobe Clean"/>
               </a:rPr>
-              <a:t>戦略的</a:t>
-            </a:r>
-            <a:br>
-              <a:rPr lang="ja-JP" sz="1200" b="1" dirty="0">
+              <a:t>S</a:t>
+            </a:r>
+            <a:r>
+              <a:rPr sz="1200" b="1" spc="-20">
                 <a:solidFill>
                   <a:srgbClr val="FFFFFF"/>
                 </a:solidFill>
-                <a:latin typeface="Adobe Clean Han Regular" panose="020B0500000000000000" pitchFamily="34" charset="-128"/>
-                <a:ea typeface="Adobe Clean Han Regular" panose="020B0500000000000000" pitchFamily="34" charset="-128"/>
+                <a:latin typeface="Adobe Clean"/>
                 <a:cs typeface="Adobe Clean"/>
               </a:rPr>
-            </a:br>
-            <a:r>
-              <a:rPr lang="ja-JP" sz="1200" b="1" dirty="0">
+              <a:t>t</a:t>
+            </a:r>
+            <a:r>
+              <a:rPr sz="1200" b="1" spc="-75">
                 <a:solidFill>
                   <a:srgbClr val="FFFFFF"/>
                 </a:solidFill>
-                <a:latin typeface="Adobe Clean Han Regular" panose="020B0500000000000000" pitchFamily="34" charset="-128"/>
-                <a:ea typeface="Adobe Clean Han Regular" panose="020B0500000000000000" pitchFamily="34" charset="-128"/>
+                <a:latin typeface="Adobe Clean"/>
                 <a:cs typeface="Adobe Clean"/>
               </a:rPr>
-              <a:t>アドバイス</a:t>
-            </a:r>
+              <a:t>r</a:t>
+            </a:r>
+            <a:r>
+              <a:rPr sz="1200" b="1" spc="-90">
+                <a:solidFill>
+                  <a:srgbClr val="FFFFFF"/>
+                </a:solidFill>
+                <a:latin typeface="Adobe Clean"/>
+                <a:cs typeface="Adobe Clean"/>
+              </a:rPr>
+              <a:t>a</a:t>
+            </a:r>
+            <a:r>
+              <a:rPr sz="1200" b="1" spc="-55">
+                <a:solidFill>
+                  <a:srgbClr val="FFFFFF"/>
+                </a:solidFill>
+                <a:latin typeface="Adobe Clean"/>
+                <a:cs typeface="Adobe Clean"/>
+              </a:rPr>
+              <a:t>t</a:t>
+            </a:r>
+            <a:r>
+              <a:rPr sz="1200" b="1" spc="-100">
+                <a:solidFill>
+                  <a:srgbClr val="FFFFFF"/>
+                </a:solidFill>
+                <a:latin typeface="Adobe Clean"/>
+                <a:cs typeface="Adobe Clean"/>
+              </a:rPr>
+              <a:t>e</a:t>
+            </a:r>
+            <a:r>
+              <a:rPr sz="1200" b="1" spc="-80">
+                <a:solidFill>
+                  <a:srgbClr val="FFFFFF"/>
+                </a:solidFill>
+                <a:latin typeface="Adobe Clean"/>
+                <a:cs typeface="Adobe Clean"/>
+              </a:rPr>
+              <a:t>g</a:t>
+            </a:r>
+            <a:r>
+              <a:rPr sz="1200" b="1" spc="-35">
+                <a:solidFill>
+                  <a:srgbClr val="FFFFFF"/>
+                </a:solidFill>
+                <a:latin typeface="Adobe Clean"/>
+                <a:cs typeface="Adobe Clean"/>
+              </a:rPr>
+              <a:t>i</a:t>
+            </a:r>
+            <a:r>
+              <a:rPr sz="1200" b="1">
+                <a:solidFill>
+                  <a:srgbClr val="FFFFFF"/>
+                </a:solidFill>
+                <a:latin typeface="Adobe Clean"/>
+                <a:cs typeface="Adobe Clean"/>
+              </a:rPr>
+              <a:t>c  </a:t>
+            </a:r>
+            <a:r>
+              <a:rPr sz="1200" b="1" spc="-45">
+                <a:solidFill>
+                  <a:srgbClr val="FFFFFF"/>
+                </a:solidFill>
+                <a:latin typeface="Adobe Clean"/>
+                <a:cs typeface="Adobe Clean"/>
+              </a:rPr>
+              <a:t>Advice</a:t>
+            </a:r>
+            <a:endParaRPr sz="1200">
+              <a:latin typeface="Adobe Clean"/>
+              <a:cs typeface="Adobe Clean"/>
+            </a:endParaRPr>
           </a:p>
         </p:txBody>
       </p:sp>
@@ -10646,14 +12008,14 @@
           <p:nvPr>
             <p:extLst>
               <p:ext uri="{D42A27DB-BD31-4B8C-83A1-F6EECF244321}">
-                <p14:modId xmlns:p14="http://schemas.microsoft.com/office/powerpoint/2010/main" val="1701350056"/>
+                <p14:modId xmlns:p14="http://schemas.microsoft.com/office/powerpoint/2010/main" val="3773282750"/>
               </p:ext>
             </p:extLst>
           </p:nvPr>
         </p:nvGraphicFramePr>
         <p:xfrm>
           <a:off x="194236" y="1059345"/>
-          <a:ext cx="7368291" cy="3606800"/>
+          <a:ext cx="7368291" cy="3302000"/>
         </p:xfrm>
         <a:graphic>
           <a:graphicData uri="http://schemas.openxmlformats.org/drawingml/2006/table">
@@ -10662,14 +12024,14 @@
                 <a:tableStyleId>{5C22544A-7EE6-4342-B048-85BDC9FD1C3A}</a:tableStyleId>
               </a:tblPr>
               <a:tblGrid>
-                <a:gridCol w="3619574">
+                <a:gridCol w="3691964">
                   <a:extLst>
                     <a:ext uri="{9D8B030D-6E8A-4147-A177-3AD203B41FA5}">
                       <a16:colId xmlns:a16="http://schemas.microsoft.com/office/drawing/2014/main" val="2364693614"/>
                     </a:ext>
                   </a:extLst>
                 </a:gridCol>
-                <a:gridCol w="3748717">
+                <a:gridCol w="3676327">
                   <a:extLst>
                     <a:ext uri="{9D8B030D-6E8A-4147-A177-3AD203B41FA5}">
                       <a16:colId xmlns:a16="http://schemas.microsoft.com/office/drawing/2014/main" val="1545335406"/>
@@ -10684,17 +12046,25 @@
                     <a:lstStyle/>
                     <a:p>
                       <a:r>
-                        <a:rPr lang="ja-JP" sz="1100" b="0" dirty="0">
+                        <a:rPr lang="en-US" sz="1100" b="0">
                           <a:solidFill>
                             <a:schemeClr val="tx1"/>
                           </a:solidFill>
-                          <a:latin typeface="Adobe Clean Han Regular" panose="020B0500000000000000" pitchFamily="34" charset="-128"/>
-                          <a:ea typeface="Adobe Clean Han Regular" panose="020B0500000000000000" pitchFamily="34" charset="-128"/>
+                          <a:latin typeface="Adobe Clean"/>
+                          <a:ea typeface="+mn-ea"/>
                           <a:cs typeface="+mn-cs"/>
                           <a:hlinkClick r:id="rId7"/>
                         </a:rPr>
                         <a:t>Experience League</a:t>
                       </a:r>
+                      <a:endParaRPr lang="en-US" sz="1100" b="0">
+                        <a:solidFill>
+                          <a:schemeClr val="tx1"/>
+                        </a:solidFill>
+                        <a:latin typeface="Adobe Clean"/>
+                        <a:ea typeface="+mn-ea"/>
+                        <a:cs typeface="+mn-cs"/>
+                      </a:endParaRPr>
                     </a:p>
                   </a:txBody>
                   <a:tcPr marL="47625" marR="47625" marT="0" marB="0" anchor="ctr">
@@ -10766,37 +12136,24 @@
                         <a:buNone/>
                       </a:pPr>
                       <a:r>
-                        <a:rPr lang="ja-JP" sz="1000" b="0" dirty="0">
+                        <a:rPr lang="en-US" sz="1000" b="0" kern="1200">
                           <a:solidFill>
                             <a:srgbClr val="000000"/>
                           </a:solidFill>
-                          <a:latin typeface="Adobe Clean Han Light" panose="020B0300000000000000" pitchFamily="34" charset="-128"/>
-                          <a:ea typeface="Adobe Clean Han Light" panose="020B0300000000000000" pitchFamily="34" charset="-128"/>
+                          <a:latin typeface="Adobe Clean Light"/>
+                          <a:ea typeface="+mn-ea"/>
                           <a:cs typeface="+mn-cs"/>
                         </a:rPr>
-                        <a:t>Experience League では、アドビへの投資に対して企業が期待している価値を実現するための支援を行います。セルフサービスのチュートリアル、製品ドキュメント、講師によるトレーニング、コミュニティ、テクニカルサポートなど、パーソナライズされた成功への道筋に沿って、お客様が学習し、繋がり、</a:t>
+                        <a:t>Experience League is how Adobe helps businesses achieve the value they expect from their Adobe investment. It’s the unified place where customers can learn, connect, and grow along a personalized path to success that includes self-help tutorials, product documentation, instructor-led training, community and technical support. </a:t>
                       </a:r>
-                      <a:br>
-                        <a:rPr lang="sk-SK" altLang="ja-JP" sz="1000" b="0" dirty="0">
-                          <a:solidFill>
-                            <a:srgbClr val="000000"/>
-                          </a:solidFill>
-                          <a:latin typeface="Adobe Clean Han Light" panose="020B0300000000000000" pitchFamily="34" charset="-128"/>
-                          <a:ea typeface="Adobe Clean Han Light" panose="020B0300000000000000" pitchFamily="34" charset="-128"/>
-                          <a:cs typeface="+mn-cs"/>
-                        </a:rPr>
-                      </a:br>
-                      <a:r>
-                        <a:rPr lang="ja-JP" sz="1000" b="0" dirty="0">
-                          <a:solidFill>
-                            <a:srgbClr val="000000"/>
-                          </a:solidFill>
-                          <a:latin typeface="Adobe Clean Han Light" panose="020B0300000000000000" pitchFamily="34" charset="-128"/>
-                          <a:ea typeface="Adobe Clean Han Light" panose="020B0300000000000000" pitchFamily="34" charset="-128"/>
-                          <a:cs typeface="+mn-cs"/>
-                        </a:rPr>
-                        <a:t>成長できる、統合された場所です。 </a:t>
-                      </a:r>
+                      <a:endParaRPr lang="en-US" sz="1000" b="0" kern="1200">
+                        <a:solidFill>
+                          <a:srgbClr val="000000"/>
+                        </a:solidFill>
+                        <a:latin typeface="Adobe Clean Light" panose="020B0303020404020204" pitchFamily="34" charset="0"/>
+                        <a:ea typeface="+mn-ea"/>
+                        <a:cs typeface="+mn-cs"/>
+                      </a:endParaRPr>
                     </a:p>
                   </a:txBody>
                   <a:tcPr anchor="ctr">
@@ -10877,28 +12234,39 @@
                         <a:defRPr/>
                       </a:pPr>
                       <a:r>
-                        <a:rPr lang="ja-JP" sz="1100" dirty="0">
+                        <a:rPr lang="en-US" sz="1100">
                           <a:solidFill>
                             <a:schemeClr val="dk1"/>
                           </a:solidFill>
-                          <a:latin typeface="Adobe Clean Han Regular" panose="020B0500000000000000" pitchFamily="34" charset="-128"/>
-                          <a:ea typeface="Adobe Clean Han Regular" panose="020B0500000000000000" pitchFamily="34" charset="-128"/>
+                          <a:effectLst/>
+                          <a:latin typeface="Adobe Clean"/>
+                          <a:ea typeface="+mn-ea"/>
                           <a:cs typeface="+mn-cs"/>
                           <a:hlinkClick r:id="rId8"/>
                         </a:rPr>
-                        <a:t>トレーニング</a:t>
+                        <a:t>Training</a:t>
                       </a:r>
                       <a:r>
-                        <a:rPr lang="ja-JP" sz="1100" dirty="0">
+                        <a:rPr lang="en-US" sz="1100">
                           <a:solidFill>
                             <a:schemeClr val="dk1"/>
                           </a:solidFill>
-                          <a:latin typeface="Adobe Clean Han Regular" panose="020B0500000000000000" pitchFamily="34" charset="-128"/>
-                          <a:ea typeface="Adobe Clean Han Regular" panose="020B0500000000000000" pitchFamily="34" charset="-128"/>
+                          <a:effectLst/>
+                          <a:latin typeface="Adobe Clean"/>
+                          <a:ea typeface="+mn-ea"/>
                           <a:cs typeface="+mn-cs"/>
                         </a:rPr>
                         <a:t> </a:t>
                       </a:r>
+                      <a:endParaRPr lang="en-US" sz="1100">
+                        <a:solidFill>
+                          <a:schemeClr val="tx1"/>
+                        </a:solidFill>
+                        <a:effectLst/>
+                        <a:latin typeface="Adobe Clean"/>
+                        <a:ea typeface="+mn-ea"/>
+                        <a:cs typeface="+mn-cs"/>
+                      </a:endParaRPr>
                     </a:p>
                   </a:txBody>
                   <a:tcPr anchor="ctr">
@@ -10972,47 +12340,15 @@
                         <a:defRPr/>
                       </a:pPr>
                       <a:r>
-                        <a:rPr lang="ja-JP" sz="1000" dirty="0">
+                        <a:rPr lang="en-US" sz="1000" kern="1200">
                           <a:solidFill>
                             <a:srgbClr val="000000"/>
                           </a:solidFill>
-                          <a:latin typeface="Adobe Clean Han Light" panose="020B0300000000000000" pitchFamily="34" charset="-128"/>
-                          <a:ea typeface="Adobe Clean Han Light" panose="020B0300000000000000" pitchFamily="34" charset="-128"/>
+                          <a:latin typeface="Adobe Clean Light"/>
+                          <a:ea typeface="+mn-ea"/>
                           <a:cs typeface="+mn-cs"/>
                         </a:rPr>
-                        <a:t>Adobe Digital Learning Services のコースには、Experience League からアクセスできます。ラーニングコースは、オンデ</a:t>
-                      </a:r>
-                      <a:r>
-                        <a:rPr lang="ja-JP" sz="1000" spc="-20" baseline="0" dirty="0">
-                          <a:solidFill>
-                            <a:srgbClr val="000000"/>
-                          </a:solidFill>
-                          <a:latin typeface="Adobe Clean Han Light" panose="020B0300000000000000" pitchFamily="34" charset="-128"/>
-                          <a:ea typeface="Adobe Clean Han Light" panose="020B0300000000000000" pitchFamily="34" charset="-128"/>
-                          <a:cs typeface="+mn-cs"/>
-                        </a:rPr>
-                        <a:t>マンドレッスンと講師によるレッスンが統合されています。  </a:t>
-                      </a:r>
-                      <a:br>
-                        <a:rPr lang="sk-SK" altLang="ja-JP" sz="1000" spc="-20" baseline="0" dirty="0">
-                          <a:solidFill>
-                            <a:srgbClr val="000000"/>
-                          </a:solidFill>
-                          <a:latin typeface="Adobe Clean Han Light" panose="020B0300000000000000" pitchFamily="34" charset="-128"/>
-                          <a:ea typeface="Adobe Clean Han Light" panose="020B0300000000000000" pitchFamily="34" charset="-128"/>
-                          <a:cs typeface="+mn-cs"/>
-                        </a:rPr>
-                      </a:br>
-                      <a:r>
-                        <a:rPr lang="ja-JP" sz="1000" dirty="0">
-                          <a:solidFill>
-                            <a:srgbClr val="000000"/>
-                          </a:solidFill>
-                          <a:latin typeface="Adobe Clean Han Light" panose="020B0300000000000000" pitchFamily="34" charset="-128"/>
-                          <a:ea typeface="Adobe Clean Han Light" panose="020B0300000000000000" pitchFamily="34" charset="-128"/>
-                          <a:cs typeface="+mn-cs"/>
-                        </a:rPr>
-                        <a:t>市場価値が認められたスキルを習得し、組織での成功を促進するために活用できます。</a:t>
+                        <a:t>Adobe Digital Learning Services courses are accessible from Experience League. Learning courses integrate both on-demand and instructor-led lessons.  Here you can accrue skills that have recognized market value and position them to drive success in your organizations.</a:t>
                       </a:r>
                     </a:p>
                   </a:txBody>
@@ -11094,17 +12430,27 @@
                         <a:defRPr/>
                       </a:pPr>
                       <a:r>
-                        <a:rPr lang="ja-JP" sz="1100" dirty="0">
+                        <a:rPr lang="en-US" sz="1100">
                           <a:solidFill>
                             <a:schemeClr val="tx1"/>
                           </a:solidFill>
-                          <a:latin typeface="Adobe Clean Han Regular" panose="020B0500000000000000" pitchFamily="34" charset="-128"/>
-                          <a:ea typeface="Adobe Clean Han Regular" panose="020B0500000000000000" pitchFamily="34" charset="-128"/>
+                          <a:effectLst/>
+                          <a:latin typeface="Adobe Clean"/>
+                          <a:ea typeface="+mn-ea"/>
                           <a:cs typeface="+mn-cs"/>
                           <a:hlinkClick r:id="rId9"/>
                         </a:rPr>
-                        <a:t>本番環境の問題とシステム障害</a:t>
+                        <a:t>Production Issues &amp; System Outages</a:t>
                       </a:r>
+                      <a:endParaRPr lang="en-US" sz="1100">
+                        <a:solidFill>
+                          <a:schemeClr val="tx1"/>
+                        </a:solidFill>
+                        <a:effectLst/>
+                        <a:latin typeface="Adobe Clean"/>
+                        <a:ea typeface="+mn-ea"/>
+                        <a:cs typeface="+mn-cs"/>
+                      </a:endParaRPr>
                     </a:p>
                   </a:txBody>
                   <a:tcPr anchor="ctr">
@@ -11176,16 +12522,24 @@
                         <a:buNone/>
                       </a:pPr>
                       <a:r>
-                        <a:rPr lang="ja-JP" sz="1000" dirty="0">
+                        <a:rPr lang="en-US" sz="1000" kern="1200">
                           <a:solidFill>
                             <a:srgbClr val="000000"/>
                           </a:solidFill>
-                          <a:latin typeface="Adobe Clean Han Light" panose="020B0300000000000000" pitchFamily="34" charset="-128"/>
-                          <a:ea typeface="Adobe Clean Han Light" panose="020B0300000000000000" pitchFamily="34" charset="-128"/>
+                          <a:latin typeface="Adobe Clean Light"/>
+                          <a:ea typeface="+mn-ea"/>
                           <a:cs typeface="+mn-cs"/>
                         </a:rPr>
-                        <a:t>status.adobe.com では、マルチテナント環境にデプロイされたすべてのアドビ製品およびサービスのシステムステータス情報が表示されます。お客様は、アドビが製品イベントを作成、更新、解決した際に電子メール通知を受け取るようサブスクリプション設定を選択できます。イベントには、定期的なメンテナンスや、様々な重大度レベルの問題が含まれています。 </a:t>
+                        <a:t>Status.adobe.com conveys the health information of all Adobe products and services that are deployed in multi-tenant environments. Customers can choose their subscription preferences to get email notifications whenever Adobe creates, updates or resolves a product event. This can include scheduled maintenance or service issues of varying levels of severity. </a:t>
                       </a:r>
+                      <a:endParaRPr lang="en-US" sz="1000" kern="1200">
+                        <a:solidFill>
+                          <a:srgbClr val="000000"/>
+                        </a:solidFill>
+                        <a:latin typeface="Adobe Clean Light" panose="020B0303020404020204" pitchFamily="34" charset="0"/>
+                        <a:ea typeface="+mn-ea"/>
+                        <a:cs typeface="+mn-cs"/>
+                      </a:endParaRPr>
                     </a:p>
                   </a:txBody>
                   <a:tcPr anchor="ctr">
@@ -11266,17 +12620,27 @@
                         <a:defRPr/>
                       </a:pPr>
                       <a:r>
-                        <a:rPr lang="ja-JP" sz="1100" b="0" i="0" dirty="0">
+                        <a:rPr lang="en-US" sz="1100" b="0" i="0">
                           <a:solidFill>
                             <a:schemeClr val="dk1"/>
                           </a:solidFill>
-                          <a:latin typeface="Adobe Clean Han Regular" panose="020B0500000000000000" pitchFamily="34" charset="-128"/>
-                          <a:ea typeface="Adobe Clean Han Regular" panose="020B0500000000000000" pitchFamily="34" charset="-128"/>
+                          <a:effectLst/>
+                          <a:latin typeface="Adobe Clean"/>
+                          <a:ea typeface="+mn-ea"/>
                           <a:cs typeface="+mn-cs"/>
-                          <a:hlinkClick r:id="rId10" tooltip="https://helpx.adobe.com/jp/support/programs/enterprise-support-programs/premier-support-business.html"/>
+                          <a:hlinkClick r:id="rId10" tooltip="https://helpx.adobe.com/support/programs/enterprise-support-programs/premier-support-business.html"/>
                         </a:rPr>
-                        <a:t>ビジネスサポート web サイト</a:t>
+                        <a:t>Business Support Website</a:t>
                       </a:r>
+                      <a:endParaRPr lang="en-US" sz="1100" b="0" i="0">
+                        <a:solidFill>
+                          <a:schemeClr val="dk1"/>
+                        </a:solidFill>
+                        <a:effectLst/>
+                        <a:latin typeface="Adobe Clean"/>
+                        <a:ea typeface="+mn-ea"/>
+                        <a:cs typeface="+mn-cs"/>
+                      </a:endParaRPr>
                     </a:p>
                   </a:txBody>
                   <a:tcPr anchor="ctr">
@@ -11333,16 +12697,24 @@
                     <a:lstStyle/>
                     <a:p>
                       <a:r>
-                        <a:rPr lang="ja-JP" sz="1000">
+                        <a:rPr lang="en-US" sz="1000" kern="1200">
                           <a:solidFill>
                             <a:srgbClr val="000000"/>
                           </a:solidFill>
-                          <a:latin typeface="Adobe Clean Han Light" panose="020B0300000000000000" pitchFamily="34" charset="-128"/>
-                          <a:ea typeface="Adobe Clean Han Light" panose="020B0300000000000000" pitchFamily="34" charset="-128"/>
+                          <a:latin typeface="Adobe Clean Light"/>
+                          <a:ea typeface="+mn-ea"/>
                           <a:cs typeface="+mn-cs"/>
                         </a:rPr>
-                        <a:t>アドビビジネスサポート web サイト。</a:t>
+                        <a:t>Adobe Business Support website.</a:t>
                       </a:r>
+                      <a:endParaRPr lang="en-US" sz="1000" kern="1200">
+                        <a:solidFill>
+                          <a:srgbClr val="000000"/>
+                        </a:solidFill>
+                        <a:latin typeface="Adobe Clean Light" panose="020B0303020404020204" pitchFamily="34" charset="0"/>
+                        <a:ea typeface="+mn-ea"/>
+                        <a:cs typeface="+mn-cs"/>
+                      </a:endParaRPr>
                     </a:p>
                   </a:txBody>
                   <a:tcPr anchor="ctr">
@@ -11423,17 +12795,27 @@
                         <a:defRPr/>
                       </a:pPr>
                       <a:r>
-                        <a:rPr lang="ja-JP" sz="1100" dirty="0">
+                        <a:rPr lang="en-US" sz="1100">
                           <a:solidFill>
                             <a:schemeClr val="tx1"/>
                           </a:solidFill>
-                          <a:latin typeface="Adobe Clean Han Regular" panose="020B0500000000000000" pitchFamily="34" charset="-128"/>
-                          <a:ea typeface="Adobe Clean Han Regular" panose="020B0500000000000000" pitchFamily="34" charset="-128"/>
+                          <a:effectLst/>
+                          <a:latin typeface="Adobe Clean"/>
+                          <a:ea typeface="+mn-ea"/>
                           <a:cs typeface="+mn-cs"/>
                           <a:hlinkClick r:id="rId11"/>
                         </a:rPr>
-                        <a:t>利用条件</a:t>
+                        <a:t>Terms and Conditions</a:t>
                       </a:r>
+                      <a:endParaRPr lang="en-US" sz="1100">
+                        <a:solidFill>
+                          <a:schemeClr val="tx1"/>
+                        </a:solidFill>
+                        <a:effectLst/>
+                        <a:latin typeface="Adobe Clean"/>
+                        <a:ea typeface="+mn-ea"/>
+                        <a:cs typeface="+mn-cs"/>
+                      </a:endParaRPr>
                     </a:p>
                   </a:txBody>
                   <a:tcPr anchor="ctr">
@@ -11490,16 +12872,24 @@
                     <a:lstStyle/>
                     <a:p>
                       <a:r>
-                        <a:rPr lang="ja-JP" sz="1000" dirty="0">
+                        <a:rPr lang="en-US" sz="1000" kern="1200">
                           <a:solidFill>
                             <a:srgbClr val="000000"/>
                           </a:solidFill>
-                          <a:latin typeface="Adobe Clean Han Light" panose="020B0300000000000000" pitchFamily="34" charset="-128"/>
-                          <a:ea typeface="Adobe Clean Han Light" panose="020B0300000000000000" pitchFamily="34" charset="-128"/>
+                          <a:latin typeface="Adobe Clean Light"/>
+                          <a:ea typeface="+mn-ea"/>
                           <a:cs typeface="+mn-cs"/>
                         </a:rPr>
-                        <a:t>提供するサポートサービスについて詳しく説明されています。</a:t>
+                        <a:t>Terms and conditions detailing Support Services offerings.</a:t>
                       </a:r>
+                      <a:endParaRPr lang="en-US" sz="1000" kern="1200">
+                        <a:solidFill>
+                          <a:srgbClr val="000000"/>
+                        </a:solidFill>
+                        <a:latin typeface="Adobe Clean Light" panose="020B0303020404020204" pitchFamily="34" charset="0"/>
+                        <a:ea typeface="+mn-ea"/>
+                        <a:cs typeface="+mn-cs"/>
+                      </a:endParaRPr>
                     </a:p>
                   </a:txBody>
                   <a:tcPr anchor="ctr">
@@ -11734,13 +13124,71 @@
     <a:fontScheme name="Office">
       <a:majorFont>
         <a:latin typeface="Calibri"/>
-        <a:ea typeface="MS Mincho"/>
+        <a:ea typeface=""/>
         <a:cs typeface=""/>
+        <a:font script="Jpan" typeface="ＭＳ Ｐゴシック"/>
+        <a:font script="Hang" typeface="맑은 고딕"/>
+        <a:font script="Hans" typeface="宋体"/>
+        <a:font script="Hant" typeface="新細明體"/>
+        <a:font script="Arab" typeface="Times New Roman"/>
+        <a:font script="Hebr" typeface="Times New Roman"/>
+        <a:font script="Thai" typeface="Angsana New"/>
+        <a:font script="Ethi" typeface="Nyala"/>
+        <a:font script="Beng" typeface="Vrinda"/>
+        <a:font script="Gujr" typeface="Shruti"/>
+        <a:font script="Khmr" typeface="MoolBoran"/>
+        <a:font script="Knda" typeface="Tunga"/>
+        <a:font script="Guru" typeface="Raavi"/>
+        <a:font script="Cans" typeface="Euphemia"/>
+        <a:font script="Cher" typeface="Plantagenet Cherokee"/>
+        <a:font script="Yiii" typeface="Microsoft Yi Baiti"/>
+        <a:font script="Tibt" typeface="Microsoft Himalaya"/>
+        <a:font script="Thaa" typeface="MV Boli"/>
+        <a:font script="Deva" typeface="Mangal"/>
+        <a:font script="Telu" typeface="Gautami"/>
+        <a:font script="Taml" typeface="Latha"/>
+        <a:font script="Syrc" typeface="Estrangelo Edessa"/>
+        <a:font script="Orya" typeface="Kalinga"/>
+        <a:font script="Mlym" typeface="Kartika"/>
+        <a:font script="Laoo" typeface="DokChampa"/>
+        <a:font script="Sinh" typeface="Iskoola Pota"/>
+        <a:font script="Mong" typeface="Mongolian Baiti"/>
+        <a:font script="Viet" typeface="Times New Roman"/>
+        <a:font script="Uigh" typeface="Microsoft Uighur"/>
       </a:majorFont>
       <a:minorFont>
         <a:latin typeface="Calibri"/>
-        <a:ea typeface="MS Mincho"/>
+        <a:ea typeface=""/>
         <a:cs typeface=""/>
+        <a:font script="Jpan" typeface="ＭＳ Ｐゴシック"/>
+        <a:font script="Hang" typeface="맑은 고딕"/>
+        <a:font script="Hans" typeface="宋体"/>
+        <a:font script="Hant" typeface="新細明體"/>
+        <a:font script="Arab" typeface="Arial"/>
+        <a:font script="Hebr" typeface="Arial"/>
+        <a:font script="Thai" typeface="Cordia New"/>
+        <a:font script="Ethi" typeface="Nyala"/>
+        <a:font script="Beng" typeface="Vrinda"/>
+        <a:font script="Gujr" typeface="Shruti"/>
+        <a:font script="Khmr" typeface="DaunPenh"/>
+        <a:font script="Knda" typeface="Tunga"/>
+        <a:font script="Guru" typeface="Raavi"/>
+        <a:font script="Cans" typeface="Euphemia"/>
+        <a:font script="Cher" typeface="Plantagenet Cherokee"/>
+        <a:font script="Yiii" typeface="Microsoft Yi Baiti"/>
+        <a:font script="Tibt" typeface="Microsoft Himalaya"/>
+        <a:font script="Thaa" typeface="MV Boli"/>
+        <a:font script="Deva" typeface="Mangal"/>
+        <a:font script="Telu" typeface="Gautami"/>
+        <a:font script="Taml" typeface="Latha"/>
+        <a:font script="Syrc" typeface="Estrangelo Edessa"/>
+        <a:font script="Orya" typeface="Kalinga"/>
+        <a:font script="Mlym" typeface="Kartika"/>
+        <a:font script="Laoo" typeface="DokChampa"/>
+        <a:font script="Sinh" typeface="Iskoola Pota"/>
+        <a:font script="Mong" typeface="Mongolian Baiti"/>
+        <a:font script="Viet" typeface="Arial"/>
+        <a:font script="Uigh" typeface="Microsoft Uighur"/>
       </a:minorFont>
     </a:fontScheme>
     <a:fmtScheme name="Office">
@@ -11959,13 +13407,107 @@
     <a:fontScheme name="Office">
       <a:majorFont>
         <a:latin typeface="Calibri Light" panose="020F0302020204030204"/>
-        <a:ea typeface="MS Mincho"/>
+        <a:ea typeface=""/>
         <a:cs typeface=""/>
+        <a:font script="Jpan" typeface="游ゴシック Light"/>
+        <a:font script="Hang" typeface="맑은 고딕"/>
+        <a:font script="Hans" typeface="等线 Light"/>
+        <a:font script="Hant" typeface="新細明體"/>
+        <a:font script="Arab" typeface="Times New Roman"/>
+        <a:font script="Hebr" typeface="Times New Roman"/>
+        <a:font script="Thai" typeface="Angsana New"/>
+        <a:font script="Ethi" typeface="Nyala"/>
+        <a:font script="Beng" typeface="Vrinda"/>
+        <a:font script="Gujr" typeface="Shruti"/>
+        <a:font script="Khmr" typeface="MoolBoran"/>
+        <a:font script="Knda" typeface="Tunga"/>
+        <a:font script="Guru" typeface="Raavi"/>
+        <a:font script="Cans" typeface="Euphemia"/>
+        <a:font script="Cher" typeface="Plantagenet Cherokee"/>
+        <a:font script="Yiii" typeface="Microsoft Yi Baiti"/>
+        <a:font script="Tibt" typeface="Microsoft Himalaya"/>
+        <a:font script="Thaa" typeface="MV Boli"/>
+        <a:font script="Deva" typeface="Mangal"/>
+        <a:font script="Telu" typeface="Gautami"/>
+        <a:font script="Taml" typeface="Latha"/>
+        <a:font script="Syrc" typeface="Estrangelo Edessa"/>
+        <a:font script="Orya" typeface="Kalinga"/>
+        <a:font script="Mlym" typeface="Kartika"/>
+        <a:font script="Laoo" typeface="DokChampa"/>
+        <a:font script="Sinh" typeface="Iskoola Pota"/>
+        <a:font script="Mong" typeface="Mongolian Baiti"/>
+        <a:font script="Viet" typeface="Times New Roman"/>
+        <a:font script="Uigh" typeface="Microsoft Uighur"/>
+        <a:font script="Geor" typeface="Sylfaen"/>
+        <a:font script="Armn" typeface="Arial"/>
+        <a:font script="Bugi" typeface="Leelawadee UI"/>
+        <a:font script="Bopo" typeface="Microsoft JhengHei"/>
+        <a:font script="Java" typeface="Javanese Text"/>
+        <a:font script="Lisu" typeface="Segoe UI"/>
+        <a:font script="Mymr" typeface="Myanmar Text"/>
+        <a:font script="Nkoo" typeface="Ebrima"/>
+        <a:font script="Olck" typeface="Nirmala UI"/>
+        <a:font script="Osma" typeface="Ebrima"/>
+        <a:font script="Phag" typeface="Phagspa"/>
+        <a:font script="Syrn" typeface="Estrangelo Edessa"/>
+        <a:font script="Syrj" typeface="Estrangelo Edessa"/>
+        <a:font script="Syre" typeface="Estrangelo Edessa"/>
+        <a:font script="Sora" typeface="Nirmala UI"/>
+        <a:font script="Tale" typeface="Microsoft Tai Le"/>
+        <a:font script="Talu" typeface="Microsoft New Tai Lue"/>
+        <a:font script="Tfng" typeface="Ebrima"/>
       </a:majorFont>
       <a:minorFont>
         <a:latin typeface="Calibri" panose="020F0502020204030204"/>
-        <a:ea typeface="MS Mincho"/>
+        <a:ea typeface=""/>
         <a:cs typeface=""/>
+        <a:font script="Jpan" typeface="游ゴシック"/>
+        <a:font script="Hang" typeface="맑은 고딕"/>
+        <a:font script="Hans" typeface="等线"/>
+        <a:font script="Hant" typeface="新細明體"/>
+        <a:font script="Arab" typeface="Arial"/>
+        <a:font script="Hebr" typeface="Arial"/>
+        <a:font script="Thai" typeface="Cordia New"/>
+        <a:font script="Ethi" typeface="Nyala"/>
+        <a:font script="Beng" typeface="Vrinda"/>
+        <a:font script="Gujr" typeface="Shruti"/>
+        <a:font script="Khmr" typeface="DaunPenh"/>
+        <a:font script="Knda" typeface="Tunga"/>
+        <a:font script="Guru" typeface="Raavi"/>
+        <a:font script="Cans" typeface="Euphemia"/>
+        <a:font script="Cher" typeface="Plantagenet Cherokee"/>
+        <a:font script="Yiii" typeface="Microsoft Yi Baiti"/>
+        <a:font script="Tibt" typeface="Microsoft Himalaya"/>
+        <a:font script="Thaa" typeface="MV Boli"/>
+        <a:font script="Deva" typeface="Mangal"/>
+        <a:font script="Telu" typeface="Gautami"/>
+        <a:font script="Taml" typeface="Latha"/>
+        <a:font script="Syrc" typeface="Estrangelo Edessa"/>
+        <a:font script="Orya" typeface="Kalinga"/>
+        <a:font script="Mlym" typeface="Kartika"/>
+        <a:font script="Laoo" typeface="DokChampa"/>
+        <a:font script="Sinh" typeface="Iskoola Pota"/>
+        <a:font script="Mong" typeface="Mongolian Baiti"/>
+        <a:font script="Viet" typeface="Arial"/>
+        <a:font script="Uigh" typeface="Microsoft Uighur"/>
+        <a:font script="Geor" typeface="Sylfaen"/>
+        <a:font script="Armn" typeface="Arial"/>
+        <a:font script="Bugi" typeface="Leelawadee UI"/>
+        <a:font script="Bopo" typeface="Microsoft JhengHei"/>
+        <a:font script="Java" typeface="Javanese Text"/>
+        <a:font script="Lisu" typeface="Segoe UI"/>
+        <a:font script="Mymr" typeface="Myanmar Text"/>
+        <a:font script="Nkoo" typeface="Ebrima"/>
+        <a:font script="Olck" typeface="Nirmala UI"/>
+        <a:font script="Osma" typeface="Ebrima"/>
+        <a:font script="Phag" typeface="Phagspa"/>
+        <a:font script="Syrn" typeface="Estrangelo Edessa"/>
+        <a:font script="Syrj" typeface="Estrangelo Edessa"/>
+        <a:font script="Syre" typeface="Estrangelo Edessa"/>
+        <a:font script="Sora" typeface="Nirmala UI"/>
+        <a:font script="Tale" typeface="Microsoft Tai Le"/>
+        <a:font script="Talu" typeface="Microsoft New Tai Lue"/>
+        <a:font script="Tfng" typeface="Ebrima"/>
       </a:minorFont>
     </a:fontScheme>
     <a:fmtScheme name="Office">

--- a/help/data-sheets/assets/BusinessSupportDatasheet.pptx
+++ b/help/data-sheets/assets/BusinessSupportDatasheet.pptx
@@ -499,7 +499,7 @@
           <a:p>
             <a:fld id="{FB81873C-0B24-F04A-98A1-90E0A78F7E8A}" type="datetimeFigureOut">
               <a:rPr lang="en-US" smtClean="0"/>
-              <a:t>12/7/21</a:t>
+              <a:t>11/19/2021</a:t>
             </a:fld>
             <a:endParaRPr lang="en-US"/>
           </a:p>
@@ -1122,7 +1122,7 @@
           <a:p>
             <a:fld id="{1D8BD707-D9CF-40AE-B4C6-C98DA3205C09}" type="datetimeFigureOut">
               <a:rPr lang="en-US"/>
-              <a:t>12/7/21</a:t>
+              <a:t>11/19/2021</a:t>
             </a:fld>
             <a:endParaRPr lang="en-US"/>
           </a:p>
@@ -1314,7 +1314,7 @@
           <a:p>
             <a:fld id="{1D8BD707-D9CF-40AE-B4C6-C98DA3205C09}" type="datetimeFigureOut">
               <a:rPr lang="en-US"/>
-              <a:t>12/7/21</a:t>
+              <a:t>11/19/2021</a:t>
             </a:fld>
             <a:endParaRPr lang="en-US"/>
           </a:p>
@@ -1632,7 +1632,7 @@
           <a:p>
             <a:fld id="{1D8BD707-D9CF-40AE-B4C6-C98DA3205C09}" type="datetimeFigureOut">
               <a:rPr lang="en-US"/>
-              <a:t>12/7/21</a:t>
+              <a:t>11/19/2021</a:t>
             </a:fld>
             <a:endParaRPr lang="en-US"/>
           </a:p>
@@ -1886,8 +1886,8 @@
         </p:nvSpPr>
         <p:spPr>
           <a:xfrm>
-            <a:off x="168565" y="7162363"/>
-            <a:ext cx="2800350" cy="238760"/>
+            <a:off x="168564" y="7162363"/>
+            <a:ext cx="4498685" cy="227626"/>
           </a:xfrm>
           <a:prstGeom prst="rect">
             <a:avLst/>
@@ -1908,7 +1908,7 @@
               </a:spcBef>
             </a:pPr>
             <a:r>
-              <a:rPr sz="1400" b="1" u="heavy" spc="10">
+              <a:rPr lang="ja-JP" sz="1400" b="1" u="heavy" dirty="0">
                 <a:solidFill>
                   <a:srgbClr val="020302"/>
                 </a:solidFill>
@@ -1917,90 +1917,12 @@
                     <a:srgbClr val="020302"/>
                   </a:solidFill>
                 </a:uFill>
-                <a:latin typeface="Adobe Clean"/>
+                <a:latin typeface="Adobe Clean Han Regular" panose="020B0500000000000000" pitchFamily="34" charset="-128"/>
+                <a:ea typeface="Adobe Clean Han Regular" panose="020B0500000000000000" pitchFamily="34" charset="-128"/>
                 <a:cs typeface="Adobe Clean"/>
               </a:rPr>
-              <a:t>Service </a:t>
+              <a:t>サービスレベルターゲット：初期対応</a:t>
             </a:r>
-            <a:r>
-              <a:rPr sz="1400" b="1" u="heavy" spc="-10">
-                <a:solidFill>
-                  <a:srgbClr val="020302"/>
-                </a:solidFill>
-                <a:uFill>
-                  <a:solidFill>
-                    <a:srgbClr val="020302"/>
-                  </a:solidFill>
-                </a:uFill>
-                <a:latin typeface="Adobe Clean"/>
-                <a:cs typeface="Adobe Clean"/>
-              </a:rPr>
-              <a:t>Level </a:t>
-            </a:r>
-            <a:r>
-              <a:rPr sz="1400" b="1" u="heavy" spc="-45">
-                <a:solidFill>
-                  <a:srgbClr val="020302"/>
-                </a:solidFill>
-                <a:uFill>
-                  <a:solidFill>
-                    <a:srgbClr val="020302"/>
-                  </a:solidFill>
-                </a:uFill>
-                <a:latin typeface="Adobe Clean"/>
-                <a:cs typeface="Adobe Clean"/>
-              </a:rPr>
-              <a:t>Targets: </a:t>
-            </a:r>
-            <a:r>
-              <a:rPr sz="1400" b="1" u="heavy" spc="-10">
-                <a:solidFill>
-                  <a:srgbClr val="020302"/>
-                </a:solidFill>
-                <a:uFill>
-                  <a:solidFill>
-                    <a:srgbClr val="020302"/>
-                  </a:solidFill>
-                </a:uFill>
-                <a:latin typeface="Adobe Clean"/>
-                <a:cs typeface="Adobe Clean"/>
-              </a:rPr>
-              <a:t>Initial</a:t>
-            </a:r>
-            <a:r>
-              <a:rPr sz="1400" b="1" u="heavy" spc="-140">
-                <a:solidFill>
-                  <a:srgbClr val="020302"/>
-                </a:solidFill>
-                <a:uFill>
-                  <a:solidFill>
-                    <a:srgbClr val="020302"/>
-                  </a:solidFill>
-                </a:uFill>
-                <a:latin typeface="Adobe Clean"/>
-                <a:cs typeface="Adobe Clean"/>
-              </a:rPr>
-              <a:t> </a:t>
-            </a:r>
-            <a:r>
-              <a:rPr sz="1400" b="1" u="heavy" spc="-15">
-                <a:solidFill>
-                  <a:srgbClr val="020302"/>
-                </a:solidFill>
-                <a:uFill>
-                  <a:solidFill>
-                    <a:srgbClr val="020302"/>
-                  </a:solidFill>
-                </a:uFill>
-                <a:latin typeface="Adobe Clean"/>
-                <a:cs typeface="Adobe Clean"/>
-              </a:rPr>
-              <a:t>Response</a:t>
-            </a:r>
-            <a:endParaRPr sz="1400">
-              <a:latin typeface="Adobe Clean"/>
-              <a:cs typeface="Adobe Clean"/>
-            </a:endParaRPr>
           </a:p>
         </p:txBody>
       </p:sp>
@@ -2067,20 +1989,12 @@
               </a:spcBef>
             </a:pPr>
             <a:r>
-              <a:rPr sz="2300">
-                <a:latin typeface="Adobe Clean"/>
+              <a:rPr lang="ja-JP" sz="2300" dirty="0">
+                <a:latin typeface="Adobe Clean Han Bold" panose="020B0600000000000000" pitchFamily="34" charset="-128"/>
+                <a:ea typeface="Adobe Clean Han Bold" panose="020B0600000000000000" pitchFamily="34" charset="-128"/>
               </a:rPr>
-              <a:t>ADOBE </a:t>
+              <a:t>アドビサポートのプラン</a:t>
             </a:r>
-            <a:r>
-              <a:rPr lang="en-US" sz="2300">
-                <a:latin typeface="Adobe Clean"/>
-              </a:rPr>
-              <a:t>SUPPORT PLANS</a:t>
-            </a:r>
-            <a:endParaRPr sz="2300">
-              <a:latin typeface="Adobe Clean" panose="020B0503020404020204" pitchFamily="34" charset="0"/>
-            </a:endParaRPr>
           </a:p>
         </p:txBody>
       </p:sp>
@@ -2093,7 +2007,7 @@
         <p:spPr>
           <a:xfrm>
             <a:off x="121147" y="531160"/>
-            <a:ext cx="5865216" cy="1269065"/>
+            <a:ext cx="5933578" cy="1425647"/>
           </a:xfrm>
           <a:prstGeom prst="rect">
             <a:avLst/>
@@ -2114,31 +2028,34 @@
               </a:spcBef>
             </a:pPr>
             <a:r>
-              <a:rPr lang="en-US" sz="900">
+              <a:rPr lang="ja-JP" sz="900" dirty="0">
                 <a:solidFill>
                   <a:schemeClr val="bg1"/>
                 </a:solidFill>
-                <a:latin typeface="Adobe Clean Light" panose="020B0303020404020204" pitchFamily="34" charset="0"/>
+                <a:latin typeface="Adobe Clean Han Light" panose="020B0300000000000000" pitchFamily="34" charset="-128"/>
+                <a:ea typeface="Adobe Clean Han Light" panose="020B0300000000000000" pitchFamily="34" charset="-128"/>
               </a:rPr>
-              <a:t>Online | </a:t>
+              <a:t>オンライン | </a:t>
             </a:r>
             <a:r>
-              <a:rPr lang="en-US" sz="900" b="1">
+              <a:rPr lang="ja-JP" sz="900" b="1" dirty="0">
                 <a:solidFill>
                   <a:schemeClr val="bg1"/>
                 </a:solidFill>
-                <a:latin typeface="Adobe Clean" panose="020B0503020404020204" pitchFamily="34" charset="0"/>
+                <a:latin typeface="Adobe Clean Han Regular" panose="020B0500000000000000" pitchFamily="34" charset="-128"/>
+                <a:ea typeface="Adobe Clean Han Regular" panose="020B0500000000000000" pitchFamily="34" charset="-128"/>
               </a:rPr>
-              <a:t>Business</a:t>
+              <a:t>ビジネス</a:t>
             </a:r>
             <a:r>
-              <a:rPr lang="en-US" sz="900">
+              <a:rPr lang="ja-JP" sz="900" dirty="0">
                 <a:solidFill>
                   <a:schemeClr val="bg1"/>
                 </a:solidFill>
-                <a:latin typeface="Adobe Clean Light" panose="020B0303020404020204" pitchFamily="34" charset="0"/>
+                <a:latin typeface="Adobe Clean Han Light" panose="020B0300000000000000" pitchFamily="34" charset="-128"/>
+                <a:ea typeface="Adobe Clean Han Light" panose="020B0300000000000000" pitchFamily="34" charset="-128"/>
               </a:rPr>
-              <a:t> | Enterprise | Elite</a:t>
+              <a:t> | エンタープライズ | エリート</a:t>
             </a:r>
           </a:p>
           <a:p>
@@ -2151,21 +2068,15 @@
               </a:spcBef>
             </a:pPr>
             <a:r>
-              <a:rPr lang="en-US" sz="900">
+              <a:rPr lang="ja-JP" sz="900" dirty="0">
                 <a:solidFill>
                   <a:schemeClr val="bg1"/>
                 </a:solidFill>
-                <a:latin typeface="Adobe Clean SemiLight" panose="020B0403020404020204" pitchFamily="34" charset="0"/>
+                <a:latin typeface="Adobe Clean Han Light" panose="020B0300000000000000" pitchFamily="34" charset="-128"/>
+                <a:ea typeface="Adobe Clean Han Light" panose="020B0300000000000000" pitchFamily="34" charset="-128"/>
               </a:rPr>
-              <a:t>Adobe provides a comprehensive range of technical resources to help support your business, included as part of your Experience Cloud license subscription and enhanced in the BUSINESS support package. BUSINESS support includes access to personalized learning paths and monitored community forums via the Adobe Experience League. You can also take advantage of our detailed and in-depth technical product documentation and current release notes. BUSINESS customers also benefit from access to our technical support teams for any product query via either the telephone or the support web portal, to help protect your business at the most critical times. BUSINESS customers will receive regular communications and updates from their Account Support Lead in addition to support case escalation management for your most critical of support requests. </a:t>
+              <a:t>アドビでは、お客様のビジネスをサポートするために、包括的なテクニカルリソースを提供しています。これらのリソースは Experience Cloud のライセンスサブスクリプションに含まれており、ビジネスサポートではさらに充実したリソースを利用可能です。ビジネスサポートでは、Adobe Experience League のパーソナライズされたラーニングパスやモニタリングされているコミュニティフォーラムへのアクセスが提供されます。アドビ製品に関する詳細なテクニカルドキュメントや最新のリリースノートは、いつでも参照可能です。また、ビジネスサポートのお客様は、製品に関するあらゆる質問を、必要なときに電話またはサポート web ポータルを使用して、テクニカルサポートチームに問い合わせることができます。さらに、アカウントサポートリードからの定期的な連絡や更新通知のほか、最も重要なサポートリクエストに対するケースエスカレーション管理のサポートも受けることができます。 </a:t>
             </a:r>
-            <a:endParaRPr lang="en-US" sz="900">
-              <a:solidFill>
-                <a:schemeClr val="bg1"/>
-              </a:solidFill>
-              <a:latin typeface="Adobe Clean Light" panose="020B0303020404020204" pitchFamily="34" charset="0"/>
-              <a:cs typeface="AdobeClean-Light"/>
-            </a:endParaRPr>
           </a:p>
         </p:txBody>
       </p:sp>
@@ -2232,24 +2143,8 @@
               </a:spcBef>
             </a:pPr>
             <a:r>
-              <a:rPr spc="-5"/>
-              <a:t>©202</a:t>
-            </a:r>
-            <a:r>
-              <a:rPr lang="en-US" spc="-5"/>
-              <a:t>1</a:t>
-            </a:r>
-            <a:r>
-              <a:rPr spc="-5"/>
-              <a:t> Adobe. All Rights Reserved. Adobe</a:t>
-            </a:r>
-            <a:r>
-              <a:rPr spc="60"/>
-              <a:t> </a:t>
-            </a:r>
-            <a:r>
-              <a:rPr spc="-5"/>
-              <a:t>Confidential.</a:t>
+              <a:rPr lang="ja-JP"/>
+              <a:t>©2021 Adobe.All Rights Reserved.Adobe Confidential.</a:t>
             </a:r>
           </a:p>
         </p:txBody>
@@ -2263,7 +2158,7 @@
           <p:nvPr>
             <p:extLst>
               <p:ext uri="{D42A27DB-BD31-4B8C-83A1-F6EECF244321}">
-                <p14:modId xmlns:p14="http://schemas.microsoft.com/office/powerpoint/2010/main" val="852543156"/>
+                <p14:modId xmlns:p14="http://schemas.microsoft.com/office/powerpoint/2010/main" val="2664177047"/>
               </p:ext>
             </p:extLst>
           </p:nvPr>
@@ -2279,21 +2174,21 @@
                 <a:tableStyleId>{2D5ABB26-0587-4C30-8999-92F81FD0307C}</a:tableStyleId>
               </a:tblPr>
               <a:tblGrid>
-                <a:gridCol w="4698744">
+                <a:gridCol w="5024628">
                   <a:extLst>
                     <a:ext uri="{9D8B030D-6E8A-4147-A177-3AD203B41FA5}">
                       <a16:colId xmlns:a16="http://schemas.microsoft.com/office/drawing/2014/main" val="20000"/>
                     </a:ext>
                   </a:extLst>
                 </a:gridCol>
-                <a:gridCol w="1400053">
+                <a:gridCol w="1228725">
                   <a:extLst>
                     <a:ext uri="{9D8B030D-6E8A-4147-A177-3AD203B41FA5}">
                       <a16:colId xmlns:a16="http://schemas.microsoft.com/office/drawing/2014/main" val="20001"/>
                     </a:ext>
                   </a:extLst>
                 </a:gridCol>
-                <a:gridCol w="1400054">
+                <a:gridCol w="1245498">
                   <a:extLst>
                     <a:ext uri="{9D8B030D-6E8A-4147-A177-3AD203B41FA5}">
                       <a16:colId xmlns:a16="http://schemas.microsoft.com/office/drawing/2014/main" val="20002"/>
@@ -2316,19 +2211,16 @@
                         </a:spcBef>
                       </a:pPr>
                       <a:r>
-                        <a:rPr sz="900" spc="0">
+                        <a:rPr lang="ja-JP" sz="900" dirty="0">
                           <a:solidFill>
                             <a:srgbClr val="020302"/>
                           </a:solidFill>
-                          <a:latin typeface="Adobe Clean"/>
+                          <a:latin typeface="Adobe Clean Han Regular" panose="020B0500000000000000" pitchFamily="34" charset="-128"/>
+                          <a:ea typeface="Adobe Clean Han Regular" panose="020B0500000000000000" pitchFamily="34" charset="-128"/>
                           <a:cs typeface="Adobe Clean"/>
                         </a:rPr>
-                        <a:t>Priority</a:t>
+                        <a:t>優先度</a:t>
                       </a:r>
-                      <a:endParaRPr sz="900" spc="0">
-                        <a:latin typeface="Adobe Clean"/>
-                        <a:cs typeface="Adobe Clean"/>
-                      </a:endParaRPr>
                     </a:p>
                   </a:txBody>
                   <a:tcPr marL="0" marR="0" marT="7620" marB="0">
@@ -2366,31 +2258,37 @@
                     <a:bodyPr/>
                     <a:lstStyle/>
                     <a:p>
-                      <a:pPr marL="135255" algn="ctr">
+                      <a:pPr marL="2540" marR="0" lvl="0" indent="0" algn="ctr" defTabSz="914400" eaLnBrk="1" fontAlgn="auto" latinLnBrk="0" hangingPunct="1">
                         <a:lnSpc>
                           <a:spcPct val="100000"/>
                         </a:lnSpc>
                         <a:spcBef>
                           <a:spcPts val="60"/>
                         </a:spcBef>
+                        <a:spcAft>
+                          <a:spcPts val="0"/>
+                        </a:spcAft>
+                        <a:buClrTx/>
+                        <a:buSzTx/>
+                        <a:buFontTx/>
+                        <a:buNone/>
+                        <a:tabLst/>
+                        <a:defRPr/>
                       </a:pPr>
                       <a:r>
-                        <a:rPr sz="900" spc="0">
+                        <a:rPr lang="ja-JP" altLang="en-US" sz="900" dirty="0">
                           <a:solidFill>
-                            <a:srgbClr val="020302"/>
+                            <a:srgbClr val="404040"/>
                           </a:solidFill>
-                          <a:latin typeface="Adobe Clean"/>
+                          <a:latin typeface="Adobe Clean Han Regular" panose="020B0500000000000000" pitchFamily="34" charset="-128"/>
+                          <a:ea typeface="Adobe Clean Han Regular" panose="020B0500000000000000" pitchFamily="34" charset="-128"/>
                           <a:cs typeface="Adobe Clean"/>
                         </a:rPr>
-                        <a:t>Online Support</a:t>
+                        <a:t>オンラインサポート</a:t>
                       </a:r>
-                      <a:endParaRPr sz="900" spc="0">
-                        <a:latin typeface="Adobe Clean"/>
-                        <a:cs typeface="Adobe Clean"/>
-                      </a:endParaRPr>
                     </a:p>
                   </a:txBody>
-                  <a:tcPr marL="182880" marT="91440" anchor="ctr">
+                  <a:tcPr marL="0" marR="0" marT="0" marB="0" anchor="ctr">
                     <a:lnL w="3175">
                       <a:solidFill>
                         <a:srgbClr val="B7B8B8"/>
@@ -2425,7 +2323,7 @@
                     <a:bodyPr/>
                     <a:lstStyle/>
                     <a:p>
-                      <a:pPr marL="92710">
+                      <a:pPr marL="92710" algn="ctr">
                         <a:lnSpc>
                           <a:spcPct val="100000"/>
                         </a:lnSpc>
@@ -2434,42 +2332,19 @@
                         </a:spcBef>
                       </a:pPr>
                       <a:r>
-                        <a:rPr sz="900" spc="0">
+                        <a:rPr lang="ja-JP" sz="900" dirty="0">
                           <a:solidFill>
                             <a:srgbClr val="FFFFFF"/>
                           </a:solidFill>
-                          <a:latin typeface="Adobe Clean"/>
+                          <a:latin typeface="Adobe Clean Han Regular" panose="020B0500000000000000" pitchFamily="34" charset="-128"/>
+                          <a:ea typeface="Adobe Clean Han Regular" panose="020B0500000000000000" pitchFamily="34" charset="-128"/>
                           <a:cs typeface="Adobe Clean"/>
                         </a:rPr>
-                        <a:t>Business</a:t>
+                        <a:t>ビジネスサポート</a:t>
                       </a:r>
-                      <a:r>
-                        <a:rPr lang="en-US" sz="900" spc="0">
-                          <a:solidFill>
-                            <a:srgbClr val="FFFFFF"/>
-                          </a:solidFill>
-                          <a:latin typeface="Adobe Clean"/>
-                          <a:cs typeface="Adobe Clean"/>
-                        </a:rPr>
-                        <a:t> </a:t>
-                      </a:r>
-                      <a:r>
-                        <a:rPr sz="900" spc="0">
-                          <a:solidFill>
-                            <a:srgbClr val="FFFFFF"/>
-                          </a:solidFill>
-                          <a:latin typeface="Adobe Clean"/>
-                          <a:cs typeface="Adobe Clean"/>
-                        </a:rPr>
-                        <a:t>Support</a:t>
-                      </a:r>
-                      <a:endParaRPr sz="900" spc="0">
-                        <a:latin typeface="Adobe Clean"/>
-                        <a:cs typeface="Adobe Clean"/>
-                      </a:endParaRPr>
                     </a:p>
                   </a:txBody>
-                  <a:tcPr marL="182880" marT="91440" anchor="ctr">
+                  <a:tcPr marL="0" marR="0" marT="0" marB="0" anchor="ctr">
                     <a:lnL w="3175">
                       <a:solidFill>
                         <a:srgbClr val="B7B8B8"/>
@@ -2520,19 +2395,16 @@
                         </a:spcBef>
                       </a:pPr>
                       <a:r>
-                        <a:rPr sz="900" b="1" spc="0">
+                        <a:rPr lang="ja-JP" sz="900" b="1" dirty="0">
                           <a:solidFill>
                             <a:srgbClr val="020302"/>
                           </a:solidFill>
-                          <a:latin typeface="Adobe Clean"/>
+                          <a:latin typeface="Adobe Clean Han Regular" panose="020B0500000000000000" pitchFamily="34" charset="-128"/>
+                          <a:ea typeface="Adobe Clean Han Regular" panose="020B0500000000000000" pitchFamily="34" charset="-128"/>
                           <a:cs typeface="Adobe Clean"/>
                         </a:rPr>
-                        <a:t>PRIORITY 1</a:t>
+                        <a:t>優先度 1</a:t>
                       </a:r>
-                      <a:endParaRPr sz="900" spc="0">
-                        <a:latin typeface="Adobe Clean"/>
-                        <a:cs typeface="Adobe Clean"/>
-                      </a:endParaRPr>
                     </a:p>
                     <a:p>
                       <a:pPr marL="50800" marR="387985" lvl="0" indent="0" algn="l" defTabSz="914400" rtl="0" eaLnBrk="1" fontAlgn="auto" latinLnBrk="0" hangingPunct="1">
@@ -2553,22 +2425,18 @@
                         <a:defRPr/>
                       </a:pPr>
                       <a:r>
-                        <a:rPr lang="en-US" sz="900" b="0" i="0" spc="0">
+                        <a:rPr lang="ja-JP" sz="900" b="0" i="0" dirty="0">
                           <a:solidFill>
                             <a:srgbClr val="000000"/>
                           </a:solidFill>
-                          <a:effectLst/>
-                          <a:latin typeface="Adobe Clean Light" panose="020B0303020404020204" pitchFamily="34" charset="0"/>
+                          <a:latin typeface="Adobe Clean Han Light" panose="020B0300000000000000" pitchFamily="34" charset="-128"/>
+                          <a:ea typeface="Adobe Clean Han Light" panose="020B0300000000000000" pitchFamily="34" charset="-128"/>
                         </a:rPr>
-                        <a:t>Customer's production business functions are down or have significant data loss or service degradation and immediate attention is required to restore functionality and usability</a:t>
+                        <a:t>お客様の本番業務機能がダウンしている、または著しいデータ損失やサービス低下があり、機能およびユーザビリティを復元するための早急な処置が必要。</a:t>
                       </a:r>
-                      <a:endParaRPr lang="en-US" sz="900" b="0" i="0" spc="0">
-                        <a:latin typeface="Adobe Clean Light" panose="020B0303020404020204" pitchFamily="34" charset="0"/>
-                        <a:cs typeface="AdobeClean-Light"/>
-                      </a:endParaRPr>
                     </a:p>
                   </a:txBody>
-                  <a:tcPr marL="0" marR="0" marT="3810" marB="0">
+                  <a:tcPr marL="0" marR="0" marT="0" marB="0">
                     <a:lnL w="3175">
                       <a:solidFill>
                         <a:srgbClr val="B7B8B8"/>
@@ -2600,71 +2468,59 @@
                     <a:bodyPr/>
                     <a:lstStyle/>
                     <a:p>
-                      <a:pPr marL="374015" marR="325120" indent="-3810" algn="ctr">
-                        <a:lnSpc>
-                          <a:spcPct val="100000"/>
-                        </a:lnSpc>
-                        <a:spcBef>
-                          <a:spcPts val="670"/>
-                        </a:spcBef>
-                      </a:pPr>
+                      <a:pPr algn="ctr" fontAlgn="t"/>
                       <a:r>
-                        <a:rPr sz="900" spc="0">
+                        <a:rPr lang="en-US" altLang="ja-JP" sz="800" b="0" i="0" u="none" strike="noStrike" dirty="0">
                           <a:solidFill>
                             <a:srgbClr val="020302"/>
                           </a:solidFill>
-                          <a:latin typeface="AdobeClean-Light"/>
-                          <a:cs typeface="AdobeClean-Light"/>
+                          <a:latin typeface="Adobe Clean Han Light" panose="020B0300000000000000" pitchFamily="34" charset="-128"/>
+                          <a:ea typeface="Adobe Clean Han Light" panose="020B0300000000000000" pitchFamily="34" charset="-128"/>
                         </a:rPr>
-                        <a:t>24x7</a:t>
+                        <a:t>24 </a:t>
                       </a:r>
                       <a:r>
-                        <a:rPr lang="en-US" sz="900" spc="0">
+                        <a:rPr lang="ja-JP" altLang="en-US" sz="800" b="0" i="0" u="none" strike="noStrike" dirty="0">
                           <a:solidFill>
                             <a:srgbClr val="020302"/>
                           </a:solidFill>
-                          <a:latin typeface="AdobeClean-Light"/>
-                          <a:cs typeface="AdobeClean-Light"/>
+                          <a:latin typeface="Adobe Clean Han Light" panose="020B0300000000000000" pitchFamily="34" charset="-128"/>
+                          <a:ea typeface="Adobe Clean Han Light" panose="020B0300000000000000" pitchFamily="34" charset="-128"/>
                         </a:rPr>
-                        <a:t> </a:t>
+                        <a:t>時間年中無休／</a:t>
                       </a:r>
-                      <a:r>
-                        <a:rPr sz="900" spc="0">
+                      <a:br>
+                        <a:rPr lang="en-US" altLang="ja-JP" sz="800" b="0" i="0" u="none" strike="noStrike" dirty="0">
                           <a:solidFill>
                             <a:srgbClr val="020302"/>
                           </a:solidFill>
-                          <a:latin typeface="AdobeClean-Light"/>
-                          <a:cs typeface="AdobeClean-Light"/>
+                          <a:latin typeface="Adobe Clean Han Light" panose="020B0300000000000000" pitchFamily="34" charset="-128"/>
+                          <a:ea typeface="Adobe Clean Han Light" panose="020B0300000000000000" pitchFamily="34" charset="-128"/>
                         </a:rPr>
-                        <a:t>/</a:t>
-                      </a:r>
+                      </a:br>
                       <a:r>
-                        <a:rPr lang="en-US" sz="900" spc="0">
+                        <a:rPr lang="en-US" altLang="ja-JP" sz="800" b="0" i="0" u="none" strike="noStrike" dirty="0">
                           <a:solidFill>
                             <a:srgbClr val="020302"/>
                           </a:solidFill>
-                          <a:latin typeface="AdobeClean-Light"/>
-                          <a:cs typeface="AdobeClean-Light"/>
+                          <a:latin typeface="Adobe Clean Han Light" panose="020B0300000000000000" pitchFamily="34" charset="-128"/>
+                          <a:ea typeface="Adobe Clean Han Light" panose="020B0300000000000000" pitchFamily="34" charset="-128"/>
                         </a:rPr>
-                        <a:t> </a:t>
+                        <a:t>1 </a:t>
                       </a:r>
                       <a:r>
-                        <a:rPr sz="900" spc="0">
+                        <a:rPr lang="ja-JP" altLang="en-US" sz="800" b="0" i="0" u="none" strike="noStrike" dirty="0">
                           <a:solidFill>
                             <a:srgbClr val="020302"/>
                           </a:solidFill>
-                          <a:latin typeface="AdobeClean-Light"/>
-                          <a:cs typeface="AdobeClean-Light"/>
+                          <a:latin typeface="Adobe Clean Han Light" panose="020B0300000000000000" pitchFamily="34" charset="-128"/>
+                          <a:ea typeface="Adobe Clean Han Light" panose="020B0300000000000000" pitchFamily="34" charset="-128"/>
                         </a:rPr>
-                        <a:t>1 hour</a:t>
+                        <a:t>時間</a:t>
                       </a:r>
-                      <a:endParaRPr sz="900" spc="0">
-                        <a:latin typeface="AdobeClean-Light"/>
-                        <a:cs typeface="AdobeClean-Light"/>
-                      </a:endParaRPr>
                     </a:p>
                   </a:txBody>
-                  <a:tcPr marL="0" marR="0" marT="91440" marB="91440" anchor="ctr" anchorCtr="1">
+                  <a:tcPr marL="0" marR="0" marT="0" marB="0" anchor="ctr" anchorCtr="1">
                     <a:lnL w="3175">
                       <a:solidFill>
                         <a:srgbClr val="B7B8B8"/>
@@ -2696,68 +2552,56 @@
                     <a:bodyPr/>
                     <a:lstStyle/>
                     <a:p>
-                      <a:pPr marL="373380" marR="325755" indent="-3810" algn="ctr">
-                        <a:lnSpc>
-                          <a:spcPct val="100000"/>
-                        </a:lnSpc>
-                        <a:spcBef>
-                          <a:spcPts val="670"/>
-                        </a:spcBef>
-                      </a:pPr>
+                      <a:pPr algn="ctr" fontAlgn="t"/>
                       <a:r>
-                        <a:rPr sz="900" spc="0">
+                        <a:rPr lang="en-US" altLang="ja-JP" sz="900" b="0" i="0" u="none" strike="noStrike" dirty="0">
                           <a:solidFill>
                             <a:srgbClr val="020302"/>
                           </a:solidFill>
-                          <a:latin typeface="AdobeClean-Light"/>
-                          <a:cs typeface="AdobeClean-Light"/>
+                          <a:latin typeface="Adobe Clean Han Light" panose="020B0300000000000000" pitchFamily="34" charset="-128"/>
+                          <a:ea typeface="Adobe Clean Han Light" panose="020B0300000000000000" pitchFamily="34" charset="-128"/>
                         </a:rPr>
-                        <a:t>24x7</a:t>
+                        <a:t>24 </a:t>
                       </a:r>
                       <a:r>
-                        <a:rPr lang="en-US" sz="900" spc="0">
+                        <a:rPr lang="ja-JP" altLang="en-US" sz="900" b="0" i="0" u="none" strike="noStrike" dirty="0">
                           <a:solidFill>
                             <a:srgbClr val="020302"/>
                           </a:solidFill>
-                          <a:latin typeface="AdobeClean-Light"/>
-                          <a:cs typeface="AdobeClean-Light"/>
+                          <a:latin typeface="Adobe Clean Han Light" panose="020B0300000000000000" pitchFamily="34" charset="-128"/>
+                          <a:ea typeface="Adobe Clean Han Light" panose="020B0300000000000000" pitchFamily="34" charset="-128"/>
                         </a:rPr>
-                        <a:t> </a:t>
+                        <a:t>時間年中無休／</a:t>
                       </a:r>
-                      <a:r>
-                        <a:rPr sz="900" spc="0">
+                      <a:br>
+                        <a:rPr lang="en-US" altLang="ja-JP" sz="900" b="0" i="0" u="none" strike="noStrike" dirty="0">
                           <a:solidFill>
                             <a:srgbClr val="020302"/>
                           </a:solidFill>
-                          <a:latin typeface="AdobeClean-Light"/>
-                          <a:cs typeface="AdobeClean-Light"/>
+                          <a:latin typeface="Adobe Clean Han Light" panose="020B0300000000000000" pitchFamily="34" charset="-128"/>
+                          <a:ea typeface="Adobe Clean Han Light" panose="020B0300000000000000" pitchFamily="34" charset="-128"/>
                         </a:rPr>
-                        <a:t>/</a:t>
-                      </a:r>
+                      </a:br>
                       <a:r>
-                        <a:rPr lang="en-US" sz="900" spc="0">
+                        <a:rPr lang="en-US" altLang="ja-JP" sz="900" b="0" i="0" u="none" strike="noStrike" dirty="0">
                           <a:solidFill>
                             <a:srgbClr val="020302"/>
                           </a:solidFill>
-                          <a:latin typeface="AdobeClean-Light"/>
-                          <a:cs typeface="AdobeClean-Light"/>
+                          <a:latin typeface="Adobe Clean Han Light" panose="020B0300000000000000" pitchFamily="34" charset="-128"/>
+                          <a:ea typeface="Adobe Clean Han Light" panose="020B0300000000000000" pitchFamily="34" charset="-128"/>
                         </a:rPr>
-                        <a:t> </a:t>
+                        <a:t>1 </a:t>
                       </a:r>
                       <a:r>
-                        <a:rPr sz="900" spc="0">
+                        <a:rPr lang="ja-JP" altLang="en-US" sz="900" b="0" i="0" u="none" strike="noStrike" dirty="0">
                           <a:solidFill>
                             <a:srgbClr val="020302"/>
                           </a:solidFill>
-                          <a:latin typeface="AdobeClean-Light"/>
-                          <a:cs typeface="AdobeClean-Light"/>
+                          <a:latin typeface="Adobe Clean Han Light" panose="020B0300000000000000" pitchFamily="34" charset="-128"/>
+                          <a:ea typeface="Adobe Clean Han Light" panose="020B0300000000000000" pitchFamily="34" charset="-128"/>
                         </a:rPr>
-                        <a:t>1 hour</a:t>
+                        <a:t>時間</a:t>
                       </a:r>
-                      <a:endParaRPr sz="900" spc="0">
-                        <a:latin typeface="AdobeClean-Light"/>
-                        <a:cs typeface="AdobeClean-Light"/>
-                      </a:endParaRPr>
                     </a:p>
                   </a:txBody>
                   <a:tcPr marL="0" marR="0" marT="91440" marB="91440" anchor="ctr" anchorCtr="1">
@@ -2813,19 +2657,16 @@
                         </a:spcBef>
                       </a:pPr>
                       <a:r>
-                        <a:rPr sz="900" b="1" spc="0">
+                        <a:rPr lang="ja-JP" sz="900" b="1" dirty="0">
                           <a:solidFill>
                             <a:srgbClr val="020302"/>
                           </a:solidFill>
-                          <a:latin typeface="Adobe Clean"/>
+                          <a:latin typeface="Adobe Clean Han Regular" panose="020B0500000000000000" pitchFamily="34" charset="-128"/>
+                          <a:ea typeface="Adobe Clean Han Regular" panose="020B0500000000000000" pitchFamily="34" charset="-128"/>
                           <a:cs typeface="Adobe Clean"/>
                         </a:rPr>
-                        <a:t>PRIORITY 2</a:t>
+                        <a:t>優先度 2</a:t>
                       </a:r>
-                      <a:endParaRPr sz="900" spc="0">
-                        <a:latin typeface="Adobe Clean"/>
-                        <a:cs typeface="Adobe Clean"/>
-                      </a:endParaRPr>
                     </a:p>
                     <a:p>
                       <a:pPr marL="50165" marR="203200">
@@ -2837,19 +2678,15 @@
                         </a:spcBef>
                       </a:pPr>
                       <a:r>
-                        <a:rPr lang="en-US" sz="900" b="0" i="0" spc="0">
+                        <a:rPr lang="ja-JP" sz="900" b="0" i="0" dirty="0">
                           <a:solidFill>
                             <a:srgbClr val="000000"/>
                           </a:solidFill>
-                          <a:effectLst/>
-                          <a:latin typeface="Adobe Clean Light" panose="020B0303020404020204" pitchFamily="34" charset="0"/>
+                          <a:latin typeface="Adobe Clean Han Light" panose="020B0300000000000000" pitchFamily="34" charset="-128"/>
+                          <a:ea typeface="Adobe Clean Han Light" panose="020B0300000000000000" pitchFamily="34" charset="-128"/>
                         </a:rPr>
-                        <a:t>Customer's business functions have major service degradation or potential data loss, or a major feature is impacted </a:t>
+                        <a:t>お客様の業務機能に重大なサービス低下や潜在的なデータ損失があるか、主な機能が影響を受けている。 </a:t>
                       </a:r>
-                      <a:endParaRPr lang="en-US" sz="900" b="0" i="0" spc="0">
-                        <a:latin typeface="Adobe Clean Light" panose="020B0303020404020204" pitchFamily="34" charset="0"/>
-                        <a:cs typeface="AdobeClean-Light"/>
-                      </a:endParaRPr>
                     </a:p>
                   </a:txBody>
                   <a:tcPr marL="0" marR="0" marT="3810" marB="0">
@@ -2884,7 +2721,7 @@
                     <a:bodyPr/>
                     <a:lstStyle/>
                     <a:p>
-                      <a:pPr marL="316865" marR="184785" indent="-193675" algn="ctr">
+                      <a:pPr marL="122238" marR="184785" indent="0" algn="ctr">
                         <a:lnSpc>
                           <a:spcPct val="100000"/>
                         </a:lnSpc>
@@ -2893,79 +2730,48 @@
                         </a:spcBef>
                       </a:pPr>
                       <a:r>
-                        <a:rPr sz="900" spc="0">
+                        <a:rPr lang="ja-JP" altLang="en-US" sz="900" dirty="0">
                           <a:solidFill>
                             <a:srgbClr val="020302"/>
                           </a:solidFill>
-                          <a:latin typeface="AdobeClean-Light"/>
+                          <a:latin typeface="Adobe Clean Han Light" panose="020B0300000000000000" pitchFamily="34" charset="-128"/>
+                          <a:ea typeface="Adobe Clean Han Light" panose="020B0300000000000000" pitchFamily="34" charset="-128"/>
                           <a:cs typeface="AdobeClean-Light"/>
                         </a:rPr>
-                        <a:t>Business</a:t>
+                        <a:t>営業時間</a:t>
                       </a:r>
                       <a:r>
-                        <a:rPr lang="en-US" sz="900" spc="0">
+                        <a:rPr lang="ja-JP" sz="900" dirty="0">
                           <a:solidFill>
                             <a:srgbClr val="020302"/>
                           </a:solidFill>
-                          <a:latin typeface="AdobeClean-Light"/>
+                          <a:latin typeface="Adobe Clean Han Light" panose="020B0300000000000000" pitchFamily="34" charset="-128"/>
+                          <a:ea typeface="Adobe Clean Han Light" panose="020B0300000000000000" pitchFamily="34" charset="-128"/>
                           <a:cs typeface="AdobeClean-Light"/>
                         </a:rPr>
-                        <a:t> </a:t>
+                        <a:t>／</a:t>
                       </a:r>
-                      <a:r>
-                        <a:rPr sz="900" spc="0">
+                      <a:br>
+                        <a:rPr lang="en-US" altLang="ja-JP" sz="900" dirty="0">
                           <a:solidFill>
                             <a:srgbClr val="020302"/>
                           </a:solidFill>
-                          <a:latin typeface="AdobeClean-Light"/>
+                          <a:latin typeface="Adobe Clean Han Light" panose="020B0300000000000000" pitchFamily="34" charset="-128"/>
+                          <a:ea typeface="Adobe Clean Han Light" panose="020B0300000000000000" pitchFamily="34" charset="-128"/>
                           <a:cs typeface="AdobeClean-Light"/>
                         </a:rPr>
-                        <a:t>hours</a:t>
-                      </a:r>
+                      </a:br>
                       <a:r>
-                        <a:rPr lang="en-US" sz="900" spc="0">
+                        <a:rPr lang="ja-JP" sz="900" dirty="0">
                           <a:solidFill>
                             <a:srgbClr val="020302"/>
                           </a:solidFill>
-                          <a:latin typeface="AdobeClean-Light"/>
+                          <a:latin typeface="Adobe Clean Han Light" panose="020B0300000000000000" pitchFamily="34" charset="-128"/>
+                          <a:ea typeface="Adobe Clean Han Light" panose="020B0300000000000000" pitchFamily="34" charset="-128"/>
                           <a:cs typeface="AdobeClean-Light"/>
                         </a:rPr>
-                        <a:t> </a:t>
+                        <a:t>4 時間</a:t>
                       </a:r>
-                      <a:r>
-                        <a:rPr sz="900" spc="0">
-                          <a:solidFill>
-                            <a:srgbClr val="020302"/>
-                          </a:solidFill>
-                          <a:latin typeface="AdobeClean-Light"/>
-                          <a:cs typeface="AdobeClean-Light"/>
-                        </a:rPr>
-                        <a:t>/</a:t>
-                      </a:r>
-                      <a:r>
-                        <a:rPr lang="en-US" sz="900" spc="0">
-                          <a:solidFill>
-                            <a:srgbClr val="020302"/>
-                          </a:solidFill>
-                          <a:latin typeface="AdobeClean-Light"/>
-                          <a:cs typeface="AdobeClean-Light"/>
-                        </a:rPr>
-                        <a:t> </a:t>
-                      </a:r>
-                      <a:r>
-                        <a:rPr sz="900" spc="0">
-                          <a:solidFill>
-                            <a:srgbClr val="020302"/>
-                          </a:solidFill>
-                          <a:latin typeface="AdobeClean-Light"/>
-                          <a:cs typeface="AdobeClean-Light"/>
-                        </a:rPr>
-                        <a:t>4 hours</a:t>
-                      </a:r>
-                      <a:endParaRPr sz="900" spc="0">
-                        <a:latin typeface="AdobeClean-Light"/>
-                        <a:cs typeface="AdobeClean-Light"/>
-                      </a:endParaRPr>
                     </a:p>
                   </a:txBody>
                   <a:tcPr marL="0" marR="0" marT="91440" marB="91440" anchor="ctr" anchorCtr="1">
@@ -3000,7 +2806,7 @@
                     <a:bodyPr/>
                     <a:lstStyle/>
                     <a:p>
-                      <a:pPr marL="317500" marR="184785" indent="-194310" algn="ctr">
+                      <a:pPr marL="123825" marR="184785" indent="-123825" algn="ctr">
                         <a:lnSpc>
                           <a:spcPct val="100000"/>
                         </a:lnSpc>
@@ -3009,89 +2815,70 @@
                         </a:spcBef>
                       </a:pPr>
                       <a:r>
-                        <a:rPr lang="en-US" sz="900" spc="0">
+                        <a:rPr lang="ja-JP" sz="900" dirty="0">
                           <a:solidFill>
                             <a:srgbClr val="020302"/>
                           </a:solidFill>
-                          <a:latin typeface="AdobeClean-Light"/>
+                          <a:latin typeface="Adobe Clean Han Light" panose="020B0300000000000000" pitchFamily="34" charset="-128"/>
+                          <a:ea typeface="Adobe Clean Han Light" panose="020B0300000000000000" pitchFamily="34" charset="-128"/>
                           <a:cs typeface="AdobeClean-Light"/>
                         </a:rPr>
                         <a:t>    </a:t>
                       </a:r>
                       <a:r>
-                        <a:rPr sz="900" spc="0">
+                        <a:rPr lang="ja-JP" altLang="en-US" sz="900" dirty="0">
                           <a:solidFill>
                             <a:srgbClr val="020302"/>
                           </a:solidFill>
-                          <a:latin typeface="AdobeClean-Light"/>
+                          <a:latin typeface="Adobe Clean Han Light" panose="020B0300000000000000" pitchFamily="34" charset="-128"/>
+                          <a:ea typeface="Adobe Clean Han Light" panose="020B0300000000000000" pitchFamily="34" charset="-128"/>
                           <a:cs typeface="AdobeClean-Light"/>
                         </a:rPr>
-                        <a:t>Business</a:t>
+                        <a:t>営業時間</a:t>
                       </a:r>
                       <a:r>
-                        <a:rPr lang="en-US" sz="900" spc="0">
+                        <a:rPr lang="ja-JP" sz="900" dirty="0">
                           <a:solidFill>
                             <a:srgbClr val="020302"/>
                           </a:solidFill>
-                          <a:latin typeface="AdobeClean-Light"/>
+                          <a:latin typeface="Adobe Clean Han Light" panose="020B0300000000000000" pitchFamily="34" charset="-128"/>
+                          <a:ea typeface="Adobe Clean Han Light" panose="020B0300000000000000" pitchFamily="34" charset="-128"/>
                           <a:cs typeface="AdobeClean-Light"/>
                         </a:rPr>
-                        <a:t> </a:t>
+                        <a:t>／</a:t>
                       </a:r>
-                      <a:r>
-                        <a:rPr sz="900" spc="0">
+                      <a:br>
+                        <a:rPr lang="sk-SK" altLang="ja-JP" sz="900" dirty="0">
                           <a:solidFill>
                             <a:srgbClr val="020302"/>
                           </a:solidFill>
-                          <a:latin typeface="AdobeClean-Light"/>
+                          <a:latin typeface="Adobe Clean Han Light" panose="020B0300000000000000" pitchFamily="34" charset="-128"/>
+                          <a:ea typeface="Adobe Clean Han Light" panose="020B0300000000000000" pitchFamily="34" charset="-128"/>
                           <a:cs typeface="AdobeClean-Light"/>
                         </a:rPr>
-                        <a:t>hours</a:t>
-                      </a:r>
+                      </a:br>
                       <a:r>
-                        <a:rPr lang="en-US" sz="900" spc="0">
+                        <a:rPr lang="en-US" sz="900" dirty="0">
                           <a:solidFill>
                             <a:srgbClr val="020302"/>
                           </a:solidFill>
-                          <a:latin typeface="AdobeClean-Light"/>
+                          <a:latin typeface="Adobe Clean Han Light" panose="020B0300000000000000" pitchFamily="34" charset="-128"/>
+                          <a:ea typeface="Adobe Clean Han Light" panose="020B0300000000000000" pitchFamily="34" charset="-128"/>
                           <a:cs typeface="AdobeClean-Light"/>
                         </a:rPr>
-                        <a:t> / </a:t>
+                        <a:t>2 </a:t>
                       </a:r>
                       <a:r>
-                        <a:rPr sz="900" spc="0">
+                        <a:rPr lang="ja-JP" sz="900" dirty="0">
                           <a:solidFill>
                             <a:srgbClr val="020302"/>
                           </a:solidFill>
-                          <a:latin typeface="AdobeClean-Light"/>
+                          <a:latin typeface="Adobe Clean Han Light" panose="020B0300000000000000" pitchFamily="34" charset="-128"/>
+                          <a:ea typeface="Adobe Clean Han Light" panose="020B0300000000000000" pitchFamily="34" charset="-128"/>
                           <a:cs typeface="AdobeClean-Light"/>
                         </a:rPr>
-                        <a:t>2</a:t>
+                        <a:t>時間</a:t>
                       </a:r>
-                      <a:r>
-                        <a:rPr lang="en-US" sz="900" spc="0">
-                          <a:solidFill>
-                            <a:srgbClr val="020302"/>
-                          </a:solidFill>
-                          <a:latin typeface="AdobeClean-Light"/>
-                          <a:cs typeface="AdobeClean-Light"/>
-                        </a:rPr>
-                        <a:t> </a:t>
-                      </a:r>
-                      <a:r>
-                        <a:rPr sz="900" spc="0">
-                          <a:solidFill>
-                            <a:srgbClr val="020302"/>
-                          </a:solidFill>
-                          <a:latin typeface="AdobeClean-Light"/>
-                          <a:cs typeface="AdobeClean-Light"/>
-                        </a:rPr>
-                        <a:t>hours</a:t>
-                      </a:r>
-                      <a:endParaRPr sz="900" spc="0">
-                        <a:latin typeface="AdobeClean-Light"/>
-                        <a:cs typeface="AdobeClean-Light"/>
-                      </a:endParaRPr>
                     </a:p>
                   </a:txBody>
                   <a:tcPr marL="0" marR="0" marT="91440" marB="91440" anchor="ctr" anchorCtr="1">
@@ -3147,19 +2934,16 @@
                         </a:spcBef>
                       </a:pPr>
                       <a:r>
-                        <a:rPr sz="900" b="1" spc="0">
+                        <a:rPr lang="ja-JP" sz="900" b="1" dirty="0">
                           <a:solidFill>
                             <a:srgbClr val="020302"/>
                           </a:solidFill>
-                          <a:latin typeface="Adobe Clean"/>
+                          <a:latin typeface="Adobe Clean Han Regular" panose="020B0500000000000000" pitchFamily="34" charset="-128"/>
+                          <a:ea typeface="Adobe Clean Han Regular" panose="020B0500000000000000" pitchFamily="34" charset="-128"/>
                           <a:cs typeface="Adobe Clean"/>
                         </a:rPr>
-                        <a:t>PRIORITY 3</a:t>
+                        <a:t>優先度 3</a:t>
                       </a:r>
-                      <a:endParaRPr sz="900" spc="0">
-                        <a:latin typeface="Adobe Clean"/>
-                        <a:cs typeface="Adobe Clean"/>
-                      </a:endParaRPr>
                     </a:p>
                     <a:p>
                       <a:pPr marL="49530" marR="212090" indent="-2540">
@@ -3171,26 +2955,52 @@
                         </a:spcBef>
                       </a:pPr>
                       <a:r>
-                        <a:rPr kumimoji="0" lang="en-US" sz="900" b="0" i="0" u="none" strike="noStrike" kern="1200" cap="none" spc="0" normalizeH="0" baseline="0" noProof="0">
+                        <a:rPr kumimoji="0" lang="ja-JP" sz="900" b="0" i="0" u="none" strike="noStrike" cap="none" normalizeH="0" baseline="0" noProof="0" dirty="0">
                           <a:ln>
                             <a:noFill/>
                           </a:ln>
                           <a:solidFill>
                             <a:srgbClr val="000000"/>
                           </a:solidFill>
-                          <a:effectLst/>
                           <a:uLnTx/>
                           <a:uFillTx/>
-                          <a:latin typeface="Adobe Clean Light" panose="020B0303020404020204" pitchFamily="34" charset="0"/>
-                          <a:ea typeface="+mn-ea"/>
+                          <a:latin typeface="Adobe Clean Han Light" panose="020B0300000000000000" pitchFamily="34" charset="-128"/>
+                          <a:ea typeface="Adobe Clean Han Light" panose="020B0300000000000000" pitchFamily="34" charset="-128"/>
                           <a:cs typeface="+mn-cs"/>
                         </a:rPr>
-                        <a:t>Customer's business functions have minor service degradation but there exists a solution/workaround allowing business functions to continue </a:t>
+                        <a:t>お客様の業務機能に軽微なサービス低下があるが、業務機能を正常に続行できる解決策／</a:t>
                       </a:r>
-                      <a:endParaRPr lang="en-US" sz="900" b="0" i="0" spc="0">
-                        <a:latin typeface="Adobe Clean Light" panose="020B0303020404020204" pitchFamily="34" charset="0"/>
-                        <a:cs typeface="AdobeClean-Light"/>
-                      </a:endParaRPr>
+                      <a:br>
+                        <a:rPr kumimoji="0" lang="sk-SK" altLang="ja-JP" sz="900" b="0" i="0" u="none" strike="noStrike" cap="none" normalizeH="0" baseline="0" noProof="0" dirty="0">
+                          <a:ln>
+                            <a:noFill/>
+                          </a:ln>
+                          <a:solidFill>
+                            <a:srgbClr val="000000"/>
+                          </a:solidFill>
+                          <a:uLnTx/>
+                          <a:uFillTx/>
+                          <a:latin typeface="Adobe Clean Han Light" panose="020B0300000000000000" pitchFamily="34" charset="-128"/>
+                          <a:ea typeface="Adobe Clean Han Light" panose="020B0300000000000000" pitchFamily="34" charset="-128"/>
+                          <a:cs typeface="+mn-cs"/>
+                        </a:rPr>
+                      </a:br>
+                      <a:r>
+                        <a:rPr kumimoji="0" lang="ja-JP" sz="900" b="0" i="0" u="none" strike="noStrike" cap="none" normalizeH="0" baseline="0" noProof="0" dirty="0">
+                          <a:ln>
+                            <a:noFill/>
+                          </a:ln>
+                          <a:solidFill>
+                            <a:srgbClr val="000000"/>
+                          </a:solidFill>
+                          <a:uLnTx/>
+                          <a:uFillTx/>
+                          <a:latin typeface="Adobe Clean Han Light" panose="020B0300000000000000" pitchFamily="34" charset="-128"/>
+                          <a:ea typeface="Adobe Clean Han Light" panose="020B0300000000000000" pitchFamily="34" charset="-128"/>
+                          <a:cs typeface="+mn-cs"/>
+                        </a:rPr>
+                        <a:t>回避策が存在する。 </a:t>
+                      </a:r>
                     </a:p>
                   </a:txBody>
                   <a:tcPr marL="0" marR="0" marT="3810" marB="0">
@@ -3225,7 +3035,7 @@
                     <a:bodyPr/>
                     <a:lstStyle/>
                     <a:p>
-                      <a:pPr marL="313690" marR="184150" indent="-189865" algn="ctr">
+                      <a:pPr marL="123825" marR="184150" indent="0" algn="ctr">
                         <a:lnSpc>
                           <a:spcPct val="100000"/>
                         </a:lnSpc>
@@ -3234,89 +3044,48 @@
                         </a:spcBef>
                       </a:pPr>
                       <a:r>
-                        <a:rPr lang="en-US" sz="900" spc="0">
+                        <a:rPr lang="ja-JP" altLang="en-US" sz="900" dirty="0">
                           <a:solidFill>
                             <a:srgbClr val="020302"/>
                           </a:solidFill>
-                          <a:latin typeface="AdobeClean-Light"/>
+                          <a:latin typeface="Adobe Clean Han Light" panose="020B0300000000000000" pitchFamily="34" charset="-128"/>
+                          <a:ea typeface="Adobe Clean Han Light" panose="020B0300000000000000" pitchFamily="34" charset="-128"/>
                           <a:cs typeface="AdobeClean-Light"/>
                         </a:rPr>
-                        <a:t>   </a:t>
+                        <a:t>営業時間</a:t>
                       </a:r>
                       <a:r>
-                        <a:rPr sz="900" spc="0">
+                        <a:rPr lang="ja-JP" sz="900" dirty="0">
                           <a:solidFill>
                             <a:srgbClr val="020302"/>
                           </a:solidFill>
-                          <a:latin typeface="AdobeClean-Light"/>
+                          <a:latin typeface="Adobe Clean Han Light" panose="020B0300000000000000" pitchFamily="34" charset="-128"/>
+                          <a:ea typeface="Adobe Clean Han Light" panose="020B0300000000000000" pitchFamily="34" charset="-128"/>
                           <a:cs typeface="AdobeClean-Light"/>
                         </a:rPr>
-                        <a:t>Business</a:t>
+                        <a:t>／</a:t>
                       </a:r>
-                      <a:r>
-                        <a:rPr lang="en-US" sz="900" spc="0">
+                      <a:br>
+                        <a:rPr lang="sk-SK" altLang="ja-JP" sz="900" dirty="0">
                           <a:solidFill>
                             <a:srgbClr val="020302"/>
                           </a:solidFill>
-                          <a:latin typeface="AdobeClean-Light"/>
+                          <a:latin typeface="Adobe Clean Han Light" panose="020B0300000000000000" pitchFamily="34" charset="-128"/>
+                          <a:ea typeface="Adobe Clean Han Light" panose="020B0300000000000000" pitchFamily="34" charset="-128"/>
                           <a:cs typeface="AdobeClean-Light"/>
                         </a:rPr>
-                        <a:t> </a:t>
-                      </a:r>
+                      </a:br>
                       <a:r>
-                        <a:rPr sz="900" spc="0">
+                        <a:rPr lang="ja-JP" sz="900" dirty="0">
                           <a:solidFill>
                             <a:srgbClr val="020302"/>
                           </a:solidFill>
-                          <a:latin typeface="AdobeClean-Light"/>
+                          <a:latin typeface="Adobe Clean Han Light" panose="020B0300000000000000" pitchFamily="34" charset="-128"/>
+                          <a:ea typeface="Adobe Clean Han Light" panose="020B0300000000000000" pitchFamily="34" charset="-128"/>
                           <a:cs typeface="AdobeClean-Light"/>
                         </a:rPr>
-                        <a:t>hours</a:t>
+                        <a:t>6 時間</a:t>
                       </a:r>
-                      <a:r>
-                        <a:rPr lang="en-US" sz="900" spc="0">
-                          <a:solidFill>
-                            <a:srgbClr val="020302"/>
-                          </a:solidFill>
-                          <a:latin typeface="AdobeClean-Light"/>
-                          <a:cs typeface="AdobeClean-Light"/>
-                        </a:rPr>
-                        <a:t> / </a:t>
-                      </a:r>
-                      <a:r>
-                        <a:rPr sz="900" spc="0">
-                          <a:solidFill>
-                            <a:srgbClr val="020302"/>
-                          </a:solidFill>
-                          <a:latin typeface="AdobeClean-Light"/>
-                          <a:cs typeface="AdobeClean-Light"/>
-                        </a:rPr>
-                        <a:t>6</a:t>
-                      </a:r>
-                      <a:r>
-                        <a:rPr lang="en-US" sz="900" spc="0">
-                          <a:solidFill>
-                            <a:srgbClr val="020302"/>
-                          </a:solidFill>
-                          <a:latin typeface="AdobeClean-Light"/>
-                          <a:cs typeface="AdobeClean-Light"/>
-                        </a:rPr>
-                        <a:t> </a:t>
-                      </a:r>
-                      <a:r>
-                        <a:rPr sz="900" spc="0">
-                          <a:solidFill>
-                            <a:srgbClr val="020302"/>
-                          </a:solidFill>
-                          <a:latin typeface="AdobeClean-Light"/>
-                          <a:cs typeface="AdobeClean-Light"/>
-                        </a:rPr>
-                        <a:t>hours</a:t>
-                      </a:r>
-                      <a:endParaRPr sz="900" spc="0">
-                        <a:latin typeface="AdobeClean-Light"/>
-                        <a:cs typeface="AdobeClean-Light"/>
-                      </a:endParaRPr>
                     </a:p>
                   </a:txBody>
                   <a:tcPr marL="0" marR="0" marT="91440" marB="91440" anchor="ctr" anchorCtr="1">
@@ -3351,7 +3120,7 @@
                     <a:bodyPr/>
                     <a:lstStyle/>
                     <a:p>
-                      <a:pPr marL="316230" marR="185420" indent="-193675" algn="ctr">
+                      <a:pPr marL="123825" marR="184150" indent="0" algn="ctr">
                         <a:lnSpc>
                           <a:spcPct val="100000"/>
                         </a:lnSpc>
@@ -3360,79 +3129,48 @@
                         </a:spcBef>
                       </a:pPr>
                       <a:r>
-                        <a:rPr sz="900" spc="0">
+                        <a:rPr lang="ja-JP" altLang="en-US" sz="900" dirty="0">
                           <a:solidFill>
                             <a:srgbClr val="020302"/>
                           </a:solidFill>
-                          <a:latin typeface="AdobeClean-Light"/>
+                          <a:latin typeface="Adobe Clean Han Light" panose="020B0300000000000000" pitchFamily="34" charset="-128"/>
+                          <a:ea typeface="Adobe Clean Han Light" panose="020B0300000000000000" pitchFamily="34" charset="-128"/>
                           <a:cs typeface="AdobeClean-Light"/>
                         </a:rPr>
-                        <a:t>Business</a:t>
+                        <a:t>営業時間／</a:t>
                       </a:r>
-                      <a:r>
-                        <a:rPr lang="en-US" sz="900" spc="0">
+                      <a:br>
+                        <a:rPr lang="sk-SK" altLang="ja-JP" sz="900" dirty="0">
                           <a:solidFill>
                             <a:srgbClr val="020302"/>
                           </a:solidFill>
-                          <a:latin typeface="AdobeClean-Light"/>
+                          <a:latin typeface="Adobe Clean Han Light" panose="020B0300000000000000" pitchFamily="34" charset="-128"/>
+                          <a:ea typeface="Adobe Clean Han Light" panose="020B0300000000000000" pitchFamily="34" charset="-128"/>
                           <a:cs typeface="AdobeClean-Light"/>
                         </a:rPr>
-                        <a:t> </a:t>
-                      </a:r>
+                      </a:br>
                       <a:r>
-                        <a:rPr sz="900" spc="0">
+                        <a:rPr lang="en-US" altLang="ja-JP" sz="900" dirty="0">
                           <a:solidFill>
                             <a:srgbClr val="020302"/>
                           </a:solidFill>
-                          <a:latin typeface="AdobeClean-Light"/>
+                          <a:latin typeface="Adobe Clean Han Light" panose="020B0300000000000000" pitchFamily="34" charset="-128"/>
+                          <a:ea typeface="Adobe Clean Han Light" panose="020B0300000000000000" pitchFamily="34" charset="-128"/>
                           <a:cs typeface="AdobeClean-Light"/>
                         </a:rPr>
-                        <a:t>hours</a:t>
+                        <a:t>4 </a:t>
                       </a:r>
                       <a:r>
-                        <a:rPr lang="en-US" sz="900" spc="0">
+                        <a:rPr lang="ja-JP" altLang="en-US" sz="900" dirty="0">
                           <a:solidFill>
                             <a:srgbClr val="020302"/>
                           </a:solidFill>
-                          <a:latin typeface="AdobeClean-Light"/>
+                          <a:latin typeface="Adobe Clean Han Light" panose="020B0300000000000000" pitchFamily="34" charset="-128"/>
+                          <a:ea typeface="Adobe Clean Han Light" panose="020B0300000000000000" pitchFamily="34" charset="-128"/>
                           <a:cs typeface="AdobeClean-Light"/>
                         </a:rPr>
-                        <a:t> </a:t>
+                        <a:t>時間</a:t>
                       </a:r>
-                      <a:r>
-                        <a:rPr sz="900" spc="0">
-                          <a:solidFill>
-                            <a:srgbClr val="020302"/>
-                          </a:solidFill>
-                          <a:latin typeface="AdobeClean-Light"/>
-                          <a:cs typeface="AdobeClean-Light"/>
-                        </a:rPr>
-                        <a:t>/ 4</a:t>
-                      </a:r>
-                      <a:r>
-                        <a:rPr lang="en-US" sz="900" spc="0">
-                          <a:solidFill>
-                            <a:srgbClr val="020302"/>
-                          </a:solidFill>
-                          <a:latin typeface="AdobeClean-Light"/>
-                          <a:cs typeface="AdobeClean-Light"/>
-                        </a:rPr>
-                        <a:t> </a:t>
-                      </a:r>
-                      <a:r>
-                        <a:rPr sz="900" spc="0">
-                          <a:solidFill>
-                            <a:srgbClr val="020302"/>
-                          </a:solidFill>
-                          <a:latin typeface="AdobeClean-Light"/>
-                          <a:cs typeface="AdobeClean-Light"/>
-                        </a:rPr>
-                        <a:t>hours</a:t>
-                      </a:r>
-                      <a:endParaRPr sz="900" spc="0">
-                        <a:latin typeface="AdobeClean-Light"/>
-                        <a:cs typeface="AdobeClean-Light"/>
-                      </a:endParaRPr>
                     </a:p>
                   </a:txBody>
                   <a:tcPr marL="0" marR="0" marT="91440" marB="91440" anchor="ctr" anchorCtr="1">
@@ -3488,19 +3226,16 @@
                         </a:spcBef>
                       </a:pPr>
                       <a:r>
-                        <a:rPr sz="900" b="1" spc="0">
+                        <a:rPr lang="ja-JP" sz="900" b="1" dirty="0">
                           <a:solidFill>
                             <a:srgbClr val="020302"/>
                           </a:solidFill>
-                          <a:latin typeface="Adobe Clean"/>
+                          <a:latin typeface="Adobe Clean Han Regular" panose="020B0500000000000000" pitchFamily="34" charset="-128"/>
+                          <a:ea typeface="Adobe Clean Han Regular" panose="020B0500000000000000" pitchFamily="34" charset="-128"/>
                           <a:cs typeface="Adobe Clean"/>
                         </a:rPr>
-                        <a:t>PRIORITY 4</a:t>
+                        <a:t>優先度 4</a:t>
                       </a:r>
-                      <a:endParaRPr sz="900" spc="0">
-                        <a:latin typeface="Adobe Clean"/>
-                        <a:cs typeface="Adobe Clean"/>
-                      </a:endParaRPr>
                     </a:p>
                     <a:p>
                       <a:pPr marL="48895" marR="0" lvl="0" indent="0" defTabSz="914400" eaLnBrk="1" fontAlgn="auto" latinLnBrk="0" hangingPunct="1">
@@ -3521,19 +3256,15 @@
                         <a:defRPr/>
                       </a:pPr>
                       <a:r>
-                        <a:rPr lang="en-US" sz="900" b="0" i="0" spc="0">
+                        <a:rPr lang="ja-JP" sz="900" b="0" i="0" dirty="0">
                           <a:solidFill>
                             <a:srgbClr val="000000"/>
                           </a:solidFill>
-                          <a:effectLst/>
-                          <a:latin typeface="Adobe Clean Light" panose="020B0303020404020204" pitchFamily="34" charset="0"/>
+                          <a:latin typeface="Adobe Clean Han Light" panose="020B0300000000000000" pitchFamily="34" charset="-128"/>
+                          <a:ea typeface="Adobe Clean Han Light" panose="020B0300000000000000" pitchFamily="34" charset="-128"/>
                         </a:rPr>
-                        <a:t>General question regarding current product functionality or an enhancement request</a:t>
+                        <a:t>現在の製品機能に関する一般的な質問または機能拡張のリクエスト。</a:t>
                       </a:r>
-                      <a:endParaRPr lang="en-US" sz="900" b="0" i="0" spc="0">
-                        <a:latin typeface="Adobe Clean Light" panose="020B0303020404020204" pitchFamily="34" charset="0"/>
-                        <a:cs typeface="AdobeClean-Light"/>
-                      </a:endParaRPr>
                     </a:p>
                   </a:txBody>
                   <a:tcPr marL="0" marR="0" marT="1905" marB="0">
@@ -3577,69 +3308,16 @@
                         </a:spcBef>
                       </a:pPr>
                       <a:r>
-                        <a:rPr lang="en-US" sz="900" spc="0">
+                        <a:rPr lang="ja-JP" sz="900" dirty="0">
                           <a:solidFill>
                             <a:srgbClr val="020302"/>
                           </a:solidFill>
-                          <a:latin typeface="AdobeClean-Light"/>
+                          <a:latin typeface="Adobe Clean Han Light" panose="020B0300000000000000" pitchFamily="34" charset="-128"/>
+                          <a:ea typeface="Adobe Clean Han Light" panose="020B0300000000000000" pitchFamily="34" charset="-128"/>
                           <a:cs typeface="AdobeClean-Light"/>
                         </a:rPr>
-                        <a:t>  </a:t>
+                        <a:t>  営業日／3 日</a:t>
                       </a:r>
-                      <a:r>
-                        <a:rPr sz="900" spc="0">
-                          <a:solidFill>
-                            <a:srgbClr val="020302"/>
-                          </a:solidFill>
-                          <a:latin typeface="AdobeClean-Light"/>
-                          <a:cs typeface="AdobeClean-Light"/>
-                        </a:rPr>
-                        <a:t>Business</a:t>
-                      </a:r>
-                      <a:r>
-                        <a:rPr lang="en-US" sz="900" spc="0">
-                          <a:solidFill>
-                            <a:srgbClr val="020302"/>
-                          </a:solidFill>
-                          <a:latin typeface="AdobeClean-Light"/>
-                          <a:cs typeface="AdobeClean-Light"/>
-                        </a:rPr>
-                        <a:t> </a:t>
-                      </a:r>
-                      <a:r>
-                        <a:rPr sz="900" spc="0">
-                          <a:solidFill>
-                            <a:srgbClr val="020302"/>
-                          </a:solidFill>
-                          <a:latin typeface="AdobeClean-Light"/>
-                          <a:cs typeface="AdobeClean-Light"/>
-                        </a:rPr>
-                        <a:t>days</a:t>
-                      </a:r>
-                      <a:r>
-                        <a:rPr lang="en-US" sz="900" spc="0">
-                          <a:solidFill>
-                            <a:srgbClr val="020302"/>
-                          </a:solidFill>
-                          <a:latin typeface="AdobeClean-Light"/>
-                          <a:cs typeface="AdobeClean-Light"/>
-                        </a:rPr>
-                        <a:t> / </a:t>
-                      </a:r>
-                      <a:r>
-                        <a:rPr sz="900" spc="0">
-                          <a:solidFill>
-                            <a:srgbClr val="020302"/>
-                          </a:solidFill>
-                          <a:latin typeface="AdobeClean-Light"/>
-                          <a:cs typeface="AdobeClean-Light"/>
-                        </a:rPr>
-                        <a:t>3 days</a:t>
-                      </a:r>
-                      <a:endParaRPr sz="900" spc="0">
-                        <a:latin typeface="AdobeClean-Light"/>
-                        <a:cs typeface="AdobeClean-Light"/>
-                      </a:endParaRPr>
                     </a:p>
                   </a:txBody>
                   <a:tcPr marL="0" marR="0" marT="91440" marB="91440" anchor="ctr" anchorCtr="1">
@@ -3683,79 +3361,16 @@
                         </a:spcBef>
                       </a:pPr>
                       <a:r>
-                        <a:rPr sz="900" spc="0">
+                        <a:rPr lang="ja-JP" sz="900" dirty="0">
                           <a:solidFill>
                             <a:srgbClr val="020302"/>
                           </a:solidFill>
-                          <a:latin typeface="AdobeClean-Light"/>
+                          <a:latin typeface="Adobe Clean Han Light" panose="020B0300000000000000" pitchFamily="34" charset="-128"/>
+                          <a:ea typeface="Adobe Clean Han Light" panose="020B0300000000000000" pitchFamily="34" charset="-128"/>
                           <a:cs typeface="AdobeClean-Light"/>
                         </a:rPr>
-                        <a:t>Business</a:t>
+                        <a:t>営業日／1 日</a:t>
                       </a:r>
-                      <a:r>
-                        <a:rPr lang="en-US" sz="900" spc="0">
-                          <a:solidFill>
-                            <a:srgbClr val="020302"/>
-                          </a:solidFill>
-                          <a:latin typeface="AdobeClean-Light"/>
-                          <a:cs typeface="AdobeClean-Light"/>
-                        </a:rPr>
-                        <a:t> </a:t>
-                      </a:r>
-                      <a:r>
-                        <a:rPr sz="900" spc="0">
-                          <a:solidFill>
-                            <a:srgbClr val="020302"/>
-                          </a:solidFill>
-                          <a:latin typeface="AdobeClean-Light"/>
-                          <a:cs typeface="AdobeClean-Light"/>
-                        </a:rPr>
-                        <a:t>day</a:t>
-                      </a:r>
-                      <a:r>
-                        <a:rPr lang="en-US" sz="900" spc="0">
-                          <a:solidFill>
-                            <a:srgbClr val="020302"/>
-                          </a:solidFill>
-                          <a:latin typeface="AdobeClean-Light"/>
-                          <a:cs typeface="AdobeClean-Light"/>
-                        </a:rPr>
-                        <a:t>s </a:t>
-                      </a:r>
-                      <a:r>
-                        <a:rPr sz="900" spc="0">
-                          <a:solidFill>
-                            <a:srgbClr val="020302"/>
-                          </a:solidFill>
-                          <a:latin typeface="AdobeClean-Light"/>
-                          <a:cs typeface="AdobeClean-Light"/>
-                        </a:rPr>
-                        <a:t>/</a:t>
-                      </a:r>
-                      <a:r>
-                        <a:rPr lang="en-US" sz="900" spc="0">
-                          <a:solidFill>
-                            <a:srgbClr val="020302"/>
-                          </a:solidFill>
-                          <a:latin typeface="AdobeClean-Light"/>
-                          <a:cs typeface="AdobeClean-Light"/>
-                        </a:rPr>
-                        <a:t> </a:t>
-                      </a:r>
-                      <a:r>
-                        <a:rPr sz="900" spc="0">
-                          <a:solidFill>
-                            <a:srgbClr val="020302"/>
-                          </a:solidFill>
-                          <a:latin typeface="AdobeClean-Light"/>
-                          <a:cs typeface="AdobeClean-Light"/>
-                        </a:rPr>
-                        <a:t>1 day</a:t>
-                      </a:r>
-                      <a:endParaRPr sz="900" spc="0">
-                        <a:latin typeface="AdobeClean-Light"/>
-                        <a:cs typeface="AdobeClean-Light"/>
-                      </a:endParaRPr>
                     </a:p>
                   </a:txBody>
                   <a:tcPr marL="0" marR="0" marT="91440" marB="91440" anchor="ctr" anchorCtr="1">
@@ -3815,7 +3430,7 @@
           <p:nvPr>
             <p:extLst>
               <p:ext uri="{D42A27DB-BD31-4B8C-83A1-F6EECF244321}">
-                <p14:modId xmlns:p14="http://schemas.microsoft.com/office/powerpoint/2010/main" val="116851390"/>
+                <p14:modId xmlns:p14="http://schemas.microsoft.com/office/powerpoint/2010/main" val="3560736942"/>
               </p:ext>
             </p:extLst>
           </p:nvPr>
@@ -3838,21 +3453,21 @@
                     </a:ext>
                   </a:extLst>
                 </a:gridCol>
-                <a:gridCol w="3133474">
+                <a:gridCol w="3442079">
                   <a:extLst>
                     <a:ext uri="{9D8B030D-6E8A-4147-A177-3AD203B41FA5}">
                       <a16:colId xmlns:a16="http://schemas.microsoft.com/office/drawing/2014/main" val="20001"/>
                     </a:ext>
                   </a:extLst>
                 </a:gridCol>
-                <a:gridCol w="1425889">
+                <a:gridCol w="1290638">
                   <a:extLst>
                     <a:ext uri="{9D8B030D-6E8A-4147-A177-3AD203B41FA5}">
                       <a16:colId xmlns:a16="http://schemas.microsoft.com/office/drawing/2014/main" val="2563521174"/>
                     </a:ext>
                   </a:extLst>
                 </a:gridCol>
-                <a:gridCol w="1425889">
+                <a:gridCol w="1252535">
                   <a:extLst>
                     <a:ext uri="{9D8B030D-6E8A-4147-A177-3AD203B41FA5}">
                       <a16:colId xmlns:a16="http://schemas.microsoft.com/office/drawing/2014/main" val="20003"/>
@@ -3866,7 +3481,7 @@
                     <a:bodyPr/>
                     <a:lstStyle/>
                     <a:p>
-                      <a:endParaRPr lang="en-US"/>
+                      <a:endParaRPr lang="en-US" dirty="0"/>
                     </a:p>
                   </a:txBody>
                   <a:tcPr/>
@@ -3904,39 +3519,16 @@
                         <a:defRPr/>
                       </a:pPr>
                       <a:r>
-                        <a:rPr lang="en-US" sz="900" spc="-20">
+                        <a:rPr lang="ja-JP" sz="900" dirty="0">
                           <a:solidFill>
                             <a:srgbClr val="404040"/>
                           </a:solidFill>
-                          <a:latin typeface="Adobe Clean"/>
+                          <a:latin typeface="Adobe Clean Han Regular" panose="020B0500000000000000" pitchFamily="34" charset="-128"/>
+                          <a:ea typeface="Adobe Clean Han Regular" panose="020B0500000000000000" pitchFamily="34" charset="-128"/>
                           <a:cs typeface="Adobe Clean"/>
                         </a:rPr>
-                        <a:t>Online </a:t>
+                        <a:t>オンラインサポート</a:t>
                       </a:r>
-                      <a:r>
-                        <a:rPr lang="en-US" sz="900" spc="-135">
-                          <a:solidFill>
-                            <a:srgbClr val="404040"/>
-                          </a:solidFill>
-                          <a:latin typeface="Adobe Clean"/>
-                          <a:cs typeface="Adobe Clean"/>
-                        </a:rPr>
-                        <a:t> </a:t>
-                      </a:r>
-                      <a:r>
-                        <a:rPr lang="en-US" sz="900" spc="-20">
-                          <a:solidFill>
-                            <a:srgbClr val="404040"/>
-                          </a:solidFill>
-                          <a:latin typeface="Adobe Clean"/>
-                          <a:cs typeface="Adobe Clean"/>
-                        </a:rPr>
-                        <a:t>Support</a:t>
-                      </a:r>
-                      <a:endParaRPr lang="en-US" sz="900">
-                        <a:latin typeface="Adobe Clean"/>
-                        <a:cs typeface="Adobe Clean"/>
-                      </a:endParaRPr>
                     </a:p>
                   </a:txBody>
                   <a:tcPr marL="0" marR="0" marT="7620" marB="0" anchor="ctr">
@@ -3977,39 +3569,16 @@
                         </a:spcBef>
                       </a:pPr>
                       <a:r>
-                        <a:rPr sz="900" spc="-20">
+                        <a:rPr lang="ja-JP" sz="900" dirty="0">
                           <a:solidFill>
                             <a:srgbClr val="FFFFFF"/>
                           </a:solidFill>
-                          <a:latin typeface="Adobe Clean"/>
+                          <a:latin typeface="Adobe Clean Han Regular" panose="020B0500000000000000" pitchFamily="34" charset="-128"/>
+                          <a:ea typeface="Adobe Clean Han Regular" panose="020B0500000000000000" pitchFamily="34" charset="-128"/>
                           <a:cs typeface="Adobe Clean"/>
                         </a:rPr>
-                        <a:t>Business</a:t>
+                        <a:t>ビジネスサポート</a:t>
                       </a:r>
-                      <a:r>
-                        <a:rPr lang="en-US" sz="900" spc="-20">
-                          <a:solidFill>
-                            <a:srgbClr val="FFFFFF"/>
-                          </a:solidFill>
-                          <a:latin typeface="Adobe Clean"/>
-                          <a:cs typeface="Adobe Clean"/>
-                        </a:rPr>
-                        <a:t> </a:t>
-                      </a:r>
-                      <a:r>
-                        <a:rPr sz="900" spc="-20">
-                          <a:solidFill>
-                            <a:srgbClr val="FFFFFF"/>
-                          </a:solidFill>
-                          <a:latin typeface="Adobe Clean"/>
-                          <a:cs typeface="Adobe Clean"/>
-                        </a:rPr>
-                        <a:t>Support</a:t>
-                      </a:r>
-                      <a:endParaRPr sz="900">
-                        <a:latin typeface="Adobe Clean"/>
-                        <a:cs typeface="Adobe Clean"/>
-                      </a:endParaRPr>
                     </a:p>
                   </a:txBody>
                   <a:tcPr marL="0" marR="0" marT="7620" marB="0" anchor="ctr">
@@ -4074,7 +3643,7 @@
                     <a:bodyPr/>
                     <a:lstStyle/>
                     <a:p>
-                      <a:pPr marL="0" marR="0" lvl="0" indent="0" algn="ctr" defTabSz="914400" eaLnBrk="1" fontAlgn="auto" latinLnBrk="0" hangingPunct="1">
+                      <a:pPr marL="0" marR="0" lvl="0" indent="0" algn="l" defTabSz="914400" rtl="0" eaLnBrk="1" fontAlgn="auto" latinLnBrk="0" hangingPunct="1">
                         <a:lnSpc>
                           <a:spcPct val="100000"/>
                         </a:lnSpc>
@@ -4155,13 +3724,14 @@
                         <a:defRPr/>
                       </a:pPr>
                       <a:r>
-                        <a:rPr lang="en-US" sz="800" i="1">
+                        <a:rPr lang="ja-JP" sz="800" i="1" dirty="0">
                           <a:solidFill>
                             <a:schemeClr val="bg1"/>
                           </a:solidFill>
-                          <a:latin typeface="Adobe Clean Light" panose="020B0303020404020204" pitchFamily="34" charset="0"/>
+                          <a:latin typeface="Adobe Clean Han Light" panose="020B0300000000000000" pitchFamily="34" charset="-128"/>
+                          <a:ea typeface="Adobe Clean Han Light" panose="020B0300000000000000" pitchFamily="34" charset="-128"/>
                         </a:rPr>
-                        <a:t>Paid Support ($)</a:t>
+                        <a:t>有償サポート（$）</a:t>
                       </a:r>
                     </a:p>
                   </a:txBody>
@@ -4225,22 +3795,16 @@
                         </a:spcBef>
                       </a:pPr>
                       <a:r>
-                        <a:rPr lang="en-US" sz="1000" b="1" i="0" spc="0">
+                        <a:rPr lang="ja-JP" sz="1000" b="1" i="0" dirty="0">
                           <a:solidFill>
                             <a:schemeClr val="bg1"/>
                           </a:solidFill>
-                          <a:latin typeface="Adobe Clean" panose="020B0503020404020204" pitchFamily="34" charset="0"/>
+                          <a:latin typeface="Adobe Clean Han Regular" panose="020B0500000000000000" pitchFamily="34" charset="-128"/>
+                          <a:ea typeface="Adobe Clean Han Regular" panose="020B0500000000000000" pitchFamily="34" charset="-128"/>
                           <a:cs typeface="AdobeClean-Light"/>
                         </a:rPr>
-                        <a:t>Assigned Experts</a:t>
+                        <a:t>担当エキスパート</a:t>
                       </a:r>
-                      <a:endParaRPr sz="1000" b="1" i="0" spc="0">
-                        <a:solidFill>
-                          <a:schemeClr val="bg1"/>
-                        </a:solidFill>
-                        <a:latin typeface="Adobe Clean" panose="020B0503020404020204" pitchFamily="34" charset="0"/>
-                        <a:cs typeface="AdobeClean-Light"/>
-                      </a:endParaRPr>
                     </a:p>
                   </a:txBody>
                   <a:tcPr marL="0" marR="0" marT="58419" marB="0" anchor="ctr">
@@ -4287,19 +3851,16 @@
                         </a:spcBef>
                       </a:pPr>
                       <a:r>
-                        <a:rPr sz="900" spc="0">
+                        <a:rPr lang="ja-JP" sz="900" dirty="0">
                           <a:solidFill>
                             <a:srgbClr val="020302"/>
                           </a:solidFill>
-                          <a:latin typeface="AdobeClean-Light"/>
+                          <a:latin typeface="Adobe Clean Han Light" panose="020B0300000000000000" pitchFamily="34" charset="-128"/>
+                          <a:ea typeface="Adobe Clean Han Light" panose="020B0300000000000000" pitchFamily="34" charset="-128"/>
                           <a:cs typeface="AdobeClean-Light"/>
                         </a:rPr>
-                        <a:t>Account Support Lead</a:t>
+                        <a:t>アカウントサポートリード</a:t>
                       </a:r>
-                      <a:endParaRPr sz="900" spc="0">
-                        <a:latin typeface="AdobeClean-Light"/>
-                        <a:cs typeface="AdobeClean-Light"/>
-                      </a:endParaRPr>
                     </a:p>
                   </a:txBody>
                   <a:tcPr marL="0" marR="0" marT="58419" marB="0">
@@ -4334,7 +3895,7 @@
                     <a:bodyPr/>
                     <a:lstStyle/>
                     <a:p>
-                      <a:pPr algn="ctr">
+                      <a:pPr algn="l" rtl="0">
                         <a:lnSpc>
                           <a:spcPct val="100000"/>
                         </a:lnSpc>
@@ -4384,19 +3945,16 @@
                         </a:spcBef>
                       </a:pPr>
                       <a:r>
-                        <a:rPr sz="900">
+                        <a:rPr lang="ja-JP" sz="900" dirty="0">
                           <a:solidFill>
                             <a:srgbClr val="020302"/>
                           </a:solidFill>
                           <a:latin typeface="Wingdings"/>
+                          <a:ea typeface="MS Mincho"/>
                           <a:cs typeface="Wingdings"/>
                         </a:rPr>
                         <a:t></a:t>
                       </a:r>
-                      <a:endParaRPr sz="900">
-                        <a:latin typeface="Wingdings"/>
-                        <a:cs typeface="Wingdings"/>
-                      </a:endParaRPr>
                     </a:p>
                   </a:txBody>
                   <a:tcPr marL="0" marR="0" marT="59690" marB="0" anchor="ctr">
@@ -4428,7 +3986,7 @@
                     <a:bodyPr/>
                     <a:lstStyle/>
                     <a:p>
-                      <a:pPr marL="50800">
+                      <a:pPr marL="50800" algn="l" rtl="0">
                         <a:lnSpc>
                           <a:spcPct val="100000"/>
                         </a:lnSpc>
@@ -4474,19 +4032,16 @@
                         </a:spcBef>
                       </a:pPr>
                       <a:r>
-                        <a:rPr sz="900" spc="0">
+                        <a:rPr lang="ja-JP" sz="900" dirty="0">
                           <a:solidFill>
                             <a:srgbClr val="020302"/>
                           </a:solidFill>
-                          <a:latin typeface="AdobeClean-Light"/>
+                          <a:latin typeface="Adobe Clean Han Light" panose="020B0300000000000000" pitchFamily="34" charset="-128"/>
+                          <a:ea typeface="Adobe Clean Han Light" panose="020B0300000000000000" pitchFamily="34" charset="-128"/>
                           <a:cs typeface="AdobeClean-Light"/>
                         </a:rPr>
-                        <a:t>Named Support Engineer</a:t>
+                        <a:t>専任サポートエンジニア</a:t>
                       </a:r>
-                      <a:endParaRPr sz="900" spc="0">
-                        <a:latin typeface="AdobeClean-Light"/>
-                        <a:cs typeface="AdobeClean-Light"/>
-                      </a:endParaRPr>
                     </a:p>
                   </a:txBody>
                   <a:tcPr marL="0" marR="0" marT="58419" marB="0">
@@ -4509,12 +4064,12 @@
                     <a:bodyPr/>
                     <a:lstStyle/>
                     <a:p>
-                      <a:pPr algn="ctr">
+                      <a:pPr algn="l" rtl="0">
                         <a:lnSpc>
                           <a:spcPct val="100000"/>
                         </a:lnSpc>
                       </a:pPr>
-                      <a:endParaRPr sz="900">
+                      <a:endParaRPr sz="900" dirty="0">
                         <a:latin typeface="Times New Roman"/>
                         <a:cs typeface="Times New Roman"/>
                       </a:endParaRPr>
@@ -4538,7 +4093,7 @@
                     <a:bodyPr/>
                     <a:lstStyle/>
                     <a:p>
-                      <a:pPr algn="ctr">
+                      <a:pPr algn="l" rtl="0">
                         <a:lnSpc>
                           <a:spcPct val="100000"/>
                         </a:lnSpc>
@@ -4569,7 +4124,7 @@
                     <a:bodyPr/>
                     <a:lstStyle/>
                     <a:p>
-                      <a:pPr marL="50800">
+                      <a:pPr marL="50800" algn="l" rtl="0">
                         <a:lnSpc>
                           <a:spcPct val="100000"/>
                         </a:lnSpc>
@@ -4627,19 +4182,16 @@
                         </a:spcBef>
                       </a:pPr>
                       <a:r>
-                        <a:rPr sz="900" spc="0">
+                        <a:rPr lang="ja-JP" sz="900">
                           <a:solidFill>
                             <a:srgbClr val="020302"/>
                           </a:solidFill>
-                          <a:latin typeface="AdobeClean-Light"/>
+                          <a:latin typeface="Adobe Clean Han Light" panose="020B0300000000000000" pitchFamily="34" charset="-128"/>
+                          <a:ea typeface="Adobe Clean Han Light" panose="020B0300000000000000" pitchFamily="34" charset="-128"/>
                           <a:cs typeface="AdobeClean-Light"/>
                         </a:rPr>
-                        <a:t>Technical Account Manager</a:t>
+                        <a:t>テクニカルアカウントマネージャー</a:t>
                       </a:r>
-                      <a:endParaRPr sz="900" spc="0">
-                        <a:latin typeface="AdobeClean-Light"/>
-                        <a:cs typeface="AdobeClean-Light"/>
-                      </a:endParaRPr>
                     </a:p>
                   </a:txBody>
                   <a:tcPr marL="0" marR="0" marT="63500" marB="0">
@@ -4668,7 +4220,7 @@
                     <a:bodyPr/>
                     <a:lstStyle/>
                     <a:p>
-                      <a:pPr algn="ctr">
+                      <a:pPr algn="l" rtl="0">
                         <a:lnSpc>
                           <a:spcPct val="100000"/>
                         </a:lnSpc>
@@ -4706,7 +4258,7 @@
                     <a:bodyPr/>
                     <a:lstStyle/>
                     <a:p>
-                      <a:pPr algn="ctr">
+                      <a:pPr algn="l" rtl="0">
                         <a:lnSpc>
                           <a:spcPct val="100000"/>
                         </a:lnSpc>
@@ -4755,22 +4307,16 @@
                         </a:spcBef>
                       </a:pPr>
                       <a:r>
-                        <a:rPr lang="en-US" sz="1000" b="1" i="0" spc="0">
+                        <a:rPr lang="ja-JP" sz="1000" b="1" i="0" dirty="0">
                           <a:solidFill>
                             <a:schemeClr val="bg1"/>
                           </a:solidFill>
-                          <a:latin typeface="Adobe Clean" panose="020B0503020404020204" pitchFamily="34" charset="0"/>
+                          <a:latin typeface="Adobe Clean Han Regular" panose="020B0500000000000000" pitchFamily="34" charset="-128"/>
+                          <a:ea typeface="Adobe Clean Han Regular" panose="020B0500000000000000" pitchFamily="34" charset="-128"/>
                           <a:cs typeface="AdobeClean-Light"/>
                         </a:rPr>
-                        <a:t>Support Services</a:t>
+                        <a:t>サポートサービス</a:t>
                       </a:r>
-                      <a:endParaRPr sz="1000" b="1" i="0" spc="0">
-                        <a:solidFill>
-                          <a:schemeClr val="bg1"/>
-                        </a:solidFill>
-                        <a:latin typeface="Adobe Clean" panose="020B0503020404020204" pitchFamily="34" charset="0"/>
-                        <a:cs typeface="AdobeClean-Light"/>
-                      </a:endParaRPr>
                     </a:p>
                   </a:txBody>
                   <a:tcPr marL="0" marR="0" marT="57150" marB="0" anchor="ctr">
@@ -4826,29 +4372,16 @@
                         </a:spcBef>
                       </a:pPr>
                       <a:r>
-                        <a:rPr lang="en-US" sz="900" spc="0">
+                        <a:rPr lang="ja-JP" sz="900" dirty="0">
                           <a:solidFill>
                             <a:srgbClr val="020302"/>
                           </a:solidFill>
-                          <a:latin typeface="AdobeClean-Light"/>
+                          <a:latin typeface="Adobe Clean Han Light" panose="020B0300000000000000" pitchFamily="34" charset="-128"/>
+                          <a:ea typeface="Adobe Clean Han Light" panose="020B0300000000000000" pitchFamily="34" charset="-128"/>
                           <a:cs typeface="AdobeClean-Light"/>
                         </a:rPr>
-                        <a:t>Online</a:t>
+                        <a:t>オンラインサポート</a:t>
                       </a:r>
-                      <a:r>
-                        <a:rPr sz="900" spc="0">
-                          <a:solidFill>
-                            <a:srgbClr val="020302"/>
-                          </a:solidFill>
-                          <a:latin typeface="AdobeClean-Light"/>
-                          <a:cs typeface="AdobeClean-Light"/>
-                        </a:rPr>
-                        <a:t> Support</a:t>
-                      </a:r>
-                      <a:endParaRPr sz="900" spc="0">
-                        <a:latin typeface="AdobeClean-Light"/>
-                        <a:cs typeface="AdobeClean-Light"/>
-                      </a:endParaRPr>
                     </a:p>
                   </a:txBody>
                   <a:tcPr marL="0" marR="0" marT="57150" marB="0">
@@ -4886,37 +4419,22 @@
                         </a:spcBef>
                       </a:pPr>
                       <a:r>
-                        <a:rPr sz="900" spc="-25">
+                        <a:rPr lang="ja-JP" altLang="en-US" sz="900" dirty="0">
                           <a:solidFill>
                             <a:srgbClr val="020302"/>
                           </a:solidFill>
-                          <a:latin typeface="AdobeClean-Light"/>
+                          <a:latin typeface="Adobe Clean Han Light" panose="020B0300000000000000" pitchFamily="34" charset="-128"/>
+                          <a:ea typeface="Adobe Clean Han Light" panose="020B0300000000000000" pitchFamily="34" charset="-128"/>
                           <a:cs typeface="AdobeClean-Light"/>
                         </a:rPr>
-                        <a:t>Business</a:t>
+                        <a:t>営業時間内</a:t>
                       </a:r>
-                      <a:r>
-                        <a:rPr sz="900" spc="-15">
-                          <a:solidFill>
-                            <a:srgbClr val="020302"/>
-                          </a:solidFill>
-                          <a:latin typeface="AdobeClean-Light"/>
-                          <a:cs typeface="AdobeClean-Light"/>
-                        </a:rPr>
-                        <a:t> </a:t>
-                      </a:r>
-                      <a:r>
-                        <a:rPr sz="900" spc="-30">
-                          <a:solidFill>
-                            <a:srgbClr val="020302"/>
-                          </a:solidFill>
-                          <a:latin typeface="AdobeClean-Light"/>
-                          <a:cs typeface="AdobeClean-Light"/>
-                        </a:rPr>
-                        <a:t>hours</a:t>
-                      </a:r>
-                      <a:endParaRPr sz="900">
-                        <a:latin typeface="AdobeClean-Light"/>
+                      <a:endParaRPr lang="ja-JP" sz="900" dirty="0">
+                        <a:solidFill>
+                          <a:srgbClr val="020302"/>
+                        </a:solidFill>
+                        <a:latin typeface="Adobe Clean Han Light" panose="020B0300000000000000" pitchFamily="34" charset="-128"/>
+                        <a:ea typeface="Adobe Clean Han Light" panose="020B0300000000000000" pitchFamily="34" charset="-128"/>
                         <a:cs typeface="AdobeClean-Light"/>
                       </a:endParaRPr>
                     </a:p>
@@ -4957,37 +4475,22 @@
                         </a:spcBef>
                       </a:pPr>
                       <a:r>
-                        <a:rPr sz="900" spc="-25">
+                        <a:rPr lang="ja-JP" altLang="en-US" sz="900" dirty="0">
                           <a:solidFill>
                             <a:srgbClr val="020302"/>
                           </a:solidFill>
-                          <a:latin typeface="AdobeClean-Light"/>
+                          <a:latin typeface="Adobe Clean Han Light" panose="020B0300000000000000" pitchFamily="34" charset="-128"/>
+                          <a:ea typeface="Adobe Clean Han Light" panose="020B0300000000000000" pitchFamily="34" charset="-128"/>
                           <a:cs typeface="AdobeClean-Light"/>
                         </a:rPr>
-                        <a:t>Business</a:t>
+                        <a:t>営業時間内</a:t>
                       </a:r>
-                      <a:r>
-                        <a:rPr sz="900" spc="-15">
-                          <a:solidFill>
-                            <a:srgbClr val="020302"/>
-                          </a:solidFill>
-                          <a:latin typeface="AdobeClean-Light"/>
-                          <a:cs typeface="AdobeClean-Light"/>
-                        </a:rPr>
-                        <a:t> </a:t>
-                      </a:r>
-                      <a:r>
-                        <a:rPr sz="900" spc="-30">
-                          <a:solidFill>
-                            <a:srgbClr val="020302"/>
-                          </a:solidFill>
-                          <a:latin typeface="AdobeClean-Light"/>
-                          <a:cs typeface="AdobeClean-Light"/>
-                        </a:rPr>
-                        <a:t>hours</a:t>
-                      </a:r>
-                      <a:endParaRPr sz="900">
-                        <a:latin typeface="AdobeClean-Light"/>
+                      <a:endParaRPr lang="ja-JP" sz="900" dirty="0">
+                        <a:solidFill>
+                          <a:srgbClr val="020302"/>
+                        </a:solidFill>
+                        <a:latin typeface="Adobe Clean Han Light" panose="020B0300000000000000" pitchFamily="34" charset="-128"/>
+                        <a:ea typeface="Adobe Clean Han Light" panose="020B0300000000000000" pitchFamily="34" charset="-128"/>
                         <a:cs typeface="AdobeClean-Light"/>
                       </a:endParaRPr>
                     </a:p>
@@ -5021,7 +4524,7 @@
                     <a:bodyPr/>
                     <a:lstStyle/>
                     <a:p>
-                      <a:pPr marL="50800">
+                      <a:pPr marL="50800" algn="l" rtl="0">
                         <a:lnSpc>
                           <a:spcPct val="100000"/>
                         </a:lnSpc>
@@ -5070,39 +4573,16 @@
                         </a:spcBef>
                       </a:pPr>
                       <a:r>
-                        <a:rPr sz="900" spc="0">
+                        <a:rPr lang="ja-JP" sz="900" dirty="0">
                           <a:solidFill>
                             <a:srgbClr val="020302"/>
                           </a:solidFill>
-                          <a:latin typeface="AdobeClean-Light"/>
+                          <a:latin typeface="Adobe Clean Han Light" panose="020B0300000000000000" pitchFamily="34" charset="-128"/>
+                          <a:ea typeface="Adobe Clean Han Light" panose="020B0300000000000000" pitchFamily="34" charset="-128"/>
                           <a:cs typeface="AdobeClean-Light"/>
                         </a:rPr>
-                        <a:t>24x7</a:t>
+                        <a:t>24 時間年中無休の P1 の問題のサポート</a:t>
                       </a:r>
-                      <a:r>
-                        <a:rPr lang="en-US" sz="900" spc="0">
-                          <a:solidFill>
-                            <a:srgbClr val="020302"/>
-                          </a:solidFill>
-                          <a:latin typeface="AdobeClean-Light"/>
-                          <a:cs typeface="AdobeClean-Light"/>
-                        </a:rPr>
-                        <a:t>x365</a:t>
-                      </a:r>
-                      <a:r>
-                        <a:rPr sz="900" spc="0">
-                          <a:solidFill>
-                            <a:srgbClr val="020302"/>
-                          </a:solidFill>
-                          <a:latin typeface="AdobeClean-Light"/>
-                          <a:cs typeface="AdobeClean-Light"/>
-                        </a:rPr>
-                        <a:t> P1 Issue Support</a:t>
-                      </a:r>
-                      <a:endParaRPr sz="900" spc="0">
-                        <a:latin typeface="AdobeClean-Light"/>
-                        <a:cs typeface="AdobeClean-Light"/>
-                      </a:endParaRPr>
                     </a:p>
                   </a:txBody>
                   <a:tcPr marL="0" marR="0" marT="57785" marB="0">
@@ -5134,19 +4614,16 @@
                         </a:spcBef>
                       </a:pPr>
                       <a:r>
-                        <a:rPr sz="900">
+                        <a:rPr lang="ja-JP" sz="900">
                           <a:solidFill>
                             <a:srgbClr val="020302"/>
                           </a:solidFill>
                           <a:latin typeface="Wingdings"/>
+                          <a:ea typeface="MS Mincho"/>
                           <a:cs typeface="Wingdings"/>
                         </a:rPr>
                         <a:t></a:t>
                       </a:r>
-                      <a:endParaRPr sz="900">
-                        <a:latin typeface="Wingdings"/>
-                        <a:cs typeface="Wingdings"/>
-                      </a:endParaRPr>
                     </a:p>
                   </a:txBody>
                   <a:tcPr marL="0" marR="0" marT="58419" marB="0">
@@ -5176,19 +4653,16 @@
                         </a:spcBef>
                       </a:pPr>
                       <a:r>
-                        <a:rPr sz="900">
+                        <a:rPr lang="ja-JP" sz="900">
                           <a:solidFill>
                             <a:srgbClr val="020302"/>
                           </a:solidFill>
                           <a:latin typeface="Wingdings"/>
+                          <a:ea typeface="MS Mincho"/>
                           <a:cs typeface="Wingdings"/>
                         </a:rPr>
                         <a:t></a:t>
                       </a:r>
-                      <a:endParaRPr sz="900">
-                        <a:latin typeface="Wingdings"/>
-                        <a:cs typeface="Wingdings"/>
-                      </a:endParaRPr>
                     </a:p>
                   </a:txBody>
                   <a:tcPr marL="0" marR="0" marT="58419" marB="0">
@@ -5211,7 +4685,7 @@
                     <a:bodyPr/>
                     <a:lstStyle/>
                     <a:p>
-                      <a:pPr marL="50800">
+                      <a:pPr marL="50800" algn="l" rtl="0">
                         <a:lnSpc>
                           <a:spcPct val="100000"/>
                         </a:lnSpc>
@@ -5269,19 +4743,16 @@
                         </a:spcBef>
                       </a:pPr>
                       <a:r>
-                        <a:rPr lang="en-US" sz="900" spc="0">
+                        <a:rPr lang="ja-JP" sz="900">
                           <a:solidFill>
                             <a:srgbClr val="020302"/>
                           </a:solidFill>
-                          <a:latin typeface="AdobeClean-Light"/>
+                          <a:latin typeface="Adobe Clean Han Light" panose="020B0300000000000000" pitchFamily="34" charset="-128"/>
+                          <a:ea typeface="Adobe Clean Han Light" panose="020B0300000000000000" pitchFamily="34" charset="-128"/>
                           <a:cs typeface="AdobeClean-Light"/>
                         </a:rPr>
-                        <a:t>Named Support Contacts (per product)</a:t>
+                        <a:t>サポート対象ユーザー（製品単位）</a:t>
                       </a:r>
-                      <a:endParaRPr sz="900" spc="0">
-                        <a:latin typeface="AdobeClean-Light"/>
-                        <a:cs typeface="AdobeClean-Light"/>
-                      </a:endParaRPr>
                     </a:p>
                   </a:txBody>
                   <a:tcPr marL="0" marR="0" marT="57785" marB="0">
@@ -5319,19 +4790,16 @@
                         </a:spcBef>
                       </a:pPr>
                       <a:r>
-                        <a:rPr sz="900">
+                        <a:rPr lang="ja-JP" sz="900" dirty="0">
                           <a:solidFill>
                             <a:srgbClr val="020302"/>
                           </a:solidFill>
-                          <a:latin typeface="AdobeClean-Light"/>
+                          <a:latin typeface="Adobe Clean Han Light" panose="020B0300000000000000" pitchFamily="34" charset="-128"/>
+                          <a:ea typeface="Adobe Clean Han Light" panose="020B0300000000000000" pitchFamily="34" charset="-128"/>
                           <a:cs typeface="AdobeClean-Light"/>
                         </a:rPr>
                         <a:t>4</a:t>
                       </a:r>
-                      <a:endParaRPr sz="900">
-                        <a:latin typeface="AdobeClean-Light"/>
-                        <a:cs typeface="AdobeClean-Light"/>
-                      </a:endParaRPr>
                     </a:p>
                   </a:txBody>
                   <a:tcPr marL="0" marR="0" marT="57785" marB="0">
@@ -5361,19 +4829,16 @@
                         </a:spcBef>
                       </a:pPr>
                       <a:r>
-                        <a:rPr sz="900">
+                        <a:rPr lang="ja-JP" sz="900" dirty="0">
                           <a:solidFill>
                             <a:srgbClr val="020302"/>
                           </a:solidFill>
-                          <a:latin typeface="AdobeClean-Light"/>
+                          <a:latin typeface="Adobe Clean Han Light" panose="020B0300000000000000" pitchFamily="34" charset="-128"/>
+                          <a:ea typeface="Adobe Clean Han Light" panose="020B0300000000000000" pitchFamily="34" charset="-128"/>
                           <a:cs typeface="AdobeClean-Light"/>
                         </a:rPr>
                         <a:t>6</a:t>
                       </a:r>
-                      <a:endParaRPr sz="900">
-                        <a:latin typeface="AdobeClean-Light"/>
-                        <a:cs typeface="AdobeClean-Light"/>
-                      </a:endParaRPr>
                     </a:p>
                   </a:txBody>
                   <a:tcPr marL="0" marR="0" marT="57785" marB="0">
@@ -5396,7 +4861,7 @@
                     <a:bodyPr/>
                     <a:lstStyle/>
                     <a:p>
-                      <a:pPr marL="50800">
+                      <a:pPr marL="50800" algn="l" rtl="0">
                         <a:lnSpc>
                           <a:spcPct val="100000"/>
                         </a:lnSpc>
@@ -5445,19 +4910,16 @@
                         </a:spcBef>
                       </a:pPr>
                       <a:r>
-                        <a:rPr lang="en-US" sz="900" spc="0">
+                        <a:rPr lang="ja-JP" sz="900" dirty="0">
                           <a:solidFill>
                             <a:srgbClr val="020302"/>
                           </a:solidFill>
-                          <a:latin typeface="AdobeClean-Light"/>
+                          <a:latin typeface="Adobe Clean Han Light" panose="020B0300000000000000" pitchFamily="34" charset="-128"/>
+                          <a:ea typeface="Adobe Clean Han Light" panose="020B0300000000000000" pitchFamily="34" charset="-128"/>
                           <a:cs typeface="AdobeClean-Light"/>
                         </a:rPr>
-                        <a:t>Live Telephone Support</a:t>
+                        <a:t>電話サポート（ライブ）</a:t>
                       </a:r>
-                      <a:endParaRPr sz="900" spc="0">
-                        <a:latin typeface="AdobeClean-Light"/>
-                        <a:cs typeface="AdobeClean-Light"/>
-                      </a:endParaRPr>
                     </a:p>
                   </a:txBody>
                   <a:tcPr marL="0" marR="0" marT="57785" marB="0">
@@ -5480,7 +4942,7 @@
                     <a:bodyPr/>
                     <a:lstStyle/>
                     <a:p>
-                      <a:pPr algn="ctr">
+                      <a:pPr algn="l" rtl="0">
                         <a:lnSpc>
                           <a:spcPct val="100000"/>
                         </a:lnSpc>
@@ -5521,19 +4983,16 @@
                         </a:spcBef>
                       </a:pPr>
                       <a:r>
-                        <a:rPr sz="900">
+                        <a:rPr lang="ja-JP" sz="900">
                           <a:solidFill>
                             <a:srgbClr val="020302"/>
                           </a:solidFill>
                           <a:latin typeface="Wingdings"/>
+                          <a:ea typeface="MS Mincho"/>
                           <a:cs typeface="Wingdings"/>
                         </a:rPr>
                         <a:t></a:t>
                       </a:r>
-                      <a:endParaRPr sz="900">
-                        <a:latin typeface="Wingdings"/>
-                        <a:cs typeface="Wingdings"/>
-                      </a:endParaRPr>
                     </a:p>
                   </a:txBody>
                   <a:tcPr marL="0" marR="0" marT="59054" marB="0">
@@ -5556,7 +5015,7 @@
                     <a:bodyPr/>
                     <a:lstStyle/>
                     <a:p>
-                      <a:pPr marL="50800">
+                      <a:pPr marL="50800" algn="l" rtl="0">
                         <a:lnSpc>
                           <a:spcPct val="100000"/>
                         </a:lnSpc>
@@ -5605,19 +5064,16 @@
                         </a:spcBef>
                       </a:pPr>
                       <a:r>
-                        <a:rPr sz="900" spc="0">
+                        <a:rPr lang="ja-JP" sz="900">
                           <a:solidFill>
                             <a:srgbClr val="020302"/>
                           </a:solidFill>
-                          <a:latin typeface="AdobeClean-Light"/>
+                          <a:latin typeface="Adobe Clean Han Light" panose="020B0300000000000000" pitchFamily="34" charset="-128"/>
+                          <a:ea typeface="Adobe Clean Han Light" panose="020B0300000000000000" pitchFamily="34" charset="-128"/>
                           <a:cs typeface="AdobeClean-Light"/>
                         </a:rPr>
-                        <a:t>Escalation Management</a:t>
+                        <a:t>エスカレーション管理</a:t>
                       </a:r>
-                      <a:endParaRPr sz="900" spc="0">
-                        <a:latin typeface="AdobeClean-Light"/>
-                        <a:cs typeface="AdobeClean-Light"/>
-                      </a:endParaRPr>
                     </a:p>
                   </a:txBody>
                   <a:tcPr marL="0" marR="0" marT="58419" marB="0">
@@ -5640,7 +5096,7 @@
                     <a:bodyPr/>
                     <a:lstStyle/>
                     <a:p>
-                      <a:pPr algn="ctr">
+                      <a:pPr algn="l" rtl="0">
                         <a:lnSpc>
                           <a:spcPct val="100000"/>
                         </a:lnSpc>
@@ -5681,19 +5137,16 @@
                         </a:spcBef>
                       </a:pPr>
                       <a:r>
-                        <a:rPr sz="900">
+                        <a:rPr lang="ja-JP" sz="900">
                           <a:solidFill>
                             <a:srgbClr val="020302"/>
                           </a:solidFill>
                           <a:latin typeface="Wingdings"/>
+                          <a:ea typeface="MS Mincho"/>
                           <a:cs typeface="Wingdings"/>
                         </a:rPr>
                         <a:t></a:t>
                       </a:r>
-                      <a:endParaRPr sz="900">
-                        <a:latin typeface="Wingdings"/>
-                        <a:cs typeface="Wingdings"/>
-                      </a:endParaRPr>
                     </a:p>
                   </a:txBody>
                   <a:tcPr marL="0" marR="0" marT="59690" marB="0">
@@ -5716,7 +5169,7 @@
                     <a:bodyPr/>
                     <a:lstStyle/>
                     <a:p>
-                      <a:pPr marL="50800">
+                      <a:pPr marL="50800" algn="l" rtl="0">
                         <a:lnSpc>
                           <a:spcPct val="100000"/>
                         </a:lnSpc>
@@ -5765,29 +5218,16 @@
                         </a:spcBef>
                       </a:pPr>
                       <a:r>
-                        <a:rPr sz="900" spc="0">
+                        <a:rPr lang="ja-JP" sz="900" dirty="0">
                           <a:solidFill>
                             <a:srgbClr val="020302"/>
                           </a:solidFill>
-                          <a:latin typeface="AdobeClean-Light"/>
+                          <a:latin typeface="Adobe Clean Han Light" panose="020B0300000000000000" pitchFamily="34" charset="-128"/>
+                          <a:ea typeface="Adobe Clean Han Light" panose="020B0300000000000000" pitchFamily="34" charset="-128"/>
                           <a:cs typeface="AdobeClean-Light"/>
                         </a:rPr>
-                        <a:t>Service Reviews </a:t>
+                        <a:t>年間のサービスレビュー</a:t>
                       </a:r>
-                      <a:r>
-                        <a:rPr lang="en-US" sz="900" spc="0">
-                          <a:solidFill>
-                            <a:srgbClr val="020302"/>
-                          </a:solidFill>
-                          <a:latin typeface="AdobeClean-Light"/>
-                          <a:cs typeface="AdobeClean-Light"/>
-                        </a:rPr>
-                        <a:t>per Year</a:t>
-                      </a:r>
-                      <a:endParaRPr sz="900" spc="0">
-                        <a:latin typeface="AdobeClean-Light"/>
-                        <a:cs typeface="AdobeClean-Light"/>
-                      </a:endParaRPr>
                     </a:p>
                   </a:txBody>
                   <a:tcPr marL="0" marR="0" marT="57150" marB="0">
@@ -5810,12 +5250,12 @@
                     <a:bodyPr/>
                     <a:lstStyle/>
                     <a:p>
-                      <a:pPr>
+                      <a:pPr algn="l" rtl="0">
                         <a:lnSpc>
                           <a:spcPct val="100000"/>
                         </a:lnSpc>
                       </a:pPr>
-                      <a:endParaRPr sz="900">
+                      <a:endParaRPr sz="900" dirty="0">
                         <a:latin typeface="Times New Roman"/>
                         <a:cs typeface="Times New Roman"/>
                       </a:endParaRPr>
@@ -5839,7 +5279,7 @@
                     <a:bodyPr/>
                     <a:lstStyle/>
                     <a:p>
-                      <a:pPr>
+                      <a:pPr algn="l" rtl="0">
                         <a:lnSpc>
                           <a:spcPct val="100000"/>
                         </a:lnSpc>
@@ -5889,16 +5329,13 @@
                         </a:spcBef>
                       </a:pPr>
                       <a:r>
-                        <a:rPr lang="en-US" sz="900" spc="0">
-                          <a:latin typeface="AdobeClean-Light"/>
+                        <a:rPr lang="ja-JP" sz="900" dirty="0">
+                          <a:latin typeface="Adobe Clean Han Light" panose="020B0300000000000000" pitchFamily="34" charset="-128"/>
+                          <a:ea typeface="Adobe Clean Han Light" panose="020B0300000000000000" pitchFamily="34" charset="-128"/>
                           <a:cs typeface="AdobeClean-Light"/>
                         </a:rPr>
-                        <a:t>Expert Sessions per Year</a:t>
+                        <a:t>年間のエキスパートセッション</a:t>
                       </a:r>
-                      <a:endParaRPr sz="900" spc="0">
-                        <a:latin typeface="AdobeClean-Light"/>
-                        <a:cs typeface="AdobeClean-Light"/>
-                      </a:endParaRPr>
                     </a:p>
                   </a:txBody>
                   <a:tcPr marL="0" marR="0" marT="57150" marB="0">
@@ -5927,7 +5364,7 @@
                     <a:bodyPr/>
                     <a:lstStyle/>
                     <a:p>
-                      <a:pPr>
+                      <a:pPr algn="l" rtl="0">
                         <a:lnSpc>
                           <a:spcPct val="100000"/>
                         </a:lnSpc>
@@ -5956,7 +5393,7 @@
                     <a:bodyPr/>
                     <a:lstStyle/>
                     <a:p>
-                      <a:pPr>
+                      <a:pPr algn="l" rtl="0">
                         <a:lnSpc>
                           <a:spcPct val="100000"/>
                         </a:lnSpc>
@@ -6006,16 +5443,13 @@
                         </a:spcBef>
                       </a:pPr>
                       <a:r>
-                        <a:rPr lang="en-US" sz="900" spc="0">
-                          <a:latin typeface="AdobeClean-Light"/>
+                        <a:rPr lang="ja-JP" sz="900" dirty="0">
+                          <a:latin typeface="Adobe Clean Han Light" panose="020B0300000000000000" pitchFamily="34" charset="-128"/>
+                          <a:ea typeface="Adobe Clean Han Light" panose="020B0300000000000000" pitchFamily="34" charset="-128"/>
                           <a:cs typeface="AdobeClean-Light"/>
                         </a:rPr>
-                        <a:t>Case Reviews</a:t>
+                        <a:t>ケースレビュー</a:t>
                       </a:r>
-                      <a:endParaRPr sz="900" spc="0">
-                        <a:latin typeface="AdobeClean-Light"/>
-                        <a:cs typeface="AdobeClean-Light"/>
-                      </a:endParaRPr>
                     </a:p>
                   </a:txBody>
                   <a:tcPr marL="0" marR="0" marT="57150" marB="0">
@@ -6044,7 +5478,7 @@
                     <a:bodyPr/>
                     <a:lstStyle/>
                     <a:p>
-                      <a:pPr>
+                      <a:pPr algn="l" rtl="0">
                         <a:lnSpc>
                           <a:spcPct val="100000"/>
                         </a:lnSpc>
@@ -6073,7 +5507,7 @@
                     <a:bodyPr/>
                     <a:lstStyle/>
                     <a:p>
-                      <a:pPr>
+                      <a:pPr algn="l" rtl="0">
                         <a:lnSpc>
                           <a:spcPct val="100000"/>
                         </a:lnSpc>
@@ -6104,7 +5538,7 @@
                     <a:bodyPr/>
                     <a:lstStyle/>
                     <a:p>
-                      <a:pPr marL="48895">
+                      <a:pPr marL="48895" algn="l" rtl="0">
                         <a:lnSpc>
                           <a:spcPct val="100000"/>
                         </a:lnSpc>
@@ -6162,29 +5596,16 @@
                         </a:spcBef>
                       </a:pPr>
                       <a:r>
-                        <a:rPr sz="900" spc="0">
+                        <a:rPr lang="ja-JP" sz="900" dirty="0">
                           <a:solidFill>
                             <a:srgbClr val="020302"/>
                           </a:solidFill>
-                          <a:latin typeface="AdobeClean-Light"/>
+                          <a:latin typeface="Adobe Clean Han Light" panose="020B0300000000000000" pitchFamily="34" charset="-128"/>
+                          <a:ea typeface="Adobe Clean Han Light" panose="020B0300000000000000" pitchFamily="34" charset="-128"/>
                           <a:cs typeface="AdobeClean-Light"/>
                         </a:rPr>
-                        <a:t>Event </a:t>
+                        <a:t>イベント管理</a:t>
                       </a:r>
-                      <a:r>
-                        <a:rPr lang="en-US" sz="900" spc="0">
-                          <a:solidFill>
-                            <a:srgbClr val="020302"/>
-                          </a:solidFill>
-                          <a:latin typeface="AdobeClean-Light"/>
-                          <a:cs typeface="AdobeClean-Light"/>
-                        </a:rPr>
-                        <a:t>Management</a:t>
-                      </a:r>
-                      <a:endParaRPr sz="900" spc="0">
-                        <a:latin typeface="AdobeClean-Light"/>
-                        <a:cs typeface="AdobeClean-Light"/>
-                      </a:endParaRPr>
                     </a:p>
                   </a:txBody>
                   <a:tcPr marL="0" marR="0" marT="58419" marB="0">
@@ -6213,7 +5634,7 @@
                     <a:bodyPr/>
                     <a:lstStyle/>
                     <a:p>
-                      <a:pPr>
+                      <a:pPr algn="l" rtl="0">
                         <a:lnSpc>
                           <a:spcPct val="100000"/>
                         </a:lnSpc>
@@ -6242,7 +5663,7 @@
                     <a:bodyPr/>
                     <a:lstStyle/>
                     <a:p>
-                      <a:pPr>
+                      <a:pPr algn="l" rtl="0">
                         <a:lnSpc>
                           <a:spcPct val="100000"/>
                         </a:lnSpc>
@@ -6273,7 +5694,7 @@
                     <a:bodyPr/>
                     <a:lstStyle/>
                     <a:p>
-                      <a:pPr marL="48895">
+                      <a:pPr marL="48895" algn="l" rtl="0">
                         <a:lnSpc>
                           <a:spcPct val="100000"/>
                         </a:lnSpc>
@@ -6322,39 +5743,16 @@
                         </a:spcBef>
                       </a:pPr>
                       <a:r>
-                        <a:rPr sz="900" spc="0">
+                        <a:rPr lang="ja-JP" sz="900" dirty="0">
                           <a:solidFill>
                             <a:srgbClr val="020302"/>
                           </a:solidFill>
-                          <a:latin typeface="AdobeClean-Light"/>
+                          <a:latin typeface="Adobe Clean Han Light" panose="020B0300000000000000" pitchFamily="34" charset="-128"/>
+                          <a:ea typeface="Adobe Clean Han Light" panose="020B0300000000000000" pitchFamily="34" charset="-128"/>
                           <a:cs typeface="AdobeClean-Light"/>
                         </a:rPr>
-                        <a:t>Environment</a:t>
+                        <a:t>環境レビュー、メンテナンスと監視</a:t>
                       </a:r>
-                      <a:r>
-                        <a:rPr lang="en-US" sz="900" spc="0">
-                          <a:solidFill>
-                            <a:srgbClr val="020302"/>
-                          </a:solidFill>
-                          <a:latin typeface="AdobeClean-Light"/>
-                          <a:cs typeface="AdobeClean-Light"/>
-                        </a:rPr>
-                        <a:t> </a:t>
-                      </a:r>
-                      <a:r>
-                        <a:rPr sz="900" spc="0">
-                          <a:solidFill>
-                            <a:srgbClr val="020302"/>
-                          </a:solidFill>
-                          <a:latin typeface="AdobeClean-Light"/>
-                          <a:cs typeface="AdobeClean-Light"/>
-                        </a:rPr>
-                        <a:t>Review, Maintenance &amp; Monitoring</a:t>
-                      </a:r>
-                      <a:endParaRPr sz="900" spc="0">
-                        <a:latin typeface="AdobeClean-Light"/>
-                        <a:cs typeface="AdobeClean-Light"/>
-                      </a:endParaRPr>
                     </a:p>
                   </a:txBody>
                   <a:tcPr marL="0" marR="0" marT="59055" marB="0">
@@ -6377,7 +5775,7 @@
                     <a:bodyPr/>
                     <a:lstStyle/>
                     <a:p>
-                      <a:pPr>
+                      <a:pPr algn="l" rtl="0">
                         <a:lnSpc>
                           <a:spcPct val="100000"/>
                         </a:lnSpc>
@@ -6406,7 +5804,7 @@
                     <a:bodyPr/>
                     <a:lstStyle/>
                     <a:p>
-                      <a:pPr>
+                      <a:pPr algn="l" rtl="0">
                         <a:lnSpc>
                           <a:spcPct val="100000"/>
                         </a:lnSpc>
@@ -6437,7 +5835,7 @@
                     <a:bodyPr/>
                     <a:lstStyle/>
                     <a:p>
-                      <a:pPr marL="49530">
+                      <a:pPr marL="49530" algn="l" rtl="0">
                         <a:lnSpc>
                           <a:spcPct val="100000"/>
                         </a:lnSpc>
@@ -6486,19 +5884,16 @@
                         </a:spcBef>
                       </a:pPr>
                       <a:r>
-                        <a:rPr sz="900" spc="0">
+                        <a:rPr lang="ja-JP" sz="900" dirty="0">
                           <a:solidFill>
                             <a:srgbClr val="020302"/>
                           </a:solidFill>
-                          <a:latin typeface="AdobeClean-Light"/>
+                          <a:latin typeface="Adobe Clean Han Light" panose="020B0300000000000000" pitchFamily="34" charset="-128"/>
+                          <a:ea typeface="Adobe Clean Han Light" panose="020B0300000000000000" pitchFamily="34" charset="-128"/>
                           <a:cs typeface="AdobeClean-Light"/>
                         </a:rPr>
-                        <a:t>Release, Migration, Upgrade &amp; Product Roadmap Review</a:t>
+                        <a:t>リリース、移行、アップグレード、製品ロードマップのレビュー</a:t>
                       </a:r>
-                      <a:endParaRPr sz="900" spc="0">
-                        <a:latin typeface="AdobeClean-Light"/>
-                        <a:cs typeface="AdobeClean-Light"/>
-                      </a:endParaRPr>
                     </a:p>
                   </a:txBody>
                   <a:tcPr marL="0" marR="0" marT="63500" marB="0">
@@ -6521,7 +5916,7 @@
                     <a:bodyPr/>
                     <a:lstStyle/>
                     <a:p>
-                      <a:pPr>
+                      <a:pPr algn="l" rtl="0">
                         <a:lnSpc>
                           <a:spcPct val="100000"/>
                         </a:lnSpc>
@@ -6550,7 +5945,7 @@
                     <a:bodyPr/>
                     <a:lstStyle/>
                     <a:p>
-                      <a:pPr>
+                      <a:pPr algn="l" rtl="0">
                         <a:lnSpc>
                           <a:spcPct val="100000"/>
                         </a:lnSpc>
@@ -6581,7 +5976,7 @@
                     <a:bodyPr/>
                     <a:lstStyle/>
                     <a:p>
-                      <a:pPr marL="49530">
+                      <a:pPr marL="49530" algn="l" rtl="0">
                         <a:lnSpc>
                           <a:spcPct val="100000"/>
                         </a:lnSpc>
@@ -6639,11 +6034,12 @@
                         </a:spcBef>
                       </a:pPr>
                       <a:r>
-                        <a:rPr sz="900" spc="0">
-                          <a:latin typeface="AdobeClean-Light"/>
+                        <a:rPr lang="ja-JP" sz="900" dirty="0">
+                          <a:latin typeface="Adobe Clean Han Light" panose="020B0300000000000000" pitchFamily="34" charset="-128"/>
+                          <a:ea typeface="Adobe Clean Han Light" panose="020B0300000000000000" pitchFamily="34" charset="-128"/>
                           <a:cs typeface="AdobeClean-Light"/>
                         </a:rPr>
-                        <a:t>Cloud Support Activities – Experience Manager as Cloud</a:t>
+                        <a:t>クラウドサポートアクティビティ – Experience Manager as Cloud</a:t>
                       </a:r>
                     </a:p>
                   </a:txBody>
@@ -6673,7 +6069,7 @@
                     <a:bodyPr/>
                     <a:lstStyle/>
                     <a:p>
-                      <a:pPr>
+                      <a:pPr algn="l" rtl="0">
                         <a:lnSpc>
                           <a:spcPct val="100000"/>
                         </a:lnSpc>
@@ -6711,7 +6107,7 @@
                     <a:bodyPr/>
                     <a:lstStyle/>
                     <a:p>
-                      <a:pPr>
+                      <a:pPr algn="l" rtl="0">
                         <a:lnSpc>
                           <a:spcPct val="100000"/>
                         </a:lnSpc>
@@ -6760,22 +6156,16 @@
                         </a:spcBef>
                       </a:pPr>
                       <a:r>
-                        <a:rPr lang="en-US" sz="1000" b="1" i="0" spc="0">
+                        <a:rPr lang="ja-JP" sz="1000" b="1" i="0" dirty="0">
                           <a:solidFill>
                             <a:schemeClr val="bg1"/>
                           </a:solidFill>
-                          <a:latin typeface="Adobe Clean" panose="020B0503020404020204" pitchFamily="34" charset="0"/>
+                          <a:latin typeface="Adobe Clean Han Regular" panose="020B0500000000000000" pitchFamily="34" charset="-128"/>
+                          <a:ea typeface="Adobe Clean Han Regular" panose="020B0500000000000000" pitchFamily="34" charset="-128"/>
                           <a:cs typeface="AdobeClean-Light"/>
                         </a:rPr>
-                        <a:t>Field Services</a:t>
+                        <a:t>フィールドサービス</a:t>
                       </a:r>
-                      <a:endParaRPr sz="1000" b="1" i="0" spc="0">
-                        <a:solidFill>
-                          <a:schemeClr val="bg1"/>
-                        </a:solidFill>
-                        <a:latin typeface="Adobe Clean" panose="020B0503020404020204" pitchFamily="34" charset="0"/>
-                        <a:cs typeface="AdobeClean-Light"/>
-                      </a:endParaRPr>
                     </a:p>
                   </a:txBody>
                   <a:tcPr marL="0" marR="0" marT="48260" marB="0" anchor="ctr">
@@ -6828,19 +6218,16 @@
                         </a:spcBef>
                       </a:pPr>
                       <a:r>
-                        <a:rPr sz="900" spc="0">
+                        <a:rPr lang="ja-JP" sz="900" dirty="0">
                           <a:solidFill>
                             <a:srgbClr val="020302"/>
                           </a:solidFill>
-                          <a:latin typeface="AdobeClean-Light"/>
+                          <a:latin typeface="Adobe Clean Han Light" panose="020B0300000000000000" pitchFamily="34" charset="-128"/>
+                          <a:ea typeface="Adobe Clean Han Light" panose="020B0300000000000000" pitchFamily="34" charset="-128"/>
                           <a:cs typeface="AdobeClean-Light"/>
                         </a:rPr>
-                        <a:t>Launch Advisory Services – First Year of new solution</a:t>
+                        <a:t>Launch Advisory サービス – 製品導入の初年度</a:t>
                       </a:r>
-                      <a:endParaRPr sz="900" spc="0">
-                        <a:latin typeface="AdobeClean-Light"/>
-                        <a:cs typeface="AdobeClean-Light"/>
-                      </a:endParaRPr>
                     </a:p>
                     <a:p>
                       <a:pPr marL="48260" hangingPunct="0">
@@ -6852,11 +6239,12 @@
                         </a:spcBef>
                       </a:pPr>
                       <a:r>
-                        <a:rPr sz="900" spc="0">
-                          <a:latin typeface="AdobeClean-Light"/>
+                        <a:rPr lang="ja-JP" sz="900" dirty="0">
+                          <a:latin typeface="Adobe Clean Han Light" panose="020B0300000000000000" pitchFamily="34" charset="-128"/>
+                          <a:ea typeface="Adobe Clean Han Light" panose="020B0300000000000000" pitchFamily="34" charset="-128"/>
                           <a:cs typeface="AdobeClean-Light"/>
                         </a:rPr>
-                        <a:t>Field Service Activities </a:t>
+                        <a:t>フィールドサービスアクティビティ </a:t>
                       </a:r>
                     </a:p>
                   </a:txBody>
@@ -6892,7 +6280,7 @@
                     <a:bodyPr/>
                     <a:lstStyle/>
                     <a:p>
-                      <a:pPr>
+                      <a:pPr algn="l" rtl="0">
                         <a:lnSpc>
                           <a:spcPct val="100000"/>
                         </a:lnSpc>
@@ -6930,7 +6318,7 @@
                     <a:bodyPr/>
                     <a:lstStyle/>
                     <a:p>
-                      <a:pPr>
+                      <a:pPr algn="l" rtl="0">
                         <a:lnSpc>
                           <a:spcPct val="100000"/>
                         </a:lnSpc>
@@ -7015,7 +6403,7 @@
                     <a:bodyPr/>
                     <a:lstStyle/>
                     <a:p>
-                      <a:pPr>
+                      <a:pPr algn="l" rtl="0">
                         <a:lnSpc>
                           <a:spcPct val="100000"/>
                         </a:lnSpc>
@@ -7041,12 +6429,12 @@
                     <a:bodyPr/>
                     <a:lstStyle/>
                     <a:p>
-                      <a:pPr>
+                      <a:pPr algn="l" rtl="0">
                         <a:lnSpc>
                           <a:spcPct val="100000"/>
                         </a:lnSpc>
                       </a:pPr>
-                      <a:endParaRPr sz="900">
+                      <a:endParaRPr sz="900" dirty="0">
                         <a:latin typeface="Times New Roman"/>
                         <a:cs typeface="Times New Roman"/>
                       </a:endParaRPr>
@@ -7105,7 +6493,7 @@
           <a:lstStyle/>
           <a:p>
             <a:r>
-              <a:rPr lang="en-US" sz="700" i="1">
+              <a:rPr lang="ja-JP" sz="700" i="1">
                 <a:solidFill>
                   <a:schemeClr val="bg1"/>
                 </a:solidFill>
@@ -7148,10 +6536,10 @@
         </p:nvGrpSpPr>
         <p:grpSpPr>
           <a:xfrm rot="5400000">
-            <a:off x="1339850" y="-1393467"/>
-            <a:ext cx="5198897" cy="7971002"/>
-            <a:chOff x="180403" y="415099"/>
-            <a:chExt cx="3479165" cy="7679055"/>
+            <a:off x="1380879" y="-1392301"/>
+            <a:ext cx="5142152" cy="7931849"/>
+            <a:chOff x="187070" y="421767"/>
+            <a:chExt cx="3441191" cy="7641336"/>
           </a:xfrm>
         </p:grpSpPr>
         <p:sp>
@@ -7162,7 +6550,7 @@
           </p:nvSpPr>
           <p:spPr>
             <a:xfrm>
-              <a:off x="3628262" y="576453"/>
+              <a:off x="3628261" y="576453"/>
               <a:ext cx="0" cy="7486650"/>
             </a:xfrm>
             <a:custGeom>
@@ -7287,7 +6675,7 @@
         <p:spPr>
           <a:xfrm>
             <a:off x="370040" y="1409311"/>
-            <a:ext cx="2286000" cy="1289969"/>
+            <a:ext cx="2286000" cy="1639167"/>
           </a:xfrm>
           <a:prstGeom prst="rect">
             <a:avLst/>
@@ -7308,18 +6696,15 @@
               </a:spcBef>
             </a:pPr>
             <a:r>
-              <a:rPr lang="en-US" sz="1000">
+              <a:rPr lang="ja-JP" sz="1000" dirty="0">
                 <a:solidFill>
                   <a:srgbClr val="000000"/>
                 </a:solidFill>
-                <a:latin typeface="Adobe Clean Light" panose="020B0303020404020204" pitchFamily="34" charset="0"/>
+                <a:latin typeface="Adobe Clean Han Light" panose="020B0300000000000000" pitchFamily="34" charset="-128"/>
+                <a:ea typeface="Adobe Clean Han Light" panose="020B0300000000000000" pitchFamily="34" charset="-128"/>
               </a:rPr>
-              <a:t>A designated Account Support Lead to proactively monitor cases, drive cross-team collaboration, deliver onboarding webinars, run service reports, provide non-technical support assistance, and function as your escalation point and internal advocate within Adobe Support.</a:t>
+              <a:t>専任アカウントサポートリードは、プロアクティブにケースを監視し、チーム間のコラボレーションを促進します。また、オンボーディングウェビナーの提供や、サービスレポートの実行、技術面以外でのサポートを行います。お客様のエスカレーションポイントおよびアドビサポートの社内担当としての役割を果たします。</a:t>
             </a:r>
-            <a:endParaRPr lang="en-US" sz="1000">
-              <a:latin typeface="Adobe Clean Light" panose="020B0303020404020204" pitchFamily="34" charset="0"/>
-              <a:cs typeface="AdobeClean-Light"/>
-            </a:endParaRPr>
           </a:p>
         </p:txBody>
       </p:sp>
@@ -7331,8 +6716,8 @@
         </p:nvSpPr>
         <p:spPr>
           <a:xfrm>
-            <a:off x="2836967" y="8618616"/>
-            <a:ext cx="2286000" cy="641201"/>
+            <a:off x="2836966" y="8504316"/>
+            <a:ext cx="2314153" cy="1084912"/>
           </a:xfrm>
           <a:prstGeom prst="rect">
             <a:avLst/>
@@ -7356,44 +6741,15 @@
               </a:tabLst>
             </a:pPr>
             <a:r>
-              <a:rPr sz="1000">
+              <a:rPr lang="ja-JP" sz="1000" dirty="0">
                 <a:solidFill>
                   <a:srgbClr val="020302"/>
                 </a:solidFill>
-                <a:latin typeface="AdobeClean-Light"/>
+                <a:latin typeface="Adobe Clean Han Light" panose="020B0300000000000000" pitchFamily="34" charset="-128"/>
+                <a:ea typeface="Adobe Clean Han Light" panose="020B0300000000000000" pitchFamily="34" charset="-128"/>
                 <a:cs typeface="AdobeClean-Light"/>
               </a:rPr>
-              <a:t>Start a chat session to get answers</a:t>
-            </a:r>
-            <a:r>
-              <a:rPr lang="en-US" sz="1000">
-                <a:solidFill>
-                  <a:srgbClr val="020302"/>
-                </a:solidFill>
-                <a:latin typeface="AdobeClean-Light"/>
-                <a:cs typeface="AdobeClean-Light"/>
-              </a:rPr>
-              <a:t> &amp; </a:t>
-            </a:r>
-            <a:r>
-              <a:rPr sz="1000">
-                <a:solidFill>
-                  <a:srgbClr val="020302"/>
-                </a:solidFill>
-                <a:latin typeface="AdobeClean-Light"/>
-                <a:cs typeface="AdobeClean-Light"/>
-              </a:rPr>
-              <a:t>help with case submission</a:t>
-            </a:r>
-            <a:r>
-              <a:rPr lang="en-US" sz="1000">
-                <a:solidFill>
-                  <a:srgbClr val="020302"/>
-                </a:solidFill>
-                <a:latin typeface="AdobeClean-Light"/>
-                <a:cs typeface="AdobeClean-Light"/>
-              </a:rPr>
-              <a:t>.</a:t>
+              <a:t>チャットセッションを開始すると、回答やケース申請による支援を受けることができます。</a:t>
             </a:r>
           </a:p>
           <a:p>
@@ -7406,39 +6762,67 @@
               </a:tabLst>
             </a:pPr>
             <a:r>
-              <a:rPr sz="1000" i="1">
+              <a:rPr lang="ja-JP" sz="1000" i="1" dirty="0">
                 <a:solidFill>
                   <a:srgbClr val="7A7A7A"/>
                 </a:solidFill>
-                <a:latin typeface="AdobeClean-LightIt"/>
+                <a:latin typeface="Adobe Clean Han Light" panose="020B0300000000000000" pitchFamily="34" charset="-128"/>
+                <a:ea typeface="Adobe Clean Han Light" panose="020B0300000000000000" pitchFamily="34" charset="-128"/>
                 <a:cs typeface="AdobeClean-LightIt"/>
               </a:rPr>
-              <a:t>*Not all products have live chat support</a:t>
+              <a:t>* すべての製品にライブチャットサポートがあるわけではありません</a:t>
             </a:r>
             <a:r>
-              <a:rPr sz="900" i="1">
+              <a:rPr lang="ja-JP" sz="900" i="1" dirty="0">
                 <a:solidFill>
                   <a:srgbClr val="7A7A7A"/>
                 </a:solidFill>
-                <a:latin typeface="AdobeClean-LightIt"/>
+                <a:latin typeface="Adobe Clean Han Light" panose="020B0300000000000000" pitchFamily="34" charset="-128"/>
+                <a:ea typeface="Adobe Clean Han Light" panose="020B0300000000000000" pitchFamily="34" charset="-128"/>
                 <a:cs typeface="AdobeClean-LightIt"/>
               </a:rPr>
-              <a:t>.</a:t>
+              <a:t>。</a:t>
             </a:r>
+            <a:endParaRPr lang="en-US" altLang="ja-JP" sz="900" i="1" dirty="0">
+              <a:solidFill>
+                <a:srgbClr val="7A7A7A"/>
+              </a:solidFill>
+              <a:latin typeface="Adobe Clean Han Light" panose="020B0300000000000000" pitchFamily="34" charset="-128"/>
+              <a:ea typeface="Adobe Clean Han Light" panose="020B0300000000000000" pitchFamily="34" charset="-128"/>
+              <a:cs typeface="AdobeClean-LightIt"/>
+            </a:endParaRPr>
+          </a:p>
+          <a:p>
+            <a:pPr marL="33020" marR="159385">
+              <a:spcBef>
+                <a:spcPts val="100"/>
+              </a:spcBef>
+              <a:tabLst>
+                <a:tab pos="1786889" algn="l"/>
+              </a:tabLst>
+            </a:pPr>
             <a:r>
-              <a:rPr lang="en-US" sz="900" i="1">
+              <a:rPr lang="ja-JP" altLang="en-US" sz="900" i="1" dirty="0">
                 <a:solidFill>
                   <a:srgbClr val="7A7A7A"/>
                 </a:solidFill>
-                <a:latin typeface="AdobeClean-LightIt"/>
+                <a:latin typeface="Adobe Clean Han Light" panose="020B0300000000000000" pitchFamily="34" charset="-128"/>
+                <a:ea typeface="Adobe Clean Han Light" panose="020B0300000000000000" pitchFamily="34" charset="-128"/>
+                <a:cs typeface="AdobeClean-LightIt"/>
+              </a:rPr>
+              <a:t>* チャットサポートは日本語に対応していません。</a:t>
+            </a:r>
+            <a:r>
+              <a:rPr lang="ja-JP" sz="900" i="1" dirty="0">
+                <a:solidFill>
+                  <a:srgbClr val="7A7A7A"/>
+                </a:solidFill>
+                <a:latin typeface="Adobe Clean Han Light" panose="020B0300000000000000" pitchFamily="34" charset="-128"/>
+                <a:ea typeface="Adobe Clean Han Light" panose="020B0300000000000000" pitchFamily="34" charset="-128"/>
                 <a:cs typeface="AdobeClean-LightIt"/>
               </a:rPr>
               <a:t>  </a:t>
             </a:r>
-            <a:endParaRPr sz="900">
-              <a:latin typeface="AdobeClean-Light"/>
-              <a:cs typeface="AdobeClean-Light"/>
-            </a:endParaRPr>
           </a:p>
         </p:txBody>
       </p:sp>
@@ -7487,8 +6871,8 @@
         </p:nvSpPr>
         <p:spPr>
           <a:xfrm>
-            <a:off x="838200" y="6046398"/>
-            <a:ext cx="1568246" cy="184666"/>
+            <a:off x="838200" y="5813028"/>
+            <a:ext cx="1842852" cy="184666"/>
           </a:xfrm>
           <a:prstGeom prst="rect">
             <a:avLst/>
@@ -7514,12 +6898,14 @@
               <a:defRPr/>
             </a:pPr>
             <a:r>
-              <a:rPr lang="en-US" sz="1200">
+              <a:rPr lang="ja-JP" sz="1200" dirty="0">
                 <a:solidFill>
                   <a:srgbClr val="000000"/>
                 </a:solidFill>
+                <a:latin typeface="Adobe Clean Han Light" panose="020B0300000000000000" pitchFamily="34" charset="-128"/>
+                <a:ea typeface="Adobe Clean Han Light" panose="020B0300000000000000" pitchFamily="34" charset="-128"/>
               </a:rPr>
-              <a:t>Community Forums</a:t>
+              <a:t>コミュニティフォーラム</a:t>
             </a:r>
           </a:p>
         </p:txBody>
@@ -7540,8 +6926,8 @@
         </p:nvSpPr>
         <p:spPr>
           <a:xfrm>
-            <a:off x="838200" y="6277305"/>
-            <a:ext cx="959314" cy="184666"/>
+            <a:off x="838199" y="6043935"/>
+            <a:ext cx="1732085" cy="184666"/>
           </a:xfrm>
           <a:prstGeom prst="rect">
             <a:avLst/>
@@ -7562,12 +6948,12 @@
               </a:spcAft>
             </a:pPr>
             <a:r>
-              <a:rPr lang="en-US" sz="1200" b="1">
-                <a:latin typeface="+mj-lt"/>
-                <a:ea typeface="Open Sans" pitchFamily="34" charset="0"/>
+              <a:rPr lang="ja-JP" sz="1200" b="1" dirty="0">
+                <a:latin typeface="Adobe Clean Han Regular" panose="020B0500000000000000" pitchFamily="34" charset="-128"/>
+                <a:ea typeface="Adobe Clean Han Regular" panose="020B0500000000000000" pitchFamily="34" charset="-128"/>
                 <a:cs typeface="Open Sans" pitchFamily="34" charset="0"/>
               </a:rPr>
-              <a:t>Online Forums</a:t>
+              <a:t>オンラインフォーラム</a:t>
             </a:r>
           </a:p>
         </p:txBody>
@@ -7586,8 +6972,8 @@
         </p:nvSpPr>
         <p:spPr>
           <a:xfrm>
-            <a:off x="370040" y="6529249"/>
-            <a:ext cx="2286000" cy="805349"/>
+            <a:off x="370040" y="6295879"/>
+            <a:ext cx="2286000" cy="959237"/>
           </a:xfrm>
           <a:prstGeom prst="rect">
             <a:avLst/>
@@ -7600,13 +6986,14 @@
           <a:lstStyle/>
           <a:p>
             <a:r>
-              <a:rPr lang="en-US" sz="1000">
+              <a:rPr lang="ja-JP" sz="1000" dirty="0">
                 <a:solidFill>
                   <a:srgbClr val="000000"/>
                 </a:solidFill>
-                <a:latin typeface="Adobe Clean Light" panose="020B0303020404020204" pitchFamily="34" charset="0"/>
+                <a:latin typeface="Adobe Clean Han Light" panose="020B0300000000000000" pitchFamily="34" charset="-128"/>
+                <a:ea typeface="Adobe Clean Han Light" panose="020B0300000000000000" pitchFamily="34" charset="-128"/>
               </a:rPr>
-              <a:t>Continuous online access to a growing database of technical solutions, product documentation, FAQs and more. Thousands of customers can connect to share best practices and lessons learned.</a:t>
+              <a:t>テクニカルソリューション、製品ドキュメント、FAQ などの増大するデータベースにオンラインで継続的にアクセスできます。何千人ものお客様同士が繋がり、ベストプラクティスや学習した内容を共有できます。</a:t>
             </a:r>
           </a:p>
         </p:txBody>
@@ -7627,8 +7014,8 @@
         </p:nvSpPr>
         <p:spPr>
           <a:xfrm>
-            <a:off x="5851290" y="6277305"/>
-            <a:ext cx="1316707" cy="184666"/>
+            <a:off x="5851290" y="6043935"/>
+            <a:ext cx="1745671" cy="184666"/>
           </a:xfrm>
           <a:prstGeom prst="rect">
             <a:avLst/>
@@ -7649,12 +7036,12 @@
               </a:spcAft>
             </a:pPr>
             <a:r>
-              <a:rPr lang="en-US" sz="1200" b="1">
-                <a:latin typeface="+mj-lt"/>
-                <a:ea typeface="Open Sans" pitchFamily="34" charset="0"/>
+              <a:rPr lang="ja-JP" sz="1200" b="1" spc="-20" dirty="0">
+                <a:latin typeface="Adobe Clean Han Regular" panose="020B0500000000000000" pitchFamily="34" charset="-128"/>
+                <a:ea typeface="Adobe Clean Han Regular" panose="020B0500000000000000" pitchFamily="34" charset="-128"/>
                 <a:cs typeface="Open Sans" pitchFamily="34" charset="0"/>
               </a:rPr>
-              <a:t>Self-guided Journeys</a:t>
+              <a:t>セルフガイドジャーニー</a:t>
             </a:r>
           </a:p>
         </p:txBody>
@@ -7673,8 +7060,8 @@
         </p:nvSpPr>
         <p:spPr>
           <a:xfrm>
-            <a:off x="5376301" y="6529249"/>
-            <a:ext cx="2286000" cy="959237"/>
+            <a:off x="5376301" y="6295879"/>
+            <a:ext cx="2247509" cy="1267014"/>
           </a:xfrm>
           <a:prstGeom prst="rect">
             <a:avLst/>
@@ -7687,13 +7074,14 @@
           <a:lstStyle/>
           <a:p>
             <a:r>
-              <a:rPr lang="en-US" sz="1000">
+              <a:rPr lang="ja-JP" sz="1000" spc="-20" dirty="0">
                 <a:solidFill>
                   <a:srgbClr val="000000"/>
                 </a:solidFill>
-                <a:latin typeface="Adobe Clean Light" panose="020B0303020404020204" pitchFamily="34" charset="0"/>
+                <a:latin typeface="Adobe Clean Han Light" panose="020B0300000000000000" pitchFamily="34" charset="-128"/>
+                <a:ea typeface="Adobe Clean Han Light" panose="020B0300000000000000" pitchFamily="34" charset="-128"/>
               </a:rPr>
-              <a:t>Experience Makers are made with Experience League. Customers can kickstart their Customer Experience Management abilities with personalized learning to develop skills, engage with a global community of peers, and earn career advancing recognition.</a:t>
+              <a:t>エクスペリエンスメーカーは、Experience League から誕生します。Experience League に参加すると、パーソナライズされた学習で、顧客体験管理能力を強化することができます。スキルの向上や、グローバルコミュニティでの仲間との交流のほか、キャリアアップに役立つ評価の獲得も可能です。</a:t>
             </a:r>
           </a:p>
         </p:txBody>
@@ -7714,7 +7102,7 @@
         </p:nvSpPr>
         <p:spPr>
           <a:xfrm>
-            <a:off x="3215895" y="8150141"/>
+            <a:off x="3215895" y="8035841"/>
             <a:ext cx="2520000" cy="184666"/>
           </a:xfrm>
           <a:prstGeom prst="rect">
@@ -7741,12 +7129,14 @@
               <a:defRPr/>
             </a:pPr>
             <a:r>
-              <a:rPr lang="en-US" sz="1200">
+              <a:rPr lang="ja-JP" sz="1200" dirty="0">
                 <a:solidFill>
                   <a:srgbClr val="000000"/>
                 </a:solidFill>
+                <a:latin typeface="Adobe Clean Han Light" panose="020B0300000000000000" pitchFamily="34" charset="-128"/>
+                <a:ea typeface="Adobe Clean Han Light" panose="020B0300000000000000" pitchFamily="34" charset="-128"/>
               </a:rPr>
-              <a:t>Live Chat  Support*</a:t>
+              <a:t>ライブチャットサポート*</a:t>
             </a:r>
           </a:p>
         </p:txBody>
@@ -7767,8 +7157,8 @@
         </p:nvSpPr>
         <p:spPr>
           <a:xfrm>
-            <a:off x="3198434" y="8373543"/>
-            <a:ext cx="840166" cy="184666"/>
+            <a:off x="3198434" y="8259243"/>
+            <a:ext cx="1269578" cy="184666"/>
           </a:xfrm>
           <a:prstGeom prst="rect">
             <a:avLst/>
@@ -7789,12 +7179,12 @@
               </a:spcAft>
             </a:pPr>
             <a:r>
-              <a:rPr lang="en-US" sz="1200" b="1">
-                <a:latin typeface="+mj-lt"/>
-                <a:ea typeface="Open Sans" pitchFamily="34" charset="0"/>
+              <a:rPr lang="ja-JP" sz="1200" b="1">
+                <a:latin typeface="Adobe Clean Han Regular" panose="020B0500000000000000" pitchFamily="34" charset="-128"/>
+                <a:ea typeface="Adobe Clean Han Regular" panose="020B0500000000000000" pitchFamily="34" charset="-128"/>
                 <a:cs typeface="Open Sans" pitchFamily="34" charset="0"/>
               </a:rPr>
-              <a:t>Chat Support</a:t>
+              <a:t>チャットサポート</a:t>
             </a:r>
           </a:p>
         </p:txBody>
@@ -7815,7 +7205,7 @@
         </p:nvSpPr>
         <p:spPr>
           <a:xfrm>
-            <a:off x="3290772" y="6046398"/>
+            <a:off x="3290772" y="5813028"/>
             <a:ext cx="2520000" cy="184666"/>
           </a:xfrm>
           <a:prstGeom prst="rect">
@@ -7842,12 +7232,14 @@
               <a:defRPr/>
             </a:pPr>
             <a:r>
-              <a:rPr lang="en-US" sz="1200">
+              <a:rPr lang="ja-JP" sz="1200" dirty="0">
                 <a:solidFill>
                   <a:srgbClr val="000000"/>
                 </a:solidFill>
+                <a:latin typeface="Adobe Clean Han Light" panose="020B0300000000000000" pitchFamily="34" charset="-128"/>
+                <a:ea typeface="Adobe Clean Han Light" panose="020B0300000000000000" pitchFamily="34" charset="-128"/>
               </a:rPr>
-              <a:t>24X7 P1 </a:t>
+              <a:t>24 時間年中無休 P1 </a:t>
             </a:r>
           </a:p>
         </p:txBody>
@@ -7868,8 +7260,8 @@
         </p:nvSpPr>
         <p:spPr>
           <a:xfrm>
-            <a:off x="3276600" y="6277305"/>
-            <a:ext cx="992259" cy="184666"/>
+            <a:off x="3276600" y="6043935"/>
+            <a:ext cx="952184" cy="184666"/>
           </a:xfrm>
           <a:prstGeom prst="rect">
             <a:avLst/>
@@ -7890,12 +7282,12 @@
               </a:spcAft>
             </a:pPr>
             <a:r>
-              <a:rPr lang="en-US" sz="1200" b="1">
-                <a:latin typeface="+mj-lt"/>
-                <a:ea typeface="Open Sans" pitchFamily="34" charset="0"/>
+              <a:rPr lang="ja-JP" sz="1200" b="1" dirty="0">
+                <a:latin typeface="Adobe Clean Han Regular" panose="020B0500000000000000" pitchFamily="34" charset="-128"/>
+                <a:ea typeface="Adobe Clean Han Regular" panose="020B0500000000000000" pitchFamily="34" charset="-128"/>
                 <a:cs typeface="Open Sans" pitchFamily="34" charset="0"/>
               </a:rPr>
-              <a:t>Phone Support</a:t>
+              <a:t>電話サポート</a:t>
             </a:r>
           </a:p>
         </p:txBody>
@@ -7914,8 +7306,8 @@
         </p:nvSpPr>
         <p:spPr>
           <a:xfrm>
-            <a:off x="2836967" y="6529249"/>
-            <a:ext cx="2286000" cy="805349"/>
+            <a:off x="2836967" y="6295879"/>
+            <a:ext cx="2286000" cy="959237"/>
           </a:xfrm>
           <a:prstGeom prst="rect">
             <a:avLst/>
@@ -7928,26 +7320,22 @@
           <a:lstStyle/>
           <a:p>
             <a:r>
-              <a:rPr lang="en-US" sz="1000">
+              <a:rPr lang="ja-JP" sz="1000" dirty="0">
                 <a:solidFill>
                   <a:srgbClr val="020302"/>
                 </a:solidFill>
-                <a:latin typeface="AdobeClean-Light"/>
+                <a:latin typeface="Adobe Clean Han Light" panose="020B0300000000000000" pitchFamily="34" charset="-128"/>
+                <a:ea typeface="Adobe Clean Han Light" panose="020B0300000000000000" pitchFamily="34" charset="-128"/>
               </a:rPr>
-              <a:t>Authorized users or Named Support Contacts </a:t>
+              <a:t>承認済みユーザーまたはサポート対象ユーザーは、</a:t>
             </a:r>
             <a:r>
-              <a:rPr lang="en-US" sz="1000">
-                <a:latin typeface="Adobe Clean Light" panose="020B0303020404020204" pitchFamily="34" charset="0"/>
+              <a:rPr lang="ja-JP" sz="1000" dirty="0">
+                <a:latin typeface="Adobe Clean Han Light" panose="020B0300000000000000" pitchFamily="34" charset="-128"/>
+                <a:ea typeface="Adobe Clean Han Light" panose="020B0300000000000000" pitchFamily="34" charset="-128"/>
               </a:rPr>
-              <a:t>can submit issues through all available  channels (including phone for P1) and interact with our technical support team on behalf of your company. </a:t>
+              <a:t>使用可能なすべてのチャネル（P1 の場合は電話を含む）を通じて問題を申請でき、お客様の会社を代表してアドビのテクニカルサポートチームとやり取りできます。 </a:t>
             </a:r>
-            <a:endParaRPr lang="en-US" sz="1000">
-              <a:solidFill>
-                <a:srgbClr val="000000"/>
-              </a:solidFill>
-              <a:latin typeface="Adobe Clean Light" panose="020B0303020404020204" pitchFamily="34" charset="0"/>
-            </a:endParaRPr>
           </a:p>
         </p:txBody>
       </p:sp>
@@ -7991,24 +7379,8 @@
               </a:spcBef>
             </a:pPr>
             <a:r>
-              <a:rPr spc="-5"/>
-              <a:t>©202</a:t>
-            </a:r>
-            <a:r>
-              <a:rPr lang="en-US" spc="-5"/>
-              <a:t>1</a:t>
-            </a:r>
-            <a:r>
-              <a:rPr spc="-5"/>
-              <a:t> Adobe. All Rights Reserved. Adobe</a:t>
-            </a:r>
-            <a:r>
-              <a:rPr spc="60"/>
-              <a:t> </a:t>
-            </a:r>
-            <a:r>
-              <a:rPr spc="-5"/>
-              <a:t>Confidential.</a:t>
+              <a:rPr lang="ja-JP"/>
+              <a:t>©2021 Adobe.All Rights Reserved.Adobe Confidential.</a:t>
             </a:r>
           </a:p>
         </p:txBody>
@@ -8030,7 +7402,7 @@
         <p:spPr>
           <a:xfrm>
             <a:off x="821898" y="1099315"/>
-            <a:ext cx="1726164" cy="184666"/>
+            <a:ext cx="1902252" cy="184666"/>
           </a:xfrm>
           <a:prstGeom prst="rect">
             <a:avLst/>
@@ -8051,13 +7423,14 @@
               </a:spcAft>
             </a:pPr>
             <a:r>
-              <a:rPr lang="en-US" sz="1200" b="1" spc="-10">
+              <a:rPr lang="ja-JP" sz="1200" b="1" spc="-60" dirty="0">
                 <a:solidFill>
                   <a:srgbClr val="020302"/>
                 </a:solidFill>
-                <a:latin typeface="+mj-lt"/>
+                <a:latin typeface="Adobe Clean Han Regular" panose="020B0500000000000000" pitchFamily="34" charset="-128"/>
+                <a:ea typeface="Adobe Clean Han Regular" panose="020B0500000000000000" pitchFamily="34" charset="-128"/>
               </a:rPr>
-              <a:t>Account Support Lead</a:t>
+              <a:t>アカウントサポートリード</a:t>
             </a:r>
           </a:p>
         </p:txBody>
@@ -8076,8 +7449,8 @@
         </p:nvSpPr>
         <p:spPr>
           <a:xfrm>
-            <a:off x="401995" y="5785009"/>
-            <a:ext cx="1848207" cy="45719"/>
+            <a:off x="401995" y="5670709"/>
+            <a:ext cx="2206664" cy="46672"/>
           </a:xfrm>
           <a:custGeom>
             <a:avLst/>
@@ -8124,8 +7497,8 @@
         </p:nvSpPr>
         <p:spPr>
           <a:xfrm>
-            <a:off x="318713" y="5432541"/>
-            <a:ext cx="2006640" cy="307777"/>
+            <a:off x="318713" y="5318241"/>
+            <a:ext cx="2409634" cy="307777"/>
           </a:xfrm>
           <a:prstGeom prst="rect">
             <a:avLst/>
@@ -8146,19 +7519,16 @@
               </a:spcBef>
             </a:pPr>
             <a:r>
-              <a:rPr lang="en-US" sz="1400" b="1" spc="-10">
+              <a:rPr lang="ja-JP" sz="1400" b="1" dirty="0">
                 <a:solidFill>
                   <a:srgbClr val="020302"/>
                 </a:solidFill>
-                <a:latin typeface="Adobe Clean"/>
+                <a:latin typeface="Adobe Clean Han Regular" panose="020B0500000000000000" pitchFamily="34" charset="-128"/>
+                <a:ea typeface="Adobe Clean Han Regular" panose="020B0500000000000000" pitchFamily="34" charset="-128"/>
                 <a:cs typeface="Adobe Clean"/>
               </a:rPr>
-              <a:t>Online Support Features</a:t>
+              <a:t>オンラインサポートの特長</a:t>
             </a:r>
-            <a:endParaRPr lang="en-US" sz="1400">
-              <a:latin typeface="Adobe Clean"/>
-              <a:cs typeface="Adobe Clean"/>
-            </a:endParaRPr>
           </a:p>
         </p:txBody>
       </p:sp>
@@ -8224,8 +7594,8 @@
         </p:nvSpPr>
         <p:spPr>
           <a:xfrm>
-            <a:off x="240424" y="429188"/>
-            <a:ext cx="2163221" cy="307777"/>
+            <a:off x="273765" y="429188"/>
+            <a:ext cx="2225289" cy="307777"/>
           </a:xfrm>
           <a:prstGeom prst="rect">
             <a:avLst/>
@@ -8246,19 +7616,16 @@
               </a:spcBef>
             </a:pPr>
             <a:r>
-              <a:rPr lang="en-US" sz="1400" b="1" spc="-10">
+              <a:rPr lang="ja-JP" sz="1400" b="1" dirty="0">
                 <a:solidFill>
                   <a:srgbClr val="020302"/>
                 </a:solidFill>
-                <a:latin typeface="Adobe Clean"/>
+                <a:latin typeface="Adobe Clean Han Regular" panose="020B0500000000000000" pitchFamily="34" charset="-128"/>
+                <a:ea typeface="Adobe Clean Han Regular" panose="020B0500000000000000" pitchFamily="34" charset="-128"/>
                 <a:cs typeface="Adobe Clean"/>
               </a:rPr>
-              <a:t>Business  Support Features</a:t>
+              <a:t>ビジネスサポートの特長</a:t>
             </a:r>
-            <a:endParaRPr lang="en-US" sz="1400">
-              <a:latin typeface="Adobe Clean"/>
-              <a:cs typeface="Adobe Clean"/>
-            </a:endParaRPr>
           </a:p>
         </p:txBody>
       </p:sp>
@@ -8276,8 +7643,8 @@
         </p:nvSpPr>
         <p:spPr>
           <a:xfrm>
-            <a:off x="2836967" y="1370913"/>
-            <a:ext cx="2286000" cy="1456681"/>
+            <a:off x="2836966" y="1370913"/>
+            <a:ext cx="2454171" cy="1639167"/>
           </a:xfrm>
           <a:prstGeom prst="rect">
             <a:avLst/>
@@ -8298,15 +7665,12 @@
               </a:spcBef>
             </a:pPr>
             <a:r>
-              <a:rPr lang="en-US" sz="1000">
-                <a:latin typeface="Adobe Clean Light" panose="020B0303020404020204" pitchFamily="34" charset="0"/>
+              <a:rPr lang="ja-JP" sz="1000" dirty="0">
+                <a:latin typeface="Adobe Clean Han Light" panose="020B0300000000000000" pitchFamily="34" charset="-128"/>
+                <a:ea typeface="Adobe Clean Han Light" panose="020B0300000000000000" pitchFamily="34" charset="-128"/>
               </a:rPr>
-              <a:t>Customers can submit support cases via Phone for all P2, P3, P4 issues during regional support hours. There are no upper limits on the number of times you can call into support. Customers can also request a call back from support or request a meeting to demonstrate or work through an issue using a shared remote desktop session.</a:t>
+              <a:t>お客様は、P2、P3、P4 のすべての問題について、地域のサポート時間内に電話でサポートケースを申請できます。サポートへの電話の回数に上限はありません。また、サポートからの折り返し連絡やミーティングをリクエストすることもできます。ミーティングでは、共有リモートデスクトップセッションを使用して、問題の説明や対処を受けることができます。</a:t>
             </a:r>
-            <a:endParaRPr lang="en-US" sz="1000">
-              <a:latin typeface="Adobe Clean Light" panose="020B0303020404020204" pitchFamily="34" charset="0"/>
-              <a:cs typeface="AdobeClean-Light"/>
-            </a:endParaRPr>
           </a:p>
         </p:txBody>
       </p:sp>
@@ -8326,8 +7690,8 @@
         </p:nvSpPr>
         <p:spPr>
           <a:xfrm>
-            <a:off x="3257682" y="1083435"/>
-            <a:ext cx="1976242" cy="184666"/>
+            <a:off x="3257682" y="1083434"/>
+            <a:ext cx="1865286" cy="184666"/>
           </a:xfrm>
           <a:prstGeom prst="rect">
             <a:avLst/>
@@ -8348,13 +7712,14 @@
               </a:spcAft>
             </a:pPr>
             <a:r>
-              <a:rPr lang="en-US" sz="1200" b="1" spc="-10">
+              <a:rPr lang="ja-JP" sz="1200" b="1" dirty="0">
                 <a:solidFill>
                   <a:srgbClr val="020302"/>
                 </a:solidFill>
-                <a:latin typeface="+mj-lt"/>
+                <a:latin typeface="Adobe Clean Han Regular" panose="020B0500000000000000" pitchFamily="34" charset="-128"/>
+                <a:ea typeface="Adobe Clean Han Regular" panose="020B0500000000000000" pitchFamily="34" charset="-128"/>
               </a:rPr>
-              <a:t>Live Telephone Support</a:t>
+              <a:t>電話サポート（ライブ）</a:t>
             </a:r>
           </a:p>
         </p:txBody>
@@ -8395,18 +7760,15 @@
               </a:spcBef>
             </a:pPr>
             <a:r>
-              <a:rPr lang="en-US" sz="1000">
+              <a:rPr lang="ja-JP" sz="1000" dirty="0">
                 <a:solidFill>
                   <a:srgbClr val="4B4B4B"/>
                 </a:solidFill>
-                <a:latin typeface="Adobe Clean Light" panose="020B0303020404020204" pitchFamily="34" charset="0"/>
+                <a:latin typeface="Adobe Clean Han Light" panose="020B0300000000000000" pitchFamily="34" charset="-128"/>
+                <a:ea typeface="Adobe Clean Han Light" panose="020B0300000000000000" pitchFamily="34" charset="-128"/>
               </a:rPr>
-              <a:t>A designated point of contact within Adobe who can provide escalation assistance, regular updates and ensure priority is given to your most critical open support requests.</a:t>
+              <a:t>アドビ内の専任連絡窓口が、エスカレーション支援や定期的なアップデートを提供し、お客様の最も重要なオープン中のサポートリクエストに優先的に対応します。</a:t>
             </a:r>
-            <a:endParaRPr lang="en-US" sz="1000">
-              <a:latin typeface="Adobe Clean Light" panose="020B0303020404020204" pitchFamily="34" charset="0"/>
-              <a:cs typeface="AdobeClean-Light"/>
-            </a:endParaRPr>
           </a:p>
         </p:txBody>
       </p:sp>
@@ -8427,7 +7789,7 @@
         <p:spPr>
           <a:xfrm>
             <a:off x="5885313" y="1085652"/>
-            <a:ext cx="1608472" cy="184666"/>
+            <a:ext cx="1772554" cy="184666"/>
           </a:xfrm>
           <a:prstGeom prst="rect">
             <a:avLst/>
@@ -8448,13 +7810,14 @@
               </a:spcAft>
             </a:pPr>
             <a:r>
-              <a:rPr lang="en-US" sz="1200" b="1" spc="-10">
+              <a:rPr lang="ja-JP" sz="1200" b="1" dirty="0">
                 <a:solidFill>
                   <a:srgbClr val="020302"/>
                 </a:solidFill>
-                <a:latin typeface="+mj-lt"/>
+                <a:latin typeface="Adobe Clean Han Regular" panose="020B0500000000000000" pitchFamily="34" charset="-128"/>
+                <a:ea typeface="Adobe Clean Han Regular" panose="020B0500000000000000" pitchFamily="34" charset="-128"/>
               </a:rPr>
-              <a:t>Escalation Management</a:t>
+              <a:t>エスカレーション管理</a:t>
             </a:r>
           </a:p>
         </p:txBody>
@@ -8475,7 +7838,7 @@
         </p:nvSpPr>
         <p:spPr>
           <a:xfrm>
-            <a:off x="838200" y="8148121"/>
+            <a:off x="838200" y="8033821"/>
             <a:ext cx="2520000" cy="184666"/>
           </a:xfrm>
           <a:prstGeom prst="rect">
@@ -8502,10 +7865,12 @@
               <a:defRPr/>
             </a:pPr>
             <a:r>
-              <a:rPr lang="en-US" sz="1200">
+              <a:rPr lang="ja-JP" sz="1200">
                 <a:solidFill>
                   <a:srgbClr val="000000"/>
                 </a:solidFill>
+                <a:latin typeface="Adobe Clean Han Light" panose="020B0300000000000000" pitchFamily="34" charset="-128"/>
+                <a:ea typeface="Adobe Clean Han Light" panose="020B0300000000000000" pitchFamily="34" charset="-128"/>
               </a:rPr>
               <a:t>Office Hours</a:t>
             </a:r>
@@ -8528,8 +7893,8 @@
         </p:nvSpPr>
         <p:spPr>
           <a:xfrm>
-            <a:off x="838200" y="8373543"/>
-            <a:ext cx="604974" cy="184666"/>
+            <a:off x="838200" y="8259243"/>
+            <a:ext cx="793487" cy="184666"/>
           </a:xfrm>
           <a:prstGeom prst="rect">
             <a:avLst/>
@@ -8550,12 +7915,12 @@
               </a:spcAft>
             </a:pPr>
             <a:r>
-              <a:rPr lang="en-US" sz="1200" b="1">
-                <a:latin typeface="+mj-lt"/>
-                <a:ea typeface="Open Sans" pitchFamily="34" charset="0"/>
+              <a:rPr lang="ja-JP" sz="1200" b="1">
+                <a:latin typeface="Adobe Clean Han Regular" panose="020B0500000000000000" pitchFamily="34" charset="-128"/>
+                <a:ea typeface="Adobe Clean Han Regular" panose="020B0500000000000000" pitchFamily="34" charset="-128"/>
                 <a:cs typeface="Open Sans" pitchFamily="34" charset="0"/>
               </a:rPr>
-              <a:t>Webinars</a:t>
+              <a:t>ウェビナー</a:t>
             </a:r>
           </a:p>
         </p:txBody>
@@ -8574,8 +7939,8 @@
         </p:nvSpPr>
         <p:spPr>
           <a:xfrm>
-            <a:off x="370040" y="8618616"/>
-            <a:ext cx="2286000" cy="1113125"/>
+            <a:off x="370040" y="8504316"/>
+            <a:ext cx="2354110" cy="1113125"/>
           </a:xfrm>
           <a:prstGeom prst="rect">
             <a:avLst/>
@@ -8588,13 +7953,14 @@
           <a:lstStyle/>
           <a:p>
             <a:r>
-              <a:rPr lang="en-US" sz="1000">
+              <a:rPr lang="ja-JP" sz="1000" spc="-20" dirty="0">
                 <a:solidFill>
                   <a:srgbClr val="000000"/>
                 </a:solidFill>
-                <a:latin typeface="Adobe Clean Light" panose="020B0303020404020204" pitchFamily="34" charset="0"/>
+                <a:latin typeface="Adobe Clean Han Light" panose="020B0300000000000000" pitchFamily="34" charset="-128"/>
+                <a:ea typeface="Adobe Clean Han Light" panose="020B0300000000000000" pitchFamily="34" charset="-128"/>
               </a:rPr>
-              <a:t>Office Hours is an initiative led by the Adobe Customer Support team. These sessions are designed to inform as well as help participants troubleshoot problems and provide tips and tricks to be successful with Adobe Experience Cloud.</a:t>
+              <a:t>Office Hours は、アドビカスタマーサポートチーム主導による取り組みの 1 つです。これらのセッションは、参加者に情報を提供するだけでなく、問題のトラブルシューティングや Adobe Experience Cloud で成功するためのヒントやテクニックを紹介することを目的としています。</a:t>
             </a:r>
           </a:p>
         </p:txBody>
@@ -8615,34 +7981,41 @@
         </p:nvSpPr>
         <p:spPr>
           <a:xfrm>
-            <a:off x="5851290" y="8373543"/>
-            <a:ext cx="1267206" cy="184666"/>
+            <a:off x="5851289" y="8118273"/>
+            <a:ext cx="1511535" cy="369332"/>
           </a:xfrm>
           <a:prstGeom prst="rect">
             <a:avLst/>
           </a:prstGeom>
         </p:spPr>
         <p:txBody>
-          <a:bodyPr wrap="none" lIns="0" tIns="0" rIns="0" bIns="0">
+          <a:bodyPr wrap="square" lIns="0" tIns="0" rIns="0" bIns="0">
             <a:spAutoFit/>
           </a:bodyPr>
           <a:lstStyle/>
           <a:p>
-            <a:pPr>
-              <a:spcBef>
-                <a:spcPts val="600"/>
-              </a:spcBef>
-              <a:spcAft>
-                <a:spcPts val="600"/>
-              </a:spcAft>
-            </a:pPr>
             <a:r>
-              <a:rPr lang="en-US" sz="1200" b="1">
-                <a:latin typeface="+mj-lt"/>
-                <a:ea typeface="Open Sans" pitchFamily="34" charset="0"/>
+              <a:rPr lang="ja-JP" sz="1200" b="1" dirty="0">
+                <a:latin typeface="Adobe Clean Han Regular" panose="020B0500000000000000" pitchFamily="34" charset="-128"/>
+                <a:ea typeface="Adobe Clean Han Regular" panose="020B0500000000000000" pitchFamily="34" charset="-128"/>
                 <a:cs typeface="Open Sans" pitchFamily="34" charset="0"/>
               </a:rPr>
-              <a:t>24/7 Support Portal</a:t>
+              <a:t>24 時間年中無休の</a:t>
+            </a:r>
+            <a:endParaRPr lang="sk-SK" altLang="ja-JP" sz="1200" b="1" dirty="0">
+              <a:latin typeface="Adobe Clean Han Regular" panose="020B0500000000000000" pitchFamily="34" charset="-128"/>
+              <a:ea typeface="Adobe Clean Han Regular" panose="020B0500000000000000" pitchFamily="34" charset="-128"/>
+              <a:cs typeface="Open Sans" pitchFamily="34" charset="0"/>
+            </a:endParaRPr>
+          </a:p>
+          <a:p>
+            <a:r>
+              <a:rPr lang="ja-JP" sz="1200" b="1" dirty="0">
+                <a:latin typeface="Adobe Clean Han Regular" panose="020B0500000000000000" pitchFamily="34" charset="-128"/>
+                <a:ea typeface="Adobe Clean Han Regular" panose="020B0500000000000000" pitchFamily="34" charset="-128"/>
+                <a:cs typeface="Open Sans" pitchFamily="34" charset="0"/>
+              </a:rPr>
+              <a:t>サポートポータル</a:t>
             </a:r>
           </a:p>
         </p:txBody>
@@ -8661,8 +8034,8 @@
         </p:nvSpPr>
         <p:spPr>
           <a:xfrm>
-            <a:off x="5376301" y="8618616"/>
-            <a:ext cx="2286000" cy="805349"/>
+            <a:off x="5376301" y="8504316"/>
+            <a:ext cx="2286000" cy="1113125"/>
           </a:xfrm>
           <a:prstGeom prst="rect">
             <a:avLst/>
@@ -8675,30 +8048,14 @@
           <a:lstStyle/>
           <a:p>
             <a:r>
-              <a:rPr lang="en-US" sz="1000">
+              <a:rPr lang="ja-JP" sz="1000" spc="-10" dirty="0">
                 <a:solidFill>
                   <a:srgbClr val="000000"/>
                 </a:solidFill>
-                <a:latin typeface="Adobe Clean Light" panose="020B0303020404020204" pitchFamily="34" charset="0"/>
+                <a:latin typeface="Adobe Clean Han Light" panose="020B0300000000000000" pitchFamily="34" charset="-128"/>
+                <a:ea typeface="Adobe Clean Han Light" panose="020B0300000000000000" pitchFamily="34" charset="-128"/>
               </a:rPr>
-              <a:t>On-demand access to the online </a:t>
-            </a:r>
-            <a:br>
-              <a:rPr lang="en-US" sz="1000">
-                <a:solidFill>
-                  <a:srgbClr val="000000"/>
-                </a:solidFill>
-                <a:latin typeface="Adobe Clean Light" panose="020B0303020404020204" pitchFamily="34" charset="0"/>
-              </a:rPr>
-            </a:br>
-            <a:r>
-              <a:rPr lang="en-US" sz="1000">
-                <a:solidFill>
-                  <a:srgbClr val="000000"/>
-                </a:solidFill>
-                <a:latin typeface="Adobe Clean Light" panose="020B0303020404020204" pitchFamily="34" charset="0"/>
-              </a:rPr>
-              <a:t>Self-help Support Portal to submit support requests, review case status, and browse other resources, like our knowledgebase, news and alerts, featured tips, and more.</a:t>
+              <a:t>オンラインのセルフサービスサポートポータルにオンデマンドでアクセスして、サポートリクエストを申請したり、ケースのステータスを確認したり、その他のリソース（ナレッジベース、ニュースとアラート、注目すべきヒントなど）を参照したりできます。</a:t>
             </a:r>
           </a:p>
         </p:txBody>
@@ -8795,8 +8152,8 @@
         </p:nvSpPr>
         <p:spPr>
           <a:xfrm>
-            <a:off x="789025" y="3499700"/>
-            <a:ext cx="1336142" cy="285247"/>
+            <a:off x="789024" y="3499700"/>
+            <a:ext cx="1472443" cy="276999"/>
           </a:xfrm>
           <a:prstGeom prst="rect">
             <a:avLst/>
@@ -8810,10 +8167,11 @@
           <a:lstStyle/>
           <a:p>
             <a:r>
-              <a:rPr lang="en-US" sz="1200" b="1">
-                <a:latin typeface="+mj-lt"/>
+              <a:rPr lang="ja-JP" sz="1200" b="1">
+                <a:latin typeface="Adobe Clean Han Regular" panose="020B0500000000000000" pitchFamily="34" charset="-128"/>
+                <a:ea typeface="Adobe Clean Han Regular" panose="020B0500000000000000" pitchFamily="34" charset="-128"/>
               </a:rPr>
-              <a:t>Business Services</a:t>
+              <a:t>ビジネスサービス</a:t>
             </a:r>
           </a:p>
         </p:txBody>
@@ -8854,15 +8212,12 @@
               </a:spcBef>
             </a:pPr>
             <a:r>
-              <a:rPr lang="en-US" sz="1000">
-                <a:latin typeface="Adobe Clean Light" panose="020B0303020404020204" pitchFamily="34" charset="0"/>
+              <a:rPr lang="ja-JP" sz="1000" dirty="0">
+                <a:latin typeface="Adobe Clean Han Light" panose="020B0300000000000000" pitchFamily="34" charset="-128"/>
+                <a:ea typeface="Adobe Clean Han Light" panose="020B0300000000000000" pitchFamily="34" charset="-128"/>
               </a:rPr>
-              <a:t>An Account Support Lead will host webinars covering an overview of business support services.  </a:t>
+              <a:t>アカウントサポートリード主催のウェビナーで、ビジネスサポートサービスの概要を学習できます。  </a:t>
             </a:r>
-            <a:endParaRPr lang="en-US" sz="1000">
-              <a:latin typeface="Adobe Clean Light" panose="020B0303020404020204" pitchFamily="34" charset="0"/>
-              <a:cs typeface="AdobeClean-Light"/>
-            </a:endParaRPr>
           </a:p>
         </p:txBody>
       </p:sp>
@@ -8991,7 +8346,7 @@
         </p:blipFill>
         <p:spPr>
           <a:xfrm>
-            <a:off x="2794208" y="8146218"/>
+            <a:off x="2794208" y="8031918"/>
             <a:ext cx="411480" cy="411480"/>
           </a:xfrm>
           <a:prstGeom prst="rect">
@@ -9069,7 +8424,7 @@
         </p:blipFill>
         <p:spPr>
           <a:xfrm>
-            <a:off x="2836967" y="6062796"/>
+            <a:off x="2836967" y="5829426"/>
             <a:ext cx="411480" cy="411480"/>
           </a:xfrm>
           <a:prstGeom prst="rect">
@@ -9108,7 +8463,7 @@
         </p:blipFill>
         <p:spPr>
           <a:xfrm>
-            <a:off x="359731" y="6062796"/>
+            <a:off x="359731" y="5829426"/>
             <a:ext cx="411480" cy="411480"/>
           </a:xfrm>
           <a:prstGeom prst="rect">
@@ -9147,7 +8502,7 @@
         </p:blipFill>
         <p:spPr>
           <a:xfrm>
-            <a:off x="5329042" y="6062796"/>
+            <a:off x="5329042" y="5829426"/>
             <a:ext cx="411480" cy="411480"/>
           </a:xfrm>
           <a:prstGeom prst="rect">
@@ -9186,7 +8541,7 @@
         </p:blipFill>
         <p:spPr>
           <a:xfrm>
-            <a:off x="5372908" y="8146218"/>
+            <a:off x="5372908" y="8031918"/>
             <a:ext cx="411480" cy="411480"/>
           </a:xfrm>
           <a:prstGeom prst="rect">
@@ -9225,7 +8580,7 @@
         </p:blipFill>
         <p:spPr>
           <a:xfrm>
-            <a:off x="384421" y="8146218"/>
+            <a:off x="384421" y="8031918"/>
             <a:ext cx="411480" cy="411480"/>
           </a:xfrm>
           <a:prstGeom prst="rect">
@@ -9247,7 +8602,7 @@
         </p:nvSpPr>
         <p:spPr>
           <a:xfrm rot="5400000" flipH="1">
-            <a:off x="3863341" y="4967117"/>
+            <a:off x="3863341" y="4871870"/>
             <a:ext cx="45719" cy="5577840"/>
           </a:xfrm>
           <a:custGeom>
@@ -9304,7 +8659,7 @@
         </p:nvSpPr>
         <p:spPr>
           <a:xfrm>
-            <a:off x="5851290" y="8150141"/>
+            <a:off x="5851290" y="7917731"/>
             <a:ext cx="2520000" cy="184666"/>
           </a:xfrm>
           <a:prstGeom prst="rect">
@@ -9331,12 +8686,14 @@
               <a:defRPr/>
             </a:pPr>
             <a:r>
-              <a:rPr lang="en-US" sz="1200">
+              <a:rPr lang="ja-JP" sz="1200" dirty="0">
                 <a:solidFill>
                   <a:srgbClr val="000000"/>
                 </a:solidFill>
+                <a:latin typeface="Adobe Clean Han Light" panose="020B0300000000000000" pitchFamily="34" charset="-128"/>
+                <a:ea typeface="Adobe Clean Han Light" panose="020B0300000000000000" pitchFamily="34" charset="-128"/>
               </a:rPr>
-              <a:t>Self– Help Portal</a:t>
+              <a:t>セルフサービスポータル</a:t>
             </a:r>
           </a:p>
         </p:txBody>
@@ -9357,7 +8714,7 @@
         </p:nvSpPr>
         <p:spPr>
           <a:xfrm>
-            <a:off x="5851290" y="6046398"/>
+            <a:off x="5851290" y="5813028"/>
             <a:ext cx="2520000" cy="184666"/>
           </a:xfrm>
           <a:prstGeom prst="rect">
@@ -9384,10 +8741,12 @@
               <a:defRPr/>
             </a:pPr>
             <a:r>
-              <a:rPr lang="en-US" sz="1200">
+              <a:rPr lang="ja-JP" sz="1200" dirty="0">
                 <a:solidFill>
                   <a:srgbClr val="000000"/>
                 </a:solidFill>
+                <a:latin typeface="Adobe Clean Han Light" panose="020B0300000000000000" pitchFamily="34" charset="-128"/>
+                <a:ea typeface="Adobe Clean Han Light" panose="020B0300000000000000" pitchFamily="34" charset="-128"/>
               </a:rPr>
               <a:t>Experience League</a:t>
             </a:r>
@@ -9446,49 +8805,16 @@
               </a:lnSpc>
             </a:pPr>
             <a:r>
-              <a:rPr sz="500" spc="-5">
+              <a:rPr lang="ja-JP" sz="500">
                 <a:solidFill>
                   <a:srgbClr val="6C6C6C"/>
                 </a:solidFill>
                 <a:latin typeface="Adobe Clean"/>
+                <a:ea typeface="MS Mincho"/>
                 <a:cs typeface="Adobe Clean"/>
               </a:rPr>
-              <a:t>©2020 Adobe. All Rights Reserved. </a:t>
+              <a:t>©2020 Adobe.All Rights Reserved.Adobe Confidential.</a:t>
             </a:r>
-            <a:r>
-              <a:rPr sz="500">
-                <a:solidFill>
-                  <a:srgbClr val="6C6C6C"/>
-                </a:solidFill>
-                <a:latin typeface="Adobe Clean"/>
-                <a:cs typeface="Adobe Clean"/>
-              </a:rPr>
-              <a:t>Adobe</a:t>
-            </a:r>
-            <a:r>
-              <a:rPr sz="500" spc="5">
-                <a:solidFill>
-                  <a:srgbClr val="6C6C6C"/>
-                </a:solidFill>
-                <a:latin typeface="Adobe Clean"/>
-                <a:cs typeface="Adobe Clean"/>
-              </a:rPr>
-              <a:t> </a:t>
-            </a:r>
-            <a:r>
-              <a:rPr sz="500" spc="-5">
-                <a:solidFill>
-                  <a:srgbClr val="6C6C6C"/>
-                </a:solidFill>
-                <a:latin typeface="Adobe Clean"/>
-                <a:cs typeface="Adobe Clean"/>
-              </a:rPr>
-              <a:t>Confidential.</a:t>
-            </a:r>
-            <a:endParaRPr sz="500">
-              <a:latin typeface="Adobe Clean"/>
-              <a:cs typeface="Adobe Clean"/>
-            </a:endParaRPr>
           </a:p>
           <a:p>
             <a:pPr>
@@ -9514,39 +8840,16 @@
               </a:spcBef>
             </a:pPr>
             <a:r>
-              <a:rPr sz="800" spc="-5">
+              <a:rPr lang="ja-JP" sz="800">
                 <a:solidFill>
                   <a:srgbClr val="6D6D6D"/>
                 </a:solidFill>
                 <a:latin typeface="Adobe Clean"/>
+                <a:ea typeface="MS Mincho"/>
                 <a:cs typeface="Adobe Clean"/>
               </a:rPr>
-              <a:t>©2020 Adobe. All Rights Reserved. Adobe</a:t>
+              <a:t>©2020 Adobe.All Rights Reserved.Adobe Confidential.</a:t>
             </a:r>
-            <a:r>
-              <a:rPr sz="800" spc="75">
-                <a:solidFill>
-                  <a:srgbClr val="6D6D6D"/>
-                </a:solidFill>
-                <a:latin typeface="Adobe Clean"/>
-                <a:cs typeface="Adobe Clean"/>
-              </a:rPr>
-              <a:t> </a:t>
-            </a:r>
-            <a:r>
-              <a:rPr sz="800" spc="-5">
-                <a:solidFill>
-                  <a:srgbClr val="6D6D6D"/>
-                </a:solidFill>
-                <a:latin typeface="Adobe Clean"/>
-                <a:cs typeface="Adobe Clean"/>
-              </a:rPr>
-              <a:t>Confidential.</a:t>
-            </a:r>
-            <a:endParaRPr sz="800">
-              <a:latin typeface="Adobe Clean"/>
-              <a:cs typeface="Adobe Clean"/>
-            </a:endParaRPr>
           </a:p>
         </p:txBody>
       </p:sp>
@@ -9630,19 +8933,16 @@
               </a:spcBef>
             </a:pPr>
             <a:r>
-              <a:rPr lang="en-US" sz="1400" b="1" spc="-15">
+              <a:rPr lang="ja-JP" sz="1400" b="1" dirty="0">
                 <a:solidFill>
                   <a:srgbClr val="020302"/>
                 </a:solidFill>
-                <a:latin typeface="Adobe Clean"/>
+                <a:latin typeface="Adobe Clean Han Regular" panose="020B0500000000000000" pitchFamily="34" charset="-128"/>
+                <a:ea typeface="Adobe Clean Han Regular" panose="020B0500000000000000" pitchFamily="34" charset="-128"/>
                 <a:cs typeface="Adobe Clean"/>
               </a:rPr>
-              <a:t>Resources</a:t>
+              <a:t>リソース</a:t>
             </a:r>
-            <a:endParaRPr sz="1400">
-              <a:latin typeface="Adobe Clean"/>
-              <a:cs typeface="Adobe Clean"/>
-            </a:endParaRPr>
           </a:p>
         </p:txBody>
       </p:sp>
@@ -9655,7 +8955,7 @@
         <p:spPr>
           <a:xfrm>
             <a:off x="6754821" y="9283729"/>
-            <a:ext cx="930275" cy="662305"/>
+            <a:ext cx="979479" cy="662305"/>
           </a:xfrm>
           <a:prstGeom prst="rect">
             <a:avLst/>
@@ -9676,19 +8976,16 @@
               </a:spcBef>
             </a:pPr>
             <a:r>
-              <a:rPr sz="800" spc="-15">
+              <a:rPr lang="ja-JP" sz="800" dirty="0">
                 <a:solidFill>
                   <a:srgbClr val="777879"/>
                 </a:solidFill>
                 <a:latin typeface="Adobe Clean"/>
+                <a:ea typeface="MS Mincho"/>
                 <a:cs typeface="Adobe Clean"/>
               </a:rPr>
               <a:t>Adobe</a:t>
             </a:r>
-            <a:endParaRPr sz="800">
-              <a:latin typeface="Adobe Clean"/>
-              <a:cs typeface="Adobe Clean"/>
-            </a:endParaRPr>
           </a:p>
           <a:p>
             <a:pPr marL="12700">
@@ -9697,39 +8994,16 @@
               </a:lnSpc>
             </a:pPr>
             <a:r>
-              <a:rPr sz="800" spc="-15">
+              <a:rPr lang="ja-JP" sz="800" dirty="0">
                 <a:solidFill>
                   <a:srgbClr val="777879"/>
                 </a:solidFill>
                 <a:latin typeface="Adobe Clean"/>
+                <a:ea typeface="MS Mincho"/>
                 <a:cs typeface="Adobe Clean"/>
               </a:rPr>
-              <a:t>345 Park</a:t>
+              <a:t>345 Park Avenue</a:t>
             </a:r>
-            <a:r>
-              <a:rPr sz="800" spc="-100">
-                <a:solidFill>
-                  <a:srgbClr val="777879"/>
-                </a:solidFill>
-                <a:latin typeface="Adobe Clean"/>
-                <a:cs typeface="Adobe Clean"/>
-              </a:rPr>
-              <a:t> </a:t>
-            </a:r>
-            <a:r>
-              <a:rPr sz="800" spc="-15">
-                <a:solidFill>
-                  <a:srgbClr val="777879"/>
-                </a:solidFill>
-                <a:latin typeface="Adobe Clean"/>
-                <a:cs typeface="Adobe Clean"/>
-              </a:rPr>
-              <a:t>Avenue</a:t>
-            </a:r>
-            <a:endParaRPr sz="800">
-              <a:latin typeface="Adobe Clean"/>
-              <a:cs typeface="Adobe Clean"/>
-            </a:endParaRPr>
           </a:p>
           <a:p>
             <a:pPr marL="12700">
@@ -9738,49 +9012,16 @@
               </a:lnSpc>
             </a:pPr>
             <a:r>
-              <a:rPr sz="800" spc="-10">
+              <a:rPr lang="ja-JP" sz="800" spc="-10" dirty="0">
                 <a:solidFill>
                   <a:srgbClr val="777879"/>
                 </a:solidFill>
                 <a:latin typeface="Adobe Clean"/>
+                <a:ea typeface="MS Mincho"/>
                 <a:cs typeface="Adobe Clean"/>
               </a:rPr>
-              <a:t>San </a:t>
+              <a:t>San Jose, CA95110-2704</a:t>
             </a:r>
-            <a:r>
-              <a:rPr sz="800" spc="-15">
-                <a:solidFill>
-                  <a:srgbClr val="777879"/>
-                </a:solidFill>
-                <a:latin typeface="Adobe Clean"/>
-                <a:cs typeface="Adobe Clean"/>
-              </a:rPr>
-              <a:t>Jose,</a:t>
-            </a:r>
-            <a:r>
-              <a:rPr sz="800" spc="-140">
-                <a:solidFill>
-                  <a:srgbClr val="777879"/>
-                </a:solidFill>
-                <a:latin typeface="Adobe Clean"/>
-                <a:cs typeface="Adobe Clean"/>
-              </a:rPr>
-              <a:t> </a:t>
-            </a:r>
-            <a:r>
-              <a:rPr sz="800" spc="-20">
-                <a:solidFill>
-                  <a:srgbClr val="777879"/>
-                </a:solidFill>
-                <a:latin typeface="Adobe Clean"/>
-                <a:cs typeface="Adobe Clean"/>
-              </a:rPr>
-              <a:t>CA95110-2704</a:t>
-            </a:r>
-            <a:endParaRPr sz="800">
-              <a:latin typeface="Adobe Clean"/>
-              <a:cs typeface="Adobe Clean"/>
-            </a:endParaRPr>
           </a:p>
           <a:p>
             <a:pPr marL="12700">
@@ -9792,19 +9033,16 @@
               </a:spcBef>
             </a:pPr>
             <a:r>
-              <a:rPr sz="800" spc="-10">
+              <a:rPr lang="ja-JP" sz="800" dirty="0">
                 <a:solidFill>
                   <a:srgbClr val="777879"/>
                 </a:solidFill>
                 <a:latin typeface="Adobe Clean"/>
+                <a:ea typeface="MS Mincho"/>
                 <a:cs typeface="Adobe Clean"/>
               </a:rPr>
               <a:t>USA</a:t>
             </a:r>
-            <a:endParaRPr sz="800">
-              <a:latin typeface="Adobe Clean"/>
-              <a:cs typeface="Adobe Clean"/>
-            </a:endParaRPr>
           </a:p>
           <a:p>
             <a:pPr marL="12700">
@@ -9816,7 +9054,7 @@
               </a:spcBef>
             </a:pPr>
             <a:r>
-              <a:rPr sz="800" u="sng" spc="-25">
+              <a:rPr lang="ja-JP" sz="800" u="sng" dirty="0">
                 <a:solidFill>
                   <a:srgbClr val="5F5F5F"/>
                 </a:solidFill>
@@ -9826,15 +9064,12 @@
                   </a:solidFill>
                 </a:uFill>
                 <a:latin typeface="Adobe Clean"/>
+                <a:ea typeface="MS Mincho"/>
                 <a:cs typeface="Adobe Clean"/>
                 <a:hlinkClick r:id="rId3"/>
               </a:rPr>
               <a:t>www.adobe.com</a:t>
             </a:r>
-            <a:endParaRPr sz="800">
-              <a:latin typeface="Adobe Clean"/>
-              <a:cs typeface="Adobe Clean"/>
-            </a:endParaRPr>
           </a:p>
         </p:txBody>
       </p:sp>
@@ -9988,7 +9223,7 @@
         <p:spPr>
           <a:xfrm>
             <a:off x="75947" y="9437110"/>
-            <a:ext cx="5466715" cy="570865"/>
+            <a:ext cx="5896662" cy="570865"/>
           </a:xfrm>
           <a:prstGeom prst="rect">
             <a:avLst/>
@@ -10009,439 +9244,16 @@
               </a:spcBef>
             </a:pPr>
             <a:r>
-              <a:rPr sz="1100" i="1" spc="-10">
+              <a:rPr lang="ja-JP" sz="1100" i="1" spc="-20" dirty="0">
                 <a:solidFill>
                   <a:srgbClr val="777879"/>
                 </a:solidFill>
-                <a:latin typeface="AdobeClean-LightIt"/>
+                <a:latin typeface="Adobe Clean Han Light" panose="020B0300000000000000" pitchFamily="34" charset="-128"/>
+                <a:ea typeface="Adobe Clean Han Light" panose="020B0300000000000000" pitchFamily="34" charset="-128"/>
                 <a:cs typeface="AdobeClean-LightIt"/>
               </a:rPr>
-              <a:t>To</a:t>
+              <a:t>アドビサポートのサービスやお客様に最適なレベルについて詳しくは、専任アカウントマネージャー（NAM）またはカスタマーサクセスマネージャー（CSM）にお問い合わせください。</a:t>
             </a:r>
-            <a:r>
-              <a:rPr sz="1100" i="1" spc="-50">
-                <a:solidFill>
-                  <a:srgbClr val="777879"/>
-                </a:solidFill>
-                <a:latin typeface="AdobeClean-LightIt"/>
-                <a:cs typeface="AdobeClean-LightIt"/>
-              </a:rPr>
-              <a:t> </a:t>
-            </a:r>
-            <a:r>
-              <a:rPr sz="1100" i="1" spc="-15">
-                <a:solidFill>
-                  <a:srgbClr val="777879"/>
-                </a:solidFill>
-                <a:latin typeface="AdobeClean-LightIt"/>
-                <a:cs typeface="AdobeClean-LightIt"/>
-              </a:rPr>
-              <a:t>learn</a:t>
-            </a:r>
-            <a:r>
-              <a:rPr sz="1100" i="1" spc="-40">
-                <a:solidFill>
-                  <a:srgbClr val="777879"/>
-                </a:solidFill>
-                <a:latin typeface="AdobeClean-LightIt"/>
-                <a:cs typeface="AdobeClean-LightIt"/>
-              </a:rPr>
-              <a:t> </a:t>
-            </a:r>
-            <a:r>
-              <a:rPr sz="1100" i="1" spc="-15">
-                <a:solidFill>
-                  <a:srgbClr val="777879"/>
-                </a:solidFill>
-                <a:latin typeface="AdobeClean-LightIt"/>
-                <a:cs typeface="AdobeClean-LightIt"/>
-              </a:rPr>
-              <a:t>more</a:t>
-            </a:r>
-            <a:r>
-              <a:rPr sz="1100" i="1" spc="-45">
-                <a:solidFill>
-                  <a:srgbClr val="777879"/>
-                </a:solidFill>
-                <a:latin typeface="AdobeClean-LightIt"/>
-                <a:cs typeface="AdobeClean-LightIt"/>
-              </a:rPr>
-              <a:t> </a:t>
-            </a:r>
-            <a:r>
-              <a:rPr sz="1100" i="1" spc="-15">
-                <a:solidFill>
-                  <a:srgbClr val="777879"/>
-                </a:solidFill>
-                <a:latin typeface="AdobeClean-LightIt"/>
-                <a:cs typeface="AdobeClean-LightIt"/>
-              </a:rPr>
-              <a:t>about</a:t>
-            </a:r>
-            <a:r>
-              <a:rPr sz="1100" i="1" spc="-45">
-                <a:solidFill>
-                  <a:srgbClr val="777879"/>
-                </a:solidFill>
-                <a:latin typeface="AdobeClean-LightIt"/>
-                <a:cs typeface="AdobeClean-LightIt"/>
-              </a:rPr>
-              <a:t> </a:t>
-            </a:r>
-            <a:r>
-              <a:rPr sz="1100" i="1" spc="-15">
-                <a:solidFill>
-                  <a:srgbClr val="777879"/>
-                </a:solidFill>
-                <a:latin typeface="AdobeClean-LightIt"/>
-                <a:cs typeface="AdobeClean-LightIt"/>
-              </a:rPr>
-              <a:t>Adobe</a:t>
-            </a:r>
-            <a:r>
-              <a:rPr sz="1100" i="1" spc="-50">
-                <a:solidFill>
-                  <a:srgbClr val="777879"/>
-                </a:solidFill>
-                <a:latin typeface="AdobeClean-LightIt"/>
-                <a:cs typeface="AdobeClean-LightIt"/>
-              </a:rPr>
-              <a:t> </a:t>
-            </a:r>
-            <a:r>
-              <a:rPr sz="1100" i="1" spc="-15">
-                <a:solidFill>
-                  <a:srgbClr val="777879"/>
-                </a:solidFill>
-                <a:latin typeface="AdobeClean-LightIt"/>
-                <a:cs typeface="AdobeClean-LightIt"/>
-              </a:rPr>
-              <a:t>Support</a:t>
-            </a:r>
-            <a:r>
-              <a:rPr lang="en-US" sz="1100" i="1" spc="-15">
-                <a:solidFill>
-                  <a:srgbClr val="777879"/>
-                </a:solidFill>
-                <a:latin typeface="AdobeClean-LightIt"/>
-                <a:cs typeface="AdobeClean-LightIt"/>
-              </a:rPr>
-              <a:t> Offerings</a:t>
-            </a:r>
-            <a:r>
-              <a:rPr sz="1100" i="1" spc="-75">
-                <a:solidFill>
-                  <a:srgbClr val="777879"/>
-                </a:solidFill>
-                <a:latin typeface="AdobeClean-LightIt"/>
-                <a:cs typeface="AdobeClean-LightIt"/>
-              </a:rPr>
-              <a:t> </a:t>
-            </a:r>
-            <a:r>
-              <a:rPr sz="1100" i="1" spc="-15">
-                <a:solidFill>
-                  <a:srgbClr val="777879"/>
-                </a:solidFill>
-                <a:latin typeface="AdobeClean-LightIt"/>
-                <a:cs typeface="AdobeClean-LightIt"/>
-              </a:rPr>
-              <a:t>and</a:t>
-            </a:r>
-            <a:r>
-              <a:rPr sz="1100" i="1" spc="-50">
-                <a:solidFill>
-                  <a:srgbClr val="777879"/>
-                </a:solidFill>
-                <a:latin typeface="AdobeClean-LightIt"/>
-                <a:cs typeface="AdobeClean-LightIt"/>
-              </a:rPr>
-              <a:t> </a:t>
-            </a:r>
-            <a:r>
-              <a:rPr sz="1100" i="1" spc="-15">
-                <a:solidFill>
-                  <a:srgbClr val="777879"/>
-                </a:solidFill>
-                <a:latin typeface="AdobeClean-LightIt"/>
-                <a:cs typeface="AdobeClean-LightIt"/>
-              </a:rPr>
-              <a:t>the</a:t>
-            </a:r>
-            <a:r>
-              <a:rPr sz="1100" i="1" spc="-55">
-                <a:solidFill>
-                  <a:srgbClr val="777879"/>
-                </a:solidFill>
-                <a:latin typeface="AdobeClean-LightIt"/>
-                <a:cs typeface="AdobeClean-LightIt"/>
-              </a:rPr>
-              <a:t> </a:t>
-            </a:r>
-            <a:r>
-              <a:rPr sz="1100" i="1" spc="-15">
-                <a:solidFill>
-                  <a:srgbClr val="777879"/>
-                </a:solidFill>
-                <a:latin typeface="AdobeClean-LightIt"/>
-                <a:cs typeface="AdobeClean-LightIt"/>
-              </a:rPr>
-              <a:t>right</a:t>
-            </a:r>
-            <a:r>
-              <a:rPr sz="1100" i="1" spc="-95">
-                <a:solidFill>
-                  <a:srgbClr val="777879"/>
-                </a:solidFill>
-                <a:latin typeface="AdobeClean-LightIt"/>
-                <a:cs typeface="AdobeClean-LightIt"/>
-              </a:rPr>
-              <a:t> </a:t>
-            </a:r>
-            <a:r>
-              <a:rPr sz="1100" i="1" spc="-15">
-                <a:solidFill>
-                  <a:srgbClr val="777879"/>
-                </a:solidFill>
-                <a:latin typeface="AdobeClean-LightIt"/>
-                <a:cs typeface="AdobeClean-LightIt"/>
-              </a:rPr>
-              <a:t>level</a:t>
-            </a:r>
-            <a:r>
-              <a:rPr sz="1100" i="1" spc="-55">
-                <a:solidFill>
-                  <a:srgbClr val="777879"/>
-                </a:solidFill>
-                <a:latin typeface="AdobeClean-LightIt"/>
-                <a:cs typeface="AdobeClean-LightIt"/>
-              </a:rPr>
-              <a:t> </a:t>
-            </a:r>
-            <a:r>
-              <a:rPr sz="1100" i="1" spc="-15">
-                <a:solidFill>
-                  <a:srgbClr val="777879"/>
-                </a:solidFill>
-                <a:latin typeface="AdobeClean-LightIt"/>
-                <a:cs typeface="AdobeClean-LightIt"/>
-              </a:rPr>
-              <a:t>for</a:t>
-            </a:r>
-            <a:r>
-              <a:rPr sz="1100" i="1" spc="-85">
-                <a:solidFill>
-                  <a:srgbClr val="777879"/>
-                </a:solidFill>
-                <a:latin typeface="AdobeClean-LightIt"/>
-                <a:cs typeface="AdobeClean-LightIt"/>
-              </a:rPr>
-              <a:t> </a:t>
-            </a:r>
-            <a:r>
-              <a:rPr sz="1100" i="1" spc="-15">
-                <a:solidFill>
-                  <a:srgbClr val="777879"/>
-                </a:solidFill>
-                <a:latin typeface="AdobeClean-LightIt"/>
-                <a:cs typeface="AdobeClean-LightIt"/>
-              </a:rPr>
-              <a:t>you,</a:t>
-            </a:r>
-            <a:r>
-              <a:rPr sz="1100" i="1" spc="-65">
-                <a:solidFill>
-                  <a:srgbClr val="777879"/>
-                </a:solidFill>
-                <a:latin typeface="AdobeClean-LightIt"/>
-                <a:cs typeface="AdobeClean-LightIt"/>
-              </a:rPr>
-              <a:t> </a:t>
-            </a:r>
-            <a:r>
-              <a:rPr sz="1100" i="1" spc="-15">
-                <a:solidFill>
-                  <a:srgbClr val="777879"/>
-                </a:solidFill>
-                <a:latin typeface="AdobeClean-LightIt"/>
-                <a:cs typeface="AdobeClean-LightIt"/>
-              </a:rPr>
-              <a:t>contact</a:t>
-            </a:r>
-            <a:r>
-              <a:rPr sz="1100" i="1" spc="-85">
-                <a:solidFill>
-                  <a:srgbClr val="777879"/>
-                </a:solidFill>
-                <a:latin typeface="AdobeClean-LightIt"/>
-                <a:cs typeface="AdobeClean-LightIt"/>
-              </a:rPr>
-              <a:t> </a:t>
-            </a:r>
-            <a:r>
-              <a:rPr sz="1100" i="1" spc="-15">
-                <a:solidFill>
-                  <a:srgbClr val="777879"/>
-                </a:solidFill>
-                <a:latin typeface="AdobeClean-LightIt"/>
-                <a:cs typeface="AdobeClean-LightIt"/>
-              </a:rPr>
-              <a:t>your</a:t>
-            </a:r>
-            <a:r>
-              <a:rPr sz="1100" i="1" spc="-70">
-                <a:solidFill>
-                  <a:srgbClr val="777879"/>
-                </a:solidFill>
-                <a:latin typeface="AdobeClean-LightIt"/>
-                <a:cs typeface="AdobeClean-LightIt"/>
-              </a:rPr>
-              <a:t> </a:t>
-            </a:r>
-            <a:r>
-              <a:rPr sz="1100" i="1" spc="-15">
-                <a:solidFill>
-                  <a:srgbClr val="777879"/>
-                </a:solidFill>
-                <a:latin typeface="AdobeClean-LightIt"/>
-                <a:cs typeface="AdobeClean-LightIt"/>
-              </a:rPr>
-              <a:t>Named</a:t>
-            </a:r>
-            <a:r>
-              <a:rPr sz="1100" i="1" spc="-55">
-                <a:solidFill>
-                  <a:srgbClr val="777879"/>
-                </a:solidFill>
-                <a:latin typeface="AdobeClean-LightIt"/>
-                <a:cs typeface="AdobeClean-LightIt"/>
-              </a:rPr>
-              <a:t> </a:t>
-            </a:r>
-            <a:r>
-              <a:rPr sz="1100" i="1" spc="-25">
-                <a:solidFill>
-                  <a:srgbClr val="777879"/>
-                </a:solidFill>
-                <a:latin typeface="AdobeClean-LightIt"/>
-                <a:cs typeface="AdobeClean-LightIt"/>
-              </a:rPr>
-              <a:t>Account</a:t>
-            </a:r>
-            <a:r>
-              <a:rPr sz="1100" i="1" spc="-120">
-                <a:solidFill>
-                  <a:srgbClr val="777879"/>
-                </a:solidFill>
-                <a:latin typeface="AdobeClean-LightIt"/>
-                <a:cs typeface="AdobeClean-LightIt"/>
-              </a:rPr>
-              <a:t> </a:t>
-            </a:r>
-            <a:r>
-              <a:rPr sz="1100" i="1" spc="-20">
-                <a:solidFill>
-                  <a:srgbClr val="777879"/>
-                </a:solidFill>
-                <a:latin typeface="AdobeClean-LightIt"/>
-                <a:cs typeface="AdobeClean-LightIt"/>
-              </a:rPr>
-              <a:t>Manager</a:t>
-            </a:r>
-            <a:r>
-              <a:rPr lang="en-US" sz="1100" i="1" spc="-20">
-                <a:solidFill>
-                  <a:srgbClr val="777879"/>
-                </a:solidFill>
-                <a:latin typeface="AdobeClean-LightIt"/>
-                <a:cs typeface="AdobeClean-LightIt"/>
-              </a:rPr>
-              <a:t> </a:t>
-            </a:r>
-            <a:r>
-              <a:rPr sz="1100" i="1" spc="-20">
-                <a:solidFill>
-                  <a:srgbClr val="777879"/>
-                </a:solidFill>
-                <a:latin typeface="AdobeClean-LightIt"/>
-                <a:cs typeface="AdobeClean-LightIt"/>
-              </a:rPr>
-              <a:t> </a:t>
-            </a:r>
-            <a:r>
-              <a:rPr sz="1100" i="1" spc="-15">
-                <a:solidFill>
-                  <a:srgbClr val="777879"/>
-                </a:solidFill>
-                <a:latin typeface="AdobeClean-LightIt"/>
-                <a:cs typeface="AdobeClean-LightIt"/>
-              </a:rPr>
-              <a:t>(NAM) </a:t>
-            </a:r>
-            <a:r>
-              <a:rPr sz="1100" i="1" spc="-10">
-                <a:solidFill>
-                  <a:srgbClr val="777879"/>
-                </a:solidFill>
-                <a:latin typeface="AdobeClean-LightIt"/>
-                <a:cs typeface="AdobeClean-LightIt"/>
-              </a:rPr>
-              <a:t>or </a:t>
-            </a:r>
-            <a:r>
-              <a:rPr sz="1100" i="1" spc="-15">
-                <a:solidFill>
-                  <a:srgbClr val="777879"/>
-                </a:solidFill>
-                <a:latin typeface="AdobeClean-LightIt"/>
-                <a:cs typeface="AdobeClean-LightIt"/>
-              </a:rPr>
-              <a:t>Customer</a:t>
-            </a:r>
-            <a:r>
-              <a:rPr lang="en-US" sz="1100" i="1" spc="-15">
-                <a:solidFill>
-                  <a:srgbClr val="777879"/>
-                </a:solidFill>
-                <a:latin typeface="AdobeClean-LightIt"/>
-                <a:cs typeface="AdobeClean-LightIt"/>
-              </a:rPr>
-              <a:t> </a:t>
-            </a:r>
-            <a:r>
-              <a:rPr lang="en-US" sz="1100" i="1" spc="-20">
-                <a:solidFill>
-                  <a:srgbClr val="777879"/>
-                </a:solidFill>
-                <a:latin typeface="AdobeClean-LightIt"/>
-                <a:cs typeface="AdobeClean-LightIt"/>
-              </a:rPr>
-              <a:t>Success </a:t>
-            </a:r>
-            <a:r>
-              <a:rPr lang="en-US" sz="1100" i="1" spc="-15">
-                <a:solidFill>
-                  <a:srgbClr val="777879"/>
-                </a:solidFill>
-                <a:latin typeface="AdobeClean-LightIt"/>
-                <a:cs typeface="AdobeClean-LightIt"/>
-              </a:rPr>
-              <a:t>Manager </a:t>
-            </a:r>
-            <a:r>
-              <a:rPr sz="1100" i="1" spc="-15">
-                <a:solidFill>
-                  <a:srgbClr val="777879"/>
-                </a:solidFill>
-                <a:latin typeface="AdobeClean-LightIt"/>
-                <a:cs typeface="AdobeClean-LightIt"/>
-              </a:rPr>
-              <a:t>(CSM)</a:t>
-            </a:r>
-            <a:endParaRPr sz="1100">
-              <a:latin typeface="AdobeClean-LightIt"/>
-              <a:cs typeface="AdobeClean-LightIt"/>
-            </a:endParaRPr>
           </a:p>
           <a:p>
             <a:pPr marL="34290">
@@ -10453,59 +9265,16 @@
               </a:spcBef>
             </a:pPr>
             <a:r>
-              <a:rPr sz="800" spc="-5">
+              <a:rPr lang="ja-JP" sz="800" dirty="0">
                 <a:solidFill>
                   <a:srgbClr val="6D6D6D"/>
                 </a:solidFill>
                 <a:latin typeface="Adobe Clean"/>
+                <a:ea typeface="MS Mincho"/>
                 <a:cs typeface="Adobe Clean"/>
               </a:rPr>
-              <a:t>©202</a:t>
+              <a:t>©2021 Adobe.All Rights Reserved.Adobe Confidential.</a:t>
             </a:r>
-            <a:r>
-              <a:rPr lang="en-US" sz="800" spc="-5">
-                <a:solidFill>
-                  <a:srgbClr val="6D6D6D"/>
-                </a:solidFill>
-                <a:latin typeface="Adobe Clean"/>
-                <a:cs typeface="Adobe Clean"/>
-              </a:rPr>
-              <a:t>1</a:t>
-            </a:r>
-            <a:r>
-              <a:rPr sz="800" spc="-5">
-                <a:solidFill>
-                  <a:srgbClr val="6D6D6D"/>
-                </a:solidFill>
-                <a:latin typeface="Adobe Clean"/>
-                <a:cs typeface="Adobe Clean"/>
-              </a:rPr>
-              <a:t> Adobe. All Rights Reserved. Adobe</a:t>
-            </a:r>
-            <a:r>
-              <a:rPr sz="800" spc="75">
-                <a:solidFill>
-                  <a:srgbClr val="6D6D6D"/>
-                </a:solidFill>
-                <a:latin typeface="Adobe Clean"/>
-                <a:cs typeface="Adobe Clean"/>
-              </a:rPr>
-              <a:t> </a:t>
-            </a:r>
-            <a:r>
-              <a:rPr sz="800" spc="-5">
-                <a:solidFill>
-                  <a:srgbClr val="6D6D6D"/>
-                </a:solidFill>
-                <a:latin typeface="Adobe Clean"/>
-                <a:cs typeface="Adobe Clean"/>
-              </a:rPr>
-              <a:t>Confidential.</a:t>
-            </a:r>
-            <a:endParaRPr sz="800">
-              <a:latin typeface="Adobe Clean"/>
-              <a:cs typeface="Adobe Clean"/>
-            </a:endParaRPr>
           </a:p>
         </p:txBody>
       </p:sp>
@@ -10542,19 +9311,16 @@
               </a:spcBef>
             </a:pPr>
             <a:r>
-              <a:rPr lang="en-US" sz="1400" b="1" spc="-15">
+              <a:rPr lang="ja-JP" sz="1400" b="1" dirty="0">
                 <a:solidFill>
                   <a:srgbClr val="020302"/>
                 </a:solidFill>
-                <a:latin typeface="Adobe Clean"/>
+                <a:latin typeface="Adobe Clean Han Regular" panose="020B0500000000000000" pitchFamily="34" charset="-128"/>
+                <a:ea typeface="Adobe Clean Han Regular" panose="020B0500000000000000" pitchFamily="34" charset="-128"/>
                 <a:cs typeface="Adobe Clean"/>
               </a:rPr>
-              <a:t>Regional scope of Adobe Support, Local Hours Of Operation And Language Support</a:t>
+              <a:t>アドビサポートの対象地域、現地の営業時間、言語サポート</a:t>
             </a:r>
-            <a:endParaRPr lang="en-US" sz="1400" spc="-15">
-              <a:ea typeface="+mn-lt"/>
-              <a:cs typeface="+mn-lt"/>
-            </a:endParaRPr>
           </a:p>
           <a:p>
             <a:pPr>
@@ -10563,15 +9329,15 @@
               </a:spcBef>
             </a:pPr>
             <a:r>
-              <a:rPr lang="en-US" sz="1000" spc="-15">
+              <a:rPr lang="ja-JP" sz="1000" dirty="0">
                 <a:solidFill>
                   <a:srgbClr val="1F1F1F"/>
                 </a:solidFill>
-                <a:latin typeface="AdobeClean-Light"/>
+                <a:latin typeface="Adobe Clean Han Light" panose="020B0300000000000000" pitchFamily="34" charset="-128"/>
+                <a:ea typeface="Adobe Clean Han Light" panose="020B0300000000000000" pitchFamily="34" charset="-128"/>
               </a:rPr>
-              <a:t>The Regional scope of Adobe Support is established by aligning the customer's billing address (via the Sales Order or other Adobe Support purchasing document) to one of the following regions:</a:t>
+              <a:t>アドビサポートの対象地域と現地営業時間は、以下のとおりです。対象地域は、お客様のセールスオーダーやその他のアドビサポートのご契約資料に記載されている請求先の地域に準じます。</a:t>
             </a:r>
-            <a:endParaRPr lang="en-US"/>
           </a:p>
         </p:txBody>
       </p:sp>
@@ -10590,7 +9356,7 @@
           <p:nvPr>
             <p:extLst>
               <p:ext uri="{D42A27DB-BD31-4B8C-83A1-F6EECF244321}">
-                <p14:modId xmlns:p14="http://schemas.microsoft.com/office/powerpoint/2010/main" val="914484175"/>
+                <p14:modId xmlns:p14="http://schemas.microsoft.com/office/powerpoint/2010/main" val="4242219289"/>
               </p:ext>
             </p:extLst>
           </p:nvPr>
@@ -10643,13 +9409,14 @@
                     <a:p>
                       <a:pPr algn="ctr"/>
                       <a:r>
-                        <a:rPr lang="en-US" sz="1100">
+                        <a:rPr lang="ja-JP" sz="1100" dirty="0">
                           <a:solidFill>
                             <a:schemeClr val="tx1"/>
                           </a:solidFill>
-                          <a:latin typeface="Adobe Clean"/>
+                          <a:latin typeface="Adobe Clean Han Regular" panose="020B0500000000000000" pitchFamily="34" charset="-128"/>
+                          <a:ea typeface="Adobe Clean Han Regular" panose="020B0500000000000000" pitchFamily="34" charset="-128"/>
                         </a:rPr>
-                        <a:t>Americas</a:t>
+                        <a:t>南北アメリカ</a:t>
                       </a:r>
                     </a:p>
                   </a:txBody>
@@ -10708,13 +9475,33 @@
                     <a:p>
                       <a:pPr algn="ctr"/>
                       <a:r>
-                        <a:rPr lang="en-US" sz="1100">
+                        <a:rPr lang="ja-JP" sz="1100" dirty="0">
                           <a:solidFill>
                             <a:schemeClr val="tx1"/>
                           </a:solidFill>
-                          <a:latin typeface="Adobe Clean"/>
+                          <a:latin typeface="Adobe Clean Han Regular" panose="020B0500000000000000" pitchFamily="34" charset="-128"/>
+                          <a:ea typeface="Adobe Clean Han Regular" panose="020B0500000000000000" pitchFamily="34" charset="-128"/>
                         </a:rPr>
-                        <a:t>Europe, Middle East &amp; Africa</a:t>
+                        <a:t>ヨーロッパ、中東、</a:t>
+                      </a:r>
+                      <a:br>
+                        <a:rPr lang="sk-SK" altLang="ja-JP" sz="1100" dirty="0">
+                          <a:solidFill>
+                            <a:schemeClr val="tx1"/>
+                          </a:solidFill>
+                          <a:latin typeface="Adobe Clean Han Regular" panose="020B0500000000000000" pitchFamily="34" charset="-128"/>
+                          <a:ea typeface="Adobe Clean Han Regular" panose="020B0500000000000000" pitchFamily="34" charset="-128"/>
+                        </a:rPr>
+                      </a:br>
+                      <a:r>
+                        <a:rPr lang="ja-JP" sz="1100" dirty="0">
+                          <a:solidFill>
+                            <a:schemeClr val="tx1"/>
+                          </a:solidFill>
+                          <a:latin typeface="Adobe Clean Han Regular" panose="020B0500000000000000" pitchFamily="34" charset="-128"/>
+                          <a:ea typeface="Adobe Clean Han Regular" panose="020B0500000000000000" pitchFamily="34" charset="-128"/>
+                        </a:rPr>
+                        <a:t>アフリカ</a:t>
                       </a:r>
                     </a:p>
                   </a:txBody>
@@ -10773,13 +9560,14 @@
                     <a:p>
                       <a:pPr algn="ctr"/>
                       <a:r>
-                        <a:rPr lang="en-US" sz="1100">
+                        <a:rPr lang="ja-JP" sz="1100">
                           <a:solidFill>
                             <a:schemeClr val="tx1"/>
                           </a:solidFill>
-                          <a:latin typeface="Adobe Clean"/>
+                          <a:latin typeface="Adobe Clean Han Regular" panose="020B0500000000000000" pitchFamily="34" charset="-128"/>
+                          <a:ea typeface="Adobe Clean Han Regular" panose="020B0500000000000000" pitchFamily="34" charset="-128"/>
                         </a:rPr>
-                        <a:t>Asia Pacific</a:t>
+                        <a:t>アジア太平洋</a:t>
                       </a:r>
                     </a:p>
                   </a:txBody>
@@ -10838,29 +9626,25 @@
                     <a:p>
                       <a:pPr algn="ctr"/>
                       <a:r>
-                        <a:rPr lang="en-US" sz="1100">
+                        <a:rPr lang="ja-JP" sz="1100">
                           <a:solidFill>
                             <a:schemeClr val="tx1"/>
                           </a:solidFill>
-                          <a:latin typeface="Adobe Clean"/>
+                          <a:latin typeface="Adobe Clean Han Regular" panose="020B0500000000000000" pitchFamily="34" charset="-128"/>
+                          <a:ea typeface="Adobe Clean Han Regular" panose="020B0500000000000000" pitchFamily="34" charset="-128"/>
                         </a:rPr>
-                        <a:t>Japan </a:t>
+                        <a:t>日本 </a:t>
                       </a:r>
                       <a:r>
-                        <a:rPr lang="en-US" sz="1100" baseline="30000">
+                        <a:rPr lang="ja-JP" sz="1100" baseline="30000">
                           <a:solidFill>
                             <a:schemeClr val="tx1"/>
                           </a:solidFill>
-                          <a:latin typeface="Adobe Clean"/>
+                          <a:latin typeface="Adobe Clean Han Regular" panose="020B0500000000000000" pitchFamily="34" charset="-128"/>
+                          <a:ea typeface="Adobe Clean Han Regular" panose="020B0500000000000000" pitchFamily="34" charset="-128"/>
                         </a:rPr>
                         <a:t>1 </a:t>
                       </a:r>
-                      <a:endParaRPr lang="en-US" sz="1100">
-                        <a:solidFill>
-                          <a:schemeClr val="tx1"/>
-                        </a:solidFill>
-                        <a:latin typeface="Adobe Clean" panose="020B0503020404020204" pitchFamily="34" charset="0"/>
-                      </a:endParaRPr>
                     </a:p>
                   </a:txBody>
                   <a:tcPr anchor="ctr">
@@ -10925,13 +9709,14 @@
                     <a:p>
                       <a:pPr algn="ctr"/>
                       <a:r>
-                        <a:rPr lang="en-US" sz="1100">
+                        <a:rPr lang="ja-JP" sz="1100">
                           <a:solidFill>
                             <a:schemeClr val="tx1"/>
                           </a:solidFill>
-                          <a:latin typeface="Adobe Clean"/>
+                          <a:latin typeface="Adobe Clean Han Regular" panose="020B0500000000000000" pitchFamily="34" charset="-128"/>
+                          <a:ea typeface="Adobe Clean Han Regular" panose="020B0500000000000000" pitchFamily="34" charset="-128"/>
                         </a:rPr>
-                        <a:t>6 am – 5:30 pm</a:t>
+                        <a:t>午前 6:00 ～午後 5:30</a:t>
                       </a:r>
                     </a:p>
                   </a:txBody>
@@ -10990,13 +9775,14 @@
                     <a:p>
                       <a:pPr algn="ctr"/>
                       <a:r>
-                        <a:rPr lang="en-US" sz="1100">
+                        <a:rPr lang="ja-JP" sz="1100">
                           <a:solidFill>
                             <a:schemeClr val="tx1"/>
                           </a:solidFill>
-                          <a:latin typeface="Adobe Clean"/>
+                          <a:latin typeface="Adobe Clean Han Regular" panose="020B0500000000000000" pitchFamily="34" charset="-128"/>
+                          <a:ea typeface="Adobe Clean Han Regular" panose="020B0500000000000000" pitchFamily="34" charset="-128"/>
                         </a:rPr>
-                        <a:t>9 am – 5 pm</a:t>
+                        <a:t>午前 9:00 ～午後 5:00</a:t>
                       </a:r>
                     </a:p>
                   </a:txBody>
@@ -11055,13 +9841,14 @@
                     <a:p>
                       <a:pPr algn="ctr"/>
                       <a:r>
-                        <a:rPr lang="en-US" sz="1100">
+                        <a:rPr lang="ja-JP" sz="1100" dirty="0">
                           <a:solidFill>
                             <a:schemeClr val="tx1"/>
                           </a:solidFill>
-                          <a:latin typeface="Adobe Clean"/>
+                          <a:latin typeface="Adobe Clean Han Regular" panose="020B0500000000000000" pitchFamily="34" charset="-128"/>
+                          <a:ea typeface="Adobe Clean Han Regular" panose="020B0500000000000000" pitchFamily="34" charset="-128"/>
                         </a:rPr>
-                        <a:t>9 am – 5 pm</a:t>
+                        <a:t>午前 9:00 ～午後 5:00</a:t>
                       </a:r>
                     </a:p>
                   </a:txBody>
@@ -11120,13 +9907,14 @@
                     <a:p>
                       <a:pPr algn="ctr"/>
                       <a:r>
-                        <a:rPr lang="en-US" sz="1100">
+                        <a:rPr lang="ja-JP" sz="1100" dirty="0">
                           <a:solidFill>
                             <a:schemeClr val="tx1"/>
                           </a:solidFill>
-                          <a:latin typeface="Adobe Clean"/>
+                          <a:latin typeface="Adobe Clean Han Regular" panose="020B0500000000000000" pitchFamily="34" charset="-128"/>
+                          <a:ea typeface="Adobe Clean Han Regular" panose="020B0500000000000000" pitchFamily="34" charset="-128"/>
                         </a:rPr>
-                        <a:t>9 am – 5:30 pm</a:t>
+                        <a:t>午前 9:00 ～午後 5:30</a:t>
                       </a:r>
                     </a:p>
                   </a:txBody>
@@ -11206,31 +9994,29 @@
                         <a:buNone/>
                       </a:pPr>
                       <a:r>
-                        <a:rPr lang="en-US" sz="1100" b="1" i="0" u="none" strike="noStrike" kern="0" cap="none" spc="0" normalizeH="0" baseline="30000" noProof="0" dirty="0">
+                        <a:rPr lang="ja-JP" sz="1100" b="1" i="0" u="none" strike="noStrike" cap="none" normalizeH="0" baseline="30000" noProof="0" dirty="0">
                           <a:ln>
                             <a:noFill/>
                           </a:ln>
-                          <a:effectLst/>
                           <a:uLnTx/>
                           <a:uFillTx/>
-                          <a:latin typeface="Adobe Clean"/>
-                          <a:ea typeface="+mn-ea"/>
+                          <a:latin typeface="Adobe Clean Han Regular" panose="020B0500000000000000" pitchFamily="34" charset="-128"/>
+                          <a:ea typeface="Adobe Clean Han Regular" panose="020B0500000000000000" pitchFamily="34" charset="-128"/>
                           <a:cs typeface="+mn-cs"/>
                         </a:rPr>
                         <a:t> </a:t>
                       </a:r>
                       <a:r>
-                        <a:rPr lang="en-US" sz="1100" dirty="0">
+                        <a:rPr lang="ja-JP" sz="1100" dirty="0">
                           <a:solidFill>
                             <a:schemeClr val="tx1"/>
                           </a:solidFill>
-                          <a:latin typeface="Adobe Clean"/>
+                          <a:latin typeface="Adobe Clean Han Regular" panose="020B0500000000000000" pitchFamily="34" charset="-128"/>
+                          <a:ea typeface="Adobe Clean Han Regular" panose="020B0500000000000000" pitchFamily="34" charset="-128"/>
+                          <a:cs typeface="+mn-cs"/>
                         </a:rPr>
-                        <a:t>Language support is only available in English and Japanese.</a:t>
+                        <a:t>サポートで対応している言語は、英語および日本語のみです。</a:t>
                       </a:r>
-                      <a:endParaRPr lang="en-US" dirty="0">
-                        <a:latin typeface="Adobe Clean"/>
-                      </a:endParaRPr>
                     </a:p>
                     <a:p>
                       <a:pPr marL="0" marR="0" lvl="0" indent="0" algn="ctr">
@@ -11249,17 +10035,18 @@
                         <a:buNone/>
                       </a:pPr>
                       <a:r>
-                        <a:rPr lang="en-US" sz="1100" i="1" dirty="0">
+                        <a:rPr lang="ja-JP" sz="1100" i="1" dirty="0">
                           <a:solidFill>
                             <a:schemeClr val="tx1"/>
                           </a:solidFill>
-                          <a:latin typeface="Adobe Clean"/>
+                          <a:latin typeface="Adobe Clean Han Regular" panose="020B0500000000000000" pitchFamily="34" charset="-128"/>
+                          <a:ea typeface="Adobe Clean Han Regular" panose="020B0500000000000000" pitchFamily="34" charset="-128"/>
                         </a:rPr>
-                        <a:t>*Adobe Commerce excludes Japanese languages support. </a:t>
+                        <a:t>*Adobe Commerce のサポートは、日本語に対応していません。</a:t>
                       </a:r>
                     </a:p>
                     <a:p>
-                      <a:pPr algn="ctr"/>
+                      <a:pPr algn="l" rtl="0"/>
                       <a:endParaRPr kumimoji="0" lang="en-US" sz="1100" b="1" i="0" u="none" strike="noStrike" kern="0" cap="none" spc="0" normalizeH="0" baseline="30000" noProof="0" dirty="0">
                         <a:ln>
                           <a:noFill/>
@@ -11270,46 +10057,43 @@
                         <a:effectLst/>
                         <a:uLnTx/>
                         <a:uFillTx/>
-                        <a:latin typeface="Adobe Clean" panose="020B0503020404020204" pitchFamily="34" charset="0"/>
-                        <a:ea typeface="+mn-ea"/>
+                        <a:latin typeface="Adobe Clean Han Regular" panose="020B0500000000000000" pitchFamily="34" charset="-128"/>
+                        <a:ea typeface="Adobe Clean Han Regular" panose="020B0500000000000000" pitchFamily="34" charset="-128"/>
                         <a:cs typeface="+mn-cs"/>
                       </a:endParaRPr>
                     </a:p>
                     <a:p>
                       <a:pPr algn="ctr"/>
                       <a:r>
-                        <a:rPr lang="en-US" sz="1100" i="0" dirty="0">
+                        <a:rPr lang="ja-JP" sz="1100" i="0" dirty="0">
                           <a:solidFill>
                             <a:schemeClr val="tx1"/>
                           </a:solidFill>
-                          <a:latin typeface="Adobe Clean"/>
+                          <a:latin typeface="Adobe Clean Han Regular" panose="020B0500000000000000" pitchFamily="34" charset="-128"/>
+                          <a:ea typeface="Adobe Clean Han Regular" panose="020B0500000000000000" pitchFamily="34" charset="-128"/>
                         </a:rPr>
                         <a:t> </a:t>
                       </a:r>
                       <a:r>
-                        <a:rPr lang="en-US" sz="1100" i="0" baseline="30000" dirty="0">
+                        <a:rPr lang="ja-JP" sz="1100" i="0" baseline="30000" dirty="0">
                           <a:solidFill>
                             <a:schemeClr val="tx1"/>
                           </a:solidFill>
-                          <a:latin typeface="Adobe Clean"/>
+                          <a:latin typeface="Adobe Clean Han Regular" panose="020B0500000000000000" pitchFamily="34" charset="-128"/>
+                          <a:ea typeface="Adobe Clean Han Regular" panose="020B0500000000000000" pitchFamily="34" charset="-128"/>
                         </a:rPr>
                         <a:t>1 </a:t>
                       </a:r>
                       <a:r>
-                        <a:rPr lang="en-US" sz="1100" i="0" dirty="0">
+                        <a:rPr lang="ja-JP" sz="1100" i="0" dirty="0">
                           <a:solidFill>
                             <a:schemeClr val="tx1"/>
                           </a:solidFill>
-                          <a:latin typeface="Adobe Clean"/>
+                          <a:latin typeface="Adobe Clean Han Regular" panose="020B0500000000000000" pitchFamily="34" charset="-128"/>
+                          <a:ea typeface="Adobe Clean Han Regular" panose="020B0500000000000000" pitchFamily="34" charset="-128"/>
                         </a:rPr>
-                        <a:t>P2, P3, P4 cases are limited to business hours only in Japan.</a:t>
+                        <a:t>P2、P3、P4 の場合は、営業時間内のみの対応です。</a:t>
                       </a:r>
-                      <a:endParaRPr lang="en-US" sz="1100" b="1" i="0" dirty="0">
-                        <a:solidFill>
-                          <a:schemeClr val="tx1"/>
-                        </a:solidFill>
-                        <a:latin typeface="Adobe Clean"/>
-                      </a:endParaRPr>
                     </a:p>
                   </a:txBody>
                   <a:tcPr anchor="ctr">
@@ -11664,7 +10448,7 @@
           </a:bodyPr>
           <a:lstStyle/>
           <a:p>
-            <a:pPr marL="139065" marR="5080" indent="-139065">
+            <a:pPr marR="5080" algn="ctr">
               <a:lnSpc>
                 <a:spcPts val="1390"/>
               </a:lnSpc>
@@ -11673,129 +10457,37 @@
               </a:spcBef>
             </a:pPr>
             <a:r>
-              <a:rPr sz="1200" b="1" spc="-15">
+              <a:rPr lang="ja-JP" sz="1200" b="1" dirty="0">
                 <a:solidFill>
                   <a:srgbClr val="FFFFFF"/>
                 </a:solidFill>
-                <a:latin typeface="Adobe Clean"/>
+                <a:latin typeface="Adobe Clean Han Regular" panose="020B0500000000000000" pitchFamily="34" charset="-128"/>
+                <a:ea typeface="Adobe Clean Han Regular" panose="020B0500000000000000" pitchFamily="34" charset="-128"/>
                 <a:cs typeface="Adobe Clean"/>
               </a:rPr>
-              <a:t>U</a:t>
+              <a:t>卓越した</a:t>
             </a:r>
-            <a:r>
-              <a:rPr sz="1200" b="1" spc="-20">
+            <a:br>
+              <a:rPr lang="ja-JP" sz="1200" b="1" dirty="0">
                 <a:solidFill>
                   <a:srgbClr val="FFFFFF"/>
                 </a:solidFill>
-                <a:latin typeface="Adobe Clean"/>
+                <a:latin typeface="Adobe Clean Han Regular" panose="020B0500000000000000" pitchFamily="34" charset="-128"/>
+                <a:ea typeface="Adobe Clean Han Regular" panose="020B0500000000000000" pitchFamily="34" charset="-128"/>
                 <a:cs typeface="Adobe Clean"/>
               </a:rPr>
-              <a:t>n</a:t>
-            </a:r>
+            </a:br>
             <a:r>
-              <a:rPr sz="1200" b="1" spc="-25">
+              <a:rPr lang="ja-JP" sz="1200" b="1" dirty="0">
                 <a:solidFill>
                   <a:srgbClr val="FFFFFF"/>
                 </a:solidFill>
-                <a:latin typeface="Adobe Clean"/>
+                <a:latin typeface="Adobe Clean Han Regular" panose="020B0500000000000000" pitchFamily="34" charset="-128"/>
+                <a:ea typeface="Adobe Clean Han Regular" panose="020B0500000000000000" pitchFamily="34" charset="-128"/>
                 <a:cs typeface="Adobe Clean"/>
               </a:rPr>
-              <a:t>p</a:t>
+              <a:t>専門知識</a:t>
             </a:r>
-            <a:r>
-              <a:rPr sz="1200" b="1" spc="-15">
-                <a:solidFill>
-                  <a:srgbClr val="FFFFFF"/>
-                </a:solidFill>
-                <a:latin typeface="Adobe Clean"/>
-                <a:cs typeface="Adobe Clean"/>
-              </a:rPr>
-              <a:t>a</a:t>
-            </a:r>
-            <a:r>
-              <a:rPr sz="1200" b="1" spc="-25">
-                <a:solidFill>
-                  <a:srgbClr val="FFFFFF"/>
-                </a:solidFill>
-                <a:latin typeface="Adobe Clean"/>
-                <a:cs typeface="Adobe Clean"/>
-              </a:rPr>
-              <a:t>r</a:t>
-            </a:r>
-            <a:r>
-              <a:rPr sz="1200" b="1" spc="-15">
-                <a:solidFill>
-                  <a:srgbClr val="FFFFFF"/>
-                </a:solidFill>
-                <a:latin typeface="Adobe Clean"/>
-                <a:cs typeface="Adobe Clean"/>
-              </a:rPr>
-              <a:t>a</a:t>
-            </a:r>
-            <a:r>
-              <a:rPr sz="1200" b="1" spc="-30">
-                <a:solidFill>
-                  <a:srgbClr val="FFFFFF"/>
-                </a:solidFill>
-                <a:latin typeface="Adobe Clean"/>
-                <a:cs typeface="Adobe Clean"/>
-              </a:rPr>
-              <a:t>ll</a:t>
-            </a:r>
-            <a:r>
-              <a:rPr sz="1200" b="1" spc="-25">
-                <a:solidFill>
-                  <a:srgbClr val="FFFFFF"/>
-                </a:solidFill>
-                <a:latin typeface="Adobe Clean"/>
-                <a:cs typeface="Adobe Clean"/>
-              </a:rPr>
-              <a:t>e</a:t>
-            </a:r>
-            <a:r>
-              <a:rPr sz="1200" b="1" spc="-30">
-                <a:solidFill>
-                  <a:srgbClr val="FFFFFF"/>
-                </a:solidFill>
-                <a:latin typeface="Adobe Clean"/>
-                <a:cs typeface="Adobe Clean"/>
-              </a:rPr>
-              <a:t>l</a:t>
-            </a:r>
-            <a:r>
-              <a:rPr sz="1200" b="1" spc="-25">
-                <a:solidFill>
-                  <a:srgbClr val="FFFFFF"/>
-                </a:solidFill>
-                <a:latin typeface="Adobe Clean"/>
-                <a:cs typeface="Adobe Clean"/>
-              </a:rPr>
-              <a:t>e</a:t>
-            </a:r>
-            <a:r>
-              <a:rPr sz="1200" b="1">
-                <a:solidFill>
-                  <a:srgbClr val="FFFFFF"/>
-                </a:solidFill>
-                <a:latin typeface="Adobe Clean"/>
-                <a:cs typeface="Adobe Clean"/>
-              </a:rPr>
-              <a:t>d  </a:t>
-            </a:r>
-            <a:r>
-              <a:rPr sz="1200" b="1" spc="-25">
-                <a:solidFill>
-                  <a:srgbClr val="FFFFFF"/>
-                </a:solidFill>
-                <a:latin typeface="Adobe Clean"/>
-                <a:cs typeface="Adobe Clean"/>
-              </a:rPr>
-              <a:t>Expertise</a:t>
-            </a:r>
-            <a:endParaRPr sz="1200">
-              <a:latin typeface="Adobe Clean"/>
-              <a:cs typeface="Adobe Clean"/>
-            </a:endParaRPr>
           </a:p>
         </p:txBody>
       </p:sp>
@@ -11813,7 +10505,7 @@
         </p:nvSpPr>
         <p:spPr>
           <a:xfrm>
-            <a:off x="4732495" y="8541244"/>
+            <a:off x="4705825" y="8541244"/>
             <a:ext cx="810895" cy="382797"/>
           </a:xfrm>
           <a:prstGeom prst="rect">
@@ -11826,7 +10518,7 @@
           </a:bodyPr>
           <a:lstStyle/>
           <a:p>
-            <a:pPr marL="139065" marR="5080" indent="-139065">
+            <a:pPr marR="5080" algn="ctr">
               <a:lnSpc>
                 <a:spcPts val="1390"/>
               </a:lnSpc>
@@ -11835,19 +10527,37 @@
               </a:spcBef>
             </a:pPr>
             <a:r>
-              <a:rPr lang="en-US" sz="1200" b="1" spc="-15">
+              <a:rPr lang="ja-JP" sz="1200" b="1" dirty="0">
                 <a:solidFill>
                   <a:srgbClr val="FFFFFF"/>
                 </a:solidFill>
-                <a:latin typeface="Adobe Clean"/>
+                <a:latin typeface="Adobe Clean Han Regular" panose="020B0500000000000000" pitchFamily="34" charset="-128"/>
+                <a:ea typeface="Adobe Clean Han Regular" panose="020B0500000000000000" pitchFamily="34" charset="-128"/>
                 <a:cs typeface="Adobe Clean"/>
               </a:rPr>
-              <a:t>Accelerated Support</a:t>
+              <a:t>迅速な</a:t>
             </a:r>
-            <a:endParaRPr sz="1200">
-              <a:latin typeface="Adobe Clean"/>
-              <a:cs typeface="Adobe Clean"/>
-            </a:endParaRPr>
+            <a:br>
+              <a:rPr lang="ja-JP" sz="1200" b="1" dirty="0">
+                <a:solidFill>
+                  <a:srgbClr val="FFFFFF"/>
+                </a:solidFill>
+                <a:latin typeface="Adobe Clean Han Regular" panose="020B0500000000000000" pitchFamily="34" charset="-128"/>
+                <a:ea typeface="Adobe Clean Han Regular" panose="020B0500000000000000" pitchFamily="34" charset="-128"/>
+                <a:cs typeface="Adobe Clean"/>
+              </a:rPr>
+            </a:br>
+            <a:r>
+              <a:rPr lang="ja-JP" sz="1200" b="1" dirty="0">
+                <a:solidFill>
+                  <a:srgbClr val="FFFFFF"/>
+                </a:solidFill>
+                <a:latin typeface="Adobe Clean Han Regular" panose="020B0500000000000000" pitchFamily="34" charset="-128"/>
+                <a:ea typeface="Adobe Clean Han Regular" panose="020B0500000000000000" pitchFamily="34" charset="-128"/>
+                <a:cs typeface="Adobe Clean"/>
+              </a:rPr>
+              <a:t>サポート</a:t>
+            </a:r>
           </a:p>
         </p:txBody>
       </p:sp>
@@ -11865,8 +10575,8 @@
         </p:nvSpPr>
         <p:spPr>
           <a:xfrm>
-            <a:off x="6624119" y="8543943"/>
-            <a:ext cx="510540" cy="385445"/>
+            <a:off x="6316980" y="8543943"/>
+            <a:ext cx="1124818" cy="382797"/>
           </a:xfrm>
           <a:prstGeom prst="rect">
             <a:avLst/>
@@ -11878,7 +10588,7 @@
           </a:bodyPr>
           <a:lstStyle/>
           <a:p>
-            <a:pPr marL="50800" marR="5080" indent="-51435">
+            <a:pPr marR="5080" algn="ctr">
               <a:lnSpc>
                 <a:spcPts val="1390"/>
               </a:lnSpc>
@@ -11887,109 +10597,37 @@
               </a:spcBef>
             </a:pPr>
             <a:r>
-              <a:rPr sz="1200" b="1" spc="-50">
+              <a:rPr lang="ja-JP" sz="1200" b="1" dirty="0">
                 <a:solidFill>
                   <a:srgbClr val="FFFFFF"/>
                 </a:solidFill>
-                <a:latin typeface="Adobe Clean"/>
+                <a:latin typeface="Adobe Clean Han Regular" panose="020B0500000000000000" pitchFamily="34" charset="-128"/>
+                <a:ea typeface="Adobe Clean Han Regular" panose="020B0500000000000000" pitchFamily="34" charset="-128"/>
                 <a:cs typeface="Adobe Clean"/>
               </a:rPr>
-              <a:t>S</a:t>
+              <a:t>戦略的</a:t>
             </a:r>
-            <a:r>
-              <a:rPr sz="1200" b="1" spc="-20">
+            <a:br>
+              <a:rPr lang="ja-JP" sz="1200" b="1" dirty="0">
                 <a:solidFill>
                   <a:srgbClr val="FFFFFF"/>
                 </a:solidFill>
-                <a:latin typeface="Adobe Clean"/>
+                <a:latin typeface="Adobe Clean Han Regular" panose="020B0500000000000000" pitchFamily="34" charset="-128"/>
+                <a:ea typeface="Adobe Clean Han Regular" panose="020B0500000000000000" pitchFamily="34" charset="-128"/>
                 <a:cs typeface="Adobe Clean"/>
               </a:rPr>
-              <a:t>t</a:t>
-            </a:r>
+            </a:br>
             <a:r>
-              <a:rPr sz="1200" b="1" spc="-75">
+              <a:rPr lang="ja-JP" sz="1200" b="1" dirty="0">
                 <a:solidFill>
                   <a:srgbClr val="FFFFFF"/>
                 </a:solidFill>
-                <a:latin typeface="Adobe Clean"/>
+                <a:latin typeface="Adobe Clean Han Regular" panose="020B0500000000000000" pitchFamily="34" charset="-128"/>
+                <a:ea typeface="Adobe Clean Han Regular" panose="020B0500000000000000" pitchFamily="34" charset="-128"/>
                 <a:cs typeface="Adobe Clean"/>
               </a:rPr>
-              <a:t>r</a:t>
+              <a:t>アドバイス</a:t>
             </a:r>
-            <a:r>
-              <a:rPr sz="1200" b="1" spc="-90">
-                <a:solidFill>
-                  <a:srgbClr val="FFFFFF"/>
-                </a:solidFill>
-                <a:latin typeface="Adobe Clean"/>
-                <a:cs typeface="Adobe Clean"/>
-              </a:rPr>
-              <a:t>a</a:t>
-            </a:r>
-            <a:r>
-              <a:rPr sz="1200" b="1" spc="-55">
-                <a:solidFill>
-                  <a:srgbClr val="FFFFFF"/>
-                </a:solidFill>
-                <a:latin typeface="Adobe Clean"/>
-                <a:cs typeface="Adobe Clean"/>
-              </a:rPr>
-              <a:t>t</a:t>
-            </a:r>
-            <a:r>
-              <a:rPr sz="1200" b="1" spc="-100">
-                <a:solidFill>
-                  <a:srgbClr val="FFFFFF"/>
-                </a:solidFill>
-                <a:latin typeface="Adobe Clean"/>
-                <a:cs typeface="Adobe Clean"/>
-              </a:rPr>
-              <a:t>e</a:t>
-            </a:r>
-            <a:r>
-              <a:rPr sz="1200" b="1" spc="-80">
-                <a:solidFill>
-                  <a:srgbClr val="FFFFFF"/>
-                </a:solidFill>
-                <a:latin typeface="Adobe Clean"/>
-                <a:cs typeface="Adobe Clean"/>
-              </a:rPr>
-              <a:t>g</a:t>
-            </a:r>
-            <a:r>
-              <a:rPr sz="1200" b="1" spc="-35">
-                <a:solidFill>
-                  <a:srgbClr val="FFFFFF"/>
-                </a:solidFill>
-                <a:latin typeface="Adobe Clean"/>
-                <a:cs typeface="Adobe Clean"/>
-              </a:rPr>
-              <a:t>i</a:t>
-            </a:r>
-            <a:r>
-              <a:rPr sz="1200" b="1">
-                <a:solidFill>
-                  <a:srgbClr val="FFFFFF"/>
-                </a:solidFill>
-                <a:latin typeface="Adobe Clean"/>
-                <a:cs typeface="Adobe Clean"/>
-              </a:rPr>
-              <a:t>c  </a:t>
-            </a:r>
-            <a:r>
-              <a:rPr sz="1200" b="1" spc="-45">
-                <a:solidFill>
-                  <a:srgbClr val="FFFFFF"/>
-                </a:solidFill>
-                <a:latin typeface="Adobe Clean"/>
-                <a:cs typeface="Adobe Clean"/>
-              </a:rPr>
-              <a:t>Advice</a:t>
-            </a:r>
-            <a:endParaRPr sz="1200">
-              <a:latin typeface="Adobe Clean"/>
-              <a:cs typeface="Adobe Clean"/>
-            </a:endParaRPr>
           </a:p>
         </p:txBody>
       </p:sp>
@@ -12008,14 +10646,14 @@
           <p:nvPr>
             <p:extLst>
               <p:ext uri="{D42A27DB-BD31-4B8C-83A1-F6EECF244321}">
-                <p14:modId xmlns:p14="http://schemas.microsoft.com/office/powerpoint/2010/main" val="3773282750"/>
+                <p14:modId xmlns:p14="http://schemas.microsoft.com/office/powerpoint/2010/main" val="1701350056"/>
               </p:ext>
             </p:extLst>
           </p:nvPr>
         </p:nvGraphicFramePr>
         <p:xfrm>
           <a:off x="194236" y="1059345"/>
-          <a:ext cx="7368291" cy="3302000"/>
+          <a:ext cx="7368291" cy="3606800"/>
         </p:xfrm>
         <a:graphic>
           <a:graphicData uri="http://schemas.openxmlformats.org/drawingml/2006/table">
@@ -12024,14 +10662,14 @@
                 <a:tableStyleId>{5C22544A-7EE6-4342-B048-85BDC9FD1C3A}</a:tableStyleId>
               </a:tblPr>
               <a:tblGrid>
-                <a:gridCol w="3691964">
+                <a:gridCol w="3619574">
                   <a:extLst>
                     <a:ext uri="{9D8B030D-6E8A-4147-A177-3AD203B41FA5}">
                       <a16:colId xmlns:a16="http://schemas.microsoft.com/office/drawing/2014/main" val="2364693614"/>
                     </a:ext>
                   </a:extLst>
                 </a:gridCol>
-                <a:gridCol w="3676327">
+                <a:gridCol w="3748717">
                   <a:extLst>
                     <a:ext uri="{9D8B030D-6E8A-4147-A177-3AD203B41FA5}">
                       <a16:colId xmlns:a16="http://schemas.microsoft.com/office/drawing/2014/main" val="1545335406"/>
@@ -12046,25 +10684,17 @@
                     <a:lstStyle/>
                     <a:p>
                       <a:r>
-                        <a:rPr lang="en-US" sz="1100" b="0">
+                        <a:rPr lang="ja-JP" sz="1100" b="0" dirty="0">
                           <a:solidFill>
                             <a:schemeClr val="tx1"/>
                           </a:solidFill>
-                          <a:latin typeface="Adobe Clean"/>
-                          <a:ea typeface="+mn-ea"/>
+                          <a:latin typeface="Adobe Clean Han Regular" panose="020B0500000000000000" pitchFamily="34" charset="-128"/>
+                          <a:ea typeface="Adobe Clean Han Regular" panose="020B0500000000000000" pitchFamily="34" charset="-128"/>
                           <a:cs typeface="+mn-cs"/>
                           <a:hlinkClick r:id="rId7"/>
                         </a:rPr>
                         <a:t>Experience League</a:t>
                       </a:r>
-                      <a:endParaRPr lang="en-US" sz="1100" b="0">
-                        <a:solidFill>
-                          <a:schemeClr val="tx1"/>
-                        </a:solidFill>
-                        <a:latin typeface="Adobe Clean"/>
-                        <a:ea typeface="+mn-ea"/>
-                        <a:cs typeface="+mn-cs"/>
-                      </a:endParaRPr>
                     </a:p>
                   </a:txBody>
                   <a:tcPr marL="47625" marR="47625" marT="0" marB="0" anchor="ctr">
@@ -12136,24 +10766,37 @@
                         <a:buNone/>
                       </a:pPr>
                       <a:r>
-                        <a:rPr lang="en-US" sz="1000" b="0" kern="1200">
+                        <a:rPr lang="ja-JP" sz="1000" b="0" dirty="0">
                           <a:solidFill>
                             <a:srgbClr val="000000"/>
                           </a:solidFill>
-                          <a:latin typeface="Adobe Clean Light"/>
-                          <a:ea typeface="+mn-ea"/>
+                          <a:latin typeface="Adobe Clean Han Light" panose="020B0300000000000000" pitchFamily="34" charset="-128"/>
+                          <a:ea typeface="Adobe Clean Han Light" panose="020B0300000000000000" pitchFamily="34" charset="-128"/>
                           <a:cs typeface="+mn-cs"/>
                         </a:rPr>
-                        <a:t>Experience League is how Adobe helps businesses achieve the value they expect from their Adobe investment. It’s the unified place where customers can learn, connect, and grow along a personalized path to success that includes self-help tutorials, product documentation, instructor-led training, community and technical support. </a:t>
+                        <a:t>Experience League では、アドビへの投資に対して企業が期待している価値を実現するための支援を行います。セルフサービスのチュートリアル、製品ドキュメント、講師によるトレーニング、コミュニティ、テクニカルサポートなど、パーソナライズされた成功への道筋に沿って、お客様が学習し、繋がり、</a:t>
                       </a:r>
-                      <a:endParaRPr lang="en-US" sz="1000" b="0" kern="1200">
-                        <a:solidFill>
-                          <a:srgbClr val="000000"/>
-                        </a:solidFill>
-                        <a:latin typeface="Adobe Clean Light" panose="020B0303020404020204" pitchFamily="34" charset="0"/>
-                        <a:ea typeface="+mn-ea"/>
-                        <a:cs typeface="+mn-cs"/>
-                      </a:endParaRPr>
+                      <a:br>
+                        <a:rPr lang="sk-SK" altLang="ja-JP" sz="1000" b="0" dirty="0">
+                          <a:solidFill>
+                            <a:srgbClr val="000000"/>
+                          </a:solidFill>
+                          <a:latin typeface="Adobe Clean Han Light" panose="020B0300000000000000" pitchFamily="34" charset="-128"/>
+                          <a:ea typeface="Adobe Clean Han Light" panose="020B0300000000000000" pitchFamily="34" charset="-128"/>
+                          <a:cs typeface="+mn-cs"/>
+                        </a:rPr>
+                      </a:br>
+                      <a:r>
+                        <a:rPr lang="ja-JP" sz="1000" b="0" dirty="0">
+                          <a:solidFill>
+                            <a:srgbClr val="000000"/>
+                          </a:solidFill>
+                          <a:latin typeface="Adobe Clean Han Light" panose="020B0300000000000000" pitchFamily="34" charset="-128"/>
+                          <a:ea typeface="Adobe Clean Han Light" panose="020B0300000000000000" pitchFamily="34" charset="-128"/>
+                          <a:cs typeface="+mn-cs"/>
+                        </a:rPr>
+                        <a:t>成長できる、統合された場所です。 </a:t>
+                      </a:r>
                     </a:p>
                   </a:txBody>
                   <a:tcPr anchor="ctr">
@@ -12234,39 +10877,28 @@
                         <a:defRPr/>
                       </a:pPr>
                       <a:r>
-                        <a:rPr lang="en-US" sz="1100">
+                        <a:rPr lang="ja-JP" sz="1100" dirty="0">
                           <a:solidFill>
                             <a:schemeClr val="dk1"/>
                           </a:solidFill>
-                          <a:effectLst/>
-                          <a:latin typeface="Adobe Clean"/>
-                          <a:ea typeface="+mn-ea"/>
+                          <a:latin typeface="Adobe Clean Han Regular" panose="020B0500000000000000" pitchFamily="34" charset="-128"/>
+                          <a:ea typeface="Adobe Clean Han Regular" panose="020B0500000000000000" pitchFamily="34" charset="-128"/>
                           <a:cs typeface="+mn-cs"/>
                           <a:hlinkClick r:id="rId8"/>
                         </a:rPr>
-                        <a:t>Training</a:t>
+                        <a:t>トレーニング</a:t>
                       </a:r>
                       <a:r>
-                        <a:rPr lang="en-US" sz="1100">
+                        <a:rPr lang="ja-JP" sz="1100" dirty="0">
                           <a:solidFill>
                             <a:schemeClr val="dk1"/>
                           </a:solidFill>
-                          <a:effectLst/>
-                          <a:latin typeface="Adobe Clean"/>
-                          <a:ea typeface="+mn-ea"/>
+                          <a:latin typeface="Adobe Clean Han Regular" panose="020B0500000000000000" pitchFamily="34" charset="-128"/>
+                          <a:ea typeface="Adobe Clean Han Regular" panose="020B0500000000000000" pitchFamily="34" charset="-128"/>
                           <a:cs typeface="+mn-cs"/>
                         </a:rPr>
                         <a:t> </a:t>
                       </a:r>
-                      <a:endParaRPr lang="en-US" sz="1100">
-                        <a:solidFill>
-                          <a:schemeClr val="tx1"/>
-                        </a:solidFill>
-                        <a:effectLst/>
-                        <a:latin typeface="Adobe Clean"/>
-                        <a:ea typeface="+mn-ea"/>
-                        <a:cs typeface="+mn-cs"/>
-                      </a:endParaRPr>
                     </a:p>
                   </a:txBody>
                   <a:tcPr anchor="ctr">
@@ -12340,15 +10972,47 @@
                         <a:defRPr/>
                       </a:pPr>
                       <a:r>
-                        <a:rPr lang="en-US" sz="1000" kern="1200">
+                        <a:rPr lang="ja-JP" sz="1000" dirty="0">
                           <a:solidFill>
                             <a:srgbClr val="000000"/>
                           </a:solidFill>
-                          <a:latin typeface="Adobe Clean Light"/>
-                          <a:ea typeface="+mn-ea"/>
+                          <a:latin typeface="Adobe Clean Han Light" panose="020B0300000000000000" pitchFamily="34" charset="-128"/>
+                          <a:ea typeface="Adobe Clean Han Light" panose="020B0300000000000000" pitchFamily="34" charset="-128"/>
                           <a:cs typeface="+mn-cs"/>
                         </a:rPr>
-                        <a:t>Adobe Digital Learning Services courses are accessible from Experience League. Learning courses integrate both on-demand and instructor-led lessons.  Here you can accrue skills that have recognized market value and position them to drive success in your organizations.</a:t>
+                        <a:t>Adobe Digital Learning Services のコースには、Experience League からアクセスできます。ラーニングコースは、オンデ</a:t>
+                      </a:r>
+                      <a:r>
+                        <a:rPr lang="ja-JP" sz="1000" spc="-20" baseline="0" dirty="0">
+                          <a:solidFill>
+                            <a:srgbClr val="000000"/>
+                          </a:solidFill>
+                          <a:latin typeface="Adobe Clean Han Light" panose="020B0300000000000000" pitchFamily="34" charset="-128"/>
+                          <a:ea typeface="Adobe Clean Han Light" panose="020B0300000000000000" pitchFamily="34" charset="-128"/>
+                          <a:cs typeface="+mn-cs"/>
+                        </a:rPr>
+                        <a:t>マンドレッスンと講師によるレッスンが統合されています。  </a:t>
+                      </a:r>
+                      <a:br>
+                        <a:rPr lang="sk-SK" altLang="ja-JP" sz="1000" spc="-20" baseline="0" dirty="0">
+                          <a:solidFill>
+                            <a:srgbClr val="000000"/>
+                          </a:solidFill>
+                          <a:latin typeface="Adobe Clean Han Light" panose="020B0300000000000000" pitchFamily="34" charset="-128"/>
+                          <a:ea typeface="Adobe Clean Han Light" panose="020B0300000000000000" pitchFamily="34" charset="-128"/>
+                          <a:cs typeface="+mn-cs"/>
+                        </a:rPr>
+                      </a:br>
+                      <a:r>
+                        <a:rPr lang="ja-JP" sz="1000" dirty="0">
+                          <a:solidFill>
+                            <a:srgbClr val="000000"/>
+                          </a:solidFill>
+                          <a:latin typeface="Adobe Clean Han Light" panose="020B0300000000000000" pitchFamily="34" charset="-128"/>
+                          <a:ea typeface="Adobe Clean Han Light" panose="020B0300000000000000" pitchFamily="34" charset="-128"/>
+                          <a:cs typeface="+mn-cs"/>
+                        </a:rPr>
+                        <a:t>市場価値が認められたスキルを習得し、組織での成功を促進するために活用できます。</a:t>
                       </a:r>
                     </a:p>
                   </a:txBody>
@@ -12430,27 +11094,17 @@
                         <a:defRPr/>
                       </a:pPr>
                       <a:r>
-                        <a:rPr lang="en-US" sz="1100">
+                        <a:rPr lang="ja-JP" sz="1100" dirty="0">
                           <a:solidFill>
                             <a:schemeClr val="tx1"/>
                           </a:solidFill>
-                          <a:effectLst/>
-                          <a:latin typeface="Adobe Clean"/>
-                          <a:ea typeface="+mn-ea"/>
+                          <a:latin typeface="Adobe Clean Han Regular" panose="020B0500000000000000" pitchFamily="34" charset="-128"/>
+                          <a:ea typeface="Adobe Clean Han Regular" panose="020B0500000000000000" pitchFamily="34" charset="-128"/>
                           <a:cs typeface="+mn-cs"/>
                           <a:hlinkClick r:id="rId9"/>
                         </a:rPr>
-                        <a:t>Production Issues &amp; System Outages</a:t>
+                        <a:t>本番環境の問題とシステム障害</a:t>
                       </a:r>
-                      <a:endParaRPr lang="en-US" sz="1100">
-                        <a:solidFill>
-                          <a:schemeClr val="tx1"/>
-                        </a:solidFill>
-                        <a:effectLst/>
-                        <a:latin typeface="Adobe Clean"/>
-                        <a:ea typeface="+mn-ea"/>
-                        <a:cs typeface="+mn-cs"/>
-                      </a:endParaRPr>
                     </a:p>
                   </a:txBody>
                   <a:tcPr anchor="ctr">
@@ -12522,24 +11176,16 @@
                         <a:buNone/>
                       </a:pPr>
                       <a:r>
-                        <a:rPr lang="en-US" sz="1000" kern="1200">
+                        <a:rPr lang="ja-JP" sz="1000" dirty="0">
                           <a:solidFill>
                             <a:srgbClr val="000000"/>
                           </a:solidFill>
-                          <a:latin typeface="Adobe Clean Light"/>
-                          <a:ea typeface="+mn-ea"/>
+                          <a:latin typeface="Adobe Clean Han Light" panose="020B0300000000000000" pitchFamily="34" charset="-128"/>
+                          <a:ea typeface="Adobe Clean Han Light" panose="020B0300000000000000" pitchFamily="34" charset="-128"/>
                           <a:cs typeface="+mn-cs"/>
                         </a:rPr>
-                        <a:t>Status.adobe.com conveys the health information of all Adobe products and services that are deployed in multi-tenant environments. Customers can choose their subscription preferences to get email notifications whenever Adobe creates, updates or resolves a product event. This can include scheduled maintenance or service issues of varying levels of severity. </a:t>
+                        <a:t>status.adobe.com では、マルチテナント環境にデプロイされたすべてのアドビ製品およびサービスのシステムステータス情報が表示されます。お客様は、アドビが製品イベントを作成、更新、解決した際に電子メール通知を受け取るようサブスクリプション設定を選択できます。イベントには、定期的なメンテナンスや、様々な重大度レベルの問題が含まれています。 </a:t>
                       </a:r>
-                      <a:endParaRPr lang="en-US" sz="1000" kern="1200">
-                        <a:solidFill>
-                          <a:srgbClr val="000000"/>
-                        </a:solidFill>
-                        <a:latin typeface="Adobe Clean Light" panose="020B0303020404020204" pitchFamily="34" charset="0"/>
-                        <a:ea typeface="+mn-ea"/>
-                        <a:cs typeface="+mn-cs"/>
-                      </a:endParaRPr>
                     </a:p>
                   </a:txBody>
                   <a:tcPr anchor="ctr">
@@ -12620,27 +11266,17 @@
                         <a:defRPr/>
                       </a:pPr>
                       <a:r>
-                        <a:rPr lang="en-US" sz="1100" b="0" i="0">
+                        <a:rPr lang="ja-JP" sz="1100" b="0" i="0" dirty="0">
                           <a:solidFill>
                             <a:schemeClr val="dk1"/>
                           </a:solidFill>
-                          <a:effectLst/>
-                          <a:latin typeface="Adobe Clean"/>
-                          <a:ea typeface="+mn-ea"/>
+                          <a:latin typeface="Adobe Clean Han Regular" panose="020B0500000000000000" pitchFamily="34" charset="-128"/>
+                          <a:ea typeface="Adobe Clean Han Regular" panose="020B0500000000000000" pitchFamily="34" charset="-128"/>
                           <a:cs typeface="+mn-cs"/>
-                          <a:hlinkClick r:id="rId10" tooltip="https://helpx.adobe.com/support/programs/enterprise-support-programs/premier-support-business.html"/>
+                          <a:hlinkClick r:id="rId10" tooltip="https://helpx.adobe.com/jp/support/programs/enterprise-support-programs/premier-support-business.html"/>
                         </a:rPr>
-                        <a:t>Business Support Website</a:t>
+                        <a:t>ビジネスサポート web サイト</a:t>
                       </a:r>
-                      <a:endParaRPr lang="en-US" sz="1100" b="0" i="0">
-                        <a:solidFill>
-                          <a:schemeClr val="dk1"/>
-                        </a:solidFill>
-                        <a:effectLst/>
-                        <a:latin typeface="Adobe Clean"/>
-                        <a:ea typeface="+mn-ea"/>
-                        <a:cs typeface="+mn-cs"/>
-                      </a:endParaRPr>
                     </a:p>
                   </a:txBody>
                   <a:tcPr anchor="ctr">
@@ -12697,24 +11333,16 @@
                     <a:lstStyle/>
                     <a:p>
                       <a:r>
-                        <a:rPr lang="en-US" sz="1000" kern="1200">
+                        <a:rPr lang="ja-JP" sz="1000">
                           <a:solidFill>
                             <a:srgbClr val="000000"/>
                           </a:solidFill>
-                          <a:latin typeface="Adobe Clean Light"/>
-                          <a:ea typeface="+mn-ea"/>
+                          <a:latin typeface="Adobe Clean Han Light" panose="020B0300000000000000" pitchFamily="34" charset="-128"/>
+                          <a:ea typeface="Adobe Clean Han Light" panose="020B0300000000000000" pitchFamily="34" charset="-128"/>
                           <a:cs typeface="+mn-cs"/>
                         </a:rPr>
-                        <a:t>Adobe Business Support website.</a:t>
+                        <a:t>アドビビジネスサポート web サイト。</a:t>
                       </a:r>
-                      <a:endParaRPr lang="en-US" sz="1000" kern="1200">
-                        <a:solidFill>
-                          <a:srgbClr val="000000"/>
-                        </a:solidFill>
-                        <a:latin typeface="Adobe Clean Light" panose="020B0303020404020204" pitchFamily="34" charset="0"/>
-                        <a:ea typeface="+mn-ea"/>
-                        <a:cs typeface="+mn-cs"/>
-                      </a:endParaRPr>
                     </a:p>
                   </a:txBody>
                   <a:tcPr anchor="ctr">
@@ -12795,27 +11423,17 @@
                         <a:defRPr/>
                       </a:pPr>
                       <a:r>
-                        <a:rPr lang="en-US" sz="1100">
+                        <a:rPr lang="ja-JP" sz="1100" dirty="0">
                           <a:solidFill>
                             <a:schemeClr val="tx1"/>
                           </a:solidFill>
-                          <a:effectLst/>
-                          <a:latin typeface="Adobe Clean"/>
-                          <a:ea typeface="+mn-ea"/>
+                          <a:latin typeface="Adobe Clean Han Regular" panose="020B0500000000000000" pitchFamily="34" charset="-128"/>
+                          <a:ea typeface="Adobe Clean Han Regular" panose="020B0500000000000000" pitchFamily="34" charset="-128"/>
                           <a:cs typeface="+mn-cs"/>
                           <a:hlinkClick r:id="rId11"/>
                         </a:rPr>
-                        <a:t>Terms and Conditions</a:t>
+                        <a:t>利用条件</a:t>
                       </a:r>
-                      <a:endParaRPr lang="en-US" sz="1100">
-                        <a:solidFill>
-                          <a:schemeClr val="tx1"/>
-                        </a:solidFill>
-                        <a:effectLst/>
-                        <a:latin typeface="Adobe Clean"/>
-                        <a:ea typeface="+mn-ea"/>
-                        <a:cs typeface="+mn-cs"/>
-                      </a:endParaRPr>
                     </a:p>
                   </a:txBody>
                   <a:tcPr anchor="ctr">
@@ -12872,24 +11490,16 @@
                     <a:lstStyle/>
                     <a:p>
                       <a:r>
-                        <a:rPr lang="en-US" sz="1000" kern="1200">
+                        <a:rPr lang="ja-JP" sz="1000" dirty="0">
                           <a:solidFill>
                             <a:srgbClr val="000000"/>
                           </a:solidFill>
-                          <a:latin typeface="Adobe Clean Light"/>
-                          <a:ea typeface="+mn-ea"/>
+                          <a:latin typeface="Adobe Clean Han Light" panose="020B0300000000000000" pitchFamily="34" charset="-128"/>
+                          <a:ea typeface="Adobe Clean Han Light" panose="020B0300000000000000" pitchFamily="34" charset="-128"/>
                           <a:cs typeface="+mn-cs"/>
                         </a:rPr>
-                        <a:t>Terms and conditions detailing Support Services offerings.</a:t>
+                        <a:t>提供するサポートサービスについて詳しく説明されています。</a:t>
                       </a:r>
-                      <a:endParaRPr lang="en-US" sz="1000" kern="1200">
-                        <a:solidFill>
-                          <a:srgbClr val="000000"/>
-                        </a:solidFill>
-                        <a:latin typeface="Adobe Clean Light" panose="020B0303020404020204" pitchFamily="34" charset="0"/>
-                        <a:ea typeface="+mn-ea"/>
-                        <a:cs typeface="+mn-cs"/>
-                      </a:endParaRPr>
                     </a:p>
                   </a:txBody>
                   <a:tcPr anchor="ctr">
@@ -13124,71 +11734,13 @@
     <a:fontScheme name="Office">
       <a:majorFont>
         <a:latin typeface="Calibri"/>
-        <a:ea typeface=""/>
+        <a:ea typeface="MS Mincho"/>
         <a:cs typeface=""/>
-        <a:font script="Jpan" typeface="ＭＳ Ｐゴシック"/>
-        <a:font script="Hang" typeface="맑은 고딕"/>
-        <a:font script="Hans" typeface="宋体"/>
-        <a:font script="Hant" typeface="新細明體"/>
-        <a:font script="Arab" typeface="Times New Roman"/>
-        <a:font script="Hebr" typeface="Times New Roman"/>
-        <a:font script="Thai" typeface="Angsana New"/>
-        <a:font script="Ethi" typeface="Nyala"/>
-        <a:font script="Beng" typeface="Vrinda"/>
-        <a:font script="Gujr" typeface="Shruti"/>
-        <a:font script="Khmr" typeface="MoolBoran"/>
-        <a:font script="Knda" typeface="Tunga"/>
-        <a:font script="Guru" typeface="Raavi"/>
-        <a:font script="Cans" typeface="Euphemia"/>
-        <a:font script="Cher" typeface="Plantagenet Cherokee"/>
-        <a:font script="Yiii" typeface="Microsoft Yi Baiti"/>
-        <a:font script="Tibt" typeface="Microsoft Himalaya"/>
-        <a:font script="Thaa" typeface="MV Boli"/>
-        <a:font script="Deva" typeface="Mangal"/>
-        <a:font script="Telu" typeface="Gautami"/>
-        <a:font script="Taml" typeface="Latha"/>
-        <a:font script="Syrc" typeface="Estrangelo Edessa"/>
-        <a:font script="Orya" typeface="Kalinga"/>
-        <a:font script="Mlym" typeface="Kartika"/>
-        <a:font script="Laoo" typeface="DokChampa"/>
-        <a:font script="Sinh" typeface="Iskoola Pota"/>
-        <a:font script="Mong" typeface="Mongolian Baiti"/>
-        <a:font script="Viet" typeface="Times New Roman"/>
-        <a:font script="Uigh" typeface="Microsoft Uighur"/>
       </a:majorFont>
       <a:minorFont>
         <a:latin typeface="Calibri"/>
-        <a:ea typeface=""/>
+        <a:ea typeface="MS Mincho"/>
         <a:cs typeface=""/>
-        <a:font script="Jpan" typeface="ＭＳ Ｐゴシック"/>
-        <a:font script="Hang" typeface="맑은 고딕"/>
-        <a:font script="Hans" typeface="宋体"/>
-        <a:font script="Hant" typeface="新細明體"/>
-        <a:font script="Arab" typeface="Arial"/>
-        <a:font script="Hebr" typeface="Arial"/>
-        <a:font script="Thai" typeface="Cordia New"/>
-        <a:font script="Ethi" typeface="Nyala"/>
-        <a:font script="Beng" typeface="Vrinda"/>
-        <a:font script="Gujr" typeface="Shruti"/>
-        <a:font script="Khmr" typeface="DaunPenh"/>
-        <a:font script="Knda" typeface="Tunga"/>
-        <a:font script="Guru" typeface="Raavi"/>
-        <a:font script="Cans" typeface="Euphemia"/>
-        <a:font script="Cher" typeface="Plantagenet Cherokee"/>
-        <a:font script="Yiii" typeface="Microsoft Yi Baiti"/>
-        <a:font script="Tibt" typeface="Microsoft Himalaya"/>
-        <a:font script="Thaa" typeface="MV Boli"/>
-        <a:font script="Deva" typeface="Mangal"/>
-        <a:font script="Telu" typeface="Gautami"/>
-        <a:font script="Taml" typeface="Latha"/>
-        <a:font script="Syrc" typeface="Estrangelo Edessa"/>
-        <a:font script="Orya" typeface="Kalinga"/>
-        <a:font script="Mlym" typeface="Kartika"/>
-        <a:font script="Laoo" typeface="DokChampa"/>
-        <a:font script="Sinh" typeface="Iskoola Pota"/>
-        <a:font script="Mong" typeface="Mongolian Baiti"/>
-        <a:font script="Viet" typeface="Arial"/>
-        <a:font script="Uigh" typeface="Microsoft Uighur"/>
       </a:minorFont>
     </a:fontScheme>
     <a:fmtScheme name="Office">
@@ -13407,107 +11959,13 @@
     <a:fontScheme name="Office">
       <a:majorFont>
         <a:latin typeface="Calibri Light" panose="020F0302020204030204"/>
-        <a:ea typeface=""/>
+        <a:ea typeface="MS Mincho"/>
         <a:cs typeface=""/>
-        <a:font script="Jpan" typeface="游ゴシック Light"/>
-        <a:font script="Hang" typeface="맑은 고딕"/>
-        <a:font script="Hans" typeface="等线 Light"/>
-        <a:font script="Hant" typeface="新細明體"/>
-        <a:font script="Arab" typeface="Times New Roman"/>
-        <a:font script="Hebr" typeface="Times New Roman"/>
-        <a:font script="Thai" typeface="Angsana New"/>
-        <a:font script="Ethi" typeface="Nyala"/>
-        <a:font script="Beng" typeface="Vrinda"/>
-        <a:font script="Gujr" typeface="Shruti"/>
-        <a:font script="Khmr" typeface="MoolBoran"/>
-        <a:font script="Knda" typeface="Tunga"/>
-        <a:font script="Guru" typeface="Raavi"/>
-        <a:font script="Cans" typeface="Euphemia"/>
-        <a:font script="Cher" typeface="Plantagenet Cherokee"/>
-        <a:font script="Yiii" typeface="Microsoft Yi Baiti"/>
-        <a:font script="Tibt" typeface="Microsoft Himalaya"/>
-        <a:font script="Thaa" typeface="MV Boli"/>
-        <a:font script="Deva" typeface="Mangal"/>
-        <a:font script="Telu" typeface="Gautami"/>
-        <a:font script="Taml" typeface="Latha"/>
-        <a:font script="Syrc" typeface="Estrangelo Edessa"/>
-        <a:font script="Orya" typeface="Kalinga"/>
-        <a:font script="Mlym" typeface="Kartika"/>
-        <a:font script="Laoo" typeface="DokChampa"/>
-        <a:font script="Sinh" typeface="Iskoola Pota"/>
-        <a:font script="Mong" typeface="Mongolian Baiti"/>
-        <a:font script="Viet" typeface="Times New Roman"/>
-        <a:font script="Uigh" typeface="Microsoft Uighur"/>
-        <a:font script="Geor" typeface="Sylfaen"/>
-        <a:font script="Armn" typeface="Arial"/>
-        <a:font script="Bugi" typeface="Leelawadee UI"/>
-        <a:font script="Bopo" typeface="Microsoft JhengHei"/>
-        <a:font script="Java" typeface="Javanese Text"/>
-        <a:font script="Lisu" typeface="Segoe UI"/>
-        <a:font script="Mymr" typeface="Myanmar Text"/>
-        <a:font script="Nkoo" typeface="Ebrima"/>
-        <a:font script="Olck" typeface="Nirmala UI"/>
-        <a:font script="Osma" typeface="Ebrima"/>
-        <a:font script="Phag" typeface="Phagspa"/>
-        <a:font script="Syrn" typeface="Estrangelo Edessa"/>
-        <a:font script="Syrj" typeface="Estrangelo Edessa"/>
-        <a:font script="Syre" typeface="Estrangelo Edessa"/>
-        <a:font script="Sora" typeface="Nirmala UI"/>
-        <a:font script="Tale" typeface="Microsoft Tai Le"/>
-        <a:font script="Talu" typeface="Microsoft New Tai Lue"/>
-        <a:font script="Tfng" typeface="Ebrima"/>
       </a:majorFont>
       <a:minorFont>
         <a:latin typeface="Calibri" panose="020F0502020204030204"/>
-        <a:ea typeface=""/>
+        <a:ea typeface="MS Mincho"/>
         <a:cs typeface=""/>
-        <a:font script="Jpan" typeface="游ゴシック"/>
-        <a:font script="Hang" typeface="맑은 고딕"/>
-        <a:font script="Hans" typeface="等线"/>
-        <a:font script="Hant" typeface="新細明體"/>
-        <a:font script="Arab" typeface="Arial"/>
-        <a:font script="Hebr" typeface="Arial"/>
-        <a:font script="Thai" typeface="Cordia New"/>
-        <a:font script="Ethi" typeface="Nyala"/>
-        <a:font script="Beng" typeface="Vrinda"/>
-        <a:font script="Gujr" typeface="Shruti"/>
-        <a:font script="Khmr" typeface="DaunPenh"/>
-        <a:font script="Knda" typeface="Tunga"/>
-        <a:font script="Guru" typeface="Raavi"/>
-        <a:font script="Cans" typeface="Euphemia"/>
-        <a:font script="Cher" typeface="Plantagenet Cherokee"/>
-        <a:font script="Yiii" typeface="Microsoft Yi Baiti"/>
-        <a:font script="Tibt" typeface="Microsoft Himalaya"/>
-        <a:font script="Thaa" typeface="MV Boli"/>
-        <a:font script="Deva" typeface="Mangal"/>
-        <a:font script="Telu" typeface="Gautami"/>
-        <a:font script="Taml" typeface="Latha"/>
-        <a:font script="Syrc" typeface="Estrangelo Edessa"/>
-        <a:font script="Orya" typeface="Kalinga"/>
-        <a:font script="Mlym" typeface="Kartika"/>
-        <a:font script="Laoo" typeface="DokChampa"/>
-        <a:font script="Sinh" typeface="Iskoola Pota"/>
-        <a:font script="Mong" typeface="Mongolian Baiti"/>
-        <a:font script="Viet" typeface="Arial"/>
-        <a:font script="Uigh" typeface="Microsoft Uighur"/>
-        <a:font script="Geor" typeface="Sylfaen"/>
-        <a:font script="Armn" typeface="Arial"/>
-        <a:font script="Bugi" typeface="Leelawadee UI"/>
-        <a:font script="Bopo" typeface="Microsoft JhengHei"/>
-        <a:font script="Java" typeface="Javanese Text"/>
-        <a:font script="Lisu" typeface="Segoe UI"/>
-        <a:font script="Mymr" typeface="Myanmar Text"/>
-        <a:font script="Nkoo" typeface="Ebrima"/>
-        <a:font script="Olck" typeface="Nirmala UI"/>
-        <a:font script="Osma" typeface="Ebrima"/>
-        <a:font script="Phag" typeface="Phagspa"/>
-        <a:font script="Syrn" typeface="Estrangelo Edessa"/>
-        <a:font script="Syrj" typeface="Estrangelo Edessa"/>
-        <a:font script="Syre" typeface="Estrangelo Edessa"/>
-        <a:font script="Sora" typeface="Nirmala UI"/>
-        <a:font script="Tale" typeface="Microsoft Tai Le"/>
-        <a:font script="Talu" typeface="Microsoft New Tai Lue"/>
-        <a:font script="Tfng" typeface="Ebrima"/>
       </a:minorFont>
     </a:fontScheme>
     <a:fmtScheme name="Office">

--- a/help/data-sheets/assets/BusinessSupportDatasheet.pptx
+++ b/help/data-sheets/assets/BusinessSupportDatasheet.pptx
@@ -140,32 +140,55 @@
 </p:cmAuthorLst>
 </file>
 
-<file path=ppt/revisionInfo.xml><?xml version="1.0" encoding="utf-8"?>
-<p1510:revInfo xmlns:a="http://schemas.openxmlformats.org/drawingml/2006/main" xmlns:r="http://schemas.openxmlformats.org/officeDocument/2006/relationships" xmlns:p1510="http://schemas.microsoft.com/office/powerpoint/2015/10/main">
-  <p1510:revLst>
-    <p1510:client id="{61630BD6-9AE9-064C-B39F-AFA945B82B3E}" v="202" dt="2021-10-13T19:21:08.267"/>
-    <p1510:client id="{AC30C20D-1316-8ECC-DADD-39CCEC6A7FCF}" v="9" dt="2021-10-13T19:03:35.035"/>
-  </p1510:revLst>
-</p1510:revInfo>
-</file>
-
 <file path=ppt/changesInfos/changesInfo1.xml><?xml version="1.0" encoding="utf-8"?>
 <pc:chgInfo xmlns:a="http://schemas.openxmlformats.org/drawingml/2006/main" xmlns:r="http://schemas.openxmlformats.org/officeDocument/2006/relationships" xmlns:ac="http://schemas.microsoft.com/office/drawing/2013/main/command" xmlns:pc="http://schemas.microsoft.com/office/powerpoint/2013/main/command">
   <pc:docChgLst>
-    <pc:chgData name="Akilah Johnson" userId="S::akjohnso@adobe.com::2fa3aa60-0c9c-4d06-bae2-795983241227" providerId="AD" clId="Web-{4D8E0410-E0CE-85E2-0F84-C1BF4F647622}"/>
+    <pc:chgData name="Akilah Johnson" userId="S::akjohnso@adobe.com::2fa3aa60-0c9c-4d06-bae2-795983241227" providerId="AD" clId="Web-{71D6CFBF-0EA2-99B0-93F4-22F19EF0AE4E}"/>
     <pc:docChg chg="modSld">
-      <pc:chgData name="Akilah Johnson" userId="S::akjohnso@adobe.com::2fa3aa60-0c9c-4d06-bae2-795983241227" providerId="AD" clId="Web-{4D8E0410-E0CE-85E2-0F84-C1BF4F647622}" dt="2021-09-22T22:57:04.802" v="5"/>
+      <pc:chgData name="Akilah Johnson" userId="S::akjohnso@adobe.com::2fa3aa60-0c9c-4d06-bae2-795983241227" providerId="AD" clId="Web-{71D6CFBF-0EA2-99B0-93F4-22F19EF0AE4E}" dt="2021-09-22T19:06:58.732" v="1" actId="1076"/>
       <pc:docMkLst>
         <pc:docMk/>
       </pc:docMkLst>
       <pc:sldChg chg="modSp">
-        <pc:chgData name="Akilah Johnson" userId="S::akjohnso@adobe.com::2fa3aa60-0c9c-4d06-bae2-795983241227" providerId="AD" clId="Web-{4D8E0410-E0CE-85E2-0F84-C1BF4F647622}" dt="2021-09-22T22:57:04.802" v="5"/>
+        <pc:chgData name="Akilah Johnson" userId="S::akjohnso@adobe.com::2fa3aa60-0c9c-4d06-bae2-795983241227" providerId="AD" clId="Web-{71D6CFBF-0EA2-99B0-93F4-22F19EF0AE4E}" dt="2021-09-22T19:06:58.732" v="1" actId="1076"/>
         <pc:sldMkLst>
           <pc:docMk/>
           <pc:sldMk cId="1050037809" sldId="261"/>
         </pc:sldMkLst>
+        <pc:spChg chg="mod">
+          <ac:chgData name="Akilah Johnson" userId="S::akjohnso@adobe.com::2fa3aa60-0c9c-4d06-bae2-795983241227" providerId="AD" clId="Web-{71D6CFBF-0EA2-99B0-93F4-22F19EF0AE4E}" dt="2021-09-22T19:06:58.732" v="1" actId="1076"/>
+          <ac:spMkLst>
+            <pc:docMk/>
+            <pc:sldMk cId="1050037809" sldId="261"/>
+            <ac:spMk id="64" creationId="{41467BDC-3D83-D844-B922-CD07E94E5AAB}"/>
+          </ac:spMkLst>
+        </pc:spChg>
+      </pc:sldChg>
+    </pc:docChg>
+  </pc:docChgLst>
+  <pc:docChgLst>
+    <pc:chgData name="Akilah Johnson" userId="S::akjohnso@adobe.com::2fa3aa60-0c9c-4d06-bae2-795983241227" providerId="AD" clId="Web-{AFB92C2B-405E-C597-0988-18F97C53104C}"/>
+    <pc:docChg chg="modSld">
+      <pc:chgData name="Akilah Johnson" userId="S::akjohnso@adobe.com::2fa3aa60-0c9c-4d06-bae2-795983241227" providerId="AD" clId="Web-{AFB92C2B-405E-C597-0988-18F97C53104C}" dt="2021-09-22T18:53:26.184" v="29"/>
+      <pc:docMkLst>
+        <pc:docMk/>
+      </pc:docMkLst>
+      <pc:sldChg chg="modSp">
+        <pc:chgData name="Akilah Johnson" userId="S::akjohnso@adobe.com::2fa3aa60-0c9c-4d06-bae2-795983241227" providerId="AD" clId="Web-{AFB92C2B-405E-C597-0988-18F97C53104C}" dt="2021-09-22T18:53:26.184" v="29"/>
+        <pc:sldMkLst>
+          <pc:docMk/>
+          <pc:sldMk cId="1050037809" sldId="261"/>
+        </pc:sldMkLst>
+        <pc:spChg chg="mod">
+          <ac:chgData name="Akilah Johnson" userId="S::akjohnso@adobe.com::2fa3aa60-0c9c-4d06-bae2-795983241227" providerId="AD" clId="Web-{AFB92C2B-405E-C597-0988-18F97C53104C}" dt="2021-09-22T18:53:05.841" v="5" actId="20577"/>
+          <ac:spMkLst>
+            <pc:docMk/>
+            <pc:sldMk cId="1050037809" sldId="261"/>
+            <ac:spMk id="64" creationId="{41467BDC-3D83-D844-B922-CD07E94E5AAB}"/>
+          </ac:spMkLst>
+        </pc:spChg>
         <pc:graphicFrameChg chg="mod modGraphic">
-          <ac:chgData name="Akilah Johnson" userId="S::akjohnso@adobe.com::2fa3aa60-0c9c-4d06-bae2-795983241227" providerId="AD" clId="Web-{4D8E0410-E0CE-85E2-0F84-C1BF4F647622}" dt="2021-09-22T22:57:04.802" v="5"/>
+          <ac:chgData name="Akilah Johnson" userId="S::akjohnso@adobe.com::2fa3aa60-0c9c-4d06-bae2-795983241227" providerId="AD" clId="Web-{AFB92C2B-405E-C597-0988-18F97C53104C}" dt="2021-09-22T18:53:26.184" v="29"/>
           <ac:graphicFrameMkLst>
             <pc:docMk/>
             <pc:sldMk cId="1050037809" sldId="261"/>
@@ -223,6 +246,117 @@
     </pc:docChg>
   </pc:docChgLst>
   <pc:docChgLst>
+    <pc:chgData name="Ankita Sood" userId="c93a62e3-2a47-429d-82c6-c2a8fd110ae7" providerId="ADAL" clId="{EADEB940-4844-7941-8DD1-C0A7CBA2737C}"/>
+    <pc:docChg chg="modSld">
+      <pc:chgData name="Ankita Sood" userId="c93a62e3-2a47-429d-82c6-c2a8fd110ae7" providerId="ADAL" clId="{EADEB940-4844-7941-8DD1-C0A7CBA2737C}" dt="2022-01-20T19:38:27.531" v="31" actId="20577"/>
+      <pc:docMkLst>
+        <pc:docMk/>
+      </pc:docMkLst>
+      <pc:sldChg chg="modSp mod">
+        <pc:chgData name="Ankita Sood" userId="c93a62e3-2a47-429d-82c6-c2a8fd110ae7" providerId="ADAL" clId="{EADEB940-4844-7941-8DD1-C0A7CBA2737C}" dt="2022-01-20T19:38:22.046" v="23" actId="20577"/>
+        <pc:sldMkLst>
+          <pc:docMk/>
+          <pc:sldMk cId="0" sldId="256"/>
+        </pc:sldMkLst>
+        <pc:spChg chg="mod">
+          <ac:chgData name="Ankita Sood" userId="c93a62e3-2a47-429d-82c6-c2a8fd110ae7" providerId="ADAL" clId="{EADEB940-4844-7941-8DD1-C0A7CBA2737C}" dt="2022-01-20T19:38:07.964" v="7" actId="20577"/>
+          <ac:spMkLst>
+            <pc:docMk/>
+            <pc:sldMk cId="0" sldId="256"/>
+            <ac:spMk id="5" creationId="{00000000-0000-0000-0000-000000000000}"/>
+          </ac:spMkLst>
+        </pc:spChg>
+        <pc:graphicFrameChg chg="modGraphic">
+          <ac:chgData name="Ankita Sood" userId="c93a62e3-2a47-429d-82c6-c2a8fd110ae7" providerId="ADAL" clId="{EADEB940-4844-7941-8DD1-C0A7CBA2737C}" dt="2022-01-20T19:38:22.046" v="23" actId="20577"/>
+          <ac:graphicFrameMkLst>
+            <pc:docMk/>
+            <pc:sldMk cId="0" sldId="256"/>
+            <ac:graphicFrameMk id="9" creationId="{00000000-0000-0000-0000-000000000000}"/>
+          </ac:graphicFrameMkLst>
+        </pc:graphicFrameChg>
+        <pc:graphicFrameChg chg="modGraphic">
+          <ac:chgData name="Ankita Sood" userId="c93a62e3-2a47-429d-82c6-c2a8fd110ae7" providerId="ADAL" clId="{EADEB940-4844-7941-8DD1-C0A7CBA2737C}" dt="2022-01-20T19:38:16.769" v="15" actId="20577"/>
+          <ac:graphicFrameMkLst>
+            <pc:docMk/>
+            <pc:sldMk cId="0" sldId="256"/>
+            <ac:graphicFrameMk id="11" creationId="{3AC7AEA2-E7A4-BD48-80EA-856168E207F6}"/>
+          </ac:graphicFrameMkLst>
+        </pc:graphicFrameChg>
+      </pc:sldChg>
+      <pc:sldChg chg="modSp mod">
+        <pc:chgData name="Ankita Sood" userId="c93a62e3-2a47-429d-82c6-c2a8fd110ae7" providerId="ADAL" clId="{EADEB940-4844-7941-8DD1-C0A7CBA2737C}" dt="2022-01-20T19:38:27.531" v="31" actId="20577"/>
+        <pc:sldMkLst>
+          <pc:docMk/>
+          <pc:sldMk cId="0" sldId="257"/>
+        </pc:sldMkLst>
+        <pc:spChg chg="mod">
+          <ac:chgData name="Ankita Sood" userId="c93a62e3-2a47-429d-82c6-c2a8fd110ae7" providerId="ADAL" clId="{EADEB940-4844-7941-8DD1-C0A7CBA2737C}" dt="2022-01-20T19:38:27.531" v="31" actId="20577"/>
+          <ac:spMkLst>
+            <pc:docMk/>
+            <pc:sldMk cId="0" sldId="257"/>
+            <ac:spMk id="44" creationId="{147009FB-1B8D-6D4F-87DF-41B5DE49EFE5}"/>
+          </ac:spMkLst>
+        </pc:spChg>
+      </pc:sldChg>
+    </pc:docChg>
+  </pc:docChgLst>
+  <pc:docChgLst>
+    <pc:chgData name="Andy Witt" userId="S::awitt@adobe.com::e9157bdf-53b2-40e4-9459-936793d75696" providerId="AD" clId="Web-{CA5D33DF-AE75-BCA1-B9BC-A7CD44D2F3C7}"/>
+    <pc:docChg chg="modSld">
+      <pc:chgData name="Andy Witt" userId="S::awitt@adobe.com::e9157bdf-53b2-40e4-9459-936793d75696" providerId="AD" clId="Web-{CA5D33DF-AE75-BCA1-B9BC-A7CD44D2F3C7}" dt="2021-08-25T22:38:18.624" v="1" actId="1076"/>
+      <pc:docMkLst>
+        <pc:docMk/>
+      </pc:docMkLst>
+      <pc:sldChg chg="modSp">
+        <pc:chgData name="Andy Witt" userId="S::awitt@adobe.com::e9157bdf-53b2-40e4-9459-936793d75696" providerId="AD" clId="Web-{CA5D33DF-AE75-BCA1-B9BC-A7CD44D2F3C7}" dt="2021-08-25T22:38:18.624" v="1" actId="1076"/>
+        <pc:sldMkLst>
+          <pc:docMk/>
+          <pc:sldMk cId="1050037809" sldId="261"/>
+        </pc:sldMkLst>
+        <pc:spChg chg="mod">
+          <ac:chgData name="Andy Witt" userId="S::awitt@adobe.com::e9157bdf-53b2-40e4-9459-936793d75696" providerId="AD" clId="Web-{CA5D33DF-AE75-BCA1-B9BC-A7CD44D2F3C7}" dt="2021-08-25T22:38:18.624" v="1" actId="1076"/>
+          <ac:spMkLst>
+            <pc:docMk/>
+            <pc:sldMk cId="1050037809" sldId="261"/>
+            <ac:spMk id="50" creationId="{043050D0-21FC-0C42-8484-7FE7C0DB771F}"/>
+          </ac:spMkLst>
+        </pc:spChg>
+      </pc:sldChg>
+    </pc:docChg>
+  </pc:docChgLst>
+  <pc:docChgLst>
+    <pc:chgData name="Lauren Schutte" userId="6e08b2d3-447a-4d66-86be-444d50df187f" providerId="ADAL" clId="{61630BD6-9AE9-064C-B39F-AFA945B82B3E}"/>
+    <pc:docChg chg="undo custSel modSld">
+      <pc:chgData name="Lauren Schutte" userId="6e08b2d3-447a-4d66-86be-444d50df187f" providerId="ADAL" clId="{61630BD6-9AE9-064C-B39F-AFA945B82B3E}" dt="2021-10-13T19:21:08.267" v="201" actId="20577"/>
+      <pc:docMkLst>
+        <pc:docMk/>
+      </pc:docMkLst>
+      <pc:sldChg chg="modSp mod">
+        <pc:chgData name="Lauren Schutte" userId="6e08b2d3-447a-4d66-86be-444d50df187f" providerId="ADAL" clId="{61630BD6-9AE9-064C-B39F-AFA945B82B3E}" dt="2021-10-13T19:21:08.267" v="201" actId="20577"/>
+        <pc:sldMkLst>
+          <pc:docMk/>
+          <pc:sldMk cId="0" sldId="256"/>
+        </pc:sldMkLst>
+        <pc:spChg chg="mod">
+          <ac:chgData name="Lauren Schutte" userId="6e08b2d3-447a-4d66-86be-444d50df187f" providerId="ADAL" clId="{61630BD6-9AE9-064C-B39F-AFA945B82B3E}" dt="2021-10-13T19:03:44.344" v="3" actId="1076"/>
+          <ac:spMkLst>
+            <pc:docMk/>
+            <pc:sldMk cId="0" sldId="256"/>
+            <ac:spMk id="3" creationId="{00000000-0000-0000-0000-000000000000}"/>
+          </ac:spMkLst>
+        </pc:spChg>
+        <pc:graphicFrameChg chg="mod modGraphic">
+          <ac:chgData name="Lauren Schutte" userId="6e08b2d3-447a-4d66-86be-444d50df187f" providerId="ADAL" clId="{61630BD6-9AE9-064C-B39F-AFA945B82B3E}" dt="2021-10-13T19:21:08.267" v="201" actId="20577"/>
+          <ac:graphicFrameMkLst>
+            <pc:docMk/>
+            <pc:sldMk cId="0" sldId="256"/>
+            <ac:graphicFrameMk id="9" creationId="{00000000-0000-0000-0000-000000000000}"/>
+          </ac:graphicFrameMkLst>
+        </pc:graphicFrameChg>
+      </pc:sldChg>
+    </pc:docChg>
+  </pc:docChgLst>
+  <pc:docChgLst>
     <pc:chgData name="Andy Witt" userId="S::awitt@adobe.com::e9157bdf-53b2-40e4-9459-936793d75696" providerId="AD" clId="Web-{06B13378-B080-7F0F-51A5-F9203CEE57ED}"/>
     <pc:docChg chg="modSld">
       <pc:chgData name="Andy Witt" userId="S::awitt@adobe.com::e9157bdf-53b2-40e4-9459-936793d75696" providerId="AD" clId="Web-{06B13378-B080-7F0F-51A5-F9203CEE57ED}" dt="2021-08-25T22:25:13.647" v="363"/>
@@ -247,50 +381,26 @@
     </pc:docChg>
   </pc:docChgLst>
   <pc:docChgLst>
-    <pc:chgData name="Akilah Johnson" userId="S::akjohnso@adobe.com::2fa3aa60-0c9c-4d06-bae2-795983241227" providerId="AD" clId="Web-{D428A0AE-54E2-30D2-C574-7A0742876CCF}"/>
+    <pc:chgData name="Akilah Johnson" userId="S::akjohnso@adobe.com::2fa3aa60-0c9c-4d06-bae2-795983241227" providerId="AD" clId="Web-{4D8E0410-E0CE-85E2-0F84-C1BF4F647622}"/>
     <pc:docChg chg="modSld">
-      <pc:chgData name="Akilah Johnson" userId="S::akjohnso@adobe.com::2fa3aa60-0c9c-4d06-bae2-795983241227" providerId="AD" clId="Web-{D428A0AE-54E2-30D2-C574-7A0742876CCF}" dt="2021-10-12T19:11:25.330" v="0" actId="20577"/>
+      <pc:chgData name="Akilah Johnson" userId="S::akjohnso@adobe.com::2fa3aa60-0c9c-4d06-bae2-795983241227" providerId="AD" clId="Web-{4D8E0410-E0CE-85E2-0F84-C1BF4F647622}" dt="2021-09-22T22:57:04.802" v="5"/>
       <pc:docMkLst>
         <pc:docMk/>
       </pc:docMkLst>
       <pc:sldChg chg="modSp">
-        <pc:chgData name="Akilah Johnson" userId="S::akjohnso@adobe.com::2fa3aa60-0c9c-4d06-bae2-795983241227" providerId="AD" clId="Web-{D428A0AE-54E2-30D2-C574-7A0742876CCF}" dt="2021-10-12T19:11:25.330" v="0" actId="20577"/>
-        <pc:sldMkLst>
-          <pc:docMk/>
-          <pc:sldMk cId="0" sldId="256"/>
-        </pc:sldMkLst>
-        <pc:spChg chg="mod">
-          <ac:chgData name="Akilah Johnson" userId="S::akjohnso@adobe.com::2fa3aa60-0c9c-4d06-bae2-795983241227" providerId="AD" clId="Web-{D428A0AE-54E2-30D2-C574-7A0742876CCF}" dt="2021-10-12T19:11:25.330" v="0" actId="20577"/>
-          <ac:spMkLst>
-            <pc:docMk/>
-            <pc:sldMk cId="0" sldId="256"/>
-            <ac:spMk id="4" creationId="{00000000-0000-0000-0000-000000000000}"/>
-          </ac:spMkLst>
-        </pc:spChg>
-      </pc:sldChg>
-    </pc:docChg>
-  </pc:docChgLst>
-  <pc:docChgLst>
-    <pc:chgData name="Akilah Johnson" userId="S::akjohnso@adobe.com::2fa3aa60-0c9c-4d06-bae2-795983241227" providerId="AD" clId="Web-{71D6CFBF-0EA2-99B0-93F4-22F19EF0AE4E}"/>
-    <pc:docChg chg="modSld">
-      <pc:chgData name="Akilah Johnson" userId="S::akjohnso@adobe.com::2fa3aa60-0c9c-4d06-bae2-795983241227" providerId="AD" clId="Web-{71D6CFBF-0EA2-99B0-93F4-22F19EF0AE4E}" dt="2021-09-22T19:06:58.732" v="1" actId="1076"/>
-      <pc:docMkLst>
-        <pc:docMk/>
-      </pc:docMkLst>
-      <pc:sldChg chg="modSp">
-        <pc:chgData name="Akilah Johnson" userId="S::akjohnso@adobe.com::2fa3aa60-0c9c-4d06-bae2-795983241227" providerId="AD" clId="Web-{71D6CFBF-0EA2-99B0-93F4-22F19EF0AE4E}" dt="2021-09-22T19:06:58.732" v="1" actId="1076"/>
+        <pc:chgData name="Akilah Johnson" userId="S::akjohnso@adobe.com::2fa3aa60-0c9c-4d06-bae2-795983241227" providerId="AD" clId="Web-{4D8E0410-E0CE-85E2-0F84-C1BF4F647622}" dt="2021-09-22T22:57:04.802" v="5"/>
         <pc:sldMkLst>
           <pc:docMk/>
           <pc:sldMk cId="1050037809" sldId="261"/>
         </pc:sldMkLst>
-        <pc:spChg chg="mod">
-          <ac:chgData name="Akilah Johnson" userId="S::akjohnso@adobe.com::2fa3aa60-0c9c-4d06-bae2-795983241227" providerId="AD" clId="Web-{71D6CFBF-0EA2-99B0-93F4-22F19EF0AE4E}" dt="2021-09-22T19:06:58.732" v="1" actId="1076"/>
-          <ac:spMkLst>
+        <pc:graphicFrameChg chg="mod modGraphic">
+          <ac:chgData name="Akilah Johnson" userId="S::akjohnso@adobe.com::2fa3aa60-0c9c-4d06-bae2-795983241227" providerId="AD" clId="Web-{4D8E0410-E0CE-85E2-0F84-C1BF4F647622}" dt="2021-09-22T22:57:04.802" v="5"/>
+          <ac:graphicFrameMkLst>
             <pc:docMk/>
             <pc:sldMk cId="1050037809" sldId="261"/>
-            <ac:spMk id="64" creationId="{41467BDC-3D83-D844-B922-CD07E94E5AAB}"/>
-          </ac:spMkLst>
-        </pc:spChg>
+            <ac:graphicFrameMk id="25" creationId="{3A91F5B0-3974-A14D-A146-FB590F2AAD18}"/>
+          </ac:graphicFrameMkLst>
+        </pc:graphicFrameChg>
       </pc:sldChg>
     </pc:docChg>
   </pc:docChgLst>
@@ -327,88 +437,24 @@
     </pc:docChg>
   </pc:docChgLst>
   <pc:docChgLst>
-    <pc:chgData name="Akilah Johnson" userId="S::akjohnso@adobe.com::2fa3aa60-0c9c-4d06-bae2-795983241227" providerId="AD" clId="Web-{AFB92C2B-405E-C597-0988-18F97C53104C}"/>
+    <pc:chgData name="Akilah Johnson" userId="S::akjohnso@adobe.com::2fa3aa60-0c9c-4d06-bae2-795983241227" providerId="AD" clId="Web-{D428A0AE-54E2-30D2-C574-7A0742876CCF}"/>
     <pc:docChg chg="modSld">
-      <pc:chgData name="Akilah Johnson" userId="S::akjohnso@adobe.com::2fa3aa60-0c9c-4d06-bae2-795983241227" providerId="AD" clId="Web-{AFB92C2B-405E-C597-0988-18F97C53104C}" dt="2021-09-22T18:53:26.184" v="29"/>
+      <pc:chgData name="Akilah Johnson" userId="S::akjohnso@adobe.com::2fa3aa60-0c9c-4d06-bae2-795983241227" providerId="AD" clId="Web-{D428A0AE-54E2-30D2-C574-7A0742876CCF}" dt="2021-10-12T19:11:25.330" v="0" actId="20577"/>
       <pc:docMkLst>
         <pc:docMk/>
       </pc:docMkLst>
       <pc:sldChg chg="modSp">
-        <pc:chgData name="Akilah Johnson" userId="S::akjohnso@adobe.com::2fa3aa60-0c9c-4d06-bae2-795983241227" providerId="AD" clId="Web-{AFB92C2B-405E-C597-0988-18F97C53104C}" dt="2021-09-22T18:53:26.184" v="29"/>
-        <pc:sldMkLst>
-          <pc:docMk/>
-          <pc:sldMk cId="1050037809" sldId="261"/>
-        </pc:sldMkLst>
-        <pc:spChg chg="mod">
-          <ac:chgData name="Akilah Johnson" userId="S::akjohnso@adobe.com::2fa3aa60-0c9c-4d06-bae2-795983241227" providerId="AD" clId="Web-{AFB92C2B-405E-C597-0988-18F97C53104C}" dt="2021-09-22T18:53:05.841" v="5" actId="20577"/>
-          <ac:spMkLst>
-            <pc:docMk/>
-            <pc:sldMk cId="1050037809" sldId="261"/>
-            <ac:spMk id="64" creationId="{41467BDC-3D83-D844-B922-CD07E94E5AAB}"/>
-          </ac:spMkLst>
-        </pc:spChg>
-        <pc:graphicFrameChg chg="mod modGraphic">
-          <ac:chgData name="Akilah Johnson" userId="S::akjohnso@adobe.com::2fa3aa60-0c9c-4d06-bae2-795983241227" providerId="AD" clId="Web-{AFB92C2B-405E-C597-0988-18F97C53104C}" dt="2021-09-22T18:53:26.184" v="29"/>
-          <ac:graphicFrameMkLst>
-            <pc:docMk/>
-            <pc:sldMk cId="1050037809" sldId="261"/>
-            <ac:graphicFrameMk id="25" creationId="{3A91F5B0-3974-A14D-A146-FB590F2AAD18}"/>
-          </ac:graphicFrameMkLst>
-        </pc:graphicFrameChg>
-      </pc:sldChg>
-    </pc:docChg>
-  </pc:docChgLst>
-  <pc:docChgLst>
-    <pc:chgData name="Lauren Schutte" userId="6e08b2d3-447a-4d66-86be-444d50df187f" providerId="ADAL" clId="{61630BD6-9AE9-064C-B39F-AFA945B82B3E}"/>
-    <pc:docChg chg="undo custSel modSld">
-      <pc:chgData name="Lauren Schutte" userId="6e08b2d3-447a-4d66-86be-444d50df187f" providerId="ADAL" clId="{61630BD6-9AE9-064C-B39F-AFA945B82B3E}" dt="2021-10-13T19:21:08.267" v="201" actId="20577"/>
-      <pc:docMkLst>
-        <pc:docMk/>
-      </pc:docMkLst>
-      <pc:sldChg chg="modSp mod">
-        <pc:chgData name="Lauren Schutte" userId="6e08b2d3-447a-4d66-86be-444d50df187f" providerId="ADAL" clId="{61630BD6-9AE9-064C-B39F-AFA945B82B3E}" dt="2021-10-13T19:21:08.267" v="201" actId="20577"/>
+        <pc:chgData name="Akilah Johnson" userId="S::akjohnso@adobe.com::2fa3aa60-0c9c-4d06-bae2-795983241227" providerId="AD" clId="Web-{D428A0AE-54E2-30D2-C574-7A0742876CCF}" dt="2021-10-12T19:11:25.330" v="0" actId="20577"/>
         <pc:sldMkLst>
           <pc:docMk/>
           <pc:sldMk cId="0" sldId="256"/>
         </pc:sldMkLst>
         <pc:spChg chg="mod">
-          <ac:chgData name="Lauren Schutte" userId="6e08b2d3-447a-4d66-86be-444d50df187f" providerId="ADAL" clId="{61630BD6-9AE9-064C-B39F-AFA945B82B3E}" dt="2021-10-13T19:03:44.344" v="3" actId="1076"/>
+          <ac:chgData name="Akilah Johnson" userId="S::akjohnso@adobe.com::2fa3aa60-0c9c-4d06-bae2-795983241227" providerId="AD" clId="Web-{D428A0AE-54E2-30D2-C574-7A0742876CCF}" dt="2021-10-12T19:11:25.330" v="0" actId="20577"/>
           <ac:spMkLst>
             <pc:docMk/>
             <pc:sldMk cId="0" sldId="256"/>
-            <ac:spMk id="3" creationId="{00000000-0000-0000-0000-000000000000}"/>
-          </ac:spMkLst>
-        </pc:spChg>
-        <pc:graphicFrameChg chg="mod modGraphic">
-          <ac:chgData name="Lauren Schutte" userId="6e08b2d3-447a-4d66-86be-444d50df187f" providerId="ADAL" clId="{61630BD6-9AE9-064C-B39F-AFA945B82B3E}" dt="2021-10-13T19:21:08.267" v="201" actId="20577"/>
-          <ac:graphicFrameMkLst>
-            <pc:docMk/>
-            <pc:sldMk cId="0" sldId="256"/>
-            <ac:graphicFrameMk id="9" creationId="{00000000-0000-0000-0000-000000000000}"/>
-          </ac:graphicFrameMkLst>
-        </pc:graphicFrameChg>
-      </pc:sldChg>
-    </pc:docChg>
-  </pc:docChgLst>
-  <pc:docChgLst>
-    <pc:chgData name="Andy Witt" userId="S::awitt@adobe.com::e9157bdf-53b2-40e4-9459-936793d75696" providerId="AD" clId="Web-{CA5D33DF-AE75-BCA1-B9BC-A7CD44D2F3C7}"/>
-    <pc:docChg chg="modSld">
-      <pc:chgData name="Andy Witt" userId="S::awitt@adobe.com::e9157bdf-53b2-40e4-9459-936793d75696" providerId="AD" clId="Web-{CA5D33DF-AE75-BCA1-B9BC-A7CD44D2F3C7}" dt="2021-08-25T22:38:18.624" v="1" actId="1076"/>
-      <pc:docMkLst>
-        <pc:docMk/>
-      </pc:docMkLst>
-      <pc:sldChg chg="modSp">
-        <pc:chgData name="Andy Witt" userId="S::awitt@adobe.com::e9157bdf-53b2-40e4-9459-936793d75696" providerId="AD" clId="Web-{CA5D33DF-AE75-BCA1-B9BC-A7CD44D2F3C7}" dt="2021-08-25T22:38:18.624" v="1" actId="1076"/>
-        <pc:sldMkLst>
-          <pc:docMk/>
-          <pc:sldMk cId="1050037809" sldId="261"/>
-        </pc:sldMkLst>
-        <pc:spChg chg="mod">
-          <ac:chgData name="Andy Witt" userId="S::awitt@adobe.com::e9157bdf-53b2-40e4-9459-936793d75696" providerId="AD" clId="Web-{CA5D33DF-AE75-BCA1-B9BC-A7CD44D2F3C7}" dt="2021-08-25T22:38:18.624" v="1" actId="1076"/>
-          <ac:spMkLst>
-            <pc:docMk/>
-            <pc:sldMk cId="1050037809" sldId="261"/>
-            <ac:spMk id="50" creationId="{043050D0-21FC-0C42-8484-7FE7C0DB771F}"/>
+            <ac:spMk id="4" creationId="{00000000-0000-0000-0000-000000000000}"/>
           </ac:spMkLst>
         </pc:spChg>
       </pc:sldChg>
@@ -499,7 +545,7 @@
           <a:p>
             <a:fld id="{FB81873C-0B24-F04A-98A1-90E0A78F7E8A}" type="datetimeFigureOut">
               <a:rPr lang="en-US" smtClean="0"/>
-              <a:t>11/19/2021</a:t>
+              <a:t>1/20/22</a:t>
             </a:fld>
             <a:endParaRPr lang="en-US"/>
           </a:p>
@@ -1122,7 +1168,7 @@
           <a:p>
             <a:fld id="{1D8BD707-D9CF-40AE-B4C6-C98DA3205C09}" type="datetimeFigureOut">
               <a:rPr lang="en-US"/>
-              <a:t>11/19/2021</a:t>
+              <a:t>1/20/22</a:t>
             </a:fld>
             <a:endParaRPr lang="en-US"/>
           </a:p>
@@ -1314,7 +1360,7 @@
           <a:p>
             <a:fld id="{1D8BD707-D9CF-40AE-B4C6-C98DA3205C09}" type="datetimeFigureOut">
               <a:rPr lang="en-US"/>
-              <a:t>11/19/2021</a:t>
+              <a:t>1/20/22</a:t>
             </a:fld>
             <a:endParaRPr lang="en-US"/>
           </a:p>
@@ -1632,7 +1678,7 @@
           <a:p>
             <a:fld id="{1D8BD707-D9CF-40AE-B4C6-C98DA3205C09}" type="datetimeFigureOut">
               <a:rPr lang="en-US"/>
-              <a:t>11/19/2021</a:t>
+              <a:t>1/20/22</a:t>
             </a:fld>
             <a:endParaRPr lang="en-US"/>
           </a:p>
@@ -1886,8 +1932,8 @@
         </p:nvSpPr>
         <p:spPr>
           <a:xfrm>
-            <a:off x="168564" y="7162363"/>
-            <a:ext cx="4498685" cy="227626"/>
+            <a:off x="168565" y="7162363"/>
+            <a:ext cx="2800350" cy="238760"/>
           </a:xfrm>
           <a:prstGeom prst="rect">
             <a:avLst/>
@@ -1908,7 +1954,7 @@
               </a:spcBef>
             </a:pPr>
             <a:r>
-              <a:rPr lang="ja-JP" sz="1400" b="1" u="heavy" dirty="0">
+              <a:rPr sz="1400" b="1" u="heavy" spc="10">
                 <a:solidFill>
                   <a:srgbClr val="020302"/>
                 </a:solidFill>
@@ -1917,12 +1963,90 @@
                     <a:srgbClr val="020302"/>
                   </a:solidFill>
                 </a:uFill>
-                <a:latin typeface="Adobe Clean Han Regular" panose="020B0500000000000000" pitchFamily="34" charset="-128"/>
-                <a:ea typeface="Adobe Clean Han Regular" panose="020B0500000000000000" pitchFamily="34" charset="-128"/>
+                <a:latin typeface="Adobe Clean"/>
                 <a:cs typeface="Adobe Clean"/>
               </a:rPr>
-              <a:t>サービスレベルターゲット：初期対応</a:t>
-            </a:r>
+              <a:t>Service </a:t>
+            </a:r>
+            <a:r>
+              <a:rPr sz="1400" b="1" u="heavy" spc="-10">
+                <a:solidFill>
+                  <a:srgbClr val="020302"/>
+                </a:solidFill>
+                <a:uFill>
+                  <a:solidFill>
+                    <a:srgbClr val="020302"/>
+                  </a:solidFill>
+                </a:uFill>
+                <a:latin typeface="Adobe Clean"/>
+                <a:cs typeface="Adobe Clean"/>
+              </a:rPr>
+              <a:t>Level </a:t>
+            </a:r>
+            <a:r>
+              <a:rPr sz="1400" b="1" u="heavy" spc="-45">
+                <a:solidFill>
+                  <a:srgbClr val="020302"/>
+                </a:solidFill>
+                <a:uFill>
+                  <a:solidFill>
+                    <a:srgbClr val="020302"/>
+                  </a:solidFill>
+                </a:uFill>
+                <a:latin typeface="Adobe Clean"/>
+                <a:cs typeface="Adobe Clean"/>
+              </a:rPr>
+              <a:t>Targets: </a:t>
+            </a:r>
+            <a:r>
+              <a:rPr sz="1400" b="1" u="heavy" spc="-10">
+                <a:solidFill>
+                  <a:srgbClr val="020302"/>
+                </a:solidFill>
+                <a:uFill>
+                  <a:solidFill>
+                    <a:srgbClr val="020302"/>
+                  </a:solidFill>
+                </a:uFill>
+                <a:latin typeface="Adobe Clean"/>
+                <a:cs typeface="Adobe Clean"/>
+              </a:rPr>
+              <a:t>Initial</a:t>
+            </a:r>
+            <a:r>
+              <a:rPr sz="1400" b="1" u="heavy" spc="-140">
+                <a:solidFill>
+                  <a:srgbClr val="020302"/>
+                </a:solidFill>
+                <a:uFill>
+                  <a:solidFill>
+                    <a:srgbClr val="020302"/>
+                  </a:solidFill>
+                </a:uFill>
+                <a:latin typeface="Adobe Clean"/>
+                <a:cs typeface="Adobe Clean"/>
+              </a:rPr>
+              <a:t> </a:t>
+            </a:r>
+            <a:r>
+              <a:rPr sz="1400" b="1" u="heavy" spc="-15">
+                <a:solidFill>
+                  <a:srgbClr val="020302"/>
+                </a:solidFill>
+                <a:uFill>
+                  <a:solidFill>
+                    <a:srgbClr val="020302"/>
+                  </a:solidFill>
+                </a:uFill>
+                <a:latin typeface="Adobe Clean"/>
+                <a:cs typeface="Adobe Clean"/>
+              </a:rPr>
+              <a:t>Response</a:t>
+            </a:r>
+            <a:endParaRPr sz="1400">
+              <a:latin typeface="Adobe Clean"/>
+              <a:cs typeface="Adobe Clean"/>
+            </a:endParaRPr>
           </a:p>
         </p:txBody>
       </p:sp>
@@ -1989,12 +2113,20 @@
               </a:spcBef>
             </a:pPr>
             <a:r>
-              <a:rPr lang="ja-JP" sz="2300" dirty="0">
-                <a:latin typeface="Adobe Clean Han Bold" panose="020B0600000000000000" pitchFamily="34" charset="-128"/>
-                <a:ea typeface="Adobe Clean Han Bold" panose="020B0600000000000000" pitchFamily="34" charset="-128"/>
-              </a:rPr>
-              <a:t>アドビサポートのプラン</a:t>
-            </a:r>
+              <a:rPr sz="2300">
+                <a:latin typeface="Adobe Clean"/>
+              </a:rPr>
+              <a:t>ADOBE </a:t>
+            </a:r>
+            <a:r>
+              <a:rPr lang="en-US" sz="2300">
+                <a:latin typeface="Adobe Clean"/>
+              </a:rPr>
+              <a:t>SUPPORT PLANS</a:t>
+            </a:r>
+            <a:endParaRPr sz="2300">
+              <a:latin typeface="Adobe Clean" panose="020B0503020404020204" pitchFamily="34" charset="0"/>
+            </a:endParaRPr>
           </a:p>
         </p:txBody>
       </p:sp>
@@ -2007,7 +2139,7 @@
         <p:spPr>
           <a:xfrm>
             <a:off x="121147" y="531160"/>
-            <a:ext cx="5933578" cy="1425647"/>
+            <a:ext cx="5865216" cy="1269065"/>
           </a:xfrm>
           <a:prstGeom prst="rect">
             <a:avLst/>
@@ -2028,34 +2160,31 @@
               </a:spcBef>
             </a:pPr>
             <a:r>
-              <a:rPr lang="ja-JP" sz="900" dirty="0">
+              <a:rPr lang="en-US" sz="900" dirty="0">
                 <a:solidFill>
                   <a:schemeClr val="bg1"/>
                 </a:solidFill>
-                <a:latin typeface="Adobe Clean Han Light" panose="020B0300000000000000" pitchFamily="34" charset="-128"/>
-                <a:ea typeface="Adobe Clean Han Light" panose="020B0300000000000000" pitchFamily="34" charset="-128"/>
-              </a:rPr>
-              <a:t>オンライン | </a:t>
-            </a:r>
-            <a:r>
-              <a:rPr lang="ja-JP" sz="900" b="1" dirty="0">
+                <a:latin typeface="Adobe Clean Light" panose="020B0303020404020204" pitchFamily="34" charset="0"/>
+              </a:rPr>
+              <a:t>Standard | </a:t>
+            </a:r>
+            <a:r>
+              <a:rPr lang="en-US" sz="900" b="1" dirty="0">
                 <a:solidFill>
                   <a:schemeClr val="bg1"/>
                 </a:solidFill>
-                <a:latin typeface="Adobe Clean Han Regular" panose="020B0500000000000000" pitchFamily="34" charset="-128"/>
-                <a:ea typeface="Adobe Clean Han Regular" panose="020B0500000000000000" pitchFamily="34" charset="-128"/>
-              </a:rPr>
-              <a:t>ビジネス</a:t>
-            </a:r>
-            <a:r>
-              <a:rPr lang="ja-JP" sz="900" dirty="0">
+                <a:latin typeface="Adobe Clean" panose="020B0503020404020204" pitchFamily="34" charset="0"/>
+              </a:rPr>
+              <a:t>Business</a:t>
+            </a:r>
+            <a:r>
+              <a:rPr lang="en-US" sz="900" dirty="0">
                 <a:solidFill>
                   <a:schemeClr val="bg1"/>
                 </a:solidFill>
-                <a:latin typeface="Adobe Clean Han Light" panose="020B0300000000000000" pitchFamily="34" charset="-128"/>
-                <a:ea typeface="Adobe Clean Han Light" panose="020B0300000000000000" pitchFamily="34" charset="-128"/>
-              </a:rPr>
-              <a:t> | エンタープライズ | エリート</a:t>
+                <a:latin typeface="Adobe Clean Light" panose="020B0303020404020204" pitchFamily="34" charset="0"/>
+              </a:rPr>
+              <a:t> | Enterprise | Elite</a:t>
             </a:r>
           </a:p>
           <a:p>
@@ -2068,15 +2197,21 @@
               </a:spcBef>
             </a:pPr>
             <a:r>
-              <a:rPr lang="ja-JP" sz="900" dirty="0">
+              <a:rPr lang="en-US" sz="900" dirty="0">
                 <a:solidFill>
                   <a:schemeClr val="bg1"/>
                 </a:solidFill>
-                <a:latin typeface="Adobe Clean Han Light" panose="020B0300000000000000" pitchFamily="34" charset="-128"/>
-                <a:ea typeface="Adobe Clean Han Light" panose="020B0300000000000000" pitchFamily="34" charset="-128"/>
-              </a:rPr>
-              <a:t>アドビでは、お客様のビジネスをサポートするために、包括的なテクニカルリソースを提供しています。これらのリソースは Experience Cloud のライセンスサブスクリプションに含まれており、ビジネスサポートではさらに充実したリソースを利用可能です。ビジネスサポートでは、Adobe Experience League のパーソナライズされたラーニングパスやモニタリングされているコミュニティフォーラムへのアクセスが提供されます。アドビ製品に関する詳細なテクニカルドキュメントや最新のリリースノートは、いつでも参照可能です。また、ビジネスサポートのお客様は、製品に関するあらゆる質問を、必要なときに電話またはサポート web ポータルを使用して、テクニカルサポートチームに問い合わせることができます。さらに、アカウントサポートリードからの定期的な連絡や更新通知のほか、最も重要なサポートリクエストに対するケースエスカレーション管理のサポートも受けることができます。 </a:t>
-            </a:r>
+                <a:latin typeface="Adobe Clean SemiLight" panose="020B0403020404020204" pitchFamily="34" charset="0"/>
+              </a:rPr>
+              <a:t>Adobe provides a comprehensive range of technical resources to help support your business, included as part of your Experience Cloud license subscription and enhanced in the BUSINESS support package. BUSINESS support includes access to personalized learning paths and monitored community forums via the Adobe Experience League. You can also take advantage of our detailed and in-depth technical product documentation and current release notes. BUSINESS customers also benefit from access to our technical support teams for any product query via either the telephone or the support web portal, to help protect your business at the most critical times. BUSINESS customers will receive regular communications and updates from their Account Support Lead in addition to support case escalation management for your most critical of support requests. </a:t>
+            </a:r>
+            <a:endParaRPr lang="en-US" sz="900" dirty="0">
+              <a:solidFill>
+                <a:schemeClr val="bg1"/>
+              </a:solidFill>
+              <a:latin typeface="Adobe Clean Light" panose="020B0303020404020204" pitchFamily="34" charset="0"/>
+              <a:cs typeface="AdobeClean-Light"/>
+            </a:endParaRPr>
           </a:p>
         </p:txBody>
       </p:sp>
@@ -2143,8 +2278,24 @@
               </a:spcBef>
             </a:pPr>
             <a:r>
-              <a:rPr lang="ja-JP"/>
-              <a:t>©2021 Adobe.All Rights Reserved.Adobe Confidential.</a:t>
+              <a:rPr spc="-5"/>
+              <a:t>©202</a:t>
+            </a:r>
+            <a:r>
+              <a:rPr lang="en-US" spc="-5"/>
+              <a:t>1</a:t>
+            </a:r>
+            <a:r>
+              <a:rPr spc="-5"/>
+              <a:t> Adobe. All Rights Reserved. Adobe</a:t>
+            </a:r>
+            <a:r>
+              <a:rPr spc="60"/>
+              <a:t> </a:t>
+            </a:r>
+            <a:r>
+              <a:rPr spc="-5"/>
+              <a:t>Confidential.</a:t>
             </a:r>
           </a:p>
         </p:txBody>
@@ -2158,7 +2309,7 @@
           <p:nvPr>
             <p:extLst>
               <p:ext uri="{D42A27DB-BD31-4B8C-83A1-F6EECF244321}">
-                <p14:modId xmlns:p14="http://schemas.microsoft.com/office/powerpoint/2010/main" val="2664177047"/>
+                <p14:modId xmlns:p14="http://schemas.microsoft.com/office/powerpoint/2010/main" val="2485809364"/>
               </p:ext>
             </p:extLst>
           </p:nvPr>
@@ -2174,21 +2325,21 @@
                 <a:tableStyleId>{2D5ABB26-0587-4C30-8999-92F81FD0307C}</a:tableStyleId>
               </a:tblPr>
               <a:tblGrid>
-                <a:gridCol w="5024628">
+                <a:gridCol w="4698744">
                   <a:extLst>
                     <a:ext uri="{9D8B030D-6E8A-4147-A177-3AD203B41FA5}">
                       <a16:colId xmlns:a16="http://schemas.microsoft.com/office/drawing/2014/main" val="20000"/>
                     </a:ext>
                   </a:extLst>
                 </a:gridCol>
-                <a:gridCol w="1228725">
+                <a:gridCol w="1400053">
                   <a:extLst>
                     <a:ext uri="{9D8B030D-6E8A-4147-A177-3AD203B41FA5}">
                       <a16:colId xmlns:a16="http://schemas.microsoft.com/office/drawing/2014/main" val="20001"/>
                     </a:ext>
                   </a:extLst>
                 </a:gridCol>
-                <a:gridCol w="1245498">
+                <a:gridCol w="1400054">
                   <a:extLst>
                     <a:ext uri="{9D8B030D-6E8A-4147-A177-3AD203B41FA5}">
                       <a16:colId xmlns:a16="http://schemas.microsoft.com/office/drawing/2014/main" val="20002"/>
@@ -2211,16 +2362,19 @@
                         </a:spcBef>
                       </a:pPr>
                       <a:r>
-                        <a:rPr lang="ja-JP" sz="900" dirty="0">
+                        <a:rPr sz="900" spc="0">
                           <a:solidFill>
                             <a:srgbClr val="020302"/>
                           </a:solidFill>
-                          <a:latin typeface="Adobe Clean Han Regular" panose="020B0500000000000000" pitchFamily="34" charset="-128"/>
-                          <a:ea typeface="Adobe Clean Han Regular" panose="020B0500000000000000" pitchFamily="34" charset="-128"/>
+                          <a:latin typeface="Adobe Clean"/>
                           <a:cs typeface="Adobe Clean"/>
                         </a:rPr>
-                        <a:t>優先度</a:t>
+                        <a:t>Priority</a:t>
                       </a:r>
+                      <a:endParaRPr sz="900" spc="0">
+                        <a:latin typeface="Adobe Clean"/>
+                        <a:cs typeface="Adobe Clean"/>
+                      </a:endParaRPr>
                     </a:p>
                   </a:txBody>
                   <a:tcPr marL="0" marR="0" marT="7620" marB="0">
@@ -2258,37 +2412,41 @@
                     <a:bodyPr/>
                     <a:lstStyle/>
                     <a:p>
-                      <a:pPr marL="2540" marR="0" lvl="0" indent="0" algn="ctr" defTabSz="914400" eaLnBrk="1" fontAlgn="auto" latinLnBrk="0" hangingPunct="1">
+                      <a:pPr marL="135255" algn="ctr">
                         <a:lnSpc>
                           <a:spcPct val="100000"/>
                         </a:lnSpc>
                         <a:spcBef>
                           <a:spcPts val="60"/>
                         </a:spcBef>
-                        <a:spcAft>
-                          <a:spcPts val="0"/>
-                        </a:spcAft>
-                        <a:buClrTx/>
-                        <a:buSzTx/>
-                        <a:buFontTx/>
-                        <a:buNone/>
-                        <a:tabLst/>
-                        <a:defRPr/>
                       </a:pPr>
                       <a:r>
-                        <a:rPr lang="ja-JP" altLang="en-US" sz="900" dirty="0">
+                        <a:rPr lang="en-US" sz="900" spc="0" dirty="0">
                           <a:solidFill>
-                            <a:srgbClr val="404040"/>
+                            <a:srgbClr val="020302"/>
                           </a:solidFill>
-                          <a:latin typeface="Adobe Clean Han Regular" panose="020B0500000000000000" pitchFamily="34" charset="-128"/>
-                          <a:ea typeface="Adobe Clean Han Regular" panose="020B0500000000000000" pitchFamily="34" charset="-128"/>
+                          <a:latin typeface="Adobe Clean"/>
                           <a:cs typeface="Adobe Clean"/>
                         </a:rPr>
-                        <a:t>オンラインサポート</a:t>
+                        <a:t>Standard</a:t>
                       </a:r>
+                      <a:r>
+                        <a:rPr sz="900" spc="0" dirty="0">
+                          <a:solidFill>
+                            <a:srgbClr val="020302"/>
+                          </a:solidFill>
+                          <a:latin typeface="Adobe Clean"/>
+                          <a:cs typeface="Adobe Clean"/>
+                        </a:rPr>
+                        <a:t> Support</a:t>
+                      </a:r>
+                      <a:endParaRPr sz="900" spc="0" dirty="0">
+                        <a:latin typeface="Adobe Clean"/>
+                        <a:cs typeface="Adobe Clean"/>
+                      </a:endParaRPr>
                     </a:p>
                   </a:txBody>
-                  <a:tcPr marL="0" marR="0" marT="0" marB="0" anchor="ctr">
+                  <a:tcPr marL="182880" marT="91440" anchor="ctr">
                     <a:lnL w="3175">
                       <a:solidFill>
                         <a:srgbClr val="B7B8B8"/>
@@ -2323,7 +2481,7 @@
                     <a:bodyPr/>
                     <a:lstStyle/>
                     <a:p>
-                      <a:pPr marL="92710" algn="ctr">
+                      <a:pPr marL="92710">
                         <a:lnSpc>
                           <a:spcPct val="100000"/>
                         </a:lnSpc>
@@ -2332,19 +2490,42 @@
                         </a:spcBef>
                       </a:pPr>
                       <a:r>
-                        <a:rPr lang="ja-JP" sz="900" dirty="0">
+                        <a:rPr sz="900" spc="0">
                           <a:solidFill>
                             <a:srgbClr val="FFFFFF"/>
                           </a:solidFill>
-                          <a:latin typeface="Adobe Clean Han Regular" panose="020B0500000000000000" pitchFamily="34" charset="-128"/>
-                          <a:ea typeface="Adobe Clean Han Regular" panose="020B0500000000000000" pitchFamily="34" charset="-128"/>
+                          <a:latin typeface="Adobe Clean"/>
                           <a:cs typeface="Adobe Clean"/>
                         </a:rPr>
-                        <a:t>ビジネスサポート</a:t>
+                        <a:t>Business</a:t>
                       </a:r>
+                      <a:r>
+                        <a:rPr lang="en-US" sz="900" spc="0">
+                          <a:solidFill>
+                            <a:srgbClr val="FFFFFF"/>
+                          </a:solidFill>
+                          <a:latin typeface="Adobe Clean"/>
+                          <a:cs typeface="Adobe Clean"/>
+                        </a:rPr>
+                        <a:t> </a:t>
+                      </a:r>
+                      <a:r>
+                        <a:rPr sz="900" spc="0">
+                          <a:solidFill>
+                            <a:srgbClr val="FFFFFF"/>
+                          </a:solidFill>
+                          <a:latin typeface="Adobe Clean"/>
+                          <a:cs typeface="Adobe Clean"/>
+                        </a:rPr>
+                        <a:t>Support</a:t>
+                      </a:r>
+                      <a:endParaRPr sz="900" spc="0">
+                        <a:latin typeface="Adobe Clean"/>
+                        <a:cs typeface="Adobe Clean"/>
+                      </a:endParaRPr>
                     </a:p>
                   </a:txBody>
-                  <a:tcPr marL="0" marR="0" marT="0" marB="0" anchor="ctr">
+                  <a:tcPr marL="182880" marT="91440" anchor="ctr">
                     <a:lnL w="3175">
                       <a:solidFill>
                         <a:srgbClr val="B7B8B8"/>
@@ -2395,16 +2576,19 @@
                         </a:spcBef>
                       </a:pPr>
                       <a:r>
-                        <a:rPr lang="ja-JP" sz="900" b="1" dirty="0">
+                        <a:rPr sz="900" b="1" spc="0">
                           <a:solidFill>
                             <a:srgbClr val="020302"/>
                           </a:solidFill>
-                          <a:latin typeface="Adobe Clean Han Regular" panose="020B0500000000000000" pitchFamily="34" charset="-128"/>
-                          <a:ea typeface="Adobe Clean Han Regular" panose="020B0500000000000000" pitchFamily="34" charset="-128"/>
+                          <a:latin typeface="Adobe Clean"/>
                           <a:cs typeface="Adobe Clean"/>
                         </a:rPr>
-                        <a:t>優先度 1</a:t>
+                        <a:t>PRIORITY 1</a:t>
                       </a:r>
+                      <a:endParaRPr sz="900" spc="0">
+                        <a:latin typeface="Adobe Clean"/>
+                        <a:cs typeface="Adobe Clean"/>
+                      </a:endParaRPr>
                     </a:p>
                     <a:p>
                       <a:pPr marL="50800" marR="387985" lvl="0" indent="0" algn="l" defTabSz="914400" rtl="0" eaLnBrk="1" fontAlgn="auto" latinLnBrk="0" hangingPunct="1">
@@ -2425,18 +2609,22 @@
                         <a:defRPr/>
                       </a:pPr>
                       <a:r>
-                        <a:rPr lang="ja-JP" sz="900" b="0" i="0" dirty="0">
+                        <a:rPr lang="en-US" sz="900" b="0" i="0" spc="0">
                           <a:solidFill>
                             <a:srgbClr val="000000"/>
                           </a:solidFill>
-                          <a:latin typeface="Adobe Clean Han Light" panose="020B0300000000000000" pitchFamily="34" charset="-128"/>
-                          <a:ea typeface="Adobe Clean Han Light" panose="020B0300000000000000" pitchFamily="34" charset="-128"/>
+                          <a:effectLst/>
+                          <a:latin typeface="Adobe Clean Light" panose="020B0303020404020204" pitchFamily="34" charset="0"/>
                         </a:rPr>
-                        <a:t>お客様の本番業務機能がダウンしている、または著しいデータ損失やサービス低下があり、機能およびユーザビリティを復元するための早急な処置が必要。</a:t>
+                        <a:t>Customer's production business functions are down or have significant data loss or service degradation and immediate attention is required to restore functionality and usability</a:t>
                       </a:r>
+                      <a:endParaRPr lang="en-US" sz="900" b="0" i="0" spc="0">
+                        <a:latin typeface="Adobe Clean Light" panose="020B0303020404020204" pitchFamily="34" charset="0"/>
+                        <a:cs typeface="AdobeClean-Light"/>
+                      </a:endParaRPr>
                     </a:p>
                   </a:txBody>
-                  <a:tcPr marL="0" marR="0" marT="0" marB="0">
+                  <a:tcPr marL="0" marR="0" marT="3810" marB="0">
                     <a:lnL w="3175">
                       <a:solidFill>
                         <a:srgbClr val="B7B8B8"/>
@@ -2468,59 +2656,71 @@
                     <a:bodyPr/>
                     <a:lstStyle/>
                     <a:p>
-                      <a:pPr algn="ctr" fontAlgn="t"/>
+                      <a:pPr marL="374015" marR="325120" indent="-3810" algn="ctr">
+                        <a:lnSpc>
+                          <a:spcPct val="100000"/>
+                        </a:lnSpc>
+                        <a:spcBef>
+                          <a:spcPts val="670"/>
+                        </a:spcBef>
+                      </a:pPr>
                       <a:r>
-                        <a:rPr lang="en-US" altLang="ja-JP" sz="800" b="0" i="0" u="none" strike="noStrike" dirty="0">
+                        <a:rPr sz="900" spc="0">
                           <a:solidFill>
                             <a:srgbClr val="020302"/>
                           </a:solidFill>
-                          <a:latin typeface="Adobe Clean Han Light" panose="020B0300000000000000" pitchFamily="34" charset="-128"/>
-                          <a:ea typeface="Adobe Clean Han Light" panose="020B0300000000000000" pitchFamily="34" charset="-128"/>
+                          <a:latin typeface="AdobeClean-Light"/>
+                          <a:cs typeface="AdobeClean-Light"/>
                         </a:rPr>
-                        <a:t>24 </a:t>
+                        <a:t>24x7</a:t>
                       </a:r>
                       <a:r>
-                        <a:rPr lang="ja-JP" altLang="en-US" sz="800" b="0" i="0" u="none" strike="noStrike" dirty="0">
+                        <a:rPr lang="en-US" sz="900" spc="0">
                           <a:solidFill>
                             <a:srgbClr val="020302"/>
                           </a:solidFill>
-                          <a:latin typeface="Adobe Clean Han Light" panose="020B0300000000000000" pitchFamily="34" charset="-128"/>
-                          <a:ea typeface="Adobe Clean Han Light" panose="020B0300000000000000" pitchFamily="34" charset="-128"/>
+                          <a:latin typeface="AdobeClean-Light"/>
+                          <a:cs typeface="AdobeClean-Light"/>
                         </a:rPr>
-                        <a:t>時間年中無休／</a:t>
+                        <a:t> </a:t>
                       </a:r>
-                      <a:br>
-                        <a:rPr lang="en-US" altLang="ja-JP" sz="800" b="0" i="0" u="none" strike="noStrike" dirty="0">
+                      <a:r>
+                        <a:rPr sz="900" spc="0">
                           <a:solidFill>
                             <a:srgbClr val="020302"/>
                           </a:solidFill>
-                          <a:latin typeface="Adobe Clean Han Light" panose="020B0300000000000000" pitchFamily="34" charset="-128"/>
-                          <a:ea typeface="Adobe Clean Han Light" panose="020B0300000000000000" pitchFamily="34" charset="-128"/>
+                          <a:latin typeface="AdobeClean-Light"/>
+                          <a:cs typeface="AdobeClean-Light"/>
                         </a:rPr>
-                      </a:br>
+                        <a:t>/</a:t>
+                      </a:r>
                       <a:r>
-                        <a:rPr lang="en-US" altLang="ja-JP" sz="800" b="0" i="0" u="none" strike="noStrike" dirty="0">
+                        <a:rPr lang="en-US" sz="900" spc="0">
                           <a:solidFill>
                             <a:srgbClr val="020302"/>
                           </a:solidFill>
-                          <a:latin typeface="Adobe Clean Han Light" panose="020B0300000000000000" pitchFamily="34" charset="-128"/>
-                          <a:ea typeface="Adobe Clean Han Light" panose="020B0300000000000000" pitchFamily="34" charset="-128"/>
+                          <a:latin typeface="AdobeClean-Light"/>
+                          <a:cs typeface="AdobeClean-Light"/>
                         </a:rPr>
-                        <a:t>1 </a:t>
+                        <a:t> </a:t>
                       </a:r>
                       <a:r>
-                        <a:rPr lang="ja-JP" altLang="en-US" sz="800" b="0" i="0" u="none" strike="noStrike" dirty="0">
+                        <a:rPr sz="900" spc="0">
                           <a:solidFill>
                             <a:srgbClr val="020302"/>
                           </a:solidFill>
-                          <a:latin typeface="Adobe Clean Han Light" panose="020B0300000000000000" pitchFamily="34" charset="-128"/>
-                          <a:ea typeface="Adobe Clean Han Light" panose="020B0300000000000000" pitchFamily="34" charset="-128"/>
+                          <a:latin typeface="AdobeClean-Light"/>
+                          <a:cs typeface="AdobeClean-Light"/>
                         </a:rPr>
-                        <a:t>時間</a:t>
+                        <a:t>1 hour</a:t>
                       </a:r>
+                      <a:endParaRPr sz="900" spc="0">
+                        <a:latin typeface="AdobeClean-Light"/>
+                        <a:cs typeface="AdobeClean-Light"/>
+                      </a:endParaRPr>
                     </a:p>
                   </a:txBody>
-                  <a:tcPr marL="0" marR="0" marT="0" marB="0" anchor="ctr" anchorCtr="1">
+                  <a:tcPr marL="0" marR="0" marT="91440" marB="91440" anchor="ctr" anchorCtr="1">
                     <a:lnL w="3175">
                       <a:solidFill>
                         <a:srgbClr val="B7B8B8"/>
@@ -2552,56 +2752,68 @@
                     <a:bodyPr/>
                     <a:lstStyle/>
                     <a:p>
-                      <a:pPr algn="ctr" fontAlgn="t"/>
+                      <a:pPr marL="373380" marR="325755" indent="-3810" algn="ctr">
+                        <a:lnSpc>
+                          <a:spcPct val="100000"/>
+                        </a:lnSpc>
+                        <a:spcBef>
+                          <a:spcPts val="670"/>
+                        </a:spcBef>
+                      </a:pPr>
                       <a:r>
-                        <a:rPr lang="en-US" altLang="ja-JP" sz="900" b="0" i="0" u="none" strike="noStrike" dirty="0">
+                        <a:rPr sz="900" spc="0">
                           <a:solidFill>
                             <a:srgbClr val="020302"/>
                           </a:solidFill>
-                          <a:latin typeface="Adobe Clean Han Light" panose="020B0300000000000000" pitchFamily="34" charset="-128"/>
-                          <a:ea typeface="Adobe Clean Han Light" panose="020B0300000000000000" pitchFamily="34" charset="-128"/>
+                          <a:latin typeface="AdobeClean-Light"/>
+                          <a:cs typeface="AdobeClean-Light"/>
                         </a:rPr>
-                        <a:t>24 </a:t>
+                        <a:t>24x7</a:t>
                       </a:r>
                       <a:r>
-                        <a:rPr lang="ja-JP" altLang="en-US" sz="900" b="0" i="0" u="none" strike="noStrike" dirty="0">
+                        <a:rPr lang="en-US" sz="900" spc="0">
                           <a:solidFill>
                             <a:srgbClr val="020302"/>
                           </a:solidFill>
-                          <a:latin typeface="Adobe Clean Han Light" panose="020B0300000000000000" pitchFamily="34" charset="-128"/>
-                          <a:ea typeface="Adobe Clean Han Light" panose="020B0300000000000000" pitchFamily="34" charset="-128"/>
+                          <a:latin typeface="AdobeClean-Light"/>
+                          <a:cs typeface="AdobeClean-Light"/>
                         </a:rPr>
-                        <a:t>時間年中無休／</a:t>
+                        <a:t> </a:t>
                       </a:r>
-                      <a:br>
-                        <a:rPr lang="en-US" altLang="ja-JP" sz="900" b="0" i="0" u="none" strike="noStrike" dirty="0">
+                      <a:r>
+                        <a:rPr sz="900" spc="0">
                           <a:solidFill>
                             <a:srgbClr val="020302"/>
                           </a:solidFill>
-                          <a:latin typeface="Adobe Clean Han Light" panose="020B0300000000000000" pitchFamily="34" charset="-128"/>
-                          <a:ea typeface="Adobe Clean Han Light" panose="020B0300000000000000" pitchFamily="34" charset="-128"/>
+                          <a:latin typeface="AdobeClean-Light"/>
+                          <a:cs typeface="AdobeClean-Light"/>
                         </a:rPr>
-                      </a:br>
+                        <a:t>/</a:t>
+                      </a:r>
                       <a:r>
-                        <a:rPr lang="en-US" altLang="ja-JP" sz="900" b="0" i="0" u="none" strike="noStrike" dirty="0">
+                        <a:rPr lang="en-US" sz="900" spc="0">
                           <a:solidFill>
                             <a:srgbClr val="020302"/>
                           </a:solidFill>
-                          <a:latin typeface="Adobe Clean Han Light" panose="020B0300000000000000" pitchFamily="34" charset="-128"/>
-                          <a:ea typeface="Adobe Clean Han Light" panose="020B0300000000000000" pitchFamily="34" charset="-128"/>
+                          <a:latin typeface="AdobeClean-Light"/>
+                          <a:cs typeface="AdobeClean-Light"/>
                         </a:rPr>
-                        <a:t>1 </a:t>
+                        <a:t> </a:t>
                       </a:r>
                       <a:r>
-                        <a:rPr lang="ja-JP" altLang="en-US" sz="900" b="0" i="0" u="none" strike="noStrike" dirty="0">
+                        <a:rPr sz="900" spc="0">
                           <a:solidFill>
                             <a:srgbClr val="020302"/>
                           </a:solidFill>
-                          <a:latin typeface="Adobe Clean Han Light" panose="020B0300000000000000" pitchFamily="34" charset="-128"/>
-                          <a:ea typeface="Adobe Clean Han Light" panose="020B0300000000000000" pitchFamily="34" charset="-128"/>
+                          <a:latin typeface="AdobeClean-Light"/>
+                          <a:cs typeface="AdobeClean-Light"/>
                         </a:rPr>
-                        <a:t>時間</a:t>
+                        <a:t>1 hour</a:t>
                       </a:r>
+                      <a:endParaRPr sz="900" spc="0">
+                        <a:latin typeface="AdobeClean-Light"/>
+                        <a:cs typeface="AdobeClean-Light"/>
+                      </a:endParaRPr>
                     </a:p>
                   </a:txBody>
                   <a:tcPr marL="0" marR="0" marT="91440" marB="91440" anchor="ctr" anchorCtr="1">
@@ -2657,16 +2869,19 @@
                         </a:spcBef>
                       </a:pPr>
                       <a:r>
-                        <a:rPr lang="ja-JP" sz="900" b="1" dirty="0">
+                        <a:rPr sz="900" b="1" spc="0">
                           <a:solidFill>
                             <a:srgbClr val="020302"/>
                           </a:solidFill>
-                          <a:latin typeface="Adobe Clean Han Regular" panose="020B0500000000000000" pitchFamily="34" charset="-128"/>
-                          <a:ea typeface="Adobe Clean Han Regular" panose="020B0500000000000000" pitchFamily="34" charset="-128"/>
+                          <a:latin typeface="Adobe Clean"/>
                           <a:cs typeface="Adobe Clean"/>
                         </a:rPr>
-                        <a:t>優先度 2</a:t>
+                        <a:t>PRIORITY 2</a:t>
                       </a:r>
+                      <a:endParaRPr sz="900" spc="0">
+                        <a:latin typeface="Adobe Clean"/>
+                        <a:cs typeface="Adobe Clean"/>
+                      </a:endParaRPr>
                     </a:p>
                     <a:p>
                       <a:pPr marL="50165" marR="203200">
@@ -2678,15 +2893,19 @@
                         </a:spcBef>
                       </a:pPr>
                       <a:r>
-                        <a:rPr lang="ja-JP" sz="900" b="0" i="0" dirty="0">
+                        <a:rPr lang="en-US" sz="900" b="0" i="0" spc="0">
                           <a:solidFill>
                             <a:srgbClr val="000000"/>
                           </a:solidFill>
-                          <a:latin typeface="Adobe Clean Han Light" panose="020B0300000000000000" pitchFamily="34" charset="-128"/>
-                          <a:ea typeface="Adobe Clean Han Light" panose="020B0300000000000000" pitchFamily="34" charset="-128"/>
+                          <a:effectLst/>
+                          <a:latin typeface="Adobe Clean Light" panose="020B0303020404020204" pitchFamily="34" charset="0"/>
                         </a:rPr>
-                        <a:t>お客様の業務機能に重大なサービス低下や潜在的なデータ損失があるか、主な機能が影響を受けている。 </a:t>
+                        <a:t>Customer's business functions have major service degradation or potential data loss, or a major feature is impacted </a:t>
                       </a:r>
+                      <a:endParaRPr lang="en-US" sz="900" b="0" i="0" spc="0">
+                        <a:latin typeface="Adobe Clean Light" panose="020B0303020404020204" pitchFamily="34" charset="0"/>
+                        <a:cs typeface="AdobeClean-Light"/>
+                      </a:endParaRPr>
                     </a:p>
                   </a:txBody>
                   <a:tcPr marL="0" marR="0" marT="3810" marB="0">
@@ -2721,7 +2940,7 @@
                     <a:bodyPr/>
                     <a:lstStyle/>
                     <a:p>
-                      <a:pPr marL="122238" marR="184785" indent="0" algn="ctr">
+                      <a:pPr marL="316865" marR="184785" indent="-193675" algn="ctr">
                         <a:lnSpc>
                           <a:spcPct val="100000"/>
                         </a:lnSpc>
@@ -2730,48 +2949,79 @@
                         </a:spcBef>
                       </a:pPr>
                       <a:r>
-                        <a:rPr lang="ja-JP" altLang="en-US" sz="900" dirty="0">
+                        <a:rPr sz="900" spc="0">
                           <a:solidFill>
                             <a:srgbClr val="020302"/>
                           </a:solidFill>
-                          <a:latin typeface="Adobe Clean Han Light" panose="020B0300000000000000" pitchFamily="34" charset="-128"/>
-                          <a:ea typeface="Adobe Clean Han Light" panose="020B0300000000000000" pitchFamily="34" charset="-128"/>
+                          <a:latin typeface="AdobeClean-Light"/>
                           <a:cs typeface="AdobeClean-Light"/>
                         </a:rPr>
-                        <a:t>営業時間</a:t>
+                        <a:t>Business</a:t>
                       </a:r>
                       <a:r>
-                        <a:rPr lang="ja-JP" sz="900" dirty="0">
+                        <a:rPr lang="en-US" sz="900" spc="0">
                           <a:solidFill>
                             <a:srgbClr val="020302"/>
                           </a:solidFill>
-                          <a:latin typeface="Adobe Clean Han Light" panose="020B0300000000000000" pitchFamily="34" charset="-128"/>
-                          <a:ea typeface="Adobe Clean Han Light" panose="020B0300000000000000" pitchFamily="34" charset="-128"/>
+                          <a:latin typeface="AdobeClean-Light"/>
                           <a:cs typeface="AdobeClean-Light"/>
                         </a:rPr>
-                        <a:t>／</a:t>
+                        <a:t> </a:t>
                       </a:r>
-                      <a:br>
-                        <a:rPr lang="en-US" altLang="ja-JP" sz="900" dirty="0">
+                      <a:r>
+                        <a:rPr sz="900" spc="0">
                           <a:solidFill>
                             <a:srgbClr val="020302"/>
                           </a:solidFill>
-                          <a:latin typeface="Adobe Clean Han Light" panose="020B0300000000000000" pitchFamily="34" charset="-128"/>
-                          <a:ea typeface="Adobe Clean Han Light" panose="020B0300000000000000" pitchFamily="34" charset="-128"/>
+                          <a:latin typeface="AdobeClean-Light"/>
                           <a:cs typeface="AdobeClean-Light"/>
                         </a:rPr>
-                      </a:br>
+                        <a:t>hours</a:t>
+                      </a:r>
                       <a:r>
-                        <a:rPr lang="ja-JP" sz="900" dirty="0">
+                        <a:rPr lang="en-US" sz="900" spc="0">
                           <a:solidFill>
                             <a:srgbClr val="020302"/>
                           </a:solidFill>
-                          <a:latin typeface="Adobe Clean Han Light" panose="020B0300000000000000" pitchFamily="34" charset="-128"/>
-                          <a:ea typeface="Adobe Clean Han Light" panose="020B0300000000000000" pitchFamily="34" charset="-128"/>
+                          <a:latin typeface="AdobeClean-Light"/>
                           <a:cs typeface="AdobeClean-Light"/>
                         </a:rPr>
-                        <a:t>4 時間</a:t>
+                        <a:t> </a:t>
                       </a:r>
+                      <a:r>
+                        <a:rPr sz="900" spc="0">
+                          <a:solidFill>
+                            <a:srgbClr val="020302"/>
+                          </a:solidFill>
+                          <a:latin typeface="AdobeClean-Light"/>
+                          <a:cs typeface="AdobeClean-Light"/>
+                        </a:rPr>
+                        <a:t>/</a:t>
+                      </a:r>
+                      <a:r>
+                        <a:rPr lang="en-US" sz="900" spc="0">
+                          <a:solidFill>
+                            <a:srgbClr val="020302"/>
+                          </a:solidFill>
+                          <a:latin typeface="AdobeClean-Light"/>
+                          <a:cs typeface="AdobeClean-Light"/>
+                        </a:rPr>
+                        <a:t> </a:t>
+                      </a:r>
+                      <a:r>
+                        <a:rPr sz="900" spc="0">
+                          <a:solidFill>
+                            <a:srgbClr val="020302"/>
+                          </a:solidFill>
+                          <a:latin typeface="AdobeClean-Light"/>
+                          <a:cs typeface="AdobeClean-Light"/>
+                        </a:rPr>
+                        <a:t>4 hours</a:t>
+                      </a:r>
+                      <a:endParaRPr sz="900" spc="0">
+                        <a:latin typeface="AdobeClean-Light"/>
+                        <a:cs typeface="AdobeClean-Light"/>
+                      </a:endParaRPr>
                     </a:p>
                   </a:txBody>
                   <a:tcPr marL="0" marR="0" marT="91440" marB="91440" anchor="ctr" anchorCtr="1">
@@ -2806,7 +3056,7 @@
                     <a:bodyPr/>
                     <a:lstStyle/>
                     <a:p>
-                      <a:pPr marL="123825" marR="184785" indent="-123825" algn="ctr">
+                      <a:pPr marL="317500" marR="184785" indent="-194310" algn="ctr">
                         <a:lnSpc>
                           <a:spcPct val="100000"/>
                         </a:lnSpc>
@@ -2815,70 +3065,89 @@
                         </a:spcBef>
                       </a:pPr>
                       <a:r>
-                        <a:rPr lang="ja-JP" sz="900" dirty="0">
+                        <a:rPr lang="en-US" sz="900" spc="0">
                           <a:solidFill>
                             <a:srgbClr val="020302"/>
                           </a:solidFill>
-                          <a:latin typeface="Adobe Clean Han Light" panose="020B0300000000000000" pitchFamily="34" charset="-128"/>
-                          <a:ea typeface="Adobe Clean Han Light" panose="020B0300000000000000" pitchFamily="34" charset="-128"/>
+                          <a:latin typeface="AdobeClean-Light"/>
                           <a:cs typeface="AdobeClean-Light"/>
                         </a:rPr>
                         <a:t>    </a:t>
                       </a:r>
                       <a:r>
-                        <a:rPr lang="ja-JP" altLang="en-US" sz="900" dirty="0">
+                        <a:rPr sz="900" spc="0">
                           <a:solidFill>
                             <a:srgbClr val="020302"/>
                           </a:solidFill>
-                          <a:latin typeface="Adobe Clean Han Light" panose="020B0300000000000000" pitchFamily="34" charset="-128"/>
-                          <a:ea typeface="Adobe Clean Han Light" panose="020B0300000000000000" pitchFamily="34" charset="-128"/>
+                          <a:latin typeface="AdobeClean-Light"/>
                           <a:cs typeface="AdobeClean-Light"/>
                         </a:rPr>
-                        <a:t>営業時間</a:t>
+                        <a:t>Business</a:t>
                       </a:r>
                       <a:r>
-                        <a:rPr lang="ja-JP" sz="900" dirty="0">
+                        <a:rPr lang="en-US" sz="900" spc="0">
                           <a:solidFill>
                             <a:srgbClr val="020302"/>
                           </a:solidFill>
-                          <a:latin typeface="Adobe Clean Han Light" panose="020B0300000000000000" pitchFamily="34" charset="-128"/>
-                          <a:ea typeface="Adobe Clean Han Light" panose="020B0300000000000000" pitchFamily="34" charset="-128"/>
+                          <a:latin typeface="AdobeClean-Light"/>
                           <a:cs typeface="AdobeClean-Light"/>
                         </a:rPr>
-                        <a:t>／</a:t>
+                        <a:t> </a:t>
                       </a:r>
-                      <a:br>
-                        <a:rPr lang="sk-SK" altLang="ja-JP" sz="900" dirty="0">
+                      <a:r>
+                        <a:rPr sz="900" spc="0">
                           <a:solidFill>
                             <a:srgbClr val="020302"/>
                           </a:solidFill>
-                          <a:latin typeface="Adobe Clean Han Light" panose="020B0300000000000000" pitchFamily="34" charset="-128"/>
-                          <a:ea typeface="Adobe Clean Han Light" panose="020B0300000000000000" pitchFamily="34" charset="-128"/>
+                          <a:latin typeface="AdobeClean-Light"/>
                           <a:cs typeface="AdobeClean-Light"/>
                         </a:rPr>
-                      </a:br>
+                        <a:t>hours</a:t>
+                      </a:r>
                       <a:r>
-                        <a:rPr lang="en-US" sz="900" dirty="0">
+                        <a:rPr lang="en-US" sz="900" spc="0">
                           <a:solidFill>
                             <a:srgbClr val="020302"/>
                           </a:solidFill>
-                          <a:latin typeface="Adobe Clean Han Light" panose="020B0300000000000000" pitchFamily="34" charset="-128"/>
-                          <a:ea typeface="Adobe Clean Han Light" panose="020B0300000000000000" pitchFamily="34" charset="-128"/>
+                          <a:latin typeface="AdobeClean-Light"/>
                           <a:cs typeface="AdobeClean-Light"/>
                         </a:rPr>
-                        <a:t>2 </a:t>
+                        <a:t> / </a:t>
                       </a:r>
                       <a:r>
-                        <a:rPr lang="ja-JP" sz="900" dirty="0">
+                        <a:rPr sz="900" spc="0">
                           <a:solidFill>
                             <a:srgbClr val="020302"/>
                           </a:solidFill>
-                          <a:latin typeface="Adobe Clean Han Light" panose="020B0300000000000000" pitchFamily="34" charset="-128"/>
-                          <a:ea typeface="Adobe Clean Han Light" panose="020B0300000000000000" pitchFamily="34" charset="-128"/>
+                          <a:latin typeface="AdobeClean-Light"/>
                           <a:cs typeface="AdobeClean-Light"/>
                         </a:rPr>
-                        <a:t>時間</a:t>
+                        <a:t>2</a:t>
                       </a:r>
+                      <a:r>
+                        <a:rPr lang="en-US" sz="900" spc="0">
+                          <a:solidFill>
+                            <a:srgbClr val="020302"/>
+                          </a:solidFill>
+                          <a:latin typeface="AdobeClean-Light"/>
+                          <a:cs typeface="AdobeClean-Light"/>
+                        </a:rPr>
+                        <a:t> </a:t>
+                      </a:r>
+                      <a:r>
+                        <a:rPr sz="900" spc="0">
+                          <a:solidFill>
+                            <a:srgbClr val="020302"/>
+                          </a:solidFill>
+                          <a:latin typeface="AdobeClean-Light"/>
+                          <a:cs typeface="AdobeClean-Light"/>
+                        </a:rPr>
+                        <a:t>hours</a:t>
+                      </a:r>
+                      <a:endParaRPr sz="900" spc="0">
+                        <a:latin typeface="AdobeClean-Light"/>
+                        <a:cs typeface="AdobeClean-Light"/>
+                      </a:endParaRPr>
                     </a:p>
                   </a:txBody>
                   <a:tcPr marL="0" marR="0" marT="91440" marB="91440" anchor="ctr" anchorCtr="1">
@@ -2934,16 +3203,19 @@
                         </a:spcBef>
                       </a:pPr>
                       <a:r>
-                        <a:rPr lang="ja-JP" sz="900" b="1" dirty="0">
+                        <a:rPr sz="900" b="1" spc="0">
                           <a:solidFill>
                             <a:srgbClr val="020302"/>
                           </a:solidFill>
-                          <a:latin typeface="Adobe Clean Han Regular" panose="020B0500000000000000" pitchFamily="34" charset="-128"/>
-                          <a:ea typeface="Adobe Clean Han Regular" panose="020B0500000000000000" pitchFamily="34" charset="-128"/>
+                          <a:latin typeface="Adobe Clean"/>
                           <a:cs typeface="Adobe Clean"/>
                         </a:rPr>
-                        <a:t>優先度 3</a:t>
+                        <a:t>PRIORITY 3</a:t>
                       </a:r>
+                      <a:endParaRPr sz="900" spc="0">
+                        <a:latin typeface="Adobe Clean"/>
+                        <a:cs typeface="Adobe Clean"/>
+                      </a:endParaRPr>
                     </a:p>
                     <a:p>
                       <a:pPr marL="49530" marR="212090" indent="-2540">
@@ -2955,52 +3227,26 @@
                         </a:spcBef>
                       </a:pPr>
                       <a:r>
-                        <a:rPr kumimoji="0" lang="ja-JP" sz="900" b="0" i="0" u="none" strike="noStrike" cap="none" normalizeH="0" baseline="0" noProof="0" dirty="0">
+                        <a:rPr kumimoji="0" lang="en-US" sz="900" b="0" i="0" u="none" strike="noStrike" kern="1200" cap="none" spc="0" normalizeH="0" baseline="0" noProof="0">
                           <a:ln>
                             <a:noFill/>
                           </a:ln>
                           <a:solidFill>
                             <a:srgbClr val="000000"/>
                           </a:solidFill>
+                          <a:effectLst/>
                           <a:uLnTx/>
                           <a:uFillTx/>
-                          <a:latin typeface="Adobe Clean Han Light" panose="020B0300000000000000" pitchFamily="34" charset="-128"/>
-                          <a:ea typeface="Adobe Clean Han Light" panose="020B0300000000000000" pitchFamily="34" charset="-128"/>
+                          <a:latin typeface="Adobe Clean Light" panose="020B0303020404020204" pitchFamily="34" charset="0"/>
+                          <a:ea typeface="+mn-ea"/>
                           <a:cs typeface="+mn-cs"/>
                         </a:rPr>
-                        <a:t>お客様の業務機能に軽微なサービス低下があるが、業務機能を正常に続行できる解決策／</a:t>
+                        <a:t>Customer's business functions have minor service degradation but there exists a solution/workaround allowing business functions to continue </a:t>
                       </a:r>
-                      <a:br>
-                        <a:rPr kumimoji="0" lang="sk-SK" altLang="ja-JP" sz="900" b="0" i="0" u="none" strike="noStrike" cap="none" normalizeH="0" baseline="0" noProof="0" dirty="0">
-                          <a:ln>
-                            <a:noFill/>
-                          </a:ln>
-                          <a:solidFill>
-                            <a:srgbClr val="000000"/>
-                          </a:solidFill>
-                          <a:uLnTx/>
-                          <a:uFillTx/>
-                          <a:latin typeface="Adobe Clean Han Light" panose="020B0300000000000000" pitchFamily="34" charset="-128"/>
-                          <a:ea typeface="Adobe Clean Han Light" panose="020B0300000000000000" pitchFamily="34" charset="-128"/>
-                          <a:cs typeface="+mn-cs"/>
-                        </a:rPr>
-                      </a:br>
-                      <a:r>
-                        <a:rPr kumimoji="0" lang="ja-JP" sz="900" b="0" i="0" u="none" strike="noStrike" cap="none" normalizeH="0" baseline="0" noProof="0" dirty="0">
-                          <a:ln>
-                            <a:noFill/>
-                          </a:ln>
-                          <a:solidFill>
-                            <a:srgbClr val="000000"/>
-                          </a:solidFill>
-                          <a:uLnTx/>
-                          <a:uFillTx/>
-                          <a:latin typeface="Adobe Clean Han Light" panose="020B0300000000000000" pitchFamily="34" charset="-128"/>
-                          <a:ea typeface="Adobe Clean Han Light" panose="020B0300000000000000" pitchFamily="34" charset="-128"/>
-                          <a:cs typeface="+mn-cs"/>
-                        </a:rPr>
-                        <a:t>回避策が存在する。 </a:t>
-                      </a:r>
+                      <a:endParaRPr lang="en-US" sz="900" b="0" i="0" spc="0">
+                        <a:latin typeface="Adobe Clean Light" panose="020B0303020404020204" pitchFamily="34" charset="0"/>
+                        <a:cs typeface="AdobeClean-Light"/>
+                      </a:endParaRPr>
                     </a:p>
                   </a:txBody>
                   <a:tcPr marL="0" marR="0" marT="3810" marB="0">
@@ -3035,7 +3281,7 @@
                     <a:bodyPr/>
                     <a:lstStyle/>
                     <a:p>
-                      <a:pPr marL="123825" marR="184150" indent="0" algn="ctr">
+                      <a:pPr marL="313690" marR="184150" indent="-189865" algn="ctr">
                         <a:lnSpc>
                           <a:spcPct val="100000"/>
                         </a:lnSpc>
@@ -3044,48 +3290,89 @@
                         </a:spcBef>
                       </a:pPr>
                       <a:r>
-                        <a:rPr lang="ja-JP" altLang="en-US" sz="900" dirty="0">
+                        <a:rPr lang="en-US" sz="900" spc="0">
                           <a:solidFill>
                             <a:srgbClr val="020302"/>
                           </a:solidFill>
-                          <a:latin typeface="Adobe Clean Han Light" panose="020B0300000000000000" pitchFamily="34" charset="-128"/>
-                          <a:ea typeface="Adobe Clean Han Light" panose="020B0300000000000000" pitchFamily="34" charset="-128"/>
+                          <a:latin typeface="AdobeClean-Light"/>
                           <a:cs typeface="AdobeClean-Light"/>
                         </a:rPr>
-                        <a:t>営業時間</a:t>
+                        <a:t>   </a:t>
                       </a:r>
                       <a:r>
-                        <a:rPr lang="ja-JP" sz="900" dirty="0">
+                        <a:rPr sz="900" spc="0">
                           <a:solidFill>
                             <a:srgbClr val="020302"/>
                           </a:solidFill>
-                          <a:latin typeface="Adobe Clean Han Light" panose="020B0300000000000000" pitchFamily="34" charset="-128"/>
-                          <a:ea typeface="Adobe Clean Han Light" panose="020B0300000000000000" pitchFamily="34" charset="-128"/>
+                          <a:latin typeface="AdobeClean-Light"/>
                           <a:cs typeface="AdobeClean-Light"/>
                         </a:rPr>
-                        <a:t>／</a:t>
+                        <a:t>Business</a:t>
                       </a:r>
-                      <a:br>
-                        <a:rPr lang="sk-SK" altLang="ja-JP" sz="900" dirty="0">
+                      <a:r>
+                        <a:rPr lang="en-US" sz="900" spc="0">
                           <a:solidFill>
                             <a:srgbClr val="020302"/>
                           </a:solidFill>
-                          <a:latin typeface="Adobe Clean Han Light" panose="020B0300000000000000" pitchFamily="34" charset="-128"/>
-                          <a:ea typeface="Adobe Clean Han Light" panose="020B0300000000000000" pitchFamily="34" charset="-128"/>
+                          <a:latin typeface="AdobeClean-Light"/>
                           <a:cs typeface="AdobeClean-Light"/>
                         </a:rPr>
-                      </a:br>
+                        <a:t> </a:t>
+                      </a:r>
                       <a:r>
-                        <a:rPr lang="ja-JP" sz="900" dirty="0">
+                        <a:rPr sz="900" spc="0">
                           <a:solidFill>
                             <a:srgbClr val="020302"/>
                           </a:solidFill>
-                          <a:latin typeface="Adobe Clean Han Light" panose="020B0300000000000000" pitchFamily="34" charset="-128"/>
-                          <a:ea typeface="Adobe Clean Han Light" panose="020B0300000000000000" pitchFamily="34" charset="-128"/>
+                          <a:latin typeface="AdobeClean-Light"/>
                           <a:cs typeface="AdobeClean-Light"/>
                         </a:rPr>
-                        <a:t>6 時間</a:t>
+                        <a:t>hours</a:t>
                       </a:r>
+                      <a:r>
+                        <a:rPr lang="en-US" sz="900" spc="0">
+                          <a:solidFill>
+                            <a:srgbClr val="020302"/>
+                          </a:solidFill>
+                          <a:latin typeface="AdobeClean-Light"/>
+                          <a:cs typeface="AdobeClean-Light"/>
+                        </a:rPr>
+                        <a:t> / </a:t>
+                      </a:r>
+                      <a:r>
+                        <a:rPr sz="900" spc="0">
+                          <a:solidFill>
+                            <a:srgbClr val="020302"/>
+                          </a:solidFill>
+                          <a:latin typeface="AdobeClean-Light"/>
+                          <a:cs typeface="AdobeClean-Light"/>
+                        </a:rPr>
+                        <a:t>6</a:t>
+                      </a:r>
+                      <a:r>
+                        <a:rPr lang="en-US" sz="900" spc="0">
+                          <a:solidFill>
+                            <a:srgbClr val="020302"/>
+                          </a:solidFill>
+                          <a:latin typeface="AdobeClean-Light"/>
+                          <a:cs typeface="AdobeClean-Light"/>
+                        </a:rPr>
+                        <a:t> </a:t>
+                      </a:r>
+                      <a:r>
+                        <a:rPr sz="900" spc="0">
+                          <a:solidFill>
+                            <a:srgbClr val="020302"/>
+                          </a:solidFill>
+                          <a:latin typeface="AdobeClean-Light"/>
+                          <a:cs typeface="AdobeClean-Light"/>
+                        </a:rPr>
+                        <a:t>hours</a:t>
+                      </a:r>
+                      <a:endParaRPr sz="900" spc="0">
+                        <a:latin typeface="AdobeClean-Light"/>
+                        <a:cs typeface="AdobeClean-Light"/>
+                      </a:endParaRPr>
                     </a:p>
                   </a:txBody>
                   <a:tcPr marL="0" marR="0" marT="91440" marB="91440" anchor="ctr" anchorCtr="1">
@@ -3120,7 +3407,7 @@
                     <a:bodyPr/>
                     <a:lstStyle/>
                     <a:p>
-                      <a:pPr marL="123825" marR="184150" indent="0" algn="ctr">
+                      <a:pPr marL="316230" marR="185420" indent="-193675" algn="ctr">
                         <a:lnSpc>
                           <a:spcPct val="100000"/>
                         </a:lnSpc>
@@ -3129,48 +3416,79 @@
                         </a:spcBef>
                       </a:pPr>
                       <a:r>
-                        <a:rPr lang="ja-JP" altLang="en-US" sz="900" dirty="0">
+                        <a:rPr sz="900" spc="0">
                           <a:solidFill>
                             <a:srgbClr val="020302"/>
                           </a:solidFill>
-                          <a:latin typeface="Adobe Clean Han Light" panose="020B0300000000000000" pitchFamily="34" charset="-128"/>
-                          <a:ea typeface="Adobe Clean Han Light" panose="020B0300000000000000" pitchFamily="34" charset="-128"/>
+                          <a:latin typeface="AdobeClean-Light"/>
                           <a:cs typeface="AdobeClean-Light"/>
                         </a:rPr>
-                        <a:t>営業時間／</a:t>
+                        <a:t>Business</a:t>
                       </a:r>
-                      <a:br>
-                        <a:rPr lang="sk-SK" altLang="ja-JP" sz="900" dirty="0">
+                      <a:r>
+                        <a:rPr lang="en-US" sz="900" spc="0">
                           <a:solidFill>
                             <a:srgbClr val="020302"/>
                           </a:solidFill>
-                          <a:latin typeface="Adobe Clean Han Light" panose="020B0300000000000000" pitchFamily="34" charset="-128"/>
-                          <a:ea typeface="Adobe Clean Han Light" panose="020B0300000000000000" pitchFamily="34" charset="-128"/>
+                          <a:latin typeface="AdobeClean-Light"/>
                           <a:cs typeface="AdobeClean-Light"/>
                         </a:rPr>
-                      </a:br>
+                        <a:t> </a:t>
+                      </a:r>
                       <a:r>
-                        <a:rPr lang="en-US" altLang="ja-JP" sz="900" dirty="0">
+                        <a:rPr sz="900" spc="0">
                           <a:solidFill>
                             <a:srgbClr val="020302"/>
                           </a:solidFill>
-                          <a:latin typeface="Adobe Clean Han Light" panose="020B0300000000000000" pitchFamily="34" charset="-128"/>
-                          <a:ea typeface="Adobe Clean Han Light" panose="020B0300000000000000" pitchFamily="34" charset="-128"/>
+                          <a:latin typeface="AdobeClean-Light"/>
                           <a:cs typeface="AdobeClean-Light"/>
                         </a:rPr>
-                        <a:t>4 </a:t>
+                        <a:t>hours</a:t>
                       </a:r>
                       <a:r>
-                        <a:rPr lang="ja-JP" altLang="en-US" sz="900" dirty="0">
+                        <a:rPr lang="en-US" sz="900" spc="0">
                           <a:solidFill>
                             <a:srgbClr val="020302"/>
                           </a:solidFill>
-                          <a:latin typeface="Adobe Clean Han Light" panose="020B0300000000000000" pitchFamily="34" charset="-128"/>
-                          <a:ea typeface="Adobe Clean Han Light" panose="020B0300000000000000" pitchFamily="34" charset="-128"/>
+                          <a:latin typeface="AdobeClean-Light"/>
                           <a:cs typeface="AdobeClean-Light"/>
                         </a:rPr>
-                        <a:t>時間</a:t>
+                        <a:t> </a:t>
                       </a:r>
+                      <a:r>
+                        <a:rPr sz="900" spc="0">
+                          <a:solidFill>
+                            <a:srgbClr val="020302"/>
+                          </a:solidFill>
+                          <a:latin typeface="AdobeClean-Light"/>
+                          <a:cs typeface="AdobeClean-Light"/>
+                        </a:rPr>
+                        <a:t>/ 4</a:t>
+                      </a:r>
+                      <a:r>
+                        <a:rPr lang="en-US" sz="900" spc="0">
+                          <a:solidFill>
+                            <a:srgbClr val="020302"/>
+                          </a:solidFill>
+                          <a:latin typeface="AdobeClean-Light"/>
+                          <a:cs typeface="AdobeClean-Light"/>
+                        </a:rPr>
+                        <a:t> </a:t>
+                      </a:r>
+                      <a:r>
+                        <a:rPr sz="900" spc="0">
+                          <a:solidFill>
+                            <a:srgbClr val="020302"/>
+                          </a:solidFill>
+                          <a:latin typeface="AdobeClean-Light"/>
+                          <a:cs typeface="AdobeClean-Light"/>
+                        </a:rPr>
+                        <a:t>hours</a:t>
+                      </a:r>
+                      <a:endParaRPr sz="900" spc="0">
+                        <a:latin typeface="AdobeClean-Light"/>
+                        <a:cs typeface="AdobeClean-Light"/>
+                      </a:endParaRPr>
                     </a:p>
                   </a:txBody>
                   <a:tcPr marL="0" marR="0" marT="91440" marB="91440" anchor="ctr" anchorCtr="1">
@@ -3226,16 +3544,19 @@
                         </a:spcBef>
                       </a:pPr>
                       <a:r>
-                        <a:rPr lang="ja-JP" sz="900" b="1" dirty="0">
+                        <a:rPr sz="900" b="1" spc="0">
                           <a:solidFill>
                             <a:srgbClr val="020302"/>
                           </a:solidFill>
-                          <a:latin typeface="Adobe Clean Han Regular" panose="020B0500000000000000" pitchFamily="34" charset="-128"/>
-                          <a:ea typeface="Adobe Clean Han Regular" panose="020B0500000000000000" pitchFamily="34" charset="-128"/>
+                          <a:latin typeface="Adobe Clean"/>
                           <a:cs typeface="Adobe Clean"/>
                         </a:rPr>
-                        <a:t>優先度 4</a:t>
+                        <a:t>PRIORITY 4</a:t>
                       </a:r>
+                      <a:endParaRPr sz="900" spc="0">
+                        <a:latin typeface="Adobe Clean"/>
+                        <a:cs typeface="Adobe Clean"/>
+                      </a:endParaRPr>
                     </a:p>
                     <a:p>
                       <a:pPr marL="48895" marR="0" lvl="0" indent="0" defTabSz="914400" eaLnBrk="1" fontAlgn="auto" latinLnBrk="0" hangingPunct="1">
@@ -3256,15 +3577,19 @@
                         <a:defRPr/>
                       </a:pPr>
                       <a:r>
-                        <a:rPr lang="ja-JP" sz="900" b="0" i="0" dirty="0">
+                        <a:rPr lang="en-US" sz="900" b="0" i="0" spc="0">
                           <a:solidFill>
                             <a:srgbClr val="000000"/>
                           </a:solidFill>
-                          <a:latin typeface="Adobe Clean Han Light" panose="020B0300000000000000" pitchFamily="34" charset="-128"/>
-                          <a:ea typeface="Adobe Clean Han Light" panose="020B0300000000000000" pitchFamily="34" charset="-128"/>
+                          <a:effectLst/>
+                          <a:latin typeface="Adobe Clean Light" panose="020B0303020404020204" pitchFamily="34" charset="0"/>
                         </a:rPr>
-                        <a:t>現在の製品機能に関する一般的な質問または機能拡張のリクエスト。</a:t>
+                        <a:t>General question regarding current product functionality or an enhancement request</a:t>
                       </a:r>
+                      <a:endParaRPr lang="en-US" sz="900" b="0" i="0" spc="0">
+                        <a:latin typeface="Adobe Clean Light" panose="020B0303020404020204" pitchFamily="34" charset="0"/>
+                        <a:cs typeface="AdobeClean-Light"/>
+                      </a:endParaRPr>
                     </a:p>
                   </a:txBody>
                   <a:tcPr marL="0" marR="0" marT="1905" marB="0">
@@ -3308,16 +3633,69 @@
                         </a:spcBef>
                       </a:pPr>
                       <a:r>
-                        <a:rPr lang="ja-JP" sz="900" dirty="0">
+                        <a:rPr lang="en-US" sz="900" spc="0">
                           <a:solidFill>
                             <a:srgbClr val="020302"/>
                           </a:solidFill>
-                          <a:latin typeface="Adobe Clean Han Light" panose="020B0300000000000000" pitchFamily="34" charset="-128"/>
-                          <a:ea typeface="Adobe Clean Han Light" panose="020B0300000000000000" pitchFamily="34" charset="-128"/>
+                          <a:latin typeface="AdobeClean-Light"/>
                           <a:cs typeface="AdobeClean-Light"/>
                         </a:rPr>
-                        <a:t>  営業日／3 日</a:t>
+                        <a:t>  </a:t>
                       </a:r>
+                      <a:r>
+                        <a:rPr sz="900" spc="0">
+                          <a:solidFill>
+                            <a:srgbClr val="020302"/>
+                          </a:solidFill>
+                          <a:latin typeface="AdobeClean-Light"/>
+                          <a:cs typeface="AdobeClean-Light"/>
+                        </a:rPr>
+                        <a:t>Business</a:t>
+                      </a:r>
+                      <a:r>
+                        <a:rPr lang="en-US" sz="900" spc="0">
+                          <a:solidFill>
+                            <a:srgbClr val="020302"/>
+                          </a:solidFill>
+                          <a:latin typeface="AdobeClean-Light"/>
+                          <a:cs typeface="AdobeClean-Light"/>
+                        </a:rPr>
+                        <a:t> </a:t>
+                      </a:r>
+                      <a:r>
+                        <a:rPr sz="900" spc="0">
+                          <a:solidFill>
+                            <a:srgbClr val="020302"/>
+                          </a:solidFill>
+                          <a:latin typeface="AdobeClean-Light"/>
+                          <a:cs typeface="AdobeClean-Light"/>
+                        </a:rPr>
+                        <a:t>days</a:t>
+                      </a:r>
+                      <a:r>
+                        <a:rPr lang="en-US" sz="900" spc="0">
+                          <a:solidFill>
+                            <a:srgbClr val="020302"/>
+                          </a:solidFill>
+                          <a:latin typeface="AdobeClean-Light"/>
+                          <a:cs typeface="AdobeClean-Light"/>
+                        </a:rPr>
+                        <a:t> / </a:t>
+                      </a:r>
+                      <a:r>
+                        <a:rPr sz="900" spc="0">
+                          <a:solidFill>
+                            <a:srgbClr val="020302"/>
+                          </a:solidFill>
+                          <a:latin typeface="AdobeClean-Light"/>
+                          <a:cs typeface="AdobeClean-Light"/>
+                        </a:rPr>
+                        <a:t>3 days</a:t>
+                      </a:r>
+                      <a:endParaRPr sz="900" spc="0">
+                        <a:latin typeface="AdobeClean-Light"/>
+                        <a:cs typeface="AdobeClean-Light"/>
+                      </a:endParaRPr>
                     </a:p>
                   </a:txBody>
                   <a:tcPr marL="0" marR="0" marT="91440" marB="91440" anchor="ctr" anchorCtr="1">
@@ -3361,16 +3739,79 @@
                         </a:spcBef>
                       </a:pPr>
                       <a:r>
-                        <a:rPr lang="ja-JP" sz="900" dirty="0">
+                        <a:rPr sz="900" spc="0" dirty="0">
                           <a:solidFill>
                             <a:srgbClr val="020302"/>
                           </a:solidFill>
-                          <a:latin typeface="Adobe Clean Han Light" panose="020B0300000000000000" pitchFamily="34" charset="-128"/>
-                          <a:ea typeface="Adobe Clean Han Light" panose="020B0300000000000000" pitchFamily="34" charset="-128"/>
+                          <a:latin typeface="AdobeClean-Light"/>
                           <a:cs typeface="AdobeClean-Light"/>
                         </a:rPr>
-                        <a:t>営業日／1 日</a:t>
+                        <a:t>Business</a:t>
                       </a:r>
+                      <a:r>
+                        <a:rPr lang="en-US" sz="900" spc="0" dirty="0">
+                          <a:solidFill>
+                            <a:srgbClr val="020302"/>
+                          </a:solidFill>
+                          <a:latin typeface="AdobeClean-Light"/>
+                          <a:cs typeface="AdobeClean-Light"/>
+                        </a:rPr>
+                        <a:t> </a:t>
+                      </a:r>
+                      <a:r>
+                        <a:rPr sz="900" spc="0" dirty="0">
+                          <a:solidFill>
+                            <a:srgbClr val="020302"/>
+                          </a:solidFill>
+                          <a:latin typeface="AdobeClean-Light"/>
+                          <a:cs typeface="AdobeClean-Light"/>
+                        </a:rPr>
+                        <a:t>day</a:t>
+                      </a:r>
+                      <a:r>
+                        <a:rPr lang="en-US" sz="900" spc="0" dirty="0">
+                          <a:solidFill>
+                            <a:srgbClr val="020302"/>
+                          </a:solidFill>
+                          <a:latin typeface="AdobeClean-Light"/>
+                          <a:cs typeface="AdobeClean-Light"/>
+                        </a:rPr>
+                        <a:t>s </a:t>
+                      </a:r>
+                      <a:r>
+                        <a:rPr sz="900" spc="0" dirty="0">
+                          <a:solidFill>
+                            <a:srgbClr val="020302"/>
+                          </a:solidFill>
+                          <a:latin typeface="AdobeClean-Light"/>
+                          <a:cs typeface="AdobeClean-Light"/>
+                        </a:rPr>
+                        <a:t>/</a:t>
+                      </a:r>
+                      <a:r>
+                        <a:rPr lang="en-US" sz="900" spc="0" dirty="0">
+                          <a:solidFill>
+                            <a:srgbClr val="020302"/>
+                          </a:solidFill>
+                          <a:latin typeface="AdobeClean-Light"/>
+                          <a:cs typeface="AdobeClean-Light"/>
+                        </a:rPr>
+                        <a:t> </a:t>
+                      </a:r>
+                      <a:r>
+                        <a:rPr sz="900" spc="0" dirty="0">
+                          <a:solidFill>
+                            <a:srgbClr val="020302"/>
+                          </a:solidFill>
+                          <a:latin typeface="AdobeClean-Light"/>
+                          <a:cs typeface="AdobeClean-Light"/>
+                        </a:rPr>
+                        <a:t>1 day</a:t>
+                      </a:r>
+                      <a:endParaRPr sz="900" spc="0" dirty="0">
+                        <a:latin typeface="AdobeClean-Light"/>
+                        <a:cs typeface="AdobeClean-Light"/>
+                      </a:endParaRPr>
                     </a:p>
                   </a:txBody>
                   <a:tcPr marL="0" marR="0" marT="91440" marB="91440" anchor="ctr" anchorCtr="1">
@@ -3430,7 +3871,7 @@
           <p:nvPr>
             <p:extLst>
               <p:ext uri="{D42A27DB-BD31-4B8C-83A1-F6EECF244321}">
-                <p14:modId xmlns:p14="http://schemas.microsoft.com/office/powerpoint/2010/main" val="3560736942"/>
+                <p14:modId xmlns:p14="http://schemas.microsoft.com/office/powerpoint/2010/main" val="1162910209"/>
               </p:ext>
             </p:extLst>
           </p:nvPr>
@@ -3453,21 +3894,21 @@
                     </a:ext>
                   </a:extLst>
                 </a:gridCol>
-                <a:gridCol w="3442079">
+                <a:gridCol w="3133474">
                   <a:extLst>
                     <a:ext uri="{9D8B030D-6E8A-4147-A177-3AD203B41FA5}">
                       <a16:colId xmlns:a16="http://schemas.microsoft.com/office/drawing/2014/main" val="20001"/>
                     </a:ext>
                   </a:extLst>
                 </a:gridCol>
-                <a:gridCol w="1290638">
+                <a:gridCol w="1425889">
                   <a:extLst>
                     <a:ext uri="{9D8B030D-6E8A-4147-A177-3AD203B41FA5}">
                       <a16:colId xmlns:a16="http://schemas.microsoft.com/office/drawing/2014/main" val="2563521174"/>
                     </a:ext>
                   </a:extLst>
                 </a:gridCol>
-                <a:gridCol w="1252535">
+                <a:gridCol w="1425889">
                   <a:extLst>
                     <a:ext uri="{9D8B030D-6E8A-4147-A177-3AD203B41FA5}">
                       <a16:colId xmlns:a16="http://schemas.microsoft.com/office/drawing/2014/main" val="20003"/>
@@ -3481,7 +3922,7 @@
                     <a:bodyPr/>
                     <a:lstStyle/>
                     <a:p>
-                      <a:endParaRPr lang="en-US" dirty="0"/>
+                      <a:endParaRPr lang="en-US"/>
                     </a:p>
                   </a:txBody>
                   <a:tcPr/>
@@ -3519,16 +3960,39 @@
                         <a:defRPr/>
                       </a:pPr>
                       <a:r>
-                        <a:rPr lang="ja-JP" sz="900" dirty="0">
+                        <a:rPr lang="en-US" sz="900" spc="-20" dirty="0">
                           <a:solidFill>
                             <a:srgbClr val="404040"/>
                           </a:solidFill>
-                          <a:latin typeface="Adobe Clean Han Regular" panose="020B0500000000000000" pitchFamily="34" charset="-128"/>
-                          <a:ea typeface="Adobe Clean Han Regular" panose="020B0500000000000000" pitchFamily="34" charset="-128"/>
+                          <a:latin typeface="Adobe Clean"/>
                           <a:cs typeface="Adobe Clean"/>
                         </a:rPr>
-                        <a:t>オンラインサポート</a:t>
+                        <a:t>Standard </a:t>
                       </a:r>
+                      <a:r>
+                        <a:rPr lang="en-US" sz="900" spc="-135" dirty="0">
+                          <a:solidFill>
+                            <a:srgbClr val="404040"/>
+                          </a:solidFill>
+                          <a:latin typeface="Adobe Clean"/>
+                          <a:cs typeface="Adobe Clean"/>
+                        </a:rPr>
+                        <a:t> </a:t>
+                      </a:r>
+                      <a:r>
+                        <a:rPr lang="en-US" sz="900" spc="-20" dirty="0">
+                          <a:solidFill>
+                            <a:srgbClr val="404040"/>
+                          </a:solidFill>
+                          <a:latin typeface="Adobe Clean"/>
+                          <a:cs typeface="Adobe Clean"/>
+                        </a:rPr>
+                        <a:t>Support</a:t>
+                      </a:r>
+                      <a:endParaRPr lang="en-US" sz="900" dirty="0">
+                        <a:latin typeface="Adobe Clean"/>
+                        <a:cs typeface="Adobe Clean"/>
+                      </a:endParaRPr>
                     </a:p>
                   </a:txBody>
                   <a:tcPr marL="0" marR="0" marT="7620" marB="0" anchor="ctr">
@@ -3569,16 +4033,39 @@
                         </a:spcBef>
                       </a:pPr>
                       <a:r>
-                        <a:rPr lang="ja-JP" sz="900" dirty="0">
+                        <a:rPr sz="900" spc="-20">
                           <a:solidFill>
                             <a:srgbClr val="FFFFFF"/>
                           </a:solidFill>
-                          <a:latin typeface="Adobe Clean Han Regular" panose="020B0500000000000000" pitchFamily="34" charset="-128"/>
-                          <a:ea typeface="Adobe Clean Han Regular" panose="020B0500000000000000" pitchFamily="34" charset="-128"/>
+                          <a:latin typeface="Adobe Clean"/>
                           <a:cs typeface="Adobe Clean"/>
                         </a:rPr>
-                        <a:t>ビジネスサポート</a:t>
+                        <a:t>Business</a:t>
                       </a:r>
+                      <a:r>
+                        <a:rPr lang="en-US" sz="900" spc="-20">
+                          <a:solidFill>
+                            <a:srgbClr val="FFFFFF"/>
+                          </a:solidFill>
+                          <a:latin typeface="Adobe Clean"/>
+                          <a:cs typeface="Adobe Clean"/>
+                        </a:rPr>
+                        <a:t> </a:t>
+                      </a:r>
+                      <a:r>
+                        <a:rPr sz="900" spc="-20">
+                          <a:solidFill>
+                            <a:srgbClr val="FFFFFF"/>
+                          </a:solidFill>
+                          <a:latin typeface="Adobe Clean"/>
+                          <a:cs typeface="Adobe Clean"/>
+                        </a:rPr>
+                        <a:t>Support</a:t>
+                      </a:r>
+                      <a:endParaRPr sz="900">
+                        <a:latin typeface="Adobe Clean"/>
+                        <a:cs typeface="Adobe Clean"/>
+                      </a:endParaRPr>
                     </a:p>
                   </a:txBody>
                   <a:tcPr marL="0" marR="0" marT="7620" marB="0" anchor="ctr">
@@ -3643,7 +4130,7 @@
                     <a:bodyPr/>
                     <a:lstStyle/>
                     <a:p>
-                      <a:pPr marL="0" marR="0" lvl="0" indent="0" algn="l" defTabSz="914400" rtl="0" eaLnBrk="1" fontAlgn="auto" latinLnBrk="0" hangingPunct="1">
+                      <a:pPr marL="0" marR="0" lvl="0" indent="0" algn="ctr" defTabSz="914400" eaLnBrk="1" fontAlgn="auto" latinLnBrk="0" hangingPunct="1">
                         <a:lnSpc>
                           <a:spcPct val="100000"/>
                         </a:lnSpc>
@@ -3724,14 +4211,13 @@
                         <a:defRPr/>
                       </a:pPr>
                       <a:r>
-                        <a:rPr lang="ja-JP" sz="800" i="1" dirty="0">
+                        <a:rPr lang="en-US" sz="800" i="1">
                           <a:solidFill>
                             <a:schemeClr val="bg1"/>
                           </a:solidFill>
-                          <a:latin typeface="Adobe Clean Han Light" panose="020B0300000000000000" pitchFamily="34" charset="-128"/>
-                          <a:ea typeface="Adobe Clean Han Light" panose="020B0300000000000000" pitchFamily="34" charset="-128"/>
+                          <a:latin typeface="Adobe Clean Light" panose="020B0303020404020204" pitchFamily="34" charset="0"/>
                         </a:rPr>
-                        <a:t>有償サポート（$）</a:t>
+                        <a:t>Paid Support ($)</a:t>
                       </a:r>
                     </a:p>
                   </a:txBody>
@@ -3795,16 +4281,22 @@
                         </a:spcBef>
                       </a:pPr>
                       <a:r>
-                        <a:rPr lang="ja-JP" sz="1000" b="1" i="0" dirty="0">
+                        <a:rPr lang="en-US" sz="1000" b="1" i="0" spc="0">
                           <a:solidFill>
                             <a:schemeClr val="bg1"/>
                           </a:solidFill>
-                          <a:latin typeface="Adobe Clean Han Regular" panose="020B0500000000000000" pitchFamily="34" charset="-128"/>
-                          <a:ea typeface="Adobe Clean Han Regular" panose="020B0500000000000000" pitchFamily="34" charset="-128"/>
+                          <a:latin typeface="Adobe Clean" panose="020B0503020404020204" pitchFamily="34" charset="0"/>
                           <a:cs typeface="AdobeClean-Light"/>
                         </a:rPr>
-                        <a:t>担当エキスパート</a:t>
+                        <a:t>Assigned Experts</a:t>
                       </a:r>
+                      <a:endParaRPr sz="1000" b="1" i="0" spc="0">
+                        <a:solidFill>
+                          <a:schemeClr val="bg1"/>
+                        </a:solidFill>
+                        <a:latin typeface="Adobe Clean" panose="020B0503020404020204" pitchFamily="34" charset="0"/>
+                        <a:cs typeface="AdobeClean-Light"/>
+                      </a:endParaRPr>
                     </a:p>
                   </a:txBody>
                   <a:tcPr marL="0" marR="0" marT="58419" marB="0" anchor="ctr">
@@ -3851,16 +4343,19 @@
                         </a:spcBef>
                       </a:pPr>
                       <a:r>
-                        <a:rPr lang="ja-JP" sz="900" dirty="0">
+                        <a:rPr sz="900" spc="0">
                           <a:solidFill>
                             <a:srgbClr val="020302"/>
                           </a:solidFill>
-                          <a:latin typeface="Adobe Clean Han Light" panose="020B0300000000000000" pitchFamily="34" charset="-128"/>
-                          <a:ea typeface="Adobe Clean Han Light" panose="020B0300000000000000" pitchFamily="34" charset="-128"/>
+                          <a:latin typeface="AdobeClean-Light"/>
                           <a:cs typeface="AdobeClean-Light"/>
                         </a:rPr>
-                        <a:t>アカウントサポートリード</a:t>
+                        <a:t>Account Support Lead</a:t>
                       </a:r>
+                      <a:endParaRPr sz="900" spc="0">
+                        <a:latin typeface="AdobeClean-Light"/>
+                        <a:cs typeface="AdobeClean-Light"/>
+                      </a:endParaRPr>
                     </a:p>
                   </a:txBody>
                   <a:tcPr marL="0" marR="0" marT="58419" marB="0">
@@ -3895,7 +4390,7 @@
                     <a:bodyPr/>
                     <a:lstStyle/>
                     <a:p>
-                      <a:pPr algn="l" rtl="0">
+                      <a:pPr algn="ctr">
                         <a:lnSpc>
                           <a:spcPct val="100000"/>
                         </a:lnSpc>
@@ -3945,16 +4440,19 @@
                         </a:spcBef>
                       </a:pPr>
                       <a:r>
-                        <a:rPr lang="ja-JP" sz="900" dirty="0">
+                        <a:rPr sz="900">
                           <a:solidFill>
                             <a:srgbClr val="020302"/>
                           </a:solidFill>
                           <a:latin typeface="Wingdings"/>
-                          <a:ea typeface="MS Mincho"/>
                           <a:cs typeface="Wingdings"/>
                         </a:rPr>
                         <a:t></a:t>
                       </a:r>
+                      <a:endParaRPr sz="900">
+                        <a:latin typeface="Wingdings"/>
+                        <a:cs typeface="Wingdings"/>
+                      </a:endParaRPr>
                     </a:p>
                   </a:txBody>
                   <a:tcPr marL="0" marR="0" marT="59690" marB="0" anchor="ctr">
@@ -3986,7 +4484,7 @@
                     <a:bodyPr/>
                     <a:lstStyle/>
                     <a:p>
-                      <a:pPr marL="50800" algn="l" rtl="0">
+                      <a:pPr marL="50800">
                         <a:lnSpc>
                           <a:spcPct val="100000"/>
                         </a:lnSpc>
@@ -4032,16 +4530,19 @@
                         </a:spcBef>
                       </a:pPr>
                       <a:r>
-                        <a:rPr lang="ja-JP" sz="900" dirty="0">
+                        <a:rPr sz="900" spc="0">
                           <a:solidFill>
                             <a:srgbClr val="020302"/>
                           </a:solidFill>
-                          <a:latin typeface="Adobe Clean Han Light" panose="020B0300000000000000" pitchFamily="34" charset="-128"/>
-                          <a:ea typeface="Adobe Clean Han Light" panose="020B0300000000000000" pitchFamily="34" charset="-128"/>
+                          <a:latin typeface="AdobeClean-Light"/>
                           <a:cs typeface="AdobeClean-Light"/>
                         </a:rPr>
-                        <a:t>専任サポートエンジニア</a:t>
+                        <a:t>Named Support Engineer</a:t>
                       </a:r>
+                      <a:endParaRPr sz="900" spc="0">
+                        <a:latin typeface="AdobeClean-Light"/>
+                        <a:cs typeface="AdobeClean-Light"/>
+                      </a:endParaRPr>
                     </a:p>
                   </a:txBody>
                   <a:tcPr marL="0" marR="0" marT="58419" marB="0">
@@ -4064,12 +4565,12 @@
                     <a:bodyPr/>
                     <a:lstStyle/>
                     <a:p>
-                      <a:pPr algn="l" rtl="0">
+                      <a:pPr algn="ctr">
                         <a:lnSpc>
                           <a:spcPct val="100000"/>
                         </a:lnSpc>
                       </a:pPr>
-                      <a:endParaRPr sz="900" dirty="0">
+                      <a:endParaRPr sz="900">
                         <a:latin typeface="Times New Roman"/>
                         <a:cs typeface="Times New Roman"/>
                       </a:endParaRPr>
@@ -4093,7 +4594,7 @@
                     <a:bodyPr/>
                     <a:lstStyle/>
                     <a:p>
-                      <a:pPr algn="l" rtl="0">
+                      <a:pPr algn="ctr">
                         <a:lnSpc>
                           <a:spcPct val="100000"/>
                         </a:lnSpc>
@@ -4124,7 +4625,7 @@
                     <a:bodyPr/>
                     <a:lstStyle/>
                     <a:p>
-                      <a:pPr marL="50800" algn="l" rtl="0">
+                      <a:pPr marL="50800">
                         <a:lnSpc>
                           <a:spcPct val="100000"/>
                         </a:lnSpc>
@@ -4182,16 +4683,19 @@
                         </a:spcBef>
                       </a:pPr>
                       <a:r>
-                        <a:rPr lang="ja-JP" sz="900">
+                        <a:rPr sz="900" spc="0">
                           <a:solidFill>
                             <a:srgbClr val="020302"/>
                           </a:solidFill>
-                          <a:latin typeface="Adobe Clean Han Light" panose="020B0300000000000000" pitchFamily="34" charset="-128"/>
-                          <a:ea typeface="Adobe Clean Han Light" panose="020B0300000000000000" pitchFamily="34" charset="-128"/>
+                          <a:latin typeface="AdobeClean-Light"/>
                           <a:cs typeface="AdobeClean-Light"/>
                         </a:rPr>
-                        <a:t>テクニカルアカウントマネージャー</a:t>
+                        <a:t>Technical Account Manager</a:t>
                       </a:r>
+                      <a:endParaRPr sz="900" spc="0">
+                        <a:latin typeface="AdobeClean-Light"/>
+                        <a:cs typeface="AdobeClean-Light"/>
+                      </a:endParaRPr>
                     </a:p>
                   </a:txBody>
                   <a:tcPr marL="0" marR="0" marT="63500" marB="0">
@@ -4220,7 +4724,7 @@
                     <a:bodyPr/>
                     <a:lstStyle/>
                     <a:p>
-                      <a:pPr algn="l" rtl="0">
+                      <a:pPr algn="ctr">
                         <a:lnSpc>
                           <a:spcPct val="100000"/>
                         </a:lnSpc>
@@ -4258,7 +4762,7 @@
                     <a:bodyPr/>
                     <a:lstStyle/>
                     <a:p>
-                      <a:pPr algn="l" rtl="0">
+                      <a:pPr algn="ctr">
                         <a:lnSpc>
                           <a:spcPct val="100000"/>
                         </a:lnSpc>
@@ -4307,16 +4811,22 @@
                         </a:spcBef>
                       </a:pPr>
                       <a:r>
-                        <a:rPr lang="ja-JP" sz="1000" b="1" i="0" dirty="0">
+                        <a:rPr lang="en-US" sz="1000" b="1" i="0" spc="0">
                           <a:solidFill>
                             <a:schemeClr val="bg1"/>
                           </a:solidFill>
-                          <a:latin typeface="Adobe Clean Han Regular" panose="020B0500000000000000" pitchFamily="34" charset="-128"/>
-                          <a:ea typeface="Adobe Clean Han Regular" panose="020B0500000000000000" pitchFamily="34" charset="-128"/>
+                          <a:latin typeface="Adobe Clean" panose="020B0503020404020204" pitchFamily="34" charset="0"/>
                           <a:cs typeface="AdobeClean-Light"/>
                         </a:rPr>
-                        <a:t>サポートサービス</a:t>
+                        <a:t>Support Services</a:t>
                       </a:r>
+                      <a:endParaRPr sz="1000" b="1" i="0" spc="0">
+                        <a:solidFill>
+                          <a:schemeClr val="bg1"/>
+                        </a:solidFill>
+                        <a:latin typeface="Adobe Clean" panose="020B0503020404020204" pitchFamily="34" charset="0"/>
+                        <a:cs typeface="AdobeClean-Light"/>
+                      </a:endParaRPr>
                     </a:p>
                   </a:txBody>
                   <a:tcPr marL="0" marR="0" marT="57150" marB="0" anchor="ctr">
@@ -4372,16 +4882,29 @@
                         </a:spcBef>
                       </a:pPr>
                       <a:r>
-                        <a:rPr lang="ja-JP" sz="900" dirty="0">
+                        <a:rPr lang="en-US" sz="900" spc="0">
                           <a:solidFill>
                             <a:srgbClr val="020302"/>
                           </a:solidFill>
-                          <a:latin typeface="Adobe Clean Han Light" panose="020B0300000000000000" pitchFamily="34" charset="-128"/>
-                          <a:ea typeface="Adobe Clean Han Light" panose="020B0300000000000000" pitchFamily="34" charset="-128"/>
+                          <a:latin typeface="AdobeClean-Light"/>
                           <a:cs typeface="AdobeClean-Light"/>
                         </a:rPr>
-                        <a:t>オンラインサポート</a:t>
+                        <a:t>Online</a:t>
                       </a:r>
+                      <a:r>
+                        <a:rPr sz="900" spc="0">
+                          <a:solidFill>
+                            <a:srgbClr val="020302"/>
+                          </a:solidFill>
+                          <a:latin typeface="AdobeClean-Light"/>
+                          <a:cs typeface="AdobeClean-Light"/>
+                        </a:rPr>
+                        <a:t> Support</a:t>
+                      </a:r>
+                      <a:endParaRPr sz="900" spc="0">
+                        <a:latin typeface="AdobeClean-Light"/>
+                        <a:cs typeface="AdobeClean-Light"/>
+                      </a:endParaRPr>
                     </a:p>
                   </a:txBody>
                   <a:tcPr marL="0" marR="0" marT="57150" marB="0">
@@ -4419,22 +4942,37 @@
                         </a:spcBef>
                       </a:pPr>
                       <a:r>
-                        <a:rPr lang="ja-JP" altLang="en-US" sz="900" dirty="0">
+                        <a:rPr sz="900" spc="-25">
                           <a:solidFill>
                             <a:srgbClr val="020302"/>
                           </a:solidFill>
-                          <a:latin typeface="Adobe Clean Han Light" panose="020B0300000000000000" pitchFamily="34" charset="-128"/>
-                          <a:ea typeface="Adobe Clean Han Light" panose="020B0300000000000000" pitchFamily="34" charset="-128"/>
+                          <a:latin typeface="AdobeClean-Light"/>
                           <a:cs typeface="AdobeClean-Light"/>
                         </a:rPr>
-                        <a:t>営業時間内</a:t>
+                        <a:t>Business</a:t>
                       </a:r>
-                      <a:endParaRPr lang="ja-JP" sz="900" dirty="0">
-                        <a:solidFill>
-                          <a:srgbClr val="020302"/>
-                        </a:solidFill>
-                        <a:latin typeface="Adobe Clean Han Light" panose="020B0300000000000000" pitchFamily="34" charset="-128"/>
-                        <a:ea typeface="Adobe Clean Han Light" panose="020B0300000000000000" pitchFamily="34" charset="-128"/>
+                      <a:r>
+                        <a:rPr sz="900" spc="-15">
+                          <a:solidFill>
+                            <a:srgbClr val="020302"/>
+                          </a:solidFill>
+                          <a:latin typeface="AdobeClean-Light"/>
+                          <a:cs typeface="AdobeClean-Light"/>
+                        </a:rPr>
+                        <a:t> </a:t>
+                      </a:r>
+                      <a:r>
+                        <a:rPr sz="900" spc="-30">
+                          <a:solidFill>
+                            <a:srgbClr val="020302"/>
+                          </a:solidFill>
+                          <a:latin typeface="AdobeClean-Light"/>
+                          <a:cs typeface="AdobeClean-Light"/>
+                        </a:rPr>
+                        <a:t>hours</a:t>
+                      </a:r>
+                      <a:endParaRPr sz="900">
+                        <a:latin typeface="AdobeClean-Light"/>
                         <a:cs typeface="AdobeClean-Light"/>
                       </a:endParaRPr>
                     </a:p>
@@ -4475,22 +5013,37 @@
                         </a:spcBef>
                       </a:pPr>
                       <a:r>
-                        <a:rPr lang="ja-JP" altLang="en-US" sz="900" dirty="0">
+                        <a:rPr sz="900" spc="-25">
                           <a:solidFill>
                             <a:srgbClr val="020302"/>
                           </a:solidFill>
-                          <a:latin typeface="Adobe Clean Han Light" panose="020B0300000000000000" pitchFamily="34" charset="-128"/>
-                          <a:ea typeface="Adobe Clean Han Light" panose="020B0300000000000000" pitchFamily="34" charset="-128"/>
+                          <a:latin typeface="AdobeClean-Light"/>
                           <a:cs typeface="AdobeClean-Light"/>
                         </a:rPr>
-                        <a:t>営業時間内</a:t>
+                        <a:t>Business</a:t>
                       </a:r>
-                      <a:endParaRPr lang="ja-JP" sz="900" dirty="0">
-                        <a:solidFill>
-                          <a:srgbClr val="020302"/>
-                        </a:solidFill>
-                        <a:latin typeface="Adobe Clean Han Light" panose="020B0300000000000000" pitchFamily="34" charset="-128"/>
-                        <a:ea typeface="Adobe Clean Han Light" panose="020B0300000000000000" pitchFamily="34" charset="-128"/>
+                      <a:r>
+                        <a:rPr sz="900" spc="-15">
+                          <a:solidFill>
+                            <a:srgbClr val="020302"/>
+                          </a:solidFill>
+                          <a:latin typeface="AdobeClean-Light"/>
+                          <a:cs typeface="AdobeClean-Light"/>
+                        </a:rPr>
+                        <a:t> </a:t>
+                      </a:r>
+                      <a:r>
+                        <a:rPr sz="900" spc="-30">
+                          <a:solidFill>
+                            <a:srgbClr val="020302"/>
+                          </a:solidFill>
+                          <a:latin typeface="AdobeClean-Light"/>
+                          <a:cs typeface="AdobeClean-Light"/>
+                        </a:rPr>
+                        <a:t>hours</a:t>
+                      </a:r>
+                      <a:endParaRPr sz="900">
+                        <a:latin typeface="AdobeClean-Light"/>
                         <a:cs typeface="AdobeClean-Light"/>
                       </a:endParaRPr>
                     </a:p>
@@ -4524,7 +5077,7 @@
                     <a:bodyPr/>
                     <a:lstStyle/>
                     <a:p>
-                      <a:pPr marL="50800" algn="l" rtl="0">
+                      <a:pPr marL="50800">
                         <a:lnSpc>
                           <a:spcPct val="100000"/>
                         </a:lnSpc>
@@ -4573,16 +5126,39 @@
                         </a:spcBef>
                       </a:pPr>
                       <a:r>
-                        <a:rPr lang="ja-JP" sz="900" dirty="0">
+                        <a:rPr sz="900" spc="0">
                           <a:solidFill>
                             <a:srgbClr val="020302"/>
                           </a:solidFill>
-                          <a:latin typeface="Adobe Clean Han Light" panose="020B0300000000000000" pitchFamily="34" charset="-128"/>
-                          <a:ea typeface="Adobe Clean Han Light" panose="020B0300000000000000" pitchFamily="34" charset="-128"/>
+                          <a:latin typeface="AdobeClean-Light"/>
                           <a:cs typeface="AdobeClean-Light"/>
                         </a:rPr>
-                        <a:t>24 時間年中無休の P1 の問題のサポート</a:t>
+                        <a:t>24x7</a:t>
                       </a:r>
+                      <a:r>
+                        <a:rPr lang="en-US" sz="900" spc="0">
+                          <a:solidFill>
+                            <a:srgbClr val="020302"/>
+                          </a:solidFill>
+                          <a:latin typeface="AdobeClean-Light"/>
+                          <a:cs typeface="AdobeClean-Light"/>
+                        </a:rPr>
+                        <a:t>x365</a:t>
+                      </a:r>
+                      <a:r>
+                        <a:rPr sz="900" spc="0">
+                          <a:solidFill>
+                            <a:srgbClr val="020302"/>
+                          </a:solidFill>
+                          <a:latin typeface="AdobeClean-Light"/>
+                          <a:cs typeface="AdobeClean-Light"/>
+                        </a:rPr>
+                        <a:t> P1 Issue Support</a:t>
+                      </a:r>
+                      <a:endParaRPr sz="900" spc="0">
+                        <a:latin typeface="AdobeClean-Light"/>
+                        <a:cs typeface="AdobeClean-Light"/>
+                      </a:endParaRPr>
                     </a:p>
                   </a:txBody>
                   <a:tcPr marL="0" marR="0" marT="57785" marB="0">
@@ -4614,16 +5190,19 @@
                         </a:spcBef>
                       </a:pPr>
                       <a:r>
-                        <a:rPr lang="ja-JP" sz="900">
+                        <a:rPr sz="900">
                           <a:solidFill>
                             <a:srgbClr val="020302"/>
                           </a:solidFill>
                           <a:latin typeface="Wingdings"/>
-                          <a:ea typeface="MS Mincho"/>
                           <a:cs typeface="Wingdings"/>
                         </a:rPr>
                         <a:t></a:t>
                       </a:r>
+                      <a:endParaRPr sz="900">
+                        <a:latin typeface="Wingdings"/>
+                        <a:cs typeface="Wingdings"/>
+                      </a:endParaRPr>
                     </a:p>
                   </a:txBody>
                   <a:tcPr marL="0" marR="0" marT="58419" marB="0">
@@ -4653,16 +5232,19 @@
                         </a:spcBef>
                       </a:pPr>
                       <a:r>
-                        <a:rPr lang="ja-JP" sz="900">
+                        <a:rPr sz="900">
                           <a:solidFill>
                             <a:srgbClr val="020302"/>
                           </a:solidFill>
                           <a:latin typeface="Wingdings"/>
-                          <a:ea typeface="MS Mincho"/>
                           <a:cs typeface="Wingdings"/>
                         </a:rPr>
                         <a:t></a:t>
                       </a:r>
+                      <a:endParaRPr sz="900">
+                        <a:latin typeface="Wingdings"/>
+                        <a:cs typeface="Wingdings"/>
+                      </a:endParaRPr>
                     </a:p>
                   </a:txBody>
                   <a:tcPr marL="0" marR="0" marT="58419" marB="0">
@@ -4685,7 +5267,7 @@
                     <a:bodyPr/>
                     <a:lstStyle/>
                     <a:p>
-                      <a:pPr marL="50800" algn="l" rtl="0">
+                      <a:pPr marL="50800">
                         <a:lnSpc>
                           <a:spcPct val="100000"/>
                         </a:lnSpc>
@@ -4743,16 +5325,19 @@
                         </a:spcBef>
                       </a:pPr>
                       <a:r>
-                        <a:rPr lang="ja-JP" sz="900">
+                        <a:rPr lang="en-US" sz="900" spc="0">
                           <a:solidFill>
                             <a:srgbClr val="020302"/>
                           </a:solidFill>
-                          <a:latin typeface="Adobe Clean Han Light" panose="020B0300000000000000" pitchFamily="34" charset="-128"/>
-                          <a:ea typeface="Adobe Clean Han Light" panose="020B0300000000000000" pitchFamily="34" charset="-128"/>
+                          <a:latin typeface="AdobeClean-Light"/>
                           <a:cs typeface="AdobeClean-Light"/>
                         </a:rPr>
-                        <a:t>サポート対象ユーザー（製品単位）</a:t>
+                        <a:t>Named Support Contacts (per product)</a:t>
                       </a:r>
+                      <a:endParaRPr sz="900" spc="0">
+                        <a:latin typeface="AdobeClean-Light"/>
+                        <a:cs typeface="AdobeClean-Light"/>
+                      </a:endParaRPr>
                     </a:p>
                   </a:txBody>
                   <a:tcPr marL="0" marR="0" marT="57785" marB="0">
@@ -4790,16 +5375,19 @@
                         </a:spcBef>
                       </a:pPr>
                       <a:r>
-                        <a:rPr lang="ja-JP" sz="900" dirty="0">
+                        <a:rPr sz="900">
                           <a:solidFill>
                             <a:srgbClr val="020302"/>
                           </a:solidFill>
-                          <a:latin typeface="Adobe Clean Han Light" panose="020B0300000000000000" pitchFamily="34" charset="-128"/>
-                          <a:ea typeface="Adobe Clean Han Light" panose="020B0300000000000000" pitchFamily="34" charset="-128"/>
+                          <a:latin typeface="AdobeClean-Light"/>
                           <a:cs typeface="AdobeClean-Light"/>
                         </a:rPr>
                         <a:t>4</a:t>
                       </a:r>
+                      <a:endParaRPr sz="900">
+                        <a:latin typeface="AdobeClean-Light"/>
+                        <a:cs typeface="AdobeClean-Light"/>
+                      </a:endParaRPr>
                     </a:p>
                   </a:txBody>
                   <a:tcPr marL="0" marR="0" marT="57785" marB="0">
@@ -4829,16 +5417,19 @@
                         </a:spcBef>
                       </a:pPr>
                       <a:r>
-                        <a:rPr lang="ja-JP" sz="900" dirty="0">
+                        <a:rPr sz="900">
                           <a:solidFill>
                             <a:srgbClr val="020302"/>
                           </a:solidFill>
-                          <a:latin typeface="Adobe Clean Han Light" panose="020B0300000000000000" pitchFamily="34" charset="-128"/>
-                          <a:ea typeface="Adobe Clean Han Light" panose="020B0300000000000000" pitchFamily="34" charset="-128"/>
+                          <a:latin typeface="AdobeClean-Light"/>
                           <a:cs typeface="AdobeClean-Light"/>
                         </a:rPr>
                         <a:t>6</a:t>
                       </a:r>
+                      <a:endParaRPr sz="900">
+                        <a:latin typeface="AdobeClean-Light"/>
+                        <a:cs typeface="AdobeClean-Light"/>
+                      </a:endParaRPr>
                     </a:p>
                   </a:txBody>
                   <a:tcPr marL="0" marR="0" marT="57785" marB="0">
@@ -4861,7 +5452,7 @@
                     <a:bodyPr/>
                     <a:lstStyle/>
                     <a:p>
-                      <a:pPr marL="50800" algn="l" rtl="0">
+                      <a:pPr marL="50800">
                         <a:lnSpc>
                           <a:spcPct val="100000"/>
                         </a:lnSpc>
@@ -4910,16 +5501,19 @@
                         </a:spcBef>
                       </a:pPr>
                       <a:r>
-                        <a:rPr lang="ja-JP" sz="900" dirty="0">
+                        <a:rPr lang="en-US" sz="900" spc="0">
                           <a:solidFill>
                             <a:srgbClr val="020302"/>
                           </a:solidFill>
-                          <a:latin typeface="Adobe Clean Han Light" panose="020B0300000000000000" pitchFamily="34" charset="-128"/>
-                          <a:ea typeface="Adobe Clean Han Light" panose="020B0300000000000000" pitchFamily="34" charset="-128"/>
+                          <a:latin typeface="AdobeClean-Light"/>
                           <a:cs typeface="AdobeClean-Light"/>
                         </a:rPr>
-                        <a:t>電話サポート（ライブ）</a:t>
+                        <a:t>Live Telephone Support</a:t>
                       </a:r>
+                      <a:endParaRPr sz="900" spc="0">
+                        <a:latin typeface="AdobeClean-Light"/>
+                        <a:cs typeface="AdobeClean-Light"/>
+                      </a:endParaRPr>
                     </a:p>
                   </a:txBody>
                   <a:tcPr marL="0" marR="0" marT="57785" marB="0">
@@ -4942,7 +5536,7 @@
                     <a:bodyPr/>
                     <a:lstStyle/>
                     <a:p>
-                      <a:pPr algn="l" rtl="0">
+                      <a:pPr algn="ctr">
                         <a:lnSpc>
                           <a:spcPct val="100000"/>
                         </a:lnSpc>
@@ -4983,16 +5577,19 @@
                         </a:spcBef>
                       </a:pPr>
                       <a:r>
-                        <a:rPr lang="ja-JP" sz="900">
+                        <a:rPr sz="900">
                           <a:solidFill>
                             <a:srgbClr val="020302"/>
                           </a:solidFill>
                           <a:latin typeface="Wingdings"/>
-                          <a:ea typeface="MS Mincho"/>
                           <a:cs typeface="Wingdings"/>
                         </a:rPr>
                         <a:t></a:t>
                       </a:r>
+                      <a:endParaRPr sz="900">
+                        <a:latin typeface="Wingdings"/>
+                        <a:cs typeface="Wingdings"/>
+                      </a:endParaRPr>
                     </a:p>
                   </a:txBody>
                   <a:tcPr marL="0" marR="0" marT="59054" marB="0">
@@ -5015,7 +5612,7 @@
                     <a:bodyPr/>
                     <a:lstStyle/>
                     <a:p>
-                      <a:pPr marL="50800" algn="l" rtl="0">
+                      <a:pPr marL="50800">
                         <a:lnSpc>
                           <a:spcPct val="100000"/>
                         </a:lnSpc>
@@ -5064,16 +5661,19 @@
                         </a:spcBef>
                       </a:pPr>
                       <a:r>
-                        <a:rPr lang="ja-JP" sz="900">
+                        <a:rPr sz="900" spc="0">
                           <a:solidFill>
                             <a:srgbClr val="020302"/>
                           </a:solidFill>
-                          <a:latin typeface="Adobe Clean Han Light" panose="020B0300000000000000" pitchFamily="34" charset="-128"/>
-                          <a:ea typeface="Adobe Clean Han Light" panose="020B0300000000000000" pitchFamily="34" charset="-128"/>
+                          <a:latin typeface="AdobeClean-Light"/>
                           <a:cs typeface="AdobeClean-Light"/>
                         </a:rPr>
-                        <a:t>エスカレーション管理</a:t>
+                        <a:t>Escalation Management</a:t>
                       </a:r>
+                      <a:endParaRPr sz="900" spc="0">
+                        <a:latin typeface="AdobeClean-Light"/>
+                        <a:cs typeface="AdobeClean-Light"/>
+                      </a:endParaRPr>
                     </a:p>
                   </a:txBody>
                   <a:tcPr marL="0" marR="0" marT="58419" marB="0">
@@ -5096,7 +5696,7 @@
                     <a:bodyPr/>
                     <a:lstStyle/>
                     <a:p>
-                      <a:pPr algn="l" rtl="0">
+                      <a:pPr algn="ctr">
                         <a:lnSpc>
                           <a:spcPct val="100000"/>
                         </a:lnSpc>
@@ -5137,16 +5737,19 @@
                         </a:spcBef>
                       </a:pPr>
                       <a:r>
-                        <a:rPr lang="ja-JP" sz="900">
+                        <a:rPr sz="900">
                           <a:solidFill>
                             <a:srgbClr val="020302"/>
                           </a:solidFill>
                           <a:latin typeface="Wingdings"/>
-                          <a:ea typeface="MS Mincho"/>
                           <a:cs typeface="Wingdings"/>
                         </a:rPr>
                         <a:t></a:t>
                       </a:r>
+                      <a:endParaRPr sz="900">
+                        <a:latin typeface="Wingdings"/>
+                        <a:cs typeface="Wingdings"/>
+                      </a:endParaRPr>
                     </a:p>
                   </a:txBody>
                   <a:tcPr marL="0" marR="0" marT="59690" marB="0">
@@ -5169,7 +5772,7 @@
                     <a:bodyPr/>
                     <a:lstStyle/>
                     <a:p>
-                      <a:pPr marL="50800" algn="l" rtl="0">
+                      <a:pPr marL="50800">
                         <a:lnSpc>
                           <a:spcPct val="100000"/>
                         </a:lnSpc>
@@ -5218,16 +5821,29 @@
                         </a:spcBef>
                       </a:pPr>
                       <a:r>
-                        <a:rPr lang="ja-JP" sz="900" dirty="0">
+                        <a:rPr sz="900" spc="0">
                           <a:solidFill>
                             <a:srgbClr val="020302"/>
                           </a:solidFill>
-                          <a:latin typeface="Adobe Clean Han Light" panose="020B0300000000000000" pitchFamily="34" charset="-128"/>
-                          <a:ea typeface="Adobe Clean Han Light" panose="020B0300000000000000" pitchFamily="34" charset="-128"/>
+                          <a:latin typeface="AdobeClean-Light"/>
                           <a:cs typeface="AdobeClean-Light"/>
                         </a:rPr>
-                        <a:t>年間のサービスレビュー</a:t>
+                        <a:t>Service Reviews </a:t>
                       </a:r>
+                      <a:r>
+                        <a:rPr lang="en-US" sz="900" spc="0">
+                          <a:solidFill>
+                            <a:srgbClr val="020302"/>
+                          </a:solidFill>
+                          <a:latin typeface="AdobeClean-Light"/>
+                          <a:cs typeface="AdobeClean-Light"/>
+                        </a:rPr>
+                        <a:t>per Year</a:t>
+                      </a:r>
+                      <a:endParaRPr sz="900" spc="0">
+                        <a:latin typeface="AdobeClean-Light"/>
+                        <a:cs typeface="AdobeClean-Light"/>
+                      </a:endParaRPr>
                     </a:p>
                   </a:txBody>
                   <a:tcPr marL="0" marR="0" marT="57150" marB="0">
@@ -5250,12 +5866,12 @@
                     <a:bodyPr/>
                     <a:lstStyle/>
                     <a:p>
-                      <a:pPr algn="l" rtl="0">
+                      <a:pPr>
                         <a:lnSpc>
                           <a:spcPct val="100000"/>
                         </a:lnSpc>
                       </a:pPr>
-                      <a:endParaRPr sz="900" dirty="0">
+                      <a:endParaRPr sz="900">
                         <a:latin typeface="Times New Roman"/>
                         <a:cs typeface="Times New Roman"/>
                       </a:endParaRPr>
@@ -5279,7 +5895,7 @@
                     <a:bodyPr/>
                     <a:lstStyle/>
                     <a:p>
-                      <a:pPr algn="l" rtl="0">
+                      <a:pPr>
                         <a:lnSpc>
                           <a:spcPct val="100000"/>
                         </a:lnSpc>
@@ -5329,13 +5945,16 @@
                         </a:spcBef>
                       </a:pPr>
                       <a:r>
-                        <a:rPr lang="ja-JP" sz="900" dirty="0">
-                          <a:latin typeface="Adobe Clean Han Light" panose="020B0300000000000000" pitchFamily="34" charset="-128"/>
-                          <a:ea typeface="Adobe Clean Han Light" panose="020B0300000000000000" pitchFamily="34" charset="-128"/>
+                        <a:rPr lang="en-US" sz="900" spc="0">
+                          <a:latin typeface="AdobeClean-Light"/>
                           <a:cs typeface="AdobeClean-Light"/>
                         </a:rPr>
-                        <a:t>年間のエキスパートセッション</a:t>
+                        <a:t>Expert Sessions per Year</a:t>
                       </a:r>
+                      <a:endParaRPr sz="900" spc="0">
+                        <a:latin typeface="AdobeClean-Light"/>
+                        <a:cs typeface="AdobeClean-Light"/>
+                      </a:endParaRPr>
                     </a:p>
                   </a:txBody>
                   <a:tcPr marL="0" marR="0" marT="57150" marB="0">
@@ -5364,7 +5983,7 @@
                     <a:bodyPr/>
                     <a:lstStyle/>
                     <a:p>
-                      <a:pPr algn="l" rtl="0">
+                      <a:pPr>
                         <a:lnSpc>
                           <a:spcPct val="100000"/>
                         </a:lnSpc>
@@ -5393,7 +6012,7 @@
                     <a:bodyPr/>
                     <a:lstStyle/>
                     <a:p>
-                      <a:pPr algn="l" rtl="0">
+                      <a:pPr>
                         <a:lnSpc>
                           <a:spcPct val="100000"/>
                         </a:lnSpc>
@@ -5443,13 +6062,16 @@
                         </a:spcBef>
                       </a:pPr>
                       <a:r>
-                        <a:rPr lang="ja-JP" sz="900" dirty="0">
-                          <a:latin typeface="Adobe Clean Han Light" panose="020B0300000000000000" pitchFamily="34" charset="-128"/>
-                          <a:ea typeface="Adobe Clean Han Light" panose="020B0300000000000000" pitchFamily="34" charset="-128"/>
+                        <a:rPr lang="en-US" sz="900" spc="0">
+                          <a:latin typeface="AdobeClean-Light"/>
                           <a:cs typeface="AdobeClean-Light"/>
                         </a:rPr>
-                        <a:t>ケースレビュー</a:t>
+                        <a:t>Case Reviews</a:t>
                       </a:r>
+                      <a:endParaRPr sz="900" spc="0">
+                        <a:latin typeface="AdobeClean-Light"/>
+                        <a:cs typeface="AdobeClean-Light"/>
+                      </a:endParaRPr>
                     </a:p>
                   </a:txBody>
                   <a:tcPr marL="0" marR="0" marT="57150" marB="0">
@@ -5478,7 +6100,7 @@
                     <a:bodyPr/>
                     <a:lstStyle/>
                     <a:p>
-                      <a:pPr algn="l" rtl="0">
+                      <a:pPr>
                         <a:lnSpc>
                           <a:spcPct val="100000"/>
                         </a:lnSpc>
@@ -5507,7 +6129,7 @@
                     <a:bodyPr/>
                     <a:lstStyle/>
                     <a:p>
-                      <a:pPr algn="l" rtl="0">
+                      <a:pPr>
                         <a:lnSpc>
                           <a:spcPct val="100000"/>
                         </a:lnSpc>
@@ -5538,7 +6160,7 @@
                     <a:bodyPr/>
                     <a:lstStyle/>
                     <a:p>
-                      <a:pPr marL="48895" algn="l" rtl="0">
+                      <a:pPr marL="48895">
                         <a:lnSpc>
                           <a:spcPct val="100000"/>
                         </a:lnSpc>
@@ -5596,16 +6218,29 @@
                         </a:spcBef>
                       </a:pPr>
                       <a:r>
-                        <a:rPr lang="ja-JP" sz="900" dirty="0">
+                        <a:rPr sz="900" spc="0">
                           <a:solidFill>
                             <a:srgbClr val="020302"/>
                           </a:solidFill>
-                          <a:latin typeface="Adobe Clean Han Light" panose="020B0300000000000000" pitchFamily="34" charset="-128"/>
-                          <a:ea typeface="Adobe Clean Han Light" panose="020B0300000000000000" pitchFamily="34" charset="-128"/>
+                          <a:latin typeface="AdobeClean-Light"/>
                           <a:cs typeface="AdobeClean-Light"/>
                         </a:rPr>
-                        <a:t>イベント管理</a:t>
+                        <a:t>Event </a:t>
                       </a:r>
+                      <a:r>
+                        <a:rPr lang="en-US" sz="900" spc="0">
+                          <a:solidFill>
+                            <a:srgbClr val="020302"/>
+                          </a:solidFill>
+                          <a:latin typeface="AdobeClean-Light"/>
+                          <a:cs typeface="AdobeClean-Light"/>
+                        </a:rPr>
+                        <a:t>Management</a:t>
+                      </a:r>
+                      <a:endParaRPr sz="900" spc="0">
+                        <a:latin typeface="AdobeClean-Light"/>
+                        <a:cs typeface="AdobeClean-Light"/>
+                      </a:endParaRPr>
                     </a:p>
                   </a:txBody>
                   <a:tcPr marL="0" marR="0" marT="58419" marB="0">
@@ -5634,7 +6269,7 @@
                     <a:bodyPr/>
                     <a:lstStyle/>
                     <a:p>
-                      <a:pPr algn="l" rtl="0">
+                      <a:pPr>
                         <a:lnSpc>
                           <a:spcPct val="100000"/>
                         </a:lnSpc>
@@ -5663,7 +6298,7 @@
                     <a:bodyPr/>
                     <a:lstStyle/>
                     <a:p>
-                      <a:pPr algn="l" rtl="0">
+                      <a:pPr>
                         <a:lnSpc>
                           <a:spcPct val="100000"/>
                         </a:lnSpc>
@@ -5694,7 +6329,7 @@
                     <a:bodyPr/>
                     <a:lstStyle/>
                     <a:p>
-                      <a:pPr marL="48895" algn="l" rtl="0">
+                      <a:pPr marL="48895">
                         <a:lnSpc>
                           <a:spcPct val="100000"/>
                         </a:lnSpc>
@@ -5743,16 +6378,39 @@
                         </a:spcBef>
                       </a:pPr>
                       <a:r>
-                        <a:rPr lang="ja-JP" sz="900" dirty="0">
+                        <a:rPr sz="900" spc="0">
                           <a:solidFill>
                             <a:srgbClr val="020302"/>
                           </a:solidFill>
-                          <a:latin typeface="Adobe Clean Han Light" panose="020B0300000000000000" pitchFamily="34" charset="-128"/>
-                          <a:ea typeface="Adobe Clean Han Light" panose="020B0300000000000000" pitchFamily="34" charset="-128"/>
+                          <a:latin typeface="AdobeClean-Light"/>
                           <a:cs typeface="AdobeClean-Light"/>
                         </a:rPr>
-                        <a:t>環境レビュー、メンテナンスと監視</a:t>
+                        <a:t>Environment</a:t>
                       </a:r>
+                      <a:r>
+                        <a:rPr lang="en-US" sz="900" spc="0">
+                          <a:solidFill>
+                            <a:srgbClr val="020302"/>
+                          </a:solidFill>
+                          <a:latin typeface="AdobeClean-Light"/>
+                          <a:cs typeface="AdobeClean-Light"/>
+                        </a:rPr>
+                        <a:t> </a:t>
+                      </a:r>
+                      <a:r>
+                        <a:rPr sz="900" spc="0">
+                          <a:solidFill>
+                            <a:srgbClr val="020302"/>
+                          </a:solidFill>
+                          <a:latin typeface="AdobeClean-Light"/>
+                          <a:cs typeface="AdobeClean-Light"/>
+                        </a:rPr>
+                        <a:t>Review, Maintenance &amp; Monitoring</a:t>
+                      </a:r>
+                      <a:endParaRPr sz="900" spc="0">
+                        <a:latin typeface="AdobeClean-Light"/>
+                        <a:cs typeface="AdobeClean-Light"/>
+                      </a:endParaRPr>
                     </a:p>
                   </a:txBody>
                   <a:tcPr marL="0" marR="0" marT="59055" marB="0">
@@ -5775,7 +6433,7 @@
                     <a:bodyPr/>
                     <a:lstStyle/>
                     <a:p>
-                      <a:pPr algn="l" rtl="0">
+                      <a:pPr>
                         <a:lnSpc>
                           <a:spcPct val="100000"/>
                         </a:lnSpc>
@@ -5804,7 +6462,7 @@
                     <a:bodyPr/>
                     <a:lstStyle/>
                     <a:p>
-                      <a:pPr algn="l" rtl="0">
+                      <a:pPr>
                         <a:lnSpc>
                           <a:spcPct val="100000"/>
                         </a:lnSpc>
@@ -5835,7 +6493,7 @@
                     <a:bodyPr/>
                     <a:lstStyle/>
                     <a:p>
-                      <a:pPr marL="49530" algn="l" rtl="0">
+                      <a:pPr marL="49530">
                         <a:lnSpc>
                           <a:spcPct val="100000"/>
                         </a:lnSpc>
@@ -5884,16 +6542,19 @@
                         </a:spcBef>
                       </a:pPr>
                       <a:r>
-                        <a:rPr lang="ja-JP" sz="900" dirty="0">
+                        <a:rPr sz="900" spc="0">
                           <a:solidFill>
                             <a:srgbClr val="020302"/>
                           </a:solidFill>
-                          <a:latin typeface="Adobe Clean Han Light" panose="020B0300000000000000" pitchFamily="34" charset="-128"/>
-                          <a:ea typeface="Adobe Clean Han Light" panose="020B0300000000000000" pitchFamily="34" charset="-128"/>
+                          <a:latin typeface="AdobeClean-Light"/>
                           <a:cs typeface="AdobeClean-Light"/>
                         </a:rPr>
-                        <a:t>リリース、移行、アップグレード、製品ロードマップのレビュー</a:t>
+                        <a:t>Release, Migration, Upgrade &amp; Product Roadmap Review</a:t>
                       </a:r>
+                      <a:endParaRPr sz="900" spc="0">
+                        <a:latin typeface="AdobeClean-Light"/>
+                        <a:cs typeface="AdobeClean-Light"/>
+                      </a:endParaRPr>
                     </a:p>
                   </a:txBody>
                   <a:tcPr marL="0" marR="0" marT="63500" marB="0">
@@ -5916,7 +6577,7 @@
                     <a:bodyPr/>
                     <a:lstStyle/>
                     <a:p>
-                      <a:pPr algn="l" rtl="0">
+                      <a:pPr>
                         <a:lnSpc>
                           <a:spcPct val="100000"/>
                         </a:lnSpc>
@@ -5945,7 +6606,7 @@
                     <a:bodyPr/>
                     <a:lstStyle/>
                     <a:p>
-                      <a:pPr algn="l" rtl="0">
+                      <a:pPr>
                         <a:lnSpc>
                           <a:spcPct val="100000"/>
                         </a:lnSpc>
@@ -5976,7 +6637,7 @@
                     <a:bodyPr/>
                     <a:lstStyle/>
                     <a:p>
-                      <a:pPr marL="49530" algn="l" rtl="0">
+                      <a:pPr marL="49530">
                         <a:lnSpc>
                           <a:spcPct val="100000"/>
                         </a:lnSpc>
@@ -6034,12 +6695,11 @@
                         </a:spcBef>
                       </a:pPr>
                       <a:r>
-                        <a:rPr lang="ja-JP" sz="900" dirty="0">
-                          <a:latin typeface="Adobe Clean Han Light" panose="020B0300000000000000" pitchFamily="34" charset="-128"/>
-                          <a:ea typeface="Adobe Clean Han Light" panose="020B0300000000000000" pitchFamily="34" charset="-128"/>
+                        <a:rPr sz="900" spc="0">
+                          <a:latin typeface="AdobeClean-Light"/>
                           <a:cs typeface="AdobeClean-Light"/>
                         </a:rPr>
-                        <a:t>クラウドサポートアクティビティ – Experience Manager as Cloud</a:t>
+                        <a:t>Cloud Support Activities – Experience Manager as Cloud</a:t>
                       </a:r>
                     </a:p>
                   </a:txBody>
@@ -6069,7 +6729,7 @@
                     <a:bodyPr/>
                     <a:lstStyle/>
                     <a:p>
-                      <a:pPr algn="l" rtl="0">
+                      <a:pPr>
                         <a:lnSpc>
                           <a:spcPct val="100000"/>
                         </a:lnSpc>
@@ -6107,7 +6767,7 @@
                     <a:bodyPr/>
                     <a:lstStyle/>
                     <a:p>
-                      <a:pPr algn="l" rtl="0">
+                      <a:pPr>
                         <a:lnSpc>
                           <a:spcPct val="100000"/>
                         </a:lnSpc>
@@ -6156,16 +6816,22 @@
                         </a:spcBef>
                       </a:pPr>
                       <a:r>
-                        <a:rPr lang="ja-JP" sz="1000" b="1" i="0" dirty="0">
+                        <a:rPr lang="en-US" sz="1000" b="1" i="0" spc="0">
                           <a:solidFill>
                             <a:schemeClr val="bg1"/>
                           </a:solidFill>
-                          <a:latin typeface="Adobe Clean Han Regular" panose="020B0500000000000000" pitchFamily="34" charset="-128"/>
-                          <a:ea typeface="Adobe Clean Han Regular" panose="020B0500000000000000" pitchFamily="34" charset="-128"/>
+                          <a:latin typeface="Adobe Clean" panose="020B0503020404020204" pitchFamily="34" charset="0"/>
                           <a:cs typeface="AdobeClean-Light"/>
                         </a:rPr>
-                        <a:t>フィールドサービス</a:t>
+                        <a:t>Field Services</a:t>
                       </a:r>
+                      <a:endParaRPr sz="1000" b="1" i="0" spc="0">
+                        <a:solidFill>
+                          <a:schemeClr val="bg1"/>
+                        </a:solidFill>
+                        <a:latin typeface="Adobe Clean" panose="020B0503020404020204" pitchFamily="34" charset="0"/>
+                        <a:cs typeface="AdobeClean-Light"/>
+                      </a:endParaRPr>
                     </a:p>
                   </a:txBody>
                   <a:tcPr marL="0" marR="0" marT="48260" marB="0" anchor="ctr">
@@ -6218,16 +6884,19 @@
                         </a:spcBef>
                       </a:pPr>
                       <a:r>
-                        <a:rPr lang="ja-JP" sz="900" dirty="0">
+                        <a:rPr sz="900" spc="0">
                           <a:solidFill>
                             <a:srgbClr val="020302"/>
                           </a:solidFill>
-                          <a:latin typeface="Adobe Clean Han Light" panose="020B0300000000000000" pitchFamily="34" charset="-128"/>
-                          <a:ea typeface="Adobe Clean Han Light" panose="020B0300000000000000" pitchFamily="34" charset="-128"/>
+                          <a:latin typeface="AdobeClean-Light"/>
                           <a:cs typeface="AdobeClean-Light"/>
                         </a:rPr>
-                        <a:t>Launch Advisory サービス – 製品導入の初年度</a:t>
+                        <a:t>Launch Advisory Services – First Year of new solution</a:t>
                       </a:r>
+                      <a:endParaRPr sz="900" spc="0">
+                        <a:latin typeface="AdobeClean-Light"/>
+                        <a:cs typeface="AdobeClean-Light"/>
+                      </a:endParaRPr>
                     </a:p>
                     <a:p>
                       <a:pPr marL="48260" hangingPunct="0">
@@ -6239,12 +6908,11 @@
                         </a:spcBef>
                       </a:pPr>
                       <a:r>
-                        <a:rPr lang="ja-JP" sz="900" dirty="0">
-                          <a:latin typeface="Adobe Clean Han Light" panose="020B0300000000000000" pitchFamily="34" charset="-128"/>
-                          <a:ea typeface="Adobe Clean Han Light" panose="020B0300000000000000" pitchFamily="34" charset="-128"/>
+                        <a:rPr sz="900" spc="0">
+                          <a:latin typeface="AdobeClean-Light"/>
                           <a:cs typeface="AdobeClean-Light"/>
                         </a:rPr>
-                        <a:t>フィールドサービスアクティビティ </a:t>
+                        <a:t>Field Service Activities </a:t>
                       </a:r>
                     </a:p>
                   </a:txBody>
@@ -6280,7 +6948,7 @@
                     <a:bodyPr/>
                     <a:lstStyle/>
                     <a:p>
-                      <a:pPr algn="l" rtl="0">
+                      <a:pPr>
                         <a:lnSpc>
                           <a:spcPct val="100000"/>
                         </a:lnSpc>
@@ -6318,7 +6986,7 @@
                     <a:bodyPr/>
                     <a:lstStyle/>
                     <a:p>
-                      <a:pPr algn="l" rtl="0">
+                      <a:pPr>
                         <a:lnSpc>
                           <a:spcPct val="100000"/>
                         </a:lnSpc>
@@ -6403,7 +7071,7 @@
                     <a:bodyPr/>
                     <a:lstStyle/>
                     <a:p>
-                      <a:pPr algn="l" rtl="0">
+                      <a:pPr>
                         <a:lnSpc>
                           <a:spcPct val="100000"/>
                         </a:lnSpc>
@@ -6429,7 +7097,7 @@
                     <a:bodyPr/>
                     <a:lstStyle/>
                     <a:p>
-                      <a:pPr algn="l" rtl="0">
+                      <a:pPr>
                         <a:lnSpc>
                           <a:spcPct val="100000"/>
                         </a:lnSpc>
@@ -6493,7 +7161,7 @@
           <a:lstStyle/>
           <a:p>
             <a:r>
-              <a:rPr lang="ja-JP" sz="700" i="1">
+              <a:rPr lang="en-US" sz="700" i="1">
                 <a:solidFill>
                   <a:schemeClr val="bg1"/>
                 </a:solidFill>
@@ -6536,10 +7204,10 @@
         </p:nvGrpSpPr>
         <p:grpSpPr>
           <a:xfrm rot="5400000">
-            <a:off x="1380879" y="-1392301"/>
-            <a:ext cx="5142152" cy="7931849"/>
-            <a:chOff x="187070" y="421767"/>
-            <a:chExt cx="3441191" cy="7641336"/>
+            <a:off x="1339850" y="-1393467"/>
+            <a:ext cx="5198897" cy="7971002"/>
+            <a:chOff x="180403" y="415099"/>
+            <a:chExt cx="3479165" cy="7679055"/>
           </a:xfrm>
         </p:grpSpPr>
         <p:sp>
@@ -6550,7 +7218,7 @@
           </p:nvSpPr>
           <p:spPr>
             <a:xfrm>
-              <a:off x="3628261" y="576453"/>
+              <a:off x="3628262" y="576453"/>
               <a:ext cx="0" cy="7486650"/>
             </a:xfrm>
             <a:custGeom>
@@ -6675,7 +7343,7 @@
         <p:spPr>
           <a:xfrm>
             <a:off x="370040" y="1409311"/>
-            <a:ext cx="2286000" cy="1639167"/>
+            <a:ext cx="2286000" cy="1289969"/>
           </a:xfrm>
           <a:prstGeom prst="rect">
             <a:avLst/>
@@ -6696,15 +7364,18 @@
               </a:spcBef>
             </a:pPr>
             <a:r>
-              <a:rPr lang="ja-JP" sz="1000" dirty="0">
+              <a:rPr lang="en-US" sz="1000">
                 <a:solidFill>
                   <a:srgbClr val="000000"/>
                 </a:solidFill>
-                <a:latin typeface="Adobe Clean Han Light" panose="020B0300000000000000" pitchFamily="34" charset="-128"/>
-                <a:ea typeface="Adobe Clean Han Light" panose="020B0300000000000000" pitchFamily="34" charset="-128"/>
-              </a:rPr>
-              <a:t>専任アカウントサポートリードは、プロアクティブにケースを監視し、チーム間のコラボレーションを促進します。また、オンボーディングウェビナーの提供や、サービスレポートの実行、技術面以外でのサポートを行います。お客様のエスカレーションポイントおよびアドビサポートの社内担当としての役割を果たします。</a:t>
-            </a:r>
+                <a:latin typeface="Adobe Clean Light" panose="020B0303020404020204" pitchFamily="34" charset="0"/>
+              </a:rPr>
+              <a:t>A designated Account Support Lead to proactively monitor cases, drive cross-team collaboration, deliver onboarding webinars, run service reports, provide non-technical support assistance, and function as your escalation point and internal advocate within Adobe Support.</a:t>
+            </a:r>
+            <a:endParaRPr lang="en-US" sz="1000">
+              <a:latin typeface="Adobe Clean Light" panose="020B0303020404020204" pitchFamily="34" charset="0"/>
+              <a:cs typeface="AdobeClean-Light"/>
+            </a:endParaRPr>
           </a:p>
         </p:txBody>
       </p:sp>
@@ -6716,8 +7387,8 @@
         </p:nvSpPr>
         <p:spPr>
           <a:xfrm>
-            <a:off x="2836966" y="8504316"/>
-            <a:ext cx="2314153" cy="1084912"/>
+            <a:off x="2836967" y="8618616"/>
+            <a:ext cx="2286000" cy="641201"/>
           </a:xfrm>
           <a:prstGeom prst="rect">
             <a:avLst/>
@@ -6741,15 +7412,44 @@
               </a:tabLst>
             </a:pPr>
             <a:r>
-              <a:rPr lang="ja-JP" sz="1000" dirty="0">
+              <a:rPr sz="1000">
                 <a:solidFill>
                   <a:srgbClr val="020302"/>
                 </a:solidFill>
-                <a:latin typeface="Adobe Clean Han Light" panose="020B0300000000000000" pitchFamily="34" charset="-128"/>
-                <a:ea typeface="Adobe Clean Han Light" panose="020B0300000000000000" pitchFamily="34" charset="-128"/>
+                <a:latin typeface="AdobeClean-Light"/>
                 <a:cs typeface="AdobeClean-Light"/>
               </a:rPr>
-              <a:t>チャットセッションを開始すると、回答やケース申請による支援を受けることができます。</a:t>
+              <a:t>Start a chat session to get answers</a:t>
+            </a:r>
+            <a:r>
+              <a:rPr lang="en-US" sz="1000">
+                <a:solidFill>
+                  <a:srgbClr val="020302"/>
+                </a:solidFill>
+                <a:latin typeface="AdobeClean-Light"/>
+                <a:cs typeface="AdobeClean-Light"/>
+              </a:rPr>
+              <a:t> &amp; </a:t>
+            </a:r>
+            <a:r>
+              <a:rPr sz="1000">
+                <a:solidFill>
+                  <a:srgbClr val="020302"/>
+                </a:solidFill>
+                <a:latin typeface="AdobeClean-Light"/>
+                <a:cs typeface="AdobeClean-Light"/>
+              </a:rPr>
+              <a:t>help with case submission</a:t>
+            </a:r>
+            <a:r>
+              <a:rPr lang="en-US" sz="1000">
+                <a:solidFill>
+                  <a:srgbClr val="020302"/>
+                </a:solidFill>
+                <a:latin typeface="AdobeClean-Light"/>
+                <a:cs typeface="AdobeClean-Light"/>
+              </a:rPr>
+              <a:t>.</a:t>
             </a:r>
           </a:p>
           <a:p>
@@ -6762,67 +7462,39 @@
               </a:tabLst>
             </a:pPr>
             <a:r>
-              <a:rPr lang="ja-JP" sz="1000" i="1" dirty="0">
+              <a:rPr sz="1000" i="1">
                 <a:solidFill>
                   <a:srgbClr val="7A7A7A"/>
                 </a:solidFill>
-                <a:latin typeface="Adobe Clean Han Light" panose="020B0300000000000000" pitchFamily="34" charset="-128"/>
-                <a:ea typeface="Adobe Clean Han Light" panose="020B0300000000000000" pitchFamily="34" charset="-128"/>
+                <a:latin typeface="AdobeClean-LightIt"/>
                 <a:cs typeface="AdobeClean-LightIt"/>
               </a:rPr>
-              <a:t>* すべての製品にライブチャットサポートがあるわけではありません</a:t>
-            </a:r>
-            <a:r>
-              <a:rPr lang="ja-JP" sz="900" i="1" dirty="0">
+              <a:t>*Not all products have live chat support</a:t>
+            </a:r>
+            <a:r>
+              <a:rPr sz="900" i="1">
                 <a:solidFill>
                   <a:srgbClr val="7A7A7A"/>
                 </a:solidFill>
-                <a:latin typeface="Adobe Clean Han Light" panose="020B0300000000000000" pitchFamily="34" charset="-128"/>
-                <a:ea typeface="Adobe Clean Han Light" panose="020B0300000000000000" pitchFamily="34" charset="-128"/>
+                <a:latin typeface="AdobeClean-LightIt"/>
                 <a:cs typeface="AdobeClean-LightIt"/>
               </a:rPr>
-              <a:t>。</a:t>
-            </a:r>
-            <a:endParaRPr lang="en-US" altLang="ja-JP" sz="900" i="1" dirty="0">
-              <a:solidFill>
-                <a:srgbClr val="7A7A7A"/>
-              </a:solidFill>
-              <a:latin typeface="Adobe Clean Han Light" panose="020B0300000000000000" pitchFamily="34" charset="-128"/>
-              <a:ea typeface="Adobe Clean Han Light" panose="020B0300000000000000" pitchFamily="34" charset="-128"/>
-              <a:cs typeface="AdobeClean-LightIt"/>
-            </a:endParaRPr>
-          </a:p>
-          <a:p>
-            <a:pPr marL="33020" marR="159385">
-              <a:spcBef>
-                <a:spcPts val="100"/>
-              </a:spcBef>
-              <a:tabLst>
-                <a:tab pos="1786889" algn="l"/>
-              </a:tabLst>
-            </a:pPr>
-            <a:r>
-              <a:rPr lang="ja-JP" altLang="en-US" sz="900" i="1" dirty="0">
+              <a:t>.</a:t>
+            </a:r>
+            <a:r>
+              <a:rPr lang="en-US" sz="900" i="1">
                 <a:solidFill>
                   <a:srgbClr val="7A7A7A"/>
                 </a:solidFill>
-                <a:latin typeface="Adobe Clean Han Light" panose="020B0300000000000000" pitchFamily="34" charset="-128"/>
-                <a:ea typeface="Adobe Clean Han Light" panose="020B0300000000000000" pitchFamily="34" charset="-128"/>
+                <a:latin typeface="AdobeClean-LightIt"/>
                 <a:cs typeface="AdobeClean-LightIt"/>
               </a:rPr>
-              <a:t>* チャットサポートは日本語に対応していません。</a:t>
-            </a:r>
-            <a:r>
-              <a:rPr lang="ja-JP" sz="900" i="1" dirty="0">
-                <a:solidFill>
-                  <a:srgbClr val="7A7A7A"/>
-                </a:solidFill>
-                <a:latin typeface="Adobe Clean Han Light" panose="020B0300000000000000" pitchFamily="34" charset="-128"/>
-                <a:ea typeface="Adobe Clean Han Light" panose="020B0300000000000000" pitchFamily="34" charset="-128"/>
-                <a:cs typeface="AdobeClean-LightIt"/>
-              </a:rPr>
               <a:t>  </a:t>
             </a:r>
+            <a:endParaRPr sz="900">
+              <a:latin typeface="AdobeClean-Light"/>
+              <a:cs typeface="AdobeClean-Light"/>
+            </a:endParaRPr>
           </a:p>
         </p:txBody>
       </p:sp>
@@ -6871,8 +7543,8 @@
         </p:nvSpPr>
         <p:spPr>
           <a:xfrm>
-            <a:off x="838200" y="5813028"/>
-            <a:ext cx="1842852" cy="184666"/>
+            <a:off x="838200" y="6046398"/>
+            <a:ext cx="1568246" cy="184666"/>
           </a:xfrm>
           <a:prstGeom prst="rect">
             <a:avLst/>
@@ -6898,14 +7570,12 @@
               <a:defRPr/>
             </a:pPr>
             <a:r>
-              <a:rPr lang="ja-JP" sz="1200" dirty="0">
+              <a:rPr lang="en-US" sz="1200">
                 <a:solidFill>
                   <a:srgbClr val="000000"/>
                 </a:solidFill>
-                <a:latin typeface="Adobe Clean Han Light" panose="020B0300000000000000" pitchFamily="34" charset="-128"/>
-                <a:ea typeface="Adobe Clean Han Light" panose="020B0300000000000000" pitchFamily="34" charset="-128"/>
-              </a:rPr>
-              <a:t>コミュニティフォーラム</a:t>
+              </a:rPr>
+              <a:t>Community Forums</a:t>
             </a:r>
           </a:p>
         </p:txBody>
@@ -6926,8 +7596,8 @@
         </p:nvSpPr>
         <p:spPr>
           <a:xfrm>
-            <a:off x="838199" y="6043935"/>
-            <a:ext cx="1732085" cy="184666"/>
+            <a:off x="838200" y="6277305"/>
+            <a:ext cx="959314" cy="184666"/>
           </a:xfrm>
           <a:prstGeom prst="rect">
             <a:avLst/>
@@ -6948,12 +7618,12 @@
               </a:spcAft>
             </a:pPr>
             <a:r>
-              <a:rPr lang="ja-JP" sz="1200" b="1" dirty="0">
-                <a:latin typeface="Adobe Clean Han Regular" panose="020B0500000000000000" pitchFamily="34" charset="-128"/>
-                <a:ea typeface="Adobe Clean Han Regular" panose="020B0500000000000000" pitchFamily="34" charset="-128"/>
+              <a:rPr lang="en-US" sz="1200" b="1">
+                <a:latin typeface="+mj-lt"/>
+                <a:ea typeface="Open Sans" pitchFamily="34" charset="0"/>
                 <a:cs typeface="Open Sans" pitchFamily="34" charset="0"/>
               </a:rPr>
-              <a:t>オンラインフォーラム</a:t>
+              <a:t>Online Forums</a:t>
             </a:r>
           </a:p>
         </p:txBody>
@@ -6972,8 +7642,8 @@
         </p:nvSpPr>
         <p:spPr>
           <a:xfrm>
-            <a:off x="370040" y="6295879"/>
-            <a:ext cx="2286000" cy="959237"/>
+            <a:off x="370040" y="6529249"/>
+            <a:ext cx="2286000" cy="805349"/>
           </a:xfrm>
           <a:prstGeom prst="rect">
             <a:avLst/>
@@ -6986,14 +7656,13 @@
           <a:lstStyle/>
           <a:p>
             <a:r>
-              <a:rPr lang="ja-JP" sz="1000" dirty="0">
+              <a:rPr lang="en-US" sz="1000">
                 <a:solidFill>
                   <a:srgbClr val="000000"/>
                 </a:solidFill>
-                <a:latin typeface="Adobe Clean Han Light" panose="020B0300000000000000" pitchFamily="34" charset="-128"/>
-                <a:ea typeface="Adobe Clean Han Light" panose="020B0300000000000000" pitchFamily="34" charset="-128"/>
-              </a:rPr>
-              <a:t>テクニカルソリューション、製品ドキュメント、FAQ などの増大するデータベースにオンラインで継続的にアクセスできます。何千人ものお客様同士が繋がり、ベストプラクティスや学習した内容を共有できます。</a:t>
+                <a:latin typeface="Adobe Clean Light" panose="020B0303020404020204" pitchFamily="34" charset="0"/>
+              </a:rPr>
+              <a:t>Continuous online access to a growing database of technical solutions, product documentation, FAQs and more. Thousands of customers can connect to share best practices and lessons learned.</a:t>
             </a:r>
           </a:p>
         </p:txBody>
@@ -7014,8 +7683,8 @@
         </p:nvSpPr>
         <p:spPr>
           <a:xfrm>
-            <a:off x="5851290" y="6043935"/>
-            <a:ext cx="1745671" cy="184666"/>
+            <a:off x="5851290" y="6277305"/>
+            <a:ext cx="1316707" cy="184666"/>
           </a:xfrm>
           <a:prstGeom prst="rect">
             <a:avLst/>
@@ -7036,12 +7705,12 @@
               </a:spcAft>
             </a:pPr>
             <a:r>
-              <a:rPr lang="ja-JP" sz="1200" b="1" spc="-20" dirty="0">
-                <a:latin typeface="Adobe Clean Han Regular" panose="020B0500000000000000" pitchFamily="34" charset="-128"/>
-                <a:ea typeface="Adobe Clean Han Regular" panose="020B0500000000000000" pitchFamily="34" charset="-128"/>
+              <a:rPr lang="en-US" sz="1200" b="1">
+                <a:latin typeface="+mj-lt"/>
+                <a:ea typeface="Open Sans" pitchFamily="34" charset="0"/>
                 <a:cs typeface="Open Sans" pitchFamily="34" charset="0"/>
               </a:rPr>
-              <a:t>セルフガイドジャーニー</a:t>
+              <a:t>Self-guided Journeys</a:t>
             </a:r>
           </a:p>
         </p:txBody>
@@ -7060,8 +7729,8 @@
         </p:nvSpPr>
         <p:spPr>
           <a:xfrm>
-            <a:off x="5376301" y="6295879"/>
-            <a:ext cx="2247509" cy="1267014"/>
+            <a:off x="5376301" y="6529249"/>
+            <a:ext cx="2286000" cy="959237"/>
           </a:xfrm>
           <a:prstGeom prst="rect">
             <a:avLst/>
@@ -7074,14 +7743,13 @@
           <a:lstStyle/>
           <a:p>
             <a:r>
-              <a:rPr lang="ja-JP" sz="1000" spc="-20" dirty="0">
+              <a:rPr lang="en-US" sz="1000">
                 <a:solidFill>
                   <a:srgbClr val="000000"/>
                 </a:solidFill>
-                <a:latin typeface="Adobe Clean Han Light" panose="020B0300000000000000" pitchFamily="34" charset="-128"/>
-                <a:ea typeface="Adobe Clean Han Light" panose="020B0300000000000000" pitchFamily="34" charset="-128"/>
-              </a:rPr>
-              <a:t>エクスペリエンスメーカーは、Experience League から誕生します。Experience League に参加すると、パーソナライズされた学習で、顧客体験管理能力を強化することができます。スキルの向上や、グローバルコミュニティでの仲間との交流のほか、キャリアアップに役立つ評価の獲得も可能です。</a:t>
+                <a:latin typeface="Adobe Clean Light" panose="020B0303020404020204" pitchFamily="34" charset="0"/>
+              </a:rPr>
+              <a:t>Experience Makers are made with Experience League. Customers can kickstart their Customer Experience Management abilities with personalized learning to develop skills, engage with a global community of peers, and earn career advancing recognition.</a:t>
             </a:r>
           </a:p>
         </p:txBody>
@@ -7102,7 +7770,7 @@
         </p:nvSpPr>
         <p:spPr>
           <a:xfrm>
-            <a:off x="3215895" y="8035841"/>
+            <a:off x="3215895" y="8150141"/>
             <a:ext cx="2520000" cy="184666"/>
           </a:xfrm>
           <a:prstGeom prst="rect">
@@ -7129,14 +7797,12 @@
               <a:defRPr/>
             </a:pPr>
             <a:r>
-              <a:rPr lang="ja-JP" sz="1200" dirty="0">
+              <a:rPr lang="en-US" sz="1200">
                 <a:solidFill>
                   <a:srgbClr val="000000"/>
                 </a:solidFill>
-                <a:latin typeface="Adobe Clean Han Light" panose="020B0300000000000000" pitchFamily="34" charset="-128"/>
-                <a:ea typeface="Adobe Clean Han Light" panose="020B0300000000000000" pitchFamily="34" charset="-128"/>
-              </a:rPr>
-              <a:t>ライブチャットサポート*</a:t>
+              </a:rPr>
+              <a:t>Live Chat  Support*</a:t>
             </a:r>
           </a:p>
         </p:txBody>
@@ -7157,8 +7823,8 @@
         </p:nvSpPr>
         <p:spPr>
           <a:xfrm>
-            <a:off x="3198434" y="8259243"/>
-            <a:ext cx="1269578" cy="184666"/>
+            <a:off x="3198434" y="8373543"/>
+            <a:ext cx="840166" cy="184666"/>
           </a:xfrm>
           <a:prstGeom prst="rect">
             <a:avLst/>
@@ -7179,12 +7845,12 @@
               </a:spcAft>
             </a:pPr>
             <a:r>
-              <a:rPr lang="ja-JP" sz="1200" b="1">
-                <a:latin typeface="Adobe Clean Han Regular" panose="020B0500000000000000" pitchFamily="34" charset="-128"/>
-                <a:ea typeface="Adobe Clean Han Regular" panose="020B0500000000000000" pitchFamily="34" charset="-128"/>
+              <a:rPr lang="en-US" sz="1200" b="1">
+                <a:latin typeface="+mj-lt"/>
+                <a:ea typeface="Open Sans" pitchFamily="34" charset="0"/>
                 <a:cs typeface="Open Sans" pitchFamily="34" charset="0"/>
               </a:rPr>
-              <a:t>チャットサポート</a:t>
+              <a:t>Chat Support</a:t>
             </a:r>
           </a:p>
         </p:txBody>
@@ -7205,7 +7871,7 @@
         </p:nvSpPr>
         <p:spPr>
           <a:xfrm>
-            <a:off x="3290772" y="5813028"/>
+            <a:off x="3290772" y="6046398"/>
             <a:ext cx="2520000" cy="184666"/>
           </a:xfrm>
           <a:prstGeom prst="rect">
@@ -7232,14 +7898,12 @@
               <a:defRPr/>
             </a:pPr>
             <a:r>
-              <a:rPr lang="ja-JP" sz="1200" dirty="0">
+              <a:rPr lang="en-US" sz="1200">
                 <a:solidFill>
                   <a:srgbClr val="000000"/>
                 </a:solidFill>
-                <a:latin typeface="Adobe Clean Han Light" panose="020B0300000000000000" pitchFamily="34" charset="-128"/>
-                <a:ea typeface="Adobe Clean Han Light" panose="020B0300000000000000" pitchFamily="34" charset="-128"/>
-              </a:rPr>
-              <a:t>24 時間年中無休 P1 </a:t>
+              </a:rPr>
+              <a:t>24X7 P1 </a:t>
             </a:r>
           </a:p>
         </p:txBody>
@@ -7260,8 +7924,8 @@
         </p:nvSpPr>
         <p:spPr>
           <a:xfrm>
-            <a:off x="3276600" y="6043935"/>
-            <a:ext cx="952184" cy="184666"/>
+            <a:off x="3276600" y="6277305"/>
+            <a:ext cx="992259" cy="184666"/>
           </a:xfrm>
           <a:prstGeom prst="rect">
             <a:avLst/>
@@ -7282,12 +7946,12 @@
               </a:spcAft>
             </a:pPr>
             <a:r>
-              <a:rPr lang="ja-JP" sz="1200" b="1" dirty="0">
-                <a:latin typeface="Adobe Clean Han Regular" panose="020B0500000000000000" pitchFamily="34" charset="-128"/>
-                <a:ea typeface="Adobe Clean Han Regular" panose="020B0500000000000000" pitchFamily="34" charset="-128"/>
+              <a:rPr lang="en-US" sz="1200" b="1">
+                <a:latin typeface="+mj-lt"/>
+                <a:ea typeface="Open Sans" pitchFamily="34" charset="0"/>
                 <a:cs typeface="Open Sans" pitchFamily="34" charset="0"/>
               </a:rPr>
-              <a:t>電話サポート</a:t>
+              <a:t>Phone Support</a:t>
             </a:r>
           </a:p>
         </p:txBody>
@@ -7306,8 +7970,8 @@
         </p:nvSpPr>
         <p:spPr>
           <a:xfrm>
-            <a:off x="2836967" y="6295879"/>
-            <a:ext cx="2286000" cy="959237"/>
+            <a:off x="2836967" y="6529249"/>
+            <a:ext cx="2286000" cy="805349"/>
           </a:xfrm>
           <a:prstGeom prst="rect">
             <a:avLst/>
@@ -7320,22 +7984,26 @@
           <a:lstStyle/>
           <a:p>
             <a:r>
-              <a:rPr lang="ja-JP" sz="1000" dirty="0">
+              <a:rPr lang="en-US" sz="1000">
                 <a:solidFill>
                   <a:srgbClr val="020302"/>
                 </a:solidFill>
-                <a:latin typeface="Adobe Clean Han Light" panose="020B0300000000000000" pitchFamily="34" charset="-128"/>
-                <a:ea typeface="Adobe Clean Han Light" panose="020B0300000000000000" pitchFamily="34" charset="-128"/>
-              </a:rPr>
-              <a:t>承認済みユーザーまたはサポート対象ユーザーは、</a:t>
-            </a:r>
-            <a:r>
-              <a:rPr lang="ja-JP" sz="1000" dirty="0">
-                <a:latin typeface="Adobe Clean Han Light" panose="020B0300000000000000" pitchFamily="34" charset="-128"/>
-                <a:ea typeface="Adobe Clean Han Light" panose="020B0300000000000000" pitchFamily="34" charset="-128"/>
-              </a:rPr>
-              <a:t>使用可能なすべてのチャネル（P1 の場合は電話を含む）を通じて問題を申請でき、お客様の会社を代表してアドビのテクニカルサポートチームとやり取りできます。 </a:t>
-            </a:r>
+                <a:latin typeface="AdobeClean-Light"/>
+              </a:rPr>
+              <a:t>Authorized users or Named Support Contacts </a:t>
+            </a:r>
+            <a:r>
+              <a:rPr lang="en-US" sz="1000">
+                <a:latin typeface="Adobe Clean Light" panose="020B0303020404020204" pitchFamily="34" charset="0"/>
+              </a:rPr>
+              <a:t>can submit issues through all available  channels (including phone for P1) and interact with our technical support team on behalf of your company. </a:t>
+            </a:r>
+            <a:endParaRPr lang="en-US" sz="1000">
+              <a:solidFill>
+                <a:srgbClr val="000000"/>
+              </a:solidFill>
+              <a:latin typeface="Adobe Clean Light" panose="020B0303020404020204" pitchFamily="34" charset="0"/>
+            </a:endParaRPr>
           </a:p>
         </p:txBody>
       </p:sp>
@@ -7379,8 +8047,24 @@
               </a:spcBef>
             </a:pPr>
             <a:r>
-              <a:rPr lang="ja-JP"/>
-              <a:t>©2021 Adobe.All Rights Reserved.Adobe Confidential.</a:t>
+              <a:rPr spc="-5"/>
+              <a:t>©202</a:t>
+            </a:r>
+            <a:r>
+              <a:rPr lang="en-US" spc="-5"/>
+              <a:t>1</a:t>
+            </a:r>
+            <a:r>
+              <a:rPr spc="-5"/>
+              <a:t> Adobe. All Rights Reserved. Adobe</a:t>
+            </a:r>
+            <a:r>
+              <a:rPr spc="60"/>
+              <a:t> </a:t>
+            </a:r>
+            <a:r>
+              <a:rPr spc="-5"/>
+              <a:t>Confidential.</a:t>
             </a:r>
           </a:p>
         </p:txBody>
@@ -7402,7 +8086,7 @@
         <p:spPr>
           <a:xfrm>
             <a:off x="821898" y="1099315"/>
-            <a:ext cx="1902252" cy="184666"/>
+            <a:ext cx="1726164" cy="184666"/>
           </a:xfrm>
           <a:prstGeom prst="rect">
             <a:avLst/>
@@ -7423,14 +8107,13 @@
               </a:spcAft>
             </a:pPr>
             <a:r>
-              <a:rPr lang="ja-JP" sz="1200" b="1" spc="-60" dirty="0">
+              <a:rPr lang="en-US" sz="1200" b="1" spc="-10">
                 <a:solidFill>
                   <a:srgbClr val="020302"/>
                 </a:solidFill>
-                <a:latin typeface="Adobe Clean Han Regular" panose="020B0500000000000000" pitchFamily="34" charset="-128"/>
-                <a:ea typeface="Adobe Clean Han Regular" panose="020B0500000000000000" pitchFamily="34" charset="-128"/>
-              </a:rPr>
-              <a:t>アカウントサポートリード</a:t>
+                <a:latin typeface="+mj-lt"/>
+              </a:rPr>
+              <a:t>Account Support Lead</a:t>
             </a:r>
           </a:p>
         </p:txBody>
@@ -7449,8 +8132,8 @@
         </p:nvSpPr>
         <p:spPr>
           <a:xfrm>
-            <a:off x="401995" y="5670709"/>
-            <a:ext cx="2206664" cy="46672"/>
+            <a:off x="401995" y="5785009"/>
+            <a:ext cx="1848207" cy="45719"/>
           </a:xfrm>
           <a:custGeom>
             <a:avLst/>
@@ -7497,8 +8180,8 @@
         </p:nvSpPr>
         <p:spPr>
           <a:xfrm>
-            <a:off x="318713" y="5318241"/>
-            <a:ext cx="2409634" cy="307777"/>
+            <a:off x="318713" y="5432541"/>
+            <a:ext cx="2180405" cy="307777"/>
           </a:xfrm>
           <a:prstGeom prst="rect">
             <a:avLst/>
@@ -7519,16 +8202,19 @@
               </a:spcBef>
             </a:pPr>
             <a:r>
-              <a:rPr lang="ja-JP" sz="1400" b="1" dirty="0">
+              <a:rPr lang="en-US" sz="1400" b="1" spc="-10" dirty="0">
                 <a:solidFill>
                   <a:srgbClr val="020302"/>
                 </a:solidFill>
-                <a:latin typeface="Adobe Clean Han Regular" panose="020B0500000000000000" pitchFamily="34" charset="-128"/>
-                <a:ea typeface="Adobe Clean Han Regular" panose="020B0500000000000000" pitchFamily="34" charset="-128"/>
+                <a:latin typeface="Adobe Clean"/>
                 <a:cs typeface="Adobe Clean"/>
               </a:rPr>
-              <a:t>オンラインサポートの特長</a:t>
-            </a:r>
+              <a:t>Standard Support Features</a:t>
+            </a:r>
+            <a:endParaRPr lang="en-US" sz="1400" dirty="0">
+              <a:latin typeface="Adobe Clean"/>
+              <a:cs typeface="Adobe Clean"/>
+            </a:endParaRPr>
           </a:p>
         </p:txBody>
       </p:sp>
@@ -7594,8 +8280,8 @@
         </p:nvSpPr>
         <p:spPr>
           <a:xfrm>
-            <a:off x="273765" y="429188"/>
-            <a:ext cx="2225289" cy="307777"/>
+            <a:off x="240424" y="429188"/>
+            <a:ext cx="2163221" cy="307777"/>
           </a:xfrm>
           <a:prstGeom prst="rect">
             <a:avLst/>
@@ -7616,16 +8302,19 @@
               </a:spcBef>
             </a:pPr>
             <a:r>
-              <a:rPr lang="ja-JP" sz="1400" b="1" dirty="0">
+              <a:rPr lang="en-US" sz="1400" b="1" spc="-10">
                 <a:solidFill>
                   <a:srgbClr val="020302"/>
                 </a:solidFill>
-                <a:latin typeface="Adobe Clean Han Regular" panose="020B0500000000000000" pitchFamily="34" charset="-128"/>
-                <a:ea typeface="Adobe Clean Han Regular" panose="020B0500000000000000" pitchFamily="34" charset="-128"/>
+                <a:latin typeface="Adobe Clean"/>
                 <a:cs typeface="Adobe Clean"/>
               </a:rPr>
-              <a:t>ビジネスサポートの特長</a:t>
-            </a:r>
+              <a:t>Business  Support Features</a:t>
+            </a:r>
+            <a:endParaRPr lang="en-US" sz="1400">
+              <a:latin typeface="Adobe Clean"/>
+              <a:cs typeface="Adobe Clean"/>
+            </a:endParaRPr>
           </a:p>
         </p:txBody>
       </p:sp>
@@ -7643,8 +8332,8 @@
         </p:nvSpPr>
         <p:spPr>
           <a:xfrm>
-            <a:off x="2836966" y="1370913"/>
-            <a:ext cx="2454171" cy="1639167"/>
+            <a:off x="2836967" y="1370913"/>
+            <a:ext cx="2286000" cy="1456681"/>
           </a:xfrm>
           <a:prstGeom prst="rect">
             <a:avLst/>
@@ -7665,12 +8354,15 @@
               </a:spcBef>
             </a:pPr>
             <a:r>
-              <a:rPr lang="ja-JP" sz="1000" dirty="0">
-                <a:latin typeface="Adobe Clean Han Light" panose="020B0300000000000000" pitchFamily="34" charset="-128"/>
-                <a:ea typeface="Adobe Clean Han Light" panose="020B0300000000000000" pitchFamily="34" charset="-128"/>
-              </a:rPr>
-              <a:t>お客様は、P2、P3、P4 のすべての問題について、地域のサポート時間内に電話でサポートケースを申請できます。サポートへの電話の回数に上限はありません。また、サポートからの折り返し連絡やミーティングをリクエストすることもできます。ミーティングでは、共有リモートデスクトップセッションを使用して、問題の説明や対処を受けることができます。</a:t>
-            </a:r>
+              <a:rPr lang="en-US" sz="1000">
+                <a:latin typeface="Adobe Clean Light" panose="020B0303020404020204" pitchFamily="34" charset="0"/>
+              </a:rPr>
+              <a:t>Customers can submit support cases via Phone for all P2, P3, P4 issues during regional support hours. There are no upper limits on the number of times you can call into support. Customers can also request a call back from support or request a meeting to demonstrate or work through an issue using a shared remote desktop session.</a:t>
+            </a:r>
+            <a:endParaRPr lang="en-US" sz="1000">
+              <a:latin typeface="Adobe Clean Light" panose="020B0303020404020204" pitchFamily="34" charset="0"/>
+              <a:cs typeface="AdobeClean-Light"/>
+            </a:endParaRPr>
           </a:p>
         </p:txBody>
       </p:sp>
@@ -7690,8 +8382,8 @@
         </p:nvSpPr>
         <p:spPr>
           <a:xfrm>
-            <a:off x="3257682" y="1083434"/>
-            <a:ext cx="1865286" cy="184666"/>
+            <a:off x="3257682" y="1083435"/>
+            <a:ext cx="1976242" cy="184666"/>
           </a:xfrm>
           <a:prstGeom prst="rect">
             <a:avLst/>
@@ -7712,14 +8404,13 @@
               </a:spcAft>
             </a:pPr>
             <a:r>
-              <a:rPr lang="ja-JP" sz="1200" b="1" dirty="0">
+              <a:rPr lang="en-US" sz="1200" b="1" spc="-10">
                 <a:solidFill>
                   <a:srgbClr val="020302"/>
                 </a:solidFill>
-                <a:latin typeface="Adobe Clean Han Regular" panose="020B0500000000000000" pitchFamily="34" charset="-128"/>
-                <a:ea typeface="Adobe Clean Han Regular" panose="020B0500000000000000" pitchFamily="34" charset="-128"/>
-              </a:rPr>
-              <a:t>電話サポート（ライブ）</a:t>
+                <a:latin typeface="+mj-lt"/>
+              </a:rPr>
+              <a:t>Live Telephone Support</a:t>
             </a:r>
           </a:p>
         </p:txBody>
@@ -7760,15 +8451,18 @@
               </a:spcBef>
             </a:pPr>
             <a:r>
-              <a:rPr lang="ja-JP" sz="1000" dirty="0">
+              <a:rPr lang="en-US" sz="1000">
                 <a:solidFill>
                   <a:srgbClr val="4B4B4B"/>
                 </a:solidFill>
-                <a:latin typeface="Adobe Clean Han Light" panose="020B0300000000000000" pitchFamily="34" charset="-128"/>
-                <a:ea typeface="Adobe Clean Han Light" panose="020B0300000000000000" pitchFamily="34" charset="-128"/>
-              </a:rPr>
-              <a:t>アドビ内の専任連絡窓口が、エスカレーション支援や定期的なアップデートを提供し、お客様の最も重要なオープン中のサポートリクエストに優先的に対応します。</a:t>
-            </a:r>
+                <a:latin typeface="Adobe Clean Light" panose="020B0303020404020204" pitchFamily="34" charset="0"/>
+              </a:rPr>
+              <a:t>A designated point of contact within Adobe who can provide escalation assistance, regular updates and ensure priority is given to your most critical open support requests.</a:t>
+            </a:r>
+            <a:endParaRPr lang="en-US" sz="1000">
+              <a:latin typeface="Adobe Clean Light" panose="020B0303020404020204" pitchFamily="34" charset="0"/>
+              <a:cs typeface="AdobeClean-Light"/>
+            </a:endParaRPr>
           </a:p>
         </p:txBody>
       </p:sp>
@@ -7789,7 +8483,7 @@
         <p:spPr>
           <a:xfrm>
             <a:off x="5885313" y="1085652"/>
-            <a:ext cx="1772554" cy="184666"/>
+            <a:ext cx="1608472" cy="184666"/>
           </a:xfrm>
           <a:prstGeom prst="rect">
             <a:avLst/>
@@ -7810,14 +8504,13 @@
               </a:spcAft>
             </a:pPr>
             <a:r>
-              <a:rPr lang="ja-JP" sz="1200" b="1" dirty="0">
+              <a:rPr lang="en-US" sz="1200" b="1" spc="-10">
                 <a:solidFill>
                   <a:srgbClr val="020302"/>
                 </a:solidFill>
-                <a:latin typeface="Adobe Clean Han Regular" panose="020B0500000000000000" pitchFamily="34" charset="-128"/>
-                <a:ea typeface="Adobe Clean Han Regular" panose="020B0500000000000000" pitchFamily="34" charset="-128"/>
-              </a:rPr>
-              <a:t>エスカレーション管理</a:t>
+                <a:latin typeface="+mj-lt"/>
+              </a:rPr>
+              <a:t>Escalation Management</a:t>
             </a:r>
           </a:p>
         </p:txBody>
@@ -7838,7 +8531,7 @@
         </p:nvSpPr>
         <p:spPr>
           <a:xfrm>
-            <a:off x="838200" y="8033821"/>
+            <a:off x="838200" y="8148121"/>
             <a:ext cx="2520000" cy="184666"/>
           </a:xfrm>
           <a:prstGeom prst="rect">
@@ -7865,12 +8558,10 @@
               <a:defRPr/>
             </a:pPr>
             <a:r>
-              <a:rPr lang="ja-JP" sz="1200">
+              <a:rPr lang="en-US" sz="1200">
                 <a:solidFill>
                   <a:srgbClr val="000000"/>
                 </a:solidFill>
-                <a:latin typeface="Adobe Clean Han Light" panose="020B0300000000000000" pitchFamily="34" charset="-128"/>
-                <a:ea typeface="Adobe Clean Han Light" panose="020B0300000000000000" pitchFamily="34" charset="-128"/>
               </a:rPr>
               <a:t>Office Hours</a:t>
             </a:r>
@@ -7893,8 +8584,8 @@
         </p:nvSpPr>
         <p:spPr>
           <a:xfrm>
-            <a:off x="838200" y="8259243"/>
-            <a:ext cx="793487" cy="184666"/>
+            <a:off x="838200" y="8373543"/>
+            <a:ext cx="604974" cy="184666"/>
           </a:xfrm>
           <a:prstGeom prst="rect">
             <a:avLst/>
@@ -7915,12 +8606,12 @@
               </a:spcAft>
             </a:pPr>
             <a:r>
-              <a:rPr lang="ja-JP" sz="1200" b="1">
-                <a:latin typeface="Adobe Clean Han Regular" panose="020B0500000000000000" pitchFamily="34" charset="-128"/>
-                <a:ea typeface="Adobe Clean Han Regular" panose="020B0500000000000000" pitchFamily="34" charset="-128"/>
+              <a:rPr lang="en-US" sz="1200" b="1">
+                <a:latin typeface="+mj-lt"/>
+                <a:ea typeface="Open Sans" pitchFamily="34" charset="0"/>
                 <a:cs typeface="Open Sans" pitchFamily="34" charset="0"/>
               </a:rPr>
-              <a:t>ウェビナー</a:t>
+              <a:t>Webinars</a:t>
             </a:r>
           </a:p>
         </p:txBody>
@@ -7939,8 +8630,8 @@
         </p:nvSpPr>
         <p:spPr>
           <a:xfrm>
-            <a:off x="370040" y="8504316"/>
-            <a:ext cx="2354110" cy="1113125"/>
+            <a:off x="370040" y="8618616"/>
+            <a:ext cx="2286000" cy="1113125"/>
           </a:xfrm>
           <a:prstGeom prst="rect">
             <a:avLst/>
@@ -7953,14 +8644,13 @@
           <a:lstStyle/>
           <a:p>
             <a:r>
-              <a:rPr lang="ja-JP" sz="1000" spc="-20" dirty="0">
+              <a:rPr lang="en-US" sz="1000">
                 <a:solidFill>
                   <a:srgbClr val="000000"/>
                 </a:solidFill>
-                <a:latin typeface="Adobe Clean Han Light" panose="020B0300000000000000" pitchFamily="34" charset="-128"/>
-                <a:ea typeface="Adobe Clean Han Light" panose="020B0300000000000000" pitchFamily="34" charset="-128"/>
-              </a:rPr>
-              <a:t>Office Hours は、アドビカスタマーサポートチーム主導による取り組みの 1 つです。これらのセッションは、参加者に情報を提供するだけでなく、問題のトラブルシューティングや Adobe Experience Cloud で成功するためのヒントやテクニックを紹介することを目的としています。</a:t>
+                <a:latin typeface="Adobe Clean Light" panose="020B0303020404020204" pitchFamily="34" charset="0"/>
+              </a:rPr>
+              <a:t>Office Hours is an initiative led by the Adobe Customer Support team. These sessions are designed to inform as well as help participants troubleshoot problems and provide tips and tricks to be successful with Adobe Experience Cloud.</a:t>
             </a:r>
           </a:p>
         </p:txBody>
@@ -7981,41 +8671,34 @@
         </p:nvSpPr>
         <p:spPr>
           <a:xfrm>
-            <a:off x="5851289" y="8118273"/>
-            <a:ext cx="1511535" cy="369332"/>
+            <a:off x="5851290" y="8373543"/>
+            <a:ext cx="1267206" cy="184666"/>
           </a:xfrm>
           <a:prstGeom prst="rect">
             <a:avLst/>
           </a:prstGeom>
         </p:spPr>
         <p:txBody>
-          <a:bodyPr wrap="square" lIns="0" tIns="0" rIns="0" bIns="0">
+          <a:bodyPr wrap="none" lIns="0" tIns="0" rIns="0" bIns="0">
             <a:spAutoFit/>
           </a:bodyPr>
           <a:lstStyle/>
           <a:p>
-            <a:r>
-              <a:rPr lang="ja-JP" sz="1200" b="1" dirty="0">
-                <a:latin typeface="Adobe Clean Han Regular" panose="020B0500000000000000" pitchFamily="34" charset="-128"/>
-                <a:ea typeface="Adobe Clean Han Regular" panose="020B0500000000000000" pitchFamily="34" charset="-128"/>
+            <a:pPr>
+              <a:spcBef>
+                <a:spcPts val="600"/>
+              </a:spcBef>
+              <a:spcAft>
+                <a:spcPts val="600"/>
+              </a:spcAft>
+            </a:pPr>
+            <a:r>
+              <a:rPr lang="en-US" sz="1200" b="1">
+                <a:latin typeface="+mj-lt"/>
+                <a:ea typeface="Open Sans" pitchFamily="34" charset="0"/>
                 <a:cs typeface="Open Sans" pitchFamily="34" charset="0"/>
               </a:rPr>
-              <a:t>24 時間年中無休の</a:t>
-            </a:r>
-            <a:endParaRPr lang="sk-SK" altLang="ja-JP" sz="1200" b="1" dirty="0">
-              <a:latin typeface="Adobe Clean Han Regular" panose="020B0500000000000000" pitchFamily="34" charset="-128"/>
-              <a:ea typeface="Adobe Clean Han Regular" panose="020B0500000000000000" pitchFamily="34" charset="-128"/>
-              <a:cs typeface="Open Sans" pitchFamily="34" charset="0"/>
-            </a:endParaRPr>
-          </a:p>
-          <a:p>
-            <a:r>
-              <a:rPr lang="ja-JP" sz="1200" b="1" dirty="0">
-                <a:latin typeface="Adobe Clean Han Regular" panose="020B0500000000000000" pitchFamily="34" charset="-128"/>
-                <a:ea typeface="Adobe Clean Han Regular" panose="020B0500000000000000" pitchFamily="34" charset="-128"/>
-                <a:cs typeface="Open Sans" pitchFamily="34" charset="0"/>
-              </a:rPr>
-              <a:t>サポートポータル</a:t>
+              <a:t>24/7 Support Portal</a:t>
             </a:r>
           </a:p>
         </p:txBody>
@@ -8034,8 +8717,8 @@
         </p:nvSpPr>
         <p:spPr>
           <a:xfrm>
-            <a:off x="5376301" y="8504316"/>
-            <a:ext cx="2286000" cy="1113125"/>
+            <a:off x="5376301" y="8618616"/>
+            <a:ext cx="2286000" cy="805349"/>
           </a:xfrm>
           <a:prstGeom prst="rect">
             <a:avLst/>
@@ -8048,14 +8731,30 @@
           <a:lstStyle/>
           <a:p>
             <a:r>
-              <a:rPr lang="ja-JP" sz="1000" spc="-10" dirty="0">
+              <a:rPr lang="en-US" sz="1000">
                 <a:solidFill>
                   <a:srgbClr val="000000"/>
                 </a:solidFill>
-                <a:latin typeface="Adobe Clean Han Light" panose="020B0300000000000000" pitchFamily="34" charset="-128"/>
-                <a:ea typeface="Adobe Clean Han Light" panose="020B0300000000000000" pitchFamily="34" charset="-128"/>
-              </a:rPr>
-              <a:t>オンラインのセルフサービスサポートポータルにオンデマンドでアクセスして、サポートリクエストを申請したり、ケースのステータスを確認したり、その他のリソース（ナレッジベース、ニュースとアラート、注目すべきヒントなど）を参照したりできます。</a:t>
+                <a:latin typeface="Adobe Clean Light" panose="020B0303020404020204" pitchFamily="34" charset="0"/>
+              </a:rPr>
+              <a:t>On-demand access to the online </a:t>
+            </a:r>
+            <a:br>
+              <a:rPr lang="en-US" sz="1000">
+                <a:solidFill>
+                  <a:srgbClr val="000000"/>
+                </a:solidFill>
+                <a:latin typeface="Adobe Clean Light" panose="020B0303020404020204" pitchFamily="34" charset="0"/>
+              </a:rPr>
+            </a:br>
+            <a:r>
+              <a:rPr lang="en-US" sz="1000">
+                <a:solidFill>
+                  <a:srgbClr val="000000"/>
+                </a:solidFill>
+                <a:latin typeface="Adobe Clean Light" panose="020B0303020404020204" pitchFamily="34" charset="0"/>
+              </a:rPr>
+              <a:t>Self-help Support Portal to submit support requests, review case status, and browse other resources, like our knowledgebase, news and alerts, featured tips, and more.</a:t>
             </a:r>
           </a:p>
         </p:txBody>
@@ -8152,8 +8851,8 @@
         </p:nvSpPr>
         <p:spPr>
           <a:xfrm>
-            <a:off x="789024" y="3499700"/>
-            <a:ext cx="1472443" cy="276999"/>
+            <a:off x="789025" y="3499700"/>
+            <a:ext cx="1336142" cy="285247"/>
           </a:xfrm>
           <a:prstGeom prst="rect">
             <a:avLst/>
@@ -8167,11 +8866,10 @@
           <a:lstStyle/>
           <a:p>
             <a:r>
-              <a:rPr lang="ja-JP" sz="1200" b="1">
-                <a:latin typeface="Adobe Clean Han Regular" panose="020B0500000000000000" pitchFamily="34" charset="-128"/>
-                <a:ea typeface="Adobe Clean Han Regular" panose="020B0500000000000000" pitchFamily="34" charset="-128"/>
-              </a:rPr>
-              <a:t>ビジネスサービス</a:t>
+              <a:rPr lang="en-US" sz="1200" b="1">
+                <a:latin typeface="+mj-lt"/>
+              </a:rPr>
+              <a:t>Business Services</a:t>
             </a:r>
           </a:p>
         </p:txBody>
@@ -8212,12 +8910,15 @@
               </a:spcBef>
             </a:pPr>
             <a:r>
-              <a:rPr lang="ja-JP" sz="1000" dirty="0">
-                <a:latin typeface="Adobe Clean Han Light" panose="020B0300000000000000" pitchFamily="34" charset="-128"/>
-                <a:ea typeface="Adobe Clean Han Light" panose="020B0300000000000000" pitchFamily="34" charset="-128"/>
-              </a:rPr>
-              <a:t>アカウントサポートリード主催のウェビナーで、ビジネスサポートサービスの概要を学習できます。  </a:t>
-            </a:r>
+              <a:rPr lang="en-US" sz="1000">
+                <a:latin typeface="Adobe Clean Light" panose="020B0303020404020204" pitchFamily="34" charset="0"/>
+              </a:rPr>
+              <a:t>An Account Support Lead will host webinars covering an overview of business support services.  </a:t>
+            </a:r>
+            <a:endParaRPr lang="en-US" sz="1000">
+              <a:latin typeface="Adobe Clean Light" panose="020B0303020404020204" pitchFamily="34" charset="0"/>
+              <a:cs typeface="AdobeClean-Light"/>
+            </a:endParaRPr>
           </a:p>
         </p:txBody>
       </p:sp>
@@ -8346,7 +9047,7 @@
         </p:blipFill>
         <p:spPr>
           <a:xfrm>
-            <a:off x="2794208" y="8031918"/>
+            <a:off x="2794208" y="8146218"/>
             <a:ext cx="411480" cy="411480"/>
           </a:xfrm>
           <a:prstGeom prst="rect">
@@ -8424,7 +9125,7 @@
         </p:blipFill>
         <p:spPr>
           <a:xfrm>
-            <a:off x="2836967" y="5829426"/>
+            <a:off x="2836967" y="6062796"/>
             <a:ext cx="411480" cy="411480"/>
           </a:xfrm>
           <a:prstGeom prst="rect">
@@ -8463,7 +9164,7 @@
         </p:blipFill>
         <p:spPr>
           <a:xfrm>
-            <a:off x="359731" y="5829426"/>
+            <a:off x="359731" y="6062796"/>
             <a:ext cx="411480" cy="411480"/>
           </a:xfrm>
           <a:prstGeom prst="rect">
@@ -8502,7 +9203,7 @@
         </p:blipFill>
         <p:spPr>
           <a:xfrm>
-            <a:off x="5329042" y="5829426"/>
+            <a:off x="5329042" y="6062796"/>
             <a:ext cx="411480" cy="411480"/>
           </a:xfrm>
           <a:prstGeom prst="rect">
@@ -8541,7 +9242,7 @@
         </p:blipFill>
         <p:spPr>
           <a:xfrm>
-            <a:off x="5372908" y="8031918"/>
+            <a:off x="5372908" y="8146218"/>
             <a:ext cx="411480" cy="411480"/>
           </a:xfrm>
           <a:prstGeom prst="rect">
@@ -8580,7 +9281,7 @@
         </p:blipFill>
         <p:spPr>
           <a:xfrm>
-            <a:off x="384421" y="8031918"/>
+            <a:off x="384421" y="8146218"/>
             <a:ext cx="411480" cy="411480"/>
           </a:xfrm>
           <a:prstGeom prst="rect">
@@ -8602,7 +9303,7 @@
         </p:nvSpPr>
         <p:spPr>
           <a:xfrm rot="5400000" flipH="1">
-            <a:off x="3863341" y="4871870"/>
+            <a:off x="3863341" y="4967117"/>
             <a:ext cx="45719" cy="5577840"/>
           </a:xfrm>
           <a:custGeom>
@@ -8659,7 +9360,7 @@
         </p:nvSpPr>
         <p:spPr>
           <a:xfrm>
-            <a:off x="5851290" y="7917731"/>
+            <a:off x="5851290" y="8150141"/>
             <a:ext cx="2520000" cy="184666"/>
           </a:xfrm>
           <a:prstGeom prst="rect">
@@ -8686,14 +9387,12 @@
               <a:defRPr/>
             </a:pPr>
             <a:r>
-              <a:rPr lang="ja-JP" sz="1200" dirty="0">
+              <a:rPr lang="en-US" sz="1200">
                 <a:solidFill>
                   <a:srgbClr val="000000"/>
                 </a:solidFill>
-                <a:latin typeface="Adobe Clean Han Light" panose="020B0300000000000000" pitchFamily="34" charset="-128"/>
-                <a:ea typeface="Adobe Clean Han Light" panose="020B0300000000000000" pitchFamily="34" charset="-128"/>
-              </a:rPr>
-              <a:t>セルフサービスポータル</a:t>
+              </a:rPr>
+              <a:t>Self– Help Portal</a:t>
             </a:r>
           </a:p>
         </p:txBody>
@@ -8714,7 +9413,7 @@
         </p:nvSpPr>
         <p:spPr>
           <a:xfrm>
-            <a:off x="5851290" y="5813028"/>
+            <a:off x="5851290" y="6046398"/>
             <a:ext cx="2520000" cy="184666"/>
           </a:xfrm>
           <a:prstGeom prst="rect">
@@ -8741,12 +9440,10 @@
               <a:defRPr/>
             </a:pPr>
             <a:r>
-              <a:rPr lang="ja-JP" sz="1200" dirty="0">
+              <a:rPr lang="en-US" sz="1200">
                 <a:solidFill>
                   <a:srgbClr val="000000"/>
                 </a:solidFill>
-                <a:latin typeface="Adobe Clean Han Light" panose="020B0300000000000000" pitchFamily="34" charset="-128"/>
-                <a:ea typeface="Adobe Clean Han Light" panose="020B0300000000000000" pitchFamily="34" charset="-128"/>
               </a:rPr>
               <a:t>Experience League</a:t>
             </a:r>
@@ -8805,16 +9502,49 @@
               </a:lnSpc>
             </a:pPr>
             <a:r>
-              <a:rPr lang="ja-JP" sz="500">
+              <a:rPr sz="500" spc="-5">
                 <a:solidFill>
                   <a:srgbClr val="6C6C6C"/>
                 </a:solidFill>
                 <a:latin typeface="Adobe Clean"/>
-                <a:ea typeface="MS Mincho"/>
                 <a:cs typeface="Adobe Clean"/>
               </a:rPr>
-              <a:t>©2020 Adobe.All Rights Reserved.Adobe Confidential.</a:t>
-            </a:r>
+              <a:t>©2020 Adobe. All Rights Reserved. </a:t>
+            </a:r>
+            <a:r>
+              <a:rPr sz="500">
+                <a:solidFill>
+                  <a:srgbClr val="6C6C6C"/>
+                </a:solidFill>
+                <a:latin typeface="Adobe Clean"/>
+                <a:cs typeface="Adobe Clean"/>
+              </a:rPr>
+              <a:t>Adobe</a:t>
+            </a:r>
+            <a:r>
+              <a:rPr sz="500" spc="5">
+                <a:solidFill>
+                  <a:srgbClr val="6C6C6C"/>
+                </a:solidFill>
+                <a:latin typeface="Adobe Clean"/>
+                <a:cs typeface="Adobe Clean"/>
+              </a:rPr>
+              <a:t> </a:t>
+            </a:r>
+            <a:r>
+              <a:rPr sz="500" spc="-5">
+                <a:solidFill>
+                  <a:srgbClr val="6C6C6C"/>
+                </a:solidFill>
+                <a:latin typeface="Adobe Clean"/>
+                <a:cs typeface="Adobe Clean"/>
+              </a:rPr>
+              <a:t>Confidential.</a:t>
+            </a:r>
+            <a:endParaRPr sz="500">
+              <a:latin typeface="Adobe Clean"/>
+              <a:cs typeface="Adobe Clean"/>
+            </a:endParaRPr>
           </a:p>
           <a:p>
             <a:pPr>
@@ -8840,16 +9570,39 @@
               </a:spcBef>
             </a:pPr>
             <a:r>
-              <a:rPr lang="ja-JP" sz="800">
+              <a:rPr sz="800" spc="-5">
                 <a:solidFill>
                   <a:srgbClr val="6D6D6D"/>
                 </a:solidFill>
                 <a:latin typeface="Adobe Clean"/>
-                <a:ea typeface="MS Mincho"/>
                 <a:cs typeface="Adobe Clean"/>
               </a:rPr>
-              <a:t>©2020 Adobe.All Rights Reserved.Adobe Confidential.</a:t>
-            </a:r>
+              <a:t>©2020 Adobe. All Rights Reserved. Adobe</a:t>
+            </a:r>
+            <a:r>
+              <a:rPr sz="800" spc="75">
+                <a:solidFill>
+                  <a:srgbClr val="6D6D6D"/>
+                </a:solidFill>
+                <a:latin typeface="Adobe Clean"/>
+                <a:cs typeface="Adobe Clean"/>
+              </a:rPr>
+              <a:t> </a:t>
+            </a:r>
+            <a:r>
+              <a:rPr sz="800" spc="-5">
+                <a:solidFill>
+                  <a:srgbClr val="6D6D6D"/>
+                </a:solidFill>
+                <a:latin typeface="Adobe Clean"/>
+                <a:cs typeface="Adobe Clean"/>
+              </a:rPr>
+              <a:t>Confidential.</a:t>
+            </a:r>
+            <a:endParaRPr sz="800">
+              <a:latin typeface="Adobe Clean"/>
+              <a:cs typeface="Adobe Clean"/>
+            </a:endParaRPr>
           </a:p>
         </p:txBody>
       </p:sp>
@@ -8933,16 +9686,19 @@
               </a:spcBef>
             </a:pPr>
             <a:r>
-              <a:rPr lang="ja-JP" sz="1400" b="1" dirty="0">
+              <a:rPr lang="en-US" sz="1400" b="1" spc="-15">
                 <a:solidFill>
                   <a:srgbClr val="020302"/>
                 </a:solidFill>
-                <a:latin typeface="Adobe Clean Han Regular" panose="020B0500000000000000" pitchFamily="34" charset="-128"/>
-                <a:ea typeface="Adobe Clean Han Regular" panose="020B0500000000000000" pitchFamily="34" charset="-128"/>
+                <a:latin typeface="Adobe Clean"/>
                 <a:cs typeface="Adobe Clean"/>
               </a:rPr>
-              <a:t>リソース</a:t>
-            </a:r>
+              <a:t>Resources</a:t>
+            </a:r>
+            <a:endParaRPr sz="1400">
+              <a:latin typeface="Adobe Clean"/>
+              <a:cs typeface="Adobe Clean"/>
+            </a:endParaRPr>
           </a:p>
         </p:txBody>
       </p:sp>
@@ -8955,7 +9711,7 @@
         <p:spPr>
           <a:xfrm>
             <a:off x="6754821" y="9283729"/>
-            <a:ext cx="979479" cy="662305"/>
+            <a:ext cx="930275" cy="662305"/>
           </a:xfrm>
           <a:prstGeom prst="rect">
             <a:avLst/>
@@ -8976,16 +9732,19 @@
               </a:spcBef>
             </a:pPr>
             <a:r>
-              <a:rPr lang="ja-JP" sz="800" dirty="0">
+              <a:rPr sz="800" spc="-15">
                 <a:solidFill>
                   <a:srgbClr val="777879"/>
                 </a:solidFill>
                 <a:latin typeface="Adobe Clean"/>
-                <a:ea typeface="MS Mincho"/>
                 <a:cs typeface="Adobe Clean"/>
               </a:rPr>
               <a:t>Adobe</a:t>
             </a:r>
+            <a:endParaRPr sz="800">
+              <a:latin typeface="Adobe Clean"/>
+              <a:cs typeface="Adobe Clean"/>
+            </a:endParaRPr>
           </a:p>
           <a:p>
             <a:pPr marL="12700">
@@ -8994,16 +9753,39 @@
               </a:lnSpc>
             </a:pPr>
             <a:r>
-              <a:rPr lang="ja-JP" sz="800" dirty="0">
+              <a:rPr sz="800" spc="-15">
                 <a:solidFill>
                   <a:srgbClr val="777879"/>
                 </a:solidFill>
                 <a:latin typeface="Adobe Clean"/>
-                <a:ea typeface="MS Mincho"/>
                 <a:cs typeface="Adobe Clean"/>
               </a:rPr>
-              <a:t>345 Park Avenue</a:t>
-            </a:r>
+              <a:t>345 Park</a:t>
+            </a:r>
+            <a:r>
+              <a:rPr sz="800" spc="-100">
+                <a:solidFill>
+                  <a:srgbClr val="777879"/>
+                </a:solidFill>
+                <a:latin typeface="Adobe Clean"/>
+                <a:cs typeface="Adobe Clean"/>
+              </a:rPr>
+              <a:t> </a:t>
+            </a:r>
+            <a:r>
+              <a:rPr sz="800" spc="-15">
+                <a:solidFill>
+                  <a:srgbClr val="777879"/>
+                </a:solidFill>
+                <a:latin typeface="Adobe Clean"/>
+                <a:cs typeface="Adobe Clean"/>
+              </a:rPr>
+              <a:t>Avenue</a:t>
+            </a:r>
+            <a:endParaRPr sz="800">
+              <a:latin typeface="Adobe Clean"/>
+              <a:cs typeface="Adobe Clean"/>
+            </a:endParaRPr>
           </a:p>
           <a:p>
             <a:pPr marL="12700">
@@ -9012,16 +9794,49 @@
               </a:lnSpc>
             </a:pPr>
             <a:r>
-              <a:rPr lang="ja-JP" sz="800" spc="-10" dirty="0">
+              <a:rPr sz="800" spc="-10">
                 <a:solidFill>
                   <a:srgbClr val="777879"/>
                 </a:solidFill>
                 <a:latin typeface="Adobe Clean"/>
-                <a:ea typeface="MS Mincho"/>
                 <a:cs typeface="Adobe Clean"/>
               </a:rPr>
-              <a:t>San Jose, CA95110-2704</a:t>
-            </a:r>
+              <a:t>San </a:t>
+            </a:r>
+            <a:r>
+              <a:rPr sz="800" spc="-15">
+                <a:solidFill>
+                  <a:srgbClr val="777879"/>
+                </a:solidFill>
+                <a:latin typeface="Adobe Clean"/>
+                <a:cs typeface="Adobe Clean"/>
+              </a:rPr>
+              <a:t>Jose,</a:t>
+            </a:r>
+            <a:r>
+              <a:rPr sz="800" spc="-140">
+                <a:solidFill>
+                  <a:srgbClr val="777879"/>
+                </a:solidFill>
+                <a:latin typeface="Adobe Clean"/>
+                <a:cs typeface="Adobe Clean"/>
+              </a:rPr>
+              <a:t> </a:t>
+            </a:r>
+            <a:r>
+              <a:rPr sz="800" spc="-20">
+                <a:solidFill>
+                  <a:srgbClr val="777879"/>
+                </a:solidFill>
+                <a:latin typeface="Adobe Clean"/>
+                <a:cs typeface="Adobe Clean"/>
+              </a:rPr>
+              <a:t>CA95110-2704</a:t>
+            </a:r>
+            <a:endParaRPr sz="800">
+              <a:latin typeface="Adobe Clean"/>
+              <a:cs typeface="Adobe Clean"/>
+            </a:endParaRPr>
           </a:p>
           <a:p>
             <a:pPr marL="12700">
@@ -9033,16 +9848,19 @@
               </a:spcBef>
             </a:pPr>
             <a:r>
-              <a:rPr lang="ja-JP" sz="800" dirty="0">
+              <a:rPr sz="800" spc="-10">
                 <a:solidFill>
                   <a:srgbClr val="777879"/>
                 </a:solidFill>
                 <a:latin typeface="Adobe Clean"/>
-                <a:ea typeface="MS Mincho"/>
                 <a:cs typeface="Adobe Clean"/>
               </a:rPr>
               <a:t>USA</a:t>
             </a:r>
+            <a:endParaRPr sz="800">
+              <a:latin typeface="Adobe Clean"/>
+              <a:cs typeface="Adobe Clean"/>
+            </a:endParaRPr>
           </a:p>
           <a:p>
             <a:pPr marL="12700">
@@ -9054,7 +9872,7 @@
               </a:spcBef>
             </a:pPr>
             <a:r>
-              <a:rPr lang="ja-JP" sz="800" u="sng" dirty="0">
+              <a:rPr sz="800" u="sng" spc="-25">
                 <a:solidFill>
                   <a:srgbClr val="5F5F5F"/>
                 </a:solidFill>
@@ -9064,12 +9882,15 @@
                   </a:solidFill>
                 </a:uFill>
                 <a:latin typeface="Adobe Clean"/>
-                <a:ea typeface="MS Mincho"/>
                 <a:cs typeface="Adobe Clean"/>
                 <a:hlinkClick r:id="rId3"/>
               </a:rPr>
               <a:t>www.adobe.com</a:t>
             </a:r>
+            <a:endParaRPr sz="800">
+              <a:latin typeface="Adobe Clean"/>
+              <a:cs typeface="Adobe Clean"/>
+            </a:endParaRPr>
           </a:p>
         </p:txBody>
       </p:sp>
@@ -9223,7 +10044,7 @@
         <p:spPr>
           <a:xfrm>
             <a:off x="75947" y="9437110"/>
-            <a:ext cx="5896662" cy="570865"/>
+            <a:ext cx="5466715" cy="570865"/>
           </a:xfrm>
           <a:prstGeom prst="rect">
             <a:avLst/>
@@ -9244,16 +10065,439 @@
               </a:spcBef>
             </a:pPr>
             <a:r>
-              <a:rPr lang="ja-JP" sz="1100" i="1" spc="-20" dirty="0">
+              <a:rPr sz="1100" i="1" spc="-10">
                 <a:solidFill>
                   <a:srgbClr val="777879"/>
                 </a:solidFill>
-                <a:latin typeface="Adobe Clean Han Light" panose="020B0300000000000000" pitchFamily="34" charset="-128"/>
-                <a:ea typeface="Adobe Clean Han Light" panose="020B0300000000000000" pitchFamily="34" charset="-128"/>
+                <a:latin typeface="AdobeClean-LightIt"/>
                 <a:cs typeface="AdobeClean-LightIt"/>
               </a:rPr>
-              <a:t>アドビサポートのサービスやお客様に最適なレベルについて詳しくは、専任アカウントマネージャー（NAM）またはカスタマーサクセスマネージャー（CSM）にお問い合わせください。</a:t>
-            </a:r>
+              <a:t>To</a:t>
+            </a:r>
+            <a:r>
+              <a:rPr sz="1100" i="1" spc="-50">
+                <a:solidFill>
+                  <a:srgbClr val="777879"/>
+                </a:solidFill>
+                <a:latin typeface="AdobeClean-LightIt"/>
+                <a:cs typeface="AdobeClean-LightIt"/>
+              </a:rPr>
+              <a:t> </a:t>
+            </a:r>
+            <a:r>
+              <a:rPr sz="1100" i="1" spc="-15">
+                <a:solidFill>
+                  <a:srgbClr val="777879"/>
+                </a:solidFill>
+                <a:latin typeface="AdobeClean-LightIt"/>
+                <a:cs typeface="AdobeClean-LightIt"/>
+              </a:rPr>
+              <a:t>learn</a:t>
+            </a:r>
+            <a:r>
+              <a:rPr sz="1100" i="1" spc="-40">
+                <a:solidFill>
+                  <a:srgbClr val="777879"/>
+                </a:solidFill>
+                <a:latin typeface="AdobeClean-LightIt"/>
+                <a:cs typeface="AdobeClean-LightIt"/>
+              </a:rPr>
+              <a:t> </a:t>
+            </a:r>
+            <a:r>
+              <a:rPr sz="1100" i="1" spc="-15">
+                <a:solidFill>
+                  <a:srgbClr val="777879"/>
+                </a:solidFill>
+                <a:latin typeface="AdobeClean-LightIt"/>
+                <a:cs typeface="AdobeClean-LightIt"/>
+              </a:rPr>
+              <a:t>more</a:t>
+            </a:r>
+            <a:r>
+              <a:rPr sz="1100" i="1" spc="-45">
+                <a:solidFill>
+                  <a:srgbClr val="777879"/>
+                </a:solidFill>
+                <a:latin typeface="AdobeClean-LightIt"/>
+                <a:cs typeface="AdobeClean-LightIt"/>
+              </a:rPr>
+              <a:t> </a:t>
+            </a:r>
+            <a:r>
+              <a:rPr sz="1100" i="1" spc="-15">
+                <a:solidFill>
+                  <a:srgbClr val="777879"/>
+                </a:solidFill>
+                <a:latin typeface="AdobeClean-LightIt"/>
+                <a:cs typeface="AdobeClean-LightIt"/>
+              </a:rPr>
+              <a:t>about</a:t>
+            </a:r>
+            <a:r>
+              <a:rPr sz="1100" i="1" spc="-45">
+                <a:solidFill>
+                  <a:srgbClr val="777879"/>
+                </a:solidFill>
+                <a:latin typeface="AdobeClean-LightIt"/>
+                <a:cs typeface="AdobeClean-LightIt"/>
+              </a:rPr>
+              <a:t> </a:t>
+            </a:r>
+            <a:r>
+              <a:rPr sz="1100" i="1" spc="-15">
+                <a:solidFill>
+                  <a:srgbClr val="777879"/>
+                </a:solidFill>
+                <a:latin typeface="AdobeClean-LightIt"/>
+                <a:cs typeface="AdobeClean-LightIt"/>
+              </a:rPr>
+              <a:t>Adobe</a:t>
+            </a:r>
+            <a:r>
+              <a:rPr sz="1100" i="1" spc="-50">
+                <a:solidFill>
+                  <a:srgbClr val="777879"/>
+                </a:solidFill>
+                <a:latin typeface="AdobeClean-LightIt"/>
+                <a:cs typeface="AdobeClean-LightIt"/>
+              </a:rPr>
+              <a:t> </a:t>
+            </a:r>
+            <a:r>
+              <a:rPr sz="1100" i="1" spc="-15">
+                <a:solidFill>
+                  <a:srgbClr val="777879"/>
+                </a:solidFill>
+                <a:latin typeface="AdobeClean-LightIt"/>
+                <a:cs typeface="AdobeClean-LightIt"/>
+              </a:rPr>
+              <a:t>Support</a:t>
+            </a:r>
+            <a:r>
+              <a:rPr lang="en-US" sz="1100" i="1" spc="-15">
+                <a:solidFill>
+                  <a:srgbClr val="777879"/>
+                </a:solidFill>
+                <a:latin typeface="AdobeClean-LightIt"/>
+                <a:cs typeface="AdobeClean-LightIt"/>
+              </a:rPr>
+              <a:t> Offerings</a:t>
+            </a:r>
+            <a:r>
+              <a:rPr sz="1100" i="1" spc="-75">
+                <a:solidFill>
+                  <a:srgbClr val="777879"/>
+                </a:solidFill>
+                <a:latin typeface="AdobeClean-LightIt"/>
+                <a:cs typeface="AdobeClean-LightIt"/>
+              </a:rPr>
+              <a:t> </a:t>
+            </a:r>
+            <a:r>
+              <a:rPr sz="1100" i="1" spc="-15">
+                <a:solidFill>
+                  <a:srgbClr val="777879"/>
+                </a:solidFill>
+                <a:latin typeface="AdobeClean-LightIt"/>
+                <a:cs typeface="AdobeClean-LightIt"/>
+              </a:rPr>
+              <a:t>and</a:t>
+            </a:r>
+            <a:r>
+              <a:rPr sz="1100" i="1" spc="-50">
+                <a:solidFill>
+                  <a:srgbClr val="777879"/>
+                </a:solidFill>
+                <a:latin typeface="AdobeClean-LightIt"/>
+                <a:cs typeface="AdobeClean-LightIt"/>
+              </a:rPr>
+              <a:t> </a:t>
+            </a:r>
+            <a:r>
+              <a:rPr sz="1100" i="1" spc="-15">
+                <a:solidFill>
+                  <a:srgbClr val="777879"/>
+                </a:solidFill>
+                <a:latin typeface="AdobeClean-LightIt"/>
+                <a:cs typeface="AdobeClean-LightIt"/>
+              </a:rPr>
+              <a:t>the</a:t>
+            </a:r>
+            <a:r>
+              <a:rPr sz="1100" i="1" spc="-55">
+                <a:solidFill>
+                  <a:srgbClr val="777879"/>
+                </a:solidFill>
+                <a:latin typeface="AdobeClean-LightIt"/>
+                <a:cs typeface="AdobeClean-LightIt"/>
+              </a:rPr>
+              <a:t> </a:t>
+            </a:r>
+            <a:r>
+              <a:rPr sz="1100" i="1" spc="-15">
+                <a:solidFill>
+                  <a:srgbClr val="777879"/>
+                </a:solidFill>
+                <a:latin typeface="AdobeClean-LightIt"/>
+                <a:cs typeface="AdobeClean-LightIt"/>
+              </a:rPr>
+              <a:t>right</a:t>
+            </a:r>
+            <a:r>
+              <a:rPr sz="1100" i="1" spc="-95">
+                <a:solidFill>
+                  <a:srgbClr val="777879"/>
+                </a:solidFill>
+                <a:latin typeface="AdobeClean-LightIt"/>
+                <a:cs typeface="AdobeClean-LightIt"/>
+              </a:rPr>
+              <a:t> </a:t>
+            </a:r>
+            <a:r>
+              <a:rPr sz="1100" i="1" spc="-15">
+                <a:solidFill>
+                  <a:srgbClr val="777879"/>
+                </a:solidFill>
+                <a:latin typeface="AdobeClean-LightIt"/>
+                <a:cs typeface="AdobeClean-LightIt"/>
+              </a:rPr>
+              <a:t>level</a:t>
+            </a:r>
+            <a:r>
+              <a:rPr sz="1100" i="1" spc="-55">
+                <a:solidFill>
+                  <a:srgbClr val="777879"/>
+                </a:solidFill>
+                <a:latin typeface="AdobeClean-LightIt"/>
+                <a:cs typeface="AdobeClean-LightIt"/>
+              </a:rPr>
+              <a:t> </a:t>
+            </a:r>
+            <a:r>
+              <a:rPr sz="1100" i="1" spc="-15">
+                <a:solidFill>
+                  <a:srgbClr val="777879"/>
+                </a:solidFill>
+                <a:latin typeface="AdobeClean-LightIt"/>
+                <a:cs typeface="AdobeClean-LightIt"/>
+              </a:rPr>
+              <a:t>for</a:t>
+            </a:r>
+            <a:r>
+              <a:rPr sz="1100" i="1" spc="-85">
+                <a:solidFill>
+                  <a:srgbClr val="777879"/>
+                </a:solidFill>
+                <a:latin typeface="AdobeClean-LightIt"/>
+                <a:cs typeface="AdobeClean-LightIt"/>
+              </a:rPr>
+              <a:t> </a:t>
+            </a:r>
+            <a:r>
+              <a:rPr sz="1100" i="1" spc="-15">
+                <a:solidFill>
+                  <a:srgbClr val="777879"/>
+                </a:solidFill>
+                <a:latin typeface="AdobeClean-LightIt"/>
+                <a:cs typeface="AdobeClean-LightIt"/>
+              </a:rPr>
+              <a:t>you,</a:t>
+            </a:r>
+            <a:r>
+              <a:rPr sz="1100" i="1" spc="-65">
+                <a:solidFill>
+                  <a:srgbClr val="777879"/>
+                </a:solidFill>
+                <a:latin typeface="AdobeClean-LightIt"/>
+                <a:cs typeface="AdobeClean-LightIt"/>
+              </a:rPr>
+              <a:t> </a:t>
+            </a:r>
+            <a:r>
+              <a:rPr sz="1100" i="1" spc="-15">
+                <a:solidFill>
+                  <a:srgbClr val="777879"/>
+                </a:solidFill>
+                <a:latin typeface="AdobeClean-LightIt"/>
+                <a:cs typeface="AdobeClean-LightIt"/>
+              </a:rPr>
+              <a:t>contact</a:t>
+            </a:r>
+            <a:r>
+              <a:rPr sz="1100" i="1" spc="-85">
+                <a:solidFill>
+                  <a:srgbClr val="777879"/>
+                </a:solidFill>
+                <a:latin typeface="AdobeClean-LightIt"/>
+                <a:cs typeface="AdobeClean-LightIt"/>
+              </a:rPr>
+              <a:t> </a:t>
+            </a:r>
+            <a:r>
+              <a:rPr sz="1100" i="1" spc="-15">
+                <a:solidFill>
+                  <a:srgbClr val="777879"/>
+                </a:solidFill>
+                <a:latin typeface="AdobeClean-LightIt"/>
+                <a:cs typeface="AdobeClean-LightIt"/>
+              </a:rPr>
+              <a:t>your</a:t>
+            </a:r>
+            <a:r>
+              <a:rPr sz="1100" i="1" spc="-70">
+                <a:solidFill>
+                  <a:srgbClr val="777879"/>
+                </a:solidFill>
+                <a:latin typeface="AdobeClean-LightIt"/>
+                <a:cs typeface="AdobeClean-LightIt"/>
+              </a:rPr>
+              <a:t> </a:t>
+            </a:r>
+            <a:r>
+              <a:rPr sz="1100" i="1" spc="-15">
+                <a:solidFill>
+                  <a:srgbClr val="777879"/>
+                </a:solidFill>
+                <a:latin typeface="AdobeClean-LightIt"/>
+                <a:cs typeface="AdobeClean-LightIt"/>
+              </a:rPr>
+              <a:t>Named</a:t>
+            </a:r>
+            <a:r>
+              <a:rPr sz="1100" i="1" spc="-55">
+                <a:solidFill>
+                  <a:srgbClr val="777879"/>
+                </a:solidFill>
+                <a:latin typeface="AdobeClean-LightIt"/>
+                <a:cs typeface="AdobeClean-LightIt"/>
+              </a:rPr>
+              <a:t> </a:t>
+            </a:r>
+            <a:r>
+              <a:rPr sz="1100" i="1" spc="-25">
+                <a:solidFill>
+                  <a:srgbClr val="777879"/>
+                </a:solidFill>
+                <a:latin typeface="AdobeClean-LightIt"/>
+                <a:cs typeface="AdobeClean-LightIt"/>
+              </a:rPr>
+              <a:t>Account</a:t>
+            </a:r>
+            <a:r>
+              <a:rPr sz="1100" i="1" spc="-120">
+                <a:solidFill>
+                  <a:srgbClr val="777879"/>
+                </a:solidFill>
+                <a:latin typeface="AdobeClean-LightIt"/>
+                <a:cs typeface="AdobeClean-LightIt"/>
+              </a:rPr>
+              <a:t> </a:t>
+            </a:r>
+            <a:r>
+              <a:rPr sz="1100" i="1" spc="-20">
+                <a:solidFill>
+                  <a:srgbClr val="777879"/>
+                </a:solidFill>
+                <a:latin typeface="AdobeClean-LightIt"/>
+                <a:cs typeface="AdobeClean-LightIt"/>
+              </a:rPr>
+              <a:t>Manager</a:t>
+            </a:r>
+            <a:r>
+              <a:rPr lang="en-US" sz="1100" i="1" spc="-20">
+                <a:solidFill>
+                  <a:srgbClr val="777879"/>
+                </a:solidFill>
+                <a:latin typeface="AdobeClean-LightIt"/>
+                <a:cs typeface="AdobeClean-LightIt"/>
+              </a:rPr>
+              <a:t> </a:t>
+            </a:r>
+            <a:r>
+              <a:rPr sz="1100" i="1" spc="-20">
+                <a:solidFill>
+                  <a:srgbClr val="777879"/>
+                </a:solidFill>
+                <a:latin typeface="AdobeClean-LightIt"/>
+                <a:cs typeface="AdobeClean-LightIt"/>
+              </a:rPr>
+              <a:t> </a:t>
+            </a:r>
+            <a:r>
+              <a:rPr sz="1100" i="1" spc="-15">
+                <a:solidFill>
+                  <a:srgbClr val="777879"/>
+                </a:solidFill>
+                <a:latin typeface="AdobeClean-LightIt"/>
+                <a:cs typeface="AdobeClean-LightIt"/>
+              </a:rPr>
+              <a:t>(NAM) </a:t>
+            </a:r>
+            <a:r>
+              <a:rPr sz="1100" i="1" spc="-10">
+                <a:solidFill>
+                  <a:srgbClr val="777879"/>
+                </a:solidFill>
+                <a:latin typeface="AdobeClean-LightIt"/>
+                <a:cs typeface="AdobeClean-LightIt"/>
+              </a:rPr>
+              <a:t>or </a:t>
+            </a:r>
+            <a:r>
+              <a:rPr sz="1100" i="1" spc="-15">
+                <a:solidFill>
+                  <a:srgbClr val="777879"/>
+                </a:solidFill>
+                <a:latin typeface="AdobeClean-LightIt"/>
+                <a:cs typeface="AdobeClean-LightIt"/>
+              </a:rPr>
+              <a:t>Customer</a:t>
+            </a:r>
+            <a:r>
+              <a:rPr lang="en-US" sz="1100" i="1" spc="-15">
+                <a:solidFill>
+                  <a:srgbClr val="777879"/>
+                </a:solidFill>
+                <a:latin typeface="AdobeClean-LightIt"/>
+                <a:cs typeface="AdobeClean-LightIt"/>
+              </a:rPr>
+              <a:t> </a:t>
+            </a:r>
+            <a:r>
+              <a:rPr lang="en-US" sz="1100" i="1" spc="-20">
+                <a:solidFill>
+                  <a:srgbClr val="777879"/>
+                </a:solidFill>
+                <a:latin typeface="AdobeClean-LightIt"/>
+                <a:cs typeface="AdobeClean-LightIt"/>
+              </a:rPr>
+              <a:t>Success </a:t>
+            </a:r>
+            <a:r>
+              <a:rPr lang="en-US" sz="1100" i="1" spc="-15">
+                <a:solidFill>
+                  <a:srgbClr val="777879"/>
+                </a:solidFill>
+                <a:latin typeface="AdobeClean-LightIt"/>
+                <a:cs typeface="AdobeClean-LightIt"/>
+              </a:rPr>
+              <a:t>Manager </a:t>
+            </a:r>
+            <a:r>
+              <a:rPr sz="1100" i="1" spc="-15">
+                <a:solidFill>
+                  <a:srgbClr val="777879"/>
+                </a:solidFill>
+                <a:latin typeface="AdobeClean-LightIt"/>
+                <a:cs typeface="AdobeClean-LightIt"/>
+              </a:rPr>
+              <a:t>(CSM)</a:t>
+            </a:r>
+            <a:endParaRPr sz="1100">
+              <a:latin typeface="AdobeClean-LightIt"/>
+              <a:cs typeface="AdobeClean-LightIt"/>
+            </a:endParaRPr>
           </a:p>
           <a:p>
             <a:pPr marL="34290">
@@ -9265,16 +10509,59 @@
               </a:spcBef>
             </a:pPr>
             <a:r>
-              <a:rPr lang="ja-JP" sz="800" dirty="0">
+              <a:rPr sz="800" spc="-5">
                 <a:solidFill>
                   <a:srgbClr val="6D6D6D"/>
                 </a:solidFill>
                 <a:latin typeface="Adobe Clean"/>
-                <a:ea typeface="MS Mincho"/>
                 <a:cs typeface="Adobe Clean"/>
               </a:rPr>
-              <a:t>©2021 Adobe.All Rights Reserved.Adobe Confidential.</a:t>
-            </a:r>
+              <a:t>©202</a:t>
+            </a:r>
+            <a:r>
+              <a:rPr lang="en-US" sz="800" spc="-5">
+                <a:solidFill>
+                  <a:srgbClr val="6D6D6D"/>
+                </a:solidFill>
+                <a:latin typeface="Adobe Clean"/>
+                <a:cs typeface="Adobe Clean"/>
+              </a:rPr>
+              <a:t>1</a:t>
+            </a:r>
+            <a:r>
+              <a:rPr sz="800" spc="-5">
+                <a:solidFill>
+                  <a:srgbClr val="6D6D6D"/>
+                </a:solidFill>
+                <a:latin typeface="Adobe Clean"/>
+                <a:cs typeface="Adobe Clean"/>
+              </a:rPr>
+              <a:t> Adobe. All Rights Reserved. Adobe</a:t>
+            </a:r>
+            <a:r>
+              <a:rPr sz="800" spc="75">
+                <a:solidFill>
+                  <a:srgbClr val="6D6D6D"/>
+                </a:solidFill>
+                <a:latin typeface="Adobe Clean"/>
+                <a:cs typeface="Adobe Clean"/>
+              </a:rPr>
+              <a:t> </a:t>
+            </a:r>
+            <a:r>
+              <a:rPr sz="800" spc="-5">
+                <a:solidFill>
+                  <a:srgbClr val="6D6D6D"/>
+                </a:solidFill>
+                <a:latin typeface="Adobe Clean"/>
+                <a:cs typeface="Adobe Clean"/>
+              </a:rPr>
+              <a:t>Confidential.</a:t>
+            </a:r>
+            <a:endParaRPr sz="800">
+              <a:latin typeface="Adobe Clean"/>
+              <a:cs typeface="Adobe Clean"/>
+            </a:endParaRPr>
           </a:p>
         </p:txBody>
       </p:sp>
@@ -9311,16 +10598,19 @@
               </a:spcBef>
             </a:pPr>
             <a:r>
-              <a:rPr lang="ja-JP" sz="1400" b="1" dirty="0">
+              <a:rPr lang="en-US" sz="1400" b="1" spc="-15">
                 <a:solidFill>
                   <a:srgbClr val="020302"/>
                 </a:solidFill>
-                <a:latin typeface="Adobe Clean Han Regular" panose="020B0500000000000000" pitchFamily="34" charset="-128"/>
-                <a:ea typeface="Adobe Clean Han Regular" panose="020B0500000000000000" pitchFamily="34" charset="-128"/>
+                <a:latin typeface="Adobe Clean"/>
                 <a:cs typeface="Adobe Clean"/>
               </a:rPr>
-              <a:t>アドビサポートの対象地域、現地の営業時間、言語サポート</a:t>
-            </a:r>
+              <a:t>Regional scope of Adobe Support, Local Hours Of Operation And Language Support</a:t>
+            </a:r>
+            <a:endParaRPr lang="en-US" sz="1400" spc="-15">
+              <a:ea typeface="+mn-lt"/>
+              <a:cs typeface="+mn-lt"/>
+            </a:endParaRPr>
           </a:p>
           <a:p>
             <a:pPr>
@@ -9329,15 +10619,15 @@
               </a:spcBef>
             </a:pPr>
             <a:r>
-              <a:rPr lang="ja-JP" sz="1000" dirty="0">
+              <a:rPr lang="en-US" sz="1000" spc="-15">
                 <a:solidFill>
                   <a:srgbClr val="1F1F1F"/>
                 </a:solidFill>
-                <a:latin typeface="Adobe Clean Han Light" panose="020B0300000000000000" pitchFamily="34" charset="-128"/>
-                <a:ea typeface="Adobe Clean Han Light" panose="020B0300000000000000" pitchFamily="34" charset="-128"/>
-              </a:rPr>
-              <a:t>アドビサポートの対象地域と現地営業時間は、以下のとおりです。対象地域は、お客様のセールスオーダーやその他のアドビサポートのご契約資料に記載されている請求先の地域に準じます。</a:t>
-            </a:r>
+                <a:latin typeface="AdobeClean-Light"/>
+              </a:rPr>
+              <a:t>The Regional scope of Adobe Support is established by aligning the customer's billing address (via the Sales Order or other Adobe Support purchasing document) to one of the following regions:</a:t>
+            </a:r>
+            <a:endParaRPr lang="en-US"/>
           </a:p>
         </p:txBody>
       </p:sp>
@@ -9356,7 +10646,7 @@
           <p:nvPr>
             <p:extLst>
               <p:ext uri="{D42A27DB-BD31-4B8C-83A1-F6EECF244321}">
-                <p14:modId xmlns:p14="http://schemas.microsoft.com/office/powerpoint/2010/main" val="4242219289"/>
+                <p14:modId xmlns:p14="http://schemas.microsoft.com/office/powerpoint/2010/main" val="2969235217"/>
               </p:ext>
             </p:extLst>
           </p:nvPr>
@@ -9409,14 +10699,13 @@
                     <a:p>
                       <a:pPr algn="ctr"/>
                       <a:r>
-                        <a:rPr lang="ja-JP" sz="1100" dirty="0">
+                        <a:rPr lang="en-US" sz="1100">
                           <a:solidFill>
                             <a:schemeClr val="tx1"/>
                           </a:solidFill>
-                          <a:latin typeface="Adobe Clean Han Regular" panose="020B0500000000000000" pitchFamily="34" charset="-128"/>
-                          <a:ea typeface="Adobe Clean Han Regular" panose="020B0500000000000000" pitchFamily="34" charset="-128"/>
+                          <a:latin typeface="Adobe Clean"/>
                         </a:rPr>
-                        <a:t>南北アメリカ</a:t>
+                        <a:t>Americas</a:t>
                       </a:r>
                     </a:p>
                   </a:txBody>
@@ -9475,33 +10764,13 @@
                     <a:p>
                       <a:pPr algn="ctr"/>
                       <a:r>
-                        <a:rPr lang="ja-JP" sz="1100" dirty="0">
+                        <a:rPr lang="en-US" sz="1100">
                           <a:solidFill>
                             <a:schemeClr val="tx1"/>
                           </a:solidFill>
-                          <a:latin typeface="Adobe Clean Han Regular" panose="020B0500000000000000" pitchFamily="34" charset="-128"/>
-                          <a:ea typeface="Adobe Clean Han Regular" panose="020B0500000000000000" pitchFamily="34" charset="-128"/>
+                          <a:latin typeface="Adobe Clean"/>
                         </a:rPr>
-                        <a:t>ヨーロッパ、中東、</a:t>
-                      </a:r>
-                      <a:br>
-                        <a:rPr lang="sk-SK" altLang="ja-JP" sz="1100" dirty="0">
-                          <a:solidFill>
-                            <a:schemeClr val="tx1"/>
-                          </a:solidFill>
-                          <a:latin typeface="Adobe Clean Han Regular" panose="020B0500000000000000" pitchFamily="34" charset="-128"/>
-                          <a:ea typeface="Adobe Clean Han Regular" panose="020B0500000000000000" pitchFamily="34" charset="-128"/>
-                        </a:rPr>
-                      </a:br>
-                      <a:r>
-                        <a:rPr lang="ja-JP" sz="1100" dirty="0">
-                          <a:solidFill>
-                            <a:schemeClr val="tx1"/>
-                          </a:solidFill>
-                          <a:latin typeface="Adobe Clean Han Regular" panose="020B0500000000000000" pitchFamily="34" charset="-128"/>
-                          <a:ea typeface="Adobe Clean Han Regular" panose="020B0500000000000000" pitchFamily="34" charset="-128"/>
-                        </a:rPr>
-                        <a:t>アフリカ</a:t>
+                        <a:t>Europe, Middle East &amp; Africa</a:t>
                       </a:r>
                     </a:p>
                   </a:txBody>
@@ -9560,14 +10829,13 @@
                     <a:p>
                       <a:pPr algn="ctr"/>
                       <a:r>
-                        <a:rPr lang="ja-JP" sz="1100">
+                        <a:rPr lang="en-US" sz="1100">
                           <a:solidFill>
                             <a:schemeClr val="tx1"/>
                           </a:solidFill>
-                          <a:latin typeface="Adobe Clean Han Regular" panose="020B0500000000000000" pitchFamily="34" charset="-128"/>
-                          <a:ea typeface="Adobe Clean Han Regular" panose="020B0500000000000000" pitchFamily="34" charset="-128"/>
+                          <a:latin typeface="Adobe Clean"/>
                         </a:rPr>
-                        <a:t>アジア太平洋</a:t>
+                        <a:t>Asia Pacific</a:t>
                       </a:r>
                     </a:p>
                   </a:txBody>
@@ -9626,25 +10894,29 @@
                     <a:p>
                       <a:pPr algn="ctr"/>
                       <a:r>
-                        <a:rPr lang="ja-JP" sz="1100">
+                        <a:rPr lang="en-US" sz="1100">
                           <a:solidFill>
                             <a:schemeClr val="tx1"/>
                           </a:solidFill>
-                          <a:latin typeface="Adobe Clean Han Regular" panose="020B0500000000000000" pitchFamily="34" charset="-128"/>
-                          <a:ea typeface="Adobe Clean Han Regular" panose="020B0500000000000000" pitchFamily="34" charset="-128"/>
+                          <a:latin typeface="Adobe Clean"/>
                         </a:rPr>
-                        <a:t>日本 </a:t>
+                        <a:t>Japan </a:t>
                       </a:r>
                       <a:r>
-                        <a:rPr lang="ja-JP" sz="1100" baseline="30000">
+                        <a:rPr lang="en-US" sz="1100" baseline="30000">
                           <a:solidFill>
                             <a:schemeClr val="tx1"/>
                           </a:solidFill>
-                          <a:latin typeface="Adobe Clean Han Regular" panose="020B0500000000000000" pitchFamily="34" charset="-128"/>
-                          <a:ea typeface="Adobe Clean Han Regular" panose="020B0500000000000000" pitchFamily="34" charset="-128"/>
+                          <a:latin typeface="Adobe Clean"/>
                         </a:rPr>
                         <a:t>1 </a:t>
                       </a:r>
+                      <a:endParaRPr lang="en-US" sz="1100">
+                        <a:solidFill>
+                          <a:schemeClr val="tx1"/>
+                        </a:solidFill>
+                        <a:latin typeface="Adobe Clean" panose="020B0503020404020204" pitchFamily="34" charset="0"/>
+                      </a:endParaRPr>
                     </a:p>
                   </a:txBody>
                   <a:tcPr anchor="ctr">
@@ -9709,14 +10981,13 @@
                     <a:p>
                       <a:pPr algn="ctr"/>
                       <a:r>
-                        <a:rPr lang="ja-JP" sz="1100">
+                        <a:rPr lang="en-US" sz="1100">
                           <a:solidFill>
                             <a:schemeClr val="tx1"/>
                           </a:solidFill>
-                          <a:latin typeface="Adobe Clean Han Regular" panose="020B0500000000000000" pitchFamily="34" charset="-128"/>
-                          <a:ea typeface="Adobe Clean Han Regular" panose="020B0500000000000000" pitchFamily="34" charset="-128"/>
+                          <a:latin typeface="Adobe Clean"/>
                         </a:rPr>
-                        <a:t>午前 6:00 ～午後 5:30</a:t>
+                        <a:t>6 am – 5:30 pm</a:t>
                       </a:r>
                     </a:p>
                   </a:txBody>
@@ -9775,14 +11046,13 @@
                     <a:p>
                       <a:pPr algn="ctr"/>
                       <a:r>
-                        <a:rPr lang="ja-JP" sz="1100">
+                        <a:rPr lang="en-US" sz="1100">
                           <a:solidFill>
                             <a:schemeClr val="tx1"/>
                           </a:solidFill>
-                          <a:latin typeface="Adobe Clean Han Regular" panose="020B0500000000000000" pitchFamily="34" charset="-128"/>
-                          <a:ea typeface="Adobe Clean Han Regular" panose="020B0500000000000000" pitchFamily="34" charset="-128"/>
+                          <a:latin typeface="Adobe Clean"/>
                         </a:rPr>
-                        <a:t>午前 9:00 ～午後 5:00</a:t>
+                        <a:t>9 am – 5 pm</a:t>
                       </a:r>
                     </a:p>
                   </a:txBody>
@@ -9841,14 +11111,13 @@
                     <a:p>
                       <a:pPr algn="ctr"/>
                       <a:r>
-                        <a:rPr lang="ja-JP" sz="1100" dirty="0">
+                        <a:rPr lang="en-US" sz="1100">
                           <a:solidFill>
                             <a:schemeClr val="tx1"/>
                           </a:solidFill>
-                          <a:latin typeface="Adobe Clean Han Regular" panose="020B0500000000000000" pitchFamily="34" charset="-128"/>
-                          <a:ea typeface="Adobe Clean Han Regular" panose="020B0500000000000000" pitchFamily="34" charset="-128"/>
+                          <a:latin typeface="Adobe Clean"/>
                         </a:rPr>
-                        <a:t>午前 9:00 ～午後 5:00</a:t>
+                        <a:t>9 am – 5 pm</a:t>
                       </a:r>
                     </a:p>
                   </a:txBody>
@@ -9907,14 +11176,13 @@
                     <a:p>
                       <a:pPr algn="ctr"/>
                       <a:r>
-                        <a:rPr lang="ja-JP" sz="1100" dirty="0">
+                        <a:rPr lang="en-US" sz="1100">
                           <a:solidFill>
                             <a:schemeClr val="tx1"/>
                           </a:solidFill>
-                          <a:latin typeface="Adobe Clean Han Regular" panose="020B0500000000000000" pitchFamily="34" charset="-128"/>
-                          <a:ea typeface="Adobe Clean Han Regular" panose="020B0500000000000000" pitchFamily="34" charset="-128"/>
+                          <a:latin typeface="Adobe Clean"/>
                         </a:rPr>
-                        <a:t>午前 9:00 ～午後 5:30</a:t>
+                        <a:t>9 am – 5:30 pm</a:t>
                       </a:r>
                     </a:p>
                   </a:txBody>
@@ -9994,29 +11262,31 @@
                         <a:buNone/>
                       </a:pPr>
                       <a:r>
-                        <a:rPr lang="ja-JP" sz="1100" b="1" i="0" u="none" strike="noStrike" cap="none" normalizeH="0" baseline="30000" noProof="0" dirty="0">
+                        <a:rPr lang="en-US" sz="1100" b="1" i="0" u="none" strike="noStrike" kern="0" cap="none" spc="0" normalizeH="0" baseline="30000" noProof="0">
                           <a:ln>
                             <a:noFill/>
                           </a:ln>
+                          <a:effectLst/>
                           <a:uLnTx/>
                           <a:uFillTx/>
-                          <a:latin typeface="Adobe Clean Han Regular" panose="020B0500000000000000" pitchFamily="34" charset="-128"/>
-                          <a:ea typeface="Adobe Clean Han Regular" panose="020B0500000000000000" pitchFamily="34" charset="-128"/>
+                          <a:latin typeface="Adobe Clean"/>
+                          <a:ea typeface="+mn-ea"/>
                           <a:cs typeface="+mn-cs"/>
                         </a:rPr>
                         <a:t> </a:t>
                       </a:r>
                       <a:r>
-                        <a:rPr lang="ja-JP" sz="1100" dirty="0">
+                        <a:rPr lang="en-US" sz="1100">
                           <a:solidFill>
                             <a:schemeClr val="tx1"/>
                           </a:solidFill>
-                          <a:latin typeface="Adobe Clean Han Regular" panose="020B0500000000000000" pitchFamily="34" charset="-128"/>
-                          <a:ea typeface="Adobe Clean Han Regular" panose="020B0500000000000000" pitchFamily="34" charset="-128"/>
-                          <a:cs typeface="+mn-cs"/>
+                          <a:latin typeface="Adobe Clean"/>
                         </a:rPr>
-                        <a:t>サポートで対応している言語は、英語および日本語のみです。</a:t>
+                        <a:t>Language support is only available in English and Japanese.</a:t>
                       </a:r>
+                      <a:endParaRPr lang="en-US">
+                        <a:latin typeface="Adobe Clean"/>
+                      </a:endParaRPr>
                     </a:p>
                     <a:p>
                       <a:pPr marL="0" marR="0" lvl="0" indent="0" algn="ctr">
@@ -10035,19 +11305,18 @@
                         <a:buNone/>
                       </a:pPr>
                       <a:r>
-                        <a:rPr lang="ja-JP" sz="1100" i="1" dirty="0">
+                        <a:rPr lang="en-US" sz="1100" i="1">
                           <a:solidFill>
                             <a:schemeClr val="tx1"/>
                           </a:solidFill>
-                          <a:latin typeface="Adobe Clean Han Regular" panose="020B0500000000000000" pitchFamily="34" charset="-128"/>
-                          <a:ea typeface="Adobe Clean Han Regular" panose="020B0500000000000000" pitchFamily="34" charset="-128"/>
+                          <a:latin typeface="Adobe Clean"/>
                         </a:rPr>
-                        <a:t>*Adobe Commerce のサポートは、日本語に対応していません。</a:t>
+                        <a:t>*Adobe Commerce excludes Japanese languages support.</a:t>
                       </a:r>
                     </a:p>
                     <a:p>
-                      <a:pPr algn="l" rtl="0"/>
-                      <a:endParaRPr kumimoji="0" lang="en-US" sz="1100" b="1" i="0" u="none" strike="noStrike" kern="0" cap="none" spc="0" normalizeH="0" baseline="30000" noProof="0" dirty="0">
+                      <a:pPr algn="ctr"/>
+                      <a:endParaRPr kumimoji="0" lang="en-US" sz="1100" b="1" i="0" u="none" strike="noStrike" kern="0" cap="none" spc="0" normalizeH="0" baseline="30000" noProof="0">
                         <a:ln>
                           <a:noFill/>
                         </a:ln>
@@ -10057,43 +11326,46 @@
                         <a:effectLst/>
                         <a:uLnTx/>
                         <a:uFillTx/>
-                        <a:latin typeface="Adobe Clean Han Regular" panose="020B0500000000000000" pitchFamily="34" charset="-128"/>
-                        <a:ea typeface="Adobe Clean Han Regular" panose="020B0500000000000000" pitchFamily="34" charset="-128"/>
+                        <a:latin typeface="Adobe Clean" panose="020B0503020404020204" pitchFamily="34" charset="0"/>
+                        <a:ea typeface="+mn-ea"/>
                         <a:cs typeface="+mn-cs"/>
                       </a:endParaRPr>
                     </a:p>
                     <a:p>
                       <a:pPr algn="ctr"/>
                       <a:r>
-                        <a:rPr lang="ja-JP" sz="1100" i="0" dirty="0">
+                        <a:rPr lang="en-US" sz="1100" i="0">
                           <a:solidFill>
                             <a:schemeClr val="tx1"/>
                           </a:solidFill>
-                          <a:latin typeface="Adobe Clean Han Regular" panose="020B0500000000000000" pitchFamily="34" charset="-128"/>
-                          <a:ea typeface="Adobe Clean Han Regular" panose="020B0500000000000000" pitchFamily="34" charset="-128"/>
+                          <a:latin typeface="Adobe Clean"/>
                         </a:rPr>
                         <a:t> </a:t>
                       </a:r>
                       <a:r>
-                        <a:rPr lang="ja-JP" sz="1100" i="0" baseline="30000" dirty="0">
+                        <a:rPr lang="en-US" sz="1100" i="0" baseline="30000">
                           <a:solidFill>
                             <a:schemeClr val="tx1"/>
                           </a:solidFill>
-                          <a:latin typeface="Adobe Clean Han Regular" panose="020B0500000000000000" pitchFamily="34" charset="-128"/>
-                          <a:ea typeface="Adobe Clean Han Regular" panose="020B0500000000000000" pitchFamily="34" charset="-128"/>
+                          <a:latin typeface="Adobe Clean"/>
                         </a:rPr>
                         <a:t>1 </a:t>
                       </a:r>
                       <a:r>
-                        <a:rPr lang="ja-JP" sz="1100" i="0" dirty="0">
+                        <a:rPr lang="en-US" sz="1100" i="0">
                           <a:solidFill>
                             <a:schemeClr val="tx1"/>
                           </a:solidFill>
-                          <a:latin typeface="Adobe Clean Han Regular" panose="020B0500000000000000" pitchFamily="34" charset="-128"/>
-                          <a:ea typeface="Adobe Clean Han Regular" panose="020B0500000000000000" pitchFamily="34" charset="-128"/>
+                          <a:latin typeface="Adobe Clean"/>
                         </a:rPr>
-                        <a:t>P2、P3、P4 の場合は、営業時間内のみの対応です。</a:t>
+                        <a:t>P2, P3, P4 cases are limited to business hours only in Japan.</a:t>
                       </a:r>
+                      <a:endParaRPr lang="en-US" sz="1100" b="1" i="0">
+                        <a:solidFill>
+                          <a:schemeClr val="tx1"/>
+                        </a:solidFill>
+                        <a:latin typeface="Adobe Clean"/>
+                      </a:endParaRPr>
                     </a:p>
                   </a:txBody>
                   <a:tcPr anchor="ctr">
@@ -10448,7 +11720,7 @@
           </a:bodyPr>
           <a:lstStyle/>
           <a:p>
-            <a:pPr marR="5080" algn="ctr">
+            <a:pPr marL="139065" marR="5080" indent="-139065">
               <a:lnSpc>
                 <a:spcPts val="1390"/>
               </a:lnSpc>
@@ -10457,37 +11729,129 @@
               </a:spcBef>
             </a:pPr>
             <a:r>
-              <a:rPr lang="ja-JP" sz="1200" b="1" dirty="0">
+              <a:rPr sz="1200" b="1" spc="-15">
                 <a:solidFill>
                   <a:srgbClr val="FFFFFF"/>
                 </a:solidFill>
-                <a:latin typeface="Adobe Clean Han Regular" panose="020B0500000000000000" pitchFamily="34" charset="-128"/>
-                <a:ea typeface="Adobe Clean Han Regular" panose="020B0500000000000000" pitchFamily="34" charset="-128"/>
+                <a:latin typeface="Adobe Clean"/>
                 <a:cs typeface="Adobe Clean"/>
               </a:rPr>
-              <a:t>卓越した</a:t>
-            </a:r>
-            <a:br>
-              <a:rPr lang="ja-JP" sz="1200" b="1" dirty="0">
+              <a:t>U</a:t>
+            </a:r>
+            <a:r>
+              <a:rPr sz="1200" b="1" spc="-20">
                 <a:solidFill>
                   <a:srgbClr val="FFFFFF"/>
                 </a:solidFill>
-                <a:latin typeface="Adobe Clean Han Regular" panose="020B0500000000000000" pitchFamily="34" charset="-128"/>
-                <a:ea typeface="Adobe Clean Han Regular" panose="020B0500000000000000" pitchFamily="34" charset="-128"/>
+                <a:latin typeface="Adobe Clean"/>
                 <a:cs typeface="Adobe Clean"/>
               </a:rPr>
-            </a:br>
-            <a:r>
-              <a:rPr lang="ja-JP" sz="1200" b="1" dirty="0">
+              <a:t>n</a:t>
+            </a:r>
+            <a:r>
+              <a:rPr sz="1200" b="1" spc="-25">
                 <a:solidFill>
                   <a:srgbClr val="FFFFFF"/>
                 </a:solidFill>
-                <a:latin typeface="Adobe Clean Han Regular" panose="020B0500000000000000" pitchFamily="34" charset="-128"/>
-                <a:ea typeface="Adobe Clean Han Regular" panose="020B0500000000000000" pitchFamily="34" charset="-128"/>
+                <a:latin typeface="Adobe Clean"/>
                 <a:cs typeface="Adobe Clean"/>
               </a:rPr>
-              <a:t>専門知識</a:t>
-            </a:r>
+              <a:t>p</a:t>
+            </a:r>
+            <a:r>
+              <a:rPr sz="1200" b="1" spc="-15">
+                <a:solidFill>
+                  <a:srgbClr val="FFFFFF"/>
+                </a:solidFill>
+                <a:latin typeface="Adobe Clean"/>
+                <a:cs typeface="Adobe Clean"/>
+              </a:rPr>
+              <a:t>a</a:t>
+            </a:r>
+            <a:r>
+              <a:rPr sz="1200" b="1" spc="-25">
+                <a:solidFill>
+                  <a:srgbClr val="FFFFFF"/>
+                </a:solidFill>
+                <a:latin typeface="Adobe Clean"/>
+                <a:cs typeface="Adobe Clean"/>
+              </a:rPr>
+              <a:t>r</a:t>
+            </a:r>
+            <a:r>
+              <a:rPr sz="1200" b="1" spc="-15">
+                <a:solidFill>
+                  <a:srgbClr val="FFFFFF"/>
+                </a:solidFill>
+                <a:latin typeface="Adobe Clean"/>
+                <a:cs typeface="Adobe Clean"/>
+              </a:rPr>
+              <a:t>a</a:t>
+            </a:r>
+            <a:r>
+              <a:rPr sz="1200" b="1" spc="-30">
+                <a:solidFill>
+                  <a:srgbClr val="FFFFFF"/>
+                </a:solidFill>
+                <a:latin typeface="Adobe Clean"/>
+                <a:cs typeface="Adobe Clean"/>
+              </a:rPr>
+              <a:t>ll</a:t>
+            </a:r>
+            <a:r>
+              <a:rPr sz="1200" b="1" spc="-25">
+                <a:solidFill>
+                  <a:srgbClr val="FFFFFF"/>
+                </a:solidFill>
+                <a:latin typeface="Adobe Clean"/>
+                <a:cs typeface="Adobe Clean"/>
+              </a:rPr>
+              <a:t>e</a:t>
+            </a:r>
+            <a:r>
+              <a:rPr sz="1200" b="1" spc="-30">
+                <a:solidFill>
+                  <a:srgbClr val="FFFFFF"/>
+                </a:solidFill>
+                <a:latin typeface="Adobe Clean"/>
+                <a:cs typeface="Adobe Clean"/>
+              </a:rPr>
+              <a:t>l</a:t>
+            </a:r>
+            <a:r>
+              <a:rPr sz="1200" b="1" spc="-25">
+                <a:solidFill>
+                  <a:srgbClr val="FFFFFF"/>
+                </a:solidFill>
+                <a:latin typeface="Adobe Clean"/>
+                <a:cs typeface="Adobe Clean"/>
+              </a:rPr>
+              <a:t>e</a:t>
+            </a:r>
+            <a:r>
+              <a:rPr sz="1200" b="1">
+                <a:solidFill>
+                  <a:srgbClr val="FFFFFF"/>
+                </a:solidFill>
+                <a:latin typeface="Adobe Clean"/>
+                <a:cs typeface="Adobe Clean"/>
+              </a:rPr>
+              <a:t>d  </a:t>
+            </a:r>
+            <a:r>
+              <a:rPr sz="1200" b="1" spc="-25">
+                <a:solidFill>
+                  <a:srgbClr val="FFFFFF"/>
+                </a:solidFill>
+                <a:latin typeface="Adobe Clean"/>
+                <a:cs typeface="Adobe Clean"/>
+              </a:rPr>
+              <a:t>Expertise</a:t>
+            </a:r>
+            <a:endParaRPr sz="1200">
+              <a:latin typeface="Adobe Clean"/>
+              <a:cs typeface="Adobe Clean"/>
+            </a:endParaRPr>
           </a:p>
         </p:txBody>
       </p:sp>
@@ -10505,7 +11869,7 @@
         </p:nvSpPr>
         <p:spPr>
           <a:xfrm>
-            <a:off x="4705825" y="8541244"/>
+            <a:off x="4732495" y="8541244"/>
             <a:ext cx="810895" cy="382797"/>
           </a:xfrm>
           <a:prstGeom prst="rect">
@@ -10518,7 +11882,7 @@
           </a:bodyPr>
           <a:lstStyle/>
           <a:p>
-            <a:pPr marR="5080" algn="ctr">
+            <a:pPr marL="139065" marR="5080" indent="-139065">
               <a:lnSpc>
                 <a:spcPts val="1390"/>
               </a:lnSpc>
@@ -10527,37 +11891,19 @@
               </a:spcBef>
             </a:pPr>
             <a:r>
-              <a:rPr lang="ja-JP" sz="1200" b="1" dirty="0">
+              <a:rPr lang="en-US" sz="1200" b="1" spc="-15">
                 <a:solidFill>
                   <a:srgbClr val="FFFFFF"/>
                 </a:solidFill>
-                <a:latin typeface="Adobe Clean Han Regular" panose="020B0500000000000000" pitchFamily="34" charset="-128"/>
-                <a:ea typeface="Adobe Clean Han Regular" panose="020B0500000000000000" pitchFamily="34" charset="-128"/>
+                <a:latin typeface="Adobe Clean"/>
                 <a:cs typeface="Adobe Clean"/>
               </a:rPr>
-              <a:t>迅速な</a:t>
-            </a:r>
-            <a:br>
-              <a:rPr lang="ja-JP" sz="1200" b="1" dirty="0">
-                <a:solidFill>
-                  <a:srgbClr val="FFFFFF"/>
-                </a:solidFill>
-                <a:latin typeface="Adobe Clean Han Regular" panose="020B0500000000000000" pitchFamily="34" charset="-128"/>
-                <a:ea typeface="Adobe Clean Han Regular" panose="020B0500000000000000" pitchFamily="34" charset="-128"/>
-                <a:cs typeface="Adobe Clean"/>
-              </a:rPr>
-            </a:br>
-            <a:r>
-              <a:rPr lang="ja-JP" sz="1200" b="1" dirty="0">
-                <a:solidFill>
-                  <a:srgbClr val="FFFFFF"/>
-                </a:solidFill>
-                <a:latin typeface="Adobe Clean Han Regular" panose="020B0500000000000000" pitchFamily="34" charset="-128"/>
-                <a:ea typeface="Adobe Clean Han Regular" panose="020B0500000000000000" pitchFamily="34" charset="-128"/>
-                <a:cs typeface="Adobe Clean"/>
-              </a:rPr>
-              <a:t>サポート</a:t>
-            </a:r>
+              <a:t>Accelerated Support</a:t>
+            </a:r>
+            <a:endParaRPr sz="1200">
+              <a:latin typeface="Adobe Clean"/>
+              <a:cs typeface="Adobe Clean"/>
+            </a:endParaRPr>
           </a:p>
         </p:txBody>
       </p:sp>
@@ -10575,8 +11921,8 @@
         </p:nvSpPr>
         <p:spPr>
           <a:xfrm>
-            <a:off x="6316980" y="8543943"/>
-            <a:ext cx="1124818" cy="382797"/>
+            <a:off x="6624119" y="8543943"/>
+            <a:ext cx="510540" cy="385445"/>
           </a:xfrm>
           <a:prstGeom prst="rect">
             <a:avLst/>
@@ -10588,7 +11934,7 @@
           </a:bodyPr>
           <a:lstStyle/>
           <a:p>
-            <a:pPr marR="5080" algn="ctr">
+            <a:pPr marL="50800" marR="5080" indent="-51435">
               <a:lnSpc>
                 <a:spcPts val="1390"/>
               </a:lnSpc>
@@ -10597,37 +11943,109 @@
               </a:spcBef>
             </a:pPr>
             <a:r>
-              <a:rPr lang="ja-JP" sz="1200" b="1" dirty="0">
+              <a:rPr sz="1200" b="1" spc="-50">
                 <a:solidFill>
                   <a:srgbClr val="FFFFFF"/>
                 </a:solidFill>
-                <a:latin typeface="Adobe Clean Han Regular" panose="020B0500000000000000" pitchFamily="34" charset="-128"/>
-                <a:ea typeface="Adobe Clean Han Regular" panose="020B0500000000000000" pitchFamily="34" charset="-128"/>
+                <a:latin typeface="Adobe Clean"/>
                 <a:cs typeface="Adobe Clean"/>
               </a:rPr>
-              <a:t>戦略的</a:t>
-            </a:r>
-            <a:br>
-              <a:rPr lang="ja-JP" sz="1200" b="1" dirty="0">
+              <a:t>S</a:t>
+            </a:r>
+            <a:r>
+              <a:rPr sz="1200" b="1" spc="-20">
                 <a:solidFill>
                   <a:srgbClr val="FFFFFF"/>
                 </a:solidFill>
-                <a:latin typeface="Adobe Clean Han Regular" panose="020B0500000000000000" pitchFamily="34" charset="-128"/>
-                <a:ea typeface="Adobe Clean Han Regular" panose="020B0500000000000000" pitchFamily="34" charset="-128"/>
+                <a:latin typeface="Adobe Clean"/>
                 <a:cs typeface="Adobe Clean"/>
               </a:rPr>
-            </a:br>
-            <a:r>
-              <a:rPr lang="ja-JP" sz="1200" b="1" dirty="0">
+              <a:t>t</a:t>
+            </a:r>
+            <a:r>
+              <a:rPr sz="1200" b="1" spc="-75">
                 <a:solidFill>
                   <a:srgbClr val="FFFFFF"/>
                 </a:solidFill>
-                <a:latin typeface="Adobe Clean Han Regular" panose="020B0500000000000000" pitchFamily="34" charset="-128"/>
-                <a:ea typeface="Adobe Clean Han Regular" panose="020B0500000000000000" pitchFamily="34" charset="-128"/>
+                <a:latin typeface="Adobe Clean"/>
                 <a:cs typeface="Adobe Clean"/>
               </a:rPr>
-              <a:t>アドバイス</a:t>
-            </a:r>
+              <a:t>r</a:t>
+            </a:r>
+            <a:r>
+              <a:rPr sz="1200" b="1" spc="-90">
+                <a:solidFill>
+                  <a:srgbClr val="FFFFFF"/>
+                </a:solidFill>
+                <a:latin typeface="Adobe Clean"/>
+                <a:cs typeface="Adobe Clean"/>
+              </a:rPr>
+              <a:t>a</a:t>
+            </a:r>
+            <a:r>
+              <a:rPr sz="1200" b="1" spc="-55">
+                <a:solidFill>
+                  <a:srgbClr val="FFFFFF"/>
+                </a:solidFill>
+                <a:latin typeface="Adobe Clean"/>
+                <a:cs typeface="Adobe Clean"/>
+              </a:rPr>
+              <a:t>t</a:t>
+            </a:r>
+            <a:r>
+              <a:rPr sz="1200" b="1" spc="-100">
+                <a:solidFill>
+                  <a:srgbClr val="FFFFFF"/>
+                </a:solidFill>
+                <a:latin typeface="Adobe Clean"/>
+                <a:cs typeface="Adobe Clean"/>
+              </a:rPr>
+              <a:t>e</a:t>
+            </a:r>
+            <a:r>
+              <a:rPr sz="1200" b="1" spc="-80">
+                <a:solidFill>
+                  <a:srgbClr val="FFFFFF"/>
+                </a:solidFill>
+                <a:latin typeface="Adobe Clean"/>
+                <a:cs typeface="Adobe Clean"/>
+              </a:rPr>
+              <a:t>g</a:t>
+            </a:r>
+            <a:r>
+              <a:rPr sz="1200" b="1" spc="-35">
+                <a:solidFill>
+                  <a:srgbClr val="FFFFFF"/>
+                </a:solidFill>
+                <a:latin typeface="Adobe Clean"/>
+                <a:cs typeface="Adobe Clean"/>
+              </a:rPr>
+              <a:t>i</a:t>
+            </a:r>
+            <a:r>
+              <a:rPr sz="1200" b="1">
+                <a:solidFill>
+                  <a:srgbClr val="FFFFFF"/>
+                </a:solidFill>
+                <a:latin typeface="Adobe Clean"/>
+                <a:cs typeface="Adobe Clean"/>
+              </a:rPr>
+              <a:t>c  </a:t>
+            </a:r>
+            <a:r>
+              <a:rPr sz="1200" b="1" spc="-45">
+                <a:solidFill>
+                  <a:srgbClr val="FFFFFF"/>
+                </a:solidFill>
+                <a:latin typeface="Adobe Clean"/>
+                <a:cs typeface="Adobe Clean"/>
+              </a:rPr>
+              <a:t>Advice</a:t>
+            </a:r>
+            <a:endParaRPr sz="1200">
+              <a:latin typeface="Adobe Clean"/>
+              <a:cs typeface="Adobe Clean"/>
+            </a:endParaRPr>
           </a:p>
         </p:txBody>
       </p:sp>
@@ -10646,14 +12064,14 @@
           <p:nvPr>
             <p:extLst>
               <p:ext uri="{D42A27DB-BD31-4B8C-83A1-F6EECF244321}">
-                <p14:modId xmlns:p14="http://schemas.microsoft.com/office/powerpoint/2010/main" val="1701350056"/>
+                <p14:modId xmlns:p14="http://schemas.microsoft.com/office/powerpoint/2010/main" val="3773282750"/>
               </p:ext>
             </p:extLst>
           </p:nvPr>
         </p:nvGraphicFramePr>
         <p:xfrm>
           <a:off x="194236" y="1059345"/>
-          <a:ext cx="7368291" cy="3606800"/>
+          <a:ext cx="7368291" cy="3302000"/>
         </p:xfrm>
         <a:graphic>
           <a:graphicData uri="http://schemas.openxmlformats.org/drawingml/2006/table">
@@ -10662,14 +12080,14 @@
                 <a:tableStyleId>{5C22544A-7EE6-4342-B048-85BDC9FD1C3A}</a:tableStyleId>
               </a:tblPr>
               <a:tblGrid>
-                <a:gridCol w="3619574">
+                <a:gridCol w="3691964">
                   <a:extLst>
                     <a:ext uri="{9D8B030D-6E8A-4147-A177-3AD203B41FA5}">
                       <a16:colId xmlns:a16="http://schemas.microsoft.com/office/drawing/2014/main" val="2364693614"/>
                     </a:ext>
                   </a:extLst>
                 </a:gridCol>
-                <a:gridCol w="3748717">
+                <a:gridCol w="3676327">
                   <a:extLst>
                     <a:ext uri="{9D8B030D-6E8A-4147-A177-3AD203B41FA5}">
                       <a16:colId xmlns:a16="http://schemas.microsoft.com/office/drawing/2014/main" val="1545335406"/>
@@ -10684,17 +12102,25 @@
                     <a:lstStyle/>
                     <a:p>
                       <a:r>
-                        <a:rPr lang="ja-JP" sz="1100" b="0" dirty="0">
+                        <a:rPr lang="en-US" sz="1100" b="0">
                           <a:solidFill>
                             <a:schemeClr val="tx1"/>
                           </a:solidFill>
-                          <a:latin typeface="Adobe Clean Han Regular" panose="020B0500000000000000" pitchFamily="34" charset="-128"/>
-                          <a:ea typeface="Adobe Clean Han Regular" panose="020B0500000000000000" pitchFamily="34" charset="-128"/>
+                          <a:latin typeface="Adobe Clean"/>
+                          <a:ea typeface="+mn-ea"/>
                           <a:cs typeface="+mn-cs"/>
                           <a:hlinkClick r:id="rId7"/>
                         </a:rPr>
                         <a:t>Experience League</a:t>
                       </a:r>
+                      <a:endParaRPr lang="en-US" sz="1100" b="0">
+                        <a:solidFill>
+                          <a:schemeClr val="tx1"/>
+                        </a:solidFill>
+                        <a:latin typeface="Adobe Clean"/>
+                        <a:ea typeface="+mn-ea"/>
+                        <a:cs typeface="+mn-cs"/>
+                      </a:endParaRPr>
                     </a:p>
                   </a:txBody>
                   <a:tcPr marL="47625" marR="47625" marT="0" marB="0" anchor="ctr">
@@ -10766,37 +12192,24 @@
                         <a:buNone/>
                       </a:pPr>
                       <a:r>
-                        <a:rPr lang="ja-JP" sz="1000" b="0" dirty="0">
+                        <a:rPr lang="en-US" sz="1000" b="0" kern="1200">
                           <a:solidFill>
                             <a:srgbClr val="000000"/>
                           </a:solidFill>
-                          <a:latin typeface="Adobe Clean Han Light" panose="020B0300000000000000" pitchFamily="34" charset="-128"/>
-                          <a:ea typeface="Adobe Clean Han Light" panose="020B0300000000000000" pitchFamily="34" charset="-128"/>
+                          <a:latin typeface="Adobe Clean Light"/>
+                          <a:ea typeface="+mn-ea"/>
                           <a:cs typeface="+mn-cs"/>
                         </a:rPr>
-                        <a:t>Experience League では、アドビへの投資に対して企業が期待している価値を実現するための支援を行います。セルフサービスのチュートリアル、製品ドキュメント、講師によるトレーニング、コミュニティ、テクニカルサポートなど、パーソナライズされた成功への道筋に沿って、お客様が学習し、繋がり、</a:t>
+                        <a:t>Experience League is how Adobe helps businesses achieve the value they expect from their Adobe investment. It’s the unified place where customers can learn, connect, and grow along a personalized path to success that includes self-help tutorials, product documentation, instructor-led training, community and technical support. </a:t>
                       </a:r>
-                      <a:br>
-                        <a:rPr lang="sk-SK" altLang="ja-JP" sz="1000" b="0" dirty="0">
-                          <a:solidFill>
-                            <a:srgbClr val="000000"/>
-                          </a:solidFill>
-                          <a:latin typeface="Adobe Clean Han Light" panose="020B0300000000000000" pitchFamily="34" charset="-128"/>
-                          <a:ea typeface="Adobe Clean Han Light" panose="020B0300000000000000" pitchFamily="34" charset="-128"/>
-                          <a:cs typeface="+mn-cs"/>
-                        </a:rPr>
-                      </a:br>
-                      <a:r>
-                        <a:rPr lang="ja-JP" sz="1000" b="0" dirty="0">
-                          <a:solidFill>
-                            <a:srgbClr val="000000"/>
-                          </a:solidFill>
-                          <a:latin typeface="Adobe Clean Han Light" panose="020B0300000000000000" pitchFamily="34" charset="-128"/>
-                          <a:ea typeface="Adobe Clean Han Light" panose="020B0300000000000000" pitchFamily="34" charset="-128"/>
-                          <a:cs typeface="+mn-cs"/>
-                        </a:rPr>
-                        <a:t>成長できる、統合された場所です。 </a:t>
-                      </a:r>
+                      <a:endParaRPr lang="en-US" sz="1000" b="0" kern="1200">
+                        <a:solidFill>
+                          <a:srgbClr val="000000"/>
+                        </a:solidFill>
+                        <a:latin typeface="Adobe Clean Light" panose="020B0303020404020204" pitchFamily="34" charset="0"/>
+                        <a:ea typeface="+mn-ea"/>
+                        <a:cs typeface="+mn-cs"/>
+                      </a:endParaRPr>
                     </a:p>
                   </a:txBody>
                   <a:tcPr anchor="ctr">
@@ -10877,28 +12290,39 @@
                         <a:defRPr/>
                       </a:pPr>
                       <a:r>
-                        <a:rPr lang="ja-JP" sz="1100" dirty="0">
+                        <a:rPr lang="en-US" sz="1100">
                           <a:solidFill>
                             <a:schemeClr val="dk1"/>
                           </a:solidFill>
-                          <a:latin typeface="Adobe Clean Han Regular" panose="020B0500000000000000" pitchFamily="34" charset="-128"/>
-                          <a:ea typeface="Adobe Clean Han Regular" panose="020B0500000000000000" pitchFamily="34" charset="-128"/>
+                          <a:effectLst/>
+                          <a:latin typeface="Adobe Clean"/>
+                          <a:ea typeface="+mn-ea"/>
                           <a:cs typeface="+mn-cs"/>
                           <a:hlinkClick r:id="rId8"/>
                         </a:rPr>
-                        <a:t>トレーニング</a:t>
+                        <a:t>Training</a:t>
                       </a:r>
                       <a:r>
-                        <a:rPr lang="ja-JP" sz="1100" dirty="0">
+                        <a:rPr lang="en-US" sz="1100">
                           <a:solidFill>
                             <a:schemeClr val="dk1"/>
                           </a:solidFill>
-                          <a:latin typeface="Adobe Clean Han Regular" panose="020B0500000000000000" pitchFamily="34" charset="-128"/>
-                          <a:ea typeface="Adobe Clean Han Regular" panose="020B0500000000000000" pitchFamily="34" charset="-128"/>
+                          <a:effectLst/>
+                          <a:latin typeface="Adobe Clean"/>
+                          <a:ea typeface="+mn-ea"/>
                           <a:cs typeface="+mn-cs"/>
                         </a:rPr>
                         <a:t> </a:t>
                       </a:r>
+                      <a:endParaRPr lang="en-US" sz="1100">
+                        <a:solidFill>
+                          <a:schemeClr val="tx1"/>
+                        </a:solidFill>
+                        <a:effectLst/>
+                        <a:latin typeface="Adobe Clean"/>
+                        <a:ea typeface="+mn-ea"/>
+                        <a:cs typeface="+mn-cs"/>
+                      </a:endParaRPr>
                     </a:p>
                   </a:txBody>
                   <a:tcPr anchor="ctr">
@@ -10972,47 +12396,15 @@
                         <a:defRPr/>
                       </a:pPr>
                       <a:r>
-                        <a:rPr lang="ja-JP" sz="1000" dirty="0">
+                        <a:rPr lang="en-US" sz="1000" kern="1200">
                           <a:solidFill>
                             <a:srgbClr val="000000"/>
                           </a:solidFill>
-                          <a:latin typeface="Adobe Clean Han Light" panose="020B0300000000000000" pitchFamily="34" charset="-128"/>
-                          <a:ea typeface="Adobe Clean Han Light" panose="020B0300000000000000" pitchFamily="34" charset="-128"/>
+                          <a:latin typeface="Adobe Clean Light"/>
+                          <a:ea typeface="+mn-ea"/>
                           <a:cs typeface="+mn-cs"/>
                         </a:rPr>
-                        <a:t>Adobe Digital Learning Services のコースには、Experience League からアクセスできます。ラーニングコースは、オンデ</a:t>
-                      </a:r>
-                      <a:r>
-                        <a:rPr lang="ja-JP" sz="1000" spc="-20" baseline="0" dirty="0">
-                          <a:solidFill>
-                            <a:srgbClr val="000000"/>
-                          </a:solidFill>
-                          <a:latin typeface="Adobe Clean Han Light" panose="020B0300000000000000" pitchFamily="34" charset="-128"/>
-                          <a:ea typeface="Adobe Clean Han Light" panose="020B0300000000000000" pitchFamily="34" charset="-128"/>
-                          <a:cs typeface="+mn-cs"/>
-                        </a:rPr>
-                        <a:t>マンドレッスンと講師によるレッスンが統合されています。  </a:t>
-                      </a:r>
-                      <a:br>
-                        <a:rPr lang="sk-SK" altLang="ja-JP" sz="1000" spc="-20" baseline="0" dirty="0">
-                          <a:solidFill>
-                            <a:srgbClr val="000000"/>
-                          </a:solidFill>
-                          <a:latin typeface="Adobe Clean Han Light" panose="020B0300000000000000" pitchFamily="34" charset="-128"/>
-                          <a:ea typeface="Adobe Clean Han Light" panose="020B0300000000000000" pitchFamily="34" charset="-128"/>
-                          <a:cs typeface="+mn-cs"/>
-                        </a:rPr>
-                      </a:br>
-                      <a:r>
-                        <a:rPr lang="ja-JP" sz="1000" dirty="0">
-                          <a:solidFill>
-                            <a:srgbClr val="000000"/>
-                          </a:solidFill>
-                          <a:latin typeface="Adobe Clean Han Light" panose="020B0300000000000000" pitchFamily="34" charset="-128"/>
-                          <a:ea typeface="Adobe Clean Han Light" panose="020B0300000000000000" pitchFamily="34" charset="-128"/>
-                          <a:cs typeface="+mn-cs"/>
-                        </a:rPr>
-                        <a:t>市場価値が認められたスキルを習得し、組織での成功を促進するために活用できます。</a:t>
+                        <a:t>Adobe Digital Learning Services courses are accessible from Experience League. Learning courses integrate both on-demand and instructor-led lessons.  Here you can accrue skills that have recognized market value and position them to drive success in your organizations.</a:t>
                       </a:r>
                     </a:p>
                   </a:txBody>
@@ -11094,17 +12486,27 @@
                         <a:defRPr/>
                       </a:pPr>
                       <a:r>
-                        <a:rPr lang="ja-JP" sz="1100" dirty="0">
+                        <a:rPr lang="en-US" sz="1100">
                           <a:solidFill>
                             <a:schemeClr val="tx1"/>
                           </a:solidFill>
-                          <a:latin typeface="Adobe Clean Han Regular" panose="020B0500000000000000" pitchFamily="34" charset="-128"/>
-                          <a:ea typeface="Adobe Clean Han Regular" panose="020B0500000000000000" pitchFamily="34" charset="-128"/>
+                          <a:effectLst/>
+                          <a:latin typeface="Adobe Clean"/>
+                          <a:ea typeface="+mn-ea"/>
                           <a:cs typeface="+mn-cs"/>
                           <a:hlinkClick r:id="rId9"/>
                         </a:rPr>
-                        <a:t>本番環境の問題とシステム障害</a:t>
+                        <a:t>Production Issues &amp; System Outages</a:t>
                       </a:r>
+                      <a:endParaRPr lang="en-US" sz="1100">
+                        <a:solidFill>
+                          <a:schemeClr val="tx1"/>
+                        </a:solidFill>
+                        <a:effectLst/>
+                        <a:latin typeface="Adobe Clean"/>
+                        <a:ea typeface="+mn-ea"/>
+                        <a:cs typeface="+mn-cs"/>
+                      </a:endParaRPr>
                     </a:p>
                   </a:txBody>
                   <a:tcPr anchor="ctr">
@@ -11176,16 +12578,24 @@
                         <a:buNone/>
                       </a:pPr>
                       <a:r>
-                        <a:rPr lang="ja-JP" sz="1000" dirty="0">
+                        <a:rPr lang="en-US" sz="1000" kern="1200">
                           <a:solidFill>
                             <a:srgbClr val="000000"/>
                           </a:solidFill>
-                          <a:latin typeface="Adobe Clean Han Light" panose="020B0300000000000000" pitchFamily="34" charset="-128"/>
-                          <a:ea typeface="Adobe Clean Han Light" panose="020B0300000000000000" pitchFamily="34" charset="-128"/>
+                          <a:latin typeface="Adobe Clean Light"/>
+                          <a:ea typeface="+mn-ea"/>
                           <a:cs typeface="+mn-cs"/>
                         </a:rPr>
-                        <a:t>status.adobe.com では、マルチテナント環境にデプロイされたすべてのアドビ製品およびサービスのシステムステータス情報が表示されます。お客様は、アドビが製品イベントを作成、更新、解決した際に電子メール通知を受け取るようサブスクリプション設定を選択できます。イベントには、定期的なメンテナンスや、様々な重大度レベルの問題が含まれています。 </a:t>
+                        <a:t>Status.adobe.com conveys the health information of all Adobe products and services that are deployed in multi-tenant environments. Customers can choose their subscription preferences to get email notifications whenever Adobe creates, updates or resolves a product event. This can include scheduled maintenance or service issues of varying levels of severity. </a:t>
                       </a:r>
+                      <a:endParaRPr lang="en-US" sz="1000" kern="1200">
+                        <a:solidFill>
+                          <a:srgbClr val="000000"/>
+                        </a:solidFill>
+                        <a:latin typeface="Adobe Clean Light" panose="020B0303020404020204" pitchFamily="34" charset="0"/>
+                        <a:ea typeface="+mn-ea"/>
+                        <a:cs typeface="+mn-cs"/>
+                      </a:endParaRPr>
                     </a:p>
                   </a:txBody>
                   <a:tcPr anchor="ctr">
@@ -11266,17 +12676,27 @@
                         <a:defRPr/>
                       </a:pPr>
                       <a:r>
-                        <a:rPr lang="ja-JP" sz="1100" b="0" i="0" dirty="0">
+                        <a:rPr lang="en-US" sz="1100" b="0" i="0">
                           <a:solidFill>
                             <a:schemeClr val="dk1"/>
                           </a:solidFill>
-                          <a:latin typeface="Adobe Clean Han Regular" panose="020B0500000000000000" pitchFamily="34" charset="-128"/>
-                          <a:ea typeface="Adobe Clean Han Regular" panose="020B0500000000000000" pitchFamily="34" charset="-128"/>
+                          <a:effectLst/>
+                          <a:latin typeface="Adobe Clean"/>
+                          <a:ea typeface="+mn-ea"/>
                           <a:cs typeface="+mn-cs"/>
-                          <a:hlinkClick r:id="rId10" tooltip="https://helpx.adobe.com/jp/support/programs/enterprise-support-programs/premier-support-business.html"/>
+                          <a:hlinkClick r:id="rId10" tooltip="https://helpx.adobe.com/support/programs/enterprise-support-programs/premier-support-business.html"/>
                         </a:rPr>
-                        <a:t>ビジネスサポート web サイト</a:t>
+                        <a:t>Business Support Website</a:t>
                       </a:r>
+                      <a:endParaRPr lang="en-US" sz="1100" b="0" i="0">
+                        <a:solidFill>
+                          <a:schemeClr val="dk1"/>
+                        </a:solidFill>
+                        <a:effectLst/>
+                        <a:latin typeface="Adobe Clean"/>
+                        <a:ea typeface="+mn-ea"/>
+                        <a:cs typeface="+mn-cs"/>
+                      </a:endParaRPr>
                     </a:p>
                   </a:txBody>
                   <a:tcPr anchor="ctr">
@@ -11333,16 +12753,24 @@
                     <a:lstStyle/>
                     <a:p>
                       <a:r>
-                        <a:rPr lang="ja-JP" sz="1000">
+                        <a:rPr lang="en-US" sz="1000" kern="1200">
                           <a:solidFill>
                             <a:srgbClr val="000000"/>
                           </a:solidFill>
-                          <a:latin typeface="Adobe Clean Han Light" panose="020B0300000000000000" pitchFamily="34" charset="-128"/>
-                          <a:ea typeface="Adobe Clean Han Light" panose="020B0300000000000000" pitchFamily="34" charset="-128"/>
+                          <a:latin typeface="Adobe Clean Light"/>
+                          <a:ea typeface="+mn-ea"/>
                           <a:cs typeface="+mn-cs"/>
                         </a:rPr>
-                        <a:t>アドビビジネスサポート web サイト。</a:t>
+                        <a:t>Adobe Business Support website.</a:t>
                       </a:r>
+                      <a:endParaRPr lang="en-US" sz="1000" kern="1200">
+                        <a:solidFill>
+                          <a:srgbClr val="000000"/>
+                        </a:solidFill>
+                        <a:latin typeface="Adobe Clean Light" panose="020B0303020404020204" pitchFamily="34" charset="0"/>
+                        <a:ea typeface="+mn-ea"/>
+                        <a:cs typeface="+mn-cs"/>
+                      </a:endParaRPr>
                     </a:p>
                   </a:txBody>
                   <a:tcPr anchor="ctr">
@@ -11423,17 +12851,27 @@
                         <a:defRPr/>
                       </a:pPr>
                       <a:r>
-                        <a:rPr lang="ja-JP" sz="1100" dirty="0">
+                        <a:rPr lang="en-US" sz="1100">
                           <a:solidFill>
                             <a:schemeClr val="tx1"/>
                           </a:solidFill>
-                          <a:latin typeface="Adobe Clean Han Regular" panose="020B0500000000000000" pitchFamily="34" charset="-128"/>
-                          <a:ea typeface="Adobe Clean Han Regular" panose="020B0500000000000000" pitchFamily="34" charset="-128"/>
+                          <a:effectLst/>
+                          <a:latin typeface="Adobe Clean"/>
+                          <a:ea typeface="+mn-ea"/>
                           <a:cs typeface="+mn-cs"/>
                           <a:hlinkClick r:id="rId11"/>
                         </a:rPr>
-                        <a:t>利用条件</a:t>
+                        <a:t>Terms and Conditions</a:t>
                       </a:r>
+                      <a:endParaRPr lang="en-US" sz="1100">
+                        <a:solidFill>
+                          <a:schemeClr val="tx1"/>
+                        </a:solidFill>
+                        <a:effectLst/>
+                        <a:latin typeface="Adobe Clean"/>
+                        <a:ea typeface="+mn-ea"/>
+                        <a:cs typeface="+mn-cs"/>
+                      </a:endParaRPr>
                     </a:p>
                   </a:txBody>
                   <a:tcPr anchor="ctr">
@@ -11490,16 +12928,24 @@
                     <a:lstStyle/>
                     <a:p>
                       <a:r>
-                        <a:rPr lang="ja-JP" sz="1000" dirty="0">
+                        <a:rPr lang="en-US" sz="1000" kern="1200">
                           <a:solidFill>
                             <a:srgbClr val="000000"/>
                           </a:solidFill>
-                          <a:latin typeface="Adobe Clean Han Light" panose="020B0300000000000000" pitchFamily="34" charset="-128"/>
-                          <a:ea typeface="Adobe Clean Han Light" panose="020B0300000000000000" pitchFamily="34" charset="-128"/>
+                          <a:latin typeface="Adobe Clean Light"/>
+                          <a:ea typeface="+mn-ea"/>
                           <a:cs typeface="+mn-cs"/>
                         </a:rPr>
-                        <a:t>提供するサポートサービスについて詳しく説明されています。</a:t>
+                        <a:t>Terms and conditions detailing Support Services offerings.</a:t>
                       </a:r>
+                      <a:endParaRPr lang="en-US" sz="1000" kern="1200">
+                        <a:solidFill>
+                          <a:srgbClr val="000000"/>
+                        </a:solidFill>
+                        <a:latin typeface="Adobe Clean Light" panose="020B0303020404020204" pitchFamily="34" charset="0"/>
+                        <a:ea typeface="+mn-ea"/>
+                        <a:cs typeface="+mn-cs"/>
+                      </a:endParaRPr>
                     </a:p>
                   </a:txBody>
                   <a:tcPr anchor="ctr">
@@ -11734,13 +13180,71 @@
     <a:fontScheme name="Office">
       <a:majorFont>
         <a:latin typeface="Calibri"/>
-        <a:ea typeface="MS Mincho"/>
+        <a:ea typeface=""/>
         <a:cs typeface=""/>
+        <a:font script="Jpan" typeface="ＭＳ Ｐゴシック"/>
+        <a:font script="Hang" typeface="맑은 고딕"/>
+        <a:font script="Hans" typeface="宋体"/>
+        <a:font script="Hant" typeface="新細明體"/>
+        <a:font script="Arab" typeface="Times New Roman"/>
+        <a:font script="Hebr" typeface="Times New Roman"/>
+        <a:font script="Thai" typeface="Angsana New"/>
+        <a:font script="Ethi" typeface="Nyala"/>
+        <a:font script="Beng" typeface="Vrinda"/>
+        <a:font script="Gujr" typeface="Shruti"/>
+        <a:font script="Khmr" typeface="MoolBoran"/>
+        <a:font script="Knda" typeface="Tunga"/>
+        <a:font script="Guru" typeface="Raavi"/>
+        <a:font script="Cans" typeface="Euphemia"/>
+        <a:font script="Cher" typeface="Plantagenet Cherokee"/>
+        <a:font script="Yiii" typeface="Microsoft Yi Baiti"/>
+        <a:font script="Tibt" typeface="Microsoft Himalaya"/>
+        <a:font script="Thaa" typeface="MV Boli"/>
+        <a:font script="Deva" typeface="Mangal"/>
+        <a:font script="Telu" typeface="Gautami"/>
+        <a:font script="Taml" typeface="Latha"/>
+        <a:font script="Syrc" typeface="Estrangelo Edessa"/>
+        <a:font script="Orya" typeface="Kalinga"/>
+        <a:font script="Mlym" typeface="Kartika"/>
+        <a:font script="Laoo" typeface="DokChampa"/>
+        <a:font script="Sinh" typeface="Iskoola Pota"/>
+        <a:font script="Mong" typeface="Mongolian Baiti"/>
+        <a:font script="Viet" typeface="Times New Roman"/>
+        <a:font script="Uigh" typeface="Microsoft Uighur"/>
       </a:majorFont>
       <a:minorFont>
         <a:latin typeface="Calibri"/>
-        <a:ea typeface="MS Mincho"/>
+        <a:ea typeface=""/>
         <a:cs typeface=""/>
+        <a:font script="Jpan" typeface="ＭＳ Ｐゴシック"/>
+        <a:font script="Hang" typeface="맑은 고딕"/>
+        <a:font script="Hans" typeface="宋体"/>
+        <a:font script="Hant" typeface="新細明體"/>
+        <a:font script="Arab" typeface="Arial"/>
+        <a:font script="Hebr" typeface="Arial"/>
+        <a:font script="Thai" typeface="Cordia New"/>
+        <a:font script="Ethi" typeface="Nyala"/>
+        <a:font script="Beng" typeface="Vrinda"/>
+        <a:font script="Gujr" typeface="Shruti"/>
+        <a:font script="Khmr" typeface="DaunPenh"/>
+        <a:font script="Knda" typeface="Tunga"/>
+        <a:font script="Guru" typeface="Raavi"/>
+        <a:font script="Cans" typeface="Euphemia"/>
+        <a:font script="Cher" typeface="Plantagenet Cherokee"/>
+        <a:font script="Yiii" typeface="Microsoft Yi Baiti"/>
+        <a:font script="Tibt" typeface="Microsoft Himalaya"/>
+        <a:font script="Thaa" typeface="MV Boli"/>
+        <a:font script="Deva" typeface="Mangal"/>
+        <a:font script="Telu" typeface="Gautami"/>
+        <a:font script="Taml" typeface="Latha"/>
+        <a:font script="Syrc" typeface="Estrangelo Edessa"/>
+        <a:font script="Orya" typeface="Kalinga"/>
+        <a:font script="Mlym" typeface="Kartika"/>
+        <a:font script="Laoo" typeface="DokChampa"/>
+        <a:font script="Sinh" typeface="Iskoola Pota"/>
+        <a:font script="Mong" typeface="Mongolian Baiti"/>
+        <a:font script="Viet" typeface="Arial"/>
+        <a:font script="Uigh" typeface="Microsoft Uighur"/>
       </a:minorFont>
     </a:fontScheme>
     <a:fmtScheme name="Office">
@@ -11959,13 +13463,107 @@
     <a:fontScheme name="Office">
       <a:majorFont>
         <a:latin typeface="Calibri Light" panose="020F0302020204030204"/>
-        <a:ea typeface="MS Mincho"/>
+        <a:ea typeface=""/>
         <a:cs typeface=""/>
+        <a:font script="Jpan" typeface="游ゴシック Light"/>
+        <a:font script="Hang" typeface="맑은 고딕"/>
+        <a:font script="Hans" typeface="等线 Light"/>
+        <a:font script="Hant" typeface="新細明體"/>
+        <a:font script="Arab" typeface="Times New Roman"/>
+        <a:font script="Hebr" typeface="Tim